--- a/presentation/presentation2.pptx
+++ b/presentation/presentation2.pptx
@@ -27439,8 +27439,23 @@
             </a:pPr>
             <a:r>
               <a:rPr lang="en-US" dirty="0" smtClean="0"/>
-              <a:t>Reliability definition and model</a:t>
-            </a:r>
+              <a:t>Reliability </a:t>
+            </a:r>
+            <a:r>
+              <a:rPr lang="en-US" dirty="0" smtClean="0"/>
+              <a:t>definition</a:t>
+            </a:r>
+          </a:p>
+          <a:p>
+            <a:pPr marL="457200" indent="-457200">
+              <a:buFont typeface="+mj-lt"/>
+              <a:buAutoNum type="arabicPeriod"/>
+            </a:pPr>
+            <a:r>
+              <a:rPr lang="en-US" smtClean="0"/>
+              <a:t>Failure probability</a:t>
+            </a:r>
+            <a:endParaRPr lang="en-US" dirty="0" smtClean="0"/>
           </a:p>
           <a:p>
             <a:pPr marL="457200" indent="-457200">

--- a/presentation/presentation2.pptx
+++ b/presentation/presentation2.pptx
@@ -18180,22 +18180,40 @@
           <a:lstStyle/>
           <a:p>
             <a:r>
+              <a:rPr lang="en-US" dirty="0" smtClean="0"/>
+              <a:t>Vi </a:t>
+            </a:r>
+            <a:r>
               <a:rPr lang="en-US" dirty="0" err="1" smtClean="0"/>
-              <a:t>Räkne-exempel</a:t>
-            </a:r>
-            <a:r>
-              <a:rPr lang="en-US" baseline="0" dirty="0" smtClean="0"/>
-              <a:t> </a:t>
-            </a:r>
-          </a:p>
-          <a:p>
-            <a:r>
-              <a:rPr lang="en-US" baseline="0" dirty="0" err="1" smtClean="0"/>
-              <a:t>Antag</a:t>
-            </a:r>
-            <a:r>
-              <a:rPr lang="en-US" baseline="0" dirty="0" smtClean="0"/>
-              <a:t> </a:t>
+              <a:t>mätte</a:t>
+            </a:r>
+            <a:r>
+              <a:rPr lang="en-US" dirty="0" smtClean="0"/>
+              <a:t> </a:t>
+            </a:r>
+            <a:r>
+              <a:rPr lang="en-US" dirty="0" err="1" smtClean="0"/>
+              <a:t>även</a:t>
+            </a:r>
+            <a:r>
+              <a:rPr lang="en-US" dirty="0" smtClean="0"/>
+              <a:t> </a:t>
+            </a:r>
+            <a:r>
+              <a:rPr lang="en-US" dirty="0" err="1" smtClean="0"/>
+              <a:t>tiden</a:t>
+            </a:r>
+            <a:r>
+              <a:rPr lang="en-US" dirty="0" smtClean="0"/>
+              <a:t> </a:t>
+            </a:r>
+            <a:r>
+              <a:rPr lang="en-US" dirty="0" err="1" smtClean="0"/>
+              <a:t>det</a:t>
+            </a:r>
+            <a:r>
+              <a:rPr lang="en-US" baseline="0" dirty="0" smtClean="0"/>
+              <a:t> tog </a:t>
             </a:r>
             <a:r>
               <a:rPr lang="en-US" baseline="0" dirty="0" err="1" smtClean="0"/>
@@ -18203,7 +18221,181 @@
             </a:r>
             <a:r>
               <a:rPr lang="en-US" baseline="0" dirty="0" smtClean="0"/>
-              <a:t> en nods MTBF </a:t>
+              <a:t> </a:t>
+            </a:r>
+            <a:r>
+              <a:rPr lang="en-US" baseline="0" dirty="0" err="1" smtClean="0"/>
+              <a:t>replicera</a:t>
+            </a:r>
+            <a:r>
+              <a:rPr lang="en-US" baseline="0" dirty="0" smtClean="0"/>
+              <a:t> en task I Calvin – </a:t>
+            </a:r>
+            <a:r>
+              <a:rPr lang="en-US" baseline="0" dirty="0" err="1" smtClean="0"/>
+              <a:t>där</a:t>
+            </a:r>
+            <a:r>
+              <a:rPr lang="en-US" baseline="0" dirty="0" smtClean="0"/>
+              <a:t> vi </a:t>
+            </a:r>
+            <a:r>
+              <a:rPr lang="en-US" baseline="0" dirty="0" err="1" smtClean="0"/>
+              <a:t>implementerat</a:t>
+            </a:r>
+            <a:r>
+              <a:rPr lang="en-US" baseline="0" dirty="0" smtClean="0"/>
+              <a:t> </a:t>
+            </a:r>
+            <a:r>
+              <a:rPr lang="en-US" baseline="0" dirty="0" err="1" smtClean="0"/>
+              <a:t>vår</a:t>
+            </a:r>
+            <a:r>
+              <a:rPr lang="en-US" baseline="0" dirty="0" smtClean="0"/>
+              <a:t> </a:t>
+            </a:r>
+            <a:r>
+              <a:rPr lang="en-US" baseline="0" dirty="0" err="1" smtClean="0"/>
+              <a:t>modell</a:t>
+            </a:r>
+            <a:r>
+              <a:rPr lang="en-US" baseline="0" dirty="0" smtClean="0"/>
+              <a:t> </a:t>
+            </a:r>
+          </a:p>
+          <a:p>
+            <a:r>
+              <a:rPr lang="en-US" baseline="0" dirty="0" smtClean="0"/>
+              <a:t>Vi </a:t>
+            </a:r>
+            <a:r>
+              <a:rPr lang="en-US" baseline="0" dirty="0" err="1" smtClean="0"/>
+              <a:t>såg</a:t>
+            </a:r>
+            <a:r>
+              <a:rPr lang="en-US" baseline="0" dirty="0" smtClean="0"/>
+              <a:t> </a:t>
+            </a:r>
+            <a:r>
+              <a:rPr lang="en-US" baseline="0" dirty="0" err="1" smtClean="0"/>
+              <a:t>då</a:t>
+            </a:r>
+            <a:r>
+              <a:rPr lang="en-US" baseline="0" dirty="0" smtClean="0"/>
+              <a:t> </a:t>
+            </a:r>
+            <a:r>
+              <a:rPr lang="en-US" baseline="0" dirty="0" err="1" smtClean="0"/>
+              <a:t>att</a:t>
+            </a:r>
+            <a:r>
+              <a:rPr lang="en-US" baseline="0" dirty="0" smtClean="0"/>
+              <a:t> </a:t>
+            </a:r>
+            <a:r>
+              <a:rPr lang="en-US" baseline="0" dirty="0" err="1" smtClean="0"/>
+              <a:t>det</a:t>
+            </a:r>
+            <a:r>
+              <a:rPr lang="en-US" baseline="0" dirty="0" smtClean="0"/>
+              <a:t> tog </a:t>
+            </a:r>
+            <a:r>
+              <a:rPr lang="en-US" baseline="0" dirty="0" err="1" smtClean="0"/>
+              <a:t>mindre</a:t>
+            </a:r>
+            <a:r>
+              <a:rPr lang="en-US" baseline="0" dirty="0" smtClean="0"/>
+              <a:t> </a:t>
+            </a:r>
+            <a:r>
+              <a:rPr lang="en-US" baseline="0" dirty="0" err="1" smtClean="0"/>
+              <a:t>än</a:t>
+            </a:r>
+            <a:r>
+              <a:rPr lang="en-US" baseline="0" dirty="0" smtClean="0"/>
+              <a:t> en </a:t>
+            </a:r>
+            <a:r>
+              <a:rPr lang="en-US" baseline="0" dirty="0" err="1" smtClean="0"/>
+              <a:t>timme</a:t>
+            </a:r>
+            <a:r>
+              <a:rPr lang="en-US" baseline="0" dirty="0" smtClean="0"/>
+              <a:t> </a:t>
+            </a:r>
+            <a:r>
+              <a:rPr lang="en-US" baseline="0" dirty="0" err="1" smtClean="0"/>
+              <a:t>att</a:t>
+            </a:r>
+            <a:r>
+              <a:rPr lang="en-US" baseline="0" dirty="0" smtClean="0"/>
+              <a:t> </a:t>
+            </a:r>
+            <a:r>
+              <a:rPr lang="en-US" baseline="0" dirty="0" err="1" smtClean="0"/>
+              <a:t>replicera</a:t>
+            </a:r>
+            <a:r>
+              <a:rPr lang="en-US" baseline="0" dirty="0" smtClean="0"/>
+              <a:t> en task med </a:t>
+            </a:r>
+            <a:r>
+              <a:rPr lang="en-US" baseline="0" dirty="0" err="1" smtClean="0"/>
+              <a:t>ett</a:t>
+            </a:r>
+            <a:r>
+              <a:rPr lang="en-US" baseline="0" dirty="0" smtClean="0"/>
+              <a:t> state </a:t>
+            </a:r>
+            <a:r>
+              <a:rPr lang="en-US" baseline="0" dirty="0" err="1" smtClean="0"/>
+              <a:t>på</a:t>
+            </a:r>
+            <a:r>
+              <a:rPr lang="en-US" baseline="0" dirty="0" smtClean="0"/>
+              <a:t> 1 GB.</a:t>
+            </a:r>
+          </a:p>
+          <a:p>
+            <a:endParaRPr lang="en-US" baseline="0" dirty="0" smtClean="0"/>
+          </a:p>
+          <a:p>
+            <a:endParaRPr lang="en-US" baseline="0" dirty="0" smtClean="0"/>
+          </a:p>
+          <a:p>
+            <a:r>
+              <a:rPr lang="en-US" baseline="0" dirty="0" smtClean="0"/>
+              <a:t>Om vi </a:t>
+            </a:r>
+            <a:r>
+              <a:rPr lang="en-US" baseline="0" dirty="0" err="1" smtClean="0"/>
+              <a:t>då</a:t>
+            </a:r>
+            <a:r>
+              <a:rPr lang="en-US" baseline="0" dirty="0" smtClean="0"/>
+              <a:t> </a:t>
+            </a:r>
+            <a:r>
+              <a:rPr lang="en-US" baseline="0" dirty="0" err="1" smtClean="0"/>
+              <a:t>antar</a:t>
+            </a:r>
+            <a:r>
+              <a:rPr lang="en-US" baseline="0" dirty="0" smtClean="0"/>
+              <a:t> </a:t>
+            </a:r>
+            <a:r>
+              <a:rPr lang="en-US" baseline="0" dirty="0" err="1" smtClean="0"/>
+              <a:t>att</a:t>
+            </a:r>
+            <a:r>
+              <a:rPr lang="en-US" baseline="0" dirty="0" smtClean="0"/>
+              <a:t> </a:t>
+            </a:r>
+            <a:r>
+              <a:rPr lang="en-US" baseline="0" dirty="0" smtClean="0"/>
+              <a:t>en nods MTBF </a:t>
             </a:r>
             <a:r>
               <a:rPr lang="en-US" baseline="0" dirty="0" err="1" smtClean="0"/>
@@ -25537,14 +25729,14 @@
             </a:r>
             <a:r>
               <a:rPr lang="en-US" dirty="0" smtClean="0"/>
-              <a:t>reliability – TODO update image</a:t>
+              <a:t>reliability</a:t>
             </a:r>
             <a:endParaRPr lang="en-US" dirty="0"/>
           </a:p>
         </p:txBody>
       </p:sp>
-      <mc:AlternateContent xmlns:mc="http://schemas.openxmlformats.org/markup-compatibility/2006" xmlns:a14="http://schemas.microsoft.com/office/drawing/2010/main">
-        <mc:Choice Requires="a14">
+      <mc:AlternateContent xmlns:mc="http://schemas.openxmlformats.org/markup-compatibility/2006">
+        <mc:Choice xmlns:a14="http://schemas.microsoft.com/office/drawing/2010/main" Requires="a14">
           <p:sp>
             <p:nvSpPr>
               <p:cNvPr id="3" name="Content Placeholder 2"/>
@@ -25583,12 +25775,31 @@
                 </a:r>
                 <a14:m>
                   <m:oMath xmlns:m="http://schemas.openxmlformats.org/officeDocument/2006/math">
-                    <m:r>
-                      <a:rPr lang="en-GB" b="0" i="1" smtClean="0">
-                        <a:latin typeface="Cambria Math" charset="0"/>
-                      </a:rPr>
-                      <m:t>𝜆</m:t>
-                    </m:r>
+                    <m:sSub>
+                      <m:sSubPr>
+                        <m:ctrlPr>
+                          <a:rPr lang="en-US" b="0" i="1" smtClean="0">
+                            <a:latin typeface="Cambria Math" charset="0"/>
+                          </a:rPr>
+                        </m:ctrlPr>
+                      </m:sSubPr>
+                      <m:e>
+                        <m:r>
+                          <a:rPr lang="en-GB" b="0" i="1" smtClean="0">
+                            <a:latin typeface="Cambria Math" charset="0"/>
+                          </a:rPr>
+                          <m:t>𝑅</m:t>
+                        </m:r>
+                      </m:e>
+                      <m:sub>
+                        <m:r>
+                          <a:rPr lang="en-GB" b="0" i="1" smtClean="0">
+                            <a:latin typeface="Cambria Math" charset="0"/>
+                          </a:rPr>
+                          <m:t>𝑟𝑒𝑞</m:t>
+                        </m:r>
+                      </m:sub>
+                    </m:sSub>
                   </m:oMath>
                 </a14:m>
                 <a:endParaRPr lang="sv-SE" b="0" dirty="0" smtClean="0"/>
@@ -25639,7 +25850,7 @@
             </p:txBody>
           </p:sp>
         </mc:Choice>
-        <mc:Fallback xmlns="">
+        <mc:Fallback>
           <p:sp>
             <p:nvSpPr>
               <p:cNvPr id="3" name="Content Placeholder 2"/>
@@ -25654,7 +25865,7 @@
               <a:blipFill rotWithShape="0">
                 <a:blip r:embed="rId3"/>
                 <a:stretch>
-                  <a:fillRect l="-1515" t="-909"/>
+                  <a:fillRect l="-1515" t="-758"/>
                 </a:stretch>
               </a:blipFill>
             </p:spPr>
@@ -25675,7 +25886,7 @@
       </mc:AlternateContent>
       <p:pic>
         <p:nvPicPr>
-          <p:cNvPr id="4" name="Picture 3"/>
+          <p:cNvPr id="5" name="Picture 4"/>
           <p:cNvPicPr>
             <a:picLocks noChangeAspect="1"/>
           </p:cNvPicPr>
@@ -25695,8 +25906,8 @@
         </p:blipFill>
         <p:spPr>
           <a:xfrm>
-            <a:off x="1097280" y="2639956"/>
-            <a:ext cx="6946900" cy="2159000"/>
+            <a:off x="1097280" y="2688168"/>
+            <a:ext cx="7962900" cy="3289300"/>
           </a:xfrm>
           <a:prstGeom prst="rect">
             <a:avLst/>
@@ -27452,7 +27663,7 @@
               <a:buAutoNum type="arabicPeriod"/>
             </a:pPr>
             <a:r>
-              <a:rPr lang="en-US" smtClean="0"/>
+              <a:rPr lang="en-US" dirty="0" smtClean="0"/>
               <a:t>Failure probability</a:t>
             </a:r>
             <a:endParaRPr lang="en-US" dirty="0" smtClean="0"/>
@@ -27474,8 +27685,9 @@
             </a:pPr>
             <a:r>
               <a:rPr lang="en-US" dirty="0" smtClean="0"/>
-              <a:t>Calvin</a:t>
-            </a:r>
+              <a:t>Calvin – TODO needed?</a:t>
+            </a:r>
+            <a:endParaRPr lang="en-US" dirty="0" smtClean="0"/>
           </a:p>
           <a:p>
             <a:pPr marL="457200" indent="-457200">
@@ -27789,55 +28001,21 @@
             </a:r>
             <a:r>
               <a:rPr lang="en-US" dirty="0" smtClean="0"/>
-              <a:t>reliable – TODO update image</a:t>
+              <a:t>reliable</a:t>
             </a:r>
             <a:endParaRPr lang="en-US" dirty="0"/>
-          </a:p>
-        </p:txBody>
-      </p:sp>
-      <p:sp>
-        <p:nvSpPr>
-          <p:cNvPr id="3" name="Content Placeholder 2"/>
-          <p:cNvSpPr>
-            <a:spLocks noGrp="1"/>
-          </p:cNvSpPr>
-          <p:nvPr>
-            <p:ph idx="1"/>
-          </p:nvPr>
-        </p:nvSpPr>
-        <p:spPr/>
-        <p:txBody>
-          <a:bodyPr/>
-          <a:lstStyle/>
-          <a:p>
-            <a:pPr marL="457200" marR="0" lvl="0" indent="-457200" defTabSz="914400" eaLnBrk="1" fontAlgn="auto" latinLnBrk="0" hangingPunct="1">
-              <a:lnSpc>
-                <a:spcPct val="100000"/>
-              </a:lnSpc>
-              <a:spcBef>
-                <a:spcPts val="0"/>
-              </a:spcBef>
-              <a:spcAft>
-                <a:spcPts val="0"/>
-              </a:spcAft>
-              <a:buClrTx/>
-              <a:buSzTx/>
-              <a:buFont typeface="+mj-lt"/>
-              <a:buNone/>
-              <a:tabLst/>
-              <a:defRPr/>
-            </a:pPr>
-            <a:endParaRPr lang="en-US" dirty="0" smtClean="0"/>
           </a:p>
         </p:txBody>
       </p:sp>
       <p:pic>
         <p:nvPicPr>
-          <p:cNvPr id="5" name="Content Placeholder 6"/>
+          <p:cNvPr id="4" name="Content Placeholder 3"/>
           <p:cNvPicPr>
-            <a:picLocks noChangeAspect="1"/>
+            <a:picLocks noGrp="1" noChangeAspect="1"/>
           </p:cNvPicPr>
-          <p:nvPr/>
+          <p:nvPr>
+            <p:ph idx="1"/>
+          </p:nvPr>
         </p:nvPicPr>
         <p:blipFill>
           <a:blip r:embed="rId3">
@@ -27853,12 +28031,9 @@
         </p:blipFill>
         <p:spPr>
           <a:xfrm>
-            <a:off x="1097280" y="1846263"/>
-            <a:ext cx="8134627" cy="4429846"/>
+            <a:off x="1097280" y="1855530"/>
+            <a:ext cx="4550815" cy="4392870"/>
           </a:xfrm>
-          <a:prstGeom prst="rect">
-            <a:avLst/>
-          </a:prstGeom>
         </p:spPr>
       </p:pic>
     </p:spTree>
@@ -27919,7 +28094,7 @@
             </a:r>
             <a:r>
               <a:rPr lang="en-US" dirty="0" smtClean="0"/>
-              <a:t>replicas – TODO update image</a:t>
+              <a:t>replicas</a:t>
             </a:r>
             <a:endParaRPr lang="en-US" dirty="0"/>
           </a:p>
@@ -27927,7 +28102,7 @@
       </p:sp>
       <p:pic>
         <p:nvPicPr>
-          <p:cNvPr id="4" name="Content Placeholder 3"/>
+          <p:cNvPr id="5" name="Content Placeholder 4"/>
           <p:cNvPicPr>
             <a:picLocks noGrp="1" noChangeAspect="1"/>
           </p:cNvPicPr>
@@ -27949,8 +28124,8 @@
         </p:blipFill>
         <p:spPr>
           <a:xfrm>
-            <a:off x="1097280" y="2275320"/>
-            <a:ext cx="7658100" cy="2832100"/>
+            <a:off x="1097280" y="2356139"/>
+            <a:ext cx="7400804" cy="2686916"/>
           </a:xfrm>
         </p:spPr>
       </p:pic>
@@ -27991,9 +28166,95 @@
           <a:chExt cx="0" cy="0"/>
         </a:xfrm>
       </p:grpSpPr>
+      <p:sp>
+        <p:nvSpPr>
+          <p:cNvPr id="2" name="Title 1"/>
+          <p:cNvSpPr>
+            <a:spLocks noGrp="1"/>
+          </p:cNvSpPr>
+          <p:nvPr>
+            <p:ph type="title"/>
+          </p:nvPr>
+        </p:nvSpPr>
+        <p:spPr/>
+        <p:txBody>
+          <a:bodyPr/>
+          <a:lstStyle/>
+          <a:p>
+            <a:r>
+              <a:rPr lang="en-US" dirty="0" smtClean="0"/>
+              <a:t>Optimization </a:t>
+            </a:r>
+            <a:r>
+              <a:rPr lang="en-US" dirty="0" smtClean="0"/>
+              <a:t>example</a:t>
+            </a:r>
+            <a:endParaRPr lang="en-US" dirty="0"/>
+          </a:p>
+        </p:txBody>
+      </p:sp>
+      <p:sp>
+        <p:nvSpPr>
+          <p:cNvPr id="3" name="Content Placeholder 2"/>
+          <p:cNvSpPr>
+            <a:spLocks noGrp="1"/>
+          </p:cNvSpPr>
+          <p:nvPr>
+            <p:ph idx="1"/>
+          </p:nvPr>
+        </p:nvSpPr>
+        <p:spPr/>
+        <p:txBody>
+          <a:bodyPr/>
+          <a:lstStyle/>
+          <a:p>
+            <a:pPr marL="0" marR="0" lvl="0" indent="0" defTabSz="914400" eaLnBrk="1" fontAlgn="auto" latinLnBrk="0" hangingPunct="1">
+              <a:lnSpc>
+                <a:spcPct val="100000"/>
+              </a:lnSpc>
+              <a:spcBef>
+                <a:spcPts val="0"/>
+              </a:spcBef>
+              <a:spcAft>
+                <a:spcPts val="0"/>
+              </a:spcAft>
+              <a:buClrTx/>
+              <a:buSzTx/>
+              <a:buFont typeface="Arial" charset="0"/>
+              <a:buNone/>
+              <a:tabLst/>
+              <a:defRPr/>
+            </a:pPr>
+            <a:r>
+              <a:rPr lang="en-US" dirty="0" smtClean="0"/>
+              <a:t>Assume we have the same situation as before</a:t>
+            </a:r>
+          </a:p>
+          <a:p>
+            <a:pPr marL="0" marR="0" lvl="0" indent="0" defTabSz="914400" eaLnBrk="1" fontAlgn="auto" latinLnBrk="0" hangingPunct="1">
+              <a:lnSpc>
+                <a:spcPct val="100000"/>
+              </a:lnSpc>
+              <a:spcBef>
+                <a:spcPts val="0"/>
+              </a:spcBef>
+              <a:spcAft>
+                <a:spcPts val="0"/>
+              </a:spcAft>
+              <a:buClrTx/>
+              <a:buSzTx/>
+              <a:buFont typeface="Arial" charset="0"/>
+              <a:buNone/>
+              <a:tabLst/>
+              <a:defRPr/>
+            </a:pPr>
+            <a:endParaRPr lang="en-US" dirty="0" smtClean="0"/>
+          </a:p>
+        </p:txBody>
+      </p:sp>
       <p:pic>
         <p:nvPicPr>
-          <p:cNvPr id="5" name="Picture 4"/>
+          <p:cNvPr id="4" name="Picture 3"/>
           <p:cNvPicPr>
             <a:picLocks noChangeAspect="1"/>
           </p:cNvPicPr>
@@ -28013,103 +28274,17 @@
         </p:blipFill>
         <p:spPr>
           <a:xfrm>
-            <a:off x="1097280" y="2746049"/>
-            <a:ext cx="4450416" cy="1645842"/>
+            <a:off x="5904801" y="2122594"/>
+            <a:ext cx="3619500" cy="3746500"/>
           </a:xfrm>
           <a:prstGeom prst="rect">
             <a:avLst/>
           </a:prstGeom>
         </p:spPr>
       </p:pic>
-      <p:sp>
-        <p:nvSpPr>
-          <p:cNvPr id="2" name="Title 1"/>
-          <p:cNvSpPr>
-            <a:spLocks noGrp="1"/>
-          </p:cNvSpPr>
-          <p:nvPr>
-            <p:ph type="title"/>
-          </p:nvPr>
-        </p:nvSpPr>
-        <p:spPr/>
-        <p:txBody>
-          <a:bodyPr/>
-          <a:lstStyle/>
-          <a:p>
-            <a:r>
-              <a:rPr lang="en-US" dirty="0" smtClean="0"/>
-              <a:t>Optimization </a:t>
-            </a:r>
-            <a:r>
-              <a:rPr lang="en-US" dirty="0" smtClean="0"/>
-              <a:t>example – TODO update image</a:t>
-            </a:r>
-            <a:endParaRPr lang="en-US" dirty="0"/>
-          </a:p>
-        </p:txBody>
-      </p:sp>
-      <p:sp>
-        <p:nvSpPr>
-          <p:cNvPr id="3" name="Content Placeholder 2"/>
-          <p:cNvSpPr>
-            <a:spLocks noGrp="1"/>
-          </p:cNvSpPr>
-          <p:nvPr>
-            <p:ph idx="1"/>
-          </p:nvPr>
-        </p:nvSpPr>
-        <p:spPr/>
-        <p:txBody>
-          <a:bodyPr/>
-          <a:lstStyle/>
-          <a:p>
-            <a:pPr marL="0" marR="0" lvl="0" indent="0" defTabSz="914400" eaLnBrk="1" fontAlgn="auto" latinLnBrk="0" hangingPunct="1">
-              <a:lnSpc>
-                <a:spcPct val="100000"/>
-              </a:lnSpc>
-              <a:spcBef>
-                <a:spcPts val="0"/>
-              </a:spcBef>
-              <a:spcAft>
-                <a:spcPts val="0"/>
-              </a:spcAft>
-              <a:buClrTx/>
-              <a:buSzTx/>
-              <a:buFont typeface="Arial" charset="0"/>
-              <a:buNone/>
-              <a:tabLst/>
-              <a:defRPr/>
-            </a:pPr>
-            <a:r>
-              <a:rPr lang="en-US" dirty="0" smtClean="0"/>
-              <a:t>Assume we have the same situation as before</a:t>
-            </a:r>
-          </a:p>
-          <a:p>
-            <a:pPr marL="0" marR="0" lvl="0" indent="0" defTabSz="914400" eaLnBrk="1" fontAlgn="auto" latinLnBrk="0" hangingPunct="1">
-              <a:lnSpc>
-                <a:spcPct val="100000"/>
-              </a:lnSpc>
-              <a:spcBef>
-                <a:spcPts val="0"/>
-              </a:spcBef>
-              <a:spcAft>
-                <a:spcPts val="0"/>
-              </a:spcAft>
-              <a:buClrTx/>
-              <a:buSzTx/>
-              <a:buFont typeface="Arial" charset="0"/>
-              <a:buNone/>
-              <a:tabLst/>
-              <a:defRPr/>
-            </a:pPr>
-            <a:endParaRPr lang="en-US" dirty="0" smtClean="0"/>
-          </a:p>
-        </p:txBody>
-      </p:sp>
       <p:pic>
         <p:nvPicPr>
-          <p:cNvPr id="4" name="Picture 3"/>
+          <p:cNvPr id="6" name="Picture 5"/>
           <p:cNvPicPr>
             <a:picLocks noChangeAspect="1"/>
           </p:cNvPicPr>
@@ -28129,8 +28304,8 @@
         </p:blipFill>
         <p:spPr>
           <a:xfrm>
-            <a:off x="5904801" y="2122594"/>
-            <a:ext cx="3619500" cy="3746500"/>
+            <a:off x="1098348" y="2984905"/>
+            <a:ext cx="4806453" cy="1745018"/>
           </a:xfrm>
           <a:prstGeom prst="rect">
             <a:avLst/>
@@ -33770,7 +33945,7 @@
       </p:sp>
       <p:pic>
         <p:nvPicPr>
-          <p:cNvPr id="4" name="Picture 3"/>
+          <p:cNvPr id="5" name="Picture 4"/>
           <p:cNvPicPr>
             <a:picLocks noChangeAspect="1"/>
           </p:cNvPicPr>
@@ -33790,8 +33965,8 @@
         </p:blipFill>
         <p:spPr>
           <a:xfrm>
-            <a:off x="2316480" y="2214581"/>
-            <a:ext cx="7620000" cy="4051300"/>
+            <a:off x="2387898" y="2230551"/>
+            <a:ext cx="7477164" cy="4031703"/>
           </a:xfrm>
           <a:prstGeom prst="rect">
             <a:avLst/>
@@ -33858,15 +34033,32 @@
           </a:p>
         </p:txBody>
       </p:sp>
-      <p:pic>
-        <p:nvPicPr>
-          <p:cNvPr id="5" name="Content Placeholder 4"/>
-          <p:cNvPicPr>
-            <a:picLocks noGrp="1" noChangeAspect="1"/>
-          </p:cNvPicPr>
+      <p:sp>
+        <p:nvSpPr>
+          <p:cNvPr id="6" name="Content Placeholder 5"/>
+          <p:cNvSpPr>
+            <a:spLocks noGrp="1"/>
+          </p:cNvSpPr>
           <p:nvPr>
             <p:ph idx="1"/>
           </p:nvPr>
+        </p:nvSpPr>
+        <p:spPr/>
+        <p:txBody>
+          <a:bodyPr/>
+          <a:lstStyle/>
+          <a:p>
+            <a:endParaRPr lang="en-US"/>
+          </a:p>
+        </p:txBody>
+      </p:sp>
+      <p:pic>
+        <p:nvPicPr>
+          <p:cNvPr id="7" name="Content Placeholder 3"/>
+          <p:cNvPicPr>
+            <a:picLocks noChangeAspect="1"/>
+          </p:cNvPicPr>
+          <p:nvPr/>
         </p:nvPicPr>
         <p:blipFill>
           <a:blip r:embed="rId2">
@@ -33882,9 +34074,12 @@
         </p:blipFill>
         <p:spPr>
           <a:xfrm>
-            <a:off x="2431626" y="2212023"/>
-            <a:ext cx="7389707" cy="4022725"/>
+            <a:off x="2475323" y="1934403"/>
+            <a:ext cx="7302314" cy="3846022"/>
           </a:xfrm>
+          <a:prstGeom prst="rect">
+            <a:avLst/>
+          </a:prstGeom>
         </p:spPr>
       </p:pic>
     </p:spTree>

--- a/presentation/presentation2.pptx
+++ b/presentation/presentation2.pptx
@@ -13,8 +13,8 @@
     <p:sldId id="288" r:id="rId4"/>
     <p:sldId id="329" r:id="rId5"/>
     <p:sldId id="331" r:id="rId6"/>
-    <p:sldId id="307" r:id="rId7"/>
-    <p:sldId id="309" r:id="rId8"/>
+    <p:sldId id="370" r:id="rId7"/>
+    <p:sldId id="307" r:id="rId8"/>
     <p:sldId id="338" r:id="rId9"/>
     <p:sldId id="330" r:id="rId10"/>
     <p:sldId id="302" r:id="rId11"/>
@@ -18926,184 +18926,572 @@
           <a:p>
             <a:r>
               <a:rPr lang="en-US" dirty="0" err="1" smtClean="0"/>
-              <a:t>När</a:t>
-            </a:r>
-            <a:r>
-              <a:rPr lang="en-US" dirty="0" smtClean="0"/>
-              <a:t> man </a:t>
-            </a:r>
-            <a:r>
-              <a:rPr lang="en-US" dirty="0" err="1" smtClean="0"/>
+              <a:t>Applikationen</a:t>
+            </a:r>
+            <a:r>
+              <a:rPr lang="en-US" baseline="0" dirty="0" smtClean="0"/>
+              <a:t> vi </a:t>
+            </a:r>
+            <a:r>
+              <a:rPr lang="en-US" baseline="0" dirty="0" err="1" smtClean="0"/>
+              <a:t>tänker</a:t>
+            </a:r>
+            <a:r>
+              <a:rPr lang="en-US" baseline="0" dirty="0" smtClean="0"/>
+              <a:t> </a:t>
+            </a:r>
+            <a:r>
+              <a:rPr lang="en-US" baseline="0" dirty="0" err="1" smtClean="0"/>
+              <a:t>oss</a:t>
+            </a:r>
+            <a:r>
+              <a:rPr lang="en-US" baseline="0" dirty="0" smtClean="0"/>
+              <a:t> </a:t>
+            </a:r>
+            <a:r>
+              <a:rPr lang="en-US" baseline="0" dirty="0" err="1" smtClean="0"/>
+              <a:t>är</a:t>
+            </a:r>
+            <a:r>
+              <a:rPr lang="en-US" baseline="0" dirty="0" smtClean="0"/>
+              <a:t> </a:t>
+            </a:r>
+            <a:r>
+              <a:rPr lang="en-US" baseline="0" dirty="0" err="1" smtClean="0"/>
+              <a:t>i</a:t>
+            </a:r>
+            <a:r>
+              <a:rPr lang="en-US" baseline="0" dirty="0" smtClean="0"/>
+              <a:t> </a:t>
+            </a:r>
+            <a:r>
+              <a:rPr lang="en-US" baseline="0" dirty="0" err="1" smtClean="0"/>
+              <a:t>dess</a:t>
+            </a:r>
+            <a:r>
+              <a:rPr lang="en-US" baseline="0" dirty="0" smtClean="0"/>
+              <a:t> </a:t>
+            </a:r>
+            <a:r>
+              <a:rPr lang="en-US" baseline="0" dirty="0" err="1" smtClean="0"/>
+              <a:t>enklaste</a:t>
+            </a:r>
+            <a:r>
+              <a:rPr lang="en-US" baseline="0" dirty="0" smtClean="0"/>
+              <a:t> fall </a:t>
+            </a:r>
+            <a:r>
+              <a:rPr lang="en-US" baseline="0" dirty="0" err="1" smtClean="0"/>
+              <a:t>bestånde</a:t>
+            </a:r>
+            <a:r>
+              <a:rPr lang="en-US" baseline="0" dirty="0" smtClean="0"/>
+              <a:t> </a:t>
+            </a:r>
+            <a:r>
+              <a:rPr lang="en-US" baseline="0" dirty="0" err="1" smtClean="0"/>
+              <a:t>av</a:t>
+            </a:r>
+            <a:r>
+              <a:rPr lang="en-US" baseline="0" dirty="0" smtClean="0"/>
+              <a:t> 3 </a:t>
+            </a:r>
+            <a:r>
+              <a:rPr lang="en-US" baseline="0" dirty="0" err="1" smtClean="0"/>
+              <a:t>delar</a:t>
+            </a:r>
+            <a:r>
+              <a:rPr lang="en-US" baseline="0" dirty="0" smtClean="0"/>
+              <a:t>. En </a:t>
+            </a:r>
+            <a:r>
+              <a:rPr lang="en-US" baseline="0" dirty="0" err="1" smtClean="0"/>
+              <a:t>producent</a:t>
+            </a:r>
+            <a:r>
+              <a:rPr lang="en-US" baseline="0" dirty="0" smtClean="0"/>
+              <a:t>, </a:t>
+            </a:r>
+            <a:r>
+              <a:rPr lang="en-US" baseline="0" dirty="0" err="1" smtClean="0"/>
+              <a:t>som</a:t>
+            </a:r>
+            <a:r>
+              <a:rPr lang="en-US" baseline="0" dirty="0" smtClean="0"/>
+              <a:t> </a:t>
+            </a:r>
+            <a:r>
+              <a:rPr lang="en-US" baseline="0" dirty="0" err="1" smtClean="0"/>
+              <a:t>producerar</a:t>
+            </a:r>
+            <a:r>
+              <a:rPr lang="en-US" baseline="0" dirty="0" smtClean="0"/>
+              <a:t> </a:t>
+            </a:r>
+            <a:r>
+              <a:rPr lang="en-US" baseline="0" dirty="0" err="1" smtClean="0"/>
+              <a:t>någon</a:t>
+            </a:r>
+            <a:r>
+              <a:rPr lang="en-US" baseline="0" dirty="0" smtClean="0"/>
+              <a:t> form </a:t>
+            </a:r>
+            <a:r>
+              <a:rPr lang="en-US" baseline="0" dirty="0" err="1" smtClean="0"/>
+              <a:t>av</a:t>
+            </a:r>
+            <a:r>
+              <a:rPr lang="en-US" baseline="0" dirty="0" smtClean="0"/>
+              <a:t> data </a:t>
+            </a:r>
+            <a:r>
+              <a:rPr lang="en-US" baseline="0" dirty="0" err="1" smtClean="0"/>
+              <a:t>som</a:t>
+            </a:r>
+            <a:r>
+              <a:rPr lang="en-US" baseline="0" dirty="0" smtClean="0"/>
+              <a:t> </a:t>
+            </a:r>
+            <a:r>
+              <a:rPr lang="en-US" baseline="0" dirty="0" err="1" smtClean="0"/>
+              <a:t>måste</a:t>
+            </a:r>
+            <a:r>
+              <a:rPr lang="en-US" baseline="0" dirty="0" smtClean="0"/>
+              <a:t> </a:t>
+            </a:r>
+            <a:r>
+              <a:rPr lang="en-US" baseline="0" dirty="0" err="1" smtClean="0"/>
+              <a:t>behandlas</a:t>
+            </a:r>
+            <a:r>
+              <a:rPr lang="en-US" baseline="0" dirty="0" smtClean="0"/>
+              <a:t>. </a:t>
+            </a:r>
+            <a:r>
+              <a:rPr lang="en-US" baseline="0" dirty="0" err="1" smtClean="0"/>
+              <a:t>Datan</a:t>
+            </a:r>
+            <a:r>
+              <a:rPr lang="en-US" baseline="0" dirty="0" smtClean="0"/>
+              <a:t> </a:t>
+            </a:r>
+            <a:r>
+              <a:rPr lang="en-US" baseline="0" dirty="0" err="1" smtClean="0"/>
+              <a:t>skickas</a:t>
+            </a:r>
+            <a:r>
+              <a:rPr lang="en-US" baseline="0" dirty="0" smtClean="0"/>
+              <a:t> till en </a:t>
+            </a:r>
+            <a:r>
+              <a:rPr lang="en-US" baseline="0" dirty="0" err="1" smtClean="0"/>
+              <a:t>tjänst</a:t>
+            </a:r>
+            <a:r>
+              <a:rPr lang="en-US" baseline="0" dirty="0" smtClean="0"/>
+              <a:t> </a:t>
+            </a:r>
+            <a:r>
+              <a:rPr lang="en-US" baseline="0" dirty="0" err="1" smtClean="0"/>
+              <a:t>som</a:t>
+            </a:r>
+            <a:r>
+              <a:rPr lang="en-US" baseline="0" dirty="0" smtClean="0"/>
+              <a:t> </a:t>
+            </a:r>
+            <a:r>
+              <a:rPr lang="en-US" baseline="0" dirty="0" err="1" smtClean="0"/>
+              <a:t>gör</a:t>
+            </a:r>
+            <a:r>
+              <a:rPr lang="en-US" baseline="0" dirty="0" smtClean="0"/>
+              <a:t> </a:t>
+            </a:r>
+            <a:r>
+              <a:rPr lang="en-US" baseline="0" dirty="0" err="1" smtClean="0"/>
+              <a:t>beräkningar</a:t>
+            </a:r>
+            <a:r>
+              <a:rPr lang="en-US" baseline="0" dirty="0" smtClean="0"/>
+              <a:t> </a:t>
+            </a:r>
+            <a:r>
+              <a:rPr lang="en-US" baseline="0" dirty="0" err="1" smtClean="0"/>
+              <a:t>på</a:t>
+            </a:r>
+            <a:r>
+              <a:rPr lang="en-US" baseline="0" dirty="0" smtClean="0"/>
+              <a:t> </a:t>
+            </a:r>
+            <a:r>
+              <a:rPr lang="en-US" baseline="0" dirty="0" err="1" smtClean="0"/>
+              <a:t>datan</a:t>
+            </a:r>
+            <a:r>
+              <a:rPr lang="en-US" baseline="0" dirty="0" smtClean="0"/>
+              <a:t> </a:t>
+            </a:r>
+            <a:r>
+              <a:rPr lang="en-US" baseline="0" dirty="0" err="1" smtClean="0"/>
+              <a:t>och</a:t>
+            </a:r>
+            <a:r>
+              <a:rPr lang="en-US" baseline="0" dirty="0" smtClean="0"/>
+              <a:t> </a:t>
+            </a:r>
+            <a:r>
+              <a:rPr lang="en-US" baseline="0" dirty="0" err="1" smtClean="0"/>
+              <a:t>skickar</a:t>
+            </a:r>
+            <a:r>
+              <a:rPr lang="en-US" baseline="0" dirty="0" smtClean="0"/>
+              <a:t> </a:t>
+            </a:r>
+            <a:r>
+              <a:rPr lang="en-US" baseline="0" dirty="0" err="1" smtClean="0"/>
+              <a:t>resultatet</a:t>
+            </a:r>
+            <a:r>
+              <a:rPr lang="en-US" baseline="0" dirty="0" smtClean="0"/>
+              <a:t> till en </a:t>
+            </a:r>
+            <a:r>
+              <a:rPr lang="en-US" baseline="0" dirty="0" err="1" smtClean="0"/>
+              <a:t>konsument</a:t>
+            </a:r>
+            <a:r>
+              <a:rPr lang="en-US" baseline="0" dirty="0" smtClean="0"/>
+              <a:t>.</a:t>
+            </a:r>
+          </a:p>
+          <a:p>
+            <a:endParaRPr lang="en-US" baseline="0" dirty="0" smtClean="0"/>
+          </a:p>
+          <a:p>
+            <a:r>
+              <a:rPr lang="en-US" baseline="0" dirty="0" smtClean="0"/>
+              <a:t>Vid </a:t>
+            </a:r>
+            <a:r>
+              <a:rPr lang="en-US" baseline="0" dirty="0" err="1" smtClean="0"/>
+              <a:t>replicering</a:t>
+            </a:r>
+            <a:r>
+              <a:rPr lang="en-US" baseline="0" dirty="0" smtClean="0"/>
+              <a:t> </a:t>
+            </a:r>
+            <a:r>
+              <a:rPr lang="en-US" baseline="0" dirty="0" err="1" smtClean="0"/>
+              <a:t>så</a:t>
+            </a:r>
+            <a:r>
+              <a:rPr lang="en-US" baseline="0" dirty="0" smtClean="0"/>
+              <a:t> </a:t>
+            </a:r>
+            <a:r>
+              <a:rPr lang="en-US" baseline="0" dirty="0" err="1" smtClean="0"/>
+              <a:t>får</a:t>
+            </a:r>
+            <a:r>
+              <a:rPr lang="en-US" baseline="0" dirty="0" smtClean="0"/>
+              <a:t> </a:t>
+            </a:r>
+            <a:r>
+              <a:rPr lang="en-US" baseline="0" dirty="0" err="1" smtClean="0"/>
+              <a:t>varje</a:t>
+            </a:r>
+            <a:r>
+              <a:rPr lang="en-US" baseline="0" dirty="0" smtClean="0"/>
+              <a:t> </a:t>
+            </a:r>
+            <a:r>
+              <a:rPr lang="en-US" baseline="0" dirty="0" err="1" smtClean="0"/>
+              <a:t>replika</a:t>
+            </a:r>
+            <a:r>
+              <a:rPr lang="en-US" baseline="0" dirty="0" smtClean="0"/>
+              <a:t> </a:t>
+            </a:r>
+            <a:r>
+              <a:rPr lang="en-US" baseline="0" dirty="0" err="1" smtClean="0"/>
+              <a:t>samma</a:t>
+            </a:r>
+            <a:r>
+              <a:rPr lang="en-US" baseline="0" dirty="0" smtClean="0"/>
+              <a:t> input. </a:t>
+            </a:r>
+            <a:r>
+              <a:rPr lang="en-US" baseline="0" dirty="0" err="1" smtClean="0"/>
+              <a:t>Replikorna</a:t>
+            </a:r>
+            <a:r>
+              <a:rPr lang="en-US" baseline="0" dirty="0" smtClean="0"/>
+              <a:t> </a:t>
+            </a:r>
+            <a:r>
+              <a:rPr lang="en-US" baseline="0" dirty="0" err="1" smtClean="0"/>
+              <a:t>kan</a:t>
+            </a:r>
+            <a:r>
+              <a:rPr lang="en-US" baseline="0" dirty="0" smtClean="0"/>
+              <a:t> dock </a:t>
+            </a:r>
+            <a:r>
+              <a:rPr lang="en-US" baseline="0" dirty="0" err="1" smtClean="0"/>
+              <a:t>vara</a:t>
+            </a:r>
+            <a:r>
+              <a:rPr lang="en-US" baseline="0" dirty="0" smtClean="0"/>
+              <a:t> lite I </a:t>
+            </a:r>
+            <a:r>
+              <a:rPr lang="en-US" baseline="0" dirty="0" err="1" smtClean="0"/>
+              <a:t>ofas</a:t>
+            </a:r>
+            <a:r>
+              <a:rPr lang="en-US" baseline="0" dirty="0" smtClean="0"/>
+              <a:t>, men </a:t>
+            </a:r>
+            <a:r>
+              <a:rPr lang="en-US" baseline="0" dirty="0" err="1" smtClean="0"/>
+              <a:t>synkroniseringsprpblem</a:t>
+            </a:r>
+            <a:r>
+              <a:rPr lang="en-US" baseline="0" dirty="0" smtClean="0"/>
+              <a:t> </a:t>
+            </a:r>
+            <a:r>
+              <a:rPr lang="en-US" baseline="0" dirty="0" err="1" smtClean="0"/>
+              <a:t>undvikes</a:t>
+            </a:r>
+            <a:r>
+              <a:rPr lang="en-US" baseline="0" dirty="0" smtClean="0"/>
+              <a:t> </a:t>
+            </a:r>
+            <a:r>
+              <a:rPr lang="en-US" baseline="0" dirty="0" err="1" smtClean="0"/>
+              <a:t>genom</a:t>
+            </a:r>
+            <a:r>
+              <a:rPr lang="en-US" baseline="0" dirty="0" smtClean="0"/>
+              <a:t> </a:t>
+            </a:r>
+            <a:r>
+              <a:rPr lang="en-US" baseline="0" dirty="0" err="1" smtClean="0"/>
+              <a:t>att</a:t>
+            </a:r>
+            <a:r>
+              <a:rPr lang="en-US" baseline="0" dirty="0" smtClean="0"/>
+              <a:t> anta </a:t>
+            </a:r>
+            <a:r>
+              <a:rPr lang="en-US" baseline="0" dirty="0" err="1" smtClean="0"/>
+              <a:t>att</a:t>
+            </a:r>
+            <a:r>
+              <a:rPr lang="en-US" baseline="0" dirty="0" smtClean="0"/>
+              <a:t> </a:t>
+            </a:r>
+            <a:r>
+              <a:rPr lang="en-US" baseline="0" dirty="0" err="1" smtClean="0"/>
+              <a:t>replikorna</a:t>
+            </a:r>
+            <a:r>
+              <a:rPr lang="en-US" baseline="0" dirty="0" smtClean="0"/>
+              <a:t> </a:t>
+            </a:r>
+            <a:r>
+              <a:rPr lang="en-US" baseline="0" dirty="0" err="1" smtClean="0"/>
+              <a:t>inte</a:t>
+            </a:r>
+            <a:r>
+              <a:rPr lang="en-US" baseline="0" dirty="0" smtClean="0"/>
+              <a:t> </a:t>
+            </a:r>
+            <a:r>
+              <a:rPr lang="en-US" baseline="0" dirty="0" err="1" smtClean="0"/>
+              <a:t>gör</a:t>
+            </a:r>
+            <a:r>
+              <a:rPr lang="en-US" baseline="0" dirty="0" smtClean="0"/>
+              <a:t> </a:t>
+            </a:r>
+            <a:r>
+              <a:rPr lang="en-US" baseline="0" dirty="0" err="1" smtClean="0"/>
+              <a:t>några</a:t>
+            </a:r>
+            <a:r>
+              <a:rPr lang="en-US" baseline="0" dirty="0" smtClean="0"/>
+              <a:t> externa </a:t>
+            </a:r>
+            <a:r>
+              <a:rPr lang="en-US" baseline="0" dirty="0" err="1" smtClean="0"/>
+              <a:t>anrop</a:t>
+            </a:r>
+            <a:r>
+              <a:rPr lang="en-US" baseline="0" dirty="0" smtClean="0"/>
+              <a:t> </a:t>
+            </a:r>
+            <a:r>
+              <a:rPr lang="en-US" baseline="0" dirty="0" err="1" smtClean="0"/>
+              <a:t>där</a:t>
+            </a:r>
+            <a:r>
+              <a:rPr lang="en-US" baseline="0" dirty="0" smtClean="0"/>
+              <a:t> </a:t>
+            </a:r>
+            <a:r>
+              <a:rPr lang="en-US" baseline="0" dirty="0" err="1" smtClean="0"/>
+              <a:t>resultatet</a:t>
+            </a:r>
+            <a:r>
+              <a:rPr lang="en-US" baseline="0" dirty="0" smtClean="0"/>
+              <a:t> </a:t>
+            </a:r>
+            <a:r>
+              <a:rPr lang="en-US" baseline="0" dirty="0" err="1" smtClean="0"/>
+              <a:t>påverkas</a:t>
+            </a:r>
+            <a:r>
+              <a:rPr lang="en-US" baseline="0" dirty="0" smtClean="0"/>
+              <a:t> </a:t>
+            </a:r>
+            <a:r>
+              <a:rPr lang="en-US" baseline="0" dirty="0" err="1" smtClean="0"/>
+              <a:t>av</a:t>
+            </a:r>
+            <a:r>
+              <a:rPr lang="en-US" baseline="0" dirty="0" smtClean="0"/>
+              <a:t> </a:t>
+            </a:r>
+            <a:r>
+              <a:rPr lang="en-US" baseline="0" dirty="0" err="1" smtClean="0"/>
+              <a:t>när</a:t>
+            </a:r>
+            <a:r>
+              <a:rPr lang="en-US" baseline="0" dirty="0" smtClean="0"/>
+              <a:t> </a:t>
+            </a:r>
+            <a:r>
+              <a:rPr lang="en-US" baseline="0" dirty="0" err="1" smtClean="0"/>
+              <a:t>anropet</a:t>
+            </a:r>
+            <a:r>
+              <a:rPr lang="en-US" baseline="0" dirty="0" smtClean="0"/>
+              <a:t> </a:t>
+            </a:r>
+            <a:r>
+              <a:rPr lang="en-US" baseline="0" dirty="0" err="1" smtClean="0"/>
+              <a:t>gjordes</a:t>
+            </a:r>
+            <a:r>
+              <a:rPr lang="en-US" baseline="0" dirty="0" smtClean="0"/>
+              <a:t>. Vi </a:t>
+            </a:r>
+            <a:r>
+              <a:rPr lang="en-US" baseline="0" dirty="0" err="1" smtClean="0"/>
               <a:t>antar</a:t>
             </a:r>
             <a:r>
-              <a:rPr lang="en-US" dirty="0" smtClean="0"/>
-              <a:t> </a:t>
-            </a:r>
-            <a:r>
-              <a:rPr lang="en-US" dirty="0" err="1" smtClean="0"/>
-              <a:t>konstanta</a:t>
-            </a:r>
-            <a:r>
-              <a:rPr lang="en-US" dirty="0" smtClean="0"/>
-              <a:t> </a:t>
-            </a:r>
-            <a:r>
-              <a:rPr lang="en-US" dirty="0" err="1" smtClean="0"/>
-              <a:t>felfrekvenser</a:t>
-            </a:r>
-            <a:r>
-              <a:rPr lang="en-US" dirty="0" smtClean="0"/>
-              <a:t> </a:t>
-            </a:r>
-            <a:r>
-              <a:rPr lang="en-US" dirty="0" err="1" smtClean="0"/>
+              <a:rPr lang="en-US" baseline="0" dirty="0" smtClean="0"/>
+              <a:t> </a:t>
+            </a:r>
+            <a:r>
+              <a:rPr lang="en-US" baseline="0" dirty="0" err="1" smtClean="0"/>
+              <a:t>alltså</a:t>
+            </a:r>
+            <a:r>
+              <a:rPr lang="en-US" baseline="0" dirty="0" smtClean="0"/>
+              <a:t> </a:t>
+            </a:r>
+            <a:r>
+              <a:rPr lang="en-US" baseline="0" dirty="0" err="1" smtClean="0"/>
+              <a:t>deterministiska</a:t>
+            </a:r>
+            <a:r>
+              <a:rPr lang="en-US" baseline="0" dirty="0" smtClean="0"/>
+              <a:t> </a:t>
+            </a:r>
+            <a:r>
+              <a:rPr lang="en-US" baseline="0" dirty="0" err="1" smtClean="0"/>
+              <a:t>beräkningar</a:t>
+            </a:r>
+            <a:r>
+              <a:rPr lang="en-US" baseline="0" dirty="0" smtClean="0"/>
+              <a:t> </a:t>
+            </a:r>
+            <a:r>
+              <a:rPr lang="en-US" baseline="0" dirty="0" err="1" smtClean="0"/>
+              <a:t>av</a:t>
+            </a:r>
+            <a:r>
+              <a:rPr lang="en-US" baseline="0" dirty="0" smtClean="0"/>
+              <a:t> </a:t>
+            </a:r>
+            <a:r>
+              <a:rPr lang="en-US" baseline="0" dirty="0" err="1" smtClean="0"/>
+              <a:t>inputen</a:t>
+            </a:r>
+            <a:r>
+              <a:rPr lang="en-US" baseline="0" dirty="0" smtClean="0"/>
+              <a:t>, </a:t>
+            </a:r>
+            <a:r>
+              <a:rPr lang="en-US" baseline="0" dirty="0" err="1" smtClean="0"/>
               <a:t>så</a:t>
             </a:r>
             <a:r>
-              <a:rPr lang="en-US" dirty="0" smtClean="0"/>
-              <a:t> </a:t>
-            </a:r>
-            <a:r>
-              <a:rPr lang="en-US" dirty="0" err="1" smtClean="0"/>
-              <a:t>modelleras</a:t>
-            </a:r>
-            <a:r>
-              <a:rPr lang="en-US" baseline="0" dirty="0" smtClean="0"/>
-              <a:t> </a:t>
-            </a:r>
-            <a:r>
-              <a:rPr lang="en-US" baseline="0" dirty="0" err="1" smtClean="0"/>
-              <a:t>ofta</a:t>
-            </a:r>
-            <a:r>
-              <a:rPr lang="en-US" baseline="0" dirty="0" smtClean="0"/>
-              <a:t> en nods </a:t>
-            </a:r>
-            <a:r>
-              <a:rPr lang="en-US" baseline="0" dirty="0" err="1" smtClean="0"/>
-              <a:t>tillförlitlighet</a:t>
-            </a:r>
-            <a:r>
-              <a:rPr lang="en-US" baseline="0" dirty="0" smtClean="0"/>
-              <a:t> med en Poisson process</a:t>
-            </a:r>
-          </a:p>
-          <a:p>
-            <a:endParaRPr lang="en-US" baseline="0" dirty="0" smtClean="0"/>
-          </a:p>
-          <a:p>
-            <a:r>
-              <a:rPr lang="en-US" baseline="0" dirty="0" err="1" smtClean="0"/>
-              <a:t>Som</a:t>
-            </a:r>
-            <a:r>
-              <a:rPr lang="en-US" baseline="0" dirty="0" smtClean="0"/>
-              <a:t> </a:t>
-            </a:r>
-            <a:r>
-              <a:rPr lang="en-US" baseline="0" dirty="0" err="1" smtClean="0"/>
-              <a:t>beskriver</a:t>
-            </a:r>
-            <a:r>
-              <a:rPr lang="en-US" baseline="0" dirty="0" smtClean="0"/>
-              <a:t> </a:t>
-            </a:r>
-            <a:r>
-              <a:rPr lang="en-US" baseline="0" dirty="0" err="1" smtClean="0"/>
-              <a:t>sannolikheten</a:t>
-            </a:r>
-            <a:r>
-              <a:rPr lang="en-US" baseline="0" dirty="0" smtClean="0"/>
-              <a:t> </a:t>
-            </a:r>
-            <a:r>
-              <a:rPr lang="en-US" baseline="0" dirty="0" err="1" smtClean="0"/>
-              <a:t>av</a:t>
-            </a:r>
-            <a:r>
-              <a:rPr lang="en-US" baseline="0" dirty="0" smtClean="0"/>
-              <a:t> k </a:t>
-            </a:r>
-            <a:r>
-              <a:rPr lang="en-US" baseline="0" dirty="0" err="1" smtClean="0"/>
-              <a:t>stycken</a:t>
-            </a:r>
-            <a:r>
-              <a:rPr lang="en-US" baseline="0" dirty="0" smtClean="0"/>
-              <a:t> </a:t>
-            </a:r>
-            <a:r>
-              <a:rPr lang="en-US" baseline="0" dirty="0" err="1" smtClean="0"/>
-              <a:t>fel</a:t>
-            </a:r>
-            <a:r>
-              <a:rPr lang="en-US" baseline="0" dirty="0" smtClean="0"/>
-              <a:t> om man vet </a:t>
-            </a:r>
-            <a:r>
-              <a:rPr lang="en-US" baseline="0" dirty="0" err="1" smtClean="0"/>
-              <a:t>dess</a:t>
-            </a:r>
-            <a:r>
-              <a:rPr lang="en-US" baseline="0" dirty="0" smtClean="0"/>
-              <a:t> </a:t>
-            </a:r>
-            <a:r>
-              <a:rPr lang="en-US" dirty="0" err="1" smtClean="0"/>
-              <a:t>felfrekvens</a:t>
-            </a:r>
-            <a:r>
-              <a:rPr lang="en-US" baseline="0" dirty="0" smtClean="0"/>
-              <a:t>, </a:t>
-            </a:r>
-            <a:r>
-              <a:rPr lang="en-US" baseline="0" dirty="0" err="1" smtClean="0"/>
-              <a:t>tex</a:t>
-            </a:r>
-            <a:r>
-              <a:rPr lang="en-US" baseline="0" dirty="0" smtClean="0"/>
-              <a:t> om </a:t>
-            </a:r>
-            <a:r>
-              <a:rPr lang="en-US" dirty="0" err="1" smtClean="0"/>
-              <a:t>felfrekvensen</a:t>
-            </a:r>
-            <a:r>
-              <a:rPr lang="en-US" dirty="0" smtClean="0"/>
-              <a:t> </a:t>
-            </a:r>
-            <a:r>
-              <a:rPr lang="en-US" baseline="0" dirty="0" err="1" smtClean="0"/>
-              <a:t>är</a:t>
-            </a:r>
-            <a:r>
-              <a:rPr lang="en-US" baseline="0" dirty="0" smtClean="0"/>
-              <a:t> </a:t>
-            </a:r>
-            <a:r>
-              <a:rPr lang="en-US" baseline="0" dirty="0" err="1" smtClean="0"/>
-              <a:t>ett</a:t>
-            </a:r>
-            <a:r>
-              <a:rPr lang="en-US" baseline="0" dirty="0" smtClean="0"/>
-              <a:t> </a:t>
-            </a:r>
-            <a:r>
-              <a:rPr lang="en-US" baseline="0" dirty="0" err="1" smtClean="0"/>
-              <a:t>fel</a:t>
-            </a:r>
-            <a:r>
-              <a:rPr lang="en-US" baseline="0" dirty="0" smtClean="0"/>
-              <a:t> om </a:t>
-            </a:r>
-            <a:r>
-              <a:rPr lang="en-US" baseline="0" dirty="0" err="1" smtClean="0"/>
-              <a:t>dagen</a:t>
-            </a:r>
-            <a:r>
-              <a:rPr lang="en-US" baseline="0" dirty="0" smtClean="0"/>
-              <a:t>, </a:t>
+              <a:rPr lang="en-US" baseline="0" dirty="0" smtClean="0"/>
+              <a:t> </a:t>
+            </a:r>
+            <a:r>
+              <a:rPr lang="en-US" baseline="0" dirty="0" err="1" smtClean="0"/>
+              <a:t>förutsatt</a:t>
+            </a:r>
+            <a:r>
+              <a:rPr lang="en-US" baseline="0" dirty="0" smtClean="0"/>
+              <a:t> </a:t>
+            </a:r>
+            <a:r>
+              <a:rPr lang="en-US" baseline="0" dirty="0" err="1" smtClean="0"/>
+              <a:t>att</a:t>
+            </a:r>
+            <a:r>
+              <a:rPr lang="en-US" baseline="0" dirty="0" smtClean="0"/>
+              <a:t> </a:t>
+            </a:r>
+            <a:r>
+              <a:rPr lang="en-US" baseline="0" dirty="0" err="1" smtClean="0"/>
+              <a:t>alla</a:t>
+            </a:r>
+            <a:r>
+              <a:rPr lang="en-US" baseline="0" dirty="0" smtClean="0"/>
+              <a:t> </a:t>
+            </a:r>
+            <a:r>
+              <a:rPr lang="en-US" baseline="0" dirty="0" err="1" smtClean="0"/>
+              <a:t>replikor</a:t>
+            </a:r>
+            <a:r>
+              <a:rPr lang="en-US" baseline="0" dirty="0" smtClean="0"/>
+              <a:t> </a:t>
+            </a:r>
+            <a:r>
+              <a:rPr lang="en-US" baseline="0" dirty="0" err="1" smtClean="0"/>
+              <a:t>får</a:t>
+            </a:r>
+            <a:r>
+              <a:rPr lang="en-US" baseline="0" dirty="0" smtClean="0"/>
+              <a:t> </a:t>
+            </a:r>
+            <a:r>
+              <a:rPr lang="en-US" baseline="0" dirty="0" err="1" smtClean="0"/>
+              <a:t>samma</a:t>
+            </a:r>
+            <a:r>
+              <a:rPr lang="en-US" baseline="0" dirty="0" smtClean="0"/>
+              <a:t> input, </a:t>
             </a:r>
             <a:r>
               <a:rPr lang="en-US" baseline="0" dirty="0" err="1" smtClean="0"/>
@@ -19115,97 +19503,53 @@
             </a:r>
             <a:r>
               <a:rPr lang="en-US" baseline="0" dirty="0" err="1" smtClean="0"/>
-              <a:t>ger</a:t>
-            </a:r>
-            <a:r>
-              <a:rPr lang="en-US" baseline="0" dirty="0" smtClean="0"/>
-              <a:t> P(2) </a:t>
-            </a:r>
-            <a:r>
-              <a:rPr lang="en-US" baseline="0" dirty="0" err="1" smtClean="0"/>
-              <a:t>sannolikheten</a:t>
-            </a:r>
-            <a:r>
-              <a:rPr lang="en-US" baseline="0" dirty="0" smtClean="0"/>
-              <a:t> </a:t>
-            </a:r>
-            <a:r>
-              <a:rPr lang="en-US" baseline="0" dirty="0" err="1" smtClean="0"/>
-              <a:t>för</a:t>
-            </a:r>
-            <a:r>
-              <a:rPr lang="en-US" baseline="0" dirty="0" smtClean="0"/>
-              <a:t> 2 </a:t>
-            </a:r>
-            <a:r>
-              <a:rPr lang="en-US" baseline="0" dirty="0" err="1" smtClean="0"/>
-              <a:t>fel</a:t>
-            </a:r>
-            <a:r>
-              <a:rPr lang="en-US" baseline="0" dirty="0" smtClean="0"/>
-              <a:t> under </a:t>
-            </a:r>
-            <a:r>
-              <a:rPr lang="en-US" baseline="0" dirty="0" err="1" smtClean="0"/>
-              <a:t>en</a:t>
-            </a:r>
-            <a:r>
-              <a:rPr lang="en-US" baseline="0" dirty="0" smtClean="0"/>
-              <a:t> dag.</a:t>
-            </a:r>
-          </a:p>
-          <a:p>
-            <a:endParaRPr lang="en-US" baseline="0" dirty="0" smtClean="0"/>
-          </a:p>
-          <a:p>
-            <a:r>
-              <a:rPr lang="en-US" baseline="0" dirty="0" err="1" smtClean="0"/>
-              <a:t>Och</a:t>
-            </a:r>
-            <a:r>
-              <a:rPr lang="en-US" baseline="0" dirty="0" smtClean="0"/>
-              <a:t> </a:t>
-            </a:r>
-            <a:r>
-              <a:rPr lang="en-US" dirty="0" err="1" smtClean="0"/>
-              <a:t>felfrekvensen</a:t>
-            </a:r>
-            <a:r>
-              <a:rPr lang="en-US" dirty="0" smtClean="0"/>
-              <a:t> </a:t>
-            </a:r>
-            <a:r>
-              <a:rPr lang="en-US" baseline="0" dirty="0" err="1" smtClean="0"/>
-              <a:t>kan</a:t>
-            </a:r>
-            <a:r>
-              <a:rPr lang="en-US" baseline="0" dirty="0" smtClean="0"/>
-              <a:t> med mean-time-between-failures </a:t>
-            </a:r>
-            <a:r>
-              <a:rPr lang="en-US" baseline="0" dirty="0" err="1" smtClean="0"/>
-              <a:t>beskrivas</a:t>
-            </a:r>
-            <a:r>
-              <a:rPr lang="en-US" baseline="0" dirty="0" smtClean="0"/>
-              <a:t> </a:t>
-            </a:r>
-            <a:r>
-              <a:rPr lang="en-US" baseline="0" dirty="0" err="1" smtClean="0"/>
-              <a:t>som</a:t>
-            </a:r>
-            <a:r>
-              <a:rPr lang="en-US" baseline="0" dirty="0" smtClean="0"/>
-              <a:t> en </a:t>
-            </a:r>
-            <a:r>
-              <a:rPr lang="en-US" baseline="0" dirty="0" err="1" smtClean="0"/>
-              <a:t>tid</a:t>
-            </a:r>
-            <a:r>
-              <a:rPr lang="en-US" baseline="0" dirty="0" smtClean="0"/>
-              <a:t> t / MTBF</a:t>
-            </a:r>
+              <a:t>kommer</a:t>
+            </a:r>
+            <a:r>
+              <a:rPr lang="en-US" baseline="0" dirty="0" smtClean="0"/>
+              <a:t> de </a:t>
+            </a:r>
+            <a:r>
+              <a:rPr lang="en-US" baseline="0" dirty="0" err="1" smtClean="0"/>
+              <a:t>även</a:t>
+            </a:r>
+            <a:r>
+              <a:rPr lang="en-US" baseline="0" dirty="0" smtClean="0"/>
+              <a:t> </a:t>
+            </a:r>
+            <a:r>
+              <a:rPr lang="en-US" baseline="0" dirty="0" err="1" smtClean="0"/>
+              <a:t>att</a:t>
+            </a:r>
+            <a:r>
+              <a:rPr lang="en-US" baseline="0" dirty="0" smtClean="0"/>
+              <a:t> </a:t>
+            </a:r>
+            <a:r>
+              <a:rPr lang="en-US" baseline="0" dirty="0" err="1" smtClean="0"/>
+              <a:t>producera</a:t>
+            </a:r>
+            <a:r>
+              <a:rPr lang="en-US" baseline="0" dirty="0" smtClean="0"/>
+              <a:t> </a:t>
+            </a:r>
+            <a:r>
+              <a:rPr lang="en-US" baseline="0" dirty="0" err="1" smtClean="0"/>
+              <a:t>samma</a:t>
+            </a:r>
+            <a:r>
+              <a:rPr lang="en-US" baseline="0" dirty="0" smtClean="0"/>
+              <a:t> </a:t>
+            </a:r>
+            <a:r>
+              <a:rPr lang="en-US" baseline="0" dirty="0" err="1" smtClean="0"/>
+              <a:t>resultat</a:t>
+            </a:r>
+            <a:r>
+              <a:rPr lang="en-US" baseline="0" dirty="0" smtClean="0"/>
+              <a:t>.</a:t>
+            </a:r>
+            <a:endParaRPr lang="en-US" dirty="0"/>
           </a:p>
         </p:txBody>
       </p:sp>
@@ -19235,7 +19579,7 @@
     </p:spTree>
     <p:extLst>
       <p:ext uri="{BB962C8B-B14F-4D97-AF65-F5344CB8AC3E}">
-        <p14:creationId xmlns:p14="http://schemas.microsoft.com/office/powerpoint/2010/main" val="1887332043"/>
+        <p14:creationId xmlns:p14="http://schemas.microsoft.com/office/powerpoint/2010/main" val="2770987312"/>
       </p:ext>
     </p:extLst>
   </p:cSld>
@@ -19289,32 +19633,202 @@
           <a:bodyPr/>
           <a:lstStyle/>
           <a:p>
+            <a:r>
+              <a:rPr lang="en-US" dirty="0" err="1" smtClean="0"/>
+              <a:t>När</a:t>
+            </a:r>
+            <a:r>
+              <a:rPr lang="en-US" dirty="0" smtClean="0"/>
+              <a:t> man </a:t>
+            </a:r>
+            <a:r>
+              <a:rPr lang="en-US" dirty="0" err="1" smtClean="0"/>
+              <a:t>antar</a:t>
+            </a:r>
+            <a:r>
+              <a:rPr lang="en-US" dirty="0" smtClean="0"/>
+              <a:t> </a:t>
+            </a:r>
+            <a:r>
+              <a:rPr lang="en-US" dirty="0" err="1" smtClean="0"/>
+              <a:t>konstanta</a:t>
+            </a:r>
+            <a:r>
+              <a:rPr lang="en-US" dirty="0" smtClean="0"/>
+              <a:t> </a:t>
+            </a:r>
+            <a:r>
+              <a:rPr lang="en-US" dirty="0" err="1" smtClean="0"/>
+              <a:t>felfrekvenser</a:t>
+            </a:r>
+            <a:r>
+              <a:rPr lang="en-US" dirty="0" smtClean="0"/>
+              <a:t> </a:t>
+            </a:r>
+            <a:r>
+              <a:rPr lang="en-US" dirty="0" err="1" smtClean="0"/>
+              <a:t>så</a:t>
+            </a:r>
+            <a:r>
+              <a:rPr lang="en-US" dirty="0" smtClean="0"/>
+              <a:t> </a:t>
+            </a:r>
+            <a:r>
+              <a:rPr lang="en-US" dirty="0" err="1" smtClean="0"/>
+              <a:t>modelleras</a:t>
+            </a:r>
+            <a:r>
+              <a:rPr lang="en-US" baseline="0" dirty="0" smtClean="0"/>
+              <a:t> </a:t>
+            </a:r>
+            <a:r>
+              <a:rPr lang="en-US" baseline="0" dirty="0" err="1" smtClean="0"/>
+              <a:t>ofta</a:t>
+            </a:r>
+            <a:r>
+              <a:rPr lang="en-US" baseline="0" dirty="0" smtClean="0"/>
+              <a:t> en nods </a:t>
+            </a:r>
+            <a:r>
+              <a:rPr lang="en-US" baseline="0" dirty="0" err="1" smtClean="0"/>
+              <a:t>tillförlitlighet</a:t>
+            </a:r>
+            <a:r>
+              <a:rPr lang="en-US" baseline="0" dirty="0" smtClean="0"/>
+              <a:t> med en Poisson process</a:t>
+            </a:r>
+          </a:p>
+          <a:p>
             <a:endParaRPr lang="en-US" baseline="0" dirty="0" smtClean="0"/>
           </a:p>
           <a:p>
             <a:r>
+              <a:rPr lang="en-US" baseline="0" dirty="0" err="1" smtClean="0"/>
+              <a:t>Som</a:t>
+            </a:r>
+            <a:r>
+              <a:rPr lang="en-US" baseline="0" dirty="0" smtClean="0"/>
+              <a:t> </a:t>
+            </a:r>
+            <a:r>
+              <a:rPr lang="en-US" baseline="0" dirty="0" err="1" smtClean="0"/>
+              <a:t>beskriver</a:t>
+            </a:r>
+            <a:r>
+              <a:rPr lang="en-US" baseline="0" dirty="0" smtClean="0"/>
+              <a:t> </a:t>
+            </a:r>
+            <a:r>
+              <a:rPr lang="en-US" baseline="0" dirty="0" err="1" smtClean="0"/>
+              <a:t>sannolikheten</a:t>
+            </a:r>
+            <a:r>
+              <a:rPr lang="en-US" baseline="0" dirty="0" smtClean="0"/>
+              <a:t> </a:t>
+            </a:r>
+            <a:r>
+              <a:rPr lang="en-US" baseline="0" dirty="0" err="1" smtClean="0"/>
+              <a:t>av</a:t>
+            </a:r>
+            <a:r>
+              <a:rPr lang="en-US" baseline="0" dirty="0" smtClean="0"/>
+              <a:t> k </a:t>
+            </a:r>
+            <a:r>
+              <a:rPr lang="en-US" baseline="0" dirty="0" err="1" smtClean="0"/>
+              <a:t>stycken</a:t>
+            </a:r>
+            <a:r>
+              <a:rPr lang="en-US" baseline="0" dirty="0" smtClean="0"/>
+              <a:t> </a:t>
+            </a:r>
+            <a:r>
+              <a:rPr lang="en-US" baseline="0" dirty="0" err="1" smtClean="0"/>
+              <a:t>fel</a:t>
+            </a:r>
+            <a:r>
+              <a:rPr lang="en-US" baseline="0" dirty="0" smtClean="0"/>
+              <a:t> om man vet </a:t>
+            </a:r>
+            <a:r>
+              <a:rPr lang="en-US" baseline="0" dirty="0" err="1" smtClean="0"/>
+              <a:t>dess</a:t>
+            </a:r>
+            <a:r>
+              <a:rPr lang="en-US" baseline="0" dirty="0" smtClean="0"/>
+              <a:t> </a:t>
+            </a:r>
+            <a:r>
               <a:rPr lang="en-US" dirty="0" err="1" smtClean="0"/>
-              <a:t>För</a:t>
-            </a:r>
-            <a:r>
-              <a:rPr lang="en-US" baseline="0" dirty="0" smtClean="0"/>
-              <a:t> </a:t>
-            </a:r>
-            <a:r>
-              <a:rPr lang="en-US" baseline="0" dirty="0" err="1" smtClean="0"/>
-              <a:t>att</a:t>
-            </a:r>
-            <a:r>
-              <a:rPr lang="en-US" baseline="0" dirty="0" smtClean="0"/>
-              <a:t> </a:t>
-            </a:r>
-            <a:r>
-              <a:rPr lang="en-US" baseline="0" dirty="0" err="1" smtClean="0"/>
-              <a:t>uttrycka</a:t>
-            </a:r>
-            <a:r>
-              <a:rPr lang="en-US" baseline="0" dirty="0" smtClean="0"/>
-              <a:t> </a:t>
+              <a:t>felfrekvens</a:t>
+            </a:r>
+            <a:r>
+              <a:rPr lang="en-US" baseline="0" dirty="0" smtClean="0"/>
+              <a:t>, </a:t>
+            </a:r>
+            <a:r>
+              <a:rPr lang="en-US" baseline="0" dirty="0" err="1" smtClean="0"/>
+              <a:t>tex</a:t>
+            </a:r>
+            <a:r>
+              <a:rPr lang="en-US" baseline="0" dirty="0" smtClean="0"/>
+              <a:t> om </a:t>
+            </a:r>
+            <a:r>
+              <a:rPr lang="en-US" dirty="0" err="1" smtClean="0"/>
+              <a:t>felfrekvensen</a:t>
+            </a:r>
+            <a:r>
+              <a:rPr lang="en-US" dirty="0" smtClean="0"/>
+              <a:t> </a:t>
+            </a:r>
+            <a:r>
+              <a:rPr lang="en-US" baseline="0" dirty="0" err="1" smtClean="0"/>
+              <a:t>är</a:t>
+            </a:r>
+            <a:r>
+              <a:rPr lang="en-US" baseline="0" dirty="0" smtClean="0"/>
+              <a:t> </a:t>
+            </a:r>
+            <a:r>
+              <a:rPr lang="en-US" baseline="0" dirty="0" err="1" smtClean="0"/>
+              <a:t>ett</a:t>
+            </a:r>
+            <a:r>
+              <a:rPr lang="en-US" baseline="0" dirty="0" smtClean="0"/>
+              <a:t> </a:t>
+            </a:r>
+            <a:r>
+              <a:rPr lang="en-US" baseline="0" dirty="0" err="1" smtClean="0"/>
+              <a:t>fel</a:t>
+            </a:r>
+            <a:r>
+              <a:rPr lang="en-US" baseline="0" dirty="0" smtClean="0"/>
+              <a:t> om </a:t>
+            </a:r>
+            <a:r>
+              <a:rPr lang="en-US" baseline="0" dirty="0" err="1" smtClean="0"/>
+              <a:t>dagen</a:t>
+            </a:r>
+            <a:r>
+              <a:rPr lang="en-US" baseline="0" dirty="0" smtClean="0"/>
+              <a:t>, </a:t>
+            </a:r>
+            <a:r>
+              <a:rPr lang="en-US" baseline="0" dirty="0" err="1" smtClean="0"/>
+              <a:t>så</a:t>
+            </a:r>
+            <a:r>
+              <a:rPr lang="en-US" baseline="0" dirty="0" smtClean="0"/>
+              <a:t> </a:t>
+            </a:r>
+            <a:r>
+              <a:rPr lang="en-US" baseline="0" dirty="0" err="1" smtClean="0"/>
+              <a:t>ger</a:t>
+            </a:r>
+            <a:r>
+              <a:rPr lang="en-US" baseline="0" dirty="0" smtClean="0"/>
+              <a:t> P(2) </a:t>
             </a:r>
             <a:r>
               <a:rPr lang="en-US" baseline="0" dirty="0" err="1" smtClean="0"/>
@@ -19326,15 +19840,68 @@
             </a:r>
             <a:r>
               <a:rPr lang="en-US" baseline="0" dirty="0" err="1" smtClean="0"/>
-              <a:t>att</a:t>
-            </a:r>
-            <a:r>
-              <a:rPr lang="en-US" baseline="0" dirty="0" smtClean="0"/>
-              <a:t> en nod </a:t>
-            </a:r>
-            <a:r>
-              <a:rPr lang="en-US" baseline="0" dirty="0" err="1" smtClean="0"/>
-              <a:t>överlever</a:t>
+              <a:t>för</a:t>
+            </a:r>
+            <a:r>
+              <a:rPr lang="en-US" baseline="0" dirty="0" smtClean="0"/>
+              <a:t> 2 </a:t>
+            </a:r>
+            <a:r>
+              <a:rPr lang="en-US" baseline="0" dirty="0" err="1" smtClean="0"/>
+              <a:t>fel</a:t>
+            </a:r>
+            <a:r>
+              <a:rPr lang="en-US" baseline="0" dirty="0" smtClean="0"/>
+              <a:t> under </a:t>
+            </a:r>
+            <a:r>
+              <a:rPr lang="en-US" baseline="0" dirty="0" err="1" smtClean="0"/>
+              <a:t>en</a:t>
+            </a:r>
+            <a:r>
+              <a:rPr lang="en-US" baseline="0" dirty="0" smtClean="0"/>
+              <a:t> dag.</a:t>
+            </a:r>
+          </a:p>
+          <a:p>
+            <a:endParaRPr lang="en-US" baseline="0" dirty="0" smtClean="0"/>
+          </a:p>
+          <a:p>
+            <a:r>
+              <a:rPr lang="en-US" baseline="0" dirty="0" err="1" smtClean="0"/>
+              <a:t>Och</a:t>
+            </a:r>
+            <a:r>
+              <a:rPr lang="en-US" baseline="0" dirty="0" smtClean="0"/>
+              <a:t> </a:t>
+            </a:r>
+            <a:r>
+              <a:rPr lang="en-US" dirty="0" err="1" smtClean="0"/>
+              <a:t>felfrekvensen</a:t>
+            </a:r>
+            <a:r>
+              <a:rPr lang="en-US" dirty="0" smtClean="0"/>
+              <a:t> </a:t>
+            </a:r>
+            <a:r>
+              <a:rPr lang="en-US" baseline="0" dirty="0" err="1" smtClean="0"/>
+              <a:t>kan</a:t>
+            </a:r>
+            <a:r>
+              <a:rPr lang="en-US" baseline="0" dirty="0" smtClean="0"/>
+              <a:t> med mean-time-between-failures </a:t>
+            </a:r>
+            <a:r>
+              <a:rPr lang="en-US" baseline="0" dirty="0" err="1" smtClean="0"/>
+              <a:t>beskrivas</a:t>
+            </a:r>
+            <a:r>
+              <a:rPr lang="en-US" baseline="0" dirty="0" smtClean="0"/>
+              <a:t> </a:t>
+            </a:r>
+            <a:r>
+              <a:rPr lang="en-US" baseline="0" dirty="0" err="1" smtClean="0"/>
+              <a:t>som</a:t>
             </a:r>
             <a:r>
               <a:rPr lang="en-US" baseline="0" dirty="0" smtClean="0"/>
@@ -19346,167 +19913,8 @@
             </a:r>
             <a:r>
               <a:rPr lang="en-US" baseline="0" dirty="0" smtClean="0"/>
-              <a:t> </a:t>
-            </a:r>
-            <a:r>
-              <a:rPr lang="en-US" i="1" baseline="0" dirty="0" smtClean="0"/>
-              <a:t>t</a:t>
-            </a:r>
-            <a:r>
-              <a:rPr lang="en-US" i="0" baseline="0" dirty="0" smtClean="0"/>
-              <a:t>, </a:t>
-            </a:r>
-            <a:r>
-              <a:rPr lang="en-US" i="0" baseline="0" dirty="0" err="1" smtClean="0"/>
-              <a:t>så</a:t>
-            </a:r>
-            <a:r>
-              <a:rPr lang="en-US" i="0" baseline="0" dirty="0" smtClean="0"/>
-              <a:t> </a:t>
-            </a:r>
-            <a:r>
-              <a:rPr lang="en-US" i="0" baseline="0" dirty="0" err="1" smtClean="0"/>
-              <a:t>får</a:t>
-            </a:r>
-            <a:r>
-              <a:rPr lang="en-US" i="0" baseline="0" dirty="0" smtClean="0"/>
-              <a:t> man </a:t>
-            </a:r>
-            <a:r>
-              <a:rPr lang="en-US" i="0" baseline="0" dirty="0" err="1" smtClean="0"/>
-              <a:t>istället</a:t>
-            </a:r>
-            <a:r>
-              <a:rPr lang="en-US" i="0" baseline="0" dirty="0" smtClean="0"/>
-              <a:t> </a:t>
-            </a:r>
-            <a:r>
-              <a:rPr lang="en-US" i="0" baseline="0" dirty="0" err="1" smtClean="0"/>
-              <a:t>uttrycka</a:t>
-            </a:r>
-            <a:r>
-              <a:rPr lang="en-US" i="0" baseline="0" dirty="0" smtClean="0"/>
-              <a:t> </a:t>
-            </a:r>
-            <a:r>
-              <a:rPr lang="en-US" i="0" baseline="0" dirty="0" err="1" smtClean="0"/>
-              <a:t>sannolikheten</a:t>
-            </a:r>
-            <a:r>
-              <a:rPr lang="en-US" i="0" baseline="0" dirty="0" smtClean="0"/>
-              <a:t> </a:t>
-            </a:r>
-            <a:r>
-              <a:rPr lang="en-US" i="0" baseline="0" dirty="0" err="1" smtClean="0"/>
-              <a:t>att</a:t>
-            </a:r>
-            <a:r>
-              <a:rPr lang="en-US" i="0" baseline="0" dirty="0" smtClean="0"/>
-              <a:t> 0 </a:t>
-            </a:r>
-            <a:r>
-              <a:rPr lang="en-US" i="0" baseline="0" dirty="0" err="1" smtClean="0"/>
-              <a:t>fel</a:t>
-            </a:r>
-            <a:r>
-              <a:rPr lang="en-US" i="0" baseline="0" dirty="0" smtClean="0"/>
-              <a:t> under den </a:t>
-            </a:r>
-            <a:r>
-              <a:rPr lang="en-US" i="0" baseline="0" dirty="0" err="1" smtClean="0"/>
-              <a:t>tiden</a:t>
-            </a:r>
-            <a:endParaRPr lang="en-US" i="0" baseline="0" dirty="0" smtClean="0"/>
-          </a:p>
-          <a:p>
-            <a:endParaRPr lang="en-US" i="0" baseline="0" dirty="0" smtClean="0"/>
-          </a:p>
-          <a:p>
-            <a:r>
-              <a:rPr lang="en-US" i="0" baseline="0" dirty="0" err="1" smtClean="0"/>
-              <a:t>Sannolikheten</a:t>
-            </a:r>
-            <a:r>
-              <a:rPr lang="en-US" i="0" baseline="0" dirty="0" smtClean="0"/>
-              <a:t> </a:t>
-            </a:r>
-            <a:r>
-              <a:rPr lang="en-US" i="0" baseline="0" dirty="0" err="1" smtClean="0"/>
-              <a:t>att</a:t>
-            </a:r>
-            <a:r>
-              <a:rPr lang="en-US" i="0" baseline="0" dirty="0" smtClean="0"/>
-              <a:t> </a:t>
-            </a:r>
-            <a:r>
-              <a:rPr lang="en-US" i="0" baseline="0" dirty="0" err="1" smtClean="0"/>
-              <a:t>minst</a:t>
-            </a:r>
-            <a:r>
-              <a:rPr lang="en-US" i="0" baseline="0" dirty="0" smtClean="0"/>
-              <a:t> </a:t>
-            </a:r>
-            <a:r>
-              <a:rPr lang="en-US" i="0" baseline="0" dirty="0" err="1" smtClean="0"/>
-              <a:t>ett</a:t>
-            </a:r>
-            <a:r>
-              <a:rPr lang="en-US" i="0" baseline="0" dirty="0" smtClean="0"/>
-              <a:t> </a:t>
-            </a:r>
-            <a:r>
-              <a:rPr lang="en-US" i="0" baseline="0" dirty="0" err="1" smtClean="0"/>
-              <a:t>fel</a:t>
-            </a:r>
-            <a:r>
-              <a:rPr lang="en-US" i="0" baseline="0" dirty="0" smtClean="0"/>
-              <a:t> </a:t>
-            </a:r>
-            <a:r>
-              <a:rPr lang="en-US" i="0" baseline="0" dirty="0" err="1" smtClean="0"/>
-              <a:t>inträffar</a:t>
-            </a:r>
-            <a:r>
-              <a:rPr lang="en-US" i="0" baseline="0" dirty="0" smtClean="0"/>
-              <a:t> </a:t>
-            </a:r>
-            <a:r>
-              <a:rPr lang="en-US" i="0" baseline="0" dirty="0" err="1" smtClean="0"/>
-              <a:t>är</a:t>
-            </a:r>
-            <a:r>
-              <a:rPr lang="en-US" i="0" baseline="0" dirty="0" smtClean="0"/>
-              <a:t> </a:t>
-            </a:r>
-            <a:r>
-              <a:rPr lang="en-US" i="0" baseline="0" dirty="0" err="1" smtClean="0"/>
-              <a:t>då</a:t>
-            </a:r>
-            <a:r>
-              <a:rPr lang="en-US" i="0" baseline="0" dirty="0" smtClean="0"/>
-              <a:t> 1 - </a:t>
-            </a:r>
-            <a:r>
-              <a:rPr lang="en-US" i="0" baseline="0" dirty="0" err="1" smtClean="0"/>
-              <a:t>sannolikheten</a:t>
-            </a:r>
-            <a:r>
-              <a:rPr lang="en-US" i="0" baseline="0" dirty="0" smtClean="0"/>
-              <a:t> </a:t>
-            </a:r>
-            <a:r>
-              <a:rPr lang="en-US" i="0" baseline="0" dirty="0" err="1" smtClean="0"/>
-              <a:t>att</a:t>
-            </a:r>
-            <a:r>
-              <a:rPr lang="en-US" i="0" baseline="0" dirty="0" smtClean="0"/>
-              <a:t> den </a:t>
-            </a:r>
-            <a:r>
-              <a:rPr lang="en-US" i="0" baseline="0" dirty="0" err="1" smtClean="0"/>
-              <a:t>överlever</a:t>
-            </a:r>
-            <a:endParaRPr lang="en-US" dirty="0"/>
+              <a:t> t / MTBF</a:t>
+            </a:r>
           </a:p>
         </p:txBody>
       </p:sp>
@@ -19536,7 +19944,7 @@
     </p:spTree>
     <p:extLst>
       <p:ext uri="{BB962C8B-B14F-4D97-AF65-F5344CB8AC3E}">
-        <p14:creationId xmlns:p14="http://schemas.microsoft.com/office/powerpoint/2010/main" val="199176467"/>
+        <p14:creationId xmlns:p14="http://schemas.microsoft.com/office/powerpoint/2010/main" val="1887332043"/>
       </p:ext>
     </p:extLst>
   </p:cSld>
@@ -29281,8 +29689,8 @@
           </a:p>
         </p:txBody>
       </p:sp>
-      <mc:AlternateContent xmlns:mc="http://schemas.openxmlformats.org/markup-compatibility/2006">
-        <mc:Choice xmlns:a14="http://schemas.microsoft.com/office/drawing/2010/main" Requires="a14">
+      <mc:AlternateContent xmlns:mc="http://schemas.openxmlformats.org/markup-compatibility/2006" xmlns:a14="http://schemas.microsoft.com/office/drawing/2010/main">
+        <mc:Choice Requires="a14">
           <p:sp>
             <p:nvSpPr>
               <p:cNvPr id="3" name="Content Placeholder 2"/>
@@ -29349,19 +29757,7 @@
                 </a14:m>
                 <a:r>
                   <a:rPr lang="en-US" dirty="0" smtClean="0"/>
-                  <a:t> </a:t>
-                </a:r>
-                <a:r>
-                  <a:rPr lang="en-US" dirty="0" smtClean="0"/>
-                  <a:t>seconds</a:t>
-                </a:r>
-                <a:r>
-                  <a:rPr lang="en-US" dirty="0" smtClean="0"/>
-                  <a:t>. </a:t>
-                </a:r>
-                <a:r>
-                  <a:rPr lang="en-US" dirty="0" smtClean="0"/>
-                  <a:t>If no heartbeat from a node is received within </a:t>
+                  <a:t> seconds. If no heartbeat from a node is received within </a:t>
                 </a:r>
                 <a14:m>
                   <m:oMath xmlns:m="http://schemas.openxmlformats.org/officeDocument/2006/math">
@@ -29394,15 +29790,7 @@
                 </a14:m>
                 <a:r>
                   <a:rPr lang="en-US" dirty="0" smtClean="0"/>
-                  <a:t> seconds, </a:t>
-                </a:r>
-                <a:r>
-                  <a:rPr lang="en-US" dirty="0" smtClean="0"/>
-                  <a:t>it is assumed dead</a:t>
-                </a:r>
-                <a:r>
-                  <a:rPr lang="en-US" dirty="0" smtClean="0"/>
-                  <a:t>.</a:t>
+                  <a:t> seconds, it is assumed dead.</a:t>
                 </a:r>
               </a:p>
               <a:p>
@@ -29662,7 +30050,7 @@
             </p:txBody>
           </p:sp>
         </mc:Choice>
-        <mc:Fallback>
+        <mc:Fallback xmlns="">
           <p:sp>
             <p:nvSpPr>
               <p:cNvPr id="3" name="Content Placeholder 2"/>
@@ -29903,11 +30291,7 @@
           <a:p>
             <a:r>
               <a:rPr lang="en-US" dirty="0" smtClean="0"/>
-              <a:t>Detecting node failure - best and worst </a:t>
-            </a:r>
-            <a:r>
-              <a:rPr lang="en-US" dirty="0" smtClean="0"/>
-              <a:t>case TODO update pic or delete</a:t>
+              <a:t>Detecting node failure - best and worst case TODO update pic or delete</a:t>
             </a:r>
             <a:endParaRPr lang="en-US" dirty="0"/>
           </a:p>
@@ -33429,9 +33813,122 @@
           <a:chExt cx="0" cy="0"/>
         </a:xfrm>
       </p:grpSpPr>
+      <p:sp>
+        <p:nvSpPr>
+          <p:cNvPr id="2" name="Title 1"/>
+          <p:cNvSpPr>
+            <a:spLocks noGrp="1"/>
+          </p:cNvSpPr>
+          <p:nvPr>
+            <p:ph type="title"/>
+          </p:nvPr>
+        </p:nvSpPr>
+        <p:spPr/>
+        <p:txBody>
+          <a:bodyPr/>
+          <a:lstStyle/>
+          <a:p>
+            <a:r>
+              <a:rPr lang="en-US" dirty="0" smtClean="0"/>
+              <a:t>Application model</a:t>
+            </a:r>
+            <a:endParaRPr lang="en-US" dirty="0"/>
+          </a:p>
+        </p:txBody>
+      </p:sp>
+      <p:sp>
+        <p:nvSpPr>
+          <p:cNvPr id="3" name="Content Placeholder 2"/>
+          <p:cNvSpPr>
+            <a:spLocks noGrp="1"/>
+          </p:cNvSpPr>
+          <p:nvPr>
+            <p:ph idx="1"/>
+          </p:nvPr>
+        </p:nvSpPr>
+        <p:spPr/>
+        <p:txBody>
+          <a:bodyPr/>
+          <a:lstStyle/>
+          <a:p>
+            <a:pPr>
+              <a:lnSpc>
+                <a:spcPct val="100000"/>
+              </a:lnSpc>
+              <a:spcBef>
+                <a:spcPts val="0"/>
+              </a:spcBef>
+              <a:spcAft>
+                <a:spcPts val="0"/>
+              </a:spcAft>
+              <a:buSzTx/>
+              <a:buFont typeface="Arial" panose="020B0604020202020204" pitchFamily="34" charset="0"/>
+              <a:buChar char="•"/>
+            </a:pPr>
+            <a:r>
+              <a:rPr lang="en-US" dirty="0" smtClean="0"/>
+              <a:t>We limit ourselves by only considering stream processing </a:t>
+            </a:r>
+            <a:r>
+              <a:rPr lang="en-US" dirty="0" smtClean="0"/>
+              <a:t>applications</a:t>
+            </a:r>
+          </a:p>
+          <a:p>
+            <a:pPr>
+              <a:lnSpc>
+                <a:spcPct val="100000"/>
+              </a:lnSpc>
+              <a:spcBef>
+                <a:spcPts val="0"/>
+              </a:spcBef>
+              <a:spcAft>
+                <a:spcPts val="0"/>
+              </a:spcAft>
+              <a:buSzTx/>
+              <a:buFont typeface="Arial" panose="020B0604020202020204" pitchFamily="34" charset="0"/>
+              <a:buChar char="•"/>
+            </a:pPr>
+            <a:endParaRPr lang="en-US" dirty="0" smtClean="0"/>
+          </a:p>
+          <a:p>
+            <a:pPr>
+              <a:lnSpc>
+                <a:spcPct val="100000"/>
+              </a:lnSpc>
+              <a:spcBef>
+                <a:spcPts val="0"/>
+              </a:spcBef>
+              <a:spcAft>
+                <a:spcPts val="0"/>
+              </a:spcAft>
+              <a:buSzTx/>
+              <a:buFont typeface="Arial" panose="020B0604020202020204" pitchFamily="34" charset="0"/>
+              <a:buChar char="•"/>
+            </a:pPr>
+            <a:r>
+              <a:rPr lang="en-US" dirty="0" smtClean="0"/>
+              <a:t>A processing task </a:t>
+            </a:r>
+            <a:r>
+              <a:rPr lang="en-US" i="1" dirty="0" smtClean="0"/>
+              <a:t>T</a:t>
+            </a:r>
+            <a:r>
+              <a:rPr lang="en-US" dirty="0" smtClean="0"/>
+              <a:t> will receive input from a producer, perform some computation on it, and send the result to a </a:t>
+            </a:r>
+            <a:r>
+              <a:rPr lang="en-US" dirty="0" smtClean="0"/>
+              <a:t>consumer</a:t>
+            </a:r>
+            <a:endParaRPr lang="en-US" dirty="0" smtClean="0"/>
+          </a:p>
+        </p:txBody>
+      </p:sp>
       <p:pic>
         <p:nvPicPr>
-          <p:cNvPr id="7" name="Picture 6"/>
+          <p:cNvPr id="4" name="Picture 3"/>
           <p:cNvPicPr>
             <a:picLocks noChangeAspect="1"/>
           </p:cNvPicPr>
@@ -33451,181 +33948,7 @@
         </p:blipFill>
         <p:spPr>
           <a:xfrm>
-            <a:off x="6929236" y="3543296"/>
-            <a:ext cx="4226444" cy="2732814"/>
-          </a:xfrm>
-          <a:prstGeom prst="rect">
-            <a:avLst/>
-          </a:prstGeom>
-        </p:spPr>
-      </p:pic>
-      <p:sp>
-        <p:nvSpPr>
-          <p:cNvPr id="2" name="Title 1"/>
-          <p:cNvSpPr>
-            <a:spLocks noGrp="1"/>
-          </p:cNvSpPr>
-          <p:nvPr>
-            <p:ph type="title"/>
-          </p:nvPr>
-        </p:nvSpPr>
-        <p:spPr/>
-        <p:txBody>
-          <a:bodyPr/>
-          <a:lstStyle/>
-          <a:p>
-            <a:r>
-              <a:rPr lang="en-US" dirty="0" smtClean="0"/>
-              <a:t>Application model</a:t>
-            </a:r>
-            <a:endParaRPr lang="en-US" dirty="0"/>
-          </a:p>
-        </p:txBody>
-      </p:sp>
-      <p:sp>
-        <p:nvSpPr>
-          <p:cNvPr id="3" name="Content Placeholder 2"/>
-          <p:cNvSpPr>
-            <a:spLocks noGrp="1"/>
-          </p:cNvSpPr>
-          <p:nvPr>
-            <p:ph idx="1"/>
-          </p:nvPr>
-        </p:nvSpPr>
-        <p:spPr/>
-        <p:txBody>
-          <a:bodyPr/>
-          <a:lstStyle/>
-          <a:p>
-            <a:pPr>
-              <a:lnSpc>
-                <a:spcPct val="100000"/>
-              </a:lnSpc>
-              <a:spcBef>
-                <a:spcPts val="0"/>
-              </a:spcBef>
-              <a:spcAft>
-                <a:spcPts val="0"/>
-              </a:spcAft>
-              <a:buSzTx/>
-              <a:buFont typeface="Arial" panose="020B0604020202020204" pitchFamily="34" charset="0"/>
-              <a:buChar char="•"/>
-            </a:pPr>
-            <a:r>
-              <a:rPr lang="en-US" dirty="0" smtClean="0"/>
-              <a:t>We limit ourselves by only considering stream processing applications</a:t>
-            </a:r>
-          </a:p>
-          <a:p>
-            <a:pPr>
-              <a:lnSpc>
-                <a:spcPct val="100000"/>
-              </a:lnSpc>
-              <a:spcBef>
-                <a:spcPts val="0"/>
-              </a:spcBef>
-              <a:spcAft>
-                <a:spcPts val="0"/>
-              </a:spcAft>
-              <a:buSzTx/>
-              <a:buFont typeface="Arial" panose="020B0604020202020204" pitchFamily="34" charset="0"/>
-              <a:buChar char="•"/>
-            </a:pPr>
-            <a:r>
-              <a:rPr lang="en-US" dirty="0" smtClean="0"/>
-              <a:t>A processing task </a:t>
-            </a:r>
-            <a:r>
-              <a:rPr lang="en-US" i="1" dirty="0" smtClean="0"/>
-              <a:t>T</a:t>
-            </a:r>
-            <a:r>
-              <a:rPr lang="en-US" dirty="0" smtClean="0"/>
-              <a:t> will receive input from a producer, perform some computation on it, and send the result to a consumer</a:t>
-            </a:r>
-          </a:p>
-          <a:p>
-            <a:pPr>
-              <a:lnSpc>
-                <a:spcPct val="100000"/>
-              </a:lnSpc>
-              <a:spcBef>
-                <a:spcPts val="0"/>
-              </a:spcBef>
-              <a:spcAft>
-                <a:spcPts val="0"/>
-              </a:spcAft>
-              <a:buSzTx/>
-              <a:buFont typeface="Arial" panose="020B0604020202020204" pitchFamily="34" charset="0"/>
-              <a:buChar char="•"/>
-            </a:pPr>
-            <a:r>
-              <a:rPr lang="en-US" dirty="0" smtClean="0"/>
-              <a:t>When replicating the task </a:t>
-            </a:r>
-            <a:r>
-              <a:rPr lang="en-US" i="1" dirty="0" smtClean="0"/>
-              <a:t>T</a:t>
-            </a:r>
-            <a:r>
-              <a:rPr lang="en-US" dirty="0" smtClean="0"/>
-              <a:t>, the replicas may not be synchronized. To avoid timing issues, it is assumed no external calls are made which depends on when the request is made</a:t>
-            </a:r>
-          </a:p>
-          <a:p>
-            <a:pPr>
-              <a:lnSpc>
-                <a:spcPct val="100000"/>
-              </a:lnSpc>
-              <a:spcBef>
-                <a:spcPts val="0"/>
-              </a:spcBef>
-              <a:spcAft>
-                <a:spcPts val="0"/>
-              </a:spcAft>
-              <a:buSzTx/>
-              <a:buFont typeface="Arial" panose="020B0604020202020204" pitchFamily="34" charset="0"/>
-              <a:buChar char="•"/>
-            </a:pPr>
-            <a:r>
-              <a:rPr lang="en-US" dirty="0" smtClean="0"/>
-              <a:t>The task </a:t>
-            </a:r>
-            <a:r>
-              <a:rPr lang="en-US" i="1" dirty="0" smtClean="0"/>
-              <a:t>T</a:t>
-            </a:r>
-            <a:r>
-              <a:rPr lang="en-US" dirty="0" smtClean="0"/>
-              <a:t>, performs deterministic calculations on the input. If the replicas all receive the same input, they will all produce the same result</a:t>
-            </a:r>
-            <a:endParaRPr lang="en-US" dirty="0"/>
-          </a:p>
-        </p:txBody>
-      </p:sp>
-      <p:pic>
-        <p:nvPicPr>
-          <p:cNvPr id="4" name="Picture 3"/>
-          <p:cNvPicPr>
-            <a:picLocks noChangeAspect="1"/>
-          </p:cNvPicPr>
-          <p:nvPr/>
-        </p:nvPicPr>
-        <p:blipFill>
-          <a:blip r:embed="rId4">
-            <a:extLst>
-              <a:ext uri="{28A0092B-C50C-407E-A947-70E740481C1C}">
-                <a14:useLocalDpi xmlns:a14="http://schemas.microsoft.com/office/drawing/2010/main" val="0"/>
-              </a:ext>
-            </a:extLst>
-          </a:blip>
-          <a:stretch>
-            <a:fillRect/>
-          </a:stretch>
-        </p:blipFill>
-        <p:spPr>
-          <a:xfrm>
-            <a:off x="1097280" y="3969107"/>
+            <a:off x="3869574" y="3093618"/>
             <a:ext cx="4513811" cy="2184620"/>
           </a:xfrm>
           <a:prstGeom prst="rect">
@@ -34766,6 +35089,36 @@
           <a:chExt cx="0" cy="0"/>
         </a:xfrm>
       </p:grpSpPr>
+      <p:pic>
+        <p:nvPicPr>
+          <p:cNvPr id="7" name="Picture 6"/>
+          <p:cNvPicPr>
+            <a:picLocks noChangeAspect="1"/>
+          </p:cNvPicPr>
+          <p:nvPr/>
+        </p:nvPicPr>
+        <p:blipFill>
+          <a:blip r:embed="rId3">
+            <a:extLst>
+              <a:ext uri="{28A0092B-C50C-407E-A947-70E740481C1C}">
+                <a14:useLocalDpi xmlns:a14="http://schemas.microsoft.com/office/drawing/2010/main" val="0"/>
+              </a:ext>
+            </a:extLst>
+          </a:blip>
+          <a:stretch>
+            <a:fillRect/>
+          </a:stretch>
+        </p:blipFill>
+        <p:spPr>
+          <a:xfrm>
+            <a:off x="3903934" y="3244654"/>
+            <a:ext cx="4226444" cy="2732814"/>
+          </a:xfrm>
+          <a:prstGeom prst="rect">
+            <a:avLst/>
+          </a:prstGeom>
+        </p:spPr>
+      </p:pic>
       <p:sp>
         <p:nvSpPr>
           <p:cNvPr id="2" name="Title 1"/>
@@ -34783,784 +35136,118 @@
           <a:p>
             <a:r>
               <a:rPr lang="en-US" dirty="0" smtClean="0"/>
-              <a:t>Probability of failure</a:t>
+              <a:t>Application </a:t>
+            </a:r>
+            <a:r>
+              <a:rPr lang="en-US" dirty="0" smtClean="0"/>
+              <a:t>model with replicas</a:t>
             </a:r>
             <a:endParaRPr lang="en-US" dirty="0"/>
           </a:p>
         </p:txBody>
       </p:sp>
-      <mc:AlternateContent xmlns:mc="http://schemas.openxmlformats.org/markup-compatibility/2006" xmlns:a14="http://schemas.microsoft.com/office/drawing/2010/main">
-        <mc:Choice Requires="a14">
-          <p:sp>
-            <p:nvSpPr>
-              <p:cNvPr id="3" name="Content Placeholder 2"/>
-              <p:cNvSpPr>
-                <a:spLocks noGrp="1"/>
-              </p:cNvSpPr>
-              <p:nvPr>
-                <p:ph idx="1"/>
-              </p:nvPr>
-            </p:nvSpPr>
-            <p:spPr/>
-            <p:txBody>
-              <a:bodyPr>
-                <a:normAutofit/>
-              </a:bodyPr>
-              <a:lstStyle/>
-              <a:p>
-                <a:pPr marL="0" lvl="0" indent="0">
-                  <a:buNone/>
-                </a:pPr>
-                <a:r>
-                  <a:rPr lang="en-US" dirty="0" smtClean="0"/>
-                  <a:t>If one knows a component’s failure rate, one can using a Poisson process express the probability of </a:t>
-                </a:r>
-                <a:r>
-                  <a:rPr lang="en-US" i="1" dirty="0" smtClean="0"/>
-                  <a:t>k</a:t>
-                </a:r>
-                <a:r>
-                  <a:rPr lang="en-US" dirty="0" smtClean="0"/>
-                  <a:t> failures</a:t>
-                </a:r>
-              </a:p>
-              <a:p>
-                <a:pPr marL="0" lvl="0" indent="0">
-                  <a:buNone/>
-                </a:pPr>
-                <a:endParaRPr lang="en-US" dirty="0" smtClean="0"/>
-              </a:p>
-              <a:p>
-                <a:pPr marL="0" lvl="0" indent="0">
-                  <a:buNone/>
-                </a:pPr>
-                <a:r>
-                  <a:rPr lang="en-US" dirty="0"/>
-                  <a:t>w</a:t>
-                </a:r>
-                <a:r>
-                  <a:rPr lang="en-US" dirty="0" smtClean="0"/>
-                  <a:t>here </a:t>
-                </a:r>
-                <a14:m>
-                  <m:oMath xmlns:m="http://schemas.openxmlformats.org/officeDocument/2006/math">
-                    <m:r>
-                      <a:rPr lang="en-GB" b="0" i="1" smtClean="0">
-                        <a:latin typeface="Cambria Math" charset="0"/>
-                      </a:rPr>
-                      <m:t>𝜆</m:t>
-                    </m:r>
-                  </m:oMath>
-                </a14:m>
-                <a:r>
-                  <a:rPr lang="en-US" dirty="0" smtClean="0"/>
-                  <a:t> is the failure rate, i.e. the average number of failures during a time </a:t>
-                </a:r>
-                <a:r>
-                  <a:rPr lang="en-US" i="1" dirty="0" smtClean="0"/>
-                  <a:t>t</a:t>
-                </a:r>
-                <a:r>
-                  <a:rPr lang="en-US" dirty="0" smtClean="0"/>
-                  <a:t>.</a:t>
-                </a:r>
-              </a:p>
-              <a:p>
-                <a:pPr marL="0" lvl="0" indent="0">
-                  <a:buNone/>
-                </a:pPr>
-                <a:r>
-                  <a:rPr lang="en-US" dirty="0" smtClean="0"/>
-                  <a:t>From a time </a:t>
-                </a:r>
-                <a:r>
-                  <a:rPr lang="en-US" i="1" dirty="0" smtClean="0"/>
-                  <a:t>t</a:t>
-                </a:r>
-                <a:r>
-                  <a:rPr lang="en-US" dirty="0" smtClean="0"/>
-                  <a:t> and a </a:t>
-                </a:r>
-                <a:r>
-                  <a:rPr lang="en-US" i="1" dirty="0" smtClean="0"/>
-                  <a:t>mean-time-between-failures</a:t>
-                </a:r>
-                <a:r>
-                  <a:rPr lang="en-US" dirty="0" smtClean="0"/>
-                  <a:t> (MTBF), </a:t>
-                </a:r>
-                <a14:m>
-                  <m:oMath xmlns:m="http://schemas.openxmlformats.org/officeDocument/2006/math">
-                    <m:r>
-                      <a:rPr lang="en-GB" i="1">
-                        <a:latin typeface="Cambria Math" charset="0"/>
-                      </a:rPr>
-                      <m:t>𝜆</m:t>
-                    </m:r>
-                  </m:oMath>
-                </a14:m>
-                <a:r>
-                  <a:rPr lang="en-US" dirty="0" smtClean="0"/>
-                  <a:t> can be calculated as </a:t>
-                </a:r>
-              </a:p>
-              <a:p>
-                <a:pPr marL="0" lvl="0" indent="0">
-                  <a:buNone/>
-                </a:pPr>
-                <a:endParaRPr lang="en-US" dirty="0" smtClean="0"/>
-              </a:p>
-              <a:p>
-                <a:pPr marL="0" lvl="0" indent="0">
-                  <a:buNone/>
-                </a:pPr>
-                <a:r>
-                  <a:rPr lang="en-US" dirty="0" smtClean="0"/>
-                  <a:t>Resulting in</a:t>
-                </a:r>
-              </a:p>
-            </p:txBody>
-          </p:sp>
-        </mc:Choice>
-        <mc:Fallback xmlns="">
-          <p:sp>
-            <p:nvSpPr>
-              <p:cNvPr id="3" name="Content Placeholder 2"/>
-              <p:cNvSpPr>
-                <a:spLocks noGrp="1" noRot="1" noChangeAspect="1" noMove="1" noResize="1" noEditPoints="1" noAdjustHandles="1" noChangeArrowheads="1" noChangeShapeType="1" noTextEdit="1"/>
-              </p:cNvSpPr>
-              <p:nvPr>
-                <p:ph idx="1"/>
-              </p:nvPr>
-            </p:nvSpPr>
-            <p:spPr>
-              <a:blipFill rotWithShape="0">
-                <a:blip r:embed="rId3"/>
-                <a:stretch>
-                  <a:fillRect l="-1515" t="-1667" r="-424"/>
-                </a:stretch>
-              </a:blipFill>
-            </p:spPr>
-            <p:txBody>
-              <a:bodyPr/>
-              <a:lstStyle/>
-              <a:p>
-                <a:r>
-                  <a:rPr lang="en-US">
-                    <a:noFill/>
-                  </a:rPr>
-                  <a:t> </a:t>
-                </a:r>
-              </a:p>
-            </p:txBody>
-          </p:sp>
-        </mc:Fallback>
-      </mc:AlternateContent>
-      <mc:AlternateContent xmlns:mc="http://schemas.openxmlformats.org/markup-compatibility/2006" xmlns:a14="http://schemas.microsoft.com/office/drawing/2010/main">
-        <mc:Choice Requires="a14">
-          <p:sp>
-            <p:nvSpPr>
-              <p:cNvPr id="4" name="Rectangle 3"/>
-              <p:cNvSpPr/>
-              <p:nvPr/>
-            </p:nvSpPr>
-            <p:spPr>
-              <a:xfrm>
-                <a:off x="4811729" y="2372901"/>
-                <a:ext cx="2629502" cy="661912"/>
-              </a:xfrm>
-              <a:prstGeom prst="rect">
-                <a:avLst/>
-              </a:prstGeom>
-            </p:spPr>
-            <p:txBody>
-              <a:bodyPr wrap="none">
-                <a:spAutoFit/>
-              </a:bodyPr>
-              <a:lstStyle/>
-              <a:p>
-                <a:pPr lvl="0"/>
-                <a14:m>
-                  <m:oMathPara xmlns:m="http://schemas.openxmlformats.org/officeDocument/2006/math">
-                    <m:oMathParaPr>
-                      <m:jc m:val="centerGroup"/>
-                    </m:oMathParaPr>
-                    <m:oMath xmlns:m="http://schemas.openxmlformats.org/officeDocument/2006/math">
-                      <m:r>
-                        <a:rPr lang="en-GB" i="1">
-                          <a:latin typeface="Cambria Math" charset="0"/>
-                        </a:rPr>
-                        <m:t>𝑃</m:t>
-                      </m:r>
-                      <m:d>
-                        <m:dPr>
-                          <m:ctrlPr>
-                            <a:rPr lang="en-GB" i="1">
-                              <a:latin typeface="Cambria Math" panose="02040503050406030204" pitchFamily="18" charset="0"/>
-                            </a:rPr>
-                          </m:ctrlPr>
-                        </m:dPr>
-                        <m:e>
-                          <m:r>
-                            <a:rPr lang="en-GB" i="1">
-                              <a:latin typeface="Cambria Math" charset="0"/>
-                            </a:rPr>
-                            <m:t>𝑘</m:t>
-                          </m:r>
-                          <m:r>
-                            <a:rPr lang="en-GB" i="1">
-                              <a:latin typeface="Cambria Math" charset="0"/>
-                            </a:rPr>
-                            <m:t> </m:t>
-                          </m:r>
-                          <m:r>
-                            <a:rPr lang="en-GB" i="1">
-                              <a:latin typeface="Cambria Math" charset="0"/>
-                            </a:rPr>
-                            <m:t>𝑓𝑎𝑖𝑙𝑢𝑟𝑒𝑠</m:t>
-                          </m:r>
-                        </m:e>
-                      </m:d>
-                      <m:r>
-                        <a:rPr lang="en-GB" i="1">
-                          <a:latin typeface="Cambria Math" charset="0"/>
-                        </a:rPr>
-                        <m:t>=</m:t>
-                      </m:r>
-                      <m:f>
-                        <m:fPr>
-                          <m:ctrlPr>
-                            <a:rPr lang="fi-FI" i="1">
-                              <a:latin typeface="Cambria Math" panose="02040503050406030204" pitchFamily="18" charset="0"/>
-                            </a:rPr>
-                          </m:ctrlPr>
-                        </m:fPr>
-                        <m:num>
-                          <m:r>
-                            <a:rPr lang="en-GB" i="1">
-                              <a:latin typeface="Cambria Math" charset="0"/>
-                            </a:rPr>
-                            <m:t>𝜆</m:t>
-                          </m:r>
-                          <m:r>
-                            <a:rPr lang="en-GB" i="1">
-                              <a:latin typeface="Cambria Math" charset="0"/>
-                            </a:rPr>
-                            <m:t>∗</m:t>
-                          </m:r>
-                          <m:sSup>
-                            <m:sSupPr>
-                              <m:ctrlPr>
-                                <a:rPr lang="is-IS" i="1">
-                                  <a:latin typeface="Cambria Math" panose="02040503050406030204" pitchFamily="18" charset="0"/>
-                                </a:rPr>
-                              </m:ctrlPr>
-                            </m:sSupPr>
-                            <m:e>
-                              <m:r>
-                                <a:rPr lang="en-GB" i="1">
-                                  <a:latin typeface="Cambria Math" charset="0"/>
-                                </a:rPr>
-                                <m:t>𝑒</m:t>
-                              </m:r>
-                            </m:e>
-                            <m:sup>
-                              <m:r>
-                                <a:rPr lang="en-GB" i="1">
-                                  <a:latin typeface="Cambria Math" charset="0"/>
-                                </a:rPr>
-                                <m:t>−</m:t>
-                              </m:r>
-                              <m:r>
-                                <a:rPr lang="en-GB" i="1">
-                                  <a:latin typeface="Cambria Math" charset="0"/>
-                                </a:rPr>
-                                <m:t>𝜆</m:t>
-                              </m:r>
-                            </m:sup>
-                          </m:sSup>
-                        </m:num>
-                        <m:den>
-                          <m:r>
-                            <a:rPr lang="en-GB" i="1">
-                              <a:latin typeface="Cambria Math" charset="0"/>
-                            </a:rPr>
-                            <m:t>𝑘</m:t>
-                          </m:r>
-                          <m:r>
-                            <a:rPr lang="fi-FI" i="1">
-                              <a:latin typeface="Cambria Math" charset="0"/>
-                            </a:rPr>
-                            <m:t>!</m:t>
-                          </m:r>
-                        </m:den>
-                      </m:f>
-                    </m:oMath>
-                  </m:oMathPara>
-                </a14:m>
-                <a:endParaRPr lang="en-US" dirty="0"/>
-              </a:p>
-            </p:txBody>
-          </p:sp>
-        </mc:Choice>
-        <mc:Fallback xmlns="">
-          <p:sp>
-            <p:nvSpPr>
-              <p:cNvPr id="4" name="Rectangle 3"/>
-              <p:cNvSpPr>
-                <a:spLocks noRot="1" noChangeAspect="1" noMove="1" noResize="1" noEditPoints="1" noAdjustHandles="1" noChangeArrowheads="1" noChangeShapeType="1" noTextEdit="1"/>
-              </p:cNvSpPr>
-              <p:nvPr/>
-            </p:nvSpPr>
-            <p:spPr>
-              <a:xfrm>
-                <a:off x="4811729" y="2372901"/>
-                <a:ext cx="2629502" cy="661912"/>
-              </a:xfrm>
-              <a:prstGeom prst="rect">
-                <a:avLst/>
-              </a:prstGeom>
-              <a:blipFill rotWithShape="0">
-                <a:blip r:embed="rId4"/>
-                <a:stretch>
-                  <a:fillRect/>
-                </a:stretch>
-              </a:blipFill>
-            </p:spPr>
-            <p:txBody>
-              <a:bodyPr/>
-              <a:lstStyle/>
-              <a:p>
-                <a:r>
-                  <a:rPr lang="en-US">
-                    <a:noFill/>
-                  </a:rPr>
-                  <a:t> </a:t>
-                </a:r>
-              </a:p>
-            </p:txBody>
-          </p:sp>
-        </mc:Fallback>
-      </mc:AlternateContent>
-      <mc:AlternateContent xmlns:mc="http://schemas.openxmlformats.org/markup-compatibility/2006" xmlns:a14="http://schemas.microsoft.com/office/drawing/2010/main">
-        <mc:Choice Requires="a14">
-          <p:sp>
-            <p:nvSpPr>
-              <p:cNvPr id="5" name="Rectangle 4"/>
-              <p:cNvSpPr/>
-              <p:nvPr/>
-            </p:nvSpPr>
-            <p:spPr>
-              <a:xfrm>
-                <a:off x="5476206" y="3836294"/>
-                <a:ext cx="1300548" cy="590867"/>
-              </a:xfrm>
-              <a:prstGeom prst="rect">
-                <a:avLst/>
-              </a:prstGeom>
-            </p:spPr>
-            <p:txBody>
-              <a:bodyPr wrap="none">
-                <a:spAutoFit/>
-              </a:bodyPr>
-              <a:lstStyle/>
-              <a:p>
-                <a:pPr/>
-                <a14:m>
-                  <m:oMathPara xmlns:m="http://schemas.openxmlformats.org/officeDocument/2006/math">
-                    <m:oMathParaPr>
-                      <m:jc m:val="centerGroup"/>
-                    </m:oMathParaPr>
-                    <m:oMath xmlns:m="http://schemas.openxmlformats.org/officeDocument/2006/math">
-                      <m:r>
-                        <a:rPr lang="en-GB" i="1">
-                          <a:latin typeface="Cambria Math" charset="0"/>
-                        </a:rPr>
-                        <m:t>𝜆</m:t>
-                      </m:r>
-                      <m:r>
-                        <a:rPr lang="en-GB" i="1">
-                          <a:latin typeface="Cambria Math" charset="0"/>
-                        </a:rPr>
-                        <m:t>=</m:t>
-                      </m:r>
-                      <m:f>
-                        <m:fPr>
-                          <m:ctrlPr>
-                            <a:rPr lang="fi-FI" i="1">
-                              <a:latin typeface="Cambria Math" panose="02040503050406030204" pitchFamily="18" charset="0"/>
-                            </a:rPr>
-                          </m:ctrlPr>
-                        </m:fPr>
-                        <m:num>
-                          <m:r>
-                            <a:rPr lang="en-GB" i="1">
-                              <a:latin typeface="Cambria Math" charset="0"/>
-                            </a:rPr>
-                            <m:t>𝑡</m:t>
-                          </m:r>
-                        </m:num>
-                        <m:den>
-                          <m:r>
-                            <a:rPr lang="en-GB" i="1">
-                              <a:latin typeface="Cambria Math" charset="0"/>
-                            </a:rPr>
-                            <m:t>𝑀𝑇𝐵𝐹</m:t>
-                          </m:r>
-                        </m:den>
-                      </m:f>
-                    </m:oMath>
-                  </m:oMathPara>
-                </a14:m>
-                <a:endParaRPr lang="en-US" dirty="0"/>
-              </a:p>
-            </p:txBody>
-          </p:sp>
-        </mc:Choice>
-        <mc:Fallback xmlns="">
-          <p:sp>
-            <p:nvSpPr>
-              <p:cNvPr id="5" name="Rectangle 4"/>
-              <p:cNvSpPr>
-                <a:spLocks noRot="1" noChangeAspect="1" noMove="1" noResize="1" noEditPoints="1" noAdjustHandles="1" noChangeArrowheads="1" noChangeShapeType="1" noTextEdit="1"/>
-              </p:cNvSpPr>
-              <p:nvPr/>
-            </p:nvSpPr>
-            <p:spPr>
-              <a:xfrm>
-                <a:off x="5476206" y="3836294"/>
-                <a:ext cx="1300548" cy="590867"/>
-              </a:xfrm>
-              <a:prstGeom prst="rect">
-                <a:avLst/>
-              </a:prstGeom>
-              <a:blipFill rotWithShape="0">
-                <a:blip r:embed="rId5"/>
-                <a:stretch>
-                  <a:fillRect/>
-                </a:stretch>
-              </a:blipFill>
-            </p:spPr>
-            <p:txBody>
-              <a:bodyPr/>
-              <a:lstStyle/>
-              <a:p>
-                <a:r>
-                  <a:rPr lang="en-US">
-                    <a:noFill/>
-                  </a:rPr>
-                  <a:t> </a:t>
-                </a:r>
-              </a:p>
-            </p:txBody>
-          </p:sp>
-        </mc:Fallback>
-      </mc:AlternateContent>
-      <mc:AlternateContent xmlns:mc="http://schemas.openxmlformats.org/markup-compatibility/2006" xmlns:a14="http://schemas.microsoft.com/office/drawing/2010/main">
-        <mc:Choice Requires="a14">
-          <p:sp>
-            <p:nvSpPr>
-              <p:cNvPr id="6" name="Rectangle 5"/>
-              <p:cNvSpPr/>
-              <p:nvPr/>
-            </p:nvSpPr>
-            <p:spPr>
-              <a:xfrm>
-                <a:off x="3384736" y="4727723"/>
-                <a:ext cx="5483488" cy="840808"/>
-              </a:xfrm>
-              <a:prstGeom prst="rect">
-                <a:avLst/>
-              </a:prstGeom>
-            </p:spPr>
-            <p:txBody>
-              <a:bodyPr wrap="none">
-                <a:spAutoFit/>
-              </a:bodyPr>
-              <a:lstStyle/>
-              <a:p>
-                <a:pPr lvl="0"/>
-                <a14:m>
-                  <m:oMathPara xmlns:m="http://schemas.openxmlformats.org/officeDocument/2006/math">
-                    <m:oMathParaPr>
-                      <m:jc m:val="centerGroup"/>
-                    </m:oMathParaPr>
-                    <m:oMath xmlns:m="http://schemas.openxmlformats.org/officeDocument/2006/math">
-                      <m:r>
-                        <a:rPr lang="en-GB" i="1">
-                          <a:latin typeface="Cambria Math" charset="0"/>
-                        </a:rPr>
-                        <m:t>𝑃</m:t>
-                      </m:r>
-                      <m:d>
-                        <m:dPr>
-                          <m:ctrlPr>
-                            <a:rPr lang="en-GB" i="1">
-                              <a:latin typeface="Cambria Math" panose="02040503050406030204" pitchFamily="18" charset="0"/>
-                            </a:rPr>
-                          </m:ctrlPr>
-                        </m:dPr>
-                        <m:e>
-                          <m:r>
-                            <a:rPr lang="en-GB" i="1">
-                              <a:latin typeface="Cambria Math" charset="0"/>
-                            </a:rPr>
-                            <m:t>𝑘</m:t>
-                          </m:r>
-                          <m:r>
-                            <a:rPr lang="en-GB" i="1">
-                              <a:latin typeface="Cambria Math" charset="0"/>
-                            </a:rPr>
-                            <m:t> </m:t>
-                          </m:r>
-                          <m:r>
-                            <a:rPr lang="en-GB" i="1">
-                              <a:latin typeface="Cambria Math" charset="0"/>
-                            </a:rPr>
-                            <m:t>𝑓𝑎𝑖𝑙𝑢𝑟𝑒𝑠</m:t>
-                          </m:r>
-                          <m:r>
-                            <a:rPr lang="en-GB" i="1">
-                              <a:latin typeface="Cambria Math" charset="0"/>
-                            </a:rPr>
-                            <m:t> </m:t>
-                          </m:r>
-                          <m:r>
-                            <a:rPr lang="en-GB" i="1">
-                              <a:latin typeface="Cambria Math" charset="0"/>
-                            </a:rPr>
-                            <m:t>𝑑𝑢𝑟𝑖𝑛𝑔</m:t>
-                          </m:r>
-                          <m:r>
-                            <a:rPr lang="en-GB" i="1">
-                              <a:latin typeface="Cambria Math" charset="0"/>
-                            </a:rPr>
-                            <m:t> </m:t>
-                          </m:r>
-                          <m:r>
-                            <a:rPr lang="en-GB" i="1">
-                              <a:latin typeface="Cambria Math" charset="0"/>
-                            </a:rPr>
-                            <m:t>𝑡𝑖𝑚𝑒</m:t>
-                          </m:r>
-                          <m:r>
-                            <a:rPr lang="en-GB" i="1">
-                              <a:latin typeface="Cambria Math" charset="0"/>
-                            </a:rPr>
-                            <m:t> </m:t>
-                          </m:r>
-                          <m:r>
-                            <a:rPr lang="en-GB" i="1">
-                              <a:latin typeface="Cambria Math" charset="0"/>
-                            </a:rPr>
-                            <m:t>𝑡</m:t>
-                          </m:r>
-                        </m:e>
-                      </m:d>
-                      <m:r>
-                        <a:rPr lang="en-GB" i="1">
-                          <a:latin typeface="Cambria Math" charset="0"/>
-                        </a:rPr>
-                        <m:t>=</m:t>
-                      </m:r>
-                      <m:f>
-                        <m:fPr>
-                          <m:ctrlPr>
-                            <a:rPr lang="fi-FI" i="1">
-                              <a:latin typeface="Cambria Math" panose="02040503050406030204" pitchFamily="18" charset="0"/>
-                            </a:rPr>
-                          </m:ctrlPr>
-                        </m:fPr>
-                        <m:num>
-                          <m:sSup>
-                            <m:sSupPr>
-                              <m:ctrlPr>
-                                <a:rPr lang="is-IS" i="1">
-                                  <a:latin typeface="Cambria Math" panose="02040503050406030204" pitchFamily="18" charset="0"/>
-                                </a:rPr>
-                              </m:ctrlPr>
-                            </m:sSupPr>
-                            <m:e>
-                              <m:d>
-                                <m:dPr>
-                                  <m:ctrlPr>
-                                    <a:rPr lang="en-US" i="1">
-                                      <a:latin typeface="Cambria Math" panose="02040503050406030204" pitchFamily="18" charset="0"/>
-                                    </a:rPr>
-                                  </m:ctrlPr>
-                                </m:dPr>
-                                <m:e>
-                                  <m:f>
-                                    <m:fPr>
-                                      <m:ctrlPr>
-                                        <a:rPr lang="fi-FI" i="1">
-                                          <a:latin typeface="Cambria Math" panose="02040503050406030204" pitchFamily="18" charset="0"/>
-                                        </a:rPr>
-                                      </m:ctrlPr>
-                                    </m:fPr>
-                                    <m:num>
-                                      <m:r>
-                                        <a:rPr lang="en-GB" i="1">
-                                          <a:latin typeface="Cambria Math" charset="0"/>
-                                        </a:rPr>
-                                        <m:t>𝑡</m:t>
-                                      </m:r>
-                                    </m:num>
-                                    <m:den>
-                                      <m:r>
-                                        <a:rPr lang="en-GB" i="1">
-                                          <a:latin typeface="Cambria Math" charset="0"/>
-                                        </a:rPr>
-                                        <m:t>𝑀𝑇𝐵𝐹</m:t>
-                                      </m:r>
-                                    </m:den>
-                                  </m:f>
-                                </m:e>
-                              </m:d>
-                            </m:e>
-                            <m:sup>
-                              <m:r>
-                                <a:rPr lang="en-GB" i="1">
-                                  <a:latin typeface="Cambria Math" charset="0"/>
-                                </a:rPr>
-                                <m:t>𝑘</m:t>
-                              </m:r>
-                            </m:sup>
-                          </m:sSup>
-                          <m:r>
-                            <a:rPr lang="en-GB" i="1">
-                              <a:latin typeface="Cambria Math" charset="0"/>
-                            </a:rPr>
-                            <m:t>∗</m:t>
-                          </m:r>
-                          <m:sSup>
-                            <m:sSupPr>
-                              <m:ctrlPr>
-                                <a:rPr lang="is-IS" i="1">
-                                  <a:latin typeface="Cambria Math" panose="02040503050406030204" pitchFamily="18" charset="0"/>
-                                </a:rPr>
-                              </m:ctrlPr>
-                            </m:sSupPr>
-                            <m:e>
-                              <m:r>
-                                <a:rPr lang="en-GB" i="1">
-                                  <a:latin typeface="Cambria Math" charset="0"/>
-                                </a:rPr>
-                                <m:t>𝑒</m:t>
-                              </m:r>
-                            </m:e>
-                            <m:sup>
-                              <m:r>
-                                <a:rPr lang="en-GB" i="1">
-                                  <a:latin typeface="Cambria Math" charset="0"/>
-                                </a:rPr>
-                                <m:t>−</m:t>
-                              </m:r>
-                              <m:d>
-                                <m:dPr>
-                                  <m:ctrlPr>
-                                    <a:rPr lang="en-US" i="1">
-                                      <a:latin typeface="Cambria Math" panose="02040503050406030204" pitchFamily="18" charset="0"/>
-                                    </a:rPr>
-                                  </m:ctrlPr>
-                                </m:dPr>
-                                <m:e>
-                                  <m:f>
-                                    <m:fPr>
-                                      <m:ctrlPr>
-                                        <a:rPr lang="fi-FI" i="1">
-                                          <a:latin typeface="Cambria Math" panose="02040503050406030204" pitchFamily="18" charset="0"/>
-                                        </a:rPr>
-                                      </m:ctrlPr>
-                                    </m:fPr>
-                                    <m:num>
-                                      <m:r>
-                                        <a:rPr lang="en-GB" i="1">
-                                          <a:latin typeface="Cambria Math" charset="0"/>
-                                        </a:rPr>
-                                        <m:t>𝑡</m:t>
-                                      </m:r>
-                                    </m:num>
-                                    <m:den>
-                                      <m:r>
-                                        <a:rPr lang="en-GB" i="1">
-                                          <a:latin typeface="Cambria Math" charset="0"/>
-                                        </a:rPr>
-                                        <m:t>𝑀𝑇𝐵𝐹</m:t>
-                                      </m:r>
-                                    </m:den>
-                                  </m:f>
-                                </m:e>
-                              </m:d>
-                            </m:sup>
-                          </m:sSup>
-                        </m:num>
-                        <m:den>
-                          <m:r>
-                            <a:rPr lang="en-GB" i="1">
-                              <a:latin typeface="Cambria Math" charset="0"/>
-                            </a:rPr>
-                            <m:t>𝑘</m:t>
-                          </m:r>
-                          <m:r>
-                            <a:rPr lang="fi-FI" i="1">
-                              <a:latin typeface="Cambria Math" charset="0"/>
-                            </a:rPr>
-                            <m:t>!</m:t>
-                          </m:r>
-                        </m:den>
-                      </m:f>
-                    </m:oMath>
-                  </m:oMathPara>
-                </a14:m>
-                <a:endParaRPr lang="en-US" dirty="0"/>
-              </a:p>
-            </p:txBody>
-          </p:sp>
-        </mc:Choice>
-        <mc:Fallback xmlns="">
-          <p:sp>
-            <p:nvSpPr>
-              <p:cNvPr id="6" name="Rectangle 5"/>
-              <p:cNvSpPr>
-                <a:spLocks noRot="1" noChangeAspect="1" noMove="1" noResize="1" noEditPoints="1" noAdjustHandles="1" noChangeArrowheads="1" noChangeShapeType="1" noTextEdit="1"/>
-              </p:cNvSpPr>
-              <p:nvPr/>
-            </p:nvSpPr>
-            <p:spPr>
-              <a:xfrm>
-                <a:off x="3384736" y="4727723"/>
-                <a:ext cx="5483488" cy="840808"/>
-              </a:xfrm>
-              <a:prstGeom prst="rect">
-                <a:avLst/>
-              </a:prstGeom>
-              <a:blipFill rotWithShape="0">
-                <a:blip r:embed="rId6"/>
-                <a:stretch>
-                  <a:fillRect/>
-                </a:stretch>
-              </a:blipFill>
-            </p:spPr>
-            <p:txBody>
-              <a:bodyPr/>
-              <a:lstStyle/>
-              <a:p>
-                <a:r>
-                  <a:rPr lang="en-US">
-                    <a:noFill/>
-                  </a:rPr>
-                  <a:t> </a:t>
-                </a:r>
-              </a:p>
-            </p:txBody>
-          </p:sp>
-        </mc:Fallback>
-      </mc:AlternateContent>
+      <p:sp>
+        <p:nvSpPr>
+          <p:cNvPr id="3" name="Content Placeholder 2"/>
+          <p:cNvSpPr>
+            <a:spLocks noGrp="1"/>
+          </p:cNvSpPr>
+          <p:nvPr>
+            <p:ph idx="1"/>
+          </p:nvPr>
+        </p:nvSpPr>
+        <p:spPr/>
+        <p:txBody>
+          <a:bodyPr/>
+          <a:lstStyle/>
+          <a:p>
+            <a:pPr>
+              <a:lnSpc>
+                <a:spcPct val="100000"/>
+              </a:lnSpc>
+              <a:spcBef>
+                <a:spcPts val="0"/>
+              </a:spcBef>
+              <a:spcAft>
+                <a:spcPts val="0"/>
+              </a:spcAft>
+              <a:buSzTx/>
+              <a:buFont typeface="Arial" panose="020B0604020202020204" pitchFamily="34" charset="0"/>
+              <a:buChar char="•"/>
+            </a:pPr>
+            <a:r>
+              <a:rPr lang="en-US" dirty="0" smtClean="0"/>
+              <a:t>When </a:t>
+            </a:r>
+            <a:r>
+              <a:rPr lang="en-US" dirty="0" smtClean="0"/>
+              <a:t>replicating the task </a:t>
+            </a:r>
+            <a:r>
+              <a:rPr lang="en-US" i="1" dirty="0" smtClean="0"/>
+              <a:t>T</a:t>
+            </a:r>
+            <a:r>
+              <a:rPr lang="en-US" dirty="0" smtClean="0"/>
+              <a:t>, the replicas may not be synchronized. To avoid timing issues, it is assumed no external calls are made which depends on when the request is </a:t>
+            </a:r>
+            <a:r>
+              <a:rPr lang="en-US" dirty="0" smtClean="0"/>
+              <a:t>made</a:t>
+            </a:r>
+          </a:p>
+          <a:p>
+            <a:pPr>
+              <a:lnSpc>
+                <a:spcPct val="100000"/>
+              </a:lnSpc>
+              <a:spcBef>
+                <a:spcPts val="0"/>
+              </a:spcBef>
+              <a:spcAft>
+                <a:spcPts val="0"/>
+              </a:spcAft>
+              <a:buSzTx/>
+              <a:buFont typeface="Arial" panose="020B0604020202020204" pitchFamily="34" charset="0"/>
+              <a:buChar char="•"/>
+            </a:pPr>
+            <a:endParaRPr lang="en-US" dirty="0" smtClean="0"/>
+          </a:p>
+          <a:p>
+            <a:pPr>
+              <a:lnSpc>
+                <a:spcPct val="100000"/>
+              </a:lnSpc>
+              <a:spcBef>
+                <a:spcPts val="0"/>
+              </a:spcBef>
+              <a:spcAft>
+                <a:spcPts val="0"/>
+              </a:spcAft>
+              <a:buSzTx/>
+              <a:buFont typeface="Arial" panose="020B0604020202020204" pitchFamily="34" charset="0"/>
+              <a:buChar char="•"/>
+            </a:pPr>
+            <a:r>
+              <a:rPr lang="en-US" dirty="0" smtClean="0"/>
+              <a:t>The task </a:t>
+            </a:r>
+            <a:r>
+              <a:rPr lang="en-US" i="1" dirty="0" smtClean="0"/>
+              <a:t>T</a:t>
+            </a:r>
+            <a:r>
+              <a:rPr lang="en-US" dirty="0" smtClean="0"/>
+              <a:t>, performs deterministic calculations on the input. If the replicas all receive the same input, they will all produce the same result</a:t>
+            </a:r>
+            <a:endParaRPr lang="en-US" dirty="0"/>
+          </a:p>
+        </p:txBody>
+      </p:sp>
     </p:spTree>
     <p:extLst>
       <p:ext uri="{BB962C8B-B14F-4D97-AF65-F5344CB8AC3E}">
-        <p14:creationId xmlns:p14="http://schemas.microsoft.com/office/powerpoint/2010/main" val="983931630"/>
+        <p14:creationId xmlns:p14="http://schemas.microsoft.com/office/powerpoint/2010/main" val="4249283421"/>
       </p:ext>
     </p:extLst>
   </p:cSld>
@@ -35634,25 +35321,47 @@
           </a:bodyPr>
           <a:lstStyle/>
           <a:p>
-            <a:pPr marL="0" indent="0">
+            <a:pPr marL="0" lvl="0" indent="0">
               <a:buNone/>
             </a:pPr>
             <a:r>
               <a:rPr lang="en-US" dirty="0" smtClean="0"/>
-              <a:t>We </a:t>
+              <a:t>If one knows a component’s </a:t>
+            </a:r>
+            <a:r>
+              <a:rPr lang="en-US" i="1" dirty="0" smtClean="0"/>
+              <a:t>mean-time-between-failures</a:t>
+            </a:r>
+            <a:r>
+              <a:rPr lang="en-US" dirty="0" smtClean="0"/>
+              <a:t> </a:t>
             </a:r>
             <a:r>
               <a:rPr lang="en-US" dirty="0"/>
-              <a:t>are interested in knowing the probability of a node surviving a time </a:t>
-            </a:r>
-            <a:r>
-              <a:rPr lang="en-US" i="1" dirty="0"/>
+              <a:t>(MTBF), </a:t>
+            </a:r>
+            <a:r>
+              <a:rPr lang="en-US" dirty="0" smtClean="0"/>
+              <a:t>one can using a Poisson process express the probability of </a:t>
+            </a:r>
+            <a:r>
+              <a:rPr lang="en-US" dirty="0" smtClean="0"/>
+              <a:t>a component surviving a time </a:t>
+            </a:r>
+            <a:r>
+              <a:rPr lang="en-US" i="1" dirty="0" smtClean="0"/>
               <a:t>t</a:t>
             </a:r>
             <a:r>
-              <a:rPr lang="en-US" dirty="0"/>
-              <a:t>, i.e. no failures</a:t>
-            </a:r>
+              <a:rPr lang="en-US" dirty="0" smtClean="0"/>
+              <a:t> as:</a:t>
+            </a:r>
+          </a:p>
+          <a:p>
+            <a:pPr marL="0" lvl="0" indent="0">
+              <a:buNone/>
+            </a:pPr>
+            <a:endParaRPr lang="en-US" dirty="0"/>
           </a:p>
           <a:p>
             <a:pPr marL="0" lvl="0" indent="0">
@@ -35661,6 +35370,15 @@
             <a:endParaRPr lang="en-US" dirty="0" smtClean="0"/>
           </a:p>
           <a:p>
+            <a:pPr marL="0" indent="0">
+              <a:buNone/>
+            </a:pPr>
+            <a:r>
+              <a:rPr lang="en-US" dirty="0"/>
+              <a:t>The probability that a failure occurs is thereby</a:t>
+            </a:r>
+          </a:p>
+          <a:p>
             <a:pPr marL="0" lvl="0" indent="0">
               <a:buNone/>
             </a:pPr>
@@ -35670,49 +35388,22 @@
             <a:pPr marL="0" lvl="0" indent="0">
               <a:buNone/>
             </a:pPr>
-            <a:r>
-              <a:rPr lang="en-US" dirty="0" smtClean="0"/>
-              <a:t>The probability that a failure occurs is thereby</a:t>
-            </a:r>
-          </a:p>
-          <a:p>
-            <a:pPr marL="0" lvl="0" indent="0">
-              <a:buNone/>
-            </a:pPr>
-            <a:endParaRPr lang="en-US" dirty="0"/>
-          </a:p>
-          <a:p>
-            <a:pPr marL="0" indent="0">
-              <a:buNone/>
-            </a:pPr>
-            <a:endParaRPr lang="en-US" dirty="0"/>
-          </a:p>
-          <a:p>
-            <a:pPr marL="0" indent="0">
-              <a:buNone/>
-            </a:pPr>
-            <a:endParaRPr lang="en-US" dirty="0"/>
-          </a:p>
-          <a:p>
-            <a:pPr marL="0" lvl="0" indent="0">
-              <a:buNone/>
-            </a:pPr>
-            <a:endParaRPr lang="en-US" dirty="0"/>
+            <a:endParaRPr lang="en-US" dirty="0" smtClean="0"/>
           </a:p>
         </p:txBody>
       </p:sp>
-      <mc:AlternateContent xmlns:mc="http://schemas.openxmlformats.org/markup-compatibility/2006" xmlns:a14="http://schemas.microsoft.com/office/drawing/2010/main">
-        <mc:Choice Requires="a14">
+      <mc:AlternateContent xmlns:mc="http://schemas.openxmlformats.org/markup-compatibility/2006">
+        <mc:Choice xmlns:a14="http://schemas.microsoft.com/office/drawing/2010/main" Requires="a14">
           <p:sp>
             <p:nvSpPr>
-              <p:cNvPr id="5" name="Rectangle 4"/>
+              <p:cNvPr id="7" name="Rectangle 4"/>
               <p:cNvSpPr/>
               <p:nvPr/>
             </p:nvSpPr>
             <p:spPr>
               <a:xfrm>
-                <a:off x="1097279" y="2143706"/>
-                <a:ext cx="10058400" cy="835037"/>
+                <a:off x="1097279" y="2620377"/>
+                <a:ext cx="10058400" cy="496996"/>
               </a:xfrm>
               <a:prstGeom prst="rect">
                 <a:avLst/>
@@ -35831,159 +35522,6 @@
                         </a:rPr>
                         <m:t>=</m:t>
                       </m:r>
-                      <m:f>
-                        <m:fPr>
-                          <m:ctrlPr>
-                            <a:rPr lang="fi-FI" i="1">
-                              <a:latin typeface="Cambria Math" panose="02040503050406030204" pitchFamily="18" charset="0"/>
-                            </a:rPr>
-                          </m:ctrlPr>
-                        </m:fPr>
-                        <m:num>
-                          <m:sSup>
-                            <m:sSupPr>
-                              <m:ctrlPr>
-                                <a:rPr lang="is-IS" i="1">
-                                  <a:latin typeface="Cambria Math" panose="02040503050406030204" pitchFamily="18" charset="0"/>
-                                </a:rPr>
-                              </m:ctrlPr>
-                            </m:sSupPr>
-                            <m:e>
-                              <m:d>
-                                <m:dPr>
-                                  <m:ctrlPr>
-                                    <a:rPr lang="en-US" i="1">
-                                      <a:latin typeface="Cambria Math" panose="02040503050406030204" pitchFamily="18" charset="0"/>
-                                    </a:rPr>
-                                  </m:ctrlPr>
-                                </m:dPr>
-                                <m:e>
-                                  <m:f>
-                                    <m:fPr>
-                                      <m:ctrlPr>
-                                        <a:rPr lang="fi-FI" i="1">
-                                          <a:latin typeface="Cambria Math" panose="02040503050406030204" pitchFamily="18" charset="0"/>
-                                        </a:rPr>
-                                      </m:ctrlPr>
-                                    </m:fPr>
-                                    <m:num>
-                                      <m:r>
-                                        <a:rPr lang="en-GB" i="1">
-                                          <a:latin typeface="Cambria Math" charset="0"/>
-                                        </a:rPr>
-                                        <m:t>𝑡</m:t>
-                                      </m:r>
-                                    </m:num>
-                                    <m:den>
-                                      <m:r>
-                                        <a:rPr lang="en-GB" i="1">
-                                          <a:latin typeface="Cambria Math" charset="0"/>
-                                        </a:rPr>
-                                        <m:t>𝑀𝑇𝐵𝐹</m:t>
-                                      </m:r>
-                                    </m:den>
-                                  </m:f>
-                                </m:e>
-                              </m:d>
-                            </m:e>
-                            <m:sup>
-                              <m:r>
-                                <a:rPr lang="en-GB" i="1">
-                                  <a:latin typeface="Cambria Math" charset="0"/>
-                                </a:rPr>
-                                <m:t>0</m:t>
-                              </m:r>
-                            </m:sup>
-                          </m:sSup>
-                          <m:r>
-                            <a:rPr lang="en-GB" i="1">
-                              <a:latin typeface="Cambria Math" charset="0"/>
-                            </a:rPr>
-                            <m:t>∗</m:t>
-                          </m:r>
-                          <m:sSup>
-                            <m:sSupPr>
-                              <m:ctrlPr>
-                                <a:rPr lang="is-IS" i="1">
-                                  <a:latin typeface="Cambria Math" panose="02040503050406030204" pitchFamily="18" charset="0"/>
-                                </a:rPr>
-                              </m:ctrlPr>
-                            </m:sSupPr>
-                            <m:e>
-                              <m:r>
-                                <a:rPr lang="en-GB" i="1">
-                                  <a:latin typeface="Cambria Math" charset="0"/>
-                                </a:rPr>
-                                <m:t>𝑒</m:t>
-                              </m:r>
-                            </m:e>
-                            <m:sup>
-                              <m:r>
-                                <a:rPr lang="en-GB" i="1">
-                                  <a:latin typeface="Cambria Math" charset="0"/>
-                                </a:rPr>
-                                <m:t>−</m:t>
-                              </m:r>
-                              <m:d>
-                                <m:dPr>
-                                  <m:ctrlPr>
-                                    <a:rPr lang="en-US" i="1">
-                                      <a:latin typeface="Cambria Math" panose="02040503050406030204" pitchFamily="18" charset="0"/>
-                                    </a:rPr>
-                                  </m:ctrlPr>
-                                </m:dPr>
-                                <m:e>
-                                  <m:f>
-                                    <m:fPr>
-                                      <m:ctrlPr>
-                                        <a:rPr lang="fi-FI" i="1">
-                                          <a:latin typeface="Cambria Math" panose="02040503050406030204" pitchFamily="18" charset="0"/>
-                                        </a:rPr>
-                                      </m:ctrlPr>
-                                    </m:fPr>
-                                    <m:num>
-                                      <m:r>
-                                        <a:rPr lang="en-GB" i="1">
-                                          <a:latin typeface="Cambria Math" charset="0"/>
-                                        </a:rPr>
-                                        <m:t>𝑡</m:t>
-                                      </m:r>
-                                    </m:num>
-                                    <m:den>
-                                      <m:r>
-                                        <a:rPr lang="en-GB" i="1">
-                                          <a:latin typeface="Cambria Math" charset="0"/>
-                                        </a:rPr>
-                                        <m:t>𝑀𝑇𝐵𝐹</m:t>
-                                      </m:r>
-                                    </m:den>
-                                  </m:f>
-                                </m:e>
-                              </m:d>
-                            </m:sup>
-                          </m:sSup>
-                        </m:num>
-                        <m:den>
-                          <m:r>
-                            <a:rPr lang="en-GB" i="1">
-                              <a:latin typeface="Cambria Math" charset="0"/>
-                            </a:rPr>
-                            <m:t>0</m:t>
-                          </m:r>
-                          <m:r>
-                            <a:rPr lang="fi-FI" i="1">
-                              <a:latin typeface="Cambria Math" charset="0"/>
-                            </a:rPr>
-                            <m:t>!</m:t>
-                          </m:r>
-                        </m:den>
-                      </m:f>
-                      <m:r>
-                        <a:rPr lang="en-GB" i="1">
-                          <a:latin typeface="Cambria Math" charset="0"/>
-                        </a:rPr>
-                        <m:t>=</m:t>
-                      </m:r>
                       <m:sSup>
                         <m:sSupPr>
                           <m:ctrlPr>
@@ -36053,10 +35591,10 @@
             </p:txBody>
           </p:sp>
         </mc:Choice>
-        <mc:Fallback xmlns="">
+        <mc:Fallback>
           <p:sp>
             <p:nvSpPr>
-              <p:cNvPr id="5" name="Rectangle 4"/>
+              <p:cNvPr id="7" name="Rectangle 4"/>
               <p:cNvSpPr>
                 <a:spLocks noRot="1" noChangeAspect="1" noMove="1" noResize="1" noEditPoints="1" noAdjustHandles="1" noChangeArrowheads="1" noChangeShapeType="1" noTextEdit="1"/>
               </p:cNvSpPr>
@@ -36064,8 +35602,8 @@
             </p:nvSpPr>
             <p:spPr>
               <a:xfrm>
-                <a:off x="1097279" y="2143706"/>
-                <a:ext cx="10058400" cy="835037"/>
+                <a:off x="1097279" y="2620377"/>
+                <a:ext cx="10058400" cy="496996"/>
               </a:xfrm>
               <a:prstGeom prst="rect">
                 <a:avLst/>
@@ -36082,7 +35620,7 @@
               <a:lstStyle/>
               <a:p>
                 <a:r>
-                  <a:rPr lang="en-US">
+                  <a:rPr lang="sv-SE">
                     <a:noFill/>
                   </a:rPr>
                   <a:t> </a:t>
@@ -36092,17 +35630,17 @@
           </p:sp>
         </mc:Fallback>
       </mc:AlternateContent>
-      <mc:AlternateContent xmlns:mc="http://schemas.openxmlformats.org/markup-compatibility/2006" xmlns:a14="http://schemas.microsoft.com/office/drawing/2010/main">
-        <mc:Choice Requires="a14">
+      <mc:AlternateContent xmlns:mc="http://schemas.openxmlformats.org/markup-compatibility/2006">
+        <mc:Choice xmlns:a14="http://schemas.microsoft.com/office/drawing/2010/main" Requires="a14">
           <p:sp>
             <p:nvSpPr>
-              <p:cNvPr id="7" name="Rectangle 6"/>
+              <p:cNvPr id="8" name="Rectangle 6"/>
               <p:cNvSpPr/>
               <p:nvPr/>
             </p:nvSpPr>
             <p:spPr>
               <a:xfrm>
-                <a:off x="4467787" y="3672748"/>
+                <a:off x="4467787" y="3964572"/>
                 <a:ext cx="3317383" cy="369332"/>
               </a:xfrm>
               <a:prstGeom prst="rect">
@@ -36183,10 +35721,10 @@
             </p:txBody>
           </p:sp>
         </mc:Choice>
-        <mc:Fallback xmlns="">
+        <mc:Fallback>
           <p:sp>
             <p:nvSpPr>
-              <p:cNvPr id="7" name="Rectangle 6"/>
+              <p:cNvPr id="8" name="Rectangle 6"/>
               <p:cNvSpPr>
                 <a:spLocks noRot="1" noChangeAspect="1" noMove="1" noResize="1" noEditPoints="1" noAdjustHandles="1" noChangeArrowheads="1" noChangeShapeType="1" noTextEdit="1"/>
               </p:cNvSpPr>
@@ -36194,7 +35732,7 @@
             </p:nvSpPr>
             <p:spPr>
               <a:xfrm>
-                <a:off x="4467787" y="3672748"/>
+                <a:off x="4467787" y="3964572"/>
                 <a:ext cx="3317383" cy="369332"/>
               </a:xfrm>
               <a:prstGeom prst="rect">
@@ -36203,7 +35741,7 @@
               <a:blipFill rotWithShape="0">
                 <a:blip r:embed="rId4"/>
                 <a:stretch>
-                  <a:fillRect t="-95082" b="-121311"/>
+                  <a:fillRect b="-13115"/>
                 </a:stretch>
               </a:blipFill>
             </p:spPr>
@@ -36212,7 +35750,7 @@
               <a:lstStyle/>
               <a:p>
                 <a:r>
-                  <a:rPr lang="en-US">
+                  <a:rPr lang="sv-SE">
                     <a:noFill/>
                   </a:rPr>
                   <a:t> </a:t>
@@ -36225,7 +35763,7 @@
     </p:spTree>
     <p:extLst>
       <p:ext uri="{BB962C8B-B14F-4D97-AF65-F5344CB8AC3E}">
-        <p14:creationId xmlns:p14="http://schemas.microsoft.com/office/powerpoint/2010/main" val="873007415"/>
+        <p14:creationId xmlns:p14="http://schemas.microsoft.com/office/powerpoint/2010/main" val="983931630"/>
       </p:ext>
     </p:extLst>
   </p:cSld>
@@ -36282,85 +35820,225 @@
           </a:p>
         </p:txBody>
       </p:sp>
-      <p:sp>
-        <p:nvSpPr>
-          <p:cNvPr id="3" name="Content Placeholder 2"/>
-          <p:cNvSpPr>
-            <a:spLocks noGrp="1"/>
-          </p:cNvSpPr>
-          <p:nvPr>
-            <p:ph idx="1"/>
-          </p:nvPr>
-        </p:nvSpPr>
-        <p:spPr/>
-        <p:txBody>
-          <a:bodyPr>
-            <a:normAutofit/>
-          </a:bodyPr>
-          <a:lstStyle/>
-          <a:p>
-            <a:pPr lvl="0">
-              <a:buFont typeface="Arial" charset="0"/>
-              <a:buChar char="•"/>
-            </a:pPr>
-            <a:r>
-              <a:rPr lang="en-US" dirty="0" smtClean="0"/>
-              <a:t>We only consider the MTBF for nodes to be constant for some period of time</a:t>
-            </a:r>
-          </a:p>
-          <a:p>
-            <a:pPr lvl="0">
-              <a:buFont typeface="Arial" charset="0"/>
-              <a:buChar char="•"/>
-            </a:pPr>
-            <a:r>
-              <a:rPr lang="en-US" dirty="0" smtClean="0"/>
-              <a:t>Therefore, the latest 3 registered failure times, t1, t2, and t3, for a node are used to calculated the MTBF</a:t>
-            </a:r>
-          </a:p>
-          <a:p>
-            <a:pPr marL="0" lvl="0" indent="0">
-              <a:buNone/>
-            </a:pPr>
-            <a:endParaRPr lang="en-US" dirty="0" smtClean="0"/>
-          </a:p>
-          <a:p>
-            <a:pPr marL="0" lvl="0" indent="0">
-              <a:buNone/>
-            </a:pPr>
-            <a:endParaRPr lang="en-US" dirty="0" smtClean="0"/>
-          </a:p>
-          <a:p>
-            <a:pPr lvl="0">
-              <a:buFont typeface="Arial" charset="0"/>
-              <a:buChar char="•"/>
-            </a:pPr>
-            <a:r>
-              <a:rPr lang="en-US" dirty="0" smtClean="0"/>
-              <a:t>This allows for adapting the reliability of a node if it starts failing more/less often</a:t>
-            </a:r>
-            <a:endParaRPr lang="en-US" dirty="0"/>
-          </a:p>
-          <a:p>
-            <a:pPr marL="0" indent="0">
-              <a:buNone/>
-            </a:pPr>
-            <a:endParaRPr lang="en-US" dirty="0"/>
-          </a:p>
-          <a:p>
-            <a:pPr marL="0" indent="0">
-              <a:buNone/>
-            </a:pPr>
-            <a:endParaRPr lang="en-US" dirty="0"/>
-          </a:p>
-          <a:p>
-            <a:pPr marL="0" lvl="0" indent="0">
-              <a:buNone/>
-            </a:pPr>
-            <a:endParaRPr lang="en-US" dirty="0"/>
-          </a:p>
-        </p:txBody>
-      </p:sp>
+      <mc:AlternateContent xmlns:mc="http://schemas.openxmlformats.org/markup-compatibility/2006">
+        <mc:Choice xmlns:a14="http://schemas.microsoft.com/office/drawing/2010/main" Requires="a14">
+          <p:sp>
+            <p:nvSpPr>
+              <p:cNvPr id="3" name="Content Placeholder 2"/>
+              <p:cNvSpPr>
+                <a:spLocks noGrp="1"/>
+              </p:cNvSpPr>
+              <p:nvPr>
+                <p:ph idx="1"/>
+              </p:nvPr>
+            </p:nvSpPr>
+            <p:spPr/>
+            <p:txBody>
+              <a:bodyPr>
+                <a:normAutofit/>
+              </a:bodyPr>
+              <a:lstStyle/>
+              <a:p>
+                <a:pPr lvl="0">
+                  <a:buFont typeface="Arial" charset="0"/>
+                  <a:buChar char="•"/>
+                </a:pPr>
+                <a:r>
+                  <a:rPr lang="en-US" dirty="0" smtClean="0"/>
+                  <a:t>We consider </a:t>
+                </a:r>
+                <a:r>
+                  <a:rPr lang="en-US" dirty="0" smtClean="0"/>
+                  <a:t>the MTBF for nodes to be constant for some period of time</a:t>
+                </a:r>
+              </a:p>
+              <a:p>
+                <a:pPr lvl="0">
+                  <a:buFont typeface="Arial" charset="0"/>
+                  <a:buChar char="•"/>
+                </a:pPr>
+                <a:r>
+                  <a:rPr lang="en-US" dirty="0" smtClean="0"/>
+                  <a:t>Therefore, the latest 3 registered failure times, </a:t>
+                </a:r>
+                <a14:m>
+                  <m:oMath xmlns:m="http://schemas.openxmlformats.org/officeDocument/2006/math">
+                    <m:sSub>
+                      <m:sSubPr>
+                        <m:ctrlPr>
+                          <a:rPr lang="en-US" i="1">
+                            <a:latin typeface="Cambria Math" panose="02040503050406030204" pitchFamily="18" charset="0"/>
+                          </a:rPr>
+                        </m:ctrlPr>
+                      </m:sSubPr>
+                      <m:e>
+                        <m:r>
+                          <a:rPr lang="en-GB" i="1">
+                            <a:latin typeface="Cambria Math" charset="0"/>
+                          </a:rPr>
+                          <m:t>𝑡</m:t>
+                        </m:r>
+                      </m:e>
+                      <m:sub>
+                        <m:r>
+                          <a:rPr lang="en-GB" i="1">
+                            <a:latin typeface="Cambria Math" charset="0"/>
+                          </a:rPr>
+                          <m:t>1</m:t>
+                        </m:r>
+                      </m:sub>
+                    </m:sSub>
+                  </m:oMath>
+                </a14:m>
+                <a:r>
+                  <a:rPr lang="en-US" dirty="0" smtClean="0"/>
+                  <a:t>, </a:t>
+                </a:r>
+                <a14:m>
+                  <m:oMath xmlns:m="http://schemas.openxmlformats.org/officeDocument/2006/math">
+                    <m:sSub>
+                      <m:sSubPr>
+                        <m:ctrlPr>
+                          <a:rPr lang="en-US" i="1">
+                            <a:latin typeface="Cambria Math" panose="02040503050406030204" pitchFamily="18" charset="0"/>
+                          </a:rPr>
+                        </m:ctrlPr>
+                      </m:sSubPr>
+                      <m:e>
+                        <m:r>
+                          <a:rPr lang="en-GB" i="1">
+                            <a:latin typeface="Cambria Math" charset="0"/>
+                          </a:rPr>
+                          <m:t>𝑡</m:t>
+                        </m:r>
+                      </m:e>
+                      <m:sub>
+                        <m:r>
+                          <a:rPr lang="sv-SE" b="0" i="1" smtClean="0">
+                            <a:latin typeface="Cambria Math" panose="02040503050406030204" pitchFamily="18" charset="0"/>
+                          </a:rPr>
+                          <m:t>2</m:t>
+                        </m:r>
+                      </m:sub>
+                    </m:sSub>
+                  </m:oMath>
+                </a14:m>
+                <a:r>
+                  <a:rPr lang="en-US" dirty="0" smtClean="0"/>
+                  <a:t>, and </a:t>
+                </a:r>
+                <a14:m>
+                  <m:oMath xmlns:m="http://schemas.openxmlformats.org/officeDocument/2006/math">
+                    <m:sSub>
+                      <m:sSubPr>
+                        <m:ctrlPr>
+                          <a:rPr lang="en-US" i="1">
+                            <a:latin typeface="Cambria Math" panose="02040503050406030204" pitchFamily="18" charset="0"/>
+                          </a:rPr>
+                        </m:ctrlPr>
+                      </m:sSubPr>
+                      <m:e>
+                        <m:r>
+                          <a:rPr lang="en-GB" i="1">
+                            <a:latin typeface="Cambria Math" charset="0"/>
+                          </a:rPr>
+                          <m:t>𝑡</m:t>
+                        </m:r>
+                      </m:e>
+                      <m:sub>
+                        <m:r>
+                          <a:rPr lang="sv-SE" b="0" i="1" smtClean="0">
+                            <a:latin typeface="Cambria Math" panose="02040503050406030204" pitchFamily="18" charset="0"/>
+                          </a:rPr>
+                          <m:t>3</m:t>
+                        </m:r>
+                      </m:sub>
+                    </m:sSub>
+                  </m:oMath>
+                </a14:m>
+                <a:r>
+                  <a:rPr lang="en-US" dirty="0" smtClean="0"/>
+                  <a:t>, for a node are used to calculated the MTBF</a:t>
+                </a:r>
+              </a:p>
+              <a:p>
+                <a:pPr marL="0" lvl="0" indent="0">
+                  <a:buNone/>
+                </a:pPr>
+                <a:endParaRPr lang="en-US" dirty="0" smtClean="0"/>
+              </a:p>
+              <a:p>
+                <a:pPr marL="0" lvl="0" indent="0">
+                  <a:buNone/>
+                </a:pPr>
+                <a:endParaRPr lang="en-US" dirty="0" smtClean="0"/>
+              </a:p>
+              <a:p>
+                <a:pPr lvl="0">
+                  <a:buFont typeface="Arial" charset="0"/>
+                  <a:buChar char="•"/>
+                </a:pPr>
+                <a:r>
+                  <a:rPr lang="en-US" dirty="0" smtClean="0"/>
+                  <a:t>This allows for adapting the reliability of a node if it starts failing more/less often</a:t>
+                </a:r>
+                <a:endParaRPr lang="en-US" dirty="0"/>
+              </a:p>
+              <a:p>
+                <a:pPr marL="0" indent="0">
+                  <a:buNone/>
+                </a:pPr>
+                <a:endParaRPr lang="en-US" dirty="0"/>
+              </a:p>
+              <a:p>
+                <a:pPr marL="0" indent="0">
+                  <a:buNone/>
+                </a:pPr>
+                <a:endParaRPr lang="en-US" dirty="0"/>
+              </a:p>
+              <a:p>
+                <a:pPr marL="0" lvl="0" indent="0">
+                  <a:buNone/>
+                </a:pPr>
+                <a:endParaRPr lang="en-US" dirty="0"/>
+              </a:p>
+            </p:txBody>
+          </p:sp>
+        </mc:Choice>
+        <mc:Fallback>
+          <p:sp>
+            <p:nvSpPr>
+              <p:cNvPr id="3" name="Content Placeholder 2"/>
+              <p:cNvSpPr>
+                <a:spLocks noGrp="1" noRot="1" noChangeAspect="1" noMove="1" noResize="1" noEditPoints="1" noAdjustHandles="1" noChangeArrowheads="1" noChangeShapeType="1" noTextEdit="1"/>
+              </p:cNvSpPr>
+              <p:nvPr>
+                <p:ph idx="1"/>
+              </p:nvPr>
+            </p:nvSpPr>
+            <p:spPr>
+              <a:blipFill rotWithShape="0">
+                <a:blip r:embed="rId3"/>
+                <a:stretch>
+                  <a:fillRect l="-1455" t="-1667"/>
+                </a:stretch>
+              </a:blipFill>
+            </p:spPr>
+            <p:txBody>
+              <a:bodyPr/>
+              <a:lstStyle/>
+              <a:p>
+                <a:r>
+                  <a:rPr lang="sv-SE">
+                    <a:noFill/>
+                  </a:rPr>
+                  <a:t> </a:t>
+                </a:r>
+              </a:p>
+            </p:txBody>
+          </p:sp>
+        </mc:Fallback>
+      </mc:AlternateContent>
       <mc:AlternateContent xmlns:mc="http://schemas.openxmlformats.org/markup-compatibility/2006" xmlns:a14="http://schemas.microsoft.com/office/drawing/2010/main">
         <mc:Choice Requires="a14">
           <p:sp>
@@ -36566,7 +36244,7 @@
                 <a:avLst/>
               </a:prstGeom>
               <a:blipFill rotWithShape="0">
-                <a:blip r:embed="rId3"/>
+                <a:blip r:embed="rId4"/>
                 <a:stretch>
                   <a:fillRect/>
                 </a:stretch>

--- a/presentation/presentation2.pptx
+++ b/presentation/presentation2.pptx
@@ -16763,392 +16763,7 @@
               <a:rPr lang="en-US" baseline="0" dirty="0" smtClean="0"/>
               <a:t>.</a:t>
             </a:r>
-          </a:p>
-          <a:p>
             <a:endParaRPr lang="en-US" baseline="0" dirty="0" smtClean="0"/>
-          </a:p>
-          <a:p>
-            <a:r>
-              <a:rPr lang="en-US" baseline="0" dirty="0" smtClean="0"/>
-              <a:t>Vid </a:t>
-            </a:r>
-            <a:r>
-              <a:rPr lang="en-US" baseline="0" dirty="0" err="1" smtClean="0"/>
-              <a:t>replicering</a:t>
-            </a:r>
-            <a:r>
-              <a:rPr lang="en-US" baseline="0" dirty="0" smtClean="0"/>
-              <a:t> </a:t>
-            </a:r>
-            <a:r>
-              <a:rPr lang="en-US" baseline="0" dirty="0" err="1" smtClean="0"/>
-              <a:t>så</a:t>
-            </a:r>
-            <a:r>
-              <a:rPr lang="en-US" baseline="0" dirty="0" smtClean="0"/>
-              <a:t> </a:t>
-            </a:r>
-            <a:r>
-              <a:rPr lang="en-US" baseline="0" dirty="0" err="1" smtClean="0"/>
-              <a:t>får</a:t>
-            </a:r>
-            <a:r>
-              <a:rPr lang="en-US" baseline="0" dirty="0" smtClean="0"/>
-              <a:t> </a:t>
-            </a:r>
-            <a:r>
-              <a:rPr lang="en-US" baseline="0" dirty="0" err="1" smtClean="0"/>
-              <a:t>varje</a:t>
-            </a:r>
-            <a:r>
-              <a:rPr lang="en-US" baseline="0" dirty="0" smtClean="0"/>
-              <a:t> </a:t>
-            </a:r>
-            <a:r>
-              <a:rPr lang="en-US" baseline="0" dirty="0" err="1" smtClean="0"/>
-              <a:t>replika</a:t>
-            </a:r>
-            <a:r>
-              <a:rPr lang="en-US" baseline="0" dirty="0" smtClean="0"/>
-              <a:t> </a:t>
-            </a:r>
-            <a:r>
-              <a:rPr lang="en-US" baseline="0" dirty="0" err="1" smtClean="0"/>
-              <a:t>samma</a:t>
-            </a:r>
-            <a:r>
-              <a:rPr lang="en-US" baseline="0" dirty="0" smtClean="0"/>
-              <a:t> input. </a:t>
-            </a:r>
-            <a:r>
-              <a:rPr lang="en-US" baseline="0" dirty="0" err="1" smtClean="0"/>
-              <a:t>Replikorna</a:t>
-            </a:r>
-            <a:r>
-              <a:rPr lang="en-US" baseline="0" dirty="0" smtClean="0"/>
-              <a:t> </a:t>
-            </a:r>
-            <a:r>
-              <a:rPr lang="en-US" baseline="0" dirty="0" err="1" smtClean="0"/>
-              <a:t>kan</a:t>
-            </a:r>
-            <a:r>
-              <a:rPr lang="en-US" baseline="0" dirty="0" smtClean="0"/>
-              <a:t> dock </a:t>
-            </a:r>
-            <a:r>
-              <a:rPr lang="en-US" baseline="0" dirty="0" err="1" smtClean="0"/>
-              <a:t>vara</a:t>
-            </a:r>
-            <a:r>
-              <a:rPr lang="en-US" baseline="0" dirty="0" smtClean="0"/>
-              <a:t> lite I </a:t>
-            </a:r>
-            <a:r>
-              <a:rPr lang="en-US" baseline="0" dirty="0" err="1" smtClean="0"/>
-              <a:t>ofas</a:t>
-            </a:r>
-            <a:r>
-              <a:rPr lang="en-US" baseline="0" dirty="0" smtClean="0"/>
-              <a:t>, men </a:t>
-            </a:r>
-            <a:r>
-              <a:rPr lang="en-US" baseline="0" dirty="0" err="1" smtClean="0"/>
-              <a:t>synkroniseringsprpblem</a:t>
-            </a:r>
-            <a:r>
-              <a:rPr lang="en-US" baseline="0" dirty="0" smtClean="0"/>
-              <a:t> </a:t>
-            </a:r>
-            <a:r>
-              <a:rPr lang="en-US" baseline="0" dirty="0" err="1" smtClean="0"/>
-              <a:t>undvikes</a:t>
-            </a:r>
-            <a:r>
-              <a:rPr lang="en-US" baseline="0" dirty="0" smtClean="0"/>
-              <a:t> </a:t>
-            </a:r>
-            <a:r>
-              <a:rPr lang="en-US" baseline="0" dirty="0" err="1" smtClean="0"/>
-              <a:t>genom</a:t>
-            </a:r>
-            <a:r>
-              <a:rPr lang="en-US" baseline="0" dirty="0" smtClean="0"/>
-              <a:t> </a:t>
-            </a:r>
-            <a:r>
-              <a:rPr lang="en-US" baseline="0" dirty="0" err="1" smtClean="0"/>
-              <a:t>att</a:t>
-            </a:r>
-            <a:r>
-              <a:rPr lang="en-US" baseline="0" dirty="0" smtClean="0"/>
-              <a:t> anta </a:t>
-            </a:r>
-            <a:r>
-              <a:rPr lang="en-US" baseline="0" dirty="0" err="1" smtClean="0"/>
-              <a:t>att</a:t>
-            </a:r>
-            <a:r>
-              <a:rPr lang="en-US" baseline="0" dirty="0" smtClean="0"/>
-              <a:t> </a:t>
-            </a:r>
-            <a:r>
-              <a:rPr lang="en-US" baseline="0" dirty="0" err="1" smtClean="0"/>
-              <a:t>replikorna</a:t>
-            </a:r>
-            <a:r>
-              <a:rPr lang="en-US" baseline="0" dirty="0" smtClean="0"/>
-              <a:t> </a:t>
-            </a:r>
-            <a:r>
-              <a:rPr lang="en-US" baseline="0" dirty="0" err="1" smtClean="0"/>
-              <a:t>inte</a:t>
-            </a:r>
-            <a:r>
-              <a:rPr lang="en-US" baseline="0" dirty="0" smtClean="0"/>
-              <a:t> </a:t>
-            </a:r>
-            <a:r>
-              <a:rPr lang="en-US" baseline="0" dirty="0" err="1" smtClean="0"/>
-              <a:t>gör</a:t>
-            </a:r>
-            <a:r>
-              <a:rPr lang="en-US" baseline="0" dirty="0" smtClean="0"/>
-              <a:t> </a:t>
-            </a:r>
-            <a:r>
-              <a:rPr lang="en-US" baseline="0" dirty="0" err="1" smtClean="0"/>
-              <a:t>några</a:t>
-            </a:r>
-            <a:r>
-              <a:rPr lang="en-US" baseline="0" dirty="0" smtClean="0"/>
-              <a:t> externa </a:t>
-            </a:r>
-            <a:r>
-              <a:rPr lang="en-US" baseline="0" dirty="0" err="1" smtClean="0"/>
-              <a:t>anrop</a:t>
-            </a:r>
-            <a:r>
-              <a:rPr lang="en-US" baseline="0" dirty="0" smtClean="0"/>
-              <a:t> </a:t>
-            </a:r>
-            <a:r>
-              <a:rPr lang="en-US" baseline="0" dirty="0" err="1" smtClean="0"/>
-              <a:t>där</a:t>
-            </a:r>
-            <a:r>
-              <a:rPr lang="en-US" baseline="0" dirty="0" smtClean="0"/>
-              <a:t> </a:t>
-            </a:r>
-            <a:r>
-              <a:rPr lang="en-US" baseline="0" dirty="0" err="1" smtClean="0"/>
-              <a:t>resultatet</a:t>
-            </a:r>
-            <a:r>
-              <a:rPr lang="en-US" baseline="0" dirty="0" smtClean="0"/>
-              <a:t> </a:t>
-            </a:r>
-            <a:r>
-              <a:rPr lang="en-US" baseline="0" dirty="0" err="1" smtClean="0"/>
-              <a:t>påverkas</a:t>
-            </a:r>
-            <a:r>
-              <a:rPr lang="en-US" baseline="0" dirty="0" smtClean="0"/>
-              <a:t> </a:t>
-            </a:r>
-            <a:r>
-              <a:rPr lang="en-US" baseline="0" dirty="0" err="1" smtClean="0"/>
-              <a:t>av</a:t>
-            </a:r>
-            <a:r>
-              <a:rPr lang="en-US" baseline="0" dirty="0" smtClean="0"/>
-              <a:t> </a:t>
-            </a:r>
-            <a:r>
-              <a:rPr lang="en-US" baseline="0" dirty="0" err="1" smtClean="0"/>
-              <a:t>när</a:t>
-            </a:r>
-            <a:r>
-              <a:rPr lang="en-US" baseline="0" dirty="0" smtClean="0"/>
-              <a:t> </a:t>
-            </a:r>
-            <a:r>
-              <a:rPr lang="en-US" baseline="0" dirty="0" err="1" smtClean="0"/>
-              <a:t>anropet</a:t>
-            </a:r>
-            <a:r>
-              <a:rPr lang="en-US" baseline="0" dirty="0" smtClean="0"/>
-              <a:t> </a:t>
-            </a:r>
-            <a:r>
-              <a:rPr lang="en-US" baseline="0" dirty="0" err="1" smtClean="0"/>
-              <a:t>gjordes</a:t>
-            </a:r>
-            <a:r>
-              <a:rPr lang="en-US" baseline="0" dirty="0" smtClean="0"/>
-              <a:t>. Vi </a:t>
-            </a:r>
-            <a:r>
-              <a:rPr lang="en-US" baseline="0" dirty="0" err="1" smtClean="0"/>
-              <a:t>antar</a:t>
-            </a:r>
-            <a:r>
-              <a:rPr lang="en-US" baseline="0" dirty="0" smtClean="0"/>
-              <a:t> </a:t>
-            </a:r>
-            <a:r>
-              <a:rPr lang="en-US" baseline="0" dirty="0" err="1" smtClean="0"/>
-              <a:t>alltså</a:t>
-            </a:r>
-            <a:r>
-              <a:rPr lang="en-US" baseline="0" dirty="0" smtClean="0"/>
-              <a:t> </a:t>
-            </a:r>
-            <a:r>
-              <a:rPr lang="en-US" baseline="0" dirty="0" err="1" smtClean="0"/>
-              <a:t>deterministiska</a:t>
-            </a:r>
-            <a:r>
-              <a:rPr lang="en-US" baseline="0" dirty="0" smtClean="0"/>
-              <a:t> </a:t>
-            </a:r>
-            <a:r>
-              <a:rPr lang="en-US" baseline="0" dirty="0" err="1" smtClean="0"/>
-              <a:t>beräkningar</a:t>
-            </a:r>
-            <a:r>
-              <a:rPr lang="en-US" baseline="0" dirty="0" smtClean="0"/>
-              <a:t> </a:t>
-            </a:r>
-            <a:r>
-              <a:rPr lang="en-US" baseline="0" dirty="0" err="1" smtClean="0"/>
-              <a:t>av</a:t>
-            </a:r>
-            <a:r>
-              <a:rPr lang="en-US" baseline="0" dirty="0" smtClean="0"/>
-              <a:t> </a:t>
-            </a:r>
-            <a:r>
-              <a:rPr lang="en-US" baseline="0" dirty="0" err="1" smtClean="0"/>
-              <a:t>inputen</a:t>
-            </a:r>
-            <a:r>
-              <a:rPr lang="en-US" baseline="0" dirty="0" smtClean="0"/>
-              <a:t>, </a:t>
-            </a:r>
-            <a:r>
-              <a:rPr lang="en-US" baseline="0" dirty="0" err="1" smtClean="0"/>
-              <a:t>så</a:t>
-            </a:r>
-            <a:r>
-              <a:rPr lang="en-US" baseline="0" dirty="0" smtClean="0"/>
-              <a:t> </a:t>
-            </a:r>
-            <a:r>
-              <a:rPr lang="en-US" baseline="0" dirty="0" err="1" smtClean="0"/>
-              <a:t>förutsatt</a:t>
-            </a:r>
-            <a:r>
-              <a:rPr lang="en-US" baseline="0" dirty="0" smtClean="0"/>
-              <a:t> </a:t>
-            </a:r>
-            <a:r>
-              <a:rPr lang="en-US" baseline="0" dirty="0" err="1" smtClean="0"/>
-              <a:t>att</a:t>
-            </a:r>
-            <a:r>
-              <a:rPr lang="en-US" baseline="0" dirty="0" smtClean="0"/>
-              <a:t> </a:t>
-            </a:r>
-            <a:r>
-              <a:rPr lang="en-US" baseline="0" dirty="0" err="1" smtClean="0"/>
-              <a:t>alla</a:t>
-            </a:r>
-            <a:r>
-              <a:rPr lang="en-US" baseline="0" dirty="0" smtClean="0"/>
-              <a:t> </a:t>
-            </a:r>
-            <a:r>
-              <a:rPr lang="en-US" baseline="0" dirty="0" err="1" smtClean="0"/>
-              <a:t>replikor</a:t>
-            </a:r>
-            <a:r>
-              <a:rPr lang="en-US" baseline="0" dirty="0" smtClean="0"/>
-              <a:t> </a:t>
-            </a:r>
-            <a:r>
-              <a:rPr lang="en-US" baseline="0" dirty="0" err="1" smtClean="0"/>
-              <a:t>får</a:t>
-            </a:r>
-            <a:r>
-              <a:rPr lang="en-US" baseline="0" dirty="0" smtClean="0"/>
-              <a:t> </a:t>
-            </a:r>
-            <a:r>
-              <a:rPr lang="en-US" baseline="0" dirty="0" err="1" smtClean="0"/>
-              <a:t>samma</a:t>
-            </a:r>
-            <a:r>
-              <a:rPr lang="en-US" baseline="0" dirty="0" smtClean="0"/>
-              <a:t> input, </a:t>
-            </a:r>
-            <a:r>
-              <a:rPr lang="en-US" baseline="0" dirty="0" err="1" smtClean="0"/>
-              <a:t>så</a:t>
-            </a:r>
-            <a:r>
-              <a:rPr lang="en-US" baseline="0" dirty="0" smtClean="0"/>
-              <a:t> </a:t>
-            </a:r>
-            <a:r>
-              <a:rPr lang="en-US" baseline="0" dirty="0" err="1" smtClean="0"/>
-              <a:t>kommer</a:t>
-            </a:r>
-            <a:r>
-              <a:rPr lang="en-US" baseline="0" dirty="0" smtClean="0"/>
-              <a:t> de </a:t>
-            </a:r>
-            <a:r>
-              <a:rPr lang="en-US" baseline="0" dirty="0" err="1" smtClean="0"/>
-              <a:t>även</a:t>
-            </a:r>
-            <a:r>
-              <a:rPr lang="en-US" baseline="0" dirty="0" smtClean="0"/>
-              <a:t> </a:t>
-            </a:r>
-            <a:r>
-              <a:rPr lang="en-US" baseline="0" dirty="0" err="1" smtClean="0"/>
-              <a:t>att</a:t>
-            </a:r>
-            <a:r>
-              <a:rPr lang="en-US" baseline="0" dirty="0" smtClean="0"/>
-              <a:t> </a:t>
-            </a:r>
-            <a:r>
-              <a:rPr lang="en-US" baseline="0" dirty="0" err="1" smtClean="0"/>
-              <a:t>producera</a:t>
-            </a:r>
-            <a:r>
-              <a:rPr lang="en-US" baseline="0" dirty="0" smtClean="0"/>
-              <a:t> </a:t>
-            </a:r>
-            <a:r>
-              <a:rPr lang="en-US" baseline="0" dirty="0" err="1" smtClean="0"/>
-              <a:t>samma</a:t>
-            </a:r>
-            <a:r>
-              <a:rPr lang="en-US" baseline="0" dirty="0" smtClean="0"/>
-              <a:t> </a:t>
-            </a:r>
-            <a:r>
-              <a:rPr lang="en-US" baseline="0" dirty="0" err="1" smtClean="0"/>
-              <a:t>resultat</a:t>
-            </a:r>
-            <a:r>
-              <a:rPr lang="en-US" baseline="0" dirty="0" smtClean="0"/>
-              <a:t>.</a:t>
-            </a:r>
-            <a:endParaRPr lang="en-US" dirty="0"/>
           </a:p>
         </p:txBody>
       </p:sp>
@@ -18925,251 +18540,6 @@
           <a:lstStyle/>
           <a:p>
             <a:r>
-              <a:rPr lang="en-US" dirty="0" err="1" smtClean="0"/>
-              <a:t>Applikationen</a:t>
-            </a:r>
-            <a:r>
-              <a:rPr lang="en-US" baseline="0" dirty="0" smtClean="0"/>
-              <a:t> vi </a:t>
-            </a:r>
-            <a:r>
-              <a:rPr lang="en-US" baseline="0" dirty="0" err="1" smtClean="0"/>
-              <a:t>tänker</a:t>
-            </a:r>
-            <a:r>
-              <a:rPr lang="en-US" baseline="0" dirty="0" smtClean="0"/>
-              <a:t> </a:t>
-            </a:r>
-            <a:r>
-              <a:rPr lang="en-US" baseline="0" dirty="0" err="1" smtClean="0"/>
-              <a:t>oss</a:t>
-            </a:r>
-            <a:r>
-              <a:rPr lang="en-US" baseline="0" dirty="0" smtClean="0"/>
-              <a:t> </a:t>
-            </a:r>
-            <a:r>
-              <a:rPr lang="en-US" baseline="0" dirty="0" err="1" smtClean="0"/>
-              <a:t>är</a:t>
-            </a:r>
-            <a:r>
-              <a:rPr lang="en-US" baseline="0" dirty="0" smtClean="0"/>
-              <a:t> </a:t>
-            </a:r>
-            <a:r>
-              <a:rPr lang="en-US" baseline="0" dirty="0" err="1" smtClean="0"/>
-              <a:t>i</a:t>
-            </a:r>
-            <a:r>
-              <a:rPr lang="en-US" baseline="0" dirty="0" smtClean="0"/>
-              <a:t> </a:t>
-            </a:r>
-            <a:r>
-              <a:rPr lang="en-US" baseline="0" dirty="0" err="1" smtClean="0"/>
-              <a:t>dess</a:t>
-            </a:r>
-            <a:r>
-              <a:rPr lang="en-US" baseline="0" dirty="0" smtClean="0"/>
-              <a:t> </a:t>
-            </a:r>
-            <a:r>
-              <a:rPr lang="en-US" baseline="0" dirty="0" err="1" smtClean="0"/>
-              <a:t>enklaste</a:t>
-            </a:r>
-            <a:r>
-              <a:rPr lang="en-US" baseline="0" dirty="0" smtClean="0"/>
-              <a:t> fall </a:t>
-            </a:r>
-            <a:r>
-              <a:rPr lang="en-US" baseline="0" dirty="0" err="1" smtClean="0"/>
-              <a:t>bestånde</a:t>
-            </a:r>
-            <a:r>
-              <a:rPr lang="en-US" baseline="0" dirty="0" smtClean="0"/>
-              <a:t> </a:t>
-            </a:r>
-            <a:r>
-              <a:rPr lang="en-US" baseline="0" dirty="0" err="1" smtClean="0"/>
-              <a:t>av</a:t>
-            </a:r>
-            <a:r>
-              <a:rPr lang="en-US" baseline="0" dirty="0" smtClean="0"/>
-              <a:t> 3 </a:t>
-            </a:r>
-            <a:r>
-              <a:rPr lang="en-US" baseline="0" dirty="0" err="1" smtClean="0"/>
-              <a:t>delar</a:t>
-            </a:r>
-            <a:r>
-              <a:rPr lang="en-US" baseline="0" dirty="0" smtClean="0"/>
-              <a:t>. En </a:t>
-            </a:r>
-            <a:r>
-              <a:rPr lang="en-US" baseline="0" dirty="0" err="1" smtClean="0"/>
-              <a:t>producent</a:t>
-            </a:r>
-            <a:r>
-              <a:rPr lang="en-US" baseline="0" dirty="0" smtClean="0"/>
-              <a:t>, </a:t>
-            </a:r>
-            <a:r>
-              <a:rPr lang="en-US" baseline="0" dirty="0" err="1" smtClean="0"/>
-              <a:t>som</a:t>
-            </a:r>
-            <a:r>
-              <a:rPr lang="en-US" baseline="0" dirty="0" smtClean="0"/>
-              <a:t> </a:t>
-            </a:r>
-            <a:r>
-              <a:rPr lang="en-US" baseline="0" dirty="0" err="1" smtClean="0"/>
-              <a:t>producerar</a:t>
-            </a:r>
-            <a:r>
-              <a:rPr lang="en-US" baseline="0" dirty="0" smtClean="0"/>
-              <a:t> </a:t>
-            </a:r>
-            <a:r>
-              <a:rPr lang="en-US" baseline="0" dirty="0" err="1" smtClean="0"/>
-              <a:t>någon</a:t>
-            </a:r>
-            <a:r>
-              <a:rPr lang="en-US" baseline="0" dirty="0" smtClean="0"/>
-              <a:t> form </a:t>
-            </a:r>
-            <a:r>
-              <a:rPr lang="en-US" baseline="0" dirty="0" err="1" smtClean="0"/>
-              <a:t>av</a:t>
-            </a:r>
-            <a:r>
-              <a:rPr lang="en-US" baseline="0" dirty="0" smtClean="0"/>
-              <a:t> data </a:t>
-            </a:r>
-            <a:r>
-              <a:rPr lang="en-US" baseline="0" dirty="0" err="1" smtClean="0"/>
-              <a:t>som</a:t>
-            </a:r>
-            <a:r>
-              <a:rPr lang="en-US" baseline="0" dirty="0" smtClean="0"/>
-              <a:t> </a:t>
-            </a:r>
-            <a:r>
-              <a:rPr lang="en-US" baseline="0" dirty="0" err="1" smtClean="0"/>
-              <a:t>måste</a:t>
-            </a:r>
-            <a:r>
-              <a:rPr lang="en-US" baseline="0" dirty="0" smtClean="0"/>
-              <a:t> </a:t>
-            </a:r>
-            <a:r>
-              <a:rPr lang="en-US" baseline="0" dirty="0" err="1" smtClean="0"/>
-              <a:t>behandlas</a:t>
-            </a:r>
-            <a:r>
-              <a:rPr lang="en-US" baseline="0" dirty="0" smtClean="0"/>
-              <a:t>. </a:t>
-            </a:r>
-            <a:r>
-              <a:rPr lang="en-US" baseline="0" dirty="0" err="1" smtClean="0"/>
-              <a:t>Datan</a:t>
-            </a:r>
-            <a:r>
-              <a:rPr lang="en-US" baseline="0" dirty="0" smtClean="0"/>
-              <a:t> </a:t>
-            </a:r>
-            <a:r>
-              <a:rPr lang="en-US" baseline="0" dirty="0" err="1" smtClean="0"/>
-              <a:t>skickas</a:t>
-            </a:r>
-            <a:r>
-              <a:rPr lang="en-US" baseline="0" dirty="0" smtClean="0"/>
-              <a:t> till en </a:t>
-            </a:r>
-            <a:r>
-              <a:rPr lang="en-US" baseline="0" dirty="0" err="1" smtClean="0"/>
-              <a:t>tjänst</a:t>
-            </a:r>
-            <a:r>
-              <a:rPr lang="en-US" baseline="0" dirty="0" smtClean="0"/>
-              <a:t> </a:t>
-            </a:r>
-            <a:r>
-              <a:rPr lang="en-US" baseline="0" dirty="0" err="1" smtClean="0"/>
-              <a:t>som</a:t>
-            </a:r>
-            <a:r>
-              <a:rPr lang="en-US" baseline="0" dirty="0" smtClean="0"/>
-              <a:t> </a:t>
-            </a:r>
-            <a:r>
-              <a:rPr lang="en-US" baseline="0" dirty="0" err="1" smtClean="0"/>
-              <a:t>gör</a:t>
-            </a:r>
-            <a:r>
-              <a:rPr lang="en-US" baseline="0" dirty="0" smtClean="0"/>
-              <a:t> </a:t>
-            </a:r>
-            <a:r>
-              <a:rPr lang="en-US" baseline="0" dirty="0" err="1" smtClean="0"/>
-              <a:t>beräkningar</a:t>
-            </a:r>
-            <a:r>
-              <a:rPr lang="en-US" baseline="0" dirty="0" smtClean="0"/>
-              <a:t> </a:t>
-            </a:r>
-            <a:r>
-              <a:rPr lang="en-US" baseline="0" dirty="0" err="1" smtClean="0"/>
-              <a:t>på</a:t>
-            </a:r>
-            <a:r>
-              <a:rPr lang="en-US" baseline="0" dirty="0" smtClean="0"/>
-              <a:t> </a:t>
-            </a:r>
-            <a:r>
-              <a:rPr lang="en-US" baseline="0" dirty="0" err="1" smtClean="0"/>
-              <a:t>datan</a:t>
-            </a:r>
-            <a:r>
-              <a:rPr lang="en-US" baseline="0" dirty="0" smtClean="0"/>
-              <a:t> </a:t>
-            </a:r>
-            <a:r>
-              <a:rPr lang="en-US" baseline="0" dirty="0" err="1" smtClean="0"/>
-              <a:t>och</a:t>
-            </a:r>
-            <a:r>
-              <a:rPr lang="en-US" baseline="0" dirty="0" smtClean="0"/>
-              <a:t> </a:t>
-            </a:r>
-            <a:r>
-              <a:rPr lang="en-US" baseline="0" dirty="0" err="1" smtClean="0"/>
-              <a:t>skickar</a:t>
-            </a:r>
-            <a:r>
-              <a:rPr lang="en-US" baseline="0" dirty="0" smtClean="0"/>
-              <a:t> </a:t>
-            </a:r>
-            <a:r>
-              <a:rPr lang="en-US" baseline="0" dirty="0" err="1" smtClean="0"/>
-              <a:t>resultatet</a:t>
-            </a:r>
-            <a:r>
-              <a:rPr lang="en-US" baseline="0" dirty="0" smtClean="0"/>
-              <a:t> till en </a:t>
-            </a:r>
-            <a:r>
-              <a:rPr lang="en-US" baseline="0" dirty="0" err="1" smtClean="0"/>
-              <a:t>konsument</a:t>
-            </a:r>
-            <a:r>
-              <a:rPr lang="en-US" baseline="0" dirty="0" smtClean="0"/>
-              <a:t>.</a:t>
-            </a:r>
-          </a:p>
-          <a:p>
-            <a:endParaRPr lang="en-US" baseline="0" dirty="0" smtClean="0"/>
-          </a:p>
-          <a:p>
-            <a:r>
               <a:rPr lang="en-US" baseline="0" dirty="0" smtClean="0"/>
               <a:t>Vid </a:t>
             </a:r>
@@ -19634,8 +19004,68 @@
           <a:lstStyle/>
           <a:p>
             <a:r>
+              <a:rPr lang="en-US" dirty="0" smtClean="0"/>
+              <a:t>Om man vet MTBF </a:t>
+            </a:r>
+            <a:r>
               <a:rPr lang="en-US" dirty="0" err="1" smtClean="0"/>
-              <a:t>När</a:t>
+              <a:t>för</a:t>
+            </a:r>
+            <a:r>
+              <a:rPr lang="en-US" dirty="0" smtClean="0"/>
+              <a:t> </a:t>
+            </a:r>
+            <a:r>
+              <a:rPr lang="en-US" dirty="0" err="1" smtClean="0"/>
+              <a:t>en</a:t>
+            </a:r>
+            <a:r>
+              <a:rPr lang="en-US" dirty="0" smtClean="0"/>
+              <a:t> </a:t>
+            </a:r>
+            <a:r>
+              <a:rPr lang="en-US" dirty="0" err="1" smtClean="0"/>
+              <a:t>komponent</a:t>
+            </a:r>
+            <a:r>
+              <a:rPr lang="en-US" dirty="0" smtClean="0"/>
+              <a:t>, </a:t>
+            </a:r>
+            <a:r>
+              <a:rPr lang="en-US" dirty="0" err="1" smtClean="0"/>
+              <a:t>d.v.s</a:t>
+            </a:r>
+            <a:r>
+              <a:rPr lang="en-US" dirty="0" smtClean="0"/>
+              <a:t> </a:t>
+            </a:r>
+            <a:r>
+              <a:rPr lang="en-US" dirty="0" err="1" smtClean="0"/>
+              <a:t>hur</a:t>
+            </a:r>
+            <a:r>
+              <a:rPr lang="en-US" dirty="0" smtClean="0"/>
+              <a:t> </a:t>
+            </a:r>
+            <a:r>
+              <a:rPr lang="en-US" dirty="0" err="1" smtClean="0"/>
+              <a:t>ofta</a:t>
+            </a:r>
+            <a:r>
+              <a:rPr lang="en-US" dirty="0" smtClean="0"/>
+              <a:t> den </a:t>
+            </a:r>
+            <a:r>
+              <a:rPr lang="en-US" dirty="0" err="1" smtClean="0"/>
+              <a:t>failar</a:t>
+            </a:r>
+            <a:r>
+              <a:rPr lang="en-US" dirty="0" smtClean="0"/>
+              <a:t>, </a:t>
+            </a:r>
+            <a:r>
+              <a:rPr lang="en-US" dirty="0" err="1" smtClean="0"/>
+              <a:t>kan</a:t>
             </a:r>
             <a:r>
               <a:rPr lang="en-US" dirty="0" smtClean="0"/>
@@ -19643,7 +19073,7 @@
             </a:r>
             <a:r>
               <a:rPr lang="en-US" dirty="0" err="1" smtClean="0"/>
-              <a:t>antar</a:t>
+              <a:t>beräkna</a:t>
             </a:r>
             <a:r>
               <a:rPr lang="en-US" dirty="0" smtClean="0"/>
@@ -19651,7 +19081,100 @@
             </a:r>
             <a:r>
               <a:rPr lang="en-US" dirty="0" err="1" smtClean="0"/>
-              <a:t>konstanta</a:t>
+              <a:t>sannolikheten</a:t>
+            </a:r>
+            <a:r>
+              <a:rPr lang="en-US" baseline="0" dirty="0" smtClean="0"/>
+              <a:t> </a:t>
+            </a:r>
+            <a:r>
+              <a:rPr lang="en-US" baseline="0" dirty="0" err="1" smtClean="0"/>
+              <a:t>att</a:t>
+            </a:r>
+            <a:r>
+              <a:rPr lang="en-US" baseline="0" dirty="0" smtClean="0"/>
+              <a:t> den </a:t>
+            </a:r>
+            <a:r>
+              <a:rPr lang="en-US" baseline="0" dirty="0" err="1" smtClean="0"/>
+              <a:t>överlever</a:t>
+            </a:r>
+            <a:r>
+              <a:rPr lang="en-US" baseline="0" dirty="0" smtClean="0"/>
+              <a:t> </a:t>
+            </a:r>
+            <a:r>
+              <a:rPr lang="en-US" baseline="0" dirty="0" err="1" smtClean="0"/>
+              <a:t>en</a:t>
+            </a:r>
+            <a:r>
+              <a:rPr lang="en-US" baseline="0" dirty="0" smtClean="0"/>
+              <a:t> </a:t>
+            </a:r>
+            <a:r>
+              <a:rPr lang="en-US" baseline="0" dirty="0" err="1" smtClean="0"/>
+              <a:t>tid</a:t>
+            </a:r>
+            <a:r>
+              <a:rPr lang="en-US" baseline="0" dirty="0" smtClean="0"/>
+              <a:t> t, </a:t>
+            </a:r>
+            <a:r>
+              <a:rPr lang="en-US" baseline="0" dirty="0" err="1" smtClean="0"/>
+              <a:t>d.v.s</a:t>
+            </a:r>
+            <a:r>
+              <a:rPr lang="en-US" baseline="0" dirty="0" smtClean="0"/>
+              <a:t>. </a:t>
+            </a:r>
+            <a:r>
+              <a:rPr lang="en-US" baseline="0" dirty="0" err="1" smtClean="0"/>
+              <a:t>inte</a:t>
+            </a:r>
+            <a:r>
+              <a:rPr lang="en-US" baseline="0" dirty="0" smtClean="0"/>
+              <a:t> </a:t>
+            </a:r>
+            <a:r>
+              <a:rPr lang="en-US" baseline="0" dirty="0" err="1" smtClean="0"/>
+              <a:t>upplever</a:t>
+            </a:r>
+            <a:r>
+              <a:rPr lang="en-US" baseline="0" dirty="0" smtClean="0"/>
+              <a:t> </a:t>
+            </a:r>
+            <a:r>
+              <a:rPr lang="en-US" baseline="0" dirty="0" err="1" smtClean="0"/>
+              <a:t>något</a:t>
+            </a:r>
+            <a:r>
+              <a:rPr lang="en-US" baseline="0" dirty="0" smtClean="0"/>
+              <a:t> </a:t>
+            </a:r>
+            <a:r>
+              <a:rPr lang="en-US" baseline="0" dirty="0" err="1" smtClean="0"/>
+              <a:t>fel</a:t>
+            </a:r>
+            <a:r>
+              <a:rPr lang="en-US" baseline="0" dirty="0" smtClean="0"/>
+              <a:t>, </a:t>
+            </a:r>
+            <a:r>
+              <a:rPr lang="en-US" baseline="0" dirty="0" err="1" smtClean="0"/>
+              <a:t>som</a:t>
+            </a:r>
+            <a:r>
+              <a:rPr lang="en-US" baseline="0" dirty="0" smtClean="0"/>
+              <a:t> e^…</a:t>
+            </a:r>
+          </a:p>
+          <a:p>
+            <a:endParaRPr lang="en-US" baseline="0" dirty="0" smtClean="0"/>
+          </a:p>
+          <a:p>
+            <a:r>
+              <a:rPr lang="en-US" dirty="0" err="1" smtClean="0"/>
+              <a:t>Sannoliheten</a:t>
             </a:r>
             <a:r>
               <a:rPr lang="en-US" dirty="0" smtClean="0"/>
@@ -19659,7 +19182,7 @@
             </a:r>
             <a:r>
               <a:rPr lang="en-US" dirty="0" err="1" smtClean="0"/>
-              <a:t>felfrekvenser</a:t>
+              <a:t>att</a:t>
             </a:r>
             <a:r>
               <a:rPr lang="en-US" dirty="0" smtClean="0"/>
@@ -19667,7 +19190,7 @@
             </a:r>
             <a:r>
               <a:rPr lang="en-US" dirty="0" err="1" smtClean="0"/>
-              <a:t>så</a:t>
+              <a:t>något</a:t>
             </a:r>
             <a:r>
               <a:rPr lang="en-US" dirty="0" smtClean="0"/>
@@ -19675,246 +19198,49 @@
             </a:r>
             <a:r>
               <a:rPr lang="en-US" dirty="0" err="1" smtClean="0"/>
-              <a:t>modelleras</a:t>
-            </a:r>
-            <a:r>
-              <a:rPr lang="en-US" baseline="0" dirty="0" smtClean="0"/>
-              <a:t> </a:t>
-            </a:r>
-            <a:r>
-              <a:rPr lang="en-US" baseline="0" dirty="0" err="1" smtClean="0"/>
-              <a:t>ofta</a:t>
-            </a:r>
-            <a:r>
-              <a:rPr lang="en-US" baseline="0" dirty="0" smtClean="0"/>
-              <a:t> en nods </a:t>
-            </a:r>
-            <a:r>
-              <a:rPr lang="en-US" baseline="0" dirty="0" err="1" smtClean="0"/>
-              <a:t>tillförlitlighet</a:t>
-            </a:r>
-            <a:r>
-              <a:rPr lang="en-US" baseline="0" dirty="0" smtClean="0"/>
-              <a:t> med en Poisson process</a:t>
-            </a:r>
-          </a:p>
-          <a:p>
-            <a:endParaRPr lang="en-US" baseline="0" dirty="0" smtClean="0"/>
-          </a:p>
-          <a:p>
-            <a:r>
-              <a:rPr lang="en-US" baseline="0" dirty="0" err="1" smtClean="0"/>
-              <a:t>Som</a:t>
-            </a:r>
-            <a:r>
-              <a:rPr lang="en-US" baseline="0" dirty="0" smtClean="0"/>
-              <a:t> </a:t>
-            </a:r>
-            <a:r>
-              <a:rPr lang="en-US" baseline="0" dirty="0" err="1" smtClean="0"/>
-              <a:t>beskriver</a:t>
-            </a:r>
-            <a:r>
-              <a:rPr lang="en-US" baseline="0" dirty="0" smtClean="0"/>
-              <a:t> </a:t>
-            </a:r>
-            <a:r>
-              <a:rPr lang="en-US" baseline="0" dirty="0" err="1" smtClean="0"/>
-              <a:t>sannolikheten</a:t>
-            </a:r>
-            <a:r>
-              <a:rPr lang="en-US" baseline="0" dirty="0" smtClean="0"/>
-              <a:t> </a:t>
-            </a:r>
-            <a:r>
-              <a:rPr lang="en-US" baseline="0" dirty="0" err="1" smtClean="0"/>
-              <a:t>av</a:t>
-            </a:r>
-            <a:r>
-              <a:rPr lang="en-US" baseline="0" dirty="0" smtClean="0"/>
-              <a:t> k </a:t>
-            </a:r>
-            <a:r>
-              <a:rPr lang="en-US" baseline="0" dirty="0" err="1" smtClean="0"/>
-              <a:t>stycken</a:t>
-            </a:r>
-            <a:r>
-              <a:rPr lang="en-US" baseline="0" dirty="0" smtClean="0"/>
-              <a:t> </a:t>
-            </a:r>
-            <a:r>
-              <a:rPr lang="en-US" baseline="0" dirty="0" err="1" smtClean="0"/>
               <a:t>fel</a:t>
             </a:r>
             <a:r>
-              <a:rPr lang="en-US" baseline="0" dirty="0" smtClean="0"/>
-              <a:t> om man vet </a:t>
-            </a:r>
-            <a:r>
-              <a:rPr lang="en-US" baseline="0" dirty="0" err="1" smtClean="0"/>
-              <a:t>dess</a:t>
-            </a:r>
-            <a:r>
-              <a:rPr lang="en-US" baseline="0" dirty="0" smtClean="0"/>
+              <a:rPr lang="en-US" dirty="0" smtClean="0"/>
               <a:t> </a:t>
             </a:r>
             <a:r>
               <a:rPr lang="en-US" dirty="0" err="1" smtClean="0"/>
-              <a:t>felfrekvens</a:t>
-            </a:r>
-            <a:r>
-              <a:rPr lang="en-US" baseline="0" dirty="0" smtClean="0"/>
-              <a:t>, </a:t>
-            </a:r>
-            <a:r>
-              <a:rPr lang="en-US" baseline="0" dirty="0" err="1" smtClean="0"/>
-              <a:t>tex</a:t>
-            </a:r>
-            <a:r>
-              <a:rPr lang="en-US" baseline="0" dirty="0" smtClean="0"/>
-              <a:t> om </a:t>
+              <a:t>inträffar</a:t>
+            </a:r>
+            <a:r>
+              <a:rPr lang="en-US" dirty="0" smtClean="0"/>
+              <a:t> </a:t>
             </a:r>
             <a:r>
               <a:rPr lang="en-US" dirty="0" err="1" smtClean="0"/>
-              <a:t>felfrekvensen</a:t>
+              <a:t>blir</a:t>
             </a:r>
             <a:r>
               <a:rPr lang="en-US" dirty="0" smtClean="0"/>
               <a:t> </a:t>
             </a:r>
             <a:r>
-              <a:rPr lang="en-US" baseline="0" dirty="0" err="1" smtClean="0"/>
-              <a:t>är</a:t>
-            </a:r>
-            <a:r>
-              <a:rPr lang="en-US" baseline="0" dirty="0" smtClean="0"/>
-              <a:t> </a:t>
-            </a:r>
-            <a:r>
-              <a:rPr lang="en-US" baseline="0" dirty="0" err="1" smtClean="0"/>
-              <a:t>ett</a:t>
-            </a:r>
-            <a:r>
-              <a:rPr lang="en-US" baseline="0" dirty="0" smtClean="0"/>
-              <a:t> </a:t>
-            </a:r>
-            <a:r>
-              <a:rPr lang="en-US" baseline="0" dirty="0" err="1" smtClean="0"/>
-              <a:t>fel</a:t>
-            </a:r>
-            <a:r>
-              <a:rPr lang="en-US" baseline="0" dirty="0" smtClean="0"/>
-              <a:t> om </a:t>
-            </a:r>
-            <a:r>
-              <a:rPr lang="en-US" baseline="0" dirty="0" err="1" smtClean="0"/>
-              <a:t>dagen</a:t>
-            </a:r>
-            <a:r>
-              <a:rPr lang="en-US" baseline="0" dirty="0" smtClean="0"/>
-              <a:t>, </a:t>
-            </a:r>
-            <a:r>
-              <a:rPr lang="en-US" baseline="0" dirty="0" err="1" smtClean="0"/>
-              <a:t>så</a:t>
-            </a:r>
-            <a:r>
-              <a:rPr lang="en-US" baseline="0" dirty="0" smtClean="0"/>
-              <a:t> </a:t>
-            </a:r>
-            <a:r>
-              <a:rPr lang="en-US" baseline="0" dirty="0" err="1" smtClean="0"/>
-              <a:t>ger</a:t>
-            </a:r>
-            <a:r>
-              <a:rPr lang="en-US" baseline="0" dirty="0" smtClean="0"/>
-              <a:t> P(2) </a:t>
-            </a:r>
-            <a:r>
-              <a:rPr lang="en-US" baseline="0" dirty="0" err="1" smtClean="0"/>
-              <a:t>sannolikheten</a:t>
-            </a:r>
-            <a:r>
-              <a:rPr lang="en-US" baseline="0" dirty="0" smtClean="0"/>
-              <a:t> </a:t>
-            </a:r>
-            <a:r>
-              <a:rPr lang="en-US" baseline="0" dirty="0" err="1" smtClean="0"/>
-              <a:t>för</a:t>
-            </a:r>
-            <a:r>
-              <a:rPr lang="en-US" baseline="0" dirty="0" smtClean="0"/>
-              <a:t> 2 </a:t>
-            </a:r>
-            <a:r>
-              <a:rPr lang="en-US" baseline="0" dirty="0" err="1" smtClean="0"/>
-              <a:t>fel</a:t>
-            </a:r>
-            <a:r>
-              <a:rPr lang="en-US" baseline="0" dirty="0" smtClean="0"/>
-              <a:t> under </a:t>
-            </a:r>
-            <a:r>
-              <a:rPr lang="en-US" baseline="0" dirty="0" err="1" smtClean="0"/>
-              <a:t>en</a:t>
-            </a:r>
-            <a:r>
-              <a:rPr lang="en-US" baseline="0" dirty="0" smtClean="0"/>
-              <a:t> dag.</a:t>
-            </a:r>
-          </a:p>
-          <a:p>
-            <a:endParaRPr lang="en-US" baseline="0" dirty="0" smtClean="0"/>
-          </a:p>
-          <a:p>
-            <a:r>
-              <a:rPr lang="en-US" baseline="0" dirty="0" err="1" smtClean="0"/>
-              <a:t>Och</a:t>
-            </a:r>
-            <a:r>
-              <a:rPr lang="en-US" baseline="0" dirty="0" smtClean="0"/>
-              <a:t> </a:t>
-            </a:r>
-            <a:r>
               <a:rPr lang="en-US" dirty="0" err="1" smtClean="0"/>
-              <a:t>felfrekvensen</a:t>
+              <a:t>då</a:t>
             </a:r>
             <a:r>
               <a:rPr lang="en-US" dirty="0" smtClean="0"/>
-              <a:t> </a:t>
-            </a:r>
-            <a:r>
-              <a:rPr lang="en-US" baseline="0" dirty="0" err="1" smtClean="0"/>
-              <a:t>kan</a:t>
-            </a:r>
-            <a:r>
-              <a:rPr lang="en-US" baseline="0" dirty="0" smtClean="0"/>
-              <a:t> med mean-time-between-failures </a:t>
-            </a:r>
-            <a:r>
-              <a:rPr lang="en-US" baseline="0" dirty="0" err="1" smtClean="0"/>
-              <a:t>beskrivas</a:t>
-            </a:r>
-            <a:r>
-              <a:rPr lang="en-US" baseline="0" dirty="0" smtClean="0"/>
-              <a:t> </a:t>
-            </a:r>
-            <a:r>
-              <a:rPr lang="en-US" baseline="0" dirty="0" err="1" smtClean="0"/>
-              <a:t>som</a:t>
-            </a:r>
-            <a:r>
-              <a:rPr lang="en-US" baseline="0" dirty="0" smtClean="0"/>
-              <a:t> en </a:t>
-            </a:r>
-            <a:r>
-              <a:rPr lang="en-US" baseline="0" dirty="0" err="1" smtClean="0"/>
-              <a:t>tid</a:t>
-            </a:r>
-            <a:r>
-              <a:rPr lang="en-US" baseline="0" dirty="0" smtClean="0"/>
-              <a:t> t / MTBF</a:t>
-            </a:r>
+              <a:t> 1</a:t>
+            </a:r>
+            <a:r>
+              <a:rPr lang="en-US" baseline="0" dirty="0" smtClean="0"/>
+              <a:t> – p(</a:t>
+            </a:r>
+            <a:r>
+              <a:rPr lang="en-US" baseline="0" dirty="0" err="1" smtClean="0"/>
+              <a:t>överlever</a:t>
+            </a:r>
+            <a:r>
+              <a:rPr lang="en-US" baseline="0" dirty="0" smtClean="0"/>
+              <a:t>)</a:t>
+            </a:r>
+            <a:endParaRPr lang="en-US" dirty="0" smtClean="0"/>
           </a:p>
         </p:txBody>
       </p:sp>
@@ -27643,7 +26969,11 @@
           <a:p>
             <a:r>
               <a:rPr lang="en-US" dirty="0" smtClean="0"/>
-              <a:t>Agenda</a:t>
+              <a:t>Agenda _TODO kola </a:t>
+            </a:r>
+            <a:r>
+              <a:rPr lang="en-US" dirty="0" err="1" smtClean="0"/>
+              <a:t>ordningen</a:t>
             </a:r>
             <a:endParaRPr lang="en-US" dirty="0"/>
           </a:p>
@@ -30165,7 +29495,15 @@
             </a:pPr>
             <a:r>
               <a:rPr lang="en-US" dirty="0" smtClean="0"/>
-              <a:t>Ensuring reliability of applications or services in running in distributed environments is a complex task</a:t>
+              <a:t>Ensuring reliability of applications or </a:t>
+            </a:r>
+            <a:r>
+              <a:rPr lang="en-US" dirty="0" smtClean="0"/>
+              <a:t>services running </a:t>
+            </a:r>
+            <a:r>
+              <a:rPr lang="en-US" dirty="0" smtClean="0"/>
+              <a:t>in distributed environments is a complex task</a:t>
             </a:r>
           </a:p>
           <a:p>
@@ -30215,17 +29553,31 @@
             </a:pPr>
             <a:r>
               <a:rPr lang="en-US" dirty="0" smtClean="0"/>
-              <a:t>Hardware, network, energy supply, etc.</a:t>
-            </a:r>
-          </a:p>
-          <a:p>
-            <a:pPr>
+              <a:t>Hardware, network, energy supply, </a:t>
+            </a:r>
+            <a:r>
+              <a:rPr lang="en-US" dirty="0" smtClean="0"/>
+              <a:t>etc.</a:t>
+            </a:r>
+          </a:p>
+          <a:p>
+            <a:pPr marL="201168" lvl="1" indent="0">
+              <a:buNone/>
+            </a:pPr>
+            <a:endParaRPr lang="en-US" dirty="0" smtClean="0"/>
+          </a:p>
+          <a:p>
+            <a:pPr lvl="1">
               <a:buFont typeface="Arial" charset="0"/>
               <a:buChar char="•"/>
             </a:pPr>
             <a:r>
               <a:rPr lang="en-US" dirty="0" smtClean="0"/>
-              <a:t>For many applications, e.g. stream processing applications, valuable data may be lost in case of a failure</a:t>
+              <a:t>For </a:t>
+            </a:r>
+            <a:r>
+              <a:rPr lang="en-US" dirty="0" smtClean="0"/>
+              <a:t>many applications, e.g. stream processing applications, valuable data may be lost in case of a failure</a:t>
             </a:r>
           </a:p>
           <a:p>
@@ -32220,7 +31572,11 @@
             </a:pPr>
             <a:r>
               <a:rPr lang="en-US" dirty="0" smtClean="0"/>
-              <a:t>Design a model for expressing the reliability for an application running in a distributed environment</a:t>
+              <a:t>Design a model for expressing the reliability for an application running in a distributed </a:t>
+            </a:r>
+            <a:r>
+              <a:rPr lang="en-US" dirty="0" smtClean="0"/>
+              <a:t>environment</a:t>
             </a:r>
           </a:p>
           <a:p>
@@ -32238,10 +31594,48 @@
               <a:buFont typeface="+mj-lt"/>
               <a:buAutoNum type="arabicPeriod"/>
             </a:pPr>
+            <a:endParaRPr lang="en-US" dirty="0" smtClean="0"/>
+          </a:p>
+          <a:p>
+            <a:pPr marL="457200" indent="-457200">
+              <a:lnSpc>
+                <a:spcPct val="100000"/>
+              </a:lnSpc>
+              <a:spcBef>
+                <a:spcPts val="0"/>
+              </a:spcBef>
+              <a:spcAft>
+                <a:spcPts val="0"/>
+              </a:spcAft>
+              <a:buSzTx/>
+              <a:buFont typeface="+mj-lt"/>
+              <a:buAutoNum type="arabicPeriod"/>
+            </a:pPr>
             <a:r>
               <a:rPr lang="en-US" dirty="0" smtClean="0"/>
-              <a:t>Design a framework which dynamically ensures a certain level of reliability by replicating tasks, detecting node failures, and adapting to changing system properties</a:t>
-            </a:r>
+              <a:t>Design a framework which dynamically ensures a certain level of reliability by replicating tasks, detecting node failures, and adapting to changing system </a:t>
+            </a:r>
+            <a:r>
+              <a:rPr lang="en-US" dirty="0" smtClean="0"/>
+              <a:t>properties</a:t>
+            </a:r>
+          </a:p>
+          <a:p>
+            <a:pPr marL="457200" indent="-457200">
+              <a:lnSpc>
+                <a:spcPct val="100000"/>
+              </a:lnSpc>
+              <a:spcBef>
+                <a:spcPts val="0"/>
+              </a:spcBef>
+              <a:spcAft>
+                <a:spcPts val="0"/>
+              </a:spcAft>
+              <a:buSzTx/>
+              <a:buFont typeface="+mj-lt"/>
+              <a:buAutoNum type="arabicPeriod"/>
+            </a:pPr>
+            <a:endParaRPr lang="en-US" dirty="0" smtClean="0"/>
           </a:p>
           <a:p>
             <a:pPr marL="457200" indent="-457200">
@@ -33867,11 +33261,7 @@
             </a:pPr>
             <a:r>
               <a:rPr lang="en-US" dirty="0" smtClean="0"/>
-              <a:t>We limit ourselves by only considering stream processing </a:t>
-            </a:r>
-            <a:r>
-              <a:rPr lang="en-US" dirty="0" smtClean="0"/>
-              <a:t>applications</a:t>
+              <a:t>We limit ourselves by only considering stream processing applications</a:t>
             </a:r>
           </a:p>
           <a:p>
@@ -33916,13 +33306,8 @@
             </a:r>
             <a:r>
               <a:rPr lang="en-US" dirty="0" smtClean="0"/>
-              <a:t> will receive input from a producer, perform some computation on it, and send the result to a </a:t>
-            </a:r>
-            <a:r>
-              <a:rPr lang="en-US" dirty="0" smtClean="0"/>
-              <a:t>consumer</a:t>
-            </a:r>
-            <a:endParaRPr lang="en-US" dirty="0" smtClean="0"/>
+              <a:t> will receive input from a producer, perform some computation on it, and send the result to a consumer</a:t>
+            </a:r>
           </a:p>
         </p:txBody>
       </p:sp>
@@ -35136,11 +34521,7 @@
           <a:p>
             <a:r>
               <a:rPr lang="en-US" dirty="0" smtClean="0"/>
-              <a:t>Application </a:t>
-            </a:r>
-            <a:r>
-              <a:rPr lang="en-US" dirty="0" smtClean="0"/>
-              <a:t>model with replicas</a:t>
+              <a:t>Application model with replicas</a:t>
             </a:r>
             <a:endParaRPr lang="en-US" dirty="0"/>
           </a:p>
@@ -35177,11 +34558,7 @@
             </a:pPr>
             <a:r>
               <a:rPr lang="en-US" dirty="0" smtClean="0"/>
-              <a:t>When </a:t>
-            </a:r>
-            <a:r>
-              <a:rPr lang="en-US" dirty="0" smtClean="0"/>
-              <a:t>replicating the task </a:t>
+              <a:t>When replicating the task </a:t>
             </a:r>
             <a:r>
               <a:rPr lang="en-US" i="1" dirty="0" smtClean="0"/>
@@ -35189,11 +34566,7 @@
             </a:r>
             <a:r>
               <a:rPr lang="en-US" dirty="0" smtClean="0"/>
-              <a:t>, the replicas may not be synchronized. To avoid timing issues, it is assumed no external calls are made which depends on when the request is </a:t>
-            </a:r>
-            <a:r>
-              <a:rPr lang="en-US" dirty="0" smtClean="0"/>
-              <a:t>made</a:t>
+              <a:t>, the replicas may not be synchronized. To avoid timing issues, it is assumed no external calls are made which depends on when the request is made</a:t>
             </a:r>
           </a:p>
           <a:p>
@@ -35342,11 +34715,7 @@
             </a:r>
             <a:r>
               <a:rPr lang="en-US" dirty="0" smtClean="0"/>
-              <a:t>one can using a Poisson process express the probability of </a:t>
-            </a:r>
-            <a:r>
-              <a:rPr lang="en-US" dirty="0" smtClean="0"/>
-              <a:t>a component surviving a time </a:t>
+              <a:t>one can using a Poisson process express the probability of a component surviving a time </a:t>
             </a:r>
             <a:r>
               <a:rPr lang="en-US" i="1" dirty="0" smtClean="0"/>
@@ -35392,8 +34761,8 @@
           </a:p>
         </p:txBody>
       </p:sp>
-      <mc:AlternateContent xmlns:mc="http://schemas.openxmlformats.org/markup-compatibility/2006">
-        <mc:Choice xmlns:a14="http://schemas.microsoft.com/office/drawing/2010/main" Requires="a14">
+      <mc:AlternateContent xmlns:mc="http://schemas.openxmlformats.org/markup-compatibility/2006" xmlns:a14="http://schemas.microsoft.com/office/drawing/2010/main">
+        <mc:Choice Requires="a14">
           <p:sp>
             <p:nvSpPr>
               <p:cNvPr id="7" name="Rectangle 4"/>
@@ -35591,7 +34960,7 @@
             </p:txBody>
           </p:sp>
         </mc:Choice>
-        <mc:Fallback>
+        <mc:Fallback xmlns="">
           <p:sp>
             <p:nvSpPr>
               <p:cNvPr id="7" name="Rectangle 4"/>
@@ -35640,7 +35009,7 @@
             </p:nvSpPr>
             <p:spPr>
               <a:xfrm>
-                <a:off x="4467787" y="3964572"/>
+                <a:off x="4467787" y="4022939"/>
                 <a:ext cx="3317383" cy="369332"/>
               </a:xfrm>
               <a:prstGeom prst="rect">
@@ -35732,7 +35101,7 @@
             </p:nvSpPr>
             <p:spPr>
               <a:xfrm>
-                <a:off x="4467787" y="3964572"/>
+                <a:off x="4467787" y="4022939"/>
                 <a:ext cx="3317383" cy="369332"/>
               </a:xfrm>
               <a:prstGeom prst="rect">
@@ -35741,7 +35110,7 @@
               <a:blipFill rotWithShape="0">
                 <a:blip r:embed="rId4"/>
                 <a:stretch>
-                  <a:fillRect b="-13115"/>
+                  <a:fillRect b="-11475"/>
                 </a:stretch>
               </a:blipFill>
             </p:spPr>
@@ -35820,8 +35189,8 @@
           </a:p>
         </p:txBody>
       </p:sp>
-      <mc:AlternateContent xmlns:mc="http://schemas.openxmlformats.org/markup-compatibility/2006">
-        <mc:Choice xmlns:a14="http://schemas.microsoft.com/office/drawing/2010/main" Requires="a14">
+      <mc:AlternateContent xmlns:mc="http://schemas.openxmlformats.org/markup-compatibility/2006" xmlns:a14="http://schemas.microsoft.com/office/drawing/2010/main">
+        <mc:Choice Requires="a14">
           <p:sp>
             <p:nvSpPr>
               <p:cNvPr id="3" name="Content Placeholder 2"/>
@@ -35845,11 +35214,7 @@
                 </a:pPr>
                 <a:r>
                   <a:rPr lang="en-US" dirty="0" smtClean="0"/>
-                  <a:t>We consider </a:t>
-                </a:r>
-                <a:r>
-                  <a:rPr lang="en-US" dirty="0" smtClean="0"/>
-                  <a:t>the MTBF for nodes to be constant for some period of time</a:t>
+                  <a:t>We consider the MTBF for nodes to be constant for some period of time</a:t>
                 </a:r>
               </a:p>
               <a:p>
@@ -36005,7 +35370,7 @@
             </p:txBody>
           </p:sp>
         </mc:Choice>
-        <mc:Fallback>
+        <mc:Fallback xmlns="">
           <p:sp>
             <p:nvSpPr>
               <p:cNvPr id="3" name="Content Placeholder 2"/>

--- a/presentation/presentation2.pptx
+++ b/presentation/presentation2.pptx
@@ -8208,11 +8208,7 @@
             </a:r>
             <a:r>
               <a:rPr lang="en-US" baseline="0" dirty="0" smtClean="0"/>
-              <a:t> </a:t>
-            </a:r>
-            <a:r>
-              <a:rPr lang="en-US" baseline="0" dirty="0" smtClean="0"/>
-              <a:t>UDP </a:t>
+              <a:t> UDP </a:t>
             </a:r>
             <a:r>
               <a:rPr lang="en-US" baseline="0" dirty="0" err="1" smtClean="0"/>
@@ -12139,12 +12135,12 @@
               <a:t>Istället för att fokusera på utveckla en </a:t>
             </a:r>
             <a:r>
-              <a:rPr lang="sv-SE" baseline="0" noProof="0" dirty="0" err="1" smtClean="0"/>
-              <a:t>model</a:t>
-            </a:r>
-            <a:r>
               <a:rPr lang="sv-SE" baseline="0" noProof="0" dirty="0" smtClean="0"/>
-              <a:t> för att tillgodose tillförlitlighet för Calvin applikationer, så har snarare Calvin varit ett verktyg, eller en plattform där vi kunnat implementera vår modell.</a:t>
+              <a:t>modell </a:t>
+            </a:r>
+            <a:r>
+              <a:rPr lang="sv-SE" baseline="0" noProof="0" dirty="0" smtClean="0"/>
+              <a:t>för att tillgodose tillförlitlighet för Calvin applikationer, så har snarare Calvin varit ett verktyg, eller en plattform där vi kunnat implementera vår modell.</a:t>
             </a:r>
           </a:p>
           <a:p>
@@ -12153,8 +12149,21 @@
           <a:p>
             <a:r>
               <a:rPr lang="sv-SE" baseline="0" noProof="0" dirty="0" smtClean="0"/>
-              <a:t>Lite kort om Calvin: Calvins huvudkomponenter består av </a:t>
-            </a:r>
+              <a:t>Lite kort om Calvin: </a:t>
+            </a:r>
+            <a:r>
+              <a:rPr lang="sv-SE" baseline="0" noProof="0" dirty="0" smtClean="0"/>
+              <a:t>Calvin är utvecklat av Ericsson och dess </a:t>
+            </a:r>
+            <a:r>
+              <a:rPr lang="sv-SE" baseline="0" noProof="0" dirty="0" smtClean="0"/>
+              <a:t>huvudkomponenter </a:t>
+            </a:r>
+            <a:r>
+              <a:rPr lang="sv-SE" baseline="0" noProof="0" dirty="0" smtClean="0"/>
+              <a:t>består av </a:t>
+            </a:r>
+            <a:endParaRPr lang="sv-SE" baseline="0" noProof="0" dirty="0" smtClean="0"/>
           </a:p>
           <a:p>
             <a:pPr marL="171450" indent="-171450">
@@ -18809,6 +18818,75 @@
             <a:r>
               <a:rPr lang="en-US" baseline="0" dirty="0" smtClean="0"/>
               <a:t>.</a:t>
+            </a:r>
+          </a:p>
+          <a:p>
+            <a:endParaRPr lang="en-US" baseline="0" dirty="0" smtClean="0"/>
+          </a:p>
+          <a:p>
+            <a:r>
+              <a:rPr lang="en-US" baseline="0" dirty="0" smtClean="0"/>
+              <a:t>Om </a:t>
+            </a:r>
+            <a:r>
+              <a:rPr lang="en-US" baseline="0" dirty="0" err="1" smtClean="0"/>
+              <a:t>inga</a:t>
+            </a:r>
+            <a:r>
+              <a:rPr lang="en-US" baseline="0" dirty="0" smtClean="0"/>
+              <a:t> </a:t>
+            </a:r>
+            <a:r>
+              <a:rPr lang="en-US" baseline="0" dirty="0" err="1" smtClean="0"/>
+              <a:t>fel</a:t>
+            </a:r>
+            <a:r>
+              <a:rPr lang="en-US" baseline="0" dirty="0" smtClean="0"/>
+              <a:t> </a:t>
+            </a:r>
+            <a:r>
+              <a:rPr lang="en-US" baseline="0" dirty="0" err="1" smtClean="0"/>
+              <a:t>har</a:t>
+            </a:r>
+            <a:r>
+              <a:rPr lang="en-US" baseline="0" dirty="0" smtClean="0"/>
+              <a:t> </a:t>
+            </a:r>
+            <a:r>
+              <a:rPr lang="en-US" baseline="0" dirty="0" err="1" smtClean="0"/>
+              <a:t>inträffar</a:t>
+            </a:r>
+            <a:r>
+              <a:rPr lang="en-US" baseline="0" dirty="0" smtClean="0"/>
+              <a:t> </a:t>
+            </a:r>
+            <a:r>
+              <a:rPr lang="en-US" baseline="0" dirty="0" err="1" smtClean="0"/>
+              <a:t>så</a:t>
+            </a:r>
+            <a:r>
+              <a:rPr lang="en-US" baseline="0" dirty="0" smtClean="0"/>
+              <a:t> </a:t>
+            </a:r>
+            <a:r>
+              <a:rPr lang="en-US" baseline="0" dirty="0" err="1" smtClean="0"/>
+              <a:t>används</a:t>
+            </a:r>
+            <a:r>
+              <a:rPr lang="en-US" baseline="0" dirty="0" smtClean="0"/>
+              <a:t> </a:t>
+            </a:r>
+            <a:r>
+              <a:rPr lang="en-US" baseline="0" dirty="0" err="1" smtClean="0"/>
+              <a:t>ett</a:t>
+            </a:r>
+            <a:r>
+              <a:rPr lang="en-US" baseline="0" dirty="0" smtClean="0"/>
+              <a:t> default </a:t>
+            </a:r>
+            <a:r>
+              <a:rPr lang="en-US" baseline="0" dirty="0" err="1" smtClean="0"/>
+              <a:t>värde</a:t>
             </a:r>
             <a:endParaRPr lang="en-US" dirty="0"/>
           </a:p>
@@ -23734,8 +23812,8 @@
           </a:p>
         </p:txBody>
       </p:sp>
-      <mc:AlternateContent xmlns:mc="http://schemas.openxmlformats.org/markup-compatibility/2006">
-        <mc:Choice xmlns:a14="http://schemas.microsoft.com/office/drawing/2010/main" Requires="a14">
+      <mc:AlternateContent xmlns:mc="http://schemas.openxmlformats.org/markup-compatibility/2006" xmlns:a14="http://schemas.microsoft.com/office/drawing/2010/main">
+        <mc:Choice Requires="a14">
           <p:sp>
             <p:nvSpPr>
               <p:cNvPr id="4" name="Rectangle 3"/>
@@ -24271,7 +24349,7 @@
             </p:txBody>
           </p:sp>
         </mc:Choice>
-        <mc:Fallback>
+        <mc:Fallback xmlns="">
           <p:sp>
             <p:nvSpPr>
               <p:cNvPr id="4" name="Rectangle 3"/>
@@ -28150,8 +28228,8 @@
           </a:p>
         </p:txBody>
       </p:sp>
-      <mc:AlternateContent xmlns:mc="http://schemas.openxmlformats.org/markup-compatibility/2006">
-        <mc:Choice xmlns:a14="http://schemas.microsoft.com/office/drawing/2010/main" Requires="a14">
+      <mc:AlternateContent xmlns:mc="http://schemas.openxmlformats.org/markup-compatibility/2006" xmlns:a14="http://schemas.microsoft.com/office/drawing/2010/main">
+        <mc:Choice Requires="a14">
           <p:sp>
             <p:nvSpPr>
               <p:cNvPr id="3" name="Content Placeholder 2"/>
@@ -28467,22 +28545,13 @@
                 </a:pPr>
                 <a:r>
                   <a:rPr lang="en-US" dirty="0" smtClean="0"/>
-                  <a:t>Since </a:t>
+                  <a:t>Since we assume high bandwidth low latency connections, the time it takes to send the heartbeat is negligible.</a:t>
                 </a:r>
-                <a:r>
-                  <a:rPr lang="en-US" dirty="0" smtClean="0"/>
-                  <a:t>we assume high bandwidth low latency connections, the time it takes to send the heartbeat is negligible</a:t>
-                </a:r>
-                <a:r>
-                  <a:rPr lang="en-US" dirty="0" smtClean="0"/>
-                  <a:t>.</a:t>
-                </a:r>
-                <a:endParaRPr lang="en-US" dirty="0" smtClean="0"/>
               </a:p>
             </p:txBody>
           </p:sp>
         </mc:Choice>
-        <mc:Fallback>
+        <mc:Fallback xmlns="">
           <p:sp>
             <p:nvSpPr>
               <p:cNvPr id="3" name="Content Placeholder 2"/>
@@ -30746,8 +30815,29 @@
             </a:r>
             <a:r>
               <a:rPr lang="en-US" dirty="0" smtClean="0"/>
-              <a:t> applications. Its key components are </a:t>
-            </a:r>
+              <a:t> applications. </a:t>
+            </a:r>
+            <a:r>
+              <a:rPr lang="en-US" dirty="0" smtClean="0"/>
+              <a:t>It is </a:t>
+            </a:r>
+            <a:r>
+              <a:rPr lang="en-US" dirty="0" smtClean="0"/>
+              <a:t>developed by Ericsson and </a:t>
+            </a:r>
+            <a:r>
+              <a:rPr lang="en-US" dirty="0" smtClean="0"/>
+              <a:t>its key </a:t>
+            </a:r>
+            <a:r>
+              <a:rPr lang="en-US" dirty="0" smtClean="0"/>
+              <a:t>components </a:t>
+            </a:r>
+            <a:r>
+              <a:rPr lang="en-US" dirty="0" smtClean="0"/>
+              <a:t>are:</a:t>
+            </a:r>
+            <a:endParaRPr lang="en-US" dirty="0" smtClean="0"/>
           </a:p>
           <a:p>
             <a:pPr lvl="1">
@@ -30755,8 +30845,16 @@
               <a:buChar char="•"/>
             </a:pPr>
             <a:r>
+              <a:rPr lang="en-US" dirty="0"/>
+              <a:t>r</a:t>
+            </a:r>
+            <a:r>
               <a:rPr lang="en-US" dirty="0" smtClean="0"/>
-              <a:t>Runtimes,</a:t>
+              <a:t>untimes</a:t>
+            </a:r>
+            <a:r>
+              <a:rPr lang="en-US" dirty="0" smtClean="0"/>
+              <a:t>,</a:t>
             </a:r>
           </a:p>
           <a:p>
@@ -30765,8 +30863,16 @@
               <a:buChar char="•"/>
             </a:pPr>
             <a:r>
+              <a:rPr lang="en-US" dirty="0"/>
+              <a:t>a</a:t>
+            </a:r>
+            <a:r>
               <a:rPr lang="en-US" dirty="0" smtClean="0"/>
-              <a:t>Actors,</a:t>
+              <a:t>ctors</a:t>
+            </a:r>
+            <a:r>
+              <a:rPr lang="en-US" dirty="0" smtClean="0"/>
+              <a:t>,</a:t>
             </a:r>
           </a:p>
           <a:p>
@@ -30775,8 +30881,16 @@
               <a:buChar char="•"/>
             </a:pPr>
             <a:r>
+              <a:rPr lang="en-US" dirty="0"/>
+              <a:t>a</a:t>
+            </a:r>
+            <a:r>
               <a:rPr lang="en-US" dirty="0" smtClean="0"/>
-              <a:t>Applications,</a:t>
+              <a:t>pplications</a:t>
+            </a:r>
+            <a:r>
+              <a:rPr lang="en-US" dirty="0" smtClean="0"/>
+              <a:t>,</a:t>
             </a:r>
           </a:p>
           <a:p>
@@ -30853,11 +30967,7 @@
           <a:p>
             <a:r>
               <a:rPr lang="en-US" dirty="0" smtClean="0"/>
-              <a:t>Calvin - </a:t>
-            </a:r>
-            <a:r>
-              <a:rPr lang="en-US" dirty="0" smtClean="0"/>
-              <a:t>example</a:t>
+              <a:t>Calvin - example</a:t>
             </a:r>
             <a:endParaRPr lang="en-US" dirty="0"/>
           </a:p>
@@ -30883,13 +30993,8 @@
             </a:pPr>
             <a:r>
               <a:rPr lang="en-US" dirty="0" smtClean="0"/>
-              <a:t>An application in Calvin is made up from a set of connected actors</a:t>
-            </a:r>
-            <a:r>
-              <a:rPr lang="en-US" dirty="0" smtClean="0"/>
-              <a:t>.</a:t>
-            </a:r>
-            <a:endParaRPr lang="en-US" dirty="0" smtClean="0"/>
+              <a:t>An application in Calvin is made up from a set of connected actors.</a:t>
+            </a:r>
           </a:p>
         </p:txBody>
       </p:sp>
@@ -33601,8 +33706,8 @@
           </a:p>
         </p:txBody>
       </p:sp>
-      <mc:AlternateContent xmlns:mc="http://schemas.openxmlformats.org/markup-compatibility/2006" xmlns:a14="http://schemas.microsoft.com/office/drawing/2010/main">
-        <mc:Choice Requires="a14">
+      <mc:AlternateContent xmlns:mc="http://schemas.openxmlformats.org/markup-compatibility/2006">
+        <mc:Choice xmlns:a14="http://schemas.microsoft.com/office/drawing/2010/main" Requires="a14">
           <p:sp>
             <p:nvSpPr>
               <p:cNvPr id="3" name="Content Placeholder 2"/>
@@ -33613,7 +33718,12 @@
                 <p:ph idx="1"/>
               </p:nvPr>
             </p:nvSpPr>
-            <p:spPr/>
+            <p:spPr>
+              <a:xfrm>
+                <a:off x="1097280" y="1845734"/>
+                <a:ext cx="10058400" cy="4023360"/>
+              </a:xfrm>
+            </p:spPr>
             <p:txBody>
               <a:bodyPr>
                 <a:normAutofit/>
@@ -33757,7 +33867,21 @@
                 </a:pPr>
                 <a:r>
                   <a:rPr lang="en-US" dirty="0" smtClean="0"/>
-                  <a:t>This allows for adapting the reliability of a node if it starts failing more/less often</a:t>
+                  <a:t>This allows for adapting the reliability of a node if it starts failing more/less </a:t>
+                </a:r>
+                <a:r>
+                  <a:rPr lang="en-US" dirty="0" smtClean="0"/>
+                  <a:t>often</a:t>
+                </a:r>
+              </a:p>
+              <a:p>
+                <a:pPr lvl="0">
+                  <a:buFont typeface="Arial" charset="0"/>
+                  <a:buChar char="•"/>
+                </a:pPr>
+                <a:r>
+                  <a:rPr lang="en-US" dirty="0" smtClean="0"/>
+                  <a:t>If no failures are registered a default value is used</a:t>
                 </a:r>
                 <a:endParaRPr lang="en-US" dirty="0"/>
               </a:p>
@@ -33782,7 +33906,7 @@
             </p:txBody>
           </p:sp>
         </mc:Choice>
-        <mc:Fallback xmlns="">
+        <mc:Fallback>
           <p:sp>
             <p:nvSpPr>
               <p:cNvPr id="3" name="Content Placeholder 2"/>
@@ -33794,6 +33918,10 @@
               </p:nvPr>
             </p:nvSpPr>
             <p:spPr>
+              <a:xfrm>
+                <a:off x="1097280" y="1845734"/>
+                <a:ext cx="10058400" cy="4023360"/>
+              </a:xfrm>
               <a:blipFill rotWithShape="0">
                 <a:blip r:embed="rId3"/>
                 <a:stretch>

--- a/presentation/presentation2.pptx
+++ b/presentation/presentation2.pptx
@@ -2132,8 +2132,19 @@
             </a:r>
             <a:r>
               <a:rPr lang="sv-SE" i="0" baseline="0" noProof="0" dirty="0" smtClean="0"/>
-              <a:t> som körs, utan enbart på vilka noder de kör.</a:t>
-            </a:r>
+              <a:t> som körs, utan enbart på vilka noder de kör</a:t>
+            </a:r>
+            <a:r>
+              <a:rPr lang="sv-SE" i="0" baseline="0" noProof="0" dirty="0" smtClean="0"/>
+              <a:t>.</a:t>
+            </a:r>
+          </a:p>
+          <a:p>
+            <a:r>
+              <a:rPr lang="sv-SE" i="0" baseline="0" noProof="0" dirty="0" smtClean="0"/>
+              <a:t>TODO – ta bort sista steget i formeln?</a:t>
+            </a:r>
+            <a:endParaRPr lang="sv-SE" i="0" baseline="0" noProof="0" dirty="0" smtClean="0"/>
           </a:p>
           <a:p>
             <a:endParaRPr lang="sv-SE" i="0" baseline="0" noProof="0" dirty="0" smtClean="0"/>
@@ -12132,38 +12143,17 @@
           <a:p>
             <a:r>
               <a:rPr lang="sv-SE" baseline="0" noProof="0" dirty="0" smtClean="0"/>
-              <a:t>Istället för att fokusera på utveckla en </a:t>
-            </a:r>
+              <a:t>Istället för att fokusera på utveckla en modell för att tillgodose tillförlitlighet för Calvin applikationer, så har snarare Calvin varit ett verktyg, eller en plattform där vi kunnat implementera vår modell.</a:t>
+            </a:r>
+          </a:p>
+          <a:p>
+            <a:endParaRPr lang="sv-SE" baseline="0" noProof="0" dirty="0" smtClean="0"/>
+          </a:p>
+          <a:p>
             <a:r>
               <a:rPr lang="sv-SE" baseline="0" noProof="0" dirty="0" smtClean="0"/>
-              <a:t>modell </a:t>
-            </a:r>
-            <a:r>
-              <a:rPr lang="sv-SE" baseline="0" noProof="0" dirty="0" smtClean="0"/>
-              <a:t>för att tillgodose tillförlitlighet för Calvin applikationer, så har snarare Calvin varit ett verktyg, eller en plattform där vi kunnat implementera vår modell.</a:t>
-            </a:r>
-          </a:p>
-          <a:p>
-            <a:endParaRPr lang="sv-SE" baseline="0" noProof="0" dirty="0" smtClean="0"/>
-          </a:p>
-          <a:p>
-            <a:r>
-              <a:rPr lang="sv-SE" baseline="0" noProof="0" dirty="0" smtClean="0"/>
-              <a:t>Lite kort om Calvin: </a:t>
-            </a:r>
-            <a:r>
-              <a:rPr lang="sv-SE" baseline="0" noProof="0" dirty="0" smtClean="0"/>
-              <a:t>Calvin är utvecklat av Ericsson och dess </a:t>
-            </a:r>
-            <a:r>
-              <a:rPr lang="sv-SE" baseline="0" noProof="0" dirty="0" smtClean="0"/>
-              <a:t>huvudkomponenter </a:t>
-            </a:r>
-            <a:r>
-              <a:rPr lang="sv-SE" baseline="0" noProof="0" dirty="0" smtClean="0"/>
-              <a:t>består av </a:t>
-            </a:r>
-            <a:endParaRPr lang="sv-SE" baseline="0" noProof="0" dirty="0" smtClean="0"/>
+              <a:t>Lite kort om Calvin: Calvin är utvecklat av Ericsson och dess huvudkomponenter består av </a:t>
+            </a:r>
           </a:p>
           <a:p>
             <a:pPr marL="171450" indent="-171450">
@@ -12296,7 +12286,44 @@
             </a:r>
             <a:r>
               <a:rPr lang="sv-SE" baseline="0" dirty="0" smtClean="0"/>
-              <a:t> i Calvin byggs upp av sammankopplade aktörer</a:t>
+              <a:t> i Calvin byggs </a:t>
+            </a:r>
+            <a:r>
+              <a:rPr lang="sv-SE" baseline="0" dirty="0" smtClean="0"/>
+              <a:t>upp </a:t>
+            </a:r>
+            <a:r>
+              <a:rPr lang="sv-SE" baseline="0" dirty="0" smtClean="0"/>
+              <a:t>av sammankopplade </a:t>
+            </a:r>
+            <a:r>
+              <a:rPr lang="sv-SE" baseline="0" dirty="0" smtClean="0"/>
+              <a:t>aktörer</a:t>
+            </a:r>
+          </a:p>
+          <a:p>
+            <a:endParaRPr lang="sv-SE" baseline="0" dirty="0" smtClean="0"/>
+          </a:p>
+          <a:p>
+            <a:r>
+              <a:rPr lang="sv-SE" baseline="0" dirty="0" smtClean="0"/>
+              <a:t>TODO </a:t>
+            </a:r>
+            <a:r>
+              <a:rPr lang="sv-SE" baseline="0" dirty="0" err="1" smtClean="0"/>
+              <a:t>update</a:t>
+            </a:r>
+            <a:r>
+              <a:rPr lang="sv-SE" baseline="0" dirty="0" smtClean="0"/>
+              <a:t> </a:t>
+            </a:r>
+            <a:r>
+              <a:rPr lang="sv-SE" baseline="0" dirty="0" err="1" smtClean="0"/>
+              <a:t>pic</a:t>
+            </a:r>
+            <a:r>
+              <a:rPr lang="sv-SE" baseline="0" dirty="0" smtClean="0"/>
+              <a:t>?</a:t>
             </a:r>
             <a:endParaRPr lang="sv-SE" dirty="0"/>
           </a:p>
@@ -15024,20 +15051,19 @@
             </a:r>
             <a:r>
               <a:rPr lang="en-US" baseline="0" dirty="0" smtClean="0"/>
-              <a:t>.</a:t>
-            </a:r>
-          </a:p>
-          <a:p>
-            <a:endParaRPr lang="en-US" baseline="0" dirty="0" smtClean="0"/>
-          </a:p>
-          <a:p>
+              <a:t>.  </a:t>
+            </a:r>
             <a:r>
               <a:rPr lang="en-US" baseline="0" dirty="0" err="1" smtClean="0"/>
               <a:t>Tex</a:t>
             </a:r>
             <a:r>
               <a:rPr lang="en-US" baseline="0" dirty="0" smtClean="0"/>
-              <a:t> om man </a:t>
+              <a:t> </a:t>
+            </a:r>
+            <a:r>
+              <a:rPr lang="en-US" baseline="0" dirty="0" smtClean="0"/>
+              <a:t>om man </a:t>
             </a:r>
             <a:r>
               <a:rPr lang="en-US" baseline="0" dirty="0" err="1" smtClean="0"/>
@@ -24581,7 +24607,11 @@
           <a:p>
             <a:r>
               <a:rPr lang="en-US" dirty="0" smtClean="0"/>
-              <a:t>Ensuring reliability</a:t>
+              <a:t>Ensuring </a:t>
+            </a:r>
+            <a:r>
+              <a:rPr lang="en-US" dirty="0" smtClean="0"/>
+              <a:t>reliability – TODO update pic?</a:t>
             </a:r>
             <a:endParaRPr lang="en-US" dirty="0"/>
           </a:p>
@@ -29843,15 +29873,15 @@
               <a:t>Where </a:t>
             </a:r>
             <a:r>
-              <a:rPr lang="en-US" i="1" dirty="0" err="1" smtClean="0"/>
+              <a:rPr lang="en-US" i="1" dirty="0" smtClean="0"/>
               <a:t>T</a:t>
             </a:r>
             <a:r>
-              <a:rPr lang="en-US" i="1" baseline="-25000" dirty="0" err="1" smtClean="0"/>
-              <a:t>f</a:t>
-            </a:r>
-            <a:r>
-              <a:rPr lang="en-US" dirty="0"/>
+              <a:rPr lang="en-US" i="1" baseline="-25000" dirty="0"/>
+              <a:t>d</a:t>
+            </a:r>
+            <a:r>
+              <a:rPr lang="en-US" dirty="0" smtClean="0"/>
               <a:t> </a:t>
             </a:r>
             <a:r>
@@ -29929,8 +29959,8 @@
           </a:p>
         </p:txBody>
       </p:sp>
-      <mc:AlternateContent xmlns:mc="http://schemas.openxmlformats.org/markup-compatibility/2006" xmlns:a14="http://schemas.microsoft.com/office/drawing/2010/main">
-        <mc:Choice Requires="a14">
+      <mc:AlternateContent xmlns:mc="http://schemas.openxmlformats.org/markup-compatibility/2006">
+        <mc:Choice xmlns:a14="http://schemas.microsoft.com/office/drawing/2010/main" Requires="a14">
           <p:sp>
             <p:nvSpPr>
               <p:cNvPr id="5" name="TextBox 4"/>
@@ -29940,7 +29970,7 @@
             <p:spPr>
               <a:xfrm>
                 <a:off x="5536767" y="3212418"/>
-                <a:ext cx="1179425" cy="299249"/>
+                <a:ext cx="1243354" cy="276999"/>
               </a:xfrm>
               <a:prstGeom prst="rect">
                 <a:avLst/>
@@ -29990,10 +30020,10 @@
                         </m:e>
                         <m:sub>
                           <m:r>
-                            <a:rPr lang="en-GB" b="0" i="1" smtClean="0">
-                              <a:latin typeface="Cambria Math" charset="0"/>
+                            <a:rPr lang="sv-SE" b="0" i="1" smtClean="0">
+                              <a:latin typeface="Cambria Math" panose="02040503050406030204" pitchFamily="18" charset="0"/>
                             </a:rPr>
-                            <m:t>𝑓</m:t>
+                            <m:t>𝑑</m:t>
                           </m:r>
                         </m:sub>
                       </m:sSub>
@@ -30036,7 +30066,7 @@
             </p:txBody>
           </p:sp>
         </mc:Choice>
-        <mc:Fallback xmlns="">
+        <mc:Fallback>
           <p:sp>
             <p:nvSpPr>
               <p:cNvPr id="5" name="TextBox 4"/>
@@ -30048,7 +30078,7 @@
             <p:spPr>
               <a:xfrm>
                 <a:off x="5536767" y="3212418"/>
-                <a:ext cx="1179425" cy="299249"/>
+                <a:ext cx="1243354" cy="276999"/>
               </a:xfrm>
               <a:prstGeom prst="rect">
                 <a:avLst/>
@@ -30056,7 +30086,7 @@
               <a:blipFill rotWithShape="0">
                 <a:blip r:embed="rId3"/>
                 <a:stretch>
-                  <a:fillRect l="-3608" r="-1031" b="-28571"/>
+                  <a:fillRect l="-1471" b="-17778"/>
                 </a:stretch>
               </a:blipFill>
             </p:spPr>
@@ -30065,7 +30095,7 @@
               <a:lstStyle/>
               <a:p>
                 <a:r>
-                  <a:rPr lang="en-US">
+                  <a:rPr lang="sv-SE">
                     <a:noFill/>
                   </a:rPr>
                   <a:t> </a:t>
@@ -30815,29 +30845,8 @@
             </a:r>
             <a:r>
               <a:rPr lang="en-US" dirty="0" smtClean="0"/>
-              <a:t> applications. </a:t>
-            </a:r>
-            <a:r>
-              <a:rPr lang="en-US" dirty="0" smtClean="0"/>
-              <a:t>It is </a:t>
-            </a:r>
-            <a:r>
-              <a:rPr lang="en-US" dirty="0" smtClean="0"/>
-              <a:t>developed by Ericsson and </a:t>
-            </a:r>
-            <a:r>
-              <a:rPr lang="en-US" dirty="0" smtClean="0"/>
-              <a:t>its key </a:t>
-            </a:r>
-            <a:r>
-              <a:rPr lang="en-US" dirty="0" smtClean="0"/>
-              <a:t>components </a:t>
-            </a:r>
-            <a:r>
-              <a:rPr lang="en-US" dirty="0" smtClean="0"/>
-              <a:t>are:</a:t>
-            </a:r>
-            <a:endParaRPr lang="en-US" dirty="0" smtClean="0"/>
+              <a:t> applications. It is developed by Ericsson and its key components are:</a:t>
+            </a:r>
           </a:p>
           <a:p>
             <a:pPr lvl="1">
@@ -30850,11 +30859,7 @@
             </a:r>
             <a:r>
               <a:rPr lang="en-US" dirty="0" smtClean="0"/>
-              <a:t>untimes</a:t>
-            </a:r>
-            <a:r>
-              <a:rPr lang="en-US" dirty="0" smtClean="0"/>
-              <a:t>,</a:t>
+              <a:t>untimes,</a:t>
             </a:r>
           </a:p>
           <a:p>
@@ -30868,11 +30873,7 @@
             </a:r>
             <a:r>
               <a:rPr lang="en-US" dirty="0" smtClean="0"/>
-              <a:t>ctors</a:t>
-            </a:r>
-            <a:r>
-              <a:rPr lang="en-US" dirty="0" smtClean="0"/>
-              <a:t>,</a:t>
+              <a:t>ctors,</a:t>
             </a:r>
           </a:p>
           <a:p>
@@ -30886,11 +30887,7 @@
             </a:r>
             <a:r>
               <a:rPr lang="en-US" dirty="0" smtClean="0"/>
-              <a:t>pplications</a:t>
-            </a:r>
-            <a:r>
-              <a:rPr lang="en-US" dirty="0" smtClean="0"/>
-              <a:t>,</a:t>
+              <a:t>pplications,</a:t>
             </a:r>
           </a:p>
           <a:p>
@@ -33706,8 +33703,8 @@
           </a:p>
         </p:txBody>
       </p:sp>
-      <mc:AlternateContent xmlns:mc="http://schemas.openxmlformats.org/markup-compatibility/2006">
-        <mc:Choice xmlns:a14="http://schemas.microsoft.com/office/drawing/2010/main" Requires="a14">
+      <mc:AlternateContent xmlns:mc="http://schemas.openxmlformats.org/markup-compatibility/2006" xmlns:a14="http://schemas.microsoft.com/office/drawing/2010/main">
+        <mc:Choice Requires="a14">
           <p:sp>
             <p:nvSpPr>
               <p:cNvPr id="3" name="Content Placeholder 2"/>
@@ -33867,11 +33864,7 @@
                 </a:pPr>
                 <a:r>
                   <a:rPr lang="en-US" dirty="0" smtClean="0"/>
-                  <a:t>This allows for adapting the reliability of a node if it starts failing more/less </a:t>
-                </a:r>
-                <a:r>
-                  <a:rPr lang="en-US" dirty="0" smtClean="0"/>
-                  <a:t>often</a:t>
+                  <a:t>This allows for adapting the reliability of a node if it starts failing more/less often</a:t>
                 </a:r>
               </a:p>
               <a:p>
@@ -33906,7 +33899,7 @@
             </p:txBody>
           </p:sp>
         </mc:Choice>
-        <mc:Fallback>
+        <mc:Fallback xmlns="">
           <p:sp>
             <p:nvSpPr>
               <p:cNvPr id="3" name="Content Placeholder 2"/>

--- a/presentation/presentation2.pptx
+++ b/presentation/presentation2.pptx
@@ -2132,11 +2132,7 @@
             </a:r>
             <a:r>
               <a:rPr lang="sv-SE" i="0" baseline="0" noProof="0" dirty="0" smtClean="0"/>
-              <a:t> som körs, utan enbart på vilka noder de kör</a:t>
-            </a:r>
-            <a:r>
-              <a:rPr lang="sv-SE" i="0" baseline="0" noProof="0" dirty="0" smtClean="0"/>
-              <a:t>.</a:t>
+              <a:t> som körs, utan enbart på vilka noder de kör.</a:t>
             </a:r>
           </a:p>
           <a:p>
@@ -2144,7 +2140,6 @@
               <a:rPr lang="sv-SE" i="0" baseline="0" noProof="0" dirty="0" smtClean="0"/>
               <a:t>TODO – ta bort sista steget i formeln?</a:t>
             </a:r>
-            <a:endParaRPr lang="sv-SE" i="0" baseline="0" noProof="0" dirty="0" smtClean="0"/>
           </a:p>
           <a:p>
             <a:endParaRPr lang="sv-SE" i="0" baseline="0" noProof="0" dirty="0" smtClean="0"/>
@@ -12286,19 +12281,7 @@
             </a:r>
             <a:r>
               <a:rPr lang="sv-SE" baseline="0" dirty="0" smtClean="0"/>
-              <a:t> i Calvin byggs </a:t>
-            </a:r>
-            <a:r>
-              <a:rPr lang="sv-SE" baseline="0" dirty="0" smtClean="0"/>
-              <a:t>upp </a:t>
-            </a:r>
-            <a:r>
-              <a:rPr lang="sv-SE" baseline="0" dirty="0" smtClean="0"/>
-              <a:t>av sammankopplade </a:t>
-            </a:r>
-            <a:r>
-              <a:rPr lang="sv-SE" baseline="0" dirty="0" smtClean="0"/>
-              <a:t>aktörer</a:t>
+              <a:t> i Calvin byggs upp av sammankopplade aktörer</a:t>
             </a:r>
           </a:p>
           <a:p>
@@ -15059,11 +15042,7 @@
             </a:r>
             <a:r>
               <a:rPr lang="en-US" baseline="0" dirty="0" smtClean="0"/>
-              <a:t> </a:t>
-            </a:r>
-            <a:r>
-              <a:rPr lang="en-US" baseline="0" dirty="0" smtClean="0"/>
-              <a:t>om man </a:t>
+              <a:t> om man </a:t>
             </a:r>
             <a:r>
               <a:rPr lang="en-US" baseline="0" dirty="0" err="1" smtClean="0"/>
@@ -24607,11 +24586,7 @@
           <a:p>
             <a:r>
               <a:rPr lang="en-US" dirty="0" smtClean="0"/>
-              <a:t>Ensuring </a:t>
-            </a:r>
-            <a:r>
-              <a:rPr lang="en-US" dirty="0" smtClean="0"/>
-              <a:t>reliability – TODO update pic?</a:t>
+              <a:t>Ensuring reliability – TODO update pic?</a:t>
             </a:r>
             <a:endParaRPr lang="en-US" dirty="0"/>
           </a:p>
@@ -26208,7 +26183,19 @@
           <a:p>
             <a:r>
               <a:rPr lang="en-US" dirty="0" smtClean="0"/>
-              <a:t>Agenda _TODO kola </a:t>
+              <a:t>Agenda </a:t>
+            </a:r>
+            <a:r>
+              <a:rPr lang="en-US" dirty="0" smtClean="0"/>
+              <a:t>TODO </a:t>
+            </a:r>
+            <a:r>
+              <a:rPr lang="en-US" dirty="0" err="1" smtClean="0"/>
+              <a:t>kolla</a:t>
+            </a:r>
+            <a:r>
+              <a:rPr lang="en-US" dirty="0" smtClean="0"/>
+              <a:t> </a:t>
             </a:r>
             <a:r>
               <a:rPr lang="en-US" dirty="0" err="1" smtClean="0"/>
@@ -26291,18 +26278,13 @@
             </a:pPr>
             <a:r>
               <a:rPr lang="en-US" dirty="0" smtClean="0"/>
-              <a:t>Calvin – TODO needed?</a:t>
-            </a:r>
-          </a:p>
-          <a:p>
-            <a:pPr marL="457200" indent="-457200">
-              <a:buFont typeface="+mj-lt"/>
-              <a:buAutoNum type="arabicPeriod"/>
-            </a:pPr>
+              <a:t>Calvin – TODO needed</a:t>
+            </a:r>
             <a:r>
               <a:rPr lang="en-US" dirty="0" smtClean="0"/>
-              <a:t>Implementation</a:t>
-            </a:r>
+              <a:t>?</a:t>
+            </a:r>
+            <a:endParaRPr lang="en-US" dirty="0" smtClean="0"/>
           </a:p>
           <a:p>
             <a:pPr marL="457200" indent="-457200">
@@ -29882,11 +29864,7 @@
             </a:r>
             <a:r>
               <a:rPr lang="en-US" dirty="0" smtClean="0"/>
-              <a:t> </a:t>
-            </a:r>
-            <a:r>
-              <a:rPr lang="en-US" dirty="0" smtClean="0"/>
-              <a:t>is the time to detect a failure, statically set to 500 </a:t>
+              <a:t> is the time to detect a failure, statically set to 500 </a:t>
             </a:r>
             <a:r>
               <a:rPr lang="en-US" dirty="0" err="1" smtClean="0"/>
@@ -29959,8 +29937,8 @@
           </a:p>
         </p:txBody>
       </p:sp>
-      <mc:AlternateContent xmlns:mc="http://schemas.openxmlformats.org/markup-compatibility/2006">
-        <mc:Choice xmlns:a14="http://schemas.microsoft.com/office/drawing/2010/main" Requires="a14">
+      <mc:AlternateContent xmlns:mc="http://schemas.openxmlformats.org/markup-compatibility/2006" xmlns:a14="http://schemas.microsoft.com/office/drawing/2010/main">
+        <mc:Choice Requires="a14">
           <p:sp>
             <p:nvSpPr>
               <p:cNvPr id="5" name="TextBox 4"/>
@@ -30066,7 +30044,7 @@
             </p:txBody>
           </p:sp>
         </mc:Choice>
-        <mc:Fallback>
+        <mc:Fallback xmlns="">
           <p:sp>
             <p:nvSpPr>
               <p:cNvPr id="5" name="TextBox 4"/>
@@ -30538,6 +30516,36 @@
           </a:p>
         </p:txBody>
       </p:sp>
+      <p:pic>
+        <p:nvPicPr>
+          <p:cNvPr id="6" name="Picture 3"/>
+          <p:cNvPicPr>
+            <a:picLocks noChangeAspect="1"/>
+          </p:cNvPicPr>
+          <p:nvPr/>
+        </p:nvPicPr>
+        <p:blipFill>
+          <a:blip r:embed="rId3">
+            <a:extLst>
+              <a:ext uri="{28A0092B-C50C-407E-A947-70E740481C1C}">
+                <a14:useLocalDpi xmlns:a14="http://schemas.microsoft.com/office/drawing/2010/main" val="0"/>
+              </a:ext>
+            </a:extLst>
+          </a:blip>
+          <a:stretch>
+            <a:fillRect/>
+          </a:stretch>
+        </p:blipFill>
+        <p:spPr>
+          <a:xfrm>
+            <a:off x="3615609" y="2687781"/>
+            <a:ext cx="4184499" cy="3573183"/>
+          </a:xfrm>
+          <a:prstGeom prst="rect">
+            <a:avLst/>
+          </a:prstGeom>
+        </p:spPr>
+      </p:pic>
     </p:spTree>
     <p:extLst>
       <p:ext uri="{BB962C8B-B14F-4D97-AF65-F5344CB8AC3E}">

--- a/presentation/presentation2.pptx
+++ b/presentation/presentation2.pptx
@@ -5,7 +5,7 @@
     <p:sldMasterId id="2147483673" r:id="rId1"/>
   </p:sldMasterIdLst>
   <p:notesMasterIdLst>
-    <p:notesMasterId r:id="rId54"/>
+    <p:notesMasterId r:id="rId55"/>
   </p:notesMasterIdLst>
   <p:sldIdLst>
     <p:sldId id="256" r:id="rId2"/>
@@ -60,6 +60,7 @@
     <p:sldId id="366" r:id="rId51"/>
     <p:sldId id="367" r:id="rId52"/>
     <p:sldId id="365" r:id="rId53"/>
+    <p:sldId id="376" r:id="rId54"/>
   </p:sldIdLst>
   <p:sldSz cx="12192000" cy="6858000"/>
   <p:notesSz cx="6858000" cy="9144000"/>
@@ -251,7 +252,7 @@
           <a:p>
             <a:fld id="{C325F682-9988-D94F-9A71-50A4F920F505}" type="datetimeFigureOut">
               <a:rPr lang="en-US" smtClean="0"/>
-              <a:t>5/25/2016</a:t>
+              <a:t>5/25/16</a:t>
             </a:fld>
             <a:endParaRPr lang="en-US"/>
           </a:p>
@@ -1742,19 +1743,7 @@
                 <a:ea typeface="+mn-ea"/>
                 <a:cs typeface="+mn-cs"/>
               </a:rPr>
-              <a:t> </a:t>
-            </a:r>
-            <a:r>
-              <a:rPr lang="en-US" sz="1200" b="0" i="0" kern="1200" dirty="0" smtClean="0">
-                <a:solidFill>
-                  <a:schemeClr val="tx1"/>
-                </a:solidFill>
-                <a:effectLst/>
-                <a:latin typeface="+mn-lt"/>
-                <a:ea typeface="+mn-ea"/>
-                <a:cs typeface="+mn-cs"/>
-              </a:rPr>
-              <a:t>t.</a:t>
+              <a:t> t.</a:t>
             </a:r>
           </a:p>
           <a:p>
@@ -2189,15 +2178,7 @@
           <a:p>
             <a:r>
               <a:rPr lang="en-US" dirty="0" smtClean="0"/>
-              <a:t>Om </a:t>
-            </a:r>
-            <a:r>
-              <a:rPr lang="en-US" dirty="0" smtClean="0"/>
-              <a:t>man vet </a:t>
-            </a:r>
-            <a:r>
-              <a:rPr lang="en-US" dirty="0" smtClean="0"/>
-              <a:t>mean-time-between</a:t>
+              <a:t>Om man vet mean-time-between</a:t>
             </a:r>
             <a:r>
               <a:rPr lang="en-US" baseline="0" dirty="0" smtClean="0"/>
@@ -2704,11 +2685,7 @@
             </a:r>
             <a:r>
               <a:rPr lang="en-US" baseline="0" dirty="0" smtClean="0"/>
-              <a:t>. </a:t>
-            </a:r>
-            <a:r>
-              <a:rPr lang="en-US" baseline="0" dirty="0" smtClean="0"/>
-              <a:t>Om en nod </a:t>
+              <a:t>. Om en nod </a:t>
             </a:r>
             <a:r>
               <a:rPr lang="en-US" baseline="0" dirty="0" err="1" smtClean="0"/>
@@ -2958,11 +2935,7 @@
             </a:r>
             <a:r>
               <a:rPr lang="en-US" baseline="0" dirty="0" smtClean="0"/>
-              <a:t> </a:t>
-            </a:r>
-            <a:r>
-              <a:rPr lang="en-US" baseline="0" dirty="0" smtClean="0"/>
-              <a:t>default </a:t>
+              <a:t> default </a:t>
             </a:r>
             <a:r>
               <a:rPr lang="en-US" baseline="0" dirty="0" err="1" smtClean="0"/>
@@ -11347,11 +11320,7 @@
           <a:p>
             <a:r>
               <a:rPr lang="sv-SE" i="0" baseline="0" noProof="0" dirty="0" smtClean="0"/>
-              <a:t>Tiden </a:t>
-            </a:r>
-            <a:r>
-              <a:rPr lang="sv-SE" i="0" baseline="0" noProof="0" dirty="0" smtClean="0"/>
-              <a:t>det tar att </a:t>
+              <a:t>Tiden det tar att </a:t>
             </a:r>
             <a:r>
               <a:rPr lang="sv-SE" i="0" baseline="0" noProof="0" dirty="0" err="1" smtClean="0"/>
@@ -11359,19 +11328,7 @@
             </a:r>
             <a:r>
               <a:rPr lang="sv-SE" i="0" baseline="0" noProof="0" dirty="0" smtClean="0"/>
-              <a:t> att en </a:t>
-            </a:r>
-            <a:r>
-              <a:rPr lang="sv-SE" i="0" baseline="0" noProof="0" dirty="0" smtClean="0"/>
-              <a:t>nod </a:t>
-            </a:r>
-            <a:r>
-              <a:rPr lang="sv-SE" i="0" baseline="0" noProof="0" dirty="0" smtClean="0"/>
-              <a:t>har dött </a:t>
-            </a:r>
-            <a:r>
-              <a:rPr lang="sv-SE" i="0" baseline="0" noProof="0" dirty="0" smtClean="0"/>
-              <a:t>är satt till timeoutiden för </a:t>
+              <a:t> att en nod har dött är satt till timeoutiden för </a:t>
             </a:r>
             <a:r>
               <a:rPr lang="sv-SE" i="0" baseline="0" noProof="0" dirty="0" err="1" smtClean="0"/>
@@ -11379,11 +11336,7 @@
             </a:r>
             <a:r>
               <a:rPr lang="sv-SE" i="0" baseline="0" noProof="0" dirty="0" smtClean="0"/>
-              <a:t>, </a:t>
-            </a:r>
-            <a:r>
-              <a:rPr lang="sv-SE" i="0" baseline="0" noProof="0" dirty="0" smtClean="0"/>
-              <a:t>500 </a:t>
+              <a:t>, 500 </a:t>
             </a:r>
             <a:r>
               <a:rPr lang="sv-SE" i="0" baseline="0" noProof="0" dirty="0" err="1" smtClean="0"/>
@@ -11391,11 +11344,7 @@
             </a:r>
             <a:r>
               <a:rPr lang="sv-SE" i="0" baseline="0" noProof="0" dirty="0" smtClean="0"/>
-              <a:t> medan tiden </a:t>
-            </a:r>
-            <a:r>
-              <a:rPr lang="sv-SE" i="0" baseline="0" noProof="0" dirty="0" smtClean="0"/>
-              <a:t>det tar att hantera felet och skapa en ny </a:t>
+              <a:t> medan tiden det tar att hantera felet och skapa en ny </a:t>
             </a:r>
             <a:r>
               <a:rPr lang="sv-SE" i="0" baseline="0" noProof="0" dirty="0" err="1" smtClean="0"/>
@@ -17775,7 +17724,6 @@
               <a:rPr lang="en-US" baseline="0" dirty="0" smtClean="0"/>
               <a:t>.</a:t>
             </a:r>
-            <a:endParaRPr lang="en-US" baseline="0" dirty="0" smtClean="0"/>
           </a:p>
         </p:txBody>
       </p:sp>
@@ -18011,6 +17959,90 @@
     <p:extLst>
       <p:ext uri="{BB962C8B-B14F-4D97-AF65-F5344CB8AC3E}">
         <p14:creationId xmlns:p14="http://schemas.microsoft.com/office/powerpoint/2010/main" val="4269926335"/>
+      </p:ext>
+    </p:extLst>
+  </p:cSld>
+  <p:clrMapOvr>
+    <a:masterClrMapping/>
+  </p:clrMapOvr>
+</p:notes>
+</file>
+
+<file path=ppt/notesSlides/notesSlide51.xml><?xml version="1.0" encoding="utf-8"?>
+<p:notes xmlns:a="http://schemas.openxmlformats.org/drawingml/2006/main" xmlns:r="http://schemas.openxmlformats.org/officeDocument/2006/relationships" xmlns:p="http://schemas.openxmlformats.org/presentationml/2006/main">
+  <p:cSld>
+    <p:spTree>
+      <p:nvGrpSpPr>
+        <p:cNvPr id="1" name=""/>
+        <p:cNvGrpSpPr/>
+        <p:nvPr/>
+      </p:nvGrpSpPr>
+      <p:grpSpPr>
+        <a:xfrm>
+          <a:off x="0" y="0"/>
+          <a:ext cx="0" cy="0"/>
+          <a:chOff x="0" y="0"/>
+          <a:chExt cx="0" cy="0"/>
+        </a:xfrm>
+      </p:grpSpPr>
+      <p:sp>
+        <p:nvSpPr>
+          <p:cNvPr id="2" name="Platshållare för bildobjekt 1"/>
+          <p:cNvSpPr>
+            <a:spLocks noGrp="1" noRot="1" noChangeAspect="1"/>
+          </p:cNvSpPr>
+          <p:nvPr>
+            <p:ph type="sldImg"/>
+          </p:nvPr>
+        </p:nvSpPr>
+        <p:spPr/>
+      </p:sp>
+      <p:sp>
+        <p:nvSpPr>
+          <p:cNvPr id="3" name="Platshållare för anteckningar 2"/>
+          <p:cNvSpPr>
+            <a:spLocks noGrp="1"/>
+          </p:cNvSpPr>
+          <p:nvPr>
+            <p:ph type="body" idx="1"/>
+          </p:nvPr>
+        </p:nvSpPr>
+        <p:spPr/>
+        <p:txBody>
+          <a:bodyPr/>
+          <a:lstStyle/>
+          <a:p>
+            <a:endParaRPr lang="sv-SE" baseline="0" dirty="0" smtClean="0"/>
+          </a:p>
+        </p:txBody>
+      </p:sp>
+      <p:sp>
+        <p:nvSpPr>
+          <p:cNvPr id="4" name="Platshållare för bildnummer 3"/>
+          <p:cNvSpPr>
+            <a:spLocks noGrp="1"/>
+          </p:cNvSpPr>
+          <p:nvPr>
+            <p:ph type="sldNum" sz="quarter" idx="10"/>
+          </p:nvPr>
+        </p:nvSpPr>
+        <p:spPr/>
+        <p:txBody>
+          <a:bodyPr/>
+          <a:lstStyle/>
+          <a:p>
+            <a:fld id="{100650DF-8CBF-0341-B1F9-47D0C0CD302F}" type="slidenum">
+              <a:rPr lang="en-US" smtClean="0"/>
+              <a:t>53</a:t>
+            </a:fld>
+            <a:endParaRPr lang="en-US"/>
+          </a:p>
+        </p:txBody>
+      </p:sp>
+    </p:spTree>
+    <p:extLst>
+      <p:ext uri="{BB962C8B-B14F-4D97-AF65-F5344CB8AC3E}">
+        <p14:creationId xmlns:p14="http://schemas.microsoft.com/office/powerpoint/2010/main" val="600721925"/>
       </p:ext>
     </p:extLst>
   </p:cSld>
@@ -20560,7 +20592,7 @@
           <a:p>
             <a:fld id="{4BDF68E2-58F2-4D09-BE8B-E3BD06533059}" type="datetimeFigureOut">
               <a:rPr lang="en-US" smtClean="0"/>
-              <a:t>5/25/2016</a:t>
+              <a:t>5/25/16</a:t>
             </a:fld>
             <a:endParaRPr lang="en-US" dirty="0"/>
           </a:p>
@@ -20768,7 +20800,7 @@
           <a:p>
             <a:fld id="{2E2D6473-DF6D-4702-B328-E0DD40540A4E}" type="datetimeFigureOut">
               <a:rPr lang="en-US" smtClean="0"/>
-              <a:t>5/25/2016</a:t>
+              <a:t>5/25/16</a:t>
             </a:fld>
             <a:endParaRPr lang="en-US" dirty="0"/>
           </a:p>
@@ -21024,7 +21056,7 @@
           <a:p>
             <a:fld id="{E26F7E3A-B166-407D-9866-32884E7D5B37}" type="datetimeFigureOut">
               <a:rPr lang="en-US" smtClean="0"/>
-              <a:t>5/25/2016</a:t>
+              <a:t>5/25/16</a:t>
             </a:fld>
             <a:endParaRPr lang="en-US" dirty="0"/>
           </a:p>
@@ -21198,7 +21230,7 @@
           <a:p>
             <a:fld id="{528FC5F6-F338-4AE4-BB23-26385BCFC423}" type="datetimeFigureOut">
               <a:rPr lang="en-US" smtClean="0"/>
-              <a:t>5/25/2016</a:t>
+              <a:t>5/25/16</a:t>
             </a:fld>
             <a:endParaRPr lang="en-US" dirty="0"/>
           </a:p>
@@ -21541,7 +21573,7 @@
           <a:p>
             <a:fld id="{20EBB0C4-6273-4C6E-B9BD-2EDC30F1CD52}" type="datetimeFigureOut">
               <a:rPr lang="en-US" smtClean="0"/>
-              <a:t>5/25/2016</a:t>
+              <a:t>5/25/16</a:t>
             </a:fld>
             <a:endParaRPr lang="en-US" dirty="0"/>
           </a:p>
@@ -21816,7 +21848,7 @@
           <a:p>
             <a:fld id="{19AB4D41-86C1-4908-B66A-0B50CEB3BF29}" type="datetimeFigureOut">
               <a:rPr lang="en-US" smtClean="0"/>
-              <a:t>5/25/2016</a:t>
+              <a:t>5/25/16</a:t>
             </a:fld>
             <a:endParaRPr lang="en-US" dirty="0"/>
           </a:p>
@@ -22195,7 +22227,7 @@
           <a:p>
             <a:fld id="{E6426E2C-56C1-4E0D-A793-0088A7FDD37E}" type="datetimeFigureOut">
               <a:rPr lang="en-US" smtClean="0"/>
-              <a:t>5/25/2016</a:t>
+              <a:t>5/25/16</a:t>
             </a:fld>
             <a:endParaRPr lang="en-US" dirty="0"/>
           </a:p>
@@ -22313,7 +22345,7 @@
           <a:p>
             <a:fld id="{C8C39B41-D8B5-4052-B551-9B5525EAA8B6}" type="datetimeFigureOut">
               <a:rPr lang="en-US" smtClean="0"/>
-              <a:t>5/25/2016</a:t>
+              <a:t>5/25/16</a:t>
             </a:fld>
             <a:endParaRPr lang="en-US" dirty="0"/>
           </a:p>
@@ -22484,7 +22516,7 @@
           <a:p>
             <a:fld id="{4D94136C-8742-45B2-AF27-D93DF72833A9}" type="datetimeFigureOut">
               <a:rPr lang="en-US" smtClean="0"/>
-              <a:t>5/25/2016</a:t>
+              <a:t>5/25/16</a:t>
             </a:fld>
             <a:endParaRPr lang="en-US" dirty="0"/>
           </a:p>
@@ -22839,7 +22871,7 @@
           <a:p>
             <a:fld id="{32ABBEA6-7C60-4B02-AE87-00D78D8422AF}" type="datetimeFigureOut">
               <a:rPr lang="en-US" smtClean="0"/>
-              <a:t>5/25/2016</a:t>
+              <a:t>5/25/16</a:t>
             </a:fld>
             <a:endParaRPr lang="en-US" dirty="0"/>
           </a:p>
@@ -23222,7 +23254,7 @@
           <a:p>
             <a:fld id="{C9CAD897-D46E-4AD2-BD9B-49DD3E640873}" type="datetimeFigureOut">
               <a:rPr lang="en-US" smtClean="0"/>
-              <a:t>5/25/2016</a:t>
+              <a:t>5/25/16</a:t>
             </a:fld>
             <a:endParaRPr lang="en-US" dirty="0"/>
           </a:p>
@@ -23509,7 +23541,7 @@
           <a:p>
             <a:fld id="{98624D31-43A5-475A-80CF-332C9F6DCF35}" type="datetimeFigureOut">
               <a:rPr lang="en-US" smtClean="0"/>
-              <a:t>5/25/2016</a:t>
+              <a:t>5/25/16</a:t>
             </a:fld>
             <a:endParaRPr lang="en-US" dirty="0"/>
           </a:p>
@@ -24184,11 +24216,7 @@
             </a:pPr>
             <a:r>
               <a:rPr lang="en-US" dirty="0" smtClean="0"/>
-              <a:t>Failures </a:t>
-            </a:r>
-            <a:r>
-              <a:rPr lang="en-US" dirty="0" smtClean="0"/>
-              <a:t>must be detected and new replicas be created to fulfill the desired reliability</a:t>
+              <a:t>Failures must be detected and new replicas be created to fulfill the desired reliability</a:t>
             </a:r>
           </a:p>
           <a:p>
@@ -24220,15 +24248,7 @@
             </a:r>
             <a:r>
               <a:rPr lang="is-IS" i="1" dirty="0" smtClean="0"/>
-              <a:t>up and running during </a:t>
-            </a:r>
-            <a:r>
-              <a:rPr lang="is-IS" i="1" dirty="0" smtClean="0"/>
-              <a:t>a time t</a:t>
-            </a:r>
-            <a:r>
-              <a:rPr lang="is-IS" i="1" dirty="0" smtClean="0"/>
-              <a:t>...”</a:t>
+              <a:t>up and running during a time t...”</a:t>
             </a:r>
             <a:endParaRPr lang="is-IS" dirty="0" smtClean="0"/>
           </a:p>
@@ -24239,11 +24259,7 @@
             </a:pPr>
             <a:r>
               <a:rPr lang="is-IS" dirty="0" smtClean="0"/>
-              <a:t>The </a:t>
-            </a:r>
-            <a:r>
-              <a:rPr lang="is-IS" dirty="0" smtClean="0"/>
-              <a:t>time </a:t>
+              <a:t>The time </a:t>
             </a:r>
             <a:r>
               <a:rPr lang="is-IS" i="1" dirty="0" smtClean="0"/>
@@ -24347,11 +24363,7 @@
             </a:pPr>
             <a:r>
               <a:rPr lang="en-US" dirty="0" smtClean="0"/>
-              <a:t> If </a:t>
-            </a:r>
-            <a:r>
-              <a:rPr lang="en-US" dirty="0" smtClean="0"/>
-              <a:t>one knows a component’s </a:t>
+              <a:t> If one knows a component’s </a:t>
             </a:r>
             <a:r>
               <a:rPr lang="en-US" i="1" dirty="0" smtClean="0"/>
@@ -24375,11 +24387,7 @@
             </a:r>
             <a:r>
               <a:rPr lang="en-US" dirty="0" smtClean="0"/>
-              <a:t> </a:t>
-            </a:r>
-            <a:r>
-              <a:rPr lang="en-US" dirty="0" smtClean="0"/>
-              <a:t>as:</a:t>
+              <a:t> as:</a:t>
             </a:r>
           </a:p>
           <a:p>
@@ -24464,7 +24472,7 @@
                         <m:dPr>
                           <m:ctrlPr>
                             <a:rPr lang="en-GB" i="1">
-                              <a:latin typeface="Cambria Math" panose="02040503050406030204" pitchFamily="18" charset="0"/>
+                              <a:latin typeface="Cambria Math" charset="0"/>
                             </a:rPr>
                           </m:ctrlPr>
                         </m:dPr>
@@ -24493,7 +24501,7 @@
                         <m:dPr>
                           <m:ctrlPr>
                             <a:rPr lang="en-GB" i="1">
-                              <a:latin typeface="Cambria Math" panose="02040503050406030204" pitchFamily="18" charset="0"/>
+                              <a:latin typeface="Cambria Math" charset="0"/>
                             </a:rPr>
                           </m:ctrlPr>
                         </m:dPr>
@@ -24558,7 +24566,7 @@
                         <m:sSupPr>
                           <m:ctrlPr>
                             <a:rPr lang="is-IS" i="1">
-                              <a:latin typeface="Cambria Math" panose="02040503050406030204" pitchFamily="18" charset="0"/>
+                              <a:latin typeface="Cambria Math" charset="0"/>
                             </a:rPr>
                           </m:ctrlPr>
                         </m:sSupPr>
@@ -24581,7 +24589,7 @@
                             <m:dPr>
                               <m:ctrlPr>
                                 <a:rPr lang="en-US" i="1">
-                                  <a:latin typeface="Cambria Math" panose="02040503050406030204" pitchFamily="18" charset="0"/>
+                                  <a:latin typeface="Cambria Math" charset="0"/>
                                 </a:rPr>
                               </m:ctrlPr>
                             </m:dPr>
@@ -24590,7 +24598,7 @@
                                 <m:fPr>
                                   <m:ctrlPr>
                                     <a:rPr lang="fi-FI" i="1">
-                                      <a:latin typeface="Cambria Math" panose="02040503050406030204" pitchFamily="18" charset="0"/>
+                                      <a:latin typeface="Cambria Math" charset="0"/>
                                     </a:rPr>
                                   </m:ctrlPr>
                                 </m:fPr>
@@ -24702,7 +24710,7 @@
                         <m:dPr>
                           <m:ctrlPr>
                             <a:rPr lang="en-GB" i="1">
-                              <a:latin typeface="Cambria Math" panose="02040503050406030204" pitchFamily="18" charset="0"/>
+                              <a:latin typeface="Cambria Math" charset="0"/>
                             </a:rPr>
                           </m:ctrlPr>
                         </m:dPr>
@@ -24852,8 +24860,8 @@
           </a:p>
         </p:txBody>
       </p:sp>
-      <mc:AlternateContent xmlns:mc="http://schemas.openxmlformats.org/markup-compatibility/2006">
-        <mc:Choice xmlns:a14="http://schemas.microsoft.com/office/drawing/2010/main" Requires="a14">
+      <mc:AlternateContent xmlns:mc="http://schemas.openxmlformats.org/markup-compatibility/2006" xmlns:a14="http://schemas.microsoft.com/office/drawing/2010/main">
+        <mc:Choice Requires="a14">
           <p:sp>
             <p:nvSpPr>
               <p:cNvPr id="3" name="Content Placeholder 2"/>
@@ -24900,7 +24908,7 @@
                       <m:sSubPr>
                         <m:ctrlPr>
                           <a:rPr lang="en-US" i="1">
-                            <a:latin typeface="Cambria Math" panose="02040503050406030204" pitchFamily="18" charset="0"/>
+                            <a:latin typeface="Cambria Math" charset="0"/>
                           </a:rPr>
                         </m:ctrlPr>
                       </m:sSubPr>
@@ -24933,7 +24941,7 @@
                       <m:sSubPr>
                         <m:ctrlPr>
                           <a:rPr lang="en-US" i="1">
-                            <a:latin typeface="Cambria Math" panose="02040503050406030204" pitchFamily="18" charset="0"/>
+                            <a:latin typeface="Cambria Math" charset="0"/>
                           </a:rPr>
                         </m:ctrlPr>
                       </m:sSubPr>
@@ -24966,7 +24974,7 @@
                       <m:sSubPr>
                         <m:ctrlPr>
                           <a:rPr lang="en-US" i="1">
-                            <a:latin typeface="Cambria Math" panose="02040503050406030204" pitchFamily="18" charset="0"/>
+                            <a:latin typeface="Cambria Math" charset="0"/>
                           </a:rPr>
                         </m:ctrlPr>
                       </m:sSubPr>
@@ -25030,15 +25038,7 @@
                 </a:pPr>
                 <a:r>
                   <a:rPr lang="en-US" dirty="0" smtClean="0"/>
-                  <a:t>Before the first two failures has occurred </a:t>
-                </a:r>
-                <a:r>
-                  <a:rPr lang="en-US" dirty="0" smtClean="0"/>
-                  <a:t>a </a:t>
-                </a:r>
-                <a:r>
-                  <a:rPr lang="en-US" dirty="0" smtClean="0"/>
-                  <a:t>default value is used</a:t>
+                  <a:t>Before the first two failures has occurred a default value is used</a:t>
                 </a:r>
                 <a:endParaRPr lang="en-US" dirty="0"/>
               </a:p>
@@ -25063,7 +25063,7 @@
             </p:txBody>
           </p:sp>
         </mc:Choice>
-        <mc:Fallback>
+        <mc:Fallback xmlns="">
           <p:sp>
             <p:nvSpPr>
               <p:cNvPr id="3" name="Content Placeholder 2"/>
@@ -25147,7 +25147,7 @@
                         <m:fPr>
                           <m:ctrlPr>
                             <a:rPr lang="bg-BG" b="0" i="1" smtClean="0">
-                              <a:latin typeface="Cambria Math" panose="02040503050406030204" pitchFamily="18" charset="0"/>
+                              <a:latin typeface="Cambria Math" charset="0"/>
                             </a:rPr>
                           </m:ctrlPr>
                         </m:fPr>
@@ -25156,7 +25156,7 @@
                             <m:sSubPr>
                               <m:ctrlPr>
                                 <a:rPr lang="en-US" i="1">
-                                  <a:latin typeface="Cambria Math" panose="02040503050406030204" pitchFamily="18" charset="0"/>
+                                  <a:latin typeface="Cambria Math" charset="0"/>
                                 </a:rPr>
                               </m:ctrlPr>
                             </m:sSubPr>
@@ -25187,7 +25187,7 @@
                             <m:sSubPr>
                               <m:ctrlPr>
                                 <a:rPr lang="en-US" i="1">
-                                  <a:latin typeface="Cambria Math" panose="02040503050406030204" pitchFamily="18" charset="0"/>
+                                  <a:latin typeface="Cambria Math" charset="0"/>
                                 </a:rPr>
                               </m:ctrlPr>
                             </m:sSubPr>
@@ -25218,7 +25218,7 @@
                             <m:sSubPr>
                               <m:ctrlPr>
                                 <a:rPr lang="en-US" i="1">
-                                  <a:latin typeface="Cambria Math" panose="02040503050406030204" pitchFamily="18" charset="0"/>
+                                  <a:latin typeface="Cambria Math" charset="0"/>
                                 </a:rPr>
                               </m:ctrlPr>
                             </m:sSubPr>
@@ -25249,7 +25249,7 @@
                             <m:sSubPr>
                               <m:ctrlPr>
                                 <a:rPr lang="en-US" i="1">
-                                  <a:latin typeface="Cambria Math" panose="02040503050406030204" pitchFamily="18" charset="0"/>
+                                  <a:latin typeface="Cambria Math" charset="0"/>
                                 </a:rPr>
                               </m:ctrlPr>
                             </m:sSubPr>
@@ -25416,11 +25416,7 @@
             </a:r>
             <a:r>
               <a:rPr lang="is-IS" i="1" dirty="0" smtClean="0"/>
-              <a:t>… at least one replica is </a:t>
-            </a:r>
-            <a:r>
-              <a:rPr lang="is-IS" i="1" dirty="0" smtClean="0"/>
-              <a:t>up and running...”</a:t>
+              <a:t>… at least one replica is up and running...”</a:t>
             </a:r>
             <a:endParaRPr lang="is-IS" i="1" dirty="0"/>
           </a:p>
@@ -25431,11 +25427,7 @@
             </a:pPr>
             <a:r>
               <a:rPr lang="is-IS" dirty="0" smtClean="0"/>
-              <a:t>This </a:t>
-            </a:r>
-            <a:r>
-              <a:rPr lang="is-IS" dirty="0" smtClean="0"/>
-              <a:t>corresponds to not all failing. For </a:t>
+              <a:t>This corresponds to not all failing. For </a:t>
             </a:r>
             <a:r>
               <a:rPr lang="is-IS" i="1" dirty="0" smtClean="0"/>
@@ -25455,8 +25447,8 @@
           </a:p>
         </p:txBody>
       </p:sp>
-      <mc:AlternateContent xmlns:mc="http://schemas.openxmlformats.org/markup-compatibility/2006">
-        <mc:Choice xmlns:a14="http://schemas.microsoft.com/office/drawing/2010/main" Requires="a14">
+      <mc:AlternateContent xmlns:mc="http://schemas.openxmlformats.org/markup-compatibility/2006" xmlns:a14="http://schemas.microsoft.com/office/drawing/2010/main">
+        <mc:Choice Requires="a14">
           <p:sp>
             <p:nvSpPr>
               <p:cNvPr id="4" name="Rectangle 3"/>
@@ -25507,7 +25499,7 @@
                         <m:dPr>
                           <m:ctrlPr>
                             <a:rPr lang="en-GB" i="1">
-                              <a:latin typeface="Cambria Math" panose="02040503050406030204" pitchFamily="18" charset="0"/>
+                              <a:latin typeface="Cambria Math" charset="0"/>
                             </a:rPr>
                           </m:ctrlPr>
                         </m:dPr>
@@ -25566,7 +25558,7 @@
                         <m:dPr>
                           <m:ctrlPr>
                             <a:rPr lang="en-GB" i="1">
-                              <a:latin typeface="Cambria Math" panose="02040503050406030204" pitchFamily="18" charset="0"/>
+                              <a:latin typeface="Cambria Math" charset="0"/>
                             </a:rPr>
                           </m:ctrlPr>
                         </m:dPr>
@@ -25608,7 +25600,7 @@
                           <m:chr m:val="∏"/>
                           <m:ctrlPr>
                             <a:rPr lang="is-IS" i="1">
-                              <a:latin typeface="Cambria Math" panose="02040503050406030204" pitchFamily="18" charset="0"/>
+                              <a:latin typeface="Cambria Math" charset="0"/>
                             </a:rPr>
                           </m:ctrlPr>
                         </m:naryPr>
@@ -25642,7 +25634,7 @@
                             <m:sSubPr>
                               <m:ctrlPr>
                                 <a:rPr lang="en-US" i="1">
-                                  <a:latin typeface="Cambria Math" panose="02040503050406030204" pitchFamily="18" charset="0"/>
+                                  <a:latin typeface="Cambria Math" charset="0"/>
                                 </a:rPr>
                               </m:ctrlPr>
                             </m:sSubPr>
@@ -25691,7 +25683,7 @@
             </p:txBody>
           </p:sp>
         </mc:Choice>
-        <mc:Fallback>
+        <mc:Fallback xmlns="">
           <p:sp>
             <p:nvSpPr>
               <p:cNvPr id="4" name="Rectangle 3"/>
@@ -25930,7 +25922,7 @@
                         <m:dPr>
                           <m:ctrlPr>
                             <a:rPr lang="en-GB" i="1">
-                              <a:latin typeface="Cambria Math" panose="02040503050406030204" pitchFamily="18" charset="0"/>
+                              <a:latin typeface="Cambria Math" charset="0"/>
                             </a:rPr>
                           </m:ctrlPr>
                         </m:dPr>
@@ -26037,7 +26029,7 @@
                         <m:dPr>
                           <m:ctrlPr>
                             <a:rPr lang="en-GB" i="1">
-                              <a:latin typeface="Cambria Math" panose="02040503050406030204" pitchFamily="18" charset="0"/>
+                              <a:latin typeface="Cambria Math" charset="0"/>
                             </a:rPr>
                           </m:ctrlPr>
                         </m:dPr>
@@ -26132,7 +26124,7 @@
                           <m:chr m:val="∏"/>
                           <m:ctrlPr>
                             <a:rPr lang="is-IS" i="1">
-                              <a:latin typeface="Cambria Math" panose="02040503050406030204" pitchFamily="18" charset="0"/>
+                              <a:latin typeface="Cambria Math" charset="0"/>
                             </a:rPr>
                           </m:ctrlPr>
                         </m:naryPr>
@@ -26166,7 +26158,7 @@
                             <m:sSubPr>
                               <m:ctrlPr>
                                 <a:rPr lang="en-US" i="1">
-                                  <a:latin typeface="Cambria Math" panose="02040503050406030204" pitchFamily="18" charset="0"/>
+                                  <a:latin typeface="Cambria Math" charset="0"/>
                                 </a:rPr>
                               </m:ctrlPr>
                             </m:sSubPr>
@@ -26191,7 +26183,7 @@
                             <m:dPr>
                               <m:ctrlPr>
                                 <a:rPr lang="en-GB" i="1">
-                                  <a:latin typeface="Cambria Math" panose="02040503050406030204" pitchFamily="18" charset="0"/>
+                                  <a:latin typeface="Cambria Math" charset="0"/>
                                 </a:rPr>
                               </m:ctrlPr>
                             </m:dPr>
@@ -26217,7 +26209,7 @@
                           <m:chr m:val="∏"/>
                           <m:ctrlPr>
                             <a:rPr lang="is-IS" i="1">
-                              <a:latin typeface="Cambria Math" panose="02040503050406030204" pitchFamily="18" charset="0"/>
+                              <a:latin typeface="Cambria Math" charset="0"/>
                             </a:rPr>
                           </m:ctrlPr>
                         </m:naryPr>
@@ -26257,7 +26249,7 @@
                             <m:sSubPr>
                               <m:ctrlPr>
                                 <a:rPr lang="en-US" i="1">
-                                  <a:latin typeface="Cambria Math" panose="02040503050406030204" pitchFamily="18" charset="0"/>
+                                  <a:latin typeface="Cambria Math" charset="0"/>
                                 </a:rPr>
                               </m:ctrlPr>
                             </m:sSubPr>
@@ -26282,7 +26274,7 @@
                             <m:dPr>
                               <m:ctrlPr>
                                 <a:rPr lang="en-GB" i="1">
-                                  <a:latin typeface="Cambria Math" panose="02040503050406030204" pitchFamily="18" charset="0"/>
+                                  <a:latin typeface="Cambria Math" charset="0"/>
                                 </a:rPr>
                               </m:ctrlPr>
                             </m:dPr>
@@ -26308,7 +26300,7 @@
                           <m:chr m:val="∏"/>
                           <m:ctrlPr>
                             <a:rPr lang="is-IS" i="1">
-                              <a:latin typeface="Cambria Math" panose="02040503050406030204" pitchFamily="18" charset="0"/>
+                              <a:latin typeface="Cambria Math" charset="0"/>
                             </a:rPr>
                           </m:ctrlPr>
                         </m:naryPr>
@@ -26348,7 +26340,7 @@
                             <m:sSupPr>
                               <m:ctrlPr>
                                 <a:rPr lang="is-IS" i="1">
-                                  <a:latin typeface="Cambria Math" panose="02040503050406030204" pitchFamily="18" charset="0"/>
+                                  <a:latin typeface="Cambria Math" charset="0"/>
                                 </a:rPr>
                               </m:ctrlPr>
                             </m:sSupPr>
@@ -26371,7 +26363,7 @@
                                 <m:dPr>
                                   <m:ctrlPr>
                                     <a:rPr lang="en-US" i="1">
-                                      <a:latin typeface="Cambria Math" panose="02040503050406030204" pitchFamily="18" charset="0"/>
+                                      <a:latin typeface="Cambria Math" charset="0"/>
                                     </a:rPr>
                                   </m:ctrlPr>
                                 </m:dPr>
@@ -26380,7 +26372,7 @@
                                     <m:fPr>
                                       <m:ctrlPr>
                                         <a:rPr lang="fi-FI" i="1">
-                                          <a:latin typeface="Cambria Math" panose="02040503050406030204" pitchFamily="18" charset="0"/>
+                                          <a:latin typeface="Cambria Math" charset="0"/>
                                         </a:rPr>
                                       </m:ctrlPr>
                                     </m:fPr>
@@ -26558,7 +26550,7 @@
                       <m:sSubPr>
                         <m:ctrlPr>
                           <a:rPr lang="en-US" b="0" i="1" smtClean="0">
-                            <a:latin typeface="Cambria Math" panose="02040503050406030204" pitchFamily="18" charset="0"/>
+                            <a:latin typeface="Cambria Math" charset="0"/>
                           </a:rPr>
                         </m:ctrlPr>
                       </m:sSubPr>
@@ -30355,7 +30347,7 @@
                       <m:sSubPr>
                         <m:ctrlPr>
                           <a:rPr lang="sv-SE" b="0" i="1" smtClean="0">
-                            <a:latin typeface="Cambria Math" panose="02040503050406030204" pitchFamily="18" charset="0"/>
+                            <a:latin typeface="Cambria Math" charset="0"/>
                           </a:rPr>
                         </m:ctrlPr>
                       </m:sSubPr>
@@ -30388,7 +30380,7 @@
                       <m:sSubPr>
                         <m:ctrlPr>
                           <a:rPr lang="sv-SE" i="1">
-                            <a:latin typeface="Cambria Math" panose="02040503050406030204" pitchFamily="18" charset="0"/>
+                            <a:latin typeface="Cambria Math" charset="0"/>
                           </a:rPr>
                         </m:ctrlPr>
                       </m:sSubPr>
@@ -30474,7 +30466,7 @@
                       <m:sSubPr>
                         <m:ctrlPr>
                           <a:rPr lang="sv-SE" i="1">
-                            <a:latin typeface="Cambria Math" panose="02040503050406030204" pitchFamily="18" charset="0"/>
+                            <a:latin typeface="Cambria Math" charset="0"/>
                           </a:rPr>
                         </m:ctrlPr>
                       </m:sSubPr>
@@ -30532,7 +30524,7 @@
                       <m:sSubPr>
                         <m:ctrlPr>
                           <a:rPr lang="sv-SE" i="1">
-                            <a:latin typeface="Cambria Math" panose="02040503050406030204" pitchFamily="18" charset="0"/>
+                            <a:latin typeface="Cambria Math" charset="0"/>
                           </a:rPr>
                         </m:ctrlPr>
                       </m:sSubPr>
@@ -31897,7 +31889,7 @@
                         <m:sSubPr>
                           <m:ctrlPr>
                             <a:rPr lang="en-US" i="1">
-                              <a:latin typeface="Cambria Math" panose="02040503050406030204" pitchFamily="18" charset="0"/>
+                              <a:latin typeface="Cambria Math" charset="0"/>
                             </a:rPr>
                           </m:ctrlPr>
                         </m:sSubPr>
@@ -31928,7 +31920,7 @@
                         <m:sSubPr>
                           <m:ctrlPr>
                             <a:rPr lang="en-US" b="0" i="1" smtClean="0">
-                              <a:latin typeface="Cambria Math" panose="02040503050406030204" pitchFamily="18" charset="0"/>
+                              <a:latin typeface="Cambria Math" charset="0"/>
                             </a:rPr>
                           </m:ctrlPr>
                         </m:sSubPr>
@@ -32036,7 +32028,7 @@
                         <m:dPr>
                           <m:ctrlPr>
                             <a:rPr lang="en-GB" i="1">
-                              <a:latin typeface="Cambria Math" panose="02040503050406030204" pitchFamily="18" charset="0"/>
+                              <a:latin typeface="Cambria Math" charset="0"/>
                             </a:rPr>
                           </m:ctrlPr>
                         </m:dPr>
@@ -32059,7 +32051,7 @@
                         <m:sSupPr>
                           <m:ctrlPr>
                             <a:rPr lang="is-IS" i="1">
-                              <a:latin typeface="Cambria Math" panose="02040503050406030204" pitchFamily="18" charset="0"/>
+                              <a:latin typeface="Cambria Math" charset="0"/>
                             </a:rPr>
                           </m:ctrlPr>
                         </m:sSupPr>
@@ -32082,7 +32074,7 @@
                             <m:dPr>
                               <m:ctrlPr>
                                 <a:rPr lang="en-US" i="1">
-                                  <a:latin typeface="Cambria Math" panose="02040503050406030204" pitchFamily="18" charset="0"/>
+                                  <a:latin typeface="Cambria Math" charset="0"/>
                                 </a:rPr>
                               </m:ctrlPr>
                             </m:dPr>
@@ -32091,7 +32083,7 @@
                                 <m:fPr>
                                   <m:ctrlPr>
                                     <a:rPr lang="fi-FI" i="1">
-                                      <a:latin typeface="Cambria Math" panose="02040503050406030204" pitchFamily="18" charset="0"/>
+                                      <a:latin typeface="Cambria Math" charset="0"/>
                                     </a:rPr>
                                   </m:ctrlPr>
                                 </m:fPr>
@@ -32478,15 +32470,7 @@
             </a:pPr>
             <a:r>
               <a:rPr lang="en-US" dirty="0" smtClean="0"/>
-              <a:t>Design </a:t>
-            </a:r>
-            <a:r>
-              <a:rPr lang="en-US" dirty="0" smtClean="0"/>
-              <a:t>a model for expressing the reliability for an application running in a distributed </a:t>
-            </a:r>
-            <a:r>
-              <a:rPr lang="en-US" dirty="0" smtClean="0"/>
-              <a:t>environment</a:t>
+              <a:t>Design a model for expressing the reliability for an application running in a distributed environment</a:t>
             </a:r>
           </a:p>
           <a:p>
@@ -33835,11 +33819,7 @@
             </a:pPr>
             <a:r>
               <a:rPr lang="en-US" dirty="0" smtClean="0"/>
-              <a:t>Considering </a:t>
-            </a:r>
-            <a:r>
-              <a:rPr lang="en-US" dirty="0" smtClean="0"/>
-              <a:t>several applications, our model will use the optimal number of nodes and is thereby</a:t>
+              <a:t>Considering several applications, our model will use the optimal number of nodes and is thereby</a:t>
             </a:r>
             <a:r>
               <a:rPr lang="en-US" dirty="0" smtClean="0">
@@ -33953,23 +33933,7 @@
             </a:pPr>
             <a:r>
               <a:rPr lang="en-US" dirty="0" smtClean="0"/>
-              <a:t> We have done following </a:t>
-            </a:r>
-            <a:r>
-              <a:rPr lang="en-US" dirty="0" smtClean="0"/>
-              <a:t>ass</a:t>
-            </a:r>
-            <a:r>
-              <a:rPr lang="en-US" dirty="0" smtClean="0"/>
-              <a:t>umptions in </a:t>
-            </a:r>
-            <a:r>
-              <a:rPr lang="en-US" dirty="0" smtClean="0"/>
-              <a:t>our </a:t>
-            </a:r>
-            <a:r>
-              <a:rPr lang="en-US" dirty="0" smtClean="0"/>
-              <a:t>model</a:t>
+              <a:t> We have done following assumptions in our model</a:t>
             </a:r>
           </a:p>
           <a:p>
@@ -33979,11 +33943,7 @@
             </a:pPr>
             <a:r>
               <a:rPr lang="en-US" dirty="0" smtClean="0"/>
-              <a:t>Resources are </a:t>
-            </a:r>
-            <a:r>
-              <a:rPr lang="en-US" dirty="0" smtClean="0"/>
-              <a:t>either operational or dead</a:t>
+              <a:t>Resources are either operational or dead</a:t>
             </a:r>
           </a:p>
           <a:p>
@@ -34005,7 +33965,6 @@
               <a:rPr lang="en-US" dirty="0" smtClean="0"/>
               <a:t>All tasks always produce a correct result </a:t>
             </a:r>
-            <a:endParaRPr lang="en-US" dirty="0" smtClean="0"/>
           </a:p>
           <a:p>
             <a:pPr lvl="1">
@@ -34889,6 +34848,399 @@
 </p:sld>
 </file>
 
+<file path=ppt/slides/slide53.xml><?xml version="1.0" encoding="utf-8"?>
+<p:sld xmlns:a="http://schemas.openxmlformats.org/drawingml/2006/main" xmlns:r="http://schemas.openxmlformats.org/officeDocument/2006/relationships" xmlns:p="http://schemas.openxmlformats.org/presentationml/2006/main">
+  <p:cSld>
+    <p:spTree>
+      <p:nvGrpSpPr>
+        <p:cNvPr id="1" name=""/>
+        <p:cNvGrpSpPr/>
+        <p:nvPr/>
+      </p:nvGrpSpPr>
+      <p:grpSpPr>
+        <a:xfrm>
+          <a:off x="0" y="0"/>
+          <a:ext cx="0" cy="0"/>
+          <a:chOff x="0" y="0"/>
+          <a:chExt cx="0" cy="0"/>
+        </a:xfrm>
+      </p:grpSpPr>
+      <p:sp>
+        <p:nvSpPr>
+          <p:cNvPr id="2" name="Rubrik 1"/>
+          <p:cNvSpPr>
+            <a:spLocks noGrp="1"/>
+          </p:cNvSpPr>
+          <p:nvPr>
+            <p:ph type="title"/>
+          </p:nvPr>
+        </p:nvSpPr>
+        <p:spPr/>
+        <p:txBody>
+          <a:bodyPr/>
+          <a:lstStyle/>
+          <a:p>
+            <a:r>
+              <a:rPr lang="en-GB" dirty="0" smtClean="0"/>
+              <a:t>Demo</a:t>
+            </a:r>
+            <a:endParaRPr lang="en-US" dirty="0"/>
+          </a:p>
+        </p:txBody>
+      </p:sp>
+      <p:graphicFrame>
+        <p:nvGraphicFramePr>
+          <p:cNvPr id="4" name="Content Placeholder 3"/>
+          <p:cNvGraphicFramePr>
+            <a:graphicFrameLocks noGrp="1"/>
+          </p:cNvGraphicFramePr>
+          <p:nvPr>
+            <p:ph idx="1"/>
+            <p:extLst>
+              <p:ext uri="{D42A27DB-BD31-4B8C-83A1-F6EECF244321}">
+                <p14:modId xmlns:p14="http://schemas.microsoft.com/office/powerpoint/2010/main" val="1923412950"/>
+              </p:ext>
+            </p:extLst>
+          </p:nvPr>
+        </p:nvGraphicFramePr>
+        <p:xfrm>
+          <a:off x="3883270" y="2026366"/>
+          <a:ext cx="4486420" cy="3847960"/>
+        </p:xfrm>
+        <a:graphic>
+          <a:graphicData uri="http://schemas.openxmlformats.org/drawingml/2006/table">
+            <a:tbl>
+              <a:tblPr firstRow="1" bandRow="1">
+                <a:tableStyleId>{5C22544A-7EE6-4342-B048-85BDC9FD1C3A}</a:tableStyleId>
+              </a:tblPr>
+              <a:tblGrid>
+                <a:gridCol w="2243210"/>
+                <a:gridCol w="2243210"/>
+              </a:tblGrid>
+              <a:tr h="384796">
+                <a:tc>
+                  <a:txBody>
+                    <a:bodyPr/>
+                    <a:lstStyle/>
+                    <a:p>
+                      <a:r>
+                        <a:rPr lang="en-US" dirty="0" smtClean="0"/>
+                        <a:t>Node (port)</a:t>
+                      </a:r>
+                      <a:endParaRPr lang="en-US" dirty="0"/>
+                    </a:p>
+                  </a:txBody>
+                  <a:tcPr/>
+                </a:tc>
+                <a:tc>
+                  <a:txBody>
+                    <a:bodyPr/>
+                    <a:lstStyle/>
+                    <a:p>
+                      <a:r>
+                        <a:rPr lang="en-US" dirty="0" smtClean="0"/>
+                        <a:t>MTBF (s)</a:t>
+                      </a:r>
+                      <a:endParaRPr lang="en-US" dirty="0"/>
+                    </a:p>
+                  </a:txBody>
+                  <a:tcPr/>
+                </a:tc>
+              </a:tr>
+              <a:tr h="384796">
+                <a:tc>
+                  <a:txBody>
+                    <a:bodyPr/>
+                    <a:lstStyle/>
+                    <a:p>
+                      <a:r>
+                        <a:rPr lang="en-US" dirty="0" smtClean="0"/>
+                        <a:t>5005</a:t>
+                      </a:r>
+                      <a:endParaRPr lang="en-US" dirty="0"/>
+                    </a:p>
+                  </a:txBody>
+                  <a:tcPr/>
+                </a:tc>
+                <a:tc>
+                  <a:txBody>
+                    <a:bodyPr/>
+                    <a:lstStyle/>
+                    <a:p>
+                      <a:r>
+                        <a:rPr lang="en-US" dirty="0" smtClean="0"/>
+                        <a:t>30</a:t>
+                      </a:r>
+                      <a:endParaRPr lang="en-US" dirty="0"/>
+                    </a:p>
+                  </a:txBody>
+                  <a:tcPr/>
+                </a:tc>
+              </a:tr>
+              <a:tr h="384796">
+                <a:tc>
+                  <a:txBody>
+                    <a:bodyPr/>
+                    <a:lstStyle/>
+                    <a:p>
+                      <a:r>
+                        <a:rPr lang="en-US" dirty="0" smtClean="0"/>
+                        <a:t>5007</a:t>
+                      </a:r>
+                      <a:endParaRPr lang="en-US" dirty="0"/>
+                    </a:p>
+                  </a:txBody>
+                  <a:tcPr/>
+                </a:tc>
+                <a:tc>
+                  <a:txBody>
+                    <a:bodyPr/>
+                    <a:lstStyle/>
+                    <a:p>
+                      <a:r>
+                        <a:rPr lang="en-US" dirty="0" smtClean="0"/>
+                        <a:t>30</a:t>
+                      </a:r>
+                      <a:endParaRPr lang="en-US" dirty="0"/>
+                    </a:p>
+                  </a:txBody>
+                  <a:tcPr/>
+                </a:tc>
+              </a:tr>
+              <a:tr h="384796">
+                <a:tc>
+                  <a:txBody>
+                    <a:bodyPr/>
+                    <a:lstStyle/>
+                    <a:p>
+                      <a:r>
+                        <a:rPr lang="en-US" dirty="0" smtClean="0"/>
+                        <a:t>5009</a:t>
+                      </a:r>
+                      <a:endParaRPr lang="en-US" dirty="0"/>
+                    </a:p>
+                  </a:txBody>
+                  <a:tcPr/>
+                </a:tc>
+                <a:tc>
+                  <a:txBody>
+                    <a:bodyPr/>
+                    <a:lstStyle/>
+                    <a:p>
+                      <a:r>
+                        <a:rPr lang="en-US" dirty="0" smtClean="0"/>
+                        <a:t>20</a:t>
+                      </a:r>
+                      <a:endParaRPr lang="en-US" dirty="0"/>
+                    </a:p>
+                  </a:txBody>
+                  <a:tcPr/>
+                </a:tc>
+              </a:tr>
+              <a:tr h="384796">
+                <a:tc>
+                  <a:txBody>
+                    <a:bodyPr/>
+                    <a:lstStyle/>
+                    <a:p>
+                      <a:r>
+                        <a:rPr lang="en-US" dirty="0" smtClean="0"/>
+                        <a:t>5011</a:t>
+                      </a:r>
+                      <a:endParaRPr lang="en-US" dirty="0"/>
+                    </a:p>
+                  </a:txBody>
+                  <a:tcPr/>
+                </a:tc>
+                <a:tc>
+                  <a:txBody>
+                    <a:bodyPr/>
+                    <a:lstStyle/>
+                    <a:p>
+                      <a:r>
+                        <a:rPr lang="en-US" dirty="0" smtClean="0"/>
+                        <a:t>20</a:t>
+                      </a:r>
+                      <a:endParaRPr lang="en-US" dirty="0"/>
+                    </a:p>
+                  </a:txBody>
+                  <a:tcPr/>
+                </a:tc>
+              </a:tr>
+              <a:tr h="384796">
+                <a:tc>
+                  <a:txBody>
+                    <a:bodyPr/>
+                    <a:lstStyle/>
+                    <a:p>
+                      <a:r>
+                        <a:rPr lang="en-US" dirty="0" smtClean="0"/>
+                        <a:t>5013</a:t>
+                      </a:r>
+                      <a:endParaRPr lang="en-US" dirty="0"/>
+                    </a:p>
+                  </a:txBody>
+                  <a:tcPr/>
+                </a:tc>
+                <a:tc>
+                  <a:txBody>
+                    <a:bodyPr/>
+                    <a:lstStyle/>
+                    <a:p>
+                      <a:r>
+                        <a:rPr lang="en-US" dirty="0" smtClean="0"/>
+                        <a:t>15</a:t>
+                      </a:r>
+                      <a:endParaRPr lang="en-US" dirty="0"/>
+                    </a:p>
+                  </a:txBody>
+                  <a:tcPr/>
+                </a:tc>
+              </a:tr>
+              <a:tr h="384796">
+                <a:tc>
+                  <a:txBody>
+                    <a:bodyPr/>
+                    <a:lstStyle/>
+                    <a:p>
+                      <a:r>
+                        <a:rPr lang="en-US" dirty="0" smtClean="0"/>
+                        <a:t>5015</a:t>
+                      </a:r>
+                      <a:endParaRPr lang="en-US" dirty="0"/>
+                    </a:p>
+                  </a:txBody>
+                  <a:tcPr/>
+                </a:tc>
+                <a:tc>
+                  <a:txBody>
+                    <a:bodyPr/>
+                    <a:lstStyle/>
+                    <a:p>
+                      <a:r>
+                        <a:rPr lang="en-US" dirty="0" smtClean="0"/>
+                        <a:t>15</a:t>
+                      </a:r>
+                      <a:endParaRPr lang="en-US" dirty="0"/>
+                    </a:p>
+                  </a:txBody>
+                  <a:tcPr/>
+                </a:tc>
+              </a:tr>
+              <a:tr h="384796">
+                <a:tc>
+                  <a:txBody>
+                    <a:bodyPr/>
+                    <a:lstStyle/>
+                    <a:p>
+                      <a:r>
+                        <a:rPr lang="en-US" dirty="0" smtClean="0"/>
+                        <a:t>5017</a:t>
+                      </a:r>
+                      <a:endParaRPr lang="en-US" dirty="0"/>
+                    </a:p>
+                  </a:txBody>
+                  <a:tcPr/>
+                </a:tc>
+                <a:tc>
+                  <a:txBody>
+                    <a:bodyPr/>
+                    <a:lstStyle/>
+                    <a:p>
+                      <a:r>
+                        <a:rPr lang="en-US" dirty="0" smtClean="0"/>
+                        <a:t>10</a:t>
+                      </a:r>
+                      <a:endParaRPr lang="en-US" dirty="0"/>
+                    </a:p>
+                  </a:txBody>
+                  <a:tcPr/>
+                </a:tc>
+              </a:tr>
+              <a:tr h="384796">
+                <a:tc>
+                  <a:txBody>
+                    <a:bodyPr/>
+                    <a:lstStyle/>
+                    <a:p>
+                      <a:r>
+                        <a:rPr lang="en-US" dirty="0" smtClean="0"/>
+                        <a:t>5019</a:t>
+                      </a:r>
+                      <a:endParaRPr lang="en-US" dirty="0"/>
+                    </a:p>
+                  </a:txBody>
+                  <a:tcPr/>
+                </a:tc>
+                <a:tc>
+                  <a:txBody>
+                    <a:bodyPr/>
+                    <a:lstStyle/>
+                    <a:p>
+                      <a:r>
+                        <a:rPr lang="en-US" dirty="0" smtClean="0"/>
+                        <a:t>10</a:t>
+                      </a:r>
+                      <a:endParaRPr lang="en-US" dirty="0"/>
+                    </a:p>
+                  </a:txBody>
+                  <a:tcPr/>
+                </a:tc>
+              </a:tr>
+              <a:tr h="384796">
+                <a:tc>
+                  <a:txBody>
+                    <a:bodyPr/>
+                    <a:lstStyle/>
+                    <a:p>
+                      <a:r>
+                        <a:rPr lang="en-US" dirty="0" smtClean="0"/>
+                        <a:t>5021</a:t>
+                      </a:r>
+                      <a:endParaRPr lang="en-US" dirty="0"/>
+                    </a:p>
+                  </a:txBody>
+                  <a:tcPr/>
+                </a:tc>
+                <a:tc>
+                  <a:txBody>
+                    <a:bodyPr/>
+                    <a:lstStyle/>
+                    <a:p>
+                      <a:r>
+                        <a:rPr lang="en-US" dirty="0" smtClean="0"/>
+                        <a:t>10</a:t>
+                      </a:r>
+                      <a:endParaRPr lang="en-US" dirty="0"/>
+                    </a:p>
+                  </a:txBody>
+                  <a:tcPr/>
+                </a:tc>
+              </a:tr>
+            </a:tbl>
+          </a:graphicData>
+        </a:graphic>
+      </p:graphicFrame>
+    </p:spTree>
+    <p:extLst>
+      <p:ext uri="{BB962C8B-B14F-4D97-AF65-F5344CB8AC3E}">
+        <p14:creationId xmlns:p14="http://schemas.microsoft.com/office/powerpoint/2010/main" val="1878429096"/>
+      </p:ext>
+    </p:extLst>
+  </p:cSld>
+  <p:clrMapOvr>
+    <a:masterClrMapping/>
+  </p:clrMapOvr>
+  <p:timing>
+    <p:tnLst>
+      <p:par>
+        <p:cTn id="1" dur="indefinite" restart="never" nodeType="tmRoot"/>
+      </p:par>
+    </p:tnLst>
+  </p:timing>
+</p:sld>
+</file>
+
 <file path=ppt/slides/slide6.xml><?xml version="1.0" encoding="utf-8"?>
 <p:sld xmlns:a="http://schemas.openxmlformats.org/drawingml/2006/main" xmlns:r="http://schemas.openxmlformats.org/officeDocument/2006/relationships" xmlns:p="http://schemas.openxmlformats.org/presentationml/2006/main">
   <p:cSld>
@@ -35159,11 +35511,7 @@
             </a:pPr>
             <a:r>
               <a:rPr lang="en-US" dirty="0" smtClean="0"/>
-              <a:t>Optimize </a:t>
-            </a:r>
-            <a:r>
-              <a:rPr lang="en-US" dirty="0" smtClean="0"/>
-              <a:t>by choosing the most reliable nodes to place replicas on</a:t>
+              <a:t>Optimize by choosing the most reliable nodes to place replicas on</a:t>
             </a:r>
           </a:p>
           <a:p>
@@ -35173,11 +35521,7 @@
             </a:pPr>
             <a:r>
               <a:rPr lang="en-US" dirty="0" smtClean="0"/>
-              <a:t>Register </a:t>
-            </a:r>
-            <a:r>
-              <a:rPr lang="en-US" dirty="0" smtClean="0"/>
-              <a:t>system events in order to adapt to changing system behavior, e.g. nodes failure rates or more reliable nodes being available</a:t>
+              <a:t>Register system events in order to adapt to changing system behavior, e.g. nodes failure rates or more reliable nodes being available</a:t>
             </a:r>
             <a:endParaRPr lang="en-US" dirty="0"/>
           </a:p>

--- a/presentation/presentation2.pptx
+++ b/presentation/presentation2.pptx
@@ -5,7 +5,7 @@
     <p:sldMasterId id="2147483673" r:id="rId1"/>
   </p:sldMasterIdLst>
   <p:notesMasterIdLst>
-    <p:notesMasterId r:id="rId56"/>
+    <p:notesMasterId r:id="rId57"/>
   </p:notesMasterIdLst>
   <p:sldIdLst>
     <p:sldId id="256" r:id="rId2"/>
@@ -51,17 +51,18 @@
     <p:sldId id="337" r:id="rId42"/>
     <p:sldId id="294" r:id="rId43"/>
     <p:sldId id="299" r:id="rId44"/>
-    <p:sldId id="258" r:id="rId45"/>
-    <p:sldId id="263" r:id="rId46"/>
-    <p:sldId id="276" r:id="rId47"/>
-    <p:sldId id="277" r:id="rId48"/>
-    <p:sldId id="278" r:id="rId49"/>
-    <p:sldId id="368" r:id="rId50"/>
-    <p:sldId id="369" r:id="rId51"/>
-    <p:sldId id="366" r:id="rId52"/>
-    <p:sldId id="367" r:id="rId53"/>
-    <p:sldId id="365" r:id="rId54"/>
-    <p:sldId id="376" r:id="rId55"/>
+    <p:sldId id="378" r:id="rId45"/>
+    <p:sldId id="258" r:id="rId46"/>
+    <p:sldId id="263" r:id="rId47"/>
+    <p:sldId id="276" r:id="rId48"/>
+    <p:sldId id="277" r:id="rId49"/>
+    <p:sldId id="278" r:id="rId50"/>
+    <p:sldId id="368" r:id="rId51"/>
+    <p:sldId id="369" r:id="rId52"/>
+    <p:sldId id="366" r:id="rId53"/>
+    <p:sldId id="367" r:id="rId54"/>
+    <p:sldId id="365" r:id="rId55"/>
+    <p:sldId id="376" r:id="rId56"/>
   </p:sldIdLst>
   <p:sldSz cx="12192000" cy="6858000"/>
   <p:notesSz cx="6858000" cy="9144000"/>
@@ -14124,7 +14125,11 @@
             </a:r>
             <a:r>
               <a:rPr lang="sv-SE" baseline="0" dirty="0" smtClean="0"/>
-              <a:t> i Calvin byggs upp av sammankopplade aktörer</a:t>
+              <a:t> i Calvin byggs upp av sammankopplade </a:t>
+            </a:r>
+            <a:r>
+              <a:rPr lang="sv-SE" baseline="0" dirty="0" smtClean="0"/>
+              <a:t>aktörer</a:t>
             </a:r>
           </a:p>
           <a:p>
@@ -14133,25 +14138,49 @@
           <a:p>
             <a:r>
               <a:rPr lang="sv-SE" baseline="0" dirty="0" smtClean="0"/>
-              <a:t>TODO </a:t>
+              <a:t>Dessa aktörer kör inom ett </a:t>
             </a:r>
             <a:r>
               <a:rPr lang="sv-SE" baseline="0" dirty="0" err="1" smtClean="0"/>
-              <a:t>update</a:t>
+              <a:t>runtime</a:t>
             </a:r>
             <a:r>
               <a:rPr lang="sv-SE" baseline="0" dirty="0" smtClean="0"/>
-              <a:t> </a:t>
+              <a:t>. </a:t>
             </a:r>
             <a:r>
               <a:rPr lang="sv-SE" baseline="0" dirty="0" err="1" smtClean="0"/>
-              <a:t>pic</a:t>
+              <a:t>Runtimet</a:t>
             </a:r>
             <a:r>
               <a:rPr lang="sv-SE" baseline="0" dirty="0" smtClean="0"/>
-              <a:t>?</a:t>
-            </a:r>
-            <a:endParaRPr lang="sv-SE" dirty="0"/>
+              <a:t> tillgodoser allting som aktorn behöver, tex så sköter den all </a:t>
+            </a:r>
+            <a:r>
+              <a:rPr lang="sv-SE" baseline="0" dirty="0" err="1" smtClean="0"/>
+              <a:t>kommunication</a:t>
+            </a:r>
+            <a:r>
+              <a:rPr lang="sv-SE" baseline="0" dirty="0" smtClean="0"/>
+              <a:t> mellan aktörer både inom samme </a:t>
+            </a:r>
+            <a:r>
+              <a:rPr lang="sv-SE" baseline="0" dirty="0" err="1" smtClean="0"/>
+              <a:t>runtime</a:t>
+            </a:r>
+            <a:r>
+              <a:rPr lang="sv-SE" baseline="0" dirty="0" smtClean="0"/>
+              <a:t> och mellan andra </a:t>
+            </a:r>
+            <a:r>
+              <a:rPr lang="sv-SE" baseline="0" dirty="0" err="1" smtClean="0"/>
+              <a:t>runtimes</a:t>
+            </a:r>
+            <a:r>
+              <a:rPr lang="sv-SE" baseline="0" dirty="0" smtClean="0"/>
+              <a:t>.</a:t>
+            </a:r>
+            <a:endParaRPr lang="sv-SE" baseline="0" dirty="0" smtClean="0"/>
           </a:p>
         </p:txBody>
       </p:sp>
@@ -14210,7 +14239,7 @@
       </p:grpSpPr>
       <p:sp>
         <p:nvSpPr>
-          <p:cNvPr id="2" name="Slide Image Placeholder 1"/>
+          <p:cNvPr id="2" name="Platshållare för bildobjekt 1"/>
           <p:cNvSpPr>
             <a:spLocks noGrp="1" noRot="1" noChangeAspect="1"/>
           </p:cNvSpPr>
@@ -14222,7 +14251,7 @@
       </p:sp>
       <p:sp>
         <p:nvSpPr>
-          <p:cNvPr id="3" name="Notes Placeholder 2"/>
+          <p:cNvPr id="3" name="Platshållare för anteckningar 2"/>
           <p:cNvSpPr>
             <a:spLocks noGrp="1"/>
           </p:cNvSpPr>
@@ -14236,540 +14265,20 @@
           <a:lstStyle/>
           <a:p>
             <a:r>
-              <a:rPr lang="en-US" dirty="0" err="1" smtClean="0"/>
-              <a:t>För</a:t>
-            </a:r>
-            <a:r>
-              <a:rPr lang="en-US" baseline="0" dirty="0" smtClean="0"/>
-              <a:t> </a:t>
-            </a:r>
-            <a:r>
-              <a:rPr lang="en-US" baseline="0" dirty="0" err="1" smtClean="0"/>
-              <a:t>att</a:t>
-            </a:r>
-            <a:r>
-              <a:rPr lang="en-US" baseline="0" dirty="0" smtClean="0"/>
-              <a:t> </a:t>
-            </a:r>
-            <a:r>
-              <a:rPr lang="en-US" baseline="0" dirty="0" err="1" smtClean="0"/>
-              <a:t>demonstrera</a:t>
-            </a:r>
-            <a:r>
-              <a:rPr lang="en-US" baseline="0" dirty="0" smtClean="0"/>
-              <a:t> </a:t>
-            </a:r>
-            <a:r>
-              <a:rPr lang="en-US" baseline="0" dirty="0" err="1" smtClean="0"/>
-              <a:t>vår</a:t>
-            </a:r>
-            <a:r>
-              <a:rPr lang="en-US" baseline="0" dirty="0" smtClean="0"/>
-              <a:t> </a:t>
-            </a:r>
-            <a:r>
-              <a:rPr lang="en-US" baseline="0" dirty="0" err="1" smtClean="0"/>
-              <a:t>modell</a:t>
-            </a:r>
-            <a:r>
-              <a:rPr lang="en-US" baseline="0" dirty="0" smtClean="0"/>
-              <a:t> </a:t>
-            </a:r>
-            <a:r>
-              <a:rPr lang="en-US" baseline="0" dirty="0" err="1" smtClean="0"/>
-              <a:t>så</a:t>
-            </a:r>
-            <a:r>
-              <a:rPr lang="en-US" baseline="0" dirty="0" smtClean="0"/>
-              <a:t> </a:t>
-            </a:r>
-            <a:r>
-              <a:rPr lang="en-US" baseline="0" dirty="0" err="1" smtClean="0"/>
-              <a:t>har</a:t>
-            </a:r>
-            <a:r>
-              <a:rPr lang="en-US" baseline="0" dirty="0" smtClean="0"/>
-              <a:t> vi </a:t>
-            </a:r>
-            <a:r>
-              <a:rPr lang="en-US" baseline="0" dirty="0" err="1" smtClean="0"/>
-              <a:t>genomfört</a:t>
-            </a:r>
-            <a:r>
-              <a:rPr lang="en-US" baseline="0" dirty="0" smtClean="0"/>
-              <a:t> </a:t>
-            </a:r>
-            <a:r>
-              <a:rPr lang="en-US" baseline="0" dirty="0" err="1" smtClean="0"/>
-              <a:t>ett</a:t>
-            </a:r>
-            <a:r>
-              <a:rPr lang="en-US" baseline="0" dirty="0" smtClean="0"/>
-              <a:t> </a:t>
-            </a:r>
-            <a:r>
-              <a:rPr lang="en-US" baseline="0" dirty="0" err="1" smtClean="0"/>
-              <a:t>antal</a:t>
-            </a:r>
-            <a:r>
-              <a:rPr lang="en-US" baseline="0" dirty="0" smtClean="0"/>
-              <a:t> experiment</a:t>
-            </a:r>
-          </a:p>
-          <a:p>
-            <a:endParaRPr lang="en-US" baseline="0" dirty="0" smtClean="0"/>
-          </a:p>
-          <a:p>
-            <a:r>
-              <a:rPr lang="en-US" baseline="0" dirty="0" err="1" smtClean="0"/>
-              <a:t>Syftet</a:t>
-            </a:r>
-            <a:r>
-              <a:rPr lang="en-US" baseline="0" dirty="0" smtClean="0"/>
-              <a:t> med </a:t>
-            </a:r>
-            <a:r>
-              <a:rPr lang="en-US" baseline="0" dirty="0" err="1" smtClean="0"/>
-              <a:t>experimenten</a:t>
-            </a:r>
-            <a:r>
-              <a:rPr lang="en-US" baseline="0" dirty="0" smtClean="0"/>
-              <a:t> </a:t>
-            </a:r>
-            <a:r>
-              <a:rPr lang="en-US" baseline="0" dirty="0" err="1" smtClean="0"/>
-              <a:t>var</a:t>
-            </a:r>
-            <a:r>
-              <a:rPr lang="en-US" baseline="0" dirty="0" smtClean="0"/>
-              <a:t> bland </a:t>
-            </a:r>
-            <a:r>
-              <a:rPr lang="en-US" baseline="0" dirty="0" err="1" smtClean="0"/>
-              <a:t>annat</a:t>
-            </a:r>
-            <a:r>
-              <a:rPr lang="en-US" baseline="0" dirty="0" smtClean="0"/>
-              <a:t> </a:t>
-            </a:r>
-            <a:r>
-              <a:rPr lang="en-US" baseline="0" dirty="0" err="1" smtClean="0"/>
-              <a:t>att</a:t>
-            </a:r>
-            <a:r>
-              <a:rPr lang="en-US" baseline="0" dirty="0" smtClean="0"/>
-              <a:t> visa </a:t>
-            </a:r>
-            <a:r>
-              <a:rPr lang="en-US" baseline="0" dirty="0" err="1" smtClean="0"/>
-              <a:t>att</a:t>
-            </a:r>
-            <a:endParaRPr lang="en-US" baseline="0" dirty="0" smtClean="0"/>
-          </a:p>
-          <a:p>
-            <a:pPr marL="228600" indent="-228600">
-              <a:buFont typeface="+mj-lt"/>
-              <a:buAutoNum type="arabicPeriod"/>
-            </a:pPr>
-            <a:r>
-              <a:rPr lang="en-US" baseline="0" dirty="0" err="1" smtClean="0"/>
-              <a:t>tillförlitligheten</a:t>
-            </a:r>
-            <a:r>
-              <a:rPr lang="en-US" baseline="0" dirty="0" smtClean="0"/>
-              <a:t> </a:t>
-            </a:r>
-            <a:r>
-              <a:rPr lang="en-US" baseline="0" dirty="0" err="1" smtClean="0"/>
-              <a:t>över</a:t>
-            </a:r>
-            <a:r>
-              <a:rPr lang="en-US" baseline="0" dirty="0" smtClean="0"/>
-              <a:t> </a:t>
-            </a:r>
-            <a:r>
-              <a:rPr lang="en-US" baseline="0" dirty="0" err="1" smtClean="0"/>
-              <a:t>tid</a:t>
-            </a:r>
-            <a:r>
-              <a:rPr lang="en-US" baseline="0" dirty="0" smtClean="0"/>
-              <a:t> </a:t>
-            </a:r>
-            <a:r>
-              <a:rPr lang="en-US" baseline="0" dirty="0" err="1" smtClean="0"/>
-              <a:t>dynamiskt</a:t>
-            </a:r>
-            <a:r>
-              <a:rPr lang="en-US" baseline="0" dirty="0" smtClean="0"/>
-              <a:t> </a:t>
-            </a:r>
-            <a:r>
-              <a:rPr lang="en-US" baseline="0" dirty="0" err="1" smtClean="0"/>
-              <a:t>uppnås</a:t>
-            </a:r>
-            <a:r>
-              <a:rPr lang="en-US" baseline="0" dirty="0" smtClean="0"/>
-              <a:t> </a:t>
-            </a:r>
-            <a:r>
-              <a:rPr lang="en-US" baseline="0" dirty="0" err="1" smtClean="0"/>
-              <a:t>genom</a:t>
-            </a:r>
-            <a:r>
-              <a:rPr lang="en-US" baseline="0" dirty="0" smtClean="0"/>
-              <a:t> </a:t>
-            </a:r>
-            <a:r>
-              <a:rPr lang="en-US" baseline="0" dirty="0" err="1" smtClean="0"/>
-              <a:t>att</a:t>
-            </a:r>
-            <a:r>
-              <a:rPr lang="en-US" baseline="0" dirty="0" smtClean="0"/>
-              <a:t> </a:t>
-            </a:r>
-            <a:r>
-              <a:rPr lang="en-US" baseline="0" dirty="0" err="1" smtClean="0"/>
-              <a:t>detekera</a:t>
-            </a:r>
-            <a:r>
-              <a:rPr lang="en-US" baseline="0" dirty="0" smtClean="0"/>
-              <a:t> </a:t>
-            </a:r>
-            <a:r>
-              <a:rPr lang="en-US" baseline="0" dirty="0" err="1" smtClean="0"/>
-              <a:t>när</a:t>
-            </a:r>
-            <a:r>
-              <a:rPr lang="en-US" baseline="0" dirty="0" smtClean="0"/>
-              <a:t> </a:t>
-            </a:r>
-            <a:r>
-              <a:rPr lang="en-US" baseline="0" dirty="0" err="1" smtClean="0"/>
-              <a:t>noder</a:t>
-            </a:r>
-            <a:r>
-              <a:rPr lang="en-US" baseline="0" dirty="0" smtClean="0"/>
-              <a:t> </a:t>
-            </a:r>
-            <a:r>
-              <a:rPr lang="en-US" baseline="0" dirty="0" err="1" smtClean="0"/>
-              <a:t>dör</a:t>
-            </a:r>
-            <a:r>
-              <a:rPr lang="en-US" baseline="0" dirty="0" smtClean="0"/>
-              <a:t> </a:t>
-            </a:r>
-            <a:r>
-              <a:rPr lang="en-US" baseline="0" dirty="0" err="1" smtClean="0"/>
-              <a:t>samt</a:t>
-            </a:r>
-            <a:r>
-              <a:rPr lang="en-US" baseline="0" dirty="0" smtClean="0"/>
-              <a:t> </a:t>
-            </a:r>
-            <a:r>
-              <a:rPr lang="en-US" baseline="0" dirty="0" err="1" smtClean="0"/>
-              <a:t>starta</a:t>
-            </a:r>
-            <a:r>
-              <a:rPr lang="en-US" baseline="0" dirty="0" smtClean="0"/>
-              <a:t> </a:t>
-            </a:r>
-            <a:r>
-              <a:rPr lang="en-US" baseline="0" dirty="0" err="1" smtClean="0"/>
-              <a:t>nya</a:t>
-            </a:r>
-            <a:r>
-              <a:rPr lang="en-US" baseline="0" dirty="0" smtClean="0"/>
-              <a:t> </a:t>
-            </a:r>
-            <a:r>
-              <a:rPr lang="en-US" baseline="0" dirty="0" err="1" smtClean="0"/>
-              <a:t>replikor</a:t>
-            </a:r>
-            <a:endParaRPr lang="en-US" baseline="0" dirty="0" smtClean="0"/>
-          </a:p>
-          <a:p>
-            <a:pPr marL="228600" indent="-228600">
-              <a:buFont typeface="+mj-lt"/>
-              <a:buAutoNum type="arabicPeriod"/>
-            </a:pPr>
-            <a:endParaRPr lang="en-US" baseline="0" dirty="0" smtClean="0"/>
-          </a:p>
-          <a:p>
-            <a:pPr marL="228600" indent="-228600">
-              <a:buFont typeface="+mj-lt"/>
-              <a:buAutoNum type="arabicPeriod"/>
-            </a:pPr>
-            <a:r>
-              <a:rPr lang="en-US" baseline="0" dirty="0" err="1" smtClean="0"/>
-              <a:t>det</a:t>
-            </a:r>
-            <a:r>
-              <a:rPr lang="en-US" baseline="0" dirty="0" smtClean="0"/>
-              <a:t> </a:t>
-            </a:r>
-            <a:r>
-              <a:rPr lang="en-US" baseline="0" dirty="0" err="1" smtClean="0"/>
-              <a:t>inte</a:t>
-            </a:r>
-            <a:r>
-              <a:rPr lang="en-US" baseline="0" dirty="0" smtClean="0"/>
-              <a:t> </a:t>
-            </a:r>
-            <a:r>
-              <a:rPr lang="en-US" baseline="0" dirty="0" err="1" smtClean="0"/>
-              <a:t>skapas</a:t>
-            </a:r>
-            <a:r>
-              <a:rPr lang="en-US" baseline="0" dirty="0" smtClean="0"/>
-              <a:t> </a:t>
-            </a:r>
-            <a:r>
-              <a:rPr lang="en-US" baseline="0" dirty="0" err="1" smtClean="0"/>
-              <a:t>fler</a:t>
-            </a:r>
-            <a:r>
-              <a:rPr lang="en-US" baseline="0" dirty="0" smtClean="0"/>
-              <a:t> </a:t>
-            </a:r>
-            <a:r>
-              <a:rPr lang="en-US" baseline="0" dirty="0" err="1" smtClean="0"/>
-              <a:t>replikor</a:t>
-            </a:r>
-            <a:r>
-              <a:rPr lang="en-US" baseline="0" dirty="0" smtClean="0"/>
-              <a:t> </a:t>
-            </a:r>
-            <a:r>
-              <a:rPr lang="en-US" baseline="0" dirty="0" err="1" smtClean="0"/>
-              <a:t>än</a:t>
-            </a:r>
-            <a:r>
-              <a:rPr lang="en-US" baseline="0" dirty="0" smtClean="0"/>
-              <a:t> </a:t>
-            </a:r>
-            <a:r>
-              <a:rPr lang="en-US" baseline="0" dirty="0" err="1" smtClean="0"/>
-              <a:t>nödvändigt</a:t>
-            </a:r>
-            <a:r>
-              <a:rPr lang="en-US" baseline="0" dirty="0" smtClean="0"/>
-              <a:t> </a:t>
-            </a:r>
-            <a:r>
-              <a:rPr lang="en-US" baseline="0" dirty="0" err="1" smtClean="0"/>
-              <a:t>genom</a:t>
-            </a:r>
-            <a:r>
-              <a:rPr lang="en-US" baseline="0" dirty="0" smtClean="0"/>
-              <a:t> </a:t>
-            </a:r>
-            <a:r>
-              <a:rPr lang="en-US" baseline="0" dirty="0" err="1" smtClean="0"/>
-              <a:t>att</a:t>
-            </a:r>
-            <a:endParaRPr lang="en-US" baseline="0" dirty="0" smtClean="0"/>
-          </a:p>
-          <a:p>
-            <a:pPr marL="685800" lvl="1" indent="-228600">
-              <a:buFont typeface="+mj-lt"/>
-              <a:buAutoNum type="arabicPeriod"/>
-            </a:pPr>
-            <a:r>
-              <a:rPr lang="en-US" baseline="0" dirty="0" err="1" smtClean="0"/>
-              <a:t>Välja</a:t>
-            </a:r>
-            <a:r>
-              <a:rPr lang="en-US" baseline="0" dirty="0" smtClean="0"/>
-              <a:t> de </a:t>
-            </a:r>
-            <a:r>
-              <a:rPr lang="en-US" baseline="0" dirty="0" err="1" smtClean="0"/>
-              <a:t>mest</a:t>
-            </a:r>
-            <a:r>
-              <a:rPr lang="en-US" baseline="0" dirty="0" smtClean="0"/>
-              <a:t> </a:t>
-            </a:r>
-            <a:r>
-              <a:rPr lang="en-US" baseline="0" dirty="0" err="1" smtClean="0"/>
-              <a:t>tillförlitliga</a:t>
-            </a:r>
-            <a:endParaRPr lang="en-US" baseline="0" dirty="0" smtClean="0"/>
-          </a:p>
-          <a:p>
-            <a:pPr marL="685800" lvl="1" indent="-228600">
-              <a:buFont typeface="+mj-lt"/>
-              <a:buAutoNum type="arabicPeriod"/>
-            </a:pPr>
-            <a:r>
-              <a:rPr lang="en-US" baseline="0" dirty="0" smtClean="0"/>
-              <a:t>Ta </a:t>
-            </a:r>
-            <a:r>
-              <a:rPr lang="en-US" baseline="0" dirty="0" err="1" smtClean="0"/>
-              <a:t>bort</a:t>
-            </a:r>
-            <a:r>
-              <a:rPr lang="en-US" baseline="0" dirty="0" smtClean="0"/>
-              <a:t> </a:t>
-            </a:r>
-            <a:r>
-              <a:rPr lang="en-US" baseline="0" dirty="0" err="1" smtClean="0"/>
-              <a:t>överflödiga</a:t>
-            </a:r>
-            <a:r>
-              <a:rPr lang="en-US" baseline="0" dirty="0" smtClean="0"/>
-              <a:t> </a:t>
-            </a:r>
-            <a:r>
-              <a:rPr lang="en-US" baseline="0" dirty="0" err="1" smtClean="0"/>
-              <a:t>replikor</a:t>
-            </a:r>
-            <a:endParaRPr lang="en-US" baseline="0" dirty="0" smtClean="0"/>
-          </a:p>
-          <a:p>
-            <a:pPr marL="685800" lvl="1" indent="-228600">
-              <a:buFont typeface="+mj-lt"/>
-              <a:buAutoNum type="arabicPeriod"/>
-            </a:pPr>
-            <a:endParaRPr lang="en-US" baseline="0" dirty="0" smtClean="0"/>
-          </a:p>
-          <a:p>
-            <a:pPr marL="228600" lvl="0" indent="-228600">
-              <a:buFont typeface="+mj-lt"/>
-              <a:buAutoNum type="arabicPeriod"/>
-            </a:pPr>
-            <a:r>
-              <a:rPr lang="en-US" dirty="0" err="1" smtClean="0"/>
-              <a:t>Systemet</a:t>
-            </a:r>
-            <a:r>
-              <a:rPr lang="en-US" dirty="0" smtClean="0"/>
-              <a:t> tar</a:t>
-            </a:r>
-            <a:r>
-              <a:rPr lang="en-US" baseline="0" dirty="0" smtClean="0"/>
-              <a:t> </a:t>
-            </a:r>
-            <a:r>
-              <a:rPr lang="en-US" baseline="0" dirty="0" err="1" smtClean="0"/>
-              <a:t>hänsyn</a:t>
-            </a:r>
-            <a:r>
-              <a:rPr lang="en-US" baseline="0" dirty="0" smtClean="0"/>
-              <a:t> till </a:t>
-            </a:r>
-            <a:r>
-              <a:rPr lang="en-US" baseline="0" dirty="0" err="1" smtClean="0"/>
-              <a:t>varierande</a:t>
-            </a:r>
-            <a:r>
-              <a:rPr lang="en-US" baseline="0" dirty="0" smtClean="0"/>
-              <a:t> </a:t>
-            </a:r>
-            <a:r>
-              <a:rPr lang="en-US" baseline="0" dirty="0" err="1" smtClean="0"/>
-              <a:t>egenskaper</a:t>
-            </a:r>
-            <a:r>
-              <a:rPr lang="en-US" baseline="0" dirty="0" smtClean="0"/>
-              <a:t> hos </a:t>
-            </a:r>
-            <a:r>
-              <a:rPr lang="en-US" baseline="0" dirty="0" err="1" smtClean="0"/>
-              <a:t>noderna</a:t>
-            </a:r>
-            <a:endParaRPr lang="en-US" baseline="0" dirty="0" smtClean="0"/>
-          </a:p>
-          <a:p>
-            <a:pPr marL="228600" lvl="0" indent="-228600">
-              <a:buFont typeface="+mj-lt"/>
-              <a:buAutoNum type="arabicPeriod"/>
-            </a:pPr>
-            <a:endParaRPr lang="en-US" baseline="0" dirty="0" smtClean="0"/>
-          </a:p>
-          <a:p>
-            <a:pPr marL="0" lvl="0" indent="0">
-              <a:buFont typeface="+mj-lt"/>
-              <a:buNone/>
-            </a:pPr>
-            <a:r>
-              <a:rPr lang="en-US" baseline="0" dirty="0" smtClean="0"/>
-              <a:t>Vi </a:t>
-            </a:r>
-            <a:r>
-              <a:rPr lang="en-US" baseline="0" dirty="0" err="1" smtClean="0"/>
-              <a:t>kommer</a:t>
-            </a:r>
-            <a:r>
-              <a:rPr lang="en-US" baseline="0" dirty="0" smtClean="0"/>
-              <a:t> </a:t>
-            </a:r>
-            <a:r>
-              <a:rPr lang="en-US" baseline="0" dirty="0" err="1" smtClean="0"/>
-              <a:t>inte</a:t>
-            </a:r>
-            <a:r>
-              <a:rPr lang="en-US" baseline="0" dirty="0" smtClean="0"/>
-              <a:t> </a:t>
-            </a:r>
-            <a:r>
-              <a:rPr lang="en-US" baseline="0" dirty="0" err="1" smtClean="0"/>
-              <a:t>att</a:t>
-            </a:r>
-            <a:r>
-              <a:rPr lang="en-US" baseline="0" dirty="0" smtClean="0"/>
-              <a:t> </a:t>
-            </a:r>
-            <a:r>
-              <a:rPr lang="en-US" baseline="0" dirty="0" err="1" smtClean="0"/>
-              <a:t>gå</a:t>
-            </a:r>
-            <a:r>
-              <a:rPr lang="en-US" baseline="0" dirty="0" smtClean="0"/>
-              <a:t> </a:t>
-            </a:r>
-            <a:r>
-              <a:rPr lang="en-US" baseline="0" dirty="0" err="1" smtClean="0"/>
-              <a:t>igenom</a:t>
-            </a:r>
-            <a:r>
-              <a:rPr lang="en-US" baseline="0" dirty="0" smtClean="0"/>
-              <a:t> </a:t>
-            </a:r>
-            <a:r>
-              <a:rPr lang="en-US" baseline="0" dirty="0" err="1" smtClean="0"/>
-              <a:t>alla</a:t>
-            </a:r>
-            <a:r>
-              <a:rPr lang="en-US" baseline="0" dirty="0" smtClean="0"/>
-              <a:t> </a:t>
-            </a:r>
-            <a:r>
-              <a:rPr lang="en-US" baseline="0" dirty="0" err="1" smtClean="0"/>
-              <a:t>resultat</a:t>
-            </a:r>
-            <a:r>
-              <a:rPr lang="en-US" baseline="0" dirty="0" smtClean="0"/>
-              <a:t> </a:t>
-            </a:r>
-            <a:r>
-              <a:rPr lang="en-US" baseline="0" dirty="0" err="1" smtClean="0"/>
-              <a:t>här</a:t>
-            </a:r>
-            <a:r>
-              <a:rPr lang="is-IS" baseline="0" dirty="0" smtClean="0"/>
-              <a:t>…</a:t>
-            </a:r>
-            <a:endParaRPr lang="en-US" baseline="0" dirty="0" smtClean="0"/>
+              <a:rPr lang="sv-SE" dirty="0" smtClean="0"/>
+              <a:t>Här är ett exempel på</a:t>
+            </a:r>
+            <a:r>
+              <a:rPr lang="sv-SE" baseline="0" dirty="0" smtClean="0"/>
+              <a:t> föregående applikation, där två av aktörerna kör i runtime1 och en i runtime2.</a:t>
+            </a:r>
+            <a:endParaRPr lang="sv-SE" dirty="0"/>
           </a:p>
         </p:txBody>
       </p:sp>
       <p:sp>
         <p:nvSpPr>
-          <p:cNvPr id="4" name="Slide Number Placeholder 3"/>
+          <p:cNvPr id="4" name="Platshållare för bildnummer 3"/>
           <p:cNvSpPr>
             <a:spLocks noGrp="1"/>
           </p:cNvSpPr>
@@ -14793,7 +14302,7 @@
     </p:spTree>
     <p:extLst>
       <p:ext uri="{BB962C8B-B14F-4D97-AF65-F5344CB8AC3E}">
-        <p14:creationId xmlns:p14="http://schemas.microsoft.com/office/powerpoint/2010/main" val="856999456"/>
+        <p14:creationId xmlns:p14="http://schemas.microsoft.com/office/powerpoint/2010/main" val="1736337081"/>
       </p:ext>
     </p:extLst>
   </p:cSld>
@@ -14849,730 +14358,533 @@
           <a:p>
             <a:r>
               <a:rPr lang="en-US" dirty="0" err="1" smtClean="0"/>
-              <a:t>Så</a:t>
+              <a:t>För</a:t>
+            </a:r>
+            <a:r>
+              <a:rPr lang="en-US" baseline="0" dirty="0" smtClean="0"/>
+              <a:t> </a:t>
+            </a:r>
+            <a:r>
+              <a:rPr lang="en-US" baseline="0" dirty="0" err="1" smtClean="0"/>
+              <a:t>att</a:t>
+            </a:r>
+            <a:r>
+              <a:rPr lang="en-US" baseline="0" dirty="0" smtClean="0"/>
+              <a:t> </a:t>
+            </a:r>
+            <a:r>
+              <a:rPr lang="en-US" baseline="0" dirty="0" err="1" smtClean="0"/>
+              <a:t>demonstrera</a:t>
+            </a:r>
+            <a:r>
+              <a:rPr lang="en-US" baseline="0" dirty="0" smtClean="0"/>
+              <a:t> </a:t>
+            </a:r>
+            <a:r>
+              <a:rPr lang="en-US" baseline="0" dirty="0" err="1" smtClean="0"/>
+              <a:t>vår</a:t>
+            </a:r>
+            <a:r>
+              <a:rPr lang="en-US" baseline="0" dirty="0" smtClean="0"/>
+              <a:t> </a:t>
+            </a:r>
+            <a:r>
+              <a:rPr lang="en-US" baseline="0" dirty="0" err="1" smtClean="0"/>
+              <a:t>modell</a:t>
+            </a:r>
+            <a:r>
+              <a:rPr lang="en-US" baseline="0" dirty="0" smtClean="0"/>
+              <a:t> </a:t>
+            </a:r>
+            <a:r>
+              <a:rPr lang="en-US" baseline="0" dirty="0" err="1" smtClean="0"/>
+              <a:t>så</a:t>
+            </a:r>
+            <a:r>
+              <a:rPr lang="en-US" baseline="0" dirty="0" smtClean="0"/>
+              <a:t> </a:t>
+            </a:r>
+            <a:r>
+              <a:rPr lang="en-US" baseline="0" dirty="0" err="1" smtClean="0"/>
+              <a:t>har</a:t>
+            </a:r>
+            <a:r>
+              <a:rPr lang="en-US" baseline="0" dirty="0" smtClean="0"/>
+              <a:t> vi </a:t>
+            </a:r>
+            <a:r>
+              <a:rPr lang="en-US" baseline="0" dirty="0" err="1" smtClean="0"/>
+              <a:t>genomfört</a:t>
+            </a:r>
+            <a:r>
+              <a:rPr lang="en-US" baseline="0" dirty="0" smtClean="0"/>
+              <a:t> </a:t>
+            </a:r>
+            <a:r>
+              <a:rPr lang="en-US" baseline="0" dirty="0" err="1" smtClean="0"/>
+              <a:t>ett</a:t>
+            </a:r>
+            <a:r>
+              <a:rPr lang="en-US" baseline="0" dirty="0" smtClean="0"/>
+              <a:t> </a:t>
+            </a:r>
+            <a:r>
+              <a:rPr lang="en-US" baseline="0" dirty="0" err="1" smtClean="0"/>
+              <a:t>antal</a:t>
+            </a:r>
+            <a:r>
+              <a:rPr lang="en-US" baseline="0" dirty="0" smtClean="0"/>
+              <a:t> experiment</a:t>
+            </a:r>
+          </a:p>
+          <a:p>
+            <a:endParaRPr lang="en-US" baseline="0" dirty="0" smtClean="0"/>
+          </a:p>
+          <a:p>
+            <a:r>
+              <a:rPr lang="en-US" baseline="0" dirty="0" err="1" smtClean="0"/>
+              <a:t>Syftet</a:t>
+            </a:r>
+            <a:r>
+              <a:rPr lang="en-US" baseline="0" dirty="0" smtClean="0"/>
+              <a:t> med </a:t>
+            </a:r>
+            <a:r>
+              <a:rPr lang="en-US" baseline="0" dirty="0" err="1" smtClean="0"/>
+              <a:t>experimenten</a:t>
+            </a:r>
+            <a:r>
+              <a:rPr lang="en-US" baseline="0" dirty="0" smtClean="0"/>
+              <a:t> </a:t>
+            </a:r>
+            <a:r>
+              <a:rPr lang="en-US" baseline="0" dirty="0" err="1" smtClean="0"/>
+              <a:t>var</a:t>
+            </a:r>
+            <a:r>
+              <a:rPr lang="en-US" baseline="0" dirty="0" smtClean="0"/>
+              <a:t> bland </a:t>
+            </a:r>
+            <a:r>
+              <a:rPr lang="en-US" baseline="0" dirty="0" err="1" smtClean="0"/>
+              <a:t>annat</a:t>
+            </a:r>
+            <a:r>
+              <a:rPr lang="en-US" baseline="0" dirty="0" smtClean="0"/>
+              <a:t> </a:t>
+            </a:r>
+            <a:r>
+              <a:rPr lang="en-US" baseline="0" dirty="0" err="1" smtClean="0"/>
+              <a:t>att</a:t>
+            </a:r>
+            <a:r>
+              <a:rPr lang="en-US" baseline="0" dirty="0" smtClean="0"/>
+              <a:t> visa </a:t>
+            </a:r>
+            <a:r>
+              <a:rPr lang="en-US" baseline="0" dirty="0" err="1" smtClean="0"/>
+              <a:t>att</a:t>
+            </a:r>
+            <a:endParaRPr lang="en-US" baseline="0" dirty="0" smtClean="0"/>
+          </a:p>
+          <a:p>
+            <a:pPr marL="228600" indent="-228600">
+              <a:buFont typeface="+mj-lt"/>
+              <a:buAutoNum type="arabicPeriod"/>
+            </a:pPr>
+            <a:r>
+              <a:rPr lang="en-US" baseline="0" dirty="0" err="1" smtClean="0"/>
+              <a:t>tillförlitligheten</a:t>
+            </a:r>
+            <a:r>
+              <a:rPr lang="en-US" baseline="0" dirty="0" smtClean="0"/>
+              <a:t> </a:t>
+            </a:r>
+            <a:r>
+              <a:rPr lang="en-US" baseline="0" dirty="0" err="1" smtClean="0"/>
+              <a:t>över</a:t>
+            </a:r>
+            <a:r>
+              <a:rPr lang="en-US" baseline="0" dirty="0" smtClean="0"/>
+              <a:t> </a:t>
+            </a:r>
+            <a:r>
+              <a:rPr lang="en-US" baseline="0" dirty="0" err="1" smtClean="0"/>
+              <a:t>tid</a:t>
+            </a:r>
+            <a:r>
+              <a:rPr lang="en-US" baseline="0" dirty="0" smtClean="0"/>
+              <a:t> </a:t>
+            </a:r>
+            <a:r>
+              <a:rPr lang="en-US" baseline="0" dirty="0" err="1" smtClean="0"/>
+              <a:t>dynamiskt</a:t>
+            </a:r>
+            <a:r>
+              <a:rPr lang="en-US" baseline="0" dirty="0" smtClean="0"/>
+              <a:t> </a:t>
+            </a:r>
+            <a:r>
+              <a:rPr lang="en-US" baseline="0" dirty="0" err="1" smtClean="0"/>
+              <a:t>uppnås</a:t>
+            </a:r>
+            <a:r>
+              <a:rPr lang="en-US" baseline="0" dirty="0" smtClean="0"/>
+              <a:t> </a:t>
+            </a:r>
+            <a:r>
+              <a:rPr lang="en-US" baseline="0" dirty="0" err="1" smtClean="0"/>
+              <a:t>genom</a:t>
+            </a:r>
+            <a:r>
+              <a:rPr lang="en-US" baseline="0" dirty="0" smtClean="0"/>
+              <a:t> </a:t>
+            </a:r>
+            <a:r>
+              <a:rPr lang="en-US" baseline="0" dirty="0" err="1" smtClean="0"/>
+              <a:t>att</a:t>
+            </a:r>
+            <a:r>
+              <a:rPr lang="en-US" baseline="0" dirty="0" smtClean="0"/>
+              <a:t> </a:t>
+            </a:r>
+            <a:r>
+              <a:rPr lang="en-US" baseline="0" dirty="0" err="1" smtClean="0"/>
+              <a:t>detekera</a:t>
+            </a:r>
+            <a:r>
+              <a:rPr lang="en-US" baseline="0" dirty="0" smtClean="0"/>
+              <a:t> </a:t>
+            </a:r>
+            <a:r>
+              <a:rPr lang="en-US" baseline="0" dirty="0" err="1" smtClean="0"/>
+              <a:t>när</a:t>
+            </a:r>
+            <a:r>
+              <a:rPr lang="en-US" baseline="0" dirty="0" smtClean="0"/>
+              <a:t> </a:t>
+            </a:r>
+            <a:r>
+              <a:rPr lang="en-US" baseline="0" dirty="0" err="1" smtClean="0"/>
+              <a:t>noder</a:t>
+            </a:r>
+            <a:r>
+              <a:rPr lang="en-US" baseline="0" dirty="0" smtClean="0"/>
+              <a:t> </a:t>
+            </a:r>
+            <a:r>
+              <a:rPr lang="en-US" baseline="0" dirty="0" err="1" smtClean="0"/>
+              <a:t>dör</a:t>
+            </a:r>
+            <a:r>
+              <a:rPr lang="en-US" baseline="0" dirty="0" smtClean="0"/>
+              <a:t> </a:t>
+            </a:r>
+            <a:r>
+              <a:rPr lang="en-US" baseline="0" dirty="0" err="1" smtClean="0"/>
+              <a:t>samt</a:t>
+            </a:r>
+            <a:r>
+              <a:rPr lang="en-US" baseline="0" dirty="0" smtClean="0"/>
+              <a:t> </a:t>
+            </a:r>
+            <a:r>
+              <a:rPr lang="en-US" baseline="0" dirty="0" err="1" smtClean="0"/>
+              <a:t>starta</a:t>
+            </a:r>
+            <a:r>
+              <a:rPr lang="en-US" baseline="0" dirty="0" smtClean="0"/>
+              <a:t> </a:t>
+            </a:r>
+            <a:r>
+              <a:rPr lang="en-US" baseline="0" dirty="0" err="1" smtClean="0"/>
+              <a:t>nya</a:t>
+            </a:r>
+            <a:r>
+              <a:rPr lang="en-US" baseline="0" dirty="0" smtClean="0"/>
+              <a:t> </a:t>
+            </a:r>
+            <a:r>
+              <a:rPr lang="en-US" baseline="0" dirty="0" err="1" smtClean="0"/>
+              <a:t>replikor</a:t>
+            </a:r>
+            <a:endParaRPr lang="en-US" baseline="0" dirty="0" smtClean="0"/>
+          </a:p>
+          <a:p>
+            <a:pPr marL="228600" indent="-228600">
+              <a:buFont typeface="+mj-lt"/>
+              <a:buAutoNum type="arabicPeriod"/>
+            </a:pPr>
+            <a:endParaRPr lang="en-US" baseline="0" dirty="0" smtClean="0"/>
+          </a:p>
+          <a:p>
+            <a:pPr marL="228600" indent="-228600">
+              <a:buFont typeface="+mj-lt"/>
+              <a:buAutoNum type="arabicPeriod"/>
+            </a:pPr>
+            <a:r>
+              <a:rPr lang="en-US" baseline="0" dirty="0" err="1" smtClean="0"/>
+              <a:t>det</a:t>
+            </a:r>
+            <a:r>
+              <a:rPr lang="en-US" baseline="0" dirty="0" smtClean="0"/>
+              <a:t> </a:t>
+            </a:r>
+            <a:r>
+              <a:rPr lang="en-US" baseline="0" dirty="0" err="1" smtClean="0"/>
+              <a:t>inte</a:t>
+            </a:r>
+            <a:r>
+              <a:rPr lang="en-US" baseline="0" dirty="0" smtClean="0"/>
+              <a:t> </a:t>
+            </a:r>
+            <a:r>
+              <a:rPr lang="en-US" baseline="0" dirty="0" err="1" smtClean="0"/>
+              <a:t>skapas</a:t>
+            </a:r>
+            <a:r>
+              <a:rPr lang="en-US" baseline="0" dirty="0" smtClean="0"/>
+              <a:t> </a:t>
+            </a:r>
+            <a:r>
+              <a:rPr lang="en-US" baseline="0" dirty="0" err="1" smtClean="0"/>
+              <a:t>fler</a:t>
+            </a:r>
+            <a:r>
+              <a:rPr lang="en-US" baseline="0" dirty="0" smtClean="0"/>
+              <a:t> </a:t>
+            </a:r>
+            <a:r>
+              <a:rPr lang="en-US" baseline="0" dirty="0" err="1" smtClean="0"/>
+              <a:t>replikor</a:t>
+            </a:r>
+            <a:r>
+              <a:rPr lang="en-US" baseline="0" dirty="0" smtClean="0"/>
+              <a:t> </a:t>
+            </a:r>
+            <a:r>
+              <a:rPr lang="en-US" baseline="0" dirty="0" err="1" smtClean="0"/>
+              <a:t>än</a:t>
+            </a:r>
+            <a:r>
+              <a:rPr lang="en-US" baseline="0" dirty="0" smtClean="0"/>
+              <a:t> </a:t>
+            </a:r>
+            <a:r>
+              <a:rPr lang="en-US" baseline="0" dirty="0" err="1" smtClean="0"/>
+              <a:t>nödvändigt</a:t>
+            </a:r>
+            <a:r>
+              <a:rPr lang="en-US" baseline="0" dirty="0" smtClean="0"/>
+              <a:t> </a:t>
+            </a:r>
+            <a:r>
+              <a:rPr lang="en-US" baseline="0" dirty="0" err="1" smtClean="0"/>
+              <a:t>genom</a:t>
+            </a:r>
+            <a:r>
+              <a:rPr lang="en-US" baseline="0" dirty="0" smtClean="0"/>
+              <a:t> </a:t>
+            </a:r>
+            <a:r>
+              <a:rPr lang="en-US" baseline="0" dirty="0" err="1" smtClean="0"/>
+              <a:t>att</a:t>
+            </a:r>
+            <a:endParaRPr lang="en-US" baseline="0" dirty="0" smtClean="0"/>
+          </a:p>
+          <a:p>
+            <a:pPr marL="685800" lvl="1" indent="-228600">
+              <a:buFont typeface="+mj-lt"/>
+              <a:buAutoNum type="arabicPeriod"/>
+            </a:pPr>
+            <a:r>
+              <a:rPr lang="en-US" baseline="0" dirty="0" err="1" smtClean="0"/>
+              <a:t>Välja</a:t>
+            </a:r>
+            <a:r>
+              <a:rPr lang="en-US" baseline="0" dirty="0" smtClean="0"/>
+              <a:t> de </a:t>
+            </a:r>
+            <a:r>
+              <a:rPr lang="en-US" baseline="0" dirty="0" err="1" smtClean="0"/>
+              <a:t>mest</a:t>
+            </a:r>
+            <a:r>
+              <a:rPr lang="en-US" baseline="0" dirty="0" smtClean="0"/>
+              <a:t> </a:t>
+            </a:r>
+            <a:r>
+              <a:rPr lang="en-US" baseline="0" dirty="0" err="1" smtClean="0"/>
+              <a:t>tillförlitliga</a:t>
+            </a:r>
+            <a:endParaRPr lang="en-US" baseline="0" dirty="0" smtClean="0"/>
+          </a:p>
+          <a:p>
+            <a:pPr marL="685800" lvl="1" indent="-228600">
+              <a:buFont typeface="+mj-lt"/>
+              <a:buAutoNum type="arabicPeriod"/>
+            </a:pPr>
+            <a:r>
+              <a:rPr lang="en-US" baseline="0" dirty="0" smtClean="0"/>
+              <a:t>Ta </a:t>
+            </a:r>
+            <a:r>
+              <a:rPr lang="en-US" baseline="0" dirty="0" err="1" smtClean="0"/>
+              <a:t>bort</a:t>
+            </a:r>
+            <a:r>
+              <a:rPr lang="en-US" baseline="0" dirty="0" smtClean="0"/>
+              <a:t> </a:t>
+            </a:r>
+            <a:r>
+              <a:rPr lang="en-US" baseline="0" dirty="0" err="1" smtClean="0"/>
+              <a:t>överflödiga</a:t>
+            </a:r>
+            <a:r>
+              <a:rPr lang="en-US" baseline="0" dirty="0" smtClean="0"/>
+              <a:t> </a:t>
+            </a:r>
+            <a:r>
+              <a:rPr lang="en-US" baseline="0" dirty="0" err="1" smtClean="0"/>
+              <a:t>replikor</a:t>
+            </a:r>
+            <a:endParaRPr lang="en-US" baseline="0" dirty="0" smtClean="0"/>
+          </a:p>
+          <a:p>
+            <a:pPr marL="685800" lvl="1" indent="-228600">
+              <a:buFont typeface="+mj-lt"/>
+              <a:buAutoNum type="arabicPeriod"/>
+            </a:pPr>
+            <a:endParaRPr lang="en-US" baseline="0" dirty="0" smtClean="0"/>
+          </a:p>
+          <a:p>
+            <a:pPr marL="228600" lvl="0" indent="-228600">
+              <a:buFont typeface="+mj-lt"/>
+              <a:buAutoNum type="arabicPeriod"/>
+            </a:pPr>
+            <a:r>
+              <a:rPr lang="en-US" dirty="0" err="1" smtClean="0"/>
+              <a:t>Systemet</a:t>
             </a:r>
             <a:r>
               <a:rPr lang="en-US" dirty="0" smtClean="0"/>
-              <a:t> </a:t>
-            </a:r>
-            <a:r>
-              <a:rPr lang="en-US" dirty="0" err="1" smtClean="0"/>
+              <a:t> tar</a:t>
+            </a:r>
+            <a:r>
+              <a:rPr lang="en-US" baseline="0" dirty="0" smtClean="0"/>
+              <a:t> </a:t>
+            </a:r>
+            <a:r>
+              <a:rPr lang="en-US" baseline="0" dirty="0" err="1" smtClean="0"/>
+              <a:t>hänsyn</a:t>
+            </a:r>
+            <a:r>
+              <a:rPr lang="en-US" baseline="0" dirty="0" smtClean="0"/>
+              <a:t> till </a:t>
+            </a:r>
+            <a:r>
+              <a:rPr lang="en-US" baseline="0" dirty="0" err="1" smtClean="0"/>
+              <a:t>varierande</a:t>
+            </a:r>
+            <a:r>
+              <a:rPr lang="en-US" baseline="0" dirty="0" smtClean="0"/>
+              <a:t> </a:t>
+            </a:r>
+            <a:r>
+              <a:rPr lang="en-US" baseline="0" dirty="0" err="1" smtClean="0"/>
+              <a:t>egenskaper</a:t>
+            </a:r>
+            <a:r>
+              <a:rPr lang="en-US" baseline="0" dirty="0" smtClean="0"/>
+              <a:t> hos </a:t>
+            </a:r>
+            <a:r>
+              <a:rPr lang="en-US" baseline="0" dirty="0" err="1" smtClean="0"/>
+              <a:t>noderna</a:t>
+            </a:r>
+            <a:endParaRPr lang="en-US" baseline="0" dirty="0" smtClean="0"/>
+          </a:p>
+          <a:p>
+            <a:pPr marL="228600" lvl="0" indent="-228600">
+              <a:buFont typeface="+mj-lt"/>
+              <a:buAutoNum type="arabicPeriod"/>
+            </a:pPr>
+            <a:endParaRPr lang="en-US" baseline="0" dirty="0" smtClean="0"/>
+          </a:p>
+          <a:p>
+            <a:pPr marL="0" lvl="0" indent="0">
+              <a:buFont typeface="+mj-lt"/>
+              <a:buNone/>
+            </a:pPr>
+            <a:r>
+              <a:rPr lang="en-US" baseline="0" dirty="0" smtClean="0"/>
+              <a:t>Vi </a:t>
+            </a:r>
+            <a:r>
+              <a:rPr lang="en-US" baseline="0" dirty="0" err="1" smtClean="0"/>
+              <a:t>kommer</a:t>
+            </a:r>
+            <a:r>
+              <a:rPr lang="en-US" baseline="0" dirty="0" smtClean="0"/>
+              <a:t> </a:t>
+            </a:r>
+            <a:r>
+              <a:rPr lang="en-US" baseline="0" dirty="0" err="1" smtClean="0"/>
+              <a:t>inte</a:t>
+            </a:r>
+            <a:r>
+              <a:rPr lang="en-US" baseline="0" dirty="0" smtClean="0"/>
+              <a:t> </a:t>
+            </a:r>
+            <a:r>
+              <a:rPr lang="en-US" baseline="0" dirty="0" err="1" smtClean="0"/>
+              <a:t>att</a:t>
+            </a:r>
+            <a:r>
+              <a:rPr lang="en-US" baseline="0" dirty="0" smtClean="0"/>
+              <a:t> </a:t>
+            </a:r>
+            <a:r>
+              <a:rPr lang="en-US" baseline="0" dirty="0" err="1" smtClean="0"/>
+              <a:t>gå</a:t>
+            </a:r>
+            <a:r>
+              <a:rPr lang="en-US" baseline="0" dirty="0" smtClean="0"/>
+              <a:t> </a:t>
+            </a:r>
+            <a:r>
+              <a:rPr lang="en-US" baseline="0" dirty="0" err="1" smtClean="0"/>
+              <a:t>igenom</a:t>
+            </a:r>
+            <a:r>
+              <a:rPr lang="en-US" baseline="0" dirty="0" smtClean="0"/>
+              <a:t> </a:t>
+            </a:r>
+            <a:r>
+              <a:rPr lang="en-US" baseline="0" dirty="0" err="1" smtClean="0"/>
+              <a:t>alla</a:t>
+            </a:r>
+            <a:r>
+              <a:rPr lang="en-US" baseline="0" dirty="0" smtClean="0"/>
+              <a:t> </a:t>
+            </a:r>
+            <a:r>
+              <a:rPr lang="en-US" baseline="0" dirty="0" err="1" smtClean="0"/>
+              <a:t>resultat</a:t>
+            </a:r>
+            <a:r>
+              <a:rPr lang="en-US" baseline="0" dirty="0" smtClean="0"/>
+              <a:t> </a:t>
+            </a:r>
+            <a:r>
+              <a:rPr lang="en-US" baseline="0" dirty="0" err="1" smtClean="0"/>
               <a:t>här</a:t>
             </a:r>
             <a:r>
-              <a:rPr lang="en-US" baseline="0" dirty="0" smtClean="0"/>
-              <a:t> </a:t>
-            </a:r>
-            <a:r>
-              <a:rPr lang="en-US" baseline="0" dirty="0" err="1" smtClean="0"/>
-              <a:t>simulerades</a:t>
-            </a:r>
-            <a:r>
-              <a:rPr lang="en-US" baseline="0" dirty="0" smtClean="0"/>
-              <a:t> </a:t>
-            </a:r>
-            <a:r>
-              <a:rPr lang="en-US" baseline="0" dirty="0" err="1" smtClean="0"/>
-              <a:t>nodfel</a:t>
-            </a:r>
-            <a:r>
-              <a:rPr lang="en-US" baseline="0" dirty="0" smtClean="0"/>
-              <a:t>.</a:t>
-            </a:r>
-          </a:p>
-          <a:p>
+              <a:rPr lang="is-IS" baseline="0" dirty="0" smtClean="0"/>
+              <a:t>…</a:t>
+            </a:r>
             <a:endParaRPr lang="en-US" baseline="0" dirty="0" smtClean="0"/>
-          </a:p>
-          <a:p>
-            <a:r>
-              <a:rPr lang="en-US" baseline="0" dirty="0" smtClean="0"/>
-              <a:t>En nod </a:t>
-            </a:r>
-            <a:r>
-              <a:rPr lang="en-US" baseline="0" dirty="0" err="1" smtClean="0"/>
-              <a:t>gavs</a:t>
-            </a:r>
-            <a:r>
-              <a:rPr lang="en-US" baseline="0" dirty="0" smtClean="0"/>
-              <a:t> en MTBF </a:t>
-            </a:r>
-            <a:r>
-              <a:rPr lang="en-US" baseline="0" dirty="0" err="1" smtClean="0"/>
-              <a:t>och</a:t>
-            </a:r>
-            <a:r>
-              <a:rPr lang="en-US" baseline="0" dirty="0" smtClean="0"/>
-              <a:t> </a:t>
-            </a:r>
-            <a:r>
-              <a:rPr lang="en-US" baseline="0" dirty="0" err="1" smtClean="0"/>
-              <a:t>ett</a:t>
-            </a:r>
-            <a:r>
-              <a:rPr lang="en-US" baseline="0" dirty="0" smtClean="0"/>
-              <a:t> runtime </a:t>
-            </a:r>
-            <a:r>
-              <a:rPr lang="en-US" baseline="0" dirty="0" err="1" smtClean="0"/>
-              <a:t>startades</a:t>
-            </a:r>
-            <a:r>
-              <a:rPr lang="en-US" baseline="0" dirty="0" smtClean="0"/>
-              <a:t>. </a:t>
-            </a:r>
-          </a:p>
-          <a:p>
-            <a:endParaRPr lang="en-US" baseline="0" dirty="0" smtClean="0"/>
-          </a:p>
-          <a:p>
-            <a:r>
-              <a:rPr lang="en-US" baseline="0" dirty="0" smtClean="0"/>
-              <a:t>Sedan </a:t>
-            </a:r>
-            <a:r>
-              <a:rPr lang="en-US" baseline="0" dirty="0" err="1" smtClean="0"/>
-              <a:t>plockades</a:t>
-            </a:r>
-            <a:r>
-              <a:rPr lang="en-US" baseline="0" dirty="0" smtClean="0"/>
-              <a:t> </a:t>
-            </a:r>
-            <a:r>
-              <a:rPr lang="en-US" baseline="0" dirty="0" err="1" smtClean="0"/>
-              <a:t>ett</a:t>
-            </a:r>
-            <a:r>
-              <a:rPr lang="en-US" baseline="0" dirty="0" smtClean="0"/>
-              <a:t> random </a:t>
-            </a:r>
-            <a:r>
-              <a:rPr lang="en-US" baseline="0" dirty="0" err="1" smtClean="0"/>
-              <a:t>värde</a:t>
-            </a:r>
-            <a:r>
-              <a:rPr lang="en-US" baseline="0" dirty="0" smtClean="0"/>
-              <a:t> ur </a:t>
-            </a:r>
-            <a:r>
-              <a:rPr lang="en-US" baseline="0" dirty="0" err="1" smtClean="0"/>
-              <a:t>en</a:t>
-            </a:r>
-            <a:r>
-              <a:rPr lang="en-US" baseline="0" dirty="0" smtClean="0"/>
-              <a:t> </a:t>
-            </a:r>
-            <a:r>
-              <a:rPr lang="en-US" baseline="0" dirty="0" err="1" smtClean="0"/>
-              <a:t>normalfördelning</a:t>
-            </a:r>
-            <a:r>
-              <a:rPr lang="en-US" baseline="0" dirty="0" smtClean="0"/>
-              <a:t> med </a:t>
-            </a:r>
-            <a:r>
-              <a:rPr lang="en-US" baseline="0" dirty="0" err="1" smtClean="0"/>
-              <a:t>medelvärde</a:t>
-            </a:r>
-            <a:r>
-              <a:rPr lang="en-US" baseline="0" dirty="0" smtClean="0"/>
-              <a:t> MTBF </a:t>
-            </a:r>
-            <a:r>
-              <a:rPr lang="en-US" baseline="0" dirty="0" err="1" smtClean="0"/>
-              <a:t>och</a:t>
-            </a:r>
-            <a:r>
-              <a:rPr lang="en-US" baseline="0" dirty="0" smtClean="0"/>
-              <a:t> </a:t>
-            </a:r>
-            <a:r>
-              <a:rPr lang="en-US" baseline="0" dirty="0" err="1" smtClean="0"/>
-              <a:t>standardavvikelse</a:t>
-            </a:r>
-            <a:r>
-              <a:rPr lang="en-US" baseline="0" dirty="0" smtClean="0"/>
-              <a:t> </a:t>
-            </a:r>
-            <a:r>
-              <a:rPr lang="en-US" baseline="0" dirty="0" err="1" smtClean="0"/>
-              <a:t>på</a:t>
-            </a:r>
-            <a:r>
-              <a:rPr lang="en-US" baseline="0" dirty="0" smtClean="0"/>
-              <a:t> 1 </a:t>
-            </a:r>
-            <a:r>
-              <a:rPr lang="en-US" baseline="0" dirty="0" err="1" smtClean="0"/>
-              <a:t>och</a:t>
-            </a:r>
-            <a:r>
-              <a:rPr lang="en-US" baseline="0" dirty="0" smtClean="0"/>
-              <a:t> </a:t>
-            </a:r>
-            <a:r>
-              <a:rPr lang="en-US" baseline="0" dirty="0" err="1" smtClean="0"/>
-              <a:t>sov</a:t>
-            </a:r>
-            <a:r>
-              <a:rPr lang="en-US" baseline="0" dirty="0" smtClean="0"/>
-              <a:t> den </a:t>
-            </a:r>
-            <a:r>
-              <a:rPr lang="en-US" baseline="0" dirty="0" err="1" smtClean="0"/>
-              <a:t>tiden</a:t>
-            </a:r>
-            <a:r>
-              <a:rPr lang="en-US" baseline="0" dirty="0" smtClean="0"/>
-              <a:t> </a:t>
-            </a:r>
-            <a:r>
-              <a:rPr lang="en-US" baseline="0" dirty="0" err="1" smtClean="0"/>
-              <a:t>innan</a:t>
-            </a:r>
-            <a:r>
-              <a:rPr lang="en-US" baseline="0" dirty="0" smtClean="0"/>
-              <a:t> </a:t>
-            </a:r>
-            <a:r>
-              <a:rPr lang="en-US" baseline="0" dirty="0" err="1" smtClean="0"/>
-              <a:t>runtimet</a:t>
-            </a:r>
-            <a:r>
-              <a:rPr lang="en-US" baseline="0" dirty="0" smtClean="0"/>
-              <a:t> </a:t>
-            </a:r>
-            <a:r>
-              <a:rPr lang="en-US" baseline="0" dirty="0" err="1" smtClean="0"/>
-              <a:t>dödades</a:t>
-            </a:r>
-            <a:r>
-              <a:rPr lang="en-US" baseline="0" dirty="0" smtClean="0"/>
-              <a:t> </a:t>
-            </a:r>
-            <a:r>
-              <a:rPr lang="en-US" baseline="0" dirty="0" err="1" smtClean="0"/>
-              <a:t>och</a:t>
-            </a:r>
-            <a:r>
-              <a:rPr lang="en-US" baseline="0" dirty="0" smtClean="0"/>
-              <a:t> </a:t>
-            </a:r>
-            <a:r>
-              <a:rPr lang="en-US" baseline="0" dirty="0" err="1" smtClean="0"/>
-              <a:t>startades</a:t>
-            </a:r>
-            <a:r>
-              <a:rPr lang="en-US" baseline="0" dirty="0" smtClean="0"/>
-              <a:t> </a:t>
-            </a:r>
-            <a:r>
-              <a:rPr lang="en-US" baseline="0" dirty="0" err="1" smtClean="0"/>
-              <a:t>om.</a:t>
-            </a:r>
-            <a:endParaRPr lang="en-US" baseline="0" dirty="0" smtClean="0"/>
-          </a:p>
-          <a:p>
-            <a:endParaRPr lang="en-US" baseline="0" dirty="0" smtClean="0"/>
-          </a:p>
-          <a:p>
-            <a:r>
-              <a:rPr lang="en-US" baseline="0" dirty="0" err="1" smtClean="0"/>
-              <a:t>Detta</a:t>
-            </a:r>
-            <a:r>
-              <a:rPr lang="en-US" baseline="0" dirty="0" smtClean="0"/>
-              <a:t> </a:t>
-            </a:r>
-            <a:r>
-              <a:rPr lang="en-US" baseline="0" dirty="0" err="1" smtClean="0"/>
-              <a:t>resulterat</a:t>
-            </a:r>
-            <a:r>
-              <a:rPr lang="en-US" baseline="0" dirty="0" smtClean="0"/>
-              <a:t> </a:t>
-            </a:r>
-            <a:r>
-              <a:rPr lang="en-US" baseline="0" dirty="0" err="1" smtClean="0"/>
-              <a:t>i</a:t>
-            </a:r>
-            <a:r>
-              <a:rPr lang="en-US" baseline="0" dirty="0" smtClean="0"/>
-              <a:t> </a:t>
-            </a:r>
-            <a:r>
-              <a:rPr lang="en-US" baseline="0" dirty="0" err="1" smtClean="0"/>
-              <a:t>att</a:t>
-            </a:r>
-            <a:r>
-              <a:rPr lang="en-US" baseline="0" dirty="0" smtClean="0"/>
-              <a:t> </a:t>
-            </a:r>
-            <a:r>
-              <a:rPr lang="en-US" baseline="0" dirty="0" err="1" smtClean="0"/>
-              <a:t>även</a:t>
-            </a:r>
-            <a:r>
-              <a:rPr lang="en-US" baseline="0" dirty="0" smtClean="0"/>
-              <a:t> om </a:t>
-            </a:r>
-            <a:r>
-              <a:rPr lang="en-US" baseline="0" dirty="0" err="1" smtClean="0"/>
-              <a:t>två</a:t>
-            </a:r>
-            <a:r>
-              <a:rPr lang="en-US" baseline="0" dirty="0" smtClean="0"/>
-              <a:t> </a:t>
-            </a:r>
-            <a:r>
-              <a:rPr lang="en-US" baseline="0" dirty="0" err="1" smtClean="0"/>
-              <a:t>noder</a:t>
-            </a:r>
-            <a:r>
-              <a:rPr lang="en-US" baseline="0" dirty="0" smtClean="0"/>
-              <a:t> </a:t>
-            </a:r>
-            <a:r>
-              <a:rPr lang="en-US" baseline="0" dirty="0" err="1" smtClean="0"/>
-              <a:t>gavs</a:t>
-            </a:r>
-            <a:r>
-              <a:rPr lang="en-US" baseline="0" dirty="0" smtClean="0"/>
-              <a:t> “</a:t>
-            </a:r>
-            <a:r>
-              <a:rPr lang="en-US" baseline="0" dirty="0" err="1" smtClean="0"/>
-              <a:t>samma</a:t>
-            </a:r>
-            <a:r>
-              <a:rPr lang="en-US" baseline="0" dirty="0" smtClean="0"/>
-              <a:t>” MTBF, </a:t>
-            </a:r>
-            <a:r>
-              <a:rPr lang="en-US" baseline="0" dirty="0" err="1" smtClean="0"/>
-              <a:t>så</a:t>
-            </a:r>
-            <a:r>
-              <a:rPr lang="en-US" baseline="0" dirty="0" smtClean="0"/>
-              <a:t> hade de I </a:t>
-            </a:r>
-            <a:r>
-              <a:rPr lang="en-US" baseline="0" dirty="0" err="1" smtClean="0"/>
-              <a:t>slutändan</a:t>
-            </a:r>
-            <a:r>
-              <a:rPr lang="en-US" baseline="0" dirty="0" smtClean="0"/>
-              <a:t> lite </a:t>
-            </a:r>
-            <a:r>
-              <a:rPr lang="en-US" baseline="0" dirty="0" err="1" smtClean="0"/>
-              <a:t>olika</a:t>
-            </a:r>
-            <a:r>
-              <a:rPr lang="en-US" baseline="0" dirty="0" smtClean="0"/>
-              <a:t> MTBF. </a:t>
-            </a:r>
-          </a:p>
-          <a:p>
-            <a:r>
-              <a:rPr lang="en-US" baseline="0" dirty="0" err="1" smtClean="0"/>
-              <a:t>Anledningen</a:t>
-            </a:r>
-            <a:r>
-              <a:rPr lang="en-US" baseline="0" dirty="0" smtClean="0"/>
-              <a:t> till </a:t>
-            </a:r>
-            <a:r>
-              <a:rPr lang="en-US" baseline="0" dirty="0" err="1" smtClean="0"/>
-              <a:t>att</a:t>
-            </a:r>
-            <a:r>
-              <a:rPr lang="en-US" baseline="0" dirty="0" smtClean="0"/>
-              <a:t> </a:t>
-            </a:r>
-            <a:r>
-              <a:rPr lang="en-US" baseline="0" dirty="0" err="1" smtClean="0"/>
-              <a:t>göra</a:t>
-            </a:r>
-            <a:r>
-              <a:rPr lang="en-US" baseline="0" dirty="0" smtClean="0"/>
-              <a:t> </a:t>
-            </a:r>
-            <a:r>
-              <a:rPr lang="en-US" baseline="0" dirty="0" err="1" smtClean="0"/>
-              <a:t>på</a:t>
-            </a:r>
-            <a:r>
-              <a:rPr lang="en-US" baseline="0" dirty="0" smtClean="0"/>
-              <a:t> </a:t>
-            </a:r>
-            <a:r>
-              <a:rPr lang="en-US" baseline="0" dirty="0" err="1" smtClean="0"/>
-              <a:t>detta</a:t>
-            </a:r>
-            <a:r>
-              <a:rPr lang="en-US" baseline="0" dirty="0" smtClean="0"/>
-              <a:t> </a:t>
-            </a:r>
-            <a:r>
-              <a:rPr lang="en-US" baseline="0" dirty="0" err="1" smtClean="0"/>
-              <a:t>sättet</a:t>
-            </a:r>
-            <a:r>
-              <a:rPr lang="en-US" baseline="0" dirty="0" smtClean="0"/>
-              <a:t> </a:t>
-            </a:r>
-            <a:r>
-              <a:rPr lang="en-US" baseline="0" dirty="0" err="1" smtClean="0"/>
-              <a:t>är</a:t>
-            </a:r>
-            <a:r>
-              <a:rPr lang="en-US" baseline="0" dirty="0" smtClean="0"/>
-              <a:t> </a:t>
-            </a:r>
-            <a:r>
-              <a:rPr lang="en-US" baseline="0" dirty="0" err="1" smtClean="0"/>
-              <a:t>för</a:t>
-            </a:r>
-            <a:r>
-              <a:rPr lang="en-US" baseline="0" dirty="0" smtClean="0"/>
-              <a:t> </a:t>
-            </a:r>
-            <a:r>
-              <a:rPr lang="en-US" baseline="0" dirty="0" err="1" smtClean="0"/>
-              <a:t>att</a:t>
-            </a:r>
-            <a:r>
-              <a:rPr lang="en-US" baseline="0" dirty="0" smtClean="0"/>
-              <a:t> om vi </a:t>
-            </a:r>
-            <a:r>
-              <a:rPr lang="en-US" baseline="0" dirty="0" err="1" smtClean="0"/>
-              <a:t>skulle</a:t>
-            </a:r>
-            <a:r>
-              <a:rPr lang="en-US" baseline="0" dirty="0" smtClean="0"/>
-              <a:t> </a:t>
-            </a:r>
-            <a:r>
-              <a:rPr lang="en-US" baseline="0" dirty="0" err="1" smtClean="0"/>
-              <a:t>gett</a:t>
-            </a:r>
-            <a:r>
-              <a:rPr lang="en-US" baseline="0" dirty="0" smtClean="0"/>
-              <a:t> </a:t>
-            </a:r>
-            <a:r>
-              <a:rPr lang="en-US" baseline="0" dirty="0" err="1" smtClean="0"/>
-              <a:t>alla</a:t>
-            </a:r>
-            <a:r>
-              <a:rPr lang="en-US" baseline="0" dirty="0" smtClean="0"/>
-              <a:t> </a:t>
-            </a:r>
-            <a:r>
-              <a:rPr lang="en-US" baseline="0" dirty="0" err="1" smtClean="0"/>
-              <a:t>runtimesen</a:t>
-            </a:r>
-            <a:r>
-              <a:rPr lang="en-US" baseline="0" dirty="0" smtClean="0"/>
-              <a:t> </a:t>
-            </a:r>
-            <a:r>
-              <a:rPr lang="en-US" baseline="0" dirty="0" err="1" smtClean="0"/>
-              <a:t>samma</a:t>
-            </a:r>
-            <a:r>
-              <a:rPr lang="en-US" baseline="0" dirty="0" smtClean="0"/>
-              <a:t> MTBF </a:t>
-            </a:r>
-            <a:r>
-              <a:rPr lang="en-US" baseline="0" dirty="0" err="1" smtClean="0"/>
-              <a:t>och</a:t>
-            </a:r>
-            <a:r>
-              <a:rPr lang="en-US" baseline="0" dirty="0" smtClean="0"/>
-              <a:t> de </a:t>
-            </a:r>
-            <a:r>
-              <a:rPr lang="en-US" baseline="0" dirty="0" err="1" smtClean="0"/>
-              <a:t>sov</a:t>
-            </a:r>
-            <a:r>
-              <a:rPr lang="en-US" baseline="0" dirty="0" smtClean="0"/>
-              <a:t> </a:t>
-            </a:r>
-            <a:r>
-              <a:rPr lang="en-US" baseline="0" dirty="0" err="1" smtClean="0"/>
-              <a:t>exakt</a:t>
-            </a:r>
-            <a:r>
-              <a:rPr lang="en-US" baseline="0" dirty="0" smtClean="0"/>
-              <a:t> </a:t>
-            </a:r>
-            <a:r>
-              <a:rPr lang="en-US" baseline="0" dirty="0" err="1" smtClean="0"/>
-              <a:t>lika</a:t>
-            </a:r>
-            <a:r>
-              <a:rPr lang="en-US" baseline="0" dirty="0" smtClean="0"/>
-              <a:t> </a:t>
-            </a:r>
-            <a:r>
-              <a:rPr lang="en-US" baseline="0" dirty="0" err="1" smtClean="0"/>
-              <a:t>länge</a:t>
-            </a:r>
-            <a:r>
-              <a:rPr lang="en-US" baseline="0" dirty="0" smtClean="0"/>
-              <a:t> </a:t>
-            </a:r>
-            <a:r>
-              <a:rPr lang="en-US" baseline="0" dirty="0" err="1" smtClean="0"/>
-              <a:t>varje</a:t>
-            </a:r>
-            <a:r>
-              <a:rPr lang="en-US" baseline="0" dirty="0" smtClean="0"/>
-              <a:t> </a:t>
-            </a:r>
-            <a:r>
-              <a:rPr lang="en-US" baseline="0" dirty="0" err="1" smtClean="0"/>
-              <a:t>gång</a:t>
-            </a:r>
-            <a:r>
-              <a:rPr lang="en-US" baseline="0" dirty="0" smtClean="0"/>
-              <a:t> </a:t>
-            </a:r>
-            <a:r>
-              <a:rPr lang="en-US" baseline="0" dirty="0" err="1" smtClean="0"/>
-              <a:t>så</a:t>
-            </a:r>
-            <a:r>
-              <a:rPr lang="en-US" baseline="0" dirty="0" smtClean="0"/>
-              <a:t> </a:t>
-            </a:r>
-            <a:r>
-              <a:rPr lang="en-US" baseline="0" dirty="0" err="1" smtClean="0"/>
-              <a:t>skulle</a:t>
-            </a:r>
-            <a:r>
-              <a:rPr lang="en-US" baseline="0" dirty="0" smtClean="0"/>
-              <a:t> </a:t>
-            </a:r>
-            <a:r>
-              <a:rPr lang="en-US" baseline="0" dirty="0" err="1" smtClean="0"/>
-              <a:t>alla</a:t>
-            </a:r>
-            <a:r>
-              <a:rPr lang="en-US" baseline="0" dirty="0" smtClean="0"/>
-              <a:t> </a:t>
-            </a:r>
-            <a:r>
-              <a:rPr lang="en-US" baseline="0" dirty="0" err="1" smtClean="0"/>
-              <a:t>dö</a:t>
-            </a:r>
-            <a:r>
-              <a:rPr lang="en-US" baseline="0" dirty="0" smtClean="0"/>
-              <a:t> </a:t>
-            </a:r>
-            <a:r>
-              <a:rPr lang="en-US" baseline="0" dirty="0" err="1" smtClean="0"/>
-              <a:t>samtidigt</a:t>
-            </a:r>
-            <a:r>
-              <a:rPr lang="en-US" baseline="0" dirty="0" smtClean="0"/>
-              <a:t> </a:t>
-            </a:r>
-            <a:r>
-              <a:rPr lang="en-US" baseline="0" dirty="0" err="1" smtClean="0"/>
-              <a:t>och</a:t>
-            </a:r>
-            <a:r>
-              <a:rPr lang="en-US" baseline="0" dirty="0" smtClean="0"/>
-              <a:t> om vi </a:t>
-            </a:r>
-            <a:r>
-              <a:rPr lang="en-US" baseline="0" dirty="0" err="1" smtClean="0"/>
-              <a:t>väntade</a:t>
-            </a:r>
-            <a:r>
-              <a:rPr lang="en-US" baseline="0" dirty="0" smtClean="0"/>
-              <a:t> en </a:t>
-            </a:r>
-            <a:r>
-              <a:rPr lang="en-US" baseline="0" dirty="0" err="1" smtClean="0"/>
-              <a:t>stund</a:t>
-            </a:r>
-            <a:r>
-              <a:rPr lang="en-US" baseline="0" dirty="0" smtClean="0"/>
-              <a:t> </a:t>
-            </a:r>
-            <a:r>
-              <a:rPr lang="en-US" baseline="0" dirty="0" err="1" smtClean="0"/>
-              <a:t>mellan</a:t>
-            </a:r>
-            <a:r>
-              <a:rPr lang="en-US" baseline="0" dirty="0" smtClean="0"/>
-              <a:t> </a:t>
-            </a:r>
-            <a:r>
-              <a:rPr lang="en-US" baseline="0" dirty="0" err="1" smtClean="0"/>
-              <a:t>att</a:t>
-            </a:r>
-            <a:r>
-              <a:rPr lang="en-US" baseline="0" dirty="0" smtClean="0"/>
-              <a:t> </a:t>
-            </a:r>
-            <a:r>
-              <a:rPr lang="en-US" baseline="0" dirty="0" err="1" smtClean="0"/>
-              <a:t>starta</a:t>
-            </a:r>
-            <a:r>
-              <a:rPr lang="en-US" baseline="0" dirty="0" smtClean="0"/>
-              <a:t> </a:t>
-            </a:r>
-            <a:r>
-              <a:rPr lang="en-US" baseline="0" dirty="0" err="1" smtClean="0"/>
-              <a:t>varje</a:t>
-            </a:r>
-            <a:r>
-              <a:rPr lang="en-US" baseline="0" dirty="0" smtClean="0"/>
-              <a:t> runtime </a:t>
-            </a:r>
-            <a:r>
-              <a:rPr lang="en-US" baseline="0" dirty="0" err="1" smtClean="0"/>
-              <a:t>så</a:t>
-            </a:r>
-            <a:r>
-              <a:rPr lang="en-US" baseline="0" dirty="0" smtClean="0"/>
-              <a:t> </a:t>
-            </a:r>
-            <a:r>
-              <a:rPr lang="en-US" baseline="0" dirty="0" err="1" smtClean="0"/>
-              <a:t>skulle</a:t>
-            </a:r>
-            <a:r>
-              <a:rPr lang="en-US" baseline="0" dirty="0" smtClean="0"/>
-              <a:t> </a:t>
-            </a:r>
-            <a:r>
-              <a:rPr lang="en-US" baseline="0" dirty="0" err="1" smtClean="0"/>
-              <a:t>aldrig</a:t>
-            </a:r>
-            <a:r>
-              <a:rPr lang="en-US" baseline="0" dirty="0" smtClean="0"/>
-              <a:t> </a:t>
-            </a:r>
-            <a:r>
-              <a:rPr lang="en-US" baseline="0" dirty="0" err="1" smtClean="0"/>
-              <a:t>två</a:t>
-            </a:r>
-            <a:r>
-              <a:rPr lang="en-US" baseline="0" dirty="0" smtClean="0"/>
-              <a:t> runtimes </a:t>
-            </a:r>
-            <a:r>
-              <a:rPr lang="en-US" baseline="0" dirty="0" err="1" smtClean="0"/>
-              <a:t>dö</a:t>
-            </a:r>
-            <a:r>
-              <a:rPr lang="en-US" baseline="0" dirty="0" smtClean="0"/>
-              <a:t> </a:t>
-            </a:r>
-            <a:r>
-              <a:rPr lang="en-US" baseline="0" dirty="0" err="1" smtClean="0"/>
-              <a:t>samtidigt</a:t>
-            </a:r>
-            <a:r>
-              <a:rPr lang="en-US" baseline="0" dirty="0" smtClean="0"/>
-              <a:t>. </a:t>
-            </a:r>
-            <a:r>
-              <a:rPr lang="en-US" baseline="0" dirty="0" err="1" smtClean="0"/>
-              <a:t>Därför</a:t>
-            </a:r>
-            <a:r>
-              <a:rPr lang="en-US" baseline="0" dirty="0" smtClean="0"/>
-              <a:t> </a:t>
-            </a:r>
-            <a:r>
-              <a:rPr lang="en-US" baseline="0" dirty="0" err="1" smtClean="0"/>
-              <a:t>valde</a:t>
-            </a:r>
-            <a:r>
-              <a:rPr lang="en-US" baseline="0" dirty="0" smtClean="0"/>
-              <a:t> vi </a:t>
-            </a:r>
-            <a:r>
-              <a:rPr lang="en-US" baseline="0" dirty="0" err="1" smtClean="0"/>
-              <a:t>att</a:t>
-            </a:r>
-            <a:r>
-              <a:rPr lang="en-US" baseline="0" dirty="0" smtClean="0"/>
-              <a:t> </a:t>
-            </a:r>
-            <a:r>
-              <a:rPr lang="en-US" baseline="0" dirty="0" err="1" smtClean="0"/>
-              <a:t>använda</a:t>
-            </a:r>
-            <a:r>
-              <a:rPr lang="en-US" baseline="0" dirty="0" smtClean="0"/>
-              <a:t> </a:t>
-            </a:r>
-            <a:r>
-              <a:rPr lang="en-US" baseline="0" dirty="0" err="1" smtClean="0"/>
-              <a:t>en</a:t>
-            </a:r>
-            <a:r>
-              <a:rPr lang="en-US" baseline="0" dirty="0" smtClean="0"/>
-              <a:t> </a:t>
-            </a:r>
-            <a:r>
-              <a:rPr lang="en-US" baseline="0" dirty="0" err="1" smtClean="0"/>
-              <a:t>normalfördelning</a:t>
-            </a:r>
-            <a:r>
-              <a:rPr lang="en-US" baseline="0" dirty="0" smtClean="0"/>
-              <a:t> </a:t>
-            </a:r>
-            <a:r>
-              <a:rPr lang="en-US" baseline="0" dirty="0" err="1" smtClean="0"/>
-              <a:t>för</a:t>
-            </a:r>
-            <a:r>
-              <a:rPr lang="en-US" baseline="0" dirty="0" smtClean="0"/>
-              <a:t> MTBF </a:t>
-            </a:r>
-            <a:r>
-              <a:rPr lang="en-US" baseline="0" dirty="0" err="1" smtClean="0"/>
-              <a:t>som</a:t>
-            </a:r>
-            <a:r>
-              <a:rPr lang="en-US" baseline="0" dirty="0" smtClean="0"/>
-              <a:t> I </a:t>
-            </a:r>
-            <a:r>
-              <a:rPr lang="en-US" baseline="0" dirty="0" err="1" smtClean="0"/>
-              <a:t>längden</a:t>
-            </a:r>
-            <a:r>
-              <a:rPr lang="en-US" baseline="0" dirty="0" smtClean="0"/>
-              <a:t> </a:t>
-            </a:r>
-            <a:r>
-              <a:rPr lang="en-US" baseline="0" dirty="0" err="1" smtClean="0"/>
-              <a:t>gav</a:t>
-            </a:r>
-            <a:r>
-              <a:rPr lang="en-US" baseline="0" dirty="0" smtClean="0"/>
-              <a:t> en </a:t>
-            </a:r>
-            <a:r>
-              <a:rPr lang="en-US" baseline="0" dirty="0" err="1" smtClean="0"/>
-              <a:t>viss</a:t>
-            </a:r>
-            <a:r>
-              <a:rPr lang="en-US" baseline="0" dirty="0" smtClean="0"/>
-              <a:t> MTBF.</a:t>
-            </a:r>
           </a:p>
         </p:txBody>
       </p:sp>
@@ -15602,6 +14914,815 @@
     </p:spTree>
     <p:extLst>
       <p:ext uri="{BB962C8B-B14F-4D97-AF65-F5344CB8AC3E}">
+        <p14:creationId xmlns:p14="http://schemas.microsoft.com/office/powerpoint/2010/main" val="856999456"/>
+      </p:ext>
+    </p:extLst>
+  </p:cSld>
+  <p:clrMapOvr>
+    <a:masterClrMapping/>
+  </p:clrMapOvr>
+</p:notes>
+</file>
+
+<file path=ppt/notesSlides/notesSlide46.xml><?xml version="1.0" encoding="utf-8"?>
+<p:notes xmlns:a="http://schemas.openxmlformats.org/drawingml/2006/main" xmlns:r="http://schemas.openxmlformats.org/officeDocument/2006/relationships" xmlns:p="http://schemas.openxmlformats.org/presentationml/2006/main">
+  <p:cSld>
+    <p:spTree>
+      <p:nvGrpSpPr>
+        <p:cNvPr id="1" name=""/>
+        <p:cNvGrpSpPr/>
+        <p:nvPr/>
+      </p:nvGrpSpPr>
+      <p:grpSpPr>
+        <a:xfrm>
+          <a:off x="0" y="0"/>
+          <a:ext cx="0" cy="0"/>
+          <a:chOff x="0" y="0"/>
+          <a:chExt cx="0" cy="0"/>
+        </a:xfrm>
+      </p:grpSpPr>
+      <p:sp>
+        <p:nvSpPr>
+          <p:cNvPr id="2" name="Slide Image Placeholder 1"/>
+          <p:cNvSpPr>
+            <a:spLocks noGrp="1" noRot="1" noChangeAspect="1"/>
+          </p:cNvSpPr>
+          <p:nvPr>
+            <p:ph type="sldImg"/>
+          </p:nvPr>
+        </p:nvSpPr>
+        <p:spPr/>
+      </p:sp>
+      <p:sp>
+        <p:nvSpPr>
+          <p:cNvPr id="3" name="Notes Placeholder 2"/>
+          <p:cNvSpPr>
+            <a:spLocks noGrp="1"/>
+          </p:cNvSpPr>
+          <p:nvPr>
+            <p:ph type="body" idx="1"/>
+          </p:nvPr>
+        </p:nvSpPr>
+        <p:spPr/>
+        <p:txBody>
+          <a:bodyPr/>
+          <a:lstStyle/>
+          <a:p>
+            <a:r>
+              <a:rPr lang="en-US" dirty="0" err="1" smtClean="0"/>
+              <a:t>Så</a:t>
+            </a:r>
+            <a:r>
+              <a:rPr lang="en-US" dirty="0" smtClean="0"/>
+              <a:t> </a:t>
+            </a:r>
+            <a:r>
+              <a:rPr lang="en-US" dirty="0" err="1" smtClean="0"/>
+              <a:t>här</a:t>
+            </a:r>
+            <a:r>
+              <a:rPr lang="en-US" baseline="0" dirty="0" smtClean="0"/>
+              <a:t> </a:t>
+            </a:r>
+            <a:r>
+              <a:rPr lang="en-US" baseline="0" dirty="0" err="1" smtClean="0"/>
+              <a:t>simulerades</a:t>
+            </a:r>
+            <a:r>
+              <a:rPr lang="en-US" baseline="0" dirty="0" smtClean="0"/>
+              <a:t> </a:t>
+            </a:r>
+            <a:r>
+              <a:rPr lang="en-US" baseline="0" dirty="0" err="1" smtClean="0"/>
+              <a:t>nodfel</a:t>
+            </a:r>
+            <a:r>
+              <a:rPr lang="en-US" baseline="0" dirty="0" smtClean="0"/>
+              <a:t>.</a:t>
+            </a:r>
+          </a:p>
+          <a:p>
+            <a:endParaRPr lang="en-US" baseline="0" dirty="0" smtClean="0"/>
+          </a:p>
+          <a:p>
+            <a:r>
+              <a:rPr lang="en-US" baseline="0" dirty="0" smtClean="0"/>
+              <a:t>En nod </a:t>
+            </a:r>
+            <a:r>
+              <a:rPr lang="en-US" baseline="0" dirty="0" err="1" smtClean="0"/>
+              <a:t>gavs</a:t>
+            </a:r>
+            <a:r>
+              <a:rPr lang="en-US" baseline="0" dirty="0" smtClean="0"/>
+              <a:t> en MTBF </a:t>
+            </a:r>
+            <a:r>
+              <a:rPr lang="en-US" baseline="0" dirty="0" err="1" smtClean="0"/>
+              <a:t>och</a:t>
+            </a:r>
+            <a:r>
+              <a:rPr lang="en-US" baseline="0" dirty="0" smtClean="0"/>
+              <a:t> </a:t>
+            </a:r>
+            <a:r>
+              <a:rPr lang="en-US" baseline="0" dirty="0" err="1" smtClean="0"/>
+              <a:t>ett</a:t>
+            </a:r>
+            <a:r>
+              <a:rPr lang="en-US" baseline="0" dirty="0" smtClean="0"/>
+              <a:t> runtime </a:t>
+            </a:r>
+            <a:r>
+              <a:rPr lang="en-US" baseline="0" dirty="0" err="1" smtClean="0"/>
+              <a:t>startades</a:t>
+            </a:r>
+            <a:r>
+              <a:rPr lang="en-US" baseline="0" dirty="0" smtClean="0"/>
+              <a:t>. </a:t>
+            </a:r>
+          </a:p>
+          <a:p>
+            <a:endParaRPr lang="en-US" baseline="0" dirty="0" smtClean="0"/>
+          </a:p>
+          <a:p>
+            <a:r>
+              <a:rPr lang="en-US" baseline="0" dirty="0" smtClean="0"/>
+              <a:t>Sedan </a:t>
+            </a:r>
+            <a:r>
+              <a:rPr lang="en-US" baseline="0" dirty="0" err="1" smtClean="0"/>
+              <a:t>plockades</a:t>
+            </a:r>
+            <a:r>
+              <a:rPr lang="en-US" baseline="0" dirty="0" smtClean="0"/>
+              <a:t> </a:t>
+            </a:r>
+            <a:r>
+              <a:rPr lang="en-US" baseline="0" dirty="0" err="1" smtClean="0"/>
+              <a:t>ett</a:t>
+            </a:r>
+            <a:r>
+              <a:rPr lang="en-US" baseline="0" dirty="0" smtClean="0"/>
+              <a:t> random </a:t>
+            </a:r>
+            <a:r>
+              <a:rPr lang="en-US" baseline="0" dirty="0" err="1" smtClean="0"/>
+              <a:t>värde</a:t>
+            </a:r>
+            <a:r>
+              <a:rPr lang="en-US" baseline="0" dirty="0" smtClean="0"/>
+              <a:t> ur </a:t>
+            </a:r>
+            <a:r>
+              <a:rPr lang="en-US" baseline="0" dirty="0" err="1" smtClean="0"/>
+              <a:t>en</a:t>
+            </a:r>
+            <a:r>
+              <a:rPr lang="en-US" baseline="0" dirty="0" smtClean="0"/>
+              <a:t> </a:t>
+            </a:r>
+            <a:r>
+              <a:rPr lang="en-US" baseline="0" dirty="0" err="1" smtClean="0"/>
+              <a:t>normalfördelning</a:t>
+            </a:r>
+            <a:r>
+              <a:rPr lang="en-US" baseline="0" dirty="0" smtClean="0"/>
+              <a:t> med </a:t>
+            </a:r>
+            <a:r>
+              <a:rPr lang="en-US" baseline="0" dirty="0" err="1" smtClean="0"/>
+              <a:t>medelvärde</a:t>
+            </a:r>
+            <a:r>
+              <a:rPr lang="en-US" baseline="0" dirty="0" smtClean="0"/>
+              <a:t> MTBF </a:t>
+            </a:r>
+            <a:r>
+              <a:rPr lang="en-US" baseline="0" dirty="0" err="1" smtClean="0"/>
+              <a:t>och</a:t>
+            </a:r>
+            <a:r>
+              <a:rPr lang="en-US" baseline="0" dirty="0" smtClean="0"/>
+              <a:t> </a:t>
+            </a:r>
+            <a:r>
+              <a:rPr lang="en-US" baseline="0" dirty="0" err="1" smtClean="0"/>
+              <a:t>standardavvikelse</a:t>
+            </a:r>
+            <a:r>
+              <a:rPr lang="en-US" baseline="0" dirty="0" smtClean="0"/>
+              <a:t> </a:t>
+            </a:r>
+            <a:r>
+              <a:rPr lang="en-US" baseline="0" dirty="0" err="1" smtClean="0"/>
+              <a:t>på</a:t>
+            </a:r>
+            <a:r>
+              <a:rPr lang="en-US" baseline="0" dirty="0" smtClean="0"/>
+              <a:t> 1 </a:t>
+            </a:r>
+            <a:r>
+              <a:rPr lang="en-US" baseline="0" dirty="0" err="1" smtClean="0"/>
+              <a:t>och</a:t>
+            </a:r>
+            <a:r>
+              <a:rPr lang="en-US" baseline="0" dirty="0" smtClean="0"/>
+              <a:t> </a:t>
+            </a:r>
+            <a:r>
+              <a:rPr lang="en-US" baseline="0" dirty="0" err="1" smtClean="0"/>
+              <a:t>sov</a:t>
+            </a:r>
+            <a:r>
+              <a:rPr lang="en-US" baseline="0" dirty="0" smtClean="0"/>
+              <a:t> den </a:t>
+            </a:r>
+            <a:r>
+              <a:rPr lang="en-US" baseline="0" dirty="0" err="1" smtClean="0"/>
+              <a:t>tiden</a:t>
+            </a:r>
+            <a:r>
+              <a:rPr lang="en-US" baseline="0" dirty="0" smtClean="0"/>
+              <a:t> </a:t>
+            </a:r>
+            <a:r>
+              <a:rPr lang="en-US" baseline="0" dirty="0" err="1" smtClean="0"/>
+              <a:t>innan</a:t>
+            </a:r>
+            <a:r>
+              <a:rPr lang="en-US" baseline="0" dirty="0" smtClean="0"/>
+              <a:t> </a:t>
+            </a:r>
+            <a:r>
+              <a:rPr lang="en-US" baseline="0" dirty="0" err="1" smtClean="0"/>
+              <a:t>runtimet</a:t>
+            </a:r>
+            <a:r>
+              <a:rPr lang="en-US" baseline="0" dirty="0" smtClean="0"/>
+              <a:t> </a:t>
+            </a:r>
+            <a:r>
+              <a:rPr lang="en-US" baseline="0" dirty="0" err="1" smtClean="0"/>
+              <a:t>dödades</a:t>
+            </a:r>
+            <a:r>
+              <a:rPr lang="en-US" baseline="0" dirty="0" smtClean="0"/>
+              <a:t> </a:t>
+            </a:r>
+            <a:r>
+              <a:rPr lang="en-US" baseline="0" dirty="0" err="1" smtClean="0"/>
+              <a:t>och</a:t>
+            </a:r>
+            <a:r>
+              <a:rPr lang="en-US" baseline="0" dirty="0" smtClean="0"/>
+              <a:t> </a:t>
+            </a:r>
+            <a:r>
+              <a:rPr lang="en-US" baseline="0" dirty="0" err="1" smtClean="0"/>
+              <a:t>startades</a:t>
+            </a:r>
+            <a:r>
+              <a:rPr lang="en-US" baseline="0" dirty="0" smtClean="0"/>
+              <a:t> </a:t>
+            </a:r>
+            <a:r>
+              <a:rPr lang="en-US" baseline="0" dirty="0" err="1" smtClean="0"/>
+              <a:t>om.</a:t>
+            </a:r>
+            <a:endParaRPr lang="en-US" baseline="0" dirty="0" smtClean="0"/>
+          </a:p>
+          <a:p>
+            <a:endParaRPr lang="en-US" baseline="0" dirty="0" smtClean="0"/>
+          </a:p>
+          <a:p>
+            <a:r>
+              <a:rPr lang="en-US" baseline="0" dirty="0" err="1" smtClean="0"/>
+              <a:t>Detta</a:t>
+            </a:r>
+            <a:r>
+              <a:rPr lang="en-US" baseline="0" dirty="0" smtClean="0"/>
+              <a:t> </a:t>
+            </a:r>
+            <a:r>
+              <a:rPr lang="en-US" baseline="0" dirty="0" err="1" smtClean="0"/>
+              <a:t>resulterat</a:t>
+            </a:r>
+            <a:r>
+              <a:rPr lang="en-US" baseline="0" dirty="0" smtClean="0"/>
+              <a:t> </a:t>
+            </a:r>
+            <a:r>
+              <a:rPr lang="en-US" baseline="0" dirty="0" err="1" smtClean="0"/>
+              <a:t>i</a:t>
+            </a:r>
+            <a:r>
+              <a:rPr lang="en-US" baseline="0" dirty="0" smtClean="0"/>
+              <a:t> </a:t>
+            </a:r>
+            <a:r>
+              <a:rPr lang="en-US" baseline="0" dirty="0" err="1" smtClean="0"/>
+              <a:t>att</a:t>
+            </a:r>
+            <a:r>
+              <a:rPr lang="en-US" baseline="0" dirty="0" smtClean="0"/>
+              <a:t> </a:t>
+            </a:r>
+            <a:r>
+              <a:rPr lang="en-US" baseline="0" dirty="0" err="1" smtClean="0"/>
+              <a:t>även</a:t>
+            </a:r>
+            <a:r>
+              <a:rPr lang="en-US" baseline="0" dirty="0" smtClean="0"/>
+              <a:t> om </a:t>
+            </a:r>
+            <a:r>
+              <a:rPr lang="en-US" baseline="0" dirty="0" err="1" smtClean="0"/>
+              <a:t>två</a:t>
+            </a:r>
+            <a:r>
+              <a:rPr lang="en-US" baseline="0" dirty="0" smtClean="0"/>
+              <a:t> </a:t>
+            </a:r>
+            <a:r>
+              <a:rPr lang="en-US" baseline="0" dirty="0" err="1" smtClean="0"/>
+              <a:t>noder</a:t>
+            </a:r>
+            <a:r>
+              <a:rPr lang="en-US" baseline="0" dirty="0" smtClean="0"/>
+              <a:t> </a:t>
+            </a:r>
+            <a:r>
+              <a:rPr lang="en-US" baseline="0" dirty="0" err="1" smtClean="0"/>
+              <a:t>gavs</a:t>
+            </a:r>
+            <a:r>
+              <a:rPr lang="en-US" baseline="0" dirty="0" smtClean="0"/>
+              <a:t> “</a:t>
+            </a:r>
+            <a:r>
+              <a:rPr lang="en-US" baseline="0" dirty="0" err="1" smtClean="0"/>
+              <a:t>samma</a:t>
+            </a:r>
+            <a:r>
+              <a:rPr lang="en-US" baseline="0" dirty="0" smtClean="0"/>
+              <a:t>” MTBF, </a:t>
+            </a:r>
+            <a:r>
+              <a:rPr lang="en-US" baseline="0" dirty="0" err="1" smtClean="0"/>
+              <a:t>så</a:t>
+            </a:r>
+            <a:r>
+              <a:rPr lang="en-US" baseline="0" dirty="0" smtClean="0"/>
+              <a:t> hade de I </a:t>
+            </a:r>
+            <a:r>
+              <a:rPr lang="en-US" baseline="0" dirty="0" err="1" smtClean="0"/>
+              <a:t>slutändan</a:t>
+            </a:r>
+            <a:r>
+              <a:rPr lang="en-US" baseline="0" dirty="0" smtClean="0"/>
+              <a:t> lite </a:t>
+            </a:r>
+            <a:r>
+              <a:rPr lang="en-US" baseline="0" dirty="0" err="1" smtClean="0"/>
+              <a:t>olika</a:t>
+            </a:r>
+            <a:r>
+              <a:rPr lang="en-US" baseline="0" dirty="0" smtClean="0"/>
+              <a:t> MTBF. </a:t>
+            </a:r>
+          </a:p>
+          <a:p>
+            <a:r>
+              <a:rPr lang="en-US" baseline="0" dirty="0" err="1" smtClean="0"/>
+              <a:t>Anledningen</a:t>
+            </a:r>
+            <a:r>
+              <a:rPr lang="en-US" baseline="0" dirty="0" smtClean="0"/>
+              <a:t> till </a:t>
+            </a:r>
+            <a:r>
+              <a:rPr lang="en-US" baseline="0" dirty="0" err="1" smtClean="0"/>
+              <a:t>att</a:t>
+            </a:r>
+            <a:r>
+              <a:rPr lang="en-US" baseline="0" dirty="0" smtClean="0"/>
+              <a:t> </a:t>
+            </a:r>
+            <a:r>
+              <a:rPr lang="en-US" baseline="0" dirty="0" err="1" smtClean="0"/>
+              <a:t>göra</a:t>
+            </a:r>
+            <a:r>
+              <a:rPr lang="en-US" baseline="0" dirty="0" smtClean="0"/>
+              <a:t> </a:t>
+            </a:r>
+            <a:r>
+              <a:rPr lang="en-US" baseline="0" dirty="0" err="1" smtClean="0"/>
+              <a:t>på</a:t>
+            </a:r>
+            <a:r>
+              <a:rPr lang="en-US" baseline="0" dirty="0" smtClean="0"/>
+              <a:t> </a:t>
+            </a:r>
+            <a:r>
+              <a:rPr lang="en-US" baseline="0" dirty="0" err="1" smtClean="0"/>
+              <a:t>detta</a:t>
+            </a:r>
+            <a:r>
+              <a:rPr lang="en-US" baseline="0" dirty="0" smtClean="0"/>
+              <a:t> </a:t>
+            </a:r>
+            <a:r>
+              <a:rPr lang="en-US" baseline="0" dirty="0" err="1" smtClean="0"/>
+              <a:t>sättet</a:t>
+            </a:r>
+            <a:r>
+              <a:rPr lang="en-US" baseline="0" dirty="0" smtClean="0"/>
+              <a:t> </a:t>
+            </a:r>
+            <a:r>
+              <a:rPr lang="en-US" baseline="0" dirty="0" err="1" smtClean="0"/>
+              <a:t>är</a:t>
+            </a:r>
+            <a:r>
+              <a:rPr lang="en-US" baseline="0" dirty="0" smtClean="0"/>
+              <a:t> </a:t>
+            </a:r>
+            <a:r>
+              <a:rPr lang="en-US" baseline="0" dirty="0" err="1" smtClean="0"/>
+              <a:t>för</a:t>
+            </a:r>
+            <a:r>
+              <a:rPr lang="en-US" baseline="0" dirty="0" smtClean="0"/>
+              <a:t> </a:t>
+            </a:r>
+            <a:r>
+              <a:rPr lang="en-US" baseline="0" dirty="0" err="1" smtClean="0"/>
+              <a:t>att</a:t>
+            </a:r>
+            <a:r>
+              <a:rPr lang="en-US" baseline="0" dirty="0" smtClean="0"/>
+              <a:t> om vi </a:t>
+            </a:r>
+            <a:r>
+              <a:rPr lang="en-US" baseline="0" dirty="0" err="1" smtClean="0"/>
+              <a:t>skulle</a:t>
+            </a:r>
+            <a:r>
+              <a:rPr lang="en-US" baseline="0" dirty="0" smtClean="0"/>
+              <a:t> </a:t>
+            </a:r>
+            <a:r>
+              <a:rPr lang="en-US" baseline="0" dirty="0" err="1" smtClean="0"/>
+              <a:t>gett</a:t>
+            </a:r>
+            <a:r>
+              <a:rPr lang="en-US" baseline="0" dirty="0" smtClean="0"/>
+              <a:t> </a:t>
+            </a:r>
+            <a:r>
+              <a:rPr lang="en-US" baseline="0" dirty="0" err="1" smtClean="0"/>
+              <a:t>alla</a:t>
+            </a:r>
+            <a:r>
+              <a:rPr lang="en-US" baseline="0" dirty="0" smtClean="0"/>
+              <a:t> </a:t>
+            </a:r>
+            <a:r>
+              <a:rPr lang="en-US" baseline="0" dirty="0" err="1" smtClean="0"/>
+              <a:t>runtimesen</a:t>
+            </a:r>
+            <a:r>
+              <a:rPr lang="en-US" baseline="0" dirty="0" smtClean="0"/>
+              <a:t> </a:t>
+            </a:r>
+            <a:r>
+              <a:rPr lang="en-US" baseline="0" dirty="0" err="1" smtClean="0"/>
+              <a:t>samma</a:t>
+            </a:r>
+            <a:r>
+              <a:rPr lang="en-US" baseline="0" dirty="0" smtClean="0"/>
+              <a:t> MTBF </a:t>
+            </a:r>
+            <a:r>
+              <a:rPr lang="en-US" baseline="0" dirty="0" err="1" smtClean="0"/>
+              <a:t>och</a:t>
+            </a:r>
+            <a:r>
+              <a:rPr lang="en-US" baseline="0" dirty="0" smtClean="0"/>
+              <a:t> de </a:t>
+            </a:r>
+            <a:r>
+              <a:rPr lang="en-US" baseline="0" dirty="0" err="1" smtClean="0"/>
+              <a:t>sov</a:t>
+            </a:r>
+            <a:r>
+              <a:rPr lang="en-US" baseline="0" dirty="0" smtClean="0"/>
+              <a:t> </a:t>
+            </a:r>
+            <a:r>
+              <a:rPr lang="en-US" baseline="0" dirty="0" err="1" smtClean="0"/>
+              <a:t>exakt</a:t>
+            </a:r>
+            <a:r>
+              <a:rPr lang="en-US" baseline="0" dirty="0" smtClean="0"/>
+              <a:t> </a:t>
+            </a:r>
+            <a:r>
+              <a:rPr lang="en-US" baseline="0" dirty="0" err="1" smtClean="0"/>
+              <a:t>lika</a:t>
+            </a:r>
+            <a:r>
+              <a:rPr lang="en-US" baseline="0" dirty="0" smtClean="0"/>
+              <a:t> </a:t>
+            </a:r>
+            <a:r>
+              <a:rPr lang="en-US" baseline="0" dirty="0" err="1" smtClean="0"/>
+              <a:t>länge</a:t>
+            </a:r>
+            <a:r>
+              <a:rPr lang="en-US" baseline="0" dirty="0" smtClean="0"/>
+              <a:t> </a:t>
+            </a:r>
+            <a:r>
+              <a:rPr lang="en-US" baseline="0" dirty="0" err="1" smtClean="0"/>
+              <a:t>varje</a:t>
+            </a:r>
+            <a:r>
+              <a:rPr lang="en-US" baseline="0" dirty="0" smtClean="0"/>
+              <a:t> </a:t>
+            </a:r>
+            <a:r>
+              <a:rPr lang="en-US" baseline="0" dirty="0" err="1" smtClean="0"/>
+              <a:t>gång</a:t>
+            </a:r>
+            <a:r>
+              <a:rPr lang="en-US" baseline="0" dirty="0" smtClean="0"/>
+              <a:t> </a:t>
+            </a:r>
+            <a:r>
+              <a:rPr lang="en-US" baseline="0" dirty="0" err="1" smtClean="0"/>
+              <a:t>så</a:t>
+            </a:r>
+            <a:r>
+              <a:rPr lang="en-US" baseline="0" dirty="0" smtClean="0"/>
+              <a:t> </a:t>
+            </a:r>
+            <a:r>
+              <a:rPr lang="en-US" baseline="0" dirty="0" err="1" smtClean="0"/>
+              <a:t>skulle</a:t>
+            </a:r>
+            <a:r>
+              <a:rPr lang="en-US" baseline="0" dirty="0" smtClean="0"/>
+              <a:t> </a:t>
+            </a:r>
+            <a:r>
+              <a:rPr lang="en-US" baseline="0" dirty="0" err="1" smtClean="0"/>
+              <a:t>alla</a:t>
+            </a:r>
+            <a:r>
+              <a:rPr lang="en-US" baseline="0" dirty="0" smtClean="0"/>
+              <a:t> </a:t>
+            </a:r>
+            <a:r>
+              <a:rPr lang="en-US" baseline="0" dirty="0" err="1" smtClean="0"/>
+              <a:t>dö</a:t>
+            </a:r>
+            <a:r>
+              <a:rPr lang="en-US" baseline="0" dirty="0" smtClean="0"/>
+              <a:t> </a:t>
+            </a:r>
+            <a:r>
+              <a:rPr lang="en-US" baseline="0" dirty="0" err="1" smtClean="0"/>
+              <a:t>samtidigt</a:t>
+            </a:r>
+            <a:r>
+              <a:rPr lang="en-US" baseline="0" dirty="0" smtClean="0"/>
+              <a:t> </a:t>
+            </a:r>
+            <a:r>
+              <a:rPr lang="en-US" baseline="0" dirty="0" err="1" smtClean="0"/>
+              <a:t>och</a:t>
+            </a:r>
+            <a:r>
+              <a:rPr lang="en-US" baseline="0" dirty="0" smtClean="0"/>
+              <a:t> om vi </a:t>
+            </a:r>
+            <a:r>
+              <a:rPr lang="en-US" baseline="0" dirty="0" err="1" smtClean="0"/>
+              <a:t>väntade</a:t>
+            </a:r>
+            <a:r>
+              <a:rPr lang="en-US" baseline="0" dirty="0" smtClean="0"/>
+              <a:t> en </a:t>
+            </a:r>
+            <a:r>
+              <a:rPr lang="en-US" baseline="0" dirty="0" err="1" smtClean="0"/>
+              <a:t>stund</a:t>
+            </a:r>
+            <a:r>
+              <a:rPr lang="en-US" baseline="0" dirty="0" smtClean="0"/>
+              <a:t> </a:t>
+            </a:r>
+            <a:r>
+              <a:rPr lang="en-US" baseline="0" dirty="0" err="1" smtClean="0"/>
+              <a:t>mellan</a:t>
+            </a:r>
+            <a:r>
+              <a:rPr lang="en-US" baseline="0" dirty="0" smtClean="0"/>
+              <a:t> </a:t>
+            </a:r>
+            <a:r>
+              <a:rPr lang="en-US" baseline="0" dirty="0" err="1" smtClean="0"/>
+              <a:t>att</a:t>
+            </a:r>
+            <a:r>
+              <a:rPr lang="en-US" baseline="0" dirty="0" smtClean="0"/>
+              <a:t> </a:t>
+            </a:r>
+            <a:r>
+              <a:rPr lang="en-US" baseline="0" dirty="0" err="1" smtClean="0"/>
+              <a:t>starta</a:t>
+            </a:r>
+            <a:r>
+              <a:rPr lang="en-US" baseline="0" dirty="0" smtClean="0"/>
+              <a:t> </a:t>
+            </a:r>
+            <a:r>
+              <a:rPr lang="en-US" baseline="0" dirty="0" err="1" smtClean="0"/>
+              <a:t>varje</a:t>
+            </a:r>
+            <a:r>
+              <a:rPr lang="en-US" baseline="0" dirty="0" smtClean="0"/>
+              <a:t> runtime </a:t>
+            </a:r>
+            <a:r>
+              <a:rPr lang="en-US" baseline="0" dirty="0" err="1" smtClean="0"/>
+              <a:t>så</a:t>
+            </a:r>
+            <a:r>
+              <a:rPr lang="en-US" baseline="0" dirty="0" smtClean="0"/>
+              <a:t> </a:t>
+            </a:r>
+            <a:r>
+              <a:rPr lang="en-US" baseline="0" dirty="0" err="1" smtClean="0"/>
+              <a:t>skulle</a:t>
+            </a:r>
+            <a:r>
+              <a:rPr lang="en-US" baseline="0" dirty="0" smtClean="0"/>
+              <a:t> </a:t>
+            </a:r>
+            <a:r>
+              <a:rPr lang="en-US" baseline="0" dirty="0" err="1" smtClean="0"/>
+              <a:t>aldrig</a:t>
+            </a:r>
+            <a:r>
+              <a:rPr lang="en-US" baseline="0" dirty="0" smtClean="0"/>
+              <a:t> </a:t>
+            </a:r>
+            <a:r>
+              <a:rPr lang="en-US" baseline="0" dirty="0" err="1" smtClean="0"/>
+              <a:t>två</a:t>
+            </a:r>
+            <a:r>
+              <a:rPr lang="en-US" baseline="0" dirty="0" smtClean="0"/>
+              <a:t> runtimes </a:t>
+            </a:r>
+            <a:r>
+              <a:rPr lang="en-US" baseline="0" dirty="0" err="1" smtClean="0"/>
+              <a:t>dö</a:t>
+            </a:r>
+            <a:r>
+              <a:rPr lang="en-US" baseline="0" dirty="0" smtClean="0"/>
+              <a:t> </a:t>
+            </a:r>
+            <a:r>
+              <a:rPr lang="en-US" baseline="0" dirty="0" err="1" smtClean="0"/>
+              <a:t>samtidigt</a:t>
+            </a:r>
+            <a:r>
+              <a:rPr lang="en-US" baseline="0" dirty="0" smtClean="0"/>
+              <a:t>. </a:t>
+            </a:r>
+            <a:r>
+              <a:rPr lang="en-US" baseline="0" dirty="0" err="1" smtClean="0"/>
+              <a:t>Därför</a:t>
+            </a:r>
+            <a:r>
+              <a:rPr lang="en-US" baseline="0" dirty="0" smtClean="0"/>
+              <a:t> </a:t>
+            </a:r>
+            <a:r>
+              <a:rPr lang="en-US" baseline="0" dirty="0" err="1" smtClean="0"/>
+              <a:t>valde</a:t>
+            </a:r>
+            <a:r>
+              <a:rPr lang="en-US" baseline="0" dirty="0" smtClean="0"/>
+              <a:t> vi </a:t>
+            </a:r>
+            <a:r>
+              <a:rPr lang="en-US" baseline="0" dirty="0" err="1" smtClean="0"/>
+              <a:t>att</a:t>
+            </a:r>
+            <a:r>
+              <a:rPr lang="en-US" baseline="0" dirty="0" smtClean="0"/>
+              <a:t> </a:t>
+            </a:r>
+            <a:r>
+              <a:rPr lang="en-US" baseline="0" dirty="0" err="1" smtClean="0"/>
+              <a:t>använda</a:t>
+            </a:r>
+            <a:r>
+              <a:rPr lang="en-US" baseline="0" dirty="0" smtClean="0"/>
+              <a:t> </a:t>
+            </a:r>
+            <a:r>
+              <a:rPr lang="en-US" baseline="0" dirty="0" err="1" smtClean="0"/>
+              <a:t>en</a:t>
+            </a:r>
+            <a:r>
+              <a:rPr lang="en-US" baseline="0" dirty="0" smtClean="0"/>
+              <a:t> </a:t>
+            </a:r>
+            <a:r>
+              <a:rPr lang="en-US" baseline="0" dirty="0" err="1" smtClean="0"/>
+              <a:t>normalfördelning</a:t>
+            </a:r>
+            <a:r>
+              <a:rPr lang="en-US" baseline="0" dirty="0" smtClean="0"/>
+              <a:t> </a:t>
+            </a:r>
+            <a:r>
+              <a:rPr lang="en-US" baseline="0" dirty="0" err="1" smtClean="0"/>
+              <a:t>för</a:t>
+            </a:r>
+            <a:r>
+              <a:rPr lang="en-US" baseline="0" dirty="0" smtClean="0"/>
+              <a:t> MTBF </a:t>
+            </a:r>
+            <a:r>
+              <a:rPr lang="en-US" baseline="0" dirty="0" err="1" smtClean="0"/>
+              <a:t>som</a:t>
+            </a:r>
+            <a:r>
+              <a:rPr lang="en-US" baseline="0" dirty="0" smtClean="0"/>
+              <a:t> I </a:t>
+            </a:r>
+            <a:r>
+              <a:rPr lang="en-US" baseline="0" dirty="0" err="1" smtClean="0"/>
+              <a:t>längden</a:t>
+            </a:r>
+            <a:r>
+              <a:rPr lang="en-US" baseline="0" dirty="0" smtClean="0"/>
+              <a:t> </a:t>
+            </a:r>
+            <a:r>
+              <a:rPr lang="en-US" baseline="0" dirty="0" err="1" smtClean="0"/>
+              <a:t>gav</a:t>
+            </a:r>
+            <a:r>
+              <a:rPr lang="en-US" baseline="0" dirty="0" smtClean="0"/>
+              <a:t> en </a:t>
+            </a:r>
+            <a:r>
+              <a:rPr lang="en-US" baseline="0" dirty="0" err="1" smtClean="0"/>
+              <a:t>viss</a:t>
+            </a:r>
+            <a:r>
+              <a:rPr lang="en-US" baseline="0" dirty="0" smtClean="0"/>
+              <a:t> MTBF.</a:t>
+            </a:r>
+          </a:p>
+        </p:txBody>
+      </p:sp>
+      <p:sp>
+        <p:nvSpPr>
+          <p:cNvPr id="4" name="Slide Number Placeholder 3"/>
+          <p:cNvSpPr>
+            <a:spLocks noGrp="1"/>
+          </p:cNvSpPr>
+          <p:nvPr>
+            <p:ph type="sldNum" sz="quarter" idx="10"/>
+          </p:nvPr>
+        </p:nvSpPr>
+        <p:spPr/>
+        <p:txBody>
+          <a:bodyPr/>
+          <a:lstStyle/>
+          <a:p>
+            <a:fld id="{100650DF-8CBF-0341-B1F9-47D0C0CD302F}" type="slidenum">
+              <a:rPr lang="en-US" smtClean="0"/>
+              <a:t>46</a:t>
+            </a:fld>
+            <a:endParaRPr lang="en-US"/>
+          </a:p>
+        </p:txBody>
+      </p:sp>
+    </p:spTree>
+    <p:extLst>
+      <p:ext uri="{BB962C8B-B14F-4D97-AF65-F5344CB8AC3E}">
         <p14:creationId xmlns:p14="http://schemas.microsoft.com/office/powerpoint/2010/main" val="37810230"/>
       </p:ext>
     </p:extLst>
@@ -15612,7 +15733,7 @@
 </p:notes>
 </file>
 
-<file path=ppt/notesSlides/notesSlide46.xml><?xml version="1.0" encoding="utf-8"?>
+<file path=ppt/notesSlides/notesSlide47.xml><?xml version="1.0" encoding="utf-8"?>
 <p:notes xmlns:a="http://schemas.openxmlformats.org/drawingml/2006/main" xmlns:r="http://schemas.openxmlformats.org/officeDocument/2006/relationships" xmlns:p="http://schemas.openxmlformats.org/presentationml/2006/main">
   <p:cSld>
     <p:spTree>
@@ -15693,7 +15814,7 @@
           <a:p>
             <a:fld id="{100650DF-8CBF-0341-B1F9-47D0C0CD302F}" type="slidenum">
               <a:rPr lang="en-US" smtClean="0"/>
-              <a:t>46</a:t>
+              <a:t>47</a:t>
             </a:fld>
             <a:endParaRPr lang="en-US"/>
           </a:p>
@@ -15703,973 +15824,6 @@
     <p:extLst>
       <p:ext uri="{BB962C8B-B14F-4D97-AF65-F5344CB8AC3E}">
         <p14:creationId xmlns:p14="http://schemas.microsoft.com/office/powerpoint/2010/main" val="1680039306"/>
-      </p:ext>
-    </p:extLst>
-  </p:cSld>
-  <p:clrMapOvr>
-    <a:masterClrMapping/>
-  </p:clrMapOvr>
-</p:notes>
-</file>
-
-<file path=ppt/notesSlides/notesSlide47.xml><?xml version="1.0" encoding="utf-8"?>
-<p:notes xmlns:a="http://schemas.openxmlformats.org/drawingml/2006/main" xmlns:r="http://schemas.openxmlformats.org/officeDocument/2006/relationships" xmlns:p="http://schemas.openxmlformats.org/presentationml/2006/main">
-  <p:cSld>
-    <p:spTree>
-      <p:nvGrpSpPr>
-        <p:cNvPr id="1" name=""/>
-        <p:cNvGrpSpPr/>
-        <p:nvPr/>
-      </p:nvGrpSpPr>
-      <p:grpSpPr>
-        <a:xfrm>
-          <a:off x="0" y="0"/>
-          <a:ext cx="0" cy="0"/>
-          <a:chOff x="0" y="0"/>
-          <a:chExt cx="0" cy="0"/>
-        </a:xfrm>
-      </p:grpSpPr>
-      <p:sp>
-        <p:nvSpPr>
-          <p:cNvPr id="2" name="Slide Image Placeholder 1"/>
-          <p:cNvSpPr>
-            <a:spLocks noGrp="1" noRot="1" noChangeAspect="1"/>
-          </p:cNvSpPr>
-          <p:nvPr>
-            <p:ph type="sldImg"/>
-          </p:nvPr>
-        </p:nvSpPr>
-        <p:spPr/>
-      </p:sp>
-      <p:sp>
-        <p:nvSpPr>
-          <p:cNvPr id="3" name="Notes Placeholder 2"/>
-          <p:cNvSpPr>
-            <a:spLocks noGrp="1"/>
-          </p:cNvSpPr>
-          <p:nvPr>
-            <p:ph type="body" idx="1"/>
-          </p:nvPr>
-        </p:nvSpPr>
-        <p:spPr/>
-        <p:txBody>
-          <a:bodyPr/>
-          <a:lstStyle/>
-          <a:p>
-            <a:r>
-              <a:rPr lang="en-US" dirty="0" err="1" smtClean="0"/>
-              <a:t>Alla</a:t>
-            </a:r>
-            <a:r>
-              <a:rPr lang="en-US" dirty="0" smtClean="0"/>
-              <a:t> </a:t>
-            </a:r>
-            <a:r>
-              <a:rPr lang="en-US" dirty="0" err="1" smtClean="0"/>
-              <a:t>värden</a:t>
-            </a:r>
-            <a:r>
-              <a:rPr lang="en-US" dirty="0" smtClean="0"/>
-              <a:t>,</a:t>
-            </a:r>
-            <a:r>
-              <a:rPr lang="en-US" baseline="0" dirty="0" smtClean="0"/>
-              <a:t> </a:t>
-            </a:r>
-            <a:r>
-              <a:rPr lang="en-US" baseline="0" dirty="0" err="1" smtClean="0"/>
-              <a:t>så</a:t>
-            </a:r>
-            <a:r>
-              <a:rPr lang="en-US" baseline="0" dirty="0" smtClean="0"/>
-              <a:t> </a:t>
-            </a:r>
-            <a:r>
-              <a:rPr lang="en-US" baseline="0" dirty="0" err="1" smtClean="0"/>
-              <a:t>som</a:t>
-            </a:r>
-            <a:r>
-              <a:rPr lang="en-US" baseline="0" dirty="0" smtClean="0"/>
-              <a:t> heartbeat timeout, default MTBF/</a:t>
-            </a:r>
-            <a:r>
-              <a:rPr lang="en-US" baseline="0" dirty="0" err="1" smtClean="0"/>
-              <a:t>repliceringstid</a:t>
-            </a:r>
-            <a:r>
-              <a:rPr lang="en-US" baseline="0" dirty="0" smtClean="0"/>
-              <a:t> </a:t>
-            </a:r>
-            <a:r>
-              <a:rPr lang="en-US" baseline="0" dirty="0" err="1" smtClean="0"/>
-              <a:t>valdes</a:t>
-            </a:r>
-            <a:r>
-              <a:rPr lang="en-US" baseline="0" dirty="0" smtClean="0"/>
-              <a:t> </a:t>
-            </a:r>
-            <a:r>
-              <a:rPr lang="en-US" baseline="0" dirty="0" err="1" smtClean="0"/>
-              <a:t>så</a:t>
-            </a:r>
-            <a:r>
-              <a:rPr lang="en-US" baseline="0" dirty="0" smtClean="0"/>
-              <a:t> </a:t>
-            </a:r>
-            <a:r>
-              <a:rPr lang="en-US" baseline="0" dirty="0" err="1" smtClean="0"/>
-              <a:t>att</a:t>
-            </a:r>
-            <a:r>
-              <a:rPr lang="en-US" baseline="0" dirty="0" smtClean="0"/>
-              <a:t> vi </a:t>
-            </a:r>
-            <a:r>
-              <a:rPr lang="en-US" baseline="0" dirty="0" err="1" smtClean="0"/>
-              <a:t>kunde</a:t>
-            </a:r>
-            <a:r>
-              <a:rPr lang="en-US" baseline="0" dirty="0" smtClean="0"/>
-              <a:t> </a:t>
-            </a:r>
-            <a:r>
-              <a:rPr lang="en-US" baseline="0" dirty="0" err="1" smtClean="0"/>
-              <a:t>köra</a:t>
-            </a:r>
-            <a:r>
-              <a:rPr lang="en-US" baseline="0" dirty="0" smtClean="0"/>
-              <a:t> </a:t>
-            </a:r>
-            <a:r>
-              <a:rPr lang="en-US" baseline="0" dirty="0" err="1" smtClean="0"/>
-              <a:t>experimenten</a:t>
-            </a:r>
-            <a:r>
-              <a:rPr lang="en-US" baseline="0" dirty="0" smtClean="0"/>
-              <a:t> under </a:t>
-            </a:r>
-            <a:r>
-              <a:rPr lang="en-US" baseline="0" dirty="0" err="1" smtClean="0"/>
-              <a:t>ett</a:t>
-            </a:r>
-            <a:r>
-              <a:rPr lang="en-US" baseline="0" dirty="0" smtClean="0"/>
-              <a:t> </a:t>
-            </a:r>
-            <a:r>
-              <a:rPr lang="en-US" baseline="0" dirty="0" err="1" smtClean="0"/>
-              <a:t>antal</a:t>
-            </a:r>
-            <a:r>
-              <a:rPr lang="en-US" baseline="0" dirty="0" smtClean="0"/>
-              <a:t> </a:t>
-            </a:r>
-            <a:r>
-              <a:rPr lang="en-US" baseline="0" dirty="0" err="1" smtClean="0"/>
-              <a:t>minuter</a:t>
-            </a:r>
-            <a:r>
-              <a:rPr lang="en-US" baseline="0" dirty="0" smtClean="0"/>
-              <a:t> </a:t>
-            </a:r>
-            <a:r>
-              <a:rPr lang="en-US" baseline="0" dirty="0" err="1" smtClean="0"/>
-              <a:t>och</a:t>
-            </a:r>
-            <a:r>
-              <a:rPr lang="en-US" baseline="0" dirty="0" smtClean="0"/>
-              <a:t> </a:t>
-            </a:r>
-            <a:r>
-              <a:rPr lang="en-US" baseline="0" dirty="0" err="1" smtClean="0"/>
-              <a:t>ändå</a:t>
-            </a:r>
-            <a:r>
-              <a:rPr lang="en-US" baseline="0" dirty="0" smtClean="0"/>
-              <a:t> </a:t>
-            </a:r>
-            <a:r>
-              <a:rPr lang="en-US" baseline="0" dirty="0" err="1" smtClean="0"/>
-              <a:t>få</a:t>
-            </a:r>
-            <a:r>
-              <a:rPr lang="en-US" baseline="0" dirty="0" smtClean="0"/>
-              <a:t> en del </a:t>
-            </a:r>
-            <a:r>
-              <a:rPr lang="en-US" baseline="0" dirty="0" err="1" smtClean="0"/>
-              <a:t>fel</a:t>
-            </a:r>
-            <a:r>
-              <a:rPr lang="en-US" baseline="0" dirty="0" smtClean="0"/>
-              <a:t>.</a:t>
-            </a:r>
-          </a:p>
-          <a:p>
-            <a:endParaRPr lang="en-US" baseline="0" dirty="0" smtClean="0"/>
-          </a:p>
-          <a:p>
-            <a:r>
-              <a:rPr lang="en-US" baseline="0" dirty="0" err="1" smtClean="0"/>
-              <a:t>Vår</a:t>
-            </a:r>
-            <a:r>
-              <a:rPr lang="en-US" baseline="0" dirty="0" smtClean="0"/>
-              <a:t> </a:t>
-            </a:r>
-            <a:r>
-              <a:rPr lang="en-US" baseline="0" dirty="0" err="1" smtClean="0"/>
-              <a:t>modell</a:t>
-            </a:r>
-            <a:r>
-              <a:rPr lang="en-US" baseline="0" dirty="0" smtClean="0"/>
-              <a:t> </a:t>
-            </a:r>
-            <a:r>
-              <a:rPr lang="en-US" baseline="0" dirty="0" err="1" smtClean="0"/>
-              <a:t>använder</a:t>
-            </a:r>
-            <a:r>
-              <a:rPr lang="en-US" baseline="0" dirty="0" smtClean="0"/>
-              <a:t> </a:t>
-            </a:r>
-            <a:r>
-              <a:rPr lang="en-US" baseline="0" dirty="0" err="1" smtClean="0"/>
-              <a:t>en</a:t>
-            </a:r>
-            <a:r>
-              <a:rPr lang="en-US" baseline="0" dirty="0" smtClean="0"/>
-              <a:t> </a:t>
-            </a:r>
-            <a:r>
-              <a:rPr lang="en-US" baseline="0" dirty="0" err="1" smtClean="0"/>
-              <a:t>relativt</a:t>
-            </a:r>
-            <a:r>
-              <a:rPr lang="en-US" baseline="0" dirty="0" smtClean="0"/>
-              <a:t> </a:t>
-            </a:r>
-            <a:r>
-              <a:rPr lang="en-US" baseline="0" dirty="0" err="1" smtClean="0"/>
-              <a:t>enkel</a:t>
-            </a:r>
-            <a:r>
-              <a:rPr lang="en-US" baseline="0" dirty="0" smtClean="0"/>
-              <a:t> </a:t>
-            </a:r>
-            <a:r>
-              <a:rPr lang="en-US" baseline="0" dirty="0" err="1" smtClean="0"/>
-              <a:t>tillförlitlighetsmodell</a:t>
-            </a:r>
-            <a:r>
-              <a:rPr lang="en-US" baseline="0" dirty="0" smtClean="0"/>
-              <a:t>. Den </a:t>
-            </a:r>
-            <a:r>
-              <a:rPr lang="en-US" baseline="0" dirty="0" err="1" smtClean="0"/>
-              <a:t>är</a:t>
-            </a:r>
-            <a:r>
-              <a:rPr lang="en-US" baseline="0" dirty="0" smtClean="0"/>
-              <a:t> </a:t>
-            </a:r>
-            <a:r>
-              <a:rPr lang="en-US" baseline="0" dirty="0" err="1" smtClean="0"/>
-              <a:t>begränsad</a:t>
-            </a:r>
-            <a:r>
-              <a:rPr lang="en-US" baseline="0" dirty="0" smtClean="0"/>
-              <a:t> </a:t>
-            </a:r>
-            <a:r>
-              <a:rPr lang="en-US" baseline="0" dirty="0" err="1" smtClean="0"/>
-              <a:t>i</a:t>
-            </a:r>
-            <a:r>
-              <a:rPr lang="en-US" baseline="0" dirty="0" smtClean="0"/>
-              <a:t> </a:t>
-            </a:r>
-            <a:r>
-              <a:rPr lang="en-US" baseline="0" dirty="0" err="1" smtClean="0"/>
-              <a:t>det</a:t>
-            </a:r>
-            <a:r>
-              <a:rPr lang="en-US" baseline="0" dirty="0" smtClean="0"/>
-              <a:t> </a:t>
-            </a:r>
-            <a:r>
-              <a:rPr lang="en-US" baseline="0" dirty="0" err="1" smtClean="0"/>
-              <a:t>att</a:t>
-            </a:r>
-            <a:r>
-              <a:rPr lang="en-US" baseline="0" dirty="0" smtClean="0"/>
-              <a:t> </a:t>
-            </a:r>
-            <a:r>
-              <a:rPr lang="en-US" baseline="0" dirty="0" err="1" smtClean="0"/>
-              <a:t>när</a:t>
-            </a:r>
-            <a:r>
-              <a:rPr lang="en-US" baseline="0" dirty="0" smtClean="0"/>
-              <a:t> </a:t>
-            </a:r>
-            <a:r>
-              <a:rPr lang="en-US" baseline="0" dirty="0" err="1" smtClean="0"/>
-              <a:t>det</a:t>
-            </a:r>
-            <a:r>
-              <a:rPr lang="en-US" baseline="0" dirty="0" smtClean="0"/>
-              <a:t> </a:t>
-            </a:r>
-            <a:r>
-              <a:rPr lang="en-US" baseline="0" dirty="0" err="1" smtClean="0"/>
-              <a:t>inte</a:t>
-            </a:r>
-            <a:r>
-              <a:rPr lang="en-US" baseline="0" dirty="0" smtClean="0"/>
-              <a:t> </a:t>
-            </a:r>
-            <a:r>
-              <a:rPr lang="en-US" baseline="0" dirty="0" err="1" smtClean="0"/>
-              <a:t>finns</a:t>
-            </a:r>
-            <a:r>
-              <a:rPr lang="en-US" baseline="0" dirty="0" smtClean="0"/>
-              <a:t> </a:t>
-            </a:r>
-            <a:r>
-              <a:rPr lang="en-US" baseline="0" dirty="0" err="1" smtClean="0"/>
-              <a:t>några</a:t>
-            </a:r>
-            <a:r>
-              <a:rPr lang="en-US" baseline="0" dirty="0" smtClean="0"/>
-              <a:t> </a:t>
-            </a:r>
-            <a:r>
-              <a:rPr lang="en-US" baseline="0" dirty="0" err="1" smtClean="0"/>
-              <a:t>registrerade</a:t>
-            </a:r>
-            <a:r>
-              <a:rPr lang="en-US" baseline="0" dirty="0" smtClean="0"/>
-              <a:t> </a:t>
-            </a:r>
-            <a:r>
-              <a:rPr lang="en-US" baseline="0" dirty="0" err="1" smtClean="0"/>
-              <a:t>feltider</a:t>
-            </a:r>
-            <a:r>
-              <a:rPr lang="en-US" baseline="0" dirty="0" smtClean="0"/>
-              <a:t> </a:t>
-            </a:r>
-            <a:r>
-              <a:rPr lang="en-US" baseline="0" dirty="0" err="1" smtClean="0"/>
-              <a:t>så</a:t>
-            </a:r>
-            <a:r>
-              <a:rPr lang="en-US" baseline="0" dirty="0" smtClean="0"/>
-              <a:t> </a:t>
-            </a:r>
-            <a:r>
-              <a:rPr lang="en-US" baseline="0" dirty="0" err="1" smtClean="0"/>
-              <a:t>används</a:t>
-            </a:r>
-            <a:r>
-              <a:rPr lang="en-US" baseline="0" dirty="0" smtClean="0"/>
-              <a:t> </a:t>
-            </a:r>
-            <a:r>
-              <a:rPr lang="en-US" baseline="0" dirty="0" err="1" smtClean="0"/>
-              <a:t>ett</a:t>
-            </a:r>
-            <a:r>
-              <a:rPr lang="en-US" baseline="0" dirty="0" smtClean="0"/>
-              <a:t> default </a:t>
-            </a:r>
-            <a:r>
-              <a:rPr lang="en-US" baseline="0" dirty="0" err="1" smtClean="0"/>
-              <a:t>värde</a:t>
-            </a:r>
-            <a:r>
-              <a:rPr lang="en-US" baseline="0" dirty="0" smtClean="0"/>
-              <a:t> </a:t>
-            </a:r>
-            <a:r>
-              <a:rPr lang="en-US" baseline="0" dirty="0" err="1" smtClean="0"/>
-              <a:t>som</a:t>
-            </a:r>
-            <a:r>
-              <a:rPr lang="en-US" baseline="0" dirty="0" smtClean="0"/>
-              <a:t> </a:t>
-            </a:r>
-            <a:r>
-              <a:rPr lang="en-US" baseline="0" dirty="0" err="1" smtClean="0"/>
-              <a:t>kan</a:t>
-            </a:r>
-            <a:r>
-              <a:rPr lang="en-US" baseline="0" dirty="0" smtClean="0"/>
-              <a:t> </a:t>
-            </a:r>
-            <a:r>
-              <a:rPr lang="en-US" baseline="0" dirty="0" err="1" smtClean="0"/>
-              <a:t>vara</a:t>
-            </a:r>
-            <a:r>
-              <a:rPr lang="en-US" baseline="0" dirty="0" smtClean="0"/>
-              <a:t> </a:t>
-            </a:r>
-            <a:r>
-              <a:rPr lang="en-US" baseline="0" dirty="0" err="1" smtClean="0"/>
-              <a:t>långt</a:t>
-            </a:r>
-            <a:r>
-              <a:rPr lang="en-US" baseline="0" dirty="0" smtClean="0"/>
-              <a:t> </a:t>
-            </a:r>
-            <a:r>
-              <a:rPr lang="en-US" baseline="0" dirty="0" err="1" smtClean="0"/>
-              <a:t>ifrån</a:t>
-            </a:r>
-            <a:r>
-              <a:rPr lang="en-US" baseline="0" dirty="0" smtClean="0"/>
-              <a:t> </a:t>
-            </a:r>
-            <a:r>
-              <a:rPr lang="en-US" baseline="0" dirty="0" err="1" smtClean="0"/>
-              <a:t>verkligheten</a:t>
-            </a:r>
-            <a:r>
-              <a:rPr lang="en-US" baseline="0" dirty="0" smtClean="0"/>
-              <a:t>, </a:t>
-            </a:r>
-            <a:r>
-              <a:rPr lang="en-US" baseline="0" dirty="0" err="1" smtClean="0"/>
-              <a:t>i</a:t>
-            </a:r>
-            <a:r>
-              <a:rPr lang="en-US" baseline="0" dirty="0" smtClean="0"/>
-              <a:t> </a:t>
-            </a:r>
-            <a:r>
-              <a:rPr lang="en-US" baseline="0" dirty="0" err="1" smtClean="0"/>
-              <a:t>värsta</a:t>
-            </a:r>
-            <a:r>
-              <a:rPr lang="en-US" baseline="0" dirty="0" smtClean="0"/>
-              <a:t> fall </a:t>
-            </a:r>
-            <a:r>
-              <a:rPr lang="en-US" baseline="0" dirty="0" err="1" smtClean="0"/>
-              <a:t>högre</a:t>
-            </a:r>
-            <a:r>
-              <a:rPr lang="en-US" baseline="0" dirty="0" smtClean="0"/>
-              <a:t>.</a:t>
-            </a:r>
-          </a:p>
-          <a:p>
-            <a:r>
-              <a:rPr lang="en-US" baseline="0" dirty="0" err="1" smtClean="0"/>
-              <a:t>En</a:t>
-            </a:r>
-            <a:r>
-              <a:rPr lang="en-US" baseline="0" dirty="0" smtClean="0"/>
-              <a:t> </a:t>
-            </a:r>
-            <a:r>
-              <a:rPr lang="en-US" baseline="0" dirty="0" err="1" smtClean="0"/>
-              <a:t>mer</a:t>
-            </a:r>
-            <a:r>
-              <a:rPr lang="en-US" baseline="0" dirty="0" smtClean="0"/>
-              <a:t> </a:t>
-            </a:r>
-            <a:r>
-              <a:rPr lang="en-US" baseline="0" dirty="0" err="1" smtClean="0"/>
-              <a:t>sofistikerad</a:t>
-            </a:r>
-            <a:r>
-              <a:rPr lang="en-US" baseline="0" dirty="0" smtClean="0"/>
-              <a:t> model </a:t>
-            </a:r>
-            <a:r>
-              <a:rPr lang="en-US" baseline="0" dirty="0" err="1" smtClean="0"/>
-              <a:t>kan</a:t>
-            </a:r>
-            <a:r>
-              <a:rPr lang="en-US" baseline="0" dirty="0" smtClean="0"/>
-              <a:t> </a:t>
-            </a:r>
-            <a:r>
-              <a:rPr lang="en-US" baseline="0" dirty="0" err="1" smtClean="0"/>
-              <a:t>t.ex</a:t>
-            </a:r>
-            <a:r>
-              <a:rPr lang="en-US" baseline="0" dirty="0" smtClean="0"/>
-              <a:t>. anta </a:t>
-            </a:r>
-            <a:r>
-              <a:rPr lang="en-US" baseline="0" dirty="0" err="1" smtClean="0"/>
-              <a:t>att</a:t>
-            </a:r>
-            <a:r>
-              <a:rPr lang="en-US" baseline="0" dirty="0" smtClean="0"/>
-              <a:t> </a:t>
-            </a:r>
-            <a:r>
-              <a:rPr lang="en-US" baseline="0" dirty="0" err="1" smtClean="0"/>
-              <a:t>nodfel</a:t>
-            </a:r>
-            <a:r>
-              <a:rPr lang="en-US" baseline="0" dirty="0" smtClean="0"/>
-              <a:t> </a:t>
-            </a:r>
-            <a:r>
-              <a:rPr lang="en-US" baseline="0" dirty="0" err="1" smtClean="0"/>
-              <a:t>inte</a:t>
-            </a:r>
-            <a:r>
-              <a:rPr lang="en-US" baseline="0" dirty="0" smtClean="0"/>
-              <a:t> </a:t>
-            </a:r>
-            <a:r>
-              <a:rPr lang="en-US" baseline="0" dirty="0" err="1" smtClean="0"/>
-              <a:t>är</a:t>
-            </a:r>
-            <a:r>
-              <a:rPr lang="en-US" baseline="0" dirty="0" smtClean="0"/>
-              <a:t> </a:t>
-            </a:r>
-            <a:r>
-              <a:rPr lang="en-US" baseline="0" dirty="0" err="1" smtClean="0"/>
-              <a:t>oberoende</a:t>
-            </a:r>
-            <a:r>
-              <a:rPr lang="en-US" baseline="0" dirty="0" smtClean="0"/>
-              <a:t>, </a:t>
-            </a:r>
-            <a:r>
-              <a:rPr lang="en-US" baseline="0" dirty="0" err="1" smtClean="0"/>
-              <a:t>t.ex</a:t>
-            </a:r>
-            <a:r>
-              <a:rPr lang="en-US" baseline="0" dirty="0" smtClean="0"/>
-              <a:t>. </a:t>
-            </a:r>
-            <a:r>
-              <a:rPr lang="en-US" baseline="0" dirty="0" err="1" smtClean="0"/>
-              <a:t>kan</a:t>
-            </a:r>
-            <a:r>
-              <a:rPr lang="en-US" baseline="0" dirty="0" smtClean="0"/>
-              <a:t> </a:t>
-            </a:r>
-            <a:r>
-              <a:rPr lang="en-US" baseline="0" dirty="0" err="1" smtClean="0"/>
-              <a:t>switchar</a:t>
-            </a:r>
-            <a:r>
-              <a:rPr lang="en-US" baseline="0" dirty="0" smtClean="0"/>
-              <a:t> </a:t>
-            </a:r>
-            <a:r>
-              <a:rPr lang="en-US" baseline="0" dirty="0" err="1" smtClean="0"/>
-              <a:t>och</a:t>
-            </a:r>
-            <a:r>
-              <a:rPr lang="en-US" baseline="0" dirty="0" smtClean="0"/>
-              <a:t> </a:t>
-            </a:r>
-            <a:r>
-              <a:rPr lang="en-US" baseline="0" dirty="0" err="1" smtClean="0"/>
-              <a:t>nätförsörjning</a:t>
-            </a:r>
-            <a:r>
-              <a:rPr lang="en-US" baseline="0" dirty="0" smtClean="0"/>
-              <a:t> </a:t>
-            </a:r>
-            <a:r>
-              <a:rPr lang="en-US" baseline="0" dirty="0" err="1" smtClean="0"/>
-              <a:t>gå</a:t>
-            </a:r>
-            <a:r>
-              <a:rPr lang="en-US" baseline="0" dirty="0" smtClean="0"/>
-              <a:t> </a:t>
-            </a:r>
-            <a:r>
-              <a:rPr lang="en-US" baseline="0" dirty="0" err="1" smtClean="0"/>
-              <a:t>ner</a:t>
-            </a:r>
-            <a:r>
-              <a:rPr lang="en-US" baseline="0" dirty="0" smtClean="0"/>
-              <a:t> </a:t>
-            </a:r>
-            <a:r>
-              <a:rPr lang="en-US" baseline="0" dirty="0" err="1" smtClean="0"/>
-              <a:t>vilket</a:t>
-            </a:r>
-            <a:r>
-              <a:rPr lang="en-US" baseline="0" dirty="0" smtClean="0"/>
-              <a:t> </a:t>
-            </a:r>
-            <a:r>
-              <a:rPr lang="en-US" baseline="0" dirty="0" err="1" smtClean="0"/>
-              <a:t>påverkar</a:t>
-            </a:r>
-            <a:r>
-              <a:rPr lang="en-US" baseline="0" dirty="0" smtClean="0"/>
-              <a:t> </a:t>
-            </a:r>
-            <a:r>
-              <a:rPr lang="en-US" baseline="0" dirty="0" err="1" smtClean="0"/>
-              <a:t>alla</a:t>
-            </a:r>
-            <a:r>
-              <a:rPr lang="en-US" baseline="0" dirty="0" smtClean="0"/>
-              <a:t> </a:t>
-            </a:r>
-            <a:r>
-              <a:rPr lang="en-US" baseline="0" dirty="0" err="1" smtClean="0"/>
-              <a:t>noder</a:t>
-            </a:r>
-            <a:r>
-              <a:rPr lang="en-US" baseline="0" dirty="0" smtClean="0"/>
-              <a:t> </a:t>
-            </a:r>
-            <a:r>
-              <a:rPr lang="en-US" baseline="0" dirty="0" err="1" smtClean="0"/>
-              <a:t>i</a:t>
-            </a:r>
-            <a:r>
-              <a:rPr lang="en-US" baseline="0" dirty="0" smtClean="0"/>
-              <a:t> </a:t>
-            </a:r>
-            <a:r>
-              <a:rPr lang="en-US" baseline="0" dirty="0" err="1" smtClean="0"/>
-              <a:t>ett</a:t>
-            </a:r>
-            <a:r>
-              <a:rPr lang="en-US" baseline="0" dirty="0" smtClean="0"/>
-              <a:t> </a:t>
-            </a:r>
-            <a:r>
-              <a:rPr lang="en-US" baseline="0" dirty="0" err="1" smtClean="0"/>
-              <a:t>kluster</a:t>
-            </a:r>
-            <a:r>
-              <a:rPr lang="en-US" baseline="0" dirty="0" smtClean="0"/>
-              <a:t>.</a:t>
-            </a:r>
-          </a:p>
-          <a:p>
-            <a:endParaRPr lang="en-US" baseline="0" dirty="0" smtClean="0"/>
-          </a:p>
-          <a:p>
-            <a:r>
-              <a:rPr lang="en-US" baseline="0" dirty="0" smtClean="0"/>
-              <a:t>Valet </a:t>
-            </a:r>
-            <a:r>
-              <a:rPr lang="en-US" baseline="0" dirty="0" err="1" smtClean="0"/>
-              <a:t>av</a:t>
-            </a:r>
-            <a:r>
-              <a:rPr lang="en-US" baseline="0" dirty="0" smtClean="0"/>
-              <a:t> </a:t>
-            </a:r>
-            <a:r>
-              <a:rPr lang="en-US" baseline="0" dirty="0" err="1" smtClean="0"/>
-              <a:t>var</a:t>
-            </a:r>
-            <a:r>
-              <a:rPr lang="en-US" baseline="0" dirty="0" smtClean="0"/>
-              <a:t> vi </a:t>
-            </a:r>
-            <a:r>
-              <a:rPr lang="en-US" baseline="0" dirty="0" err="1" smtClean="0"/>
-              <a:t>placerar</a:t>
-            </a:r>
-            <a:r>
-              <a:rPr lang="en-US" baseline="0" dirty="0" smtClean="0"/>
-              <a:t> </a:t>
-            </a:r>
-            <a:r>
-              <a:rPr lang="en-US" baseline="0" dirty="0" err="1" smtClean="0"/>
-              <a:t>replikor</a:t>
-            </a:r>
-            <a:r>
-              <a:rPr lang="en-US" baseline="0" dirty="0" smtClean="0"/>
-              <a:t> </a:t>
-            </a:r>
-            <a:r>
-              <a:rPr lang="en-US" baseline="0" dirty="0" err="1" smtClean="0"/>
-              <a:t>kan</a:t>
-            </a:r>
-            <a:r>
-              <a:rPr lang="en-US" baseline="0" dirty="0" smtClean="0"/>
-              <a:t> </a:t>
-            </a:r>
-            <a:r>
-              <a:rPr lang="en-US" baseline="0" dirty="0" err="1" smtClean="0"/>
-              <a:t>även</a:t>
-            </a:r>
-            <a:r>
-              <a:rPr lang="en-US" baseline="0" dirty="0" smtClean="0"/>
-              <a:t> ta </a:t>
-            </a:r>
-            <a:r>
-              <a:rPr lang="en-US" baseline="0" dirty="0" err="1" smtClean="0"/>
-              <a:t>fler</a:t>
-            </a:r>
-            <a:r>
-              <a:rPr lang="en-US" baseline="0" dirty="0" smtClean="0"/>
-              <a:t> </a:t>
-            </a:r>
-            <a:r>
-              <a:rPr lang="en-US" baseline="0" dirty="0" err="1" smtClean="0"/>
-              <a:t>parametrar</a:t>
-            </a:r>
-            <a:r>
-              <a:rPr lang="en-US" baseline="0" dirty="0" smtClean="0"/>
-              <a:t> I </a:t>
-            </a:r>
-            <a:r>
-              <a:rPr lang="en-US" baseline="0" dirty="0" err="1" smtClean="0"/>
-              <a:t>åtanke</a:t>
-            </a:r>
-            <a:r>
-              <a:rPr lang="en-US" baseline="0" dirty="0" smtClean="0"/>
-              <a:t>. </a:t>
-            </a:r>
-            <a:r>
-              <a:rPr lang="en-US" baseline="0" dirty="0" err="1" smtClean="0"/>
-              <a:t>T.ex</a:t>
-            </a:r>
-            <a:r>
-              <a:rPr lang="en-US" baseline="0" dirty="0" smtClean="0"/>
-              <a:t>. </a:t>
-            </a:r>
-            <a:r>
-              <a:rPr lang="en-US" baseline="0" dirty="0" err="1" smtClean="0"/>
-              <a:t>så</a:t>
-            </a:r>
-            <a:r>
-              <a:rPr lang="en-US" baseline="0" dirty="0" smtClean="0"/>
-              <a:t> </a:t>
-            </a:r>
-            <a:r>
-              <a:rPr lang="en-US" baseline="0" dirty="0" err="1" smtClean="0"/>
-              <a:t>undersöks</a:t>
-            </a:r>
-            <a:r>
-              <a:rPr lang="en-US" baseline="0" dirty="0" smtClean="0"/>
-              <a:t> </a:t>
-            </a:r>
-            <a:r>
-              <a:rPr lang="en-US" baseline="0" dirty="0" err="1" smtClean="0"/>
-              <a:t>i</a:t>
-            </a:r>
-            <a:r>
-              <a:rPr lang="en-US" baseline="0" dirty="0" smtClean="0"/>
-              <a:t> </a:t>
-            </a:r>
-            <a:r>
-              <a:rPr lang="en-US" baseline="0" dirty="0" err="1" smtClean="0"/>
-              <a:t>nuläget</a:t>
-            </a:r>
-            <a:r>
-              <a:rPr lang="en-US" baseline="0" dirty="0" smtClean="0"/>
-              <a:t> </a:t>
-            </a:r>
-            <a:r>
-              <a:rPr lang="en-US" baseline="0" dirty="0" err="1" smtClean="0"/>
-              <a:t>inte</a:t>
-            </a:r>
-            <a:r>
-              <a:rPr lang="en-US" baseline="0" dirty="0" smtClean="0"/>
-              <a:t> om den </a:t>
-            </a:r>
-            <a:r>
-              <a:rPr lang="en-US" baseline="0" dirty="0" err="1" smtClean="0"/>
-              <a:t>valda</a:t>
-            </a:r>
-            <a:r>
-              <a:rPr lang="en-US" baseline="0" dirty="0" smtClean="0"/>
-              <a:t> </a:t>
-            </a:r>
-            <a:r>
-              <a:rPr lang="en-US" baseline="0" dirty="0" err="1" smtClean="0"/>
-              <a:t>noden</a:t>
-            </a:r>
-            <a:r>
-              <a:rPr lang="en-US" baseline="0" dirty="0" smtClean="0"/>
-              <a:t> </a:t>
-            </a:r>
-            <a:r>
-              <a:rPr lang="en-US" baseline="0" dirty="0" err="1" smtClean="0"/>
-              <a:t>har</a:t>
-            </a:r>
-            <a:r>
-              <a:rPr lang="en-US" baseline="0" dirty="0" smtClean="0"/>
-              <a:t> </a:t>
-            </a:r>
-            <a:r>
-              <a:rPr lang="en-US" baseline="0" dirty="0" err="1" smtClean="0"/>
-              <a:t>kapacitet</a:t>
-            </a:r>
-            <a:r>
-              <a:rPr lang="en-US" baseline="0" dirty="0" smtClean="0"/>
-              <a:t> </a:t>
-            </a:r>
-            <a:r>
-              <a:rPr lang="en-US" baseline="0" dirty="0" err="1" smtClean="0"/>
-              <a:t>för</a:t>
-            </a:r>
-            <a:r>
-              <a:rPr lang="en-US" baseline="0" dirty="0" smtClean="0"/>
-              <a:t> </a:t>
-            </a:r>
-            <a:r>
-              <a:rPr lang="en-US" baseline="0" dirty="0" err="1" smtClean="0"/>
-              <a:t>att</a:t>
-            </a:r>
-            <a:r>
-              <a:rPr lang="en-US" baseline="0" dirty="0" smtClean="0"/>
-              <a:t> </a:t>
-            </a:r>
-            <a:r>
-              <a:rPr lang="en-US" baseline="0" dirty="0" err="1" smtClean="0"/>
-              <a:t>starta</a:t>
-            </a:r>
-            <a:r>
-              <a:rPr lang="en-US" baseline="0" dirty="0" smtClean="0"/>
-              <a:t> </a:t>
-            </a:r>
-            <a:r>
-              <a:rPr lang="en-US" baseline="0" dirty="0" err="1" smtClean="0"/>
-              <a:t>upp</a:t>
-            </a:r>
-            <a:r>
-              <a:rPr lang="en-US" baseline="0" dirty="0" smtClean="0"/>
-              <a:t> </a:t>
-            </a:r>
-            <a:r>
-              <a:rPr lang="en-US" baseline="0" dirty="0" err="1" smtClean="0"/>
-              <a:t>en</a:t>
-            </a:r>
-            <a:r>
-              <a:rPr lang="en-US" baseline="0" dirty="0" smtClean="0"/>
-              <a:t> </a:t>
-            </a:r>
-            <a:r>
-              <a:rPr lang="en-US" baseline="0" dirty="0" err="1" smtClean="0"/>
-              <a:t>ny</a:t>
-            </a:r>
-            <a:r>
-              <a:rPr lang="en-US" baseline="0" dirty="0" smtClean="0"/>
-              <a:t> actor. Nodes last </a:t>
-            </a:r>
-            <a:r>
-              <a:rPr lang="en-US" baseline="0" dirty="0" err="1" smtClean="0"/>
-              <a:t>kan</a:t>
-            </a:r>
-            <a:r>
-              <a:rPr lang="en-US" baseline="0" dirty="0" smtClean="0"/>
-              <a:t> </a:t>
-            </a:r>
-            <a:r>
-              <a:rPr lang="en-US" baseline="0" dirty="0" err="1" smtClean="0"/>
-              <a:t>även</a:t>
-            </a:r>
-            <a:r>
-              <a:rPr lang="en-US" baseline="0" dirty="0" smtClean="0"/>
-              <a:t> </a:t>
-            </a:r>
-            <a:r>
-              <a:rPr lang="en-US" baseline="0" dirty="0" err="1" smtClean="0"/>
-              <a:t>inkluderas</a:t>
-            </a:r>
-            <a:r>
-              <a:rPr lang="en-US" baseline="0" dirty="0" smtClean="0"/>
-              <a:t> </a:t>
-            </a:r>
-            <a:r>
-              <a:rPr lang="en-US" baseline="0" dirty="0" err="1" smtClean="0"/>
-              <a:t>vilket</a:t>
-            </a:r>
-            <a:r>
-              <a:rPr lang="en-US" baseline="0" dirty="0" smtClean="0"/>
-              <a:t> vi </a:t>
-            </a:r>
-            <a:r>
-              <a:rPr lang="en-US" baseline="0" dirty="0" err="1" smtClean="0"/>
-              <a:t>visade</a:t>
-            </a:r>
-            <a:r>
-              <a:rPr lang="en-US" baseline="0" dirty="0" smtClean="0"/>
-              <a:t> </a:t>
-            </a:r>
-            <a:r>
-              <a:rPr lang="en-US" baseline="0" dirty="0" err="1" smtClean="0"/>
-              <a:t>inte</a:t>
-            </a:r>
-            <a:r>
-              <a:rPr lang="en-US" baseline="0" dirty="0" smtClean="0"/>
-              <a:t> </a:t>
-            </a:r>
-            <a:r>
-              <a:rPr lang="en-US" baseline="0" dirty="0" err="1" smtClean="0"/>
-              <a:t>var</a:t>
-            </a:r>
-            <a:r>
-              <a:rPr lang="en-US" baseline="0" dirty="0" smtClean="0"/>
-              <a:t> </a:t>
-            </a:r>
-            <a:r>
-              <a:rPr lang="en-US" baseline="0" dirty="0" err="1" smtClean="0"/>
-              <a:t>så</a:t>
-            </a:r>
-            <a:r>
-              <a:rPr lang="en-US" baseline="0" dirty="0" smtClean="0"/>
-              <a:t> </a:t>
-            </a:r>
-            <a:r>
-              <a:rPr lang="en-US" baseline="0" dirty="0" err="1" smtClean="0"/>
-              <a:t>svårt</a:t>
-            </a:r>
-            <a:r>
-              <a:rPr lang="en-US" baseline="0" dirty="0" smtClean="0"/>
-              <a:t>.</a:t>
-            </a:r>
-          </a:p>
-        </p:txBody>
-      </p:sp>
-      <p:sp>
-        <p:nvSpPr>
-          <p:cNvPr id="4" name="Slide Number Placeholder 3"/>
-          <p:cNvSpPr>
-            <a:spLocks noGrp="1"/>
-          </p:cNvSpPr>
-          <p:nvPr>
-            <p:ph type="sldNum" sz="quarter" idx="10"/>
-          </p:nvPr>
-        </p:nvSpPr>
-        <p:spPr/>
-        <p:txBody>
-          <a:bodyPr/>
-          <a:lstStyle/>
-          <a:p>
-            <a:fld id="{100650DF-8CBF-0341-B1F9-47D0C0CD302F}" type="slidenum">
-              <a:rPr lang="en-US" smtClean="0"/>
-              <a:t>49</a:t>
-            </a:fld>
-            <a:endParaRPr lang="en-US"/>
-          </a:p>
-        </p:txBody>
-      </p:sp>
-    </p:spTree>
-    <p:extLst>
-      <p:ext uri="{BB962C8B-B14F-4D97-AF65-F5344CB8AC3E}">
-        <p14:creationId xmlns:p14="http://schemas.microsoft.com/office/powerpoint/2010/main" val="908358918"/>
       </p:ext>
     </p:extLst>
   </p:cSld>
@@ -16724,16 +15878,24 @@
           <a:lstStyle/>
           <a:p>
             <a:r>
-              <a:rPr lang="en-US" baseline="0" dirty="0" smtClean="0"/>
-              <a:t>I </a:t>
-            </a:r>
-            <a:r>
-              <a:rPr lang="en-US" baseline="0" dirty="0" err="1" smtClean="0"/>
-              <a:t>våra</a:t>
-            </a:r>
-            <a:r>
-              <a:rPr lang="en-US" baseline="0" dirty="0" smtClean="0"/>
-              <a:t> experiment </a:t>
+              <a:rPr lang="en-US" dirty="0" err="1" smtClean="0"/>
+              <a:t>Alla</a:t>
+            </a:r>
+            <a:r>
+              <a:rPr lang="en-US" dirty="0" smtClean="0"/>
+              <a:t> </a:t>
+            </a:r>
+            <a:r>
+              <a:rPr lang="en-US" dirty="0" err="1" smtClean="0"/>
+              <a:t>värden</a:t>
+            </a:r>
+            <a:r>
+              <a:rPr lang="en-US" dirty="0" smtClean="0"/>
+              <a:t>,</a:t>
+            </a:r>
+            <a:r>
+              <a:rPr lang="en-US" baseline="0" dirty="0" smtClean="0"/>
+              <a:t> </a:t>
             </a:r>
             <a:r>
               <a:rPr lang="en-US" baseline="0" dirty="0" err="1" smtClean="0"/>
@@ -16745,63 +15907,839 @@
             </a:r>
             <a:r>
               <a:rPr lang="en-US" baseline="0" dirty="0" err="1" smtClean="0"/>
+              <a:t>som</a:t>
+            </a:r>
+            <a:r>
+              <a:rPr lang="en-US" baseline="0" dirty="0" smtClean="0"/>
+              <a:t> heartbeat timeout, default MTBF/</a:t>
+            </a:r>
+            <a:r>
+              <a:rPr lang="en-US" baseline="0" dirty="0" err="1" smtClean="0"/>
+              <a:t>repliceringstid</a:t>
+            </a:r>
+            <a:r>
+              <a:rPr lang="en-US" baseline="0" dirty="0" smtClean="0"/>
+              <a:t> </a:t>
+            </a:r>
+            <a:r>
+              <a:rPr lang="en-US" baseline="0" dirty="0" err="1" smtClean="0"/>
+              <a:t>valdes</a:t>
+            </a:r>
+            <a:r>
+              <a:rPr lang="en-US" baseline="0" dirty="0" smtClean="0"/>
+              <a:t> </a:t>
+            </a:r>
+            <a:r>
+              <a:rPr lang="en-US" baseline="0" dirty="0" err="1" smtClean="0"/>
+              <a:t>så</a:t>
+            </a:r>
+            <a:r>
+              <a:rPr lang="en-US" baseline="0" dirty="0" smtClean="0"/>
+              <a:t> </a:t>
+            </a:r>
+            <a:r>
+              <a:rPr lang="en-US" baseline="0" dirty="0" err="1" smtClean="0"/>
+              <a:t>att</a:t>
+            </a:r>
+            <a:r>
+              <a:rPr lang="en-US" baseline="0" dirty="0" smtClean="0"/>
+              <a:t> vi </a:t>
+            </a:r>
+            <a:r>
+              <a:rPr lang="en-US" baseline="0" dirty="0" err="1" smtClean="0"/>
+              <a:t>kunde</a:t>
+            </a:r>
+            <a:r>
+              <a:rPr lang="en-US" baseline="0" dirty="0" smtClean="0"/>
+              <a:t> </a:t>
+            </a:r>
+            <a:r>
+              <a:rPr lang="en-US" baseline="0" dirty="0" err="1" smtClean="0"/>
+              <a:t>köra</a:t>
+            </a:r>
+            <a:r>
+              <a:rPr lang="en-US" baseline="0" dirty="0" smtClean="0"/>
+              <a:t> </a:t>
+            </a:r>
+            <a:r>
+              <a:rPr lang="en-US" baseline="0" dirty="0" err="1" smtClean="0"/>
+              <a:t>experimenten</a:t>
+            </a:r>
+            <a:r>
+              <a:rPr lang="en-US" baseline="0" dirty="0" smtClean="0"/>
+              <a:t> under </a:t>
+            </a:r>
+            <a:r>
+              <a:rPr lang="en-US" baseline="0" dirty="0" err="1" smtClean="0"/>
+              <a:t>ett</a:t>
+            </a:r>
+            <a:r>
+              <a:rPr lang="en-US" baseline="0" dirty="0" smtClean="0"/>
+              <a:t> </a:t>
+            </a:r>
+            <a:r>
+              <a:rPr lang="en-US" baseline="0" dirty="0" err="1" smtClean="0"/>
+              <a:t>antal</a:t>
+            </a:r>
+            <a:r>
+              <a:rPr lang="en-US" baseline="0" dirty="0" smtClean="0"/>
+              <a:t> </a:t>
+            </a:r>
+            <a:r>
+              <a:rPr lang="en-US" baseline="0" dirty="0" err="1" smtClean="0"/>
+              <a:t>minuter</a:t>
+            </a:r>
+            <a:r>
+              <a:rPr lang="en-US" baseline="0" dirty="0" smtClean="0"/>
+              <a:t> </a:t>
+            </a:r>
+            <a:r>
+              <a:rPr lang="en-US" baseline="0" dirty="0" err="1" smtClean="0"/>
+              <a:t>och</a:t>
+            </a:r>
+            <a:r>
+              <a:rPr lang="en-US" baseline="0" dirty="0" smtClean="0"/>
+              <a:t> </a:t>
+            </a:r>
+            <a:r>
+              <a:rPr lang="en-US" baseline="0" dirty="0" err="1" smtClean="0"/>
+              <a:t>ändå</a:t>
+            </a:r>
+            <a:r>
+              <a:rPr lang="en-US" baseline="0" dirty="0" smtClean="0"/>
+              <a:t> </a:t>
+            </a:r>
+            <a:r>
+              <a:rPr lang="en-US" baseline="0" dirty="0" err="1" smtClean="0"/>
+              <a:t>få</a:t>
+            </a:r>
+            <a:r>
+              <a:rPr lang="en-US" baseline="0" dirty="0" smtClean="0"/>
+              <a:t> en del </a:t>
+            </a:r>
+            <a:r>
+              <a:rPr lang="en-US" baseline="0" dirty="0" err="1" smtClean="0"/>
+              <a:t>fel</a:t>
+            </a:r>
+            <a:r>
+              <a:rPr lang="en-US" baseline="0" dirty="0" smtClean="0"/>
+              <a:t>.</a:t>
+            </a:r>
+          </a:p>
+          <a:p>
+            <a:endParaRPr lang="en-US" baseline="0" dirty="0" smtClean="0"/>
+          </a:p>
+          <a:p>
+            <a:r>
+              <a:rPr lang="en-US" baseline="0" dirty="0" err="1" smtClean="0"/>
+              <a:t>Vår</a:t>
+            </a:r>
+            <a:r>
+              <a:rPr lang="en-US" baseline="0" dirty="0" smtClean="0"/>
+              <a:t> </a:t>
+            </a:r>
+            <a:r>
+              <a:rPr lang="en-US" baseline="0" dirty="0" err="1" smtClean="0"/>
+              <a:t>modell</a:t>
+            </a:r>
+            <a:r>
+              <a:rPr lang="en-US" baseline="0" dirty="0" smtClean="0"/>
+              <a:t> </a:t>
+            </a:r>
+            <a:r>
+              <a:rPr lang="en-US" baseline="0" dirty="0" err="1" smtClean="0"/>
+              <a:t>använder</a:t>
+            </a:r>
+            <a:r>
+              <a:rPr lang="en-US" baseline="0" dirty="0" smtClean="0"/>
+              <a:t> </a:t>
+            </a:r>
+            <a:r>
+              <a:rPr lang="en-US" baseline="0" dirty="0" err="1" smtClean="0"/>
+              <a:t>en</a:t>
+            </a:r>
+            <a:r>
+              <a:rPr lang="en-US" baseline="0" dirty="0" smtClean="0"/>
+              <a:t> </a:t>
+            </a:r>
+            <a:r>
+              <a:rPr lang="en-US" baseline="0" dirty="0" err="1" smtClean="0"/>
+              <a:t>relativt</a:t>
+            </a:r>
+            <a:r>
+              <a:rPr lang="en-US" baseline="0" dirty="0" smtClean="0"/>
+              <a:t> </a:t>
+            </a:r>
+            <a:r>
+              <a:rPr lang="en-US" baseline="0" dirty="0" err="1" smtClean="0"/>
+              <a:t>enkel</a:t>
+            </a:r>
+            <a:r>
+              <a:rPr lang="en-US" baseline="0" dirty="0" smtClean="0"/>
+              <a:t> </a:t>
+            </a:r>
+            <a:r>
+              <a:rPr lang="en-US" baseline="0" dirty="0" err="1" smtClean="0"/>
+              <a:t>tillförlitlighetsmodell</a:t>
+            </a:r>
+            <a:r>
+              <a:rPr lang="en-US" baseline="0" dirty="0" smtClean="0"/>
+              <a:t>. Den </a:t>
+            </a:r>
+            <a:r>
+              <a:rPr lang="en-US" baseline="0" dirty="0" err="1" smtClean="0"/>
+              <a:t>är</a:t>
+            </a:r>
+            <a:r>
+              <a:rPr lang="en-US" baseline="0" dirty="0" smtClean="0"/>
+              <a:t> </a:t>
+            </a:r>
+            <a:r>
+              <a:rPr lang="en-US" baseline="0" dirty="0" err="1" smtClean="0"/>
+              <a:t>begränsad</a:t>
+            </a:r>
+            <a:r>
+              <a:rPr lang="en-US" baseline="0" dirty="0" smtClean="0"/>
+              <a:t> </a:t>
+            </a:r>
+            <a:r>
+              <a:rPr lang="en-US" baseline="0" dirty="0" err="1" smtClean="0"/>
+              <a:t>i</a:t>
+            </a:r>
+            <a:r>
+              <a:rPr lang="en-US" baseline="0" dirty="0" smtClean="0"/>
+              <a:t> </a:t>
+            </a:r>
+            <a:r>
+              <a:rPr lang="en-US" baseline="0" dirty="0" err="1" smtClean="0"/>
+              <a:t>det</a:t>
+            </a:r>
+            <a:r>
+              <a:rPr lang="en-US" baseline="0" dirty="0" smtClean="0"/>
+              <a:t> </a:t>
+            </a:r>
+            <a:r>
+              <a:rPr lang="en-US" baseline="0" dirty="0" err="1" smtClean="0"/>
+              <a:t>att</a:t>
+            </a:r>
+            <a:r>
+              <a:rPr lang="en-US" baseline="0" dirty="0" smtClean="0"/>
+              <a:t> </a:t>
+            </a:r>
+            <a:r>
+              <a:rPr lang="en-US" baseline="0" dirty="0" err="1" smtClean="0"/>
+              <a:t>när</a:t>
+            </a:r>
+            <a:r>
+              <a:rPr lang="en-US" baseline="0" dirty="0" smtClean="0"/>
+              <a:t> </a:t>
+            </a:r>
+            <a:r>
+              <a:rPr lang="en-US" baseline="0" dirty="0" err="1" smtClean="0"/>
+              <a:t>det</a:t>
+            </a:r>
+            <a:r>
+              <a:rPr lang="en-US" baseline="0" dirty="0" smtClean="0"/>
+              <a:t> </a:t>
+            </a:r>
+            <a:r>
+              <a:rPr lang="en-US" baseline="0" dirty="0" err="1" smtClean="0"/>
+              <a:t>inte</a:t>
+            </a:r>
+            <a:r>
+              <a:rPr lang="en-US" baseline="0" dirty="0" smtClean="0"/>
+              <a:t> </a:t>
+            </a:r>
+            <a:r>
+              <a:rPr lang="en-US" baseline="0" dirty="0" err="1" smtClean="0"/>
+              <a:t>finns</a:t>
+            </a:r>
+            <a:r>
+              <a:rPr lang="en-US" baseline="0" dirty="0" smtClean="0"/>
+              <a:t> </a:t>
+            </a:r>
+            <a:r>
+              <a:rPr lang="en-US" baseline="0" dirty="0" err="1" smtClean="0"/>
+              <a:t>några</a:t>
+            </a:r>
+            <a:r>
+              <a:rPr lang="en-US" baseline="0" dirty="0" smtClean="0"/>
+              <a:t> </a:t>
+            </a:r>
+            <a:r>
+              <a:rPr lang="en-US" baseline="0" dirty="0" err="1" smtClean="0"/>
+              <a:t>registrerade</a:t>
+            </a:r>
+            <a:r>
+              <a:rPr lang="en-US" baseline="0" dirty="0" smtClean="0"/>
+              <a:t> </a:t>
+            </a:r>
+            <a:r>
+              <a:rPr lang="en-US" baseline="0" dirty="0" err="1" smtClean="0"/>
+              <a:t>feltider</a:t>
+            </a:r>
+            <a:r>
+              <a:rPr lang="en-US" baseline="0" dirty="0" smtClean="0"/>
+              <a:t> </a:t>
+            </a:r>
+            <a:r>
+              <a:rPr lang="en-US" baseline="0" dirty="0" err="1" smtClean="0"/>
+              <a:t>så</a:t>
+            </a:r>
+            <a:r>
+              <a:rPr lang="en-US" baseline="0" dirty="0" smtClean="0"/>
+              <a:t> </a:t>
+            </a:r>
+            <a:r>
+              <a:rPr lang="en-US" baseline="0" dirty="0" err="1" smtClean="0"/>
+              <a:t>används</a:t>
+            </a:r>
+            <a:r>
+              <a:rPr lang="en-US" baseline="0" dirty="0" smtClean="0"/>
+              <a:t> </a:t>
+            </a:r>
+            <a:r>
+              <a:rPr lang="en-US" baseline="0" dirty="0" err="1" smtClean="0"/>
+              <a:t>ett</a:t>
+            </a:r>
+            <a:r>
+              <a:rPr lang="en-US" baseline="0" dirty="0" smtClean="0"/>
+              <a:t> default </a:t>
+            </a:r>
+            <a:r>
+              <a:rPr lang="en-US" baseline="0" dirty="0" err="1" smtClean="0"/>
+              <a:t>värde</a:t>
+            </a:r>
+            <a:r>
+              <a:rPr lang="en-US" baseline="0" dirty="0" smtClean="0"/>
+              <a:t> </a:t>
+            </a:r>
+            <a:r>
+              <a:rPr lang="en-US" baseline="0" dirty="0" err="1" smtClean="0"/>
+              <a:t>som</a:t>
+            </a:r>
+            <a:r>
+              <a:rPr lang="en-US" baseline="0" dirty="0" smtClean="0"/>
+              <a:t> </a:t>
+            </a:r>
+            <a:r>
+              <a:rPr lang="en-US" baseline="0" dirty="0" err="1" smtClean="0"/>
+              <a:t>kan</a:t>
+            </a:r>
+            <a:r>
+              <a:rPr lang="en-US" baseline="0" dirty="0" smtClean="0"/>
+              <a:t> </a:t>
+            </a:r>
+            <a:r>
+              <a:rPr lang="en-US" baseline="0" dirty="0" err="1" smtClean="0"/>
+              <a:t>vara</a:t>
+            </a:r>
+            <a:r>
+              <a:rPr lang="en-US" baseline="0" dirty="0" smtClean="0"/>
+              <a:t> </a:t>
+            </a:r>
+            <a:r>
+              <a:rPr lang="en-US" baseline="0" dirty="0" err="1" smtClean="0"/>
+              <a:t>långt</a:t>
+            </a:r>
+            <a:r>
+              <a:rPr lang="en-US" baseline="0" dirty="0" smtClean="0"/>
+              <a:t> </a:t>
+            </a:r>
+            <a:r>
+              <a:rPr lang="en-US" baseline="0" dirty="0" err="1" smtClean="0"/>
+              <a:t>ifrån</a:t>
+            </a:r>
+            <a:r>
+              <a:rPr lang="en-US" baseline="0" dirty="0" smtClean="0"/>
+              <a:t> </a:t>
+            </a:r>
+            <a:r>
+              <a:rPr lang="en-US" baseline="0" dirty="0" err="1" smtClean="0"/>
+              <a:t>verkligheten</a:t>
+            </a:r>
+            <a:r>
+              <a:rPr lang="en-US" baseline="0" dirty="0" smtClean="0"/>
+              <a:t>, </a:t>
+            </a:r>
+            <a:r>
+              <a:rPr lang="en-US" baseline="0" dirty="0" err="1" smtClean="0"/>
+              <a:t>i</a:t>
+            </a:r>
+            <a:r>
+              <a:rPr lang="en-US" baseline="0" dirty="0" smtClean="0"/>
+              <a:t> </a:t>
+            </a:r>
+            <a:r>
+              <a:rPr lang="en-US" baseline="0" dirty="0" err="1" smtClean="0"/>
+              <a:t>värsta</a:t>
+            </a:r>
+            <a:r>
+              <a:rPr lang="en-US" baseline="0" dirty="0" smtClean="0"/>
+              <a:t> fall </a:t>
+            </a:r>
+            <a:r>
+              <a:rPr lang="en-US" baseline="0" dirty="0" err="1" smtClean="0"/>
+              <a:t>högre</a:t>
+            </a:r>
+            <a:r>
+              <a:rPr lang="en-US" baseline="0" dirty="0" smtClean="0"/>
+              <a:t>.</a:t>
+            </a:r>
+          </a:p>
+          <a:p>
+            <a:r>
+              <a:rPr lang="en-US" baseline="0" dirty="0" err="1" smtClean="0"/>
+              <a:t>En</a:t>
+            </a:r>
+            <a:r>
+              <a:rPr lang="en-US" baseline="0" dirty="0" smtClean="0"/>
+              <a:t> </a:t>
+            </a:r>
+            <a:r>
+              <a:rPr lang="en-US" baseline="0" dirty="0" err="1" smtClean="0"/>
+              <a:t>mer</a:t>
+            </a:r>
+            <a:r>
+              <a:rPr lang="en-US" baseline="0" dirty="0" smtClean="0"/>
+              <a:t> </a:t>
+            </a:r>
+            <a:r>
+              <a:rPr lang="en-US" baseline="0" dirty="0" err="1" smtClean="0"/>
+              <a:t>sofistikerad</a:t>
+            </a:r>
+            <a:r>
+              <a:rPr lang="en-US" baseline="0" dirty="0" smtClean="0"/>
+              <a:t> model </a:t>
+            </a:r>
+            <a:r>
+              <a:rPr lang="en-US" baseline="0" dirty="0" err="1" smtClean="0"/>
+              <a:t>kan</a:t>
+            </a:r>
+            <a:r>
+              <a:rPr lang="en-US" baseline="0" dirty="0" smtClean="0"/>
+              <a:t> </a:t>
+            </a:r>
+            <a:r>
+              <a:rPr lang="en-US" baseline="0" dirty="0" err="1" smtClean="0"/>
+              <a:t>t.ex</a:t>
+            </a:r>
+            <a:r>
+              <a:rPr lang="en-US" baseline="0" dirty="0" smtClean="0"/>
+              <a:t>. anta </a:t>
+            </a:r>
+            <a:r>
+              <a:rPr lang="en-US" baseline="0" dirty="0" err="1" smtClean="0"/>
+              <a:t>att</a:t>
+            </a:r>
+            <a:r>
+              <a:rPr lang="en-US" baseline="0" dirty="0" smtClean="0"/>
+              <a:t> </a:t>
+            </a:r>
+            <a:r>
+              <a:rPr lang="en-US" baseline="0" dirty="0" err="1" smtClean="0"/>
+              <a:t>nodfel</a:t>
+            </a:r>
+            <a:r>
+              <a:rPr lang="en-US" baseline="0" dirty="0" smtClean="0"/>
+              <a:t> </a:t>
+            </a:r>
+            <a:r>
+              <a:rPr lang="en-US" baseline="0" dirty="0" err="1" smtClean="0"/>
+              <a:t>inte</a:t>
+            </a:r>
+            <a:r>
+              <a:rPr lang="en-US" baseline="0" dirty="0" smtClean="0"/>
+              <a:t> </a:t>
+            </a:r>
+            <a:r>
+              <a:rPr lang="en-US" baseline="0" dirty="0" err="1" smtClean="0"/>
+              <a:t>är</a:t>
+            </a:r>
+            <a:r>
+              <a:rPr lang="en-US" baseline="0" dirty="0" smtClean="0"/>
+              <a:t> </a:t>
+            </a:r>
+            <a:r>
+              <a:rPr lang="en-US" baseline="0" dirty="0" err="1" smtClean="0"/>
+              <a:t>oberoende</a:t>
+            </a:r>
+            <a:r>
+              <a:rPr lang="en-US" baseline="0" dirty="0" smtClean="0"/>
+              <a:t>, </a:t>
+            </a:r>
+            <a:r>
+              <a:rPr lang="en-US" baseline="0" dirty="0" err="1" smtClean="0"/>
+              <a:t>t.ex</a:t>
+            </a:r>
+            <a:r>
+              <a:rPr lang="en-US" baseline="0" dirty="0" smtClean="0"/>
+              <a:t>. </a:t>
+            </a:r>
+            <a:r>
+              <a:rPr lang="en-US" baseline="0" dirty="0" err="1" smtClean="0"/>
+              <a:t>kan</a:t>
+            </a:r>
+            <a:r>
+              <a:rPr lang="en-US" baseline="0" dirty="0" smtClean="0"/>
+              <a:t> </a:t>
+            </a:r>
+            <a:r>
+              <a:rPr lang="en-US" baseline="0" dirty="0" err="1" smtClean="0"/>
+              <a:t>switchar</a:t>
+            </a:r>
+            <a:r>
+              <a:rPr lang="en-US" baseline="0" dirty="0" smtClean="0"/>
+              <a:t> </a:t>
+            </a:r>
+            <a:r>
+              <a:rPr lang="en-US" baseline="0" dirty="0" err="1" smtClean="0"/>
+              <a:t>och</a:t>
+            </a:r>
+            <a:r>
+              <a:rPr lang="en-US" baseline="0" dirty="0" smtClean="0"/>
+              <a:t> </a:t>
+            </a:r>
+            <a:r>
+              <a:rPr lang="en-US" baseline="0" dirty="0" err="1" smtClean="0"/>
+              <a:t>nätförsörjning</a:t>
+            </a:r>
+            <a:r>
+              <a:rPr lang="en-US" baseline="0" dirty="0" smtClean="0"/>
+              <a:t> </a:t>
+            </a:r>
+            <a:r>
+              <a:rPr lang="en-US" baseline="0" dirty="0" err="1" smtClean="0"/>
+              <a:t>gå</a:t>
+            </a:r>
+            <a:r>
+              <a:rPr lang="en-US" baseline="0" dirty="0" smtClean="0"/>
+              <a:t> </a:t>
+            </a:r>
+            <a:r>
+              <a:rPr lang="en-US" baseline="0" dirty="0" err="1" smtClean="0"/>
+              <a:t>ner</a:t>
+            </a:r>
+            <a:r>
+              <a:rPr lang="en-US" baseline="0" dirty="0" smtClean="0"/>
+              <a:t> </a:t>
+            </a:r>
+            <a:r>
+              <a:rPr lang="en-US" baseline="0" dirty="0" err="1" smtClean="0"/>
+              <a:t>vilket</a:t>
+            </a:r>
+            <a:r>
+              <a:rPr lang="en-US" baseline="0" dirty="0" smtClean="0"/>
+              <a:t> </a:t>
+            </a:r>
+            <a:r>
+              <a:rPr lang="en-US" baseline="0" dirty="0" err="1" smtClean="0"/>
+              <a:t>påverkar</a:t>
+            </a:r>
+            <a:r>
+              <a:rPr lang="en-US" baseline="0" dirty="0" smtClean="0"/>
+              <a:t> </a:t>
+            </a:r>
+            <a:r>
+              <a:rPr lang="en-US" baseline="0" dirty="0" err="1" smtClean="0"/>
+              <a:t>alla</a:t>
+            </a:r>
+            <a:r>
+              <a:rPr lang="en-US" baseline="0" dirty="0" smtClean="0"/>
+              <a:t> </a:t>
+            </a:r>
+            <a:r>
+              <a:rPr lang="en-US" baseline="0" dirty="0" err="1" smtClean="0"/>
+              <a:t>noder</a:t>
+            </a:r>
+            <a:r>
+              <a:rPr lang="en-US" baseline="0" dirty="0" smtClean="0"/>
+              <a:t> </a:t>
+            </a:r>
+            <a:r>
+              <a:rPr lang="en-US" baseline="0" dirty="0" err="1" smtClean="0"/>
+              <a:t>i</a:t>
+            </a:r>
+            <a:r>
+              <a:rPr lang="en-US" baseline="0" dirty="0" smtClean="0"/>
+              <a:t> </a:t>
+            </a:r>
+            <a:r>
+              <a:rPr lang="en-US" baseline="0" dirty="0" err="1" smtClean="0"/>
+              <a:t>ett</a:t>
+            </a:r>
+            <a:r>
+              <a:rPr lang="en-US" baseline="0" dirty="0" smtClean="0"/>
+              <a:t> </a:t>
+            </a:r>
+            <a:r>
+              <a:rPr lang="en-US" baseline="0" dirty="0" err="1" smtClean="0"/>
+              <a:t>kluster</a:t>
+            </a:r>
+            <a:r>
+              <a:rPr lang="en-US" baseline="0" dirty="0" smtClean="0"/>
+              <a:t>.</a:t>
+            </a:r>
+          </a:p>
+          <a:p>
+            <a:endParaRPr lang="en-US" baseline="0" dirty="0" smtClean="0"/>
+          </a:p>
+          <a:p>
+            <a:r>
+              <a:rPr lang="en-US" baseline="0" dirty="0" smtClean="0"/>
+              <a:t>Valet </a:t>
+            </a:r>
+            <a:r>
+              <a:rPr lang="en-US" baseline="0" dirty="0" err="1" smtClean="0"/>
+              <a:t>av</a:t>
+            </a:r>
+            <a:r>
+              <a:rPr lang="en-US" baseline="0" dirty="0" smtClean="0"/>
+              <a:t> </a:t>
+            </a:r>
+            <a:r>
+              <a:rPr lang="en-US" baseline="0" dirty="0" err="1" smtClean="0"/>
+              <a:t>var</a:t>
+            </a:r>
+            <a:r>
+              <a:rPr lang="en-US" baseline="0" dirty="0" smtClean="0"/>
+              <a:t> vi </a:t>
+            </a:r>
+            <a:r>
+              <a:rPr lang="en-US" baseline="0" dirty="0" err="1" smtClean="0"/>
+              <a:t>placerar</a:t>
+            </a:r>
+            <a:r>
+              <a:rPr lang="en-US" baseline="0" dirty="0" smtClean="0"/>
+              <a:t> </a:t>
+            </a:r>
+            <a:r>
+              <a:rPr lang="en-US" baseline="0" dirty="0" err="1" smtClean="0"/>
+              <a:t>replikor</a:t>
+            </a:r>
+            <a:r>
+              <a:rPr lang="en-US" baseline="0" dirty="0" smtClean="0"/>
+              <a:t> </a:t>
+            </a:r>
+            <a:r>
+              <a:rPr lang="en-US" baseline="0" dirty="0" err="1" smtClean="0"/>
+              <a:t>kan</a:t>
+            </a:r>
+            <a:r>
+              <a:rPr lang="en-US" baseline="0" dirty="0" smtClean="0"/>
+              <a:t> </a:t>
+            </a:r>
+            <a:r>
+              <a:rPr lang="en-US" baseline="0" dirty="0" err="1" smtClean="0"/>
+              <a:t>även</a:t>
+            </a:r>
+            <a:r>
+              <a:rPr lang="en-US" baseline="0" dirty="0" smtClean="0"/>
+              <a:t> ta </a:t>
+            </a:r>
+            <a:r>
+              <a:rPr lang="en-US" baseline="0" dirty="0" err="1" smtClean="0"/>
+              <a:t>fler</a:t>
+            </a:r>
+            <a:r>
+              <a:rPr lang="en-US" baseline="0" dirty="0" smtClean="0"/>
+              <a:t> </a:t>
+            </a:r>
+            <a:r>
+              <a:rPr lang="en-US" baseline="0" dirty="0" err="1" smtClean="0"/>
+              <a:t>parametrar</a:t>
+            </a:r>
+            <a:r>
+              <a:rPr lang="en-US" baseline="0" dirty="0" smtClean="0"/>
+              <a:t> I </a:t>
+            </a:r>
+            <a:r>
+              <a:rPr lang="en-US" baseline="0" dirty="0" err="1" smtClean="0"/>
+              <a:t>åtanke</a:t>
+            </a:r>
+            <a:r>
+              <a:rPr lang="en-US" baseline="0" dirty="0" smtClean="0"/>
+              <a:t>. </a:t>
+            </a:r>
+            <a:r>
+              <a:rPr lang="en-US" baseline="0" dirty="0" err="1" smtClean="0"/>
+              <a:t>T.ex</a:t>
+            </a:r>
+            <a:r>
+              <a:rPr lang="en-US" baseline="0" dirty="0" smtClean="0"/>
+              <a:t>. </a:t>
+            </a:r>
+            <a:r>
+              <a:rPr lang="en-US" baseline="0" dirty="0" err="1" smtClean="0"/>
+              <a:t>så</a:t>
+            </a:r>
+            <a:r>
+              <a:rPr lang="en-US" baseline="0" dirty="0" smtClean="0"/>
+              <a:t> </a:t>
+            </a:r>
+            <a:r>
+              <a:rPr lang="en-US" baseline="0" dirty="0" err="1" smtClean="0"/>
+              <a:t>undersöks</a:t>
+            </a:r>
+            <a:r>
+              <a:rPr lang="en-US" baseline="0" dirty="0" smtClean="0"/>
+              <a:t> </a:t>
+            </a:r>
+            <a:r>
+              <a:rPr lang="en-US" baseline="0" dirty="0" err="1" smtClean="0"/>
+              <a:t>i</a:t>
+            </a:r>
+            <a:r>
+              <a:rPr lang="en-US" baseline="0" dirty="0" smtClean="0"/>
+              <a:t> </a:t>
+            </a:r>
+            <a:r>
+              <a:rPr lang="en-US" baseline="0" dirty="0" err="1" smtClean="0"/>
+              <a:t>nuläget</a:t>
+            </a:r>
+            <a:r>
+              <a:rPr lang="en-US" baseline="0" dirty="0" smtClean="0"/>
+              <a:t> </a:t>
+            </a:r>
+            <a:r>
+              <a:rPr lang="en-US" baseline="0" dirty="0" err="1" smtClean="0"/>
+              <a:t>inte</a:t>
+            </a:r>
+            <a:r>
+              <a:rPr lang="en-US" baseline="0" dirty="0" smtClean="0"/>
+              <a:t> om den </a:t>
+            </a:r>
+            <a:r>
+              <a:rPr lang="en-US" baseline="0" dirty="0" err="1" smtClean="0"/>
+              <a:t>valda</a:t>
+            </a:r>
+            <a:r>
+              <a:rPr lang="en-US" baseline="0" dirty="0" smtClean="0"/>
+              <a:t> </a:t>
+            </a:r>
+            <a:r>
+              <a:rPr lang="en-US" baseline="0" dirty="0" err="1" smtClean="0"/>
+              <a:t>noden</a:t>
+            </a:r>
+            <a:r>
+              <a:rPr lang="en-US" baseline="0" dirty="0" smtClean="0"/>
+              <a:t> </a:t>
+            </a:r>
+            <a:r>
+              <a:rPr lang="en-US" baseline="0" dirty="0" err="1" smtClean="0"/>
               <a:t>har</a:t>
             </a:r>
             <a:r>
               <a:rPr lang="en-US" baseline="0" dirty="0" smtClean="0"/>
+              <a:t> </a:t>
+            </a:r>
+            <a:r>
+              <a:rPr lang="en-US" baseline="0" dirty="0" err="1" smtClean="0"/>
+              <a:t>kapacitet</a:t>
+            </a:r>
+            <a:r>
+              <a:rPr lang="en-US" baseline="0" dirty="0" smtClean="0"/>
+              <a:t> </a:t>
+            </a:r>
+            <a:r>
+              <a:rPr lang="en-US" baseline="0" dirty="0" err="1" smtClean="0"/>
+              <a:t>för</a:t>
+            </a:r>
+            <a:r>
+              <a:rPr lang="en-US" baseline="0" dirty="0" smtClean="0"/>
+              <a:t> </a:t>
+            </a:r>
+            <a:r>
+              <a:rPr lang="en-US" baseline="0" dirty="0" err="1" smtClean="0"/>
+              <a:t>att</a:t>
+            </a:r>
+            <a:r>
+              <a:rPr lang="en-US" baseline="0" dirty="0" smtClean="0"/>
+              <a:t> </a:t>
+            </a:r>
+            <a:r>
+              <a:rPr lang="en-US" baseline="0" dirty="0" err="1" smtClean="0"/>
+              <a:t>starta</a:t>
+            </a:r>
+            <a:r>
+              <a:rPr lang="en-US" baseline="0" dirty="0" smtClean="0"/>
+              <a:t> </a:t>
+            </a:r>
+            <a:r>
+              <a:rPr lang="en-US" baseline="0" dirty="0" err="1" smtClean="0"/>
+              <a:t>upp</a:t>
+            </a:r>
+            <a:r>
+              <a:rPr lang="en-US" baseline="0" dirty="0" smtClean="0"/>
+              <a:t> </a:t>
+            </a:r>
+            <a:r>
+              <a:rPr lang="en-US" baseline="0" dirty="0" err="1" smtClean="0"/>
+              <a:t>en</a:t>
+            </a:r>
+            <a:r>
+              <a:rPr lang="en-US" baseline="0" dirty="0" smtClean="0"/>
+              <a:t> </a:t>
+            </a:r>
+            <a:r>
+              <a:rPr lang="en-US" baseline="0" dirty="0" err="1" smtClean="0"/>
+              <a:t>ny</a:t>
+            </a:r>
+            <a:r>
+              <a:rPr lang="en-US" baseline="0" dirty="0" smtClean="0"/>
+              <a:t> actor. Nodes last </a:t>
+            </a:r>
+            <a:r>
+              <a:rPr lang="en-US" baseline="0" dirty="0" err="1" smtClean="0"/>
+              <a:t>kan</a:t>
+            </a:r>
+            <a:r>
+              <a:rPr lang="en-US" baseline="0" dirty="0" smtClean="0"/>
+              <a:t> </a:t>
+            </a:r>
+            <a:r>
+              <a:rPr lang="en-US" baseline="0" dirty="0" err="1" smtClean="0"/>
+              <a:t>även</a:t>
+            </a:r>
+            <a:r>
+              <a:rPr lang="en-US" baseline="0" dirty="0" smtClean="0"/>
+              <a:t> </a:t>
+            </a:r>
+            <a:r>
+              <a:rPr lang="en-US" baseline="0" dirty="0" err="1" smtClean="0"/>
+              <a:t>inkluderas</a:t>
+            </a:r>
+            <a:r>
+              <a:rPr lang="en-US" baseline="0" dirty="0" smtClean="0"/>
+              <a:t> </a:t>
+            </a:r>
+            <a:r>
+              <a:rPr lang="en-US" baseline="0" dirty="0" err="1" smtClean="0"/>
+              <a:t>vilket</a:t>
+            </a:r>
+            <a:r>
+              <a:rPr lang="en-US" baseline="0" dirty="0" smtClean="0"/>
               <a:t> vi </a:t>
             </a:r>
             <a:r>
               <a:rPr lang="en-US" baseline="0" dirty="0" err="1" smtClean="0"/>
-              <a:t>bara</a:t>
-            </a:r>
-            <a:r>
-              <a:rPr lang="en-US" baseline="0" dirty="0" smtClean="0"/>
-              <a:t> </a:t>
-            </a:r>
-            <a:r>
-              <a:rPr lang="en-US" baseline="0" dirty="0" err="1" smtClean="0"/>
-              <a:t>kört</a:t>
-            </a:r>
-            <a:r>
-              <a:rPr lang="en-US" baseline="0" dirty="0" smtClean="0"/>
-              <a:t> en </a:t>
-            </a:r>
-            <a:r>
-              <a:rPr lang="en-US" baseline="0" dirty="0" err="1" smtClean="0"/>
-              <a:t>applikation</a:t>
-            </a:r>
-            <a:r>
-              <a:rPr lang="en-US" baseline="0" dirty="0" smtClean="0"/>
-              <a:t>. Men </a:t>
-            </a:r>
-            <a:r>
-              <a:rPr lang="en-US" baseline="0" dirty="0" err="1" smtClean="0"/>
-              <a:t>även</a:t>
-            </a:r>
-            <a:r>
-              <a:rPr lang="en-US" baseline="0" dirty="0" smtClean="0"/>
-              <a:t> om man </a:t>
-            </a:r>
-            <a:r>
-              <a:rPr lang="en-US" baseline="0" dirty="0" err="1" smtClean="0"/>
-              <a:t>kör</a:t>
-            </a:r>
-            <a:r>
-              <a:rPr lang="en-US" baseline="0" dirty="0" smtClean="0"/>
-              <a:t> </a:t>
-            </a:r>
-            <a:r>
-              <a:rPr lang="en-US" baseline="0" dirty="0" err="1" smtClean="0"/>
-              <a:t>flera</a:t>
-            </a:r>
-            <a:r>
-              <a:rPr lang="en-US" baseline="0" dirty="0" smtClean="0"/>
-              <a:t> </a:t>
-            </a:r>
-            <a:r>
-              <a:rPr lang="en-US" baseline="0" dirty="0" err="1" smtClean="0"/>
-              <a:t>applikationer</a:t>
+              <a:t>visade</a:t>
+            </a:r>
+            <a:r>
+              <a:rPr lang="en-US" baseline="0" dirty="0" smtClean="0"/>
+              <a:t> </a:t>
+            </a:r>
+            <a:r>
+              <a:rPr lang="en-US" baseline="0" dirty="0" err="1" smtClean="0"/>
+              <a:t>inte</a:t>
+            </a:r>
+            <a:r>
+              <a:rPr lang="en-US" baseline="0" dirty="0" smtClean="0"/>
+              <a:t> </a:t>
+            </a:r>
+            <a:r>
+              <a:rPr lang="en-US" baseline="0" dirty="0" err="1" smtClean="0"/>
+              <a:t>var</a:t>
             </a:r>
             <a:r>
               <a:rPr lang="en-US" baseline="0" dirty="0" smtClean="0"/>
@@ -16817,613 +16755,11 @@
             </a:r>
             <a:r>
               <a:rPr lang="en-US" baseline="0" dirty="0" err="1" smtClean="0"/>
-              <a:t>kommer</a:t>
-            </a:r>
-            <a:r>
-              <a:rPr lang="en-US" baseline="0" dirty="0" smtClean="0"/>
-              <a:t> </a:t>
-            </a:r>
-            <a:r>
-              <a:rPr lang="en-US" baseline="0" dirty="0" err="1" smtClean="0"/>
-              <a:t>optimala</a:t>
-            </a:r>
-            <a:r>
-              <a:rPr lang="en-US" baseline="0" dirty="0" smtClean="0"/>
-              <a:t> </a:t>
-            </a:r>
-            <a:r>
-              <a:rPr lang="en-US" baseline="0" dirty="0" err="1" smtClean="0"/>
-              <a:t>antalet</a:t>
-            </a:r>
-            <a:r>
-              <a:rPr lang="en-US" baseline="0" dirty="0" smtClean="0"/>
-              <a:t> </a:t>
-            </a:r>
-            <a:r>
-              <a:rPr lang="en-US" baseline="0" dirty="0" err="1" smtClean="0"/>
-              <a:t>noder</a:t>
-            </a:r>
-            <a:r>
-              <a:rPr lang="en-US" baseline="0" dirty="0" smtClean="0"/>
-              <a:t> </a:t>
-            </a:r>
-            <a:r>
-              <a:rPr lang="en-US" baseline="0" dirty="0" err="1" smtClean="0"/>
-              <a:t>och</a:t>
-            </a:r>
-            <a:r>
-              <a:rPr lang="en-US" baseline="0" dirty="0" smtClean="0"/>
-              <a:t> </a:t>
-            </a:r>
-            <a:r>
-              <a:rPr lang="en-US" baseline="0" dirty="0" err="1" smtClean="0"/>
-              <a:t>därmed</a:t>
-            </a:r>
-            <a:r>
-              <a:rPr lang="en-US" baseline="0" dirty="0" smtClean="0"/>
-              <a:t> </a:t>
-            </a:r>
-            <a:r>
-              <a:rPr lang="en-US" baseline="0" dirty="0" err="1" smtClean="0"/>
-              <a:t>vara</a:t>
-            </a:r>
-            <a:r>
-              <a:rPr lang="en-US" baseline="0" dirty="0" smtClean="0"/>
-              <a:t> </a:t>
-            </a:r>
-            <a:r>
-              <a:rPr lang="en-US" baseline="0" dirty="0" err="1" smtClean="0"/>
-              <a:t>energi-effektiv</a:t>
-            </a:r>
-            <a:r>
-              <a:rPr lang="en-US" baseline="0" dirty="0" smtClean="0"/>
-              <a:t>.  </a:t>
-            </a:r>
-            <a:r>
-              <a:rPr lang="en-US" baseline="0" dirty="0" err="1" smtClean="0"/>
-              <a:t>Tex</a:t>
-            </a:r>
-            <a:r>
-              <a:rPr lang="en-US" baseline="0" dirty="0" smtClean="0"/>
-              <a:t> om man </a:t>
-            </a:r>
-            <a:r>
-              <a:rPr lang="en-US" baseline="0" dirty="0" err="1" smtClean="0"/>
-              <a:t>har</a:t>
-            </a:r>
-            <a:r>
-              <a:rPr lang="en-US" baseline="0" dirty="0" smtClean="0"/>
-              <a:t> 3 </a:t>
-            </a:r>
-            <a:r>
-              <a:rPr lang="en-US" baseline="0" dirty="0" err="1" smtClean="0"/>
-              <a:t>applikationer</a:t>
-            </a:r>
-            <a:r>
-              <a:rPr lang="en-US" baseline="0" dirty="0" smtClean="0"/>
-              <a:t>, </a:t>
-            </a:r>
-            <a:r>
-              <a:rPr lang="en-US" baseline="0" dirty="0" err="1" smtClean="0"/>
-              <a:t>där</a:t>
-            </a:r>
-            <a:r>
-              <a:rPr lang="en-US" baseline="0" dirty="0" smtClean="0"/>
-              <a:t> </a:t>
-            </a:r>
-            <a:r>
-              <a:rPr lang="en-US" baseline="0" dirty="0" err="1" smtClean="0"/>
-              <a:t>två</a:t>
-            </a:r>
-            <a:r>
-              <a:rPr lang="en-US" baseline="0" dirty="0" smtClean="0"/>
-              <a:t> </a:t>
-            </a:r>
-            <a:r>
-              <a:rPr lang="en-US" baseline="0" dirty="0" err="1" smtClean="0"/>
-              <a:t>kräver</a:t>
-            </a:r>
-            <a:r>
-              <a:rPr lang="en-US" baseline="0" dirty="0" smtClean="0"/>
-              <a:t> 3 </a:t>
-            </a:r>
-            <a:r>
-              <a:rPr lang="en-US" baseline="0" dirty="0" err="1" smtClean="0"/>
-              <a:t>replikor</a:t>
-            </a:r>
-            <a:r>
-              <a:rPr lang="en-US" baseline="0" dirty="0" smtClean="0"/>
-              <a:t> </a:t>
-            </a:r>
-            <a:r>
-              <a:rPr lang="en-US" baseline="0" dirty="0" err="1" smtClean="0"/>
-              <a:t>och</a:t>
-            </a:r>
-            <a:r>
-              <a:rPr lang="en-US" baseline="0" dirty="0" smtClean="0"/>
-              <a:t> en </a:t>
-            </a:r>
-            <a:r>
-              <a:rPr lang="en-US" baseline="0" dirty="0" err="1" smtClean="0"/>
-              <a:t>kräver</a:t>
-            </a:r>
-            <a:r>
-              <a:rPr lang="en-US" baseline="0" dirty="0" smtClean="0"/>
-              <a:t> 4 </a:t>
-            </a:r>
-            <a:r>
-              <a:rPr lang="en-US" baseline="0" dirty="0" err="1" smtClean="0"/>
-              <a:t>replikor</a:t>
-            </a:r>
-            <a:r>
-              <a:rPr lang="en-US" baseline="0" dirty="0" smtClean="0"/>
-              <a:t>. </a:t>
-            </a:r>
-            <a:r>
-              <a:rPr lang="en-US" baseline="0" dirty="0" err="1" smtClean="0"/>
-              <a:t>Så</a:t>
-            </a:r>
-            <a:r>
-              <a:rPr lang="en-US" baseline="0" dirty="0" smtClean="0"/>
-              <a:t> </a:t>
-            </a:r>
-            <a:r>
-              <a:rPr lang="en-US" baseline="0" dirty="0" err="1" smtClean="0"/>
-              <a:t>kommer</a:t>
-            </a:r>
-            <a:r>
-              <a:rPr lang="en-US" baseline="0" dirty="0" smtClean="0"/>
-              <a:t> de 4 </a:t>
-            </a:r>
-            <a:r>
-              <a:rPr lang="en-US" baseline="0" dirty="0" err="1" smtClean="0"/>
-              <a:t>mest</a:t>
-            </a:r>
-            <a:r>
-              <a:rPr lang="en-US" baseline="0" dirty="0" smtClean="0"/>
-              <a:t> </a:t>
-            </a:r>
-            <a:r>
-              <a:rPr lang="en-US" baseline="0" dirty="0" err="1" smtClean="0"/>
-              <a:t>tillförlitliga</a:t>
-            </a:r>
-            <a:r>
-              <a:rPr lang="en-US" baseline="0" dirty="0" smtClean="0"/>
-              <a:t> </a:t>
-            </a:r>
-            <a:r>
-              <a:rPr lang="en-US" baseline="0" dirty="0" err="1" smtClean="0"/>
-              <a:t>noderna</a:t>
-            </a:r>
-            <a:r>
-              <a:rPr lang="en-US" baseline="0" dirty="0" smtClean="0"/>
-              <a:t> </a:t>
-            </a:r>
-            <a:r>
-              <a:rPr lang="en-US" baseline="0" dirty="0" err="1" smtClean="0"/>
-              <a:t>att</a:t>
-            </a:r>
-            <a:r>
-              <a:rPr lang="en-US" baseline="0" dirty="0" smtClean="0"/>
-              <a:t> </a:t>
-            </a:r>
-            <a:r>
-              <a:rPr lang="en-US" baseline="0" dirty="0" err="1" smtClean="0"/>
-              <a:t>användas</a:t>
+              <a:t>svårt</a:t>
             </a:r>
             <a:r>
               <a:rPr lang="en-US" baseline="0" dirty="0" smtClean="0"/>
               <a:t>.</a:t>
-            </a:r>
-          </a:p>
-          <a:p>
-            <a:endParaRPr lang="en-US" baseline="0" dirty="0" smtClean="0"/>
-          </a:p>
-          <a:p>
-            <a:r>
-              <a:rPr lang="en-US" baseline="0" dirty="0" err="1" smtClean="0"/>
-              <a:t>Detta</a:t>
-            </a:r>
-            <a:r>
-              <a:rPr lang="en-US" baseline="0" dirty="0" smtClean="0"/>
-              <a:t> </a:t>
-            </a:r>
-            <a:r>
-              <a:rPr lang="en-US" baseline="0" dirty="0" err="1" smtClean="0"/>
-              <a:t>förutsätter</a:t>
-            </a:r>
-            <a:r>
-              <a:rPr lang="en-US" baseline="0" dirty="0" smtClean="0"/>
-              <a:t> dock </a:t>
-            </a:r>
-            <a:r>
-              <a:rPr lang="en-US" baseline="0" dirty="0" err="1" smtClean="0"/>
-              <a:t>att</a:t>
-            </a:r>
-            <a:r>
-              <a:rPr lang="en-US" baseline="0" dirty="0" smtClean="0"/>
-              <a:t> </a:t>
-            </a:r>
-            <a:r>
-              <a:rPr lang="en-US" baseline="0" dirty="0" err="1" smtClean="0"/>
-              <a:t>ingen</a:t>
-            </a:r>
-            <a:r>
-              <a:rPr lang="en-US" baseline="0" dirty="0" smtClean="0"/>
-              <a:t> nod </a:t>
-            </a:r>
-            <a:r>
-              <a:rPr lang="en-US" baseline="0" dirty="0" err="1" smtClean="0"/>
-              <a:t>blir</a:t>
-            </a:r>
-            <a:r>
-              <a:rPr lang="en-US" baseline="0" dirty="0" smtClean="0"/>
-              <a:t> overloaded </a:t>
-            </a:r>
-            <a:r>
-              <a:rPr lang="en-US" baseline="0" dirty="0" err="1" smtClean="0"/>
-              <a:t>utan</a:t>
-            </a:r>
-            <a:r>
-              <a:rPr lang="en-US" baseline="0" dirty="0" smtClean="0"/>
-              <a:t> </a:t>
-            </a:r>
-            <a:r>
-              <a:rPr lang="en-US" baseline="0" dirty="0" err="1" smtClean="0"/>
-              <a:t>att</a:t>
-            </a:r>
-            <a:r>
-              <a:rPr lang="en-US" baseline="0" dirty="0" smtClean="0"/>
-              <a:t> de </a:t>
-            </a:r>
-            <a:r>
-              <a:rPr lang="en-US" baseline="0" dirty="0" err="1" smtClean="0"/>
-              <a:t>har</a:t>
-            </a:r>
-            <a:r>
-              <a:rPr lang="en-US" baseline="0" dirty="0" smtClean="0"/>
-              <a:t> plats till de </a:t>
-            </a:r>
-            <a:r>
-              <a:rPr lang="en-US" baseline="0" dirty="0" err="1" smtClean="0"/>
-              <a:t>replikor</a:t>
-            </a:r>
-            <a:r>
-              <a:rPr lang="en-US" baseline="0" dirty="0" smtClean="0"/>
-              <a:t> man </a:t>
-            </a:r>
-            <a:r>
-              <a:rPr lang="en-US" baseline="0" dirty="0" err="1" smtClean="0"/>
-              <a:t>placerar</a:t>
-            </a:r>
-            <a:r>
-              <a:rPr lang="en-US" baseline="0" dirty="0" smtClean="0"/>
-              <a:t> </a:t>
-            </a:r>
-            <a:r>
-              <a:rPr lang="en-US" baseline="0" dirty="0" err="1" smtClean="0"/>
-              <a:t>där</a:t>
-            </a:r>
-            <a:r>
-              <a:rPr lang="en-US" baseline="0" dirty="0" smtClean="0"/>
-              <a:t>.</a:t>
-            </a:r>
-          </a:p>
-          <a:p>
-            <a:endParaRPr lang="en-US" baseline="0" dirty="0" smtClean="0"/>
-          </a:p>
-          <a:p>
-            <a:r>
-              <a:rPr lang="en-US" baseline="0" dirty="0" err="1" smtClean="0"/>
-              <a:t>Vidare</a:t>
-            </a:r>
-            <a:r>
-              <a:rPr lang="en-US" baseline="0" dirty="0" smtClean="0"/>
-              <a:t> </a:t>
-            </a:r>
-            <a:r>
-              <a:rPr lang="en-US" baseline="0" dirty="0" err="1" smtClean="0"/>
-              <a:t>så</a:t>
-            </a:r>
-            <a:r>
-              <a:rPr lang="en-US" baseline="0" dirty="0" smtClean="0"/>
-              <a:t> </a:t>
-            </a:r>
-            <a:r>
-              <a:rPr lang="en-US" baseline="0" dirty="0" err="1" smtClean="0"/>
-              <a:t>ser</a:t>
-            </a:r>
-            <a:r>
-              <a:rPr lang="en-US" baseline="0" dirty="0" smtClean="0"/>
-              <a:t> vi </a:t>
-            </a:r>
-            <a:r>
-              <a:rPr lang="en-US" baseline="0" dirty="0" err="1" smtClean="0"/>
-              <a:t>inte</a:t>
-            </a:r>
-            <a:r>
-              <a:rPr lang="en-US" baseline="0" dirty="0" smtClean="0"/>
-              <a:t> </a:t>
-            </a:r>
-            <a:r>
-              <a:rPr lang="en-US" baseline="0" dirty="0" err="1" smtClean="0"/>
-              <a:t>nödvändigtvis</a:t>
-            </a:r>
-            <a:r>
-              <a:rPr lang="en-US" baseline="0" dirty="0" smtClean="0"/>
-              <a:t> till </a:t>
-            </a:r>
-            <a:r>
-              <a:rPr lang="en-US" baseline="0" dirty="0" err="1" smtClean="0"/>
-              <a:t>att</a:t>
-            </a:r>
-            <a:r>
-              <a:rPr lang="en-US" baseline="0" dirty="0" smtClean="0"/>
-              <a:t> </a:t>
-            </a:r>
-            <a:r>
-              <a:rPr lang="en-US" baseline="0" dirty="0" err="1" smtClean="0"/>
-              <a:t>medelvärdet</a:t>
-            </a:r>
-            <a:r>
-              <a:rPr lang="en-US" baseline="0" dirty="0" smtClean="0"/>
-              <a:t> </a:t>
-            </a:r>
-            <a:r>
-              <a:rPr lang="en-US" baseline="0" dirty="0" err="1" smtClean="0"/>
-              <a:t>för</a:t>
-            </a:r>
-            <a:r>
-              <a:rPr lang="en-US" baseline="0" dirty="0" smtClean="0"/>
-              <a:t> </a:t>
-            </a:r>
-            <a:r>
-              <a:rPr lang="en-US" baseline="0" dirty="0" err="1" smtClean="0"/>
-              <a:t>tillförlitligheten</a:t>
-            </a:r>
-            <a:r>
-              <a:rPr lang="en-US" baseline="0" dirty="0" smtClean="0"/>
-              <a:t> </a:t>
-            </a:r>
-            <a:r>
-              <a:rPr lang="en-US" baseline="0" dirty="0" err="1" smtClean="0"/>
-              <a:t>är</a:t>
-            </a:r>
-            <a:r>
-              <a:rPr lang="en-US" baseline="0" dirty="0" smtClean="0"/>
-              <a:t> </a:t>
-            </a:r>
-            <a:r>
-              <a:rPr lang="en-US" baseline="0" dirty="0" err="1" smtClean="0"/>
-              <a:t>över</a:t>
-            </a:r>
-            <a:r>
-              <a:rPr lang="en-US" baseline="0" dirty="0" smtClean="0"/>
-              <a:t> </a:t>
-            </a:r>
-            <a:r>
-              <a:rPr lang="en-US" baseline="0" dirty="0" err="1" smtClean="0"/>
-              <a:t>det</a:t>
-            </a:r>
-            <a:r>
-              <a:rPr lang="en-US" baseline="0" dirty="0" smtClean="0"/>
-              <a:t> vi </a:t>
-            </a:r>
-            <a:r>
-              <a:rPr lang="en-US" baseline="0" dirty="0" err="1" smtClean="0"/>
-              <a:t>vill</a:t>
-            </a:r>
-            <a:r>
-              <a:rPr lang="en-US" baseline="0" dirty="0" smtClean="0"/>
-              <a:t> ha. Man </a:t>
-            </a:r>
-            <a:r>
-              <a:rPr lang="en-US" baseline="0" dirty="0" err="1" smtClean="0"/>
-              <a:t>kan</a:t>
-            </a:r>
-            <a:r>
-              <a:rPr lang="en-US" baseline="0" dirty="0" smtClean="0"/>
-              <a:t> </a:t>
-            </a:r>
-            <a:r>
-              <a:rPr lang="en-US" baseline="0" dirty="0" err="1" smtClean="0"/>
-              <a:t>tänka</a:t>
-            </a:r>
-            <a:r>
-              <a:rPr lang="en-US" baseline="0" dirty="0" smtClean="0"/>
-              <a:t> sig </a:t>
-            </a:r>
-            <a:r>
-              <a:rPr lang="en-US" baseline="0" dirty="0" err="1" smtClean="0"/>
-              <a:t>att</a:t>
-            </a:r>
-            <a:r>
-              <a:rPr lang="en-US" baseline="0" dirty="0" smtClean="0"/>
-              <a:t> med </a:t>
-            </a:r>
-            <a:r>
-              <a:rPr lang="en-US" baseline="0" dirty="0" err="1" smtClean="0"/>
-              <a:t>två</a:t>
-            </a:r>
-            <a:r>
-              <a:rPr lang="en-US" baseline="0" dirty="0" smtClean="0"/>
-              <a:t> </a:t>
-            </a:r>
-            <a:r>
-              <a:rPr lang="en-US" baseline="0" dirty="0" err="1" smtClean="0"/>
-              <a:t>replikor</a:t>
-            </a:r>
-            <a:r>
-              <a:rPr lang="en-US" baseline="0" dirty="0" smtClean="0"/>
-              <a:t> </a:t>
-            </a:r>
-            <a:r>
-              <a:rPr lang="en-US" baseline="0" dirty="0" err="1" smtClean="0"/>
-              <a:t>når</a:t>
-            </a:r>
-            <a:r>
-              <a:rPr lang="en-US" baseline="0" dirty="0" smtClean="0"/>
-              <a:t> vi </a:t>
-            </a:r>
-            <a:r>
-              <a:rPr lang="en-US" baseline="0" dirty="0" err="1" smtClean="0"/>
-              <a:t>precis</a:t>
-            </a:r>
-            <a:r>
-              <a:rPr lang="en-US" baseline="0" dirty="0" smtClean="0"/>
-              <a:t> </a:t>
-            </a:r>
-            <a:r>
-              <a:rPr lang="en-US" baseline="0" dirty="0" err="1" smtClean="0"/>
-              <a:t>över</a:t>
-            </a:r>
-            <a:r>
-              <a:rPr lang="en-US" baseline="0" dirty="0" smtClean="0"/>
-              <a:t> </a:t>
-            </a:r>
-            <a:r>
-              <a:rPr lang="en-US" baseline="0" dirty="0" err="1" smtClean="0"/>
-              <a:t>det</a:t>
-            </a:r>
-            <a:r>
-              <a:rPr lang="en-US" baseline="0" dirty="0" smtClean="0"/>
-              <a:t> </a:t>
-            </a:r>
-            <a:r>
-              <a:rPr lang="en-US" baseline="0" dirty="0" err="1" smtClean="0"/>
-              <a:t>önskade</a:t>
-            </a:r>
-            <a:r>
-              <a:rPr lang="en-US" baseline="0" dirty="0" smtClean="0"/>
-              <a:t> </a:t>
-            </a:r>
-            <a:r>
-              <a:rPr lang="en-US" baseline="0" dirty="0" err="1" smtClean="0"/>
-              <a:t>värdet</a:t>
-            </a:r>
-            <a:r>
-              <a:rPr lang="en-US" baseline="0" dirty="0" smtClean="0"/>
-              <a:t>, men under </a:t>
-            </a:r>
-            <a:r>
-              <a:rPr lang="en-US" baseline="0" dirty="0" err="1" smtClean="0"/>
-              <a:t>tiden</a:t>
-            </a:r>
-            <a:r>
-              <a:rPr lang="en-US" baseline="0" dirty="0" smtClean="0"/>
-              <a:t> </a:t>
-            </a:r>
-            <a:r>
-              <a:rPr lang="en-US" baseline="0" dirty="0" err="1" smtClean="0"/>
-              <a:t>bara</a:t>
-            </a:r>
-            <a:r>
-              <a:rPr lang="en-US" baseline="0" dirty="0" smtClean="0"/>
-              <a:t> en </a:t>
-            </a:r>
-            <a:r>
-              <a:rPr lang="en-US" baseline="0" dirty="0" err="1" smtClean="0"/>
-              <a:t>replika</a:t>
-            </a:r>
-            <a:r>
-              <a:rPr lang="en-US" baseline="0" dirty="0" smtClean="0"/>
-              <a:t> </a:t>
-            </a:r>
-            <a:r>
-              <a:rPr lang="en-US" baseline="0" dirty="0" err="1" smtClean="0"/>
-              <a:t>körs</a:t>
-            </a:r>
-            <a:r>
-              <a:rPr lang="en-US" baseline="0" dirty="0" smtClean="0"/>
-              <a:t> </a:t>
-            </a:r>
-            <a:r>
-              <a:rPr lang="en-US" baseline="0" dirty="0" err="1" smtClean="0"/>
-              <a:t>så</a:t>
-            </a:r>
-            <a:r>
-              <a:rPr lang="en-US" baseline="0" dirty="0" smtClean="0"/>
-              <a:t> </a:t>
-            </a:r>
-            <a:r>
-              <a:rPr lang="en-US" baseline="0" dirty="0" err="1" smtClean="0"/>
-              <a:t>är</a:t>
-            </a:r>
-            <a:r>
-              <a:rPr lang="en-US" baseline="0" dirty="0" smtClean="0"/>
-              <a:t> </a:t>
-            </a:r>
-            <a:r>
-              <a:rPr lang="en-US" baseline="0" dirty="0" err="1" smtClean="0"/>
-              <a:t>värdet</a:t>
-            </a:r>
-            <a:r>
-              <a:rPr lang="en-US" baseline="0" dirty="0" smtClean="0"/>
-              <a:t> </a:t>
-            </a:r>
-            <a:r>
-              <a:rPr lang="en-US" baseline="0" dirty="0" err="1" smtClean="0"/>
-              <a:t>så</a:t>
-            </a:r>
-            <a:r>
-              <a:rPr lang="en-US" baseline="0" dirty="0" smtClean="0"/>
-              <a:t> </a:t>
-            </a:r>
-            <a:r>
-              <a:rPr lang="en-US" baseline="0" dirty="0" err="1" smtClean="0"/>
-              <a:t>lågt</a:t>
-            </a:r>
-            <a:r>
-              <a:rPr lang="en-US" baseline="0" dirty="0" smtClean="0"/>
-              <a:t> </a:t>
-            </a:r>
-            <a:r>
-              <a:rPr lang="en-US" baseline="0" dirty="0" err="1" smtClean="0"/>
-              <a:t>att</a:t>
-            </a:r>
-            <a:r>
-              <a:rPr lang="en-US" baseline="0" dirty="0" smtClean="0"/>
-              <a:t> </a:t>
-            </a:r>
-            <a:r>
-              <a:rPr lang="en-US" baseline="0" dirty="0" err="1" smtClean="0"/>
-              <a:t>medelvärdet</a:t>
-            </a:r>
-            <a:r>
-              <a:rPr lang="en-US" baseline="0" dirty="0" smtClean="0"/>
-              <a:t> </a:t>
-            </a:r>
-            <a:r>
-              <a:rPr lang="en-US" baseline="0" dirty="0" err="1" smtClean="0"/>
-              <a:t>också</a:t>
-            </a:r>
-            <a:r>
-              <a:rPr lang="en-US" baseline="0" dirty="0" smtClean="0"/>
-              <a:t> </a:t>
-            </a:r>
-            <a:r>
-              <a:rPr lang="en-US" baseline="0" dirty="0" err="1" smtClean="0"/>
-              <a:t>blir</a:t>
-            </a:r>
-            <a:r>
-              <a:rPr lang="en-US" baseline="0" dirty="0" smtClean="0"/>
-              <a:t> </a:t>
-            </a:r>
-            <a:r>
-              <a:rPr lang="en-US" baseline="0" dirty="0" err="1" smtClean="0"/>
-              <a:t>ganska</a:t>
-            </a:r>
-            <a:r>
-              <a:rPr lang="en-US" baseline="0" dirty="0" smtClean="0"/>
-              <a:t> </a:t>
-            </a:r>
-            <a:r>
-              <a:rPr lang="en-US" baseline="0" dirty="0" err="1" smtClean="0"/>
-              <a:t>lågt</a:t>
-            </a:r>
-            <a:r>
-              <a:rPr lang="en-US" baseline="0" dirty="0" smtClean="0"/>
-              <a:t>. </a:t>
             </a:r>
           </a:p>
         </p:txBody>
@@ -17454,7 +16790,7 @@
     </p:spTree>
     <p:extLst>
       <p:ext uri="{BB962C8B-B14F-4D97-AF65-F5344CB8AC3E}">
-        <p14:creationId xmlns:p14="http://schemas.microsoft.com/office/powerpoint/2010/main" val="215043946"/>
+        <p14:creationId xmlns:p14="http://schemas.microsoft.com/office/powerpoint/2010/main" val="908358918"/>
       </p:ext>
     </p:extLst>
   </p:cSld>
@@ -17509,8 +16845,462 @@
           <a:lstStyle/>
           <a:p>
             <a:r>
-              <a:rPr lang="en-US" dirty="0" smtClean="0"/>
-              <a:t>Calvin</a:t>
+              <a:rPr lang="en-US" baseline="0" dirty="0" smtClean="0"/>
+              <a:t>I </a:t>
+            </a:r>
+            <a:r>
+              <a:rPr lang="en-US" baseline="0" dirty="0" err="1" smtClean="0"/>
+              <a:t>våra</a:t>
+            </a:r>
+            <a:r>
+              <a:rPr lang="en-US" baseline="0" dirty="0" smtClean="0"/>
+              <a:t> experiment </a:t>
+            </a:r>
+            <a:r>
+              <a:rPr lang="en-US" baseline="0" dirty="0" err="1" smtClean="0"/>
+              <a:t>så</a:t>
+            </a:r>
+            <a:r>
+              <a:rPr lang="en-US" baseline="0" dirty="0" smtClean="0"/>
+              <a:t> </a:t>
+            </a:r>
+            <a:r>
+              <a:rPr lang="en-US" baseline="0" dirty="0" err="1" smtClean="0"/>
+              <a:t>har</a:t>
+            </a:r>
+            <a:r>
+              <a:rPr lang="en-US" baseline="0" dirty="0" smtClean="0"/>
+              <a:t> vi </a:t>
+            </a:r>
+            <a:r>
+              <a:rPr lang="en-US" baseline="0" dirty="0" err="1" smtClean="0"/>
+              <a:t>bara</a:t>
+            </a:r>
+            <a:r>
+              <a:rPr lang="en-US" baseline="0" dirty="0" smtClean="0"/>
+              <a:t> </a:t>
+            </a:r>
+            <a:r>
+              <a:rPr lang="en-US" baseline="0" dirty="0" err="1" smtClean="0"/>
+              <a:t>kört</a:t>
+            </a:r>
+            <a:r>
+              <a:rPr lang="en-US" baseline="0" dirty="0" smtClean="0"/>
+              <a:t> en </a:t>
+            </a:r>
+            <a:r>
+              <a:rPr lang="en-US" baseline="0" dirty="0" err="1" smtClean="0"/>
+              <a:t>applikation</a:t>
+            </a:r>
+            <a:r>
+              <a:rPr lang="en-US" baseline="0" dirty="0" smtClean="0"/>
+              <a:t>. Men </a:t>
+            </a:r>
+            <a:r>
+              <a:rPr lang="en-US" baseline="0" dirty="0" err="1" smtClean="0"/>
+              <a:t>även</a:t>
+            </a:r>
+            <a:r>
+              <a:rPr lang="en-US" baseline="0" dirty="0" smtClean="0"/>
+              <a:t> om man </a:t>
+            </a:r>
+            <a:r>
+              <a:rPr lang="en-US" baseline="0" dirty="0" err="1" smtClean="0"/>
+              <a:t>kör</a:t>
+            </a:r>
+            <a:r>
+              <a:rPr lang="en-US" baseline="0" dirty="0" smtClean="0"/>
+              <a:t> </a:t>
+            </a:r>
+            <a:r>
+              <a:rPr lang="en-US" baseline="0" dirty="0" err="1" smtClean="0"/>
+              <a:t>flera</a:t>
+            </a:r>
+            <a:r>
+              <a:rPr lang="en-US" baseline="0" dirty="0" smtClean="0"/>
+              <a:t> </a:t>
+            </a:r>
+            <a:r>
+              <a:rPr lang="en-US" baseline="0" dirty="0" err="1" smtClean="0"/>
+              <a:t>applikationer</a:t>
+            </a:r>
+            <a:r>
+              <a:rPr lang="en-US" baseline="0" dirty="0" smtClean="0"/>
+              <a:t> </a:t>
+            </a:r>
+            <a:r>
+              <a:rPr lang="en-US" baseline="0" dirty="0" err="1" smtClean="0"/>
+              <a:t>så</a:t>
+            </a:r>
+            <a:r>
+              <a:rPr lang="en-US" baseline="0" dirty="0" smtClean="0"/>
+              <a:t> </a:t>
+            </a:r>
+            <a:r>
+              <a:rPr lang="en-US" baseline="0" dirty="0" err="1" smtClean="0"/>
+              <a:t>kommer</a:t>
+            </a:r>
+            <a:r>
+              <a:rPr lang="en-US" baseline="0" dirty="0" smtClean="0"/>
+              <a:t> </a:t>
+            </a:r>
+            <a:r>
+              <a:rPr lang="en-US" baseline="0" dirty="0" err="1" smtClean="0"/>
+              <a:t>optimala</a:t>
+            </a:r>
+            <a:r>
+              <a:rPr lang="en-US" baseline="0" dirty="0" smtClean="0"/>
+              <a:t> </a:t>
+            </a:r>
+            <a:r>
+              <a:rPr lang="en-US" baseline="0" dirty="0" err="1" smtClean="0"/>
+              <a:t>antalet</a:t>
+            </a:r>
+            <a:r>
+              <a:rPr lang="en-US" baseline="0" dirty="0" smtClean="0"/>
+              <a:t> </a:t>
+            </a:r>
+            <a:r>
+              <a:rPr lang="en-US" baseline="0" dirty="0" err="1" smtClean="0"/>
+              <a:t>noder</a:t>
+            </a:r>
+            <a:r>
+              <a:rPr lang="en-US" baseline="0" dirty="0" smtClean="0"/>
+              <a:t> </a:t>
+            </a:r>
+            <a:r>
+              <a:rPr lang="en-US" baseline="0" dirty="0" err="1" smtClean="0"/>
+              <a:t>och</a:t>
+            </a:r>
+            <a:r>
+              <a:rPr lang="en-US" baseline="0" dirty="0" smtClean="0"/>
+              <a:t> </a:t>
+            </a:r>
+            <a:r>
+              <a:rPr lang="en-US" baseline="0" dirty="0" err="1" smtClean="0"/>
+              <a:t>därmed</a:t>
+            </a:r>
+            <a:r>
+              <a:rPr lang="en-US" baseline="0" dirty="0" smtClean="0"/>
+              <a:t> </a:t>
+            </a:r>
+            <a:r>
+              <a:rPr lang="en-US" baseline="0" dirty="0" err="1" smtClean="0"/>
+              <a:t>vara</a:t>
+            </a:r>
+            <a:r>
+              <a:rPr lang="en-US" baseline="0" dirty="0" smtClean="0"/>
+              <a:t> </a:t>
+            </a:r>
+            <a:r>
+              <a:rPr lang="en-US" baseline="0" dirty="0" err="1" smtClean="0"/>
+              <a:t>energi-effektiv</a:t>
+            </a:r>
+            <a:r>
+              <a:rPr lang="en-US" baseline="0" dirty="0" smtClean="0"/>
+              <a:t>.  </a:t>
+            </a:r>
+            <a:r>
+              <a:rPr lang="en-US" baseline="0" dirty="0" err="1" smtClean="0"/>
+              <a:t>Tex</a:t>
+            </a:r>
+            <a:r>
+              <a:rPr lang="en-US" baseline="0" dirty="0" smtClean="0"/>
+              <a:t> om man </a:t>
+            </a:r>
+            <a:r>
+              <a:rPr lang="en-US" baseline="0" dirty="0" err="1" smtClean="0"/>
+              <a:t>har</a:t>
+            </a:r>
+            <a:r>
+              <a:rPr lang="en-US" baseline="0" dirty="0" smtClean="0"/>
+              <a:t> 3 </a:t>
+            </a:r>
+            <a:r>
+              <a:rPr lang="en-US" baseline="0" dirty="0" err="1" smtClean="0"/>
+              <a:t>applikationer</a:t>
+            </a:r>
+            <a:r>
+              <a:rPr lang="en-US" baseline="0" dirty="0" smtClean="0"/>
+              <a:t>, </a:t>
+            </a:r>
+            <a:r>
+              <a:rPr lang="en-US" baseline="0" dirty="0" err="1" smtClean="0"/>
+              <a:t>där</a:t>
+            </a:r>
+            <a:r>
+              <a:rPr lang="en-US" baseline="0" dirty="0" smtClean="0"/>
+              <a:t> </a:t>
+            </a:r>
+            <a:r>
+              <a:rPr lang="en-US" baseline="0" dirty="0" err="1" smtClean="0"/>
+              <a:t>två</a:t>
+            </a:r>
+            <a:r>
+              <a:rPr lang="en-US" baseline="0" dirty="0" smtClean="0"/>
+              <a:t> </a:t>
+            </a:r>
+            <a:r>
+              <a:rPr lang="en-US" baseline="0" dirty="0" err="1" smtClean="0"/>
+              <a:t>kräver</a:t>
+            </a:r>
+            <a:r>
+              <a:rPr lang="en-US" baseline="0" dirty="0" smtClean="0"/>
+              <a:t> 3 </a:t>
+            </a:r>
+            <a:r>
+              <a:rPr lang="en-US" baseline="0" dirty="0" err="1" smtClean="0"/>
+              <a:t>replikor</a:t>
+            </a:r>
+            <a:r>
+              <a:rPr lang="en-US" baseline="0" dirty="0" smtClean="0"/>
+              <a:t> </a:t>
+            </a:r>
+            <a:r>
+              <a:rPr lang="en-US" baseline="0" dirty="0" err="1" smtClean="0"/>
+              <a:t>och</a:t>
+            </a:r>
+            <a:r>
+              <a:rPr lang="en-US" baseline="0" dirty="0" smtClean="0"/>
+              <a:t> en </a:t>
+            </a:r>
+            <a:r>
+              <a:rPr lang="en-US" baseline="0" dirty="0" err="1" smtClean="0"/>
+              <a:t>kräver</a:t>
+            </a:r>
+            <a:r>
+              <a:rPr lang="en-US" baseline="0" dirty="0" smtClean="0"/>
+              <a:t> 4 </a:t>
+            </a:r>
+            <a:r>
+              <a:rPr lang="en-US" baseline="0" dirty="0" err="1" smtClean="0"/>
+              <a:t>replikor</a:t>
+            </a:r>
+            <a:r>
+              <a:rPr lang="en-US" baseline="0" dirty="0" smtClean="0"/>
+              <a:t>. </a:t>
+            </a:r>
+            <a:r>
+              <a:rPr lang="en-US" baseline="0" dirty="0" err="1" smtClean="0"/>
+              <a:t>Så</a:t>
+            </a:r>
+            <a:r>
+              <a:rPr lang="en-US" baseline="0" dirty="0" smtClean="0"/>
+              <a:t> </a:t>
+            </a:r>
+            <a:r>
+              <a:rPr lang="en-US" baseline="0" dirty="0" err="1" smtClean="0"/>
+              <a:t>kommer</a:t>
+            </a:r>
+            <a:r>
+              <a:rPr lang="en-US" baseline="0" dirty="0" smtClean="0"/>
+              <a:t> de 4 </a:t>
+            </a:r>
+            <a:r>
+              <a:rPr lang="en-US" baseline="0" dirty="0" err="1" smtClean="0"/>
+              <a:t>mest</a:t>
+            </a:r>
+            <a:r>
+              <a:rPr lang="en-US" baseline="0" dirty="0" smtClean="0"/>
+              <a:t> </a:t>
+            </a:r>
+            <a:r>
+              <a:rPr lang="en-US" baseline="0" dirty="0" err="1" smtClean="0"/>
+              <a:t>tillförlitliga</a:t>
+            </a:r>
+            <a:r>
+              <a:rPr lang="en-US" baseline="0" dirty="0" smtClean="0"/>
+              <a:t> </a:t>
+            </a:r>
+            <a:r>
+              <a:rPr lang="en-US" baseline="0" dirty="0" err="1" smtClean="0"/>
+              <a:t>noderna</a:t>
+            </a:r>
+            <a:r>
+              <a:rPr lang="en-US" baseline="0" dirty="0" smtClean="0"/>
+              <a:t> </a:t>
+            </a:r>
+            <a:r>
+              <a:rPr lang="en-US" baseline="0" dirty="0" err="1" smtClean="0"/>
+              <a:t>att</a:t>
+            </a:r>
+            <a:r>
+              <a:rPr lang="en-US" baseline="0" dirty="0" smtClean="0"/>
+              <a:t> </a:t>
+            </a:r>
+            <a:r>
+              <a:rPr lang="en-US" baseline="0" dirty="0" err="1" smtClean="0"/>
+              <a:t>användas</a:t>
+            </a:r>
+            <a:r>
+              <a:rPr lang="en-US" baseline="0" dirty="0" smtClean="0"/>
+              <a:t>.</a:t>
+            </a:r>
+          </a:p>
+          <a:p>
+            <a:endParaRPr lang="en-US" baseline="0" dirty="0" smtClean="0"/>
+          </a:p>
+          <a:p>
+            <a:r>
+              <a:rPr lang="en-US" baseline="0" dirty="0" err="1" smtClean="0"/>
+              <a:t>Detta</a:t>
+            </a:r>
+            <a:r>
+              <a:rPr lang="en-US" baseline="0" dirty="0" smtClean="0"/>
+              <a:t> </a:t>
+            </a:r>
+            <a:r>
+              <a:rPr lang="en-US" baseline="0" dirty="0" err="1" smtClean="0"/>
+              <a:t>förutsätter</a:t>
+            </a:r>
+            <a:r>
+              <a:rPr lang="en-US" baseline="0" dirty="0" smtClean="0"/>
+              <a:t> dock </a:t>
+            </a:r>
+            <a:r>
+              <a:rPr lang="en-US" baseline="0" dirty="0" err="1" smtClean="0"/>
+              <a:t>att</a:t>
+            </a:r>
+            <a:r>
+              <a:rPr lang="en-US" baseline="0" dirty="0" smtClean="0"/>
+              <a:t> </a:t>
+            </a:r>
+            <a:r>
+              <a:rPr lang="en-US" baseline="0" dirty="0" err="1" smtClean="0"/>
+              <a:t>ingen</a:t>
+            </a:r>
+            <a:r>
+              <a:rPr lang="en-US" baseline="0" dirty="0" smtClean="0"/>
+              <a:t> nod </a:t>
+            </a:r>
+            <a:r>
+              <a:rPr lang="en-US" baseline="0" dirty="0" err="1" smtClean="0"/>
+              <a:t>blir</a:t>
+            </a:r>
+            <a:r>
+              <a:rPr lang="en-US" baseline="0" dirty="0" smtClean="0"/>
+              <a:t> overloaded </a:t>
+            </a:r>
+            <a:r>
+              <a:rPr lang="en-US" baseline="0" dirty="0" err="1" smtClean="0"/>
+              <a:t>utan</a:t>
+            </a:r>
+            <a:r>
+              <a:rPr lang="en-US" baseline="0" dirty="0" smtClean="0"/>
+              <a:t> </a:t>
+            </a:r>
+            <a:r>
+              <a:rPr lang="en-US" baseline="0" dirty="0" err="1" smtClean="0"/>
+              <a:t>att</a:t>
+            </a:r>
+            <a:r>
+              <a:rPr lang="en-US" baseline="0" dirty="0" smtClean="0"/>
+              <a:t> de </a:t>
+            </a:r>
+            <a:r>
+              <a:rPr lang="en-US" baseline="0" dirty="0" err="1" smtClean="0"/>
+              <a:t>har</a:t>
+            </a:r>
+            <a:r>
+              <a:rPr lang="en-US" baseline="0" dirty="0" smtClean="0"/>
+              <a:t> plats till de </a:t>
+            </a:r>
+            <a:r>
+              <a:rPr lang="en-US" baseline="0" dirty="0" err="1" smtClean="0"/>
+              <a:t>replikor</a:t>
+            </a:r>
+            <a:r>
+              <a:rPr lang="en-US" baseline="0" dirty="0" smtClean="0"/>
+              <a:t> man </a:t>
+            </a:r>
+            <a:r>
+              <a:rPr lang="en-US" baseline="0" dirty="0" err="1" smtClean="0"/>
+              <a:t>placerar</a:t>
+            </a:r>
+            <a:r>
+              <a:rPr lang="en-US" baseline="0" dirty="0" smtClean="0"/>
+              <a:t> </a:t>
+            </a:r>
+            <a:r>
+              <a:rPr lang="en-US" baseline="0" dirty="0" err="1" smtClean="0"/>
+              <a:t>där</a:t>
+            </a:r>
+            <a:r>
+              <a:rPr lang="en-US" baseline="0" dirty="0" smtClean="0"/>
+              <a:t>.</a:t>
+            </a:r>
+          </a:p>
+          <a:p>
+            <a:endParaRPr lang="en-US" baseline="0" dirty="0" smtClean="0"/>
+          </a:p>
+          <a:p>
+            <a:r>
+              <a:rPr lang="en-US" baseline="0" dirty="0" err="1" smtClean="0"/>
+              <a:t>Vidare</a:t>
+            </a:r>
+            <a:r>
+              <a:rPr lang="en-US" baseline="0" dirty="0" smtClean="0"/>
+              <a:t> </a:t>
+            </a:r>
+            <a:r>
+              <a:rPr lang="en-US" baseline="0" dirty="0" err="1" smtClean="0"/>
+              <a:t>så</a:t>
+            </a:r>
+            <a:r>
+              <a:rPr lang="en-US" baseline="0" dirty="0" smtClean="0"/>
+              <a:t> </a:t>
+            </a:r>
+            <a:r>
+              <a:rPr lang="en-US" baseline="0" dirty="0" err="1" smtClean="0"/>
+              <a:t>ser</a:t>
+            </a:r>
+            <a:r>
+              <a:rPr lang="en-US" baseline="0" dirty="0" smtClean="0"/>
+              <a:t> vi </a:t>
+            </a:r>
+            <a:r>
+              <a:rPr lang="en-US" baseline="0" dirty="0" err="1" smtClean="0"/>
+              <a:t>inte</a:t>
+            </a:r>
+            <a:r>
+              <a:rPr lang="en-US" baseline="0" dirty="0" smtClean="0"/>
+              <a:t> </a:t>
+            </a:r>
+            <a:r>
+              <a:rPr lang="en-US" baseline="0" dirty="0" err="1" smtClean="0"/>
+              <a:t>nödvändigtvis</a:t>
+            </a:r>
+            <a:r>
+              <a:rPr lang="en-US" baseline="0" dirty="0" smtClean="0"/>
+              <a:t> till </a:t>
+            </a:r>
+            <a:r>
+              <a:rPr lang="en-US" baseline="0" dirty="0" err="1" smtClean="0"/>
+              <a:t>att</a:t>
+            </a:r>
+            <a:r>
+              <a:rPr lang="en-US" baseline="0" dirty="0" smtClean="0"/>
+              <a:t> </a:t>
+            </a:r>
+            <a:r>
+              <a:rPr lang="en-US" baseline="0" dirty="0" err="1" smtClean="0"/>
+              <a:t>medelvärdet</a:t>
+            </a:r>
+            <a:r>
+              <a:rPr lang="en-US" baseline="0" dirty="0" smtClean="0"/>
+              <a:t> </a:t>
+            </a:r>
+            <a:r>
+              <a:rPr lang="en-US" baseline="0" dirty="0" err="1" smtClean="0"/>
+              <a:t>för</a:t>
+            </a:r>
+            <a:r>
+              <a:rPr lang="en-US" baseline="0" dirty="0" smtClean="0"/>
+              <a:t> </a:t>
+            </a:r>
+            <a:r>
+              <a:rPr lang="en-US" baseline="0" dirty="0" err="1" smtClean="0"/>
+              <a:t>tillförlitligheten</a:t>
             </a:r>
             <a:r>
               <a:rPr lang="en-US" baseline="0" dirty="0" smtClean="0"/>
@@ -17526,27 +17316,43 @@
             </a:r>
             <a:r>
               <a:rPr lang="en-US" baseline="0" dirty="0" err="1" smtClean="0"/>
-              <a:t>inte</a:t>
-            </a:r>
-            <a:r>
-              <a:rPr lang="en-US" baseline="0" dirty="0" smtClean="0"/>
-              <a:t> </a:t>
-            </a:r>
-            <a:r>
-              <a:rPr lang="en-US" baseline="0" dirty="0" err="1" smtClean="0"/>
-              <a:t>optimerat</a:t>
-            </a:r>
-            <a:r>
-              <a:rPr lang="en-US" baseline="0" dirty="0" smtClean="0"/>
-              <a:t> </a:t>
-            </a:r>
-            <a:r>
-              <a:rPr lang="en-US" baseline="0" dirty="0" err="1" smtClean="0"/>
-              <a:t>för</a:t>
-            </a:r>
-            <a:r>
-              <a:rPr lang="en-US" baseline="0" dirty="0" smtClean="0"/>
-              <a:t> </a:t>
+              <a:t>över</a:t>
+            </a:r>
+            <a:r>
+              <a:rPr lang="en-US" baseline="0" dirty="0" smtClean="0"/>
+              <a:t> </a:t>
+            </a:r>
+            <a:r>
+              <a:rPr lang="en-US" baseline="0" dirty="0" err="1" smtClean="0"/>
+              <a:t>det</a:t>
+            </a:r>
+            <a:r>
+              <a:rPr lang="en-US" baseline="0" dirty="0" smtClean="0"/>
+              <a:t> vi </a:t>
+            </a:r>
+            <a:r>
+              <a:rPr lang="en-US" baseline="0" dirty="0" err="1" smtClean="0"/>
+              <a:t>vill</a:t>
+            </a:r>
+            <a:r>
+              <a:rPr lang="en-US" baseline="0" dirty="0" smtClean="0"/>
+              <a:t> ha. Man </a:t>
+            </a:r>
+            <a:r>
+              <a:rPr lang="en-US" baseline="0" dirty="0" err="1" smtClean="0"/>
+              <a:t>kan</a:t>
+            </a:r>
+            <a:r>
+              <a:rPr lang="en-US" baseline="0" dirty="0" smtClean="0"/>
+              <a:t> </a:t>
+            </a:r>
+            <a:r>
+              <a:rPr lang="en-US" baseline="0" dirty="0" err="1" smtClean="0"/>
+              <a:t>tänka</a:t>
+            </a:r>
+            <a:r>
+              <a:rPr lang="en-US" baseline="0" dirty="0" smtClean="0"/>
+              <a:t> sig </a:t>
             </a:r>
             <a:r>
               <a:rPr lang="en-US" baseline="0" dirty="0" err="1" smtClean="0"/>
@@ -17554,23 +17360,47 @@
             </a:r>
             <a:r>
               <a:rPr lang="en-US" baseline="0" dirty="0" smtClean="0"/>
-              <a:t> </a:t>
-            </a:r>
-            <a:r>
-              <a:rPr lang="en-US" baseline="0" dirty="0" err="1" smtClean="0"/>
-              <a:t>replicera</a:t>
-            </a:r>
-            <a:r>
-              <a:rPr lang="en-US" baseline="0" dirty="0" smtClean="0"/>
-              <a:t> </a:t>
-            </a:r>
-            <a:r>
-              <a:rPr lang="en-US" baseline="0" dirty="0" err="1" smtClean="0"/>
-              <a:t>aktörer</a:t>
-            </a:r>
-            <a:r>
-              <a:rPr lang="en-US" baseline="0" dirty="0" smtClean="0"/>
-              <a:t>, </a:t>
+              <a:t> med </a:t>
+            </a:r>
+            <a:r>
+              <a:rPr lang="en-US" baseline="0" dirty="0" err="1" smtClean="0"/>
+              <a:t>två</a:t>
+            </a:r>
+            <a:r>
+              <a:rPr lang="en-US" baseline="0" dirty="0" smtClean="0"/>
+              <a:t> </a:t>
+            </a:r>
+            <a:r>
+              <a:rPr lang="en-US" baseline="0" dirty="0" err="1" smtClean="0"/>
+              <a:t>replikor</a:t>
+            </a:r>
+            <a:r>
+              <a:rPr lang="en-US" baseline="0" dirty="0" smtClean="0"/>
+              <a:t> </a:t>
+            </a:r>
+            <a:r>
+              <a:rPr lang="en-US" baseline="0" dirty="0" err="1" smtClean="0"/>
+              <a:t>når</a:t>
+            </a:r>
+            <a:r>
+              <a:rPr lang="en-US" baseline="0" dirty="0" smtClean="0"/>
+              <a:t> vi </a:t>
+            </a:r>
+            <a:r>
+              <a:rPr lang="en-US" baseline="0" dirty="0" err="1" smtClean="0"/>
+              <a:t>precis</a:t>
+            </a:r>
+            <a:r>
+              <a:rPr lang="en-US" baseline="0" dirty="0" smtClean="0"/>
+              <a:t> </a:t>
+            </a:r>
+            <a:r>
+              <a:rPr lang="en-US" baseline="0" dirty="0" err="1" smtClean="0"/>
+              <a:t>över</a:t>
+            </a:r>
+            <a:r>
+              <a:rPr lang="en-US" baseline="0" dirty="0" smtClean="0"/>
+              <a:t> </a:t>
             </a:r>
             <a:r>
               <a:rPr lang="en-US" baseline="0" dirty="0" err="1" smtClean="0"/>
@@ -17582,6 +17412,62 @@
             </a:r>
             <a:r>
               <a:rPr lang="en-US" baseline="0" dirty="0" err="1" smtClean="0"/>
+              <a:t>önskade</a:t>
+            </a:r>
+            <a:r>
+              <a:rPr lang="en-US" baseline="0" dirty="0" smtClean="0"/>
+              <a:t> </a:t>
+            </a:r>
+            <a:r>
+              <a:rPr lang="en-US" baseline="0" dirty="0" err="1" smtClean="0"/>
+              <a:t>värdet</a:t>
+            </a:r>
+            <a:r>
+              <a:rPr lang="en-US" baseline="0" dirty="0" smtClean="0"/>
+              <a:t>, men under </a:t>
+            </a:r>
+            <a:r>
+              <a:rPr lang="en-US" baseline="0" dirty="0" err="1" smtClean="0"/>
+              <a:t>tiden</a:t>
+            </a:r>
+            <a:r>
+              <a:rPr lang="en-US" baseline="0" dirty="0" smtClean="0"/>
+              <a:t> </a:t>
+            </a:r>
+            <a:r>
+              <a:rPr lang="en-US" baseline="0" dirty="0" err="1" smtClean="0"/>
+              <a:t>bara</a:t>
+            </a:r>
+            <a:r>
+              <a:rPr lang="en-US" baseline="0" dirty="0" smtClean="0"/>
+              <a:t> en </a:t>
+            </a:r>
+            <a:r>
+              <a:rPr lang="en-US" baseline="0" dirty="0" err="1" smtClean="0"/>
+              <a:t>replika</a:t>
+            </a:r>
+            <a:r>
+              <a:rPr lang="en-US" baseline="0" dirty="0" smtClean="0"/>
+              <a:t> </a:t>
+            </a:r>
+            <a:r>
+              <a:rPr lang="en-US" baseline="0" dirty="0" err="1" smtClean="0"/>
+              <a:t>körs</a:t>
+            </a:r>
+            <a:r>
+              <a:rPr lang="en-US" baseline="0" dirty="0" smtClean="0"/>
+              <a:t> </a:t>
+            </a:r>
+            <a:r>
+              <a:rPr lang="en-US" baseline="0" dirty="0" err="1" smtClean="0"/>
+              <a:t>så</a:t>
+            </a:r>
+            <a:r>
+              <a:rPr lang="en-US" baseline="0" dirty="0" smtClean="0"/>
+              <a:t> </a:t>
+            </a:r>
+            <a:r>
+              <a:rPr lang="en-US" baseline="0" dirty="0" err="1" smtClean="0"/>
               <a:t>är</a:t>
             </a:r>
             <a:r>
@@ -17590,535 +17476,76 @@
             </a:r>
             <a:r>
               <a:rPr lang="en-US" baseline="0" dirty="0" err="1" smtClean="0"/>
-              <a:t>tex</a:t>
-            </a:r>
-            <a:r>
-              <a:rPr lang="en-US" baseline="0" dirty="0" smtClean="0"/>
-              <a:t> </a:t>
-            </a:r>
-            <a:r>
-              <a:rPr lang="en-US" baseline="0" dirty="0" err="1" smtClean="0"/>
-              <a:t>skrivet</a:t>
-            </a:r>
-            <a:r>
-              <a:rPr lang="en-US" baseline="0" dirty="0" smtClean="0"/>
-              <a:t> I python </a:t>
-            </a:r>
-            <a:r>
-              <a:rPr lang="en-US" baseline="0" dirty="0" err="1" smtClean="0"/>
-              <a:t>som</a:t>
-            </a:r>
-            <a:r>
-              <a:rPr lang="en-US" baseline="0" dirty="0" smtClean="0"/>
-              <a:t> </a:t>
-            </a:r>
-            <a:r>
-              <a:rPr lang="en-US" baseline="0" dirty="0" err="1" smtClean="0"/>
-              <a:t>inte</a:t>
-            </a:r>
-            <a:r>
-              <a:rPr lang="en-US" baseline="0" dirty="0" smtClean="0"/>
-              <a:t> </a:t>
-            </a:r>
-            <a:r>
-              <a:rPr lang="en-US" baseline="0" dirty="0" err="1" smtClean="0"/>
-              <a:t>är</a:t>
-            </a:r>
-            <a:r>
-              <a:rPr lang="en-US" baseline="0" dirty="0" smtClean="0"/>
-              <a:t> </a:t>
-            </a:r>
-            <a:r>
-              <a:rPr lang="en-US" baseline="0" dirty="0" err="1" smtClean="0"/>
-              <a:t>det</a:t>
-            </a:r>
-            <a:r>
-              <a:rPr lang="en-US" baseline="0" dirty="0" smtClean="0"/>
-              <a:t> </a:t>
-            </a:r>
-            <a:r>
-              <a:rPr lang="en-US" baseline="0" dirty="0" err="1" smtClean="0"/>
-              <a:t>snabbaste</a:t>
-            </a:r>
-            <a:r>
-              <a:rPr lang="en-US" baseline="0" dirty="0" smtClean="0"/>
-              <a:t> </a:t>
-            </a:r>
-            <a:r>
-              <a:rPr lang="en-US" baseline="0" dirty="0" err="1" smtClean="0"/>
-              <a:t>språket</a:t>
-            </a:r>
-            <a:r>
-              <a:rPr lang="en-US" baseline="0" dirty="0" smtClean="0"/>
-              <a:t> </a:t>
-            </a:r>
-            <a:r>
-              <a:rPr lang="en-US" baseline="0" dirty="0" err="1" smtClean="0"/>
-              <a:t>direkt</a:t>
+              <a:t>värdet</a:t>
+            </a:r>
+            <a:r>
+              <a:rPr lang="en-US" baseline="0" dirty="0" smtClean="0"/>
+              <a:t> </a:t>
+            </a:r>
+            <a:r>
+              <a:rPr lang="en-US" baseline="0" dirty="0" err="1" smtClean="0"/>
+              <a:t>så</a:t>
+            </a:r>
+            <a:r>
+              <a:rPr lang="en-US" baseline="0" dirty="0" smtClean="0"/>
+              <a:t> </a:t>
+            </a:r>
+            <a:r>
+              <a:rPr lang="en-US" baseline="0" dirty="0" err="1" smtClean="0"/>
+              <a:t>lågt</a:t>
+            </a:r>
+            <a:r>
+              <a:rPr lang="en-US" baseline="0" dirty="0" smtClean="0"/>
+              <a:t> </a:t>
+            </a:r>
+            <a:r>
+              <a:rPr lang="en-US" baseline="0" dirty="0" err="1" smtClean="0"/>
+              <a:t>att</a:t>
+            </a:r>
+            <a:r>
+              <a:rPr lang="en-US" baseline="0" dirty="0" smtClean="0"/>
+              <a:t> </a:t>
+            </a:r>
+            <a:r>
+              <a:rPr lang="en-US" baseline="0" dirty="0" err="1" smtClean="0"/>
+              <a:t>medelvärdet</a:t>
+            </a:r>
+            <a:r>
+              <a:rPr lang="en-US" baseline="0" dirty="0" smtClean="0"/>
+              <a:t> </a:t>
+            </a:r>
+            <a:r>
+              <a:rPr lang="en-US" baseline="0" dirty="0" err="1" smtClean="0"/>
+              <a:t>också</a:t>
+            </a:r>
+            <a:r>
+              <a:rPr lang="en-US" baseline="0" dirty="0" smtClean="0"/>
+              <a:t> </a:t>
+            </a:r>
+            <a:r>
+              <a:rPr lang="en-US" baseline="0" dirty="0" err="1" smtClean="0"/>
+              <a:t>blir</a:t>
+            </a:r>
+            <a:r>
+              <a:rPr lang="en-US" baseline="0" dirty="0" smtClean="0"/>
+              <a:t> </a:t>
+            </a:r>
+            <a:r>
+              <a:rPr lang="en-US" baseline="0" dirty="0" err="1" smtClean="0"/>
+              <a:t>ganska</a:t>
+            </a:r>
+            <a:r>
+              <a:rPr lang="en-US" baseline="0" dirty="0" smtClean="0"/>
+              <a:t> </a:t>
+            </a:r>
+            <a:r>
+              <a:rPr lang="en-US" baseline="0" dirty="0" err="1" smtClean="0"/>
+              <a:t>lågt</a:t>
             </a:r>
             <a:r>
               <a:rPr lang="en-US" baseline="0" dirty="0" smtClean="0"/>
               <a:t>. </a:t>
             </a:r>
-            <a:r>
-              <a:rPr lang="en-US" baseline="0" dirty="0" err="1" smtClean="0"/>
-              <a:t>Ändå</a:t>
-            </a:r>
-            <a:r>
-              <a:rPr lang="en-US" baseline="0" dirty="0" smtClean="0"/>
-              <a:t> </a:t>
-            </a:r>
-            <a:r>
-              <a:rPr lang="en-US" baseline="0" dirty="0" err="1" smtClean="0"/>
-              <a:t>så</a:t>
-            </a:r>
-            <a:r>
-              <a:rPr lang="en-US" baseline="0" dirty="0" smtClean="0"/>
-              <a:t> </a:t>
-            </a:r>
-            <a:r>
-              <a:rPr lang="en-US" baseline="0" dirty="0" err="1" smtClean="0"/>
-              <a:t>kan</a:t>
-            </a:r>
-            <a:r>
-              <a:rPr lang="en-US" baseline="0" dirty="0" smtClean="0"/>
-              <a:t> vi </a:t>
-            </a:r>
-            <a:r>
-              <a:rPr lang="en-US" baseline="0" dirty="0" err="1" smtClean="0"/>
-              <a:t>replicera</a:t>
-            </a:r>
-            <a:r>
-              <a:rPr lang="en-US" baseline="0" dirty="0" smtClean="0"/>
-              <a:t> </a:t>
-            </a:r>
-            <a:r>
-              <a:rPr lang="en-US" baseline="0" dirty="0" err="1" smtClean="0"/>
-              <a:t>aktörer</a:t>
-            </a:r>
-            <a:r>
-              <a:rPr lang="en-US" baseline="0" dirty="0" smtClean="0"/>
-              <a:t> med </a:t>
-            </a:r>
-            <a:r>
-              <a:rPr lang="en-US" baseline="0" dirty="0" err="1" smtClean="0"/>
-              <a:t>ett</a:t>
-            </a:r>
-            <a:r>
-              <a:rPr lang="en-US" baseline="0" dirty="0" smtClean="0"/>
-              <a:t> state </a:t>
-            </a:r>
-            <a:r>
-              <a:rPr lang="en-US" baseline="0" dirty="0" err="1" smtClean="0"/>
-              <a:t>på</a:t>
-            </a:r>
-            <a:r>
-              <a:rPr lang="en-US" baseline="0" dirty="0" smtClean="0"/>
-              <a:t> 1 GB under en </a:t>
-            </a:r>
-            <a:r>
-              <a:rPr lang="en-US" baseline="0" dirty="0" err="1" smtClean="0"/>
-              <a:t>timme</a:t>
-            </a:r>
-            <a:r>
-              <a:rPr lang="en-US" baseline="0" dirty="0" smtClean="0"/>
-              <a:t>.</a:t>
-            </a:r>
-          </a:p>
-          <a:p>
-            <a:endParaRPr lang="en-US" baseline="0" dirty="0" smtClean="0"/>
-          </a:p>
-          <a:p>
-            <a:r>
-              <a:rPr lang="en-US" dirty="0" err="1" smtClean="0"/>
-              <a:t>En</a:t>
-            </a:r>
-            <a:r>
-              <a:rPr lang="en-US" dirty="0" smtClean="0"/>
-              <a:t> </a:t>
-            </a:r>
-            <a:r>
-              <a:rPr lang="en-US" dirty="0" err="1" smtClean="0"/>
-              <a:t>mer</a:t>
-            </a:r>
-            <a:r>
-              <a:rPr lang="en-US" dirty="0" smtClean="0"/>
-              <a:t> </a:t>
-            </a:r>
-            <a:r>
-              <a:rPr lang="en-US" dirty="0" err="1" smtClean="0"/>
-              <a:t>effektiv</a:t>
-            </a:r>
-            <a:r>
-              <a:rPr lang="en-US" dirty="0" smtClean="0"/>
-              <a:t> implementation </a:t>
-            </a:r>
-            <a:r>
-              <a:rPr lang="en-US" dirty="0" err="1" smtClean="0"/>
-              <a:t>i</a:t>
-            </a:r>
-            <a:r>
-              <a:rPr lang="en-US" dirty="0" smtClean="0"/>
-              <a:t> </a:t>
-            </a:r>
-            <a:r>
-              <a:rPr lang="en-US" dirty="0" err="1" smtClean="0"/>
-              <a:t>t.ex</a:t>
-            </a:r>
-            <a:r>
-              <a:rPr lang="en-US" dirty="0" smtClean="0"/>
-              <a:t>. C++ </a:t>
-            </a:r>
-            <a:r>
-              <a:rPr lang="en-US" dirty="0" err="1" smtClean="0"/>
-              <a:t>borde</a:t>
-            </a:r>
-            <a:r>
-              <a:rPr lang="en-US" baseline="0" dirty="0" smtClean="0"/>
-              <a:t> </a:t>
-            </a:r>
-            <a:r>
-              <a:rPr lang="en-US" baseline="0" dirty="0" err="1" smtClean="0"/>
-              <a:t>minska</a:t>
-            </a:r>
-            <a:r>
-              <a:rPr lang="en-US" baseline="0" dirty="0" smtClean="0"/>
-              <a:t> </a:t>
-            </a:r>
-            <a:r>
-              <a:rPr lang="en-US" baseline="0" dirty="0" err="1" smtClean="0"/>
-              <a:t>repliceringstiden</a:t>
-            </a:r>
-            <a:r>
-              <a:rPr lang="en-US" baseline="0" dirty="0" smtClean="0"/>
-              <a:t>. </a:t>
-            </a:r>
-            <a:r>
-              <a:rPr lang="en-US" baseline="0" dirty="0" err="1" smtClean="0"/>
-              <a:t>Åtminstonde</a:t>
-            </a:r>
-            <a:r>
-              <a:rPr lang="en-US" baseline="0" dirty="0" smtClean="0"/>
-              <a:t> </a:t>
-            </a:r>
-            <a:r>
-              <a:rPr lang="en-US" baseline="0" dirty="0" err="1" smtClean="0"/>
-              <a:t>för</a:t>
-            </a:r>
-            <a:r>
-              <a:rPr lang="en-US" baseline="0" dirty="0" smtClean="0"/>
-              <a:t> </a:t>
-            </a:r>
-            <a:r>
-              <a:rPr lang="en-US" baseline="0" dirty="0" err="1" smtClean="0"/>
-              <a:t>mindre</a:t>
-            </a:r>
-            <a:r>
-              <a:rPr lang="en-US" baseline="0" dirty="0" smtClean="0"/>
-              <a:t> </a:t>
-            </a:r>
-            <a:r>
-              <a:rPr lang="en-US" baseline="0" dirty="0" err="1" smtClean="0"/>
-              <a:t>aktörer</a:t>
-            </a:r>
-            <a:r>
-              <a:rPr lang="en-US" baseline="0" dirty="0" smtClean="0"/>
-              <a:t> </a:t>
-            </a:r>
-            <a:r>
-              <a:rPr lang="en-US" baseline="0" dirty="0" err="1" smtClean="0"/>
-              <a:t>där</a:t>
-            </a:r>
-            <a:r>
-              <a:rPr lang="en-US" baseline="0" dirty="0" smtClean="0"/>
-              <a:t> </a:t>
-            </a:r>
-            <a:r>
-              <a:rPr lang="en-US" baseline="0" dirty="0" err="1" smtClean="0"/>
-              <a:t>tiden</a:t>
-            </a:r>
-            <a:r>
-              <a:rPr lang="en-US" baseline="0" dirty="0" smtClean="0"/>
-              <a:t> </a:t>
-            </a:r>
-            <a:r>
-              <a:rPr lang="en-US" baseline="0" dirty="0" err="1" smtClean="0"/>
-              <a:t>att</a:t>
-            </a:r>
-            <a:r>
-              <a:rPr lang="en-US" baseline="0" dirty="0" smtClean="0"/>
-              <a:t> </a:t>
-            </a:r>
-            <a:r>
-              <a:rPr lang="en-US" baseline="0" dirty="0" err="1" smtClean="0"/>
-              <a:t>skapa</a:t>
-            </a:r>
-            <a:r>
-              <a:rPr lang="en-US" baseline="0" dirty="0" smtClean="0"/>
-              <a:t> den </a:t>
-            </a:r>
-            <a:r>
-              <a:rPr lang="en-US" baseline="0" dirty="0" err="1" smtClean="0"/>
-              <a:t>nya</a:t>
-            </a:r>
-            <a:r>
-              <a:rPr lang="en-US" baseline="0" dirty="0" smtClean="0"/>
-              <a:t> </a:t>
-            </a:r>
-            <a:r>
-              <a:rPr lang="en-US" baseline="0" dirty="0" err="1" smtClean="0"/>
-              <a:t>replikan</a:t>
-            </a:r>
-            <a:r>
-              <a:rPr lang="en-US" baseline="0" dirty="0" smtClean="0"/>
-              <a:t> </a:t>
-            </a:r>
-            <a:r>
-              <a:rPr lang="en-US" baseline="0" dirty="0" err="1" smtClean="0"/>
-              <a:t>är</a:t>
-            </a:r>
-            <a:r>
-              <a:rPr lang="en-US" baseline="0" dirty="0" smtClean="0"/>
-              <a:t> significant </a:t>
-            </a:r>
-            <a:r>
-              <a:rPr lang="en-US" baseline="0" dirty="0" err="1" smtClean="0"/>
-              <a:t>störst</a:t>
-            </a:r>
-            <a:r>
-              <a:rPr lang="en-US" baseline="0" dirty="0" smtClean="0"/>
-              <a:t>.</a:t>
-            </a:r>
-          </a:p>
-          <a:p>
-            <a:endParaRPr lang="en-US" baseline="0" dirty="0" smtClean="0"/>
-          </a:p>
-          <a:p>
-            <a:r>
-              <a:rPr lang="en-US" baseline="0" dirty="0" err="1" smtClean="0"/>
-              <a:t>För</a:t>
-            </a:r>
-            <a:r>
-              <a:rPr lang="en-US" baseline="0" dirty="0" smtClean="0"/>
-              <a:t> </a:t>
-            </a:r>
-            <a:r>
-              <a:rPr lang="en-US" baseline="0" dirty="0" err="1" smtClean="0"/>
-              <a:t>större</a:t>
-            </a:r>
-            <a:r>
-              <a:rPr lang="en-US" baseline="0" dirty="0" smtClean="0"/>
-              <a:t> </a:t>
-            </a:r>
-            <a:r>
-              <a:rPr lang="en-US" baseline="0" dirty="0" err="1" smtClean="0"/>
-              <a:t>storlekar</a:t>
-            </a:r>
-            <a:r>
-              <a:rPr lang="en-US" baseline="0" dirty="0" smtClean="0"/>
-              <a:t> </a:t>
-            </a:r>
-            <a:r>
-              <a:rPr lang="en-US" baseline="0" dirty="0" err="1" smtClean="0"/>
-              <a:t>på</a:t>
-            </a:r>
-            <a:r>
-              <a:rPr lang="en-US" baseline="0" dirty="0" smtClean="0"/>
-              <a:t> </a:t>
-            </a:r>
-            <a:r>
-              <a:rPr lang="en-US" baseline="0" dirty="0" err="1" smtClean="0"/>
-              <a:t>statet</a:t>
-            </a:r>
-            <a:r>
-              <a:rPr lang="en-US" baseline="0" dirty="0" smtClean="0"/>
-              <a:t> </a:t>
-            </a:r>
-            <a:r>
-              <a:rPr lang="en-US" baseline="0" dirty="0" err="1" smtClean="0"/>
-              <a:t>så</a:t>
-            </a:r>
-            <a:r>
-              <a:rPr lang="en-US" baseline="0" dirty="0" smtClean="0"/>
-              <a:t> </a:t>
-            </a:r>
-            <a:r>
-              <a:rPr lang="en-US" baseline="0" dirty="0" err="1" smtClean="0"/>
-              <a:t>gick</a:t>
-            </a:r>
-            <a:r>
-              <a:rPr lang="en-US" baseline="0" dirty="0" smtClean="0"/>
-              <a:t> </a:t>
-            </a:r>
-            <a:r>
-              <a:rPr lang="en-US" baseline="0" dirty="0" err="1" smtClean="0"/>
-              <a:t>största</a:t>
-            </a:r>
-            <a:r>
-              <a:rPr lang="en-US" baseline="0" dirty="0" smtClean="0"/>
-              <a:t> </a:t>
-            </a:r>
-            <a:r>
-              <a:rPr lang="en-US" baseline="0" dirty="0" err="1" smtClean="0"/>
-              <a:t>tiden</a:t>
-            </a:r>
-            <a:r>
-              <a:rPr lang="en-US" baseline="0" dirty="0" smtClean="0"/>
-              <a:t> </a:t>
-            </a:r>
-            <a:r>
-              <a:rPr lang="en-US" baseline="0" dirty="0" err="1" smtClean="0"/>
-              <a:t>åt</a:t>
-            </a:r>
-            <a:r>
-              <a:rPr lang="en-US" baseline="0" dirty="0" smtClean="0"/>
-              <a:t> </a:t>
-            </a:r>
-            <a:r>
-              <a:rPr lang="en-US" baseline="0" dirty="0" err="1" smtClean="0"/>
-              <a:t>att</a:t>
-            </a:r>
-            <a:r>
-              <a:rPr lang="en-US" baseline="0" dirty="0" smtClean="0"/>
-              <a:t> </a:t>
-            </a:r>
-            <a:r>
-              <a:rPr lang="en-US" baseline="0" dirty="0" err="1" smtClean="0"/>
-              <a:t>skicka</a:t>
-            </a:r>
-            <a:r>
-              <a:rPr lang="en-US" baseline="0" dirty="0" smtClean="0"/>
-              <a:t> </a:t>
-            </a:r>
-            <a:r>
-              <a:rPr lang="en-US" baseline="0" dirty="0" err="1" smtClean="0"/>
-              <a:t>statet</a:t>
-            </a:r>
-            <a:r>
-              <a:rPr lang="en-US" baseline="0" dirty="0" smtClean="0"/>
-              <a:t> </a:t>
-            </a:r>
-            <a:r>
-              <a:rPr lang="en-US" baseline="0" dirty="0" err="1" smtClean="0"/>
-              <a:t>mellan</a:t>
-            </a:r>
-            <a:r>
-              <a:rPr lang="en-US" baseline="0" dirty="0" smtClean="0"/>
-              <a:t> </a:t>
-            </a:r>
-            <a:r>
-              <a:rPr lang="en-US" baseline="0" dirty="0" err="1" smtClean="0"/>
-              <a:t>runtimesen</a:t>
-            </a:r>
-            <a:r>
-              <a:rPr lang="en-US" baseline="0" dirty="0" smtClean="0"/>
-              <a:t>, </a:t>
-            </a:r>
-            <a:r>
-              <a:rPr lang="en-US" baseline="0" dirty="0" err="1" smtClean="0"/>
-              <a:t>så</a:t>
-            </a:r>
-            <a:r>
-              <a:rPr lang="en-US" baseline="0" dirty="0" smtClean="0"/>
-              <a:t> </a:t>
-            </a:r>
-            <a:r>
-              <a:rPr lang="en-US" baseline="0" dirty="0" err="1" smtClean="0"/>
-              <a:t>för</a:t>
-            </a:r>
-            <a:r>
-              <a:rPr lang="en-US" baseline="0" dirty="0" smtClean="0"/>
-              <a:t> </a:t>
-            </a:r>
-            <a:r>
-              <a:rPr lang="en-US" baseline="0" dirty="0" err="1" smtClean="0"/>
-              <a:t>större</a:t>
-            </a:r>
-            <a:r>
-              <a:rPr lang="en-US" baseline="0" dirty="0" smtClean="0"/>
-              <a:t> </a:t>
-            </a:r>
-            <a:r>
-              <a:rPr lang="en-US" baseline="0" dirty="0" err="1" smtClean="0"/>
-              <a:t>storlekar</a:t>
-            </a:r>
-            <a:r>
-              <a:rPr lang="en-US" baseline="0" dirty="0" smtClean="0"/>
-              <a:t> </a:t>
-            </a:r>
-            <a:r>
-              <a:rPr lang="en-US" baseline="0" dirty="0" err="1" smtClean="0"/>
-              <a:t>kanske</a:t>
-            </a:r>
-            <a:r>
-              <a:rPr lang="en-US" baseline="0" dirty="0" smtClean="0"/>
-              <a:t> man </a:t>
-            </a:r>
-            <a:r>
-              <a:rPr lang="en-US" baseline="0" dirty="0" err="1" smtClean="0"/>
-              <a:t>inte</a:t>
-            </a:r>
-            <a:r>
-              <a:rPr lang="en-US" baseline="0" dirty="0" smtClean="0"/>
-              <a:t> </a:t>
-            </a:r>
-            <a:r>
-              <a:rPr lang="en-US" baseline="0" dirty="0" err="1" smtClean="0"/>
-              <a:t>kan</a:t>
-            </a:r>
-            <a:r>
-              <a:rPr lang="en-US" baseline="0" dirty="0" smtClean="0"/>
-              <a:t> </a:t>
-            </a:r>
-            <a:r>
-              <a:rPr lang="en-US" baseline="0" dirty="0" err="1" smtClean="0"/>
-              <a:t>minska</a:t>
-            </a:r>
-            <a:r>
-              <a:rPr lang="en-US" baseline="0" dirty="0" smtClean="0"/>
-              <a:t> </a:t>
-            </a:r>
-            <a:r>
-              <a:rPr lang="en-US" baseline="0" dirty="0" err="1" smtClean="0"/>
-              <a:t>tiden</a:t>
-            </a:r>
-            <a:r>
-              <a:rPr lang="en-US" baseline="0" dirty="0" smtClean="0"/>
-              <a:t> </a:t>
-            </a:r>
-            <a:r>
-              <a:rPr lang="en-US" baseline="0" dirty="0" err="1" smtClean="0"/>
-              <a:t>särskilt</a:t>
-            </a:r>
-            <a:r>
-              <a:rPr lang="en-US" baseline="0" dirty="0" smtClean="0"/>
-              <a:t> </a:t>
-            </a:r>
-            <a:r>
-              <a:rPr lang="en-US" baseline="0" dirty="0" err="1" smtClean="0"/>
-              <a:t>mycket</a:t>
-            </a:r>
-            <a:r>
-              <a:rPr lang="en-US" baseline="0" dirty="0" smtClean="0"/>
-              <a:t> med en </a:t>
-            </a:r>
-            <a:r>
-              <a:rPr lang="en-US" baseline="0" dirty="0" err="1" smtClean="0"/>
-              <a:t>effektivare</a:t>
-            </a:r>
-            <a:r>
-              <a:rPr lang="en-US" baseline="0" dirty="0" smtClean="0"/>
-              <a:t> </a:t>
-            </a:r>
-            <a:r>
-              <a:rPr lang="en-US" baseline="0" dirty="0" err="1" smtClean="0"/>
-              <a:t>implementering</a:t>
-            </a:r>
-            <a:r>
-              <a:rPr lang="is-IS" baseline="0" dirty="0" smtClean="0"/>
-              <a:t>…</a:t>
-            </a:r>
-            <a:endParaRPr lang="en-US" dirty="0"/>
           </a:p>
         </p:txBody>
       </p:sp>
@@ -18148,7 +17575,7 @@
     </p:spTree>
     <p:extLst>
       <p:ext uri="{BB962C8B-B14F-4D97-AF65-F5344CB8AC3E}">
-        <p14:creationId xmlns:p14="http://schemas.microsoft.com/office/powerpoint/2010/main" val="865838575"/>
+        <p14:creationId xmlns:p14="http://schemas.microsoft.com/office/powerpoint/2010/main" val="215043946"/>
       </p:ext>
     </p:extLst>
   </p:cSld>
@@ -18545,11 +17972,228 @@
           <a:p>
             <a:r>
               <a:rPr lang="en-US" dirty="0" smtClean="0"/>
-              <a:t>Vi </a:t>
-            </a:r>
+              <a:t>Calvin</a:t>
+            </a:r>
+            <a:r>
+              <a:rPr lang="en-US" baseline="0" dirty="0" smtClean="0"/>
+              <a:t> </a:t>
+            </a:r>
+            <a:r>
+              <a:rPr lang="en-US" baseline="0" dirty="0" err="1" smtClean="0"/>
+              <a:t>är</a:t>
+            </a:r>
+            <a:r>
+              <a:rPr lang="en-US" baseline="0" dirty="0" smtClean="0"/>
+              <a:t> </a:t>
+            </a:r>
+            <a:r>
+              <a:rPr lang="en-US" baseline="0" dirty="0" err="1" smtClean="0"/>
+              <a:t>inte</a:t>
+            </a:r>
+            <a:r>
+              <a:rPr lang="en-US" baseline="0" dirty="0" smtClean="0"/>
+              <a:t> </a:t>
+            </a:r>
+            <a:r>
+              <a:rPr lang="en-US" baseline="0" dirty="0" err="1" smtClean="0"/>
+              <a:t>optimerat</a:t>
+            </a:r>
+            <a:r>
+              <a:rPr lang="en-US" baseline="0" dirty="0" smtClean="0"/>
+              <a:t> </a:t>
+            </a:r>
+            <a:r>
+              <a:rPr lang="en-US" baseline="0" dirty="0" err="1" smtClean="0"/>
+              <a:t>för</a:t>
+            </a:r>
+            <a:r>
+              <a:rPr lang="en-US" baseline="0" dirty="0" smtClean="0"/>
+              <a:t> </a:t>
+            </a:r>
+            <a:r>
+              <a:rPr lang="en-US" baseline="0" dirty="0" err="1" smtClean="0"/>
+              <a:t>att</a:t>
+            </a:r>
+            <a:r>
+              <a:rPr lang="en-US" baseline="0" dirty="0" smtClean="0"/>
+              <a:t> </a:t>
+            </a:r>
+            <a:r>
+              <a:rPr lang="en-US" baseline="0" dirty="0" err="1" smtClean="0"/>
+              <a:t>replicera</a:t>
+            </a:r>
+            <a:r>
+              <a:rPr lang="en-US" baseline="0" dirty="0" smtClean="0"/>
+              <a:t> </a:t>
+            </a:r>
+            <a:r>
+              <a:rPr lang="en-US" baseline="0" dirty="0" err="1" smtClean="0"/>
+              <a:t>aktörer</a:t>
+            </a:r>
+            <a:r>
+              <a:rPr lang="en-US" baseline="0" dirty="0" smtClean="0"/>
+              <a:t>, </a:t>
+            </a:r>
+            <a:r>
+              <a:rPr lang="en-US" baseline="0" dirty="0" err="1" smtClean="0"/>
+              <a:t>det</a:t>
+            </a:r>
+            <a:r>
+              <a:rPr lang="en-US" baseline="0" dirty="0" smtClean="0"/>
+              <a:t> </a:t>
+            </a:r>
+            <a:r>
+              <a:rPr lang="en-US" baseline="0" dirty="0" err="1" smtClean="0"/>
+              <a:t>är</a:t>
+            </a:r>
+            <a:r>
+              <a:rPr lang="en-US" baseline="0" dirty="0" smtClean="0"/>
+              <a:t> </a:t>
+            </a:r>
+            <a:r>
+              <a:rPr lang="en-US" baseline="0" dirty="0" err="1" smtClean="0"/>
+              <a:t>tex</a:t>
+            </a:r>
+            <a:r>
+              <a:rPr lang="en-US" baseline="0" dirty="0" smtClean="0"/>
+              <a:t> </a:t>
+            </a:r>
+            <a:r>
+              <a:rPr lang="en-US" baseline="0" dirty="0" err="1" smtClean="0"/>
+              <a:t>skrivet</a:t>
+            </a:r>
+            <a:r>
+              <a:rPr lang="en-US" baseline="0" dirty="0" smtClean="0"/>
+              <a:t> I python </a:t>
+            </a:r>
+            <a:r>
+              <a:rPr lang="en-US" baseline="0" dirty="0" err="1" smtClean="0"/>
+              <a:t>som</a:t>
+            </a:r>
+            <a:r>
+              <a:rPr lang="en-US" baseline="0" dirty="0" smtClean="0"/>
+              <a:t> </a:t>
+            </a:r>
+            <a:r>
+              <a:rPr lang="en-US" baseline="0" dirty="0" err="1" smtClean="0"/>
+              <a:t>inte</a:t>
+            </a:r>
+            <a:r>
+              <a:rPr lang="en-US" baseline="0" dirty="0" smtClean="0"/>
+              <a:t> </a:t>
+            </a:r>
+            <a:r>
+              <a:rPr lang="en-US" baseline="0" dirty="0" err="1" smtClean="0"/>
+              <a:t>är</a:t>
+            </a:r>
+            <a:r>
+              <a:rPr lang="en-US" baseline="0" dirty="0" smtClean="0"/>
+              <a:t> </a:t>
+            </a:r>
+            <a:r>
+              <a:rPr lang="en-US" baseline="0" dirty="0" err="1" smtClean="0"/>
+              <a:t>det</a:t>
+            </a:r>
+            <a:r>
+              <a:rPr lang="en-US" baseline="0" dirty="0" smtClean="0"/>
+              <a:t> </a:t>
+            </a:r>
+            <a:r>
+              <a:rPr lang="en-US" baseline="0" dirty="0" err="1" smtClean="0"/>
+              <a:t>snabbaste</a:t>
+            </a:r>
+            <a:r>
+              <a:rPr lang="en-US" baseline="0" dirty="0" smtClean="0"/>
+              <a:t> </a:t>
+            </a:r>
+            <a:r>
+              <a:rPr lang="en-US" baseline="0" dirty="0" err="1" smtClean="0"/>
+              <a:t>språket</a:t>
+            </a:r>
+            <a:r>
+              <a:rPr lang="en-US" baseline="0" dirty="0" smtClean="0"/>
+              <a:t> </a:t>
+            </a:r>
+            <a:r>
+              <a:rPr lang="en-US" baseline="0" dirty="0" err="1" smtClean="0"/>
+              <a:t>direkt</a:t>
+            </a:r>
+            <a:r>
+              <a:rPr lang="en-US" baseline="0" dirty="0" smtClean="0"/>
+              <a:t>. </a:t>
+            </a:r>
+            <a:r>
+              <a:rPr lang="en-US" baseline="0" dirty="0" err="1" smtClean="0"/>
+              <a:t>Ändå</a:t>
+            </a:r>
+            <a:r>
+              <a:rPr lang="en-US" baseline="0" dirty="0" smtClean="0"/>
+              <a:t> </a:t>
+            </a:r>
+            <a:r>
+              <a:rPr lang="en-US" baseline="0" dirty="0" err="1" smtClean="0"/>
+              <a:t>så</a:t>
+            </a:r>
+            <a:r>
+              <a:rPr lang="en-US" baseline="0" dirty="0" smtClean="0"/>
+              <a:t> </a:t>
+            </a:r>
+            <a:r>
+              <a:rPr lang="en-US" baseline="0" dirty="0" err="1" smtClean="0"/>
+              <a:t>kan</a:t>
+            </a:r>
+            <a:r>
+              <a:rPr lang="en-US" baseline="0" dirty="0" smtClean="0"/>
+              <a:t> vi </a:t>
+            </a:r>
+            <a:r>
+              <a:rPr lang="en-US" baseline="0" dirty="0" err="1" smtClean="0"/>
+              <a:t>replicera</a:t>
+            </a:r>
+            <a:r>
+              <a:rPr lang="en-US" baseline="0" dirty="0" smtClean="0"/>
+              <a:t> </a:t>
+            </a:r>
+            <a:r>
+              <a:rPr lang="en-US" baseline="0" dirty="0" err="1" smtClean="0"/>
+              <a:t>aktörer</a:t>
+            </a:r>
+            <a:r>
+              <a:rPr lang="en-US" baseline="0" dirty="0" smtClean="0"/>
+              <a:t> med </a:t>
+            </a:r>
+            <a:r>
+              <a:rPr lang="en-US" baseline="0" dirty="0" err="1" smtClean="0"/>
+              <a:t>ett</a:t>
+            </a:r>
+            <a:r>
+              <a:rPr lang="en-US" baseline="0" dirty="0" smtClean="0"/>
+              <a:t> state </a:t>
+            </a:r>
+            <a:r>
+              <a:rPr lang="en-US" baseline="0" dirty="0" err="1" smtClean="0"/>
+              <a:t>på</a:t>
+            </a:r>
+            <a:r>
+              <a:rPr lang="en-US" baseline="0" dirty="0" smtClean="0"/>
+              <a:t> 1 GB under en </a:t>
+            </a:r>
+            <a:r>
+              <a:rPr lang="en-US" baseline="0" dirty="0" err="1" smtClean="0"/>
+              <a:t>timme</a:t>
+            </a:r>
+            <a:r>
+              <a:rPr lang="en-US" baseline="0" dirty="0" smtClean="0"/>
+              <a:t>.</a:t>
+            </a:r>
+          </a:p>
+          <a:p>
+            <a:endParaRPr lang="en-US" baseline="0" dirty="0" smtClean="0"/>
+          </a:p>
+          <a:p>
             <a:r>
               <a:rPr lang="en-US" dirty="0" err="1" smtClean="0"/>
-              <a:t>mätte</a:t>
+              <a:t>En</a:t>
             </a:r>
             <a:r>
               <a:rPr lang="en-US" dirty="0" smtClean="0"/>
@@ -18557,7 +18201,7 @@
             </a:r>
             <a:r>
               <a:rPr lang="en-US" dirty="0" err="1" smtClean="0"/>
-              <a:t>även</a:t>
+              <a:t>mer</a:t>
             </a:r>
             <a:r>
               <a:rPr lang="en-US" dirty="0" smtClean="0"/>
@@ -18565,19 +18209,99 @@
             </a:r>
             <a:r>
               <a:rPr lang="en-US" dirty="0" err="1" smtClean="0"/>
+              <a:t>effektiv</a:t>
+            </a:r>
+            <a:r>
+              <a:rPr lang="en-US" dirty="0" smtClean="0"/>
+              <a:t> implementation </a:t>
+            </a:r>
+            <a:r>
+              <a:rPr lang="en-US" dirty="0" err="1" smtClean="0"/>
+              <a:t>i</a:t>
+            </a:r>
+            <a:r>
+              <a:rPr lang="en-US" dirty="0" smtClean="0"/>
+              <a:t> </a:t>
+            </a:r>
+            <a:r>
+              <a:rPr lang="en-US" dirty="0" err="1" smtClean="0"/>
+              <a:t>t.ex</a:t>
+            </a:r>
+            <a:r>
+              <a:rPr lang="en-US" dirty="0" smtClean="0"/>
+              <a:t>. C++ </a:t>
+            </a:r>
+            <a:r>
+              <a:rPr lang="en-US" dirty="0" err="1" smtClean="0"/>
+              <a:t>borde</a:t>
+            </a:r>
+            <a:r>
+              <a:rPr lang="en-US" baseline="0" dirty="0" smtClean="0"/>
+              <a:t> </a:t>
+            </a:r>
+            <a:r>
+              <a:rPr lang="en-US" baseline="0" dirty="0" err="1" smtClean="0"/>
+              <a:t>minska</a:t>
+            </a:r>
+            <a:r>
+              <a:rPr lang="en-US" baseline="0" dirty="0" smtClean="0"/>
+              <a:t> </a:t>
+            </a:r>
+            <a:r>
+              <a:rPr lang="en-US" baseline="0" dirty="0" err="1" smtClean="0"/>
+              <a:t>repliceringstiden</a:t>
+            </a:r>
+            <a:r>
+              <a:rPr lang="en-US" baseline="0" dirty="0" smtClean="0"/>
+              <a:t>. </a:t>
+            </a:r>
+            <a:r>
+              <a:rPr lang="en-US" baseline="0" dirty="0" err="1" smtClean="0"/>
+              <a:t>Åtminstonde</a:t>
+            </a:r>
+            <a:r>
+              <a:rPr lang="en-US" baseline="0" dirty="0" smtClean="0"/>
+              <a:t> </a:t>
+            </a:r>
+            <a:r>
+              <a:rPr lang="en-US" baseline="0" dirty="0" err="1" smtClean="0"/>
+              <a:t>för</a:t>
+            </a:r>
+            <a:r>
+              <a:rPr lang="en-US" baseline="0" dirty="0" smtClean="0"/>
+              <a:t> </a:t>
+            </a:r>
+            <a:r>
+              <a:rPr lang="en-US" baseline="0" dirty="0" err="1" smtClean="0"/>
+              <a:t>mindre</a:t>
+            </a:r>
+            <a:r>
+              <a:rPr lang="en-US" baseline="0" dirty="0" smtClean="0"/>
+              <a:t> </a:t>
+            </a:r>
+            <a:r>
+              <a:rPr lang="en-US" baseline="0" dirty="0" err="1" smtClean="0"/>
+              <a:t>aktörer</a:t>
+            </a:r>
+            <a:r>
+              <a:rPr lang="en-US" baseline="0" dirty="0" smtClean="0"/>
+              <a:t> </a:t>
+            </a:r>
+            <a:r>
+              <a:rPr lang="en-US" baseline="0" dirty="0" err="1" smtClean="0"/>
+              <a:t>där</a:t>
+            </a:r>
+            <a:r>
+              <a:rPr lang="en-US" baseline="0" dirty="0" smtClean="0"/>
+              <a:t> </a:t>
+            </a:r>
+            <a:r>
+              <a:rPr lang="en-US" baseline="0" dirty="0" err="1" smtClean="0"/>
               <a:t>tiden</a:t>
             </a:r>
             <a:r>
-              <a:rPr lang="en-US" dirty="0" smtClean="0"/>
-              <a:t> </a:t>
-            </a:r>
-            <a:r>
-              <a:rPr lang="en-US" dirty="0" err="1" smtClean="0"/>
-              <a:t>det</a:t>
-            </a:r>
-            <a:r>
-              <a:rPr lang="en-US" baseline="0" dirty="0" smtClean="0"/>
-              <a:t> tog </a:t>
+              <a:rPr lang="en-US" baseline="0" dirty="0" smtClean="0"/>
+              <a:t> </a:t>
             </a:r>
             <a:r>
               <a:rPr lang="en-US" baseline="0" dirty="0" err="1" smtClean="0"/>
@@ -18589,61 +18313,124 @@
             </a:r>
             <a:r>
               <a:rPr lang="en-US" baseline="0" dirty="0" err="1" smtClean="0"/>
-              <a:t>replicera</a:t>
-            </a:r>
-            <a:r>
-              <a:rPr lang="en-US" baseline="0" dirty="0" smtClean="0"/>
-              <a:t> en task I Calvin – </a:t>
-            </a:r>
-            <a:r>
-              <a:rPr lang="en-US" baseline="0" dirty="0" err="1" smtClean="0"/>
-              <a:t>där</a:t>
-            </a:r>
-            <a:r>
-              <a:rPr lang="en-US" baseline="0" dirty="0" smtClean="0"/>
-              <a:t> vi </a:t>
-            </a:r>
-            <a:r>
-              <a:rPr lang="en-US" baseline="0" dirty="0" err="1" smtClean="0"/>
-              <a:t>implementerat</a:t>
-            </a:r>
-            <a:r>
-              <a:rPr lang="en-US" baseline="0" dirty="0" smtClean="0"/>
-              <a:t> </a:t>
-            </a:r>
-            <a:r>
-              <a:rPr lang="en-US" baseline="0" dirty="0" err="1" smtClean="0"/>
-              <a:t>vår</a:t>
-            </a:r>
-            <a:r>
-              <a:rPr lang="en-US" baseline="0" dirty="0" smtClean="0"/>
-              <a:t> </a:t>
-            </a:r>
-            <a:r>
-              <a:rPr lang="en-US" baseline="0" dirty="0" err="1" smtClean="0"/>
-              <a:t>modell</a:t>
-            </a:r>
-            <a:r>
-              <a:rPr lang="en-US" baseline="0" dirty="0" smtClean="0"/>
-              <a:t> </a:t>
-            </a:r>
-          </a:p>
-          <a:p>
-            <a:r>
-              <a:rPr lang="en-US" baseline="0" dirty="0" smtClean="0"/>
-              <a:t>Vi </a:t>
-            </a:r>
-            <a:r>
-              <a:rPr lang="en-US" baseline="0" dirty="0" err="1" smtClean="0"/>
-              <a:t>såg</a:t>
-            </a:r>
-            <a:r>
-              <a:rPr lang="en-US" baseline="0" dirty="0" smtClean="0"/>
-              <a:t> </a:t>
-            </a:r>
-            <a:r>
-              <a:rPr lang="en-US" baseline="0" dirty="0" err="1" smtClean="0"/>
-              <a:t>då</a:t>
+              <a:t>skapa</a:t>
+            </a:r>
+            <a:r>
+              <a:rPr lang="en-US" baseline="0" dirty="0" smtClean="0"/>
+              <a:t> den </a:t>
+            </a:r>
+            <a:r>
+              <a:rPr lang="en-US" baseline="0" dirty="0" err="1" smtClean="0"/>
+              <a:t>nya</a:t>
+            </a:r>
+            <a:r>
+              <a:rPr lang="en-US" baseline="0" dirty="0" smtClean="0"/>
+              <a:t> </a:t>
+            </a:r>
+            <a:r>
+              <a:rPr lang="en-US" baseline="0" dirty="0" err="1" smtClean="0"/>
+              <a:t>replikan</a:t>
+            </a:r>
+            <a:r>
+              <a:rPr lang="en-US" baseline="0" dirty="0" smtClean="0"/>
+              <a:t> </a:t>
+            </a:r>
+            <a:r>
+              <a:rPr lang="en-US" baseline="0" dirty="0" err="1" smtClean="0"/>
+              <a:t>är</a:t>
+            </a:r>
+            <a:r>
+              <a:rPr lang="en-US" baseline="0" dirty="0" smtClean="0"/>
+              <a:t> significant </a:t>
+            </a:r>
+            <a:r>
+              <a:rPr lang="en-US" baseline="0" dirty="0" err="1" smtClean="0"/>
+              <a:t>störst</a:t>
+            </a:r>
+            <a:r>
+              <a:rPr lang="en-US" baseline="0" dirty="0" smtClean="0"/>
+              <a:t>.</a:t>
+            </a:r>
+          </a:p>
+          <a:p>
+            <a:endParaRPr lang="en-US" baseline="0" dirty="0" smtClean="0"/>
+          </a:p>
+          <a:p>
+            <a:r>
+              <a:rPr lang="en-US" baseline="0" dirty="0" err="1" smtClean="0"/>
+              <a:t>För</a:t>
+            </a:r>
+            <a:r>
+              <a:rPr lang="en-US" baseline="0" dirty="0" smtClean="0"/>
+              <a:t> </a:t>
+            </a:r>
+            <a:r>
+              <a:rPr lang="en-US" baseline="0" dirty="0" err="1" smtClean="0"/>
+              <a:t>större</a:t>
+            </a:r>
+            <a:r>
+              <a:rPr lang="en-US" baseline="0" dirty="0" smtClean="0"/>
+              <a:t> </a:t>
+            </a:r>
+            <a:r>
+              <a:rPr lang="en-US" baseline="0" dirty="0" err="1" smtClean="0"/>
+              <a:t>storlekar</a:t>
+            </a:r>
+            <a:r>
+              <a:rPr lang="en-US" baseline="0" dirty="0" smtClean="0"/>
+              <a:t> </a:t>
+            </a:r>
+            <a:r>
+              <a:rPr lang="en-US" baseline="0" dirty="0" err="1" smtClean="0"/>
+              <a:t>på</a:t>
+            </a:r>
+            <a:r>
+              <a:rPr lang="en-US" baseline="0" dirty="0" smtClean="0"/>
+              <a:t> </a:t>
+            </a:r>
+            <a:r>
+              <a:rPr lang="en-US" baseline="0" dirty="0" err="1" smtClean="0"/>
+              <a:t>statet</a:t>
+            </a:r>
+            <a:r>
+              <a:rPr lang="en-US" baseline="0" dirty="0" smtClean="0"/>
+              <a:t> </a:t>
+            </a:r>
+            <a:r>
+              <a:rPr lang="en-US" baseline="0" dirty="0" err="1" smtClean="0"/>
+              <a:t>så</a:t>
+            </a:r>
+            <a:r>
+              <a:rPr lang="en-US" baseline="0" dirty="0" smtClean="0"/>
+              <a:t> </a:t>
+            </a:r>
+            <a:r>
+              <a:rPr lang="en-US" baseline="0" dirty="0" err="1" smtClean="0"/>
+              <a:t>gick</a:t>
+            </a:r>
+            <a:r>
+              <a:rPr lang="en-US" baseline="0" dirty="0" smtClean="0"/>
+              <a:t> </a:t>
+            </a:r>
+            <a:r>
+              <a:rPr lang="en-US" baseline="0" dirty="0" err="1" smtClean="0"/>
+              <a:t>största</a:t>
+            </a:r>
+            <a:r>
+              <a:rPr lang="en-US" baseline="0" dirty="0" smtClean="0"/>
+              <a:t> </a:t>
+            </a:r>
+            <a:r>
+              <a:rPr lang="en-US" baseline="0" dirty="0" err="1" smtClean="0"/>
+              <a:t>tiden</a:t>
+            </a:r>
+            <a:r>
+              <a:rPr lang="en-US" baseline="0" dirty="0" smtClean="0"/>
+              <a:t> </a:t>
+            </a:r>
+            <a:r>
+              <a:rPr lang="en-US" baseline="0" dirty="0" err="1" smtClean="0"/>
+              <a:t>åt</a:t>
             </a:r>
             <a:r>
               <a:rPr lang="en-US" baseline="0" dirty="0" smtClean="0"/>
@@ -18659,598 +18446,139 @@
             </a:r>
             <a:r>
               <a:rPr lang="en-US" baseline="0" dirty="0" err="1" smtClean="0"/>
-              <a:t>det</a:t>
-            </a:r>
-            <a:r>
-              <a:rPr lang="en-US" baseline="0" dirty="0" smtClean="0"/>
-              <a:t> tog </a:t>
-            </a:r>
-            <a:r>
-              <a:rPr lang="en-US" baseline="0" dirty="0" err="1" smtClean="0"/>
-              <a:t>mindre</a:t>
-            </a:r>
-            <a:r>
-              <a:rPr lang="en-US" baseline="0" dirty="0" smtClean="0"/>
-              <a:t> </a:t>
-            </a:r>
-            <a:r>
-              <a:rPr lang="en-US" baseline="0" dirty="0" err="1" smtClean="0"/>
-              <a:t>än</a:t>
-            </a:r>
-            <a:r>
-              <a:rPr lang="en-US" baseline="0" dirty="0" smtClean="0"/>
-              <a:t> en </a:t>
-            </a:r>
-            <a:r>
-              <a:rPr lang="en-US" baseline="0" dirty="0" err="1" smtClean="0"/>
-              <a:t>timme</a:t>
-            </a:r>
-            <a:r>
-              <a:rPr lang="en-US" baseline="0" dirty="0" smtClean="0"/>
-              <a:t> </a:t>
-            </a:r>
-            <a:r>
-              <a:rPr lang="en-US" baseline="0" dirty="0" err="1" smtClean="0"/>
-              <a:t>att</a:t>
-            </a:r>
-            <a:r>
-              <a:rPr lang="en-US" baseline="0" dirty="0" smtClean="0"/>
-              <a:t> </a:t>
-            </a:r>
-            <a:r>
-              <a:rPr lang="en-US" baseline="0" dirty="0" err="1" smtClean="0"/>
-              <a:t>replicera</a:t>
-            </a:r>
-            <a:r>
-              <a:rPr lang="en-US" baseline="0" dirty="0" smtClean="0"/>
-              <a:t> en task med </a:t>
-            </a:r>
-            <a:r>
-              <a:rPr lang="en-US" baseline="0" dirty="0" err="1" smtClean="0"/>
-              <a:t>ett</a:t>
-            </a:r>
-            <a:r>
-              <a:rPr lang="en-US" baseline="0" dirty="0" smtClean="0"/>
-              <a:t> state </a:t>
-            </a:r>
-            <a:r>
-              <a:rPr lang="en-US" baseline="0" dirty="0" err="1" smtClean="0"/>
-              <a:t>på</a:t>
-            </a:r>
-            <a:r>
-              <a:rPr lang="en-US" baseline="0" dirty="0" smtClean="0"/>
-              <a:t> 1 GB.</a:t>
-            </a:r>
-          </a:p>
-          <a:p>
-            <a:endParaRPr lang="en-US" baseline="0" dirty="0" smtClean="0"/>
-          </a:p>
-          <a:p>
-            <a:endParaRPr lang="en-US" baseline="0" dirty="0" smtClean="0"/>
-          </a:p>
-          <a:p>
-            <a:r>
-              <a:rPr lang="en-US" baseline="0" dirty="0" smtClean="0"/>
-              <a:t>Om vi </a:t>
-            </a:r>
-            <a:r>
-              <a:rPr lang="en-US" baseline="0" dirty="0" err="1" smtClean="0"/>
-              <a:t>då</a:t>
-            </a:r>
-            <a:r>
-              <a:rPr lang="en-US" baseline="0" dirty="0" smtClean="0"/>
-              <a:t> </a:t>
-            </a:r>
-            <a:r>
-              <a:rPr lang="en-US" baseline="0" dirty="0" err="1" smtClean="0"/>
-              <a:t>antar</a:t>
-            </a:r>
-            <a:r>
-              <a:rPr lang="en-US" baseline="0" dirty="0" smtClean="0"/>
-              <a:t> </a:t>
-            </a:r>
-            <a:r>
-              <a:rPr lang="en-US" baseline="0" dirty="0" err="1" smtClean="0"/>
-              <a:t>att</a:t>
-            </a:r>
-            <a:r>
-              <a:rPr lang="en-US" baseline="0" dirty="0" smtClean="0"/>
-              <a:t> en nods MTBF </a:t>
-            </a:r>
-            <a:r>
-              <a:rPr lang="en-US" baseline="0" dirty="0" err="1" smtClean="0"/>
-              <a:t>är</a:t>
-            </a:r>
-            <a:r>
-              <a:rPr lang="en-US" baseline="0" dirty="0" smtClean="0"/>
-              <a:t> 1 </a:t>
-            </a:r>
-            <a:r>
-              <a:rPr lang="en-US" baseline="0" dirty="0" err="1" smtClean="0"/>
-              <a:t>år</a:t>
-            </a:r>
-            <a:r>
-              <a:rPr lang="en-US" baseline="0" dirty="0" smtClean="0"/>
-              <a:t> </a:t>
-            </a:r>
-            <a:r>
-              <a:rPr lang="en-US" baseline="0" dirty="0" err="1" smtClean="0"/>
-              <a:t>och</a:t>
-            </a:r>
-            <a:r>
-              <a:rPr lang="en-US" baseline="0" dirty="0" smtClean="0"/>
-              <a:t> </a:t>
-            </a:r>
-            <a:r>
-              <a:rPr lang="en-US" baseline="0" dirty="0" err="1" smtClean="0"/>
-              <a:t>att</a:t>
-            </a:r>
-            <a:r>
-              <a:rPr lang="en-US" baseline="0" dirty="0" smtClean="0"/>
-              <a:t> </a:t>
-            </a:r>
-            <a:r>
-              <a:rPr lang="en-US" baseline="0" dirty="0" err="1" smtClean="0"/>
-              <a:t>repliceringstiden</a:t>
-            </a:r>
-            <a:r>
-              <a:rPr lang="en-US" baseline="0" dirty="0" smtClean="0"/>
-              <a:t> </a:t>
-            </a:r>
-            <a:r>
-              <a:rPr lang="en-US" baseline="0" dirty="0" err="1" smtClean="0"/>
-              <a:t>är</a:t>
-            </a:r>
-            <a:r>
-              <a:rPr lang="en-US" baseline="0" dirty="0" smtClean="0"/>
-              <a:t> en </a:t>
-            </a:r>
-            <a:r>
-              <a:rPr lang="en-US" baseline="0" dirty="0" err="1" smtClean="0"/>
-              <a:t>timme</a:t>
-            </a:r>
-            <a:r>
-              <a:rPr lang="en-US" baseline="0" dirty="0" smtClean="0"/>
-              <a:t>. </a:t>
-            </a:r>
-          </a:p>
-          <a:p>
-            <a:endParaRPr lang="en-US" baseline="0" dirty="0" smtClean="0"/>
-          </a:p>
-          <a:p>
-            <a:r>
-              <a:rPr lang="en-US" baseline="0" dirty="0" err="1" smtClean="0"/>
-              <a:t>Då</a:t>
-            </a:r>
-            <a:r>
-              <a:rPr lang="en-US" baseline="0" dirty="0" smtClean="0"/>
-              <a:t> </a:t>
-            </a:r>
-            <a:r>
-              <a:rPr lang="en-US" baseline="0" dirty="0" err="1" smtClean="0"/>
-              <a:t>får</a:t>
-            </a:r>
-            <a:r>
-              <a:rPr lang="en-US" baseline="0" dirty="0" smtClean="0"/>
-              <a:t> vi med en replica en </a:t>
-            </a:r>
-            <a:r>
-              <a:rPr lang="en-US" baseline="0" dirty="0" err="1" smtClean="0"/>
-              <a:t>tillförlitlighet</a:t>
-            </a:r>
-            <a:r>
-              <a:rPr lang="en-US" baseline="0" dirty="0" smtClean="0"/>
-              <a:t> </a:t>
-            </a:r>
-            <a:r>
-              <a:rPr lang="en-US" baseline="0" dirty="0" err="1" smtClean="0"/>
-              <a:t>på</a:t>
-            </a:r>
-            <a:r>
-              <a:rPr lang="en-US" baseline="0" dirty="0" smtClean="0"/>
-              <a:t> </a:t>
-            </a:r>
-            <a:r>
-              <a:rPr lang="en-US" baseline="0" dirty="0" err="1" smtClean="0"/>
-              <a:t>tre</a:t>
-            </a:r>
-            <a:r>
-              <a:rPr lang="en-US" baseline="0" dirty="0" smtClean="0"/>
-              <a:t> </a:t>
-            </a:r>
-            <a:r>
-              <a:rPr lang="en-US" baseline="0" dirty="0" err="1" smtClean="0"/>
-              <a:t>nion</a:t>
-            </a:r>
-            <a:r>
-              <a:rPr lang="en-US" baseline="0" dirty="0" smtClean="0"/>
-              <a:t>, men </a:t>
-            </a:r>
-            <a:r>
-              <a:rPr lang="en-US" baseline="0" dirty="0" err="1" smtClean="0"/>
-              <a:t>två</a:t>
-            </a:r>
-            <a:r>
-              <a:rPr lang="en-US" baseline="0" dirty="0" smtClean="0"/>
-              <a:t> </a:t>
-            </a:r>
-            <a:r>
-              <a:rPr lang="en-US" baseline="0" dirty="0" err="1" smtClean="0"/>
-              <a:t>replikor</a:t>
-            </a:r>
-            <a:r>
-              <a:rPr lang="en-US" baseline="0" dirty="0" smtClean="0"/>
-              <a:t> </a:t>
-            </a:r>
-            <a:r>
-              <a:rPr lang="en-US" baseline="0" dirty="0" err="1" smtClean="0"/>
-              <a:t>får</a:t>
-            </a:r>
-            <a:r>
-              <a:rPr lang="en-US" baseline="0" dirty="0" smtClean="0"/>
-              <a:t> vi </a:t>
-            </a:r>
-            <a:r>
-              <a:rPr lang="en-US" baseline="0" dirty="0" err="1" smtClean="0"/>
-              <a:t>sju</a:t>
-            </a:r>
-            <a:r>
-              <a:rPr lang="en-US" baseline="0" dirty="0" smtClean="0"/>
-              <a:t> </a:t>
-            </a:r>
-            <a:r>
-              <a:rPr lang="en-US" baseline="0" dirty="0" err="1" smtClean="0"/>
-              <a:t>nior</a:t>
-            </a:r>
-            <a:r>
-              <a:rPr lang="en-US" baseline="0" dirty="0" smtClean="0"/>
-              <a:t> </a:t>
-            </a:r>
-            <a:r>
-              <a:rPr lang="en-US" baseline="0" dirty="0" err="1" smtClean="0"/>
-              <a:t>och</a:t>
-            </a:r>
-            <a:r>
-              <a:rPr lang="en-US" baseline="0" dirty="0" smtClean="0"/>
-              <a:t> </a:t>
-            </a:r>
-            <a:r>
-              <a:rPr lang="en-US" baseline="0" dirty="0" err="1" smtClean="0"/>
-              <a:t>tre</a:t>
-            </a:r>
-            <a:r>
-              <a:rPr lang="en-US" baseline="0" dirty="0" smtClean="0"/>
-              <a:t> </a:t>
-            </a:r>
-            <a:r>
-              <a:rPr lang="en-US" baseline="0" dirty="0" err="1" smtClean="0"/>
-              <a:t>replikor</a:t>
-            </a:r>
-            <a:r>
-              <a:rPr lang="en-US" baseline="0" dirty="0" smtClean="0"/>
-              <a:t> </a:t>
-            </a:r>
-            <a:r>
-              <a:rPr lang="en-US" baseline="0" dirty="0" err="1" smtClean="0"/>
-              <a:t>elva</a:t>
-            </a:r>
-            <a:r>
-              <a:rPr lang="en-US" baseline="0" dirty="0" smtClean="0"/>
-              <a:t> </a:t>
-            </a:r>
-            <a:r>
-              <a:rPr lang="en-US" baseline="0" dirty="0" err="1" smtClean="0"/>
-              <a:t>nior</a:t>
-            </a:r>
-            <a:r>
-              <a:rPr lang="en-US" baseline="0" dirty="0" smtClean="0"/>
-              <a:t>. </a:t>
-            </a:r>
-          </a:p>
-          <a:p>
-            <a:endParaRPr lang="en-US" baseline="0" dirty="0" smtClean="0"/>
-          </a:p>
-          <a:p>
-            <a:r>
-              <a:rPr lang="en-US" baseline="0" dirty="0" smtClean="0"/>
-              <a:t>Med </a:t>
-            </a:r>
-            <a:r>
-              <a:rPr lang="en-US" baseline="0" dirty="0" err="1" smtClean="0"/>
-              <a:t>tex</a:t>
-            </a:r>
-            <a:r>
-              <a:rPr lang="en-US" baseline="0" dirty="0" smtClean="0"/>
-              <a:t> </a:t>
-            </a:r>
-            <a:r>
-              <a:rPr lang="en-US" baseline="0" dirty="0" err="1" smtClean="0"/>
-              <a:t>två</a:t>
-            </a:r>
-            <a:r>
-              <a:rPr lang="en-US" baseline="0" dirty="0" smtClean="0"/>
-              <a:t> </a:t>
-            </a:r>
-            <a:r>
-              <a:rPr lang="en-US" baseline="0" dirty="0" err="1" smtClean="0"/>
-              <a:t>noder</a:t>
-            </a:r>
-            <a:r>
-              <a:rPr lang="en-US" baseline="0" dirty="0" smtClean="0"/>
-              <a:t> </a:t>
-            </a:r>
-            <a:r>
-              <a:rPr lang="en-US" baseline="0" dirty="0" err="1" smtClean="0"/>
-              <a:t>är</a:t>
-            </a:r>
-            <a:r>
-              <a:rPr lang="en-US" baseline="0" dirty="0" smtClean="0"/>
-              <a:t> </a:t>
-            </a:r>
-            <a:r>
-              <a:rPr lang="en-US" baseline="0" dirty="0" err="1" smtClean="0"/>
-              <a:t>det</a:t>
-            </a:r>
-            <a:r>
-              <a:rPr lang="en-US" baseline="0" dirty="0" smtClean="0"/>
-              <a:t> </a:t>
-            </a:r>
-            <a:r>
-              <a:rPr lang="en-US" baseline="0" dirty="0" err="1" smtClean="0"/>
-              <a:t>alltså</a:t>
-            </a:r>
-            <a:r>
-              <a:rPr lang="en-US" baseline="0" dirty="0" smtClean="0"/>
-              <a:t> </a:t>
-            </a:r>
-            <a:r>
-              <a:rPr lang="en-US" baseline="0" dirty="0" err="1" smtClean="0"/>
-              <a:t>väldigt</a:t>
-            </a:r>
-            <a:r>
-              <a:rPr lang="en-US" baseline="0" dirty="0" smtClean="0"/>
-              <a:t> </a:t>
-            </a:r>
-            <a:r>
-              <a:rPr lang="en-US" baseline="0" dirty="0" err="1" smtClean="0"/>
-              <a:t>liten</a:t>
-            </a:r>
-            <a:r>
-              <a:rPr lang="en-US" baseline="0" dirty="0" smtClean="0"/>
-              <a:t> risk </a:t>
-            </a:r>
-            <a:r>
-              <a:rPr lang="en-US" baseline="0" dirty="0" err="1" smtClean="0"/>
-              <a:t>att</a:t>
-            </a:r>
-            <a:r>
-              <a:rPr lang="en-US" baseline="0" dirty="0" smtClean="0"/>
-              <a:t> </a:t>
-            </a:r>
-            <a:r>
-              <a:rPr lang="en-US" baseline="0" dirty="0" err="1" smtClean="0"/>
-              <a:t>båda</a:t>
-            </a:r>
-            <a:r>
-              <a:rPr lang="en-US" baseline="0" dirty="0" smtClean="0"/>
-              <a:t> </a:t>
-            </a:r>
-            <a:r>
-              <a:rPr lang="en-US" baseline="0" dirty="0" err="1" smtClean="0"/>
-              <a:t>dör</a:t>
-            </a:r>
-            <a:r>
-              <a:rPr lang="en-US" baseline="0" dirty="0" smtClean="0"/>
-              <a:t> </a:t>
-            </a:r>
-            <a:r>
-              <a:rPr lang="en-US" baseline="0" dirty="0" err="1" smtClean="0"/>
-              <a:t>innan</a:t>
-            </a:r>
-            <a:r>
-              <a:rPr lang="en-US" baseline="0" dirty="0" smtClean="0"/>
-              <a:t> vi </a:t>
-            </a:r>
-            <a:r>
-              <a:rPr lang="en-US" baseline="0" dirty="0" err="1" smtClean="0"/>
-              <a:t>hunnit</a:t>
-            </a:r>
-            <a:r>
-              <a:rPr lang="en-US" baseline="0" dirty="0" smtClean="0"/>
-              <a:t> </a:t>
-            </a:r>
-            <a:r>
-              <a:rPr lang="en-US" baseline="0" dirty="0" err="1" smtClean="0"/>
-              <a:t>starta</a:t>
-            </a:r>
-            <a:r>
-              <a:rPr lang="en-US" baseline="0" dirty="0" smtClean="0"/>
-              <a:t> </a:t>
-            </a:r>
-            <a:r>
-              <a:rPr lang="en-US" baseline="0" dirty="0" err="1" smtClean="0"/>
-              <a:t>upp</a:t>
-            </a:r>
-            <a:r>
-              <a:rPr lang="en-US" baseline="0" dirty="0" smtClean="0"/>
-              <a:t> en </a:t>
-            </a:r>
-            <a:r>
-              <a:rPr lang="en-US" baseline="0" dirty="0" err="1" smtClean="0"/>
-              <a:t>ny</a:t>
-            </a:r>
-            <a:r>
-              <a:rPr lang="en-US" baseline="0" dirty="0" smtClean="0"/>
-              <a:t> </a:t>
-            </a:r>
-            <a:r>
-              <a:rPr lang="en-US" baseline="0" dirty="0" err="1" smtClean="0"/>
-              <a:t>aktor</a:t>
-            </a:r>
-            <a:r>
-              <a:rPr lang="en-US" baseline="0" dirty="0" smtClean="0"/>
-              <a:t>.</a:t>
-            </a:r>
-          </a:p>
-          <a:p>
-            <a:endParaRPr lang="en-US" baseline="0" dirty="0" smtClean="0"/>
-          </a:p>
-          <a:p>
-            <a:r>
-              <a:rPr lang="en-US" baseline="0" dirty="0" smtClean="0"/>
-              <a:t>Nu </a:t>
-            </a:r>
-            <a:r>
-              <a:rPr lang="en-US" baseline="0" dirty="0" err="1" smtClean="0"/>
-              <a:t>antar</a:t>
-            </a:r>
-            <a:r>
-              <a:rPr lang="en-US" baseline="0" dirty="0" smtClean="0"/>
-              <a:t> vi </a:t>
-            </a:r>
-            <a:r>
-              <a:rPr lang="en-US" baseline="0" dirty="0" err="1" smtClean="0"/>
-              <a:t>förvisso</a:t>
-            </a:r>
-            <a:r>
-              <a:rPr lang="en-US" baseline="0" dirty="0" smtClean="0"/>
-              <a:t> </a:t>
-            </a:r>
-            <a:r>
-              <a:rPr lang="en-US" baseline="0" dirty="0" err="1" smtClean="0"/>
-              <a:t>att</a:t>
-            </a:r>
-            <a:r>
-              <a:rPr lang="en-US" baseline="0" dirty="0" smtClean="0"/>
-              <a:t> </a:t>
-            </a:r>
-            <a:r>
-              <a:rPr lang="en-US" baseline="0" dirty="0" err="1" smtClean="0"/>
-              <a:t>fel</a:t>
-            </a:r>
-            <a:r>
-              <a:rPr lang="en-US" baseline="0" dirty="0" smtClean="0"/>
-              <a:t> </a:t>
-            </a:r>
-            <a:r>
-              <a:rPr lang="en-US" baseline="0" dirty="0" err="1" smtClean="0"/>
-              <a:t>inträffar</a:t>
-            </a:r>
-            <a:r>
-              <a:rPr lang="en-US" baseline="0" dirty="0" smtClean="0"/>
-              <a:t> </a:t>
-            </a:r>
-            <a:r>
-              <a:rPr lang="en-US" baseline="0" dirty="0" err="1" smtClean="0"/>
-              <a:t>oberoende</a:t>
-            </a:r>
-            <a:r>
-              <a:rPr lang="en-US" baseline="0" dirty="0" smtClean="0"/>
-              <a:t> men </a:t>
-            </a:r>
-            <a:r>
-              <a:rPr lang="en-US" baseline="0" dirty="0" err="1" smtClean="0"/>
-              <a:t>det</a:t>
-            </a:r>
-            <a:r>
-              <a:rPr lang="en-US" baseline="0" dirty="0" smtClean="0"/>
-              <a:t> </a:t>
-            </a:r>
-            <a:r>
-              <a:rPr lang="en-US" baseline="0" dirty="0" err="1" smtClean="0"/>
-              <a:t>tyder</a:t>
-            </a:r>
-            <a:r>
-              <a:rPr lang="en-US" baseline="0" dirty="0" smtClean="0"/>
-              <a:t> </a:t>
-            </a:r>
-            <a:r>
-              <a:rPr lang="en-US" baseline="0" dirty="0" err="1" smtClean="0"/>
-              <a:t>ändå</a:t>
-            </a:r>
-            <a:r>
-              <a:rPr lang="en-US" baseline="0" dirty="0" smtClean="0"/>
-              <a:t> </a:t>
-            </a:r>
-            <a:r>
-              <a:rPr lang="en-US" baseline="0" dirty="0" err="1" smtClean="0"/>
-              <a:t>på</a:t>
-            </a:r>
-            <a:r>
-              <a:rPr lang="en-US" baseline="0" dirty="0" smtClean="0"/>
-              <a:t> </a:t>
-            </a:r>
-            <a:r>
-              <a:rPr lang="en-US" baseline="0" dirty="0" err="1" smtClean="0"/>
-              <a:t>att</a:t>
-            </a:r>
-            <a:r>
-              <a:rPr lang="en-US" baseline="0" dirty="0" smtClean="0"/>
-              <a:t> vi </a:t>
-            </a:r>
-            <a:r>
-              <a:rPr lang="en-US" baseline="0" dirty="0" err="1" smtClean="0"/>
-              <a:t>får</a:t>
-            </a:r>
-            <a:r>
-              <a:rPr lang="en-US" baseline="0" dirty="0" smtClean="0"/>
-              <a:t> </a:t>
-            </a:r>
-            <a:r>
-              <a:rPr lang="en-US" baseline="0" dirty="0" err="1" smtClean="0"/>
-              <a:t>väldigt</a:t>
-            </a:r>
-            <a:r>
-              <a:rPr lang="en-US" baseline="0" dirty="0" smtClean="0"/>
-              <a:t> </a:t>
-            </a:r>
-            <a:r>
-              <a:rPr lang="en-US" baseline="0" dirty="0" err="1" smtClean="0"/>
-              <a:t>hög</a:t>
-            </a:r>
-            <a:r>
-              <a:rPr lang="en-US" baseline="0" dirty="0" smtClean="0"/>
-              <a:t> </a:t>
-            </a:r>
-            <a:r>
-              <a:rPr lang="en-US" baseline="0" dirty="0" err="1" smtClean="0"/>
-              <a:t>tillförlitlighet</a:t>
-            </a:r>
-            <a:r>
-              <a:rPr lang="en-US" baseline="0" dirty="0" smtClean="0"/>
-              <a:t> med </a:t>
-            </a:r>
-            <a:r>
-              <a:rPr lang="en-US" baseline="0" dirty="0" err="1" smtClean="0"/>
-              <a:t>ett</a:t>
-            </a:r>
-            <a:r>
-              <a:rPr lang="en-US" baseline="0" dirty="0" smtClean="0"/>
-              <a:t> </a:t>
-            </a:r>
-            <a:r>
-              <a:rPr lang="en-US" baseline="0" dirty="0" err="1" smtClean="0"/>
-              <a:t>få</a:t>
-            </a:r>
-            <a:r>
-              <a:rPr lang="en-US" baseline="0" dirty="0" smtClean="0"/>
-              <a:t> </a:t>
-            </a:r>
-            <a:r>
-              <a:rPr lang="en-US" baseline="0" dirty="0" err="1" smtClean="0"/>
-              <a:t>antal</a:t>
-            </a:r>
-            <a:r>
-              <a:rPr lang="en-US" baseline="0" dirty="0" smtClean="0"/>
-              <a:t> </a:t>
-            </a:r>
-            <a:r>
-              <a:rPr lang="en-US" baseline="0" dirty="0" err="1" smtClean="0"/>
-              <a:t>replikor</a:t>
-            </a:r>
-            <a:r>
-              <a:rPr lang="en-US" baseline="0" dirty="0" smtClean="0"/>
-              <a:t>.</a:t>
+              <a:t>skicka</a:t>
+            </a:r>
+            <a:r>
+              <a:rPr lang="en-US" baseline="0" dirty="0" smtClean="0"/>
+              <a:t> </a:t>
+            </a:r>
+            <a:r>
+              <a:rPr lang="en-US" baseline="0" dirty="0" err="1" smtClean="0"/>
+              <a:t>statet</a:t>
+            </a:r>
+            <a:r>
+              <a:rPr lang="en-US" baseline="0" dirty="0" smtClean="0"/>
+              <a:t> </a:t>
+            </a:r>
+            <a:r>
+              <a:rPr lang="en-US" baseline="0" dirty="0" err="1" smtClean="0"/>
+              <a:t>mellan</a:t>
+            </a:r>
+            <a:r>
+              <a:rPr lang="en-US" baseline="0" dirty="0" smtClean="0"/>
+              <a:t> </a:t>
+            </a:r>
+            <a:r>
+              <a:rPr lang="en-US" baseline="0" dirty="0" err="1" smtClean="0"/>
+              <a:t>runtimesen</a:t>
+            </a:r>
+            <a:r>
+              <a:rPr lang="en-US" baseline="0" dirty="0" smtClean="0"/>
+              <a:t>, </a:t>
+            </a:r>
+            <a:r>
+              <a:rPr lang="en-US" baseline="0" dirty="0" err="1" smtClean="0"/>
+              <a:t>så</a:t>
+            </a:r>
+            <a:r>
+              <a:rPr lang="en-US" baseline="0" dirty="0" smtClean="0"/>
+              <a:t> </a:t>
+            </a:r>
+            <a:r>
+              <a:rPr lang="en-US" baseline="0" dirty="0" err="1" smtClean="0"/>
+              <a:t>för</a:t>
+            </a:r>
+            <a:r>
+              <a:rPr lang="en-US" baseline="0" dirty="0" smtClean="0"/>
+              <a:t> </a:t>
+            </a:r>
+            <a:r>
+              <a:rPr lang="en-US" baseline="0" dirty="0" err="1" smtClean="0"/>
+              <a:t>större</a:t>
+            </a:r>
+            <a:r>
+              <a:rPr lang="en-US" baseline="0" dirty="0" smtClean="0"/>
+              <a:t> </a:t>
+            </a:r>
+            <a:r>
+              <a:rPr lang="en-US" baseline="0" dirty="0" err="1" smtClean="0"/>
+              <a:t>storlekar</a:t>
+            </a:r>
+            <a:r>
+              <a:rPr lang="en-US" baseline="0" dirty="0" smtClean="0"/>
+              <a:t> </a:t>
+            </a:r>
+            <a:r>
+              <a:rPr lang="en-US" baseline="0" dirty="0" err="1" smtClean="0"/>
+              <a:t>kanske</a:t>
+            </a:r>
+            <a:r>
+              <a:rPr lang="en-US" baseline="0" dirty="0" smtClean="0"/>
+              <a:t> man </a:t>
+            </a:r>
+            <a:r>
+              <a:rPr lang="en-US" baseline="0" dirty="0" err="1" smtClean="0"/>
+              <a:t>inte</a:t>
+            </a:r>
+            <a:r>
+              <a:rPr lang="en-US" baseline="0" dirty="0" smtClean="0"/>
+              <a:t> </a:t>
+            </a:r>
+            <a:r>
+              <a:rPr lang="en-US" baseline="0" dirty="0" err="1" smtClean="0"/>
+              <a:t>kan</a:t>
+            </a:r>
+            <a:r>
+              <a:rPr lang="en-US" baseline="0" dirty="0" smtClean="0"/>
+              <a:t> </a:t>
+            </a:r>
+            <a:r>
+              <a:rPr lang="en-US" baseline="0" dirty="0" err="1" smtClean="0"/>
+              <a:t>minska</a:t>
+            </a:r>
+            <a:r>
+              <a:rPr lang="en-US" baseline="0" dirty="0" smtClean="0"/>
+              <a:t> </a:t>
+            </a:r>
+            <a:r>
+              <a:rPr lang="en-US" baseline="0" dirty="0" err="1" smtClean="0"/>
+              <a:t>tiden</a:t>
+            </a:r>
+            <a:r>
+              <a:rPr lang="en-US" baseline="0" dirty="0" smtClean="0"/>
+              <a:t> </a:t>
+            </a:r>
+            <a:r>
+              <a:rPr lang="en-US" baseline="0" dirty="0" err="1" smtClean="0"/>
+              <a:t>särskilt</a:t>
+            </a:r>
+            <a:r>
+              <a:rPr lang="en-US" baseline="0" dirty="0" smtClean="0"/>
+              <a:t> </a:t>
+            </a:r>
+            <a:r>
+              <a:rPr lang="en-US" baseline="0" dirty="0" err="1" smtClean="0"/>
+              <a:t>mycket</a:t>
+            </a:r>
+            <a:r>
+              <a:rPr lang="en-US" baseline="0" dirty="0" smtClean="0"/>
+              <a:t> med en </a:t>
+            </a:r>
+            <a:r>
+              <a:rPr lang="en-US" baseline="0" dirty="0" err="1" smtClean="0"/>
+              <a:t>effektivare</a:t>
+            </a:r>
+            <a:r>
+              <a:rPr lang="en-US" baseline="0" dirty="0" smtClean="0"/>
+              <a:t> </a:t>
+            </a:r>
+            <a:r>
+              <a:rPr lang="en-US" baseline="0" dirty="0" err="1" smtClean="0"/>
+              <a:t>implementering</a:t>
+            </a:r>
+            <a:r>
+              <a:rPr lang="is-IS" baseline="0" dirty="0" smtClean="0"/>
+              <a:t>…</a:t>
             </a:r>
             <a:endParaRPr lang="en-US" dirty="0"/>
           </a:p>
@@ -19282,7 +18610,7 @@
     </p:spTree>
     <p:extLst>
       <p:ext uri="{BB962C8B-B14F-4D97-AF65-F5344CB8AC3E}">
-        <p14:creationId xmlns:p14="http://schemas.microsoft.com/office/powerpoint/2010/main" val="95629498"/>
+        <p14:creationId xmlns:p14="http://schemas.microsoft.com/office/powerpoint/2010/main" val="865838575"/>
       </p:ext>
     </p:extLst>
   </p:cSld>
@@ -19311,7 +18639,7 @@
       </p:grpSpPr>
       <p:sp>
         <p:nvSpPr>
-          <p:cNvPr id="2" name="Platshållare för bildobjekt 1"/>
+          <p:cNvPr id="2" name="Slide Image Placeholder 1"/>
           <p:cNvSpPr>
             <a:spLocks noGrp="1" noRot="1" noChangeAspect="1"/>
           </p:cNvSpPr>
@@ -19323,7 +18651,7 @@
       </p:sp>
       <p:sp>
         <p:nvSpPr>
-          <p:cNvPr id="3" name="Platshållare för anteckningar 2"/>
+          <p:cNvPr id="3" name="Notes Placeholder 2"/>
           <p:cNvSpPr>
             <a:spLocks noGrp="1"/>
           </p:cNvSpPr>
@@ -19337,133 +18665,721 @@
           <a:lstStyle/>
           <a:p>
             <a:r>
-              <a:rPr lang="sv-SE" dirty="0" smtClean="0"/>
-              <a:t>En del av framtida arbete är att undersöka hur skalbar</a:t>
-            </a:r>
-            <a:r>
-              <a:rPr lang="sv-SE" baseline="0" dirty="0" smtClean="0"/>
-              <a:t> vår modell är. </a:t>
-            </a:r>
-          </a:p>
-          <a:p>
-            <a:endParaRPr lang="sv-SE" baseline="0" dirty="0" smtClean="0"/>
-          </a:p>
-          <a:p>
-            <a:r>
-              <a:rPr lang="sv-SE" baseline="0" dirty="0" err="1" smtClean="0"/>
-              <a:t>Tillförlitlighesmodellen</a:t>
-            </a:r>
-            <a:r>
-              <a:rPr lang="sv-SE" baseline="0" dirty="0" smtClean="0"/>
-              <a:t> är utbytbar. Den kan byggas ut genom att</a:t>
-            </a:r>
-          </a:p>
-          <a:p>
-            <a:pPr marL="171450" indent="-171450">
-              <a:buFontTx/>
-              <a:buChar char="-"/>
-            </a:pPr>
-            <a:r>
-              <a:rPr lang="sv-SE" baseline="0" dirty="0" smtClean="0"/>
-              <a:t>Ta med fler parametrar, </a:t>
-            </a:r>
-            <a:r>
-              <a:rPr lang="sv-SE" baseline="0" dirty="0" err="1" smtClean="0"/>
-              <a:t>t.e.x</a:t>
-            </a:r>
-            <a:r>
-              <a:rPr lang="sv-SE" baseline="0" dirty="0" smtClean="0"/>
-              <a:t> </a:t>
-            </a:r>
-            <a:r>
-              <a:rPr lang="sv-SE" baseline="0" dirty="0" err="1" smtClean="0"/>
-              <a:t>länkfel</a:t>
-            </a:r>
-            <a:endParaRPr lang="sv-SE" baseline="0" dirty="0" smtClean="0"/>
-          </a:p>
-          <a:p>
-            <a:pPr marL="171450" indent="-171450">
-              <a:buFontTx/>
-              <a:buChar char="-"/>
-            </a:pPr>
-            <a:r>
-              <a:rPr lang="sv-SE" baseline="0" dirty="0" smtClean="0"/>
-              <a:t>Inkludera placeringen av nuvarande noder i beräkningen av tillförlitlighet</a:t>
-            </a:r>
-          </a:p>
-          <a:p>
-            <a:pPr marL="171450" indent="-171450">
-              <a:buFontTx/>
-              <a:buChar char="-"/>
-            </a:pPr>
-            <a:r>
-              <a:rPr lang="sv-SE" baseline="0" dirty="0" smtClean="0"/>
-              <a:t>Lägga till maskinlärning, eftersom tillförlitligheten av applikationer övervakas periodiskt så kan vi förebygga dippar i tillförlitligheten genom att flytta eller skapa nya </a:t>
-            </a:r>
-            <a:r>
-              <a:rPr lang="sv-SE" baseline="0" dirty="0" err="1" smtClean="0"/>
+              <a:rPr lang="en-US" dirty="0" smtClean="0"/>
+              <a:t>Vi </a:t>
+            </a:r>
+            <a:r>
+              <a:rPr lang="en-US" dirty="0" err="1" smtClean="0"/>
+              <a:t>mätte</a:t>
+            </a:r>
+            <a:r>
+              <a:rPr lang="en-US" dirty="0" smtClean="0"/>
+              <a:t> </a:t>
+            </a:r>
+            <a:r>
+              <a:rPr lang="en-US" dirty="0" err="1" smtClean="0"/>
+              <a:t>även</a:t>
+            </a:r>
+            <a:r>
+              <a:rPr lang="en-US" dirty="0" smtClean="0"/>
+              <a:t> </a:t>
+            </a:r>
+            <a:r>
+              <a:rPr lang="en-US" dirty="0" err="1" smtClean="0"/>
+              <a:t>tiden</a:t>
+            </a:r>
+            <a:r>
+              <a:rPr lang="en-US" dirty="0" smtClean="0"/>
+              <a:t> </a:t>
+            </a:r>
+            <a:r>
+              <a:rPr lang="en-US" dirty="0" err="1" smtClean="0"/>
+              <a:t>det</a:t>
+            </a:r>
+            <a:r>
+              <a:rPr lang="en-US" baseline="0" dirty="0" smtClean="0"/>
+              <a:t> tog </a:t>
+            </a:r>
+            <a:r>
+              <a:rPr lang="en-US" baseline="0" dirty="0" err="1" smtClean="0"/>
+              <a:t>att</a:t>
+            </a:r>
+            <a:r>
+              <a:rPr lang="en-US" baseline="0" dirty="0" smtClean="0"/>
+              <a:t> </a:t>
+            </a:r>
+            <a:r>
+              <a:rPr lang="en-US" baseline="0" dirty="0" err="1" smtClean="0"/>
+              <a:t>replicera</a:t>
+            </a:r>
+            <a:r>
+              <a:rPr lang="en-US" baseline="0" dirty="0" smtClean="0"/>
+              <a:t> en task I Calvin – </a:t>
+            </a:r>
+            <a:r>
+              <a:rPr lang="en-US" baseline="0" dirty="0" err="1" smtClean="0"/>
+              <a:t>där</a:t>
+            </a:r>
+            <a:r>
+              <a:rPr lang="en-US" baseline="0" dirty="0" smtClean="0"/>
+              <a:t> vi </a:t>
+            </a:r>
+            <a:r>
+              <a:rPr lang="en-US" baseline="0" dirty="0" err="1" smtClean="0"/>
+              <a:t>implementerat</a:t>
+            </a:r>
+            <a:r>
+              <a:rPr lang="en-US" baseline="0" dirty="0" smtClean="0"/>
+              <a:t> </a:t>
+            </a:r>
+            <a:r>
+              <a:rPr lang="en-US" baseline="0" dirty="0" err="1" smtClean="0"/>
+              <a:t>vår</a:t>
+            </a:r>
+            <a:r>
+              <a:rPr lang="en-US" baseline="0" dirty="0" smtClean="0"/>
+              <a:t> </a:t>
+            </a:r>
+            <a:r>
+              <a:rPr lang="en-US" baseline="0" dirty="0" err="1" smtClean="0"/>
+              <a:t>modell</a:t>
+            </a:r>
+            <a:r>
+              <a:rPr lang="en-US" baseline="0" dirty="0" smtClean="0"/>
+              <a:t> </a:t>
+            </a:r>
+          </a:p>
+          <a:p>
+            <a:r>
+              <a:rPr lang="en-US" baseline="0" dirty="0" smtClean="0"/>
+              <a:t>Vi </a:t>
+            </a:r>
+            <a:r>
+              <a:rPr lang="en-US" baseline="0" dirty="0" err="1" smtClean="0"/>
+              <a:t>såg</a:t>
+            </a:r>
+            <a:r>
+              <a:rPr lang="en-US" baseline="0" dirty="0" smtClean="0"/>
+              <a:t> </a:t>
+            </a:r>
+            <a:r>
+              <a:rPr lang="en-US" baseline="0" dirty="0" err="1" smtClean="0"/>
+              <a:t>då</a:t>
+            </a:r>
+            <a:r>
+              <a:rPr lang="en-US" baseline="0" dirty="0" smtClean="0"/>
+              <a:t> </a:t>
+            </a:r>
+            <a:r>
+              <a:rPr lang="en-US" baseline="0" dirty="0" err="1" smtClean="0"/>
+              <a:t>att</a:t>
+            </a:r>
+            <a:r>
+              <a:rPr lang="en-US" baseline="0" dirty="0" smtClean="0"/>
+              <a:t> </a:t>
+            </a:r>
+            <a:r>
+              <a:rPr lang="en-US" baseline="0" dirty="0" err="1" smtClean="0"/>
+              <a:t>det</a:t>
+            </a:r>
+            <a:r>
+              <a:rPr lang="en-US" baseline="0" dirty="0" smtClean="0"/>
+              <a:t> tog </a:t>
+            </a:r>
+            <a:r>
+              <a:rPr lang="en-US" baseline="0" dirty="0" err="1" smtClean="0"/>
+              <a:t>mindre</a:t>
+            </a:r>
+            <a:r>
+              <a:rPr lang="en-US" baseline="0" dirty="0" smtClean="0"/>
+              <a:t> </a:t>
+            </a:r>
+            <a:r>
+              <a:rPr lang="en-US" baseline="0" dirty="0" err="1" smtClean="0"/>
+              <a:t>än</a:t>
+            </a:r>
+            <a:r>
+              <a:rPr lang="en-US" baseline="0" dirty="0" smtClean="0"/>
+              <a:t> en </a:t>
+            </a:r>
+            <a:r>
+              <a:rPr lang="en-US" baseline="0" dirty="0" err="1" smtClean="0"/>
+              <a:t>timme</a:t>
+            </a:r>
+            <a:r>
+              <a:rPr lang="en-US" baseline="0" dirty="0" smtClean="0"/>
+              <a:t> </a:t>
+            </a:r>
+            <a:r>
+              <a:rPr lang="en-US" baseline="0" dirty="0" err="1" smtClean="0"/>
+              <a:t>att</a:t>
+            </a:r>
+            <a:r>
+              <a:rPr lang="en-US" baseline="0" dirty="0" smtClean="0"/>
+              <a:t> </a:t>
+            </a:r>
+            <a:r>
+              <a:rPr lang="en-US" baseline="0" dirty="0" err="1" smtClean="0"/>
+              <a:t>replicera</a:t>
+            </a:r>
+            <a:r>
+              <a:rPr lang="en-US" baseline="0" dirty="0" smtClean="0"/>
+              <a:t> en task med </a:t>
+            </a:r>
+            <a:r>
+              <a:rPr lang="en-US" baseline="0" dirty="0" err="1" smtClean="0"/>
+              <a:t>ett</a:t>
+            </a:r>
+            <a:r>
+              <a:rPr lang="en-US" baseline="0" dirty="0" smtClean="0"/>
+              <a:t> state </a:t>
+            </a:r>
+            <a:r>
+              <a:rPr lang="en-US" baseline="0" dirty="0" err="1" smtClean="0"/>
+              <a:t>på</a:t>
+            </a:r>
+            <a:r>
+              <a:rPr lang="en-US" baseline="0" dirty="0" smtClean="0"/>
+              <a:t> 1 GB.</a:t>
+            </a:r>
+          </a:p>
+          <a:p>
+            <a:endParaRPr lang="en-US" baseline="0" dirty="0" smtClean="0"/>
+          </a:p>
+          <a:p>
+            <a:endParaRPr lang="en-US" baseline="0" dirty="0" smtClean="0"/>
+          </a:p>
+          <a:p>
+            <a:r>
+              <a:rPr lang="en-US" baseline="0" dirty="0" smtClean="0"/>
+              <a:t>Om vi </a:t>
+            </a:r>
+            <a:r>
+              <a:rPr lang="en-US" baseline="0" dirty="0" err="1" smtClean="0"/>
+              <a:t>då</a:t>
+            </a:r>
+            <a:r>
+              <a:rPr lang="en-US" baseline="0" dirty="0" smtClean="0"/>
+              <a:t> </a:t>
+            </a:r>
+            <a:r>
+              <a:rPr lang="en-US" baseline="0" dirty="0" err="1" smtClean="0"/>
+              <a:t>antar</a:t>
+            </a:r>
+            <a:r>
+              <a:rPr lang="en-US" baseline="0" dirty="0" smtClean="0"/>
+              <a:t> </a:t>
+            </a:r>
+            <a:r>
+              <a:rPr lang="en-US" baseline="0" dirty="0" err="1" smtClean="0"/>
+              <a:t>att</a:t>
+            </a:r>
+            <a:r>
+              <a:rPr lang="en-US" baseline="0" dirty="0" smtClean="0"/>
+              <a:t> en nods MTBF </a:t>
+            </a:r>
+            <a:r>
+              <a:rPr lang="en-US" baseline="0" dirty="0" err="1" smtClean="0"/>
+              <a:t>är</a:t>
+            </a:r>
+            <a:r>
+              <a:rPr lang="en-US" baseline="0" dirty="0" smtClean="0"/>
+              <a:t> 1 </a:t>
+            </a:r>
+            <a:r>
+              <a:rPr lang="en-US" baseline="0" dirty="0" err="1" smtClean="0"/>
+              <a:t>år</a:t>
+            </a:r>
+            <a:r>
+              <a:rPr lang="en-US" baseline="0" dirty="0" smtClean="0"/>
+              <a:t> </a:t>
+            </a:r>
+            <a:r>
+              <a:rPr lang="en-US" baseline="0" dirty="0" err="1" smtClean="0"/>
+              <a:t>och</a:t>
+            </a:r>
+            <a:r>
+              <a:rPr lang="en-US" baseline="0" dirty="0" smtClean="0"/>
+              <a:t> </a:t>
+            </a:r>
+            <a:r>
+              <a:rPr lang="en-US" baseline="0" dirty="0" err="1" smtClean="0"/>
+              <a:t>att</a:t>
+            </a:r>
+            <a:r>
+              <a:rPr lang="en-US" baseline="0" dirty="0" smtClean="0"/>
+              <a:t> </a:t>
+            </a:r>
+            <a:r>
+              <a:rPr lang="en-US" baseline="0" dirty="0" err="1" smtClean="0"/>
+              <a:t>repliceringstiden</a:t>
+            </a:r>
+            <a:r>
+              <a:rPr lang="en-US" baseline="0" dirty="0" smtClean="0"/>
+              <a:t> </a:t>
+            </a:r>
+            <a:r>
+              <a:rPr lang="en-US" baseline="0" dirty="0" err="1" smtClean="0"/>
+              <a:t>är</a:t>
+            </a:r>
+            <a:r>
+              <a:rPr lang="en-US" baseline="0" dirty="0" smtClean="0"/>
+              <a:t> en </a:t>
+            </a:r>
+            <a:r>
+              <a:rPr lang="en-US" baseline="0" dirty="0" err="1" smtClean="0"/>
+              <a:t>timme</a:t>
+            </a:r>
+            <a:r>
+              <a:rPr lang="en-US" baseline="0" dirty="0" smtClean="0"/>
+              <a:t>. </a:t>
+            </a:r>
+          </a:p>
+          <a:p>
+            <a:endParaRPr lang="en-US" baseline="0" dirty="0" smtClean="0"/>
+          </a:p>
+          <a:p>
+            <a:r>
+              <a:rPr lang="en-US" baseline="0" dirty="0" err="1" smtClean="0"/>
+              <a:t>Då</a:t>
+            </a:r>
+            <a:r>
+              <a:rPr lang="en-US" baseline="0" dirty="0" smtClean="0"/>
+              <a:t> </a:t>
+            </a:r>
+            <a:r>
+              <a:rPr lang="en-US" baseline="0" dirty="0" err="1" smtClean="0"/>
+              <a:t>får</a:t>
+            </a:r>
+            <a:r>
+              <a:rPr lang="en-US" baseline="0" dirty="0" smtClean="0"/>
+              <a:t> vi med en replica en </a:t>
+            </a:r>
+            <a:r>
+              <a:rPr lang="en-US" baseline="0" dirty="0" err="1" smtClean="0"/>
+              <a:t>tillförlitlighet</a:t>
+            </a:r>
+            <a:r>
+              <a:rPr lang="en-US" baseline="0" dirty="0" smtClean="0"/>
+              <a:t> </a:t>
+            </a:r>
+            <a:r>
+              <a:rPr lang="en-US" baseline="0" dirty="0" err="1" smtClean="0"/>
+              <a:t>på</a:t>
+            </a:r>
+            <a:r>
+              <a:rPr lang="en-US" baseline="0" dirty="0" smtClean="0"/>
+              <a:t> </a:t>
+            </a:r>
+            <a:r>
+              <a:rPr lang="en-US" baseline="0" dirty="0" err="1" smtClean="0"/>
+              <a:t>tre</a:t>
+            </a:r>
+            <a:r>
+              <a:rPr lang="en-US" baseline="0" dirty="0" smtClean="0"/>
+              <a:t> </a:t>
+            </a:r>
+            <a:r>
+              <a:rPr lang="en-US" baseline="0" dirty="0" err="1" smtClean="0"/>
+              <a:t>nion</a:t>
+            </a:r>
+            <a:r>
+              <a:rPr lang="en-US" baseline="0" dirty="0" smtClean="0"/>
+              <a:t>, men </a:t>
+            </a:r>
+            <a:r>
+              <a:rPr lang="en-US" baseline="0" dirty="0" err="1" smtClean="0"/>
+              <a:t>två</a:t>
+            </a:r>
+            <a:r>
+              <a:rPr lang="en-US" baseline="0" dirty="0" smtClean="0"/>
+              <a:t> </a:t>
+            </a:r>
+            <a:r>
+              <a:rPr lang="en-US" baseline="0" dirty="0" err="1" smtClean="0"/>
               <a:t>replikor</a:t>
             </a:r>
             <a:r>
-              <a:rPr lang="sv-SE" baseline="0" dirty="0" smtClean="0"/>
-              <a:t> före att fel inträffar</a:t>
-            </a:r>
-          </a:p>
-          <a:p>
-            <a:pPr marL="171450" indent="-171450">
-              <a:buFontTx/>
-              <a:buChar char="-"/>
-            </a:pPr>
-            <a:endParaRPr lang="sv-SE" baseline="0" dirty="0" smtClean="0"/>
-          </a:p>
-          <a:p>
-            <a:pPr marL="0" indent="0">
-              <a:buFontTx/>
-              <a:buNone/>
-            </a:pPr>
-            <a:r>
-              <a:rPr lang="sv-SE" baseline="0" dirty="0" smtClean="0"/>
-              <a:t>Om vi skippar antagandet att noder producerar deterministiska resultat, så kan vår modell byggas ut och använda en </a:t>
-            </a:r>
-            <a:r>
-              <a:rPr lang="sv-SE" baseline="0" dirty="0" err="1" smtClean="0"/>
-              <a:t>konsensusalrogitm</a:t>
-            </a:r>
-            <a:r>
-              <a:rPr lang="sv-SE" baseline="0" dirty="0" smtClean="0"/>
-              <a:t> för att upptäcka när fel resultat produceras.</a:t>
-            </a:r>
-          </a:p>
-          <a:p>
-            <a:pPr marL="0" indent="0">
-              <a:buFontTx/>
-              <a:buNone/>
-            </a:pPr>
-            <a:endParaRPr lang="sv-SE" baseline="0" dirty="0" smtClean="0"/>
-          </a:p>
-          <a:p>
-            <a:pPr marL="0" indent="0">
-              <a:buFontTx/>
-              <a:buNone/>
-            </a:pPr>
-            <a:r>
-              <a:rPr lang="sv-SE" baseline="0" dirty="0" smtClean="0"/>
-              <a:t>Schemaläggningen kan utökas genom att inkludera </a:t>
-            </a:r>
-            <a:r>
-              <a:rPr lang="sv-SE" baseline="0" dirty="0" err="1" smtClean="0"/>
-              <a:t>load-balancing</a:t>
-            </a:r>
-            <a:r>
-              <a:rPr lang="sv-SE" baseline="0" dirty="0" smtClean="0"/>
-              <a:t> och ta hänsyn till noders last och kapacitet.</a:t>
-            </a:r>
+              <a:rPr lang="en-US" baseline="0" dirty="0" smtClean="0"/>
+              <a:t> </a:t>
+            </a:r>
+            <a:r>
+              <a:rPr lang="en-US" baseline="0" dirty="0" err="1" smtClean="0"/>
+              <a:t>får</a:t>
+            </a:r>
+            <a:r>
+              <a:rPr lang="en-US" baseline="0" dirty="0" smtClean="0"/>
+              <a:t> vi </a:t>
+            </a:r>
+            <a:r>
+              <a:rPr lang="en-US" baseline="0" dirty="0" err="1" smtClean="0"/>
+              <a:t>sju</a:t>
+            </a:r>
+            <a:r>
+              <a:rPr lang="en-US" baseline="0" dirty="0" smtClean="0"/>
+              <a:t> </a:t>
+            </a:r>
+            <a:r>
+              <a:rPr lang="en-US" baseline="0" dirty="0" err="1" smtClean="0"/>
+              <a:t>nior</a:t>
+            </a:r>
+            <a:r>
+              <a:rPr lang="en-US" baseline="0" dirty="0" smtClean="0"/>
+              <a:t> </a:t>
+            </a:r>
+            <a:r>
+              <a:rPr lang="en-US" baseline="0" dirty="0" err="1" smtClean="0"/>
+              <a:t>och</a:t>
+            </a:r>
+            <a:r>
+              <a:rPr lang="en-US" baseline="0" dirty="0" smtClean="0"/>
+              <a:t> </a:t>
+            </a:r>
+            <a:r>
+              <a:rPr lang="en-US" baseline="0" dirty="0" err="1" smtClean="0"/>
+              <a:t>tre</a:t>
+            </a:r>
+            <a:r>
+              <a:rPr lang="en-US" baseline="0" dirty="0" smtClean="0"/>
+              <a:t> </a:t>
+            </a:r>
+            <a:r>
+              <a:rPr lang="en-US" baseline="0" dirty="0" err="1" smtClean="0"/>
+              <a:t>replikor</a:t>
+            </a:r>
+            <a:r>
+              <a:rPr lang="en-US" baseline="0" dirty="0" smtClean="0"/>
+              <a:t> </a:t>
+            </a:r>
+            <a:r>
+              <a:rPr lang="en-US" baseline="0" dirty="0" err="1" smtClean="0"/>
+              <a:t>elva</a:t>
+            </a:r>
+            <a:r>
+              <a:rPr lang="en-US" baseline="0" dirty="0" smtClean="0"/>
+              <a:t> </a:t>
+            </a:r>
+            <a:r>
+              <a:rPr lang="en-US" baseline="0" dirty="0" err="1" smtClean="0"/>
+              <a:t>nior</a:t>
+            </a:r>
+            <a:r>
+              <a:rPr lang="en-US" baseline="0" dirty="0" smtClean="0"/>
+              <a:t>. </a:t>
+            </a:r>
+          </a:p>
+          <a:p>
+            <a:endParaRPr lang="en-US" baseline="0" dirty="0" smtClean="0"/>
+          </a:p>
+          <a:p>
+            <a:r>
+              <a:rPr lang="en-US" baseline="0" dirty="0" smtClean="0"/>
+              <a:t>Med </a:t>
+            </a:r>
+            <a:r>
+              <a:rPr lang="en-US" baseline="0" dirty="0" err="1" smtClean="0"/>
+              <a:t>tex</a:t>
+            </a:r>
+            <a:r>
+              <a:rPr lang="en-US" baseline="0" dirty="0" smtClean="0"/>
+              <a:t> </a:t>
+            </a:r>
+            <a:r>
+              <a:rPr lang="en-US" baseline="0" dirty="0" err="1" smtClean="0"/>
+              <a:t>två</a:t>
+            </a:r>
+            <a:r>
+              <a:rPr lang="en-US" baseline="0" dirty="0" smtClean="0"/>
+              <a:t> </a:t>
+            </a:r>
+            <a:r>
+              <a:rPr lang="en-US" baseline="0" dirty="0" err="1" smtClean="0"/>
+              <a:t>noder</a:t>
+            </a:r>
+            <a:r>
+              <a:rPr lang="en-US" baseline="0" dirty="0" smtClean="0"/>
+              <a:t> </a:t>
+            </a:r>
+            <a:r>
+              <a:rPr lang="en-US" baseline="0" dirty="0" err="1" smtClean="0"/>
+              <a:t>är</a:t>
+            </a:r>
+            <a:r>
+              <a:rPr lang="en-US" baseline="0" dirty="0" smtClean="0"/>
+              <a:t> </a:t>
+            </a:r>
+            <a:r>
+              <a:rPr lang="en-US" baseline="0" dirty="0" err="1" smtClean="0"/>
+              <a:t>det</a:t>
+            </a:r>
+            <a:r>
+              <a:rPr lang="en-US" baseline="0" dirty="0" smtClean="0"/>
+              <a:t> </a:t>
+            </a:r>
+            <a:r>
+              <a:rPr lang="en-US" baseline="0" dirty="0" err="1" smtClean="0"/>
+              <a:t>alltså</a:t>
+            </a:r>
+            <a:r>
+              <a:rPr lang="en-US" baseline="0" dirty="0" smtClean="0"/>
+              <a:t> </a:t>
+            </a:r>
+            <a:r>
+              <a:rPr lang="en-US" baseline="0" dirty="0" err="1" smtClean="0"/>
+              <a:t>väldigt</a:t>
+            </a:r>
+            <a:r>
+              <a:rPr lang="en-US" baseline="0" dirty="0" smtClean="0"/>
+              <a:t> </a:t>
+            </a:r>
+            <a:r>
+              <a:rPr lang="en-US" baseline="0" dirty="0" err="1" smtClean="0"/>
+              <a:t>liten</a:t>
+            </a:r>
+            <a:r>
+              <a:rPr lang="en-US" baseline="0" dirty="0" smtClean="0"/>
+              <a:t> risk </a:t>
+            </a:r>
+            <a:r>
+              <a:rPr lang="en-US" baseline="0" dirty="0" err="1" smtClean="0"/>
+              <a:t>att</a:t>
+            </a:r>
+            <a:r>
+              <a:rPr lang="en-US" baseline="0" dirty="0" smtClean="0"/>
+              <a:t> </a:t>
+            </a:r>
+            <a:r>
+              <a:rPr lang="en-US" baseline="0" dirty="0" err="1" smtClean="0"/>
+              <a:t>båda</a:t>
+            </a:r>
+            <a:r>
+              <a:rPr lang="en-US" baseline="0" dirty="0" smtClean="0"/>
+              <a:t> </a:t>
+            </a:r>
+            <a:r>
+              <a:rPr lang="en-US" baseline="0" dirty="0" err="1" smtClean="0"/>
+              <a:t>dör</a:t>
+            </a:r>
+            <a:r>
+              <a:rPr lang="en-US" baseline="0" dirty="0" smtClean="0"/>
+              <a:t> </a:t>
+            </a:r>
+            <a:r>
+              <a:rPr lang="en-US" baseline="0" dirty="0" err="1" smtClean="0"/>
+              <a:t>innan</a:t>
+            </a:r>
+            <a:r>
+              <a:rPr lang="en-US" baseline="0" dirty="0" smtClean="0"/>
+              <a:t> vi </a:t>
+            </a:r>
+            <a:r>
+              <a:rPr lang="en-US" baseline="0" dirty="0" err="1" smtClean="0"/>
+              <a:t>hunnit</a:t>
+            </a:r>
+            <a:r>
+              <a:rPr lang="en-US" baseline="0" dirty="0" smtClean="0"/>
+              <a:t> </a:t>
+            </a:r>
+            <a:r>
+              <a:rPr lang="en-US" baseline="0" dirty="0" err="1" smtClean="0"/>
+              <a:t>starta</a:t>
+            </a:r>
+            <a:r>
+              <a:rPr lang="en-US" baseline="0" dirty="0" smtClean="0"/>
+              <a:t> </a:t>
+            </a:r>
+            <a:r>
+              <a:rPr lang="en-US" baseline="0" dirty="0" err="1" smtClean="0"/>
+              <a:t>upp</a:t>
+            </a:r>
+            <a:r>
+              <a:rPr lang="en-US" baseline="0" dirty="0" smtClean="0"/>
+              <a:t> en </a:t>
+            </a:r>
+            <a:r>
+              <a:rPr lang="en-US" baseline="0" dirty="0" err="1" smtClean="0"/>
+              <a:t>ny</a:t>
+            </a:r>
+            <a:r>
+              <a:rPr lang="en-US" baseline="0" dirty="0" smtClean="0"/>
+              <a:t> </a:t>
+            </a:r>
+            <a:r>
+              <a:rPr lang="en-US" baseline="0" dirty="0" err="1" smtClean="0"/>
+              <a:t>aktor</a:t>
+            </a:r>
+            <a:r>
+              <a:rPr lang="en-US" baseline="0" dirty="0" smtClean="0"/>
+              <a:t>.</a:t>
+            </a:r>
+          </a:p>
+          <a:p>
+            <a:endParaRPr lang="en-US" baseline="0" dirty="0" smtClean="0"/>
+          </a:p>
+          <a:p>
+            <a:r>
+              <a:rPr lang="en-US" baseline="0" dirty="0" smtClean="0"/>
+              <a:t>Nu </a:t>
+            </a:r>
+            <a:r>
+              <a:rPr lang="en-US" baseline="0" dirty="0" err="1" smtClean="0"/>
+              <a:t>antar</a:t>
+            </a:r>
+            <a:r>
+              <a:rPr lang="en-US" baseline="0" dirty="0" smtClean="0"/>
+              <a:t> vi </a:t>
+            </a:r>
+            <a:r>
+              <a:rPr lang="en-US" baseline="0" dirty="0" err="1" smtClean="0"/>
+              <a:t>förvisso</a:t>
+            </a:r>
+            <a:r>
+              <a:rPr lang="en-US" baseline="0" dirty="0" smtClean="0"/>
+              <a:t> </a:t>
+            </a:r>
+            <a:r>
+              <a:rPr lang="en-US" baseline="0" dirty="0" err="1" smtClean="0"/>
+              <a:t>att</a:t>
+            </a:r>
+            <a:r>
+              <a:rPr lang="en-US" baseline="0" dirty="0" smtClean="0"/>
+              <a:t> </a:t>
+            </a:r>
+            <a:r>
+              <a:rPr lang="en-US" baseline="0" dirty="0" err="1" smtClean="0"/>
+              <a:t>fel</a:t>
+            </a:r>
+            <a:r>
+              <a:rPr lang="en-US" baseline="0" dirty="0" smtClean="0"/>
+              <a:t> </a:t>
+            </a:r>
+            <a:r>
+              <a:rPr lang="en-US" baseline="0" dirty="0" err="1" smtClean="0"/>
+              <a:t>inträffar</a:t>
+            </a:r>
+            <a:r>
+              <a:rPr lang="en-US" baseline="0" dirty="0" smtClean="0"/>
+              <a:t> </a:t>
+            </a:r>
+            <a:r>
+              <a:rPr lang="en-US" baseline="0" dirty="0" err="1" smtClean="0"/>
+              <a:t>oberoende</a:t>
+            </a:r>
+            <a:r>
+              <a:rPr lang="en-US" baseline="0" dirty="0" smtClean="0"/>
+              <a:t> men </a:t>
+            </a:r>
+            <a:r>
+              <a:rPr lang="en-US" baseline="0" dirty="0" err="1" smtClean="0"/>
+              <a:t>det</a:t>
+            </a:r>
+            <a:r>
+              <a:rPr lang="en-US" baseline="0" dirty="0" smtClean="0"/>
+              <a:t> </a:t>
+            </a:r>
+            <a:r>
+              <a:rPr lang="en-US" baseline="0" dirty="0" err="1" smtClean="0"/>
+              <a:t>tyder</a:t>
+            </a:r>
+            <a:r>
+              <a:rPr lang="en-US" baseline="0" dirty="0" smtClean="0"/>
+              <a:t> </a:t>
+            </a:r>
+            <a:r>
+              <a:rPr lang="en-US" baseline="0" dirty="0" err="1" smtClean="0"/>
+              <a:t>ändå</a:t>
+            </a:r>
+            <a:r>
+              <a:rPr lang="en-US" baseline="0" dirty="0" smtClean="0"/>
+              <a:t> </a:t>
+            </a:r>
+            <a:r>
+              <a:rPr lang="en-US" baseline="0" dirty="0" err="1" smtClean="0"/>
+              <a:t>på</a:t>
+            </a:r>
+            <a:r>
+              <a:rPr lang="en-US" baseline="0" dirty="0" smtClean="0"/>
+              <a:t> </a:t>
+            </a:r>
+            <a:r>
+              <a:rPr lang="en-US" baseline="0" dirty="0" err="1" smtClean="0"/>
+              <a:t>att</a:t>
+            </a:r>
+            <a:r>
+              <a:rPr lang="en-US" baseline="0" dirty="0" smtClean="0"/>
+              <a:t> vi </a:t>
+            </a:r>
+            <a:r>
+              <a:rPr lang="en-US" baseline="0" dirty="0" err="1" smtClean="0"/>
+              <a:t>får</a:t>
+            </a:r>
+            <a:r>
+              <a:rPr lang="en-US" baseline="0" dirty="0" smtClean="0"/>
+              <a:t> </a:t>
+            </a:r>
+            <a:r>
+              <a:rPr lang="en-US" baseline="0" dirty="0" err="1" smtClean="0"/>
+              <a:t>väldigt</a:t>
+            </a:r>
+            <a:r>
+              <a:rPr lang="en-US" baseline="0" dirty="0" smtClean="0"/>
+              <a:t> </a:t>
+            </a:r>
+            <a:r>
+              <a:rPr lang="en-US" baseline="0" dirty="0" err="1" smtClean="0"/>
+              <a:t>hög</a:t>
+            </a:r>
+            <a:r>
+              <a:rPr lang="en-US" baseline="0" dirty="0" smtClean="0"/>
+              <a:t> </a:t>
+            </a:r>
+            <a:r>
+              <a:rPr lang="en-US" baseline="0" dirty="0" err="1" smtClean="0"/>
+              <a:t>tillförlitlighet</a:t>
+            </a:r>
+            <a:r>
+              <a:rPr lang="en-US" baseline="0" dirty="0" smtClean="0"/>
+              <a:t> med </a:t>
+            </a:r>
+            <a:r>
+              <a:rPr lang="en-US" baseline="0" dirty="0" err="1" smtClean="0"/>
+              <a:t>ett</a:t>
+            </a:r>
+            <a:r>
+              <a:rPr lang="en-US" baseline="0" dirty="0" smtClean="0"/>
+              <a:t> </a:t>
+            </a:r>
+            <a:r>
+              <a:rPr lang="en-US" baseline="0" dirty="0" err="1" smtClean="0"/>
+              <a:t>få</a:t>
+            </a:r>
+            <a:r>
+              <a:rPr lang="en-US" baseline="0" dirty="0" smtClean="0"/>
+              <a:t> </a:t>
+            </a:r>
+            <a:r>
+              <a:rPr lang="en-US" baseline="0" dirty="0" err="1" smtClean="0"/>
+              <a:t>antal</a:t>
+            </a:r>
+            <a:r>
+              <a:rPr lang="en-US" baseline="0" dirty="0" smtClean="0"/>
+              <a:t> </a:t>
+            </a:r>
+            <a:r>
+              <a:rPr lang="en-US" baseline="0" dirty="0" err="1" smtClean="0"/>
+              <a:t>replikor</a:t>
+            </a:r>
+            <a:r>
+              <a:rPr lang="en-US" baseline="0" dirty="0" smtClean="0"/>
+              <a:t>.</a:t>
+            </a:r>
+            <a:endParaRPr lang="en-US" dirty="0"/>
           </a:p>
         </p:txBody>
       </p:sp>
       <p:sp>
         <p:nvSpPr>
-          <p:cNvPr id="4" name="Platshållare för bildnummer 3"/>
+          <p:cNvPr id="4" name="Slide Number Placeholder 3"/>
           <p:cNvSpPr>
             <a:spLocks noGrp="1"/>
           </p:cNvSpPr>
@@ -19487,7 +19403,7 @@
     </p:spTree>
     <p:extLst>
       <p:ext uri="{BB962C8B-B14F-4D97-AF65-F5344CB8AC3E}">
-        <p14:creationId xmlns:p14="http://schemas.microsoft.com/office/powerpoint/2010/main" val="4269926335"/>
+        <p14:creationId xmlns:p14="http://schemas.microsoft.com/office/powerpoint/2010/main" val="95629498"/>
       </p:ext>
     </p:extLst>
   </p:cSld>
@@ -19541,7 +19457,128 @@
           <a:bodyPr/>
           <a:lstStyle/>
           <a:p>
+            <a:r>
+              <a:rPr lang="sv-SE" dirty="0" smtClean="0"/>
+              <a:t>En del av framtida arbete är att undersöka hur skalbar</a:t>
+            </a:r>
+            <a:r>
+              <a:rPr lang="sv-SE" baseline="0" dirty="0" smtClean="0"/>
+              <a:t> vår modell är. </a:t>
+            </a:r>
+          </a:p>
+          <a:p>
             <a:endParaRPr lang="sv-SE" baseline="0" dirty="0" smtClean="0"/>
+          </a:p>
+          <a:p>
+            <a:r>
+              <a:rPr lang="sv-SE" baseline="0" dirty="0" err="1" smtClean="0"/>
+              <a:t>Tillförlitlighesmodellen</a:t>
+            </a:r>
+            <a:r>
+              <a:rPr lang="sv-SE" baseline="0" dirty="0" smtClean="0"/>
+              <a:t> är utbytbar. Den kan byggas ut genom att</a:t>
+            </a:r>
+          </a:p>
+          <a:p>
+            <a:pPr marL="171450" indent="-171450">
+              <a:buFontTx/>
+              <a:buChar char="-"/>
+            </a:pPr>
+            <a:r>
+              <a:rPr lang="sv-SE" baseline="0" dirty="0" smtClean="0"/>
+              <a:t>Ta med fler parametrar, </a:t>
+            </a:r>
+            <a:r>
+              <a:rPr lang="sv-SE" baseline="0" dirty="0" err="1" smtClean="0"/>
+              <a:t>t.e.x</a:t>
+            </a:r>
+            <a:r>
+              <a:rPr lang="sv-SE" baseline="0" dirty="0" smtClean="0"/>
+              <a:t> </a:t>
+            </a:r>
+            <a:r>
+              <a:rPr lang="sv-SE" baseline="0" dirty="0" err="1" smtClean="0"/>
+              <a:t>länkfel</a:t>
+            </a:r>
+            <a:endParaRPr lang="sv-SE" baseline="0" dirty="0" smtClean="0"/>
+          </a:p>
+          <a:p>
+            <a:pPr marL="171450" indent="-171450">
+              <a:buFontTx/>
+              <a:buChar char="-"/>
+            </a:pPr>
+            <a:r>
+              <a:rPr lang="sv-SE" baseline="0" dirty="0" smtClean="0"/>
+              <a:t>Inkludera placeringen av nuvarande noder i beräkningen av tillförlitlighet</a:t>
+            </a:r>
+          </a:p>
+          <a:p>
+            <a:pPr marL="171450" indent="-171450">
+              <a:buFontTx/>
+              <a:buChar char="-"/>
+            </a:pPr>
+            <a:r>
+              <a:rPr lang="sv-SE" baseline="0" dirty="0" smtClean="0"/>
+              <a:t>Lägga till maskinlärning, eftersom tillförlitligheten av applikationer övervakas periodiskt så kan vi förebygga dippar i tillförlitligheten genom att flytta eller skapa nya </a:t>
+            </a:r>
+            <a:r>
+              <a:rPr lang="sv-SE" baseline="0" dirty="0" err="1" smtClean="0"/>
+              <a:t>replikor</a:t>
+            </a:r>
+            <a:r>
+              <a:rPr lang="sv-SE" baseline="0" dirty="0" smtClean="0"/>
+              <a:t> före att fel inträffar</a:t>
+            </a:r>
+          </a:p>
+          <a:p>
+            <a:pPr marL="171450" indent="-171450">
+              <a:buFontTx/>
+              <a:buChar char="-"/>
+            </a:pPr>
+            <a:endParaRPr lang="sv-SE" baseline="0" dirty="0" smtClean="0"/>
+          </a:p>
+          <a:p>
+            <a:pPr marL="0" indent="0">
+              <a:buFontTx/>
+              <a:buNone/>
+            </a:pPr>
+            <a:r>
+              <a:rPr lang="sv-SE" baseline="0" dirty="0" smtClean="0"/>
+              <a:t>Om vi skippar antagandet att noder producerar deterministiska resultat, så kan vår modell byggas ut och använda en </a:t>
+            </a:r>
+            <a:r>
+              <a:rPr lang="sv-SE" baseline="0" dirty="0" err="1" smtClean="0"/>
+              <a:t>konsensusalrogitm</a:t>
+            </a:r>
+            <a:r>
+              <a:rPr lang="sv-SE" baseline="0" dirty="0" smtClean="0"/>
+              <a:t> för att upptäcka när fel resultat produceras.</a:t>
+            </a:r>
+          </a:p>
+          <a:p>
+            <a:pPr marL="0" indent="0">
+              <a:buFontTx/>
+              <a:buNone/>
+            </a:pPr>
+            <a:endParaRPr lang="sv-SE" baseline="0" dirty="0" smtClean="0"/>
+          </a:p>
+          <a:p>
+            <a:pPr marL="0" indent="0">
+              <a:buFontTx/>
+              <a:buNone/>
+            </a:pPr>
+            <a:r>
+              <a:rPr lang="sv-SE" baseline="0" dirty="0" smtClean="0"/>
+              <a:t>Schemaläggningen kan utökas genom att inkludera </a:t>
+            </a:r>
+            <a:r>
+              <a:rPr lang="sv-SE" baseline="0" dirty="0" err="1" smtClean="0"/>
+              <a:t>load-balancing</a:t>
+            </a:r>
+            <a:r>
+              <a:rPr lang="sv-SE" baseline="0" dirty="0" smtClean="0"/>
+              <a:t> och ta hänsyn till noders last och kapacitet.</a:t>
+            </a:r>
           </a:p>
         </p:txBody>
       </p:sp>
@@ -19563,6 +19600,90 @@
             <a:fld id="{100650DF-8CBF-0341-B1F9-47D0C0CD302F}" type="slidenum">
               <a:rPr lang="en-US" smtClean="0"/>
               <a:t>54</a:t>
+            </a:fld>
+            <a:endParaRPr lang="en-US"/>
+          </a:p>
+        </p:txBody>
+      </p:sp>
+    </p:spTree>
+    <p:extLst>
+      <p:ext uri="{BB962C8B-B14F-4D97-AF65-F5344CB8AC3E}">
+        <p14:creationId xmlns:p14="http://schemas.microsoft.com/office/powerpoint/2010/main" val="4269926335"/>
+      </p:ext>
+    </p:extLst>
+  </p:cSld>
+  <p:clrMapOvr>
+    <a:masterClrMapping/>
+  </p:clrMapOvr>
+</p:notes>
+</file>
+
+<file path=ppt/notesSlides/notesSlide53.xml><?xml version="1.0" encoding="utf-8"?>
+<p:notes xmlns:a="http://schemas.openxmlformats.org/drawingml/2006/main" xmlns:r="http://schemas.openxmlformats.org/officeDocument/2006/relationships" xmlns:p="http://schemas.openxmlformats.org/presentationml/2006/main">
+  <p:cSld>
+    <p:spTree>
+      <p:nvGrpSpPr>
+        <p:cNvPr id="1" name=""/>
+        <p:cNvGrpSpPr/>
+        <p:nvPr/>
+      </p:nvGrpSpPr>
+      <p:grpSpPr>
+        <a:xfrm>
+          <a:off x="0" y="0"/>
+          <a:ext cx="0" cy="0"/>
+          <a:chOff x="0" y="0"/>
+          <a:chExt cx="0" cy="0"/>
+        </a:xfrm>
+      </p:grpSpPr>
+      <p:sp>
+        <p:nvSpPr>
+          <p:cNvPr id="2" name="Platshållare för bildobjekt 1"/>
+          <p:cNvSpPr>
+            <a:spLocks noGrp="1" noRot="1" noChangeAspect="1"/>
+          </p:cNvSpPr>
+          <p:nvPr>
+            <p:ph type="sldImg"/>
+          </p:nvPr>
+        </p:nvSpPr>
+        <p:spPr/>
+      </p:sp>
+      <p:sp>
+        <p:nvSpPr>
+          <p:cNvPr id="3" name="Platshållare för anteckningar 2"/>
+          <p:cNvSpPr>
+            <a:spLocks noGrp="1"/>
+          </p:cNvSpPr>
+          <p:nvPr>
+            <p:ph type="body" idx="1"/>
+          </p:nvPr>
+        </p:nvSpPr>
+        <p:spPr/>
+        <p:txBody>
+          <a:bodyPr/>
+          <a:lstStyle/>
+          <a:p>
+            <a:endParaRPr lang="sv-SE" baseline="0" dirty="0" smtClean="0"/>
+          </a:p>
+        </p:txBody>
+      </p:sp>
+      <p:sp>
+        <p:nvSpPr>
+          <p:cNvPr id="4" name="Platshållare för bildnummer 3"/>
+          <p:cNvSpPr>
+            <a:spLocks noGrp="1"/>
+          </p:cNvSpPr>
+          <p:nvPr>
+            <p:ph type="sldNum" sz="quarter" idx="10"/>
+          </p:nvPr>
+        </p:nvSpPr>
+        <p:spPr/>
+        <p:txBody>
+          <a:bodyPr/>
+          <a:lstStyle/>
+          <a:p>
+            <a:fld id="{100650DF-8CBF-0341-B1F9-47D0C0CD302F}" type="slidenum">
+              <a:rPr lang="en-US" smtClean="0"/>
+              <a:t>55</a:t>
             </a:fld>
             <a:endParaRPr lang="en-US"/>
           </a:p>
@@ -27105,7 +27226,11 @@
             </a:pPr>
             <a:r>
               <a:rPr lang="is-IS" dirty="0" smtClean="0"/>
-              <a:t>This corresponds to not all failing. For </a:t>
+              <a:t>As mentioned, this </a:t>
+            </a:r>
+            <a:r>
+              <a:rPr lang="is-IS" dirty="0" smtClean="0"/>
+              <a:t>corresponds to not all failing. For </a:t>
             </a:r>
             <a:r>
               <a:rPr lang="is-IS" i="1" dirty="0" smtClean="0"/>
@@ -27542,7 +27667,35 @@
             </a:pPr>
             <a:r>
               <a:rPr lang="is-IS" dirty="0" smtClean="0"/>
-              <a:t>Note that since only considering node failures, and failures do not depend on the job they do, the reliability depends on the nodes on which the replicas are running, not the number of replicas themselves</a:t>
+              <a:t>Note that since only considering node failures, and </a:t>
+            </a:r>
+            <a:r>
+              <a:rPr lang="is-IS" dirty="0" smtClean="0"/>
+              <a:t>assuming failures </a:t>
+            </a:r>
+            <a:r>
+              <a:rPr lang="is-IS" dirty="0" smtClean="0"/>
+              <a:t>do not depend on the job </a:t>
+            </a:r>
+            <a:r>
+              <a:rPr lang="is-IS" dirty="0" smtClean="0"/>
+              <a:t>the nodes </a:t>
+            </a:r>
+            <a:r>
+              <a:rPr lang="is-IS" dirty="0" smtClean="0"/>
+              <a:t>do, the reliability depends </a:t>
+            </a:r>
+            <a:r>
+              <a:rPr lang="is-IS" dirty="0" smtClean="0"/>
+              <a:t>only on </a:t>
+            </a:r>
+            <a:r>
+              <a:rPr lang="is-IS" dirty="0" smtClean="0"/>
+              <a:t>the nodes on which the replicas are running, not the number of </a:t>
+            </a:r>
+            <a:r>
+              <a:rPr lang="is-IS" dirty="0" smtClean="0"/>
+              <a:t>replicas</a:t>
             </a:r>
             <a:endParaRPr lang="en-US" dirty="0"/>
           </a:p>
@@ -32944,8 +33097,8 @@
         </p:blipFill>
         <p:spPr>
           <a:xfrm>
-            <a:off x="4335463" y="2066925"/>
-            <a:ext cx="3581400" cy="3581400"/>
+            <a:off x="4673045" y="2233178"/>
+            <a:ext cx="2919245" cy="2920714"/>
           </a:xfrm>
         </p:spPr>
       </p:pic>
@@ -34559,7 +34712,11 @@
           <a:p>
             <a:r>
               <a:rPr lang="en-US" dirty="0" smtClean="0"/>
-              <a:t>Calvin - example</a:t>
+              <a:t>Calvin - </a:t>
+            </a:r>
+            <a:r>
+              <a:rPr lang="en-US" dirty="0" smtClean="0"/>
+              <a:t>application</a:t>
             </a:r>
             <a:endParaRPr lang="en-US" dirty="0"/>
           </a:p>
@@ -34585,14 +34742,19 @@
             </a:pPr>
             <a:r>
               <a:rPr lang="en-US" dirty="0" smtClean="0"/>
-              <a:t>An application in Calvin is made up from a set of connected actors.</a:t>
-            </a:r>
+              <a:t>An application in Calvin is made up from a set of connected </a:t>
+            </a:r>
+            <a:r>
+              <a:rPr lang="en-US" dirty="0" smtClean="0"/>
+              <a:t>actors</a:t>
+            </a:r>
+            <a:endParaRPr lang="en-US" dirty="0" smtClean="0"/>
           </a:p>
         </p:txBody>
       </p:sp>
       <p:pic>
         <p:nvPicPr>
-          <p:cNvPr id="7" name="Bildobjekt 6"/>
+          <p:cNvPr id="4" name="Picture 3"/>
           <p:cNvPicPr>
             <a:picLocks noChangeAspect="1"/>
           </p:cNvPicPr>
@@ -34612,8 +34774,8 @@
         </p:blipFill>
         <p:spPr>
           <a:xfrm>
-            <a:off x="1855244" y="2557462"/>
-            <a:ext cx="7688502" cy="2413372"/>
+            <a:off x="3543300" y="2908300"/>
+            <a:ext cx="5105400" cy="1041400"/>
           </a:xfrm>
           <a:prstGeom prst="rect">
             <a:avLst/>
@@ -34674,6 +34836,130 @@
           <a:p>
             <a:r>
               <a:rPr lang="en-US" dirty="0" smtClean="0"/>
+              <a:t>Calvin - </a:t>
+            </a:r>
+            <a:r>
+              <a:rPr lang="en-US" dirty="0" smtClean="0"/>
+              <a:t>example</a:t>
+            </a:r>
+            <a:endParaRPr lang="en-US" dirty="0"/>
+          </a:p>
+        </p:txBody>
+      </p:sp>
+      <p:sp>
+        <p:nvSpPr>
+          <p:cNvPr id="3" name="Content Placeholder 2"/>
+          <p:cNvSpPr>
+            <a:spLocks noGrp="1"/>
+          </p:cNvSpPr>
+          <p:nvPr>
+            <p:ph idx="1"/>
+          </p:nvPr>
+        </p:nvSpPr>
+        <p:spPr/>
+        <p:txBody>
+          <a:bodyPr/>
+          <a:lstStyle/>
+          <a:p>
+            <a:pPr marL="0" indent="0">
+              <a:buNone/>
+            </a:pPr>
+            <a:r>
+              <a:rPr lang="en-US" dirty="0" smtClean="0"/>
+              <a:t>An application in Calvin is made up from a set of connected </a:t>
+            </a:r>
+            <a:r>
+              <a:rPr lang="en-US" dirty="0" smtClean="0"/>
+              <a:t>actors</a:t>
+            </a:r>
+            <a:endParaRPr lang="en-US" dirty="0" smtClean="0"/>
+          </a:p>
+        </p:txBody>
+      </p:sp>
+      <p:pic>
+        <p:nvPicPr>
+          <p:cNvPr id="7" name="Bildobjekt 6"/>
+          <p:cNvPicPr>
+            <a:picLocks noChangeAspect="1"/>
+          </p:cNvPicPr>
+          <p:nvPr/>
+        </p:nvPicPr>
+        <p:blipFill>
+          <a:blip r:embed="rId3">
+            <a:extLst>
+              <a:ext uri="{28A0092B-C50C-407E-A947-70E740481C1C}">
+                <a14:useLocalDpi xmlns:a14="http://schemas.microsoft.com/office/drawing/2010/main" val="0"/>
+              </a:ext>
+            </a:extLst>
+          </a:blip>
+          <a:stretch>
+            <a:fillRect/>
+          </a:stretch>
+        </p:blipFill>
+        <p:spPr>
+          <a:xfrm>
+            <a:off x="1855244" y="2557462"/>
+            <a:ext cx="7688502" cy="2413372"/>
+          </a:xfrm>
+          <a:prstGeom prst="rect">
+            <a:avLst/>
+          </a:prstGeom>
+        </p:spPr>
+      </p:pic>
+    </p:spTree>
+    <p:extLst>
+      <p:ext uri="{BB962C8B-B14F-4D97-AF65-F5344CB8AC3E}">
+        <p14:creationId xmlns:p14="http://schemas.microsoft.com/office/powerpoint/2010/main" val="1427201832"/>
+      </p:ext>
+    </p:extLst>
+  </p:cSld>
+  <p:clrMapOvr>
+    <a:masterClrMapping/>
+  </p:clrMapOvr>
+  <p:timing>
+    <p:tnLst>
+      <p:par>
+        <p:cTn id="1" dur="indefinite" restart="never" nodeType="tmRoot"/>
+      </p:par>
+    </p:tnLst>
+  </p:timing>
+</p:sld>
+</file>
+
+<file path=ppt/slides/slide45.xml><?xml version="1.0" encoding="utf-8"?>
+<p:sld xmlns:a="http://schemas.openxmlformats.org/drawingml/2006/main" xmlns:r="http://schemas.openxmlformats.org/officeDocument/2006/relationships" xmlns:p="http://schemas.openxmlformats.org/presentationml/2006/main">
+  <p:cSld>
+    <p:spTree>
+      <p:nvGrpSpPr>
+        <p:cNvPr id="1" name=""/>
+        <p:cNvGrpSpPr/>
+        <p:nvPr/>
+      </p:nvGrpSpPr>
+      <p:grpSpPr>
+        <a:xfrm>
+          <a:off x="0" y="0"/>
+          <a:ext cx="0" cy="0"/>
+          <a:chOff x="0" y="0"/>
+          <a:chExt cx="0" cy="0"/>
+        </a:xfrm>
+      </p:grpSpPr>
+      <p:sp>
+        <p:nvSpPr>
+          <p:cNvPr id="2" name="Title 1"/>
+          <p:cNvSpPr>
+            <a:spLocks noGrp="1"/>
+          </p:cNvSpPr>
+          <p:nvPr>
+            <p:ph type="title"/>
+          </p:nvPr>
+        </p:nvSpPr>
+        <p:spPr/>
+        <p:txBody>
+          <a:bodyPr/>
+          <a:lstStyle/>
+          <a:p>
+            <a:r>
+              <a:rPr lang="en-US" dirty="0" smtClean="0"/>
               <a:t>Experiments</a:t>
             </a:r>
             <a:endParaRPr lang="en-US" dirty="0"/>
@@ -34790,7 +35076,7 @@
 </p:sld>
 </file>
 
-<file path=ppt/slides/slide45.xml><?xml version="1.0" encoding="utf-8"?>
+<file path=ppt/slides/slide46.xml><?xml version="1.0" encoding="utf-8"?>
 <p:sld xmlns:a="http://schemas.openxmlformats.org/drawingml/2006/main" xmlns:r="http://schemas.openxmlformats.org/officeDocument/2006/relationships" xmlns:p="http://schemas.openxmlformats.org/presentationml/2006/main">
   <p:cSld>
     <p:spTree>
@@ -34905,7 +35191,7 @@
 </p:sld>
 </file>
 
-<file path=ppt/slides/slide46.xml><?xml version="1.0" encoding="utf-8"?>
+<file path=ppt/slides/slide47.xml><?xml version="1.0" encoding="utf-8"?>
 <p:sld xmlns:a="http://schemas.openxmlformats.org/drawingml/2006/main" xmlns:r="http://schemas.openxmlformats.org/officeDocument/2006/relationships" xmlns:p="http://schemas.openxmlformats.org/presentationml/2006/main">
   <p:cSld>
     <p:spTree>
@@ -35073,7 +35359,7 @@
 </p:sld>
 </file>
 
-<file path=ppt/slides/slide47.xml><?xml version="1.0" encoding="utf-8"?>
+<file path=ppt/slides/slide48.xml><?xml version="1.0" encoding="utf-8"?>
 <p:sld xmlns:a="http://schemas.openxmlformats.org/drawingml/2006/main" xmlns:r="http://schemas.openxmlformats.org/officeDocument/2006/relationships" xmlns:p="http://schemas.openxmlformats.org/presentationml/2006/main">
   <p:cSld>
     <p:spTree>
@@ -35190,7 +35476,7 @@
 </p:sld>
 </file>
 
-<file path=ppt/slides/slide48.xml><?xml version="1.0" encoding="utf-8"?>
+<file path=ppt/slides/slide49.xml><?xml version="1.0" encoding="utf-8"?>
 <p:sld xmlns:a="http://schemas.openxmlformats.org/drawingml/2006/main" xmlns:r="http://schemas.openxmlformats.org/officeDocument/2006/relationships" xmlns:p="http://schemas.openxmlformats.org/presentationml/2006/main">
   <p:cSld>
     <p:spTree>
@@ -35283,143 +35569,6 @@
     <p:extLst>
       <p:ext uri="{BB962C8B-B14F-4D97-AF65-F5344CB8AC3E}">
         <p14:creationId xmlns:p14="http://schemas.microsoft.com/office/powerpoint/2010/main" val="180489831"/>
-      </p:ext>
-    </p:extLst>
-  </p:cSld>
-  <p:clrMapOvr>
-    <a:masterClrMapping/>
-  </p:clrMapOvr>
-  <p:timing>
-    <p:tnLst>
-      <p:par>
-        <p:cTn id="1" dur="indefinite" restart="never" nodeType="tmRoot"/>
-      </p:par>
-    </p:tnLst>
-  </p:timing>
-</p:sld>
-</file>
-
-<file path=ppt/slides/slide49.xml><?xml version="1.0" encoding="utf-8"?>
-<p:sld xmlns:a="http://schemas.openxmlformats.org/drawingml/2006/main" xmlns:r="http://schemas.openxmlformats.org/officeDocument/2006/relationships" xmlns:p="http://schemas.openxmlformats.org/presentationml/2006/main">
-  <p:cSld>
-    <p:spTree>
-      <p:nvGrpSpPr>
-        <p:cNvPr id="1" name=""/>
-        <p:cNvGrpSpPr/>
-        <p:nvPr/>
-      </p:nvGrpSpPr>
-      <p:grpSpPr>
-        <a:xfrm>
-          <a:off x="0" y="0"/>
-          <a:ext cx="0" cy="0"/>
-          <a:chOff x="0" y="0"/>
-          <a:chExt cx="0" cy="0"/>
-        </a:xfrm>
-      </p:grpSpPr>
-      <p:sp>
-        <p:nvSpPr>
-          <p:cNvPr id="2" name="Title 1"/>
-          <p:cNvSpPr>
-            <a:spLocks noGrp="1"/>
-          </p:cNvSpPr>
-          <p:nvPr>
-            <p:ph type="title"/>
-          </p:nvPr>
-        </p:nvSpPr>
-        <p:spPr/>
-        <p:txBody>
-          <a:bodyPr/>
-          <a:lstStyle/>
-          <a:p>
-            <a:r>
-              <a:rPr lang="en-US" dirty="0" smtClean="0"/>
-              <a:t>Discussion</a:t>
-            </a:r>
-            <a:endParaRPr lang="en-US" dirty="0"/>
-          </a:p>
-        </p:txBody>
-      </p:sp>
-      <p:sp>
-        <p:nvSpPr>
-          <p:cNvPr id="3" name="Content Placeholder 2"/>
-          <p:cNvSpPr>
-            <a:spLocks noGrp="1"/>
-          </p:cNvSpPr>
-          <p:nvPr>
-            <p:ph idx="1"/>
-          </p:nvPr>
-        </p:nvSpPr>
-        <p:spPr/>
-        <p:txBody>
-          <a:bodyPr/>
-          <a:lstStyle/>
-          <a:p>
-            <a:pPr>
-              <a:buFont typeface="Arial" charset="0"/>
-              <a:buChar char="•"/>
-            </a:pPr>
-            <a:r>
-              <a:rPr lang="en-US" dirty="0" smtClean="0"/>
-              <a:t>All values such as heartbeat timeout time, default MTBF/replication time, etc. was chosen so that we could run experiments for a couple of minutes and still have a lot of failures</a:t>
-            </a:r>
-          </a:p>
-          <a:p>
-            <a:pPr>
-              <a:buFont typeface="Arial" charset="0"/>
-              <a:buChar char="•"/>
-            </a:pPr>
-            <a:r>
-              <a:rPr lang="en-US" dirty="0" smtClean="0"/>
-              <a:t>Our model uses a relatively simple reliability model</a:t>
-            </a:r>
-          </a:p>
-          <a:p>
-            <a:pPr lvl="1">
-              <a:buFont typeface="Arial" charset="0"/>
-              <a:buChar char="•"/>
-            </a:pPr>
-            <a:r>
-              <a:rPr lang="en-US" dirty="0" smtClean="0"/>
-              <a:t>Limited in using a default MTBF in case no failure times for a node is known – the default value may be higher than the actual</a:t>
-            </a:r>
-          </a:p>
-          <a:p>
-            <a:pPr lvl="1">
-              <a:buFont typeface="Arial" charset="0"/>
-              <a:buChar char="•"/>
-            </a:pPr>
-            <a:r>
-              <a:rPr lang="en-US" dirty="0" smtClean="0"/>
-              <a:t>A more sophisticated model could for example assume node non-independent failures, for example the switch of a rack may fail, affecting all nodes in that rack. The reliability of a node should therefore take the current nodes into account</a:t>
-            </a:r>
-          </a:p>
-          <a:p>
-            <a:pPr>
-              <a:buFont typeface="Arial" charset="0"/>
-              <a:buChar char="•"/>
-            </a:pPr>
-            <a:r>
-              <a:rPr lang="en-US" dirty="0" smtClean="0"/>
-              <a:t>Also the selection of nodes could take more parameters into account</a:t>
-            </a:r>
-          </a:p>
-          <a:p>
-            <a:pPr lvl="1">
-              <a:buFont typeface="Arial" charset="0"/>
-              <a:buChar char="•"/>
-            </a:pPr>
-            <a:r>
-              <a:rPr lang="en-US" dirty="0" smtClean="0"/>
-              <a:t>Currently, the most reliable node is chosen, but it does not care whether or not the selected node has capacity for a new replica, or if it’s overloaded - but as shown in one of the experiments, it can easily be changed to not select nodes with a certain load</a:t>
-            </a:r>
-            <a:endParaRPr lang="en-US" dirty="0"/>
-          </a:p>
-        </p:txBody>
-      </p:sp>
-    </p:spTree>
-    <p:extLst>
-      <p:ext uri="{BB962C8B-B14F-4D97-AF65-F5344CB8AC3E}">
-        <p14:creationId xmlns:p14="http://schemas.microsoft.com/office/powerpoint/2010/main" val="608509876"/>
       </p:ext>
     </p:extLst>
   </p:cSld>
@@ -35629,7 +35778,7 @@
           <a:p>
             <a:r>
               <a:rPr lang="en-US" dirty="0" smtClean="0"/>
-              <a:t>Discussion cont’d</a:t>
+              <a:t>Discussion</a:t>
             </a:r>
             <a:endParaRPr lang="en-US" dirty="0"/>
           </a:p>
@@ -35656,15 +35805,8 @@
             </a:pPr>
             <a:r>
               <a:rPr lang="en-US" dirty="0" smtClean="0"/>
-              <a:t>Considering several applications, our model will use the optimal number of nodes and is thereby</a:t>
-            </a:r>
-            <a:r>
-              <a:rPr lang="en-US" dirty="0" smtClean="0">
-                <a:sym typeface="Wingdings"/>
-              </a:rPr>
-              <a:t> energy efficient</a:t>
-            </a:r>
-            <a:endParaRPr lang="en-US" dirty="0" smtClean="0"/>
+              <a:t>All values such as heartbeat timeout time, default MTBF/replication time, etc. was chosen so that we could run experiments for a couple of minutes and still have a lot of failures</a:t>
+            </a:r>
           </a:p>
           <a:p>
             <a:pPr>
@@ -35673,7 +35815,7 @@
             </a:pPr>
             <a:r>
               <a:rPr lang="en-US" dirty="0" smtClean="0"/>
-              <a:t>Currently, the model does not ensure the average reliability is above the desired value</a:t>
+              <a:t>Our model uses a relatively simple reliability model</a:t>
             </a:r>
           </a:p>
           <a:p>
@@ -35683,7 +35825,37 @@
             </a:pPr>
             <a:r>
               <a:rPr lang="en-US" dirty="0" smtClean="0"/>
-              <a:t>This allows for choosing to have an average value above a certain level, or that the value is never below the desired for at most a certain period of time, etc.</a:t>
+              <a:t>Limited in using a default MTBF in case no failure times for a node is known – the default value may be higher than the actual</a:t>
+            </a:r>
+          </a:p>
+          <a:p>
+            <a:pPr lvl="1">
+              <a:buFont typeface="Arial" charset="0"/>
+              <a:buChar char="•"/>
+            </a:pPr>
+            <a:r>
+              <a:rPr lang="en-US" dirty="0" smtClean="0"/>
+              <a:t>A more sophisticated model could for example assume node non-independent failures, for example the switch of a rack may fail, affecting all nodes in that rack. The reliability of a node should therefore take the current nodes into account</a:t>
+            </a:r>
+          </a:p>
+          <a:p>
+            <a:pPr>
+              <a:buFont typeface="Arial" charset="0"/>
+              <a:buChar char="•"/>
+            </a:pPr>
+            <a:r>
+              <a:rPr lang="en-US" dirty="0" smtClean="0"/>
+              <a:t>Also the selection of nodes could take more parameters into account</a:t>
+            </a:r>
+          </a:p>
+          <a:p>
+            <a:pPr lvl="1">
+              <a:buFont typeface="Arial" charset="0"/>
+              <a:buChar char="•"/>
+            </a:pPr>
+            <a:r>
+              <a:rPr lang="en-US" dirty="0" smtClean="0"/>
+              <a:t>Currently, the most reliable node is chosen, but it does not care whether or not the selected node has capacity for a new replica, or if it’s overloaded - but as shown in one of the experiments, it can easily be changed to not select nodes with a certain load</a:t>
             </a:r>
             <a:endParaRPr lang="en-US" dirty="0"/>
           </a:p>
@@ -35692,7 +35864,7 @@
     </p:spTree>
     <p:extLst>
       <p:ext uri="{BB962C8B-B14F-4D97-AF65-F5344CB8AC3E}">
-        <p14:creationId xmlns:p14="http://schemas.microsoft.com/office/powerpoint/2010/main" val="1598582909"/>
+        <p14:creationId xmlns:p14="http://schemas.microsoft.com/office/powerpoint/2010/main" val="608509876"/>
       </p:ext>
     </p:extLst>
   </p:cSld>
@@ -35743,6 +35915,120 @@
           <a:p>
             <a:r>
               <a:rPr lang="en-US" dirty="0" smtClean="0"/>
+              <a:t>Discussion cont’d</a:t>
+            </a:r>
+            <a:endParaRPr lang="en-US" dirty="0"/>
+          </a:p>
+        </p:txBody>
+      </p:sp>
+      <p:sp>
+        <p:nvSpPr>
+          <p:cNvPr id="3" name="Content Placeholder 2"/>
+          <p:cNvSpPr>
+            <a:spLocks noGrp="1"/>
+          </p:cNvSpPr>
+          <p:nvPr>
+            <p:ph idx="1"/>
+          </p:nvPr>
+        </p:nvSpPr>
+        <p:spPr/>
+        <p:txBody>
+          <a:bodyPr/>
+          <a:lstStyle/>
+          <a:p>
+            <a:pPr>
+              <a:buFont typeface="Arial" charset="0"/>
+              <a:buChar char="•"/>
+            </a:pPr>
+            <a:r>
+              <a:rPr lang="en-US" dirty="0" smtClean="0"/>
+              <a:t>Considering several applications, our model will use the optimal number of nodes and is thereby</a:t>
+            </a:r>
+            <a:r>
+              <a:rPr lang="en-US" dirty="0" smtClean="0">
+                <a:sym typeface="Wingdings"/>
+              </a:rPr>
+              <a:t> energy efficient</a:t>
+            </a:r>
+            <a:endParaRPr lang="en-US" dirty="0" smtClean="0"/>
+          </a:p>
+          <a:p>
+            <a:pPr>
+              <a:buFont typeface="Arial" charset="0"/>
+              <a:buChar char="•"/>
+            </a:pPr>
+            <a:r>
+              <a:rPr lang="en-US" dirty="0" smtClean="0"/>
+              <a:t>Currently, the model does not ensure the average reliability is above the desired value</a:t>
+            </a:r>
+          </a:p>
+          <a:p>
+            <a:pPr lvl="1">
+              <a:buFont typeface="Arial" charset="0"/>
+              <a:buChar char="•"/>
+            </a:pPr>
+            <a:r>
+              <a:rPr lang="en-US" dirty="0" smtClean="0"/>
+              <a:t>This allows for choosing to have an average value above a certain level, or that the value is never below the desired for at most a certain period of time, etc.</a:t>
+            </a:r>
+            <a:endParaRPr lang="en-US" dirty="0"/>
+          </a:p>
+        </p:txBody>
+      </p:sp>
+    </p:spTree>
+    <p:extLst>
+      <p:ext uri="{BB962C8B-B14F-4D97-AF65-F5344CB8AC3E}">
+        <p14:creationId xmlns:p14="http://schemas.microsoft.com/office/powerpoint/2010/main" val="1598582909"/>
+      </p:ext>
+    </p:extLst>
+  </p:cSld>
+  <p:clrMapOvr>
+    <a:masterClrMapping/>
+  </p:clrMapOvr>
+  <p:timing>
+    <p:tnLst>
+      <p:par>
+        <p:cTn id="1" dur="indefinite" restart="never" nodeType="tmRoot"/>
+      </p:par>
+    </p:tnLst>
+  </p:timing>
+</p:sld>
+</file>
+
+<file path=ppt/slides/slide52.xml><?xml version="1.0" encoding="utf-8"?>
+<p:sld xmlns:a="http://schemas.openxmlformats.org/drawingml/2006/main" xmlns:r="http://schemas.openxmlformats.org/officeDocument/2006/relationships" xmlns:p="http://schemas.openxmlformats.org/presentationml/2006/main">
+  <p:cSld>
+    <p:spTree>
+      <p:nvGrpSpPr>
+        <p:cNvPr id="1" name=""/>
+        <p:cNvGrpSpPr/>
+        <p:nvPr/>
+      </p:nvGrpSpPr>
+      <p:grpSpPr>
+        <a:xfrm>
+          <a:off x="0" y="0"/>
+          <a:ext cx="0" cy="0"/>
+          <a:chOff x="0" y="0"/>
+          <a:chExt cx="0" cy="0"/>
+        </a:xfrm>
+      </p:grpSpPr>
+      <p:sp>
+        <p:nvSpPr>
+          <p:cNvPr id="2" name="Title 1"/>
+          <p:cNvSpPr>
+            <a:spLocks noGrp="1"/>
+          </p:cNvSpPr>
+          <p:nvPr>
+            <p:ph type="title"/>
+          </p:nvPr>
+        </p:nvSpPr>
+        <p:spPr/>
+        <p:txBody>
+          <a:bodyPr/>
+          <a:lstStyle/>
+          <a:p>
+            <a:r>
+              <a:rPr lang="en-US" dirty="0" smtClean="0"/>
               <a:t>Discussion - replication time _TODO</a:t>
             </a:r>
             <a:endParaRPr lang="en-US" dirty="0"/>
@@ -35810,7 +36096,7 @@
 </p:sld>
 </file>
 
-<file path=ppt/slides/slide52.xml><?xml version="1.0" encoding="utf-8"?>
+<file path=ppt/slides/slide53.xml><?xml version="1.0" encoding="utf-8"?>
 <p:sld xmlns:a="http://schemas.openxmlformats.org/drawingml/2006/main" xmlns:r="http://schemas.openxmlformats.org/officeDocument/2006/relationships" xmlns:p="http://schemas.openxmlformats.org/presentationml/2006/main">
   <p:cSld>
     <p:spTree>
@@ -36358,7 +36644,7 @@
 </p:sld>
 </file>
 
-<file path=ppt/slides/slide53.xml><?xml version="1.0" encoding="utf-8"?>
+<file path=ppt/slides/slide54.xml><?xml version="1.0" encoding="utf-8"?>
 <p:sld xmlns:a="http://schemas.openxmlformats.org/drawingml/2006/main" xmlns:r="http://schemas.openxmlformats.org/officeDocument/2006/relationships" xmlns:p="http://schemas.openxmlformats.org/presentationml/2006/main">
   <p:cSld>
     <p:spTree>
@@ -36544,7 +36830,7 @@
 </p:sld>
 </file>
 
-<file path=ppt/slides/slide54.xml><?xml version="1.0" encoding="utf-8"?>
+<file path=ppt/slides/slide55.xml><?xml version="1.0" encoding="utf-8"?>
 <p:sld xmlns:a="http://schemas.openxmlformats.org/drawingml/2006/main" xmlns:r="http://schemas.openxmlformats.org/officeDocument/2006/relationships" xmlns:p="http://schemas.openxmlformats.org/presentationml/2006/main">
   <p:cSld>
     <p:spTree>

--- a/presentation/presentation2.pptx
+++ b/presentation/presentation2.pptx
@@ -5,7 +5,7 @@
     <p:sldMasterId id="2147483673" r:id="rId1"/>
   </p:sldMasterIdLst>
   <p:notesMasterIdLst>
-    <p:notesMasterId r:id="rId57"/>
+    <p:notesMasterId r:id="rId58"/>
   </p:notesMasterIdLst>
   <p:sldIdLst>
     <p:sldId id="256" r:id="rId2"/>
@@ -61,8 +61,9 @@
     <p:sldId id="369" r:id="rId52"/>
     <p:sldId id="366" r:id="rId53"/>
     <p:sldId id="367" r:id="rId54"/>
-    <p:sldId id="365" r:id="rId55"/>
-    <p:sldId id="376" r:id="rId56"/>
+    <p:sldId id="379" r:id="rId55"/>
+    <p:sldId id="365" r:id="rId56"/>
+    <p:sldId id="376" r:id="rId57"/>
   </p:sldIdLst>
   <p:sldSz cx="12192000" cy="6858000"/>
   <p:notesSz cx="6858000" cy="9144000"/>
@@ -19432,7 +19433,7 @@
       </p:grpSpPr>
       <p:sp>
         <p:nvSpPr>
-          <p:cNvPr id="2" name="Platshållare för bildobjekt 1"/>
+          <p:cNvPr id="2" name="Slide Image Placeholder 1"/>
           <p:cNvSpPr>
             <a:spLocks noGrp="1" noRot="1" noChangeAspect="1"/>
           </p:cNvSpPr>
@@ -19444,7 +19445,7 @@
       </p:sp>
       <p:sp>
         <p:nvSpPr>
-          <p:cNvPr id="3" name="Platshållare för anteckningar 2"/>
+          <p:cNvPr id="3" name="Notes Placeholder 2"/>
           <p:cNvSpPr>
             <a:spLocks noGrp="1"/>
           </p:cNvSpPr>
@@ -19457,134 +19458,13 @@
           <a:bodyPr/>
           <a:lstStyle/>
           <a:p>
-            <a:r>
-              <a:rPr lang="sv-SE" dirty="0" smtClean="0"/>
-              <a:t>En del av framtida arbete är att undersöka hur skalbar</a:t>
-            </a:r>
-            <a:r>
-              <a:rPr lang="sv-SE" baseline="0" dirty="0" smtClean="0"/>
-              <a:t> vår modell är. </a:t>
-            </a:r>
-          </a:p>
-          <a:p>
-            <a:endParaRPr lang="sv-SE" baseline="0" dirty="0" smtClean="0"/>
-          </a:p>
-          <a:p>
-            <a:r>
-              <a:rPr lang="sv-SE" baseline="0" dirty="0" err="1" smtClean="0"/>
-              <a:t>Tillförlitlighesmodellen</a:t>
-            </a:r>
-            <a:r>
-              <a:rPr lang="sv-SE" baseline="0" dirty="0" smtClean="0"/>
-              <a:t> är utbytbar. Den kan byggas ut genom att</a:t>
-            </a:r>
-          </a:p>
-          <a:p>
-            <a:pPr marL="171450" indent="-171450">
-              <a:buFontTx/>
-              <a:buChar char="-"/>
-            </a:pPr>
-            <a:r>
-              <a:rPr lang="sv-SE" baseline="0" dirty="0" smtClean="0"/>
-              <a:t>Ta med fler parametrar, </a:t>
-            </a:r>
-            <a:r>
-              <a:rPr lang="sv-SE" baseline="0" dirty="0" err="1" smtClean="0"/>
-              <a:t>t.e.x</a:t>
-            </a:r>
-            <a:r>
-              <a:rPr lang="sv-SE" baseline="0" dirty="0" smtClean="0"/>
-              <a:t> </a:t>
-            </a:r>
-            <a:r>
-              <a:rPr lang="sv-SE" baseline="0" dirty="0" err="1" smtClean="0"/>
-              <a:t>länkfel</a:t>
-            </a:r>
-            <a:endParaRPr lang="sv-SE" baseline="0" dirty="0" smtClean="0"/>
-          </a:p>
-          <a:p>
-            <a:pPr marL="171450" indent="-171450">
-              <a:buFontTx/>
-              <a:buChar char="-"/>
-            </a:pPr>
-            <a:r>
-              <a:rPr lang="sv-SE" baseline="0" dirty="0" smtClean="0"/>
-              <a:t>Inkludera placeringen av nuvarande noder i beräkningen av tillförlitlighet</a:t>
-            </a:r>
-          </a:p>
-          <a:p>
-            <a:pPr marL="171450" indent="-171450">
-              <a:buFontTx/>
-              <a:buChar char="-"/>
-            </a:pPr>
-            <a:r>
-              <a:rPr lang="sv-SE" baseline="0" dirty="0" smtClean="0"/>
-              <a:t>Lägga till maskinlärning, eftersom tillförlitligheten av applikationer övervakas periodiskt så kan vi förebygga dippar i tillförlitligheten genom att flytta eller skapa nya </a:t>
-            </a:r>
-            <a:r>
-              <a:rPr lang="sv-SE" baseline="0" dirty="0" err="1" smtClean="0"/>
-              <a:t>replikor</a:t>
-            </a:r>
-            <a:r>
-              <a:rPr lang="sv-SE" baseline="0" dirty="0" smtClean="0"/>
-              <a:t> före att fel inträffar</a:t>
-            </a:r>
-          </a:p>
-          <a:p>
-            <a:pPr marL="171450" indent="-171450">
-              <a:buFontTx/>
-              <a:buChar char="-"/>
-            </a:pPr>
-            <a:endParaRPr lang="sv-SE" baseline="0" dirty="0" smtClean="0"/>
-          </a:p>
-          <a:p>
-            <a:pPr marL="0" indent="0">
-              <a:buFontTx/>
-              <a:buNone/>
-            </a:pPr>
-            <a:r>
-              <a:rPr lang="sv-SE" baseline="0" dirty="0" smtClean="0"/>
-              <a:t>Om vi skippar antagandet att noder producerar deterministiska resultat, så kan vår modell byggas ut och använda en </a:t>
-            </a:r>
-            <a:r>
-              <a:rPr lang="sv-SE" baseline="0" dirty="0" err="1" smtClean="0"/>
-              <a:t>konsensusalrogitm</a:t>
-            </a:r>
-            <a:r>
-              <a:rPr lang="sv-SE" baseline="0" dirty="0" smtClean="0"/>
-              <a:t> för att upptäcka när fel resultat produceras.</a:t>
-            </a:r>
-          </a:p>
-          <a:p>
-            <a:pPr marL="0" indent="0">
-              <a:buFontTx/>
-              <a:buNone/>
-            </a:pPr>
-            <a:endParaRPr lang="sv-SE" baseline="0" dirty="0" smtClean="0"/>
-          </a:p>
-          <a:p>
-            <a:pPr marL="0" indent="0">
-              <a:buFontTx/>
-              <a:buNone/>
-            </a:pPr>
-            <a:r>
-              <a:rPr lang="sv-SE" baseline="0" dirty="0" smtClean="0"/>
-              <a:t>Schemaläggningen kan utökas genom att inkludera </a:t>
-            </a:r>
-            <a:r>
-              <a:rPr lang="sv-SE" baseline="0" dirty="0" err="1" smtClean="0"/>
-              <a:t>load-balancing</a:t>
-            </a:r>
-            <a:r>
-              <a:rPr lang="sv-SE" baseline="0" dirty="0" smtClean="0"/>
-              <a:t> och ta hänsyn till noders last och kapacitet.</a:t>
-            </a:r>
+            <a:endParaRPr lang="en-US" dirty="0"/>
           </a:p>
         </p:txBody>
       </p:sp>
       <p:sp>
         <p:nvSpPr>
-          <p:cNvPr id="4" name="Platshållare för bildnummer 3"/>
+          <p:cNvPr id="4" name="Slide Number Placeholder 3"/>
           <p:cNvSpPr>
             <a:spLocks noGrp="1"/>
           </p:cNvSpPr>
@@ -19608,7 +19488,7 @@
     </p:spTree>
     <p:extLst>
       <p:ext uri="{BB962C8B-B14F-4D97-AF65-F5344CB8AC3E}">
-        <p14:creationId xmlns:p14="http://schemas.microsoft.com/office/powerpoint/2010/main" val="4269926335"/>
+        <p14:creationId xmlns:p14="http://schemas.microsoft.com/office/powerpoint/2010/main" val="1970769964"/>
       </p:ext>
     </p:extLst>
   </p:cSld>
@@ -19662,7 +19542,128 @@
           <a:bodyPr/>
           <a:lstStyle/>
           <a:p>
+            <a:r>
+              <a:rPr lang="sv-SE" dirty="0" smtClean="0"/>
+              <a:t>En del av framtida arbete är att undersöka hur skalbar</a:t>
+            </a:r>
+            <a:r>
+              <a:rPr lang="sv-SE" baseline="0" dirty="0" smtClean="0"/>
+              <a:t> vår modell är. </a:t>
+            </a:r>
+          </a:p>
+          <a:p>
             <a:endParaRPr lang="sv-SE" baseline="0" dirty="0" smtClean="0"/>
+          </a:p>
+          <a:p>
+            <a:r>
+              <a:rPr lang="sv-SE" baseline="0" dirty="0" err="1" smtClean="0"/>
+              <a:t>Tillförlitlighesmodellen</a:t>
+            </a:r>
+            <a:r>
+              <a:rPr lang="sv-SE" baseline="0" dirty="0" smtClean="0"/>
+              <a:t> är utbytbar. Den kan byggas ut genom att</a:t>
+            </a:r>
+          </a:p>
+          <a:p>
+            <a:pPr marL="171450" indent="-171450">
+              <a:buFontTx/>
+              <a:buChar char="-"/>
+            </a:pPr>
+            <a:r>
+              <a:rPr lang="sv-SE" baseline="0" dirty="0" smtClean="0"/>
+              <a:t>Ta med fler parametrar, </a:t>
+            </a:r>
+            <a:r>
+              <a:rPr lang="sv-SE" baseline="0" dirty="0" err="1" smtClean="0"/>
+              <a:t>t.e.x</a:t>
+            </a:r>
+            <a:r>
+              <a:rPr lang="sv-SE" baseline="0" dirty="0" smtClean="0"/>
+              <a:t> </a:t>
+            </a:r>
+            <a:r>
+              <a:rPr lang="sv-SE" baseline="0" dirty="0" err="1" smtClean="0"/>
+              <a:t>länkfel</a:t>
+            </a:r>
+            <a:endParaRPr lang="sv-SE" baseline="0" dirty="0" smtClean="0"/>
+          </a:p>
+          <a:p>
+            <a:pPr marL="171450" indent="-171450">
+              <a:buFontTx/>
+              <a:buChar char="-"/>
+            </a:pPr>
+            <a:r>
+              <a:rPr lang="sv-SE" baseline="0" dirty="0" smtClean="0"/>
+              <a:t>Inkludera placeringen av nuvarande noder i beräkningen av tillförlitlighet</a:t>
+            </a:r>
+          </a:p>
+          <a:p>
+            <a:pPr marL="171450" indent="-171450">
+              <a:buFontTx/>
+              <a:buChar char="-"/>
+            </a:pPr>
+            <a:r>
+              <a:rPr lang="sv-SE" baseline="0" dirty="0" smtClean="0"/>
+              <a:t>Lägga till maskinlärning, eftersom tillförlitligheten av applikationer övervakas periodiskt så kan vi förebygga dippar i tillförlitligheten genom att flytta eller skapa nya </a:t>
+            </a:r>
+            <a:r>
+              <a:rPr lang="sv-SE" baseline="0" dirty="0" err="1" smtClean="0"/>
+              <a:t>replikor</a:t>
+            </a:r>
+            <a:r>
+              <a:rPr lang="sv-SE" baseline="0" dirty="0" smtClean="0"/>
+              <a:t> före att fel inträffar</a:t>
+            </a:r>
+          </a:p>
+          <a:p>
+            <a:pPr marL="171450" indent="-171450">
+              <a:buFontTx/>
+              <a:buChar char="-"/>
+            </a:pPr>
+            <a:endParaRPr lang="sv-SE" baseline="0" dirty="0" smtClean="0"/>
+          </a:p>
+          <a:p>
+            <a:pPr marL="0" indent="0">
+              <a:buFontTx/>
+              <a:buNone/>
+            </a:pPr>
+            <a:r>
+              <a:rPr lang="sv-SE" baseline="0" dirty="0" smtClean="0"/>
+              <a:t>Om vi skippar antagandet att noder producerar deterministiska resultat, så kan vår modell byggas ut och använda en </a:t>
+            </a:r>
+            <a:r>
+              <a:rPr lang="sv-SE" baseline="0" dirty="0" err="1" smtClean="0"/>
+              <a:t>konsensusalrogitm</a:t>
+            </a:r>
+            <a:r>
+              <a:rPr lang="sv-SE" baseline="0" dirty="0" smtClean="0"/>
+              <a:t> för att upptäcka när fel resultat produceras.</a:t>
+            </a:r>
+          </a:p>
+          <a:p>
+            <a:pPr marL="0" indent="0">
+              <a:buFontTx/>
+              <a:buNone/>
+            </a:pPr>
+            <a:endParaRPr lang="sv-SE" baseline="0" dirty="0" smtClean="0"/>
+          </a:p>
+          <a:p>
+            <a:pPr marL="0" indent="0">
+              <a:buFontTx/>
+              <a:buNone/>
+            </a:pPr>
+            <a:r>
+              <a:rPr lang="sv-SE" baseline="0" dirty="0" smtClean="0"/>
+              <a:t>Schemaläggningen kan utökas genom att inkludera </a:t>
+            </a:r>
+            <a:r>
+              <a:rPr lang="sv-SE" baseline="0" dirty="0" err="1" smtClean="0"/>
+              <a:t>load-balancing</a:t>
+            </a:r>
+            <a:r>
+              <a:rPr lang="sv-SE" baseline="0" dirty="0" smtClean="0"/>
+              <a:t> och ta hänsyn till noders last och kapacitet.</a:t>
+            </a:r>
           </a:p>
         </p:txBody>
       </p:sp>
@@ -19684,6 +19685,90 @@
             <a:fld id="{100650DF-8CBF-0341-B1F9-47D0C0CD302F}" type="slidenum">
               <a:rPr lang="en-US" smtClean="0"/>
               <a:t>55</a:t>
+            </a:fld>
+            <a:endParaRPr lang="en-US"/>
+          </a:p>
+        </p:txBody>
+      </p:sp>
+    </p:spTree>
+    <p:extLst>
+      <p:ext uri="{BB962C8B-B14F-4D97-AF65-F5344CB8AC3E}">
+        <p14:creationId xmlns:p14="http://schemas.microsoft.com/office/powerpoint/2010/main" val="4269926335"/>
+      </p:ext>
+    </p:extLst>
+  </p:cSld>
+  <p:clrMapOvr>
+    <a:masterClrMapping/>
+  </p:clrMapOvr>
+</p:notes>
+</file>
+
+<file path=ppt/notesSlides/notesSlide54.xml><?xml version="1.0" encoding="utf-8"?>
+<p:notes xmlns:a="http://schemas.openxmlformats.org/drawingml/2006/main" xmlns:r="http://schemas.openxmlformats.org/officeDocument/2006/relationships" xmlns:p="http://schemas.openxmlformats.org/presentationml/2006/main">
+  <p:cSld>
+    <p:spTree>
+      <p:nvGrpSpPr>
+        <p:cNvPr id="1" name=""/>
+        <p:cNvGrpSpPr/>
+        <p:nvPr/>
+      </p:nvGrpSpPr>
+      <p:grpSpPr>
+        <a:xfrm>
+          <a:off x="0" y="0"/>
+          <a:ext cx="0" cy="0"/>
+          <a:chOff x="0" y="0"/>
+          <a:chExt cx="0" cy="0"/>
+        </a:xfrm>
+      </p:grpSpPr>
+      <p:sp>
+        <p:nvSpPr>
+          <p:cNvPr id="2" name="Platshållare för bildobjekt 1"/>
+          <p:cNvSpPr>
+            <a:spLocks noGrp="1" noRot="1" noChangeAspect="1"/>
+          </p:cNvSpPr>
+          <p:nvPr>
+            <p:ph type="sldImg"/>
+          </p:nvPr>
+        </p:nvSpPr>
+        <p:spPr/>
+      </p:sp>
+      <p:sp>
+        <p:nvSpPr>
+          <p:cNvPr id="3" name="Platshållare för anteckningar 2"/>
+          <p:cNvSpPr>
+            <a:spLocks noGrp="1"/>
+          </p:cNvSpPr>
+          <p:nvPr>
+            <p:ph type="body" idx="1"/>
+          </p:nvPr>
+        </p:nvSpPr>
+        <p:spPr/>
+        <p:txBody>
+          <a:bodyPr/>
+          <a:lstStyle/>
+          <a:p>
+            <a:endParaRPr lang="sv-SE" baseline="0" dirty="0" smtClean="0"/>
+          </a:p>
+        </p:txBody>
+      </p:sp>
+      <p:sp>
+        <p:nvSpPr>
+          <p:cNvPr id="4" name="Platshållare för bildnummer 3"/>
+          <p:cNvSpPr>
+            <a:spLocks noGrp="1"/>
+          </p:cNvSpPr>
+          <p:nvPr>
+            <p:ph type="sldNum" sz="quarter" idx="10"/>
+          </p:nvPr>
+        </p:nvSpPr>
+        <p:spPr/>
+        <p:txBody>
+          <a:bodyPr/>
+          <a:lstStyle/>
+          <a:p>
+            <a:fld id="{100650DF-8CBF-0341-B1F9-47D0C0CD302F}" type="slidenum">
+              <a:rPr lang="en-US" smtClean="0"/>
+              <a:t>56</a:t>
             </a:fld>
             <a:endParaRPr lang="en-US"/>
           </a:p>
@@ -36663,6 +36748,122 @@
       </p:grpSpPr>
       <p:sp>
         <p:nvSpPr>
+          <p:cNvPr id="2" name="Title 1"/>
+          <p:cNvSpPr>
+            <a:spLocks noGrp="1"/>
+          </p:cNvSpPr>
+          <p:nvPr>
+            <p:ph type="title"/>
+          </p:nvPr>
+        </p:nvSpPr>
+        <p:spPr/>
+        <p:txBody>
+          <a:bodyPr/>
+          <a:lstStyle/>
+          <a:p>
+            <a:r>
+              <a:rPr lang="en-US" dirty="0" smtClean="0"/>
+              <a:t>Conclusion – ha med </a:t>
+            </a:r>
+            <a:r>
+              <a:rPr lang="en-US" dirty="0" err="1" smtClean="0"/>
+              <a:t>något</a:t>
+            </a:r>
+            <a:r>
+              <a:rPr lang="en-US" dirty="0" smtClean="0"/>
+              <a:t> </a:t>
+            </a:r>
+            <a:r>
+              <a:rPr lang="en-US" dirty="0" err="1" smtClean="0"/>
+              <a:t>sånt</a:t>
+            </a:r>
+            <a:r>
+              <a:rPr lang="en-US" dirty="0" smtClean="0"/>
+              <a:t> </a:t>
+            </a:r>
+            <a:r>
+              <a:rPr lang="en-US" smtClean="0"/>
+              <a:t>här?</a:t>
+            </a:r>
+            <a:endParaRPr lang="en-US" dirty="0"/>
+          </a:p>
+        </p:txBody>
+      </p:sp>
+      <p:sp>
+        <p:nvSpPr>
+          <p:cNvPr id="3" name="Content Placeholder 2"/>
+          <p:cNvSpPr>
+            <a:spLocks noGrp="1"/>
+          </p:cNvSpPr>
+          <p:nvPr>
+            <p:ph idx="1"/>
+          </p:nvPr>
+        </p:nvSpPr>
+        <p:spPr/>
+        <p:txBody>
+          <a:bodyPr/>
+          <a:lstStyle/>
+          <a:p>
+            <a:pPr marL="0" lvl="0" indent="0">
+              <a:lnSpc>
+                <a:spcPct val="100000"/>
+              </a:lnSpc>
+              <a:spcBef>
+                <a:spcPts val="0"/>
+              </a:spcBef>
+              <a:spcAft>
+                <a:spcPts val="0"/>
+              </a:spcAft>
+              <a:buSzTx/>
+              <a:buNone/>
+            </a:pPr>
+            <a:r>
+              <a:rPr lang="en-US" dirty="0" smtClean="0"/>
+              <a:t>The outcome of our work is a platform where it is possible to conduct experiments and modelling, without the use for simulation.</a:t>
+            </a:r>
+            <a:endParaRPr lang="en-US" dirty="0"/>
+          </a:p>
+        </p:txBody>
+      </p:sp>
+    </p:spTree>
+    <p:extLst>
+      <p:ext uri="{BB962C8B-B14F-4D97-AF65-F5344CB8AC3E}">
+        <p14:creationId xmlns:p14="http://schemas.microsoft.com/office/powerpoint/2010/main" val="1887965827"/>
+      </p:ext>
+    </p:extLst>
+  </p:cSld>
+  <p:clrMapOvr>
+    <a:masterClrMapping/>
+  </p:clrMapOvr>
+  <p:timing>
+    <p:tnLst>
+      <p:par>
+        <p:cTn id="1" dur="indefinite" restart="never" nodeType="tmRoot"/>
+      </p:par>
+    </p:tnLst>
+  </p:timing>
+</p:sld>
+</file>
+
+<file path=ppt/slides/slide55.xml><?xml version="1.0" encoding="utf-8"?>
+<p:sld xmlns:a="http://schemas.openxmlformats.org/drawingml/2006/main" xmlns:r="http://schemas.openxmlformats.org/officeDocument/2006/relationships" xmlns:p="http://schemas.openxmlformats.org/presentationml/2006/main">
+  <p:cSld>
+    <p:spTree>
+      <p:nvGrpSpPr>
+        <p:cNvPr id="1" name=""/>
+        <p:cNvGrpSpPr/>
+        <p:nvPr/>
+      </p:nvGrpSpPr>
+      <p:grpSpPr>
+        <a:xfrm>
+          <a:off x="0" y="0"/>
+          <a:ext cx="0" cy="0"/>
+          <a:chOff x="0" y="0"/>
+          <a:chExt cx="0" cy="0"/>
+        </a:xfrm>
+      </p:grpSpPr>
+      <p:sp>
+        <p:nvSpPr>
           <p:cNvPr id="2" name="Rubrik 1"/>
           <p:cNvSpPr>
             <a:spLocks noGrp="1"/>
@@ -36830,7 +37031,7 @@
 </p:sld>
 </file>
 
-<file path=ppt/slides/slide55.xml><?xml version="1.0" encoding="utf-8"?>
+<file path=ppt/slides/slide56.xml><?xml version="1.0" encoding="utf-8"?>
 <p:sld xmlns:a="http://schemas.openxmlformats.org/drawingml/2006/main" xmlns:r="http://schemas.openxmlformats.org/officeDocument/2006/relationships" xmlns:p="http://schemas.openxmlformats.org/presentationml/2006/main">
   <p:cSld>
     <p:spTree>

--- a/presentation/presentation2.pptx
+++ b/presentation/presentation2.pptx
@@ -4934,15 +4934,7 @@
             </a:r>
             <a:r>
               <a:rPr lang="en-US" baseline="0" dirty="0" smtClean="0"/>
-              <a:t> </a:t>
-            </a:r>
-            <a:r>
-              <a:rPr lang="en-US" baseline="0" dirty="0" err="1" smtClean="0"/>
-              <a:t>en</a:t>
-            </a:r>
-            <a:r>
-              <a:rPr lang="en-US" baseline="0" dirty="0" smtClean="0"/>
-              <a:t> </a:t>
+              <a:t> en </a:t>
             </a:r>
             <a:r>
               <a:rPr lang="en-US" baseline="0" dirty="0" err="1" smtClean="0"/>
@@ -4974,7 +4966,31 @@
             </a:r>
             <a:r>
               <a:rPr lang="en-US" baseline="0" dirty="0" smtClean="0"/>
-              <a:t> just nu </a:t>
+              <a:t> med </a:t>
+            </a:r>
+            <a:r>
+              <a:rPr lang="en-US" baseline="0" dirty="0" err="1" smtClean="0"/>
+              <a:t>minsta</a:t>
+            </a:r>
+            <a:r>
+              <a:rPr lang="en-US" baseline="0" dirty="0" smtClean="0"/>
+              <a:t> </a:t>
+            </a:r>
+            <a:r>
+              <a:rPr lang="en-US" baseline="0" dirty="0" err="1" smtClean="0"/>
+              <a:t>antalet</a:t>
+            </a:r>
+            <a:r>
+              <a:rPr lang="en-US" baseline="0" dirty="0" smtClean="0"/>
+              <a:t> </a:t>
+            </a:r>
+            <a:r>
+              <a:rPr lang="en-US" baseline="0" dirty="0" err="1" smtClean="0"/>
+              <a:t>replikor</a:t>
+            </a:r>
+            <a:r>
+              <a:rPr lang="en-US" baseline="0" dirty="0" smtClean="0"/>
+              <a:t>, </a:t>
             </a:r>
             <a:r>
               <a:rPr lang="en-US" baseline="0" dirty="0" err="1" smtClean="0"/>
@@ -5118,60 +5134,237 @@
             </a:r>
             <a:r>
               <a:rPr lang="en-US" baseline="0" dirty="0" smtClean="0"/>
+              <a:t>.</a:t>
+            </a:r>
+            <a:endParaRPr lang="en-US" baseline="0" dirty="0" smtClean="0"/>
+          </a:p>
+          <a:p>
+            <a:endParaRPr lang="en-US" baseline="0" dirty="0" smtClean="0"/>
+          </a:p>
+          <a:p>
+            <a:r>
+              <a:rPr lang="en-US" baseline="0" dirty="0" err="1" smtClean="0"/>
+              <a:t>Dessutom</a:t>
+            </a:r>
+            <a:r>
+              <a:rPr lang="en-US" baseline="0" dirty="0" smtClean="0"/>
+              <a:t> </a:t>
+            </a:r>
+            <a:r>
+              <a:rPr lang="en-US" baseline="0" dirty="0" err="1" smtClean="0"/>
+              <a:t>så</a:t>
+            </a:r>
+            <a:r>
+              <a:rPr lang="en-US" baseline="0" dirty="0" smtClean="0"/>
+              <a:t> </a:t>
+            </a:r>
+            <a:r>
+              <a:rPr lang="en-US" baseline="0" dirty="0" err="1" smtClean="0"/>
+              <a:t>kan</a:t>
+            </a:r>
+            <a:r>
+              <a:rPr lang="en-US" baseline="0" dirty="0" smtClean="0"/>
+              <a:t>, </a:t>
+            </a:r>
+            <a:r>
+              <a:rPr lang="en-US" baseline="0" dirty="0" err="1" smtClean="0"/>
+              <a:t>efter</a:t>
+            </a:r>
+            <a:r>
+              <a:rPr lang="en-US" baseline="0" dirty="0" smtClean="0"/>
+              <a:t> </a:t>
+            </a:r>
+            <a:r>
+              <a:rPr lang="en-US" baseline="0" dirty="0" err="1" smtClean="0"/>
+              <a:t>tid</a:t>
+            </a:r>
+            <a:r>
+              <a:rPr lang="en-US" baseline="0" dirty="0" smtClean="0"/>
+              <a:t>, </a:t>
+            </a:r>
+            <a:r>
+              <a:rPr lang="en-US" baseline="0" dirty="0" err="1" smtClean="0"/>
+              <a:t>nya</a:t>
+            </a:r>
+            <a:r>
+              <a:rPr lang="en-US" baseline="0" dirty="0" smtClean="0"/>
+              <a:t> </a:t>
+            </a:r>
+            <a:r>
+              <a:rPr lang="en-US" baseline="0" dirty="0" err="1" smtClean="0"/>
+              <a:t>mer</a:t>
+            </a:r>
+            <a:r>
+              <a:rPr lang="en-US" baseline="0" dirty="0" smtClean="0"/>
+              <a:t> </a:t>
+            </a:r>
+            <a:r>
+              <a:rPr lang="en-US" baseline="0" dirty="0" err="1" smtClean="0"/>
+              <a:t>tillförlitliga</a:t>
+            </a:r>
+            <a:r>
+              <a:rPr lang="en-US" baseline="0" dirty="0" smtClean="0"/>
+              <a:t> </a:t>
+            </a:r>
+            <a:r>
+              <a:rPr lang="en-US" baseline="0" dirty="0" err="1" smtClean="0"/>
+              <a:t>noder</a:t>
+            </a:r>
+            <a:r>
+              <a:rPr lang="en-US" baseline="0" dirty="0" smtClean="0"/>
+              <a:t> </a:t>
+            </a:r>
+            <a:r>
+              <a:rPr lang="en-US" baseline="0" dirty="0" err="1" smtClean="0"/>
+              <a:t>bli</a:t>
+            </a:r>
+            <a:r>
+              <a:rPr lang="en-US" baseline="0" dirty="0" smtClean="0"/>
+              <a:t> </a:t>
+            </a:r>
+            <a:r>
+              <a:rPr lang="en-US" baseline="0" dirty="0" err="1" smtClean="0"/>
+              <a:t>tillgängliga</a:t>
+            </a:r>
+            <a:r>
+              <a:rPr lang="en-US" baseline="0" dirty="0" smtClean="0"/>
+              <a:t> </a:t>
+            </a:r>
+            <a:r>
+              <a:rPr lang="en-US" baseline="0" dirty="0" err="1" smtClean="0"/>
+              <a:t>och</a:t>
+            </a:r>
+            <a:r>
+              <a:rPr lang="en-US" baseline="0" dirty="0" smtClean="0"/>
+              <a:t> </a:t>
+            </a:r>
+            <a:r>
+              <a:rPr lang="en-US" baseline="0" dirty="0" err="1" smtClean="0"/>
+              <a:t>genom</a:t>
+            </a:r>
+            <a:r>
+              <a:rPr lang="en-US" baseline="0" dirty="0" smtClean="0"/>
+              <a:t> </a:t>
+            </a:r>
+            <a:r>
+              <a:rPr lang="en-US" baseline="0" dirty="0" err="1" smtClean="0"/>
+              <a:t>att</a:t>
+            </a:r>
+            <a:r>
+              <a:rPr lang="en-US" baseline="0" dirty="0" smtClean="0"/>
+              <a:t> </a:t>
+            </a:r>
+            <a:r>
+              <a:rPr lang="en-US" baseline="0" dirty="0" err="1" smtClean="0"/>
+              <a:t>flytta</a:t>
+            </a:r>
+            <a:r>
+              <a:rPr lang="en-US" baseline="0" dirty="0" smtClean="0"/>
+              <a:t> </a:t>
+            </a:r>
+            <a:r>
+              <a:rPr lang="en-US" baseline="0" dirty="0" err="1" smtClean="0"/>
+              <a:t>replikor</a:t>
+            </a:r>
+            <a:r>
+              <a:rPr lang="en-US" baseline="0" dirty="0" smtClean="0"/>
+              <a:t> </a:t>
+            </a:r>
+            <a:r>
+              <a:rPr lang="en-US" baseline="0" dirty="0" err="1" smtClean="0"/>
+              <a:t>dit</a:t>
+            </a:r>
+            <a:r>
+              <a:rPr lang="en-US" baseline="0" dirty="0" smtClean="0"/>
+              <a:t> </a:t>
+            </a:r>
+            <a:r>
+              <a:rPr lang="en-US" baseline="0" dirty="0" err="1" smtClean="0"/>
+              <a:t>kanske</a:t>
+            </a:r>
+            <a:r>
+              <a:rPr lang="en-US" baseline="0" dirty="0" smtClean="0"/>
+              <a:t> </a:t>
+            </a:r>
+            <a:r>
+              <a:rPr lang="en-US" baseline="0" dirty="0" err="1" smtClean="0"/>
+              <a:t>färre</a:t>
+            </a:r>
+            <a:r>
+              <a:rPr lang="en-US" baseline="0" dirty="0" smtClean="0"/>
+              <a:t> </a:t>
+            </a:r>
+            <a:r>
+              <a:rPr lang="en-US" baseline="0" dirty="0" err="1" smtClean="0"/>
+              <a:t>replikor</a:t>
+            </a:r>
+            <a:r>
+              <a:rPr lang="en-US" baseline="0" dirty="0" smtClean="0"/>
+              <a:t> </a:t>
+            </a:r>
+            <a:r>
+              <a:rPr lang="en-US" baseline="0" dirty="0" err="1" smtClean="0"/>
+              <a:t>behövs</a:t>
+            </a:r>
+            <a:r>
+              <a:rPr lang="en-US" baseline="0" dirty="0" smtClean="0"/>
               <a:t>. </a:t>
             </a:r>
-          </a:p>
-          <a:p>
-            <a:endParaRPr lang="en-US" baseline="0" dirty="0" smtClean="0"/>
-          </a:p>
-          <a:p>
-            <a:r>
-              <a:rPr lang="en-US" baseline="0" dirty="0" err="1" smtClean="0"/>
-              <a:t>Vidare</a:t>
-            </a:r>
-            <a:r>
-              <a:rPr lang="en-US" baseline="0" dirty="0" smtClean="0"/>
-              <a:t> </a:t>
-            </a:r>
-            <a:r>
-              <a:rPr lang="en-US" baseline="0" dirty="0" err="1" smtClean="0"/>
-              <a:t>så</a:t>
-            </a:r>
-            <a:r>
-              <a:rPr lang="en-US" baseline="0" dirty="0" smtClean="0"/>
-              <a:t> </a:t>
-            </a:r>
-            <a:r>
-              <a:rPr lang="en-US" baseline="0" dirty="0" err="1" smtClean="0"/>
-              <a:t>kan</a:t>
-            </a:r>
-            <a:r>
-              <a:rPr lang="en-US" baseline="0" dirty="0" smtClean="0"/>
-              <a:t>, </a:t>
-            </a:r>
-            <a:r>
-              <a:rPr lang="en-US" baseline="0" dirty="0" err="1" smtClean="0"/>
-              <a:t>efter</a:t>
-            </a:r>
-            <a:r>
-              <a:rPr lang="en-US" baseline="0" dirty="0" smtClean="0"/>
-              <a:t> </a:t>
-            </a:r>
-            <a:r>
-              <a:rPr lang="en-US" baseline="0" dirty="0" err="1" smtClean="0"/>
-              <a:t>tid</a:t>
-            </a:r>
-            <a:r>
-              <a:rPr lang="en-US" baseline="0" dirty="0" smtClean="0"/>
-              <a:t>, </a:t>
-            </a:r>
-            <a:r>
-              <a:rPr lang="en-US" baseline="0" dirty="0" err="1" smtClean="0"/>
-              <a:t>nya</a:t>
-            </a:r>
-            <a:r>
-              <a:rPr lang="en-US" baseline="0" dirty="0" smtClean="0"/>
-              <a:t> </a:t>
+            <a:r>
+              <a:rPr lang="en-US" baseline="0" dirty="0" err="1" smtClean="0"/>
+              <a:t>Därför</a:t>
+            </a:r>
+            <a:r>
+              <a:rPr lang="en-US" baseline="0" dirty="0" smtClean="0"/>
+              <a:t> </a:t>
+            </a:r>
+            <a:r>
+              <a:rPr lang="en-US" baseline="0" dirty="0" err="1" smtClean="0"/>
+              <a:t>körs</a:t>
+            </a:r>
+            <a:r>
+              <a:rPr lang="en-US" baseline="0" dirty="0" smtClean="0"/>
+              <a:t> </a:t>
+            </a:r>
+            <a:r>
+              <a:rPr lang="en-US" baseline="0" dirty="0" err="1" smtClean="0"/>
+              <a:t>även</a:t>
+            </a:r>
+            <a:r>
+              <a:rPr lang="en-US" baseline="0" dirty="0" smtClean="0"/>
+              <a:t> en </a:t>
+            </a:r>
+            <a:r>
+              <a:rPr lang="en-US" baseline="0" dirty="0" err="1" smtClean="0"/>
+              <a:t>optmieringsalgoritm</a:t>
+            </a:r>
+            <a:r>
+              <a:rPr lang="en-US" baseline="0" dirty="0" smtClean="0"/>
+              <a:t> </a:t>
+            </a:r>
+            <a:r>
+              <a:rPr lang="en-US" baseline="0" dirty="0" err="1" smtClean="0"/>
+              <a:t>som</a:t>
+            </a:r>
+            <a:r>
+              <a:rPr lang="en-US" baseline="0" dirty="0" smtClean="0"/>
+              <a:t> </a:t>
+            </a:r>
+            <a:r>
+              <a:rPr lang="en-US" baseline="0" dirty="0" err="1" smtClean="0"/>
+              <a:t>flyttar</a:t>
+            </a:r>
+            <a:r>
+              <a:rPr lang="en-US" baseline="0" dirty="0" smtClean="0"/>
+              <a:t> </a:t>
+            </a:r>
+            <a:r>
+              <a:rPr lang="en-US" baseline="0" dirty="0" err="1" smtClean="0"/>
+              <a:t>replikor</a:t>
+            </a:r>
+            <a:r>
+              <a:rPr lang="en-US" baseline="0" dirty="0" smtClean="0"/>
+              <a:t> till </a:t>
             </a:r>
             <a:r>
               <a:rPr lang="en-US" baseline="0" dirty="0" err="1" smtClean="0"/>
@@ -5184,190 +5377,6 @@
             <a:r>
               <a:rPr lang="en-US" baseline="0" dirty="0" err="1" smtClean="0"/>
               <a:t>tillförlitliga</a:t>
-            </a:r>
-            <a:r>
-              <a:rPr lang="en-US" baseline="0" dirty="0" smtClean="0"/>
-              <a:t> </a:t>
-            </a:r>
-            <a:r>
-              <a:rPr lang="en-US" baseline="0" dirty="0" err="1" smtClean="0"/>
-              <a:t>noder</a:t>
-            </a:r>
-            <a:r>
-              <a:rPr lang="en-US" baseline="0" dirty="0" smtClean="0"/>
-              <a:t> </a:t>
-            </a:r>
-            <a:r>
-              <a:rPr lang="en-US" baseline="0" dirty="0" err="1" smtClean="0"/>
-              <a:t>bli</a:t>
-            </a:r>
-            <a:r>
-              <a:rPr lang="en-US" baseline="0" dirty="0" smtClean="0"/>
-              <a:t> </a:t>
-            </a:r>
-            <a:r>
-              <a:rPr lang="en-US" baseline="0" dirty="0" err="1" smtClean="0"/>
-              <a:t>tillgängliga</a:t>
-            </a:r>
-            <a:r>
-              <a:rPr lang="en-US" baseline="0" dirty="0" smtClean="0"/>
-              <a:t> </a:t>
-            </a:r>
-            <a:r>
-              <a:rPr lang="en-US" baseline="0" dirty="0" err="1" smtClean="0"/>
-              <a:t>och</a:t>
-            </a:r>
-            <a:r>
-              <a:rPr lang="en-US" baseline="0" dirty="0" smtClean="0"/>
-              <a:t> </a:t>
-            </a:r>
-            <a:r>
-              <a:rPr lang="en-US" baseline="0" dirty="0" err="1" smtClean="0"/>
-              <a:t>genom</a:t>
-            </a:r>
-            <a:r>
-              <a:rPr lang="en-US" baseline="0" dirty="0" smtClean="0"/>
-              <a:t> </a:t>
-            </a:r>
-            <a:r>
-              <a:rPr lang="en-US" baseline="0" dirty="0" err="1" smtClean="0"/>
-              <a:t>att</a:t>
-            </a:r>
-            <a:r>
-              <a:rPr lang="en-US" baseline="0" dirty="0" smtClean="0"/>
-              <a:t> </a:t>
-            </a:r>
-            <a:r>
-              <a:rPr lang="en-US" baseline="0" dirty="0" err="1" smtClean="0"/>
-              <a:t>flytta</a:t>
-            </a:r>
-            <a:r>
-              <a:rPr lang="en-US" baseline="0" dirty="0" smtClean="0"/>
-              <a:t> </a:t>
-            </a:r>
-            <a:r>
-              <a:rPr lang="en-US" baseline="0" dirty="0" err="1" smtClean="0"/>
-              <a:t>replikor</a:t>
-            </a:r>
-            <a:r>
-              <a:rPr lang="en-US" baseline="0" dirty="0" smtClean="0"/>
-              <a:t> </a:t>
-            </a:r>
-            <a:r>
-              <a:rPr lang="en-US" baseline="0" dirty="0" err="1" smtClean="0"/>
-              <a:t>dit</a:t>
-            </a:r>
-            <a:r>
-              <a:rPr lang="en-US" baseline="0" dirty="0" smtClean="0"/>
-              <a:t> </a:t>
-            </a:r>
-            <a:r>
-              <a:rPr lang="en-US" baseline="0" dirty="0" err="1" smtClean="0"/>
-              <a:t>kanske</a:t>
-            </a:r>
-            <a:r>
-              <a:rPr lang="en-US" baseline="0" dirty="0" smtClean="0"/>
-              <a:t> </a:t>
-            </a:r>
-            <a:r>
-              <a:rPr lang="en-US" baseline="0" dirty="0" err="1" smtClean="0"/>
-              <a:t>färre</a:t>
-            </a:r>
-            <a:r>
-              <a:rPr lang="en-US" baseline="0" dirty="0" smtClean="0"/>
-              <a:t> </a:t>
-            </a:r>
-            <a:r>
-              <a:rPr lang="en-US" baseline="0" dirty="0" err="1" smtClean="0"/>
-              <a:t>replikor</a:t>
-            </a:r>
-            <a:r>
-              <a:rPr lang="en-US" baseline="0" dirty="0" smtClean="0"/>
-              <a:t> </a:t>
-            </a:r>
-            <a:r>
-              <a:rPr lang="en-US" baseline="0" dirty="0" err="1" smtClean="0"/>
-              <a:t>behövs</a:t>
-            </a:r>
-            <a:r>
-              <a:rPr lang="en-US" baseline="0" dirty="0" smtClean="0"/>
-              <a:t>. </a:t>
-            </a:r>
-            <a:r>
-              <a:rPr lang="en-US" baseline="0" dirty="0" err="1" smtClean="0"/>
-              <a:t>Därför</a:t>
-            </a:r>
-            <a:r>
-              <a:rPr lang="en-US" baseline="0" dirty="0" smtClean="0"/>
-              <a:t> </a:t>
-            </a:r>
-            <a:r>
-              <a:rPr lang="en-US" baseline="0" dirty="0" err="1" smtClean="0"/>
-              <a:t>körs</a:t>
-            </a:r>
-            <a:r>
-              <a:rPr lang="en-US" baseline="0" dirty="0" smtClean="0"/>
-              <a:t> </a:t>
-            </a:r>
-            <a:r>
-              <a:rPr lang="en-US" baseline="0" dirty="0" err="1" smtClean="0"/>
-              <a:t>även</a:t>
-            </a:r>
-            <a:r>
-              <a:rPr lang="en-US" baseline="0" dirty="0" smtClean="0"/>
-              <a:t> </a:t>
-            </a:r>
-            <a:r>
-              <a:rPr lang="en-US" baseline="0" dirty="0" err="1" smtClean="0"/>
-              <a:t>en</a:t>
-            </a:r>
-            <a:r>
-              <a:rPr lang="en-US" baseline="0" dirty="0" smtClean="0"/>
-              <a:t> </a:t>
-            </a:r>
-            <a:r>
-              <a:rPr lang="en-US" baseline="0" dirty="0" err="1" smtClean="0"/>
-              <a:t>optmieringsalgoritm</a:t>
-            </a:r>
-            <a:r>
-              <a:rPr lang="en-US" baseline="0" dirty="0" smtClean="0"/>
-              <a:t> </a:t>
-            </a:r>
-            <a:r>
-              <a:rPr lang="en-US" baseline="0" dirty="0" err="1" smtClean="0"/>
-              <a:t>som</a:t>
-            </a:r>
-            <a:r>
-              <a:rPr lang="en-US" baseline="0" dirty="0" smtClean="0"/>
-              <a:t> </a:t>
-            </a:r>
-            <a:r>
-              <a:rPr lang="en-US" baseline="0" dirty="0" err="1" smtClean="0"/>
-              <a:t>flyttar</a:t>
-            </a:r>
-            <a:r>
-              <a:rPr lang="en-US" baseline="0" dirty="0" smtClean="0"/>
-              <a:t> </a:t>
-            </a:r>
-            <a:r>
-              <a:rPr lang="en-US" baseline="0" dirty="0" err="1" smtClean="0"/>
-              <a:t>replikor</a:t>
-            </a:r>
-            <a:r>
-              <a:rPr lang="en-US" baseline="0" dirty="0" smtClean="0"/>
-              <a:t> till </a:t>
-            </a:r>
-            <a:r>
-              <a:rPr lang="en-US" baseline="0" dirty="0" err="1" smtClean="0"/>
-              <a:t>mer</a:t>
-            </a:r>
-            <a:r>
-              <a:rPr lang="en-US" baseline="0" dirty="0" smtClean="0"/>
-              <a:t> </a:t>
-            </a:r>
-            <a:r>
-              <a:rPr lang="en-US" baseline="0" dirty="0" err="1" smtClean="0"/>
-              <a:t>tillfärlitliga</a:t>
             </a:r>
             <a:r>
               <a:rPr lang="en-US" baseline="0" dirty="0" smtClean="0"/>
@@ -5495,7 +5504,148 @@
           <a:p>
             <a:r>
               <a:rPr lang="en-US" dirty="0" err="1" smtClean="0"/>
-              <a:t>Så</a:t>
+              <a:t>Första</a:t>
+            </a:r>
+            <a:r>
+              <a:rPr lang="en-US" baseline="0" dirty="0" smtClean="0"/>
+              <a:t> </a:t>
+            </a:r>
+            <a:r>
+              <a:rPr lang="en-US" baseline="0" dirty="0" err="1" smtClean="0"/>
+              <a:t>delen</a:t>
+            </a:r>
+            <a:r>
+              <a:rPr lang="en-US" baseline="0" dirty="0" smtClean="0"/>
+              <a:t> </a:t>
+            </a:r>
+            <a:r>
+              <a:rPr lang="en-US" baseline="0" dirty="0" err="1" smtClean="0"/>
+              <a:t>av</a:t>
+            </a:r>
+            <a:r>
+              <a:rPr lang="en-US" baseline="0" dirty="0" smtClean="0"/>
+              <a:t> </a:t>
+            </a:r>
+            <a:r>
+              <a:rPr lang="en-US" baseline="0" dirty="0" err="1" smtClean="0"/>
+              <a:t>optimeringen</a:t>
+            </a:r>
+            <a:r>
+              <a:rPr lang="en-US" baseline="0" dirty="0" smtClean="0"/>
+              <a:t> </a:t>
+            </a:r>
+            <a:r>
+              <a:rPr lang="en-US" baseline="0" dirty="0" err="1" smtClean="0"/>
+              <a:t>var</a:t>
+            </a:r>
+            <a:r>
+              <a:rPr lang="en-US" baseline="0" dirty="0" smtClean="0"/>
+              <a:t> </a:t>
+            </a:r>
+            <a:r>
+              <a:rPr lang="en-US" baseline="0" dirty="0" err="1" smtClean="0"/>
+              <a:t>att</a:t>
+            </a:r>
+            <a:r>
+              <a:rPr lang="en-US" baseline="0" dirty="0" smtClean="0"/>
+              <a:t> </a:t>
+            </a:r>
+            <a:r>
+              <a:rPr lang="en-US" baseline="0" dirty="0" err="1" smtClean="0"/>
+              <a:t>flytta</a:t>
+            </a:r>
+            <a:r>
+              <a:rPr lang="en-US" baseline="0" dirty="0" smtClean="0"/>
+              <a:t> till de </a:t>
+            </a:r>
+            <a:r>
+              <a:rPr lang="en-US" baseline="0" dirty="0" err="1" smtClean="0"/>
+              <a:t>mest</a:t>
+            </a:r>
+            <a:r>
+              <a:rPr lang="en-US" baseline="0" dirty="0" smtClean="0"/>
+              <a:t> </a:t>
+            </a:r>
+            <a:r>
+              <a:rPr lang="en-US" baseline="0" dirty="0" err="1" smtClean="0"/>
+              <a:t>tillförlitliga</a:t>
+            </a:r>
+            <a:r>
+              <a:rPr lang="en-US" baseline="0" dirty="0" smtClean="0"/>
+              <a:t> </a:t>
+            </a:r>
+            <a:r>
+              <a:rPr lang="en-US" baseline="0" dirty="0" err="1" smtClean="0"/>
+              <a:t>noderna</a:t>
+            </a:r>
+            <a:r>
+              <a:rPr lang="en-US" baseline="0" dirty="0" smtClean="0"/>
+              <a:t>, </a:t>
+            </a:r>
+            <a:r>
+              <a:rPr lang="en-US" baseline="0" dirty="0" err="1" smtClean="0"/>
+              <a:t>och</a:t>
+            </a:r>
+            <a:r>
+              <a:rPr lang="en-US" baseline="0" dirty="0" smtClean="0"/>
+              <a:t> den </a:t>
+            </a:r>
+            <a:r>
+              <a:rPr lang="en-US" baseline="0" dirty="0" err="1" smtClean="0"/>
+              <a:t>processen</a:t>
+            </a:r>
+            <a:r>
+              <a:rPr lang="en-US" baseline="0" dirty="0" smtClean="0"/>
+              <a:t> </a:t>
+            </a:r>
+            <a:r>
+              <a:rPr lang="en-US" baseline="0" dirty="0" err="1" smtClean="0"/>
+              <a:t>ser</a:t>
+            </a:r>
+            <a:r>
+              <a:rPr lang="en-US" baseline="0" dirty="0" smtClean="0"/>
+              <a:t> </a:t>
+            </a:r>
+            <a:r>
+              <a:rPr lang="en-US" baseline="0" dirty="0" err="1" smtClean="0"/>
+              <a:t>ut</a:t>
+            </a:r>
+            <a:r>
+              <a:rPr lang="en-US" baseline="0" dirty="0" smtClean="0"/>
+              <a:t> </a:t>
+            </a:r>
+            <a:r>
+              <a:rPr lang="en-US" baseline="0" dirty="0" err="1" smtClean="0"/>
+              <a:t>som</a:t>
+            </a:r>
+            <a:r>
+              <a:rPr lang="en-US" baseline="0" dirty="0" smtClean="0"/>
+              <a:t> </a:t>
+            </a:r>
+            <a:r>
+              <a:rPr lang="en-US" baseline="0" dirty="0" err="1" smtClean="0"/>
+              <a:t>följande</a:t>
+            </a:r>
+            <a:r>
+              <a:rPr lang="en-US" baseline="0" dirty="0" smtClean="0"/>
+              <a:t>:</a:t>
+            </a:r>
+          </a:p>
+          <a:p>
+            <a:endParaRPr lang="en-US" baseline="0" dirty="0" smtClean="0"/>
+          </a:p>
+          <a:p>
+            <a:r>
+              <a:rPr lang="en-US" dirty="0" smtClean="0"/>
+              <a:t>-</a:t>
+            </a:r>
+            <a:r>
+              <a:rPr lang="en-US" baseline="0" dirty="0" smtClean="0"/>
+              <a:t> </a:t>
+            </a:r>
+            <a:r>
+              <a:rPr lang="en-US" dirty="0" err="1" smtClean="0"/>
+              <a:t>så</a:t>
             </a:r>
             <a:r>
               <a:rPr lang="en-US" dirty="0" smtClean="0"/>
@@ -5619,7 +5769,11 @@
             </a:r>
             <a:r>
               <a:rPr lang="en-US" baseline="0" dirty="0" smtClean="0"/>
-              <a:t> , till den </a:t>
+              <a:t>, </a:t>
+            </a:r>
+            <a:r>
+              <a:rPr lang="en-US" baseline="0" dirty="0" smtClean="0"/>
+              <a:t>till den </a:t>
             </a:r>
             <a:r>
               <a:rPr lang="en-US" baseline="0" dirty="0" err="1" smtClean="0"/>
@@ -5785,6 +5939,171 @@
             <a:r>
               <a:rPr lang="en-US" baseline="0" dirty="0" smtClean="0"/>
               <a:t>.</a:t>
+            </a:r>
+          </a:p>
+          <a:p>
+            <a:endParaRPr lang="en-US" baseline="0" dirty="0" smtClean="0"/>
+          </a:p>
+          <a:p>
+            <a:r>
+              <a:rPr lang="en-US" baseline="0" dirty="0" err="1" smtClean="0"/>
+              <a:t>När</a:t>
+            </a:r>
+            <a:r>
+              <a:rPr lang="en-US" baseline="0" dirty="0" smtClean="0"/>
+              <a:t> vi nu </a:t>
+            </a:r>
+            <a:r>
+              <a:rPr lang="en-US" baseline="0" dirty="0" err="1" smtClean="0"/>
+              <a:t>har</a:t>
+            </a:r>
+            <a:r>
+              <a:rPr lang="en-US" baseline="0" dirty="0" smtClean="0"/>
+              <a:t> </a:t>
+            </a:r>
+            <a:r>
+              <a:rPr lang="en-US" baseline="0" dirty="0" err="1" smtClean="0"/>
+              <a:t>flyttat</a:t>
+            </a:r>
+            <a:r>
+              <a:rPr lang="en-US" baseline="0" dirty="0" smtClean="0"/>
+              <a:t> </a:t>
+            </a:r>
+            <a:r>
+              <a:rPr lang="en-US" baseline="0" dirty="0" err="1" smtClean="0"/>
+              <a:t>alla</a:t>
+            </a:r>
+            <a:r>
+              <a:rPr lang="en-US" baseline="0" dirty="0" smtClean="0"/>
+              <a:t> </a:t>
+            </a:r>
+            <a:r>
+              <a:rPr lang="en-US" baseline="0" dirty="0" err="1" smtClean="0"/>
+              <a:t>replikor</a:t>
+            </a:r>
+            <a:r>
+              <a:rPr lang="en-US" baseline="0" dirty="0" smtClean="0"/>
+              <a:t> till de </a:t>
+            </a:r>
+            <a:r>
+              <a:rPr lang="en-US" baseline="0" dirty="0" err="1" smtClean="0"/>
+              <a:t>mest</a:t>
+            </a:r>
+            <a:r>
+              <a:rPr lang="en-US" baseline="0" dirty="0" smtClean="0"/>
+              <a:t> </a:t>
+            </a:r>
+            <a:r>
+              <a:rPr lang="en-US" baseline="0" dirty="0" err="1" smtClean="0"/>
+              <a:t>tillförlitliga</a:t>
+            </a:r>
+            <a:r>
+              <a:rPr lang="en-US" baseline="0" dirty="0" smtClean="0"/>
+              <a:t> </a:t>
+            </a:r>
+            <a:r>
+              <a:rPr lang="en-US" baseline="0" dirty="0" err="1" smtClean="0"/>
+              <a:t>noderna</a:t>
+            </a:r>
+            <a:r>
+              <a:rPr lang="en-US" baseline="0" dirty="0" smtClean="0"/>
+              <a:t>, </a:t>
+            </a:r>
+            <a:r>
+              <a:rPr lang="en-US" baseline="0" dirty="0" err="1" smtClean="0"/>
+              <a:t>så</a:t>
+            </a:r>
+            <a:r>
+              <a:rPr lang="en-US" baseline="0" dirty="0" smtClean="0"/>
+              <a:t> </a:t>
+            </a:r>
+            <a:r>
+              <a:rPr lang="en-US" baseline="0" dirty="0" err="1" smtClean="0"/>
+              <a:t>kanske</a:t>
+            </a:r>
+            <a:r>
+              <a:rPr lang="en-US" baseline="0" dirty="0" smtClean="0"/>
+              <a:t> vi </a:t>
+            </a:r>
+            <a:r>
+              <a:rPr lang="en-US" baseline="0" dirty="0" err="1" smtClean="0"/>
+              <a:t>inte</a:t>
+            </a:r>
+            <a:r>
+              <a:rPr lang="en-US" baseline="0" dirty="0" smtClean="0"/>
+              <a:t> </a:t>
+            </a:r>
+            <a:r>
+              <a:rPr lang="en-US" baseline="0" dirty="0" err="1" smtClean="0"/>
+              <a:t>längre</a:t>
+            </a:r>
+            <a:r>
+              <a:rPr lang="en-US" baseline="0" dirty="0" smtClean="0"/>
+              <a:t> </a:t>
+            </a:r>
+            <a:r>
+              <a:rPr lang="en-US" baseline="0" dirty="0" err="1" smtClean="0"/>
+              <a:t>behöver</a:t>
+            </a:r>
+            <a:r>
+              <a:rPr lang="en-US" baseline="0" dirty="0" smtClean="0"/>
+              <a:t> </a:t>
+            </a:r>
+            <a:r>
+              <a:rPr lang="en-US" baseline="0" dirty="0" err="1" smtClean="0"/>
+              <a:t>alla</a:t>
+            </a:r>
+            <a:r>
+              <a:rPr lang="en-US" baseline="0" dirty="0" smtClean="0"/>
+              <a:t> </a:t>
+            </a:r>
+            <a:r>
+              <a:rPr lang="en-US" baseline="0" dirty="0" err="1" smtClean="0"/>
+              <a:t>replikor</a:t>
+            </a:r>
+            <a:r>
+              <a:rPr lang="en-US" baseline="0" dirty="0" smtClean="0"/>
+              <a:t> </a:t>
+            </a:r>
+            <a:r>
+              <a:rPr lang="en-US" baseline="0" dirty="0" err="1" smtClean="0"/>
+              <a:t>för</a:t>
+            </a:r>
+            <a:r>
+              <a:rPr lang="en-US" baseline="0" dirty="0" smtClean="0"/>
+              <a:t> </a:t>
+            </a:r>
+            <a:r>
+              <a:rPr lang="en-US" baseline="0" dirty="0" err="1" smtClean="0"/>
+              <a:t>att</a:t>
+            </a:r>
+            <a:r>
+              <a:rPr lang="en-US" baseline="0" dirty="0" smtClean="0"/>
+              <a:t> </a:t>
+            </a:r>
+            <a:r>
+              <a:rPr lang="en-US" baseline="0" dirty="0" err="1" smtClean="0"/>
+              <a:t>uppnå</a:t>
+            </a:r>
+            <a:r>
+              <a:rPr lang="en-US" baseline="0" dirty="0" smtClean="0"/>
+              <a:t> den </a:t>
+            </a:r>
+            <a:r>
+              <a:rPr lang="en-US" baseline="0" dirty="0" err="1" smtClean="0"/>
+              <a:t>önskade</a:t>
+            </a:r>
+            <a:r>
+              <a:rPr lang="en-US" baseline="0" dirty="0" smtClean="0"/>
+              <a:t> </a:t>
+            </a:r>
+            <a:r>
+              <a:rPr lang="en-US" baseline="0" dirty="0" err="1" smtClean="0"/>
+              <a:t>nivån</a:t>
+            </a:r>
+            <a:r>
+              <a:rPr lang="en-US" baseline="0" dirty="0" smtClean="0"/>
+              <a:t> [BYT SLIDE]</a:t>
             </a:r>
             <a:endParaRPr lang="en-US" dirty="0"/>
           </a:p>
@@ -6884,7 +7203,39 @@
           <a:p>
             <a:r>
               <a:rPr lang="en-US" dirty="0" err="1" smtClean="0"/>
-              <a:t>Därefter</a:t>
+              <a:t>Därför</a:t>
+            </a:r>
+            <a:r>
+              <a:rPr lang="en-US" dirty="0" smtClean="0"/>
+              <a:t> </a:t>
+            </a:r>
+            <a:r>
+              <a:rPr lang="en-US" dirty="0" err="1" smtClean="0"/>
+              <a:t>körs</a:t>
+            </a:r>
+            <a:r>
+              <a:rPr lang="en-US" dirty="0" smtClean="0"/>
+              <a:t> sedan </a:t>
+            </a:r>
+            <a:r>
+              <a:rPr lang="en-US" dirty="0" err="1" smtClean="0"/>
+              <a:t>nästa</a:t>
+            </a:r>
+            <a:r>
+              <a:rPr lang="en-US" dirty="0" smtClean="0"/>
+              <a:t> del </a:t>
+            </a:r>
+            <a:r>
+              <a:rPr lang="en-US" dirty="0" err="1" smtClean="0"/>
+              <a:t>av</a:t>
+            </a:r>
+            <a:r>
+              <a:rPr lang="en-US" dirty="0" smtClean="0"/>
+              <a:t> </a:t>
+            </a:r>
+            <a:r>
+              <a:rPr lang="en-US" dirty="0" err="1" smtClean="0"/>
+              <a:t>optimeringen</a:t>
             </a:r>
             <a:r>
               <a:rPr lang="en-US" dirty="0" smtClean="0"/>
@@ -6892,168 +7243,140 @@
             </a:r>
             <a:r>
               <a:rPr lang="en-US" dirty="0" err="1" smtClean="0"/>
-              <a:t>när</a:t>
+              <a:t>där</a:t>
             </a:r>
             <a:r>
               <a:rPr lang="en-US" dirty="0" smtClean="0"/>
+              <a:t> </a:t>
+            </a:r>
+            <a:r>
+              <a:rPr lang="en-US" dirty="0" err="1" smtClean="0"/>
+              <a:t>överflödiga</a:t>
+            </a:r>
+            <a:r>
+              <a:rPr lang="en-US" baseline="0" dirty="0" smtClean="0"/>
+              <a:t> </a:t>
+            </a:r>
+            <a:r>
+              <a:rPr lang="en-US" baseline="0" dirty="0" err="1" smtClean="0"/>
+              <a:t>replikor</a:t>
+            </a:r>
+            <a:r>
+              <a:rPr lang="en-US" baseline="0" dirty="0" smtClean="0"/>
+              <a:t> </a:t>
+            </a:r>
+            <a:r>
+              <a:rPr lang="en-US" baseline="0" dirty="0" err="1" smtClean="0"/>
+              <a:t>tas</a:t>
+            </a:r>
+            <a:r>
+              <a:rPr lang="en-US" baseline="0" dirty="0" smtClean="0"/>
+              <a:t> </a:t>
+            </a:r>
+            <a:r>
+              <a:rPr lang="en-US" baseline="0" dirty="0" err="1" smtClean="0"/>
+              <a:t>bort</a:t>
+            </a:r>
+            <a:r>
+              <a:rPr lang="en-US" baseline="0" dirty="0" smtClean="0"/>
+              <a:t>.</a:t>
+            </a:r>
+          </a:p>
+          <a:p>
+            <a:endParaRPr lang="en-US" baseline="0" dirty="0" smtClean="0"/>
+          </a:p>
+          <a:p>
+            <a:r>
+              <a:rPr lang="en-US" baseline="0" dirty="0" err="1" smtClean="0"/>
+              <a:t>Och</a:t>
+            </a:r>
+            <a:r>
+              <a:rPr lang="en-US" baseline="0" dirty="0" smtClean="0"/>
+              <a:t> </a:t>
+            </a:r>
+            <a:r>
+              <a:rPr lang="en-US" baseline="0" dirty="0" err="1" smtClean="0"/>
+              <a:t>det</a:t>
+            </a:r>
+            <a:r>
+              <a:rPr lang="en-US" baseline="0" dirty="0" smtClean="0"/>
+              <a:t> </a:t>
+            </a:r>
+            <a:r>
+              <a:rPr lang="en-US" baseline="0" dirty="0" err="1" smtClean="0"/>
+              <a:t>görs</a:t>
+            </a:r>
+            <a:r>
+              <a:rPr lang="en-US" baseline="0" dirty="0" smtClean="0"/>
+              <a:t> </a:t>
+            </a:r>
+            <a:r>
+              <a:rPr lang="en-US" baseline="0" dirty="0" err="1" smtClean="0"/>
+              <a:t>genom</a:t>
+            </a:r>
+            <a:r>
+              <a:rPr lang="en-US" baseline="0" dirty="0" smtClean="0"/>
+              <a:t> </a:t>
+            </a:r>
+            <a:r>
+              <a:rPr lang="en-US" baseline="0" dirty="0" err="1" smtClean="0"/>
+              <a:t>att</a:t>
+            </a:r>
+            <a:r>
+              <a:rPr lang="en-US" baseline="0" dirty="0" smtClean="0"/>
+              <a:t> ta </a:t>
+            </a:r>
+            <a:r>
+              <a:rPr lang="en-US" baseline="0" dirty="0" err="1" smtClean="0"/>
+              <a:t>bort</a:t>
+            </a:r>
+            <a:r>
+              <a:rPr lang="en-US" baseline="0" dirty="0" smtClean="0"/>
+              <a:t> den </a:t>
+            </a:r>
+            <a:r>
+              <a:rPr lang="en-US" baseline="0" dirty="0" err="1" smtClean="0"/>
+              <a:t>minst</a:t>
+            </a:r>
+            <a:r>
+              <a:rPr lang="en-US" baseline="0" dirty="0" smtClean="0"/>
+              <a:t> </a:t>
+            </a:r>
+            <a:r>
+              <a:rPr lang="en-US" baseline="0" dirty="0" err="1" smtClean="0"/>
+              <a:t>tillförlitliga</a:t>
+            </a:r>
+            <a:r>
+              <a:rPr lang="en-US" baseline="0" dirty="0" smtClean="0"/>
+              <a:t>, </a:t>
+            </a:r>
+            <a:r>
+              <a:rPr lang="en-US" baseline="0" dirty="0" err="1" smtClean="0"/>
+              <a:t>så</a:t>
+            </a:r>
+            <a:r>
+              <a:rPr lang="en-US" baseline="0" dirty="0" smtClean="0"/>
+              <a:t> </a:t>
+            </a:r>
+            <a:r>
+              <a:rPr lang="en-US" baseline="0" dirty="0" err="1" smtClean="0"/>
+              <a:t>länge</a:t>
+            </a:r>
+            <a:r>
+              <a:rPr lang="en-US" baseline="0" dirty="0" smtClean="0"/>
               <a:t> vi </a:t>
             </a:r>
             <a:r>
-              <a:rPr lang="en-US" dirty="0" err="1" smtClean="0"/>
-              <a:t>flyttat</a:t>
-            </a:r>
-            <a:r>
-              <a:rPr lang="en-US" dirty="0" smtClean="0"/>
-              <a:t> </a:t>
-            </a:r>
-            <a:r>
-              <a:rPr lang="en-US" dirty="0" err="1" smtClean="0"/>
-              <a:t>alla</a:t>
-            </a:r>
-            <a:r>
-              <a:rPr lang="en-US" dirty="0" smtClean="0"/>
-              <a:t> </a:t>
-            </a:r>
-            <a:r>
-              <a:rPr lang="en-US" dirty="0" err="1" smtClean="0"/>
-              <a:t>replikor</a:t>
-            </a:r>
-            <a:r>
-              <a:rPr lang="en-US" dirty="0" smtClean="0"/>
-              <a:t> till de</a:t>
-            </a:r>
-            <a:r>
-              <a:rPr lang="en-US" baseline="0" dirty="0" smtClean="0"/>
-              <a:t> </a:t>
-            </a:r>
-            <a:r>
-              <a:rPr lang="en-US" baseline="0" dirty="0" err="1" smtClean="0"/>
-              <a:t>mest</a:t>
-            </a:r>
-            <a:r>
-              <a:rPr lang="en-US" baseline="0" dirty="0" smtClean="0"/>
-              <a:t> </a:t>
-            </a:r>
-            <a:r>
-              <a:rPr lang="en-US" baseline="0" dirty="0" err="1" smtClean="0"/>
-              <a:t>tillförlitliga</a:t>
-            </a:r>
-            <a:r>
-              <a:rPr lang="en-US" baseline="0" dirty="0" smtClean="0"/>
-              <a:t> </a:t>
-            </a:r>
-            <a:r>
-              <a:rPr lang="en-US" baseline="0" dirty="0" err="1" smtClean="0"/>
-              <a:t>noderna</a:t>
-            </a:r>
-            <a:r>
-              <a:rPr lang="en-US" baseline="0" dirty="0" smtClean="0"/>
-              <a:t>, </a:t>
-            </a:r>
-            <a:r>
-              <a:rPr lang="en-US" baseline="0" dirty="0" err="1" smtClean="0"/>
-              <a:t>så</a:t>
-            </a:r>
-            <a:r>
-              <a:rPr lang="en-US" baseline="0" dirty="0" smtClean="0"/>
-              <a:t> </a:t>
-            </a:r>
-            <a:r>
-              <a:rPr lang="en-US" baseline="0" dirty="0" err="1" smtClean="0"/>
-              <a:t>kanske</a:t>
-            </a:r>
-            <a:r>
-              <a:rPr lang="en-US" baseline="0" dirty="0" smtClean="0"/>
-              <a:t> vi </a:t>
-            </a:r>
-            <a:r>
-              <a:rPr lang="en-US" baseline="0" dirty="0" err="1" smtClean="0"/>
-              <a:t>inte</a:t>
-            </a:r>
-            <a:r>
-              <a:rPr lang="en-US" baseline="0" dirty="0" smtClean="0"/>
-              <a:t> </a:t>
-            </a:r>
-            <a:r>
-              <a:rPr lang="en-US" baseline="0" dirty="0" err="1" smtClean="0"/>
-              <a:t>behöver</a:t>
-            </a:r>
-            <a:r>
-              <a:rPr lang="en-US" baseline="0" dirty="0" smtClean="0"/>
-              <a:t> </a:t>
-            </a:r>
-            <a:r>
-              <a:rPr lang="en-US" baseline="0" dirty="0" err="1" smtClean="0"/>
-              <a:t>lika</a:t>
-            </a:r>
-            <a:r>
-              <a:rPr lang="en-US" baseline="0" dirty="0" smtClean="0"/>
-              <a:t> </a:t>
-            </a:r>
-            <a:r>
-              <a:rPr lang="en-US" baseline="0" dirty="0" err="1" smtClean="0"/>
-              <a:t>många</a:t>
-            </a:r>
-            <a:r>
-              <a:rPr lang="en-US" baseline="0" dirty="0" smtClean="0"/>
-              <a:t> </a:t>
-            </a:r>
-            <a:r>
-              <a:rPr lang="en-US" baseline="0" dirty="0" err="1" smtClean="0"/>
-              <a:t>replikor</a:t>
-            </a:r>
-            <a:r>
-              <a:rPr lang="en-US" baseline="0" dirty="0" smtClean="0"/>
-              <a:t> </a:t>
-            </a:r>
-            <a:r>
-              <a:rPr lang="en-US" baseline="0" dirty="0" err="1" smtClean="0"/>
-              <a:t>längre</a:t>
-            </a:r>
-            <a:r>
-              <a:rPr lang="en-US" baseline="0" dirty="0" smtClean="0"/>
-              <a:t>.</a:t>
-            </a:r>
-          </a:p>
-          <a:p>
-            <a:endParaRPr lang="en-US" baseline="0" dirty="0" smtClean="0"/>
-          </a:p>
-          <a:p>
-            <a:r>
-              <a:rPr lang="en-US" baseline="0" dirty="0" err="1" smtClean="0"/>
-              <a:t>Därför</a:t>
-            </a:r>
-            <a:r>
-              <a:rPr lang="en-US" baseline="0" dirty="0" smtClean="0"/>
-              <a:t>, </a:t>
-            </a:r>
-            <a:r>
-              <a:rPr lang="en-US" baseline="0" dirty="0" err="1" smtClean="0"/>
-              <a:t>så</a:t>
-            </a:r>
-            <a:r>
-              <a:rPr lang="en-US" baseline="0" dirty="0" smtClean="0"/>
-              <a:t> </a:t>
-            </a:r>
-            <a:r>
-              <a:rPr lang="en-US" baseline="0" dirty="0" err="1" smtClean="0"/>
-              <a:t>tas</a:t>
-            </a:r>
-            <a:r>
-              <a:rPr lang="en-US" baseline="0" dirty="0" smtClean="0"/>
-              <a:t> </a:t>
-            </a:r>
-            <a:r>
-              <a:rPr lang="en-US" baseline="0" dirty="0" err="1" smtClean="0"/>
-              <a:t>replikan</a:t>
-            </a:r>
-            <a:r>
-              <a:rPr lang="en-US" baseline="0" dirty="0" smtClean="0"/>
-              <a:t> </a:t>
-            </a:r>
-            <a:r>
-              <a:rPr lang="en-US" baseline="0" dirty="0" err="1" smtClean="0"/>
-              <a:t>på</a:t>
+              <a:rPr lang="en-US" baseline="0" dirty="0" err="1" smtClean="0"/>
+              <a:t>fortfarande</a:t>
+            </a:r>
+            <a:r>
+              <a:rPr lang="en-US" baseline="0" dirty="0" smtClean="0"/>
+              <a:t> </a:t>
+            </a:r>
+            <a:r>
+              <a:rPr lang="en-US" baseline="0" dirty="0" err="1" smtClean="0"/>
+              <a:t>överstiger</a:t>
             </a:r>
             <a:r>
               <a:rPr lang="en-US" baseline="0" dirty="0" smtClean="0"/>
@@ -7061,54 +7384,6 @@
             </a:r>
             <a:r>
               <a:rPr lang="en-US" baseline="0" dirty="0" err="1" smtClean="0"/>
-              <a:t>minst</a:t>
-            </a:r>
-            <a:r>
-              <a:rPr lang="en-US" baseline="0" dirty="0" smtClean="0"/>
-              <a:t> </a:t>
-            </a:r>
-            <a:r>
-              <a:rPr lang="en-US" baseline="0" dirty="0" err="1" smtClean="0"/>
-              <a:t>tillförlitliga</a:t>
-            </a:r>
-            <a:r>
-              <a:rPr lang="en-US" baseline="0" dirty="0" smtClean="0"/>
-              <a:t> </a:t>
-            </a:r>
-            <a:r>
-              <a:rPr lang="en-US" baseline="0" dirty="0" err="1" smtClean="0"/>
-              <a:t>noden</a:t>
-            </a:r>
-            <a:r>
-              <a:rPr lang="en-US" baseline="0" dirty="0" smtClean="0"/>
-              <a:t> </a:t>
-            </a:r>
-            <a:r>
-              <a:rPr lang="en-US" baseline="0" dirty="0" err="1" smtClean="0"/>
-              <a:t>bort</a:t>
-            </a:r>
-            <a:r>
-              <a:rPr lang="en-US" baseline="0" dirty="0" smtClean="0"/>
-              <a:t>, </a:t>
-            </a:r>
-            <a:r>
-              <a:rPr lang="en-US" baseline="0" dirty="0" err="1" smtClean="0"/>
-              <a:t>så</a:t>
-            </a:r>
-            <a:r>
-              <a:rPr lang="en-US" baseline="0" dirty="0" smtClean="0"/>
-              <a:t> </a:t>
-            </a:r>
-            <a:r>
-              <a:rPr lang="en-US" baseline="0" dirty="0" err="1" smtClean="0"/>
-              <a:t>länge</a:t>
-            </a:r>
-            <a:r>
-              <a:rPr lang="en-US" baseline="0" dirty="0" smtClean="0"/>
-              <a:t> den </a:t>
-            </a:r>
-            <a:r>
-              <a:rPr lang="en-US" baseline="0" dirty="0" err="1" smtClean="0"/>
               <a:t>önskade</a:t>
             </a:r>
             <a:r>
@@ -7118,30 +7393,6 @@
             <a:r>
               <a:rPr lang="en-US" baseline="0" dirty="0" err="1" smtClean="0"/>
               <a:t>nivån</a:t>
-            </a:r>
-            <a:r>
-              <a:rPr lang="en-US" baseline="0" dirty="0" smtClean="0"/>
-              <a:t> </a:t>
-            </a:r>
-            <a:r>
-              <a:rPr lang="en-US" baseline="0" dirty="0" err="1" smtClean="0"/>
-              <a:t>fortfarande</a:t>
-            </a:r>
-            <a:r>
-              <a:rPr lang="en-US" baseline="0" dirty="0" smtClean="0"/>
-              <a:t> </a:t>
-            </a:r>
-            <a:r>
-              <a:rPr lang="en-US" baseline="0" dirty="0" err="1" smtClean="0"/>
-              <a:t>är</a:t>
-            </a:r>
-            <a:r>
-              <a:rPr lang="en-US" baseline="0" dirty="0" smtClean="0"/>
-              <a:t> </a:t>
-            </a:r>
-            <a:r>
-              <a:rPr lang="en-US" baseline="0" dirty="0" err="1" smtClean="0"/>
-              <a:t>uppnådd</a:t>
             </a:r>
             <a:r>
               <a:rPr lang="en-US" baseline="0" dirty="0" smtClean="0"/>
@@ -29831,7 +30082,7 @@
       </p:pic>
       <p:pic>
         <p:nvPicPr>
-          <p:cNvPr id="6" name="Picture 5"/>
+          <p:cNvPr id="7" name="Content Placeholder 3"/>
           <p:cNvPicPr>
             <a:picLocks noChangeAspect="1"/>
           </p:cNvPicPr>
@@ -29851,8 +30102,8 @@
         </p:blipFill>
         <p:spPr>
           <a:xfrm>
-            <a:off x="1098348" y="2984905"/>
-            <a:ext cx="4806453" cy="1745018"/>
+            <a:off x="1097280" y="2436804"/>
+            <a:ext cx="3799693" cy="3667818"/>
           </a:xfrm>
           <a:prstGeom prst="rect">
             <a:avLst/>
@@ -30016,18 +30267,15 @@
             </a:br>
             <a:r>
               <a:rPr lang="en-US" dirty="0"/>
-              <a:t>move replicas to those nodes, </a:t>
-            </a:r>
-            <a:r>
-              <a:rPr lang="is-IS" dirty="0"/>
-              <a:t>and</a:t>
-            </a:r>
-            <a:br>
-              <a:rPr lang="is-IS" dirty="0"/>
-            </a:br>
-            <a:r>
-              <a:rPr lang="is-IS" dirty="0"/>
-              <a:t>delete the least reliable...”</a:t>
+              <a:t>move replicas to those nodes</a:t>
+            </a:r>
+            <a:r>
+              <a:rPr lang="en-US" dirty="0" smtClean="0"/>
+              <a:t>, </a:t>
+            </a:r>
+            <a:r>
+              <a:rPr lang="is-IS" dirty="0" smtClean="0"/>
+              <a:t>...”</a:t>
             </a:r>
             <a:endParaRPr lang="en-US" dirty="0"/>
           </a:p>
@@ -30193,18 +30441,15 @@
             </a:r>
             <a:r>
               <a:rPr lang="en-US" dirty="0" smtClean="0"/>
-              <a:t>nodes, </a:t>
+              <a:t>nodes</a:t>
+            </a:r>
+            <a:r>
+              <a:rPr lang="en-US" dirty="0" smtClean="0"/>
+              <a:t>, </a:t>
             </a:r>
             <a:r>
               <a:rPr lang="is-IS" dirty="0" smtClean="0"/>
-              <a:t>and</a:t>
-            </a:r>
-            <a:br>
-              <a:rPr lang="is-IS" dirty="0" smtClean="0"/>
-            </a:br>
-            <a:r>
-              <a:rPr lang="is-IS" dirty="0" smtClean="0"/>
-              <a:t>delete the least reliable...”</a:t>
+              <a:t>...”</a:t>
             </a:r>
             <a:endParaRPr lang="en-US" dirty="0"/>
           </a:p>
@@ -30366,18 +30611,11 @@
             </a:br>
             <a:r>
               <a:rPr lang="en-US" dirty="0"/>
-              <a:t>move replicas to those nodes, </a:t>
-            </a:r>
-            <a:r>
-              <a:rPr lang="is-IS" dirty="0"/>
-              <a:t>and</a:t>
-            </a:r>
-            <a:br>
-              <a:rPr lang="is-IS" dirty="0"/>
-            </a:br>
-            <a:r>
-              <a:rPr lang="is-IS" dirty="0"/>
-              <a:t>delete the least reliable</a:t>
+              <a:t>move replicas to those nodes</a:t>
+            </a:r>
+            <a:r>
+              <a:rPr lang="en-US" dirty="0" smtClean="0"/>
+              <a:t>, </a:t>
             </a:r>
             <a:r>
               <a:rPr lang="is-IS" dirty="0" smtClean="0"/>
@@ -30543,12 +30781,13 @@
             </a:br>
             <a:r>
               <a:rPr lang="en-US" dirty="0"/>
-              <a:t>move replicas to those nodes</a:t>
+              <a:t>move replicas to those </a:t>
             </a:r>
             <a:r>
               <a:rPr lang="en-US" dirty="0" smtClean="0"/>
-              <a:t>...”</a:t>
-            </a:r>
+              <a:t>nodes, ...”</a:t>
+            </a:r>
+            <a:endParaRPr lang="en-US" dirty="0" smtClean="0"/>
           </a:p>
           <a:p>
             <a:pPr marL="0" indent="0">
@@ -30761,7 +31000,15 @@
             </a:br>
             <a:r>
               <a:rPr lang="is-IS" dirty="0" smtClean="0"/>
-              <a:t>the requires reliability is still met ...”</a:t>
+              <a:t>the </a:t>
+            </a:r>
+            <a:r>
+              <a:rPr lang="is-IS" dirty="0" smtClean="0"/>
+              <a:t>required </a:t>
+            </a:r>
+            <a:r>
+              <a:rPr lang="is-IS" dirty="0" smtClean="0"/>
+              <a:t>reliability is still met ...”</a:t>
             </a:r>
           </a:p>
           <a:p>
@@ -30808,6 +31055,36 @@
           <a:xfrm>
             <a:off x="5885180" y="2122594"/>
             <a:ext cx="5270500" cy="3746500"/>
+          </a:xfrm>
+          <a:prstGeom prst="rect">
+            <a:avLst/>
+          </a:prstGeom>
+        </p:spPr>
+      </p:pic>
+      <p:pic>
+        <p:nvPicPr>
+          <p:cNvPr id="5" name="Picture 4"/>
+          <p:cNvPicPr>
+            <a:picLocks noChangeAspect="1"/>
+          </p:cNvPicPr>
+          <p:nvPr/>
+        </p:nvPicPr>
+        <p:blipFill>
+          <a:blip r:embed="rId4">
+            <a:extLst>
+              <a:ext uri="{28A0092B-C50C-407E-A947-70E740481C1C}">
+                <a14:useLocalDpi xmlns:a14="http://schemas.microsoft.com/office/drawing/2010/main" val="0"/>
+              </a:ext>
+            </a:extLst>
+          </a:blip>
+          <a:stretch>
+            <a:fillRect/>
+          </a:stretch>
+        </p:blipFill>
+        <p:spPr>
+          <a:xfrm>
+            <a:off x="1098348" y="2984905"/>
+            <a:ext cx="4806453" cy="1745018"/>
           </a:xfrm>
           <a:prstGeom prst="rect">
             <a:avLst/>
@@ -31237,7 +31514,15 @@
             </a:br>
             <a:r>
               <a:rPr lang="is-IS" dirty="0" smtClean="0"/>
-              <a:t>the requires reliability is still met ...”</a:t>
+              <a:t>the </a:t>
+            </a:r>
+            <a:r>
+              <a:rPr lang="is-IS" dirty="0" smtClean="0"/>
+              <a:t>required </a:t>
+            </a:r>
+            <a:r>
+              <a:rPr lang="is-IS" dirty="0" smtClean="0"/>
+              <a:t>reliability is still met ...”</a:t>
             </a:r>
           </a:p>
           <a:p>

--- a/presentation/presentation2.pptx
+++ b/presentation/presentation2.pptx
@@ -8976,6 +8976,227 @@
               <a:rPr lang="en-US" baseline="0" dirty="0" err="1" smtClean="0"/>
               <a:t>klara</a:t>
             </a:r>
+            <a:r>
+              <a:rPr lang="en-US" baseline="0" dirty="0" smtClean="0"/>
+              <a:t>.</a:t>
+            </a:r>
+          </a:p>
+          <a:p>
+            <a:endParaRPr lang="en-US" baseline="0" dirty="0" smtClean="0"/>
+          </a:p>
+          <a:p>
+            <a:r>
+              <a:rPr lang="en-US" baseline="0" dirty="0" smtClean="0"/>
+              <a:t>Om sedan node E </a:t>
+            </a:r>
+            <a:r>
+              <a:rPr lang="en-US" baseline="0" dirty="0" err="1" smtClean="0"/>
+              <a:t>skulle</a:t>
+            </a:r>
+            <a:r>
+              <a:rPr lang="en-US" baseline="0" dirty="0" smtClean="0"/>
+              <a:t> </a:t>
+            </a:r>
+            <a:r>
+              <a:rPr lang="en-US" baseline="0" dirty="0" err="1" smtClean="0"/>
+              <a:t>dö</a:t>
+            </a:r>
+            <a:r>
+              <a:rPr lang="en-US" baseline="0" dirty="0" smtClean="0"/>
+              <a:t>, </a:t>
+            </a:r>
+            <a:r>
+              <a:rPr lang="en-US" baseline="0" dirty="0" err="1" smtClean="0"/>
+              <a:t>så</a:t>
+            </a:r>
+            <a:r>
+              <a:rPr lang="en-US" baseline="0" dirty="0" smtClean="0"/>
+              <a:t> </a:t>
+            </a:r>
+            <a:r>
+              <a:rPr lang="en-US" baseline="0" dirty="0" err="1" smtClean="0"/>
+              <a:t>har</a:t>
+            </a:r>
+            <a:r>
+              <a:rPr lang="en-US" baseline="0" dirty="0" smtClean="0"/>
+              <a:t> vi </a:t>
+            </a:r>
+            <a:r>
+              <a:rPr lang="en-US" baseline="0" dirty="0" err="1" smtClean="0"/>
+              <a:t>bara</a:t>
+            </a:r>
+            <a:r>
+              <a:rPr lang="en-US" baseline="0" dirty="0" smtClean="0"/>
+              <a:t> en </a:t>
+            </a:r>
+            <a:r>
+              <a:rPr lang="en-US" baseline="0" dirty="0" err="1" smtClean="0"/>
+              <a:t>replika</a:t>
+            </a:r>
+            <a:r>
+              <a:rPr lang="en-US" baseline="0" dirty="0" smtClean="0"/>
+              <a:t> </a:t>
+            </a:r>
+            <a:r>
+              <a:rPr lang="en-US" baseline="0" dirty="0" err="1" smtClean="0"/>
+              <a:t>kvar</a:t>
+            </a:r>
+            <a:r>
+              <a:rPr lang="en-US" baseline="0" dirty="0" smtClean="0"/>
+              <a:t>, </a:t>
+            </a:r>
+            <a:r>
+              <a:rPr lang="en-US" baseline="0" dirty="0" err="1" smtClean="0"/>
+              <a:t>och</a:t>
+            </a:r>
+            <a:r>
+              <a:rPr lang="en-US" baseline="0" dirty="0" smtClean="0"/>
+              <a:t> vi </a:t>
+            </a:r>
+            <a:r>
+              <a:rPr lang="en-US" baseline="0" dirty="0" err="1" smtClean="0"/>
+              <a:t>uppnår</a:t>
+            </a:r>
+            <a:r>
+              <a:rPr lang="en-US" baseline="0" dirty="0" smtClean="0"/>
+              <a:t> </a:t>
+            </a:r>
+            <a:r>
+              <a:rPr lang="en-US" baseline="0" dirty="0" err="1" smtClean="0"/>
+              <a:t>inte</a:t>
+            </a:r>
+            <a:r>
+              <a:rPr lang="en-US" baseline="0" dirty="0" smtClean="0"/>
+              <a:t> </a:t>
+            </a:r>
+            <a:r>
+              <a:rPr lang="en-US" baseline="0" dirty="0" err="1" smtClean="0"/>
+              <a:t>längre</a:t>
+            </a:r>
+            <a:r>
+              <a:rPr lang="en-US" baseline="0" dirty="0" smtClean="0"/>
+              <a:t> den </a:t>
+            </a:r>
+            <a:r>
+              <a:rPr lang="en-US" baseline="0" dirty="0" err="1" smtClean="0"/>
+              <a:t>önskade</a:t>
+            </a:r>
+            <a:r>
+              <a:rPr lang="en-US" baseline="0" dirty="0" smtClean="0"/>
+              <a:t> </a:t>
+            </a:r>
+            <a:r>
+              <a:rPr lang="en-US" baseline="0" dirty="0" err="1" smtClean="0"/>
+              <a:t>nivån</a:t>
+            </a:r>
+            <a:r>
+              <a:rPr lang="en-US" baseline="0" dirty="0" smtClean="0"/>
+              <a:t>, </a:t>
+            </a:r>
+            <a:r>
+              <a:rPr lang="en-US" baseline="0" dirty="0" err="1" smtClean="0"/>
+              <a:t>varför</a:t>
+            </a:r>
+            <a:r>
+              <a:rPr lang="en-US" baseline="0" dirty="0" smtClean="0"/>
+              <a:t> </a:t>
+            </a:r>
+            <a:r>
+              <a:rPr lang="en-US" baseline="0" dirty="0" err="1" smtClean="0"/>
+              <a:t>nya</a:t>
+            </a:r>
+            <a:r>
+              <a:rPr lang="en-US" baseline="0" dirty="0" smtClean="0"/>
+              <a:t> </a:t>
+            </a:r>
+            <a:r>
+              <a:rPr lang="en-US" baseline="0" dirty="0" err="1" smtClean="0"/>
+              <a:t>replikor</a:t>
+            </a:r>
+            <a:r>
+              <a:rPr lang="en-US" baseline="0" dirty="0" smtClean="0"/>
+              <a:t> </a:t>
+            </a:r>
+            <a:r>
+              <a:rPr lang="en-US" baseline="0" dirty="0" err="1" smtClean="0"/>
+              <a:t>måste</a:t>
+            </a:r>
+            <a:r>
+              <a:rPr lang="en-US" baseline="0" dirty="0" smtClean="0"/>
+              <a:t> </a:t>
+            </a:r>
+            <a:r>
+              <a:rPr lang="en-US" baseline="0" dirty="0" err="1" smtClean="0"/>
+              <a:t>skapas</a:t>
+            </a:r>
+            <a:r>
+              <a:rPr lang="en-US" baseline="0" dirty="0" smtClean="0"/>
+              <a:t>. </a:t>
+            </a:r>
+            <a:r>
+              <a:rPr lang="en-US" baseline="0" dirty="0" err="1" smtClean="0"/>
+              <a:t>Detta</a:t>
+            </a:r>
+            <a:r>
+              <a:rPr lang="en-US" baseline="0" dirty="0" smtClean="0"/>
+              <a:t> </a:t>
+            </a:r>
+            <a:r>
+              <a:rPr lang="en-US" baseline="0" dirty="0" err="1" smtClean="0"/>
+              <a:t>bygger</a:t>
+            </a:r>
+            <a:r>
+              <a:rPr lang="en-US" baseline="0" dirty="0" smtClean="0"/>
+              <a:t> </a:t>
+            </a:r>
+            <a:r>
+              <a:rPr lang="en-US" baseline="0" dirty="0" err="1" smtClean="0"/>
+              <a:t>alltså</a:t>
+            </a:r>
+            <a:r>
+              <a:rPr lang="en-US" baseline="0" dirty="0" smtClean="0"/>
+              <a:t> </a:t>
+            </a:r>
+            <a:r>
+              <a:rPr lang="en-US" baseline="0" dirty="0" err="1" smtClean="0"/>
+              <a:t>på</a:t>
+            </a:r>
+            <a:r>
+              <a:rPr lang="en-US" baseline="0" dirty="0" smtClean="0"/>
+              <a:t> </a:t>
+            </a:r>
+            <a:r>
+              <a:rPr lang="en-US" baseline="0" dirty="0" err="1" smtClean="0"/>
+              <a:t>att</a:t>
+            </a:r>
+            <a:r>
+              <a:rPr lang="en-US" baseline="0" dirty="0" smtClean="0"/>
+              <a:t> vi </a:t>
+            </a:r>
+            <a:r>
+              <a:rPr lang="en-US" baseline="0" dirty="0" err="1" smtClean="0"/>
+              <a:t>kan</a:t>
+            </a:r>
+            <a:r>
+              <a:rPr lang="en-US" baseline="0" dirty="0" smtClean="0"/>
+              <a:t> </a:t>
+            </a:r>
+            <a:r>
+              <a:rPr lang="en-US" baseline="0" dirty="0" err="1" smtClean="0"/>
+              <a:t>detektera</a:t>
+            </a:r>
+            <a:r>
+              <a:rPr lang="en-US" baseline="0" dirty="0" smtClean="0"/>
+              <a:t> </a:t>
+            </a:r>
+            <a:r>
+              <a:rPr lang="en-US" baseline="0" dirty="0" err="1" smtClean="0"/>
+              <a:t>fel</a:t>
+            </a:r>
+            <a:r>
+              <a:rPr lang="en-US" baseline="0" dirty="0" smtClean="0"/>
+              <a:t>. </a:t>
+            </a:r>
             <a:endParaRPr lang="en-US" dirty="0"/>
           </a:p>
         </p:txBody>
@@ -9061,40 +9282,150 @@
           <a:lstStyle/>
           <a:p>
             <a:r>
-              <a:rPr lang="en-US" dirty="0" err="1" smtClean="0"/>
-              <a:t>Vår</a:t>
-            </a:r>
-            <a:r>
-              <a:rPr lang="en-US" baseline="0" dirty="0" smtClean="0"/>
-              <a:t> </a:t>
-            </a:r>
-            <a:r>
-              <a:rPr lang="en-US" baseline="0" dirty="0" err="1" smtClean="0"/>
-              <a:t>tillförlitlighetsmodell</a:t>
-            </a:r>
-            <a:r>
-              <a:rPr lang="en-US" baseline="0" dirty="0" smtClean="0"/>
-              <a:t> </a:t>
-            </a:r>
-            <a:r>
-              <a:rPr lang="en-US" baseline="0" dirty="0" err="1" smtClean="0"/>
-              <a:t>bygger</a:t>
-            </a:r>
-            <a:r>
-              <a:rPr lang="en-US" baseline="0" dirty="0" smtClean="0"/>
-              <a:t> </a:t>
-            </a:r>
-            <a:r>
-              <a:rPr lang="en-US" baseline="0" dirty="0" err="1" smtClean="0"/>
-              <a:t>som</a:t>
-            </a:r>
-            <a:r>
-              <a:rPr lang="en-US" baseline="0" dirty="0" smtClean="0"/>
-              <a:t> </a:t>
-            </a:r>
-            <a:r>
-              <a:rPr lang="en-US" baseline="0" dirty="0" err="1" smtClean="0"/>
-              <a:t>sagt</a:t>
+              <a:rPr lang="is-IS" dirty="0" smtClean="0"/>
+              <a:t>… och för</a:t>
+            </a:r>
+            <a:r>
+              <a:rPr lang="is-IS" baseline="0" dirty="0" smtClean="0"/>
+              <a:t> att upptäcka fel använder vi oss av ett heartbeat system, där noder periodiskt skickar UDP meddelande, så kallade heartbeats, till varandra f</a:t>
+            </a:r>
+            <a:r>
+              <a:rPr lang="en-US" baseline="0" dirty="0" err="1" smtClean="0"/>
+              <a:t>ör</a:t>
+            </a:r>
+            <a:r>
+              <a:rPr lang="en-US" baseline="0" dirty="0" smtClean="0"/>
+              <a:t> </a:t>
+            </a:r>
+            <a:r>
+              <a:rPr lang="en-US" baseline="0" dirty="0" err="1" smtClean="0"/>
+              <a:t>att</a:t>
+            </a:r>
+            <a:r>
+              <a:rPr lang="en-US" baseline="0" dirty="0" smtClean="0"/>
+              <a:t> </a:t>
+            </a:r>
+            <a:r>
+              <a:rPr lang="en-US" baseline="0" dirty="0" err="1" smtClean="0"/>
+              <a:t>indikera</a:t>
+            </a:r>
+            <a:r>
+              <a:rPr lang="en-US" baseline="0" dirty="0" smtClean="0"/>
+              <a:t> </a:t>
+            </a:r>
+            <a:r>
+              <a:rPr lang="en-US" baseline="0" dirty="0" err="1" smtClean="0"/>
+              <a:t>att</a:t>
+            </a:r>
+            <a:r>
+              <a:rPr lang="en-US" baseline="0" dirty="0" smtClean="0"/>
+              <a:t> de </a:t>
+            </a:r>
+            <a:r>
+              <a:rPr lang="en-US" baseline="0" dirty="0" err="1" smtClean="0"/>
+              <a:t>fortfarande</a:t>
+            </a:r>
+            <a:r>
+              <a:rPr lang="en-US" baseline="0" dirty="0" smtClean="0"/>
+              <a:t> </a:t>
+            </a:r>
+            <a:r>
+              <a:rPr lang="en-US" baseline="0" dirty="0" err="1" smtClean="0"/>
+              <a:t>är</a:t>
+            </a:r>
+            <a:r>
+              <a:rPr lang="en-US" baseline="0" dirty="0" smtClean="0"/>
+              <a:t> </a:t>
+            </a:r>
+            <a:r>
+              <a:rPr lang="en-US" baseline="0" dirty="0" err="1" smtClean="0"/>
+              <a:t>operativa</a:t>
+            </a:r>
+            <a:r>
+              <a:rPr lang="en-US" baseline="0" dirty="0" smtClean="0"/>
+              <a:t>.</a:t>
+            </a:r>
+            <a:endParaRPr lang="is-IS" baseline="0" dirty="0" smtClean="0"/>
+          </a:p>
+          <a:p>
+            <a:endParaRPr lang="is-IS" baseline="0" dirty="0" smtClean="0"/>
+          </a:p>
+          <a:p>
+            <a:r>
+              <a:rPr lang="is-IS" baseline="0" dirty="0" smtClean="0"/>
+              <a:t>Om inget heartbeat mottas från en nod under en viss tid, så antas den vara död. Och dör en nod med en replika så kanske vi inte längre uppnår den önskade tillförlitlighetsnivån. [BYT SLIDE]</a:t>
+            </a:r>
+          </a:p>
+          <a:p>
+            <a:endParaRPr lang="en-US" baseline="0" dirty="0" smtClean="0"/>
+          </a:p>
+          <a:p>
+            <a:endParaRPr lang="en-US" baseline="0" dirty="0" smtClean="0"/>
+          </a:p>
+          <a:p>
+            <a:r>
+              <a:rPr lang="en-US" baseline="0" dirty="0" smtClean="0"/>
+              <a:t>I </a:t>
+            </a:r>
+            <a:r>
+              <a:rPr lang="en-US" baseline="0" dirty="0" err="1" smtClean="0"/>
+              <a:t>vår</a:t>
+            </a:r>
+            <a:r>
+              <a:rPr lang="en-US" baseline="0" dirty="0" smtClean="0"/>
+              <a:t> </a:t>
+            </a:r>
+            <a:r>
+              <a:rPr lang="en-US" baseline="0" dirty="0" err="1" smtClean="0"/>
+              <a:t>modell</a:t>
+            </a:r>
+            <a:r>
+              <a:rPr lang="en-US" baseline="0" dirty="0" smtClean="0"/>
+              <a:t> </a:t>
+            </a:r>
+            <a:r>
+              <a:rPr lang="en-US" baseline="0" dirty="0" err="1" smtClean="0"/>
+              <a:t>skickar</a:t>
+            </a:r>
+            <a:r>
+              <a:rPr lang="en-US" baseline="0" dirty="0" smtClean="0"/>
+              <a:t> vi heartbeats </a:t>
+            </a:r>
+            <a:r>
+              <a:rPr lang="en-US" baseline="0" dirty="0" err="1" smtClean="0"/>
+              <a:t>var</a:t>
+            </a:r>
+            <a:r>
+              <a:rPr lang="en-US" baseline="0" dirty="0" smtClean="0"/>
+              <a:t> 200 </a:t>
+            </a:r>
+            <a:r>
+              <a:rPr lang="en-US" baseline="0" dirty="0" err="1" smtClean="0"/>
+              <a:t>ms</a:t>
+            </a:r>
+            <a:r>
+              <a:rPr lang="en-US" baseline="0" dirty="0" smtClean="0"/>
+              <a:t> </a:t>
+            </a:r>
+            <a:r>
+              <a:rPr lang="en-US" baseline="0" dirty="0" err="1" smtClean="0"/>
+              <a:t>och</a:t>
+            </a:r>
+            <a:r>
+              <a:rPr lang="en-US" baseline="0" dirty="0" smtClean="0"/>
+              <a:t> </a:t>
+            </a:r>
+            <a:r>
+              <a:rPr lang="en-US" baseline="0" dirty="0" err="1" smtClean="0"/>
+              <a:t>timeouten</a:t>
+            </a:r>
+            <a:r>
+              <a:rPr lang="en-US" baseline="0" dirty="0" smtClean="0"/>
+              <a:t> </a:t>
+            </a:r>
+            <a:r>
+              <a:rPr lang="en-US" baseline="0" dirty="0" err="1" smtClean="0"/>
+              <a:t>sattes</a:t>
             </a:r>
             <a:r>
               <a:rPr lang="en-US" baseline="0" dirty="0" smtClean="0"/>
@@ -9106,635 +9437,25 @@
             </a:r>
             <a:r>
               <a:rPr lang="en-US" baseline="0" dirty="0" smtClean="0"/>
-              <a:t> mean-time-between-failures, </a:t>
-            </a:r>
-            <a:r>
-              <a:rPr lang="en-US" baseline="0" dirty="0" err="1" smtClean="0"/>
-              <a:t>algoritmen</a:t>
-            </a:r>
-            <a:r>
-              <a:rPr lang="en-US" baseline="0" dirty="0" smtClean="0"/>
-              <a:t> </a:t>
-            </a:r>
-            <a:r>
-              <a:rPr lang="en-US" baseline="0" dirty="0" err="1" smtClean="0"/>
-              <a:t>som</a:t>
-            </a:r>
-            <a:r>
-              <a:rPr lang="en-US" baseline="0" dirty="0" smtClean="0"/>
-              <a:t> </a:t>
-            </a:r>
-            <a:r>
-              <a:rPr lang="en-US" baseline="0" dirty="0" err="1" smtClean="0"/>
-              <a:t>ser</a:t>
-            </a:r>
-            <a:r>
-              <a:rPr lang="en-US" baseline="0" dirty="0" smtClean="0"/>
-              <a:t> till </a:t>
-            </a:r>
-            <a:r>
-              <a:rPr lang="en-US" baseline="0" dirty="0" err="1" smtClean="0"/>
-              <a:t>att</a:t>
-            </a:r>
-            <a:r>
-              <a:rPr lang="en-US" baseline="0" dirty="0" smtClean="0"/>
-              <a:t> </a:t>
-            </a:r>
-            <a:r>
-              <a:rPr lang="en-US" baseline="0" dirty="0" err="1" smtClean="0"/>
-              <a:t>tillförlitligheten</a:t>
-            </a:r>
-            <a:r>
-              <a:rPr lang="en-US" baseline="0" dirty="0" smtClean="0"/>
-              <a:t> </a:t>
-            </a:r>
-            <a:r>
-              <a:rPr lang="en-US" baseline="0" dirty="0" err="1" smtClean="0"/>
-              <a:t>är</a:t>
-            </a:r>
-            <a:r>
-              <a:rPr lang="en-US" baseline="0" dirty="0" smtClean="0"/>
-              <a:t> </a:t>
-            </a:r>
-            <a:r>
-              <a:rPr lang="en-US" baseline="0" dirty="0" err="1" smtClean="0"/>
-              <a:t>nådd</a:t>
-            </a:r>
-            <a:r>
-              <a:rPr lang="en-US" baseline="0" dirty="0" smtClean="0"/>
-              <a:t> </a:t>
-            </a:r>
-            <a:r>
-              <a:rPr lang="en-US" baseline="0" dirty="0" err="1" smtClean="0"/>
-              <a:t>måste</a:t>
-            </a:r>
-            <a:r>
-              <a:rPr lang="en-US" baseline="0" dirty="0" smtClean="0"/>
-              <a:t> </a:t>
-            </a:r>
-            <a:r>
-              <a:rPr lang="en-US" baseline="0" dirty="0" err="1" smtClean="0"/>
-              <a:t>köras</a:t>
-            </a:r>
-            <a:r>
-              <a:rPr lang="en-US" baseline="0" dirty="0" smtClean="0"/>
-              <a:t> </a:t>
-            </a:r>
-            <a:r>
-              <a:rPr lang="en-US" baseline="0" dirty="0" err="1" smtClean="0"/>
-              <a:t>när</a:t>
-            </a:r>
-            <a:r>
-              <a:rPr lang="en-US" baseline="0" dirty="0" smtClean="0"/>
-              <a:t> en nod </a:t>
-            </a:r>
-            <a:r>
-              <a:rPr lang="en-US" baseline="0" dirty="0" err="1" smtClean="0"/>
-              <a:t>dör</a:t>
-            </a:r>
-            <a:r>
-              <a:rPr lang="en-US" baseline="0" dirty="0" smtClean="0"/>
-              <a:t> </a:t>
-            </a:r>
-            <a:r>
-              <a:rPr lang="en-US" baseline="0" dirty="0" err="1" smtClean="0"/>
-              <a:t>då</a:t>
-            </a:r>
-            <a:r>
-              <a:rPr lang="en-US" baseline="0" dirty="0" smtClean="0"/>
-              <a:t> den </a:t>
-            </a:r>
-            <a:r>
-              <a:rPr lang="en-US" baseline="0" dirty="0" err="1" smtClean="0"/>
-              <a:t>önskade</a:t>
-            </a:r>
-            <a:r>
-              <a:rPr lang="en-US" baseline="0" dirty="0" smtClean="0"/>
-              <a:t> </a:t>
-            </a:r>
-            <a:r>
-              <a:rPr lang="en-US" baseline="0" dirty="0" err="1" smtClean="0"/>
-              <a:t>nivån</a:t>
-            </a:r>
-            <a:r>
-              <a:rPr lang="en-US" baseline="0" dirty="0" smtClean="0"/>
-              <a:t> </a:t>
-            </a:r>
-            <a:r>
-              <a:rPr lang="en-US" baseline="0" dirty="0" err="1" smtClean="0"/>
-              <a:t>kanske</a:t>
-            </a:r>
-            <a:r>
-              <a:rPr lang="en-US" baseline="0" dirty="0" smtClean="0"/>
-              <a:t> </a:t>
-            </a:r>
-            <a:r>
-              <a:rPr lang="en-US" baseline="0" dirty="0" err="1" smtClean="0"/>
-              <a:t>inte</a:t>
-            </a:r>
-            <a:r>
-              <a:rPr lang="en-US" baseline="0" dirty="0" smtClean="0"/>
-              <a:t> </a:t>
-            </a:r>
-            <a:r>
-              <a:rPr lang="en-US" baseline="0" dirty="0" err="1" smtClean="0"/>
-              <a:t>längre</a:t>
-            </a:r>
-            <a:r>
-              <a:rPr lang="en-US" baseline="0" dirty="0" smtClean="0"/>
-              <a:t> </a:t>
-            </a:r>
-            <a:r>
-              <a:rPr lang="en-US" baseline="0" dirty="0" err="1" smtClean="0"/>
-              <a:t>är</a:t>
-            </a:r>
-            <a:r>
-              <a:rPr lang="en-US" baseline="0" dirty="0" smtClean="0"/>
-              <a:t> </a:t>
-            </a:r>
-            <a:r>
-              <a:rPr lang="en-US" baseline="0" dirty="0" err="1" smtClean="0"/>
-              <a:t>nådd</a:t>
-            </a:r>
-            <a:r>
-              <a:rPr lang="en-US" baseline="0" dirty="0" smtClean="0"/>
+              <a:t> 500 </a:t>
+            </a:r>
+            <a:r>
+              <a:rPr lang="en-US" baseline="0" dirty="0" err="1" smtClean="0"/>
+              <a:t>ms</a:t>
+            </a:r>
+            <a:r>
+              <a:rPr lang="en-US" baseline="0" dirty="0" err="1" smtClean="0"/>
               <a:t>.</a:t>
             </a:r>
+            <a:r>
+              <a:rPr lang="en-US" baseline="0" dirty="0" smtClean="0"/>
+              <a:t> – TA BORT?</a:t>
+            </a:r>
           </a:p>
           <a:p>
             <a:endParaRPr lang="en-US" baseline="0" dirty="0" smtClean="0"/>
           </a:p>
           <a:p>
-            <a:r>
-              <a:rPr lang="en-US" baseline="0" dirty="0" err="1" smtClean="0"/>
-              <a:t>Det</a:t>
-            </a:r>
-            <a:r>
-              <a:rPr lang="en-US" baseline="0" dirty="0" smtClean="0"/>
-              <a:t> </a:t>
-            </a:r>
-            <a:r>
-              <a:rPr lang="en-US" baseline="0" dirty="0" err="1" smtClean="0"/>
-              <a:t>bygger</a:t>
-            </a:r>
-            <a:r>
-              <a:rPr lang="en-US" baseline="0" dirty="0" smtClean="0"/>
-              <a:t> </a:t>
-            </a:r>
-            <a:r>
-              <a:rPr lang="en-US" baseline="0" dirty="0" err="1" smtClean="0"/>
-              <a:t>alltså</a:t>
-            </a:r>
-            <a:r>
-              <a:rPr lang="en-US" baseline="0" dirty="0" smtClean="0"/>
-              <a:t> </a:t>
-            </a:r>
-            <a:r>
-              <a:rPr lang="en-US" baseline="0" dirty="0" err="1" smtClean="0"/>
-              <a:t>på</a:t>
-            </a:r>
-            <a:r>
-              <a:rPr lang="en-US" baseline="0" dirty="0" smtClean="0"/>
-              <a:t> </a:t>
-            </a:r>
-            <a:r>
-              <a:rPr lang="en-US" baseline="0" dirty="0" err="1" smtClean="0"/>
-              <a:t>att</a:t>
-            </a:r>
-            <a:r>
-              <a:rPr lang="en-US" baseline="0" dirty="0" smtClean="0"/>
-              <a:t> vi </a:t>
-            </a:r>
-            <a:r>
-              <a:rPr lang="en-US" baseline="0" dirty="0" err="1" smtClean="0"/>
-              <a:t>kan</a:t>
-            </a:r>
-            <a:r>
-              <a:rPr lang="en-US" baseline="0" dirty="0" smtClean="0"/>
-              <a:t> </a:t>
-            </a:r>
-            <a:r>
-              <a:rPr lang="en-US" baseline="0" dirty="0" err="1" smtClean="0"/>
-              <a:t>detektera</a:t>
-            </a:r>
-            <a:r>
-              <a:rPr lang="en-US" baseline="0" dirty="0" smtClean="0"/>
-              <a:t> </a:t>
-            </a:r>
-            <a:r>
-              <a:rPr lang="en-US" baseline="0" dirty="0" err="1" smtClean="0"/>
-              <a:t>fel</a:t>
-            </a:r>
-            <a:r>
-              <a:rPr lang="en-US" baseline="0" dirty="0" smtClean="0"/>
-              <a:t>, </a:t>
-            </a:r>
-            <a:r>
-              <a:rPr lang="en-US" baseline="0" dirty="0" err="1" smtClean="0"/>
-              <a:t>och</a:t>
-            </a:r>
-            <a:r>
-              <a:rPr lang="en-US" baseline="0" dirty="0" smtClean="0"/>
-              <a:t> </a:t>
-            </a:r>
-            <a:r>
-              <a:rPr lang="en-US" baseline="0" dirty="0" err="1" smtClean="0"/>
-              <a:t>det</a:t>
-            </a:r>
-            <a:r>
-              <a:rPr lang="en-US" baseline="0" dirty="0" smtClean="0"/>
-              <a:t> </a:t>
-            </a:r>
-            <a:r>
-              <a:rPr lang="en-US" baseline="0" dirty="0" err="1" smtClean="0"/>
-              <a:t>görs</a:t>
-            </a:r>
-            <a:r>
-              <a:rPr lang="en-US" baseline="0" dirty="0" smtClean="0"/>
-              <a:t> </a:t>
-            </a:r>
-            <a:r>
-              <a:rPr lang="en-US" baseline="0" dirty="0" err="1" smtClean="0"/>
-              <a:t>genom</a:t>
-            </a:r>
-            <a:r>
-              <a:rPr lang="en-US" baseline="0" dirty="0" smtClean="0"/>
-              <a:t> </a:t>
-            </a:r>
-            <a:r>
-              <a:rPr lang="en-US" baseline="0" dirty="0" err="1" smtClean="0"/>
-              <a:t>ett</a:t>
-            </a:r>
-            <a:r>
-              <a:rPr lang="en-US" baseline="0" dirty="0" smtClean="0"/>
-              <a:t> heartbeat system, </a:t>
-            </a:r>
-            <a:r>
-              <a:rPr lang="en-US" baseline="0" dirty="0" err="1" smtClean="0"/>
-              <a:t>där</a:t>
-            </a:r>
-            <a:r>
-              <a:rPr lang="en-US" baseline="0" dirty="0" smtClean="0"/>
-              <a:t> </a:t>
-            </a:r>
-            <a:r>
-              <a:rPr lang="en-US" baseline="0" dirty="0" err="1" smtClean="0"/>
-              <a:t>noder</a:t>
-            </a:r>
-            <a:r>
-              <a:rPr lang="en-US" baseline="0" dirty="0" smtClean="0"/>
-              <a:t> </a:t>
-            </a:r>
-            <a:r>
-              <a:rPr lang="en-US" baseline="0" dirty="0" err="1" smtClean="0"/>
-              <a:t>periodiskt</a:t>
-            </a:r>
-            <a:r>
-              <a:rPr lang="en-US" baseline="0" dirty="0" smtClean="0"/>
-              <a:t> </a:t>
-            </a:r>
-            <a:r>
-              <a:rPr lang="en-US" baseline="0" dirty="0" err="1" smtClean="0"/>
-              <a:t>skickar</a:t>
-            </a:r>
-            <a:r>
-              <a:rPr lang="en-US" baseline="0" dirty="0" smtClean="0"/>
-              <a:t> UDP </a:t>
-            </a:r>
-            <a:r>
-              <a:rPr lang="en-US" baseline="0" dirty="0" err="1" smtClean="0"/>
-              <a:t>meddelanden</a:t>
-            </a:r>
-            <a:r>
-              <a:rPr lang="en-US" baseline="0" dirty="0" smtClean="0"/>
-              <a:t>, heartbeats, till </a:t>
-            </a:r>
-            <a:r>
-              <a:rPr lang="en-US" baseline="0" dirty="0" err="1" smtClean="0"/>
-              <a:t>varandra</a:t>
-            </a:r>
-            <a:r>
-              <a:rPr lang="en-US" baseline="0" dirty="0" smtClean="0"/>
-              <a:t>, </a:t>
-            </a:r>
-            <a:r>
-              <a:rPr lang="en-US" baseline="0" dirty="0" err="1" smtClean="0"/>
-              <a:t>för</a:t>
-            </a:r>
-            <a:r>
-              <a:rPr lang="en-US" baseline="0" dirty="0" smtClean="0"/>
-              <a:t> </a:t>
-            </a:r>
-            <a:r>
-              <a:rPr lang="en-US" baseline="0" dirty="0" err="1" smtClean="0"/>
-              <a:t>att</a:t>
-            </a:r>
-            <a:r>
-              <a:rPr lang="en-US" baseline="0" dirty="0" smtClean="0"/>
-              <a:t> </a:t>
-            </a:r>
-            <a:r>
-              <a:rPr lang="en-US" baseline="0" dirty="0" err="1" smtClean="0"/>
-              <a:t>indikera</a:t>
-            </a:r>
-            <a:r>
-              <a:rPr lang="en-US" baseline="0" dirty="0" smtClean="0"/>
-              <a:t> </a:t>
-            </a:r>
-            <a:r>
-              <a:rPr lang="en-US" baseline="0" dirty="0" err="1" smtClean="0"/>
-              <a:t>att</a:t>
-            </a:r>
-            <a:r>
-              <a:rPr lang="en-US" baseline="0" dirty="0" smtClean="0"/>
-              <a:t> de </a:t>
-            </a:r>
-            <a:r>
-              <a:rPr lang="en-US" baseline="0" dirty="0" err="1" smtClean="0"/>
-              <a:t>fortfarande</a:t>
-            </a:r>
-            <a:r>
-              <a:rPr lang="en-US" baseline="0" dirty="0" smtClean="0"/>
-              <a:t> </a:t>
-            </a:r>
-            <a:r>
-              <a:rPr lang="en-US" baseline="0" dirty="0" err="1" smtClean="0"/>
-              <a:t>är</a:t>
-            </a:r>
-            <a:r>
-              <a:rPr lang="en-US" baseline="0" dirty="0" smtClean="0"/>
-              <a:t> </a:t>
-            </a:r>
-            <a:r>
-              <a:rPr lang="en-US" baseline="0" dirty="0" err="1" smtClean="0"/>
-              <a:t>operativa</a:t>
-            </a:r>
-            <a:r>
-              <a:rPr lang="en-US" baseline="0" dirty="0" smtClean="0"/>
-              <a:t>. </a:t>
-            </a:r>
-          </a:p>
-          <a:p>
-            <a:endParaRPr lang="en-US" baseline="0" dirty="0" smtClean="0"/>
-          </a:p>
-          <a:p>
-            <a:r>
-              <a:rPr lang="en-US" baseline="0" dirty="0" smtClean="0"/>
-              <a:t>Om </a:t>
-            </a:r>
-            <a:r>
-              <a:rPr lang="en-US" baseline="0" dirty="0" err="1" smtClean="0"/>
-              <a:t>inget</a:t>
-            </a:r>
-            <a:r>
-              <a:rPr lang="en-US" baseline="0" dirty="0" smtClean="0"/>
-              <a:t> heartbeat </a:t>
-            </a:r>
-            <a:r>
-              <a:rPr lang="en-US" baseline="0" dirty="0" err="1" smtClean="0"/>
-              <a:t>mottas</a:t>
-            </a:r>
-            <a:r>
-              <a:rPr lang="en-US" baseline="0" dirty="0" smtClean="0"/>
-              <a:t> </a:t>
-            </a:r>
-            <a:r>
-              <a:rPr lang="en-US" baseline="0" dirty="0" err="1" smtClean="0"/>
-              <a:t>från</a:t>
-            </a:r>
-            <a:r>
-              <a:rPr lang="en-US" baseline="0" dirty="0" smtClean="0"/>
-              <a:t> en nod </a:t>
-            </a:r>
-            <a:r>
-              <a:rPr lang="en-US" baseline="0" dirty="0" err="1" smtClean="0"/>
-              <a:t>inom</a:t>
-            </a:r>
-            <a:r>
-              <a:rPr lang="en-US" baseline="0" dirty="0" smtClean="0"/>
-              <a:t> </a:t>
-            </a:r>
-            <a:r>
-              <a:rPr lang="en-US" baseline="0" dirty="0" err="1" smtClean="0"/>
-              <a:t>en</a:t>
-            </a:r>
-            <a:r>
-              <a:rPr lang="en-US" baseline="0" dirty="0" smtClean="0"/>
-              <a:t> timeout, </a:t>
-            </a:r>
-            <a:r>
-              <a:rPr lang="en-US" baseline="0" dirty="0" err="1" smtClean="0"/>
-              <a:t>så</a:t>
-            </a:r>
-            <a:r>
-              <a:rPr lang="en-US" baseline="0" dirty="0" smtClean="0"/>
-              <a:t> </a:t>
-            </a:r>
-            <a:r>
-              <a:rPr lang="en-US" baseline="0" dirty="0" err="1" smtClean="0"/>
-              <a:t>antas</a:t>
-            </a:r>
-            <a:r>
-              <a:rPr lang="en-US" baseline="0" dirty="0" smtClean="0"/>
-              <a:t> den </a:t>
-            </a:r>
-            <a:r>
-              <a:rPr lang="en-US" baseline="0" dirty="0" err="1" smtClean="0"/>
-              <a:t>vara</a:t>
-            </a:r>
-            <a:r>
-              <a:rPr lang="en-US" baseline="0" dirty="0" smtClean="0"/>
-              <a:t> </a:t>
-            </a:r>
-            <a:r>
-              <a:rPr lang="en-US" baseline="0" dirty="0" err="1" smtClean="0"/>
-              <a:t>död</a:t>
-            </a:r>
-            <a:r>
-              <a:rPr lang="en-US" baseline="0" dirty="0" smtClean="0"/>
-              <a:t>, </a:t>
-            </a:r>
-            <a:r>
-              <a:rPr lang="en-US" baseline="0" dirty="0" err="1" smtClean="0"/>
-              <a:t>och</a:t>
-            </a:r>
-            <a:r>
-              <a:rPr lang="en-US" baseline="0" dirty="0" smtClean="0"/>
-              <a:t> </a:t>
-            </a:r>
-            <a:r>
-              <a:rPr lang="en-US" baseline="0" dirty="0" err="1" smtClean="0"/>
-              <a:t>algoritmen</a:t>
-            </a:r>
-            <a:r>
-              <a:rPr lang="en-US" baseline="0" dirty="0" smtClean="0"/>
-              <a:t> </a:t>
-            </a:r>
-            <a:r>
-              <a:rPr lang="en-US" baseline="0" dirty="0" err="1" smtClean="0"/>
-              <a:t>kan</a:t>
-            </a:r>
-            <a:r>
-              <a:rPr lang="en-US" baseline="0" dirty="0" smtClean="0"/>
-              <a:t> </a:t>
-            </a:r>
-            <a:r>
-              <a:rPr lang="en-US" baseline="0" dirty="0" err="1" smtClean="0"/>
-              <a:t>köras</a:t>
-            </a:r>
-            <a:r>
-              <a:rPr lang="en-US" baseline="0" dirty="0" smtClean="0"/>
-              <a:t> </a:t>
-            </a:r>
-            <a:r>
-              <a:rPr lang="en-US" baseline="0" dirty="0" err="1" smtClean="0"/>
-              <a:t>för</a:t>
-            </a:r>
-            <a:r>
-              <a:rPr lang="en-US" baseline="0" dirty="0" smtClean="0"/>
-              <a:t> </a:t>
-            </a:r>
-            <a:r>
-              <a:rPr lang="en-US" baseline="0" dirty="0" err="1" smtClean="0"/>
-              <a:t>att</a:t>
-            </a:r>
-            <a:r>
-              <a:rPr lang="en-US" baseline="0" dirty="0" smtClean="0"/>
-              <a:t> </a:t>
-            </a:r>
-            <a:r>
-              <a:rPr lang="en-US" baseline="0" dirty="0" err="1" smtClean="0"/>
-              <a:t>säkerställa</a:t>
-            </a:r>
-            <a:r>
-              <a:rPr lang="en-US" baseline="0" dirty="0" smtClean="0"/>
-              <a:t> </a:t>
-            </a:r>
-            <a:r>
-              <a:rPr lang="en-US" baseline="0" dirty="0" err="1" smtClean="0"/>
-              <a:t>att</a:t>
-            </a:r>
-            <a:r>
-              <a:rPr lang="en-US" baseline="0" dirty="0" smtClean="0"/>
-              <a:t> den </a:t>
-            </a:r>
-            <a:r>
-              <a:rPr lang="en-US" baseline="0" dirty="0" err="1" smtClean="0"/>
-              <a:t>önskade</a:t>
-            </a:r>
-            <a:r>
-              <a:rPr lang="en-US" baseline="0" dirty="0" smtClean="0"/>
-              <a:t> </a:t>
-            </a:r>
-            <a:r>
-              <a:rPr lang="en-US" baseline="0" dirty="0" err="1" smtClean="0"/>
-              <a:t>nivån</a:t>
-            </a:r>
-            <a:r>
-              <a:rPr lang="en-US" baseline="0" dirty="0" smtClean="0"/>
-              <a:t> </a:t>
-            </a:r>
-            <a:r>
-              <a:rPr lang="en-US" baseline="0" dirty="0" err="1" smtClean="0"/>
-              <a:t>fortfarande</a:t>
-            </a:r>
-            <a:r>
-              <a:rPr lang="en-US" baseline="0" dirty="0" smtClean="0"/>
-              <a:t> </a:t>
-            </a:r>
-            <a:r>
-              <a:rPr lang="en-US" baseline="0" dirty="0" err="1" smtClean="0"/>
-              <a:t>uppnås</a:t>
-            </a:r>
-            <a:r>
-              <a:rPr lang="en-US" baseline="0" dirty="0" smtClean="0"/>
-              <a:t>.</a:t>
-            </a:r>
-          </a:p>
-          <a:p>
-            <a:endParaRPr lang="en-US" baseline="0" dirty="0" smtClean="0"/>
-          </a:p>
-          <a:p>
-            <a:r>
-              <a:rPr lang="en-US" baseline="0" dirty="0" smtClean="0"/>
-              <a:t>I </a:t>
-            </a:r>
-            <a:r>
-              <a:rPr lang="en-US" baseline="0" dirty="0" err="1" smtClean="0"/>
-              <a:t>vår</a:t>
-            </a:r>
-            <a:r>
-              <a:rPr lang="en-US" baseline="0" dirty="0" smtClean="0"/>
-              <a:t> </a:t>
-            </a:r>
-            <a:r>
-              <a:rPr lang="en-US" baseline="0" dirty="0" err="1" smtClean="0"/>
-              <a:t>modell</a:t>
-            </a:r>
-            <a:r>
-              <a:rPr lang="en-US" baseline="0" dirty="0" smtClean="0"/>
-              <a:t> </a:t>
-            </a:r>
-            <a:r>
-              <a:rPr lang="en-US" baseline="0" dirty="0" err="1" smtClean="0"/>
-              <a:t>skickar</a:t>
-            </a:r>
-            <a:r>
-              <a:rPr lang="en-US" baseline="0" dirty="0" smtClean="0"/>
-              <a:t> vi heartbeats </a:t>
-            </a:r>
-            <a:r>
-              <a:rPr lang="en-US" baseline="0" dirty="0" err="1" smtClean="0"/>
-              <a:t>var</a:t>
-            </a:r>
-            <a:r>
-              <a:rPr lang="en-US" baseline="0" dirty="0" smtClean="0"/>
-              <a:t> 200 </a:t>
-            </a:r>
-            <a:r>
-              <a:rPr lang="en-US" baseline="0" dirty="0" err="1" smtClean="0"/>
-              <a:t>ms</a:t>
-            </a:r>
-            <a:r>
-              <a:rPr lang="en-US" baseline="0" dirty="0" smtClean="0"/>
-              <a:t> </a:t>
-            </a:r>
-            <a:r>
-              <a:rPr lang="en-US" baseline="0" dirty="0" err="1" smtClean="0"/>
-              <a:t>och</a:t>
-            </a:r>
-            <a:r>
-              <a:rPr lang="en-US" baseline="0" dirty="0" smtClean="0"/>
-              <a:t> </a:t>
-            </a:r>
-            <a:r>
-              <a:rPr lang="en-US" baseline="0" dirty="0" err="1" smtClean="0"/>
-              <a:t>timeouten</a:t>
-            </a:r>
-            <a:r>
-              <a:rPr lang="en-US" baseline="0" dirty="0" smtClean="0"/>
-              <a:t> </a:t>
-            </a:r>
-            <a:r>
-              <a:rPr lang="en-US" baseline="0" dirty="0" err="1" smtClean="0"/>
-              <a:t>sattes</a:t>
-            </a:r>
-            <a:r>
-              <a:rPr lang="en-US" baseline="0" dirty="0" smtClean="0"/>
-              <a:t> </a:t>
-            </a:r>
-            <a:r>
-              <a:rPr lang="en-US" baseline="0" dirty="0" err="1" smtClean="0"/>
-              <a:t>på</a:t>
-            </a:r>
-            <a:r>
-              <a:rPr lang="en-US" baseline="0" dirty="0" smtClean="0"/>
-              <a:t> 500 </a:t>
-            </a:r>
-            <a:r>
-              <a:rPr lang="en-US" baseline="0" dirty="0" err="1" smtClean="0"/>
-              <a:t>ms.</a:t>
-            </a:r>
             <a:endParaRPr lang="en-US" baseline="0" dirty="0" smtClean="0"/>
           </a:p>
         </p:txBody>
@@ -10049,23 +9770,7 @@
           <a:p>
             <a:r>
               <a:rPr lang="en-US" dirty="0" err="1" smtClean="0"/>
-              <a:t>Som</a:t>
-            </a:r>
-            <a:r>
-              <a:rPr lang="en-US" dirty="0" smtClean="0"/>
-              <a:t> vi </a:t>
-            </a:r>
-            <a:r>
-              <a:rPr lang="en-US" dirty="0" err="1" smtClean="0"/>
-              <a:t>sa</a:t>
-            </a:r>
-            <a:r>
-              <a:rPr lang="en-US" dirty="0" smtClean="0"/>
-              <a:t> </a:t>
-            </a:r>
-            <a:r>
-              <a:rPr lang="en-US" dirty="0" err="1" smtClean="0"/>
-              <a:t>så</a:t>
+              <a:t>Därför</a:t>
             </a:r>
             <a:r>
               <a:rPr lang="en-US" baseline="0" dirty="0" smtClean="0"/>
@@ -10127,6 +9832,7 @@
               <a:rPr lang="en-US" baseline="0" dirty="0" smtClean="0"/>
               <a:t>.</a:t>
             </a:r>
+            <a:endParaRPr lang="en-US" baseline="0" dirty="0" smtClean="0"/>
           </a:p>
           <a:p>
             <a:endParaRPr lang="en-US" baseline="0" dirty="0" smtClean="0"/>
@@ -10883,11 +10589,15 @@
             </a:r>
             <a:r>
               <a:rPr lang="en-US" i="0" baseline="0" dirty="0" smtClean="0"/>
-              <a:t> den </a:t>
+              <a:t> </a:t>
+            </a:r>
+            <a:r>
+              <a:rPr lang="en-US" i="0" baseline="0" dirty="0" smtClean="0"/>
+              <a:t>den </a:t>
             </a:r>
             <a:r>
               <a:rPr lang="en-US" i="0" baseline="0" dirty="0" err="1" smtClean="0"/>
-              <a:t>är</a:t>
+              <a:t>kört</a:t>
             </a:r>
             <a:r>
               <a:rPr lang="en-US" i="0" baseline="0" dirty="0" smtClean="0"/>
@@ -10895,7 +10605,15 @@
             </a:r>
             <a:r>
               <a:rPr lang="en-US" i="0" baseline="0" dirty="0" err="1" smtClean="0"/>
-              <a:t>klar</a:t>
+              <a:t>klart</a:t>
+            </a:r>
+            <a:r>
+              <a:rPr lang="en-US" i="0" baseline="0" dirty="0" smtClean="0"/>
+              <a:t> </a:t>
+            </a:r>
+            <a:r>
+              <a:rPr lang="en-US" i="0" baseline="0" dirty="0" err="1" smtClean="0"/>
+              <a:t>algoritmen</a:t>
             </a:r>
             <a:r>
               <a:rPr lang="en-US" i="0" baseline="0" dirty="0" smtClean="0"/>
@@ -10987,15 +10705,7 @@
             </a:r>
             <a:r>
               <a:rPr lang="en-US" i="0" baseline="0" dirty="0" smtClean="0"/>
-              <a:t> </a:t>
-            </a:r>
-            <a:r>
-              <a:rPr lang="en-US" i="0" baseline="0" dirty="0" err="1" smtClean="0"/>
-              <a:t>en</a:t>
-            </a:r>
-            <a:r>
-              <a:rPr lang="en-US" i="0" baseline="0" dirty="0" smtClean="0"/>
-              <a:t> </a:t>
+              <a:t> en </a:t>
             </a:r>
             <a:r>
               <a:rPr lang="en-US" i="0" baseline="0" dirty="0" err="1" smtClean="0"/>
@@ -11035,15 +10745,7 @@
             </a:r>
             <a:r>
               <a:rPr lang="en-US" i="0" baseline="0" dirty="0" smtClean="0"/>
-              <a:t> </a:t>
-            </a:r>
-            <a:r>
-              <a:rPr lang="en-US" i="0" baseline="0" dirty="0" err="1" smtClean="0"/>
-              <a:t>en</a:t>
-            </a:r>
-            <a:r>
-              <a:rPr lang="en-US" i="0" baseline="0" dirty="0" smtClean="0"/>
-              <a:t> </a:t>
+              <a:t> en </a:t>
             </a:r>
             <a:r>
               <a:rPr lang="en-US" i="0" baseline="0" dirty="0" err="1" smtClean="0"/>
@@ -12076,6 +11778,195 @@
               <a:rPr lang="en-US" baseline="0" dirty="0" smtClean="0"/>
               <a:t>.</a:t>
             </a:r>
+          </a:p>
+          <a:p>
+            <a:endParaRPr lang="en-US" baseline="0" dirty="0" smtClean="0"/>
+          </a:p>
+          <a:p>
+            <a:r>
+              <a:rPr lang="en-US" baseline="0" dirty="0" err="1" smtClean="0"/>
+              <a:t>Tiden</a:t>
+            </a:r>
+            <a:r>
+              <a:rPr lang="en-US" baseline="0" dirty="0" smtClean="0"/>
+              <a:t> t </a:t>
+            </a:r>
+            <a:r>
+              <a:rPr lang="en-US" baseline="0" dirty="0" err="1" smtClean="0"/>
+              <a:t>som</a:t>
+            </a:r>
+            <a:r>
+              <a:rPr lang="en-US" baseline="0" dirty="0" smtClean="0"/>
+              <a:t> vi </a:t>
+            </a:r>
+            <a:r>
+              <a:rPr lang="en-US" baseline="0" dirty="0" err="1" smtClean="0"/>
+              <a:t>använder</a:t>
+            </a:r>
+            <a:r>
+              <a:rPr lang="en-US" baseline="0" dirty="0" smtClean="0"/>
+              <a:t> </a:t>
+            </a:r>
+            <a:r>
+              <a:rPr lang="en-US" baseline="0" dirty="0" err="1" smtClean="0"/>
+              <a:t>för</a:t>
+            </a:r>
+            <a:r>
+              <a:rPr lang="en-US" baseline="0" dirty="0" smtClean="0"/>
+              <a:t> </a:t>
+            </a:r>
+            <a:r>
+              <a:rPr lang="en-US" baseline="0" dirty="0" err="1" smtClean="0"/>
+              <a:t>att</a:t>
+            </a:r>
+            <a:r>
+              <a:rPr lang="en-US" baseline="0" dirty="0" smtClean="0"/>
+              <a:t> </a:t>
+            </a:r>
+            <a:r>
+              <a:rPr lang="en-US" baseline="0" dirty="0" err="1" smtClean="0"/>
+              <a:t>beräkna</a:t>
+            </a:r>
+            <a:r>
+              <a:rPr lang="en-US" baseline="0" dirty="0" smtClean="0"/>
+              <a:t> </a:t>
+            </a:r>
+            <a:r>
+              <a:rPr lang="en-US" baseline="0" dirty="0" err="1" smtClean="0"/>
+              <a:t>tillförlitligheten</a:t>
+            </a:r>
+            <a:r>
+              <a:rPr lang="en-US" baseline="0" dirty="0" smtClean="0"/>
+              <a:t>, </a:t>
+            </a:r>
+            <a:r>
+              <a:rPr lang="en-US" baseline="0" dirty="0" err="1" smtClean="0"/>
+              <a:t>består</a:t>
+            </a:r>
+            <a:r>
+              <a:rPr lang="en-US" baseline="0" dirty="0" smtClean="0"/>
+              <a:t> </a:t>
+            </a:r>
+            <a:r>
+              <a:rPr lang="en-US" baseline="0" dirty="0" err="1" smtClean="0"/>
+              <a:t>som</a:t>
+            </a:r>
+            <a:r>
+              <a:rPr lang="en-US" baseline="0" dirty="0" smtClean="0"/>
+              <a:t> vi </a:t>
+            </a:r>
+            <a:r>
+              <a:rPr lang="en-US" baseline="0" dirty="0" err="1" smtClean="0"/>
+              <a:t>sa</a:t>
+            </a:r>
+            <a:r>
+              <a:rPr lang="en-US" baseline="0" dirty="0" smtClean="0"/>
+              <a:t> </a:t>
+            </a:r>
+            <a:r>
+              <a:rPr lang="en-US" baseline="0" dirty="0" err="1" smtClean="0"/>
+              <a:t>av</a:t>
+            </a:r>
+            <a:r>
+              <a:rPr lang="en-US" baseline="0" dirty="0" smtClean="0"/>
+              <a:t> </a:t>
+            </a:r>
+            <a:r>
+              <a:rPr lang="en-US" baseline="0" dirty="0" err="1" smtClean="0"/>
+              <a:t>tiden</a:t>
+            </a:r>
+            <a:r>
+              <a:rPr lang="en-US" baseline="0" dirty="0" smtClean="0"/>
+              <a:t> </a:t>
+            </a:r>
+            <a:r>
+              <a:rPr lang="en-US" baseline="0" dirty="0" err="1" smtClean="0"/>
+              <a:t>det</a:t>
+            </a:r>
+            <a:r>
+              <a:rPr lang="en-US" baseline="0" dirty="0" smtClean="0"/>
+              <a:t> tar </a:t>
+            </a:r>
+            <a:r>
+              <a:rPr lang="en-US" baseline="0" dirty="0" err="1" smtClean="0"/>
+              <a:t>att</a:t>
+            </a:r>
+            <a:r>
+              <a:rPr lang="en-US" baseline="0" dirty="0" smtClean="0"/>
+              <a:t> </a:t>
+            </a:r>
+            <a:r>
+              <a:rPr lang="en-US" baseline="0" dirty="0" err="1" smtClean="0"/>
+              <a:t>detekera</a:t>
+            </a:r>
+            <a:r>
+              <a:rPr lang="en-US" baseline="0" dirty="0" smtClean="0"/>
+              <a:t> </a:t>
+            </a:r>
+            <a:r>
+              <a:rPr lang="en-US" baseline="0" dirty="0" err="1" smtClean="0"/>
+              <a:t>ett</a:t>
+            </a:r>
+            <a:r>
+              <a:rPr lang="en-US" baseline="0" dirty="0" smtClean="0"/>
+              <a:t> </a:t>
+            </a:r>
+            <a:r>
+              <a:rPr lang="en-US" baseline="0" dirty="0" err="1" smtClean="0"/>
+              <a:t>fel</a:t>
+            </a:r>
+            <a:r>
+              <a:rPr lang="en-US" baseline="0" dirty="0" smtClean="0"/>
+              <a:t>, tills </a:t>
+            </a:r>
+            <a:r>
+              <a:rPr lang="en-US" baseline="0" dirty="0" err="1" smtClean="0"/>
+              <a:t>dess</a:t>
+            </a:r>
+            <a:r>
+              <a:rPr lang="en-US" baseline="0" dirty="0" smtClean="0"/>
+              <a:t> </a:t>
+            </a:r>
+            <a:r>
+              <a:rPr lang="en-US" baseline="0" dirty="0" err="1" smtClean="0"/>
+              <a:t>att</a:t>
+            </a:r>
+            <a:r>
+              <a:rPr lang="en-US" baseline="0" dirty="0" smtClean="0"/>
+              <a:t> en </a:t>
+            </a:r>
+            <a:r>
+              <a:rPr lang="en-US" baseline="0" dirty="0" err="1" smtClean="0"/>
+              <a:t>ny</a:t>
+            </a:r>
+            <a:r>
+              <a:rPr lang="en-US" baseline="0" dirty="0" smtClean="0"/>
+              <a:t> </a:t>
+            </a:r>
+            <a:r>
+              <a:rPr lang="en-US" baseline="0" dirty="0" err="1" smtClean="0"/>
+              <a:t>replika</a:t>
+            </a:r>
+            <a:r>
+              <a:rPr lang="en-US" baseline="0" dirty="0" smtClean="0"/>
+              <a:t> </a:t>
+            </a:r>
+            <a:r>
+              <a:rPr lang="en-US" baseline="0" dirty="0" err="1" smtClean="0"/>
+              <a:t>har</a:t>
+            </a:r>
+            <a:r>
+              <a:rPr lang="en-US" baseline="0" dirty="0" smtClean="0"/>
+              <a:t> </a:t>
+            </a:r>
+            <a:r>
+              <a:rPr lang="en-US" baseline="0" dirty="0" err="1" smtClean="0"/>
+              <a:t>skapats</a:t>
+            </a:r>
+            <a:r>
+              <a:rPr lang="en-US" baseline="0" dirty="0" smtClean="0"/>
+              <a:t> [BYT SLIDE]</a:t>
+            </a:r>
             <a:endParaRPr lang="en-US" dirty="0"/>
           </a:p>
         </p:txBody>
@@ -12161,28 +12052,12 @@
           <a:lstStyle/>
           <a:p>
             <a:r>
-              <a:rPr lang="sv-SE" noProof="0" dirty="0" smtClean="0"/>
+              <a:rPr lang="sv-SE" i="0" baseline="0" noProof="0" dirty="0" smtClean="0"/>
               <a:t>Tiden </a:t>
             </a:r>
             <a:r>
-              <a:rPr lang="sv-SE" i="1" noProof="0" dirty="0" smtClean="0"/>
-              <a:t>t</a:t>
-            </a:r>
-            <a:r>
-              <a:rPr lang="sv-SE" i="0" noProof="0" dirty="0" smtClean="0"/>
-              <a:t> som används I </a:t>
-            </a:r>
-            <a:r>
-              <a:rPr lang="sv-SE" i="0" noProof="0" dirty="0" err="1" smtClean="0"/>
-              <a:t>tillfötlighetsmodellen</a:t>
-            </a:r>
-            <a:r>
-              <a:rPr lang="sv-SE" i="0" noProof="0" dirty="0" smtClean="0"/>
-              <a:t> består av tiden det</a:t>
-            </a:r>
-            <a:r>
               <a:rPr lang="sv-SE" i="0" baseline="0" noProof="0" dirty="0" smtClean="0"/>
-              <a:t> tar att </a:t>
+              <a:t>det tar att </a:t>
             </a:r>
             <a:r>
               <a:rPr lang="sv-SE" i="0" baseline="0" noProof="0" dirty="0" err="1" smtClean="0"/>
@@ -12190,7 +12065,98 @@
             </a:r>
             <a:r>
               <a:rPr lang="sv-SE" i="0" baseline="0" noProof="0" dirty="0" smtClean="0"/>
-              <a:t> att en nod har dött, plus tiden det tar att hantera felet och eventuellt </a:t>
+              <a:t> att en nod har dött är satt till timeoutiden för </a:t>
+            </a:r>
+            <a:r>
+              <a:rPr lang="sv-SE" i="0" baseline="0" noProof="0" dirty="0" err="1" smtClean="0"/>
+              <a:t>heartbeat</a:t>
+            </a:r>
+            <a:r>
+              <a:rPr lang="sv-SE" i="0" baseline="0" noProof="0" dirty="0" smtClean="0"/>
+              <a:t>,</a:t>
+            </a:r>
+            <a:r>
+              <a:rPr lang="sv-SE" b="1" i="0" baseline="0" noProof="0" dirty="0" smtClean="0"/>
+              <a:t> 500 </a:t>
+            </a:r>
+            <a:r>
+              <a:rPr lang="sv-SE" b="1" i="0" baseline="0" noProof="0" dirty="0" err="1" smtClean="0"/>
+              <a:t>ms</a:t>
+            </a:r>
+            <a:r>
+              <a:rPr lang="sv-SE" b="1" i="0" baseline="0" noProof="0" dirty="0" smtClean="0"/>
+              <a:t> (måste vi nämna 500ms?),</a:t>
+            </a:r>
+            <a:r>
+              <a:rPr lang="sv-SE" i="0" baseline="0" noProof="0" dirty="0" smtClean="0"/>
+              <a:t> </a:t>
+            </a:r>
+            <a:r>
+              <a:rPr lang="sv-SE" i="0" baseline="0" noProof="0" dirty="0" smtClean="0"/>
+              <a:t>medan tiden det tar att hantera felet och skapa en ny </a:t>
+            </a:r>
+            <a:r>
+              <a:rPr lang="sv-SE" i="0" baseline="0" noProof="0" dirty="0" err="1" smtClean="0"/>
+              <a:t>replika</a:t>
+            </a:r>
+            <a:r>
+              <a:rPr lang="sv-SE" i="0" baseline="0" noProof="0" dirty="0" smtClean="0"/>
+              <a:t> varierar dock.</a:t>
+            </a:r>
+          </a:p>
+          <a:p>
+            <a:endParaRPr lang="sv-SE" i="0" baseline="0" noProof="0" dirty="0" smtClean="0"/>
+          </a:p>
+          <a:p>
+            <a:r>
+              <a:rPr lang="sv-SE" i="0" baseline="0" noProof="0" dirty="0" smtClean="0"/>
+              <a:t>Det beror delvis på hur stort </a:t>
+            </a:r>
+            <a:r>
+              <a:rPr lang="sv-SE" i="0" baseline="0" noProof="0" dirty="0" smtClean="0"/>
+              <a:t>tillståndet, dvs dess </a:t>
+            </a:r>
+            <a:r>
+              <a:rPr lang="sv-SE" i="0" baseline="0" noProof="0" dirty="0" err="1" smtClean="0"/>
+              <a:t>state</a:t>
+            </a:r>
+            <a:r>
+              <a:rPr lang="sv-SE" i="0" baseline="0" noProof="0" dirty="0" smtClean="0"/>
+              <a:t>, på </a:t>
+            </a:r>
+            <a:r>
+              <a:rPr lang="sv-SE" i="0" baseline="0" noProof="0" dirty="0" err="1" smtClean="0"/>
+              <a:t>replikan</a:t>
+            </a:r>
+            <a:r>
+              <a:rPr lang="sv-SE" i="0" baseline="0" noProof="0" dirty="0" smtClean="0"/>
+              <a:t> </a:t>
+            </a:r>
+            <a:r>
+              <a:rPr lang="sv-SE" i="0" baseline="0" noProof="0" dirty="0" smtClean="0"/>
+              <a:t>är, så </a:t>
+            </a:r>
+            <a:r>
+              <a:rPr lang="sv-SE" i="0" baseline="0" noProof="0" dirty="0" smtClean="0"/>
+              <a:t>därför lagras dessa tider utifrån typ av tjänst.</a:t>
+            </a:r>
+          </a:p>
+          <a:p>
+            <a:endParaRPr lang="sv-SE" i="0" baseline="0" noProof="0" dirty="0" smtClean="0"/>
+          </a:p>
+          <a:p>
+            <a:r>
+              <a:rPr lang="sv-SE" i="0" baseline="0" noProof="0" dirty="0" smtClean="0"/>
+              <a:t>Det beror dessutom på om noden som först väljs ut, blir klar eller om den själv dör innan den blir klar, i vilket fall en ny nod väljs. </a:t>
+            </a:r>
+          </a:p>
+          <a:p>
+            <a:endParaRPr lang="sv-SE" i="0" baseline="0" noProof="0" dirty="0" smtClean="0"/>
+          </a:p>
+          <a:p>
+            <a:r>
+              <a:rPr lang="sv-SE" i="0" baseline="0" noProof="0" dirty="0" smtClean="0"/>
+              <a:t>Vidare kan noden som vi ber </a:t>
             </a:r>
             <a:r>
               <a:rPr lang="sv-SE" i="0" baseline="0" noProof="0" dirty="0" err="1" smtClean="0"/>
@@ -12198,40 +12164,7 @@
             </a:r>
             <a:r>
               <a:rPr lang="sv-SE" i="0" baseline="0" noProof="0" dirty="0" smtClean="0"/>
-              <a:t> en task.</a:t>
-            </a:r>
-          </a:p>
-          <a:p>
-            <a:endParaRPr lang="sv-SE" i="0" baseline="0" noProof="0" dirty="0" smtClean="0"/>
-          </a:p>
-          <a:p>
-            <a:r>
-              <a:rPr lang="sv-SE" i="0" baseline="0" noProof="0" dirty="0" smtClean="0"/>
-              <a:t>Tiden det tar att </a:t>
-            </a:r>
-            <a:r>
-              <a:rPr lang="sv-SE" i="0" baseline="0" noProof="0" dirty="0" err="1" smtClean="0"/>
-              <a:t>detekera</a:t>
-            </a:r>
-            <a:r>
-              <a:rPr lang="sv-SE" i="0" baseline="0" noProof="0" dirty="0" smtClean="0"/>
-              <a:t> att en nod har dött är satt till timeoutiden för </a:t>
-            </a:r>
-            <a:r>
-              <a:rPr lang="sv-SE" i="0" baseline="0" noProof="0" dirty="0" err="1" smtClean="0"/>
-              <a:t>heartbeat</a:t>
-            </a:r>
-            <a:r>
-              <a:rPr lang="sv-SE" i="0" baseline="0" noProof="0" dirty="0" smtClean="0"/>
-              <a:t>, 500 </a:t>
-            </a:r>
-            <a:r>
-              <a:rPr lang="sv-SE" i="0" baseline="0" noProof="0" dirty="0" err="1" smtClean="0"/>
-              <a:t>ms</a:t>
-            </a:r>
-            <a:r>
-              <a:rPr lang="sv-SE" i="0" baseline="0" noProof="0" dirty="0" smtClean="0"/>
-              <a:t> medan tiden det tar att hantera felet och skapa en ny </a:t>
+              <a:t> sin </a:t>
             </a:r>
             <a:r>
               <a:rPr lang="sv-SE" i="0" baseline="0" noProof="0" dirty="0" err="1" smtClean="0"/>
@@ -12239,72 +12172,15 @@
             </a:r>
             <a:r>
               <a:rPr lang="sv-SE" i="0" baseline="0" noProof="0" dirty="0" smtClean="0"/>
-              <a:t> varierar dock.</a:t>
-            </a:r>
-          </a:p>
-          <a:p>
-            <a:endParaRPr lang="sv-SE" i="0" baseline="0" noProof="0" dirty="0" smtClean="0"/>
-          </a:p>
-          <a:p>
+              <a:t> dö innan den hinner göra det, även då väljs en ny nod ut, </a:t>
+            </a:r>
             <a:r>
               <a:rPr lang="sv-SE" i="0" baseline="0" noProof="0" dirty="0" smtClean="0"/>
-              <a:t>Det beror delvis på hur stort </a:t>
-            </a:r>
-            <a:r>
-              <a:rPr lang="sv-SE" i="0" baseline="0" noProof="0" dirty="0" err="1" smtClean="0"/>
-              <a:t>statet</a:t>
+              <a:t> och även </a:t>
             </a:r>
             <a:r>
               <a:rPr lang="sv-SE" i="0" baseline="0" noProof="0" dirty="0" smtClean="0"/>
-              <a:t> på </a:t>
-            </a:r>
-            <a:r>
-              <a:rPr lang="sv-SE" i="0" baseline="0" noProof="0" dirty="0" err="1" smtClean="0"/>
-              <a:t>replikan</a:t>
-            </a:r>
-            <a:r>
-              <a:rPr lang="sv-SE" i="0" baseline="0" noProof="0" dirty="0" smtClean="0"/>
-              <a:t> är, så därför lagras dessa tider utifrån typ av tjänst.</a:t>
-            </a:r>
-          </a:p>
-          <a:p>
-            <a:endParaRPr lang="sv-SE" i="0" baseline="0" noProof="0" dirty="0" smtClean="0"/>
-          </a:p>
-          <a:p>
-            <a:r>
-              <a:rPr lang="sv-SE" i="0" baseline="0" noProof="0" dirty="0" smtClean="0"/>
-              <a:t>Det beror dessutom på om noden som först väljs ut, blir klar eller om den själv dör innan den blir klar, i vilket fall en ny nod väljs. </a:t>
-            </a:r>
-          </a:p>
-          <a:p>
-            <a:endParaRPr lang="sv-SE" i="0" baseline="0" noProof="0" dirty="0" smtClean="0"/>
-          </a:p>
-          <a:p>
-            <a:r>
-              <a:rPr lang="sv-SE" i="0" baseline="0" noProof="0" dirty="0" smtClean="0"/>
-              <a:t>Vidare kan noden som vi ber </a:t>
-            </a:r>
-            <a:r>
-              <a:rPr lang="sv-SE" i="0" baseline="0" noProof="0" dirty="0" err="1" smtClean="0"/>
-              <a:t>replicera</a:t>
-            </a:r>
-            <a:r>
-              <a:rPr lang="sv-SE" i="0" baseline="0" noProof="0" dirty="0" smtClean="0"/>
-              <a:t> sin </a:t>
-            </a:r>
-            <a:r>
-              <a:rPr lang="sv-SE" i="0" baseline="0" noProof="0" dirty="0" err="1" smtClean="0"/>
-              <a:t>replika</a:t>
-            </a:r>
-            <a:r>
-              <a:rPr lang="sv-SE" i="0" baseline="0" noProof="0" dirty="0" smtClean="0"/>
-              <a:t> dö innan den hinner göra det, även då väljs en ny nod ut, </a:t>
-            </a:r>
-          </a:p>
-          <a:p>
-            <a:r>
-              <a:rPr lang="sv-SE" i="0" baseline="0" noProof="0" dirty="0" smtClean="0"/>
-              <a:t>Även noden vi </a:t>
+              <a:t>noden vi </a:t>
             </a:r>
             <a:r>
               <a:rPr lang="sv-SE" i="0" baseline="0" noProof="0" dirty="0" err="1" smtClean="0"/>
@@ -12312,8 +12188,76 @@
             </a:r>
             <a:r>
               <a:rPr lang="sv-SE" i="0" baseline="0" noProof="0" dirty="0" smtClean="0"/>
-              <a:t> till kan dö.</a:t>
-            </a:r>
+              <a:t> till kan dö</a:t>
+            </a:r>
+            <a:r>
+              <a:rPr lang="sv-SE" i="0" baseline="0" noProof="0" dirty="0" smtClean="0"/>
+              <a:t>.</a:t>
+            </a:r>
+          </a:p>
+          <a:p>
+            <a:endParaRPr lang="sv-SE" i="0" baseline="0" noProof="0" dirty="0" smtClean="0"/>
+          </a:p>
+          <a:p>
+            <a:r>
+              <a:rPr lang="sv-SE" i="0" baseline="0" noProof="0" dirty="0" smtClean="0"/>
+              <a:t>Det är alltså många faktorer som påverkar tiden TR</a:t>
+            </a:r>
+          </a:p>
+          <a:p>
+            <a:endParaRPr lang="sv-SE" i="0" baseline="0" noProof="0" dirty="0" smtClean="0"/>
+          </a:p>
+          <a:p>
+            <a:pPr marL="0" marR="0" indent="0" algn="l" defTabSz="914400" rtl="0" eaLnBrk="1" fontAlgn="auto" latinLnBrk="0" hangingPunct="1">
+              <a:lnSpc>
+                <a:spcPct val="100000"/>
+              </a:lnSpc>
+              <a:spcBef>
+                <a:spcPts val="0"/>
+              </a:spcBef>
+              <a:spcAft>
+                <a:spcPts val="0"/>
+              </a:spcAft>
+              <a:buClrTx/>
+              <a:buSzTx/>
+              <a:buFontTx/>
+              <a:buNone/>
+              <a:tabLst/>
+              <a:defRPr/>
+            </a:pPr>
+            <a:r>
+              <a:rPr lang="sv-SE" noProof="0" dirty="0" smtClean="0"/>
+              <a:t>För att hantera den här varierande tiden, så valde vi att inte bara använda</a:t>
+            </a:r>
+            <a:r>
+              <a:rPr lang="sv-SE" baseline="0" noProof="0" dirty="0" smtClean="0"/>
+              <a:t> ett medelvärde tex, eftersom de teoretiskt sätt kan variera ganska mycket, vilket därmed påverkar tillförlitligheten ganska mycket.</a:t>
+            </a:r>
+            <a:endParaRPr lang="sv-SE" i="0" baseline="0" noProof="0" dirty="0" smtClean="0"/>
+          </a:p>
+          <a:p>
+            <a:pPr marL="0" marR="0" indent="0" algn="l" defTabSz="914400" rtl="0" eaLnBrk="1" fontAlgn="auto" latinLnBrk="0" hangingPunct="1">
+              <a:lnSpc>
+                <a:spcPct val="100000"/>
+              </a:lnSpc>
+              <a:spcBef>
+                <a:spcPts val="0"/>
+              </a:spcBef>
+              <a:spcAft>
+                <a:spcPts val="0"/>
+              </a:spcAft>
+              <a:buClrTx/>
+              <a:buSzTx/>
+              <a:buFontTx/>
+              <a:buNone/>
+              <a:tabLst/>
+              <a:defRPr/>
+            </a:pPr>
+            <a:r>
+              <a:rPr lang="sv-SE" i="0" baseline="0" noProof="0" dirty="0" smtClean="0"/>
+              <a:t>[BYT SLIDE]</a:t>
+            </a:r>
+            <a:endParaRPr lang="sv-SE" baseline="0" noProof="0" dirty="0" smtClean="0"/>
           </a:p>
         </p:txBody>
       </p:sp>
@@ -12398,21 +12342,12 @@
           <a:lstStyle/>
           <a:p>
             <a:r>
-              <a:rPr lang="sv-SE" noProof="0" dirty="0" smtClean="0"/>
-              <a:t>För att hantera den här varierande tiden, så valde vi att inte bara använda</a:t>
-            </a:r>
-            <a:r>
               <a:rPr lang="sv-SE" baseline="0" noProof="0" dirty="0" smtClean="0"/>
-              <a:t> ett medelvärde tex, eftersom de teoretiskt sätt kan variera ganska mycket, vilket därmed påverkar tillförlitligheten ganska mycket.</a:t>
-            </a:r>
-          </a:p>
-          <a:p>
-            <a:endParaRPr lang="sv-SE" baseline="0" noProof="0" dirty="0" smtClean="0"/>
-          </a:p>
-          <a:p>
+              <a:t>Istället </a:t>
+            </a:r>
             <a:r>
               <a:rPr lang="sv-SE" baseline="0" noProof="0" dirty="0" smtClean="0"/>
-              <a:t>Istället genomförde vi ett experiment från vilket vi fick ut över 2000 värden för tiden t (exkluderat tiden det tar att detektera fel). </a:t>
+              <a:t>genomförde vi ett experiment från vilket vi fick ut över 2000 värden för tiden t (exkluderat tiden det tar att detektera fel). </a:t>
             </a:r>
           </a:p>
           <a:p>
@@ -12517,7 +12452,15 @@
           <a:p>
             <a:r>
               <a:rPr lang="sv-SE" noProof="0" dirty="0" smtClean="0"/>
-              <a:t>I modellen,</a:t>
+              <a:t>I </a:t>
+            </a:r>
+            <a:r>
+              <a:rPr lang="sv-SE" noProof="0" dirty="0" smtClean="0"/>
+              <a:t>tillförlitlighetsmodellen</a:t>
+            </a:r>
+            <a:r>
+              <a:rPr lang="sv-SE" noProof="0" dirty="0" smtClean="0"/>
+              <a:t>,</a:t>
             </a:r>
             <a:r>
               <a:rPr lang="sv-SE" baseline="0" noProof="0" dirty="0" smtClean="0"/>
@@ -19833,6 +19776,108 @@
               <a:t>.</a:t>
             </a:r>
           </a:p>
+          <a:p>
+            <a:endParaRPr lang="en-US" baseline="0" dirty="0" smtClean="0"/>
+          </a:p>
+          <a:p>
+            <a:pPr marL="0" marR="0" indent="0" algn="l" defTabSz="914400" rtl="0" eaLnBrk="1" fontAlgn="auto" latinLnBrk="0" hangingPunct="1">
+              <a:lnSpc>
+                <a:spcPct val="100000"/>
+              </a:lnSpc>
+              <a:spcBef>
+                <a:spcPts val="0"/>
+              </a:spcBef>
+              <a:spcAft>
+                <a:spcPts val="0"/>
+              </a:spcAft>
+              <a:buClrTx/>
+              <a:buSzTx/>
+              <a:buFontTx/>
+              <a:buNone/>
+              <a:tabLst/>
+              <a:defRPr/>
+            </a:pPr>
+            <a:r>
+              <a:rPr lang="en-US" baseline="0" dirty="0" err="1" smtClean="0"/>
+              <a:t>Målet</a:t>
+            </a:r>
+            <a:r>
+              <a:rPr lang="en-US" baseline="0" dirty="0" smtClean="0"/>
+              <a:t> </a:t>
+            </a:r>
+            <a:r>
+              <a:rPr lang="en-US" baseline="0" dirty="0" err="1" smtClean="0"/>
+              <a:t>är</a:t>
+            </a:r>
+            <a:r>
+              <a:rPr lang="en-US" baseline="0" dirty="0" smtClean="0"/>
+              <a:t> </a:t>
+            </a:r>
+            <a:r>
+              <a:rPr lang="en-US" baseline="0" dirty="0" err="1" smtClean="0"/>
+              <a:t>att</a:t>
+            </a:r>
+            <a:r>
+              <a:rPr lang="en-US" baseline="0" dirty="0" smtClean="0"/>
+              <a:t> </a:t>
+            </a:r>
+            <a:r>
+              <a:rPr lang="en-US" baseline="0" dirty="0" err="1" smtClean="0"/>
+              <a:t>tillgodose</a:t>
+            </a:r>
+            <a:r>
+              <a:rPr lang="en-US" baseline="0" dirty="0" smtClean="0"/>
+              <a:t> </a:t>
+            </a:r>
+            <a:r>
+              <a:rPr lang="en-US" baseline="0" dirty="0" err="1" smtClean="0"/>
+              <a:t>att</a:t>
+            </a:r>
+            <a:r>
+              <a:rPr lang="en-US" baseline="0" dirty="0" smtClean="0"/>
+              <a:t> en </a:t>
+            </a:r>
+            <a:r>
+              <a:rPr lang="en-US" baseline="0" dirty="0" err="1" smtClean="0"/>
+              <a:t>viss</a:t>
+            </a:r>
+            <a:r>
+              <a:rPr lang="en-US" baseline="0" dirty="0" smtClean="0"/>
+              <a:t> </a:t>
+            </a:r>
+            <a:r>
+              <a:rPr lang="en-US" baseline="0" dirty="0" err="1" smtClean="0"/>
+              <a:t>tillförlitlighetsnivå</a:t>
+            </a:r>
+            <a:r>
+              <a:rPr lang="en-US" baseline="0" dirty="0" smtClean="0"/>
+              <a:t> </a:t>
+            </a:r>
+            <a:r>
+              <a:rPr lang="en-US" baseline="0" dirty="0" err="1" smtClean="0"/>
+              <a:t>är</a:t>
+            </a:r>
+            <a:r>
+              <a:rPr lang="en-US" baseline="0" dirty="0" smtClean="0"/>
+              <a:t> </a:t>
+            </a:r>
+            <a:r>
+              <a:rPr lang="en-US" baseline="0" dirty="0" err="1" smtClean="0"/>
+              <a:t>uppnådd</a:t>
+            </a:r>
+            <a:r>
+              <a:rPr lang="en-US" baseline="0" dirty="0" smtClean="0"/>
+              <a:t> </a:t>
+            </a:r>
+            <a:r>
+              <a:rPr lang="en-US" baseline="0" dirty="0" err="1" smtClean="0"/>
+              <a:t>för</a:t>
+            </a:r>
+            <a:r>
+              <a:rPr lang="en-US" baseline="0" dirty="0" smtClean="0"/>
+              <a:t> T [BYT SLIDE]</a:t>
+            </a:r>
+          </a:p>
         </p:txBody>
       </p:sp>
       <p:sp>
@@ -19914,108 +19959,6 @@
         <p:txBody>
           <a:bodyPr/>
           <a:lstStyle/>
-          <a:p>
-            <a:r>
-              <a:rPr lang="en-US" baseline="0" dirty="0" err="1" smtClean="0"/>
-              <a:t>Målet</a:t>
-            </a:r>
-            <a:r>
-              <a:rPr lang="en-US" baseline="0" dirty="0" smtClean="0"/>
-              <a:t> </a:t>
-            </a:r>
-            <a:r>
-              <a:rPr lang="en-US" baseline="0" dirty="0" err="1" smtClean="0"/>
-              <a:t>är</a:t>
-            </a:r>
-            <a:r>
-              <a:rPr lang="en-US" baseline="0" dirty="0" smtClean="0"/>
-              <a:t> </a:t>
-            </a:r>
-            <a:r>
-              <a:rPr lang="en-US" baseline="0" dirty="0" err="1" smtClean="0"/>
-              <a:t>som</a:t>
-            </a:r>
-            <a:r>
-              <a:rPr lang="en-US" baseline="0" dirty="0" smtClean="0"/>
-              <a:t> </a:t>
-            </a:r>
-            <a:r>
-              <a:rPr lang="en-US" baseline="0" dirty="0" err="1" smtClean="0"/>
-              <a:t>sagt</a:t>
-            </a:r>
-            <a:r>
-              <a:rPr lang="en-US" baseline="0" dirty="0" smtClean="0"/>
-              <a:t> </a:t>
-            </a:r>
-            <a:r>
-              <a:rPr lang="en-US" baseline="0" dirty="0" err="1" smtClean="0"/>
-              <a:t>att</a:t>
-            </a:r>
-            <a:r>
-              <a:rPr lang="en-US" baseline="0" dirty="0" smtClean="0"/>
-              <a:t> </a:t>
-            </a:r>
-            <a:r>
-              <a:rPr lang="en-US" baseline="0" dirty="0" err="1" smtClean="0"/>
-              <a:t>tillgodose</a:t>
-            </a:r>
-            <a:r>
-              <a:rPr lang="en-US" baseline="0" dirty="0" smtClean="0"/>
-              <a:t> </a:t>
-            </a:r>
-            <a:r>
-              <a:rPr lang="en-US" baseline="0" dirty="0" err="1" smtClean="0"/>
-              <a:t>att</a:t>
-            </a:r>
-            <a:r>
-              <a:rPr lang="en-US" baseline="0" dirty="0" smtClean="0"/>
-              <a:t> en </a:t>
-            </a:r>
-            <a:r>
-              <a:rPr lang="en-US" baseline="0" dirty="0" err="1" smtClean="0"/>
-              <a:t>viss</a:t>
-            </a:r>
-            <a:r>
-              <a:rPr lang="en-US" baseline="0" dirty="0" smtClean="0"/>
-              <a:t> </a:t>
-            </a:r>
-            <a:r>
-              <a:rPr lang="en-US" baseline="0" dirty="0" err="1" smtClean="0"/>
-              <a:t>tillförlitlighetsnivå</a:t>
-            </a:r>
-            <a:r>
-              <a:rPr lang="en-US" baseline="0" dirty="0" smtClean="0"/>
-              <a:t> </a:t>
-            </a:r>
-            <a:r>
-              <a:rPr lang="en-US" baseline="0" dirty="0" err="1" smtClean="0"/>
-              <a:t>är</a:t>
-            </a:r>
-            <a:r>
-              <a:rPr lang="en-US" baseline="0" dirty="0" smtClean="0"/>
-              <a:t> </a:t>
-            </a:r>
-            <a:r>
-              <a:rPr lang="en-US" baseline="0" dirty="0" err="1" smtClean="0"/>
-              <a:t>uppnådd</a:t>
-            </a:r>
-            <a:r>
-              <a:rPr lang="en-US" baseline="0" dirty="0" smtClean="0"/>
-              <a:t> </a:t>
-            </a:r>
-            <a:r>
-              <a:rPr lang="en-US" baseline="0" dirty="0" err="1" smtClean="0"/>
-              <a:t>för</a:t>
-            </a:r>
-            <a:r>
-              <a:rPr lang="en-US" baseline="0" dirty="0" smtClean="0"/>
-              <a:t> T.</a:t>
-            </a:r>
-            <a:endParaRPr lang="en-US" baseline="0" dirty="0" smtClean="0"/>
-          </a:p>
-          <a:p>
-            <a:endParaRPr lang="en-US" baseline="0" dirty="0" smtClean="0"/>
-          </a:p>
           <a:p>
             <a:r>
               <a:rPr lang="en-US" baseline="0" dirty="0" smtClean="0"/>
@@ -33956,7 +33899,7 @@
       </p:sp>
       <p:pic>
         <p:nvPicPr>
-          <p:cNvPr id="4" name="Picture 3"/>
+          <p:cNvPr id="5" name="Picture 4"/>
           <p:cNvPicPr>
             <a:picLocks noChangeAspect="1"/>
           </p:cNvPicPr>
@@ -33976,8 +33919,8 @@
         </p:blipFill>
         <p:spPr>
           <a:xfrm>
-            <a:off x="3615609" y="2687781"/>
-            <a:ext cx="4184499" cy="3573183"/>
+            <a:off x="3218363" y="2854036"/>
+            <a:ext cx="5816233" cy="3357418"/>
           </a:xfrm>
           <a:prstGeom prst="rect">
             <a:avLst/>
@@ -34102,7 +34045,7 @@
       </p:sp>
       <p:pic>
         <p:nvPicPr>
-          <p:cNvPr id="6" name="Picture 3"/>
+          <p:cNvPr id="5" name="Picture 4"/>
           <p:cNvPicPr>
             <a:picLocks noChangeAspect="1"/>
           </p:cNvPicPr>
@@ -34122,8 +34065,8 @@
         </p:blipFill>
         <p:spPr>
           <a:xfrm>
-            <a:off x="3615609" y="2687781"/>
-            <a:ext cx="4184499" cy="3573183"/>
+            <a:off x="3218363" y="2854036"/>
+            <a:ext cx="5816233" cy="3357418"/>
           </a:xfrm>
           <a:prstGeom prst="rect">
             <a:avLst/>

--- a/presentation/presentation2.pptx
+++ b/presentation/presentation2.pptx
@@ -5,7 +5,7 @@
     <p:sldMasterId id="2147483673" r:id="rId1"/>
   </p:sldMasterIdLst>
   <p:notesMasterIdLst>
-    <p:notesMasterId r:id="rId56"/>
+    <p:notesMasterId r:id="rId57"/>
   </p:notesMasterIdLst>
   <p:sldIdLst>
     <p:sldId id="256" r:id="rId2"/>
@@ -62,6 +62,7 @@
     <p:sldId id="379" r:id="rId53"/>
     <p:sldId id="365" r:id="rId54"/>
     <p:sldId id="376" r:id="rId55"/>
+    <p:sldId id="380" r:id="rId56"/>
   </p:sldIdLst>
   <p:sldSz cx="12192000" cy="6858000"/>
   <p:notesSz cx="6858000" cy="9144000"/>
@@ -2978,7 +2979,6 @@
               <a:rPr lang="en-US" baseline="0" dirty="0" smtClean="0"/>
               <a:t>.</a:t>
             </a:r>
-            <a:endParaRPr lang="en-US" baseline="0" dirty="0" smtClean="0"/>
           </a:p>
           <a:p>
             <a:endParaRPr lang="en-US" baseline="0" dirty="0" smtClean="0"/>
@@ -3759,15 +3759,7 @@
             </a:r>
             <a:r>
               <a:rPr lang="sv-SE" i="0" baseline="0" noProof="0" dirty="0" smtClean="0"/>
-              <a:t> på en nod, så har vi </a:t>
-            </a:r>
-            <a:r>
-              <a:rPr lang="sv-SE" i="0" baseline="0" noProof="0" dirty="0" smtClean="0"/>
-              <a:t>samma </a:t>
-            </a:r>
-            <a:r>
-              <a:rPr lang="sv-SE" i="0" baseline="0" noProof="0" dirty="0" smtClean="0"/>
-              <a:t>tillförlitlighet som om vi hade haft 10 </a:t>
+              <a:t> på en nod, så har vi samma tillförlitlighet som om vi hade haft 10 </a:t>
             </a:r>
             <a:r>
               <a:rPr lang="sv-SE" i="0" baseline="0" noProof="0" dirty="0" err="1" smtClean="0"/>
@@ -3775,11 +3767,7 @@
             </a:r>
             <a:r>
               <a:rPr lang="sv-SE" i="0" baseline="0" noProof="0" dirty="0" smtClean="0"/>
-              <a:t> på den noden</a:t>
-            </a:r>
-            <a:r>
-              <a:rPr lang="sv-SE" i="0" baseline="0" noProof="0" dirty="0" smtClean="0"/>
-              <a:t>.</a:t>
+              <a:t> på den noden.</a:t>
             </a:r>
           </a:p>
           <a:p>
@@ -5136,7 +5124,6 @@
               <a:rPr lang="en-US" baseline="0" dirty="0" smtClean="0"/>
               <a:t>.</a:t>
             </a:r>
-            <a:endParaRPr lang="en-US" baseline="0" dirty="0" smtClean="0"/>
           </a:p>
           <a:p>
             <a:endParaRPr lang="en-US" baseline="0" dirty="0" smtClean="0"/>
@@ -5769,11 +5756,7 @@
             </a:r>
             <a:r>
               <a:rPr lang="en-US" baseline="0" dirty="0" smtClean="0"/>
-              <a:t>, </a:t>
-            </a:r>
-            <a:r>
-              <a:rPr lang="en-US" baseline="0" dirty="0" smtClean="0"/>
-              <a:t>till den </a:t>
+              <a:t>, till den </a:t>
             </a:r>
             <a:r>
               <a:rPr lang="en-US" baseline="0" dirty="0" err="1" smtClean="0"/>
@@ -9441,11 +9424,7 @@
             </a:r>
             <a:r>
               <a:rPr lang="en-US" baseline="0" dirty="0" err="1" smtClean="0"/>
-              <a:t>ms</a:t>
-            </a:r>
-            <a:r>
-              <a:rPr lang="en-US" baseline="0" dirty="0" err="1" smtClean="0"/>
-              <a:t>.</a:t>
+              <a:t>ms.</a:t>
             </a:r>
             <a:r>
               <a:rPr lang="en-US" baseline="0" dirty="0" smtClean="0"/>
@@ -9832,7 +9811,6 @@
               <a:rPr lang="en-US" baseline="0" dirty="0" smtClean="0"/>
               <a:t>.</a:t>
             </a:r>
-            <a:endParaRPr lang="en-US" baseline="0" dirty="0" smtClean="0"/>
           </a:p>
           <a:p>
             <a:endParaRPr lang="en-US" baseline="0" dirty="0" smtClean="0"/>
@@ -10589,11 +10567,7 @@
             </a:r>
             <a:r>
               <a:rPr lang="en-US" i="0" baseline="0" dirty="0" smtClean="0"/>
-              <a:t> </a:t>
-            </a:r>
-            <a:r>
-              <a:rPr lang="en-US" i="0" baseline="0" dirty="0" smtClean="0"/>
-              <a:t>den </a:t>
+              <a:t> den </a:t>
             </a:r>
             <a:r>
               <a:rPr lang="en-US" i="0" baseline="0" dirty="0" err="1" smtClean="0"/>
@@ -12053,11 +12027,7 @@
           <a:p>
             <a:r>
               <a:rPr lang="sv-SE" i="0" baseline="0" noProof="0" dirty="0" smtClean="0"/>
-              <a:t>Tiden </a:t>
-            </a:r>
-            <a:r>
-              <a:rPr lang="sv-SE" i="0" baseline="0" noProof="0" dirty="0" smtClean="0"/>
-              <a:t>det tar att </a:t>
+              <a:t>Tiden det tar att </a:t>
             </a:r>
             <a:r>
               <a:rPr lang="sv-SE" i="0" baseline="0" noProof="0" dirty="0" err="1" smtClean="0"/>
@@ -12089,11 +12059,7 @@
             </a:r>
             <a:r>
               <a:rPr lang="sv-SE" i="0" baseline="0" noProof="0" dirty="0" smtClean="0"/>
-              <a:t> </a:t>
-            </a:r>
-            <a:r>
-              <a:rPr lang="sv-SE" i="0" baseline="0" noProof="0" dirty="0" smtClean="0"/>
-              <a:t>medan tiden det tar att hantera felet och skapa en ny </a:t>
+              <a:t> medan tiden det tar att hantera felet och skapa en ny </a:t>
             </a:r>
             <a:r>
               <a:rPr lang="sv-SE" i="0" baseline="0" noProof="0" dirty="0" err="1" smtClean="0"/>
@@ -12110,11 +12076,7 @@
           <a:p>
             <a:r>
               <a:rPr lang="sv-SE" i="0" baseline="0" noProof="0" dirty="0" smtClean="0"/>
-              <a:t>Det beror delvis på hur stort </a:t>
-            </a:r>
-            <a:r>
-              <a:rPr lang="sv-SE" i="0" baseline="0" noProof="0" dirty="0" smtClean="0"/>
-              <a:t>tillståndet, dvs dess </a:t>
+              <a:t>Det beror delvis på hur stort tillståndet, dvs dess </a:t>
             </a:r>
             <a:r>
               <a:rPr lang="sv-SE" i="0" baseline="0" noProof="0" dirty="0" err="1" smtClean="0"/>
@@ -12130,15 +12092,7 @@
             </a:r>
             <a:r>
               <a:rPr lang="sv-SE" i="0" baseline="0" noProof="0" dirty="0" smtClean="0"/>
-              <a:t> </a:t>
-            </a:r>
-            <a:r>
-              <a:rPr lang="sv-SE" i="0" baseline="0" noProof="0" dirty="0" smtClean="0"/>
-              <a:t>är, så </a:t>
-            </a:r>
-            <a:r>
-              <a:rPr lang="sv-SE" i="0" baseline="0" noProof="0" dirty="0" smtClean="0"/>
-              <a:t>därför lagras dessa tider utifrån typ av tjänst.</a:t>
+              <a:t> är, så därför lagras dessa tider utifrån typ av tjänst.</a:t>
             </a:r>
           </a:p>
           <a:p>
@@ -12172,15 +12126,7 @@
             </a:r>
             <a:r>
               <a:rPr lang="sv-SE" i="0" baseline="0" noProof="0" dirty="0" smtClean="0"/>
-              <a:t> dö innan den hinner göra det, även då väljs en ny nod ut, </a:t>
-            </a:r>
-            <a:r>
-              <a:rPr lang="sv-SE" i="0" baseline="0" noProof="0" dirty="0" smtClean="0"/>
-              <a:t> och även </a:t>
-            </a:r>
-            <a:r>
-              <a:rPr lang="sv-SE" i="0" baseline="0" noProof="0" dirty="0" smtClean="0"/>
-              <a:t>noden vi </a:t>
+              <a:t> dö innan den hinner göra det, även då väljs en ny nod ut,  och även noden vi </a:t>
             </a:r>
             <a:r>
               <a:rPr lang="sv-SE" i="0" baseline="0" noProof="0" dirty="0" err="1" smtClean="0"/>
@@ -12188,11 +12134,7 @@
             </a:r>
             <a:r>
               <a:rPr lang="sv-SE" i="0" baseline="0" noProof="0" dirty="0" smtClean="0"/>
-              <a:t> till kan dö</a:t>
-            </a:r>
-            <a:r>
-              <a:rPr lang="sv-SE" i="0" baseline="0" noProof="0" dirty="0" smtClean="0"/>
-              <a:t>.</a:t>
+              <a:t> till kan dö.</a:t>
             </a:r>
           </a:p>
           <a:p>
@@ -12343,11 +12285,7 @@
           <a:p>
             <a:r>
               <a:rPr lang="sv-SE" baseline="0" noProof="0" dirty="0" smtClean="0"/>
-              <a:t>Istället </a:t>
-            </a:r>
-            <a:r>
-              <a:rPr lang="sv-SE" baseline="0" noProof="0" dirty="0" smtClean="0"/>
-              <a:t>genomförde vi ett experiment från vilket vi fick ut över 2000 värden för tiden t (exkluderat tiden det tar att detektera fel). </a:t>
+              <a:t>Istället genomförde vi ett experiment från vilket vi fick ut över 2000 värden för tiden t (exkluderat tiden det tar att detektera fel). </a:t>
             </a:r>
           </a:p>
           <a:p>
@@ -12452,15 +12390,7 @@
           <a:p>
             <a:r>
               <a:rPr lang="sv-SE" noProof="0" dirty="0" smtClean="0"/>
-              <a:t>I </a:t>
-            </a:r>
-            <a:r>
-              <a:rPr lang="sv-SE" noProof="0" dirty="0" smtClean="0"/>
-              <a:t>tillförlitlighetsmodellen</a:t>
-            </a:r>
-            <a:r>
-              <a:rPr lang="sv-SE" noProof="0" dirty="0" smtClean="0"/>
-              <a:t>,</a:t>
+              <a:t>I tillförlitlighetsmodellen,</a:t>
             </a:r>
             <a:r>
               <a:rPr lang="sv-SE" baseline="0" noProof="0" dirty="0" smtClean="0"/>
@@ -12933,12 +12863,11 @@
               <a:rPr lang="en-US" baseline="0" dirty="0" smtClean="0"/>
               <a:t>.</a:t>
             </a:r>
+          </a:p>
+          <a:p>
             <a:endParaRPr lang="en-US" baseline="0" dirty="0" smtClean="0"/>
           </a:p>
           <a:p>
-            <a:endParaRPr lang="en-US" baseline="0" dirty="0" smtClean="0"/>
-          </a:p>
-          <a:p>
             <a:r>
               <a:rPr lang="en-US" baseline="0" dirty="0" err="1" smtClean="0"/>
               <a:t>Vidare</a:t>
@@ -13065,11 +12994,7 @@
             </a:r>
             <a:r>
               <a:rPr lang="en-US" baseline="0" dirty="0" smtClean="0"/>
-              <a:t> </a:t>
-            </a:r>
-            <a:r>
-              <a:rPr lang="en-US" baseline="0" dirty="0" smtClean="0"/>
-              <a:t>en </a:t>
+              <a:t> en </a:t>
             </a:r>
             <a:r>
               <a:rPr lang="en-US" baseline="0" dirty="0" err="1" smtClean="0"/>
@@ -13165,11 +13090,7 @@
             </a:r>
             <a:r>
               <a:rPr lang="en-US" baseline="0" dirty="0" smtClean="0"/>
-              <a:t> </a:t>
-            </a:r>
-            <a:r>
-              <a:rPr lang="en-US" baseline="0" dirty="0" smtClean="0"/>
-              <a:t>sig till </a:t>
+              <a:t> sig till </a:t>
             </a:r>
             <a:r>
               <a:rPr lang="en-US" baseline="0" dirty="0" err="1" smtClean="0"/>
@@ -13203,7 +13124,6 @@
               <a:rPr lang="en-US" baseline="0" dirty="0" smtClean="0"/>
               <a:t>. </a:t>
             </a:r>
-            <a:endParaRPr lang="en-US" baseline="0" dirty="0" smtClean="0"/>
           </a:p>
           <a:p>
             <a:endParaRPr lang="en-US" baseline="0" dirty="0" smtClean="0"/>
@@ -13523,11 +13443,7 @@
             </a:r>
             <a:r>
               <a:rPr lang="sv-SE" baseline="0" dirty="0" smtClean="0"/>
-              <a:t> i Calvin byggs upp av sammankopplade </a:t>
-            </a:r>
-            <a:r>
-              <a:rPr lang="sv-SE" baseline="0" dirty="0" smtClean="0"/>
-              <a:t>aktörer</a:t>
+              <a:t> i Calvin byggs upp av sammankopplade aktörer</a:t>
             </a:r>
           </a:p>
           <a:p>
@@ -13578,7 +13494,6 @@
               <a:rPr lang="sv-SE" baseline="0" dirty="0" smtClean="0"/>
               <a:t>.</a:t>
             </a:r>
-            <a:endParaRPr lang="sv-SE" baseline="0" dirty="0" smtClean="0"/>
           </a:p>
         </p:txBody>
       </p:sp>
@@ -19078,7 +18993,6 @@
               <a:rPr lang="en-US" baseline="0" dirty="0" smtClean="0"/>
               <a:t>.</a:t>
             </a:r>
-            <a:endParaRPr lang="en-US" baseline="0" dirty="0" smtClean="0"/>
           </a:p>
         </p:txBody>
       </p:sp>
@@ -19491,6 +19405,90 @@
 </p:notes>
 </file>
 
+<file path=ppt/notesSlides/notesSlide53.xml><?xml version="1.0" encoding="utf-8"?>
+<p:notes xmlns:a="http://schemas.openxmlformats.org/drawingml/2006/main" xmlns:r="http://schemas.openxmlformats.org/officeDocument/2006/relationships" xmlns:p="http://schemas.openxmlformats.org/presentationml/2006/main">
+  <p:cSld>
+    <p:spTree>
+      <p:nvGrpSpPr>
+        <p:cNvPr id="1" name=""/>
+        <p:cNvGrpSpPr/>
+        <p:nvPr/>
+      </p:nvGrpSpPr>
+      <p:grpSpPr>
+        <a:xfrm>
+          <a:off x="0" y="0"/>
+          <a:ext cx="0" cy="0"/>
+          <a:chOff x="0" y="0"/>
+          <a:chExt cx="0" cy="0"/>
+        </a:xfrm>
+      </p:grpSpPr>
+      <p:sp>
+        <p:nvSpPr>
+          <p:cNvPr id="2" name="Platshållare för bildobjekt 1"/>
+          <p:cNvSpPr>
+            <a:spLocks noGrp="1" noRot="1" noChangeAspect="1"/>
+          </p:cNvSpPr>
+          <p:nvPr>
+            <p:ph type="sldImg"/>
+          </p:nvPr>
+        </p:nvSpPr>
+        <p:spPr/>
+      </p:sp>
+      <p:sp>
+        <p:nvSpPr>
+          <p:cNvPr id="3" name="Platshållare för anteckningar 2"/>
+          <p:cNvSpPr>
+            <a:spLocks noGrp="1"/>
+          </p:cNvSpPr>
+          <p:nvPr>
+            <p:ph type="body" idx="1"/>
+          </p:nvPr>
+        </p:nvSpPr>
+        <p:spPr/>
+        <p:txBody>
+          <a:bodyPr/>
+          <a:lstStyle/>
+          <a:p>
+            <a:endParaRPr lang="sv-SE" baseline="0" dirty="0" smtClean="0"/>
+          </a:p>
+        </p:txBody>
+      </p:sp>
+      <p:sp>
+        <p:nvSpPr>
+          <p:cNvPr id="4" name="Platshållare för bildnummer 3"/>
+          <p:cNvSpPr>
+            <a:spLocks noGrp="1"/>
+          </p:cNvSpPr>
+          <p:nvPr>
+            <p:ph type="sldNum" sz="quarter" idx="10"/>
+          </p:nvPr>
+        </p:nvSpPr>
+        <p:spPr/>
+        <p:txBody>
+          <a:bodyPr/>
+          <a:lstStyle/>
+          <a:p>
+            <a:fld id="{100650DF-8CBF-0341-B1F9-47D0C0CD302F}" type="slidenum">
+              <a:rPr lang="en-US" smtClean="0"/>
+              <a:t>55</a:t>
+            </a:fld>
+            <a:endParaRPr lang="en-US"/>
+          </a:p>
+        </p:txBody>
+      </p:sp>
+    </p:spTree>
+    <p:extLst>
+      <p:ext uri="{BB962C8B-B14F-4D97-AF65-F5344CB8AC3E}">
+        <p14:creationId xmlns:p14="http://schemas.microsoft.com/office/powerpoint/2010/main" val="101356061"/>
+      </p:ext>
+    </p:extLst>
+  </p:cSld>
+  <p:clrMapOvr>
+    <a:masterClrMapping/>
+  </p:clrMapOvr>
+</p:notes>
+</file>
+
 <file path=ppt/notesSlides/notesSlide6.xml><?xml version="1.0" encoding="utf-8"?>
 <p:notes xmlns:a="http://schemas.openxmlformats.org/drawingml/2006/main" xmlns:r="http://schemas.openxmlformats.org/officeDocument/2006/relationships" xmlns:p="http://schemas.openxmlformats.org/presentationml/2006/main">
   <p:cSld>
@@ -21740,12 +21738,11 @@
               <a:rPr lang="en-US" baseline="0" dirty="0" smtClean="0"/>
               <a:t>.</a:t>
             </a:r>
+          </a:p>
+          <a:p>
             <a:endParaRPr lang="en-US" baseline="0" dirty="0" smtClean="0"/>
           </a:p>
           <a:p>
-            <a:endParaRPr lang="en-US" baseline="0" dirty="0" smtClean="0"/>
-          </a:p>
-          <a:p>
             <a:r>
               <a:rPr lang="en-US" baseline="0" dirty="0" smtClean="0"/>
               <a:t>I </a:t>
@@ -21876,11 +21873,7 @@
             </a:r>
             <a:r>
               <a:rPr lang="en-US" baseline="0" dirty="0" smtClean="0"/>
-              <a:t> </a:t>
-            </a:r>
-            <a:r>
-              <a:rPr lang="en-US" baseline="0" dirty="0" smtClean="0"/>
-              <a:t>vi </a:t>
+              <a:t> vi </a:t>
             </a:r>
             <a:r>
               <a:rPr lang="en-US" baseline="0" dirty="0" err="1" smtClean="0"/>
@@ -25920,11 +25913,7 @@
           <a:p>
             <a:r>
               <a:rPr lang="en-US" dirty="0" smtClean="0"/>
-              <a:t>Reliability </a:t>
-            </a:r>
-            <a:r>
-              <a:rPr lang="en-US" dirty="0" smtClean="0"/>
-              <a:t>definition cont’d</a:t>
+              <a:t>Reliability definition cont’d</a:t>
             </a:r>
             <a:endParaRPr lang="en-US" dirty="0"/>
           </a:p>
@@ -26565,8 +26554,8 @@
           </p:sp>
         </mc:Fallback>
       </mc:AlternateContent>
-      <mc:AlternateContent xmlns:mc="http://schemas.openxmlformats.org/markup-compatibility/2006">
-        <mc:Choice xmlns:a14="http://schemas.microsoft.com/office/drawing/2010/main" Requires="a14">
+      <mc:AlternateContent xmlns:mc="http://schemas.openxmlformats.org/markup-compatibility/2006" xmlns:a14="http://schemas.microsoft.com/office/drawing/2010/main">
+        <mc:Choice Requires="a14">
           <p:sp>
             <p:nvSpPr>
               <p:cNvPr id="6" name="Rectangle 5"/>
@@ -26676,7 +26665,7 @@
             </p:txBody>
           </p:sp>
         </mc:Choice>
-        <mc:Fallback>
+        <mc:Fallback xmlns="">
           <p:sp>
             <p:nvSpPr>
               <p:cNvPr id="6" name="Rectangle 5"/>
@@ -27296,11 +27285,7 @@
           <a:p>
             <a:r>
               <a:rPr lang="en-US" dirty="0" smtClean="0"/>
-              <a:t>Reliability </a:t>
-            </a:r>
-            <a:r>
-              <a:rPr lang="en-US" dirty="0" smtClean="0"/>
-              <a:t>model</a:t>
+              <a:t>Reliability model</a:t>
             </a:r>
             <a:endParaRPr lang="en-US" dirty="0"/>
           </a:p>
@@ -27388,42 +27373,14 @@
             </a:pPr>
             <a:r>
               <a:rPr lang="is-IS" dirty="0" smtClean="0"/>
-              <a:t>Note that since only considering node failures, and </a:t>
-            </a:r>
-            <a:r>
-              <a:rPr lang="is-IS" dirty="0" smtClean="0"/>
-              <a:t>assuming failures </a:t>
-            </a:r>
-            <a:r>
-              <a:rPr lang="is-IS" dirty="0" smtClean="0"/>
-              <a:t>do not depend on the job </a:t>
-            </a:r>
-            <a:r>
-              <a:rPr lang="is-IS" dirty="0" smtClean="0"/>
-              <a:t>the nodes </a:t>
-            </a:r>
-            <a:r>
-              <a:rPr lang="is-IS" dirty="0" smtClean="0"/>
-              <a:t>do, the reliability depends </a:t>
-            </a:r>
-            <a:r>
-              <a:rPr lang="is-IS" dirty="0" smtClean="0"/>
-              <a:t>only on </a:t>
-            </a:r>
-            <a:r>
-              <a:rPr lang="is-IS" dirty="0" smtClean="0"/>
-              <a:t>the nodes on which the replicas are running, not the number of </a:t>
-            </a:r>
-            <a:r>
-              <a:rPr lang="is-IS" dirty="0" smtClean="0"/>
-              <a:t>replicas</a:t>
+              <a:t>Note that since only considering node failures, and assuming failures do not depend on the job the nodes do, the reliability depends only on the nodes on which the replicas are running, not the number of replicas</a:t>
             </a:r>
             <a:endParaRPr lang="en-US" dirty="0"/>
           </a:p>
         </p:txBody>
       </p:sp>
-      <mc:AlternateContent xmlns:mc="http://schemas.openxmlformats.org/markup-compatibility/2006">
-        <mc:Choice xmlns:a14="http://schemas.microsoft.com/office/drawing/2010/main" Requires="a14">
+      <mc:AlternateContent xmlns:mc="http://schemas.openxmlformats.org/markup-compatibility/2006" xmlns:a14="http://schemas.microsoft.com/office/drawing/2010/main">
+        <mc:Choice Requires="a14">
           <p:sp>
             <p:nvSpPr>
               <p:cNvPr id="4" name="Rectangle 3"/>
@@ -27978,7 +27935,7 @@
             </p:txBody>
           </p:sp>
         </mc:Choice>
-        <mc:Fallback>
+        <mc:Fallback xmlns="">
           <p:sp>
             <p:nvSpPr>
               <p:cNvPr id="4" name="Rectangle 3"/>
@@ -30384,11 +30341,7 @@
             </a:r>
             <a:r>
               <a:rPr lang="en-US" dirty="0" smtClean="0"/>
-              <a:t>nodes</a:t>
-            </a:r>
-            <a:r>
-              <a:rPr lang="en-US" dirty="0" smtClean="0"/>
-              <a:t>, </a:t>
+              <a:t>nodes, </a:t>
             </a:r>
             <a:r>
               <a:rPr lang="is-IS" dirty="0" smtClean="0"/>
@@ -30730,7 +30683,6 @@
               <a:rPr lang="en-US" dirty="0" smtClean="0"/>
               <a:t>nodes, ...”</a:t>
             </a:r>
-            <a:endParaRPr lang="en-US" dirty="0" smtClean="0"/>
           </a:p>
           <a:p>
             <a:pPr marL="0" indent="0">
@@ -30943,15 +30895,7 @@
             </a:br>
             <a:r>
               <a:rPr lang="is-IS" dirty="0" smtClean="0"/>
-              <a:t>the </a:t>
-            </a:r>
-            <a:r>
-              <a:rPr lang="is-IS" dirty="0" smtClean="0"/>
-              <a:t>required </a:t>
-            </a:r>
-            <a:r>
-              <a:rPr lang="is-IS" dirty="0" smtClean="0"/>
-              <a:t>reliability is still met ...”</a:t>
+              <a:t>the required reliability is still met ...”</a:t>
             </a:r>
           </a:p>
           <a:p>
@@ -31457,15 +31401,7 @@
             </a:br>
             <a:r>
               <a:rPr lang="is-IS" dirty="0" smtClean="0"/>
-              <a:t>the </a:t>
-            </a:r>
-            <a:r>
-              <a:rPr lang="is-IS" dirty="0" smtClean="0"/>
-              <a:t>required </a:t>
-            </a:r>
-            <a:r>
-              <a:rPr lang="is-IS" dirty="0" smtClean="0"/>
-              <a:t>reliability is still met ...”</a:t>
+              <a:t>the required reliability is still met ...”</a:t>
             </a:r>
           </a:p>
           <a:p>
@@ -32238,11 +32174,7 @@
             </a:pPr>
             <a:r>
               <a:rPr lang="en-US" dirty="0" smtClean="0"/>
-              <a:t>Hardware, network, energy supply, etc</a:t>
-            </a:r>
-            <a:r>
-              <a:rPr lang="en-US" dirty="0" smtClean="0"/>
-              <a:t>.</a:t>
+              <a:t>Hardware, network, energy supply, etc.</a:t>
             </a:r>
           </a:p>
           <a:p>
@@ -32263,15 +32195,7 @@
             </a:pPr>
             <a:r>
               <a:rPr lang="en-US" dirty="0" smtClean="0"/>
-              <a:t>For many applications, e.g. stream </a:t>
-            </a:r>
-            <a:r>
-              <a:rPr lang="en-US" dirty="0" smtClean="0"/>
-              <a:t>data processing </a:t>
-            </a:r>
-            <a:r>
-              <a:rPr lang="en-US" dirty="0" smtClean="0"/>
-              <a:t>applications, valuable data may be lost in case of a failure</a:t>
+              <a:t>For many applications, e.g. stream data processing applications, valuable data may be lost in case of a failure</a:t>
             </a:r>
           </a:p>
           <a:p>
@@ -34503,11 +34427,7 @@
           <a:p>
             <a:r>
               <a:rPr lang="en-US" dirty="0" smtClean="0"/>
-              <a:t>Calvin - </a:t>
-            </a:r>
-            <a:r>
-              <a:rPr lang="en-US" dirty="0" smtClean="0"/>
-              <a:t>application</a:t>
+              <a:t>Calvin - application</a:t>
             </a:r>
             <a:endParaRPr lang="en-US" dirty="0"/>
           </a:p>
@@ -34533,13 +34453,8 @@
             </a:pPr>
             <a:r>
               <a:rPr lang="en-US" dirty="0" smtClean="0"/>
-              <a:t>An application in Calvin is made up from a set of connected </a:t>
-            </a:r>
-            <a:r>
-              <a:rPr lang="en-US" dirty="0" smtClean="0"/>
-              <a:t>actors</a:t>
-            </a:r>
-            <a:endParaRPr lang="en-US" dirty="0" smtClean="0"/>
+              <a:t>An application in Calvin is made up from a set of connected actors</a:t>
+            </a:r>
           </a:p>
         </p:txBody>
       </p:sp>
@@ -34627,11 +34542,7 @@
           <a:p>
             <a:r>
               <a:rPr lang="en-US" dirty="0" smtClean="0"/>
-              <a:t>Calvin - </a:t>
-            </a:r>
-            <a:r>
-              <a:rPr lang="en-US" dirty="0" smtClean="0"/>
-              <a:t>example</a:t>
+              <a:t>Calvin - example</a:t>
             </a:r>
             <a:endParaRPr lang="en-US" dirty="0"/>
           </a:p>
@@ -34657,13 +34568,8 @@
             </a:pPr>
             <a:r>
               <a:rPr lang="en-US" dirty="0" smtClean="0"/>
-              <a:t>An application in Calvin is made up from a set of connected </a:t>
-            </a:r>
-            <a:r>
-              <a:rPr lang="en-US" dirty="0" smtClean="0"/>
-              <a:t>actors</a:t>
-            </a:r>
-            <a:endParaRPr lang="en-US" dirty="0" smtClean="0"/>
+              <a:t>An application in Calvin is made up from a set of connected actors</a:t>
+            </a:r>
           </a:p>
         </p:txBody>
       </p:sp>
@@ -35720,13 +35626,8 @@
             </a:pPr>
             <a:r>
               <a:rPr lang="en-US" dirty="0" smtClean="0"/>
-              <a:t>The network is fully reliable, e.g. no </a:t>
-            </a:r>
-            <a:r>
-              <a:rPr lang="en-US" dirty="0" smtClean="0"/>
-              <a:t>link failures</a:t>
-            </a:r>
-            <a:endParaRPr lang="en-US" dirty="0" smtClean="0"/>
+              <a:t>The network is fully reliable, e.g. no link failures</a:t>
+            </a:r>
           </a:p>
           <a:p>
             <a:pPr lvl="1">
@@ -35735,11 +35636,7 @@
             </a:pPr>
             <a:r>
               <a:rPr lang="en-US" dirty="0" smtClean="0"/>
-              <a:t>All tasks always produce a correct </a:t>
-            </a:r>
-            <a:r>
-              <a:rPr lang="en-US" dirty="0" smtClean="0"/>
-              <a:t>result</a:t>
+              <a:t>All tasks always produce a correct result</a:t>
             </a:r>
           </a:p>
           <a:p>
@@ -35749,11 +35646,7 @@
             </a:pPr>
             <a:r>
               <a:rPr lang="en-US" dirty="0" smtClean="0"/>
-              <a:t>This </a:t>
-            </a:r>
-            <a:r>
-              <a:rPr lang="en-US" dirty="0" smtClean="0"/>
-              <a:t>results in that all failures are connected to the different resources    %TODO </a:t>
+              <a:t>This results in that all failures are connected to the different resources    %TODO </a:t>
             </a:r>
             <a:endParaRPr lang="en-US" dirty="0"/>
           </a:p>
@@ -36775,7 +36668,7 @@
           <a:p>
             <a:r>
               <a:rPr lang="en-GB" dirty="0" smtClean="0"/>
-              <a:t>Demo</a:t>
+              <a:t>Demo – video transcoding</a:t>
             </a:r>
             <a:endParaRPr lang="en-US" dirty="0"/>
           </a:p>
@@ -36791,13 +36684,13 @@
             <p:ph idx="1"/>
             <p:extLst>
               <p:ext uri="{D42A27DB-BD31-4B8C-83A1-F6EECF244321}">
-                <p14:modId xmlns:p14="http://schemas.microsoft.com/office/powerpoint/2010/main" val="1923412950"/>
+                <p14:modId xmlns:p14="http://schemas.microsoft.com/office/powerpoint/2010/main" val="170634112"/>
               </p:ext>
             </p:extLst>
           </p:nvPr>
         </p:nvGraphicFramePr>
         <p:xfrm>
-          <a:off x="3883270" y="2026366"/>
+          <a:off x="6669260" y="2021134"/>
           <a:ext cx="4486420" cy="3847960"/>
         </p:xfrm>
         <a:graphic>
@@ -37114,10 +37007,704 @@
           </a:graphicData>
         </a:graphic>
       </p:graphicFrame>
+      <p:sp>
+        <p:nvSpPr>
+          <p:cNvPr id="5" name="Platshållare för innehåll 2"/>
+          <p:cNvSpPr txBox="1">
+            <a:spLocks/>
+          </p:cNvSpPr>
+          <p:nvPr/>
+        </p:nvSpPr>
+        <p:spPr>
+          <a:xfrm>
+            <a:off x="1097280" y="1845734"/>
+            <a:ext cx="10058400" cy="4023360"/>
+          </a:xfrm>
+          <a:prstGeom prst="rect">
+            <a:avLst/>
+          </a:prstGeom>
+        </p:spPr>
+        <p:txBody>
+          <a:bodyPr vert="horz" lIns="0" tIns="45720" rIns="0" bIns="45720" rtlCol="0">
+            <a:normAutofit/>
+          </a:bodyPr>
+          <a:lstStyle>
+            <a:lvl1pPr marL="91440" indent="-91440" algn="l" defTabSz="914400" rtl="0" eaLnBrk="1" latinLnBrk="0" hangingPunct="1">
+              <a:lnSpc>
+                <a:spcPct val="90000"/>
+              </a:lnSpc>
+              <a:spcBef>
+                <a:spcPts val="1200"/>
+              </a:spcBef>
+              <a:spcAft>
+                <a:spcPts val="200"/>
+              </a:spcAft>
+              <a:buClr>
+                <a:schemeClr val="accent1"/>
+              </a:buClr>
+              <a:buSzPct val="100000"/>
+              <a:buFont typeface="Calibri" panose="020F0502020204030204" pitchFamily="34" charset="0"/>
+              <a:buChar char=" "/>
+              <a:defRPr sz="2000" kern="1200">
+                <a:solidFill>
+                  <a:schemeClr val="tx1">
+                    <a:lumMod val="75000"/>
+                    <a:lumOff val="25000"/>
+                  </a:schemeClr>
+                </a:solidFill>
+                <a:latin typeface="+mn-lt"/>
+                <a:ea typeface="+mn-ea"/>
+                <a:cs typeface="+mn-cs"/>
+              </a:defRPr>
+            </a:lvl1pPr>
+            <a:lvl2pPr marL="384048" indent="-182880" algn="l" defTabSz="914400" rtl="0" eaLnBrk="1" latinLnBrk="0" hangingPunct="1">
+              <a:lnSpc>
+                <a:spcPct val="90000"/>
+              </a:lnSpc>
+              <a:spcBef>
+                <a:spcPts val="200"/>
+              </a:spcBef>
+              <a:spcAft>
+                <a:spcPts val="400"/>
+              </a:spcAft>
+              <a:buClr>
+                <a:schemeClr val="accent1"/>
+              </a:buClr>
+              <a:buFont typeface="Calibri" pitchFamily="34" charset="0"/>
+              <a:buChar char="◦"/>
+              <a:defRPr sz="1800" kern="1200">
+                <a:solidFill>
+                  <a:schemeClr val="tx1">
+                    <a:lumMod val="75000"/>
+                    <a:lumOff val="25000"/>
+                  </a:schemeClr>
+                </a:solidFill>
+                <a:latin typeface="+mn-lt"/>
+                <a:ea typeface="+mn-ea"/>
+                <a:cs typeface="+mn-cs"/>
+              </a:defRPr>
+            </a:lvl2pPr>
+            <a:lvl3pPr marL="566928" indent="-182880" algn="l" defTabSz="914400" rtl="0" eaLnBrk="1" latinLnBrk="0" hangingPunct="1">
+              <a:lnSpc>
+                <a:spcPct val="90000"/>
+              </a:lnSpc>
+              <a:spcBef>
+                <a:spcPts val="200"/>
+              </a:spcBef>
+              <a:spcAft>
+                <a:spcPts val="400"/>
+              </a:spcAft>
+              <a:buClr>
+                <a:schemeClr val="accent1"/>
+              </a:buClr>
+              <a:buFont typeface="Calibri" pitchFamily="34" charset="0"/>
+              <a:buChar char="◦"/>
+              <a:defRPr sz="1400" kern="1200">
+                <a:solidFill>
+                  <a:schemeClr val="tx1">
+                    <a:lumMod val="75000"/>
+                    <a:lumOff val="25000"/>
+                  </a:schemeClr>
+                </a:solidFill>
+                <a:latin typeface="+mn-lt"/>
+                <a:ea typeface="+mn-ea"/>
+                <a:cs typeface="+mn-cs"/>
+              </a:defRPr>
+            </a:lvl3pPr>
+            <a:lvl4pPr marL="749808" indent="-182880" algn="l" defTabSz="914400" rtl="0" eaLnBrk="1" latinLnBrk="0" hangingPunct="1">
+              <a:lnSpc>
+                <a:spcPct val="90000"/>
+              </a:lnSpc>
+              <a:spcBef>
+                <a:spcPts val="200"/>
+              </a:spcBef>
+              <a:spcAft>
+                <a:spcPts val="400"/>
+              </a:spcAft>
+              <a:buClr>
+                <a:schemeClr val="accent1"/>
+              </a:buClr>
+              <a:buFont typeface="Calibri" pitchFamily="34" charset="0"/>
+              <a:buChar char="◦"/>
+              <a:defRPr sz="1400" kern="1200">
+                <a:solidFill>
+                  <a:schemeClr val="tx1">
+                    <a:lumMod val="75000"/>
+                    <a:lumOff val="25000"/>
+                  </a:schemeClr>
+                </a:solidFill>
+                <a:latin typeface="+mn-lt"/>
+                <a:ea typeface="+mn-ea"/>
+                <a:cs typeface="+mn-cs"/>
+              </a:defRPr>
+            </a:lvl4pPr>
+            <a:lvl5pPr marL="932688" indent="-182880" algn="l" defTabSz="914400" rtl="0" eaLnBrk="1" latinLnBrk="0" hangingPunct="1">
+              <a:lnSpc>
+                <a:spcPct val="90000"/>
+              </a:lnSpc>
+              <a:spcBef>
+                <a:spcPts val="200"/>
+              </a:spcBef>
+              <a:spcAft>
+                <a:spcPts val="400"/>
+              </a:spcAft>
+              <a:buClr>
+                <a:schemeClr val="accent1"/>
+              </a:buClr>
+              <a:buFont typeface="Calibri" pitchFamily="34" charset="0"/>
+              <a:buChar char="◦"/>
+              <a:defRPr sz="1400" kern="1200">
+                <a:solidFill>
+                  <a:schemeClr val="tx1">
+                    <a:lumMod val="75000"/>
+                    <a:lumOff val="25000"/>
+                  </a:schemeClr>
+                </a:solidFill>
+                <a:latin typeface="+mn-lt"/>
+                <a:ea typeface="+mn-ea"/>
+                <a:cs typeface="+mn-cs"/>
+              </a:defRPr>
+            </a:lvl5pPr>
+            <a:lvl6pPr marL="1100000" indent="-228600" algn="l" defTabSz="914400" rtl="0" eaLnBrk="1" latinLnBrk="0" hangingPunct="1">
+              <a:lnSpc>
+                <a:spcPct val="90000"/>
+              </a:lnSpc>
+              <a:spcBef>
+                <a:spcPts val="200"/>
+              </a:spcBef>
+              <a:spcAft>
+                <a:spcPts val="400"/>
+              </a:spcAft>
+              <a:buClr>
+                <a:schemeClr val="accent1"/>
+              </a:buClr>
+              <a:buFont typeface="Calibri" pitchFamily="34" charset="0"/>
+              <a:buChar char="◦"/>
+              <a:defRPr sz="1400" kern="1200">
+                <a:solidFill>
+                  <a:schemeClr val="tx1">
+                    <a:lumMod val="75000"/>
+                    <a:lumOff val="25000"/>
+                  </a:schemeClr>
+                </a:solidFill>
+                <a:latin typeface="+mn-lt"/>
+                <a:ea typeface="+mn-ea"/>
+                <a:cs typeface="+mn-cs"/>
+              </a:defRPr>
+            </a:lvl6pPr>
+            <a:lvl7pPr marL="1300000" indent="-228600" algn="l" defTabSz="914400" rtl="0" eaLnBrk="1" latinLnBrk="0" hangingPunct="1">
+              <a:lnSpc>
+                <a:spcPct val="90000"/>
+              </a:lnSpc>
+              <a:spcBef>
+                <a:spcPts val="200"/>
+              </a:spcBef>
+              <a:spcAft>
+                <a:spcPts val="400"/>
+              </a:spcAft>
+              <a:buClr>
+                <a:schemeClr val="accent1"/>
+              </a:buClr>
+              <a:buFont typeface="Calibri" pitchFamily="34" charset="0"/>
+              <a:buChar char="◦"/>
+              <a:defRPr sz="1400" kern="1200">
+                <a:solidFill>
+                  <a:schemeClr val="tx1">
+                    <a:lumMod val="75000"/>
+                    <a:lumOff val="25000"/>
+                  </a:schemeClr>
+                </a:solidFill>
+                <a:latin typeface="+mn-lt"/>
+                <a:ea typeface="+mn-ea"/>
+                <a:cs typeface="+mn-cs"/>
+              </a:defRPr>
+            </a:lvl7pPr>
+            <a:lvl8pPr marL="1500000" indent="-228600" algn="l" defTabSz="914400" rtl="0" eaLnBrk="1" latinLnBrk="0" hangingPunct="1">
+              <a:lnSpc>
+                <a:spcPct val="90000"/>
+              </a:lnSpc>
+              <a:spcBef>
+                <a:spcPts val="200"/>
+              </a:spcBef>
+              <a:spcAft>
+                <a:spcPts val="400"/>
+              </a:spcAft>
+              <a:buClr>
+                <a:schemeClr val="accent1"/>
+              </a:buClr>
+              <a:buFont typeface="Calibri" pitchFamily="34" charset="0"/>
+              <a:buChar char="◦"/>
+              <a:defRPr sz="1400" kern="1200">
+                <a:solidFill>
+                  <a:schemeClr val="tx1">
+                    <a:lumMod val="75000"/>
+                    <a:lumOff val="25000"/>
+                  </a:schemeClr>
+                </a:solidFill>
+                <a:latin typeface="+mn-lt"/>
+                <a:ea typeface="+mn-ea"/>
+                <a:cs typeface="+mn-cs"/>
+              </a:defRPr>
+            </a:lvl8pPr>
+            <a:lvl9pPr marL="1700000" indent="-228600" algn="l" defTabSz="914400" rtl="0" eaLnBrk="1" latinLnBrk="0" hangingPunct="1">
+              <a:lnSpc>
+                <a:spcPct val="90000"/>
+              </a:lnSpc>
+              <a:spcBef>
+                <a:spcPts val="200"/>
+              </a:spcBef>
+              <a:spcAft>
+                <a:spcPts val="400"/>
+              </a:spcAft>
+              <a:buClr>
+                <a:schemeClr val="accent1"/>
+              </a:buClr>
+              <a:buFont typeface="Calibri" pitchFamily="34" charset="0"/>
+              <a:buChar char="◦"/>
+              <a:defRPr sz="1400" kern="1200">
+                <a:solidFill>
+                  <a:schemeClr val="tx1">
+                    <a:lumMod val="75000"/>
+                    <a:lumOff val="25000"/>
+                  </a:schemeClr>
+                </a:solidFill>
+                <a:latin typeface="+mn-lt"/>
+                <a:ea typeface="+mn-ea"/>
+                <a:cs typeface="+mn-cs"/>
+              </a:defRPr>
+            </a:lvl9pPr>
+          </a:lstStyle>
+          <a:p>
+            <a:pPr>
+              <a:buFont typeface="Arial" panose="020B0604020202020204" pitchFamily="34" charset="0"/>
+              <a:buChar char="•"/>
+            </a:pPr>
+            <a:r>
+              <a:rPr lang="en-US" dirty="0" smtClean="0"/>
+              <a:t> Setup:</a:t>
+            </a:r>
+          </a:p>
+          <a:p>
+            <a:pPr lvl="1">
+              <a:buFont typeface="Arial" panose="020B0604020202020204" pitchFamily="34" charset="0"/>
+              <a:buChar char="•"/>
+            </a:pPr>
+            <a:r>
+              <a:rPr lang="en-US" dirty="0" smtClean="0"/>
+              <a:t>10 nodes (Calvin runtimes) </a:t>
+            </a:r>
+            <a:br>
+              <a:rPr lang="en-US" dirty="0" smtClean="0"/>
+            </a:br>
+            <a:r>
+              <a:rPr lang="en-US" dirty="0" smtClean="0"/>
+              <a:t>with varying failure rates (MTBF)</a:t>
+            </a:r>
+          </a:p>
+          <a:p>
+            <a:pPr lvl="1">
+              <a:buFont typeface="Arial" panose="020B0604020202020204" pitchFamily="34" charset="0"/>
+              <a:buChar char="•"/>
+            </a:pPr>
+            <a:r>
+              <a:rPr lang="en-US" dirty="0" smtClean="0"/>
+              <a:t>Video transcoding application</a:t>
+            </a:r>
+            <a:endParaRPr lang="en-US" dirty="0"/>
+          </a:p>
+          <a:p>
+            <a:pPr lvl="1">
+              <a:buFont typeface="Arial" panose="020B0604020202020204" pitchFamily="34" charset="0"/>
+              <a:buChar char="•"/>
+            </a:pPr>
+            <a:endParaRPr lang="en-US" dirty="0" smtClean="0"/>
+          </a:p>
+          <a:p>
+            <a:pPr lvl="1">
+              <a:buFont typeface="Arial" panose="020B0604020202020204" pitchFamily="34" charset="0"/>
+              <a:buChar char="•"/>
+            </a:pPr>
+            <a:endParaRPr lang="en-US" dirty="0" smtClean="0"/>
+          </a:p>
+        </p:txBody>
+      </p:sp>
     </p:spTree>
     <p:extLst>
       <p:ext uri="{BB962C8B-B14F-4D97-AF65-F5344CB8AC3E}">
         <p14:creationId xmlns:p14="http://schemas.microsoft.com/office/powerpoint/2010/main" val="1878429096"/>
+      </p:ext>
+    </p:extLst>
+  </p:cSld>
+  <p:clrMapOvr>
+    <a:masterClrMapping/>
+  </p:clrMapOvr>
+  <p:timing>
+    <p:tnLst>
+      <p:par>
+        <p:cTn id="1" dur="indefinite" restart="never" nodeType="tmRoot"/>
+      </p:par>
+    </p:tnLst>
+  </p:timing>
+</p:sld>
+</file>
+
+<file path=ppt/slides/slide55.xml><?xml version="1.0" encoding="utf-8"?>
+<p:sld xmlns:a="http://schemas.openxmlformats.org/drawingml/2006/main" xmlns:r="http://schemas.openxmlformats.org/officeDocument/2006/relationships" xmlns:p="http://schemas.openxmlformats.org/presentationml/2006/main">
+  <p:cSld>
+    <p:spTree>
+      <p:nvGrpSpPr>
+        <p:cNvPr id="1" name=""/>
+        <p:cNvGrpSpPr/>
+        <p:nvPr/>
+      </p:nvGrpSpPr>
+      <p:grpSpPr>
+        <a:xfrm>
+          <a:off x="0" y="0"/>
+          <a:ext cx="0" cy="0"/>
+          <a:chOff x="0" y="0"/>
+          <a:chExt cx="0" cy="0"/>
+        </a:xfrm>
+      </p:grpSpPr>
+      <p:sp>
+        <p:nvSpPr>
+          <p:cNvPr id="2" name="Rubrik 1"/>
+          <p:cNvSpPr>
+            <a:spLocks noGrp="1"/>
+          </p:cNvSpPr>
+          <p:nvPr>
+            <p:ph type="title"/>
+          </p:nvPr>
+        </p:nvSpPr>
+        <p:spPr/>
+        <p:txBody>
+          <a:bodyPr/>
+          <a:lstStyle/>
+          <a:p>
+            <a:r>
+              <a:rPr lang="en-GB" dirty="0" smtClean="0"/>
+              <a:t>Demo – video transcoding cont’d</a:t>
+            </a:r>
+            <a:endParaRPr lang="en-US" dirty="0"/>
+          </a:p>
+        </p:txBody>
+      </p:sp>
+      <p:sp>
+        <p:nvSpPr>
+          <p:cNvPr id="5" name="Platshållare för innehåll 2"/>
+          <p:cNvSpPr txBox="1">
+            <a:spLocks/>
+          </p:cNvSpPr>
+          <p:nvPr/>
+        </p:nvSpPr>
+        <p:spPr>
+          <a:xfrm>
+            <a:off x="1097280" y="1845734"/>
+            <a:ext cx="10058400" cy="4023360"/>
+          </a:xfrm>
+          <a:prstGeom prst="rect">
+            <a:avLst/>
+          </a:prstGeom>
+        </p:spPr>
+        <p:txBody>
+          <a:bodyPr vert="horz" lIns="0" tIns="45720" rIns="0" bIns="45720" rtlCol="0">
+            <a:normAutofit/>
+          </a:bodyPr>
+          <a:lstStyle>
+            <a:lvl1pPr marL="91440" indent="-91440" algn="l" defTabSz="914400" rtl="0" eaLnBrk="1" latinLnBrk="0" hangingPunct="1">
+              <a:lnSpc>
+                <a:spcPct val="90000"/>
+              </a:lnSpc>
+              <a:spcBef>
+                <a:spcPts val="1200"/>
+              </a:spcBef>
+              <a:spcAft>
+                <a:spcPts val="200"/>
+              </a:spcAft>
+              <a:buClr>
+                <a:schemeClr val="accent1"/>
+              </a:buClr>
+              <a:buSzPct val="100000"/>
+              <a:buFont typeface="Calibri" panose="020F0502020204030204" pitchFamily="34" charset="0"/>
+              <a:buChar char=" "/>
+              <a:defRPr sz="2000" kern="1200">
+                <a:solidFill>
+                  <a:schemeClr val="tx1">
+                    <a:lumMod val="75000"/>
+                    <a:lumOff val="25000"/>
+                  </a:schemeClr>
+                </a:solidFill>
+                <a:latin typeface="+mn-lt"/>
+                <a:ea typeface="+mn-ea"/>
+                <a:cs typeface="+mn-cs"/>
+              </a:defRPr>
+            </a:lvl1pPr>
+            <a:lvl2pPr marL="384048" indent="-182880" algn="l" defTabSz="914400" rtl="0" eaLnBrk="1" latinLnBrk="0" hangingPunct="1">
+              <a:lnSpc>
+                <a:spcPct val="90000"/>
+              </a:lnSpc>
+              <a:spcBef>
+                <a:spcPts val="200"/>
+              </a:spcBef>
+              <a:spcAft>
+                <a:spcPts val="400"/>
+              </a:spcAft>
+              <a:buClr>
+                <a:schemeClr val="accent1"/>
+              </a:buClr>
+              <a:buFont typeface="Calibri" pitchFamily="34" charset="0"/>
+              <a:buChar char="◦"/>
+              <a:defRPr sz="1800" kern="1200">
+                <a:solidFill>
+                  <a:schemeClr val="tx1">
+                    <a:lumMod val="75000"/>
+                    <a:lumOff val="25000"/>
+                  </a:schemeClr>
+                </a:solidFill>
+                <a:latin typeface="+mn-lt"/>
+                <a:ea typeface="+mn-ea"/>
+                <a:cs typeface="+mn-cs"/>
+              </a:defRPr>
+            </a:lvl2pPr>
+            <a:lvl3pPr marL="566928" indent="-182880" algn="l" defTabSz="914400" rtl="0" eaLnBrk="1" latinLnBrk="0" hangingPunct="1">
+              <a:lnSpc>
+                <a:spcPct val="90000"/>
+              </a:lnSpc>
+              <a:spcBef>
+                <a:spcPts val="200"/>
+              </a:spcBef>
+              <a:spcAft>
+                <a:spcPts val="400"/>
+              </a:spcAft>
+              <a:buClr>
+                <a:schemeClr val="accent1"/>
+              </a:buClr>
+              <a:buFont typeface="Calibri" pitchFamily="34" charset="0"/>
+              <a:buChar char="◦"/>
+              <a:defRPr sz="1400" kern="1200">
+                <a:solidFill>
+                  <a:schemeClr val="tx1">
+                    <a:lumMod val="75000"/>
+                    <a:lumOff val="25000"/>
+                  </a:schemeClr>
+                </a:solidFill>
+                <a:latin typeface="+mn-lt"/>
+                <a:ea typeface="+mn-ea"/>
+                <a:cs typeface="+mn-cs"/>
+              </a:defRPr>
+            </a:lvl3pPr>
+            <a:lvl4pPr marL="749808" indent="-182880" algn="l" defTabSz="914400" rtl="0" eaLnBrk="1" latinLnBrk="0" hangingPunct="1">
+              <a:lnSpc>
+                <a:spcPct val="90000"/>
+              </a:lnSpc>
+              <a:spcBef>
+                <a:spcPts val="200"/>
+              </a:spcBef>
+              <a:spcAft>
+                <a:spcPts val="400"/>
+              </a:spcAft>
+              <a:buClr>
+                <a:schemeClr val="accent1"/>
+              </a:buClr>
+              <a:buFont typeface="Calibri" pitchFamily="34" charset="0"/>
+              <a:buChar char="◦"/>
+              <a:defRPr sz="1400" kern="1200">
+                <a:solidFill>
+                  <a:schemeClr val="tx1">
+                    <a:lumMod val="75000"/>
+                    <a:lumOff val="25000"/>
+                  </a:schemeClr>
+                </a:solidFill>
+                <a:latin typeface="+mn-lt"/>
+                <a:ea typeface="+mn-ea"/>
+                <a:cs typeface="+mn-cs"/>
+              </a:defRPr>
+            </a:lvl4pPr>
+            <a:lvl5pPr marL="932688" indent="-182880" algn="l" defTabSz="914400" rtl="0" eaLnBrk="1" latinLnBrk="0" hangingPunct="1">
+              <a:lnSpc>
+                <a:spcPct val="90000"/>
+              </a:lnSpc>
+              <a:spcBef>
+                <a:spcPts val="200"/>
+              </a:spcBef>
+              <a:spcAft>
+                <a:spcPts val="400"/>
+              </a:spcAft>
+              <a:buClr>
+                <a:schemeClr val="accent1"/>
+              </a:buClr>
+              <a:buFont typeface="Calibri" pitchFamily="34" charset="0"/>
+              <a:buChar char="◦"/>
+              <a:defRPr sz="1400" kern="1200">
+                <a:solidFill>
+                  <a:schemeClr val="tx1">
+                    <a:lumMod val="75000"/>
+                    <a:lumOff val="25000"/>
+                  </a:schemeClr>
+                </a:solidFill>
+                <a:latin typeface="+mn-lt"/>
+                <a:ea typeface="+mn-ea"/>
+                <a:cs typeface="+mn-cs"/>
+              </a:defRPr>
+            </a:lvl5pPr>
+            <a:lvl6pPr marL="1100000" indent="-228600" algn="l" defTabSz="914400" rtl="0" eaLnBrk="1" latinLnBrk="0" hangingPunct="1">
+              <a:lnSpc>
+                <a:spcPct val="90000"/>
+              </a:lnSpc>
+              <a:spcBef>
+                <a:spcPts val="200"/>
+              </a:spcBef>
+              <a:spcAft>
+                <a:spcPts val="400"/>
+              </a:spcAft>
+              <a:buClr>
+                <a:schemeClr val="accent1"/>
+              </a:buClr>
+              <a:buFont typeface="Calibri" pitchFamily="34" charset="0"/>
+              <a:buChar char="◦"/>
+              <a:defRPr sz="1400" kern="1200">
+                <a:solidFill>
+                  <a:schemeClr val="tx1">
+                    <a:lumMod val="75000"/>
+                    <a:lumOff val="25000"/>
+                  </a:schemeClr>
+                </a:solidFill>
+                <a:latin typeface="+mn-lt"/>
+                <a:ea typeface="+mn-ea"/>
+                <a:cs typeface="+mn-cs"/>
+              </a:defRPr>
+            </a:lvl6pPr>
+            <a:lvl7pPr marL="1300000" indent="-228600" algn="l" defTabSz="914400" rtl="0" eaLnBrk="1" latinLnBrk="0" hangingPunct="1">
+              <a:lnSpc>
+                <a:spcPct val="90000"/>
+              </a:lnSpc>
+              <a:spcBef>
+                <a:spcPts val="200"/>
+              </a:spcBef>
+              <a:spcAft>
+                <a:spcPts val="400"/>
+              </a:spcAft>
+              <a:buClr>
+                <a:schemeClr val="accent1"/>
+              </a:buClr>
+              <a:buFont typeface="Calibri" pitchFamily="34" charset="0"/>
+              <a:buChar char="◦"/>
+              <a:defRPr sz="1400" kern="1200">
+                <a:solidFill>
+                  <a:schemeClr val="tx1">
+                    <a:lumMod val="75000"/>
+                    <a:lumOff val="25000"/>
+                  </a:schemeClr>
+                </a:solidFill>
+                <a:latin typeface="+mn-lt"/>
+                <a:ea typeface="+mn-ea"/>
+                <a:cs typeface="+mn-cs"/>
+              </a:defRPr>
+            </a:lvl7pPr>
+            <a:lvl8pPr marL="1500000" indent="-228600" algn="l" defTabSz="914400" rtl="0" eaLnBrk="1" latinLnBrk="0" hangingPunct="1">
+              <a:lnSpc>
+                <a:spcPct val="90000"/>
+              </a:lnSpc>
+              <a:spcBef>
+                <a:spcPts val="200"/>
+              </a:spcBef>
+              <a:spcAft>
+                <a:spcPts val="400"/>
+              </a:spcAft>
+              <a:buClr>
+                <a:schemeClr val="accent1"/>
+              </a:buClr>
+              <a:buFont typeface="Calibri" pitchFamily="34" charset="0"/>
+              <a:buChar char="◦"/>
+              <a:defRPr sz="1400" kern="1200">
+                <a:solidFill>
+                  <a:schemeClr val="tx1">
+                    <a:lumMod val="75000"/>
+                    <a:lumOff val="25000"/>
+                  </a:schemeClr>
+                </a:solidFill>
+                <a:latin typeface="+mn-lt"/>
+                <a:ea typeface="+mn-ea"/>
+                <a:cs typeface="+mn-cs"/>
+              </a:defRPr>
+            </a:lvl8pPr>
+            <a:lvl9pPr marL="1700000" indent="-228600" algn="l" defTabSz="914400" rtl="0" eaLnBrk="1" latinLnBrk="0" hangingPunct="1">
+              <a:lnSpc>
+                <a:spcPct val="90000"/>
+              </a:lnSpc>
+              <a:spcBef>
+                <a:spcPts val="200"/>
+              </a:spcBef>
+              <a:spcAft>
+                <a:spcPts val="400"/>
+              </a:spcAft>
+              <a:buClr>
+                <a:schemeClr val="accent1"/>
+              </a:buClr>
+              <a:buFont typeface="Calibri" pitchFamily="34" charset="0"/>
+              <a:buChar char="◦"/>
+              <a:defRPr sz="1400" kern="1200">
+                <a:solidFill>
+                  <a:schemeClr val="tx1">
+                    <a:lumMod val="75000"/>
+                    <a:lumOff val="25000"/>
+                  </a:schemeClr>
+                </a:solidFill>
+                <a:latin typeface="+mn-lt"/>
+                <a:ea typeface="+mn-ea"/>
+                <a:cs typeface="+mn-cs"/>
+              </a:defRPr>
+            </a:lvl9pPr>
+          </a:lstStyle>
+          <a:p>
+            <a:pPr>
+              <a:buFont typeface="Arial" panose="020B0604020202020204" pitchFamily="34" charset="0"/>
+              <a:buChar char="•"/>
+            </a:pPr>
+            <a:endParaRPr lang="en-US" dirty="0" smtClean="0"/>
+          </a:p>
+          <a:p>
+            <a:pPr lvl="1">
+              <a:buFont typeface="Arial" panose="020B0604020202020204" pitchFamily="34" charset="0"/>
+              <a:buChar char="•"/>
+            </a:pPr>
+            <a:endParaRPr lang="en-US" dirty="0" smtClean="0"/>
+          </a:p>
+        </p:txBody>
+      </p:sp>
+      <p:pic>
+        <p:nvPicPr>
+          <p:cNvPr id="6" name="Picture 5"/>
+          <p:cNvPicPr>
+            <a:picLocks noChangeAspect="1"/>
+          </p:cNvPicPr>
+          <p:nvPr/>
+        </p:nvPicPr>
+        <p:blipFill>
+          <a:blip r:embed="rId3">
+            <a:extLst>
+              <a:ext uri="{28A0092B-C50C-407E-A947-70E740481C1C}">
+                <a14:useLocalDpi xmlns:a14="http://schemas.microsoft.com/office/drawing/2010/main" val="0"/>
+              </a:ext>
+            </a:extLst>
+          </a:blip>
+          <a:stretch>
+            <a:fillRect/>
+          </a:stretch>
+        </p:blipFill>
+        <p:spPr>
+          <a:xfrm>
+            <a:off x="1384300" y="2527300"/>
+            <a:ext cx="9423400" cy="1803400"/>
+          </a:xfrm>
+          <a:prstGeom prst="rect">
+            <a:avLst/>
+          </a:prstGeom>
+        </p:spPr>
+      </p:pic>
+    </p:spTree>
+    <p:extLst>
+      <p:ext uri="{BB962C8B-B14F-4D97-AF65-F5344CB8AC3E}">
+        <p14:creationId xmlns:p14="http://schemas.microsoft.com/office/powerpoint/2010/main" val="724224351"/>
       </p:ext>
     </p:extLst>
   </p:cSld>
@@ -37757,11 +38344,7 @@
             </a:pPr>
             <a:r>
               <a:rPr lang="en-US" dirty="0" smtClean="0"/>
-              <a:t> Our </a:t>
-            </a:r>
-            <a:r>
-              <a:rPr lang="en-US" dirty="0" smtClean="0"/>
-              <a:t>definition:</a:t>
+              <a:t> Our definition:</a:t>
             </a:r>
           </a:p>
           <a:p>

--- a/presentation/presentation2.pptx
+++ b/presentation/presentation2.pptx
@@ -11949,11 +11949,7 @@
             </a:r>
             <a:r>
               <a:rPr lang="sv-SE" i="0" baseline="0" noProof="0" dirty="0" smtClean="0"/>
-              <a:t>medan </a:t>
-            </a:r>
-            <a:r>
-              <a:rPr lang="sv-SE" i="0" baseline="0" noProof="0" dirty="0" smtClean="0"/>
-              <a:t>tiden det tar att hantera felet och skapa en ny </a:t>
+              <a:t>medan tiden det tar att hantera felet och skapa en ny </a:t>
             </a:r>
             <a:r>
               <a:rPr lang="sv-SE" i="0" baseline="0" noProof="0" dirty="0" err="1" smtClean="0"/>
@@ -12837,7 +12833,6 @@
               <a:rPr lang="en-US" baseline="0" dirty="0" smtClean="0"/>
               <a:t>. </a:t>
             </a:r>
-            <a:endParaRPr lang="en-US" baseline="0" dirty="0" smtClean="0"/>
           </a:p>
           <a:p>
             <a:pPr marL="0" marR="0" indent="0" algn="l" defTabSz="914400" rtl="0" eaLnBrk="1" fontAlgn="auto" latinLnBrk="0" hangingPunct="1">
@@ -13061,7 +13056,6 @@
               <a:rPr lang="en-US" baseline="0" dirty="0" smtClean="0"/>
               <a:t>.</a:t>
             </a:r>
-            <a:endParaRPr lang="en-US" baseline="0" dirty="0" smtClean="0"/>
           </a:p>
           <a:p>
             <a:endParaRPr lang="en-US" baseline="0" dirty="0" smtClean="0"/>
@@ -13873,20 +13867,8 @@
           </a:p>
           <a:p>
             <a:r>
-              <a:rPr lang="en-US" baseline="0" dirty="0" smtClean="0"/>
-              <a:t>En nod </a:t>
-            </a:r>
-            <a:r>
-              <a:rPr lang="en-US" baseline="0" dirty="0" err="1" smtClean="0"/>
-              <a:t>gavs</a:t>
-            </a:r>
-            <a:r>
-              <a:rPr lang="en-US" baseline="0" dirty="0" smtClean="0"/>
-              <a:t> en MTBF </a:t>
-            </a:r>
-            <a:r>
-              <a:rPr lang="en-US" baseline="0" dirty="0" err="1" smtClean="0"/>
-              <a:t>och</a:t>
+              <a:rPr lang="en-US" baseline="0" dirty="0" err="1" smtClean="0"/>
+              <a:t>Genom</a:t>
             </a:r>
             <a:r>
               <a:rPr lang="en-US" baseline="0" dirty="0" smtClean="0"/>
@@ -13898,7 +13880,7 @@
             </a:r>
             <a:r>
               <a:rPr lang="en-US" baseline="0" dirty="0" smtClean="0"/>
-              <a:t> runtime </a:t>
+              <a:t> script </a:t>
             </a:r>
             <a:r>
               <a:rPr lang="en-US" baseline="0" dirty="0" err="1" smtClean="0"/>
@@ -13906,11 +13888,175 @@
             </a:r>
             <a:r>
               <a:rPr lang="en-US" baseline="0" dirty="0" smtClean="0"/>
-              <a:t>. </a:t>
-            </a:r>
-          </a:p>
-          <a:p>
+              <a:t> </a:t>
+            </a:r>
+            <a:r>
+              <a:rPr lang="en-US" baseline="0" dirty="0" err="1" smtClean="0"/>
+              <a:t>en</a:t>
+            </a:r>
+            <a:r>
+              <a:rPr lang="en-US" baseline="0" dirty="0" smtClean="0"/>
+              <a:t> nod, </a:t>
+            </a:r>
+            <a:r>
+              <a:rPr lang="en-US" baseline="0" dirty="0" err="1" smtClean="0"/>
+              <a:t>scriptet</a:t>
+            </a:r>
+            <a:r>
+              <a:rPr lang="en-US" baseline="0" dirty="0" smtClean="0"/>
+              <a:t> </a:t>
+            </a:r>
+            <a:r>
+              <a:rPr lang="en-US" baseline="0" dirty="0" err="1" smtClean="0"/>
+              <a:t>sov</a:t>
+            </a:r>
+            <a:r>
+              <a:rPr lang="en-US" baseline="0" dirty="0" smtClean="0"/>
+              <a:t> sedan </a:t>
+            </a:r>
+            <a:r>
+              <a:rPr lang="en-US" baseline="0" dirty="0" err="1" smtClean="0"/>
+              <a:t>en</a:t>
+            </a:r>
+            <a:r>
+              <a:rPr lang="en-US" baseline="0" dirty="0" smtClean="0"/>
+              <a:t> </a:t>
+            </a:r>
+            <a:r>
+              <a:rPr lang="en-US" baseline="0" dirty="0" err="1" smtClean="0"/>
+              <a:t>tid</a:t>
+            </a:r>
+            <a:r>
+              <a:rPr lang="en-US" baseline="0" dirty="0" smtClean="0"/>
+              <a:t> </a:t>
+            </a:r>
+            <a:r>
+              <a:rPr lang="en-US" baseline="0" dirty="0" err="1" smtClean="0"/>
+              <a:t>t_S</a:t>
+            </a:r>
+            <a:r>
+              <a:rPr lang="en-US" baseline="0" dirty="0" smtClean="0"/>
+              <a:t> </a:t>
+            </a:r>
+            <a:r>
+              <a:rPr lang="en-US" baseline="0" dirty="0" err="1" smtClean="0"/>
+              <a:t>för</a:t>
+            </a:r>
+            <a:r>
+              <a:rPr lang="en-US" baseline="0" dirty="0" smtClean="0"/>
+              <a:t> </a:t>
+            </a:r>
+            <a:r>
+              <a:rPr lang="en-US" baseline="0" dirty="0" err="1" smtClean="0"/>
+              <a:t>att</a:t>
+            </a:r>
+            <a:r>
+              <a:rPr lang="en-US" baseline="0" dirty="0" smtClean="0"/>
+              <a:t> sedan </a:t>
+            </a:r>
+            <a:r>
+              <a:rPr lang="en-US" baseline="0" dirty="0" err="1" smtClean="0"/>
+              <a:t>starta</a:t>
+            </a:r>
+            <a:r>
+              <a:rPr lang="en-US" baseline="0" dirty="0" smtClean="0"/>
+              <a:t> om </a:t>
+            </a:r>
+            <a:r>
+              <a:rPr lang="en-US" baseline="0" dirty="0" err="1" smtClean="0"/>
+              <a:t>noden</a:t>
+            </a:r>
+            <a:r>
+              <a:rPr lang="en-US" baseline="0" dirty="0" smtClean="0"/>
+              <a:t>.</a:t>
+            </a:r>
             <a:endParaRPr lang="en-US" baseline="0" dirty="0" smtClean="0"/>
+          </a:p>
+          <a:p>
+            <a:endParaRPr lang="en-US" baseline="0" dirty="0" smtClean="0"/>
+          </a:p>
+          <a:p>
+            <a:r>
+              <a:rPr lang="en-US" baseline="0" dirty="0" err="1" smtClean="0"/>
+              <a:t>Tiden</a:t>
+            </a:r>
+            <a:r>
+              <a:rPr lang="en-US" baseline="0" dirty="0" smtClean="0"/>
+              <a:t> </a:t>
+            </a:r>
+            <a:r>
+              <a:rPr lang="en-US" baseline="0" dirty="0" err="1" smtClean="0"/>
+              <a:t>t_S</a:t>
+            </a:r>
+            <a:r>
+              <a:rPr lang="en-US" baseline="0" dirty="0" smtClean="0"/>
+              <a:t> </a:t>
+            </a:r>
+            <a:r>
+              <a:rPr lang="en-US" baseline="0" dirty="0" err="1" smtClean="0"/>
+              <a:t>baserades</a:t>
+            </a:r>
+            <a:r>
+              <a:rPr lang="en-US" baseline="0" dirty="0" smtClean="0"/>
+              <a:t> </a:t>
+            </a:r>
+            <a:r>
+              <a:rPr lang="en-US" baseline="0" dirty="0" err="1" smtClean="0"/>
+              <a:t>på</a:t>
+            </a:r>
+            <a:r>
+              <a:rPr lang="en-US" baseline="0" dirty="0" smtClean="0"/>
+              <a:t> </a:t>
+            </a:r>
+            <a:r>
+              <a:rPr lang="en-US" baseline="0" dirty="0" err="1" smtClean="0"/>
+              <a:t>vilken</a:t>
+            </a:r>
+            <a:r>
+              <a:rPr lang="en-US" baseline="0" dirty="0" smtClean="0"/>
+              <a:t> MTBF vi </a:t>
+            </a:r>
+            <a:r>
+              <a:rPr lang="en-US" baseline="0" dirty="0" err="1" smtClean="0"/>
+              <a:t>ville</a:t>
+            </a:r>
+            <a:r>
+              <a:rPr lang="en-US" baseline="0" dirty="0" smtClean="0"/>
+              <a:t> </a:t>
+            </a:r>
+            <a:r>
+              <a:rPr lang="en-US" baseline="0" dirty="0" err="1" smtClean="0"/>
+              <a:t>att</a:t>
+            </a:r>
+            <a:r>
+              <a:rPr lang="en-US" baseline="0" dirty="0" smtClean="0"/>
+              <a:t> </a:t>
+            </a:r>
+            <a:r>
+              <a:rPr lang="en-US" baseline="0" dirty="0" err="1" smtClean="0"/>
+              <a:t>noden</a:t>
+            </a:r>
+            <a:r>
+              <a:rPr lang="en-US" baseline="0" dirty="0" smtClean="0"/>
+              <a:t> </a:t>
+            </a:r>
+            <a:r>
+              <a:rPr lang="en-US" baseline="0" dirty="0" err="1" smtClean="0"/>
+              <a:t>skulle</a:t>
+            </a:r>
+            <a:r>
+              <a:rPr lang="en-US" baseline="0" dirty="0" smtClean="0"/>
+              <a:t> ha</a:t>
+            </a:r>
+          </a:p>
+          <a:p>
+            <a:endParaRPr lang="en-US" baseline="0" dirty="0" smtClean="0"/>
+          </a:p>
+          <a:p>
+            <a:r>
+              <a:rPr lang="en-US" baseline="0" dirty="0" smtClean="0"/>
+              <a:t>%TODO Delete?</a:t>
+            </a:r>
           </a:p>
           <a:p>
             <a:r>
@@ -14653,12 +14799,20 @@
               <a:t> att visa att vår modell är själv-anpassande så gjorde vi ett experiment där vi lät </a:t>
             </a:r>
             <a:r>
+              <a:rPr lang="sv-SE" baseline="0" dirty="0" smtClean="0"/>
+              <a:t>tiden </a:t>
+            </a:r>
+            <a:r>
               <a:rPr lang="sv-SE" baseline="0" dirty="0" err="1" smtClean="0"/>
-              <a:t>runtimesen</a:t>
+              <a:t>t_S</a:t>
             </a:r>
             <a:r>
               <a:rPr lang="sv-SE" baseline="0" dirty="0" smtClean="0"/>
-              <a:t> vara vid liv en tid t tagen från en sin-funktion. </a:t>
+              <a:t> vara tagen </a:t>
+            </a:r>
+            <a:r>
+              <a:rPr lang="sv-SE" baseline="0" dirty="0" smtClean="0"/>
+              <a:t>från en sin-funktion. </a:t>
             </a:r>
             <a:endParaRPr lang="sv-SE" dirty="0"/>
           </a:p>
@@ -14719,7 +14873,7 @@
       </p:grpSpPr>
       <p:sp>
         <p:nvSpPr>
-          <p:cNvPr id="2" name="Slide Image Placeholder 1"/>
+          <p:cNvPr id="2" name="Platshållare för bildobjekt 1"/>
           <p:cNvSpPr>
             <a:spLocks noGrp="1" noRot="1" noChangeAspect="1"/>
           </p:cNvSpPr>
@@ -14731,7 +14885,7 @@
       </p:sp>
       <p:sp>
         <p:nvSpPr>
-          <p:cNvPr id="3" name="Notes Placeholder 2"/>
+          <p:cNvPr id="3" name="Platshållare för anteckningar 2"/>
           <p:cNvSpPr>
             <a:spLocks noGrp="1"/>
           </p:cNvSpPr>
@@ -14745,895 +14899,28 @@
           <a:lstStyle/>
           <a:p>
             <a:r>
-              <a:rPr lang="en-US" dirty="0" err="1" smtClean="0"/>
-              <a:t>Alla</a:t>
-            </a:r>
-            <a:r>
-              <a:rPr lang="en-US" dirty="0" smtClean="0"/>
-              <a:t> </a:t>
-            </a:r>
-            <a:r>
-              <a:rPr lang="en-US" dirty="0" err="1" smtClean="0"/>
-              <a:t>värden</a:t>
-            </a:r>
-            <a:r>
-              <a:rPr lang="en-US" dirty="0" smtClean="0"/>
-              <a:t>,</a:t>
-            </a:r>
-            <a:r>
-              <a:rPr lang="en-US" baseline="0" dirty="0" smtClean="0"/>
-              <a:t> </a:t>
-            </a:r>
-            <a:r>
-              <a:rPr lang="en-US" baseline="0" dirty="0" err="1" smtClean="0"/>
-              <a:t>så</a:t>
-            </a:r>
-            <a:r>
-              <a:rPr lang="en-US" baseline="0" dirty="0" smtClean="0"/>
-              <a:t> </a:t>
-            </a:r>
-            <a:r>
-              <a:rPr lang="en-US" baseline="0" dirty="0" err="1" smtClean="0"/>
-              <a:t>som</a:t>
-            </a:r>
-            <a:r>
-              <a:rPr lang="en-US" baseline="0" dirty="0" smtClean="0"/>
-              <a:t> heartbeat timeout, default MTBF/</a:t>
-            </a:r>
-            <a:r>
-              <a:rPr lang="en-US" baseline="0" dirty="0" err="1" smtClean="0"/>
-              <a:t>repliceringstid</a:t>
-            </a:r>
-            <a:r>
-              <a:rPr lang="en-US" baseline="0" dirty="0" smtClean="0"/>
-              <a:t> </a:t>
-            </a:r>
-            <a:r>
-              <a:rPr lang="en-US" baseline="0" dirty="0" err="1" smtClean="0"/>
-              <a:t>valdes</a:t>
-            </a:r>
-            <a:r>
-              <a:rPr lang="en-US" baseline="0" dirty="0" smtClean="0"/>
-              <a:t> </a:t>
-            </a:r>
-            <a:r>
-              <a:rPr lang="en-US" baseline="0" dirty="0" err="1" smtClean="0"/>
-              <a:t>så</a:t>
-            </a:r>
-            <a:r>
-              <a:rPr lang="en-US" baseline="0" dirty="0" smtClean="0"/>
-              <a:t> </a:t>
-            </a:r>
-            <a:r>
-              <a:rPr lang="en-US" baseline="0" dirty="0" err="1" smtClean="0"/>
-              <a:t>att</a:t>
-            </a:r>
-            <a:r>
-              <a:rPr lang="en-US" baseline="0" dirty="0" smtClean="0"/>
-              <a:t> vi </a:t>
-            </a:r>
-            <a:r>
-              <a:rPr lang="en-US" baseline="0" dirty="0" err="1" smtClean="0"/>
-              <a:t>kunde</a:t>
-            </a:r>
-            <a:r>
-              <a:rPr lang="en-US" baseline="0" dirty="0" smtClean="0"/>
-              <a:t> </a:t>
-            </a:r>
-            <a:r>
-              <a:rPr lang="en-US" baseline="0" dirty="0" err="1" smtClean="0"/>
-              <a:t>köra</a:t>
-            </a:r>
-            <a:r>
-              <a:rPr lang="en-US" baseline="0" dirty="0" smtClean="0"/>
-              <a:t> </a:t>
-            </a:r>
-            <a:r>
-              <a:rPr lang="en-US" baseline="0" dirty="0" err="1" smtClean="0"/>
-              <a:t>experimenten</a:t>
-            </a:r>
-            <a:r>
-              <a:rPr lang="en-US" baseline="0" dirty="0" smtClean="0"/>
-              <a:t> under </a:t>
-            </a:r>
-            <a:r>
-              <a:rPr lang="en-US" baseline="0" dirty="0" err="1" smtClean="0"/>
-              <a:t>ett</a:t>
-            </a:r>
-            <a:r>
-              <a:rPr lang="en-US" baseline="0" dirty="0" smtClean="0"/>
-              <a:t> </a:t>
-            </a:r>
-            <a:r>
-              <a:rPr lang="en-US" baseline="0" dirty="0" err="1" smtClean="0"/>
-              <a:t>antal</a:t>
-            </a:r>
-            <a:r>
-              <a:rPr lang="en-US" baseline="0" dirty="0" smtClean="0"/>
-              <a:t> </a:t>
-            </a:r>
-            <a:r>
-              <a:rPr lang="en-US" baseline="0" dirty="0" err="1" smtClean="0"/>
-              <a:t>minuter</a:t>
-            </a:r>
-            <a:r>
-              <a:rPr lang="en-US" baseline="0" dirty="0" smtClean="0"/>
-              <a:t> </a:t>
-            </a:r>
-            <a:r>
-              <a:rPr lang="en-US" baseline="0" dirty="0" err="1" smtClean="0"/>
-              <a:t>och</a:t>
-            </a:r>
-            <a:r>
-              <a:rPr lang="en-US" baseline="0" dirty="0" smtClean="0"/>
-              <a:t> </a:t>
-            </a:r>
-            <a:r>
-              <a:rPr lang="en-US" baseline="0" dirty="0" err="1" smtClean="0"/>
-              <a:t>ändå</a:t>
-            </a:r>
-            <a:r>
-              <a:rPr lang="en-US" baseline="0" dirty="0" smtClean="0"/>
-              <a:t> </a:t>
-            </a:r>
-            <a:r>
-              <a:rPr lang="en-US" baseline="0" dirty="0" err="1" smtClean="0"/>
-              <a:t>få</a:t>
-            </a:r>
-            <a:r>
-              <a:rPr lang="en-US" baseline="0" dirty="0" smtClean="0"/>
-              <a:t> en del </a:t>
-            </a:r>
-            <a:r>
-              <a:rPr lang="en-US" baseline="0" dirty="0" err="1" smtClean="0"/>
-              <a:t>fel</a:t>
-            </a:r>
-            <a:r>
-              <a:rPr lang="en-US" baseline="0" dirty="0" smtClean="0"/>
-              <a:t>.</a:t>
-            </a:r>
-          </a:p>
-          <a:p>
-            <a:endParaRPr lang="en-US" baseline="0" dirty="0" smtClean="0"/>
-          </a:p>
-          <a:p>
-            <a:r>
-              <a:rPr lang="en-US" baseline="0" dirty="0" err="1" smtClean="0"/>
-              <a:t>Vår</a:t>
-            </a:r>
-            <a:r>
-              <a:rPr lang="en-US" baseline="0" dirty="0" smtClean="0"/>
-              <a:t> </a:t>
-            </a:r>
-            <a:r>
-              <a:rPr lang="en-US" baseline="0" dirty="0" err="1" smtClean="0"/>
-              <a:t>modell</a:t>
-            </a:r>
-            <a:r>
-              <a:rPr lang="en-US" baseline="0" dirty="0" smtClean="0"/>
-              <a:t> </a:t>
-            </a:r>
-            <a:r>
-              <a:rPr lang="en-US" baseline="0" dirty="0" err="1" smtClean="0"/>
-              <a:t>använder</a:t>
-            </a:r>
-            <a:r>
-              <a:rPr lang="en-US" baseline="0" dirty="0" smtClean="0"/>
-              <a:t> </a:t>
-            </a:r>
-            <a:r>
-              <a:rPr lang="en-US" baseline="0" dirty="0" err="1" smtClean="0"/>
-              <a:t>en</a:t>
-            </a:r>
-            <a:r>
-              <a:rPr lang="en-US" baseline="0" dirty="0" smtClean="0"/>
-              <a:t> </a:t>
-            </a:r>
-            <a:r>
-              <a:rPr lang="en-US" baseline="0" dirty="0" err="1" smtClean="0"/>
-              <a:t>relativt</a:t>
-            </a:r>
-            <a:r>
-              <a:rPr lang="en-US" baseline="0" dirty="0" smtClean="0"/>
-              <a:t> </a:t>
-            </a:r>
-            <a:r>
-              <a:rPr lang="en-US" baseline="0" dirty="0" err="1" smtClean="0"/>
-              <a:t>enkel</a:t>
-            </a:r>
-            <a:r>
-              <a:rPr lang="en-US" baseline="0" dirty="0" smtClean="0"/>
-              <a:t> </a:t>
-            </a:r>
-            <a:r>
-              <a:rPr lang="en-US" baseline="0" dirty="0" err="1" smtClean="0"/>
-              <a:t>tillförlitlighetsmodell</a:t>
-            </a:r>
-            <a:r>
-              <a:rPr lang="en-US" baseline="0" dirty="0" smtClean="0"/>
-              <a:t>. Den </a:t>
-            </a:r>
-            <a:r>
-              <a:rPr lang="en-US" baseline="0" dirty="0" err="1" smtClean="0"/>
-              <a:t>är</a:t>
-            </a:r>
-            <a:r>
-              <a:rPr lang="en-US" baseline="0" dirty="0" smtClean="0"/>
-              <a:t> </a:t>
-            </a:r>
-            <a:r>
-              <a:rPr lang="en-US" baseline="0" dirty="0" err="1" smtClean="0"/>
-              <a:t>begränsad</a:t>
-            </a:r>
-            <a:r>
-              <a:rPr lang="en-US" baseline="0" dirty="0" smtClean="0"/>
-              <a:t> </a:t>
-            </a:r>
-            <a:r>
-              <a:rPr lang="en-US" baseline="0" dirty="0" err="1" smtClean="0"/>
-              <a:t>i</a:t>
-            </a:r>
-            <a:r>
-              <a:rPr lang="en-US" baseline="0" dirty="0" smtClean="0"/>
-              <a:t> </a:t>
-            </a:r>
-            <a:r>
-              <a:rPr lang="en-US" baseline="0" dirty="0" err="1" smtClean="0"/>
-              <a:t>det</a:t>
-            </a:r>
-            <a:r>
-              <a:rPr lang="en-US" baseline="0" dirty="0" smtClean="0"/>
-              <a:t> </a:t>
-            </a:r>
-            <a:r>
-              <a:rPr lang="en-US" baseline="0" dirty="0" err="1" smtClean="0"/>
-              <a:t>att</a:t>
-            </a:r>
-            <a:r>
-              <a:rPr lang="en-US" baseline="0" dirty="0" smtClean="0"/>
-              <a:t> </a:t>
-            </a:r>
-            <a:r>
-              <a:rPr lang="en-US" baseline="0" dirty="0" err="1" smtClean="0"/>
-              <a:t>när</a:t>
-            </a:r>
-            <a:r>
-              <a:rPr lang="en-US" baseline="0" dirty="0" smtClean="0"/>
-              <a:t> </a:t>
-            </a:r>
-            <a:r>
-              <a:rPr lang="en-US" baseline="0" dirty="0" err="1" smtClean="0"/>
-              <a:t>det</a:t>
-            </a:r>
-            <a:r>
-              <a:rPr lang="en-US" baseline="0" dirty="0" smtClean="0"/>
-              <a:t> </a:t>
-            </a:r>
-            <a:r>
-              <a:rPr lang="en-US" baseline="0" dirty="0" err="1" smtClean="0"/>
-              <a:t>inte</a:t>
-            </a:r>
-            <a:r>
-              <a:rPr lang="en-US" baseline="0" dirty="0" smtClean="0"/>
-              <a:t> </a:t>
-            </a:r>
-            <a:r>
-              <a:rPr lang="en-US" baseline="0" dirty="0" err="1" smtClean="0"/>
-              <a:t>finns</a:t>
-            </a:r>
-            <a:r>
-              <a:rPr lang="en-US" baseline="0" dirty="0" smtClean="0"/>
-              <a:t> </a:t>
-            </a:r>
-            <a:r>
-              <a:rPr lang="en-US" baseline="0" dirty="0" err="1" smtClean="0"/>
-              <a:t>några</a:t>
-            </a:r>
-            <a:r>
-              <a:rPr lang="en-US" baseline="0" dirty="0" smtClean="0"/>
-              <a:t> </a:t>
-            </a:r>
-            <a:r>
-              <a:rPr lang="en-US" baseline="0" dirty="0" err="1" smtClean="0"/>
-              <a:t>registrerade</a:t>
-            </a:r>
-            <a:r>
-              <a:rPr lang="en-US" baseline="0" dirty="0" smtClean="0"/>
-              <a:t> </a:t>
-            </a:r>
-            <a:r>
-              <a:rPr lang="en-US" baseline="0" dirty="0" err="1" smtClean="0"/>
-              <a:t>feltider</a:t>
-            </a:r>
-            <a:r>
-              <a:rPr lang="en-US" baseline="0" dirty="0" smtClean="0"/>
-              <a:t> </a:t>
-            </a:r>
-            <a:r>
-              <a:rPr lang="en-US" baseline="0" dirty="0" err="1" smtClean="0"/>
-              <a:t>så</a:t>
-            </a:r>
-            <a:r>
-              <a:rPr lang="en-US" baseline="0" dirty="0" smtClean="0"/>
-              <a:t> </a:t>
-            </a:r>
-            <a:r>
-              <a:rPr lang="en-US" baseline="0" dirty="0" err="1" smtClean="0"/>
-              <a:t>används</a:t>
-            </a:r>
-            <a:r>
-              <a:rPr lang="en-US" baseline="0" dirty="0" smtClean="0"/>
-              <a:t> </a:t>
-            </a:r>
-            <a:r>
-              <a:rPr lang="en-US" baseline="0" dirty="0" err="1" smtClean="0"/>
-              <a:t>ett</a:t>
-            </a:r>
-            <a:r>
-              <a:rPr lang="en-US" baseline="0" dirty="0" smtClean="0"/>
-              <a:t> default </a:t>
-            </a:r>
-            <a:r>
-              <a:rPr lang="en-US" baseline="0" dirty="0" err="1" smtClean="0"/>
-              <a:t>värde</a:t>
-            </a:r>
-            <a:r>
-              <a:rPr lang="en-US" baseline="0" dirty="0" smtClean="0"/>
-              <a:t> </a:t>
-            </a:r>
-            <a:r>
-              <a:rPr lang="en-US" baseline="0" dirty="0" err="1" smtClean="0"/>
-              <a:t>som</a:t>
-            </a:r>
-            <a:r>
-              <a:rPr lang="en-US" baseline="0" dirty="0" smtClean="0"/>
-              <a:t> </a:t>
-            </a:r>
-            <a:r>
-              <a:rPr lang="en-US" baseline="0" dirty="0" err="1" smtClean="0"/>
-              <a:t>kan</a:t>
-            </a:r>
-            <a:r>
-              <a:rPr lang="en-US" baseline="0" dirty="0" smtClean="0"/>
-              <a:t> </a:t>
-            </a:r>
-            <a:r>
-              <a:rPr lang="en-US" baseline="0" dirty="0" err="1" smtClean="0"/>
-              <a:t>vara</a:t>
-            </a:r>
-            <a:r>
-              <a:rPr lang="en-US" baseline="0" dirty="0" smtClean="0"/>
-              <a:t> </a:t>
-            </a:r>
-            <a:r>
-              <a:rPr lang="en-US" baseline="0" dirty="0" err="1" smtClean="0"/>
-              <a:t>långt</a:t>
-            </a:r>
-            <a:r>
-              <a:rPr lang="en-US" baseline="0" dirty="0" smtClean="0"/>
-              <a:t> </a:t>
-            </a:r>
-            <a:r>
-              <a:rPr lang="en-US" baseline="0" dirty="0" err="1" smtClean="0"/>
-              <a:t>ifrån</a:t>
-            </a:r>
-            <a:r>
-              <a:rPr lang="en-US" baseline="0" dirty="0" smtClean="0"/>
-              <a:t> </a:t>
-            </a:r>
-            <a:r>
-              <a:rPr lang="en-US" baseline="0" dirty="0" err="1" smtClean="0"/>
-              <a:t>verkligheten</a:t>
-            </a:r>
-            <a:r>
-              <a:rPr lang="en-US" baseline="0" dirty="0" smtClean="0"/>
-              <a:t>, </a:t>
-            </a:r>
-            <a:r>
-              <a:rPr lang="en-US" baseline="0" dirty="0" err="1" smtClean="0"/>
-              <a:t>i</a:t>
-            </a:r>
-            <a:r>
-              <a:rPr lang="en-US" baseline="0" dirty="0" smtClean="0"/>
-              <a:t> </a:t>
-            </a:r>
-            <a:r>
-              <a:rPr lang="en-US" baseline="0" dirty="0" err="1" smtClean="0"/>
-              <a:t>värsta</a:t>
-            </a:r>
-            <a:r>
-              <a:rPr lang="en-US" baseline="0" dirty="0" smtClean="0"/>
-              <a:t> fall </a:t>
-            </a:r>
-            <a:r>
-              <a:rPr lang="en-US" baseline="0" dirty="0" err="1" smtClean="0"/>
-              <a:t>högre</a:t>
-            </a:r>
-            <a:r>
-              <a:rPr lang="en-US" baseline="0" dirty="0" smtClean="0"/>
-              <a:t>.</a:t>
-            </a:r>
-          </a:p>
-          <a:p>
-            <a:r>
-              <a:rPr lang="en-US" baseline="0" dirty="0" err="1" smtClean="0"/>
-              <a:t>En</a:t>
-            </a:r>
-            <a:r>
-              <a:rPr lang="en-US" baseline="0" dirty="0" smtClean="0"/>
-              <a:t> </a:t>
-            </a:r>
-            <a:r>
-              <a:rPr lang="en-US" baseline="0" dirty="0" err="1" smtClean="0"/>
-              <a:t>mer</a:t>
-            </a:r>
-            <a:r>
-              <a:rPr lang="en-US" baseline="0" dirty="0" smtClean="0"/>
-              <a:t> </a:t>
-            </a:r>
-            <a:r>
-              <a:rPr lang="en-US" baseline="0" dirty="0" err="1" smtClean="0"/>
-              <a:t>sofistikerad</a:t>
-            </a:r>
-            <a:r>
-              <a:rPr lang="en-US" baseline="0" dirty="0" smtClean="0"/>
-              <a:t> model </a:t>
-            </a:r>
-            <a:r>
-              <a:rPr lang="en-US" baseline="0" dirty="0" err="1" smtClean="0"/>
-              <a:t>kan</a:t>
-            </a:r>
-            <a:r>
-              <a:rPr lang="en-US" baseline="0" dirty="0" smtClean="0"/>
-              <a:t> </a:t>
-            </a:r>
-            <a:r>
-              <a:rPr lang="en-US" baseline="0" dirty="0" err="1" smtClean="0"/>
-              <a:t>t.ex</a:t>
-            </a:r>
-            <a:r>
-              <a:rPr lang="en-US" baseline="0" dirty="0" smtClean="0"/>
-              <a:t>. anta </a:t>
-            </a:r>
-            <a:r>
-              <a:rPr lang="en-US" baseline="0" dirty="0" err="1" smtClean="0"/>
-              <a:t>att</a:t>
-            </a:r>
-            <a:r>
-              <a:rPr lang="en-US" baseline="0" dirty="0" smtClean="0"/>
-              <a:t> </a:t>
-            </a:r>
-            <a:r>
-              <a:rPr lang="en-US" baseline="0" dirty="0" err="1" smtClean="0"/>
-              <a:t>nodfel</a:t>
-            </a:r>
-            <a:r>
-              <a:rPr lang="en-US" baseline="0" dirty="0" smtClean="0"/>
-              <a:t> </a:t>
-            </a:r>
-            <a:r>
-              <a:rPr lang="en-US" baseline="0" dirty="0" err="1" smtClean="0"/>
-              <a:t>inte</a:t>
-            </a:r>
-            <a:r>
-              <a:rPr lang="en-US" baseline="0" dirty="0" smtClean="0"/>
-              <a:t> </a:t>
-            </a:r>
-            <a:r>
-              <a:rPr lang="en-US" baseline="0" dirty="0" err="1" smtClean="0"/>
-              <a:t>är</a:t>
-            </a:r>
-            <a:r>
-              <a:rPr lang="en-US" baseline="0" dirty="0" smtClean="0"/>
-              <a:t> </a:t>
-            </a:r>
-            <a:r>
-              <a:rPr lang="en-US" baseline="0" dirty="0" err="1" smtClean="0"/>
-              <a:t>oberoende</a:t>
-            </a:r>
-            <a:r>
-              <a:rPr lang="en-US" baseline="0" dirty="0" smtClean="0"/>
-              <a:t>, </a:t>
-            </a:r>
-            <a:r>
-              <a:rPr lang="en-US" baseline="0" dirty="0" err="1" smtClean="0"/>
-              <a:t>t.ex</a:t>
-            </a:r>
-            <a:r>
-              <a:rPr lang="en-US" baseline="0" dirty="0" smtClean="0"/>
-              <a:t>. </a:t>
-            </a:r>
-            <a:r>
-              <a:rPr lang="en-US" baseline="0" dirty="0" err="1" smtClean="0"/>
-              <a:t>kan</a:t>
-            </a:r>
-            <a:r>
-              <a:rPr lang="en-US" baseline="0" dirty="0" smtClean="0"/>
-              <a:t> </a:t>
-            </a:r>
-            <a:r>
-              <a:rPr lang="en-US" baseline="0" dirty="0" err="1" smtClean="0"/>
-              <a:t>switchar</a:t>
-            </a:r>
-            <a:r>
-              <a:rPr lang="en-US" baseline="0" dirty="0" smtClean="0"/>
-              <a:t> </a:t>
-            </a:r>
-            <a:r>
-              <a:rPr lang="en-US" baseline="0" dirty="0" err="1" smtClean="0"/>
-              <a:t>och</a:t>
-            </a:r>
-            <a:r>
-              <a:rPr lang="en-US" baseline="0" dirty="0" smtClean="0"/>
-              <a:t> </a:t>
-            </a:r>
-            <a:r>
-              <a:rPr lang="en-US" baseline="0" dirty="0" err="1" smtClean="0"/>
-              <a:t>nätförsörjning</a:t>
-            </a:r>
-            <a:r>
-              <a:rPr lang="en-US" baseline="0" dirty="0" smtClean="0"/>
-              <a:t> </a:t>
-            </a:r>
-            <a:r>
-              <a:rPr lang="en-US" baseline="0" dirty="0" err="1" smtClean="0"/>
-              <a:t>gå</a:t>
-            </a:r>
-            <a:r>
-              <a:rPr lang="en-US" baseline="0" dirty="0" smtClean="0"/>
-              <a:t> </a:t>
-            </a:r>
-            <a:r>
-              <a:rPr lang="en-US" baseline="0" dirty="0" err="1" smtClean="0"/>
-              <a:t>ner</a:t>
-            </a:r>
-            <a:r>
-              <a:rPr lang="en-US" baseline="0" dirty="0" smtClean="0"/>
-              <a:t> </a:t>
-            </a:r>
-            <a:r>
-              <a:rPr lang="en-US" baseline="0" dirty="0" err="1" smtClean="0"/>
-              <a:t>vilket</a:t>
-            </a:r>
-            <a:r>
-              <a:rPr lang="en-US" baseline="0" dirty="0" smtClean="0"/>
-              <a:t> </a:t>
-            </a:r>
-            <a:r>
-              <a:rPr lang="en-US" baseline="0" dirty="0" err="1" smtClean="0"/>
-              <a:t>påverkar</a:t>
-            </a:r>
-            <a:r>
-              <a:rPr lang="en-US" baseline="0" dirty="0" smtClean="0"/>
-              <a:t> </a:t>
-            </a:r>
-            <a:r>
-              <a:rPr lang="en-US" baseline="0" dirty="0" err="1" smtClean="0"/>
-              <a:t>alla</a:t>
-            </a:r>
-            <a:r>
-              <a:rPr lang="en-US" baseline="0" dirty="0" smtClean="0"/>
-              <a:t> </a:t>
-            </a:r>
-            <a:r>
-              <a:rPr lang="en-US" baseline="0" dirty="0" err="1" smtClean="0"/>
-              <a:t>noder</a:t>
-            </a:r>
-            <a:r>
-              <a:rPr lang="en-US" baseline="0" dirty="0" smtClean="0"/>
-              <a:t> </a:t>
-            </a:r>
-            <a:r>
-              <a:rPr lang="en-US" baseline="0" dirty="0" err="1" smtClean="0"/>
-              <a:t>i</a:t>
-            </a:r>
-            <a:r>
-              <a:rPr lang="en-US" baseline="0" dirty="0" smtClean="0"/>
-              <a:t> </a:t>
-            </a:r>
-            <a:r>
-              <a:rPr lang="en-US" baseline="0" dirty="0" err="1" smtClean="0"/>
-              <a:t>ett</a:t>
-            </a:r>
-            <a:r>
-              <a:rPr lang="en-US" baseline="0" dirty="0" smtClean="0"/>
-              <a:t> </a:t>
-            </a:r>
-            <a:r>
-              <a:rPr lang="en-US" baseline="0" dirty="0" err="1" smtClean="0"/>
-              <a:t>kluster</a:t>
-            </a:r>
-            <a:r>
-              <a:rPr lang="en-US" baseline="0" dirty="0" smtClean="0"/>
-              <a:t>.</a:t>
-            </a:r>
-          </a:p>
-          <a:p>
-            <a:endParaRPr lang="en-US" baseline="0" dirty="0" smtClean="0"/>
-          </a:p>
-          <a:p>
-            <a:r>
-              <a:rPr lang="en-US" baseline="0" dirty="0" smtClean="0"/>
-              <a:t>Valet </a:t>
-            </a:r>
-            <a:r>
-              <a:rPr lang="en-US" baseline="0" dirty="0" err="1" smtClean="0"/>
-              <a:t>av</a:t>
-            </a:r>
-            <a:r>
-              <a:rPr lang="en-US" baseline="0" dirty="0" smtClean="0"/>
-              <a:t> </a:t>
-            </a:r>
-            <a:r>
-              <a:rPr lang="en-US" baseline="0" dirty="0" err="1" smtClean="0"/>
-              <a:t>var</a:t>
-            </a:r>
-            <a:r>
-              <a:rPr lang="en-US" baseline="0" dirty="0" smtClean="0"/>
-              <a:t> vi </a:t>
-            </a:r>
-            <a:r>
-              <a:rPr lang="en-US" baseline="0" dirty="0" err="1" smtClean="0"/>
-              <a:t>placerar</a:t>
-            </a:r>
-            <a:r>
-              <a:rPr lang="en-US" baseline="0" dirty="0" smtClean="0"/>
-              <a:t> </a:t>
-            </a:r>
-            <a:r>
-              <a:rPr lang="en-US" baseline="0" dirty="0" err="1" smtClean="0"/>
-              <a:t>replikor</a:t>
-            </a:r>
-            <a:r>
-              <a:rPr lang="en-US" baseline="0" dirty="0" smtClean="0"/>
-              <a:t> </a:t>
-            </a:r>
-            <a:r>
-              <a:rPr lang="en-US" baseline="0" dirty="0" err="1" smtClean="0"/>
-              <a:t>kan</a:t>
-            </a:r>
-            <a:r>
-              <a:rPr lang="en-US" baseline="0" dirty="0" smtClean="0"/>
-              <a:t> </a:t>
-            </a:r>
-            <a:r>
-              <a:rPr lang="en-US" baseline="0" dirty="0" err="1" smtClean="0"/>
-              <a:t>även</a:t>
-            </a:r>
-            <a:r>
-              <a:rPr lang="en-US" baseline="0" dirty="0" smtClean="0"/>
-              <a:t> ta </a:t>
-            </a:r>
-            <a:r>
-              <a:rPr lang="en-US" baseline="0" dirty="0" err="1" smtClean="0"/>
-              <a:t>fler</a:t>
-            </a:r>
-            <a:r>
-              <a:rPr lang="en-US" baseline="0" dirty="0" smtClean="0"/>
-              <a:t> </a:t>
-            </a:r>
-            <a:r>
-              <a:rPr lang="en-US" baseline="0" dirty="0" err="1" smtClean="0"/>
-              <a:t>parametrar</a:t>
-            </a:r>
-            <a:r>
-              <a:rPr lang="en-US" baseline="0" dirty="0" smtClean="0"/>
-              <a:t> I </a:t>
-            </a:r>
-            <a:r>
-              <a:rPr lang="en-US" baseline="0" dirty="0" err="1" smtClean="0"/>
-              <a:t>åtanke</a:t>
-            </a:r>
-            <a:r>
-              <a:rPr lang="en-US" baseline="0" dirty="0" smtClean="0"/>
-              <a:t>. </a:t>
-            </a:r>
-            <a:r>
-              <a:rPr lang="en-US" baseline="0" dirty="0" err="1" smtClean="0"/>
-              <a:t>T.ex</a:t>
-            </a:r>
-            <a:r>
-              <a:rPr lang="en-US" baseline="0" dirty="0" smtClean="0"/>
-              <a:t>. </a:t>
-            </a:r>
-            <a:r>
-              <a:rPr lang="en-US" baseline="0" dirty="0" err="1" smtClean="0"/>
-              <a:t>så</a:t>
-            </a:r>
-            <a:r>
-              <a:rPr lang="en-US" baseline="0" dirty="0" smtClean="0"/>
-              <a:t> </a:t>
-            </a:r>
-            <a:r>
-              <a:rPr lang="en-US" baseline="0" dirty="0" err="1" smtClean="0"/>
-              <a:t>undersöks</a:t>
-            </a:r>
-            <a:r>
-              <a:rPr lang="en-US" baseline="0" dirty="0" smtClean="0"/>
-              <a:t> </a:t>
-            </a:r>
-            <a:r>
-              <a:rPr lang="en-US" baseline="0" dirty="0" err="1" smtClean="0"/>
-              <a:t>i</a:t>
-            </a:r>
-            <a:r>
-              <a:rPr lang="en-US" baseline="0" dirty="0" smtClean="0"/>
-              <a:t> </a:t>
-            </a:r>
-            <a:r>
-              <a:rPr lang="en-US" baseline="0" dirty="0" err="1" smtClean="0"/>
-              <a:t>nuläget</a:t>
-            </a:r>
-            <a:r>
-              <a:rPr lang="en-US" baseline="0" dirty="0" smtClean="0"/>
-              <a:t> </a:t>
-            </a:r>
-            <a:r>
-              <a:rPr lang="en-US" baseline="0" dirty="0" err="1" smtClean="0"/>
-              <a:t>inte</a:t>
-            </a:r>
-            <a:r>
-              <a:rPr lang="en-US" baseline="0" dirty="0" smtClean="0"/>
-              <a:t> om den </a:t>
-            </a:r>
-            <a:r>
-              <a:rPr lang="en-US" baseline="0" dirty="0" err="1" smtClean="0"/>
-              <a:t>valda</a:t>
-            </a:r>
-            <a:r>
-              <a:rPr lang="en-US" baseline="0" dirty="0" smtClean="0"/>
-              <a:t> </a:t>
-            </a:r>
-            <a:r>
-              <a:rPr lang="en-US" baseline="0" dirty="0" err="1" smtClean="0"/>
-              <a:t>noden</a:t>
-            </a:r>
-            <a:r>
-              <a:rPr lang="en-US" baseline="0" dirty="0" smtClean="0"/>
-              <a:t> </a:t>
-            </a:r>
-            <a:r>
-              <a:rPr lang="en-US" baseline="0" dirty="0" err="1" smtClean="0"/>
-              <a:t>har</a:t>
-            </a:r>
-            <a:r>
-              <a:rPr lang="en-US" baseline="0" dirty="0" smtClean="0"/>
-              <a:t> </a:t>
-            </a:r>
-            <a:r>
-              <a:rPr lang="en-US" baseline="0" dirty="0" err="1" smtClean="0"/>
-              <a:t>kapacitet</a:t>
-            </a:r>
-            <a:r>
-              <a:rPr lang="en-US" baseline="0" dirty="0" smtClean="0"/>
-              <a:t> </a:t>
-            </a:r>
-            <a:r>
-              <a:rPr lang="en-US" baseline="0" dirty="0" err="1" smtClean="0"/>
-              <a:t>för</a:t>
-            </a:r>
-            <a:r>
-              <a:rPr lang="en-US" baseline="0" dirty="0" smtClean="0"/>
-              <a:t> </a:t>
-            </a:r>
-            <a:r>
-              <a:rPr lang="en-US" baseline="0" dirty="0" err="1" smtClean="0"/>
-              <a:t>att</a:t>
-            </a:r>
-            <a:r>
-              <a:rPr lang="en-US" baseline="0" dirty="0" smtClean="0"/>
-              <a:t> </a:t>
-            </a:r>
-            <a:r>
-              <a:rPr lang="en-US" baseline="0" dirty="0" err="1" smtClean="0"/>
-              <a:t>starta</a:t>
-            </a:r>
-            <a:r>
-              <a:rPr lang="en-US" baseline="0" dirty="0" smtClean="0"/>
-              <a:t> </a:t>
-            </a:r>
-            <a:r>
-              <a:rPr lang="en-US" baseline="0" dirty="0" err="1" smtClean="0"/>
-              <a:t>upp</a:t>
-            </a:r>
-            <a:r>
-              <a:rPr lang="en-US" baseline="0" dirty="0" smtClean="0"/>
-              <a:t> </a:t>
-            </a:r>
-            <a:r>
-              <a:rPr lang="en-US" baseline="0" dirty="0" err="1" smtClean="0"/>
-              <a:t>en</a:t>
-            </a:r>
-            <a:r>
-              <a:rPr lang="en-US" baseline="0" dirty="0" smtClean="0"/>
-              <a:t> </a:t>
-            </a:r>
-            <a:r>
-              <a:rPr lang="en-US" baseline="0" dirty="0" err="1" smtClean="0"/>
-              <a:t>ny</a:t>
-            </a:r>
-            <a:r>
-              <a:rPr lang="en-US" baseline="0" dirty="0" smtClean="0"/>
-              <a:t> actor. Nodes last </a:t>
-            </a:r>
-            <a:r>
-              <a:rPr lang="en-US" baseline="0" dirty="0" err="1" smtClean="0"/>
-              <a:t>kan</a:t>
-            </a:r>
-            <a:r>
-              <a:rPr lang="en-US" baseline="0" dirty="0" smtClean="0"/>
-              <a:t> </a:t>
-            </a:r>
-            <a:r>
-              <a:rPr lang="en-US" baseline="0" dirty="0" err="1" smtClean="0"/>
-              <a:t>även</a:t>
-            </a:r>
-            <a:r>
-              <a:rPr lang="en-US" baseline="0" dirty="0" smtClean="0"/>
-              <a:t> </a:t>
-            </a:r>
-            <a:r>
-              <a:rPr lang="en-US" baseline="0" dirty="0" err="1" smtClean="0"/>
-              <a:t>inkluderas</a:t>
-            </a:r>
-            <a:r>
-              <a:rPr lang="en-US" baseline="0" dirty="0" smtClean="0"/>
-              <a:t> </a:t>
-            </a:r>
-            <a:r>
-              <a:rPr lang="en-US" baseline="0" dirty="0" err="1" smtClean="0"/>
-              <a:t>vilket</a:t>
-            </a:r>
-            <a:r>
-              <a:rPr lang="en-US" baseline="0" dirty="0" smtClean="0"/>
-              <a:t> vi </a:t>
-            </a:r>
-            <a:r>
-              <a:rPr lang="en-US" baseline="0" dirty="0" err="1" smtClean="0"/>
-              <a:t>visade</a:t>
-            </a:r>
-            <a:r>
-              <a:rPr lang="en-US" baseline="0" dirty="0" smtClean="0"/>
-              <a:t> </a:t>
-            </a:r>
-            <a:r>
-              <a:rPr lang="en-US" baseline="0" dirty="0" err="1" smtClean="0"/>
-              <a:t>inte</a:t>
-            </a:r>
-            <a:r>
-              <a:rPr lang="en-US" baseline="0" dirty="0" smtClean="0"/>
-              <a:t> </a:t>
-            </a:r>
-            <a:r>
-              <a:rPr lang="en-US" baseline="0" dirty="0" err="1" smtClean="0"/>
-              <a:t>var</a:t>
-            </a:r>
-            <a:r>
-              <a:rPr lang="en-US" baseline="0" dirty="0" smtClean="0"/>
-              <a:t> </a:t>
-            </a:r>
-            <a:r>
-              <a:rPr lang="en-US" baseline="0" dirty="0" err="1" smtClean="0"/>
-              <a:t>så</a:t>
-            </a:r>
-            <a:r>
-              <a:rPr lang="en-US" baseline="0" dirty="0" smtClean="0"/>
-              <a:t> </a:t>
-            </a:r>
-            <a:r>
-              <a:rPr lang="en-US" baseline="0" dirty="0" err="1" smtClean="0"/>
-              <a:t>svårt</a:t>
-            </a:r>
-            <a:r>
-              <a:rPr lang="en-US" baseline="0" dirty="0" smtClean="0"/>
-              <a:t>.</a:t>
-            </a:r>
+              <a:rPr lang="sv-SE" dirty="0" smtClean="0"/>
+              <a:t>Kom ihåg att efterso</a:t>
+            </a:r>
+            <a:r>
+              <a:rPr lang="sv-SE" baseline="0" dirty="0" smtClean="0"/>
+              <a:t>m MTBF beräknas utifrån de tre senaste </a:t>
+            </a:r>
+            <a:r>
+              <a:rPr lang="sv-SE" baseline="0" dirty="0" err="1" smtClean="0"/>
+              <a:t>feltiderna</a:t>
+            </a:r>
+            <a:r>
+              <a:rPr lang="sv-SE" baseline="0" dirty="0" smtClean="0"/>
+              <a:t> så kommer noderna tillförlitlighet att anpassa sig, vilket syns i grafen.</a:t>
+            </a:r>
+            <a:endParaRPr lang="sv-SE" dirty="0"/>
           </a:p>
         </p:txBody>
       </p:sp>
       <p:sp>
         <p:nvSpPr>
-          <p:cNvPr id="4" name="Slide Number Placeholder 3"/>
+          <p:cNvPr id="4" name="Platshållare för bildnummer 3"/>
           <p:cNvSpPr>
             <a:spLocks noGrp="1"/>
           </p:cNvSpPr>
@@ -15648,7 +14935,7 @@
           <a:p>
             <a:fld id="{100650DF-8CBF-0341-B1F9-47D0C0CD302F}" type="slidenum">
               <a:rPr lang="en-US" smtClean="0"/>
-              <a:t>45</a:t>
+              <a:t>43</a:t>
             </a:fld>
             <a:endParaRPr lang="en-US"/>
           </a:p>
@@ -15657,7 +14944,7 @@
     </p:spTree>
     <p:extLst>
       <p:ext uri="{BB962C8B-B14F-4D97-AF65-F5344CB8AC3E}">
-        <p14:creationId xmlns:p14="http://schemas.microsoft.com/office/powerpoint/2010/main" val="908358918"/>
+        <p14:creationId xmlns:p14="http://schemas.microsoft.com/office/powerpoint/2010/main" val="1031593842"/>
       </p:ext>
     </p:extLst>
   </p:cSld>
@@ -15712,16 +14999,24 @@
           <a:lstStyle/>
           <a:p>
             <a:r>
-              <a:rPr lang="en-US" baseline="0" dirty="0" smtClean="0"/>
-              <a:t>I </a:t>
-            </a:r>
-            <a:r>
-              <a:rPr lang="en-US" baseline="0" dirty="0" err="1" smtClean="0"/>
-              <a:t>våra</a:t>
-            </a:r>
-            <a:r>
-              <a:rPr lang="en-US" baseline="0" dirty="0" smtClean="0"/>
-              <a:t> experiment </a:t>
+              <a:rPr lang="en-US" dirty="0" err="1" smtClean="0"/>
+              <a:t>Alla</a:t>
+            </a:r>
+            <a:r>
+              <a:rPr lang="en-US" dirty="0" smtClean="0"/>
+              <a:t> </a:t>
+            </a:r>
+            <a:r>
+              <a:rPr lang="en-US" dirty="0" err="1" smtClean="0"/>
+              <a:t>värden</a:t>
+            </a:r>
+            <a:r>
+              <a:rPr lang="en-US" dirty="0" smtClean="0"/>
+              <a:t>,</a:t>
+            </a:r>
+            <a:r>
+              <a:rPr lang="en-US" baseline="0" dirty="0" smtClean="0"/>
+              <a:t> </a:t>
             </a:r>
             <a:r>
               <a:rPr lang="en-US" baseline="0" dirty="0" err="1" smtClean="0"/>
@@ -15733,63 +15028,847 @@
             </a:r>
             <a:r>
               <a:rPr lang="en-US" baseline="0" dirty="0" err="1" smtClean="0"/>
+              <a:t>som</a:t>
+            </a:r>
+            <a:r>
+              <a:rPr lang="en-US" baseline="0" dirty="0" smtClean="0"/>
+              <a:t> heartbeat timeout, default MTBF/</a:t>
+            </a:r>
+            <a:r>
+              <a:rPr lang="en-US" baseline="0" dirty="0" err="1" smtClean="0"/>
+              <a:t>repliceringstid</a:t>
+            </a:r>
+            <a:r>
+              <a:rPr lang="en-US" baseline="0" dirty="0" smtClean="0"/>
+              <a:t> </a:t>
+            </a:r>
+            <a:r>
+              <a:rPr lang="en-US" baseline="0" dirty="0" err="1" smtClean="0"/>
+              <a:t>valdes</a:t>
+            </a:r>
+            <a:r>
+              <a:rPr lang="en-US" baseline="0" dirty="0" smtClean="0"/>
+              <a:t> </a:t>
+            </a:r>
+            <a:r>
+              <a:rPr lang="en-US" baseline="0" dirty="0" err="1" smtClean="0"/>
+              <a:t>så</a:t>
+            </a:r>
+            <a:r>
+              <a:rPr lang="en-US" baseline="0" dirty="0" smtClean="0"/>
+              <a:t> </a:t>
+            </a:r>
+            <a:r>
+              <a:rPr lang="en-US" baseline="0" dirty="0" err="1" smtClean="0"/>
+              <a:t>att</a:t>
+            </a:r>
+            <a:r>
+              <a:rPr lang="en-US" baseline="0" dirty="0" smtClean="0"/>
+              <a:t> vi </a:t>
+            </a:r>
+            <a:r>
+              <a:rPr lang="en-US" baseline="0" dirty="0" err="1" smtClean="0"/>
+              <a:t>kunde</a:t>
+            </a:r>
+            <a:r>
+              <a:rPr lang="en-US" baseline="0" dirty="0" smtClean="0"/>
+              <a:t> </a:t>
+            </a:r>
+            <a:r>
+              <a:rPr lang="en-US" baseline="0" dirty="0" err="1" smtClean="0"/>
+              <a:t>köra</a:t>
+            </a:r>
+            <a:r>
+              <a:rPr lang="en-US" baseline="0" dirty="0" smtClean="0"/>
+              <a:t> </a:t>
+            </a:r>
+            <a:r>
+              <a:rPr lang="en-US" baseline="0" dirty="0" err="1" smtClean="0"/>
+              <a:t>experimenten</a:t>
+            </a:r>
+            <a:r>
+              <a:rPr lang="en-US" baseline="0" dirty="0" smtClean="0"/>
+              <a:t> under </a:t>
+            </a:r>
+            <a:r>
+              <a:rPr lang="en-US" baseline="0" dirty="0" err="1" smtClean="0"/>
+              <a:t>ett</a:t>
+            </a:r>
+            <a:r>
+              <a:rPr lang="en-US" baseline="0" dirty="0" smtClean="0"/>
+              <a:t> </a:t>
+            </a:r>
+            <a:r>
+              <a:rPr lang="en-US" baseline="0" dirty="0" err="1" smtClean="0"/>
+              <a:t>antal</a:t>
+            </a:r>
+            <a:r>
+              <a:rPr lang="en-US" baseline="0" dirty="0" smtClean="0"/>
+              <a:t> </a:t>
+            </a:r>
+            <a:r>
+              <a:rPr lang="en-US" baseline="0" dirty="0" err="1" smtClean="0"/>
+              <a:t>minuter</a:t>
+            </a:r>
+            <a:r>
+              <a:rPr lang="en-US" baseline="0" dirty="0" smtClean="0"/>
+              <a:t> </a:t>
+            </a:r>
+            <a:r>
+              <a:rPr lang="en-US" baseline="0" dirty="0" err="1" smtClean="0"/>
+              <a:t>och</a:t>
+            </a:r>
+            <a:r>
+              <a:rPr lang="en-US" baseline="0" dirty="0" smtClean="0"/>
+              <a:t> </a:t>
+            </a:r>
+            <a:r>
+              <a:rPr lang="en-US" baseline="0" dirty="0" err="1" smtClean="0"/>
+              <a:t>ändå</a:t>
+            </a:r>
+            <a:r>
+              <a:rPr lang="en-US" baseline="0" dirty="0" smtClean="0"/>
+              <a:t> </a:t>
+            </a:r>
+            <a:r>
+              <a:rPr lang="en-US" baseline="0" dirty="0" err="1" smtClean="0"/>
+              <a:t>få</a:t>
+            </a:r>
+            <a:r>
+              <a:rPr lang="en-US" baseline="0" dirty="0" smtClean="0"/>
+              <a:t> en del </a:t>
+            </a:r>
+            <a:r>
+              <a:rPr lang="en-US" baseline="0" dirty="0" err="1" smtClean="0"/>
+              <a:t>fel</a:t>
+            </a:r>
+            <a:r>
+              <a:rPr lang="en-US" baseline="0" dirty="0" smtClean="0"/>
+              <a:t>.</a:t>
+            </a:r>
+          </a:p>
+          <a:p>
+            <a:endParaRPr lang="en-US" baseline="0" dirty="0" smtClean="0"/>
+          </a:p>
+          <a:p>
+            <a:r>
+              <a:rPr lang="en-US" baseline="0" dirty="0" err="1" smtClean="0"/>
+              <a:t>Vår</a:t>
+            </a:r>
+            <a:r>
+              <a:rPr lang="en-US" baseline="0" dirty="0" smtClean="0"/>
+              <a:t> </a:t>
+            </a:r>
+            <a:r>
+              <a:rPr lang="en-US" baseline="0" dirty="0" err="1" smtClean="0"/>
+              <a:t>modell</a:t>
+            </a:r>
+            <a:r>
+              <a:rPr lang="en-US" baseline="0" dirty="0" smtClean="0"/>
+              <a:t> </a:t>
+            </a:r>
+            <a:r>
+              <a:rPr lang="en-US" baseline="0" dirty="0" err="1" smtClean="0"/>
+              <a:t>använder</a:t>
+            </a:r>
+            <a:r>
+              <a:rPr lang="en-US" baseline="0" dirty="0" smtClean="0"/>
+              <a:t> </a:t>
+            </a:r>
+            <a:r>
+              <a:rPr lang="en-US" baseline="0" dirty="0" err="1" smtClean="0"/>
+              <a:t>en</a:t>
+            </a:r>
+            <a:r>
+              <a:rPr lang="en-US" baseline="0" dirty="0" smtClean="0"/>
+              <a:t> </a:t>
+            </a:r>
+            <a:r>
+              <a:rPr lang="en-US" baseline="0" dirty="0" err="1" smtClean="0"/>
+              <a:t>relativt</a:t>
+            </a:r>
+            <a:r>
+              <a:rPr lang="en-US" baseline="0" dirty="0" smtClean="0"/>
+              <a:t> </a:t>
+            </a:r>
+            <a:r>
+              <a:rPr lang="en-US" baseline="0" dirty="0" err="1" smtClean="0"/>
+              <a:t>enkel</a:t>
+            </a:r>
+            <a:r>
+              <a:rPr lang="en-US" baseline="0" dirty="0" smtClean="0"/>
+              <a:t> </a:t>
+            </a:r>
+            <a:r>
+              <a:rPr lang="en-US" baseline="0" dirty="0" err="1" smtClean="0"/>
+              <a:t>tillförlitlighetsmodell</a:t>
+            </a:r>
+            <a:r>
+              <a:rPr lang="en-US" baseline="0" dirty="0" smtClean="0"/>
+              <a:t>. Den </a:t>
+            </a:r>
+            <a:r>
+              <a:rPr lang="en-US" baseline="0" dirty="0" err="1" smtClean="0"/>
+              <a:t>är</a:t>
+            </a:r>
+            <a:r>
+              <a:rPr lang="en-US" baseline="0" dirty="0" smtClean="0"/>
+              <a:t> </a:t>
+            </a:r>
+            <a:r>
+              <a:rPr lang="en-US" baseline="0" dirty="0" err="1" smtClean="0"/>
+              <a:t>begränsad</a:t>
+            </a:r>
+            <a:r>
+              <a:rPr lang="en-US" baseline="0" dirty="0" smtClean="0"/>
+              <a:t> </a:t>
+            </a:r>
+            <a:r>
+              <a:rPr lang="en-US" baseline="0" dirty="0" err="1" smtClean="0"/>
+              <a:t>i</a:t>
+            </a:r>
+            <a:r>
+              <a:rPr lang="en-US" baseline="0" dirty="0" smtClean="0"/>
+              <a:t> </a:t>
+            </a:r>
+            <a:r>
+              <a:rPr lang="en-US" baseline="0" dirty="0" err="1" smtClean="0"/>
+              <a:t>det</a:t>
+            </a:r>
+            <a:r>
+              <a:rPr lang="en-US" baseline="0" dirty="0" smtClean="0"/>
+              <a:t> </a:t>
+            </a:r>
+            <a:r>
+              <a:rPr lang="en-US" baseline="0" dirty="0" err="1" smtClean="0"/>
+              <a:t>att</a:t>
+            </a:r>
+            <a:r>
+              <a:rPr lang="en-US" baseline="0" dirty="0" smtClean="0"/>
+              <a:t> </a:t>
+            </a:r>
+            <a:r>
+              <a:rPr lang="en-US" baseline="0" dirty="0" err="1" smtClean="0"/>
+              <a:t>när</a:t>
+            </a:r>
+            <a:r>
+              <a:rPr lang="en-US" baseline="0" dirty="0" smtClean="0"/>
+              <a:t> </a:t>
+            </a:r>
+            <a:r>
+              <a:rPr lang="en-US" baseline="0" dirty="0" err="1" smtClean="0"/>
+              <a:t>det</a:t>
+            </a:r>
+            <a:r>
+              <a:rPr lang="en-US" baseline="0" dirty="0" smtClean="0"/>
+              <a:t> </a:t>
+            </a:r>
+            <a:r>
+              <a:rPr lang="en-US" baseline="0" dirty="0" err="1" smtClean="0"/>
+              <a:t>inte</a:t>
+            </a:r>
+            <a:r>
+              <a:rPr lang="en-US" baseline="0" dirty="0" smtClean="0"/>
+              <a:t> </a:t>
+            </a:r>
+            <a:r>
+              <a:rPr lang="en-US" baseline="0" dirty="0" err="1" smtClean="0"/>
+              <a:t>finns</a:t>
+            </a:r>
+            <a:r>
+              <a:rPr lang="en-US" baseline="0" dirty="0" smtClean="0"/>
+              <a:t> </a:t>
+            </a:r>
+            <a:r>
+              <a:rPr lang="en-US" baseline="0" dirty="0" err="1" smtClean="0"/>
+              <a:t>några</a:t>
+            </a:r>
+            <a:r>
+              <a:rPr lang="en-US" baseline="0" dirty="0" smtClean="0"/>
+              <a:t> </a:t>
+            </a:r>
+            <a:r>
+              <a:rPr lang="en-US" baseline="0" dirty="0" err="1" smtClean="0"/>
+              <a:t>registrerade</a:t>
+            </a:r>
+            <a:r>
+              <a:rPr lang="en-US" baseline="0" dirty="0" smtClean="0"/>
+              <a:t> </a:t>
+            </a:r>
+            <a:r>
+              <a:rPr lang="en-US" baseline="0" dirty="0" err="1" smtClean="0"/>
+              <a:t>feltider</a:t>
+            </a:r>
+            <a:r>
+              <a:rPr lang="en-US" baseline="0" dirty="0" smtClean="0"/>
+              <a:t> </a:t>
+            </a:r>
+            <a:r>
+              <a:rPr lang="en-US" baseline="0" dirty="0" err="1" smtClean="0"/>
+              <a:t>så</a:t>
+            </a:r>
+            <a:r>
+              <a:rPr lang="en-US" baseline="0" dirty="0" smtClean="0"/>
+              <a:t> </a:t>
+            </a:r>
+            <a:r>
+              <a:rPr lang="en-US" baseline="0" dirty="0" err="1" smtClean="0"/>
+              <a:t>används</a:t>
+            </a:r>
+            <a:r>
+              <a:rPr lang="en-US" baseline="0" dirty="0" smtClean="0"/>
+              <a:t> </a:t>
+            </a:r>
+            <a:r>
+              <a:rPr lang="en-US" baseline="0" dirty="0" err="1" smtClean="0"/>
+              <a:t>ett</a:t>
+            </a:r>
+            <a:r>
+              <a:rPr lang="en-US" baseline="0" dirty="0" smtClean="0"/>
+              <a:t> default </a:t>
+            </a:r>
+            <a:r>
+              <a:rPr lang="en-US" baseline="0" dirty="0" err="1" smtClean="0"/>
+              <a:t>värde</a:t>
+            </a:r>
+            <a:r>
+              <a:rPr lang="en-US" baseline="0" dirty="0" smtClean="0"/>
+              <a:t> </a:t>
+            </a:r>
+            <a:r>
+              <a:rPr lang="en-US" baseline="0" dirty="0" err="1" smtClean="0"/>
+              <a:t>som</a:t>
+            </a:r>
+            <a:r>
+              <a:rPr lang="en-US" baseline="0" dirty="0" smtClean="0"/>
+              <a:t> </a:t>
+            </a:r>
+            <a:r>
+              <a:rPr lang="en-US" baseline="0" dirty="0" err="1" smtClean="0"/>
+              <a:t>kan</a:t>
+            </a:r>
+            <a:r>
+              <a:rPr lang="en-US" baseline="0" dirty="0" smtClean="0"/>
+              <a:t> </a:t>
+            </a:r>
+            <a:r>
+              <a:rPr lang="en-US" baseline="0" dirty="0" err="1" smtClean="0"/>
+              <a:t>vara</a:t>
+            </a:r>
+            <a:r>
+              <a:rPr lang="en-US" baseline="0" dirty="0" smtClean="0"/>
+              <a:t> </a:t>
+            </a:r>
+            <a:r>
+              <a:rPr lang="en-US" baseline="0" dirty="0" err="1" smtClean="0"/>
+              <a:t>långt</a:t>
+            </a:r>
+            <a:r>
+              <a:rPr lang="en-US" baseline="0" dirty="0" smtClean="0"/>
+              <a:t> </a:t>
+            </a:r>
+            <a:r>
+              <a:rPr lang="en-US" baseline="0" dirty="0" err="1" smtClean="0"/>
+              <a:t>ifrån</a:t>
+            </a:r>
+            <a:r>
+              <a:rPr lang="en-US" baseline="0" dirty="0" smtClean="0"/>
+              <a:t> </a:t>
+            </a:r>
+            <a:r>
+              <a:rPr lang="en-US" baseline="0" dirty="0" err="1" smtClean="0"/>
+              <a:t>verkligheten</a:t>
+            </a:r>
+            <a:r>
+              <a:rPr lang="en-US" baseline="0" dirty="0" smtClean="0"/>
+              <a:t>, </a:t>
+            </a:r>
+            <a:r>
+              <a:rPr lang="en-US" baseline="0" dirty="0" err="1" smtClean="0"/>
+              <a:t>i</a:t>
+            </a:r>
+            <a:r>
+              <a:rPr lang="en-US" baseline="0" dirty="0" smtClean="0"/>
+              <a:t> </a:t>
+            </a:r>
+            <a:r>
+              <a:rPr lang="en-US" baseline="0" dirty="0" err="1" smtClean="0"/>
+              <a:t>värsta</a:t>
+            </a:r>
+            <a:r>
+              <a:rPr lang="en-US" baseline="0" dirty="0" smtClean="0"/>
+              <a:t> fall </a:t>
+            </a:r>
+            <a:r>
+              <a:rPr lang="en-US" baseline="0" dirty="0" err="1" smtClean="0"/>
+              <a:t>högre</a:t>
+            </a:r>
+            <a:r>
+              <a:rPr lang="en-US" baseline="0" dirty="0" smtClean="0"/>
+              <a:t>.</a:t>
+            </a:r>
+          </a:p>
+          <a:p>
+            <a:r>
+              <a:rPr lang="en-US" baseline="0" dirty="0" err="1" smtClean="0"/>
+              <a:t>En</a:t>
+            </a:r>
+            <a:r>
+              <a:rPr lang="en-US" baseline="0" dirty="0" smtClean="0"/>
+              <a:t> </a:t>
+            </a:r>
+            <a:r>
+              <a:rPr lang="en-US" baseline="0" dirty="0" err="1" smtClean="0"/>
+              <a:t>mer</a:t>
+            </a:r>
+            <a:r>
+              <a:rPr lang="en-US" baseline="0" dirty="0" smtClean="0"/>
+              <a:t> </a:t>
+            </a:r>
+            <a:r>
+              <a:rPr lang="en-US" baseline="0" dirty="0" err="1" smtClean="0"/>
+              <a:t>sofistikerad</a:t>
+            </a:r>
+            <a:r>
+              <a:rPr lang="en-US" baseline="0" dirty="0" smtClean="0"/>
+              <a:t> model </a:t>
+            </a:r>
+            <a:r>
+              <a:rPr lang="en-US" baseline="0" dirty="0" err="1" smtClean="0"/>
+              <a:t>kan</a:t>
+            </a:r>
+            <a:r>
+              <a:rPr lang="en-US" baseline="0" dirty="0" smtClean="0"/>
+              <a:t> </a:t>
+            </a:r>
+            <a:r>
+              <a:rPr lang="en-US" baseline="0" dirty="0" err="1" smtClean="0"/>
+              <a:t>t.ex</a:t>
+            </a:r>
+            <a:r>
+              <a:rPr lang="en-US" baseline="0" dirty="0" smtClean="0"/>
+              <a:t>. anta </a:t>
+            </a:r>
+            <a:r>
+              <a:rPr lang="en-US" baseline="0" dirty="0" err="1" smtClean="0"/>
+              <a:t>att</a:t>
+            </a:r>
+            <a:r>
+              <a:rPr lang="en-US" baseline="0" dirty="0" smtClean="0"/>
+              <a:t> </a:t>
+            </a:r>
+            <a:r>
+              <a:rPr lang="en-US" baseline="0" dirty="0" err="1" smtClean="0"/>
+              <a:t>nodfel</a:t>
+            </a:r>
+            <a:r>
+              <a:rPr lang="en-US" baseline="0" dirty="0" smtClean="0"/>
+              <a:t> </a:t>
+            </a:r>
+            <a:r>
+              <a:rPr lang="en-US" baseline="0" dirty="0" err="1" smtClean="0"/>
+              <a:t>inte</a:t>
+            </a:r>
+            <a:r>
+              <a:rPr lang="en-US" baseline="0" dirty="0" smtClean="0"/>
+              <a:t> </a:t>
+            </a:r>
+            <a:r>
+              <a:rPr lang="en-US" baseline="0" dirty="0" err="1" smtClean="0"/>
+              <a:t>är</a:t>
+            </a:r>
+            <a:r>
+              <a:rPr lang="en-US" baseline="0" dirty="0" smtClean="0"/>
+              <a:t> </a:t>
+            </a:r>
+            <a:r>
+              <a:rPr lang="en-US" baseline="0" dirty="0" err="1" smtClean="0"/>
+              <a:t>oberoende</a:t>
+            </a:r>
+            <a:r>
+              <a:rPr lang="en-US" baseline="0" dirty="0" smtClean="0"/>
+              <a:t>, </a:t>
+            </a:r>
+            <a:r>
+              <a:rPr lang="en-US" baseline="0" dirty="0" err="1" smtClean="0"/>
+              <a:t>t.ex</a:t>
+            </a:r>
+            <a:r>
+              <a:rPr lang="en-US" baseline="0" dirty="0" smtClean="0"/>
+              <a:t>. </a:t>
+            </a:r>
+            <a:r>
+              <a:rPr lang="en-US" baseline="0" dirty="0" err="1" smtClean="0"/>
+              <a:t>kan</a:t>
+            </a:r>
+            <a:r>
+              <a:rPr lang="en-US" baseline="0" dirty="0" smtClean="0"/>
+              <a:t> </a:t>
+            </a:r>
+            <a:r>
+              <a:rPr lang="en-US" baseline="0" dirty="0" err="1" smtClean="0"/>
+              <a:t>switchar</a:t>
+            </a:r>
+            <a:r>
+              <a:rPr lang="en-US" baseline="0" dirty="0" smtClean="0"/>
+              <a:t> </a:t>
+            </a:r>
+            <a:r>
+              <a:rPr lang="en-US" baseline="0" dirty="0" err="1" smtClean="0"/>
+              <a:t>och</a:t>
+            </a:r>
+            <a:r>
+              <a:rPr lang="en-US" baseline="0" dirty="0" smtClean="0"/>
+              <a:t> </a:t>
+            </a:r>
+            <a:r>
+              <a:rPr lang="en-US" baseline="0" dirty="0" err="1" smtClean="0"/>
+              <a:t>nätförsörjning</a:t>
+            </a:r>
+            <a:r>
+              <a:rPr lang="en-US" baseline="0" dirty="0" smtClean="0"/>
+              <a:t> </a:t>
+            </a:r>
+            <a:r>
+              <a:rPr lang="en-US" baseline="0" dirty="0" err="1" smtClean="0"/>
+              <a:t>gå</a:t>
+            </a:r>
+            <a:r>
+              <a:rPr lang="en-US" baseline="0" dirty="0" smtClean="0"/>
+              <a:t> </a:t>
+            </a:r>
+            <a:r>
+              <a:rPr lang="en-US" baseline="0" dirty="0" err="1" smtClean="0"/>
+              <a:t>ner</a:t>
+            </a:r>
+            <a:r>
+              <a:rPr lang="en-US" baseline="0" dirty="0" smtClean="0"/>
+              <a:t> </a:t>
+            </a:r>
+            <a:r>
+              <a:rPr lang="en-US" baseline="0" dirty="0" err="1" smtClean="0"/>
+              <a:t>vilket</a:t>
+            </a:r>
+            <a:r>
+              <a:rPr lang="en-US" baseline="0" dirty="0" smtClean="0"/>
+              <a:t> </a:t>
+            </a:r>
+            <a:r>
+              <a:rPr lang="en-US" baseline="0" dirty="0" err="1" smtClean="0"/>
+              <a:t>påverkar</a:t>
+            </a:r>
+            <a:r>
+              <a:rPr lang="en-US" baseline="0" dirty="0" smtClean="0"/>
+              <a:t> </a:t>
+            </a:r>
+            <a:r>
+              <a:rPr lang="en-US" baseline="0" dirty="0" err="1" smtClean="0"/>
+              <a:t>alla</a:t>
+            </a:r>
+            <a:r>
+              <a:rPr lang="en-US" baseline="0" dirty="0" smtClean="0"/>
+              <a:t> </a:t>
+            </a:r>
+            <a:r>
+              <a:rPr lang="en-US" baseline="0" dirty="0" err="1" smtClean="0"/>
+              <a:t>noder</a:t>
+            </a:r>
+            <a:r>
+              <a:rPr lang="en-US" baseline="0" dirty="0" smtClean="0"/>
+              <a:t> </a:t>
+            </a:r>
+            <a:r>
+              <a:rPr lang="en-US" baseline="0" dirty="0" err="1" smtClean="0"/>
+              <a:t>i</a:t>
+            </a:r>
+            <a:r>
+              <a:rPr lang="en-US" baseline="0" dirty="0" smtClean="0"/>
+              <a:t> </a:t>
+            </a:r>
+            <a:r>
+              <a:rPr lang="en-US" baseline="0" dirty="0" err="1" smtClean="0"/>
+              <a:t>ett</a:t>
+            </a:r>
+            <a:r>
+              <a:rPr lang="en-US" baseline="0" dirty="0" smtClean="0"/>
+              <a:t> </a:t>
+            </a:r>
+            <a:r>
+              <a:rPr lang="en-US" baseline="0" dirty="0" err="1" smtClean="0"/>
+              <a:t>kluster</a:t>
+            </a:r>
+            <a:r>
+              <a:rPr lang="en-US" baseline="0" dirty="0" smtClean="0"/>
+              <a:t>.</a:t>
+            </a:r>
+          </a:p>
+          <a:p>
+            <a:endParaRPr lang="en-US" baseline="0" dirty="0" smtClean="0"/>
+          </a:p>
+          <a:p>
+            <a:r>
+              <a:rPr lang="en-US" baseline="0" dirty="0" smtClean="0"/>
+              <a:t>Valet </a:t>
+            </a:r>
+            <a:r>
+              <a:rPr lang="en-US" baseline="0" dirty="0" err="1" smtClean="0"/>
+              <a:t>av</a:t>
+            </a:r>
+            <a:r>
+              <a:rPr lang="en-US" baseline="0" dirty="0" smtClean="0"/>
+              <a:t> </a:t>
+            </a:r>
+            <a:r>
+              <a:rPr lang="en-US" baseline="0" dirty="0" err="1" smtClean="0"/>
+              <a:t>var</a:t>
+            </a:r>
+            <a:r>
+              <a:rPr lang="en-US" baseline="0" dirty="0" smtClean="0"/>
+              <a:t> vi </a:t>
+            </a:r>
+            <a:r>
+              <a:rPr lang="en-US" baseline="0" dirty="0" err="1" smtClean="0"/>
+              <a:t>placerar</a:t>
+            </a:r>
+            <a:r>
+              <a:rPr lang="en-US" baseline="0" dirty="0" smtClean="0"/>
+              <a:t> </a:t>
+            </a:r>
+            <a:r>
+              <a:rPr lang="en-US" baseline="0" dirty="0" err="1" smtClean="0"/>
+              <a:t>replikor</a:t>
+            </a:r>
+            <a:r>
+              <a:rPr lang="en-US" baseline="0" dirty="0" smtClean="0"/>
+              <a:t> </a:t>
+            </a:r>
+            <a:r>
+              <a:rPr lang="en-US" baseline="0" dirty="0" err="1" smtClean="0"/>
+              <a:t>kan</a:t>
+            </a:r>
+            <a:r>
+              <a:rPr lang="en-US" baseline="0" dirty="0" smtClean="0"/>
+              <a:t> </a:t>
+            </a:r>
+            <a:r>
+              <a:rPr lang="en-US" baseline="0" dirty="0" err="1" smtClean="0"/>
+              <a:t>även</a:t>
+            </a:r>
+            <a:r>
+              <a:rPr lang="en-US" baseline="0" dirty="0" smtClean="0"/>
+              <a:t> ta </a:t>
+            </a:r>
+            <a:r>
+              <a:rPr lang="en-US" baseline="0" dirty="0" err="1" smtClean="0"/>
+              <a:t>fler</a:t>
+            </a:r>
+            <a:r>
+              <a:rPr lang="en-US" baseline="0" dirty="0" smtClean="0"/>
+              <a:t> </a:t>
+            </a:r>
+            <a:r>
+              <a:rPr lang="en-US" baseline="0" dirty="0" err="1" smtClean="0"/>
+              <a:t>parametrar</a:t>
+            </a:r>
+            <a:r>
+              <a:rPr lang="en-US" baseline="0" dirty="0" smtClean="0"/>
+              <a:t> I </a:t>
+            </a:r>
+            <a:r>
+              <a:rPr lang="en-US" baseline="0" dirty="0" err="1" smtClean="0"/>
+              <a:t>åtanke</a:t>
+            </a:r>
+            <a:r>
+              <a:rPr lang="en-US" baseline="0" dirty="0" smtClean="0"/>
+              <a:t>. </a:t>
+            </a:r>
+            <a:r>
+              <a:rPr lang="en-US" baseline="0" dirty="0" err="1" smtClean="0"/>
+              <a:t>T.ex</a:t>
+            </a:r>
+            <a:r>
+              <a:rPr lang="en-US" baseline="0" dirty="0" smtClean="0"/>
+              <a:t>. </a:t>
+            </a:r>
+            <a:r>
+              <a:rPr lang="en-US" baseline="0" dirty="0" err="1" smtClean="0"/>
+              <a:t>så</a:t>
+            </a:r>
+            <a:r>
+              <a:rPr lang="en-US" baseline="0" dirty="0" smtClean="0"/>
+              <a:t> </a:t>
+            </a:r>
+            <a:r>
+              <a:rPr lang="en-US" baseline="0" dirty="0" err="1" smtClean="0"/>
+              <a:t>undersöks</a:t>
+            </a:r>
+            <a:r>
+              <a:rPr lang="en-US" baseline="0" dirty="0" smtClean="0"/>
+              <a:t> </a:t>
+            </a:r>
+            <a:r>
+              <a:rPr lang="en-US" baseline="0" dirty="0" err="1" smtClean="0"/>
+              <a:t>i</a:t>
+            </a:r>
+            <a:r>
+              <a:rPr lang="en-US" baseline="0" dirty="0" smtClean="0"/>
+              <a:t> </a:t>
+            </a:r>
+            <a:r>
+              <a:rPr lang="en-US" baseline="0" dirty="0" err="1" smtClean="0"/>
+              <a:t>nuläget</a:t>
+            </a:r>
+            <a:r>
+              <a:rPr lang="en-US" baseline="0" dirty="0" smtClean="0"/>
+              <a:t> </a:t>
+            </a:r>
+            <a:r>
+              <a:rPr lang="en-US" baseline="0" dirty="0" err="1" smtClean="0"/>
+              <a:t>inte</a:t>
+            </a:r>
+            <a:r>
+              <a:rPr lang="en-US" baseline="0" dirty="0" smtClean="0"/>
+              <a:t> om den </a:t>
+            </a:r>
+            <a:r>
+              <a:rPr lang="en-US" baseline="0" dirty="0" err="1" smtClean="0"/>
+              <a:t>valda</a:t>
+            </a:r>
+            <a:r>
+              <a:rPr lang="en-US" baseline="0" dirty="0" smtClean="0"/>
+              <a:t> </a:t>
+            </a:r>
+            <a:r>
+              <a:rPr lang="en-US" baseline="0" dirty="0" err="1" smtClean="0"/>
+              <a:t>noden</a:t>
+            </a:r>
+            <a:r>
+              <a:rPr lang="en-US" baseline="0" dirty="0" smtClean="0"/>
+              <a:t> </a:t>
+            </a:r>
+            <a:r>
+              <a:rPr lang="en-US" baseline="0" dirty="0" err="1" smtClean="0"/>
               <a:t>har</a:t>
             </a:r>
             <a:r>
               <a:rPr lang="en-US" baseline="0" dirty="0" smtClean="0"/>
+              <a:t> </a:t>
+            </a:r>
+            <a:r>
+              <a:rPr lang="en-US" baseline="0" dirty="0" err="1" smtClean="0"/>
+              <a:t>kapacitet</a:t>
+            </a:r>
+            <a:r>
+              <a:rPr lang="en-US" baseline="0" dirty="0" smtClean="0"/>
+              <a:t> </a:t>
+            </a:r>
+            <a:r>
+              <a:rPr lang="en-US" baseline="0" dirty="0" err="1" smtClean="0"/>
+              <a:t>för</a:t>
+            </a:r>
+            <a:r>
+              <a:rPr lang="en-US" baseline="0" dirty="0" smtClean="0"/>
+              <a:t> </a:t>
+            </a:r>
+            <a:r>
+              <a:rPr lang="en-US" baseline="0" dirty="0" err="1" smtClean="0"/>
+              <a:t>att</a:t>
+            </a:r>
+            <a:r>
+              <a:rPr lang="en-US" baseline="0" dirty="0" smtClean="0"/>
+              <a:t> </a:t>
+            </a:r>
+            <a:r>
+              <a:rPr lang="en-US" baseline="0" dirty="0" err="1" smtClean="0"/>
+              <a:t>starta</a:t>
+            </a:r>
+            <a:r>
+              <a:rPr lang="en-US" baseline="0" dirty="0" smtClean="0"/>
+              <a:t> </a:t>
+            </a:r>
+            <a:r>
+              <a:rPr lang="en-US" baseline="0" dirty="0" err="1" smtClean="0"/>
+              <a:t>upp</a:t>
+            </a:r>
+            <a:r>
+              <a:rPr lang="en-US" baseline="0" dirty="0" smtClean="0"/>
+              <a:t> </a:t>
+            </a:r>
+            <a:r>
+              <a:rPr lang="en-US" baseline="0" dirty="0" err="1" smtClean="0"/>
+              <a:t>en</a:t>
+            </a:r>
+            <a:r>
+              <a:rPr lang="en-US" baseline="0" dirty="0" smtClean="0"/>
+              <a:t> </a:t>
+            </a:r>
+            <a:r>
+              <a:rPr lang="en-US" baseline="0" dirty="0" err="1" smtClean="0"/>
+              <a:t>ny</a:t>
+            </a:r>
+            <a:r>
+              <a:rPr lang="en-US" baseline="0" smtClean="0"/>
+              <a:t> </a:t>
+            </a:r>
+            <a:r>
+              <a:rPr lang="en-US" baseline="0" smtClean="0"/>
+              <a:t>replica. </a:t>
+            </a:r>
+            <a:r>
+              <a:rPr lang="en-US" baseline="0" dirty="0" smtClean="0"/>
+              <a:t>Nodes last </a:t>
+            </a:r>
+            <a:r>
+              <a:rPr lang="en-US" baseline="0" dirty="0" err="1" smtClean="0"/>
+              <a:t>kan</a:t>
+            </a:r>
+            <a:r>
+              <a:rPr lang="en-US" baseline="0" dirty="0" smtClean="0"/>
+              <a:t> </a:t>
+            </a:r>
+            <a:r>
+              <a:rPr lang="en-US" baseline="0" dirty="0" err="1" smtClean="0"/>
+              <a:t>även</a:t>
+            </a:r>
+            <a:r>
+              <a:rPr lang="en-US" baseline="0" dirty="0" smtClean="0"/>
+              <a:t> </a:t>
+            </a:r>
+            <a:r>
+              <a:rPr lang="en-US" baseline="0" dirty="0" err="1" smtClean="0"/>
+              <a:t>inkluderas</a:t>
+            </a:r>
+            <a:r>
+              <a:rPr lang="en-US" baseline="0" dirty="0" smtClean="0"/>
+              <a:t> </a:t>
+            </a:r>
+            <a:r>
+              <a:rPr lang="en-US" baseline="0" dirty="0" err="1" smtClean="0"/>
+              <a:t>vilket</a:t>
+            </a:r>
+            <a:r>
+              <a:rPr lang="en-US" baseline="0" dirty="0" smtClean="0"/>
               <a:t> vi </a:t>
             </a:r>
             <a:r>
               <a:rPr lang="en-US" baseline="0" dirty="0" err="1" smtClean="0"/>
-              <a:t>bara</a:t>
-            </a:r>
-            <a:r>
-              <a:rPr lang="en-US" baseline="0" dirty="0" smtClean="0"/>
-              <a:t> </a:t>
-            </a:r>
-            <a:r>
-              <a:rPr lang="en-US" baseline="0" dirty="0" err="1" smtClean="0"/>
-              <a:t>kört</a:t>
-            </a:r>
-            <a:r>
-              <a:rPr lang="en-US" baseline="0" dirty="0" smtClean="0"/>
-              <a:t> en </a:t>
-            </a:r>
-            <a:r>
-              <a:rPr lang="en-US" baseline="0" dirty="0" err="1" smtClean="0"/>
-              <a:t>applikation</a:t>
-            </a:r>
-            <a:r>
-              <a:rPr lang="en-US" baseline="0" dirty="0" smtClean="0"/>
-              <a:t>. Men </a:t>
-            </a:r>
-            <a:r>
-              <a:rPr lang="en-US" baseline="0" dirty="0" err="1" smtClean="0"/>
-              <a:t>även</a:t>
-            </a:r>
-            <a:r>
-              <a:rPr lang="en-US" baseline="0" dirty="0" smtClean="0"/>
-              <a:t> om man </a:t>
-            </a:r>
-            <a:r>
-              <a:rPr lang="en-US" baseline="0" dirty="0" err="1" smtClean="0"/>
-              <a:t>kör</a:t>
-            </a:r>
-            <a:r>
-              <a:rPr lang="en-US" baseline="0" dirty="0" smtClean="0"/>
-              <a:t> </a:t>
-            </a:r>
-            <a:r>
-              <a:rPr lang="en-US" baseline="0" dirty="0" err="1" smtClean="0"/>
-              <a:t>flera</a:t>
-            </a:r>
-            <a:r>
-              <a:rPr lang="en-US" baseline="0" dirty="0" smtClean="0"/>
-              <a:t> </a:t>
-            </a:r>
-            <a:r>
-              <a:rPr lang="en-US" baseline="0" dirty="0" err="1" smtClean="0"/>
-              <a:t>applikationer</a:t>
+              <a:t>visade</a:t>
+            </a:r>
+            <a:r>
+              <a:rPr lang="en-US" baseline="0" dirty="0" smtClean="0"/>
+              <a:t> </a:t>
+            </a:r>
+            <a:r>
+              <a:rPr lang="en-US" baseline="0" dirty="0" err="1" smtClean="0"/>
+              <a:t>inte</a:t>
+            </a:r>
+            <a:r>
+              <a:rPr lang="en-US" baseline="0" dirty="0" smtClean="0"/>
+              <a:t> </a:t>
+            </a:r>
+            <a:r>
+              <a:rPr lang="en-US" baseline="0" dirty="0" err="1" smtClean="0"/>
+              <a:t>var</a:t>
             </a:r>
             <a:r>
               <a:rPr lang="en-US" baseline="0" dirty="0" smtClean="0"/>
@@ -15805,613 +15884,11 @@
             </a:r>
             <a:r>
               <a:rPr lang="en-US" baseline="0" dirty="0" err="1" smtClean="0"/>
-              <a:t>kommer</a:t>
-            </a:r>
-            <a:r>
-              <a:rPr lang="en-US" baseline="0" dirty="0" smtClean="0"/>
-              <a:t> </a:t>
-            </a:r>
-            <a:r>
-              <a:rPr lang="en-US" baseline="0" dirty="0" err="1" smtClean="0"/>
-              <a:t>optimala</a:t>
-            </a:r>
-            <a:r>
-              <a:rPr lang="en-US" baseline="0" dirty="0" smtClean="0"/>
-              <a:t> </a:t>
-            </a:r>
-            <a:r>
-              <a:rPr lang="en-US" baseline="0" dirty="0" err="1" smtClean="0"/>
-              <a:t>antalet</a:t>
-            </a:r>
-            <a:r>
-              <a:rPr lang="en-US" baseline="0" dirty="0" smtClean="0"/>
-              <a:t> </a:t>
-            </a:r>
-            <a:r>
-              <a:rPr lang="en-US" baseline="0" dirty="0" err="1" smtClean="0"/>
-              <a:t>noder</a:t>
-            </a:r>
-            <a:r>
-              <a:rPr lang="en-US" baseline="0" dirty="0" smtClean="0"/>
-              <a:t> </a:t>
-            </a:r>
-            <a:r>
-              <a:rPr lang="en-US" baseline="0" dirty="0" err="1" smtClean="0"/>
-              <a:t>och</a:t>
-            </a:r>
-            <a:r>
-              <a:rPr lang="en-US" baseline="0" dirty="0" smtClean="0"/>
-              <a:t> </a:t>
-            </a:r>
-            <a:r>
-              <a:rPr lang="en-US" baseline="0" dirty="0" err="1" smtClean="0"/>
-              <a:t>därmed</a:t>
-            </a:r>
-            <a:r>
-              <a:rPr lang="en-US" baseline="0" dirty="0" smtClean="0"/>
-              <a:t> </a:t>
-            </a:r>
-            <a:r>
-              <a:rPr lang="en-US" baseline="0" dirty="0" err="1" smtClean="0"/>
-              <a:t>vara</a:t>
-            </a:r>
-            <a:r>
-              <a:rPr lang="en-US" baseline="0" dirty="0" smtClean="0"/>
-              <a:t> </a:t>
-            </a:r>
-            <a:r>
-              <a:rPr lang="en-US" baseline="0" dirty="0" err="1" smtClean="0"/>
-              <a:t>energi-effektiv</a:t>
-            </a:r>
-            <a:r>
-              <a:rPr lang="en-US" baseline="0" dirty="0" smtClean="0"/>
-              <a:t>.  </a:t>
-            </a:r>
-            <a:r>
-              <a:rPr lang="en-US" baseline="0" dirty="0" err="1" smtClean="0"/>
-              <a:t>Tex</a:t>
-            </a:r>
-            <a:r>
-              <a:rPr lang="en-US" baseline="0" dirty="0" smtClean="0"/>
-              <a:t> om man </a:t>
-            </a:r>
-            <a:r>
-              <a:rPr lang="en-US" baseline="0" dirty="0" err="1" smtClean="0"/>
-              <a:t>har</a:t>
-            </a:r>
-            <a:r>
-              <a:rPr lang="en-US" baseline="0" dirty="0" smtClean="0"/>
-              <a:t> 3 </a:t>
-            </a:r>
-            <a:r>
-              <a:rPr lang="en-US" baseline="0" dirty="0" err="1" smtClean="0"/>
-              <a:t>applikationer</a:t>
-            </a:r>
-            <a:r>
-              <a:rPr lang="en-US" baseline="0" dirty="0" smtClean="0"/>
-              <a:t>, </a:t>
-            </a:r>
-            <a:r>
-              <a:rPr lang="en-US" baseline="0" dirty="0" err="1" smtClean="0"/>
-              <a:t>där</a:t>
-            </a:r>
-            <a:r>
-              <a:rPr lang="en-US" baseline="0" dirty="0" smtClean="0"/>
-              <a:t> </a:t>
-            </a:r>
-            <a:r>
-              <a:rPr lang="en-US" baseline="0" dirty="0" err="1" smtClean="0"/>
-              <a:t>två</a:t>
-            </a:r>
-            <a:r>
-              <a:rPr lang="en-US" baseline="0" dirty="0" smtClean="0"/>
-              <a:t> </a:t>
-            </a:r>
-            <a:r>
-              <a:rPr lang="en-US" baseline="0" dirty="0" err="1" smtClean="0"/>
-              <a:t>kräver</a:t>
-            </a:r>
-            <a:r>
-              <a:rPr lang="en-US" baseline="0" dirty="0" smtClean="0"/>
-              <a:t> 3 </a:t>
-            </a:r>
-            <a:r>
-              <a:rPr lang="en-US" baseline="0" dirty="0" err="1" smtClean="0"/>
-              <a:t>replikor</a:t>
-            </a:r>
-            <a:r>
-              <a:rPr lang="en-US" baseline="0" dirty="0" smtClean="0"/>
-              <a:t> </a:t>
-            </a:r>
-            <a:r>
-              <a:rPr lang="en-US" baseline="0" dirty="0" err="1" smtClean="0"/>
-              <a:t>och</a:t>
-            </a:r>
-            <a:r>
-              <a:rPr lang="en-US" baseline="0" dirty="0" smtClean="0"/>
-              <a:t> en </a:t>
-            </a:r>
-            <a:r>
-              <a:rPr lang="en-US" baseline="0" dirty="0" err="1" smtClean="0"/>
-              <a:t>kräver</a:t>
-            </a:r>
-            <a:r>
-              <a:rPr lang="en-US" baseline="0" dirty="0" smtClean="0"/>
-              <a:t> 4 </a:t>
-            </a:r>
-            <a:r>
-              <a:rPr lang="en-US" baseline="0" dirty="0" err="1" smtClean="0"/>
-              <a:t>replikor</a:t>
-            </a:r>
-            <a:r>
-              <a:rPr lang="en-US" baseline="0" dirty="0" smtClean="0"/>
-              <a:t>. </a:t>
-            </a:r>
-            <a:r>
-              <a:rPr lang="en-US" baseline="0" dirty="0" err="1" smtClean="0"/>
-              <a:t>Så</a:t>
-            </a:r>
-            <a:r>
-              <a:rPr lang="en-US" baseline="0" dirty="0" smtClean="0"/>
-              <a:t> </a:t>
-            </a:r>
-            <a:r>
-              <a:rPr lang="en-US" baseline="0" dirty="0" err="1" smtClean="0"/>
-              <a:t>kommer</a:t>
-            </a:r>
-            <a:r>
-              <a:rPr lang="en-US" baseline="0" dirty="0" smtClean="0"/>
-              <a:t> de 4 </a:t>
-            </a:r>
-            <a:r>
-              <a:rPr lang="en-US" baseline="0" dirty="0" err="1" smtClean="0"/>
-              <a:t>mest</a:t>
-            </a:r>
-            <a:r>
-              <a:rPr lang="en-US" baseline="0" dirty="0" smtClean="0"/>
-              <a:t> </a:t>
-            </a:r>
-            <a:r>
-              <a:rPr lang="en-US" baseline="0" dirty="0" err="1" smtClean="0"/>
-              <a:t>tillförlitliga</a:t>
-            </a:r>
-            <a:r>
-              <a:rPr lang="en-US" baseline="0" dirty="0" smtClean="0"/>
-              <a:t> </a:t>
-            </a:r>
-            <a:r>
-              <a:rPr lang="en-US" baseline="0" dirty="0" err="1" smtClean="0"/>
-              <a:t>noderna</a:t>
-            </a:r>
-            <a:r>
-              <a:rPr lang="en-US" baseline="0" dirty="0" smtClean="0"/>
-              <a:t> </a:t>
-            </a:r>
-            <a:r>
-              <a:rPr lang="en-US" baseline="0" dirty="0" err="1" smtClean="0"/>
-              <a:t>att</a:t>
-            </a:r>
-            <a:r>
-              <a:rPr lang="en-US" baseline="0" dirty="0" smtClean="0"/>
-              <a:t> </a:t>
-            </a:r>
-            <a:r>
-              <a:rPr lang="en-US" baseline="0" dirty="0" err="1" smtClean="0"/>
-              <a:t>användas</a:t>
+              <a:t>svårt</a:t>
             </a:r>
             <a:r>
               <a:rPr lang="en-US" baseline="0" dirty="0" smtClean="0"/>
               <a:t>.</a:t>
-            </a:r>
-          </a:p>
-          <a:p>
-            <a:endParaRPr lang="en-US" baseline="0" dirty="0" smtClean="0"/>
-          </a:p>
-          <a:p>
-            <a:r>
-              <a:rPr lang="en-US" baseline="0" dirty="0" err="1" smtClean="0"/>
-              <a:t>Detta</a:t>
-            </a:r>
-            <a:r>
-              <a:rPr lang="en-US" baseline="0" dirty="0" smtClean="0"/>
-              <a:t> </a:t>
-            </a:r>
-            <a:r>
-              <a:rPr lang="en-US" baseline="0" dirty="0" err="1" smtClean="0"/>
-              <a:t>förutsätter</a:t>
-            </a:r>
-            <a:r>
-              <a:rPr lang="en-US" baseline="0" dirty="0" smtClean="0"/>
-              <a:t> dock </a:t>
-            </a:r>
-            <a:r>
-              <a:rPr lang="en-US" baseline="0" dirty="0" err="1" smtClean="0"/>
-              <a:t>att</a:t>
-            </a:r>
-            <a:r>
-              <a:rPr lang="en-US" baseline="0" dirty="0" smtClean="0"/>
-              <a:t> </a:t>
-            </a:r>
-            <a:r>
-              <a:rPr lang="en-US" baseline="0" dirty="0" err="1" smtClean="0"/>
-              <a:t>ingen</a:t>
-            </a:r>
-            <a:r>
-              <a:rPr lang="en-US" baseline="0" dirty="0" smtClean="0"/>
-              <a:t> nod </a:t>
-            </a:r>
-            <a:r>
-              <a:rPr lang="en-US" baseline="0" dirty="0" err="1" smtClean="0"/>
-              <a:t>blir</a:t>
-            </a:r>
-            <a:r>
-              <a:rPr lang="en-US" baseline="0" dirty="0" smtClean="0"/>
-              <a:t> overloaded </a:t>
-            </a:r>
-            <a:r>
-              <a:rPr lang="en-US" baseline="0" dirty="0" err="1" smtClean="0"/>
-              <a:t>utan</a:t>
-            </a:r>
-            <a:r>
-              <a:rPr lang="en-US" baseline="0" dirty="0" smtClean="0"/>
-              <a:t> </a:t>
-            </a:r>
-            <a:r>
-              <a:rPr lang="en-US" baseline="0" dirty="0" err="1" smtClean="0"/>
-              <a:t>att</a:t>
-            </a:r>
-            <a:r>
-              <a:rPr lang="en-US" baseline="0" dirty="0" smtClean="0"/>
-              <a:t> de </a:t>
-            </a:r>
-            <a:r>
-              <a:rPr lang="en-US" baseline="0" dirty="0" err="1" smtClean="0"/>
-              <a:t>har</a:t>
-            </a:r>
-            <a:r>
-              <a:rPr lang="en-US" baseline="0" dirty="0" smtClean="0"/>
-              <a:t> plats till de </a:t>
-            </a:r>
-            <a:r>
-              <a:rPr lang="en-US" baseline="0" dirty="0" err="1" smtClean="0"/>
-              <a:t>replikor</a:t>
-            </a:r>
-            <a:r>
-              <a:rPr lang="en-US" baseline="0" dirty="0" smtClean="0"/>
-              <a:t> man </a:t>
-            </a:r>
-            <a:r>
-              <a:rPr lang="en-US" baseline="0" dirty="0" err="1" smtClean="0"/>
-              <a:t>placerar</a:t>
-            </a:r>
-            <a:r>
-              <a:rPr lang="en-US" baseline="0" dirty="0" smtClean="0"/>
-              <a:t> </a:t>
-            </a:r>
-            <a:r>
-              <a:rPr lang="en-US" baseline="0" dirty="0" err="1" smtClean="0"/>
-              <a:t>där</a:t>
-            </a:r>
-            <a:r>
-              <a:rPr lang="en-US" baseline="0" dirty="0" smtClean="0"/>
-              <a:t>.</a:t>
-            </a:r>
-          </a:p>
-          <a:p>
-            <a:endParaRPr lang="en-US" baseline="0" dirty="0" smtClean="0"/>
-          </a:p>
-          <a:p>
-            <a:r>
-              <a:rPr lang="en-US" baseline="0" dirty="0" err="1" smtClean="0"/>
-              <a:t>Vidare</a:t>
-            </a:r>
-            <a:r>
-              <a:rPr lang="en-US" baseline="0" dirty="0" smtClean="0"/>
-              <a:t> </a:t>
-            </a:r>
-            <a:r>
-              <a:rPr lang="en-US" baseline="0" dirty="0" err="1" smtClean="0"/>
-              <a:t>så</a:t>
-            </a:r>
-            <a:r>
-              <a:rPr lang="en-US" baseline="0" dirty="0" smtClean="0"/>
-              <a:t> </a:t>
-            </a:r>
-            <a:r>
-              <a:rPr lang="en-US" baseline="0" dirty="0" err="1" smtClean="0"/>
-              <a:t>ser</a:t>
-            </a:r>
-            <a:r>
-              <a:rPr lang="en-US" baseline="0" dirty="0" smtClean="0"/>
-              <a:t> vi </a:t>
-            </a:r>
-            <a:r>
-              <a:rPr lang="en-US" baseline="0" dirty="0" err="1" smtClean="0"/>
-              <a:t>inte</a:t>
-            </a:r>
-            <a:r>
-              <a:rPr lang="en-US" baseline="0" dirty="0" smtClean="0"/>
-              <a:t> </a:t>
-            </a:r>
-            <a:r>
-              <a:rPr lang="en-US" baseline="0" dirty="0" err="1" smtClean="0"/>
-              <a:t>nödvändigtvis</a:t>
-            </a:r>
-            <a:r>
-              <a:rPr lang="en-US" baseline="0" dirty="0" smtClean="0"/>
-              <a:t> till </a:t>
-            </a:r>
-            <a:r>
-              <a:rPr lang="en-US" baseline="0" dirty="0" err="1" smtClean="0"/>
-              <a:t>att</a:t>
-            </a:r>
-            <a:r>
-              <a:rPr lang="en-US" baseline="0" dirty="0" smtClean="0"/>
-              <a:t> </a:t>
-            </a:r>
-            <a:r>
-              <a:rPr lang="en-US" baseline="0" dirty="0" err="1" smtClean="0"/>
-              <a:t>medelvärdet</a:t>
-            </a:r>
-            <a:r>
-              <a:rPr lang="en-US" baseline="0" dirty="0" smtClean="0"/>
-              <a:t> </a:t>
-            </a:r>
-            <a:r>
-              <a:rPr lang="en-US" baseline="0" dirty="0" err="1" smtClean="0"/>
-              <a:t>för</a:t>
-            </a:r>
-            <a:r>
-              <a:rPr lang="en-US" baseline="0" dirty="0" smtClean="0"/>
-              <a:t> </a:t>
-            </a:r>
-            <a:r>
-              <a:rPr lang="en-US" baseline="0" dirty="0" err="1" smtClean="0"/>
-              <a:t>tillförlitligheten</a:t>
-            </a:r>
-            <a:r>
-              <a:rPr lang="en-US" baseline="0" dirty="0" smtClean="0"/>
-              <a:t> </a:t>
-            </a:r>
-            <a:r>
-              <a:rPr lang="en-US" baseline="0" dirty="0" err="1" smtClean="0"/>
-              <a:t>är</a:t>
-            </a:r>
-            <a:r>
-              <a:rPr lang="en-US" baseline="0" dirty="0" smtClean="0"/>
-              <a:t> </a:t>
-            </a:r>
-            <a:r>
-              <a:rPr lang="en-US" baseline="0" dirty="0" err="1" smtClean="0"/>
-              <a:t>över</a:t>
-            </a:r>
-            <a:r>
-              <a:rPr lang="en-US" baseline="0" dirty="0" smtClean="0"/>
-              <a:t> </a:t>
-            </a:r>
-            <a:r>
-              <a:rPr lang="en-US" baseline="0" dirty="0" err="1" smtClean="0"/>
-              <a:t>det</a:t>
-            </a:r>
-            <a:r>
-              <a:rPr lang="en-US" baseline="0" dirty="0" smtClean="0"/>
-              <a:t> vi </a:t>
-            </a:r>
-            <a:r>
-              <a:rPr lang="en-US" baseline="0" dirty="0" err="1" smtClean="0"/>
-              <a:t>vill</a:t>
-            </a:r>
-            <a:r>
-              <a:rPr lang="en-US" baseline="0" dirty="0" smtClean="0"/>
-              <a:t> ha. Man </a:t>
-            </a:r>
-            <a:r>
-              <a:rPr lang="en-US" baseline="0" dirty="0" err="1" smtClean="0"/>
-              <a:t>kan</a:t>
-            </a:r>
-            <a:r>
-              <a:rPr lang="en-US" baseline="0" dirty="0" smtClean="0"/>
-              <a:t> </a:t>
-            </a:r>
-            <a:r>
-              <a:rPr lang="en-US" baseline="0" dirty="0" err="1" smtClean="0"/>
-              <a:t>tänka</a:t>
-            </a:r>
-            <a:r>
-              <a:rPr lang="en-US" baseline="0" dirty="0" smtClean="0"/>
-              <a:t> sig </a:t>
-            </a:r>
-            <a:r>
-              <a:rPr lang="en-US" baseline="0" dirty="0" err="1" smtClean="0"/>
-              <a:t>att</a:t>
-            </a:r>
-            <a:r>
-              <a:rPr lang="en-US" baseline="0" dirty="0" smtClean="0"/>
-              <a:t> med </a:t>
-            </a:r>
-            <a:r>
-              <a:rPr lang="en-US" baseline="0" dirty="0" err="1" smtClean="0"/>
-              <a:t>två</a:t>
-            </a:r>
-            <a:r>
-              <a:rPr lang="en-US" baseline="0" dirty="0" smtClean="0"/>
-              <a:t> </a:t>
-            </a:r>
-            <a:r>
-              <a:rPr lang="en-US" baseline="0" dirty="0" err="1" smtClean="0"/>
-              <a:t>replikor</a:t>
-            </a:r>
-            <a:r>
-              <a:rPr lang="en-US" baseline="0" dirty="0" smtClean="0"/>
-              <a:t> </a:t>
-            </a:r>
-            <a:r>
-              <a:rPr lang="en-US" baseline="0" dirty="0" err="1" smtClean="0"/>
-              <a:t>når</a:t>
-            </a:r>
-            <a:r>
-              <a:rPr lang="en-US" baseline="0" dirty="0" smtClean="0"/>
-              <a:t> vi </a:t>
-            </a:r>
-            <a:r>
-              <a:rPr lang="en-US" baseline="0" dirty="0" err="1" smtClean="0"/>
-              <a:t>precis</a:t>
-            </a:r>
-            <a:r>
-              <a:rPr lang="en-US" baseline="0" dirty="0" smtClean="0"/>
-              <a:t> </a:t>
-            </a:r>
-            <a:r>
-              <a:rPr lang="en-US" baseline="0" dirty="0" err="1" smtClean="0"/>
-              <a:t>över</a:t>
-            </a:r>
-            <a:r>
-              <a:rPr lang="en-US" baseline="0" dirty="0" smtClean="0"/>
-              <a:t> </a:t>
-            </a:r>
-            <a:r>
-              <a:rPr lang="en-US" baseline="0" dirty="0" err="1" smtClean="0"/>
-              <a:t>det</a:t>
-            </a:r>
-            <a:r>
-              <a:rPr lang="en-US" baseline="0" dirty="0" smtClean="0"/>
-              <a:t> </a:t>
-            </a:r>
-            <a:r>
-              <a:rPr lang="en-US" baseline="0" dirty="0" err="1" smtClean="0"/>
-              <a:t>önskade</a:t>
-            </a:r>
-            <a:r>
-              <a:rPr lang="en-US" baseline="0" dirty="0" smtClean="0"/>
-              <a:t> </a:t>
-            </a:r>
-            <a:r>
-              <a:rPr lang="en-US" baseline="0" dirty="0" err="1" smtClean="0"/>
-              <a:t>värdet</a:t>
-            </a:r>
-            <a:r>
-              <a:rPr lang="en-US" baseline="0" dirty="0" smtClean="0"/>
-              <a:t>, men under </a:t>
-            </a:r>
-            <a:r>
-              <a:rPr lang="en-US" baseline="0" dirty="0" err="1" smtClean="0"/>
-              <a:t>tiden</a:t>
-            </a:r>
-            <a:r>
-              <a:rPr lang="en-US" baseline="0" dirty="0" smtClean="0"/>
-              <a:t> </a:t>
-            </a:r>
-            <a:r>
-              <a:rPr lang="en-US" baseline="0" dirty="0" err="1" smtClean="0"/>
-              <a:t>bara</a:t>
-            </a:r>
-            <a:r>
-              <a:rPr lang="en-US" baseline="0" dirty="0" smtClean="0"/>
-              <a:t> en </a:t>
-            </a:r>
-            <a:r>
-              <a:rPr lang="en-US" baseline="0" dirty="0" err="1" smtClean="0"/>
-              <a:t>replika</a:t>
-            </a:r>
-            <a:r>
-              <a:rPr lang="en-US" baseline="0" dirty="0" smtClean="0"/>
-              <a:t> </a:t>
-            </a:r>
-            <a:r>
-              <a:rPr lang="en-US" baseline="0" dirty="0" err="1" smtClean="0"/>
-              <a:t>körs</a:t>
-            </a:r>
-            <a:r>
-              <a:rPr lang="en-US" baseline="0" dirty="0" smtClean="0"/>
-              <a:t> </a:t>
-            </a:r>
-            <a:r>
-              <a:rPr lang="en-US" baseline="0" dirty="0" err="1" smtClean="0"/>
-              <a:t>så</a:t>
-            </a:r>
-            <a:r>
-              <a:rPr lang="en-US" baseline="0" dirty="0" smtClean="0"/>
-              <a:t> </a:t>
-            </a:r>
-            <a:r>
-              <a:rPr lang="en-US" baseline="0" dirty="0" err="1" smtClean="0"/>
-              <a:t>är</a:t>
-            </a:r>
-            <a:r>
-              <a:rPr lang="en-US" baseline="0" dirty="0" smtClean="0"/>
-              <a:t> </a:t>
-            </a:r>
-            <a:r>
-              <a:rPr lang="en-US" baseline="0" dirty="0" err="1" smtClean="0"/>
-              <a:t>värdet</a:t>
-            </a:r>
-            <a:r>
-              <a:rPr lang="en-US" baseline="0" dirty="0" smtClean="0"/>
-              <a:t> </a:t>
-            </a:r>
-            <a:r>
-              <a:rPr lang="en-US" baseline="0" dirty="0" err="1" smtClean="0"/>
-              <a:t>så</a:t>
-            </a:r>
-            <a:r>
-              <a:rPr lang="en-US" baseline="0" dirty="0" smtClean="0"/>
-              <a:t> </a:t>
-            </a:r>
-            <a:r>
-              <a:rPr lang="en-US" baseline="0" dirty="0" err="1" smtClean="0"/>
-              <a:t>lågt</a:t>
-            </a:r>
-            <a:r>
-              <a:rPr lang="en-US" baseline="0" dirty="0" smtClean="0"/>
-              <a:t> </a:t>
-            </a:r>
-            <a:r>
-              <a:rPr lang="en-US" baseline="0" dirty="0" err="1" smtClean="0"/>
-              <a:t>att</a:t>
-            </a:r>
-            <a:r>
-              <a:rPr lang="en-US" baseline="0" dirty="0" smtClean="0"/>
-              <a:t> </a:t>
-            </a:r>
-            <a:r>
-              <a:rPr lang="en-US" baseline="0" dirty="0" err="1" smtClean="0"/>
-              <a:t>medelvärdet</a:t>
-            </a:r>
-            <a:r>
-              <a:rPr lang="en-US" baseline="0" dirty="0" smtClean="0"/>
-              <a:t> </a:t>
-            </a:r>
-            <a:r>
-              <a:rPr lang="en-US" baseline="0" dirty="0" err="1" smtClean="0"/>
-              <a:t>också</a:t>
-            </a:r>
-            <a:r>
-              <a:rPr lang="en-US" baseline="0" dirty="0" smtClean="0"/>
-              <a:t> </a:t>
-            </a:r>
-            <a:r>
-              <a:rPr lang="en-US" baseline="0" dirty="0" err="1" smtClean="0"/>
-              <a:t>blir</a:t>
-            </a:r>
-            <a:r>
-              <a:rPr lang="en-US" baseline="0" dirty="0" smtClean="0"/>
-              <a:t> </a:t>
-            </a:r>
-            <a:r>
-              <a:rPr lang="en-US" baseline="0" dirty="0" err="1" smtClean="0"/>
-              <a:t>ganska</a:t>
-            </a:r>
-            <a:r>
-              <a:rPr lang="en-US" baseline="0" dirty="0" smtClean="0"/>
-              <a:t> </a:t>
-            </a:r>
-            <a:r>
-              <a:rPr lang="en-US" baseline="0" dirty="0" err="1" smtClean="0"/>
-              <a:t>lågt</a:t>
-            </a:r>
-            <a:r>
-              <a:rPr lang="en-US" baseline="0" dirty="0" smtClean="0"/>
-              <a:t>. </a:t>
             </a:r>
           </a:p>
         </p:txBody>
@@ -16433,7 +15910,7 @@
           <a:p>
             <a:fld id="{100650DF-8CBF-0341-B1F9-47D0C0CD302F}" type="slidenum">
               <a:rPr lang="en-US" smtClean="0"/>
-              <a:t>46</a:t>
+              <a:t>45</a:t>
             </a:fld>
             <a:endParaRPr lang="en-US"/>
           </a:p>
@@ -16442,7 +15919,7 @@
     </p:spTree>
     <p:extLst>
       <p:ext uri="{BB962C8B-B14F-4D97-AF65-F5344CB8AC3E}">
-        <p14:creationId xmlns:p14="http://schemas.microsoft.com/office/powerpoint/2010/main" val="215043946"/>
+        <p14:creationId xmlns:p14="http://schemas.microsoft.com/office/powerpoint/2010/main" val="908358918"/>
       </p:ext>
     </p:extLst>
   </p:cSld>
@@ -16498,23 +15975,275 @@
           <a:p>
             <a:r>
               <a:rPr lang="en-US" baseline="0" dirty="0" smtClean="0"/>
-              <a:t>Om </a:t>
-            </a:r>
-            <a:r>
-              <a:rPr lang="en-US" baseline="0" dirty="0" smtClean="0"/>
-              <a:t>vi </a:t>
-            </a:r>
-            <a:r>
-              <a:rPr lang="en-US" baseline="0" dirty="0" err="1" smtClean="0"/>
-              <a:t>då</a:t>
-            </a:r>
-            <a:r>
-              <a:rPr lang="en-US" baseline="0" dirty="0" smtClean="0"/>
-              <a:t> </a:t>
-            </a:r>
-            <a:r>
-              <a:rPr lang="en-US" baseline="0" dirty="0" err="1" smtClean="0"/>
-              <a:t>antar</a:t>
+              <a:t>I </a:t>
+            </a:r>
+            <a:r>
+              <a:rPr lang="en-US" baseline="0" dirty="0" err="1" smtClean="0"/>
+              <a:t>våra</a:t>
+            </a:r>
+            <a:r>
+              <a:rPr lang="en-US" baseline="0" dirty="0" smtClean="0"/>
+              <a:t> experiment </a:t>
+            </a:r>
+            <a:r>
+              <a:rPr lang="en-US" baseline="0" dirty="0" err="1" smtClean="0"/>
+              <a:t>så</a:t>
+            </a:r>
+            <a:r>
+              <a:rPr lang="en-US" baseline="0" dirty="0" smtClean="0"/>
+              <a:t> </a:t>
+            </a:r>
+            <a:r>
+              <a:rPr lang="en-US" baseline="0" dirty="0" err="1" smtClean="0"/>
+              <a:t>har</a:t>
+            </a:r>
+            <a:r>
+              <a:rPr lang="en-US" baseline="0" dirty="0" smtClean="0"/>
+              <a:t> vi </a:t>
+            </a:r>
+            <a:r>
+              <a:rPr lang="en-US" baseline="0" dirty="0" err="1" smtClean="0"/>
+              <a:t>bara</a:t>
+            </a:r>
+            <a:r>
+              <a:rPr lang="en-US" baseline="0" dirty="0" smtClean="0"/>
+              <a:t> </a:t>
+            </a:r>
+            <a:r>
+              <a:rPr lang="en-US" baseline="0" dirty="0" err="1" smtClean="0"/>
+              <a:t>kört</a:t>
+            </a:r>
+            <a:r>
+              <a:rPr lang="en-US" baseline="0" dirty="0" smtClean="0"/>
+              <a:t> en </a:t>
+            </a:r>
+            <a:r>
+              <a:rPr lang="en-US" baseline="0" dirty="0" err="1" smtClean="0"/>
+              <a:t>applikation</a:t>
+            </a:r>
+            <a:r>
+              <a:rPr lang="en-US" baseline="0" dirty="0" smtClean="0"/>
+              <a:t>. Men </a:t>
+            </a:r>
+            <a:r>
+              <a:rPr lang="en-US" baseline="0" dirty="0" err="1" smtClean="0"/>
+              <a:t>även</a:t>
+            </a:r>
+            <a:r>
+              <a:rPr lang="en-US" baseline="0" dirty="0" smtClean="0"/>
+              <a:t> om man </a:t>
+            </a:r>
+            <a:r>
+              <a:rPr lang="en-US" baseline="0" dirty="0" err="1" smtClean="0"/>
+              <a:t>kör</a:t>
+            </a:r>
+            <a:r>
+              <a:rPr lang="en-US" baseline="0" dirty="0" smtClean="0"/>
+              <a:t> </a:t>
+            </a:r>
+            <a:r>
+              <a:rPr lang="en-US" baseline="0" dirty="0" err="1" smtClean="0"/>
+              <a:t>flera</a:t>
+            </a:r>
+            <a:r>
+              <a:rPr lang="en-US" baseline="0" dirty="0" smtClean="0"/>
+              <a:t> </a:t>
+            </a:r>
+            <a:r>
+              <a:rPr lang="en-US" baseline="0" dirty="0" err="1" smtClean="0"/>
+              <a:t>applikationer</a:t>
+            </a:r>
+            <a:r>
+              <a:rPr lang="en-US" baseline="0" dirty="0" smtClean="0"/>
+              <a:t> </a:t>
+            </a:r>
+            <a:r>
+              <a:rPr lang="en-US" baseline="0" dirty="0" err="1" smtClean="0"/>
+              <a:t>så</a:t>
+            </a:r>
+            <a:r>
+              <a:rPr lang="en-US" baseline="0" dirty="0" smtClean="0"/>
+              <a:t> </a:t>
+            </a:r>
+            <a:r>
+              <a:rPr lang="en-US" baseline="0" dirty="0" err="1" smtClean="0"/>
+              <a:t>kommer</a:t>
+            </a:r>
+            <a:r>
+              <a:rPr lang="en-US" baseline="0" dirty="0" smtClean="0"/>
+              <a:t> </a:t>
+            </a:r>
+            <a:r>
+              <a:rPr lang="en-US" baseline="0" dirty="0" err="1" smtClean="0"/>
+              <a:t>optimala</a:t>
+            </a:r>
+            <a:r>
+              <a:rPr lang="en-US" baseline="0" dirty="0" smtClean="0"/>
+              <a:t> </a:t>
+            </a:r>
+            <a:r>
+              <a:rPr lang="en-US" baseline="0" dirty="0" err="1" smtClean="0"/>
+              <a:t>antalet</a:t>
+            </a:r>
+            <a:r>
+              <a:rPr lang="en-US" baseline="0" dirty="0" smtClean="0"/>
+              <a:t> </a:t>
+            </a:r>
+            <a:r>
+              <a:rPr lang="en-US" baseline="0" dirty="0" err="1" smtClean="0"/>
+              <a:t>noder</a:t>
+            </a:r>
+            <a:r>
+              <a:rPr lang="en-US" baseline="0" dirty="0" smtClean="0"/>
+              <a:t> </a:t>
+            </a:r>
+            <a:r>
+              <a:rPr lang="en-US" baseline="0" dirty="0" err="1" smtClean="0"/>
+              <a:t>och</a:t>
+            </a:r>
+            <a:r>
+              <a:rPr lang="en-US" baseline="0" dirty="0" smtClean="0"/>
+              <a:t> </a:t>
+            </a:r>
+            <a:r>
+              <a:rPr lang="en-US" baseline="0" dirty="0" err="1" smtClean="0"/>
+              <a:t>därmed</a:t>
+            </a:r>
+            <a:r>
+              <a:rPr lang="en-US" baseline="0" dirty="0" smtClean="0"/>
+              <a:t> </a:t>
+            </a:r>
+            <a:r>
+              <a:rPr lang="en-US" baseline="0" dirty="0" err="1" smtClean="0"/>
+              <a:t>vara</a:t>
+            </a:r>
+            <a:r>
+              <a:rPr lang="en-US" baseline="0" dirty="0" smtClean="0"/>
+              <a:t> </a:t>
+            </a:r>
+            <a:r>
+              <a:rPr lang="en-US" baseline="0" dirty="0" err="1" smtClean="0"/>
+              <a:t>energi-effektiv</a:t>
+            </a:r>
+            <a:r>
+              <a:rPr lang="en-US" baseline="0" dirty="0" smtClean="0"/>
+              <a:t>.  </a:t>
+            </a:r>
+            <a:r>
+              <a:rPr lang="en-US" baseline="0" dirty="0" err="1" smtClean="0"/>
+              <a:t>Tex</a:t>
+            </a:r>
+            <a:r>
+              <a:rPr lang="en-US" baseline="0" dirty="0" smtClean="0"/>
+              <a:t> om man </a:t>
+            </a:r>
+            <a:r>
+              <a:rPr lang="en-US" baseline="0" dirty="0" err="1" smtClean="0"/>
+              <a:t>har</a:t>
+            </a:r>
+            <a:r>
+              <a:rPr lang="en-US" baseline="0" dirty="0" smtClean="0"/>
+              <a:t> 3 </a:t>
+            </a:r>
+            <a:r>
+              <a:rPr lang="en-US" baseline="0" dirty="0" err="1" smtClean="0"/>
+              <a:t>applikationer</a:t>
+            </a:r>
+            <a:r>
+              <a:rPr lang="en-US" baseline="0" dirty="0" smtClean="0"/>
+              <a:t>, </a:t>
+            </a:r>
+            <a:r>
+              <a:rPr lang="en-US" baseline="0" dirty="0" err="1" smtClean="0"/>
+              <a:t>där</a:t>
+            </a:r>
+            <a:r>
+              <a:rPr lang="en-US" baseline="0" dirty="0" smtClean="0"/>
+              <a:t> </a:t>
+            </a:r>
+            <a:r>
+              <a:rPr lang="en-US" baseline="0" dirty="0" err="1" smtClean="0"/>
+              <a:t>två</a:t>
+            </a:r>
+            <a:r>
+              <a:rPr lang="en-US" baseline="0" dirty="0" smtClean="0"/>
+              <a:t> </a:t>
+            </a:r>
+            <a:r>
+              <a:rPr lang="en-US" baseline="0" dirty="0" err="1" smtClean="0"/>
+              <a:t>kräver</a:t>
+            </a:r>
+            <a:r>
+              <a:rPr lang="en-US" baseline="0" dirty="0" smtClean="0"/>
+              <a:t> 3 </a:t>
+            </a:r>
+            <a:r>
+              <a:rPr lang="en-US" baseline="0" dirty="0" err="1" smtClean="0"/>
+              <a:t>replikor</a:t>
+            </a:r>
+            <a:r>
+              <a:rPr lang="en-US" baseline="0" dirty="0" smtClean="0"/>
+              <a:t> </a:t>
+            </a:r>
+            <a:r>
+              <a:rPr lang="en-US" baseline="0" dirty="0" err="1" smtClean="0"/>
+              <a:t>och</a:t>
+            </a:r>
+            <a:r>
+              <a:rPr lang="en-US" baseline="0" dirty="0" smtClean="0"/>
+              <a:t> en </a:t>
+            </a:r>
+            <a:r>
+              <a:rPr lang="en-US" baseline="0" dirty="0" err="1" smtClean="0"/>
+              <a:t>kräver</a:t>
+            </a:r>
+            <a:r>
+              <a:rPr lang="en-US" baseline="0" dirty="0" smtClean="0"/>
+              <a:t> 4 </a:t>
+            </a:r>
+            <a:r>
+              <a:rPr lang="en-US" baseline="0" dirty="0" err="1" smtClean="0"/>
+              <a:t>replikor</a:t>
+            </a:r>
+            <a:r>
+              <a:rPr lang="en-US" baseline="0" dirty="0" smtClean="0"/>
+              <a:t>. </a:t>
+            </a:r>
+            <a:r>
+              <a:rPr lang="en-US" baseline="0" dirty="0" err="1" smtClean="0"/>
+              <a:t>Så</a:t>
+            </a:r>
+            <a:r>
+              <a:rPr lang="en-US" baseline="0" dirty="0" smtClean="0"/>
+              <a:t> </a:t>
+            </a:r>
+            <a:r>
+              <a:rPr lang="en-US" baseline="0" dirty="0" err="1" smtClean="0"/>
+              <a:t>kommer</a:t>
+            </a:r>
+            <a:r>
+              <a:rPr lang="en-US" baseline="0" dirty="0" smtClean="0"/>
+              <a:t> de 4 </a:t>
+            </a:r>
+            <a:r>
+              <a:rPr lang="en-US" baseline="0" dirty="0" err="1" smtClean="0"/>
+              <a:t>mest</a:t>
+            </a:r>
+            <a:r>
+              <a:rPr lang="en-US" baseline="0" dirty="0" smtClean="0"/>
+              <a:t> </a:t>
+            </a:r>
+            <a:r>
+              <a:rPr lang="en-US" baseline="0" dirty="0" err="1" smtClean="0"/>
+              <a:t>tillförlitliga</a:t>
+            </a:r>
+            <a:r>
+              <a:rPr lang="en-US" baseline="0" dirty="0" smtClean="0"/>
+              <a:t> </a:t>
+            </a:r>
+            <a:r>
+              <a:rPr lang="en-US" baseline="0" dirty="0" err="1" smtClean="0"/>
+              <a:t>noderna</a:t>
             </a:r>
             <a:r>
               <a:rPr lang="en-US" baseline="0" dirty="0" smtClean="0"/>
@@ -16526,7 +16255,185 @@
             </a:r>
             <a:r>
               <a:rPr lang="en-US" baseline="0" dirty="0" smtClean="0"/>
-              <a:t> en nods MTBF </a:t>
+              <a:t> </a:t>
+            </a:r>
+            <a:r>
+              <a:rPr lang="en-US" baseline="0" dirty="0" err="1" smtClean="0"/>
+              <a:t>användas</a:t>
+            </a:r>
+            <a:r>
+              <a:rPr lang="en-US" baseline="0" dirty="0" smtClean="0"/>
+              <a:t>.</a:t>
+            </a:r>
+          </a:p>
+          <a:p>
+            <a:endParaRPr lang="en-US" baseline="0" dirty="0" smtClean="0"/>
+          </a:p>
+          <a:p>
+            <a:r>
+              <a:rPr lang="en-US" baseline="0" dirty="0" err="1" smtClean="0"/>
+              <a:t>Detta</a:t>
+            </a:r>
+            <a:r>
+              <a:rPr lang="en-US" baseline="0" dirty="0" smtClean="0"/>
+              <a:t> </a:t>
+            </a:r>
+            <a:r>
+              <a:rPr lang="en-US" baseline="0" dirty="0" err="1" smtClean="0"/>
+              <a:t>förutsätter</a:t>
+            </a:r>
+            <a:r>
+              <a:rPr lang="en-US" baseline="0" dirty="0" smtClean="0"/>
+              <a:t> dock </a:t>
+            </a:r>
+            <a:r>
+              <a:rPr lang="en-US" baseline="0" dirty="0" err="1" smtClean="0"/>
+              <a:t>att</a:t>
+            </a:r>
+            <a:r>
+              <a:rPr lang="en-US" baseline="0" dirty="0" smtClean="0"/>
+              <a:t> </a:t>
+            </a:r>
+            <a:r>
+              <a:rPr lang="en-US" baseline="0" dirty="0" err="1" smtClean="0"/>
+              <a:t>ingen</a:t>
+            </a:r>
+            <a:r>
+              <a:rPr lang="en-US" baseline="0" dirty="0" smtClean="0"/>
+              <a:t> nod </a:t>
+            </a:r>
+            <a:r>
+              <a:rPr lang="en-US" baseline="0" dirty="0" err="1" smtClean="0"/>
+              <a:t>blir</a:t>
+            </a:r>
+            <a:r>
+              <a:rPr lang="en-US" baseline="0" dirty="0" smtClean="0"/>
+              <a:t> overloaded </a:t>
+            </a:r>
+            <a:r>
+              <a:rPr lang="en-US" baseline="0" dirty="0" err="1" smtClean="0"/>
+              <a:t>utan</a:t>
+            </a:r>
+            <a:r>
+              <a:rPr lang="en-US" baseline="0" dirty="0" smtClean="0"/>
+              <a:t> </a:t>
+            </a:r>
+            <a:r>
+              <a:rPr lang="en-US" baseline="0" dirty="0" err="1" smtClean="0"/>
+              <a:t>att</a:t>
+            </a:r>
+            <a:r>
+              <a:rPr lang="en-US" baseline="0" dirty="0" smtClean="0"/>
+              <a:t> de </a:t>
+            </a:r>
+            <a:r>
+              <a:rPr lang="en-US" baseline="0" dirty="0" err="1" smtClean="0"/>
+              <a:t>har</a:t>
+            </a:r>
+            <a:r>
+              <a:rPr lang="en-US" baseline="0" dirty="0" smtClean="0"/>
+              <a:t> plats till de </a:t>
+            </a:r>
+            <a:r>
+              <a:rPr lang="en-US" baseline="0" dirty="0" err="1" smtClean="0"/>
+              <a:t>replikor</a:t>
+            </a:r>
+            <a:r>
+              <a:rPr lang="en-US" baseline="0" dirty="0" smtClean="0"/>
+              <a:t> man </a:t>
+            </a:r>
+            <a:r>
+              <a:rPr lang="en-US" baseline="0" dirty="0" err="1" smtClean="0"/>
+              <a:t>placerar</a:t>
+            </a:r>
+            <a:r>
+              <a:rPr lang="en-US" baseline="0" dirty="0" smtClean="0"/>
+              <a:t> </a:t>
+            </a:r>
+            <a:r>
+              <a:rPr lang="en-US" baseline="0" dirty="0" err="1" smtClean="0"/>
+              <a:t>där</a:t>
+            </a:r>
+            <a:r>
+              <a:rPr lang="en-US" baseline="0" dirty="0" smtClean="0"/>
+              <a:t>.</a:t>
+            </a:r>
+          </a:p>
+          <a:p>
+            <a:endParaRPr lang="en-US" baseline="0" dirty="0" smtClean="0"/>
+          </a:p>
+          <a:p>
+            <a:r>
+              <a:rPr lang="en-US" baseline="0" dirty="0" err="1" smtClean="0"/>
+              <a:t>Vidare</a:t>
+            </a:r>
+            <a:r>
+              <a:rPr lang="en-US" baseline="0" dirty="0" smtClean="0"/>
+              <a:t> </a:t>
+            </a:r>
+            <a:r>
+              <a:rPr lang="en-US" baseline="0" dirty="0" err="1" smtClean="0"/>
+              <a:t>så</a:t>
+            </a:r>
+            <a:r>
+              <a:rPr lang="en-US" baseline="0" dirty="0" smtClean="0"/>
+              <a:t> </a:t>
+            </a:r>
+            <a:r>
+              <a:rPr lang="en-US" baseline="0" dirty="0" err="1" smtClean="0"/>
+              <a:t>ser</a:t>
+            </a:r>
+            <a:r>
+              <a:rPr lang="en-US" baseline="0" dirty="0" smtClean="0"/>
+              <a:t> vi </a:t>
+            </a:r>
+            <a:r>
+              <a:rPr lang="en-US" baseline="0" dirty="0" err="1" smtClean="0"/>
+              <a:t>inte</a:t>
+            </a:r>
+            <a:r>
+              <a:rPr lang="en-US" baseline="0" dirty="0" smtClean="0"/>
+              <a:t> </a:t>
+            </a:r>
+            <a:r>
+              <a:rPr lang="en-US" baseline="0" dirty="0" err="1" smtClean="0"/>
+              <a:t>nödvändigtvis</a:t>
+            </a:r>
+            <a:r>
+              <a:rPr lang="en-US" baseline="0" dirty="0" smtClean="0"/>
+              <a:t> till </a:t>
+            </a:r>
+            <a:r>
+              <a:rPr lang="en-US" baseline="0" dirty="0" err="1" smtClean="0"/>
+              <a:t>att</a:t>
+            </a:r>
+            <a:r>
+              <a:rPr lang="en-US" baseline="0" dirty="0" smtClean="0"/>
+              <a:t> </a:t>
+            </a:r>
+            <a:r>
+              <a:rPr lang="en-US" baseline="0" dirty="0" err="1" smtClean="0"/>
+              <a:t>medelvärdet</a:t>
+            </a:r>
+            <a:r>
+              <a:rPr lang="en-US" baseline="0" dirty="0" smtClean="0"/>
+              <a:t> </a:t>
+            </a:r>
+            <a:r>
+              <a:rPr lang="en-US" baseline="0" dirty="0" err="1" smtClean="0"/>
+              <a:t>för</a:t>
+            </a:r>
+            <a:r>
+              <a:rPr lang="en-US" baseline="0" dirty="0" smtClean="0"/>
+              <a:t> </a:t>
+            </a:r>
+            <a:r>
+              <a:rPr lang="en-US" baseline="0" dirty="0" err="1" smtClean="0"/>
+              <a:t>tillförlitligheten</a:t>
+            </a:r>
+            <a:r>
+              <a:rPr lang="en-US" baseline="0" dirty="0" smtClean="0"/>
+              <a:t> </a:t>
             </a:r>
             <a:r>
               <a:rPr lang="en-US" baseline="0" dirty="0" err="1" smtClean="0"/>
@@ -16534,23 +16441,47 @@
             </a:r>
             <a:r>
               <a:rPr lang="en-US" baseline="0" dirty="0" smtClean="0"/>
-              <a:t> 1 </a:t>
-            </a:r>
-            <a:r>
-              <a:rPr lang="en-US" baseline="0" dirty="0" err="1" smtClean="0"/>
-              <a:t>år</a:t>
-            </a:r>
-            <a:r>
-              <a:rPr lang="en-US" baseline="0" dirty="0" smtClean="0"/>
-              <a:t> </a:t>
-            </a:r>
-            <a:r>
-              <a:rPr lang="en-US" baseline="0" dirty="0" err="1" smtClean="0"/>
-              <a:t>och</a:t>
-            </a:r>
-            <a:r>
-              <a:rPr lang="en-US" baseline="0" dirty="0" smtClean="0"/>
-              <a:t> </a:t>
+              <a:t> </a:t>
+            </a:r>
+            <a:r>
+              <a:rPr lang="en-US" baseline="0" dirty="0" err="1" smtClean="0"/>
+              <a:t>över</a:t>
+            </a:r>
+            <a:r>
+              <a:rPr lang="en-US" baseline="0" dirty="0" smtClean="0"/>
+              <a:t> </a:t>
+            </a:r>
+            <a:r>
+              <a:rPr lang="en-US" baseline="0" dirty="0" err="1" smtClean="0"/>
+              <a:t>det</a:t>
+            </a:r>
+            <a:r>
+              <a:rPr lang="en-US" baseline="0" dirty="0" smtClean="0"/>
+              <a:t> vi </a:t>
+            </a:r>
+            <a:r>
+              <a:rPr lang="en-US" baseline="0" dirty="0" err="1" smtClean="0"/>
+              <a:t>vill</a:t>
+            </a:r>
+            <a:r>
+              <a:rPr lang="en-US" baseline="0" dirty="0" smtClean="0"/>
+              <a:t> ha. Man </a:t>
+            </a:r>
+            <a:r>
+              <a:rPr lang="en-US" baseline="0" dirty="0" err="1" smtClean="0"/>
+              <a:t>kan</a:t>
+            </a:r>
+            <a:r>
+              <a:rPr lang="en-US" baseline="0" dirty="0" smtClean="0"/>
+              <a:t> </a:t>
+            </a:r>
+            <a:r>
+              <a:rPr lang="en-US" baseline="0" dirty="0" err="1" smtClean="0"/>
+              <a:t>tänka</a:t>
+            </a:r>
+            <a:r>
+              <a:rPr lang="en-US" baseline="0" dirty="0" smtClean="0"/>
+              <a:t> sig </a:t>
             </a:r>
             <a:r>
               <a:rPr lang="en-US" baseline="0" dirty="0" err="1" smtClean="0"/>
@@ -16558,11 +16489,107 @@
             </a:r>
             <a:r>
               <a:rPr lang="en-US" baseline="0" dirty="0" smtClean="0"/>
-              <a:t> </a:t>
-            </a:r>
-            <a:r>
-              <a:rPr lang="en-US" baseline="0" dirty="0" err="1" smtClean="0"/>
-              <a:t>repliceringstiden</a:t>
+              <a:t> med </a:t>
+            </a:r>
+            <a:r>
+              <a:rPr lang="en-US" baseline="0" dirty="0" err="1" smtClean="0"/>
+              <a:t>två</a:t>
+            </a:r>
+            <a:r>
+              <a:rPr lang="en-US" baseline="0" dirty="0" smtClean="0"/>
+              <a:t> </a:t>
+            </a:r>
+            <a:r>
+              <a:rPr lang="en-US" baseline="0" dirty="0" err="1" smtClean="0"/>
+              <a:t>replikor</a:t>
+            </a:r>
+            <a:r>
+              <a:rPr lang="en-US" baseline="0" dirty="0" smtClean="0"/>
+              <a:t> </a:t>
+            </a:r>
+            <a:r>
+              <a:rPr lang="en-US" baseline="0" dirty="0" err="1" smtClean="0"/>
+              <a:t>når</a:t>
+            </a:r>
+            <a:r>
+              <a:rPr lang="en-US" baseline="0" dirty="0" smtClean="0"/>
+              <a:t> vi </a:t>
+            </a:r>
+            <a:r>
+              <a:rPr lang="en-US" baseline="0" dirty="0" err="1" smtClean="0"/>
+              <a:t>precis</a:t>
+            </a:r>
+            <a:r>
+              <a:rPr lang="en-US" baseline="0" dirty="0" smtClean="0"/>
+              <a:t> </a:t>
+            </a:r>
+            <a:r>
+              <a:rPr lang="en-US" baseline="0" dirty="0" err="1" smtClean="0"/>
+              <a:t>över</a:t>
+            </a:r>
+            <a:r>
+              <a:rPr lang="en-US" baseline="0" dirty="0" smtClean="0"/>
+              <a:t> </a:t>
+            </a:r>
+            <a:r>
+              <a:rPr lang="en-US" baseline="0" dirty="0" err="1" smtClean="0"/>
+              <a:t>det</a:t>
+            </a:r>
+            <a:r>
+              <a:rPr lang="en-US" baseline="0" dirty="0" smtClean="0"/>
+              <a:t> </a:t>
+            </a:r>
+            <a:r>
+              <a:rPr lang="en-US" baseline="0" dirty="0" err="1" smtClean="0"/>
+              <a:t>önskade</a:t>
+            </a:r>
+            <a:r>
+              <a:rPr lang="en-US" baseline="0" dirty="0" smtClean="0"/>
+              <a:t> </a:t>
+            </a:r>
+            <a:r>
+              <a:rPr lang="en-US" baseline="0" dirty="0" err="1" smtClean="0"/>
+              <a:t>värdet</a:t>
+            </a:r>
+            <a:r>
+              <a:rPr lang="en-US" baseline="0" dirty="0" smtClean="0"/>
+              <a:t>, men under </a:t>
+            </a:r>
+            <a:r>
+              <a:rPr lang="en-US" baseline="0" dirty="0" err="1" smtClean="0"/>
+              <a:t>tiden</a:t>
+            </a:r>
+            <a:r>
+              <a:rPr lang="en-US" baseline="0" dirty="0" smtClean="0"/>
+              <a:t> </a:t>
+            </a:r>
+            <a:r>
+              <a:rPr lang="en-US" baseline="0" dirty="0" err="1" smtClean="0"/>
+              <a:t>bara</a:t>
+            </a:r>
+            <a:r>
+              <a:rPr lang="en-US" baseline="0" dirty="0" smtClean="0"/>
+              <a:t> en </a:t>
+            </a:r>
+            <a:r>
+              <a:rPr lang="en-US" baseline="0" dirty="0" err="1" smtClean="0"/>
+              <a:t>replika</a:t>
+            </a:r>
+            <a:r>
+              <a:rPr lang="en-US" baseline="0" dirty="0" smtClean="0"/>
+              <a:t> </a:t>
+            </a:r>
+            <a:r>
+              <a:rPr lang="en-US" baseline="0" dirty="0" err="1" smtClean="0"/>
+              <a:t>körs</a:t>
+            </a:r>
+            <a:r>
+              <a:rPr lang="en-US" baseline="0" dirty="0" smtClean="0"/>
+              <a:t> </a:t>
+            </a:r>
+            <a:r>
+              <a:rPr lang="en-US" baseline="0" dirty="0" err="1" smtClean="0"/>
+              <a:t>så</a:t>
             </a:r>
             <a:r>
               <a:rPr lang="en-US" baseline="0" dirty="0" smtClean="0"/>
@@ -16574,456 +16601,80 @@
             </a:r>
             <a:r>
               <a:rPr lang="en-US" baseline="0" dirty="0" smtClean="0"/>
-              <a:t> en </a:t>
-            </a:r>
-            <a:r>
-              <a:rPr lang="en-US" baseline="0" dirty="0" err="1" smtClean="0"/>
-              <a:t>timme</a:t>
+              <a:t> </a:t>
+            </a:r>
+            <a:r>
+              <a:rPr lang="en-US" baseline="0" dirty="0" err="1" smtClean="0"/>
+              <a:t>värdet</a:t>
+            </a:r>
+            <a:r>
+              <a:rPr lang="en-US" baseline="0" dirty="0" smtClean="0"/>
+              <a:t> </a:t>
+            </a:r>
+            <a:r>
+              <a:rPr lang="en-US" baseline="0" dirty="0" err="1" smtClean="0"/>
+              <a:t>så</a:t>
+            </a:r>
+            <a:r>
+              <a:rPr lang="en-US" baseline="0" dirty="0" smtClean="0"/>
+              <a:t> </a:t>
+            </a:r>
+            <a:r>
+              <a:rPr lang="en-US" baseline="0" dirty="0" err="1" smtClean="0"/>
+              <a:t>lågt</a:t>
+            </a:r>
+            <a:r>
+              <a:rPr lang="en-US" baseline="0" dirty="0" smtClean="0"/>
+              <a:t> </a:t>
+            </a:r>
+            <a:r>
+              <a:rPr lang="en-US" baseline="0" dirty="0" err="1" smtClean="0"/>
+              <a:t>att</a:t>
+            </a:r>
+            <a:r>
+              <a:rPr lang="en-US" baseline="0" dirty="0" smtClean="0"/>
+              <a:t> </a:t>
+            </a:r>
+            <a:r>
+              <a:rPr lang="en-US" baseline="0" dirty="0" err="1" smtClean="0"/>
+              <a:t>medelvärdet</a:t>
+            </a:r>
+            <a:r>
+              <a:rPr lang="en-US" baseline="0" dirty="0" smtClean="0"/>
+              <a:t> </a:t>
+            </a:r>
+            <a:r>
+              <a:rPr lang="en-US" baseline="0" dirty="0" err="1" smtClean="0"/>
+              <a:t>också</a:t>
+            </a:r>
+            <a:r>
+              <a:rPr lang="en-US" baseline="0" dirty="0" smtClean="0"/>
+              <a:t> </a:t>
+            </a:r>
+            <a:r>
+              <a:rPr lang="en-US" baseline="0" dirty="0" err="1" smtClean="0"/>
+              <a:t>blir</a:t>
+            </a:r>
+            <a:r>
+              <a:rPr lang="en-US" baseline="0" dirty="0" smtClean="0"/>
+              <a:t> </a:t>
+            </a:r>
+            <a:r>
+              <a:rPr lang="en-US" baseline="0" dirty="0" err="1" smtClean="0"/>
+              <a:t>ganska</a:t>
+            </a:r>
+            <a:r>
+              <a:rPr lang="en-US" baseline="0" dirty="0" smtClean="0"/>
+              <a:t> </a:t>
+            </a:r>
+            <a:r>
+              <a:rPr lang="en-US" baseline="0" dirty="0" err="1" smtClean="0"/>
+              <a:t>lågt</a:t>
             </a:r>
             <a:r>
               <a:rPr lang="en-US" baseline="0" dirty="0" smtClean="0"/>
               <a:t>. </a:t>
             </a:r>
-          </a:p>
-          <a:p>
-            <a:endParaRPr lang="en-US" baseline="0" dirty="0" smtClean="0"/>
-          </a:p>
-          <a:p>
-            <a:r>
-              <a:rPr lang="en-US" baseline="0" dirty="0" err="1" smtClean="0"/>
-              <a:t>Då</a:t>
-            </a:r>
-            <a:r>
-              <a:rPr lang="en-US" baseline="0" dirty="0" smtClean="0"/>
-              <a:t> </a:t>
-            </a:r>
-            <a:r>
-              <a:rPr lang="en-US" baseline="0" dirty="0" err="1" smtClean="0"/>
-              <a:t>får</a:t>
-            </a:r>
-            <a:r>
-              <a:rPr lang="en-US" baseline="0" dirty="0" smtClean="0"/>
-              <a:t> vi med en replica en </a:t>
-            </a:r>
-            <a:r>
-              <a:rPr lang="en-US" baseline="0" dirty="0" err="1" smtClean="0"/>
-              <a:t>tillförlitlighet</a:t>
-            </a:r>
-            <a:r>
-              <a:rPr lang="en-US" baseline="0" dirty="0" smtClean="0"/>
-              <a:t> </a:t>
-            </a:r>
-            <a:r>
-              <a:rPr lang="en-US" baseline="0" dirty="0" err="1" smtClean="0"/>
-              <a:t>på</a:t>
-            </a:r>
-            <a:r>
-              <a:rPr lang="en-US" baseline="0" dirty="0" smtClean="0"/>
-              <a:t> </a:t>
-            </a:r>
-            <a:r>
-              <a:rPr lang="en-US" baseline="0" dirty="0" err="1" smtClean="0"/>
-              <a:t>tre</a:t>
-            </a:r>
-            <a:r>
-              <a:rPr lang="en-US" baseline="0" dirty="0" smtClean="0"/>
-              <a:t> </a:t>
-            </a:r>
-            <a:r>
-              <a:rPr lang="en-US" baseline="0" dirty="0" err="1" smtClean="0"/>
-              <a:t>nion</a:t>
-            </a:r>
-            <a:r>
-              <a:rPr lang="en-US" baseline="0" dirty="0" smtClean="0"/>
-              <a:t>, men </a:t>
-            </a:r>
-            <a:r>
-              <a:rPr lang="en-US" baseline="0" dirty="0" err="1" smtClean="0"/>
-              <a:t>två</a:t>
-            </a:r>
-            <a:r>
-              <a:rPr lang="en-US" baseline="0" dirty="0" smtClean="0"/>
-              <a:t> </a:t>
-            </a:r>
-            <a:r>
-              <a:rPr lang="en-US" baseline="0" dirty="0" err="1" smtClean="0"/>
-              <a:t>replikor</a:t>
-            </a:r>
-            <a:r>
-              <a:rPr lang="en-US" baseline="0" dirty="0" smtClean="0"/>
-              <a:t> </a:t>
-            </a:r>
-            <a:r>
-              <a:rPr lang="en-US" baseline="0" dirty="0" err="1" smtClean="0"/>
-              <a:t>får</a:t>
-            </a:r>
-            <a:r>
-              <a:rPr lang="en-US" baseline="0" dirty="0" smtClean="0"/>
-              <a:t> vi </a:t>
-            </a:r>
-            <a:r>
-              <a:rPr lang="en-US" baseline="0" dirty="0" err="1" smtClean="0"/>
-              <a:t>sju</a:t>
-            </a:r>
-            <a:r>
-              <a:rPr lang="en-US" baseline="0" dirty="0" smtClean="0"/>
-              <a:t> </a:t>
-            </a:r>
-            <a:r>
-              <a:rPr lang="en-US" baseline="0" dirty="0" err="1" smtClean="0"/>
-              <a:t>nior</a:t>
-            </a:r>
-            <a:r>
-              <a:rPr lang="en-US" baseline="0" dirty="0" smtClean="0"/>
-              <a:t> </a:t>
-            </a:r>
-            <a:r>
-              <a:rPr lang="en-US" baseline="0" dirty="0" err="1" smtClean="0"/>
-              <a:t>och</a:t>
-            </a:r>
-            <a:r>
-              <a:rPr lang="en-US" baseline="0" dirty="0" smtClean="0"/>
-              <a:t> </a:t>
-            </a:r>
-            <a:r>
-              <a:rPr lang="en-US" baseline="0" dirty="0" err="1" smtClean="0"/>
-              <a:t>tre</a:t>
-            </a:r>
-            <a:r>
-              <a:rPr lang="en-US" baseline="0" dirty="0" smtClean="0"/>
-              <a:t> </a:t>
-            </a:r>
-            <a:r>
-              <a:rPr lang="en-US" baseline="0" dirty="0" err="1" smtClean="0"/>
-              <a:t>replikor</a:t>
-            </a:r>
-            <a:r>
-              <a:rPr lang="en-US" baseline="0" dirty="0" smtClean="0"/>
-              <a:t> </a:t>
-            </a:r>
-            <a:r>
-              <a:rPr lang="en-US" baseline="0" dirty="0" err="1" smtClean="0"/>
-              <a:t>elva</a:t>
-            </a:r>
-            <a:r>
-              <a:rPr lang="en-US" baseline="0" dirty="0" smtClean="0"/>
-              <a:t> </a:t>
-            </a:r>
-            <a:r>
-              <a:rPr lang="en-US" baseline="0" dirty="0" err="1" smtClean="0"/>
-              <a:t>nior</a:t>
-            </a:r>
-            <a:r>
-              <a:rPr lang="en-US" baseline="0" dirty="0" smtClean="0"/>
-              <a:t>. </a:t>
-            </a:r>
-          </a:p>
-          <a:p>
-            <a:endParaRPr lang="en-US" baseline="0" dirty="0" smtClean="0"/>
-          </a:p>
-          <a:p>
-            <a:r>
-              <a:rPr lang="en-US" baseline="0" dirty="0" smtClean="0"/>
-              <a:t>Med </a:t>
-            </a:r>
-            <a:r>
-              <a:rPr lang="en-US" baseline="0" dirty="0" err="1" smtClean="0"/>
-              <a:t>tex</a:t>
-            </a:r>
-            <a:r>
-              <a:rPr lang="en-US" baseline="0" dirty="0" smtClean="0"/>
-              <a:t> </a:t>
-            </a:r>
-            <a:r>
-              <a:rPr lang="en-US" baseline="0" dirty="0" err="1" smtClean="0"/>
-              <a:t>två</a:t>
-            </a:r>
-            <a:r>
-              <a:rPr lang="en-US" baseline="0" dirty="0" smtClean="0"/>
-              <a:t> </a:t>
-            </a:r>
-            <a:r>
-              <a:rPr lang="en-US" baseline="0" dirty="0" err="1" smtClean="0"/>
-              <a:t>noder</a:t>
-            </a:r>
-            <a:r>
-              <a:rPr lang="en-US" baseline="0" dirty="0" smtClean="0"/>
-              <a:t> </a:t>
-            </a:r>
-            <a:r>
-              <a:rPr lang="en-US" baseline="0" dirty="0" err="1" smtClean="0"/>
-              <a:t>är</a:t>
-            </a:r>
-            <a:r>
-              <a:rPr lang="en-US" baseline="0" dirty="0" smtClean="0"/>
-              <a:t> </a:t>
-            </a:r>
-            <a:r>
-              <a:rPr lang="en-US" baseline="0" dirty="0" err="1" smtClean="0"/>
-              <a:t>det</a:t>
-            </a:r>
-            <a:r>
-              <a:rPr lang="en-US" baseline="0" dirty="0" smtClean="0"/>
-              <a:t> </a:t>
-            </a:r>
-            <a:r>
-              <a:rPr lang="en-US" baseline="0" dirty="0" err="1" smtClean="0"/>
-              <a:t>alltså</a:t>
-            </a:r>
-            <a:r>
-              <a:rPr lang="en-US" baseline="0" dirty="0" smtClean="0"/>
-              <a:t> </a:t>
-            </a:r>
-            <a:r>
-              <a:rPr lang="en-US" baseline="0" dirty="0" err="1" smtClean="0"/>
-              <a:t>väldigt</a:t>
-            </a:r>
-            <a:r>
-              <a:rPr lang="en-US" baseline="0" dirty="0" smtClean="0"/>
-              <a:t> </a:t>
-            </a:r>
-            <a:r>
-              <a:rPr lang="en-US" baseline="0" dirty="0" err="1" smtClean="0"/>
-              <a:t>liten</a:t>
-            </a:r>
-            <a:r>
-              <a:rPr lang="en-US" baseline="0" dirty="0" smtClean="0"/>
-              <a:t> risk </a:t>
-            </a:r>
-            <a:r>
-              <a:rPr lang="en-US" baseline="0" dirty="0" err="1" smtClean="0"/>
-              <a:t>att</a:t>
-            </a:r>
-            <a:r>
-              <a:rPr lang="en-US" baseline="0" dirty="0" smtClean="0"/>
-              <a:t> </a:t>
-            </a:r>
-            <a:r>
-              <a:rPr lang="en-US" baseline="0" dirty="0" err="1" smtClean="0"/>
-              <a:t>båda</a:t>
-            </a:r>
-            <a:r>
-              <a:rPr lang="en-US" baseline="0" dirty="0" smtClean="0"/>
-              <a:t> </a:t>
-            </a:r>
-            <a:r>
-              <a:rPr lang="en-US" baseline="0" dirty="0" err="1" smtClean="0"/>
-              <a:t>dör</a:t>
-            </a:r>
-            <a:r>
-              <a:rPr lang="en-US" baseline="0" dirty="0" smtClean="0"/>
-              <a:t> </a:t>
-            </a:r>
-            <a:r>
-              <a:rPr lang="en-US" baseline="0" dirty="0" err="1" smtClean="0"/>
-              <a:t>innan</a:t>
-            </a:r>
-            <a:r>
-              <a:rPr lang="en-US" baseline="0" dirty="0" smtClean="0"/>
-              <a:t> vi </a:t>
-            </a:r>
-            <a:r>
-              <a:rPr lang="en-US" baseline="0" dirty="0" err="1" smtClean="0"/>
-              <a:t>hunnit</a:t>
-            </a:r>
-            <a:r>
-              <a:rPr lang="en-US" baseline="0" dirty="0" smtClean="0"/>
-              <a:t> </a:t>
-            </a:r>
-            <a:r>
-              <a:rPr lang="en-US" baseline="0" dirty="0" err="1" smtClean="0"/>
-              <a:t>starta</a:t>
-            </a:r>
-            <a:r>
-              <a:rPr lang="en-US" baseline="0" dirty="0" smtClean="0"/>
-              <a:t> </a:t>
-            </a:r>
-            <a:r>
-              <a:rPr lang="en-US" baseline="0" dirty="0" err="1" smtClean="0"/>
-              <a:t>upp</a:t>
-            </a:r>
-            <a:r>
-              <a:rPr lang="en-US" baseline="0" dirty="0" smtClean="0"/>
-              <a:t> en </a:t>
-            </a:r>
-            <a:r>
-              <a:rPr lang="en-US" baseline="0" dirty="0" err="1" smtClean="0"/>
-              <a:t>ny</a:t>
-            </a:r>
-            <a:r>
-              <a:rPr lang="en-US" baseline="0" dirty="0" smtClean="0"/>
-              <a:t> </a:t>
-            </a:r>
-            <a:r>
-              <a:rPr lang="en-US" baseline="0" dirty="0" err="1" smtClean="0"/>
-              <a:t>aktor</a:t>
-            </a:r>
-            <a:r>
-              <a:rPr lang="en-US" baseline="0" dirty="0" smtClean="0"/>
-              <a:t>.</a:t>
-            </a:r>
-          </a:p>
-          <a:p>
-            <a:endParaRPr lang="en-US" baseline="0" dirty="0" smtClean="0"/>
-          </a:p>
-          <a:p>
-            <a:r>
-              <a:rPr lang="en-US" baseline="0" dirty="0" smtClean="0"/>
-              <a:t>Nu </a:t>
-            </a:r>
-            <a:r>
-              <a:rPr lang="en-US" baseline="0" dirty="0" err="1" smtClean="0"/>
-              <a:t>antar</a:t>
-            </a:r>
-            <a:r>
-              <a:rPr lang="en-US" baseline="0" dirty="0" smtClean="0"/>
-              <a:t> vi </a:t>
-            </a:r>
-            <a:r>
-              <a:rPr lang="en-US" baseline="0" dirty="0" err="1" smtClean="0"/>
-              <a:t>förvisso</a:t>
-            </a:r>
-            <a:r>
-              <a:rPr lang="en-US" baseline="0" dirty="0" smtClean="0"/>
-              <a:t> </a:t>
-            </a:r>
-            <a:r>
-              <a:rPr lang="en-US" baseline="0" dirty="0" err="1" smtClean="0"/>
-              <a:t>att</a:t>
-            </a:r>
-            <a:r>
-              <a:rPr lang="en-US" baseline="0" dirty="0" smtClean="0"/>
-              <a:t> </a:t>
-            </a:r>
-            <a:r>
-              <a:rPr lang="en-US" baseline="0" dirty="0" err="1" smtClean="0"/>
-              <a:t>fel</a:t>
-            </a:r>
-            <a:r>
-              <a:rPr lang="en-US" baseline="0" dirty="0" smtClean="0"/>
-              <a:t> </a:t>
-            </a:r>
-            <a:r>
-              <a:rPr lang="en-US" baseline="0" dirty="0" err="1" smtClean="0"/>
-              <a:t>inträffar</a:t>
-            </a:r>
-            <a:r>
-              <a:rPr lang="en-US" baseline="0" dirty="0" smtClean="0"/>
-              <a:t> </a:t>
-            </a:r>
-            <a:r>
-              <a:rPr lang="en-US" baseline="0" dirty="0" err="1" smtClean="0"/>
-              <a:t>oberoende</a:t>
-            </a:r>
-            <a:r>
-              <a:rPr lang="en-US" baseline="0" dirty="0" smtClean="0"/>
-              <a:t> men </a:t>
-            </a:r>
-            <a:r>
-              <a:rPr lang="en-US" baseline="0" dirty="0" err="1" smtClean="0"/>
-              <a:t>det</a:t>
-            </a:r>
-            <a:r>
-              <a:rPr lang="en-US" baseline="0" dirty="0" smtClean="0"/>
-              <a:t> </a:t>
-            </a:r>
-            <a:r>
-              <a:rPr lang="en-US" baseline="0" dirty="0" err="1" smtClean="0"/>
-              <a:t>tyder</a:t>
-            </a:r>
-            <a:r>
-              <a:rPr lang="en-US" baseline="0" dirty="0" smtClean="0"/>
-              <a:t> </a:t>
-            </a:r>
-            <a:r>
-              <a:rPr lang="en-US" baseline="0" dirty="0" err="1" smtClean="0"/>
-              <a:t>ändå</a:t>
-            </a:r>
-            <a:r>
-              <a:rPr lang="en-US" baseline="0" dirty="0" smtClean="0"/>
-              <a:t> </a:t>
-            </a:r>
-            <a:r>
-              <a:rPr lang="en-US" baseline="0" dirty="0" err="1" smtClean="0"/>
-              <a:t>på</a:t>
-            </a:r>
-            <a:r>
-              <a:rPr lang="en-US" baseline="0" dirty="0" smtClean="0"/>
-              <a:t> </a:t>
-            </a:r>
-            <a:r>
-              <a:rPr lang="en-US" baseline="0" dirty="0" err="1" smtClean="0"/>
-              <a:t>att</a:t>
-            </a:r>
-            <a:r>
-              <a:rPr lang="en-US" baseline="0" dirty="0" smtClean="0"/>
-              <a:t> vi </a:t>
-            </a:r>
-            <a:r>
-              <a:rPr lang="en-US" baseline="0" dirty="0" err="1" smtClean="0"/>
-              <a:t>får</a:t>
-            </a:r>
-            <a:r>
-              <a:rPr lang="en-US" baseline="0" dirty="0" smtClean="0"/>
-              <a:t> </a:t>
-            </a:r>
-            <a:r>
-              <a:rPr lang="en-US" baseline="0" dirty="0" err="1" smtClean="0"/>
-              <a:t>väldigt</a:t>
-            </a:r>
-            <a:r>
-              <a:rPr lang="en-US" baseline="0" dirty="0" smtClean="0"/>
-              <a:t> </a:t>
-            </a:r>
-            <a:r>
-              <a:rPr lang="en-US" baseline="0" dirty="0" err="1" smtClean="0"/>
-              <a:t>hög</a:t>
-            </a:r>
-            <a:r>
-              <a:rPr lang="en-US" baseline="0" dirty="0" smtClean="0"/>
-              <a:t> </a:t>
-            </a:r>
-            <a:r>
-              <a:rPr lang="en-US" baseline="0" dirty="0" err="1" smtClean="0"/>
-              <a:t>tillförlitlighet</a:t>
-            </a:r>
-            <a:r>
-              <a:rPr lang="en-US" baseline="0" dirty="0" smtClean="0"/>
-              <a:t> med </a:t>
-            </a:r>
-            <a:r>
-              <a:rPr lang="en-US" baseline="0" dirty="0" err="1" smtClean="0"/>
-              <a:t>ett</a:t>
-            </a:r>
-            <a:r>
-              <a:rPr lang="en-US" baseline="0" dirty="0" smtClean="0"/>
-              <a:t> </a:t>
-            </a:r>
-            <a:r>
-              <a:rPr lang="en-US" baseline="0" dirty="0" err="1" smtClean="0"/>
-              <a:t>få</a:t>
-            </a:r>
-            <a:r>
-              <a:rPr lang="en-US" baseline="0" dirty="0" smtClean="0"/>
-              <a:t> </a:t>
-            </a:r>
-            <a:r>
-              <a:rPr lang="en-US" baseline="0" dirty="0" err="1" smtClean="0"/>
-              <a:t>antal</a:t>
-            </a:r>
-            <a:r>
-              <a:rPr lang="en-US" baseline="0" dirty="0" smtClean="0"/>
-              <a:t> </a:t>
-            </a:r>
-            <a:r>
-              <a:rPr lang="en-US" baseline="0" dirty="0" err="1" smtClean="0"/>
-              <a:t>replikor</a:t>
-            </a:r>
-            <a:r>
-              <a:rPr lang="en-US" baseline="0" dirty="0" smtClean="0"/>
-              <a:t>.</a:t>
-            </a:r>
-            <a:endParaRPr lang="en-US" dirty="0"/>
           </a:p>
         </p:txBody>
       </p:sp>
@@ -17044,7 +16695,7 @@
           <a:p>
             <a:fld id="{100650DF-8CBF-0341-B1F9-47D0C0CD302F}" type="slidenum">
               <a:rPr lang="en-US" smtClean="0"/>
-              <a:t>47</a:t>
+              <a:t>46</a:t>
             </a:fld>
             <a:endParaRPr lang="en-US"/>
           </a:p>
@@ -17053,7 +16704,7 @@
     </p:spTree>
     <p:extLst>
       <p:ext uri="{BB962C8B-B14F-4D97-AF65-F5344CB8AC3E}">
-        <p14:creationId xmlns:p14="http://schemas.microsoft.com/office/powerpoint/2010/main" val="95629498"/>
+        <p14:creationId xmlns:p14="http://schemas.microsoft.com/office/powerpoint/2010/main" val="215043946"/>
       </p:ext>
     </p:extLst>
   </p:cSld>
@@ -17107,6 +16758,529 @@
           <a:bodyPr/>
           <a:lstStyle/>
           <a:p>
+            <a:r>
+              <a:rPr lang="en-US" baseline="0" dirty="0" smtClean="0"/>
+              <a:t>Om vi </a:t>
+            </a:r>
+            <a:r>
+              <a:rPr lang="en-US" baseline="0" dirty="0" err="1" smtClean="0"/>
+              <a:t>då</a:t>
+            </a:r>
+            <a:r>
+              <a:rPr lang="en-US" baseline="0" dirty="0" smtClean="0"/>
+              <a:t> </a:t>
+            </a:r>
+            <a:r>
+              <a:rPr lang="en-US" baseline="0" dirty="0" err="1" smtClean="0"/>
+              <a:t>antar</a:t>
+            </a:r>
+            <a:r>
+              <a:rPr lang="en-US" baseline="0" dirty="0" smtClean="0"/>
+              <a:t> </a:t>
+            </a:r>
+            <a:r>
+              <a:rPr lang="en-US" baseline="0" dirty="0" err="1" smtClean="0"/>
+              <a:t>att</a:t>
+            </a:r>
+            <a:r>
+              <a:rPr lang="en-US" baseline="0" dirty="0" smtClean="0"/>
+              <a:t> en nods MTBF </a:t>
+            </a:r>
+            <a:r>
+              <a:rPr lang="en-US" baseline="0" dirty="0" err="1" smtClean="0"/>
+              <a:t>är</a:t>
+            </a:r>
+            <a:r>
+              <a:rPr lang="en-US" baseline="0" dirty="0" smtClean="0"/>
+              <a:t> 1 </a:t>
+            </a:r>
+            <a:r>
+              <a:rPr lang="en-US" baseline="0" dirty="0" err="1" smtClean="0"/>
+              <a:t>år</a:t>
+            </a:r>
+            <a:r>
+              <a:rPr lang="en-US" baseline="0" dirty="0" smtClean="0"/>
+              <a:t> </a:t>
+            </a:r>
+            <a:r>
+              <a:rPr lang="en-US" baseline="0" dirty="0" err="1" smtClean="0"/>
+              <a:t>och</a:t>
+            </a:r>
+            <a:r>
+              <a:rPr lang="en-US" baseline="0" dirty="0" smtClean="0"/>
+              <a:t> </a:t>
+            </a:r>
+            <a:r>
+              <a:rPr lang="en-US" baseline="0" dirty="0" err="1" smtClean="0"/>
+              <a:t>att</a:t>
+            </a:r>
+            <a:r>
+              <a:rPr lang="en-US" baseline="0" dirty="0" smtClean="0"/>
+              <a:t> </a:t>
+            </a:r>
+            <a:r>
+              <a:rPr lang="en-US" baseline="0" dirty="0" err="1" smtClean="0"/>
+              <a:t>repliceringstiden</a:t>
+            </a:r>
+            <a:r>
+              <a:rPr lang="en-US" baseline="0" dirty="0" smtClean="0"/>
+              <a:t> </a:t>
+            </a:r>
+            <a:r>
+              <a:rPr lang="en-US" baseline="0" dirty="0" err="1" smtClean="0"/>
+              <a:t>är</a:t>
+            </a:r>
+            <a:r>
+              <a:rPr lang="en-US" baseline="0" dirty="0" smtClean="0"/>
+              <a:t> en </a:t>
+            </a:r>
+            <a:r>
+              <a:rPr lang="en-US" baseline="0" dirty="0" err="1" smtClean="0"/>
+              <a:t>timme</a:t>
+            </a:r>
+            <a:r>
+              <a:rPr lang="en-US" baseline="0" dirty="0" smtClean="0"/>
+              <a:t>. </a:t>
+            </a:r>
+          </a:p>
+          <a:p>
+            <a:endParaRPr lang="en-US" baseline="0" dirty="0" smtClean="0"/>
+          </a:p>
+          <a:p>
+            <a:r>
+              <a:rPr lang="en-US" baseline="0" dirty="0" err="1" smtClean="0"/>
+              <a:t>Då</a:t>
+            </a:r>
+            <a:r>
+              <a:rPr lang="en-US" baseline="0" dirty="0" smtClean="0"/>
+              <a:t> </a:t>
+            </a:r>
+            <a:r>
+              <a:rPr lang="en-US" baseline="0" dirty="0" err="1" smtClean="0"/>
+              <a:t>får</a:t>
+            </a:r>
+            <a:r>
+              <a:rPr lang="en-US" baseline="0" dirty="0" smtClean="0"/>
+              <a:t> vi med en replica en </a:t>
+            </a:r>
+            <a:r>
+              <a:rPr lang="en-US" baseline="0" dirty="0" err="1" smtClean="0"/>
+              <a:t>tillförlitlighet</a:t>
+            </a:r>
+            <a:r>
+              <a:rPr lang="en-US" baseline="0" dirty="0" smtClean="0"/>
+              <a:t> </a:t>
+            </a:r>
+            <a:r>
+              <a:rPr lang="en-US" baseline="0" dirty="0" err="1" smtClean="0"/>
+              <a:t>på</a:t>
+            </a:r>
+            <a:r>
+              <a:rPr lang="en-US" baseline="0" dirty="0" smtClean="0"/>
+              <a:t> </a:t>
+            </a:r>
+            <a:r>
+              <a:rPr lang="en-US" baseline="0" dirty="0" err="1" smtClean="0"/>
+              <a:t>tre</a:t>
+            </a:r>
+            <a:r>
+              <a:rPr lang="en-US" baseline="0" dirty="0" smtClean="0"/>
+              <a:t> </a:t>
+            </a:r>
+            <a:r>
+              <a:rPr lang="en-US" baseline="0" dirty="0" err="1" smtClean="0"/>
+              <a:t>nion</a:t>
+            </a:r>
+            <a:r>
+              <a:rPr lang="en-US" baseline="0" dirty="0" smtClean="0"/>
+              <a:t>, men </a:t>
+            </a:r>
+            <a:r>
+              <a:rPr lang="en-US" baseline="0" dirty="0" err="1" smtClean="0"/>
+              <a:t>två</a:t>
+            </a:r>
+            <a:r>
+              <a:rPr lang="en-US" baseline="0" dirty="0" smtClean="0"/>
+              <a:t> </a:t>
+            </a:r>
+            <a:r>
+              <a:rPr lang="en-US" baseline="0" dirty="0" err="1" smtClean="0"/>
+              <a:t>replikor</a:t>
+            </a:r>
+            <a:r>
+              <a:rPr lang="en-US" baseline="0" dirty="0" smtClean="0"/>
+              <a:t> </a:t>
+            </a:r>
+            <a:r>
+              <a:rPr lang="en-US" baseline="0" dirty="0" err="1" smtClean="0"/>
+              <a:t>får</a:t>
+            </a:r>
+            <a:r>
+              <a:rPr lang="en-US" baseline="0" dirty="0" smtClean="0"/>
+              <a:t> vi </a:t>
+            </a:r>
+            <a:r>
+              <a:rPr lang="en-US" baseline="0" dirty="0" err="1" smtClean="0"/>
+              <a:t>sju</a:t>
+            </a:r>
+            <a:r>
+              <a:rPr lang="en-US" baseline="0" dirty="0" smtClean="0"/>
+              <a:t> </a:t>
+            </a:r>
+            <a:r>
+              <a:rPr lang="en-US" baseline="0" dirty="0" err="1" smtClean="0"/>
+              <a:t>nior</a:t>
+            </a:r>
+            <a:r>
+              <a:rPr lang="en-US" baseline="0" dirty="0" smtClean="0"/>
+              <a:t> </a:t>
+            </a:r>
+            <a:r>
+              <a:rPr lang="en-US" baseline="0" dirty="0" err="1" smtClean="0"/>
+              <a:t>och</a:t>
+            </a:r>
+            <a:r>
+              <a:rPr lang="en-US" baseline="0" dirty="0" smtClean="0"/>
+              <a:t> </a:t>
+            </a:r>
+            <a:r>
+              <a:rPr lang="en-US" baseline="0" dirty="0" err="1" smtClean="0"/>
+              <a:t>tre</a:t>
+            </a:r>
+            <a:r>
+              <a:rPr lang="en-US" baseline="0" dirty="0" smtClean="0"/>
+              <a:t> </a:t>
+            </a:r>
+            <a:r>
+              <a:rPr lang="en-US" baseline="0" dirty="0" err="1" smtClean="0"/>
+              <a:t>replikor</a:t>
+            </a:r>
+            <a:r>
+              <a:rPr lang="en-US" baseline="0" dirty="0" smtClean="0"/>
+              <a:t> </a:t>
+            </a:r>
+            <a:r>
+              <a:rPr lang="en-US" baseline="0" dirty="0" err="1" smtClean="0"/>
+              <a:t>elva</a:t>
+            </a:r>
+            <a:r>
+              <a:rPr lang="en-US" baseline="0" dirty="0" smtClean="0"/>
+              <a:t> </a:t>
+            </a:r>
+            <a:r>
+              <a:rPr lang="en-US" baseline="0" dirty="0" err="1" smtClean="0"/>
+              <a:t>nior</a:t>
+            </a:r>
+            <a:r>
+              <a:rPr lang="en-US" baseline="0" dirty="0" smtClean="0"/>
+              <a:t>. </a:t>
+            </a:r>
+          </a:p>
+          <a:p>
+            <a:endParaRPr lang="en-US" baseline="0" dirty="0" smtClean="0"/>
+          </a:p>
+          <a:p>
+            <a:r>
+              <a:rPr lang="en-US" baseline="0" dirty="0" smtClean="0"/>
+              <a:t>Med </a:t>
+            </a:r>
+            <a:r>
+              <a:rPr lang="en-US" baseline="0" dirty="0" err="1" smtClean="0"/>
+              <a:t>tex</a:t>
+            </a:r>
+            <a:r>
+              <a:rPr lang="en-US" baseline="0" dirty="0" smtClean="0"/>
+              <a:t> </a:t>
+            </a:r>
+            <a:r>
+              <a:rPr lang="en-US" baseline="0" dirty="0" err="1" smtClean="0"/>
+              <a:t>två</a:t>
+            </a:r>
+            <a:r>
+              <a:rPr lang="en-US" baseline="0" dirty="0" smtClean="0"/>
+              <a:t> </a:t>
+            </a:r>
+            <a:r>
+              <a:rPr lang="en-US" baseline="0" dirty="0" err="1" smtClean="0"/>
+              <a:t>noder</a:t>
+            </a:r>
+            <a:r>
+              <a:rPr lang="en-US" baseline="0" dirty="0" smtClean="0"/>
+              <a:t> </a:t>
+            </a:r>
+            <a:r>
+              <a:rPr lang="en-US" baseline="0" dirty="0" err="1" smtClean="0"/>
+              <a:t>är</a:t>
+            </a:r>
+            <a:r>
+              <a:rPr lang="en-US" baseline="0" dirty="0" smtClean="0"/>
+              <a:t> </a:t>
+            </a:r>
+            <a:r>
+              <a:rPr lang="en-US" baseline="0" dirty="0" err="1" smtClean="0"/>
+              <a:t>det</a:t>
+            </a:r>
+            <a:r>
+              <a:rPr lang="en-US" baseline="0" dirty="0" smtClean="0"/>
+              <a:t> </a:t>
+            </a:r>
+            <a:r>
+              <a:rPr lang="en-US" baseline="0" dirty="0" err="1" smtClean="0"/>
+              <a:t>alltså</a:t>
+            </a:r>
+            <a:r>
+              <a:rPr lang="en-US" baseline="0" dirty="0" smtClean="0"/>
+              <a:t> </a:t>
+            </a:r>
+            <a:r>
+              <a:rPr lang="en-US" baseline="0" dirty="0" err="1" smtClean="0"/>
+              <a:t>väldigt</a:t>
+            </a:r>
+            <a:r>
+              <a:rPr lang="en-US" baseline="0" dirty="0" smtClean="0"/>
+              <a:t> </a:t>
+            </a:r>
+            <a:r>
+              <a:rPr lang="en-US" baseline="0" dirty="0" err="1" smtClean="0"/>
+              <a:t>liten</a:t>
+            </a:r>
+            <a:r>
+              <a:rPr lang="en-US" baseline="0" dirty="0" smtClean="0"/>
+              <a:t> risk </a:t>
+            </a:r>
+            <a:r>
+              <a:rPr lang="en-US" baseline="0" dirty="0" err="1" smtClean="0"/>
+              <a:t>att</a:t>
+            </a:r>
+            <a:r>
+              <a:rPr lang="en-US" baseline="0" dirty="0" smtClean="0"/>
+              <a:t> </a:t>
+            </a:r>
+            <a:r>
+              <a:rPr lang="en-US" baseline="0" dirty="0" err="1" smtClean="0"/>
+              <a:t>båda</a:t>
+            </a:r>
+            <a:r>
+              <a:rPr lang="en-US" baseline="0" dirty="0" smtClean="0"/>
+              <a:t> </a:t>
+            </a:r>
+            <a:r>
+              <a:rPr lang="en-US" baseline="0" dirty="0" err="1" smtClean="0"/>
+              <a:t>dör</a:t>
+            </a:r>
+            <a:r>
+              <a:rPr lang="en-US" baseline="0" dirty="0" smtClean="0"/>
+              <a:t> </a:t>
+            </a:r>
+            <a:r>
+              <a:rPr lang="en-US" baseline="0" dirty="0" err="1" smtClean="0"/>
+              <a:t>innan</a:t>
+            </a:r>
+            <a:r>
+              <a:rPr lang="en-US" baseline="0" dirty="0" smtClean="0"/>
+              <a:t> vi </a:t>
+            </a:r>
+            <a:r>
+              <a:rPr lang="en-US" baseline="0" dirty="0" err="1" smtClean="0"/>
+              <a:t>hunnit</a:t>
+            </a:r>
+            <a:r>
+              <a:rPr lang="en-US" baseline="0" dirty="0" smtClean="0"/>
+              <a:t> </a:t>
+            </a:r>
+            <a:r>
+              <a:rPr lang="en-US" baseline="0" dirty="0" err="1" smtClean="0"/>
+              <a:t>starta</a:t>
+            </a:r>
+            <a:r>
+              <a:rPr lang="en-US" baseline="0" dirty="0" smtClean="0"/>
+              <a:t> </a:t>
+            </a:r>
+            <a:r>
+              <a:rPr lang="en-US" baseline="0" dirty="0" err="1" smtClean="0"/>
+              <a:t>upp</a:t>
+            </a:r>
+            <a:r>
+              <a:rPr lang="en-US" baseline="0" dirty="0" smtClean="0"/>
+              <a:t> en </a:t>
+            </a:r>
+            <a:r>
+              <a:rPr lang="en-US" baseline="0" dirty="0" err="1" smtClean="0"/>
+              <a:t>ny</a:t>
+            </a:r>
+            <a:r>
+              <a:rPr lang="en-US" baseline="0" dirty="0" smtClean="0"/>
+              <a:t> </a:t>
+            </a:r>
+            <a:r>
+              <a:rPr lang="en-US" baseline="0" dirty="0" err="1" smtClean="0"/>
+              <a:t>aktor</a:t>
+            </a:r>
+            <a:r>
+              <a:rPr lang="en-US" baseline="0" dirty="0" smtClean="0"/>
+              <a:t>.</a:t>
+            </a:r>
+          </a:p>
+          <a:p>
+            <a:endParaRPr lang="en-US" baseline="0" dirty="0" smtClean="0"/>
+          </a:p>
+          <a:p>
+            <a:r>
+              <a:rPr lang="en-US" baseline="0" dirty="0" smtClean="0"/>
+              <a:t>Nu </a:t>
+            </a:r>
+            <a:r>
+              <a:rPr lang="en-US" baseline="0" dirty="0" err="1" smtClean="0"/>
+              <a:t>antar</a:t>
+            </a:r>
+            <a:r>
+              <a:rPr lang="en-US" baseline="0" dirty="0" smtClean="0"/>
+              <a:t> vi </a:t>
+            </a:r>
+            <a:r>
+              <a:rPr lang="en-US" baseline="0" dirty="0" err="1" smtClean="0"/>
+              <a:t>förvisso</a:t>
+            </a:r>
+            <a:r>
+              <a:rPr lang="en-US" baseline="0" dirty="0" smtClean="0"/>
+              <a:t> </a:t>
+            </a:r>
+            <a:r>
+              <a:rPr lang="en-US" baseline="0" dirty="0" err="1" smtClean="0"/>
+              <a:t>att</a:t>
+            </a:r>
+            <a:r>
+              <a:rPr lang="en-US" baseline="0" dirty="0" smtClean="0"/>
+              <a:t> </a:t>
+            </a:r>
+            <a:r>
+              <a:rPr lang="en-US" baseline="0" dirty="0" err="1" smtClean="0"/>
+              <a:t>fel</a:t>
+            </a:r>
+            <a:r>
+              <a:rPr lang="en-US" baseline="0" dirty="0" smtClean="0"/>
+              <a:t> </a:t>
+            </a:r>
+            <a:r>
+              <a:rPr lang="en-US" baseline="0" dirty="0" err="1" smtClean="0"/>
+              <a:t>inträffar</a:t>
+            </a:r>
+            <a:r>
+              <a:rPr lang="en-US" baseline="0" dirty="0" smtClean="0"/>
+              <a:t> </a:t>
+            </a:r>
+            <a:r>
+              <a:rPr lang="en-US" baseline="0" dirty="0" err="1" smtClean="0"/>
+              <a:t>oberoende</a:t>
+            </a:r>
+            <a:r>
+              <a:rPr lang="en-US" baseline="0" dirty="0" smtClean="0"/>
+              <a:t> men </a:t>
+            </a:r>
+            <a:r>
+              <a:rPr lang="en-US" baseline="0" dirty="0" err="1" smtClean="0"/>
+              <a:t>det</a:t>
+            </a:r>
+            <a:r>
+              <a:rPr lang="en-US" baseline="0" dirty="0" smtClean="0"/>
+              <a:t> </a:t>
+            </a:r>
+            <a:r>
+              <a:rPr lang="en-US" baseline="0" dirty="0" err="1" smtClean="0"/>
+              <a:t>tyder</a:t>
+            </a:r>
+            <a:r>
+              <a:rPr lang="en-US" baseline="0" dirty="0" smtClean="0"/>
+              <a:t> </a:t>
+            </a:r>
+            <a:r>
+              <a:rPr lang="en-US" baseline="0" dirty="0" err="1" smtClean="0"/>
+              <a:t>ändå</a:t>
+            </a:r>
+            <a:r>
+              <a:rPr lang="en-US" baseline="0" dirty="0" smtClean="0"/>
+              <a:t> </a:t>
+            </a:r>
+            <a:r>
+              <a:rPr lang="en-US" baseline="0" dirty="0" err="1" smtClean="0"/>
+              <a:t>på</a:t>
+            </a:r>
+            <a:r>
+              <a:rPr lang="en-US" baseline="0" dirty="0" smtClean="0"/>
+              <a:t> </a:t>
+            </a:r>
+            <a:r>
+              <a:rPr lang="en-US" baseline="0" dirty="0" err="1" smtClean="0"/>
+              <a:t>att</a:t>
+            </a:r>
+            <a:r>
+              <a:rPr lang="en-US" baseline="0" dirty="0" smtClean="0"/>
+              <a:t> vi </a:t>
+            </a:r>
+            <a:r>
+              <a:rPr lang="en-US" baseline="0" dirty="0" err="1" smtClean="0"/>
+              <a:t>får</a:t>
+            </a:r>
+            <a:r>
+              <a:rPr lang="en-US" baseline="0" dirty="0" smtClean="0"/>
+              <a:t> </a:t>
+            </a:r>
+            <a:r>
+              <a:rPr lang="en-US" baseline="0" dirty="0" err="1" smtClean="0"/>
+              <a:t>väldigt</a:t>
+            </a:r>
+            <a:r>
+              <a:rPr lang="en-US" baseline="0" dirty="0" smtClean="0"/>
+              <a:t> </a:t>
+            </a:r>
+            <a:r>
+              <a:rPr lang="en-US" baseline="0" dirty="0" err="1" smtClean="0"/>
+              <a:t>hög</a:t>
+            </a:r>
+            <a:r>
+              <a:rPr lang="en-US" baseline="0" dirty="0" smtClean="0"/>
+              <a:t> </a:t>
+            </a:r>
+            <a:r>
+              <a:rPr lang="en-US" baseline="0" dirty="0" err="1" smtClean="0"/>
+              <a:t>tillförlitlighet</a:t>
+            </a:r>
+            <a:r>
+              <a:rPr lang="en-US" baseline="0" dirty="0" smtClean="0"/>
+              <a:t> med </a:t>
+            </a:r>
+            <a:r>
+              <a:rPr lang="en-US" baseline="0" dirty="0" err="1" smtClean="0"/>
+              <a:t>ett</a:t>
+            </a:r>
+            <a:r>
+              <a:rPr lang="en-US" baseline="0" dirty="0" smtClean="0"/>
+              <a:t> </a:t>
+            </a:r>
+            <a:r>
+              <a:rPr lang="en-US" baseline="0" dirty="0" err="1" smtClean="0"/>
+              <a:t>få</a:t>
+            </a:r>
+            <a:r>
+              <a:rPr lang="en-US" baseline="0" dirty="0" smtClean="0"/>
+              <a:t> </a:t>
+            </a:r>
+            <a:r>
+              <a:rPr lang="en-US" baseline="0" dirty="0" err="1" smtClean="0"/>
+              <a:t>antal</a:t>
+            </a:r>
+            <a:r>
+              <a:rPr lang="en-US" baseline="0" dirty="0" smtClean="0"/>
+              <a:t> </a:t>
+            </a:r>
+            <a:r>
+              <a:rPr lang="en-US" baseline="0" dirty="0" err="1" smtClean="0"/>
+              <a:t>replikor</a:t>
+            </a:r>
+            <a:r>
+              <a:rPr lang="en-US" baseline="0" dirty="0" smtClean="0"/>
+              <a:t>.</a:t>
+            </a:r>
             <a:endParaRPr lang="en-US" dirty="0"/>
           </a:p>
         </p:txBody>
@@ -17128,7 +17302,7 @@
           <a:p>
             <a:fld id="{100650DF-8CBF-0341-B1F9-47D0C0CD302F}" type="slidenum">
               <a:rPr lang="en-US" smtClean="0"/>
-              <a:t>48</a:t>
+              <a:t>47</a:t>
             </a:fld>
             <a:endParaRPr lang="en-US"/>
           </a:p>
@@ -17137,7 +17311,7 @@
     </p:spTree>
     <p:extLst>
       <p:ext uri="{BB962C8B-B14F-4D97-AF65-F5344CB8AC3E}">
-        <p14:creationId xmlns:p14="http://schemas.microsoft.com/office/powerpoint/2010/main" val="1970769964"/>
+        <p14:creationId xmlns:p14="http://schemas.microsoft.com/office/powerpoint/2010/main" val="95629498"/>
       </p:ext>
     </p:extLst>
   </p:cSld>
@@ -17166,7 +17340,7 @@
       </p:grpSpPr>
       <p:sp>
         <p:nvSpPr>
-          <p:cNvPr id="2" name="Platshållare för bildobjekt 1"/>
+          <p:cNvPr id="2" name="Slide Image Placeholder 1"/>
           <p:cNvSpPr>
             <a:spLocks noGrp="1" noRot="1" noChangeAspect="1"/>
           </p:cNvSpPr>
@@ -17178,7 +17352,7 @@
       </p:sp>
       <p:sp>
         <p:nvSpPr>
-          <p:cNvPr id="3" name="Platshållare för anteckningar 2"/>
+          <p:cNvPr id="3" name="Notes Placeholder 2"/>
           <p:cNvSpPr>
             <a:spLocks noGrp="1"/>
           </p:cNvSpPr>
@@ -17191,147 +17365,13 @@
           <a:bodyPr/>
           <a:lstStyle/>
           <a:p>
-            <a:r>
-              <a:rPr lang="sv-SE" dirty="0" smtClean="0"/>
-              <a:t>En del av framtida arbete är att undersöka hur skalbar</a:t>
-            </a:r>
-            <a:r>
-              <a:rPr lang="sv-SE" baseline="0" dirty="0" smtClean="0"/>
-              <a:t> vår modell är. </a:t>
-            </a:r>
-          </a:p>
-          <a:p>
-            <a:endParaRPr lang="sv-SE" baseline="0" dirty="0" smtClean="0"/>
-          </a:p>
-          <a:p>
-            <a:r>
-              <a:rPr lang="sv-SE" baseline="0" dirty="0" err="1" smtClean="0"/>
-              <a:t>Tillförlitlighesmodellen</a:t>
-            </a:r>
-            <a:r>
-              <a:rPr lang="sv-SE" baseline="0" dirty="0" smtClean="0"/>
-              <a:t> är utbytbar. Den kan byggas ut genom att</a:t>
-            </a:r>
-          </a:p>
-          <a:p>
-            <a:pPr marL="171450" indent="-171450">
-              <a:buFontTx/>
-              <a:buChar char="-"/>
-            </a:pPr>
-            <a:r>
-              <a:rPr lang="sv-SE" baseline="0" dirty="0" smtClean="0"/>
-              <a:t>Ta med fler parametrar, </a:t>
-            </a:r>
-            <a:r>
-              <a:rPr lang="sv-SE" baseline="0" dirty="0" err="1" smtClean="0"/>
-              <a:t>t.e.x</a:t>
-            </a:r>
-            <a:r>
-              <a:rPr lang="sv-SE" baseline="0" dirty="0" smtClean="0"/>
-              <a:t> </a:t>
-            </a:r>
-            <a:r>
-              <a:rPr lang="sv-SE" baseline="0" dirty="0" err="1" smtClean="0"/>
-              <a:t>länkfel</a:t>
-            </a:r>
-            <a:endParaRPr lang="sv-SE" baseline="0" dirty="0" smtClean="0"/>
-          </a:p>
-          <a:p>
-            <a:pPr marL="171450" indent="-171450">
-              <a:buFontTx/>
-              <a:buChar char="-"/>
-            </a:pPr>
-            <a:r>
-              <a:rPr lang="sv-SE" baseline="0" dirty="0" smtClean="0"/>
-              <a:t>Inkludera placeringen av nuvarande noder i beräkningen av </a:t>
-            </a:r>
-            <a:r>
-              <a:rPr lang="sv-SE" baseline="0" dirty="0" smtClean="0"/>
-              <a:t>tillförlitlighet, t.ex. har noder i samma rack lägre tillförlitlighet än noder i olika rack</a:t>
-            </a:r>
-            <a:endParaRPr lang="sv-SE" baseline="0" dirty="0" smtClean="0"/>
-          </a:p>
-          <a:p>
-            <a:pPr marL="171450" indent="-171450">
-              <a:buFontTx/>
-              <a:buChar char="-"/>
-            </a:pPr>
-            <a:r>
-              <a:rPr lang="sv-SE" baseline="0" dirty="0" smtClean="0"/>
-              <a:t>Lägga till maskinlärning, eftersom tillförlitligheten av applikationer övervakas periodiskt så kan vi förebygga dippar i tillförlitligheten genom att flytta eller skapa nya </a:t>
-            </a:r>
-            <a:r>
-              <a:rPr lang="sv-SE" baseline="0" dirty="0" err="1" smtClean="0"/>
-              <a:t>replikor</a:t>
-            </a:r>
-            <a:r>
-              <a:rPr lang="sv-SE" baseline="0" dirty="0" smtClean="0"/>
-              <a:t> före att fel inträffar</a:t>
-            </a:r>
-          </a:p>
-          <a:p>
-            <a:pPr marL="171450" indent="-171450">
-              <a:buFontTx/>
-              <a:buChar char="-"/>
-            </a:pPr>
-            <a:endParaRPr lang="sv-SE" baseline="0" dirty="0" smtClean="0"/>
-          </a:p>
-          <a:p>
-            <a:pPr marL="0" indent="0">
-              <a:buFontTx/>
-              <a:buNone/>
-            </a:pPr>
-            <a:r>
-              <a:rPr lang="sv-SE" baseline="0" dirty="0" smtClean="0"/>
-              <a:t>Om vi skippar antagandet att noder producerar deterministiska resultat, så kan vår modell byggas ut och använda en </a:t>
-            </a:r>
-            <a:r>
-              <a:rPr lang="sv-SE" baseline="0" dirty="0" smtClean="0"/>
-              <a:t>konsensusalgoritm </a:t>
-            </a:r>
-            <a:r>
-              <a:rPr lang="sv-SE" baseline="0" dirty="0" smtClean="0"/>
-              <a:t>för att upptäcka när </a:t>
-            </a:r>
-            <a:r>
-              <a:rPr lang="sv-SE" baseline="0" dirty="0" smtClean="0"/>
-              <a:t>ett felaktigt </a:t>
-            </a:r>
-            <a:r>
-              <a:rPr lang="sv-SE" baseline="0" dirty="0" smtClean="0"/>
-              <a:t>resultat produceras.</a:t>
-            </a:r>
-          </a:p>
-          <a:p>
-            <a:pPr marL="0" indent="0">
-              <a:buFontTx/>
-              <a:buNone/>
-            </a:pPr>
-            <a:endParaRPr lang="sv-SE" baseline="0" dirty="0" smtClean="0"/>
-          </a:p>
-          <a:p>
-            <a:pPr marL="0" indent="0">
-              <a:buFontTx/>
-              <a:buNone/>
-            </a:pPr>
-            <a:r>
-              <a:rPr lang="sv-SE" baseline="0" dirty="0" smtClean="0"/>
-              <a:t>Schemaläggningen kan utökas genom att inkludera </a:t>
-            </a:r>
-            <a:r>
-              <a:rPr lang="sv-SE" baseline="0" dirty="0" err="1" smtClean="0"/>
-              <a:t>load-balancing</a:t>
-            </a:r>
-            <a:r>
-              <a:rPr lang="sv-SE" baseline="0" dirty="0" smtClean="0"/>
-              <a:t> och ta hänsyn till noders last och kapacitet.</a:t>
-            </a:r>
+            <a:endParaRPr lang="en-US" dirty="0"/>
           </a:p>
         </p:txBody>
       </p:sp>
       <p:sp>
         <p:nvSpPr>
-          <p:cNvPr id="4" name="Platshållare för bildnummer 3"/>
+          <p:cNvPr id="4" name="Slide Number Placeholder 3"/>
           <p:cNvSpPr>
             <a:spLocks noGrp="1"/>
           </p:cNvSpPr>
@@ -17346,7 +17386,7 @@
           <a:p>
             <a:fld id="{100650DF-8CBF-0341-B1F9-47D0C0CD302F}" type="slidenum">
               <a:rPr lang="en-US" smtClean="0"/>
-              <a:t>49</a:t>
+              <a:t>48</a:t>
             </a:fld>
             <a:endParaRPr lang="en-US"/>
           </a:p>
@@ -17355,7 +17395,7 @@
     </p:spTree>
     <p:extLst>
       <p:ext uri="{BB962C8B-B14F-4D97-AF65-F5344CB8AC3E}">
-        <p14:creationId xmlns:p14="http://schemas.microsoft.com/office/powerpoint/2010/main" val="4269926335"/>
+        <p14:creationId xmlns:p14="http://schemas.microsoft.com/office/powerpoint/2010/main" val="1970769964"/>
       </p:ext>
     </p:extLst>
   </p:cSld>
@@ -17409,7 +17449,120 @@
           <a:bodyPr/>
           <a:lstStyle/>
           <a:p>
+            <a:r>
+              <a:rPr lang="sv-SE" dirty="0" smtClean="0"/>
+              <a:t>En del av framtida arbete är att undersöka hur skalbar</a:t>
+            </a:r>
+            <a:r>
+              <a:rPr lang="sv-SE" baseline="0" dirty="0" smtClean="0"/>
+              <a:t> vår modell är. </a:t>
+            </a:r>
+          </a:p>
+          <a:p>
             <a:endParaRPr lang="sv-SE" baseline="0" dirty="0" smtClean="0"/>
+          </a:p>
+          <a:p>
+            <a:r>
+              <a:rPr lang="sv-SE" baseline="0" dirty="0" err="1" smtClean="0"/>
+              <a:t>Tillförlitlighesmodellen</a:t>
+            </a:r>
+            <a:r>
+              <a:rPr lang="sv-SE" baseline="0" dirty="0" smtClean="0"/>
+              <a:t> är utbytbar. Den kan byggas ut genom att</a:t>
+            </a:r>
+          </a:p>
+          <a:p>
+            <a:pPr marL="171450" indent="-171450">
+              <a:buFontTx/>
+              <a:buChar char="-"/>
+            </a:pPr>
+            <a:r>
+              <a:rPr lang="sv-SE" baseline="0" dirty="0" smtClean="0"/>
+              <a:t>Ta med fler parametrar, </a:t>
+            </a:r>
+            <a:r>
+              <a:rPr lang="sv-SE" baseline="0" dirty="0" err="1" smtClean="0"/>
+              <a:t>t.e.x</a:t>
+            </a:r>
+            <a:r>
+              <a:rPr lang="sv-SE" baseline="0" dirty="0" smtClean="0"/>
+              <a:t> </a:t>
+            </a:r>
+            <a:r>
+              <a:rPr lang="sv-SE" baseline="0" dirty="0" err="1" smtClean="0"/>
+              <a:t>länkfel</a:t>
+            </a:r>
+            <a:endParaRPr lang="sv-SE" baseline="0" dirty="0" smtClean="0"/>
+          </a:p>
+          <a:p>
+            <a:pPr marL="171450" indent="-171450">
+              <a:buFontTx/>
+              <a:buChar char="-"/>
+            </a:pPr>
+            <a:r>
+              <a:rPr lang="sv-SE" baseline="0" dirty="0" smtClean="0"/>
+              <a:t>Inkludera placeringen av nuvarande noder i beräkningen av tillförlitlighet, t.ex. har noder i samma rack lägre tillförlitlighet än noder i olika rack</a:t>
+            </a:r>
+          </a:p>
+          <a:p>
+            <a:pPr marL="171450" indent="-171450">
+              <a:buFontTx/>
+              <a:buChar char="-"/>
+            </a:pPr>
+            <a:r>
+              <a:rPr lang="sv-SE" baseline="0" dirty="0" smtClean="0"/>
+              <a:t>Lägga till maskinlärning, eftersom tillförlitligheten av applikationer övervakas periodiskt så kan vi förebygga dippar i tillförlitligheten genom att flytta eller skapa nya </a:t>
+            </a:r>
+            <a:r>
+              <a:rPr lang="sv-SE" baseline="0" dirty="0" err="1" smtClean="0"/>
+              <a:t>replikor</a:t>
+            </a:r>
+            <a:r>
+              <a:rPr lang="sv-SE" baseline="0" dirty="0" smtClean="0"/>
+              <a:t> före att fel inträffar</a:t>
+            </a:r>
+          </a:p>
+          <a:p>
+            <a:pPr marL="171450" indent="-171450">
+              <a:buFontTx/>
+              <a:buChar char="-"/>
+            </a:pPr>
+            <a:endParaRPr lang="sv-SE" baseline="0" dirty="0" smtClean="0"/>
+          </a:p>
+          <a:p>
+            <a:pPr marL="0" indent="0">
+              <a:buFontTx/>
+              <a:buNone/>
+            </a:pPr>
+            <a:r>
+              <a:rPr lang="sv-SE" baseline="0" dirty="0" smtClean="0"/>
+              <a:t>Om vi skippar antagandet att noder producerar deterministiska resultat, så kan vår modell byggas ut och använda en konsensusalgoritm för att upptäcka när ett felaktigt resultat produceras.</a:t>
+            </a:r>
+          </a:p>
+          <a:p>
+            <a:pPr marL="0" indent="0">
+              <a:buFontTx/>
+              <a:buNone/>
+            </a:pPr>
+            <a:endParaRPr lang="sv-SE" baseline="0" dirty="0" smtClean="0"/>
+          </a:p>
+          <a:p>
+            <a:pPr marL="0" indent="0">
+              <a:buFontTx/>
+              <a:buNone/>
+            </a:pPr>
+            <a:r>
+              <a:rPr lang="sv-SE" baseline="0" dirty="0" smtClean="0"/>
+              <a:t>Schemaläggningen kan utökas genom att inkludera </a:t>
+            </a:r>
+            <a:r>
+              <a:rPr lang="sv-SE" baseline="0" dirty="0" err="1" smtClean="0"/>
+              <a:t>load-balancing</a:t>
+            </a:r>
+            <a:r>
+              <a:rPr lang="sv-SE" baseline="0" dirty="0" smtClean="0"/>
+              <a:t> och ta hänsyn till noders last och kapacitet.</a:t>
+            </a:r>
           </a:p>
         </p:txBody>
       </p:sp>
@@ -17430,7 +17583,7 @@
           <a:p>
             <a:fld id="{100650DF-8CBF-0341-B1F9-47D0C0CD302F}" type="slidenum">
               <a:rPr lang="en-US" smtClean="0"/>
-              <a:t>50</a:t>
+              <a:t>49</a:t>
             </a:fld>
             <a:endParaRPr lang="en-US"/>
           </a:p>
@@ -17439,7 +17592,7 @@
     </p:spTree>
     <p:extLst>
       <p:ext uri="{BB962C8B-B14F-4D97-AF65-F5344CB8AC3E}">
-        <p14:creationId xmlns:p14="http://schemas.microsoft.com/office/powerpoint/2010/main" val="600721925"/>
+        <p14:creationId xmlns:p14="http://schemas.microsoft.com/office/powerpoint/2010/main" val="4269926335"/>
       </p:ext>
     </p:extLst>
   </p:cSld>
@@ -17514,7 +17667,7 @@
           <a:p>
             <a:fld id="{100650DF-8CBF-0341-B1F9-47D0C0CD302F}" type="slidenum">
               <a:rPr lang="en-US" smtClean="0"/>
-              <a:t>51</a:t>
+              <a:t>50</a:t>
             </a:fld>
             <a:endParaRPr lang="en-US"/>
           </a:p>
@@ -17523,7 +17676,7 @@
     </p:spTree>
     <p:extLst>
       <p:ext uri="{BB962C8B-B14F-4D97-AF65-F5344CB8AC3E}">
-        <p14:creationId xmlns:p14="http://schemas.microsoft.com/office/powerpoint/2010/main" val="101356061"/>
+        <p14:creationId xmlns:p14="http://schemas.microsoft.com/office/powerpoint/2010/main" val="600721925"/>
       </p:ext>
     </p:extLst>
   </p:cSld>
@@ -18171,6 +18324,90 @@
     <p:extLst>
       <p:ext uri="{BB962C8B-B14F-4D97-AF65-F5344CB8AC3E}">
         <p14:creationId xmlns:p14="http://schemas.microsoft.com/office/powerpoint/2010/main" val="2279988190"/>
+      </p:ext>
+    </p:extLst>
+  </p:cSld>
+  <p:clrMapOvr>
+    <a:masterClrMapping/>
+  </p:clrMapOvr>
+</p:notes>
+</file>
+
+<file path=ppt/notesSlides/notesSlide50.xml><?xml version="1.0" encoding="utf-8"?>
+<p:notes xmlns:a="http://schemas.openxmlformats.org/drawingml/2006/main" xmlns:r="http://schemas.openxmlformats.org/officeDocument/2006/relationships" xmlns:p="http://schemas.openxmlformats.org/presentationml/2006/main">
+  <p:cSld>
+    <p:spTree>
+      <p:nvGrpSpPr>
+        <p:cNvPr id="1" name=""/>
+        <p:cNvGrpSpPr/>
+        <p:nvPr/>
+      </p:nvGrpSpPr>
+      <p:grpSpPr>
+        <a:xfrm>
+          <a:off x="0" y="0"/>
+          <a:ext cx="0" cy="0"/>
+          <a:chOff x="0" y="0"/>
+          <a:chExt cx="0" cy="0"/>
+        </a:xfrm>
+      </p:grpSpPr>
+      <p:sp>
+        <p:nvSpPr>
+          <p:cNvPr id="2" name="Platshållare för bildobjekt 1"/>
+          <p:cNvSpPr>
+            <a:spLocks noGrp="1" noRot="1" noChangeAspect="1"/>
+          </p:cNvSpPr>
+          <p:nvPr>
+            <p:ph type="sldImg"/>
+          </p:nvPr>
+        </p:nvSpPr>
+        <p:spPr/>
+      </p:sp>
+      <p:sp>
+        <p:nvSpPr>
+          <p:cNvPr id="3" name="Platshållare för anteckningar 2"/>
+          <p:cNvSpPr>
+            <a:spLocks noGrp="1"/>
+          </p:cNvSpPr>
+          <p:nvPr>
+            <p:ph type="body" idx="1"/>
+          </p:nvPr>
+        </p:nvSpPr>
+        <p:spPr/>
+        <p:txBody>
+          <a:bodyPr/>
+          <a:lstStyle/>
+          <a:p>
+            <a:endParaRPr lang="sv-SE" baseline="0" dirty="0" smtClean="0"/>
+          </a:p>
+        </p:txBody>
+      </p:sp>
+      <p:sp>
+        <p:nvSpPr>
+          <p:cNvPr id="4" name="Platshållare för bildnummer 3"/>
+          <p:cNvSpPr>
+            <a:spLocks noGrp="1"/>
+          </p:cNvSpPr>
+          <p:nvPr>
+            <p:ph type="sldNum" sz="quarter" idx="10"/>
+          </p:nvPr>
+        </p:nvSpPr>
+        <p:spPr/>
+        <p:txBody>
+          <a:bodyPr/>
+          <a:lstStyle/>
+          <a:p>
+            <a:fld id="{100650DF-8CBF-0341-B1F9-47D0C0CD302F}" type="slidenum">
+              <a:rPr lang="en-US" smtClean="0"/>
+              <a:t>51</a:t>
+            </a:fld>
+            <a:endParaRPr lang="en-US"/>
+          </a:p>
+        </p:txBody>
+      </p:sp>
+    </p:spTree>
+    <p:extLst>
+      <p:ext uri="{BB962C8B-B14F-4D97-AF65-F5344CB8AC3E}">
+        <p14:creationId xmlns:p14="http://schemas.microsoft.com/office/powerpoint/2010/main" val="101356061"/>
       </p:ext>
     </p:extLst>
   </p:cSld>
@@ -20355,11 +20592,7 @@
             </a:r>
             <a:r>
               <a:rPr lang="en-US" baseline="0" dirty="0" smtClean="0"/>
-              <a:t> </a:t>
-            </a:r>
-            <a:r>
-              <a:rPr lang="en-US" baseline="0" dirty="0" smtClean="0"/>
-              <a:t>stream processing </a:t>
+              <a:t> stream processing </a:t>
             </a:r>
             <a:r>
               <a:rPr lang="en-US" baseline="0" dirty="0" err="1" smtClean="0"/>
@@ -20399,11 +20632,7 @@
             </a:r>
             <a:r>
               <a:rPr lang="en-US" baseline="0" dirty="0" smtClean="0"/>
-              <a:t> </a:t>
-            </a:r>
-            <a:r>
-              <a:rPr lang="en-US" baseline="0" dirty="0" smtClean="0"/>
-              <a:t>deadlines </a:t>
+              <a:t> deadlines </a:t>
             </a:r>
             <a:r>
               <a:rPr lang="en-US" baseline="0" dirty="0" err="1" smtClean="0"/>
@@ -20556,11 +20785,7 @@
             </a:r>
             <a:r>
               <a:rPr lang="en-US" baseline="0" dirty="0" smtClean="0"/>
-              <a:t> </a:t>
-            </a:r>
-            <a:r>
-              <a:rPr lang="en-US" baseline="0" dirty="0" smtClean="0"/>
-              <a:t>data, </a:t>
+              <a:t> data, </a:t>
             </a:r>
             <a:r>
               <a:rPr lang="en-US" baseline="0" dirty="0" err="1" smtClean="0"/>
@@ -20584,11 +20809,7 @@
             </a:r>
             <a:r>
               <a:rPr lang="en-US" baseline="0" dirty="0" smtClean="0"/>
-              <a:t> </a:t>
-            </a:r>
-            <a:r>
-              <a:rPr lang="en-US" baseline="0" dirty="0" smtClean="0"/>
-              <a:t>n </a:t>
+              <a:t> n </a:t>
             </a:r>
             <a:r>
               <a:rPr lang="en-US" baseline="0" dirty="0" err="1" smtClean="0"/>
@@ -24676,13 +24897,8 @@
             </a:r>
             <a:r>
               <a:rPr lang="en-US" dirty="0" smtClean="0"/>
-              <a:t>not all replicas </a:t>
-            </a:r>
-            <a:r>
-              <a:rPr lang="en-US" dirty="0" smtClean="0"/>
-              <a:t>failing</a:t>
-            </a:r>
-            <a:endParaRPr lang="en-US" dirty="0" smtClean="0"/>
+              <a:t>not all replicas failing</a:t>
+            </a:r>
           </a:p>
           <a:p>
             <a:pPr marL="0" lvl="0" indent="0">
@@ -24690,11 +24906,7 @@
             </a:pPr>
             <a:r>
               <a:rPr lang="en-US" dirty="0" smtClean="0"/>
-              <a:t>If </a:t>
-            </a:r>
-            <a:r>
-              <a:rPr lang="en-US" dirty="0" smtClean="0"/>
-              <a:t>we assume failures are detectable, and new replicas created when old ones fail, the </a:t>
+              <a:t>If we assume failures are detectable, and new replicas created when old ones fail, the </a:t>
             </a:r>
             <a:r>
               <a:rPr lang="en-US" dirty="0"/>
@@ -24877,11 +25089,7 @@
             </a:pPr>
             <a:r>
               <a:rPr lang="en-US" dirty="0" smtClean="0"/>
-              <a:t>If </a:t>
-            </a:r>
-            <a:r>
-              <a:rPr lang="en-US" dirty="0" smtClean="0"/>
-              <a:t>one knows a component’s </a:t>
+              <a:t>If one knows a component’s </a:t>
             </a:r>
             <a:r>
               <a:rPr lang="en-US" i="1" dirty="0" smtClean="0"/>
@@ -25555,8 +25763,8 @@
           </a:p>
         </p:txBody>
       </p:sp>
-      <mc:AlternateContent xmlns:mc="http://schemas.openxmlformats.org/markup-compatibility/2006">
-        <mc:Choice xmlns:a14="http://schemas.microsoft.com/office/drawing/2010/main" Requires="a14">
+      <mc:AlternateContent xmlns:mc="http://schemas.openxmlformats.org/markup-compatibility/2006" xmlns:a14="http://schemas.microsoft.com/office/drawing/2010/main">
+        <mc:Choice Requires="a14">
           <p:sp>
             <p:nvSpPr>
               <p:cNvPr id="3" name="Content Placeholder 2"/>
@@ -25722,11 +25930,7 @@
                 </a:pPr>
                 <a:r>
                   <a:rPr lang="en-US" dirty="0" smtClean="0"/>
-                  <a:t>Before </a:t>
-                </a:r>
-                <a:r>
-                  <a:rPr lang="en-US" dirty="0" smtClean="0"/>
-                  <a:t>the first two failures has occurred a default value is used</a:t>
+                  <a:t>Before the first two failures has occurred a default value is used</a:t>
                 </a:r>
                 <a:endParaRPr lang="en-US" dirty="0"/>
               </a:p>
@@ -25751,7 +25955,7 @@
             </p:txBody>
           </p:sp>
         </mc:Choice>
-        <mc:Fallback>
+        <mc:Fallback xmlns="">
           <p:sp>
             <p:nvSpPr>
               <p:cNvPr id="3" name="Content Placeholder 2"/>
@@ -26161,8 +26365,8 @@
           </a:p>
         </p:txBody>
       </p:sp>
-      <mc:AlternateContent xmlns:mc="http://schemas.openxmlformats.org/markup-compatibility/2006">
-        <mc:Choice xmlns:a14="http://schemas.microsoft.com/office/drawing/2010/main" Requires="a14">
+      <mc:AlternateContent xmlns:mc="http://schemas.openxmlformats.org/markup-compatibility/2006" xmlns:a14="http://schemas.microsoft.com/office/drawing/2010/main">
+        <mc:Choice Requires="a14">
           <p:sp>
             <p:nvSpPr>
               <p:cNvPr id="4" name="Rectangle 3"/>
@@ -26588,7 +26792,7 @@
             </p:txBody>
           </p:sp>
         </mc:Choice>
-        <mc:Fallback>
+        <mc:Fallback xmlns="">
           <p:sp>
             <p:nvSpPr>
               <p:cNvPr id="4" name="Rectangle 3"/>
@@ -28007,23 +28211,7 @@
             </a:pPr>
             <a:r>
               <a:rPr lang="en-US" dirty="0" smtClean="0"/>
-              <a:t>While the algorithm makes sure the desired reliability is met, it does not ensure it is met after some time has passed. Therefore, it is run </a:t>
-            </a:r>
-            <a:r>
-              <a:rPr lang="en-US" dirty="0" smtClean="0"/>
-              <a:t>every </a:t>
-            </a:r>
-            <a:r>
-              <a:rPr lang="en-US" dirty="0" smtClean="0"/>
-              <a:t>time</a:t>
-            </a:r>
-            <a:r>
-              <a:rPr lang="en-US" dirty="0" smtClean="0"/>
-              <a:t> </a:t>
-            </a:r>
-            <a:r>
-              <a:rPr lang="en-US" dirty="0" smtClean="0"/>
-              <a:t>a failure is detected.</a:t>
+              <a:t>While the algorithm makes sure the desired reliability is met, it does not ensure it is met after some time has passed. Therefore, it is run every time a failure is detected.</a:t>
             </a:r>
           </a:p>
           <a:p>
@@ -28064,13 +28252,8 @@
             </a:pPr>
             <a:r>
               <a:rPr lang="en-US" dirty="0" smtClean="0"/>
-              <a:t>Furthermore, after some time, there may be more reliable nodes available, and by moving to them, less replicas may be needed. A optimization algorithm is therefore periodically run as well </a:t>
-            </a:r>
-            <a:r>
-              <a:rPr lang="en-US" dirty="0" smtClean="0"/>
-              <a:t>which:</a:t>
-            </a:r>
-            <a:endParaRPr lang="en-US" dirty="0" smtClean="0"/>
+              <a:t>Furthermore, after some time, there may be more reliable nodes available, and by moving to them, less replicas may be needed. A optimization algorithm is therefore periodically run as well which:</a:t>
+            </a:r>
           </a:p>
           <a:p>
             <a:pPr marL="457200" marR="0" lvl="0" indent="-457200" defTabSz="914400" eaLnBrk="1" fontAlgn="auto" latinLnBrk="0" hangingPunct="1">
@@ -28210,11 +28393,7 @@
           <a:p>
             <a:r>
               <a:rPr lang="en-US" dirty="0" smtClean="0"/>
-              <a:t>Moving to more </a:t>
-            </a:r>
-            <a:r>
-              <a:rPr lang="en-US" dirty="0" smtClean="0"/>
-              <a:t>reliable _ TODO pic</a:t>
+              <a:t>Moving to more reliable _ TODO pic</a:t>
             </a:r>
             <a:endParaRPr lang="en-US" dirty="0"/>
           </a:p>
@@ -28563,11 +28742,7 @@
           <a:p>
             <a:r>
               <a:rPr lang="en-US" dirty="0" smtClean="0"/>
-              <a:t>Optimization </a:t>
-            </a:r>
-            <a:r>
-              <a:rPr lang="en-US" dirty="0" smtClean="0"/>
-              <a:t>example _TODO pic</a:t>
+              <a:t>Optimization example _TODO pic</a:t>
             </a:r>
             <a:endParaRPr lang="en-US" dirty="0"/>
           </a:p>
@@ -30383,7 +30558,7 @@
             <p:spPr/>
             <p:txBody>
               <a:bodyPr>
-                <a:normAutofit fontScale="92500"/>
+                <a:normAutofit/>
               </a:bodyPr>
               <a:lstStyle/>
               <a:p>
@@ -30403,11 +30578,11 @@
                 </a:pPr>
                 <a:r>
                   <a:rPr lang="en-US" dirty="0" smtClean="0"/>
-                  <a:t>Heartbeats </a:t>
+                  <a:t>Heartbeats are periodically sent between </a:t>
                 </a:r>
                 <a:r>
                   <a:rPr lang="en-US" dirty="0" smtClean="0"/>
-                  <a:t>are periodically sent between runtimes every </a:t>
+                  <a:t>nodes every </a:t>
                 </a:r>
                 <a14:m>
                   <m:oMath xmlns:m="http://schemas.openxmlformats.org/officeDocument/2006/math">
@@ -30473,11 +30648,7 @@
                 </a14:m>
                 <a:r>
                   <a:rPr lang="en-US" dirty="0" smtClean="0"/>
-                  <a:t> seconds, it is assumed dead</a:t>
-                </a:r>
-                <a:r>
-                  <a:rPr lang="en-US" dirty="0" smtClean="0"/>
-                  <a:t>.</a:t>
+                  <a:t> seconds, it is assumed dead.</a:t>
                 </a:r>
               </a:p>
               <a:p>
@@ -30557,7 +30728,7 @@
               <a:blipFill rotWithShape="0">
                 <a:blip r:embed="rId3"/>
                 <a:stretch>
-                  <a:fillRect l="-1455" t="-758"/>
+                  <a:fillRect l="-1515" t="-909" r="-970"/>
                 </a:stretch>
               </a:blipFill>
             </p:spPr>
@@ -31312,7 +31483,11 @@
           <a:p>
             <a:r>
               <a:rPr lang="en-US" dirty="0" smtClean="0"/>
-              <a:t>Handling node failure example</a:t>
+              <a:t>Handling node failure </a:t>
+            </a:r>
+            <a:r>
+              <a:rPr lang="en-US" dirty="0" smtClean="0"/>
+              <a:t>example _TODO pic</a:t>
             </a:r>
             <a:endParaRPr lang="en-US" dirty="0"/>
           </a:p>
@@ -31401,7 +31576,11 @@
           <a:p>
             <a:r>
               <a:rPr lang="en-US" dirty="0" smtClean="0"/>
-              <a:t>Handling node failure cont’d</a:t>
+              <a:t>Handling node failure </a:t>
+            </a:r>
+            <a:r>
+              <a:rPr lang="en-US" dirty="0"/>
+              <a:t>cont’d _TODO pic</a:t>
             </a:r>
             <a:endParaRPr lang="en-US" dirty="0"/>
           </a:p>
@@ -31490,7 +31669,11 @@
           <a:p>
             <a:r>
               <a:rPr lang="en-US" dirty="0" smtClean="0"/>
-              <a:t>Handling node failure cont’d</a:t>
+              <a:t>Handling node failure </a:t>
+            </a:r>
+            <a:r>
+              <a:rPr lang="en-US" dirty="0"/>
+              <a:t>cont’d _TODO pic</a:t>
             </a:r>
             <a:endParaRPr lang="en-US" dirty="0"/>
           </a:p>
@@ -31579,11 +31762,7 @@
           <a:p>
             <a:r>
               <a:rPr lang="en-US" dirty="0" smtClean="0"/>
-              <a:t>Handling node failure </a:t>
-            </a:r>
-            <a:r>
-              <a:rPr lang="en-US" dirty="0" smtClean="0"/>
-              <a:t>cont’d _TODO, pic</a:t>
+              <a:t>Handling node failure cont’d _TODO, pic</a:t>
             </a:r>
             <a:endParaRPr lang="en-US" dirty="0"/>
           </a:p>
@@ -31672,7 +31851,11 @@
           <a:p>
             <a:r>
               <a:rPr lang="en-US" dirty="0" smtClean="0"/>
-              <a:t>Handling node failure cont’d</a:t>
+              <a:t>Handling node failure </a:t>
+            </a:r>
+            <a:r>
+              <a:rPr lang="en-US" dirty="0"/>
+              <a:t>cont’d _TODO pic</a:t>
             </a:r>
             <a:endParaRPr lang="en-US" dirty="0"/>
           </a:p>
@@ -31771,8 +31954,8 @@
           </a:p>
         </p:txBody>
       </p:sp>
-      <mc:AlternateContent xmlns:mc="http://schemas.openxmlformats.org/markup-compatibility/2006">
-        <mc:Choice xmlns:a14="http://schemas.microsoft.com/office/drawing/2010/main" Requires="a14">
+      <mc:AlternateContent xmlns:mc="http://schemas.openxmlformats.org/markup-compatibility/2006" xmlns:a14="http://schemas.microsoft.com/office/drawing/2010/main">
+        <mc:Choice Requires="a14">
           <p:sp>
             <p:nvSpPr>
               <p:cNvPr id="3" name="Content Placeholder 2"/>
@@ -31797,7 +31980,6 @@
                   <a:rPr lang="sv-SE" dirty="0" smtClean="0"/>
                   <a:t>Recall</a:t>
                 </a:r>
-                <a:endParaRPr lang="sv-SE" dirty="0" smtClean="0"/>
               </a:p>
               <a:p>
                 <a:pPr>
@@ -31848,11 +32030,7 @@
                 </a:r>
                 <a:r>
                   <a:rPr lang="en-US" dirty="0" smtClean="0"/>
-                  <a:t> is the time to detect a failure, statically set </a:t>
-                </a:r>
-                <a:r>
-                  <a:rPr lang="en-US" dirty="0" smtClean="0"/>
-                  <a:t>to </a:t>
+                  <a:t> is the time to detect a failure, statically set to </a:t>
                 </a:r>
                 <a14:m>
                   <m:oMath xmlns:m="http://schemas.openxmlformats.org/officeDocument/2006/math">
@@ -31885,11 +32063,7 @@
                 </a14:m>
                 <a:r>
                   <a:rPr lang="en-US" dirty="0" smtClean="0"/>
-                  <a:t>, </a:t>
-                </a:r>
-                <a:r>
-                  <a:rPr lang="en-US" dirty="0" smtClean="0"/>
-                  <a:t>while </a:t>
+                  <a:t>, while </a:t>
                 </a:r>
                 <a:r>
                   <a:rPr lang="en-US" i="1" dirty="0" smtClean="0"/>
@@ -31901,11 +32075,7 @@
                 </a:r>
                 <a:r>
                   <a:rPr lang="en-US" dirty="0" smtClean="0"/>
-                  <a:t> </a:t>
-                </a:r>
-                <a:r>
-                  <a:rPr lang="en-US" dirty="0" smtClean="0"/>
-                  <a:t>varies.</a:t>
+                  <a:t> varies.</a:t>
                 </a:r>
               </a:p>
               <a:p>
@@ -31922,17 +32092,8 @@
                 </a:r>
                 <a:r>
                   <a:rPr lang="en-US" dirty="0" smtClean="0"/>
-                  <a:t> </a:t>
+                  <a:t> varies depending on:</a:t>
                 </a:r>
-                <a:r>
-                  <a:rPr lang="en-US" dirty="0" smtClean="0"/>
-                  <a:t>varies depending </a:t>
-                </a:r>
-                <a:r>
-                  <a:rPr lang="en-US" dirty="0" smtClean="0"/>
-                  <a:t>on:</a:t>
-                </a:r>
-                <a:endParaRPr lang="en-US" dirty="0" smtClean="0"/>
               </a:p>
               <a:p>
                 <a:pPr lvl="1">
@@ -31955,23 +32116,7 @@
                 </a:pPr>
                 <a:r>
                   <a:rPr lang="en-US" dirty="0" smtClean="0"/>
-                  <a:t>Whether or not the selected node to handle the failure succeeds or </a:t>
-                </a:r>
-                <a:r>
-                  <a:rPr lang="en-US" dirty="0" smtClean="0"/>
-                  <a:t>die </a:t>
-                </a:r>
-                <a:r>
-                  <a:rPr lang="en-US" dirty="0" smtClean="0"/>
-                  <a:t>itself, in </a:t>
-                </a:r>
-                <a:r>
-                  <a:rPr lang="en-US" dirty="0" smtClean="0"/>
-                  <a:t>case </a:t>
-                </a:r>
-                <a:r>
-                  <a:rPr lang="en-US" dirty="0" smtClean="0"/>
-                  <a:t>a new node is selected</a:t>
+                  <a:t>Whether or not the selected node to handle the failure succeeds or die itself, in case a new node is selected</a:t>
                 </a:r>
               </a:p>
               <a:p>
@@ -31981,21 +32126,13 @@
                 </a:pPr>
                 <a:r>
                   <a:rPr lang="en-US" dirty="0" smtClean="0"/>
-                  <a:t>Whether or not the node asked to replicate its </a:t>
-                </a:r>
-                <a:r>
-                  <a:rPr lang="en-US" dirty="0" smtClean="0"/>
-                  <a:t>replica </a:t>
-                </a:r>
-                <a:r>
-                  <a:rPr lang="en-US" dirty="0" smtClean="0"/>
-                  <a:t>succeeds or die, in case a new node is asked</a:t>
+                  <a:t>Whether or not the node asked to replicate its replica succeeds or die, in case a new node is asked</a:t>
                 </a:r>
               </a:p>
             </p:txBody>
           </p:sp>
         </mc:Choice>
-        <mc:Fallback>
+        <mc:Fallback xmlns="">
           <p:sp>
             <p:nvSpPr>
               <p:cNvPr id="3" name="Content Placeholder 2"/>
@@ -32453,17 +32590,8 @@
             </a:pPr>
             <a:r>
               <a:rPr lang="en-US" dirty="0" smtClean="0"/>
-              <a:t>log-logistic </a:t>
-            </a:r>
-            <a:r>
-              <a:rPr lang="en-US" dirty="0" smtClean="0"/>
-              <a:t>was found to be the best </a:t>
-            </a:r>
-            <a:r>
-              <a:rPr lang="en-US" dirty="0" smtClean="0"/>
-              <a:t>fit</a:t>
-            </a:r>
-            <a:endParaRPr lang="en-US" dirty="0" smtClean="0"/>
+              <a:t>log-logistic was found to be the best fit</a:t>
+            </a:r>
           </a:p>
           <a:p>
             <a:pPr>
@@ -32607,11 +32735,7 @@
             </a:r>
             <a:r>
               <a:rPr lang="en-US" dirty="0" smtClean="0"/>
-              <a:t> to use in the reliability model, all previously registered values are used to find the shape parameters for the log-logistic </a:t>
-            </a:r>
-            <a:r>
-              <a:rPr lang="en-US" dirty="0" smtClean="0"/>
-              <a:t>distribution</a:t>
+              <a:t> to use in the reliability model, all previously registered values are used to find the shape parameters for the log-logistic distribution</a:t>
             </a:r>
           </a:p>
           <a:p>
@@ -32621,17 +32745,8 @@
             </a:pPr>
             <a:r>
               <a:rPr lang="en-US" dirty="0" smtClean="0"/>
-              <a:t>The 95th </a:t>
-            </a:r>
-            <a:r>
-              <a:rPr lang="en-US" dirty="0" smtClean="0"/>
-              <a:t>percentile value is </a:t>
-            </a:r>
-            <a:r>
-              <a:rPr lang="en-US" dirty="0" smtClean="0"/>
-              <a:t>used</a:t>
-            </a:r>
-            <a:endParaRPr lang="en-US" dirty="0" smtClean="0"/>
+              <a:t>The 95th percentile value is used</a:t>
+            </a:r>
           </a:p>
           <a:p>
             <a:pPr>
@@ -33003,7 +33118,6 @@
               <a:rPr lang="en-US" dirty="0" smtClean="0"/>
               <a:t>choosing the most reliable nodes, and </a:t>
             </a:r>
-            <a:endParaRPr lang="en-US" dirty="0" smtClean="0"/>
           </a:p>
           <a:p>
             <a:pPr marL="578358" lvl="1" indent="-285750">
@@ -33012,13 +33126,8 @@
             </a:pPr>
             <a:r>
               <a:rPr lang="en-US" dirty="0" smtClean="0"/>
-              <a:t>moving </a:t>
-            </a:r>
-            <a:r>
-              <a:rPr lang="en-US" dirty="0" smtClean="0"/>
-              <a:t>replicas to more reliable nodes as they become available, and </a:t>
-            </a:r>
-            <a:endParaRPr lang="en-US" dirty="0" smtClean="0"/>
+              <a:t>moving replicas to more reliable nodes as they become available, and </a:t>
+            </a:r>
           </a:p>
           <a:p>
             <a:pPr marL="578358" lvl="1" indent="-285750">
@@ -33027,11 +33136,7 @@
             </a:pPr>
             <a:r>
               <a:rPr lang="en-US" dirty="0" smtClean="0"/>
-              <a:t>deleting </a:t>
-            </a:r>
-            <a:r>
-              <a:rPr lang="en-US" dirty="0" smtClean="0"/>
-              <a:t>unnecessary replicas</a:t>
+              <a:t>deleting unnecessary replicas</a:t>
             </a:r>
           </a:p>
           <a:p>
@@ -33100,11 +33205,7 @@
           <a:p>
             <a:r>
               <a:rPr lang="en-US" dirty="0" smtClean="0"/>
-              <a:t>Simulating node </a:t>
-            </a:r>
-            <a:r>
-              <a:rPr lang="en-US" dirty="0" smtClean="0"/>
-              <a:t>failure _TODO pic</a:t>
+              <a:t>Simulating node failure _TODO pic</a:t>
             </a:r>
             <a:endParaRPr lang="en-US" dirty="0"/>
           </a:p>
@@ -33219,7 +33320,11 @@
           <a:p>
             <a:r>
               <a:rPr lang="en-US" dirty="0" smtClean="0"/>
-              <a:t>Test self-adapting behavior</a:t>
+              <a:t>Test self-adapting </a:t>
+            </a:r>
+            <a:r>
+              <a:rPr lang="en-US" dirty="0" smtClean="0"/>
+              <a:t>behavior _TODO pic</a:t>
             </a:r>
             <a:endParaRPr lang="en-US" dirty="0"/>
           </a:p>
@@ -33257,7 +33362,6 @@
               <a:rPr lang="en-US" dirty="0" smtClean="0"/>
               <a:t>10 nodes</a:t>
             </a:r>
-            <a:endParaRPr lang="en-US" dirty="0" smtClean="0"/>
           </a:p>
           <a:p>
             <a:pPr lvl="1">
@@ -33306,11 +33410,7 @@
             </a:pPr>
             <a:r>
               <a:rPr lang="en-US" dirty="0" smtClean="0"/>
-              <a:t>Killing </a:t>
-            </a:r>
-            <a:r>
-              <a:rPr lang="en-US" dirty="0" smtClean="0"/>
-              <a:t>nodes:</a:t>
+              <a:t>Killing nodes:</a:t>
             </a:r>
             <a:endParaRPr lang="en-US" dirty="0"/>
           </a:p>
@@ -33426,11 +33526,7 @@
             </a:pPr>
             <a:r>
               <a:rPr lang="en-US" dirty="0" smtClean="0"/>
-              <a:t>Recall </a:t>
-            </a:r>
-            <a:r>
-              <a:rPr lang="en-US" dirty="0" smtClean="0"/>
-              <a:t>MTBF is based on latest 3 failure times</a:t>
+              <a:t>Recall MTBF is based on latest 3 failure times</a:t>
             </a:r>
             <a:endParaRPr lang="en-US" dirty="0"/>
           </a:p>
@@ -33445,7 +33541,7 @@
           <p:nvPr/>
         </p:nvPicPr>
         <p:blipFill>
-          <a:blip r:embed="rId2">
+          <a:blip r:embed="rId3">
             <a:extLst>
               <a:ext uri="{28A0092B-C50C-407E-A947-70E740481C1C}">
                 <a14:useLocalDpi xmlns:a14="http://schemas.microsoft.com/office/drawing/2010/main" val="0"/>
@@ -33883,8 +33979,8 @@
           </a:p>
         </p:txBody>
       </p:sp>
-      <mc:AlternateContent xmlns:mc="http://schemas.openxmlformats.org/markup-compatibility/2006">
-        <mc:Choice xmlns:a14="http://schemas.microsoft.com/office/drawing/2010/main" Requires="a14">
+      <mc:AlternateContent xmlns:mc="http://schemas.openxmlformats.org/markup-compatibility/2006" xmlns:a14="http://schemas.microsoft.com/office/drawing/2010/main">
+        <mc:Choice Requires="a14">
           <p:sp>
             <p:nvSpPr>
               <p:cNvPr id="3" name="Content Placeholder 2"/>
@@ -33915,11 +34011,7 @@
                 </a:pPr>
                 <a:r>
                   <a:rPr lang="en-US" dirty="0" smtClean="0"/>
-                  <a:t>Assume</a:t>
-                </a:r>
-                <a:r>
-                  <a:rPr lang="en-US" dirty="0" smtClean="0"/>
-                  <a:t>:</a:t>
+                  <a:t>Assume:</a:t>
                 </a:r>
               </a:p>
               <a:p>
@@ -33993,7 +34085,6 @@
                   <a:rPr lang="is-IS" dirty="0" smtClean="0"/>
                   <a:t>(1 year)</a:t>
                 </a:r>
-                <a:endParaRPr lang="is-IS" dirty="0" smtClean="0"/>
               </a:p>
               <a:p>
                 <a:pPr lvl="1">
@@ -34232,7 +34323,7 @@
             </p:txBody>
           </p:sp>
         </mc:Choice>
-        <mc:Fallback>
+        <mc:Fallback xmlns="">
           <p:sp>
             <p:nvSpPr>
               <p:cNvPr id="3" name="Content Placeholder 2"/>
@@ -34710,11 +34801,7 @@
             </a:pPr>
             <a:r>
               <a:rPr lang="en-US" dirty="0" smtClean="0"/>
-              <a:t>Investigate </a:t>
-            </a:r>
-            <a:r>
-              <a:rPr lang="en-US" dirty="0" smtClean="0"/>
-              <a:t>the scalability of our model</a:t>
+              <a:t>Investigate the scalability of our model</a:t>
             </a:r>
           </a:p>
           <a:p>
@@ -34753,35 +34840,7 @@
             </a:pPr>
             <a:r>
               <a:rPr lang="en-US" dirty="0" smtClean="0"/>
-              <a:t>Taking </a:t>
-            </a:r>
-            <a:r>
-              <a:rPr lang="en-US" dirty="0" smtClean="0"/>
-              <a:t>current nodes into </a:t>
-            </a:r>
-            <a:r>
-              <a:rPr lang="en-US" dirty="0" smtClean="0"/>
-              <a:t>account, e.g</a:t>
-            </a:r>
-            <a:r>
-              <a:rPr lang="en-US" dirty="0" smtClean="0"/>
-              <a:t>. </a:t>
-            </a:r>
-            <a:r>
-              <a:rPr lang="en-US" dirty="0" smtClean="0"/>
-              <a:t>nodes </a:t>
-            </a:r>
-            <a:r>
-              <a:rPr lang="en-US" dirty="0" smtClean="0"/>
-              <a:t>in same rack has less reliability than </a:t>
-            </a:r>
-            <a:r>
-              <a:rPr lang="en-US" dirty="0" smtClean="0"/>
-              <a:t>two nodes </a:t>
-            </a:r>
-            <a:r>
-              <a:rPr lang="en-US" dirty="0" smtClean="0"/>
-              <a:t>in different racks</a:t>
+              <a:t>Taking current nodes into account, e.g. nodes in same rack has less reliability than two nodes in different racks</a:t>
             </a:r>
           </a:p>
           <a:p>
@@ -34791,11 +34850,7 @@
             </a:pPr>
             <a:r>
               <a:rPr lang="en-US" dirty="0" smtClean="0"/>
-              <a:t>Applying machine </a:t>
-            </a:r>
-            <a:r>
-              <a:rPr lang="en-US" dirty="0" smtClean="0"/>
-              <a:t>learning</a:t>
+              <a:t>Applying machine learning</a:t>
             </a:r>
           </a:p>
           <a:p>
@@ -34814,17 +34869,8 @@
             </a:pPr>
             <a:r>
               <a:rPr lang="en-US" dirty="0" smtClean="0"/>
-              <a:t>Detect </a:t>
-            </a:r>
-            <a:r>
-              <a:rPr lang="en-US" dirty="0" smtClean="0"/>
-              <a:t>nodes producing </a:t>
-            </a:r>
-            <a:r>
-              <a:rPr lang="en-US" dirty="0" smtClean="0"/>
-              <a:t>incorrect output</a:t>
-            </a:r>
-            <a:endParaRPr lang="en-US" dirty="0" smtClean="0"/>
+              <a:t>Detect nodes producing incorrect output</a:t>
+            </a:r>
           </a:p>
           <a:p>
             <a:pPr marL="0" indent="0">
@@ -34832,11 +34878,7 @@
             </a:pPr>
             <a:r>
               <a:rPr lang="en-US" dirty="0" smtClean="0"/>
-              <a:t>Task scheduling </a:t>
-            </a:r>
-            <a:r>
-              <a:rPr lang="en-US" dirty="0" smtClean="0"/>
-              <a:t>to include load-balancing</a:t>
+              <a:t>Task scheduling to include load-balancing</a:t>
             </a:r>
           </a:p>
           <a:p>
@@ -34931,11 +34973,7 @@
             </a:pPr>
             <a:r>
               <a:rPr lang="en-US" dirty="0" smtClean="0"/>
-              <a:t>We </a:t>
-            </a:r>
-            <a:r>
-              <a:rPr lang="en-US" dirty="0" smtClean="0"/>
-              <a:t>have done following assumptions in our model</a:t>
+              <a:t>We have done following assumptions in our model</a:t>
             </a:r>
           </a:p>
           <a:p>
@@ -35069,7 +35107,7 @@
             <p:ph idx="1"/>
             <p:extLst>
               <p:ext uri="{D42A27DB-BD31-4B8C-83A1-F6EECF244321}">
-                <p14:modId xmlns:p14="http://schemas.microsoft.com/office/powerpoint/2010/main" val="170634112"/>
+                <p14:modId xmlns:p14="http://schemas.microsoft.com/office/powerpoint/2010/main" val="2595952075"/>
               </p:ext>
             </p:extLst>
           </p:nvPr>
@@ -35096,7 +35134,15 @@
                     <a:p>
                       <a:r>
                         <a:rPr lang="en-US" dirty="0" smtClean="0"/>
-                        <a:t>Node (port)</a:t>
+                        <a:t>Node (</a:t>
+                      </a:r>
+                      <a:r>
+                        <a:rPr lang="en-US" dirty="0" err="1" smtClean="0"/>
+                        <a:t>portnumber</a:t>
+                      </a:r>
+                      <a:r>
+                        <a:rPr lang="en-US" dirty="0" smtClean="0"/>
+                        <a:t>)</a:t>
                       </a:r>
                       <a:endParaRPr lang="en-US" dirty="0"/>
                     </a:p>
@@ -35660,13 +35706,16 @@
             </a:lvl9pPr>
           </a:lstStyle>
           <a:p>
-            <a:pPr>
-              <a:buFont typeface="Arial" panose="020B0604020202020204" pitchFamily="34" charset="0"/>
-              <a:buChar char="•"/>
+            <a:pPr marL="0" indent="0">
+              <a:buNone/>
             </a:pPr>
             <a:r>
               <a:rPr lang="en-US" dirty="0" smtClean="0"/>
-              <a:t> Setup:</a:t>
+              <a:t>Setup</a:t>
+            </a:r>
+            <a:r>
+              <a:rPr lang="en-US" dirty="0" smtClean="0"/>
+              <a:t>:</a:t>
             </a:r>
           </a:p>
           <a:p>
@@ -35676,14 +35725,23 @@
             </a:pPr>
             <a:r>
               <a:rPr lang="en-US" dirty="0" smtClean="0"/>
-              <a:t>10 nodes (Calvin runtimes) </a:t>
-            </a:r>
-            <a:br>
+              <a:t>10 </a:t>
+            </a:r>
+            <a:r>
               <a:rPr lang="en-US" dirty="0" smtClean="0"/>
-            </a:br>
+              <a:t>nodes</a:t>
+            </a:r>
+            <a:r>
+              <a:rPr lang="en-US" dirty="0"/>
+              <a:t> </a:t>
+            </a:r>
             <a:r>
               <a:rPr lang="en-US" dirty="0" smtClean="0"/>
-              <a:t>with varying failure rates (MTBF)</a:t>
+              <a:t>with </a:t>
+            </a:r>
+            <a:r>
+              <a:rPr lang="en-US" dirty="0" smtClean="0"/>
+              <a:t>varying failure rates (MTBF)</a:t>
             </a:r>
           </a:p>
           <a:p>
@@ -36176,15 +36234,7 @@
             </a:pPr>
             <a:r>
               <a:rPr lang="en-US" dirty="0" smtClean="0"/>
-              <a:t>We </a:t>
-            </a:r>
-            <a:r>
-              <a:rPr lang="en-US" dirty="0" smtClean="0"/>
-              <a:t>focus on stream </a:t>
-            </a:r>
-            <a:r>
-              <a:rPr lang="en-US" dirty="0" smtClean="0"/>
-              <a:t>processing applications</a:t>
+              <a:t>We focus on stream processing applications</a:t>
             </a:r>
           </a:p>
           <a:p>
@@ -36526,8 +36576,8 @@
           </a:p>
         </p:txBody>
       </p:sp>
-      <mc:AlternateContent xmlns:mc="http://schemas.openxmlformats.org/markup-compatibility/2006">
-        <mc:Choice xmlns:a14="http://schemas.microsoft.com/office/drawing/2010/main" Requires="a14">
+      <mc:AlternateContent xmlns:mc="http://schemas.openxmlformats.org/markup-compatibility/2006" xmlns:a14="http://schemas.microsoft.com/office/drawing/2010/main">
+        <mc:Choice Requires="a14">
           <p:sp>
             <p:nvSpPr>
               <p:cNvPr id="3" name="Content Placeholder 2"/>
@@ -36652,7 +36702,7 @@
             </p:txBody>
           </p:sp>
         </mc:Choice>
-        <mc:Fallback>
+        <mc:Fallback xmlns="">
           <p:sp>
             <p:nvSpPr>
               <p:cNvPr id="3" name="Content Placeholder 2"/>
@@ -36766,11 +36816,7 @@
             </a:pPr>
             <a:r>
               <a:rPr lang="en-US" dirty="0" smtClean="0"/>
-              <a:t>Previous </a:t>
-            </a:r>
-            <a:r>
-              <a:rPr lang="en-US" dirty="0" smtClean="0"/>
-              <a:t>work use various definitions of reliability, e.g. as probability of</a:t>
+              <a:t>Previous work use various definitions of reliability, e.g. as probability of</a:t>
             </a:r>
           </a:p>
           <a:p>
@@ -36806,11 +36852,7 @@
             </a:pPr>
             <a:r>
               <a:rPr lang="en-US" dirty="0" smtClean="0"/>
-              <a:t>Our </a:t>
-            </a:r>
-            <a:r>
-              <a:rPr lang="en-US" dirty="0" smtClean="0"/>
-              <a:t>definition:</a:t>
+              <a:t>Our definition:</a:t>
             </a:r>
           </a:p>
           <a:p>

--- a/presentation/presentation2.pptx
+++ b/presentation/presentation2.pptx
@@ -13970,7 +13970,6 @@
               <a:rPr lang="en-US" baseline="0" dirty="0" smtClean="0"/>
               <a:t>.</a:t>
             </a:r>
-            <a:endParaRPr lang="en-US" baseline="0" dirty="0" smtClean="0"/>
           </a:p>
           <a:p>
             <a:endParaRPr lang="en-US" baseline="0" dirty="0" smtClean="0"/>
@@ -14796,11 +14795,7 @@
             </a:r>
             <a:r>
               <a:rPr lang="sv-SE" baseline="0" dirty="0" smtClean="0"/>
-              <a:t> att visa att vår modell är själv-anpassande så gjorde vi ett experiment där vi lät </a:t>
-            </a:r>
-            <a:r>
-              <a:rPr lang="sv-SE" baseline="0" dirty="0" smtClean="0"/>
-              <a:t>tiden </a:t>
+              <a:t> att visa att vår modell är själv-anpassande så gjorde vi ett experiment där vi lät tiden </a:t>
             </a:r>
             <a:r>
               <a:rPr lang="sv-SE" baseline="0" dirty="0" err="1" smtClean="0"/>
@@ -14808,11 +14803,7 @@
             </a:r>
             <a:r>
               <a:rPr lang="sv-SE" baseline="0" dirty="0" smtClean="0"/>
-              <a:t> vara tagen </a:t>
-            </a:r>
-            <a:r>
-              <a:rPr lang="sv-SE" baseline="0" dirty="0" smtClean="0"/>
-              <a:t>från en sin-funktion. </a:t>
+              <a:t> vara tagen från en sin-funktion. </a:t>
             </a:r>
             <a:endParaRPr lang="sv-SE" dirty="0"/>
           </a:p>
@@ -15808,11 +15799,7 @@
             </a:r>
             <a:r>
               <a:rPr lang="en-US" baseline="0" smtClean="0"/>
-              <a:t> </a:t>
-            </a:r>
-            <a:r>
-              <a:rPr lang="en-US" baseline="0" smtClean="0"/>
-              <a:t>replica. </a:t>
+              <a:t> replica. </a:t>
             </a:r>
             <a:r>
               <a:rPr lang="en-US" baseline="0" dirty="0" smtClean="0"/>
@@ -26885,171 +26872,28 @@
           <a:p>
             <a:r>
               <a:rPr lang="en-US" dirty="0" smtClean="0"/>
-              <a:t>Ensuring reliability – TODO update pic?</a:t>
+              <a:t>Ensuring </a:t>
+            </a:r>
+            <a:r>
+              <a:rPr lang="en-US" dirty="0" smtClean="0"/>
+              <a:t>reliability</a:t>
             </a:r>
             <a:endParaRPr lang="en-US" dirty="0"/>
           </a:p>
         </p:txBody>
       </p:sp>
-      <mc:AlternateContent xmlns:mc="http://schemas.openxmlformats.org/markup-compatibility/2006" xmlns:a14="http://schemas.microsoft.com/office/drawing/2010/main">
-        <mc:Choice Requires="a14">
-          <p:sp>
-            <p:nvSpPr>
-              <p:cNvPr id="3" name="Content Placeholder 2"/>
-              <p:cNvSpPr>
-                <a:spLocks noGrp="1"/>
-              </p:cNvSpPr>
-              <p:nvPr>
-                <p:ph idx="1"/>
-              </p:nvPr>
-            </p:nvSpPr>
-            <p:spPr/>
-            <p:txBody>
-              <a:bodyPr/>
-              <a:lstStyle/>
-              <a:p>
-                <a:pPr marL="0" marR="0" lvl="0" indent="0" defTabSz="914400" eaLnBrk="1" fontAlgn="auto" latinLnBrk="0" hangingPunct="1">
-                  <a:lnSpc>
-                    <a:spcPct val="100000"/>
-                  </a:lnSpc>
-                  <a:spcBef>
-                    <a:spcPts val="0"/>
-                  </a:spcBef>
-                  <a:spcAft>
-                    <a:spcPts val="0"/>
-                  </a:spcAft>
-                  <a:buClrTx/>
-                  <a:buSzTx/>
-                  <a:buFont typeface="Arial" charset="0"/>
-                  <a:buNone/>
-                  <a:tabLst/>
-                  <a:defRPr/>
-                </a:pPr>
-                <a:r>
-                  <a:rPr lang="en-US" dirty="0" smtClean="0"/>
-                  <a:t>Desired reliability: </a:t>
-                </a:r>
-                <a14:m>
-                  <m:oMath xmlns:m="http://schemas.openxmlformats.org/officeDocument/2006/math">
-                    <m:sSub>
-                      <m:sSubPr>
-                        <m:ctrlPr>
-                          <a:rPr lang="en-US" b="0" i="1" smtClean="0">
-                            <a:latin typeface="Cambria Math" panose="02040503050406030204" pitchFamily="18" charset="0"/>
-                          </a:rPr>
-                        </m:ctrlPr>
-                      </m:sSubPr>
-                      <m:e>
-                        <m:r>
-                          <a:rPr lang="en-GB" b="0" i="1" smtClean="0">
-                            <a:latin typeface="Cambria Math" charset="0"/>
-                          </a:rPr>
-                          <m:t>𝑅</m:t>
-                        </m:r>
-                      </m:e>
-                      <m:sub>
-                        <m:r>
-                          <a:rPr lang="en-GB" b="0" i="1" smtClean="0">
-                            <a:latin typeface="Cambria Math" charset="0"/>
-                          </a:rPr>
-                          <m:t>𝑟𝑒𝑞</m:t>
-                        </m:r>
-                      </m:sub>
-                    </m:sSub>
-                  </m:oMath>
-                </a14:m>
-                <a:endParaRPr lang="sv-SE" b="0" dirty="0" smtClean="0"/>
-              </a:p>
-              <a:p>
-                <a:pPr marL="0" marR="0" lvl="0" indent="0" defTabSz="914400" eaLnBrk="1" fontAlgn="auto" latinLnBrk="0" hangingPunct="1">
-                  <a:lnSpc>
-                    <a:spcPct val="100000"/>
-                  </a:lnSpc>
-                  <a:spcBef>
-                    <a:spcPts val="0"/>
-                  </a:spcBef>
-                  <a:spcAft>
-                    <a:spcPts val="0"/>
-                  </a:spcAft>
-                  <a:buClrTx/>
-                  <a:buSzTx/>
-                  <a:buFont typeface="Arial" charset="0"/>
-                  <a:buNone/>
-                  <a:tabLst/>
-                  <a:defRPr/>
-                </a:pPr>
-                <a:r>
-                  <a:rPr lang="en-US" dirty="0" smtClean="0"/>
-                  <a:t>Algorithm:</a:t>
-                </a:r>
-              </a:p>
-              <a:p>
-                <a:pPr marL="0" marR="0" lvl="0" indent="0" defTabSz="914400" eaLnBrk="1" fontAlgn="auto" latinLnBrk="0" hangingPunct="1">
-                  <a:lnSpc>
-                    <a:spcPct val="100000"/>
-                  </a:lnSpc>
-                  <a:spcBef>
-                    <a:spcPts val="0"/>
-                  </a:spcBef>
-                  <a:spcAft>
-                    <a:spcPts val="0"/>
-                  </a:spcAft>
-                  <a:buClrTx/>
-                  <a:buSzTx/>
-                  <a:buFont typeface="Arial" charset="0"/>
-                  <a:buNone/>
-                  <a:tabLst/>
-                  <a:defRPr/>
-                </a:pPr>
-                <a:endParaRPr lang="en-US" dirty="0" smtClean="0"/>
-              </a:p>
-            </p:txBody>
-          </p:sp>
-        </mc:Choice>
-        <mc:Fallback xmlns="">
-          <p:sp>
-            <p:nvSpPr>
-              <p:cNvPr id="3" name="Content Placeholder 2"/>
-              <p:cNvSpPr>
-                <a:spLocks noGrp="1" noRot="1" noChangeAspect="1" noMove="1" noResize="1" noEditPoints="1" noAdjustHandles="1" noChangeArrowheads="1" noChangeShapeType="1" noTextEdit="1"/>
-              </p:cNvSpPr>
-              <p:nvPr>
-                <p:ph idx="1"/>
-              </p:nvPr>
-            </p:nvSpPr>
-            <p:spPr>
-              <a:blipFill rotWithShape="0">
-                <a:blip r:embed="rId3"/>
-                <a:stretch>
-                  <a:fillRect l="-1515" t="-758"/>
-                </a:stretch>
-              </a:blipFill>
-            </p:spPr>
-            <p:txBody>
-              <a:bodyPr/>
-              <a:lstStyle/>
-              <a:p>
-                <a:r>
-                  <a:rPr lang="en-US">
-                    <a:noFill/>
-                  </a:rPr>
-                  <a:t> </a:t>
-                </a:r>
-              </a:p>
-            </p:txBody>
-          </p:sp>
-        </mc:Fallback>
-      </mc:AlternateContent>
       <p:pic>
         <p:nvPicPr>
-          <p:cNvPr id="6" name="Picture 5"/>
+          <p:cNvPr id="7" name="Platshållare för innehåll 6"/>
           <p:cNvPicPr>
-            <a:picLocks noChangeAspect="1"/>
+            <a:picLocks noGrp="1" noChangeAspect="1"/>
           </p:cNvPicPr>
-          <p:nvPr/>
+          <p:nvPr>
+            <p:ph idx="1"/>
+          </p:nvPr>
         </p:nvPicPr>
         <p:blipFill>
-          <a:blip r:embed="rId4">
+          <a:blip r:embed="rId3">
             <a:extLst>
               <a:ext uri="{28A0092B-C50C-407E-A947-70E740481C1C}">
                 <a14:useLocalDpi xmlns:a14="http://schemas.microsoft.com/office/drawing/2010/main" val="0"/>
@@ -27062,12 +26906,9 @@
         </p:blipFill>
         <p:spPr>
           <a:xfrm>
-            <a:off x="1097280" y="2603500"/>
-            <a:ext cx="7835900" cy="3162300"/>
+            <a:off x="1097280" y="1846263"/>
+            <a:ext cx="7200494" cy="4022725"/>
           </a:xfrm>
-          <a:prstGeom prst="rect">
-            <a:avLst/>
-          </a:prstGeom>
         </p:spPr>
       </p:pic>
     </p:spTree>
@@ -27130,8 +26971,8 @@
           </a:p>
         </p:txBody>
       </p:sp>
-      <mc:AlternateContent xmlns:mc="http://schemas.openxmlformats.org/markup-compatibility/2006" xmlns:a14="http://schemas.microsoft.com/office/drawing/2010/main">
-        <mc:Choice Requires="a14">
+      <mc:AlternateContent xmlns:mc="http://schemas.openxmlformats.org/markup-compatibility/2006">
+        <mc:Choice xmlns:a14="http://schemas.microsoft.com/office/drawing/2010/main" Requires="a14">
           <p:sp>
             <p:nvSpPr>
               <p:cNvPr id="3" name="Content Placeholder 2"/>
@@ -27166,7 +27007,7 @@
                 </a:pPr>
                 <a:r>
                   <a:rPr lang="en-US" dirty="0" smtClean="0"/>
-                  <a:t>Desired reliability: </a:t>
+                  <a:t>Required reliability: </a:t>
                 </a:r>
                 <a14:m>
                   <m:oMath xmlns:m="http://schemas.openxmlformats.org/officeDocument/2006/math">
@@ -27179,6 +27020,26 @@
                   </m:oMath>
                 </a14:m>
                 <a:endParaRPr lang="sv-SE" b="0" dirty="0" smtClean="0"/>
+              </a:p>
+              <a:p>
+                <a:pPr marL="0" marR="0" lvl="0" indent="0" defTabSz="914400" eaLnBrk="1" fontAlgn="auto" latinLnBrk="0" hangingPunct="1">
+                  <a:lnSpc>
+                    <a:spcPct val="100000"/>
+                  </a:lnSpc>
+                  <a:spcBef>
+                    <a:spcPts val="0"/>
+                  </a:spcBef>
+                  <a:spcAft>
+                    <a:spcPts val="0"/>
+                  </a:spcAft>
+                  <a:buClrTx/>
+                  <a:buSzTx/>
+                  <a:buFont typeface="Arial" charset="0"/>
+                  <a:buNone/>
+                  <a:tabLst/>
+                  <a:defRPr/>
+                </a:pPr>
+                <a:endParaRPr lang="sv-SE" dirty="0" smtClean="0"/>
               </a:p>
               <a:p>
                 <a:pPr marL="0" marR="0" lvl="0" indent="0" defTabSz="914400" eaLnBrk="1" fontAlgn="auto" latinLnBrk="0" hangingPunct="1">
@@ -27257,22 +27118,7 @@
                   <a:tabLst/>
                   <a:defRPr/>
                 </a:pPr>
-                <a:r>
-                  <a:rPr lang="sv-SE" b="0" dirty="0" err="1" smtClean="0"/>
-                  <a:t>Actual</a:t>
-                </a:r>
-                <a:r>
-                  <a:rPr lang="sv-SE" b="0" dirty="0" smtClean="0"/>
-                  <a:t> </a:t>
-                </a:r>
-                <a:r>
-                  <a:rPr lang="sv-SE" b="0" dirty="0" err="1" smtClean="0"/>
-                  <a:t>rel</a:t>
-                </a:r>
-                <a:r>
-                  <a:rPr lang="sv-SE" b="0" dirty="0" smtClean="0"/>
-                  <a:t>: 1 – (1 - 0.95) = 0.95 &lt; 0.999</a:t>
-                </a:r>
+                <a:endParaRPr lang="sv-SE" b="0" dirty="0" smtClean="0"/>
               </a:p>
               <a:p>
                 <a:pPr marL="0" marR="0" lvl="0" indent="0" defTabSz="914400" eaLnBrk="1" fontAlgn="auto" latinLnBrk="0" hangingPunct="1">
@@ -27292,6 +27138,144 @@
                   <a:tabLst/>
                   <a:defRPr/>
                 </a:pPr>
+                <a:r>
+                  <a:rPr lang="sv-SE" b="0" dirty="0" err="1" smtClean="0"/>
+                  <a:t>Current</a:t>
+                </a:r>
+                <a:r>
+                  <a:rPr lang="sv-SE" b="0" dirty="0" smtClean="0"/>
+                  <a:t> </a:t>
+                </a:r>
+                <a:r>
+                  <a:rPr lang="sv-SE" b="0" dirty="0" err="1" smtClean="0"/>
+                  <a:t>reliability</a:t>
+                </a:r>
+                <a:r>
+                  <a:rPr lang="sv-SE" b="0" dirty="0" smtClean="0"/>
+                  <a:t>: </a:t>
+                </a:r>
+                <a:endParaRPr lang="sv-SE" b="0" i="1" dirty="0" smtClean="0">
+                  <a:latin typeface="Cambria Math" panose="02040503050406030204" pitchFamily="18" charset="0"/>
+                </a:endParaRPr>
+              </a:p>
+              <a:p>
+                <a:pPr marL="0" marR="0" lvl="0" indent="0" defTabSz="914400" eaLnBrk="1" fontAlgn="auto" latinLnBrk="0" hangingPunct="1">
+                  <a:lnSpc>
+                    <a:spcPct val="100000"/>
+                  </a:lnSpc>
+                  <a:spcBef>
+                    <a:spcPts val="0"/>
+                  </a:spcBef>
+                  <a:spcAft>
+                    <a:spcPts val="0"/>
+                  </a:spcAft>
+                  <a:buClrTx/>
+                  <a:buSzTx/>
+                  <a:buFont typeface="Arial" charset="0"/>
+                  <a:buNone/>
+                  <a:tabLst/>
+                  <a:defRPr/>
+                </a:pPr>
+                <a:r>
+                  <a:rPr lang="sv-SE" dirty="0" smtClean="0"/>
+                  <a:t>	</a:t>
+                </a:r>
+                <a14:m>
+                  <m:oMath xmlns:m="http://schemas.openxmlformats.org/officeDocument/2006/math">
+                    <m:r>
+                      <a:rPr lang="sv-SE" b="0" i="1" smtClean="0">
+                        <a:latin typeface="Cambria Math" panose="02040503050406030204" pitchFamily="18" charset="0"/>
+                      </a:rPr>
+                      <m:t>1−</m:t>
+                    </m:r>
+                    <m:d>
+                      <m:dPr>
+                        <m:ctrlPr>
+                          <a:rPr lang="sv-SE" b="0" i="1" smtClean="0">
+                            <a:latin typeface="Cambria Math" panose="02040503050406030204" pitchFamily="18" charset="0"/>
+                          </a:rPr>
+                        </m:ctrlPr>
+                      </m:dPr>
+                      <m:e>
+                        <m:r>
+                          <a:rPr lang="sv-SE" b="0" i="1" smtClean="0">
+                            <a:latin typeface="Cambria Math" panose="02040503050406030204" pitchFamily="18" charset="0"/>
+                          </a:rPr>
+                          <m:t>1−0.95</m:t>
+                        </m:r>
+                      </m:e>
+                    </m:d>
+                    <m:r>
+                      <a:rPr lang="sv-SE" b="0" i="1" smtClean="0">
+                        <a:latin typeface="Cambria Math" panose="02040503050406030204" pitchFamily="18" charset="0"/>
+                      </a:rPr>
+                      <m:t>=0.95</m:t>
+                    </m:r>
+                  </m:oMath>
+                </a14:m>
+                <a:endParaRPr lang="sv-SE" b="0" dirty="0" smtClean="0"/>
+              </a:p>
+              <a:p>
+                <a:pPr marL="0" marR="0" lvl="0" indent="0" defTabSz="914400" eaLnBrk="1" fontAlgn="auto" latinLnBrk="0" hangingPunct="1">
+                  <a:lnSpc>
+                    <a:spcPct val="100000"/>
+                  </a:lnSpc>
+                  <a:spcBef>
+                    <a:spcPts val="0"/>
+                  </a:spcBef>
+                  <a:spcAft>
+                    <a:spcPts val="0"/>
+                  </a:spcAft>
+                  <a:buClrTx/>
+                  <a:buSzTx/>
+                  <a:buFont typeface="Arial" charset="0"/>
+                  <a:buNone/>
+                  <a:tabLst/>
+                  <a:defRPr/>
+                </a:pPr>
+                <a:endParaRPr lang="sv-SE" dirty="0" smtClean="0"/>
+              </a:p>
+              <a:p>
+                <a:pPr marL="0" lvl="0" indent="0">
+                  <a:lnSpc>
+                    <a:spcPct val="100000"/>
+                  </a:lnSpc>
+                  <a:spcBef>
+                    <a:spcPts val="0"/>
+                  </a:spcBef>
+                  <a:spcAft>
+                    <a:spcPts val="0"/>
+                  </a:spcAft>
+                  <a:buClrTx/>
+                  <a:buSzTx/>
+                  <a:buNone/>
+                  <a:defRPr/>
+                </a:pPr>
+                <a14:m>
+                  <m:oMath xmlns:m="http://schemas.openxmlformats.org/officeDocument/2006/math">
+                    <m:r>
+                      <a:rPr lang="sv-SE" b="0" i="1" smtClean="0">
+                        <a:latin typeface="Cambria Math" panose="02040503050406030204" pitchFamily="18" charset="0"/>
+                        <a:ea typeface="Cambria Math" panose="02040503050406030204" pitchFamily="18" charset="0"/>
+                      </a:rPr>
+                      <m:t>0.95≤</m:t>
+                    </m:r>
+                    <m:r>
+                      <a:rPr lang="sv-SE" i="1">
+                        <a:latin typeface="Cambria Math" panose="02040503050406030204" pitchFamily="18" charset="0"/>
+                        <a:ea typeface="Cambria Math" panose="02040503050406030204" pitchFamily="18" charset="0"/>
+                      </a:rPr>
+                      <m:t>0.999</m:t>
+                    </m:r>
+                    <m:r>
+                      <a:rPr lang="sv-SE" b="0" i="1" smtClean="0">
+                        <a:latin typeface="Cambria Math" panose="02040503050406030204" pitchFamily="18" charset="0"/>
+                        <a:ea typeface="Cambria Math" panose="02040503050406030204" pitchFamily="18" charset="0"/>
+                      </a:rPr>
+                      <m:t> → </m:t>
+                    </m:r>
+                  </m:oMath>
+                </a14:m>
                 <a:r>
                   <a:rPr lang="sv-SE" dirty="0" err="1" smtClean="0"/>
                   <a:t>Put</a:t>
@@ -27373,7 +27357,7 @@
             </p:txBody>
           </p:sp>
         </mc:Choice>
-        <mc:Fallback xmlns="">
+        <mc:Fallback>
           <p:sp>
             <p:nvSpPr>
               <p:cNvPr id="3" name="Content Placeholder 2"/>
@@ -27397,7 +27381,7 @@
               <a:lstStyle/>
               <a:p>
                 <a:r>
-                  <a:rPr lang="en-US">
+                  <a:rPr lang="sv-SE">
                     <a:noFill/>
                   </a:rPr>
                   <a:t> </a:t>
@@ -27409,7 +27393,7 @@
       </mc:AlternateContent>
       <p:pic>
         <p:nvPicPr>
-          <p:cNvPr id="5" name="Picture 4"/>
+          <p:cNvPr id="7" name="Bildobjekt 6"/>
           <p:cNvPicPr>
             <a:picLocks noChangeAspect="1"/>
           </p:cNvPicPr>
@@ -27429,8 +27413,8 @@
         </p:blipFill>
         <p:spPr>
           <a:xfrm>
-            <a:off x="7548880" y="1996864"/>
-            <a:ext cx="3606800" cy="3721100"/>
+            <a:off x="7020128" y="2028614"/>
+            <a:ext cx="3657600" cy="3657600"/>
           </a:xfrm>
           <a:prstGeom prst="rect">
             <a:avLst/>
@@ -27497,8 +27481,8 @@
           </a:p>
         </p:txBody>
       </p:sp>
-      <mc:AlternateContent xmlns:mc="http://schemas.openxmlformats.org/markup-compatibility/2006" xmlns:a14="http://schemas.microsoft.com/office/drawing/2010/main">
-        <mc:Choice Requires="a14">
+      <mc:AlternateContent xmlns:mc="http://schemas.openxmlformats.org/markup-compatibility/2006">
+        <mc:Choice xmlns:a14="http://schemas.microsoft.com/office/drawing/2010/main" Requires="a14">
           <p:sp>
             <p:nvSpPr>
               <p:cNvPr id="3" name="Content Placeholder 2"/>
@@ -27513,6 +27497,42 @@
             <p:txBody>
               <a:bodyPr/>
               <a:lstStyle/>
+              <a:p>
+                <a:pPr marL="0" lvl="0" indent="0">
+                  <a:lnSpc>
+                    <a:spcPct val="100000"/>
+                  </a:lnSpc>
+                  <a:spcBef>
+                    <a:spcPts val="0"/>
+                  </a:spcBef>
+                  <a:spcAft>
+                    <a:spcPts val="0"/>
+                  </a:spcAft>
+                  <a:buClrTx/>
+                  <a:buSzTx/>
+                  <a:buNone/>
+                  <a:defRPr/>
+                </a:pPr>
+                <a:r>
+                  <a:rPr lang="en-US" dirty="0"/>
+                  <a:t>Required reliability</a:t>
+                </a:r>
+                <a:r>
+                  <a:rPr lang="en-US" dirty="0" smtClean="0"/>
+                  <a:t>: </a:t>
+                </a:r>
+                <a14:m>
+                  <m:oMath xmlns:m="http://schemas.openxmlformats.org/officeDocument/2006/math">
+                    <m:r>
+                      <a:rPr lang="sv-SE" b="0" i="1" smtClean="0">
+                        <a:latin typeface="Cambria Math" charset="0"/>
+                      </a:rPr>
+                      <m:t>0.999</m:t>
+                    </m:r>
+                  </m:oMath>
+                </a14:m>
+                <a:endParaRPr lang="sv-SE" b="0" dirty="0" smtClean="0"/>
+              </a:p>
               <a:p>
                 <a:pPr marL="0" marR="0" lvl="0" indent="0" defTabSz="914400" eaLnBrk="1" fontAlgn="auto" latinLnBrk="0" hangingPunct="1">
                   <a:lnSpc>
@@ -27531,21 +27551,7 @@
                   <a:tabLst/>
                   <a:defRPr/>
                 </a:pPr>
-                <a:r>
-                  <a:rPr lang="en-US" dirty="0" smtClean="0"/>
-                  <a:t>Desired reliability: </a:t>
-                </a:r>
-                <a14:m>
-                  <m:oMath xmlns:m="http://schemas.openxmlformats.org/officeDocument/2006/math">
-                    <m:r>
-                      <a:rPr lang="sv-SE" b="0" i="1" smtClean="0">
-                        <a:latin typeface="Cambria Math" charset="0"/>
-                      </a:rPr>
-                      <m:t>0.999</m:t>
-                    </m:r>
-                  </m:oMath>
-                </a14:m>
-                <a:endParaRPr lang="sv-SE" b="0" dirty="0" smtClean="0"/>
+                <a:endParaRPr lang="sv-SE" dirty="0" smtClean="0"/>
               </a:p>
               <a:p>
                 <a:pPr marL="0" marR="0" lvl="0" indent="0" defTabSz="914400" eaLnBrk="1" fontAlgn="auto" latinLnBrk="0" hangingPunct="1">
@@ -27607,7 +27613,7 @@
                 </a:r>
               </a:p>
               <a:p>
-                <a:pPr marL="0" marR="0" lvl="0" indent="0" defTabSz="914400" eaLnBrk="1" fontAlgn="auto" latinLnBrk="0" hangingPunct="1">
+                <a:pPr marL="0" lvl="0" indent="0">
                   <a:lnSpc>
                     <a:spcPct val="100000"/>
                   </a:lnSpc>
@@ -27619,27 +27625,120 @@
                   </a:spcAft>
                   <a:buClrTx/>
                   <a:buSzTx/>
-                  <a:buFont typeface="Arial" charset="0"/>
                   <a:buNone/>
-                  <a:tabLst/>
+                  <a:defRPr/>
+                </a:pPr>
+                <a:endParaRPr lang="sv-SE" dirty="0" smtClean="0"/>
+              </a:p>
+              <a:p>
+                <a:pPr marL="0" lvl="0" indent="0">
+                  <a:lnSpc>
+                    <a:spcPct val="100000"/>
+                  </a:lnSpc>
+                  <a:spcBef>
+                    <a:spcPts val="0"/>
+                  </a:spcBef>
+                  <a:spcAft>
+                    <a:spcPts val="0"/>
+                  </a:spcAft>
+                  <a:buClrTx/>
+                  <a:buSzTx/>
+                  <a:buNone/>
                   <a:defRPr/>
                 </a:pPr>
                 <a:r>
-                  <a:rPr lang="sv-SE" b="0" dirty="0" err="1" smtClean="0"/>
-                  <a:t>Actual</a:t>
+                  <a:rPr lang="sv-SE" dirty="0" err="1" smtClean="0"/>
+                  <a:t>Current</a:t>
                 </a:r>
                 <a:r>
-                  <a:rPr lang="sv-SE" b="0" dirty="0" smtClean="0"/>
+                  <a:rPr lang="sv-SE" dirty="0" smtClean="0"/>
                   <a:t> </a:t>
                 </a:r>
                 <a:r>
-                  <a:rPr lang="sv-SE" b="0" dirty="0" err="1" smtClean="0"/>
-                  <a:t>rel</a:t>
+                  <a:rPr lang="sv-SE" dirty="0" err="1"/>
+                  <a:t>reliability</a:t>
                 </a:r>
                 <a:r>
-                  <a:rPr lang="sv-SE" b="0" dirty="0" smtClean="0"/>
-                  <a:t>: 1 – (1 - 0.95) * (1 - 0.9) = 0.995 &lt; 0.999</a:t>
+                  <a:rPr lang="sv-SE" dirty="0"/>
+                  <a:t>: </a:t>
                 </a:r>
+                <a:endParaRPr lang="sv-SE" i="1" dirty="0">
+                  <a:latin typeface="Cambria Math" panose="02040503050406030204" pitchFamily="18" charset="0"/>
+                </a:endParaRPr>
+              </a:p>
+              <a:p>
+                <a:pPr marL="0" indent="0">
+                  <a:lnSpc>
+                    <a:spcPct val="100000"/>
+                  </a:lnSpc>
+                  <a:spcBef>
+                    <a:spcPts val="0"/>
+                  </a:spcBef>
+                  <a:spcAft>
+                    <a:spcPts val="0"/>
+                  </a:spcAft>
+                  <a:buClrTx/>
+                  <a:buSzTx/>
+                  <a:buNone/>
+                  <a:defRPr/>
+                </a:pPr>
+                <a:r>
+                  <a:rPr lang="sv-SE" dirty="0" smtClean="0"/>
+                  <a:t>	</a:t>
+                </a:r>
+                <a14:m>
+                  <m:oMath xmlns:m="http://schemas.openxmlformats.org/officeDocument/2006/math">
+                    <m:r>
+                      <a:rPr lang="sv-SE" i="1">
+                        <a:latin typeface="Cambria Math" panose="02040503050406030204" pitchFamily="18" charset="0"/>
+                      </a:rPr>
+                      <m:t>1−</m:t>
+                    </m:r>
+                    <m:d>
+                      <m:dPr>
+                        <m:ctrlPr>
+                          <a:rPr lang="sv-SE" i="1">
+                            <a:latin typeface="Cambria Math" panose="02040503050406030204" pitchFamily="18" charset="0"/>
+                          </a:rPr>
+                        </m:ctrlPr>
+                      </m:dPr>
+                      <m:e>
+                        <m:r>
+                          <a:rPr lang="sv-SE" i="1">
+                            <a:latin typeface="Cambria Math" panose="02040503050406030204" pitchFamily="18" charset="0"/>
+                          </a:rPr>
+                          <m:t>1−0.95</m:t>
+                        </m:r>
+                      </m:e>
+                    </m:d>
+                    <m:r>
+                      <a:rPr lang="sv-SE" i="1">
+                        <a:latin typeface="Cambria Math" panose="02040503050406030204" pitchFamily="18" charset="0"/>
+                        <a:ea typeface="Cambria Math" panose="02040503050406030204" pitchFamily="18" charset="0"/>
+                      </a:rPr>
+                      <m:t>∙(1−0.9)</m:t>
+                    </m:r>
+                    <m:r>
+                      <a:rPr lang="sv-SE" i="1">
+                        <a:latin typeface="Cambria Math" panose="02040503050406030204" pitchFamily="18" charset="0"/>
+                      </a:rPr>
+                      <m:t>=0.9</m:t>
+                    </m:r>
+                    <m:r>
+                      <a:rPr lang="sv-SE" b="0" i="1" smtClean="0">
+                        <a:latin typeface="Cambria Math" panose="02040503050406030204" pitchFamily="18" charset="0"/>
+                      </a:rPr>
+                      <m:t>9</m:t>
+                    </m:r>
+                    <m:r>
+                      <a:rPr lang="sv-SE" i="1">
+                        <a:latin typeface="Cambria Math" panose="02040503050406030204" pitchFamily="18" charset="0"/>
+                      </a:rPr>
+                      <m:t>5</m:t>
+                    </m:r>
+                  </m:oMath>
+                </a14:m>
+                <a:endParaRPr lang="sv-SE" dirty="0"/>
               </a:p>
               <a:p>
                 <a:pPr marL="0" marR="0" lvl="0" indent="0" defTabSz="914400" eaLnBrk="1" fontAlgn="auto" latinLnBrk="0" hangingPunct="1">
@@ -27659,43 +27758,100 @@
                   <a:tabLst/>
                   <a:defRPr/>
                 </a:pPr>
+                <a:endParaRPr lang="sv-SE" b="0" dirty="0" smtClean="0"/>
+              </a:p>
+              <a:p>
+                <a:pPr marL="0" lvl="0" indent="0">
+                  <a:lnSpc>
+                    <a:spcPct val="100000"/>
+                  </a:lnSpc>
+                  <a:spcBef>
+                    <a:spcPts val="0"/>
+                  </a:spcBef>
+                  <a:spcAft>
+                    <a:spcPts val="0"/>
+                  </a:spcAft>
+                  <a:buClrTx/>
+                  <a:buSzTx/>
+                  <a:buNone/>
+                  <a:defRPr/>
+                </a:pPr>
+                <a14:m>
+                  <m:oMath xmlns:m="http://schemas.openxmlformats.org/officeDocument/2006/math">
+                    <m:r>
+                      <a:rPr lang="sv-SE" i="1">
+                        <a:latin typeface="Cambria Math" panose="02040503050406030204" pitchFamily="18" charset="0"/>
+                        <a:ea typeface="Cambria Math" panose="02040503050406030204" pitchFamily="18" charset="0"/>
+                      </a:rPr>
+                      <m:t>0.9</m:t>
+                    </m:r>
+                    <m:r>
+                      <a:rPr lang="sv-SE" b="0" i="1" smtClean="0">
+                        <a:latin typeface="Cambria Math" panose="02040503050406030204" pitchFamily="18" charset="0"/>
+                        <a:ea typeface="Cambria Math" panose="02040503050406030204" pitchFamily="18" charset="0"/>
+                      </a:rPr>
+                      <m:t>9</m:t>
+                    </m:r>
+                    <m:r>
+                      <a:rPr lang="sv-SE" i="1">
+                        <a:latin typeface="Cambria Math" panose="02040503050406030204" pitchFamily="18" charset="0"/>
+                        <a:ea typeface="Cambria Math" panose="02040503050406030204" pitchFamily="18" charset="0"/>
+                      </a:rPr>
+                      <m:t>5</m:t>
+                    </m:r>
+                    <m:r>
+                      <a:rPr lang="sv-SE" i="1">
+                        <a:latin typeface="Cambria Math" panose="02040503050406030204" pitchFamily="18" charset="0"/>
+                        <a:ea typeface="Cambria Math" panose="02040503050406030204" pitchFamily="18" charset="0"/>
+                      </a:rPr>
+                      <m:t>≤0.999</m:t>
+                    </m:r>
+                    <m:r>
+                      <a:rPr lang="sv-SE" i="1">
+                        <a:latin typeface="Cambria Math" panose="02040503050406030204" pitchFamily="18" charset="0"/>
+                        <a:ea typeface="Cambria Math" panose="02040503050406030204" pitchFamily="18" charset="0"/>
+                      </a:rPr>
+                      <m:t> → </m:t>
+                    </m:r>
+                  </m:oMath>
+                </a14:m>
                 <a:r>
-                  <a:rPr lang="sv-SE" dirty="0" err="1" smtClean="0"/>
+                  <a:rPr lang="sv-SE" dirty="0" err="1"/>
                   <a:t>Put</a:t>
                 </a:r>
                 <a:r>
-                  <a:rPr lang="sv-SE" dirty="0" smtClean="0"/>
+                  <a:rPr lang="sv-SE" dirty="0"/>
                   <a:t> </a:t>
                 </a:r>
                 <a:r>
-                  <a:rPr lang="sv-SE" dirty="0" err="1" smtClean="0"/>
+                  <a:rPr lang="sv-SE" dirty="0" err="1"/>
                   <a:t>replica</a:t>
                 </a:r>
                 <a:r>
-                  <a:rPr lang="sv-SE" dirty="0" smtClean="0"/>
+                  <a:rPr lang="sv-SE" dirty="0"/>
                   <a:t> on </a:t>
                 </a:r>
                 <a:r>
-                  <a:rPr lang="sv-SE" dirty="0" err="1" smtClean="0"/>
+                  <a:rPr lang="sv-SE" dirty="0" err="1"/>
                   <a:t>most</a:t>
                 </a:r>
                 <a:r>
-                  <a:rPr lang="sv-SE" dirty="0" smtClean="0"/>
+                  <a:rPr lang="sv-SE" dirty="0"/>
                   <a:t> </a:t>
                 </a:r>
                 <a:r>
-                  <a:rPr lang="sv-SE" dirty="0" err="1" smtClean="0"/>
+                  <a:rPr lang="sv-SE" dirty="0" err="1"/>
                   <a:t>reliable</a:t>
                 </a:r>
                 <a:r>
-                  <a:rPr lang="sv-SE" dirty="0" smtClean="0"/>
+                  <a:rPr lang="sv-SE" dirty="0"/>
                   <a:t> </a:t>
                 </a:r>
                 <a:r>
-                  <a:rPr lang="sv-SE" dirty="0" err="1" smtClean="0"/>
+                  <a:rPr lang="sv-SE" dirty="0" err="1"/>
                   <a:t>node</a:t>
                 </a:r>
-                <a:endParaRPr lang="sv-SE" b="0" dirty="0" smtClean="0"/>
+                <a:endParaRPr lang="sv-SE" dirty="0"/>
               </a:p>
               <a:p>
                 <a:pPr marL="0" marR="0" lvl="0" indent="0" defTabSz="914400" eaLnBrk="1" fontAlgn="auto" latinLnBrk="0" hangingPunct="1">
@@ -27740,7 +27896,7 @@
             </p:txBody>
           </p:sp>
         </mc:Choice>
-        <mc:Fallback xmlns="">
+        <mc:Fallback>
           <p:sp>
             <p:nvSpPr>
               <p:cNvPr id="3" name="Content Placeholder 2"/>
@@ -27776,7 +27932,7 @@
       </mc:AlternateContent>
       <p:pic>
         <p:nvPicPr>
-          <p:cNvPr id="6" name="Picture 5"/>
+          <p:cNvPr id="4" name="Bildobjekt 3"/>
           <p:cNvPicPr>
             <a:picLocks noChangeAspect="1"/>
           </p:cNvPicPr>
@@ -27796,8 +27952,8 @@
         </p:blipFill>
         <p:spPr>
           <a:xfrm>
-            <a:off x="7548880" y="1984164"/>
-            <a:ext cx="3606800" cy="3746500"/>
+            <a:off x="7020128" y="2023851"/>
+            <a:ext cx="3657600" cy="3667125"/>
           </a:xfrm>
           <a:prstGeom prst="rect">
             <a:avLst/>
@@ -27864,8 +28020,8 @@
           </a:p>
         </p:txBody>
       </p:sp>
-      <mc:AlternateContent xmlns:mc="http://schemas.openxmlformats.org/markup-compatibility/2006" xmlns:a14="http://schemas.microsoft.com/office/drawing/2010/main">
-        <mc:Choice Requires="a14">
+      <mc:AlternateContent xmlns:mc="http://schemas.openxmlformats.org/markup-compatibility/2006">
+        <mc:Choice xmlns:a14="http://schemas.microsoft.com/office/drawing/2010/main" Requires="a14">
           <p:sp>
             <p:nvSpPr>
               <p:cNvPr id="3" name="Content Placeholder 2"/>
@@ -27880,6 +28036,42 @@
             <p:txBody>
               <a:bodyPr/>
               <a:lstStyle/>
+              <a:p>
+                <a:pPr marL="0" lvl="0" indent="0">
+                  <a:lnSpc>
+                    <a:spcPct val="100000"/>
+                  </a:lnSpc>
+                  <a:spcBef>
+                    <a:spcPts val="0"/>
+                  </a:spcBef>
+                  <a:spcAft>
+                    <a:spcPts val="0"/>
+                  </a:spcAft>
+                  <a:buClrTx/>
+                  <a:buSzTx/>
+                  <a:buNone/>
+                  <a:defRPr/>
+                </a:pPr>
+                <a:r>
+                  <a:rPr lang="en-US" dirty="0"/>
+                  <a:t>Required reliability</a:t>
+                </a:r>
+                <a:r>
+                  <a:rPr lang="en-US" dirty="0" smtClean="0"/>
+                  <a:t>: </a:t>
+                </a:r>
+                <a14:m>
+                  <m:oMath xmlns:m="http://schemas.openxmlformats.org/officeDocument/2006/math">
+                    <m:r>
+                      <a:rPr lang="sv-SE" b="0" i="1" smtClean="0">
+                        <a:latin typeface="Cambria Math" charset="0"/>
+                      </a:rPr>
+                      <m:t>0.999</m:t>
+                    </m:r>
+                  </m:oMath>
+                </a14:m>
+                <a:endParaRPr lang="sv-SE" b="0" dirty="0" smtClean="0"/>
+              </a:p>
               <a:p>
                 <a:pPr marL="0" marR="0" lvl="0" indent="0" defTabSz="914400" eaLnBrk="1" fontAlgn="auto" latinLnBrk="0" hangingPunct="1">
                   <a:lnSpc>
@@ -27898,21 +28090,7 @@
                   <a:tabLst/>
                   <a:defRPr/>
                 </a:pPr>
-                <a:r>
-                  <a:rPr lang="en-US" dirty="0" smtClean="0"/>
-                  <a:t>Desired reliability: </a:t>
-                </a:r>
-                <a14:m>
-                  <m:oMath xmlns:m="http://schemas.openxmlformats.org/officeDocument/2006/math">
-                    <m:r>
-                      <a:rPr lang="sv-SE" b="0" i="1" smtClean="0">
-                        <a:latin typeface="Cambria Math" charset="0"/>
-                      </a:rPr>
-                      <m:t>0.999</m:t>
-                    </m:r>
-                  </m:oMath>
-                </a14:m>
-                <a:endParaRPr lang="sv-SE" b="0" dirty="0" smtClean="0"/>
+                <a:endParaRPr lang="sv-SE" dirty="0" smtClean="0"/>
               </a:p>
               <a:p>
                 <a:pPr marL="0" marR="0" lvl="0" indent="0" defTabSz="914400" eaLnBrk="1" fontAlgn="auto" latinLnBrk="0" hangingPunct="1">
@@ -27974,7 +28152,7 @@
                 </a:r>
               </a:p>
               <a:p>
-                <a:pPr marL="0" marR="0" lvl="0" indent="0" defTabSz="914400" eaLnBrk="1" fontAlgn="auto" latinLnBrk="0" hangingPunct="1">
+                <a:pPr marL="0" lvl="0" indent="0">
                   <a:lnSpc>
                     <a:spcPct val="100000"/>
                   </a:lnSpc>
@@ -27986,34 +28164,195 @@
                   </a:spcAft>
                   <a:buClrTx/>
                   <a:buSzTx/>
-                  <a:buFont typeface="Arial" charset="0"/>
                   <a:buNone/>
-                  <a:tabLst/>
+                  <a:defRPr/>
+                </a:pPr>
+                <a:endParaRPr lang="sv-SE" dirty="0" smtClean="0"/>
+              </a:p>
+              <a:p>
+                <a:pPr marL="0" lvl="0" indent="0">
+                  <a:lnSpc>
+                    <a:spcPct val="100000"/>
+                  </a:lnSpc>
+                  <a:spcBef>
+                    <a:spcPts val="0"/>
+                  </a:spcBef>
+                  <a:spcAft>
+                    <a:spcPts val="0"/>
+                  </a:spcAft>
+                  <a:buClrTx/>
+                  <a:buSzTx/>
+                  <a:buNone/>
                   <a:defRPr/>
                 </a:pPr>
                 <a:r>
-                  <a:rPr lang="sv-SE" b="0" dirty="0" err="1" smtClean="0"/>
-                  <a:t>Actual</a:t>
+                  <a:rPr lang="sv-SE" dirty="0" err="1" smtClean="0"/>
+                  <a:t>Current</a:t>
                 </a:r>
                 <a:r>
-                  <a:rPr lang="sv-SE" b="0" dirty="0" smtClean="0"/>
+                  <a:rPr lang="sv-SE" dirty="0" smtClean="0"/>
                   <a:t> </a:t>
                 </a:r>
                 <a:r>
-                  <a:rPr lang="sv-SE" b="0" dirty="0" err="1" smtClean="0"/>
-                  <a:t>rel</a:t>
+                  <a:rPr lang="sv-SE" dirty="0" err="1"/>
+                  <a:t>reliability</a:t>
                 </a:r>
                 <a:r>
-                  <a:rPr lang="sv-SE" b="0" dirty="0" smtClean="0"/>
-                  <a:t>: 1 – (1 - 0.95) * (1 - 0.9) * (1 – 0.85) </a:t>
+                  <a:rPr lang="sv-SE" dirty="0"/>
+                  <a:t>: </a:t>
                 </a:r>
-                <a:br>
-                  <a:rPr lang="sv-SE" b="0" dirty="0" smtClean="0"/>
-                </a:br>
+                <a:endParaRPr lang="sv-SE" i="1" dirty="0">
+                  <a:latin typeface="Cambria Math" panose="02040503050406030204" pitchFamily="18" charset="0"/>
+                </a:endParaRPr>
+              </a:p>
+              <a:p>
+                <a:pPr marL="0" indent="0">
+                  <a:lnSpc>
+                    <a:spcPct val="100000"/>
+                  </a:lnSpc>
+                  <a:spcBef>
+                    <a:spcPts val="0"/>
+                  </a:spcBef>
+                  <a:spcAft>
+                    <a:spcPts val="0"/>
+                  </a:spcAft>
+                  <a:buClrTx/>
+                  <a:buSzTx/>
+                  <a:buNone/>
+                  <a:defRPr/>
+                </a:pPr>
                 <a:r>
-                  <a:rPr lang="sv-SE" b="0" dirty="0" smtClean="0"/>
-                  <a:t>	= 0.99925 &gt; 0.999</a:t>
+                  <a:rPr lang="sv-SE" dirty="0" smtClean="0"/>
+                  <a:t>	</a:t>
                 </a:r>
+                <a14:m>
+                  <m:oMath xmlns:m="http://schemas.openxmlformats.org/officeDocument/2006/math">
+                    <m:r>
+                      <a:rPr lang="sv-SE" i="1">
+                        <a:latin typeface="Cambria Math" panose="02040503050406030204" pitchFamily="18" charset="0"/>
+                      </a:rPr>
+                      <m:t>1−</m:t>
+                    </m:r>
+                    <m:d>
+                      <m:dPr>
+                        <m:ctrlPr>
+                          <a:rPr lang="sv-SE" i="1">
+                            <a:latin typeface="Cambria Math" panose="02040503050406030204" pitchFamily="18" charset="0"/>
+                          </a:rPr>
+                        </m:ctrlPr>
+                      </m:dPr>
+                      <m:e>
+                        <m:r>
+                          <a:rPr lang="sv-SE" i="1">
+                            <a:latin typeface="Cambria Math" panose="02040503050406030204" pitchFamily="18" charset="0"/>
+                          </a:rPr>
+                          <m:t>1−0.95</m:t>
+                        </m:r>
+                      </m:e>
+                    </m:d>
+                    <m:r>
+                      <a:rPr lang="sv-SE" i="1">
+                        <a:latin typeface="Cambria Math" panose="02040503050406030204" pitchFamily="18" charset="0"/>
+                        <a:ea typeface="Cambria Math" panose="02040503050406030204" pitchFamily="18" charset="0"/>
+                      </a:rPr>
+                      <m:t>∙</m:t>
+                    </m:r>
+                    <m:d>
+                      <m:dPr>
+                        <m:ctrlPr>
+                          <a:rPr lang="sv-SE" i="1">
+                            <a:latin typeface="Cambria Math" panose="02040503050406030204" pitchFamily="18" charset="0"/>
+                            <a:ea typeface="Cambria Math" panose="02040503050406030204" pitchFamily="18" charset="0"/>
+                          </a:rPr>
+                        </m:ctrlPr>
+                      </m:dPr>
+                      <m:e>
+                        <m:r>
+                          <a:rPr lang="sv-SE" i="1">
+                            <a:latin typeface="Cambria Math" panose="02040503050406030204" pitchFamily="18" charset="0"/>
+                            <a:ea typeface="Cambria Math" panose="02040503050406030204" pitchFamily="18" charset="0"/>
+                          </a:rPr>
+                          <m:t>1−0.9</m:t>
+                        </m:r>
+                      </m:e>
+                    </m:d>
+                    <m:r>
+                      <a:rPr lang="sv-SE" i="1">
+                        <a:latin typeface="Cambria Math" panose="02040503050406030204" pitchFamily="18" charset="0"/>
+                        <a:ea typeface="Cambria Math" panose="02040503050406030204" pitchFamily="18" charset="0"/>
+                      </a:rPr>
+                      <m:t>∙</m:t>
+                    </m:r>
+                    <m:d>
+                      <m:dPr>
+                        <m:ctrlPr>
+                          <a:rPr lang="sv-SE" i="1">
+                            <a:latin typeface="Cambria Math" panose="02040503050406030204" pitchFamily="18" charset="0"/>
+                            <a:ea typeface="Cambria Math" panose="02040503050406030204" pitchFamily="18" charset="0"/>
+                          </a:rPr>
+                        </m:ctrlPr>
+                      </m:dPr>
+                      <m:e>
+                        <m:r>
+                          <a:rPr lang="sv-SE" i="1">
+                            <a:latin typeface="Cambria Math" panose="02040503050406030204" pitchFamily="18" charset="0"/>
+                            <a:ea typeface="Cambria Math" panose="02040503050406030204" pitchFamily="18" charset="0"/>
+                          </a:rPr>
+                          <m:t>1−0.</m:t>
+                        </m:r>
+                        <m:r>
+                          <a:rPr lang="sv-SE" b="0" i="1" smtClean="0">
+                            <a:latin typeface="Cambria Math" panose="02040503050406030204" pitchFamily="18" charset="0"/>
+                            <a:ea typeface="Cambria Math" panose="02040503050406030204" pitchFamily="18" charset="0"/>
+                          </a:rPr>
+                          <m:t>85</m:t>
+                        </m:r>
+                      </m:e>
+                    </m:d>
+                  </m:oMath>
+                </a14:m>
+                <a:endParaRPr lang="sv-SE" i="1" dirty="0" smtClean="0">
+                  <a:latin typeface="Cambria Math" panose="02040503050406030204" pitchFamily="18" charset="0"/>
+                  <a:ea typeface="Cambria Math" panose="02040503050406030204" pitchFamily="18" charset="0"/>
+                </a:endParaRPr>
+              </a:p>
+              <a:p>
+                <a:pPr marL="0" indent="0">
+                  <a:lnSpc>
+                    <a:spcPct val="100000"/>
+                  </a:lnSpc>
+                  <a:spcBef>
+                    <a:spcPts val="0"/>
+                  </a:spcBef>
+                  <a:spcAft>
+                    <a:spcPts val="0"/>
+                  </a:spcAft>
+                  <a:buClrTx/>
+                  <a:buSzTx/>
+                  <a:buNone/>
+                  <a:defRPr/>
+                </a:pPr>
+                <a:r>
+                  <a:rPr lang="sv-SE" i="1" dirty="0" smtClean="0">
+                    <a:latin typeface="Cambria Math" panose="02040503050406030204" pitchFamily="18" charset="0"/>
+                    <a:ea typeface="Cambria Math" panose="02040503050406030204" pitchFamily="18" charset="0"/>
+                  </a:rPr>
+                  <a:t>	</a:t>
+                </a:r>
+                <a14:m>
+                  <m:oMath xmlns:m="http://schemas.openxmlformats.org/officeDocument/2006/math">
+                    <m:r>
+                      <a:rPr lang="sv-SE" b="0" i="1" smtClean="0">
+                        <a:latin typeface="Cambria Math" panose="02040503050406030204" pitchFamily="18" charset="0"/>
+                      </a:rPr>
+                      <m:t>=0.99925</m:t>
+                    </m:r>
+                  </m:oMath>
+                </a14:m>
+                <a:endParaRPr lang="sv-SE" i="1" dirty="0" smtClean="0">
+                  <a:latin typeface="Cambria Math" panose="02040503050406030204" pitchFamily="18" charset="0"/>
+                  <a:ea typeface="Cambria Math" panose="02040503050406030204" pitchFamily="18" charset="0"/>
+                </a:endParaRPr>
               </a:p>
               <a:p>
                 <a:pPr marL="0" marR="0" lvl="0" indent="0" defTabSz="914400" eaLnBrk="1" fontAlgn="auto" latinLnBrk="0" hangingPunct="1">
@@ -28033,13 +28372,43 @@
                   <a:tabLst/>
                   <a:defRPr/>
                 </a:pPr>
-                <a:r>
-                  <a:rPr lang="sv-SE" dirty="0" err="1" smtClean="0"/>
-                  <a:t>We’re</a:t>
-                </a:r>
+                <a:endParaRPr lang="sv-SE" b="0" dirty="0" smtClean="0"/>
+              </a:p>
+              <a:p>
+                <a:pPr marL="0" lvl="0" indent="0">
+                  <a:lnSpc>
+                    <a:spcPct val="100000"/>
+                  </a:lnSpc>
+                  <a:spcBef>
+                    <a:spcPts val="0"/>
+                  </a:spcBef>
+                  <a:spcAft>
+                    <a:spcPts val="0"/>
+                  </a:spcAft>
+                  <a:buClrTx/>
+                  <a:buSzTx/>
+                  <a:buNone/>
+                  <a:defRPr/>
+                </a:pPr>
+                <a14:m>
+                  <m:oMath xmlns:m="http://schemas.openxmlformats.org/officeDocument/2006/math">
+                    <m:r>
+                      <a:rPr lang="sv-SE" i="1">
+                        <a:latin typeface="Cambria Math" panose="02040503050406030204" pitchFamily="18" charset="0"/>
+                      </a:rPr>
+                      <m:t>0.99925</m:t>
+                    </m:r>
+                    <m:r>
+                      <a:rPr lang="sv-SE" b="0" i="1" smtClean="0">
+                        <a:latin typeface="Cambria Math" panose="02040503050406030204" pitchFamily="18" charset="0"/>
+                      </a:rPr>
+                      <m:t>&gt;0.999 → </m:t>
+                    </m:r>
+                  </m:oMath>
+                </a14:m>
                 <a:r>
                   <a:rPr lang="sv-SE" dirty="0" smtClean="0"/>
-                  <a:t> </a:t>
+                  <a:t>We’re </a:t>
                 </a:r>
                 <a:r>
                   <a:rPr lang="sv-SE" dirty="0" err="1" smtClean="0"/>
@@ -28054,7 +28423,7 @@
             </p:txBody>
           </p:sp>
         </mc:Choice>
-        <mc:Fallback xmlns="">
+        <mc:Fallback>
           <p:sp>
             <p:nvSpPr>
               <p:cNvPr id="3" name="Content Placeholder 2"/>
@@ -28090,7 +28459,7 @@
       </mc:AlternateContent>
       <p:pic>
         <p:nvPicPr>
-          <p:cNvPr id="6" name="Picture 5"/>
+          <p:cNvPr id="4" name="Bildobjekt 3"/>
           <p:cNvPicPr>
             <a:picLocks noChangeAspect="1"/>
           </p:cNvPicPr>
@@ -28110,8 +28479,8 @@
         </p:blipFill>
         <p:spPr>
           <a:xfrm>
-            <a:off x="7536180" y="1984164"/>
-            <a:ext cx="3619500" cy="3746500"/>
+            <a:off x="7025096" y="2023851"/>
+            <a:ext cx="3667125" cy="3667125"/>
           </a:xfrm>
           <a:prstGeom prst="rect">
             <a:avLst/>
@@ -28393,7 +28762,11 @@
           <a:p>
             <a:r>
               <a:rPr lang="en-US" dirty="0" smtClean="0"/>
-              <a:t>Moving to more reliable _ TODO pic</a:t>
+              <a:t>Moving to more </a:t>
+            </a:r>
+            <a:r>
+              <a:rPr lang="en-US" dirty="0" smtClean="0"/>
+              <a:t>reliable</a:t>
             </a:r>
             <a:endParaRPr lang="en-US" dirty="0"/>
           </a:p>
@@ -28401,7 +28774,7 @@
       </p:sp>
       <p:pic>
         <p:nvPicPr>
-          <p:cNvPr id="4" name="Content Placeholder 3"/>
+          <p:cNvPr id="5" name="Platshållare för innehåll 4"/>
           <p:cNvPicPr>
             <a:picLocks noGrp="1" noChangeAspect="1"/>
           </p:cNvPicPr>
@@ -28423,8 +28796,8 @@
         </p:blipFill>
         <p:spPr>
           <a:xfrm>
-            <a:off x="1097280" y="1855530"/>
-            <a:ext cx="4550815" cy="4392870"/>
+            <a:off x="1097280" y="1846263"/>
+            <a:ext cx="5088910" cy="4022725"/>
           </a:xfrm>
         </p:spPr>
       </p:pic>
@@ -28661,7 +29034,7 @@
       </p:sp>
       <p:pic>
         <p:nvPicPr>
-          <p:cNvPr id="5" name="Content Placeholder 4"/>
+          <p:cNvPr id="4" name="Platshållare för innehåll 3"/>
           <p:cNvPicPr>
             <a:picLocks noGrp="1" noChangeAspect="1"/>
           </p:cNvPicPr>
@@ -28669,7 +29042,7 @@
             <p:ph idx="1"/>
           </p:nvPr>
         </p:nvPicPr>
-        <p:blipFill>
+        <p:blipFill rotWithShape="1">
           <a:blip r:embed="rId3">
             <a:extLst>
               <a:ext uri="{28A0092B-C50C-407E-A947-70E740481C1C}">
@@ -28677,14 +29050,13 @@
               </a:ext>
             </a:extLst>
           </a:blip>
-          <a:stretch>
-            <a:fillRect/>
-          </a:stretch>
+          <a:srcRect r="16546"/>
+          <a:stretch/>
         </p:blipFill>
         <p:spPr>
           <a:xfrm>
-            <a:off x="1097280" y="2356139"/>
-            <a:ext cx="7400804" cy="2686916"/>
+            <a:off x="1097280" y="2428405"/>
+            <a:ext cx="6169282" cy="2372056"/>
           </a:xfrm>
         </p:spPr>
       </p:pic>
@@ -28742,7 +29114,11 @@
           <a:p>
             <a:r>
               <a:rPr lang="en-US" dirty="0" smtClean="0"/>
-              <a:t>Optimization example _TODO pic</a:t>
+              <a:t>Optimization </a:t>
+            </a:r>
+            <a:r>
+              <a:rPr lang="en-US" dirty="0" smtClean="0"/>
+              <a:t>example</a:t>
             </a:r>
             <a:endParaRPr lang="en-US" dirty="0"/>
           </a:p>
@@ -28809,7 +29185,7 @@
       </p:sp>
       <p:pic>
         <p:nvPicPr>
-          <p:cNvPr id="4" name="Picture 3"/>
+          <p:cNvPr id="5" name="Bildobjekt 4"/>
           <p:cNvPicPr>
             <a:picLocks noChangeAspect="1"/>
           </p:cNvPicPr>
@@ -28829,8 +29205,8 @@
         </p:blipFill>
         <p:spPr>
           <a:xfrm>
-            <a:off x="5904801" y="2122594"/>
-            <a:ext cx="3619500" cy="3746500"/>
+            <a:off x="1097280" y="2253442"/>
+            <a:ext cx="4573946" cy="3615652"/>
           </a:xfrm>
           <a:prstGeom prst="rect">
             <a:avLst/>
@@ -28839,7 +29215,7 @@
       </p:pic>
       <p:pic>
         <p:nvPicPr>
-          <p:cNvPr id="7" name="Content Placeholder 3"/>
+          <p:cNvPr id="6" name="Bildobjekt 5"/>
           <p:cNvPicPr>
             <a:picLocks noChangeAspect="1"/>
           </p:cNvPicPr>
@@ -28859,8 +29235,8 @@
         </p:blipFill>
         <p:spPr>
           <a:xfrm>
-            <a:off x="1097280" y="2436804"/>
-            <a:ext cx="3799693" cy="3667818"/>
+            <a:off x="6820813" y="2023851"/>
+            <a:ext cx="3667125" cy="3667125"/>
           </a:xfrm>
           <a:prstGeom prst="rect">
             <a:avLst/>
@@ -28961,15 +29337,36 @@
             </a:pPr>
             <a:r>
               <a:rPr lang="en-US" dirty="0" smtClean="0"/>
-              <a:t>After some time, a new more reliable node is</a:t>
-            </a:r>
-            <a:br>
+              <a:t>After some time, a new more reliable </a:t>
+            </a:r>
+            <a:r>
               <a:rPr lang="en-US" dirty="0" smtClean="0"/>
-            </a:br>
+              <a:t>node is </a:t>
+            </a:r>
+          </a:p>
+          <a:p>
+            <a:pPr marL="0" marR="0" lvl="0" indent="0" defTabSz="914400" eaLnBrk="1" fontAlgn="auto" latinLnBrk="0" hangingPunct="1">
+              <a:lnSpc>
+                <a:spcPct val="100000"/>
+              </a:lnSpc>
+              <a:spcBef>
+                <a:spcPts val="0"/>
+              </a:spcBef>
+              <a:spcAft>
+                <a:spcPts val="0"/>
+              </a:spcAft>
+              <a:buClrTx/>
+              <a:buSzTx/>
+              <a:buFont typeface="Arial" charset="0"/>
+              <a:buNone/>
+              <a:tabLst/>
+              <a:defRPr/>
+            </a:pPr>
             <a:r>
               <a:rPr lang="en-US" dirty="0" smtClean="0"/>
               <a:t>added</a:t>
             </a:r>
+            <a:endParaRPr lang="en-US" dirty="0" smtClean="0"/>
           </a:p>
           <a:p>
             <a:pPr marL="0" marR="0" lvl="0" indent="0" defTabSz="914400" eaLnBrk="1" fontAlgn="auto" latinLnBrk="0" hangingPunct="1">
@@ -29008,33 +29405,33 @@
               <a:defRPr/>
             </a:pPr>
             <a:r>
-              <a:rPr lang="en-US" dirty="0"/>
+              <a:rPr lang="en-US" i="1" dirty="0"/>
               <a:t>“</a:t>
             </a:r>
             <a:r>
-              <a:rPr lang="is-IS" dirty="0"/>
+              <a:rPr lang="is-IS" i="1" dirty="0"/>
               <a:t>…</a:t>
             </a:r>
             <a:r>
-              <a:rPr lang="en-US" dirty="0"/>
+              <a:rPr lang="en-US" i="1" dirty="0"/>
               <a:t> as long as there are more reliable nodes,</a:t>
             </a:r>
             <a:br>
-              <a:rPr lang="en-US" dirty="0"/>
+              <a:rPr lang="en-US" i="1" dirty="0"/>
             </a:br>
             <a:r>
-              <a:rPr lang="en-US" dirty="0"/>
+              <a:rPr lang="en-US" i="1" dirty="0"/>
               <a:t>move replicas to those nodes</a:t>
             </a:r>
             <a:r>
-              <a:rPr lang="en-US" dirty="0" smtClean="0"/>
+              <a:rPr lang="en-US" i="1" dirty="0" smtClean="0"/>
               <a:t>, </a:t>
             </a:r>
             <a:r>
-              <a:rPr lang="is-IS" dirty="0" smtClean="0"/>
+              <a:rPr lang="is-IS" i="1" dirty="0" smtClean="0"/>
               <a:t>...”</a:t>
             </a:r>
-            <a:endParaRPr lang="en-US" dirty="0"/>
+            <a:endParaRPr lang="en-US" i="1" dirty="0"/>
           </a:p>
           <a:p>
             <a:pPr marL="0" marR="0" lvl="0" indent="0" defTabSz="914400" eaLnBrk="1" fontAlgn="auto" latinLnBrk="0" hangingPunct="1">
@@ -29060,7 +29457,7 @@
       </p:sp>
       <p:pic>
         <p:nvPicPr>
-          <p:cNvPr id="5" name="Picture 4"/>
+          <p:cNvPr id="4" name="Bildobjekt 3"/>
           <p:cNvPicPr>
             <a:picLocks noChangeAspect="1"/>
           </p:cNvPicPr>
@@ -29080,8 +29477,8 @@
         </p:blipFill>
         <p:spPr>
           <a:xfrm>
-            <a:off x="5897880" y="2122594"/>
-            <a:ext cx="5257800" cy="3746500"/>
+            <a:off x="5697855" y="2201969"/>
+            <a:ext cx="5457825" cy="3667125"/>
           </a:xfrm>
           <a:prstGeom prst="rect">
             <a:avLst/>
@@ -29178,36 +29575,36 @@
               <a:defRPr/>
             </a:pPr>
             <a:r>
-              <a:rPr lang="en-US" dirty="0" smtClean="0"/>
+              <a:rPr lang="en-US" i="1" dirty="0" smtClean="0"/>
               <a:t>“</a:t>
             </a:r>
             <a:r>
-              <a:rPr lang="is-IS" dirty="0"/>
+              <a:rPr lang="is-IS" i="1" dirty="0"/>
               <a:t>…</a:t>
             </a:r>
             <a:r>
-              <a:rPr lang="en-US" dirty="0"/>
+              <a:rPr lang="en-US" i="1" dirty="0"/>
               <a:t> as long as there are more reliable nodes,</a:t>
             </a:r>
             <a:br>
-              <a:rPr lang="en-US" dirty="0"/>
+              <a:rPr lang="en-US" i="1" dirty="0"/>
             </a:br>
             <a:r>
-              <a:rPr lang="en-US" dirty="0"/>
+              <a:rPr lang="en-US" i="1" dirty="0"/>
               <a:t>move replicas to those </a:t>
             </a:r>
             <a:r>
-              <a:rPr lang="en-US" dirty="0" smtClean="0"/>
+              <a:rPr lang="en-US" i="1" dirty="0" smtClean="0"/>
               <a:t>nodes, </a:t>
             </a:r>
             <a:r>
-              <a:rPr lang="is-IS" dirty="0" smtClean="0"/>
+              <a:rPr lang="is-IS" i="1" dirty="0" smtClean="0"/>
               <a:t>...”</a:t>
             </a:r>
-            <a:endParaRPr lang="en-US" dirty="0"/>
-          </a:p>
-          <a:p>
-            <a:pPr marL="0" marR="0" lvl="0" indent="0" defTabSz="914400" eaLnBrk="1" fontAlgn="auto" latinLnBrk="0" hangingPunct="1">
+            <a:endParaRPr lang="en-US" i="1" dirty="0"/>
+          </a:p>
+          <a:p>
+            <a:pPr lvl="1">
               <a:lnSpc>
                 <a:spcPct val="100000"/>
               </a:lnSpc>
@@ -29217,20 +29614,21 @@
               <a:spcAft>
                 <a:spcPts val="0"/>
               </a:spcAft>
-              <a:buClrTx/>
-              <a:buSzTx/>
-              <a:buFont typeface="Arial" charset="0"/>
-              <a:buNone/>
-              <a:tabLst/>
+              <a:buFont typeface="Arial" panose="020B0604020202020204" pitchFamily="34" charset="0"/>
+              <a:buChar char="•"/>
               <a:defRPr/>
             </a:pPr>
+            <a:r>
+              <a:rPr lang="en-US" dirty="0" smtClean="0"/>
+              <a:t>Create replica on E</a:t>
+            </a:r>
             <a:endParaRPr lang="en-US" dirty="0" smtClean="0"/>
           </a:p>
         </p:txBody>
       </p:sp>
       <p:pic>
         <p:nvPicPr>
-          <p:cNvPr id="6" name="Content Placeholder 3"/>
+          <p:cNvPr id="4" name="Bildobjekt 3"/>
           <p:cNvPicPr>
             <a:picLocks noChangeAspect="1"/>
           </p:cNvPicPr>
@@ -29250,8 +29648,8 @@
         </p:blipFill>
         <p:spPr>
           <a:xfrm>
-            <a:off x="5885180" y="2122594"/>
-            <a:ext cx="5270500" cy="3746500"/>
+            <a:off x="5698058" y="2201969"/>
+            <a:ext cx="5467350" cy="3667125"/>
           </a:xfrm>
           <a:prstGeom prst="rect">
             <a:avLst/>
@@ -29348,36 +29746,36 @@
               <a:defRPr/>
             </a:pPr>
             <a:r>
-              <a:rPr lang="en-US" dirty="0"/>
+              <a:rPr lang="en-US" i="1" dirty="0"/>
               <a:t>“</a:t>
             </a:r>
             <a:r>
-              <a:rPr lang="is-IS" dirty="0"/>
+              <a:rPr lang="is-IS" i="1" dirty="0"/>
               <a:t>…</a:t>
             </a:r>
             <a:r>
-              <a:rPr lang="en-US" dirty="0"/>
+              <a:rPr lang="en-US" i="1" dirty="0"/>
               <a:t> as long as there are more reliable nodes,</a:t>
             </a:r>
             <a:br>
-              <a:rPr lang="en-US" dirty="0"/>
+              <a:rPr lang="en-US" i="1" dirty="0"/>
             </a:br>
             <a:r>
-              <a:rPr lang="en-US" dirty="0"/>
+              <a:rPr lang="en-US" i="1" dirty="0"/>
               <a:t>move replicas to those nodes</a:t>
             </a:r>
             <a:r>
-              <a:rPr lang="en-US" dirty="0" smtClean="0"/>
+              <a:rPr lang="en-US" i="1" dirty="0" smtClean="0"/>
               <a:t>, </a:t>
             </a:r>
             <a:r>
-              <a:rPr lang="is-IS" dirty="0" smtClean="0"/>
+              <a:rPr lang="is-IS" i="1" dirty="0" smtClean="0"/>
               <a:t>...”</a:t>
             </a:r>
-            <a:endParaRPr lang="en-US" dirty="0"/>
-          </a:p>
-          <a:p>
-            <a:pPr marL="0" marR="0" lvl="0" indent="0" defTabSz="914400" eaLnBrk="1" fontAlgn="auto" latinLnBrk="0" hangingPunct="1">
+            <a:endParaRPr lang="en-US" i="1" dirty="0"/>
+          </a:p>
+          <a:p>
+            <a:pPr lvl="1">
               <a:lnSpc>
                 <a:spcPct val="100000"/>
               </a:lnSpc>
@@ -29387,20 +29785,21 @@
               <a:spcAft>
                 <a:spcPts val="0"/>
               </a:spcAft>
-              <a:buClrTx/>
-              <a:buSzTx/>
-              <a:buFont typeface="Arial" charset="0"/>
-              <a:buNone/>
-              <a:tabLst/>
+              <a:buFont typeface="Arial" panose="020B0604020202020204" pitchFamily="34" charset="0"/>
+              <a:buChar char="•"/>
               <a:defRPr/>
             </a:pPr>
+            <a:r>
+              <a:rPr lang="en-US" dirty="0" smtClean="0"/>
+              <a:t>Remove replica from D</a:t>
+            </a:r>
             <a:endParaRPr lang="en-US" dirty="0" smtClean="0"/>
           </a:p>
         </p:txBody>
       </p:sp>
       <p:pic>
         <p:nvPicPr>
-          <p:cNvPr id="4" name="Picture 3"/>
+          <p:cNvPr id="5" name="Bildobjekt 4"/>
           <p:cNvPicPr>
             <a:picLocks noChangeAspect="1"/>
           </p:cNvPicPr>
@@ -29420,8 +29819,8 @@
         </p:blipFill>
         <p:spPr>
           <a:xfrm>
-            <a:off x="5885180" y="2122594"/>
-            <a:ext cx="5270500" cy="3746500"/>
+            <a:off x="5698058" y="2201969"/>
+            <a:ext cx="5467350" cy="3667125"/>
           </a:xfrm>
           <a:prstGeom prst="rect">
             <a:avLst/>
@@ -29487,149 +29886,219 @@
           </a:p>
         </p:txBody>
       </p:sp>
-      <p:sp>
-        <p:nvSpPr>
-          <p:cNvPr id="3" name="Content Placeholder 2"/>
-          <p:cNvSpPr>
-            <a:spLocks noGrp="1"/>
-          </p:cNvSpPr>
-          <p:nvPr>
-            <p:ph idx="1"/>
-          </p:nvPr>
-        </p:nvSpPr>
-        <p:spPr/>
-        <p:txBody>
-          <a:bodyPr/>
-          <a:lstStyle/>
-          <a:p>
-            <a:pPr marL="0" indent="0">
-              <a:lnSpc>
-                <a:spcPct val="100000"/>
-              </a:lnSpc>
-              <a:spcBef>
-                <a:spcPts val="0"/>
-              </a:spcBef>
-              <a:spcAft>
-                <a:spcPts val="0"/>
-              </a:spcAft>
-              <a:buClrTx/>
-              <a:buSzTx/>
-              <a:buNone/>
-              <a:defRPr/>
-            </a:pPr>
-            <a:r>
-              <a:rPr lang="en-US" dirty="0" smtClean="0"/>
-              <a:t>“</a:t>
-            </a:r>
-            <a:r>
-              <a:rPr lang="is-IS" dirty="0"/>
-              <a:t>…</a:t>
-            </a:r>
-            <a:r>
-              <a:rPr lang="en-US" dirty="0"/>
-              <a:t> as long as there are more reliable nodes,</a:t>
-            </a:r>
-            <a:br>
-              <a:rPr lang="en-US" dirty="0"/>
-            </a:br>
-            <a:r>
-              <a:rPr lang="en-US" dirty="0"/>
-              <a:t>move replicas to those </a:t>
-            </a:r>
-            <a:r>
-              <a:rPr lang="en-US" dirty="0" smtClean="0"/>
-              <a:t>nodes, ...”</a:t>
-            </a:r>
-          </a:p>
-          <a:p>
-            <a:pPr marL="0" indent="0">
-              <a:lnSpc>
-                <a:spcPct val="100000"/>
-              </a:lnSpc>
-              <a:spcBef>
-                <a:spcPts val="0"/>
-              </a:spcBef>
-              <a:spcAft>
-                <a:spcPts val="0"/>
-              </a:spcAft>
-              <a:buClrTx/>
-              <a:buSzTx/>
-              <a:buNone/>
-              <a:defRPr/>
-            </a:pPr>
-            <a:endParaRPr lang="en-US" dirty="0" smtClean="0"/>
-          </a:p>
-          <a:p>
-            <a:pPr marL="0" indent="0">
-              <a:lnSpc>
-                <a:spcPct val="100000"/>
-              </a:lnSpc>
-              <a:spcBef>
-                <a:spcPts val="0"/>
-              </a:spcBef>
-              <a:spcAft>
-                <a:spcPts val="0"/>
-              </a:spcAft>
-              <a:buClrTx/>
-              <a:buSzTx/>
-              <a:buNone/>
-              <a:defRPr/>
-            </a:pPr>
-            <a:r>
-              <a:rPr lang="en-US" dirty="0" smtClean="0"/>
-              <a:t>We’re done.</a:t>
-            </a:r>
-          </a:p>
-          <a:p>
-            <a:pPr marL="0" indent="0">
-              <a:lnSpc>
-                <a:spcPct val="100000"/>
-              </a:lnSpc>
-              <a:spcBef>
-                <a:spcPts val="0"/>
-              </a:spcBef>
-              <a:spcAft>
-                <a:spcPts val="0"/>
-              </a:spcAft>
-              <a:buClrTx/>
-              <a:buSzTx/>
-              <a:buNone/>
-              <a:defRPr/>
-            </a:pPr>
-            <a:endParaRPr lang="en-US" dirty="0"/>
-          </a:p>
-          <a:p>
-            <a:pPr marL="0" marR="0" lvl="0" indent="0" defTabSz="914400" eaLnBrk="1" fontAlgn="auto" latinLnBrk="0" hangingPunct="1">
-              <a:lnSpc>
-                <a:spcPct val="100000"/>
-              </a:lnSpc>
-              <a:spcBef>
-                <a:spcPts val="0"/>
-              </a:spcBef>
-              <a:spcAft>
-                <a:spcPts val="0"/>
-              </a:spcAft>
-              <a:buClrTx/>
-              <a:buSzTx/>
-              <a:buFont typeface="Arial" charset="0"/>
-              <a:buNone/>
-              <a:tabLst/>
-              <a:defRPr/>
-            </a:pPr>
-            <a:endParaRPr lang="en-US" dirty="0" smtClean="0"/>
-          </a:p>
-        </p:txBody>
-      </p:sp>
+      <mc:AlternateContent xmlns:mc="http://schemas.openxmlformats.org/markup-compatibility/2006">
+        <mc:Choice xmlns:a14="http://schemas.microsoft.com/office/drawing/2010/main" Requires="a14">
+          <p:sp>
+            <p:nvSpPr>
+              <p:cNvPr id="3" name="Content Placeholder 2"/>
+              <p:cNvSpPr>
+                <a:spLocks noGrp="1"/>
+              </p:cNvSpPr>
+              <p:nvPr>
+                <p:ph idx="1"/>
+              </p:nvPr>
+            </p:nvSpPr>
+            <p:spPr/>
+            <p:txBody>
+              <a:bodyPr/>
+              <a:lstStyle/>
+              <a:p>
+                <a:pPr marL="0" indent="0">
+                  <a:lnSpc>
+                    <a:spcPct val="100000"/>
+                  </a:lnSpc>
+                  <a:spcBef>
+                    <a:spcPts val="0"/>
+                  </a:spcBef>
+                  <a:spcAft>
+                    <a:spcPts val="0"/>
+                  </a:spcAft>
+                  <a:buClrTx/>
+                  <a:buSzTx/>
+                  <a:buNone/>
+                  <a:defRPr/>
+                </a:pPr>
+                <a:r>
+                  <a:rPr lang="en-US" i="1" dirty="0" smtClean="0"/>
+                  <a:t>“</a:t>
+                </a:r>
+                <a:r>
+                  <a:rPr lang="is-IS" i="1" dirty="0"/>
+                  <a:t>…</a:t>
+                </a:r>
+                <a:r>
+                  <a:rPr lang="en-US" i="1" dirty="0"/>
+                  <a:t> as long as there are more reliable nodes,</a:t>
+                </a:r>
+                <a:br>
+                  <a:rPr lang="en-US" i="1" dirty="0"/>
+                </a:br>
+                <a:r>
+                  <a:rPr lang="en-US" i="1" dirty="0"/>
+                  <a:t>move replicas to those </a:t>
+                </a:r>
+                <a:r>
+                  <a:rPr lang="en-US" i="1" dirty="0" smtClean="0"/>
+                  <a:t>nodes, </a:t>
+                </a:r>
+                <a:r>
+                  <a:rPr lang="en-US" i="1" dirty="0" smtClean="0"/>
+                  <a:t>...”</a:t>
+                </a:r>
+                <a:endParaRPr lang="en-US" i="1" dirty="0" smtClean="0">
+                  <a:latin typeface="Cambria Math" panose="02040503050406030204" pitchFamily="18" charset="0"/>
+                </a:endParaRPr>
+              </a:p>
+              <a:p>
+                <a:pPr lvl="1">
+                  <a:lnSpc>
+                    <a:spcPct val="100000"/>
+                  </a:lnSpc>
+                  <a:spcBef>
+                    <a:spcPts val="0"/>
+                  </a:spcBef>
+                  <a:spcAft>
+                    <a:spcPts val="0"/>
+                  </a:spcAft>
+                  <a:buFont typeface="Arial" panose="020B0604020202020204" pitchFamily="34" charset="0"/>
+                  <a:buChar char="•"/>
+                  <a:defRPr/>
+                </a:pPr>
+                <a14:m>
+                  <m:oMath xmlns:m="http://schemas.openxmlformats.org/officeDocument/2006/math">
+                    <m:r>
+                      <a:rPr lang="en-US" i="1" dirty="0" smtClean="0">
+                        <a:latin typeface="Cambria Math" panose="02040503050406030204" pitchFamily="18" charset="0"/>
+                      </a:rPr>
+                      <m:t>0.85 </m:t>
+                    </m:r>
+                    <m:r>
+                      <a:rPr lang="en-US" i="1" dirty="0" smtClean="0">
+                        <a:latin typeface="Cambria Math" panose="02040503050406030204" pitchFamily="18" charset="0"/>
+                        <a:ea typeface="Cambria Math" panose="02040503050406030204" pitchFamily="18" charset="0"/>
+                      </a:rPr>
+                      <m:t>≯</m:t>
+                    </m:r>
+                    <m:r>
+                      <a:rPr lang="sv-SE" b="0" i="1" dirty="0" smtClean="0">
+                        <a:latin typeface="Cambria Math" panose="02040503050406030204" pitchFamily="18" charset="0"/>
+                        <a:ea typeface="Cambria Math" panose="02040503050406030204" pitchFamily="18" charset="0"/>
+                      </a:rPr>
+                      <m:t>0.9</m:t>
+                    </m:r>
+                  </m:oMath>
+                </a14:m>
+                <a:endParaRPr lang="en-US" dirty="0" smtClean="0"/>
+              </a:p>
+              <a:p>
+                <a:pPr lvl="1">
+                  <a:lnSpc>
+                    <a:spcPct val="100000"/>
+                  </a:lnSpc>
+                  <a:spcBef>
+                    <a:spcPts val="0"/>
+                  </a:spcBef>
+                  <a:spcAft>
+                    <a:spcPts val="0"/>
+                  </a:spcAft>
+                  <a:buFont typeface="Arial" panose="020B0604020202020204" pitchFamily="34" charset="0"/>
+                  <a:buChar char="•"/>
+                  <a:defRPr/>
+                </a:pPr>
+                <a:r>
+                  <a:rPr lang="en-US" dirty="0" smtClean="0"/>
+                  <a:t>We’re </a:t>
+                </a:r>
+                <a:r>
+                  <a:rPr lang="en-US" dirty="0" smtClean="0"/>
+                  <a:t>done.</a:t>
+                </a:r>
+              </a:p>
+              <a:p>
+                <a:pPr marL="0" indent="0">
+                  <a:lnSpc>
+                    <a:spcPct val="100000"/>
+                  </a:lnSpc>
+                  <a:spcBef>
+                    <a:spcPts val="0"/>
+                  </a:spcBef>
+                  <a:spcAft>
+                    <a:spcPts val="0"/>
+                  </a:spcAft>
+                  <a:buClrTx/>
+                  <a:buSzTx/>
+                  <a:buNone/>
+                  <a:defRPr/>
+                </a:pPr>
+                <a:endParaRPr lang="en-US" dirty="0"/>
+              </a:p>
+              <a:p>
+                <a:pPr marL="0" marR="0" lvl="0" indent="0" defTabSz="914400" eaLnBrk="1" fontAlgn="auto" latinLnBrk="0" hangingPunct="1">
+                  <a:lnSpc>
+                    <a:spcPct val="100000"/>
+                  </a:lnSpc>
+                  <a:spcBef>
+                    <a:spcPts val="0"/>
+                  </a:spcBef>
+                  <a:spcAft>
+                    <a:spcPts val="0"/>
+                  </a:spcAft>
+                  <a:buClrTx/>
+                  <a:buSzTx/>
+                  <a:buFont typeface="Arial" charset="0"/>
+                  <a:buNone/>
+                  <a:tabLst/>
+                  <a:defRPr/>
+                </a:pPr>
+                <a:endParaRPr lang="en-US" dirty="0" smtClean="0"/>
+              </a:p>
+            </p:txBody>
+          </p:sp>
+        </mc:Choice>
+        <mc:Fallback>
+          <p:sp>
+            <p:nvSpPr>
+              <p:cNvPr id="3" name="Content Placeholder 2"/>
+              <p:cNvSpPr>
+                <a:spLocks noGrp="1" noRot="1" noChangeAspect="1" noMove="1" noResize="1" noEditPoints="1" noAdjustHandles="1" noChangeArrowheads="1" noChangeShapeType="1" noTextEdit="1"/>
+              </p:cNvSpPr>
+              <p:nvPr>
+                <p:ph idx="1"/>
+              </p:nvPr>
+            </p:nvSpPr>
+            <p:spPr>
+              <a:blipFill rotWithShape="0">
+                <a:blip r:embed="rId3"/>
+                <a:stretch>
+                  <a:fillRect l="-1515" t="-909"/>
+                </a:stretch>
+              </a:blipFill>
+            </p:spPr>
+            <p:txBody>
+              <a:bodyPr/>
+              <a:lstStyle/>
+              <a:p>
+                <a:r>
+                  <a:rPr lang="sv-SE">
+                    <a:noFill/>
+                  </a:rPr>
+                  <a:t> </a:t>
+                </a:r>
+              </a:p>
+            </p:txBody>
+          </p:sp>
+        </mc:Fallback>
+      </mc:AlternateContent>
       <p:pic>
         <p:nvPicPr>
-          <p:cNvPr id="4" name="Picture 3"/>
+          <p:cNvPr id="5" name="Bildobjekt 4"/>
           <p:cNvPicPr>
             <a:picLocks noChangeAspect="1"/>
           </p:cNvPicPr>
           <p:nvPr/>
         </p:nvPicPr>
         <p:blipFill>
-          <a:blip r:embed="rId3">
+          <a:blip r:embed="rId4">
             <a:extLst>
               <a:ext uri="{28A0092B-C50C-407E-A947-70E740481C1C}">
                 <a14:useLocalDpi xmlns:a14="http://schemas.microsoft.com/office/drawing/2010/main" val="0"/>
@@ -29642,8 +30111,8 @@
         </p:blipFill>
         <p:spPr>
           <a:xfrm>
-            <a:off x="5885180" y="2122594"/>
-            <a:ext cx="5270500" cy="3746500"/>
+            <a:off x="5698058" y="2201969"/>
+            <a:ext cx="5467350" cy="3667125"/>
           </a:xfrm>
           <a:prstGeom prst="rect">
             <a:avLst/>
@@ -29740,18 +30209,18 @@
               <a:defRPr/>
             </a:pPr>
             <a:r>
-              <a:rPr lang="en-GB" dirty="0" smtClean="0"/>
+              <a:rPr lang="en-GB" i="1" dirty="0" smtClean="0"/>
               <a:t>“</a:t>
             </a:r>
             <a:r>
-              <a:rPr lang="is-IS" dirty="0" smtClean="0"/>
+              <a:rPr lang="is-IS" i="1" dirty="0" smtClean="0"/>
               <a:t>… delete the least reliable one as long as </a:t>
             </a:r>
             <a:br>
-              <a:rPr lang="is-IS" dirty="0" smtClean="0"/>
+              <a:rPr lang="is-IS" i="1" dirty="0" smtClean="0"/>
             </a:br>
             <a:r>
-              <a:rPr lang="is-IS" dirty="0" smtClean="0"/>
+              <a:rPr lang="is-IS" i="1" dirty="0" smtClean="0"/>
               <a:t>the required reliability is still met ...”</a:t>
             </a:r>
           </a:p>
@@ -29777,13 +30246,13 @@
       </p:sp>
       <p:pic>
         <p:nvPicPr>
-          <p:cNvPr id="4" name="Picture 3"/>
+          <p:cNvPr id="6" name="Bildobjekt 5"/>
           <p:cNvPicPr>
             <a:picLocks noChangeAspect="1"/>
           </p:cNvPicPr>
           <p:nvPr/>
         </p:nvPicPr>
-        <p:blipFill>
+        <p:blipFill rotWithShape="1">
           <a:blip r:embed="rId3">
             <a:extLst>
               <a:ext uri="{28A0092B-C50C-407E-A947-70E740481C1C}">
@@ -29791,14 +30260,13 @@
               </a:ext>
             </a:extLst>
           </a:blip>
-          <a:stretch>
-            <a:fillRect/>
-          </a:stretch>
+          <a:srcRect r="17523"/>
+          <a:stretch/>
         </p:blipFill>
         <p:spPr>
           <a:xfrm>
-            <a:off x="5885180" y="2122594"/>
-            <a:ext cx="5270500" cy="3746500"/>
+            <a:off x="1097280" y="2965459"/>
+            <a:ext cx="4554490" cy="1771912"/>
           </a:xfrm>
           <a:prstGeom prst="rect">
             <a:avLst/>
@@ -29807,7 +30275,7 @@
       </p:pic>
       <p:pic>
         <p:nvPicPr>
-          <p:cNvPr id="5" name="Picture 4"/>
+          <p:cNvPr id="7" name="Bildobjekt 6"/>
           <p:cNvPicPr>
             <a:picLocks noChangeAspect="1"/>
           </p:cNvPicPr>
@@ -29827,8 +30295,8 @@
         </p:blipFill>
         <p:spPr>
           <a:xfrm>
-            <a:off x="1098348" y="2984905"/>
-            <a:ext cx="4806453" cy="1745018"/>
+            <a:off x="5698058" y="2201969"/>
+            <a:ext cx="5467350" cy="3667125"/>
           </a:xfrm>
           <a:prstGeom prst="rect">
             <a:avLst/>
@@ -29894,248 +30362,539 @@
           </a:p>
         </p:txBody>
       </p:sp>
-      <p:sp>
-        <p:nvSpPr>
-          <p:cNvPr id="3" name="Content Placeholder 2"/>
-          <p:cNvSpPr>
-            <a:spLocks noGrp="1"/>
-          </p:cNvSpPr>
-          <p:nvPr>
-            <p:ph idx="1"/>
-          </p:nvPr>
-        </p:nvSpPr>
-        <p:spPr/>
-        <p:txBody>
-          <a:bodyPr/>
-          <a:lstStyle/>
-          <a:p>
-            <a:pPr marL="0" indent="0">
-              <a:lnSpc>
-                <a:spcPct val="100000"/>
-              </a:lnSpc>
-              <a:spcBef>
-                <a:spcPts val="0"/>
-              </a:spcBef>
-              <a:spcAft>
-                <a:spcPts val="0"/>
-              </a:spcAft>
-              <a:buClrTx/>
-              <a:buSzTx/>
-              <a:buNone/>
-              <a:defRPr/>
-            </a:pPr>
-            <a:r>
-              <a:rPr lang="en-GB" dirty="0" smtClean="0"/>
-              <a:t>“</a:t>
-            </a:r>
-            <a:r>
-              <a:rPr lang="is-IS" dirty="0" smtClean="0"/>
-              <a:t>… delete the least reliable one as long as </a:t>
-            </a:r>
-            <a:br>
-              <a:rPr lang="is-IS" dirty="0" smtClean="0"/>
-            </a:br>
-            <a:r>
-              <a:rPr lang="is-IS" dirty="0" smtClean="0"/>
-              <a:t>the required reliability is still met ...”</a:t>
-            </a:r>
-          </a:p>
-          <a:p>
-            <a:pPr marL="0" indent="0">
-              <a:lnSpc>
-                <a:spcPct val="100000"/>
-              </a:lnSpc>
-              <a:spcBef>
-                <a:spcPts val="0"/>
-              </a:spcBef>
-              <a:spcAft>
-                <a:spcPts val="0"/>
-              </a:spcAft>
-              <a:buClrTx/>
-              <a:buSzTx/>
-              <a:buNone/>
-              <a:defRPr/>
-            </a:pPr>
-            <a:endParaRPr lang="is-IS" dirty="0"/>
-          </a:p>
-          <a:p>
-            <a:pPr marL="0" indent="0">
-              <a:lnSpc>
-                <a:spcPct val="100000"/>
-              </a:lnSpc>
-              <a:spcBef>
-                <a:spcPts val="0"/>
-              </a:spcBef>
-              <a:spcAft>
-                <a:spcPts val="0"/>
-              </a:spcAft>
-              <a:buClrTx/>
-              <a:buSzTx/>
-              <a:buNone/>
-              <a:defRPr/>
-            </a:pPr>
-            <a:r>
-              <a:rPr lang="is-IS" dirty="0" smtClean="0"/>
-              <a:t>Required reliability: </a:t>
-            </a:r>
-            <a:r>
-              <a:rPr lang="is-IS" b="1" dirty="0" smtClean="0"/>
-              <a:t>0.999</a:t>
-            </a:r>
-          </a:p>
-          <a:p>
-            <a:pPr marL="0" indent="0">
-              <a:lnSpc>
-                <a:spcPct val="100000"/>
-              </a:lnSpc>
-              <a:spcBef>
-                <a:spcPts val="0"/>
-              </a:spcBef>
-              <a:spcAft>
-                <a:spcPts val="0"/>
-              </a:spcAft>
-              <a:buClrTx/>
-              <a:buSzTx/>
-              <a:buNone/>
-              <a:defRPr/>
-            </a:pPr>
-            <a:r>
-              <a:rPr lang="is-IS" dirty="0" smtClean="0"/>
-              <a:t>Actual: 1 – (1 – 0.99) * (1 – 0.95) * (1 – 0.9)</a:t>
-            </a:r>
-            <a:br>
-              <a:rPr lang="is-IS" dirty="0" smtClean="0"/>
-            </a:br>
-            <a:r>
-              <a:rPr lang="is-IS" dirty="0" smtClean="0"/>
-              <a:t>	= </a:t>
-            </a:r>
-            <a:r>
-              <a:rPr lang="nb-NO" b="1" dirty="0"/>
-              <a:t>0.99995</a:t>
-            </a:r>
-            <a:r>
-              <a:rPr lang="is-IS" b="1" dirty="0" smtClean="0"/>
-              <a:t> </a:t>
-            </a:r>
-            <a:endParaRPr lang="en-US" b="1" dirty="0" smtClean="0"/>
-          </a:p>
-          <a:p>
-            <a:pPr marL="0" indent="0">
-              <a:lnSpc>
-                <a:spcPct val="100000"/>
-              </a:lnSpc>
-              <a:spcBef>
-                <a:spcPts val="0"/>
-              </a:spcBef>
-              <a:spcAft>
-                <a:spcPts val="0"/>
-              </a:spcAft>
-              <a:buClrTx/>
-              <a:buSzTx/>
-              <a:buNone/>
-              <a:defRPr/>
-            </a:pPr>
-            <a:endParaRPr lang="en-US" dirty="0"/>
-          </a:p>
-          <a:p>
-            <a:pPr marL="0" marR="0" lvl="0" indent="0" defTabSz="914400" eaLnBrk="1" fontAlgn="auto" latinLnBrk="0" hangingPunct="1">
-              <a:lnSpc>
-                <a:spcPct val="100000"/>
-              </a:lnSpc>
-              <a:spcBef>
-                <a:spcPts val="0"/>
-              </a:spcBef>
-              <a:spcAft>
-                <a:spcPts val="0"/>
-              </a:spcAft>
-              <a:buClrTx/>
-              <a:buSzTx/>
-              <a:buFont typeface="Arial" charset="0"/>
-              <a:buNone/>
-              <a:tabLst/>
-              <a:defRPr/>
-            </a:pPr>
-            <a:r>
-              <a:rPr lang="en-US" dirty="0" smtClean="0"/>
-              <a:t>Reliability without least reliable (A2):</a:t>
-            </a:r>
-          </a:p>
-          <a:p>
-            <a:pPr marL="0" indent="0">
-              <a:lnSpc>
-                <a:spcPct val="100000"/>
-              </a:lnSpc>
-              <a:spcBef>
-                <a:spcPts val="0"/>
-              </a:spcBef>
-              <a:spcAft>
-                <a:spcPts val="0"/>
-              </a:spcAft>
-              <a:buClrTx/>
-              <a:buSzTx/>
-              <a:buNone/>
-              <a:defRPr/>
-            </a:pPr>
-            <a:r>
-              <a:rPr lang="is-IS" dirty="0" smtClean="0"/>
-              <a:t>1 </a:t>
-            </a:r>
-            <a:r>
-              <a:rPr lang="is-IS" dirty="0"/>
-              <a:t>– (</a:t>
-            </a:r>
-            <a:r>
-              <a:rPr lang="is-IS" dirty="0" smtClean="0"/>
-              <a:t>1 – 0.99</a:t>
-            </a:r>
-            <a:r>
-              <a:rPr lang="is-IS" dirty="0"/>
-              <a:t>) * (</a:t>
-            </a:r>
-            <a:r>
-              <a:rPr lang="is-IS" dirty="0" smtClean="0"/>
-              <a:t>1 – 0.95) = </a:t>
-            </a:r>
-            <a:r>
-              <a:rPr lang="it-IT" b="1" dirty="0" smtClean="0"/>
-              <a:t>0.9995</a:t>
-            </a:r>
-          </a:p>
-          <a:p>
-            <a:pPr marL="0" indent="0">
-              <a:lnSpc>
-                <a:spcPct val="100000"/>
-              </a:lnSpc>
-              <a:spcBef>
-                <a:spcPts val="0"/>
-              </a:spcBef>
-              <a:spcAft>
-                <a:spcPts val="0"/>
-              </a:spcAft>
-              <a:buClrTx/>
-              <a:buSzTx/>
-              <a:buNone/>
-              <a:defRPr/>
-            </a:pPr>
-            <a:r>
-              <a:rPr lang="it-IT" dirty="0" smtClean="0"/>
-              <a:t>0.9995 &gt; 0.999 --&gt; Delete A2.</a:t>
-            </a:r>
-            <a:endParaRPr lang="en-US" dirty="0" smtClean="0"/>
-          </a:p>
-        </p:txBody>
-      </p:sp>
+      <mc:AlternateContent xmlns:mc="http://schemas.openxmlformats.org/markup-compatibility/2006">
+        <mc:Choice xmlns:a14="http://schemas.microsoft.com/office/drawing/2010/main" Requires="a14">
+          <p:sp>
+            <p:nvSpPr>
+              <p:cNvPr id="3" name="Content Placeholder 2"/>
+              <p:cNvSpPr>
+                <a:spLocks noGrp="1"/>
+              </p:cNvSpPr>
+              <p:nvPr>
+                <p:ph idx="1"/>
+              </p:nvPr>
+            </p:nvSpPr>
+            <p:spPr/>
+            <p:txBody>
+              <a:bodyPr>
+                <a:normAutofit/>
+              </a:bodyPr>
+              <a:lstStyle/>
+              <a:p>
+                <a:pPr marL="0" indent="0">
+                  <a:lnSpc>
+                    <a:spcPct val="100000"/>
+                  </a:lnSpc>
+                  <a:spcBef>
+                    <a:spcPts val="0"/>
+                  </a:spcBef>
+                  <a:spcAft>
+                    <a:spcPts val="0"/>
+                  </a:spcAft>
+                  <a:buClrTx/>
+                  <a:buSzTx/>
+                  <a:buNone/>
+                  <a:defRPr/>
+                </a:pPr>
+                <a:r>
+                  <a:rPr lang="en-GB" i="1" dirty="0" smtClean="0"/>
+                  <a:t>“</a:t>
+                </a:r>
+                <a:r>
+                  <a:rPr lang="is-IS" i="1" dirty="0" smtClean="0"/>
+                  <a:t>… delete the least reliable one as long as </a:t>
+                </a:r>
+                <a:br>
+                  <a:rPr lang="is-IS" i="1" dirty="0" smtClean="0"/>
+                </a:br>
+                <a:r>
+                  <a:rPr lang="is-IS" i="1" dirty="0" smtClean="0"/>
+                  <a:t>the required reliability is still met ...”</a:t>
+                </a:r>
+              </a:p>
+              <a:p>
+                <a:pPr marL="0" indent="0">
+                  <a:lnSpc>
+                    <a:spcPct val="100000"/>
+                  </a:lnSpc>
+                  <a:spcBef>
+                    <a:spcPts val="0"/>
+                  </a:spcBef>
+                  <a:spcAft>
+                    <a:spcPts val="0"/>
+                  </a:spcAft>
+                  <a:buClrTx/>
+                  <a:buSzTx/>
+                  <a:buNone/>
+                  <a:defRPr/>
+                </a:pPr>
+                <a:endParaRPr lang="is-IS" dirty="0"/>
+              </a:p>
+              <a:p>
+                <a:pPr marL="0" indent="0">
+                  <a:lnSpc>
+                    <a:spcPct val="100000"/>
+                  </a:lnSpc>
+                  <a:spcBef>
+                    <a:spcPts val="0"/>
+                  </a:spcBef>
+                  <a:spcAft>
+                    <a:spcPts val="0"/>
+                  </a:spcAft>
+                  <a:buClrTx/>
+                  <a:buSzTx/>
+                  <a:buNone/>
+                  <a:defRPr/>
+                </a:pPr>
+                <a:r>
+                  <a:rPr lang="is-IS" dirty="0" smtClean="0"/>
+                  <a:t>Required </a:t>
+                </a:r>
+                <a:r>
+                  <a:rPr lang="is-IS" dirty="0" smtClean="0"/>
+                  <a:t>reliability: </a:t>
+                </a:r>
+                <a14:m>
+                  <m:oMath xmlns:m="http://schemas.openxmlformats.org/officeDocument/2006/math">
+                    <m:r>
+                      <a:rPr lang="sv-SE" i="1">
+                        <a:latin typeface="Cambria Math" panose="02040503050406030204" pitchFamily="18" charset="0"/>
+                        <a:ea typeface="Cambria Math" panose="02040503050406030204" pitchFamily="18" charset="0"/>
+                      </a:rPr>
+                      <m:t>0.999</m:t>
+                    </m:r>
+                  </m:oMath>
+                </a14:m>
+                <a:endParaRPr lang="is-IS" dirty="0" smtClean="0"/>
+              </a:p>
+              <a:p>
+                <a:pPr marL="0" lvl="0" indent="0">
+                  <a:lnSpc>
+                    <a:spcPct val="100000"/>
+                  </a:lnSpc>
+                  <a:spcBef>
+                    <a:spcPts val="0"/>
+                  </a:spcBef>
+                  <a:spcAft>
+                    <a:spcPts val="0"/>
+                  </a:spcAft>
+                  <a:buClrTx/>
+                  <a:buSzTx/>
+                  <a:buNone/>
+                  <a:defRPr/>
+                </a:pPr>
+                <a:r>
+                  <a:rPr lang="sv-SE" dirty="0" err="1" smtClean="0"/>
+                  <a:t>Current</a:t>
+                </a:r>
+                <a:r>
+                  <a:rPr lang="sv-SE" dirty="0" smtClean="0"/>
+                  <a:t> </a:t>
+                </a:r>
+                <a:r>
+                  <a:rPr lang="is-IS" dirty="0" smtClean="0"/>
+                  <a:t>reliability</a:t>
+                </a:r>
+                <a:r>
+                  <a:rPr lang="sv-SE" dirty="0" smtClean="0"/>
+                  <a:t>:</a:t>
+                </a:r>
+              </a:p>
+              <a:p>
+                <a:pPr marL="0" lvl="0" indent="0">
+                  <a:lnSpc>
+                    <a:spcPct val="100000"/>
+                  </a:lnSpc>
+                  <a:spcBef>
+                    <a:spcPts val="0"/>
+                  </a:spcBef>
+                  <a:spcAft>
+                    <a:spcPts val="0"/>
+                  </a:spcAft>
+                  <a:buClrTx/>
+                  <a:buSzTx/>
+                  <a:buNone/>
+                  <a:defRPr/>
+                </a:pPr>
+                <a:r>
+                  <a:rPr lang="sv-SE" dirty="0" smtClean="0"/>
+                  <a:t> </a:t>
+                </a:r>
+                <a14:m>
+                  <m:oMath xmlns:m="http://schemas.openxmlformats.org/officeDocument/2006/math">
+                    <m:r>
+                      <a:rPr lang="sv-SE" i="1">
+                        <a:latin typeface="Cambria Math" panose="02040503050406030204" pitchFamily="18" charset="0"/>
+                      </a:rPr>
+                      <m:t>1−</m:t>
+                    </m:r>
+                    <m:d>
+                      <m:dPr>
+                        <m:ctrlPr>
+                          <a:rPr lang="sv-SE" i="1">
+                            <a:latin typeface="Cambria Math" panose="02040503050406030204" pitchFamily="18" charset="0"/>
+                          </a:rPr>
+                        </m:ctrlPr>
+                      </m:dPr>
+                      <m:e>
+                        <m:r>
+                          <a:rPr lang="sv-SE" i="1">
+                            <a:latin typeface="Cambria Math" panose="02040503050406030204" pitchFamily="18" charset="0"/>
+                          </a:rPr>
+                          <m:t>1−0.9</m:t>
+                        </m:r>
+                        <m:r>
+                          <a:rPr lang="sv-SE" b="0" i="1" smtClean="0">
+                            <a:latin typeface="Cambria Math" panose="02040503050406030204" pitchFamily="18" charset="0"/>
+                          </a:rPr>
+                          <m:t>9</m:t>
+                        </m:r>
+                      </m:e>
+                    </m:d>
+                    <m:r>
+                      <a:rPr lang="sv-SE" i="1" smtClean="0">
+                        <a:latin typeface="Cambria Math" panose="02040503050406030204" pitchFamily="18" charset="0"/>
+                        <a:ea typeface="Cambria Math" panose="02040503050406030204" pitchFamily="18" charset="0"/>
+                      </a:rPr>
+                      <m:t>∙</m:t>
+                    </m:r>
+                    <m:d>
+                      <m:dPr>
+                        <m:ctrlPr>
+                          <a:rPr lang="sv-SE" b="0" i="1" smtClean="0">
+                            <a:latin typeface="Cambria Math" panose="02040503050406030204" pitchFamily="18" charset="0"/>
+                            <a:ea typeface="Cambria Math" panose="02040503050406030204" pitchFamily="18" charset="0"/>
+                          </a:rPr>
+                        </m:ctrlPr>
+                      </m:dPr>
+                      <m:e>
+                        <m:r>
+                          <a:rPr lang="sv-SE" b="0" i="1" smtClean="0">
+                            <a:latin typeface="Cambria Math" panose="02040503050406030204" pitchFamily="18" charset="0"/>
+                            <a:ea typeface="Cambria Math" panose="02040503050406030204" pitchFamily="18" charset="0"/>
+                          </a:rPr>
+                          <m:t>1−0.95</m:t>
+                        </m:r>
+                      </m:e>
+                    </m:d>
+                    <m:r>
+                      <a:rPr lang="sv-SE" i="1" smtClean="0">
+                        <a:latin typeface="Cambria Math" panose="02040503050406030204" pitchFamily="18" charset="0"/>
+                        <a:ea typeface="Cambria Math" panose="02040503050406030204" pitchFamily="18" charset="0"/>
+                      </a:rPr>
+                      <m:t>∙</m:t>
+                    </m:r>
+                    <m:d>
+                      <m:dPr>
+                        <m:ctrlPr>
+                          <a:rPr lang="sv-SE" i="1">
+                            <a:latin typeface="Cambria Math" panose="02040503050406030204" pitchFamily="18" charset="0"/>
+                            <a:ea typeface="Cambria Math" panose="02040503050406030204" pitchFamily="18" charset="0"/>
+                          </a:rPr>
+                        </m:ctrlPr>
+                      </m:dPr>
+                      <m:e>
+                        <m:r>
+                          <a:rPr lang="sv-SE" i="1">
+                            <a:latin typeface="Cambria Math" panose="02040503050406030204" pitchFamily="18" charset="0"/>
+                            <a:ea typeface="Cambria Math" panose="02040503050406030204" pitchFamily="18" charset="0"/>
+                          </a:rPr>
+                          <m:t>1−0.9</m:t>
+                        </m:r>
+                      </m:e>
+                    </m:d>
+                  </m:oMath>
+                </a14:m>
+                <a:endParaRPr lang="sv-SE" i="1" dirty="0" smtClean="0">
+                  <a:latin typeface="Cambria Math" panose="02040503050406030204" pitchFamily="18" charset="0"/>
+                  <a:ea typeface="Cambria Math" panose="02040503050406030204" pitchFamily="18" charset="0"/>
+                </a:endParaRPr>
+              </a:p>
+              <a:p>
+                <a:pPr marL="0" lvl="0" indent="0">
+                  <a:lnSpc>
+                    <a:spcPct val="100000"/>
+                  </a:lnSpc>
+                  <a:spcBef>
+                    <a:spcPts val="0"/>
+                  </a:spcBef>
+                  <a:spcAft>
+                    <a:spcPts val="0"/>
+                  </a:spcAft>
+                  <a:buClrTx/>
+                  <a:buSzTx/>
+                  <a:buNone/>
+                  <a:defRPr/>
+                </a:pPr>
+                <a:r>
+                  <a:rPr lang="sv-SE" b="0" dirty="0" smtClean="0">
+                    <a:ea typeface="Cambria Math" panose="02040503050406030204" pitchFamily="18" charset="0"/>
+                  </a:rPr>
+                  <a:t>   </a:t>
+                </a:r>
+                <a14:m>
+                  <m:oMath xmlns:m="http://schemas.openxmlformats.org/officeDocument/2006/math">
+                    <m:r>
+                      <a:rPr lang="sv-SE" b="0" i="1" smtClean="0">
+                        <a:latin typeface="Cambria Math" panose="02040503050406030204" pitchFamily="18" charset="0"/>
+                        <a:ea typeface="Cambria Math" panose="02040503050406030204" pitchFamily="18" charset="0"/>
+                      </a:rPr>
+                      <m:t>=0.99995</m:t>
+                    </m:r>
+                  </m:oMath>
+                </a14:m>
+                <a:endParaRPr lang="is-IS" b="1" dirty="0" smtClean="0"/>
+              </a:p>
+              <a:p>
+                <a:pPr marL="0" indent="0">
+                  <a:lnSpc>
+                    <a:spcPct val="100000"/>
+                  </a:lnSpc>
+                  <a:spcBef>
+                    <a:spcPts val="0"/>
+                  </a:spcBef>
+                  <a:spcAft>
+                    <a:spcPts val="0"/>
+                  </a:spcAft>
+                  <a:buClrTx/>
+                  <a:buSzTx/>
+                  <a:buNone/>
+                  <a:defRPr/>
+                </a:pPr>
+                <a:endParaRPr lang="en-US" dirty="0"/>
+              </a:p>
+              <a:p>
+                <a:pPr marL="0" marR="0" lvl="0" indent="0" defTabSz="914400" eaLnBrk="1" fontAlgn="auto" latinLnBrk="0" hangingPunct="1">
+                  <a:lnSpc>
+                    <a:spcPct val="100000"/>
+                  </a:lnSpc>
+                  <a:spcBef>
+                    <a:spcPts val="0"/>
+                  </a:spcBef>
+                  <a:spcAft>
+                    <a:spcPts val="0"/>
+                  </a:spcAft>
+                  <a:buClrTx/>
+                  <a:buSzTx/>
+                  <a:buFont typeface="Arial" charset="0"/>
+                  <a:buNone/>
+                  <a:tabLst/>
+                  <a:defRPr/>
+                </a:pPr>
+                <a:r>
+                  <a:rPr lang="en-US" dirty="0" smtClean="0"/>
+                  <a:t>Reliability without least reliable </a:t>
+                </a:r>
+                <a:r>
+                  <a:rPr lang="en-US" dirty="0" smtClean="0"/>
+                  <a:t>(T2):</a:t>
+                </a:r>
+                <a:endParaRPr lang="en-US" dirty="0" smtClean="0"/>
+              </a:p>
+              <a:p>
+                <a:pPr marL="0" lvl="0" indent="0">
+                  <a:lnSpc>
+                    <a:spcPct val="100000"/>
+                  </a:lnSpc>
+                  <a:spcBef>
+                    <a:spcPts val="0"/>
+                  </a:spcBef>
+                  <a:spcAft>
+                    <a:spcPts val="0"/>
+                  </a:spcAft>
+                  <a:buClrTx/>
+                  <a:buSzTx/>
+                  <a:buNone/>
+                  <a:defRPr/>
+                </a:pPr>
+                <a:r>
+                  <a:rPr lang="sv-SE" dirty="0"/>
+                  <a:t> </a:t>
+                </a:r>
+                <a14:m>
+                  <m:oMath xmlns:m="http://schemas.openxmlformats.org/officeDocument/2006/math">
+                    <m:r>
+                      <a:rPr lang="sv-SE" i="1">
+                        <a:latin typeface="Cambria Math" panose="02040503050406030204" pitchFamily="18" charset="0"/>
+                      </a:rPr>
+                      <m:t>1−</m:t>
+                    </m:r>
+                    <m:d>
+                      <m:dPr>
+                        <m:ctrlPr>
+                          <a:rPr lang="sv-SE" i="1">
+                            <a:latin typeface="Cambria Math" panose="02040503050406030204" pitchFamily="18" charset="0"/>
+                          </a:rPr>
+                        </m:ctrlPr>
+                      </m:dPr>
+                      <m:e>
+                        <m:r>
+                          <a:rPr lang="sv-SE" i="1">
+                            <a:latin typeface="Cambria Math" panose="02040503050406030204" pitchFamily="18" charset="0"/>
+                          </a:rPr>
+                          <m:t>1−0.9</m:t>
+                        </m:r>
+                        <m:r>
+                          <a:rPr lang="sv-SE" i="1">
+                            <a:latin typeface="Cambria Math" panose="02040503050406030204" pitchFamily="18" charset="0"/>
+                          </a:rPr>
+                          <m:t>9</m:t>
+                        </m:r>
+                      </m:e>
+                    </m:d>
+                    <m:r>
+                      <a:rPr lang="sv-SE" i="1">
+                        <a:latin typeface="Cambria Math" panose="02040503050406030204" pitchFamily="18" charset="0"/>
+                        <a:ea typeface="Cambria Math" panose="02040503050406030204" pitchFamily="18" charset="0"/>
+                      </a:rPr>
+                      <m:t>∙</m:t>
+                    </m:r>
+                    <m:d>
+                      <m:dPr>
+                        <m:ctrlPr>
+                          <a:rPr lang="sv-SE" i="1">
+                            <a:latin typeface="Cambria Math" panose="02040503050406030204" pitchFamily="18" charset="0"/>
+                            <a:ea typeface="Cambria Math" panose="02040503050406030204" pitchFamily="18" charset="0"/>
+                          </a:rPr>
+                        </m:ctrlPr>
+                      </m:dPr>
+                      <m:e>
+                        <m:r>
+                          <a:rPr lang="sv-SE" i="1">
+                            <a:latin typeface="Cambria Math" panose="02040503050406030204" pitchFamily="18" charset="0"/>
+                            <a:ea typeface="Cambria Math" panose="02040503050406030204" pitchFamily="18" charset="0"/>
+                          </a:rPr>
+                          <m:t>1−0.95</m:t>
+                        </m:r>
+                      </m:e>
+                    </m:d>
+                    <m:r>
+                      <a:rPr lang="sv-SE" i="1">
+                        <a:latin typeface="Cambria Math" panose="02040503050406030204" pitchFamily="18" charset="0"/>
+                        <a:ea typeface="Cambria Math" panose="02040503050406030204" pitchFamily="18" charset="0"/>
+                      </a:rPr>
+                      <m:t>=0.9995</m:t>
+                    </m:r>
+                  </m:oMath>
+                </a14:m>
+                <a:endParaRPr lang="is-IS" b="1" dirty="0"/>
+              </a:p>
+              <a:p>
+                <a:pPr marL="0" indent="0">
+                  <a:lnSpc>
+                    <a:spcPct val="100000"/>
+                  </a:lnSpc>
+                  <a:spcBef>
+                    <a:spcPts val="0"/>
+                  </a:spcBef>
+                  <a:spcAft>
+                    <a:spcPts val="0"/>
+                  </a:spcAft>
+                  <a:buClrTx/>
+                  <a:buSzTx/>
+                  <a:buNone/>
+                  <a:defRPr/>
+                </a:pPr>
+                <a:endParaRPr lang="it-IT" dirty="0" smtClean="0"/>
+              </a:p>
+              <a:p>
+                <a:pPr marL="0" indent="0">
+                  <a:lnSpc>
+                    <a:spcPct val="100000"/>
+                  </a:lnSpc>
+                  <a:spcBef>
+                    <a:spcPts val="0"/>
+                  </a:spcBef>
+                  <a:spcAft>
+                    <a:spcPts val="0"/>
+                  </a:spcAft>
+                  <a:buClrTx/>
+                  <a:buSzTx/>
+                  <a:buNone/>
+                  <a:defRPr/>
+                </a:pPr>
+                <a14:m>
+                  <m:oMath xmlns:m="http://schemas.openxmlformats.org/officeDocument/2006/math">
+                    <m:r>
+                      <a:rPr lang="sv-SE" i="1">
+                        <a:latin typeface="Cambria Math" panose="02040503050406030204" pitchFamily="18" charset="0"/>
+                        <a:ea typeface="Cambria Math" panose="02040503050406030204" pitchFamily="18" charset="0"/>
+                      </a:rPr>
+                      <m:t>0.9995</m:t>
+                    </m:r>
+                    <m:r>
+                      <a:rPr lang="sv-SE" b="0" i="1" smtClean="0">
+                        <a:latin typeface="Cambria Math" panose="02040503050406030204" pitchFamily="18" charset="0"/>
+                        <a:ea typeface="Cambria Math" panose="02040503050406030204" pitchFamily="18" charset="0"/>
+                      </a:rPr>
+                      <m:t>&gt;0.999 →</m:t>
+                    </m:r>
+                    <m:r>
+                      <a:rPr lang="sv-SE" i="1">
+                        <a:latin typeface="Cambria Math" panose="02040503050406030204" pitchFamily="18" charset="0"/>
+                        <a:ea typeface="Cambria Math" panose="02040503050406030204" pitchFamily="18" charset="0"/>
+                      </a:rPr>
+                      <m:t> </m:t>
+                    </m:r>
+                  </m:oMath>
+                </a14:m>
+                <a:r>
+                  <a:rPr lang="it-IT" dirty="0" smtClean="0"/>
+                  <a:t>Delete T2</a:t>
+                </a:r>
+                <a:r>
+                  <a:rPr lang="it-IT" dirty="0" smtClean="0"/>
+                  <a:t>.</a:t>
+                </a:r>
+                <a:endParaRPr lang="en-US" dirty="0" smtClean="0"/>
+              </a:p>
+            </p:txBody>
+          </p:sp>
+        </mc:Choice>
+        <mc:Fallback>
+          <p:sp>
+            <p:nvSpPr>
+              <p:cNvPr id="3" name="Content Placeholder 2"/>
+              <p:cNvSpPr>
+                <a:spLocks noGrp="1" noRot="1" noChangeAspect="1" noMove="1" noResize="1" noEditPoints="1" noAdjustHandles="1" noChangeArrowheads="1" noChangeShapeType="1" noTextEdit="1"/>
+              </p:cNvSpPr>
+              <p:nvPr>
+                <p:ph idx="1"/>
+              </p:nvPr>
+            </p:nvSpPr>
+            <p:spPr>
+              <a:blipFill rotWithShape="0">
+                <a:blip r:embed="rId3"/>
+                <a:stretch>
+                  <a:fillRect l="-1515" t="-909"/>
+                </a:stretch>
+              </a:blipFill>
+            </p:spPr>
+            <p:txBody>
+              <a:bodyPr/>
+              <a:lstStyle/>
+              <a:p>
+                <a:r>
+                  <a:rPr lang="sv-SE">
+                    <a:noFill/>
+                  </a:rPr>
+                  <a:t> </a:t>
+                </a:r>
+              </a:p>
+            </p:txBody>
+          </p:sp>
+        </mc:Fallback>
+      </mc:AlternateContent>
       <p:pic>
         <p:nvPicPr>
-          <p:cNvPr id="4" name="Picture 3"/>
+          <p:cNvPr id="5" name="Bildobjekt 4"/>
           <p:cNvPicPr>
             <a:picLocks noChangeAspect="1"/>
           </p:cNvPicPr>
           <p:nvPr/>
         </p:nvPicPr>
         <p:blipFill>
-          <a:blip r:embed="rId3">
+          <a:blip r:embed="rId4">
             <a:extLst>
               <a:ext uri="{28A0092B-C50C-407E-A947-70E740481C1C}">
                 <a14:useLocalDpi xmlns:a14="http://schemas.microsoft.com/office/drawing/2010/main" val="0"/>
@@ -30148,8 +30907,8 @@
         </p:blipFill>
         <p:spPr>
           <a:xfrm>
-            <a:off x="5885180" y="2122594"/>
-            <a:ext cx="5270500" cy="3746500"/>
+            <a:off x="5698058" y="2201969"/>
+            <a:ext cx="5467350" cy="3667125"/>
           </a:xfrm>
           <a:prstGeom prst="rect">
             <a:avLst/>
@@ -30215,254 +30974,433 @@
           </a:p>
         </p:txBody>
       </p:sp>
-      <p:sp>
-        <p:nvSpPr>
-          <p:cNvPr id="3" name="Content Placeholder 2"/>
-          <p:cNvSpPr>
-            <a:spLocks noGrp="1"/>
-          </p:cNvSpPr>
-          <p:nvPr>
-            <p:ph idx="1"/>
-          </p:nvPr>
-        </p:nvSpPr>
-        <p:spPr/>
-        <p:txBody>
-          <a:bodyPr/>
-          <a:lstStyle/>
-          <a:p>
-            <a:pPr marL="0" indent="0">
-              <a:lnSpc>
-                <a:spcPct val="100000"/>
-              </a:lnSpc>
-              <a:spcBef>
-                <a:spcPts val="0"/>
-              </a:spcBef>
-              <a:spcAft>
-                <a:spcPts val="0"/>
-              </a:spcAft>
-              <a:buClrTx/>
-              <a:buSzTx/>
-              <a:buNone/>
-              <a:defRPr/>
-            </a:pPr>
-            <a:r>
-              <a:rPr lang="en-GB" dirty="0" smtClean="0"/>
-              <a:t>“</a:t>
-            </a:r>
-            <a:r>
-              <a:rPr lang="is-IS" dirty="0" smtClean="0"/>
-              <a:t>… delete the least reliable one as long as </a:t>
-            </a:r>
-            <a:br>
-              <a:rPr lang="is-IS" dirty="0" smtClean="0"/>
-            </a:br>
-            <a:r>
-              <a:rPr lang="is-IS" dirty="0" smtClean="0"/>
-              <a:t>the required reliability is still met ...”</a:t>
-            </a:r>
-          </a:p>
-          <a:p>
-            <a:pPr marL="0" indent="0">
-              <a:lnSpc>
-                <a:spcPct val="100000"/>
-              </a:lnSpc>
-              <a:spcBef>
-                <a:spcPts val="0"/>
-              </a:spcBef>
-              <a:spcAft>
-                <a:spcPts val="0"/>
-              </a:spcAft>
-              <a:buClrTx/>
-              <a:buSzTx/>
-              <a:buNone/>
-              <a:defRPr/>
-            </a:pPr>
-            <a:endParaRPr lang="is-IS" dirty="0"/>
-          </a:p>
-          <a:p>
-            <a:pPr marL="0" indent="0">
-              <a:lnSpc>
-                <a:spcPct val="100000"/>
-              </a:lnSpc>
-              <a:spcBef>
-                <a:spcPts val="0"/>
-              </a:spcBef>
-              <a:spcAft>
-                <a:spcPts val="0"/>
-              </a:spcAft>
-              <a:buClrTx/>
-              <a:buSzTx/>
-              <a:buNone/>
-              <a:defRPr/>
-            </a:pPr>
-            <a:r>
-              <a:rPr lang="is-IS" dirty="0" smtClean="0"/>
-              <a:t>Required reliability: </a:t>
-            </a:r>
-            <a:r>
-              <a:rPr lang="is-IS" b="1" dirty="0" smtClean="0"/>
-              <a:t>0.999</a:t>
-            </a:r>
-          </a:p>
-          <a:p>
-            <a:pPr marL="0" indent="0">
-              <a:lnSpc>
-                <a:spcPct val="100000"/>
-              </a:lnSpc>
-              <a:spcBef>
-                <a:spcPts val="0"/>
-              </a:spcBef>
-              <a:spcAft>
-                <a:spcPts val="0"/>
-              </a:spcAft>
-              <a:buClrTx/>
-              <a:buSzTx/>
-              <a:buNone/>
-              <a:defRPr/>
-            </a:pPr>
-            <a:r>
-              <a:rPr lang="is-IS" dirty="0" smtClean="0"/>
-              <a:t>Actual: 1 – (1 – 0.99) * (1 – 0.95) = </a:t>
-            </a:r>
-            <a:r>
-              <a:rPr lang="nb-NO" b="1" dirty="0" smtClean="0"/>
-              <a:t>0.9995</a:t>
-            </a:r>
-            <a:r>
-              <a:rPr lang="is-IS" b="1" dirty="0" smtClean="0"/>
-              <a:t> </a:t>
-            </a:r>
-            <a:endParaRPr lang="en-US" b="1" dirty="0" smtClean="0"/>
-          </a:p>
-          <a:p>
-            <a:pPr marL="0" indent="0">
-              <a:lnSpc>
-                <a:spcPct val="100000"/>
-              </a:lnSpc>
-              <a:spcBef>
-                <a:spcPts val="0"/>
-              </a:spcBef>
-              <a:spcAft>
-                <a:spcPts val="0"/>
-              </a:spcAft>
-              <a:buClrTx/>
-              <a:buSzTx/>
-              <a:buNone/>
-              <a:defRPr/>
-            </a:pPr>
-            <a:endParaRPr lang="en-US" dirty="0"/>
-          </a:p>
-          <a:p>
-            <a:pPr marL="0" marR="0" lvl="0" indent="0" defTabSz="914400" eaLnBrk="1" fontAlgn="auto" latinLnBrk="0" hangingPunct="1">
-              <a:lnSpc>
-                <a:spcPct val="100000"/>
-              </a:lnSpc>
-              <a:spcBef>
-                <a:spcPts val="0"/>
-              </a:spcBef>
-              <a:spcAft>
-                <a:spcPts val="0"/>
-              </a:spcAft>
-              <a:buClrTx/>
-              <a:buSzTx/>
-              <a:buFont typeface="Arial" charset="0"/>
-              <a:buNone/>
-              <a:tabLst/>
-              <a:defRPr/>
-            </a:pPr>
-            <a:r>
-              <a:rPr lang="en-US" dirty="0" smtClean="0"/>
-              <a:t>Reliability without least reliable (C):</a:t>
-            </a:r>
-          </a:p>
-          <a:p>
-            <a:pPr marL="0" indent="0">
-              <a:lnSpc>
-                <a:spcPct val="100000"/>
-              </a:lnSpc>
-              <a:spcBef>
-                <a:spcPts val="0"/>
-              </a:spcBef>
-              <a:spcAft>
-                <a:spcPts val="0"/>
-              </a:spcAft>
-              <a:buClrTx/>
-              <a:buSzTx/>
-              <a:buNone/>
-              <a:defRPr/>
-            </a:pPr>
-            <a:r>
-              <a:rPr lang="is-IS" dirty="0" smtClean="0"/>
-              <a:t>1 </a:t>
-            </a:r>
-            <a:r>
-              <a:rPr lang="is-IS" dirty="0"/>
-              <a:t>– (</a:t>
-            </a:r>
-            <a:r>
-              <a:rPr lang="is-IS" dirty="0" smtClean="0"/>
-              <a:t>1 – 0.99) = </a:t>
-            </a:r>
-            <a:r>
-              <a:rPr lang="is-IS" b="1" dirty="0" smtClean="0"/>
-              <a:t>0.99</a:t>
-            </a:r>
-            <a:endParaRPr lang="it-IT" b="1" dirty="0" smtClean="0"/>
-          </a:p>
-          <a:p>
-            <a:pPr marL="0" indent="0">
-              <a:lnSpc>
-                <a:spcPct val="100000"/>
-              </a:lnSpc>
-              <a:spcBef>
-                <a:spcPts val="0"/>
-              </a:spcBef>
-              <a:spcAft>
-                <a:spcPts val="0"/>
-              </a:spcAft>
-              <a:buClrTx/>
-              <a:buSzTx/>
-              <a:buNone/>
-              <a:defRPr/>
-            </a:pPr>
-            <a:r>
-              <a:rPr lang="it-IT" dirty="0" smtClean="0"/>
-              <a:t>0.99 &lt; </a:t>
-            </a:r>
-            <a:r>
-              <a:rPr lang="it-IT" dirty="0"/>
-              <a:t>0.999 --&gt; </a:t>
-            </a:r>
-            <a:r>
-              <a:rPr lang="it-IT" dirty="0" err="1" smtClean="0"/>
-              <a:t>We’re</a:t>
-            </a:r>
-            <a:r>
-              <a:rPr lang="it-IT" dirty="0" smtClean="0"/>
-              <a:t> </a:t>
-            </a:r>
-            <a:r>
-              <a:rPr lang="it-IT" dirty="0" err="1" smtClean="0"/>
-              <a:t>done</a:t>
-            </a:r>
-            <a:r>
-              <a:rPr lang="it-IT" dirty="0" smtClean="0"/>
-              <a:t>.</a:t>
-            </a:r>
-            <a:endParaRPr lang="en-US" dirty="0" smtClean="0"/>
-          </a:p>
-        </p:txBody>
-      </p:sp>
+      <mc:AlternateContent xmlns:mc="http://schemas.openxmlformats.org/markup-compatibility/2006">
+        <mc:Choice xmlns:a14="http://schemas.microsoft.com/office/drawing/2010/main" Requires="a14">
+          <p:sp>
+            <p:nvSpPr>
+              <p:cNvPr id="3" name="Content Placeholder 2"/>
+              <p:cNvSpPr>
+                <a:spLocks noGrp="1"/>
+              </p:cNvSpPr>
+              <p:nvPr>
+                <p:ph idx="1"/>
+              </p:nvPr>
+            </p:nvSpPr>
+            <p:spPr/>
+            <p:txBody>
+              <a:bodyPr/>
+              <a:lstStyle/>
+              <a:p>
+                <a:pPr marL="0" indent="0">
+                  <a:lnSpc>
+                    <a:spcPct val="100000"/>
+                  </a:lnSpc>
+                  <a:spcBef>
+                    <a:spcPts val="0"/>
+                  </a:spcBef>
+                  <a:spcAft>
+                    <a:spcPts val="0"/>
+                  </a:spcAft>
+                  <a:buClrTx/>
+                  <a:buSzTx/>
+                  <a:buNone/>
+                  <a:defRPr/>
+                </a:pPr>
+                <a:r>
+                  <a:rPr lang="en-GB" i="1" dirty="0" smtClean="0"/>
+                  <a:t>“</a:t>
+                </a:r>
+                <a:r>
+                  <a:rPr lang="is-IS" i="1" dirty="0" smtClean="0"/>
+                  <a:t>… delete the least reliable one as long as </a:t>
+                </a:r>
+                <a:br>
+                  <a:rPr lang="is-IS" i="1" dirty="0" smtClean="0"/>
+                </a:br>
+                <a:r>
+                  <a:rPr lang="is-IS" i="1" dirty="0" smtClean="0"/>
+                  <a:t>the required reliability is still met ...”</a:t>
+                </a:r>
+              </a:p>
+              <a:p>
+                <a:pPr marL="0" indent="0">
+                  <a:lnSpc>
+                    <a:spcPct val="100000"/>
+                  </a:lnSpc>
+                  <a:spcBef>
+                    <a:spcPts val="0"/>
+                  </a:spcBef>
+                  <a:spcAft>
+                    <a:spcPts val="0"/>
+                  </a:spcAft>
+                  <a:buClrTx/>
+                  <a:buSzTx/>
+                  <a:buNone/>
+                  <a:defRPr/>
+                </a:pPr>
+                <a:endParaRPr lang="is-IS" dirty="0"/>
+              </a:p>
+              <a:p>
+                <a:pPr marL="0" indent="0">
+                  <a:lnSpc>
+                    <a:spcPct val="100000"/>
+                  </a:lnSpc>
+                  <a:spcBef>
+                    <a:spcPts val="0"/>
+                  </a:spcBef>
+                  <a:spcAft>
+                    <a:spcPts val="0"/>
+                  </a:spcAft>
+                  <a:buClrTx/>
+                  <a:buSzTx/>
+                  <a:buNone/>
+                  <a:defRPr/>
+                </a:pPr>
+                <a:r>
+                  <a:rPr lang="is-IS" dirty="0"/>
+                  <a:t>Required reliability: </a:t>
+                </a:r>
+                <a14:m>
+                  <m:oMath xmlns:m="http://schemas.openxmlformats.org/officeDocument/2006/math">
+                    <m:r>
+                      <a:rPr lang="sv-SE" i="1">
+                        <a:latin typeface="Cambria Math" panose="02040503050406030204" pitchFamily="18" charset="0"/>
+                        <a:ea typeface="Cambria Math" panose="02040503050406030204" pitchFamily="18" charset="0"/>
+                      </a:rPr>
+                      <m:t>0.999</m:t>
+                    </m:r>
+                  </m:oMath>
+                </a14:m>
+                <a:endParaRPr lang="is-IS" dirty="0"/>
+              </a:p>
+              <a:p>
+                <a:pPr marL="0" lvl="0" indent="0">
+                  <a:lnSpc>
+                    <a:spcPct val="100000"/>
+                  </a:lnSpc>
+                  <a:spcBef>
+                    <a:spcPts val="0"/>
+                  </a:spcBef>
+                  <a:spcAft>
+                    <a:spcPts val="0"/>
+                  </a:spcAft>
+                  <a:buClrTx/>
+                  <a:buSzTx/>
+                  <a:buNone/>
+                  <a:defRPr/>
+                </a:pPr>
+                <a:r>
+                  <a:rPr lang="sv-SE" dirty="0" err="1"/>
+                  <a:t>Current</a:t>
+                </a:r>
+                <a:r>
+                  <a:rPr lang="sv-SE" dirty="0"/>
+                  <a:t> </a:t>
+                </a:r>
+                <a:r>
+                  <a:rPr lang="is-IS" dirty="0"/>
+                  <a:t>reliability</a:t>
+                </a:r>
+                <a:r>
+                  <a:rPr lang="sv-SE" dirty="0"/>
+                  <a:t>:</a:t>
+                </a:r>
+              </a:p>
+              <a:p>
+                <a:pPr marL="0" lvl="0" indent="0">
+                  <a:lnSpc>
+                    <a:spcPct val="100000"/>
+                  </a:lnSpc>
+                  <a:spcBef>
+                    <a:spcPts val="0"/>
+                  </a:spcBef>
+                  <a:spcAft>
+                    <a:spcPts val="0"/>
+                  </a:spcAft>
+                  <a:buClrTx/>
+                  <a:buSzTx/>
+                  <a:buNone/>
+                  <a:defRPr/>
+                </a:pPr>
+                <a:r>
+                  <a:rPr lang="sv-SE" dirty="0"/>
+                  <a:t> </a:t>
+                </a:r>
+                <a14:m>
+                  <m:oMath xmlns:m="http://schemas.openxmlformats.org/officeDocument/2006/math">
+                    <m:r>
+                      <a:rPr lang="sv-SE" i="1">
+                        <a:latin typeface="Cambria Math" panose="02040503050406030204" pitchFamily="18" charset="0"/>
+                      </a:rPr>
+                      <m:t>1−</m:t>
+                    </m:r>
+                    <m:d>
+                      <m:dPr>
+                        <m:ctrlPr>
+                          <a:rPr lang="sv-SE" i="1">
+                            <a:latin typeface="Cambria Math" panose="02040503050406030204" pitchFamily="18" charset="0"/>
+                          </a:rPr>
+                        </m:ctrlPr>
+                      </m:dPr>
+                      <m:e>
+                        <m:r>
+                          <a:rPr lang="sv-SE" i="1">
+                            <a:latin typeface="Cambria Math" panose="02040503050406030204" pitchFamily="18" charset="0"/>
+                          </a:rPr>
+                          <m:t>1−0.99</m:t>
+                        </m:r>
+                      </m:e>
+                    </m:d>
+                    <m:r>
+                      <a:rPr lang="sv-SE" i="1">
+                        <a:latin typeface="Cambria Math" panose="02040503050406030204" pitchFamily="18" charset="0"/>
+                        <a:ea typeface="Cambria Math" panose="02040503050406030204" pitchFamily="18" charset="0"/>
+                      </a:rPr>
+                      <m:t>∙</m:t>
+                    </m:r>
+                    <m:d>
+                      <m:dPr>
+                        <m:ctrlPr>
+                          <a:rPr lang="sv-SE" i="1">
+                            <a:latin typeface="Cambria Math" panose="02040503050406030204" pitchFamily="18" charset="0"/>
+                            <a:ea typeface="Cambria Math" panose="02040503050406030204" pitchFamily="18" charset="0"/>
+                          </a:rPr>
+                        </m:ctrlPr>
+                      </m:dPr>
+                      <m:e>
+                        <m:r>
+                          <a:rPr lang="sv-SE" i="1">
+                            <a:latin typeface="Cambria Math" panose="02040503050406030204" pitchFamily="18" charset="0"/>
+                            <a:ea typeface="Cambria Math" panose="02040503050406030204" pitchFamily="18" charset="0"/>
+                          </a:rPr>
+                          <m:t>1−0.95</m:t>
+                        </m:r>
+                      </m:e>
+                    </m:d>
+                    <m:r>
+                      <a:rPr lang="sv-SE" i="1">
+                        <a:latin typeface="Cambria Math" panose="02040503050406030204" pitchFamily="18" charset="0"/>
+                        <a:ea typeface="Cambria Math" panose="02040503050406030204" pitchFamily="18" charset="0"/>
+                      </a:rPr>
+                      <m:t>=0.9995</m:t>
+                    </m:r>
+                  </m:oMath>
+                </a14:m>
+                <a:endParaRPr lang="is-IS" b="1" dirty="0"/>
+              </a:p>
+              <a:p>
+                <a:pPr marL="0" indent="0">
+                  <a:lnSpc>
+                    <a:spcPct val="100000"/>
+                  </a:lnSpc>
+                  <a:spcBef>
+                    <a:spcPts val="0"/>
+                  </a:spcBef>
+                  <a:spcAft>
+                    <a:spcPts val="0"/>
+                  </a:spcAft>
+                  <a:buClrTx/>
+                  <a:buSzTx/>
+                  <a:buNone/>
+                  <a:defRPr/>
+                </a:pPr>
+                <a:endParaRPr lang="en-US" dirty="0"/>
+              </a:p>
+              <a:p>
+                <a:pPr marL="0" marR="0" lvl="0" indent="0" defTabSz="914400" eaLnBrk="1" fontAlgn="auto" latinLnBrk="0" hangingPunct="1">
+                  <a:lnSpc>
+                    <a:spcPct val="100000"/>
+                  </a:lnSpc>
+                  <a:spcBef>
+                    <a:spcPts val="0"/>
+                  </a:spcBef>
+                  <a:spcAft>
+                    <a:spcPts val="0"/>
+                  </a:spcAft>
+                  <a:buClrTx/>
+                  <a:buSzTx/>
+                  <a:buFont typeface="Arial" charset="0"/>
+                  <a:buNone/>
+                  <a:tabLst/>
+                  <a:defRPr/>
+                </a:pPr>
+                <a:r>
+                  <a:rPr lang="en-US" dirty="0" smtClean="0"/>
+                  <a:t>Reliability without least reliable </a:t>
+                </a:r>
+                <a:r>
+                  <a:rPr lang="en-US" dirty="0" smtClean="0"/>
+                  <a:t>(T1):</a:t>
+                </a:r>
+                <a:endParaRPr lang="en-US" dirty="0" smtClean="0"/>
+              </a:p>
+              <a:p>
+                <a:pPr marL="0" lvl="0" indent="0">
+                  <a:lnSpc>
+                    <a:spcPct val="100000"/>
+                  </a:lnSpc>
+                  <a:spcBef>
+                    <a:spcPts val="0"/>
+                  </a:spcBef>
+                  <a:spcAft>
+                    <a:spcPts val="0"/>
+                  </a:spcAft>
+                  <a:buClrTx/>
+                  <a:buSzTx/>
+                  <a:buNone/>
+                  <a:defRPr/>
+                </a:pPr>
+                <a:r>
+                  <a:rPr lang="sv-SE" dirty="0"/>
+                  <a:t> </a:t>
+                </a:r>
+                <a14:m>
+                  <m:oMath xmlns:m="http://schemas.openxmlformats.org/officeDocument/2006/math">
+                    <m:r>
+                      <a:rPr lang="sv-SE" i="1">
+                        <a:latin typeface="Cambria Math" panose="02040503050406030204" pitchFamily="18" charset="0"/>
+                      </a:rPr>
+                      <m:t>1−</m:t>
+                    </m:r>
+                    <m:d>
+                      <m:dPr>
+                        <m:ctrlPr>
+                          <a:rPr lang="sv-SE" i="1">
+                            <a:latin typeface="Cambria Math" panose="02040503050406030204" pitchFamily="18" charset="0"/>
+                          </a:rPr>
+                        </m:ctrlPr>
+                      </m:dPr>
+                      <m:e>
+                        <m:r>
+                          <a:rPr lang="sv-SE" i="1">
+                            <a:latin typeface="Cambria Math" panose="02040503050406030204" pitchFamily="18" charset="0"/>
+                          </a:rPr>
+                          <m:t>1−0.99</m:t>
+                        </m:r>
+                      </m:e>
+                    </m:d>
+                    <m:r>
+                      <a:rPr lang="sv-SE" i="1">
+                        <a:latin typeface="Cambria Math" panose="02040503050406030204" pitchFamily="18" charset="0"/>
+                        <a:ea typeface="Cambria Math" panose="02040503050406030204" pitchFamily="18" charset="0"/>
+                      </a:rPr>
+                      <m:t>=0.99</m:t>
+                    </m:r>
+                  </m:oMath>
+                </a14:m>
+                <a:endParaRPr lang="sv-SE" dirty="0" smtClean="0">
+                  <a:ea typeface="Cambria Math" panose="02040503050406030204" pitchFamily="18" charset="0"/>
+                </a:endParaRPr>
+              </a:p>
+              <a:p>
+                <a:pPr marL="0" lvl="0" indent="0">
+                  <a:lnSpc>
+                    <a:spcPct val="100000"/>
+                  </a:lnSpc>
+                  <a:spcBef>
+                    <a:spcPts val="0"/>
+                  </a:spcBef>
+                  <a:spcAft>
+                    <a:spcPts val="0"/>
+                  </a:spcAft>
+                  <a:buClrTx/>
+                  <a:buSzTx/>
+                  <a:buNone/>
+                  <a:defRPr/>
+                </a:pPr>
+                <a:endParaRPr lang="is-IS" b="1" dirty="0"/>
+              </a:p>
+              <a:p>
+                <a:pPr marL="0" indent="0">
+                  <a:lnSpc>
+                    <a:spcPct val="100000"/>
+                  </a:lnSpc>
+                  <a:spcBef>
+                    <a:spcPts val="0"/>
+                  </a:spcBef>
+                  <a:spcAft>
+                    <a:spcPts val="0"/>
+                  </a:spcAft>
+                  <a:buClrTx/>
+                  <a:buSzTx/>
+                  <a:buNone/>
+                  <a:defRPr/>
+                </a:pPr>
+                <a14:m>
+                  <m:oMath xmlns:m="http://schemas.openxmlformats.org/officeDocument/2006/math">
+                    <m:r>
+                      <a:rPr lang="sv-SE" i="1">
+                        <a:latin typeface="Cambria Math" panose="02040503050406030204" pitchFamily="18" charset="0"/>
+                        <a:ea typeface="Cambria Math" panose="02040503050406030204" pitchFamily="18" charset="0"/>
+                      </a:rPr>
+                      <m:t>0.99≯</m:t>
+                    </m:r>
+                    <m:r>
+                      <a:rPr lang="sv-SE" b="0" i="1" smtClean="0">
+                        <a:latin typeface="Cambria Math" panose="02040503050406030204" pitchFamily="18" charset="0"/>
+                        <a:ea typeface="Cambria Math" panose="02040503050406030204" pitchFamily="18" charset="0"/>
+                      </a:rPr>
+                      <m:t>0.999 →</m:t>
+                    </m:r>
+                  </m:oMath>
+                </a14:m>
+                <a:r>
+                  <a:rPr lang="it-IT" dirty="0" smtClean="0"/>
+                  <a:t> </a:t>
+                </a:r>
+                <a:r>
+                  <a:rPr lang="it-IT" dirty="0" smtClean="0"/>
+                  <a:t>We’re done.</a:t>
+                </a:r>
+                <a:endParaRPr lang="en-US" dirty="0" smtClean="0"/>
+              </a:p>
+            </p:txBody>
+          </p:sp>
+        </mc:Choice>
+        <mc:Fallback>
+          <p:sp>
+            <p:nvSpPr>
+              <p:cNvPr id="3" name="Content Placeholder 2"/>
+              <p:cNvSpPr>
+                <a:spLocks noGrp="1" noRot="1" noChangeAspect="1" noMove="1" noResize="1" noEditPoints="1" noAdjustHandles="1" noChangeArrowheads="1" noChangeShapeType="1" noTextEdit="1"/>
+              </p:cNvSpPr>
+              <p:nvPr>
+                <p:ph idx="1"/>
+              </p:nvPr>
+            </p:nvSpPr>
+            <p:spPr>
+              <a:blipFill rotWithShape="0">
+                <a:blip r:embed="rId3"/>
+                <a:stretch>
+                  <a:fillRect l="-1515" t="-909"/>
+                </a:stretch>
+              </a:blipFill>
+            </p:spPr>
+            <p:txBody>
+              <a:bodyPr/>
+              <a:lstStyle/>
+              <a:p>
+                <a:r>
+                  <a:rPr lang="sv-SE">
+                    <a:noFill/>
+                  </a:rPr>
+                  <a:t> </a:t>
+                </a:r>
+              </a:p>
+            </p:txBody>
+          </p:sp>
+        </mc:Fallback>
+      </mc:AlternateContent>
       <p:pic>
         <p:nvPicPr>
-          <p:cNvPr id="5" name="Picture 4"/>
+          <p:cNvPr id="4" name="Bildobjekt 3"/>
           <p:cNvPicPr>
             <a:picLocks noChangeAspect="1"/>
           </p:cNvPicPr>
           <p:nvPr/>
         </p:nvPicPr>
         <p:blipFill>
-          <a:blip r:embed="rId3">
+          <a:blip r:embed="rId4">
             <a:extLst>
               <a:ext uri="{28A0092B-C50C-407E-A947-70E740481C1C}">
                 <a14:useLocalDpi xmlns:a14="http://schemas.microsoft.com/office/drawing/2010/main" val="0"/>
@@ -30475,8 +31413,8 @@
         </p:blipFill>
         <p:spPr>
           <a:xfrm>
-            <a:off x="5885180" y="2147994"/>
-            <a:ext cx="5270500" cy="3721100"/>
+            <a:off x="5698058" y="2211494"/>
+            <a:ext cx="5467350" cy="3657600"/>
           </a:xfrm>
           <a:prstGeom prst="rect">
             <a:avLst/>
@@ -30543,8 +31481,8 @@
           </a:p>
         </p:txBody>
       </p:sp>
-      <mc:AlternateContent xmlns:mc="http://schemas.openxmlformats.org/markup-compatibility/2006">
-        <mc:Choice xmlns:a14="http://schemas.microsoft.com/office/drawing/2010/main" Requires="a14">
+      <mc:AlternateContent xmlns:mc="http://schemas.openxmlformats.org/markup-compatibility/2006" xmlns:a14="http://schemas.microsoft.com/office/drawing/2010/main">
+        <mc:Choice Requires="a14">
           <p:sp>
             <p:nvSpPr>
               <p:cNvPr id="3" name="Content Placeholder 2"/>
@@ -30578,11 +31516,7 @@
                 </a:pPr>
                 <a:r>
                   <a:rPr lang="en-US" dirty="0" smtClean="0"/>
-                  <a:t>Heartbeats are periodically sent between </a:t>
-                </a:r>
-                <a:r>
-                  <a:rPr lang="en-US" dirty="0" smtClean="0"/>
-                  <a:t>nodes every </a:t>
+                  <a:t>Heartbeats are periodically sent between nodes every </a:t>
                 </a:r>
                 <a14:m>
                   <m:oMath xmlns:m="http://schemas.openxmlformats.org/officeDocument/2006/math">
@@ -30713,7 +31647,7 @@
             </p:txBody>
           </p:sp>
         </mc:Choice>
-        <mc:Fallback>
+        <mc:Fallback xmlns="">
           <p:sp>
             <p:nvSpPr>
               <p:cNvPr id="3" name="Content Placeholder 2"/>
@@ -30962,7 +31896,11 @@
           <a:p>
             <a:r>
               <a:rPr lang="en-US" dirty="0" smtClean="0"/>
-              <a:t>Handling node failure – TODO update image</a:t>
+              <a:t>Handling node </a:t>
+            </a:r>
+            <a:r>
+              <a:rPr lang="en-US" dirty="0" smtClean="0"/>
+              <a:t>failure</a:t>
             </a:r>
             <a:endParaRPr lang="en-US" dirty="0"/>
           </a:p>
@@ -30980,7 +31918,9 @@
         </p:nvSpPr>
         <p:spPr/>
         <p:txBody>
-          <a:bodyPr/>
+          <a:bodyPr>
+            <a:normAutofit lnSpcReduction="10000"/>
+          </a:bodyPr>
           <a:lstStyle/>
           <a:p>
             <a:pPr marL="0" marR="0" lvl="0" indent="0" defTabSz="914400" eaLnBrk="1" fontAlgn="auto" latinLnBrk="0" hangingPunct="1">
@@ -31206,6 +32146,40 @@
               <a:buNone/>
               <a:defRPr/>
             </a:pPr>
+            <a:endParaRPr lang="en-US" dirty="0" smtClean="0"/>
+          </a:p>
+          <a:p>
+            <a:pPr marL="0" lvl="0" indent="0">
+              <a:lnSpc>
+                <a:spcPct val="100000"/>
+              </a:lnSpc>
+              <a:spcBef>
+                <a:spcPts val="0"/>
+              </a:spcBef>
+              <a:spcAft>
+                <a:spcPts val="0"/>
+              </a:spcAft>
+              <a:buSzTx/>
+              <a:buNone/>
+              <a:defRPr/>
+            </a:pPr>
+            <a:endParaRPr lang="en-US" dirty="0"/>
+          </a:p>
+          <a:p>
+            <a:pPr marL="0" lvl="0" indent="0">
+              <a:lnSpc>
+                <a:spcPct val="100000"/>
+              </a:lnSpc>
+              <a:spcBef>
+                <a:spcPts val="0"/>
+              </a:spcBef>
+              <a:spcAft>
+                <a:spcPts val="0"/>
+              </a:spcAft>
+              <a:buSzTx/>
+              <a:buNone/>
+              <a:defRPr/>
+            </a:pPr>
             <a:r>
               <a:rPr lang="en-US" dirty="0" smtClean="0"/>
               <a:t>Only </a:t>
@@ -31231,7 +32205,7 @@
       </p:sp>
       <p:pic>
         <p:nvPicPr>
-          <p:cNvPr id="6" name="Picture 5"/>
+          <p:cNvPr id="4" name="Bildobjekt 3"/>
           <p:cNvPicPr>
             <a:picLocks noChangeAspect="1"/>
           </p:cNvPicPr>
@@ -31251,8 +32225,8 @@
         </p:blipFill>
         <p:spPr>
           <a:xfrm>
-            <a:off x="1097280" y="2248554"/>
-            <a:ext cx="7270865" cy="2934271"/>
+            <a:off x="2186582" y="1845734"/>
+            <a:ext cx="6393214" cy="3571719"/>
           </a:xfrm>
           <a:prstGeom prst="rect">
             <a:avLst/>
@@ -31483,11 +32457,7 @@
           <a:p>
             <a:r>
               <a:rPr lang="en-US" dirty="0" smtClean="0"/>
-              <a:t>Handling node failure </a:t>
-            </a:r>
-            <a:r>
-              <a:rPr lang="en-US" dirty="0" smtClean="0"/>
-              <a:t>example _TODO pic</a:t>
+              <a:t>Handling node failure example _TODO pic</a:t>
             </a:r>
             <a:endParaRPr lang="en-US" dirty="0"/>
           </a:p>
@@ -31582,7 +32552,6 @@
               <a:rPr lang="en-US" dirty="0"/>
               <a:t>cont’d _TODO pic</a:t>
             </a:r>
-            <a:endParaRPr lang="en-US" dirty="0"/>
           </a:p>
         </p:txBody>
       </p:sp>
@@ -31675,7 +32644,6 @@
               <a:rPr lang="en-US" dirty="0"/>
               <a:t>cont’d _TODO pic</a:t>
             </a:r>
-            <a:endParaRPr lang="en-US" dirty="0"/>
           </a:p>
         </p:txBody>
       </p:sp>
@@ -31857,7 +32825,6 @@
               <a:rPr lang="en-US" dirty="0"/>
               <a:t>cont’d _TODO pic</a:t>
             </a:r>
-            <a:endParaRPr lang="en-US" dirty="0"/>
           </a:p>
         </p:txBody>
       </p:sp>
@@ -33205,7 +34172,11 @@
           <a:p>
             <a:r>
               <a:rPr lang="en-US" dirty="0" smtClean="0"/>
-              <a:t>Simulating node failure _TODO pic</a:t>
+              <a:t>Simulating node </a:t>
+            </a:r>
+            <a:r>
+              <a:rPr lang="en-US" dirty="0" smtClean="0"/>
+              <a:t>failure</a:t>
             </a:r>
             <a:endParaRPr lang="en-US" dirty="0"/>
           </a:p>
@@ -33238,7 +34209,7 @@
       </p:sp>
       <p:pic>
         <p:nvPicPr>
-          <p:cNvPr id="5" name="Picture 4"/>
+          <p:cNvPr id="4" name="Bildobjekt 3"/>
           <p:cNvPicPr>
             <a:picLocks noChangeAspect="1"/>
           </p:cNvPicPr>
@@ -33258,8 +34229,8 @@
         </p:blipFill>
         <p:spPr>
           <a:xfrm>
-            <a:off x="1097280" y="1921079"/>
-            <a:ext cx="2882900" cy="1714500"/>
+            <a:off x="1097280" y="2095043"/>
+            <a:ext cx="4401164" cy="1762371"/>
           </a:xfrm>
           <a:prstGeom prst="rect">
             <a:avLst/>
@@ -33324,7 +34295,7 @@
             </a:r>
             <a:r>
               <a:rPr lang="en-US" dirty="0" smtClean="0"/>
-              <a:t>behavior _TODO pic</a:t>
+              <a:t>behavior</a:t>
             </a:r>
             <a:endParaRPr lang="en-US" dirty="0"/>
           </a:p>
@@ -33404,21 +34375,11 @@
             </a:r>
             <a:endParaRPr lang="en-US" dirty="0" smtClean="0"/>
           </a:p>
-          <a:p>
-            <a:pPr marL="0" indent="0">
-              <a:buNone/>
-            </a:pPr>
-            <a:r>
-              <a:rPr lang="en-US" dirty="0" smtClean="0"/>
-              <a:t>Killing nodes:</a:t>
-            </a:r>
-            <a:endParaRPr lang="en-US" dirty="0"/>
-          </a:p>
         </p:txBody>
       </p:sp>
       <p:pic>
         <p:nvPicPr>
-          <p:cNvPr id="6" name="Picture 5"/>
+          <p:cNvPr id="5" name="Bildobjekt 4"/>
           <p:cNvPicPr>
             <a:picLocks noChangeAspect="1"/>
           </p:cNvPicPr>
@@ -33438,8 +34399,8 @@
         </p:blipFill>
         <p:spPr>
           <a:xfrm>
-            <a:off x="2741254" y="3303694"/>
-            <a:ext cx="6438900" cy="2565400"/>
+            <a:off x="4363006" y="2143003"/>
+            <a:ext cx="6393840" cy="3428821"/>
           </a:xfrm>
           <a:prstGeom prst="rect">
             <a:avLst/>
@@ -35711,11 +36672,7 @@
             </a:pPr>
             <a:r>
               <a:rPr lang="en-US" dirty="0" smtClean="0"/>
-              <a:t>Setup</a:t>
-            </a:r>
-            <a:r>
-              <a:rPr lang="en-US" dirty="0" smtClean="0"/>
-              <a:t>:</a:t>
+              <a:t>Setup:</a:t>
             </a:r>
           </a:p>
           <a:p>
@@ -35725,23 +36682,15 @@
             </a:pPr>
             <a:r>
               <a:rPr lang="en-US" dirty="0" smtClean="0"/>
-              <a:t>10 </a:t>
+              <a:t>10 nodes</a:t>
+            </a:r>
+            <a:r>
+              <a:rPr lang="en-US" dirty="0"/>
+              <a:t> </a:t>
             </a:r>
             <a:r>
               <a:rPr lang="en-US" dirty="0" smtClean="0"/>
-              <a:t>nodes</a:t>
-            </a:r>
-            <a:r>
-              <a:rPr lang="en-US" dirty="0"/>
-              <a:t> </a:t>
-            </a:r>
-            <a:r>
-              <a:rPr lang="en-US" dirty="0" smtClean="0"/>
-              <a:t>with </a:t>
-            </a:r>
-            <a:r>
-              <a:rPr lang="en-US" dirty="0" smtClean="0"/>
-              <a:t>varying failure rates (MTBF)</a:t>
+              <a:t>with varying failure rates (MTBF)</a:t>
             </a:r>
           </a:p>
           <a:p>

--- a/presentation/presentation2.pptx
+++ b/presentation/presentation2.pptx
@@ -5,7 +5,7 @@
     <p:sldMasterId id="2147483673" r:id="rId1"/>
   </p:sldMasterIdLst>
   <p:notesMasterIdLst>
-    <p:notesMasterId r:id="rId43"/>
+    <p:notesMasterId r:id="rId42"/>
   </p:notesMasterIdLst>
   <p:sldIdLst>
     <p:sldId id="256" r:id="rId2"/>
@@ -33,22 +33,21 @@
     <p:sldId id="358" r:id="rId24"/>
     <p:sldId id="311" r:id="rId25"/>
     <p:sldId id="313" r:id="rId26"/>
-    <p:sldId id="314" r:id="rId27"/>
-    <p:sldId id="315" r:id="rId28"/>
-    <p:sldId id="316" r:id="rId29"/>
-    <p:sldId id="317" r:id="rId30"/>
-    <p:sldId id="318" r:id="rId31"/>
-    <p:sldId id="332" r:id="rId32"/>
-    <p:sldId id="336" r:id="rId33"/>
-    <p:sldId id="337" r:id="rId34"/>
-    <p:sldId id="258" r:id="rId35"/>
-    <p:sldId id="277" r:id="rId36"/>
-    <p:sldId id="278" r:id="rId37"/>
-    <p:sldId id="368" r:id="rId38"/>
-    <p:sldId id="369" r:id="rId39"/>
-    <p:sldId id="367" r:id="rId40"/>
-    <p:sldId id="376" r:id="rId41"/>
-    <p:sldId id="380" r:id="rId42"/>
+    <p:sldId id="315" r:id="rId27"/>
+    <p:sldId id="317" r:id="rId28"/>
+    <p:sldId id="318" r:id="rId29"/>
+    <p:sldId id="381" r:id="rId30"/>
+    <p:sldId id="332" r:id="rId31"/>
+    <p:sldId id="336" r:id="rId32"/>
+    <p:sldId id="337" r:id="rId33"/>
+    <p:sldId id="258" r:id="rId34"/>
+    <p:sldId id="277" r:id="rId35"/>
+    <p:sldId id="278" r:id="rId36"/>
+    <p:sldId id="368" r:id="rId37"/>
+    <p:sldId id="369" r:id="rId38"/>
+    <p:sldId id="367" r:id="rId39"/>
+    <p:sldId id="376" r:id="rId40"/>
+    <p:sldId id="380" r:id="rId41"/>
   </p:sldIdLst>
   <p:sldSz cx="12192000" cy="6858000"/>
   <p:notesSz cx="6858000" cy="9144000"/>
@@ -1124,11 +1123,7 @@
           <a:p>
             <a:r>
               <a:rPr lang="en-US" dirty="0" smtClean="0"/>
-              <a:t>Men</a:t>
-            </a:r>
-            <a:r>
-              <a:rPr lang="en-US" dirty="0" smtClean="0"/>
-              <a:t>, </a:t>
+              <a:t>Men, </a:t>
             </a:r>
             <a:r>
               <a:rPr lang="en-US" dirty="0" err="1" smtClean="0"/>
@@ -2115,7 +2110,6 @@
               <a:rPr lang="sv-SE" i="0" baseline="0" noProof="0" dirty="0" smtClean="0"/>
               <a:t> </a:t>
             </a:r>
-            <a:endParaRPr lang="sv-SE" i="0" baseline="0" noProof="0" dirty="0" smtClean="0"/>
           </a:p>
           <a:p>
             <a:r>
@@ -2778,11 +2772,7 @@
           <a:p>
             <a:r>
               <a:rPr lang="sv-SE" i="0" baseline="0" noProof="0" dirty="0" smtClean="0"/>
-              <a:t>[</a:t>
-            </a:r>
-            <a:r>
-              <a:rPr lang="sv-SE" i="0" baseline="0" noProof="0" dirty="0" smtClean="0"/>
-              <a:t>BYT SLIDE]</a:t>
+              <a:t>[BYT SLIDE]</a:t>
             </a:r>
             <a:endParaRPr lang="sv-SE" noProof="0" dirty="0"/>
           </a:p>
@@ -6476,11 +6466,7 @@
           <a:p>
             <a:r>
               <a:rPr lang="is-IS" baseline="0" dirty="0" smtClean="0"/>
-              <a:t>Om inget heartbeat mottas från en nod under en viss tid, så antas den vara död. Och dör en nod med en replika så kanske vi inte längre uppnår den önskade tillförlitlighetsnivån</a:t>
-            </a:r>
-            <a:r>
-              <a:rPr lang="is-IS" baseline="0" dirty="0" smtClean="0"/>
-              <a:t>.</a:t>
+              <a:t>Om inget heartbeat mottas från en nod under en viss tid, så antas den vara död. Och dör en nod med en replika så kanske vi inte längre uppnår den önskade tillförlitlighetsnivån.</a:t>
             </a:r>
           </a:p>
           <a:p>
@@ -6832,11 +6818,7 @@
           <a:p>
             <a:r>
               <a:rPr lang="is-IS" baseline="0" dirty="0" smtClean="0"/>
-              <a:t> </a:t>
-            </a:r>
-            <a:r>
-              <a:rPr lang="is-IS" baseline="0" dirty="0" smtClean="0"/>
-              <a:t>[BYT SLIDE]</a:t>
+              <a:t> [BYT SLIDE]</a:t>
             </a:r>
           </a:p>
           <a:p>
@@ -7540,101 +7522,58 @@
           <a:bodyPr/>
           <a:lstStyle/>
           <a:p>
+            <a:pPr marL="0" marR="0" indent="0" algn="l" defTabSz="914400" rtl="0" eaLnBrk="1" fontAlgn="auto" latinLnBrk="0" hangingPunct="1">
+              <a:lnSpc>
+                <a:spcPct val="100000"/>
+              </a:lnSpc>
+              <a:spcBef>
+                <a:spcPts val="0"/>
+              </a:spcBef>
+              <a:spcAft>
+                <a:spcPts val="0"/>
+              </a:spcAft>
+              <a:buClrTx/>
+              <a:buSzTx/>
+              <a:buFontTx/>
+              <a:buNone/>
+              <a:tabLst/>
+              <a:defRPr/>
+            </a:pPr>
+            <a:r>
+              <a:rPr lang="en-US" dirty="0" smtClean="0"/>
+              <a:t>Om vi </a:t>
+            </a:r>
             <a:r>
               <a:rPr lang="en-US" dirty="0" err="1" smtClean="0"/>
-              <a:t>Som</a:t>
-            </a:r>
-            <a:r>
-              <a:rPr lang="en-US" dirty="0" smtClean="0"/>
-              <a:t> </a:t>
-            </a:r>
-            <a:r>
-              <a:rPr lang="en-US" dirty="0" err="1" smtClean="0"/>
-              <a:t>exempel</a:t>
-            </a:r>
-            <a:r>
-              <a:rPr lang="en-US" dirty="0" smtClean="0"/>
-              <a:t> </a:t>
-            </a:r>
-            <a:r>
-              <a:rPr lang="en-US" dirty="0" err="1" smtClean="0"/>
-              <a:t>har</a:t>
-            </a:r>
-            <a:r>
-              <a:rPr lang="en-US" dirty="0" smtClean="0"/>
-              <a:t> vi </a:t>
-            </a:r>
-            <a:r>
-              <a:rPr lang="en-US" dirty="0" err="1" smtClean="0"/>
-              <a:t>ett</a:t>
-            </a:r>
-            <a:r>
-              <a:rPr lang="en-US" dirty="0" smtClean="0"/>
-              <a:t> system </a:t>
-            </a:r>
-            <a:r>
-              <a:rPr lang="en-US" dirty="0" err="1" smtClean="0"/>
-              <a:t>bestående</a:t>
-            </a:r>
-            <a:r>
-              <a:rPr lang="en-US" dirty="0" smtClean="0"/>
-              <a:t> </a:t>
-            </a:r>
-            <a:r>
-              <a:rPr lang="en-US" dirty="0" err="1" smtClean="0"/>
-              <a:t>av</a:t>
-            </a:r>
-            <a:r>
-              <a:rPr lang="en-US" dirty="0" smtClean="0"/>
-              <a:t> 4 </a:t>
-            </a:r>
-            <a:r>
-              <a:rPr lang="en-US" dirty="0" err="1" smtClean="0"/>
-              <a:t>noder</a:t>
-            </a:r>
-            <a:r>
-              <a:rPr lang="en-US" dirty="0" smtClean="0"/>
-              <a:t>, med </a:t>
-            </a:r>
-            <a:r>
-              <a:rPr lang="en-US" dirty="0" err="1" smtClean="0"/>
-              <a:t>två</a:t>
-            </a:r>
-            <a:r>
-              <a:rPr lang="en-US" baseline="0" dirty="0" smtClean="0"/>
-              <a:t> </a:t>
-            </a:r>
-            <a:r>
-              <a:rPr lang="en-US" baseline="0" dirty="0" err="1" smtClean="0"/>
-              <a:t>replikor</a:t>
-            </a:r>
-            <a:r>
-              <a:rPr lang="en-US" baseline="0" dirty="0" smtClean="0"/>
-              <a:t> </a:t>
-            </a:r>
-            <a:r>
-              <a:rPr lang="en-US" baseline="0" dirty="0" err="1" smtClean="0"/>
-              <a:t>som</a:t>
-            </a:r>
-            <a:r>
-              <a:rPr lang="en-US" baseline="0" dirty="0" smtClean="0"/>
-              <a:t> </a:t>
-            </a:r>
-            <a:r>
-              <a:rPr lang="en-US" baseline="0" dirty="0" err="1" smtClean="0"/>
-              <a:t>kör</a:t>
-            </a:r>
-            <a:r>
-              <a:rPr lang="en-US" baseline="0" dirty="0" smtClean="0"/>
-              <a:t> </a:t>
-            </a:r>
-            <a:r>
-              <a:rPr lang="en-US" baseline="0" dirty="0" err="1" smtClean="0"/>
-              <a:t>på</a:t>
-            </a:r>
-            <a:r>
-              <a:rPr lang="en-US" baseline="0" dirty="0" smtClean="0"/>
-              <a:t> node B </a:t>
+              <a:t>går</a:t>
+            </a:r>
+            <a:r>
+              <a:rPr lang="en-US" baseline="0" dirty="0" smtClean="0"/>
+              <a:t> </a:t>
+            </a:r>
+            <a:r>
+              <a:rPr lang="en-US" baseline="0" dirty="0" err="1" smtClean="0"/>
+              <a:t>tillbaka</a:t>
+            </a:r>
+            <a:r>
+              <a:rPr lang="en-US" baseline="0" dirty="0" smtClean="0"/>
+              <a:t> till </a:t>
+            </a:r>
+            <a:r>
+              <a:rPr lang="en-US" baseline="0" dirty="0" err="1" smtClean="0"/>
+              <a:t>systemet</a:t>
+            </a:r>
+            <a:r>
+              <a:rPr lang="en-US" baseline="0" dirty="0" smtClean="0"/>
+              <a:t> vi hade </a:t>
+            </a:r>
+            <a:r>
+              <a:rPr lang="en-US" baseline="0" dirty="0" err="1" smtClean="0"/>
+              <a:t>innan</a:t>
+            </a:r>
+            <a:r>
+              <a:rPr lang="en-US" baseline="0" dirty="0" smtClean="0"/>
+              <a:t> </a:t>
             </a:r>
             <a:r>
               <a:rPr lang="en-US" baseline="0" dirty="0" err="1" smtClean="0"/>
@@ -7642,11 +7581,11 @@
             </a:r>
             <a:r>
               <a:rPr lang="en-US" baseline="0" dirty="0" smtClean="0"/>
-              <a:t> C. </a:t>
-            </a:r>
-            <a:r>
-              <a:rPr lang="en-US" baseline="0" dirty="0" err="1" smtClean="0"/>
-              <a:t>Antag</a:t>
+              <a:t> tanker </a:t>
+            </a:r>
+            <a:r>
+              <a:rPr lang="en-US" baseline="0" dirty="0" err="1" smtClean="0"/>
+              <a:t>oss</a:t>
             </a:r>
             <a:r>
               <a:rPr lang="en-US" baseline="0" dirty="0" smtClean="0"/>
@@ -7658,49 +7597,17 @@
             </a:r>
             <a:r>
               <a:rPr lang="en-US" baseline="0" dirty="0" smtClean="0"/>
-              <a:t> </a:t>
-            </a:r>
-            <a:r>
-              <a:rPr lang="en-US" baseline="0" dirty="0" err="1" smtClean="0"/>
-              <a:t>alla</a:t>
-            </a:r>
-            <a:r>
-              <a:rPr lang="en-US" baseline="0" dirty="0" smtClean="0"/>
-              <a:t> </a:t>
-            </a:r>
-            <a:r>
-              <a:rPr lang="en-US" baseline="0" dirty="0" err="1" smtClean="0"/>
-              <a:t>noder</a:t>
-            </a:r>
-            <a:r>
-              <a:rPr lang="en-US" baseline="0" dirty="0" smtClean="0"/>
-              <a:t> </a:t>
-            </a:r>
-            <a:r>
-              <a:rPr lang="en-US" baseline="0" dirty="0" err="1" smtClean="0"/>
-              <a:t>är</a:t>
-            </a:r>
-            <a:r>
-              <a:rPr lang="en-US" baseline="0" dirty="0" smtClean="0"/>
-              <a:t> </a:t>
-            </a:r>
-            <a:r>
-              <a:rPr lang="en-US" baseline="0" dirty="0" err="1" smtClean="0"/>
-              <a:t>lika</a:t>
-            </a:r>
-            <a:r>
-              <a:rPr lang="en-US" baseline="0" dirty="0" smtClean="0"/>
-              <a:t> </a:t>
-            </a:r>
-            <a:r>
-              <a:rPr lang="en-US" baseline="0" dirty="0" err="1" smtClean="0"/>
-              <a:t>tillförlitliga</a:t>
-            </a:r>
-            <a:r>
-              <a:rPr lang="en-US" baseline="0" dirty="0" smtClean="0"/>
-              <a:t>.</a:t>
-            </a:r>
-            <a:endParaRPr lang="en-US" dirty="0"/>
+              <a:t> nod C </a:t>
+            </a:r>
+            <a:r>
+              <a:rPr lang="en-US" baseline="0" dirty="0" err="1" smtClean="0"/>
+              <a:t>dör</a:t>
+            </a:r>
+            <a:r>
+              <a:rPr lang="en-US" baseline="0" dirty="0" smtClean="0"/>
+              <a:t>. </a:t>
+            </a:r>
+            <a:endParaRPr lang="en-US" dirty="0" smtClean="0"/>
           </a:p>
         </p:txBody>
       </p:sp>
@@ -7730,7 +7637,7 @@
     </p:spTree>
     <p:extLst>
       <p:ext uri="{BB962C8B-B14F-4D97-AF65-F5344CB8AC3E}">
-        <p14:creationId xmlns:p14="http://schemas.microsoft.com/office/powerpoint/2010/main" val="557472054"/>
+        <p14:creationId xmlns:p14="http://schemas.microsoft.com/office/powerpoint/2010/main" val="777556390"/>
       </p:ext>
     </p:extLst>
   </p:cSld>
@@ -7759,7 +7666,7 @@
       </p:grpSpPr>
       <p:sp>
         <p:nvSpPr>
-          <p:cNvPr id="2" name="Slide Image Placeholder 1"/>
+          <p:cNvPr id="2" name="Platshållare för bildobjekt 1"/>
           <p:cNvSpPr>
             <a:spLocks noGrp="1" noRot="1" noChangeAspect="1"/>
           </p:cNvSpPr>
@@ -7771,7 +7678,7 @@
       </p:sp>
       <p:sp>
         <p:nvSpPr>
-          <p:cNvPr id="3" name="Notes Placeholder 2"/>
+          <p:cNvPr id="3" name="Platshållare för anteckningar 2"/>
           <p:cNvSpPr>
             <a:spLocks noGrp="1"/>
           </p:cNvSpPr>
@@ -7784,6 +7691,23 @@
           <a:bodyPr/>
           <a:lstStyle/>
           <a:p>
+            <a:pPr marL="0" marR="0" indent="0" algn="l" defTabSz="914400" rtl="0" eaLnBrk="1" fontAlgn="auto" latinLnBrk="0" hangingPunct="1">
+              <a:lnSpc>
+                <a:spcPct val="100000"/>
+              </a:lnSpc>
+              <a:spcBef>
+                <a:spcPts val="0"/>
+              </a:spcBef>
+              <a:spcAft>
+                <a:spcPts val="0"/>
+              </a:spcAft>
+              <a:buClrTx/>
+              <a:buSzTx/>
+              <a:buFontTx/>
+              <a:buNone/>
+              <a:tabLst/>
+              <a:defRPr/>
+            </a:pPr>
             <a:r>
               <a:rPr lang="en-US" dirty="0" smtClean="0"/>
               <a:t>Om node C </a:t>
@@ -7846,7 +7770,7 @@
             </a:r>
             <a:r>
               <a:rPr lang="en-US" dirty="0" err="1" smtClean="0"/>
-              <a:t>antag</a:t>
+              <a:t>här</a:t>
             </a:r>
             <a:r>
               <a:rPr lang="en-US" dirty="0" smtClean="0"/>
@@ -7854,7 +7778,7 @@
             </a:r>
             <a:r>
               <a:rPr lang="en-US" baseline="0" dirty="0" smtClean="0"/>
-              <a:t> A </a:t>
+              <a:t> D </a:t>
             </a:r>
             <a:r>
               <a:rPr lang="en-US" baseline="0" dirty="0" err="1" smtClean="0"/>
@@ -7896,13 +7820,65 @@
               <a:rPr lang="en-US" baseline="0" dirty="0" smtClean="0"/>
               <a:t>.</a:t>
             </a:r>
-            <a:endParaRPr lang="en-US" dirty="0"/>
+            <a:endParaRPr lang="sv-SE" baseline="0" dirty="0" smtClean="0"/>
+          </a:p>
+          <a:p>
+            <a:pPr marL="0" marR="0" indent="0" algn="l" defTabSz="914400" rtl="0" eaLnBrk="1" fontAlgn="auto" latinLnBrk="0" hangingPunct="1">
+              <a:lnSpc>
+                <a:spcPct val="100000"/>
+              </a:lnSpc>
+              <a:spcBef>
+                <a:spcPts val="0"/>
+              </a:spcBef>
+              <a:spcAft>
+                <a:spcPts val="0"/>
+              </a:spcAft>
+              <a:buClrTx/>
+              <a:buSzTx/>
+              <a:buFontTx/>
+              <a:buNone/>
+              <a:tabLst/>
+              <a:defRPr/>
+            </a:pPr>
+            <a:endParaRPr lang="sv-SE" baseline="0" dirty="0" smtClean="0"/>
+          </a:p>
+          <a:p>
+            <a:pPr marL="0" marR="0" indent="0" algn="l" defTabSz="914400" rtl="0" eaLnBrk="1" fontAlgn="auto" latinLnBrk="0" hangingPunct="1">
+              <a:lnSpc>
+                <a:spcPct val="100000"/>
+              </a:lnSpc>
+              <a:spcBef>
+                <a:spcPts val="0"/>
+              </a:spcBef>
+              <a:spcAft>
+                <a:spcPts val="0"/>
+              </a:spcAft>
+              <a:buClrTx/>
+              <a:buSzTx/>
+              <a:buFontTx/>
+              <a:buNone/>
+              <a:tabLst/>
+              <a:defRPr/>
+            </a:pPr>
+            <a:r>
+              <a:rPr lang="sv-SE" baseline="0" dirty="0" smtClean="0"/>
+              <a:t>D inser att det behövs en till </a:t>
+            </a:r>
+            <a:r>
+              <a:rPr lang="sv-SE" baseline="0" dirty="0" err="1" smtClean="0"/>
+              <a:t>replica</a:t>
+            </a:r>
+            <a:r>
+              <a:rPr lang="sv-SE" baseline="0" dirty="0" smtClean="0"/>
+              <a:t> och..</a:t>
+            </a:r>
+            <a:endParaRPr lang="en-US" dirty="0" smtClean="0"/>
           </a:p>
         </p:txBody>
       </p:sp>
       <p:sp>
         <p:nvSpPr>
-          <p:cNvPr id="4" name="Slide Number Placeholder 3"/>
+          <p:cNvPr id="4" name="Platshållare för bildnummer 3"/>
           <p:cNvSpPr>
             <a:spLocks noGrp="1"/>
           </p:cNvSpPr>
@@ -7926,7 +7902,7 @@
     </p:spTree>
     <p:extLst>
       <p:ext uri="{BB962C8B-B14F-4D97-AF65-F5344CB8AC3E}">
-        <p14:creationId xmlns:p14="http://schemas.microsoft.com/office/powerpoint/2010/main" val="777556390"/>
+        <p14:creationId xmlns:p14="http://schemas.microsoft.com/office/powerpoint/2010/main" val="1357280562"/>
       </p:ext>
     </p:extLst>
   </p:cSld>
@@ -7982,43 +7958,7 @@
           <a:p>
             <a:r>
               <a:rPr lang="en-US" dirty="0" smtClean="0"/>
-              <a:t>A </a:t>
-            </a:r>
-            <a:r>
-              <a:rPr lang="en-US" dirty="0" err="1" smtClean="0"/>
-              <a:t>kommer</a:t>
-            </a:r>
-            <a:r>
-              <a:rPr lang="en-US" dirty="0" smtClean="0"/>
-              <a:t> </a:t>
-            </a:r>
-            <a:r>
-              <a:rPr lang="en-US" dirty="0" err="1" smtClean="0"/>
-              <a:t>köra</a:t>
-            </a:r>
-            <a:r>
-              <a:rPr lang="en-US" dirty="0" smtClean="0"/>
-              <a:t> </a:t>
-            </a:r>
-            <a:r>
-              <a:rPr lang="en-US" dirty="0" err="1" smtClean="0"/>
-              <a:t>algoritmen</a:t>
-            </a:r>
-            <a:r>
-              <a:rPr lang="en-US" dirty="0" smtClean="0"/>
-              <a:t> </a:t>
-            </a:r>
-            <a:r>
-              <a:rPr lang="en-US" dirty="0" err="1" smtClean="0"/>
-              <a:t>och</a:t>
-            </a:r>
-            <a:r>
-              <a:rPr lang="en-US" baseline="0" dirty="0" smtClean="0"/>
-              <a:t> </a:t>
-            </a:r>
-            <a:r>
-              <a:rPr lang="en-US" baseline="0" dirty="0" err="1" smtClean="0"/>
-              <a:t>inse</a:t>
+              <a:t>…E</a:t>
             </a:r>
             <a:r>
               <a:rPr lang="en-US" baseline="0" dirty="0" smtClean="0"/>
@@ -8030,54 +7970,6 @@
             </a:r>
             <a:r>
               <a:rPr lang="en-US" baseline="0" dirty="0" smtClean="0"/>
-              <a:t> en </a:t>
-            </a:r>
-            <a:r>
-              <a:rPr lang="en-US" baseline="0" dirty="0" err="1" smtClean="0"/>
-              <a:t>ny</a:t>
-            </a:r>
-            <a:r>
-              <a:rPr lang="en-US" baseline="0" dirty="0" smtClean="0"/>
-              <a:t> </a:t>
-            </a:r>
-            <a:r>
-              <a:rPr lang="en-US" baseline="0" dirty="0" err="1" smtClean="0"/>
-              <a:t>replika</a:t>
-            </a:r>
-            <a:r>
-              <a:rPr lang="en-US" baseline="0" dirty="0" smtClean="0"/>
-              <a:t> </a:t>
-            </a:r>
-            <a:r>
-              <a:rPr lang="en-US" baseline="0" dirty="0" err="1" smtClean="0"/>
-              <a:t>behövs</a:t>
-            </a:r>
-            <a:r>
-              <a:rPr lang="en-US" baseline="0" dirty="0" smtClean="0"/>
-              <a:t>, den </a:t>
-            </a:r>
-            <a:r>
-              <a:rPr lang="en-US" baseline="0" dirty="0" err="1" smtClean="0"/>
-              <a:t>kommer</a:t>
-            </a:r>
-            <a:r>
-              <a:rPr lang="en-US" baseline="0" dirty="0" smtClean="0"/>
-              <a:t> </a:t>
-            </a:r>
-            <a:r>
-              <a:rPr lang="en-US" baseline="0" dirty="0" err="1" smtClean="0"/>
-              <a:t>därför</a:t>
-            </a:r>
-            <a:r>
-              <a:rPr lang="en-US" baseline="0" dirty="0" smtClean="0"/>
-              <a:t> be nod B </a:t>
-            </a:r>
-            <a:r>
-              <a:rPr lang="en-US" baseline="0" dirty="0" err="1" smtClean="0"/>
-              <a:t>att</a:t>
-            </a:r>
-            <a:r>
-              <a:rPr lang="en-US" baseline="0" dirty="0" smtClean="0"/>
               <a:t> </a:t>
             </a:r>
             <a:r>
@@ -8086,17 +7978,28 @@
             </a:r>
             <a:r>
               <a:rPr lang="en-US" baseline="0" dirty="0" smtClean="0"/>
-              <a:t> sin </a:t>
-            </a:r>
-            <a:r>
-              <a:rPr lang="en-US" baseline="0" dirty="0" err="1" smtClean="0"/>
-              <a:t>replika</a:t>
-            </a:r>
-            <a:r>
-              <a:rPr lang="en-US" baseline="0" dirty="0" smtClean="0"/>
-              <a:t> till node D.</a:t>
-            </a:r>
-            <a:endParaRPr lang="en-US" dirty="0"/>
+              <a:t> sin replica till den </a:t>
+            </a:r>
+            <a:r>
+              <a:rPr lang="en-US" baseline="0" dirty="0" err="1" smtClean="0"/>
+              <a:t>mest</a:t>
+            </a:r>
+            <a:r>
+              <a:rPr lang="en-US" baseline="0" dirty="0" smtClean="0"/>
+              <a:t> </a:t>
+            </a:r>
+            <a:r>
+              <a:rPr lang="en-US" baseline="0" dirty="0" err="1" smtClean="0"/>
+              <a:t>tillförlitliga</a:t>
+            </a:r>
+            <a:r>
+              <a:rPr lang="en-US" baseline="0" dirty="0" smtClean="0"/>
+              <a:t>, A</a:t>
+            </a:r>
+            <a:endParaRPr lang="en-US" dirty="0" smtClean="0"/>
+          </a:p>
+          <a:p>
+            <a:endParaRPr lang="en-US" dirty="0" smtClean="0"/>
           </a:p>
         </p:txBody>
       </p:sp>
@@ -8126,7 +8029,7 @@
     </p:spTree>
     <p:extLst>
       <p:ext uri="{BB962C8B-B14F-4D97-AF65-F5344CB8AC3E}">
-        <p14:creationId xmlns:p14="http://schemas.microsoft.com/office/powerpoint/2010/main" val="1173604514"/>
+        <p14:creationId xmlns:p14="http://schemas.microsoft.com/office/powerpoint/2010/main" val="1497527464"/>
       </p:ext>
     </p:extLst>
   </p:cSld>
@@ -8180,26 +8083,370 @@
           <a:bodyPr/>
           <a:lstStyle/>
           <a:p>
-            <a:r>
-              <a:rPr lang="sv-SE" dirty="0" smtClean="0"/>
-              <a:t>Nod</a:t>
-            </a:r>
-            <a:r>
-              <a:rPr lang="sv-SE" baseline="0" dirty="0" smtClean="0"/>
-              <a:t> B skickar all nödvändig information om </a:t>
-            </a:r>
-            <a:r>
-              <a:rPr lang="sv-SE" baseline="0" dirty="0" err="1" smtClean="0"/>
-              <a:t>replikan</a:t>
-            </a:r>
-            <a:r>
-              <a:rPr lang="sv-SE" baseline="0" dirty="0" smtClean="0"/>
-              <a:t> till nod D så nod D kan starta upp en ny </a:t>
-            </a:r>
-            <a:r>
-              <a:rPr lang="sv-SE" baseline="0" dirty="0" err="1" smtClean="0"/>
+            <a:pPr marL="0" marR="0" indent="0" algn="l" defTabSz="914400" rtl="0" eaLnBrk="1" fontAlgn="auto" latinLnBrk="0" hangingPunct="1">
+              <a:lnSpc>
+                <a:spcPct val="100000"/>
+              </a:lnSpc>
+              <a:spcBef>
+                <a:spcPts val="0"/>
+              </a:spcBef>
+              <a:spcAft>
+                <a:spcPts val="0"/>
+              </a:spcAft>
+              <a:buClrTx/>
+              <a:buSzTx/>
+              <a:buFontTx/>
+              <a:buNone/>
+              <a:tabLst/>
+              <a:defRPr/>
+            </a:pPr>
+            <a:r>
+              <a:rPr lang="en-US" baseline="0" dirty="0" smtClean="0"/>
+              <a:t>Om </a:t>
+            </a:r>
+            <a:r>
+              <a:rPr lang="en-US" baseline="0" dirty="0" err="1" smtClean="0"/>
+              <a:t>allt</a:t>
+            </a:r>
+            <a:r>
+              <a:rPr lang="en-US" baseline="0" dirty="0" smtClean="0"/>
+              <a:t> </a:t>
+            </a:r>
+            <a:r>
+              <a:rPr lang="en-US" baseline="0" dirty="0" err="1" smtClean="0"/>
+              <a:t>gick</a:t>
+            </a:r>
+            <a:r>
+              <a:rPr lang="en-US" baseline="0" dirty="0" smtClean="0"/>
+              <a:t> bra </a:t>
+            </a:r>
+            <a:r>
+              <a:rPr lang="en-US" baseline="0" dirty="0" err="1" smtClean="0"/>
+              <a:t>har</a:t>
+            </a:r>
+            <a:r>
+              <a:rPr lang="en-US" baseline="0" dirty="0" smtClean="0"/>
+              <a:t> vi nu </a:t>
+            </a:r>
+            <a:r>
+              <a:rPr lang="en-US" baseline="0" dirty="0" err="1" smtClean="0"/>
+              <a:t>två</a:t>
+            </a:r>
+            <a:r>
+              <a:rPr lang="en-US" baseline="0" dirty="0" smtClean="0"/>
+              <a:t> </a:t>
+            </a:r>
+            <a:r>
+              <a:rPr lang="en-US" baseline="0" dirty="0" err="1" smtClean="0"/>
+              <a:t>replikor</a:t>
+            </a:r>
+            <a:r>
+              <a:rPr lang="en-US" baseline="0" dirty="0" smtClean="0"/>
+              <a:t> </a:t>
+            </a:r>
+            <a:r>
+              <a:rPr lang="en-US" baseline="0" dirty="0" err="1" smtClean="0"/>
+              <a:t>och</a:t>
+            </a:r>
+            <a:r>
+              <a:rPr lang="en-US" baseline="0" dirty="0" smtClean="0"/>
+              <a:t> om man </a:t>
+            </a:r>
+            <a:r>
+              <a:rPr lang="en-US" baseline="0" dirty="0" err="1" smtClean="0"/>
+              <a:t>ränkar</a:t>
+            </a:r>
+            <a:r>
+              <a:rPr lang="en-US" baseline="0" dirty="0" smtClean="0"/>
+              <a:t> </a:t>
+            </a:r>
+            <a:r>
+              <a:rPr lang="en-US" baseline="0" dirty="0" err="1" smtClean="0"/>
+              <a:t>på</a:t>
+            </a:r>
+            <a:r>
+              <a:rPr lang="en-US" baseline="0" dirty="0" smtClean="0"/>
+              <a:t> </a:t>
+            </a:r>
+            <a:r>
+              <a:rPr lang="en-US" baseline="0" dirty="0" err="1" smtClean="0"/>
+              <a:t>det</a:t>
+            </a:r>
+            <a:r>
+              <a:rPr lang="en-US" baseline="0" dirty="0" smtClean="0"/>
+              <a:t> </a:t>
+            </a:r>
+            <a:r>
+              <a:rPr lang="en-US" baseline="0" dirty="0" err="1" smtClean="0"/>
+              <a:t>är</a:t>
+            </a:r>
+            <a:r>
+              <a:rPr lang="en-US" baseline="0" dirty="0" smtClean="0"/>
+              <a:t> den </a:t>
+            </a:r>
+            <a:r>
+              <a:rPr lang="en-US" baseline="0" dirty="0" err="1" smtClean="0"/>
+              <a:t>önskade</a:t>
+            </a:r>
+            <a:r>
+              <a:rPr lang="en-US" baseline="0" dirty="0" smtClean="0"/>
+              <a:t> </a:t>
+            </a:r>
+            <a:r>
+              <a:rPr lang="en-US" baseline="0" dirty="0" err="1" smtClean="0"/>
+              <a:t>nivån</a:t>
+            </a:r>
+            <a:r>
+              <a:rPr lang="en-US" baseline="0" dirty="0" smtClean="0"/>
+              <a:t> </a:t>
+            </a:r>
+            <a:r>
+              <a:rPr lang="en-US" baseline="0" dirty="0" err="1" smtClean="0"/>
+              <a:t>återigenom</a:t>
+            </a:r>
+            <a:r>
+              <a:rPr lang="en-US" baseline="0" dirty="0" smtClean="0"/>
+              <a:t> </a:t>
+            </a:r>
+            <a:r>
+              <a:rPr lang="en-US" baseline="0" dirty="0" err="1" smtClean="0"/>
+              <a:t>uppnådd</a:t>
+            </a:r>
+            <a:endParaRPr lang="en-US" baseline="0" dirty="0" smtClean="0"/>
+          </a:p>
+          <a:p>
+            <a:pPr marL="0" marR="0" indent="0" algn="l" defTabSz="914400" rtl="0" eaLnBrk="1" fontAlgn="auto" latinLnBrk="0" hangingPunct="1">
+              <a:lnSpc>
+                <a:spcPct val="100000"/>
+              </a:lnSpc>
+              <a:spcBef>
+                <a:spcPts val="0"/>
+              </a:spcBef>
+              <a:spcAft>
+                <a:spcPts val="0"/>
+              </a:spcAft>
+              <a:buClrTx/>
+              <a:buSzTx/>
+              <a:buFontTx/>
+              <a:buNone/>
+              <a:tabLst/>
+              <a:defRPr/>
+            </a:pPr>
+            <a:endParaRPr lang="en-US" baseline="0" dirty="0" smtClean="0"/>
+          </a:p>
+          <a:p>
+            <a:pPr marL="0" marR="0" indent="0" algn="l" defTabSz="914400" rtl="0" eaLnBrk="1" fontAlgn="auto" latinLnBrk="0" hangingPunct="1">
+              <a:lnSpc>
+                <a:spcPct val="100000"/>
+              </a:lnSpc>
+              <a:spcBef>
+                <a:spcPts val="0"/>
+              </a:spcBef>
+              <a:spcAft>
+                <a:spcPts val="0"/>
+              </a:spcAft>
+              <a:buClrTx/>
+              <a:buSzTx/>
+              <a:buFontTx/>
+              <a:buNone/>
+              <a:tabLst/>
+              <a:defRPr/>
+            </a:pPr>
+            <a:r>
+              <a:rPr lang="en-US" baseline="0" dirty="0" err="1" smtClean="0"/>
+              <a:t>Tiden</a:t>
+            </a:r>
+            <a:r>
+              <a:rPr lang="en-US" baseline="0" dirty="0" smtClean="0"/>
+              <a:t> t </a:t>
+            </a:r>
+            <a:r>
+              <a:rPr lang="en-US" baseline="0" dirty="0" err="1" smtClean="0"/>
+              <a:t>som</a:t>
+            </a:r>
+            <a:r>
+              <a:rPr lang="en-US" baseline="0" dirty="0" smtClean="0"/>
+              <a:t> vi </a:t>
+            </a:r>
+            <a:r>
+              <a:rPr lang="en-US" baseline="0" dirty="0" err="1" smtClean="0"/>
+              <a:t>använder</a:t>
+            </a:r>
+            <a:r>
+              <a:rPr lang="en-US" baseline="0" dirty="0" smtClean="0"/>
+              <a:t> </a:t>
+            </a:r>
+            <a:r>
+              <a:rPr lang="en-US" baseline="0" dirty="0" err="1" smtClean="0"/>
+              <a:t>för</a:t>
+            </a:r>
+            <a:r>
+              <a:rPr lang="en-US" baseline="0" dirty="0" smtClean="0"/>
+              <a:t> </a:t>
+            </a:r>
+            <a:r>
+              <a:rPr lang="en-US" baseline="0" dirty="0" err="1" smtClean="0"/>
+              <a:t>att</a:t>
+            </a:r>
+            <a:r>
+              <a:rPr lang="en-US" baseline="0" dirty="0" smtClean="0"/>
+              <a:t> </a:t>
+            </a:r>
+            <a:r>
+              <a:rPr lang="en-US" baseline="0" dirty="0" err="1" smtClean="0"/>
+              <a:t>beräkna</a:t>
+            </a:r>
+            <a:r>
+              <a:rPr lang="en-US" baseline="0" dirty="0" smtClean="0"/>
+              <a:t> </a:t>
+            </a:r>
+            <a:r>
+              <a:rPr lang="en-US" baseline="0" dirty="0" err="1" smtClean="0"/>
+              <a:t>tillförlitligheten</a:t>
+            </a:r>
+            <a:r>
+              <a:rPr lang="en-US" baseline="0" dirty="0" smtClean="0"/>
+              <a:t>, </a:t>
+            </a:r>
+            <a:r>
+              <a:rPr lang="en-US" baseline="0" dirty="0" err="1" smtClean="0"/>
+              <a:t>består</a:t>
+            </a:r>
+            <a:r>
+              <a:rPr lang="en-US" baseline="0" dirty="0" smtClean="0"/>
+              <a:t> </a:t>
+            </a:r>
+            <a:r>
+              <a:rPr lang="en-US" baseline="0" dirty="0" err="1" smtClean="0"/>
+              <a:t>som</a:t>
+            </a:r>
+            <a:r>
+              <a:rPr lang="en-US" baseline="0" dirty="0" smtClean="0"/>
+              <a:t> vi </a:t>
+            </a:r>
+            <a:r>
+              <a:rPr lang="en-US" baseline="0" dirty="0" err="1" smtClean="0"/>
+              <a:t>sa</a:t>
+            </a:r>
+            <a:r>
+              <a:rPr lang="en-US" baseline="0" dirty="0" smtClean="0"/>
+              <a:t> </a:t>
+            </a:r>
+            <a:r>
+              <a:rPr lang="en-US" baseline="0" dirty="0" err="1" smtClean="0"/>
+              <a:t>av</a:t>
+            </a:r>
+            <a:r>
+              <a:rPr lang="en-US" baseline="0" dirty="0" smtClean="0"/>
+              <a:t> </a:t>
+            </a:r>
+            <a:r>
+              <a:rPr lang="en-US" baseline="0" dirty="0" err="1" smtClean="0"/>
+              <a:t>tiden</a:t>
+            </a:r>
+            <a:r>
+              <a:rPr lang="en-US" baseline="0" dirty="0" smtClean="0"/>
+              <a:t> </a:t>
+            </a:r>
+            <a:r>
+              <a:rPr lang="en-US" baseline="0" dirty="0" err="1" smtClean="0"/>
+              <a:t>det</a:t>
+            </a:r>
+            <a:r>
+              <a:rPr lang="en-US" baseline="0" dirty="0" smtClean="0"/>
+              <a:t> tar </a:t>
+            </a:r>
+            <a:r>
+              <a:rPr lang="en-US" baseline="0" dirty="0" err="1" smtClean="0"/>
+              <a:t>att</a:t>
+            </a:r>
+            <a:r>
+              <a:rPr lang="en-US" baseline="0" dirty="0" smtClean="0"/>
+              <a:t> </a:t>
+            </a:r>
+            <a:r>
+              <a:rPr lang="en-US" baseline="0" dirty="0" err="1" smtClean="0"/>
+              <a:t>detekera</a:t>
+            </a:r>
+            <a:r>
+              <a:rPr lang="en-US" baseline="0" dirty="0" smtClean="0"/>
+              <a:t> </a:t>
+            </a:r>
+            <a:r>
+              <a:rPr lang="en-US" baseline="0" dirty="0" err="1" smtClean="0"/>
+              <a:t>ett</a:t>
+            </a:r>
+            <a:r>
+              <a:rPr lang="en-US" baseline="0" dirty="0" smtClean="0"/>
+              <a:t> </a:t>
+            </a:r>
+            <a:r>
+              <a:rPr lang="en-US" baseline="0" dirty="0" err="1" smtClean="0"/>
+              <a:t>fel</a:t>
+            </a:r>
+            <a:r>
+              <a:rPr lang="en-US" baseline="0" dirty="0" smtClean="0"/>
+              <a:t>, tills </a:t>
+            </a:r>
+            <a:r>
+              <a:rPr lang="en-US" baseline="0" dirty="0" err="1" smtClean="0"/>
+              <a:t>dess</a:t>
+            </a:r>
+            <a:r>
+              <a:rPr lang="en-US" baseline="0" dirty="0" smtClean="0"/>
+              <a:t> </a:t>
+            </a:r>
+            <a:r>
+              <a:rPr lang="en-US" baseline="0" dirty="0" err="1" smtClean="0"/>
+              <a:t>att</a:t>
+            </a:r>
+            <a:r>
+              <a:rPr lang="en-US" baseline="0" dirty="0" smtClean="0"/>
+              <a:t> </a:t>
+            </a:r>
+            <a:r>
+              <a:rPr lang="en-US" baseline="0" dirty="0" err="1" smtClean="0"/>
+              <a:t>en</a:t>
+            </a:r>
+            <a:r>
+              <a:rPr lang="en-US" baseline="0" dirty="0" smtClean="0"/>
+              <a:t> </a:t>
+            </a:r>
+            <a:r>
+              <a:rPr lang="en-US" baseline="0" dirty="0" err="1" smtClean="0"/>
+              <a:t>ny</a:t>
+            </a:r>
+            <a:r>
+              <a:rPr lang="en-US" baseline="0" dirty="0" smtClean="0"/>
+              <a:t> </a:t>
+            </a:r>
+            <a:r>
+              <a:rPr lang="en-US" baseline="0" dirty="0" err="1" smtClean="0"/>
               <a:t>replika</a:t>
             </a:r>
+            <a:r>
+              <a:rPr lang="en-US" baseline="0" dirty="0" smtClean="0"/>
+              <a:t> </a:t>
+            </a:r>
+            <a:r>
+              <a:rPr lang="en-US" baseline="0" dirty="0" err="1" smtClean="0"/>
+              <a:t>har</a:t>
+            </a:r>
+            <a:r>
+              <a:rPr lang="en-US" baseline="0" dirty="0" smtClean="0"/>
+              <a:t> </a:t>
+            </a:r>
+            <a:r>
+              <a:rPr lang="en-US" baseline="0" dirty="0" err="1" smtClean="0"/>
+              <a:t>skapats</a:t>
+            </a:r>
+            <a:r>
+              <a:rPr lang="en-US" baseline="0" dirty="0" smtClean="0"/>
+              <a:t> [BYT SLIDE]</a:t>
+            </a:r>
+            <a:endParaRPr lang="en-US" dirty="0" smtClean="0"/>
+          </a:p>
+          <a:p>
             <a:endParaRPr lang="sv-SE" dirty="0"/>
           </a:p>
         </p:txBody>
@@ -8230,7 +8477,7 @@
     </p:spTree>
     <p:extLst>
       <p:ext uri="{BB962C8B-B14F-4D97-AF65-F5344CB8AC3E}">
-        <p14:creationId xmlns:p14="http://schemas.microsoft.com/office/powerpoint/2010/main" val="1357280562"/>
+        <p14:creationId xmlns:p14="http://schemas.microsoft.com/office/powerpoint/2010/main" val="1177287211"/>
       </p:ext>
     </p:extLst>
   </p:cSld>
@@ -8427,21 +8674,8 @@
           <a:p>
             <a:r>
               <a:rPr lang="sv-SE" baseline="0" dirty="0" smtClean="0"/>
-              <a:t>Tillförlitlighet är väldigt viktigt för många </a:t>
-            </a:r>
-            <a:r>
-              <a:rPr lang="sv-SE" baseline="0" dirty="0" smtClean="0"/>
-              <a:t>applikationer för att undvika att viktig </a:t>
-            </a:r>
-            <a:r>
-              <a:rPr lang="sv-SE" baseline="0" dirty="0" smtClean="0"/>
-              <a:t>data </a:t>
-            </a:r>
-            <a:r>
-              <a:rPr lang="sv-SE" baseline="0" dirty="0" smtClean="0"/>
-              <a:t>går förlorad</a:t>
-            </a:r>
-            <a:endParaRPr lang="sv-SE" baseline="0" dirty="0" smtClean="0"/>
+              <a:t>Tillförlitlighet är väldigt viktigt för många applikationer för att undvika att viktig data går förlorad</a:t>
+            </a:r>
           </a:p>
         </p:txBody>
       </p:sp>
@@ -8526,375 +8760,172 @@
           <a:lstStyle/>
           <a:p>
             <a:r>
-              <a:rPr lang="en-US" dirty="0" smtClean="0"/>
-              <a:t>Om </a:t>
-            </a:r>
-            <a:r>
-              <a:rPr lang="en-US" dirty="0" err="1" smtClean="0"/>
-              <a:t>allt</a:t>
-            </a:r>
-            <a:r>
-              <a:rPr lang="en-US" dirty="0" smtClean="0"/>
-              <a:t> </a:t>
-            </a:r>
-            <a:r>
-              <a:rPr lang="en-US" dirty="0" err="1" smtClean="0"/>
-              <a:t>gick</a:t>
-            </a:r>
-            <a:r>
-              <a:rPr lang="en-US" dirty="0" smtClean="0"/>
-              <a:t> bra </a:t>
-            </a:r>
-            <a:r>
-              <a:rPr lang="en-US" dirty="0" err="1" smtClean="0"/>
-              <a:t>kommer</a:t>
-            </a:r>
-            <a:r>
-              <a:rPr lang="en-US" dirty="0" smtClean="0"/>
-              <a:t> nod</a:t>
-            </a:r>
-            <a:r>
-              <a:rPr lang="en-US" baseline="0" dirty="0" smtClean="0"/>
-              <a:t> D </a:t>
-            </a:r>
-            <a:r>
-              <a:rPr lang="en-US" baseline="0" dirty="0" err="1" smtClean="0"/>
-              <a:t>returnera</a:t>
-            </a:r>
-            <a:r>
-              <a:rPr lang="en-US" baseline="0" dirty="0" smtClean="0"/>
-              <a:t> den </a:t>
-            </a:r>
-            <a:r>
-              <a:rPr lang="en-US" baseline="0" dirty="0" err="1" smtClean="0"/>
-              <a:t>nya</a:t>
-            </a:r>
-            <a:r>
-              <a:rPr lang="en-US" baseline="0" dirty="0" smtClean="0"/>
-              <a:t> </a:t>
-            </a:r>
-            <a:r>
-              <a:rPr lang="en-US" baseline="0" dirty="0" err="1" smtClean="0"/>
-              <a:t>replikans</a:t>
-            </a:r>
-            <a:r>
-              <a:rPr lang="en-US" baseline="0" dirty="0" smtClean="0"/>
-              <a:t> id. </a:t>
-            </a:r>
-            <a:r>
-              <a:rPr lang="en-US" dirty="0" err="1" smtClean="0"/>
-              <a:t>Slutligen</a:t>
-            </a:r>
-            <a:r>
-              <a:rPr lang="en-US" dirty="0" smtClean="0"/>
-              <a:t> </a:t>
-            </a:r>
-            <a:r>
-              <a:rPr lang="en-US" dirty="0" err="1" smtClean="0"/>
-              <a:t>kommer</a:t>
-            </a:r>
-            <a:r>
-              <a:rPr lang="en-US" dirty="0" smtClean="0"/>
-              <a:t> nod</a:t>
-            </a:r>
-            <a:r>
-              <a:rPr lang="en-US" baseline="0" dirty="0" smtClean="0"/>
-              <a:t> A </a:t>
-            </a:r>
-            <a:r>
-              <a:rPr lang="en-US" baseline="0" dirty="0" err="1" smtClean="0"/>
-              <a:t>att</a:t>
-            </a:r>
-            <a:r>
-              <a:rPr lang="en-US" baseline="0" dirty="0" smtClean="0"/>
-              <a:t> </a:t>
-            </a:r>
-            <a:r>
-              <a:rPr lang="en-US" baseline="0" dirty="0" err="1" smtClean="0"/>
-              <a:t>skicka</a:t>
-            </a:r>
-            <a:r>
-              <a:rPr lang="en-US" baseline="0" dirty="0" smtClean="0"/>
-              <a:t> </a:t>
-            </a:r>
-            <a:r>
-              <a:rPr lang="en-US" baseline="0" dirty="0" err="1" smtClean="0"/>
-              <a:t>ett</a:t>
-            </a:r>
-            <a:r>
-              <a:rPr lang="en-US" baseline="0" dirty="0" smtClean="0"/>
-              <a:t> </a:t>
-            </a:r>
-            <a:r>
-              <a:rPr lang="en-US" baseline="0" dirty="0" err="1" smtClean="0"/>
-              <a:t>svar</a:t>
-            </a:r>
-            <a:r>
-              <a:rPr lang="en-US" baseline="0" dirty="0" smtClean="0"/>
-              <a:t> till nod B </a:t>
-            </a:r>
-            <a:r>
-              <a:rPr lang="en-US" baseline="0" dirty="0" err="1" smtClean="0"/>
-              <a:t>och</a:t>
-            </a:r>
-            <a:r>
-              <a:rPr lang="en-US" baseline="0" dirty="0" smtClean="0"/>
-              <a:t> nod D, </a:t>
-            </a:r>
-            <a:r>
-              <a:rPr lang="en-US" baseline="0" dirty="0" err="1" smtClean="0"/>
-              <a:t>så</a:t>
-            </a:r>
-            <a:r>
-              <a:rPr lang="en-US" baseline="0" dirty="0" smtClean="0"/>
-              <a:t> </a:t>
-            </a:r>
-            <a:r>
-              <a:rPr lang="en-US" baseline="0" dirty="0" err="1" smtClean="0"/>
-              <a:t>att</a:t>
-            </a:r>
-            <a:r>
-              <a:rPr lang="en-US" baseline="0" dirty="0" smtClean="0"/>
-              <a:t> </a:t>
-            </a:r>
-            <a:r>
-              <a:rPr lang="en-US" baseline="0" dirty="0" err="1" smtClean="0"/>
-              <a:t>dessa</a:t>
-            </a:r>
-            <a:r>
-              <a:rPr lang="en-US" baseline="0" dirty="0" smtClean="0"/>
-              <a:t> vet </a:t>
-            </a:r>
-            <a:r>
-              <a:rPr lang="en-US" baseline="0" dirty="0" err="1" smtClean="0"/>
-              <a:t>att</a:t>
-            </a:r>
-            <a:r>
-              <a:rPr lang="en-US" baseline="0" dirty="0" smtClean="0"/>
-              <a:t> nod A </a:t>
-            </a:r>
-            <a:r>
-              <a:rPr lang="en-US" baseline="0" dirty="0" err="1" smtClean="0"/>
-              <a:t>lyckades</a:t>
-            </a:r>
-            <a:r>
-              <a:rPr lang="en-US" baseline="0" dirty="0" smtClean="0"/>
-              <a:t> </a:t>
-            </a:r>
-            <a:r>
-              <a:rPr lang="en-US" baseline="0" dirty="0" err="1" smtClean="0"/>
-              <a:t>köra</a:t>
-            </a:r>
-            <a:r>
-              <a:rPr lang="en-US" baseline="0" dirty="0" smtClean="0"/>
-              <a:t> </a:t>
-            </a:r>
-            <a:r>
-              <a:rPr lang="en-US" baseline="0" dirty="0" err="1" smtClean="0"/>
-              <a:t>klart</a:t>
-            </a:r>
-            <a:r>
-              <a:rPr lang="en-US" baseline="0" dirty="0" smtClean="0"/>
-              <a:t> </a:t>
-            </a:r>
-            <a:r>
-              <a:rPr lang="en-US" baseline="0" dirty="0" err="1" smtClean="0"/>
-              <a:t>algoritmen</a:t>
-            </a:r>
-            <a:r>
-              <a:rPr lang="en-US" baseline="0" dirty="0" smtClean="0"/>
-              <a:t>.</a:t>
-            </a:r>
-          </a:p>
-          <a:p>
-            <a:endParaRPr lang="en-US" baseline="0" dirty="0" smtClean="0"/>
-          </a:p>
-          <a:p>
-            <a:r>
-              <a:rPr lang="en-US" baseline="0" dirty="0" err="1" smtClean="0"/>
-              <a:t>Tiden</a:t>
-            </a:r>
-            <a:r>
-              <a:rPr lang="en-US" baseline="0" dirty="0" smtClean="0"/>
-              <a:t> t </a:t>
-            </a:r>
-            <a:r>
-              <a:rPr lang="en-US" baseline="0" dirty="0" err="1" smtClean="0"/>
-              <a:t>som</a:t>
-            </a:r>
-            <a:r>
-              <a:rPr lang="en-US" baseline="0" dirty="0" smtClean="0"/>
-              <a:t> vi </a:t>
-            </a:r>
-            <a:r>
-              <a:rPr lang="en-US" baseline="0" dirty="0" err="1" smtClean="0"/>
-              <a:t>använder</a:t>
-            </a:r>
-            <a:r>
-              <a:rPr lang="en-US" baseline="0" dirty="0" smtClean="0"/>
-              <a:t> </a:t>
-            </a:r>
-            <a:r>
-              <a:rPr lang="en-US" baseline="0" dirty="0" err="1" smtClean="0"/>
-              <a:t>för</a:t>
-            </a:r>
-            <a:r>
-              <a:rPr lang="en-US" baseline="0" dirty="0" smtClean="0"/>
-              <a:t> </a:t>
-            </a:r>
-            <a:r>
-              <a:rPr lang="en-US" baseline="0" dirty="0" err="1" smtClean="0"/>
-              <a:t>att</a:t>
-            </a:r>
-            <a:r>
-              <a:rPr lang="en-US" baseline="0" dirty="0" smtClean="0"/>
-              <a:t> </a:t>
-            </a:r>
-            <a:r>
-              <a:rPr lang="en-US" baseline="0" dirty="0" err="1" smtClean="0"/>
-              <a:t>beräkna</a:t>
-            </a:r>
-            <a:r>
-              <a:rPr lang="en-US" baseline="0" dirty="0" smtClean="0"/>
-              <a:t> </a:t>
-            </a:r>
-            <a:r>
-              <a:rPr lang="en-US" baseline="0" dirty="0" err="1" smtClean="0"/>
-              <a:t>tillförlitligheten</a:t>
-            </a:r>
-            <a:r>
-              <a:rPr lang="en-US" baseline="0" dirty="0" smtClean="0"/>
-              <a:t>, </a:t>
-            </a:r>
-            <a:r>
-              <a:rPr lang="en-US" baseline="0" dirty="0" err="1" smtClean="0"/>
-              <a:t>består</a:t>
-            </a:r>
-            <a:r>
-              <a:rPr lang="en-US" baseline="0" dirty="0" smtClean="0"/>
-              <a:t> </a:t>
-            </a:r>
-            <a:r>
-              <a:rPr lang="en-US" baseline="0" dirty="0" err="1" smtClean="0"/>
-              <a:t>som</a:t>
-            </a:r>
-            <a:r>
-              <a:rPr lang="en-US" baseline="0" dirty="0" smtClean="0"/>
-              <a:t> vi </a:t>
-            </a:r>
-            <a:r>
-              <a:rPr lang="en-US" baseline="0" dirty="0" err="1" smtClean="0"/>
-              <a:t>sa</a:t>
-            </a:r>
-            <a:r>
-              <a:rPr lang="en-US" baseline="0" dirty="0" smtClean="0"/>
-              <a:t> </a:t>
-            </a:r>
-            <a:r>
-              <a:rPr lang="en-US" baseline="0" dirty="0" err="1" smtClean="0"/>
-              <a:t>av</a:t>
-            </a:r>
-            <a:r>
-              <a:rPr lang="en-US" baseline="0" dirty="0" smtClean="0"/>
-              <a:t> </a:t>
-            </a:r>
-            <a:r>
-              <a:rPr lang="en-US" baseline="0" dirty="0" err="1" smtClean="0"/>
-              <a:t>tiden</a:t>
-            </a:r>
-            <a:r>
-              <a:rPr lang="en-US" baseline="0" dirty="0" smtClean="0"/>
-              <a:t> </a:t>
-            </a:r>
-            <a:r>
-              <a:rPr lang="en-US" baseline="0" dirty="0" err="1" smtClean="0"/>
-              <a:t>det</a:t>
-            </a:r>
-            <a:r>
-              <a:rPr lang="en-US" baseline="0" dirty="0" smtClean="0"/>
-              <a:t> tar </a:t>
-            </a:r>
-            <a:r>
-              <a:rPr lang="en-US" baseline="0" dirty="0" err="1" smtClean="0"/>
-              <a:t>att</a:t>
-            </a:r>
-            <a:r>
-              <a:rPr lang="en-US" baseline="0" dirty="0" smtClean="0"/>
-              <a:t> </a:t>
-            </a:r>
-            <a:r>
-              <a:rPr lang="en-US" baseline="0" dirty="0" err="1" smtClean="0"/>
+              <a:rPr lang="sv-SE" i="0" baseline="0" noProof="0" dirty="0" smtClean="0"/>
+              <a:t>Tiden det tar att </a:t>
+            </a:r>
+            <a:r>
+              <a:rPr lang="sv-SE" i="0" baseline="0" noProof="0" dirty="0" err="1" smtClean="0"/>
               <a:t>detekera</a:t>
             </a:r>
             <a:r>
-              <a:rPr lang="en-US" baseline="0" dirty="0" smtClean="0"/>
-              <a:t> </a:t>
-            </a:r>
-            <a:r>
-              <a:rPr lang="en-US" baseline="0" dirty="0" err="1" smtClean="0"/>
-              <a:t>ett</a:t>
-            </a:r>
-            <a:r>
-              <a:rPr lang="en-US" baseline="0" dirty="0" smtClean="0"/>
-              <a:t> </a:t>
-            </a:r>
-            <a:r>
-              <a:rPr lang="en-US" baseline="0" dirty="0" err="1" smtClean="0"/>
-              <a:t>fel</a:t>
-            </a:r>
-            <a:r>
-              <a:rPr lang="en-US" baseline="0" dirty="0" smtClean="0"/>
-              <a:t>, tills </a:t>
-            </a:r>
-            <a:r>
-              <a:rPr lang="en-US" baseline="0" dirty="0" err="1" smtClean="0"/>
-              <a:t>dess</a:t>
-            </a:r>
-            <a:r>
-              <a:rPr lang="en-US" baseline="0" dirty="0" smtClean="0"/>
-              <a:t> </a:t>
-            </a:r>
-            <a:r>
-              <a:rPr lang="en-US" baseline="0" dirty="0" err="1" smtClean="0"/>
-              <a:t>att</a:t>
-            </a:r>
-            <a:r>
-              <a:rPr lang="en-US" baseline="0" dirty="0" smtClean="0"/>
-              <a:t> en </a:t>
-            </a:r>
-            <a:r>
-              <a:rPr lang="en-US" baseline="0" dirty="0" err="1" smtClean="0"/>
-              <a:t>ny</a:t>
-            </a:r>
-            <a:r>
-              <a:rPr lang="en-US" baseline="0" dirty="0" smtClean="0"/>
-              <a:t> </a:t>
-            </a:r>
-            <a:r>
-              <a:rPr lang="en-US" baseline="0" dirty="0" err="1" smtClean="0"/>
+              <a:rPr lang="sv-SE" i="0" baseline="0" noProof="0" dirty="0" smtClean="0"/>
+              <a:t> att en nod har dött är satt till timeoutiden för </a:t>
+            </a:r>
+            <a:r>
+              <a:rPr lang="sv-SE" i="0" baseline="0" noProof="0" dirty="0" err="1" smtClean="0"/>
+              <a:t>heartbeat</a:t>
+            </a:r>
+            <a:r>
+              <a:rPr lang="sv-SE" i="0" baseline="0" noProof="0" dirty="0" smtClean="0"/>
+              <a:t>,</a:t>
+            </a:r>
+            <a:r>
+              <a:rPr lang="sv-SE" b="1" i="0" baseline="0" noProof="0" dirty="0" smtClean="0"/>
+              <a:t> </a:t>
+            </a:r>
+            <a:r>
+              <a:rPr lang="sv-SE" i="0" baseline="0" noProof="0" dirty="0" smtClean="0"/>
+              <a:t>medan tiden det tar att hantera felet och skapa en ny </a:t>
+            </a:r>
+            <a:r>
+              <a:rPr lang="sv-SE" i="0" baseline="0" noProof="0" dirty="0" err="1" smtClean="0"/>
               <a:t>replika</a:t>
             </a:r>
             <a:r>
-              <a:rPr lang="en-US" baseline="0" dirty="0" smtClean="0"/>
-              <a:t> </a:t>
-            </a:r>
-            <a:r>
-              <a:rPr lang="en-US" baseline="0" dirty="0" err="1" smtClean="0"/>
-              <a:t>har</a:t>
-            </a:r>
-            <a:r>
-              <a:rPr lang="en-US" baseline="0" dirty="0" smtClean="0"/>
-              <a:t> </a:t>
-            </a:r>
-            <a:r>
-              <a:rPr lang="en-US" baseline="0" dirty="0" err="1" smtClean="0"/>
-              <a:t>skapats</a:t>
-            </a:r>
-            <a:r>
-              <a:rPr lang="en-US" baseline="0" dirty="0" smtClean="0"/>
-              <a:t> [BYT SLIDE]</a:t>
-            </a:r>
-            <a:endParaRPr lang="en-US" dirty="0"/>
+              <a:rPr lang="sv-SE" i="0" baseline="0" noProof="0" dirty="0" smtClean="0"/>
+              <a:t> varierar dock.</a:t>
+            </a:r>
+          </a:p>
+          <a:p>
+            <a:endParaRPr lang="sv-SE" i="0" baseline="0" noProof="0" dirty="0" smtClean="0"/>
+          </a:p>
+          <a:p>
+            <a:r>
+              <a:rPr lang="sv-SE" i="0" baseline="0" noProof="0" dirty="0" smtClean="0"/>
+              <a:t>Det beror delvis på hur stort tillståndet, dvs dess </a:t>
+            </a:r>
+            <a:r>
+              <a:rPr lang="sv-SE" i="0" baseline="0" noProof="0" dirty="0" err="1" smtClean="0"/>
+              <a:t>state</a:t>
+            </a:r>
+            <a:r>
+              <a:rPr lang="sv-SE" i="0" baseline="0" noProof="0" dirty="0" smtClean="0"/>
+              <a:t>, på </a:t>
+            </a:r>
+            <a:r>
+              <a:rPr lang="sv-SE" i="0" baseline="0" noProof="0" dirty="0" err="1" smtClean="0"/>
+              <a:t>replikan</a:t>
+            </a:r>
+            <a:r>
+              <a:rPr lang="sv-SE" i="0" baseline="0" noProof="0" dirty="0" smtClean="0"/>
+              <a:t> är, så därför lagras dessa tider utifrån typ av tjänst.</a:t>
+            </a:r>
+          </a:p>
+          <a:p>
+            <a:endParaRPr lang="sv-SE" i="0" baseline="0" noProof="0" dirty="0" smtClean="0"/>
+          </a:p>
+          <a:p>
+            <a:r>
+              <a:rPr lang="sv-SE" i="0" baseline="0" noProof="0" dirty="0" smtClean="0"/>
+              <a:t>Det beror dessutom på om noden som först väljs ut, blir klar eller om den själv dör innan den blir klar, i vilket fall en ny nod väljs. </a:t>
+            </a:r>
+          </a:p>
+          <a:p>
+            <a:endParaRPr lang="sv-SE" i="0" baseline="0" noProof="0" dirty="0" smtClean="0"/>
+          </a:p>
+          <a:p>
+            <a:r>
+              <a:rPr lang="sv-SE" i="0" baseline="0" noProof="0" dirty="0" smtClean="0"/>
+              <a:t>Vidare kan noden som vi ber </a:t>
+            </a:r>
+            <a:r>
+              <a:rPr lang="sv-SE" i="0" baseline="0" noProof="0" dirty="0" err="1" smtClean="0"/>
+              <a:t>replicera</a:t>
+            </a:r>
+            <a:r>
+              <a:rPr lang="sv-SE" i="0" baseline="0" noProof="0" dirty="0" smtClean="0"/>
+              <a:t> sin </a:t>
+            </a:r>
+            <a:r>
+              <a:rPr lang="sv-SE" i="0" baseline="0" noProof="0" dirty="0" err="1" smtClean="0"/>
+              <a:t>replika</a:t>
+            </a:r>
+            <a:r>
+              <a:rPr lang="sv-SE" i="0" baseline="0" noProof="0" dirty="0" smtClean="0"/>
+              <a:t> dö innan den hinner göra det, även då väljs en ny nod ut,  och även noden vi </a:t>
+            </a:r>
+            <a:r>
+              <a:rPr lang="sv-SE" i="0" baseline="0" noProof="0" dirty="0" err="1" smtClean="0"/>
+              <a:t>replicerar</a:t>
+            </a:r>
+            <a:r>
+              <a:rPr lang="sv-SE" i="0" baseline="0" noProof="0" dirty="0" smtClean="0"/>
+              <a:t> till kan dö.</a:t>
+            </a:r>
+          </a:p>
+          <a:p>
+            <a:endParaRPr lang="sv-SE" i="0" baseline="0" noProof="0" dirty="0" smtClean="0"/>
+          </a:p>
+          <a:p>
+            <a:r>
+              <a:rPr lang="sv-SE" i="0" baseline="0" noProof="0" dirty="0" smtClean="0"/>
+              <a:t>Det är alltså många faktorer som påverkar tiden TR</a:t>
+            </a:r>
+          </a:p>
+          <a:p>
+            <a:endParaRPr lang="sv-SE" i="0" baseline="0" noProof="0" dirty="0" smtClean="0"/>
+          </a:p>
+          <a:p>
+            <a:pPr marL="0" marR="0" indent="0" algn="l" defTabSz="914400" rtl="0" eaLnBrk="1" fontAlgn="auto" latinLnBrk="0" hangingPunct="1">
+              <a:lnSpc>
+                <a:spcPct val="100000"/>
+              </a:lnSpc>
+              <a:spcBef>
+                <a:spcPts val="0"/>
+              </a:spcBef>
+              <a:spcAft>
+                <a:spcPts val="0"/>
+              </a:spcAft>
+              <a:buClrTx/>
+              <a:buSzTx/>
+              <a:buFontTx/>
+              <a:buNone/>
+              <a:tabLst/>
+              <a:defRPr/>
+            </a:pPr>
+            <a:r>
+              <a:rPr lang="sv-SE" noProof="0" dirty="0" smtClean="0"/>
+              <a:t>För att hantera den här varierande tiden, så valde vi att inte bara använda</a:t>
+            </a:r>
+            <a:r>
+              <a:rPr lang="sv-SE" baseline="0" noProof="0" dirty="0" smtClean="0"/>
+              <a:t> ett medelvärde tex, eftersom de teoretiskt sätt kan variera ganska mycket, vilket därmed påverkar tillförlitligheten ganska mycket.</a:t>
+            </a:r>
+            <a:endParaRPr lang="sv-SE" i="0" baseline="0" noProof="0" dirty="0" smtClean="0"/>
+          </a:p>
+          <a:p>
+            <a:pPr marL="0" marR="0" indent="0" algn="l" defTabSz="914400" rtl="0" eaLnBrk="1" fontAlgn="auto" latinLnBrk="0" hangingPunct="1">
+              <a:lnSpc>
+                <a:spcPct val="100000"/>
+              </a:lnSpc>
+              <a:spcBef>
+                <a:spcPts val="0"/>
+              </a:spcBef>
+              <a:spcAft>
+                <a:spcPts val="0"/>
+              </a:spcAft>
+              <a:buClrTx/>
+              <a:buSzTx/>
+              <a:buFontTx/>
+              <a:buNone/>
+              <a:tabLst/>
+              <a:defRPr/>
+            </a:pPr>
+            <a:r>
+              <a:rPr lang="sv-SE" i="0" baseline="0" noProof="0" dirty="0" smtClean="0"/>
+              <a:t>[BYT SLIDE]</a:t>
+            </a:r>
+            <a:endParaRPr lang="sv-SE" baseline="0" noProof="0" dirty="0" smtClean="0"/>
           </a:p>
         </p:txBody>
       </p:sp>
@@ -8924,7 +8955,7 @@
     </p:spTree>
     <p:extLst>
       <p:ext uri="{BB962C8B-B14F-4D97-AF65-F5344CB8AC3E}">
-        <p14:creationId xmlns:p14="http://schemas.microsoft.com/office/powerpoint/2010/main" val="1497527464"/>
+        <p14:creationId xmlns:p14="http://schemas.microsoft.com/office/powerpoint/2010/main" val="1313513140"/>
       </p:ext>
     </p:extLst>
   </p:cSld>
@@ -8979,172 +9010,27 @@
           <a:lstStyle/>
           <a:p>
             <a:r>
-              <a:rPr lang="sv-SE" i="0" baseline="0" noProof="0" dirty="0" smtClean="0"/>
-              <a:t>Tiden det tar att </a:t>
-            </a:r>
-            <a:r>
-              <a:rPr lang="sv-SE" i="0" baseline="0" noProof="0" dirty="0" err="1" smtClean="0"/>
-              <a:t>detekera</a:t>
-            </a:r>
-            <a:r>
-              <a:rPr lang="sv-SE" i="0" baseline="0" noProof="0" dirty="0" smtClean="0"/>
-              <a:t> att en nod har dött är satt till timeoutiden för </a:t>
-            </a:r>
-            <a:r>
-              <a:rPr lang="sv-SE" i="0" baseline="0" noProof="0" dirty="0" err="1" smtClean="0"/>
-              <a:t>heartbeat</a:t>
-            </a:r>
-            <a:r>
-              <a:rPr lang="sv-SE" i="0" baseline="0" noProof="0" dirty="0" smtClean="0"/>
-              <a:t>,</a:t>
-            </a:r>
-            <a:r>
-              <a:rPr lang="sv-SE" b="1" i="0" baseline="0" noProof="0" dirty="0" smtClean="0"/>
-              <a:t> </a:t>
-            </a:r>
-            <a:r>
-              <a:rPr lang="sv-SE" i="0" baseline="0" noProof="0" dirty="0" smtClean="0"/>
-              <a:t>medan tiden det tar att hantera felet och skapa en ny </a:t>
-            </a:r>
-            <a:r>
-              <a:rPr lang="sv-SE" i="0" baseline="0" noProof="0" dirty="0" err="1" smtClean="0"/>
-              <a:t>replika</a:t>
-            </a:r>
-            <a:r>
-              <a:rPr lang="sv-SE" i="0" baseline="0" noProof="0" dirty="0" smtClean="0"/>
-              <a:t> varierar dock.</a:t>
-            </a:r>
-          </a:p>
-          <a:p>
-            <a:endParaRPr lang="sv-SE" i="0" baseline="0" noProof="0" dirty="0" smtClean="0"/>
-          </a:p>
-          <a:p>
-            <a:r>
-              <a:rPr lang="sv-SE" i="0" baseline="0" noProof="0" dirty="0" smtClean="0"/>
-              <a:t>Det beror delvis på hur stort tillståndet, dvs dess </a:t>
-            </a:r>
-            <a:r>
-              <a:rPr lang="sv-SE" i="0" baseline="0" noProof="0" dirty="0" err="1" smtClean="0"/>
-              <a:t>state</a:t>
-            </a:r>
-            <a:r>
-              <a:rPr lang="sv-SE" i="0" baseline="0" noProof="0" dirty="0" smtClean="0"/>
-              <a:t>, på </a:t>
-            </a:r>
-            <a:r>
-              <a:rPr lang="sv-SE" i="0" baseline="0" noProof="0" dirty="0" err="1" smtClean="0"/>
-              <a:t>replikan</a:t>
-            </a:r>
-            <a:r>
-              <a:rPr lang="sv-SE" i="0" baseline="0" noProof="0" dirty="0" smtClean="0"/>
-              <a:t> är, så därför lagras dessa tider utifrån typ av tjänst.</a:t>
-            </a:r>
-          </a:p>
-          <a:p>
-            <a:endParaRPr lang="sv-SE" i="0" baseline="0" noProof="0" dirty="0" smtClean="0"/>
-          </a:p>
-          <a:p>
-            <a:r>
-              <a:rPr lang="sv-SE" i="0" baseline="0" noProof="0" dirty="0" smtClean="0"/>
-              <a:t>Det beror dessutom på om noden som först väljs ut, blir klar eller om den själv dör innan den blir klar, i vilket fall en ny nod väljs. </a:t>
-            </a:r>
-          </a:p>
-          <a:p>
-            <a:endParaRPr lang="sv-SE" i="0" baseline="0" noProof="0" dirty="0" smtClean="0"/>
-          </a:p>
-          <a:p>
-            <a:r>
-              <a:rPr lang="sv-SE" i="0" baseline="0" noProof="0" dirty="0" smtClean="0"/>
-              <a:t>Vidare kan noden som vi ber </a:t>
-            </a:r>
-            <a:r>
-              <a:rPr lang="sv-SE" i="0" baseline="0" noProof="0" dirty="0" err="1" smtClean="0"/>
-              <a:t>replicera</a:t>
-            </a:r>
-            <a:r>
-              <a:rPr lang="sv-SE" i="0" baseline="0" noProof="0" dirty="0" smtClean="0"/>
-              <a:t> sin </a:t>
-            </a:r>
-            <a:r>
-              <a:rPr lang="sv-SE" i="0" baseline="0" noProof="0" dirty="0" err="1" smtClean="0"/>
-              <a:t>replika</a:t>
-            </a:r>
-            <a:r>
-              <a:rPr lang="sv-SE" i="0" baseline="0" noProof="0" dirty="0" smtClean="0"/>
-              <a:t> dö innan den hinner göra det, även då väljs en ny nod ut,  och även noden vi </a:t>
-            </a:r>
-            <a:r>
-              <a:rPr lang="sv-SE" i="0" baseline="0" noProof="0" dirty="0" err="1" smtClean="0"/>
-              <a:t>replicerar</a:t>
-            </a:r>
-            <a:r>
-              <a:rPr lang="sv-SE" i="0" baseline="0" noProof="0" dirty="0" smtClean="0"/>
-              <a:t> till kan dö.</a:t>
-            </a:r>
-          </a:p>
-          <a:p>
-            <a:endParaRPr lang="sv-SE" i="0" baseline="0" noProof="0" dirty="0" smtClean="0"/>
-          </a:p>
-          <a:p>
-            <a:r>
-              <a:rPr lang="sv-SE" i="0" baseline="0" noProof="0" dirty="0" smtClean="0"/>
-              <a:t>Det är alltså många faktorer som påverkar tiden TR</a:t>
-            </a:r>
-          </a:p>
-          <a:p>
-            <a:endParaRPr lang="sv-SE" i="0" baseline="0" noProof="0" dirty="0" smtClean="0"/>
-          </a:p>
-          <a:p>
-            <a:pPr marL="0" marR="0" indent="0" algn="l" defTabSz="914400" rtl="0" eaLnBrk="1" fontAlgn="auto" latinLnBrk="0" hangingPunct="1">
-              <a:lnSpc>
-                <a:spcPct val="100000"/>
-              </a:lnSpc>
-              <a:spcBef>
-                <a:spcPts val="0"/>
-              </a:spcBef>
-              <a:spcAft>
-                <a:spcPts val="0"/>
-              </a:spcAft>
-              <a:buClrTx/>
-              <a:buSzTx/>
-              <a:buFontTx/>
-              <a:buNone/>
-              <a:tabLst/>
-              <a:defRPr/>
-            </a:pPr>
-            <a:r>
-              <a:rPr lang="sv-SE" noProof="0" dirty="0" smtClean="0"/>
-              <a:t>För att hantera den här varierande tiden, så valde vi att inte bara använda</a:t>
-            </a:r>
-            <a:r>
               <a:rPr lang="sv-SE" baseline="0" noProof="0" dirty="0" smtClean="0"/>
-              <a:t> ett medelvärde tex, eftersom de teoretiskt sätt kan variera ganska mycket, vilket därmed påverkar tillförlitligheten ganska mycket.</a:t>
-            </a:r>
-            <a:endParaRPr lang="sv-SE" i="0" baseline="0" noProof="0" dirty="0" smtClean="0"/>
-          </a:p>
-          <a:p>
-            <a:pPr marL="0" marR="0" indent="0" algn="l" defTabSz="914400" rtl="0" eaLnBrk="1" fontAlgn="auto" latinLnBrk="0" hangingPunct="1">
-              <a:lnSpc>
-                <a:spcPct val="100000"/>
-              </a:lnSpc>
-              <a:spcBef>
-                <a:spcPts val="0"/>
-              </a:spcBef>
-              <a:spcAft>
-                <a:spcPts val="0"/>
-              </a:spcAft>
-              <a:buClrTx/>
-              <a:buSzTx/>
-              <a:buFontTx/>
-              <a:buNone/>
-              <a:tabLst/>
-              <a:defRPr/>
-            </a:pPr>
-            <a:r>
-              <a:rPr lang="sv-SE" i="0" baseline="0" noProof="0" dirty="0" smtClean="0"/>
-              <a:t>[BYT SLIDE]</a:t>
-            </a:r>
+              <a:t>Istället genomförde vi ett experiment från vilket vi fick ut över 2000 värden för tiden t (exkluderat tiden det tar att detektera fel). </a:t>
+            </a:r>
+          </a:p>
+          <a:p>
             <a:endParaRPr lang="sv-SE" baseline="0" noProof="0" dirty="0" smtClean="0"/>
+          </a:p>
+          <a:p>
+            <a:r>
+              <a:rPr lang="sv-SE" baseline="0" noProof="0" dirty="0" smtClean="0"/>
+              <a:t>Sedan matchades en rad olika distributioner mot dessa värden, och vi fann att log-</a:t>
+            </a:r>
+            <a:r>
+              <a:rPr lang="sv-SE" baseline="0" noProof="0" dirty="0" err="1" smtClean="0"/>
+              <a:t>logistic</a:t>
+            </a:r>
+            <a:r>
+              <a:rPr lang="sv-SE" baseline="0" noProof="0" dirty="0" smtClean="0"/>
+              <a:t> distribution var den bästa.</a:t>
+            </a:r>
+            <a:endParaRPr lang="sv-SE" noProof="0" dirty="0"/>
           </a:p>
         </p:txBody>
       </p:sp>
@@ -9174,7 +9060,7 @@
     </p:spTree>
     <p:extLst>
       <p:ext uri="{BB962C8B-B14F-4D97-AF65-F5344CB8AC3E}">
-        <p14:creationId xmlns:p14="http://schemas.microsoft.com/office/powerpoint/2010/main" val="1313513140"/>
+        <p14:creationId xmlns:p14="http://schemas.microsoft.com/office/powerpoint/2010/main" val="664243240"/>
       </p:ext>
     </p:extLst>
   </p:cSld>
@@ -9229,8 +9115,12 @@
           <a:lstStyle/>
           <a:p>
             <a:r>
+              <a:rPr lang="sv-SE" noProof="0" dirty="0" smtClean="0"/>
+              <a:t>I tillförlitlighetsmodellen,</a:t>
+            </a:r>
+            <a:r>
               <a:rPr lang="sv-SE" baseline="0" noProof="0" dirty="0" smtClean="0"/>
-              <a:t>Istället genomförde vi ett experiment från vilket vi fick ut över 2000 värden för tiden t (exkluderat tiden det tar att detektera fel). </a:t>
+              <a:t> så används därmed de tidigare registrerade tiderna först för att få fram parametrarna till log-logistiska distributionen</a:t>
             </a:r>
           </a:p>
           <a:p>
@@ -9239,15 +9129,24 @@
           <a:p>
             <a:r>
               <a:rPr lang="sv-SE" baseline="0" noProof="0" dirty="0" smtClean="0"/>
-              <a:t>Sedan matchades en rad olika distributioner mot dessa värden, och vi fann att log-</a:t>
+              <a:t>Efter det, så väljs det 95e percentilen, vilket innebär att med 95% sannolikhet kommer nästa värde vara mindre än detta, och genom att använda detta värde kommer vi I 95% av fallen beräkna fram en lägre tillförlitlighet än den faktiska.</a:t>
+            </a:r>
+          </a:p>
+          <a:p>
+            <a:endParaRPr lang="sv-SE" baseline="0" noProof="0" dirty="0" smtClean="0"/>
+          </a:p>
+          <a:p>
+            <a:r>
+              <a:rPr lang="sv-SE" baseline="0" noProof="0" dirty="0" smtClean="0"/>
+              <a:t>Innan några </a:t>
             </a:r>
             <a:r>
               <a:rPr lang="sv-SE" baseline="0" noProof="0" dirty="0" err="1" smtClean="0"/>
-              <a:t>logistic</a:t>
+              <a:t>replication</a:t>
             </a:r>
             <a:r>
               <a:rPr lang="sv-SE" baseline="0" noProof="0" dirty="0" smtClean="0"/>
-              <a:t> distribution var den bästa.</a:t>
+              <a:t> tider har använts, så använts ett default värde.</a:t>
             </a:r>
             <a:endParaRPr lang="sv-SE" noProof="0" dirty="0"/>
           </a:p>
@@ -9279,7 +9178,7 @@
     </p:spTree>
     <p:extLst>
       <p:ext uri="{BB962C8B-B14F-4D97-AF65-F5344CB8AC3E}">
-        <p14:creationId xmlns:p14="http://schemas.microsoft.com/office/powerpoint/2010/main" val="664243240"/>
+        <p14:creationId xmlns:p14="http://schemas.microsoft.com/office/powerpoint/2010/main" val="1874596869"/>
       </p:ext>
     </p:extLst>
   </p:cSld>
@@ -9334,40 +9233,534 @@
           <a:lstStyle/>
           <a:p>
             <a:r>
-              <a:rPr lang="sv-SE" noProof="0" dirty="0" smtClean="0"/>
-              <a:t>I tillförlitlighetsmodellen,</a:t>
-            </a:r>
-            <a:r>
-              <a:rPr lang="sv-SE" baseline="0" noProof="0" dirty="0" smtClean="0"/>
-              <a:t> så används därmed de tidigare registrerade tiderna först för att få fram parametrarna till log-logistiska distributionen</a:t>
-            </a:r>
-          </a:p>
-          <a:p>
-            <a:endParaRPr lang="sv-SE" baseline="0" noProof="0" dirty="0" smtClean="0"/>
-          </a:p>
-          <a:p>
-            <a:r>
-              <a:rPr lang="sv-SE" baseline="0" noProof="0" dirty="0" smtClean="0"/>
-              <a:t>Efter det, så väljs det 95e percentilen, vilket innebär att med 95% sannolikhet kommer nästa värde vara mindre än detta, och genom att använda detta värde kommer vi I 95% av fallen beräkna fram en lägre tillförlitlighet än den faktiska.</a:t>
-            </a:r>
-          </a:p>
-          <a:p>
-            <a:endParaRPr lang="sv-SE" baseline="0" noProof="0" dirty="0" smtClean="0"/>
-          </a:p>
-          <a:p>
-            <a:r>
-              <a:rPr lang="sv-SE" baseline="0" noProof="0" dirty="0" smtClean="0"/>
-              <a:t>Innan några </a:t>
-            </a:r>
-            <a:r>
-              <a:rPr lang="sv-SE" baseline="0" noProof="0" dirty="0" err="1" smtClean="0"/>
-              <a:t>replication</a:t>
-            </a:r>
-            <a:r>
-              <a:rPr lang="sv-SE" baseline="0" noProof="0" dirty="0" smtClean="0"/>
-              <a:t> tider har använts, så använts ett default värde.</a:t>
-            </a:r>
-            <a:endParaRPr lang="sv-SE" noProof="0" dirty="0"/>
+              <a:rPr lang="en-US" dirty="0" err="1" smtClean="0"/>
+              <a:t>För</a:t>
+            </a:r>
+            <a:r>
+              <a:rPr lang="en-US" baseline="0" dirty="0" smtClean="0"/>
+              <a:t> </a:t>
+            </a:r>
+            <a:r>
+              <a:rPr lang="en-US" baseline="0" dirty="0" err="1" smtClean="0"/>
+              <a:t>att</a:t>
+            </a:r>
+            <a:r>
+              <a:rPr lang="en-US" baseline="0" dirty="0" smtClean="0"/>
+              <a:t> </a:t>
+            </a:r>
+            <a:r>
+              <a:rPr lang="en-US" baseline="0" dirty="0" err="1" smtClean="0"/>
+              <a:t>demonstrera</a:t>
+            </a:r>
+            <a:r>
+              <a:rPr lang="en-US" baseline="0" dirty="0" smtClean="0"/>
+              <a:t> </a:t>
+            </a:r>
+            <a:r>
+              <a:rPr lang="en-US" baseline="0" dirty="0" err="1" smtClean="0"/>
+              <a:t>vår</a:t>
+            </a:r>
+            <a:r>
+              <a:rPr lang="en-US" baseline="0" dirty="0" smtClean="0"/>
+              <a:t> </a:t>
+            </a:r>
+            <a:r>
+              <a:rPr lang="en-US" baseline="0" dirty="0" err="1" smtClean="0"/>
+              <a:t>modell</a:t>
+            </a:r>
+            <a:r>
+              <a:rPr lang="en-US" baseline="0" dirty="0" smtClean="0"/>
+              <a:t> </a:t>
+            </a:r>
+            <a:r>
+              <a:rPr lang="en-US" baseline="0" dirty="0" err="1" smtClean="0"/>
+              <a:t>så</a:t>
+            </a:r>
+            <a:r>
+              <a:rPr lang="en-US" baseline="0" dirty="0" smtClean="0"/>
+              <a:t> </a:t>
+            </a:r>
+            <a:r>
+              <a:rPr lang="en-US" baseline="0" dirty="0" err="1" smtClean="0"/>
+              <a:t>har</a:t>
+            </a:r>
+            <a:r>
+              <a:rPr lang="en-US" baseline="0" dirty="0" smtClean="0"/>
+              <a:t> vi </a:t>
+            </a:r>
+            <a:r>
+              <a:rPr lang="en-US" baseline="0" dirty="0" err="1" smtClean="0"/>
+              <a:t>genomfört</a:t>
+            </a:r>
+            <a:r>
+              <a:rPr lang="en-US" baseline="0" dirty="0" smtClean="0"/>
+              <a:t> </a:t>
+            </a:r>
+            <a:r>
+              <a:rPr lang="en-US" baseline="0" dirty="0" err="1" smtClean="0"/>
+              <a:t>ett</a:t>
+            </a:r>
+            <a:r>
+              <a:rPr lang="en-US" baseline="0" dirty="0" smtClean="0"/>
+              <a:t> </a:t>
+            </a:r>
+            <a:r>
+              <a:rPr lang="en-US" baseline="0" dirty="0" err="1" smtClean="0"/>
+              <a:t>antal</a:t>
+            </a:r>
+            <a:r>
+              <a:rPr lang="en-US" baseline="0" dirty="0" smtClean="0"/>
+              <a:t> experiment</a:t>
+            </a:r>
+          </a:p>
+          <a:p>
+            <a:endParaRPr lang="en-US" baseline="0" dirty="0" smtClean="0"/>
+          </a:p>
+          <a:p>
+            <a:r>
+              <a:rPr lang="en-US" baseline="0" dirty="0" err="1" smtClean="0"/>
+              <a:t>Syftet</a:t>
+            </a:r>
+            <a:r>
+              <a:rPr lang="en-US" baseline="0" dirty="0" smtClean="0"/>
+              <a:t> med </a:t>
+            </a:r>
+            <a:r>
+              <a:rPr lang="en-US" baseline="0" dirty="0" err="1" smtClean="0"/>
+              <a:t>experimenten</a:t>
+            </a:r>
+            <a:r>
+              <a:rPr lang="en-US" baseline="0" dirty="0" smtClean="0"/>
+              <a:t> </a:t>
+            </a:r>
+            <a:r>
+              <a:rPr lang="en-US" baseline="0" dirty="0" err="1" smtClean="0"/>
+              <a:t>var</a:t>
+            </a:r>
+            <a:r>
+              <a:rPr lang="en-US" baseline="0" dirty="0" smtClean="0"/>
+              <a:t> bland </a:t>
+            </a:r>
+            <a:r>
+              <a:rPr lang="en-US" baseline="0" dirty="0" err="1" smtClean="0"/>
+              <a:t>annat</a:t>
+            </a:r>
+            <a:r>
+              <a:rPr lang="en-US" baseline="0" dirty="0" smtClean="0"/>
+              <a:t> </a:t>
+            </a:r>
+            <a:r>
+              <a:rPr lang="en-US" baseline="0" dirty="0" err="1" smtClean="0"/>
+              <a:t>att</a:t>
+            </a:r>
+            <a:r>
+              <a:rPr lang="en-US" baseline="0" dirty="0" smtClean="0"/>
+              <a:t> visa </a:t>
+            </a:r>
+            <a:r>
+              <a:rPr lang="en-US" baseline="0" dirty="0" err="1" smtClean="0"/>
+              <a:t>att</a:t>
+            </a:r>
+            <a:endParaRPr lang="en-US" baseline="0" dirty="0" smtClean="0"/>
+          </a:p>
+          <a:p>
+            <a:pPr marL="228600" indent="-228600">
+              <a:buFont typeface="+mj-lt"/>
+              <a:buAutoNum type="arabicPeriod"/>
+            </a:pPr>
+            <a:r>
+              <a:rPr lang="en-US" baseline="0" dirty="0" err="1" smtClean="0"/>
+              <a:t>tillförlitligheten</a:t>
+            </a:r>
+            <a:r>
+              <a:rPr lang="en-US" baseline="0" dirty="0" smtClean="0"/>
+              <a:t> </a:t>
+            </a:r>
+            <a:r>
+              <a:rPr lang="en-US" baseline="0" dirty="0" err="1" smtClean="0"/>
+              <a:t>över</a:t>
+            </a:r>
+            <a:r>
+              <a:rPr lang="en-US" baseline="0" dirty="0" smtClean="0"/>
+              <a:t> </a:t>
+            </a:r>
+            <a:r>
+              <a:rPr lang="en-US" baseline="0" dirty="0" err="1" smtClean="0"/>
+              <a:t>tid</a:t>
+            </a:r>
+            <a:r>
+              <a:rPr lang="en-US" baseline="0" dirty="0" smtClean="0"/>
+              <a:t> </a:t>
+            </a:r>
+            <a:r>
+              <a:rPr lang="en-US" baseline="0" dirty="0" err="1" smtClean="0"/>
+              <a:t>dynamiskt</a:t>
+            </a:r>
+            <a:r>
+              <a:rPr lang="en-US" baseline="0" dirty="0" smtClean="0"/>
+              <a:t> </a:t>
+            </a:r>
+            <a:r>
+              <a:rPr lang="en-US" baseline="0" dirty="0" err="1" smtClean="0"/>
+              <a:t>uppnås</a:t>
+            </a:r>
+            <a:r>
+              <a:rPr lang="en-US" baseline="0" dirty="0" smtClean="0"/>
+              <a:t> </a:t>
+            </a:r>
+            <a:r>
+              <a:rPr lang="en-US" baseline="0" dirty="0" err="1" smtClean="0"/>
+              <a:t>genom</a:t>
+            </a:r>
+            <a:r>
+              <a:rPr lang="en-US" baseline="0" dirty="0" smtClean="0"/>
+              <a:t> </a:t>
+            </a:r>
+            <a:r>
+              <a:rPr lang="en-US" baseline="0" dirty="0" err="1" smtClean="0"/>
+              <a:t>att</a:t>
+            </a:r>
+            <a:r>
+              <a:rPr lang="en-US" baseline="0" dirty="0" smtClean="0"/>
+              <a:t> </a:t>
+            </a:r>
+            <a:r>
+              <a:rPr lang="en-US" baseline="0" dirty="0" err="1" smtClean="0"/>
+              <a:t>detekera</a:t>
+            </a:r>
+            <a:r>
+              <a:rPr lang="en-US" baseline="0" dirty="0" smtClean="0"/>
+              <a:t> </a:t>
+            </a:r>
+            <a:r>
+              <a:rPr lang="en-US" baseline="0" dirty="0" err="1" smtClean="0"/>
+              <a:t>när</a:t>
+            </a:r>
+            <a:r>
+              <a:rPr lang="en-US" baseline="0" dirty="0" smtClean="0"/>
+              <a:t> </a:t>
+            </a:r>
+            <a:r>
+              <a:rPr lang="en-US" baseline="0" dirty="0" err="1" smtClean="0"/>
+              <a:t>noder</a:t>
+            </a:r>
+            <a:r>
+              <a:rPr lang="en-US" baseline="0" dirty="0" smtClean="0"/>
+              <a:t> </a:t>
+            </a:r>
+            <a:r>
+              <a:rPr lang="en-US" baseline="0" dirty="0" err="1" smtClean="0"/>
+              <a:t>dör</a:t>
+            </a:r>
+            <a:r>
+              <a:rPr lang="en-US" baseline="0" dirty="0" smtClean="0"/>
+              <a:t> </a:t>
+            </a:r>
+            <a:r>
+              <a:rPr lang="en-US" baseline="0" dirty="0" err="1" smtClean="0"/>
+              <a:t>samt</a:t>
+            </a:r>
+            <a:r>
+              <a:rPr lang="en-US" baseline="0" dirty="0" smtClean="0"/>
+              <a:t> </a:t>
+            </a:r>
+            <a:r>
+              <a:rPr lang="en-US" baseline="0" dirty="0" err="1" smtClean="0"/>
+              <a:t>starta</a:t>
+            </a:r>
+            <a:r>
+              <a:rPr lang="en-US" baseline="0" dirty="0" smtClean="0"/>
+              <a:t> </a:t>
+            </a:r>
+            <a:r>
+              <a:rPr lang="en-US" baseline="0" dirty="0" err="1" smtClean="0"/>
+              <a:t>nya</a:t>
+            </a:r>
+            <a:r>
+              <a:rPr lang="en-US" baseline="0" dirty="0" smtClean="0"/>
+              <a:t> </a:t>
+            </a:r>
+            <a:r>
+              <a:rPr lang="en-US" baseline="0" dirty="0" err="1" smtClean="0"/>
+              <a:t>replikor</a:t>
+            </a:r>
+            <a:endParaRPr lang="en-US" baseline="0" dirty="0" smtClean="0"/>
+          </a:p>
+          <a:p>
+            <a:pPr marL="228600" indent="-228600">
+              <a:buFont typeface="+mj-lt"/>
+              <a:buAutoNum type="arabicPeriod"/>
+            </a:pPr>
+            <a:endParaRPr lang="en-US" baseline="0" dirty="0" smtClean="0"/>
+          </a:p>
+          <a:p>
+            <a:pPr marL="228600" indent="-228600">
+              <a:buFont typeface="+mj-lt"/>
+              <a:buAutoNum type="arabicPeriod"/>
+            </a:pPr>
+            <a:r>
+              <a:rPr lang="en-US" baseline="0" dirty="0" err="1" smtClean="0"/>
+              <a:t>det</a:t>
+            </a:r>
+            <a:r>
+              <a:rPr lang="en-US" baseline="0" dirty="0" smtClean="0"/>
+              <a:t> </a:t>
+            </a:r>
+            <a:r>
+              <a:rPr lang="en-US" baseline="0" dirty="0" err="1" smtClean="0"/>
+              <a:t>inte</a:t>
+            </a:r>
+            <a:r>
+              <a:rPr lang="en-US" baseline="0" dirty="0" smtClean="0"/>
+              <a:t> </a:t>
+            </a:r>
+            <a:r>
+              <a:rPr lang="en-US" baseline="0" dirty="0" err="1" smtClean="0"/>
+              <a:t>skapas</a:t>
+            </a:r>
+            <a:r>
+              <a:rPr lang="en-US" baseline="0" dirty="0" smtClean="0"/>
+              <a:t> </a:t>
+            </a:r>
+            <a:r>
+              <a:rPr lang="en-US" baseline="0" dirty="0" err="1" smtClean="0"/>
+              <a:t>fler</a:t>
+            </a:r>
+            <a:r>
+              <a:rPr lang="en-US" baseline="0" dirty="0" smtClean="0"/>
+              <a:t> </a:t>
+            </a:r>
+            <a:r>
+              <a:rPr lang="en-US" baseline="0" dirty="0" err="1" smtClean="0"/>
+              <a:t>replikor</a:t>
+            </a:r>
+            <a:r>
+              <a:rPr lang="en-US" baseline="0" dirty="0" smtClean="0"/>
+              <a:t> </a:t>
+            </a:r>
+            <a:r>
+              <a:rPr lang="en-US" baseline="0" dirty="0" err="1" smtClean="0"/>
+              <a:t>än</a:t>
+            </a:r>
+            <a:r>
+              <a:rPr lang="en-US" baseline="0" dirty="0" smtClean="0"/>
+              <a:t> </a:t>
+            </a:r>
+            <a:r>
+              <a:rPr lang="en-US" baseline="0" dirty="0" err="1" smtClean="0"/>
+              <a:t>nödvändigt</a:t>
+            </a:r>
+            <a:r>
+              <a:rPr lang="en-US" baseline="0" dirty="0" smtClean="0"/>
+              <a:t> </a:t>
+            </a:r>
+            <a:r>
+              <a:rPr lang="en-US" baseline="0" dirty="0" err="1" smtClean="0"/>
+              <a:t>genom</a:t>
+            </a:r>
+            <a:r>
+              <a:rPr lang="en-US" baseline="0" dirty="0" smtClean="0"/>
+              <a:t> </a:t>
+            </a:r>
+            <a:r>
+              <a:rPr lang="en-US" baseline="0" dirty="0" err="1" smtClean="0"/>
+              <a:t>att</a:t>
+            </a:r>
+            <a:endParaRPr lang="en-US" baseline="0" dirty="0" smtClean="0"/>
+          </a:p>
+          <a:p>
+            <a:pPr marL="685800" lvl="1" indent="-228600">
+              <a:buFont typeface="+mj-lt"/>
+              <a:buAutoNum type="arabicPeriod"/>
+            </a:pPr>
+            <a:r>
+              <a:rPr lang="en-US" baseline="0" dirty="0" err="1" smtClean="0"/>
+              <a:t>Välja</a:t>
+            </a:r>
+            <a:r>
+              <a:rPr lang="en-US" baseline="0" dirty="0" smtClean="0"/>
+              <a:t> de </a:t>
+            </a:r>
+            <a:r>
+              <a:rPr lang="en-US" baseline="0" dirty="0" err="1" smtClean="0"/>
+              <a:t>mest</a:t>
+            </a:r>
+            <a:r>
+              <a:rPr lang="en-US" baseline="0" dirty="0" smtClean="0"/>
+              <a:t> </a:t>
+            </a:r>
+            <a:r>
+              <a:rPr lang="en-US" baseline="0" dirty="0" err="1" smtClean="0"/>
+              <a:t>tillförlitliga</a:t>
+            </a:r>
+            <a:endParaRPr lang="en-US" baseline="0" dirty="0" smtClean="0"/>
+          </a:p>
+          <a:p>
+            <a:pPr marL="685800" lvl="1" indent="-228600">
+              <a:buFont typeface="+mj-lt"/>
+              <a:buAutoNum type="arabicPeriod"/>
+            </a:pPr>
+            <a:r>
+              <a:rPr lang="en-US" baseline="0" dirty="0" smtClean="0"/>
+              <a:t>Ta </a:t>
+            </a:r>
+            <a:r>
+              <a:rPr lang="en-US" baseline="0" dirty="0" err="1" smtClean="0"/>
+              <a:t>bort</a:t>
+            </a:r>
+            <a:r>
+              <a:rPr lang="en-US" baseline="0" dirty="0" smtClean="0"/>
+              <a:t> </a:t>
+            </a:r>
+            <a:r>
+              <a:rPr lang="en-US" baseline="0" dirty="0" err="1" smtClean="0"/>
+              <a:t>överflödiga</a:t>
+            </a:r>
+            <a:r>
+              <a:rPr lang="en-US" baseline="0" dirty="0" smtClean="0"/>
+              <a:t> </a:t>
+            </a:r>
+            <a:r>
+              <a:rPr lang="en-US" baseline="0" dirty="0" err="1" smtClean="0"/>
+              <a:t>replikor</a:t>
+            </a:r>
+            <a:endParaRPr lang="en-US" baseline="0" dirty="0" smtClean="0"/>
+          </a:p>
+          <a:p>
+            <a:pPr marL="685800" lvl="1" indent="-228600">
+              <a:buFont typeface="+mj-lt"/>
+              <a:buAutoNum type="arabicPeriod"/>
+            </a:pPr>
+            <a:endParaRPr lang="en-US" baseline="0" dirty="0" smtClean="0"/>
+          </a:p>
+          <a:p>
+            <a:pPr marL="228600" lvl="0" indent="-228600">
+              <a:buFont typeface="+mj-lt"/>
+              <a:buAutoNum type="arabicPeriod"/>
+            </a:pPr>
+            <a:r>
+              <a:rPr lang="en-US" dirty="0" err="1" smtClean="0"/>
+              <a:t>Systemet</a:t>
+            </a:r>
+            <a:r>
+              <a:rPr lang="en-US" dirty="0" smtClean="0"/>
+              <a:t> tar</a:t>
+            </a:r>
+            <a:r>
+              <a:rPr lang="en-US" baseline="0" dirty="0" smtClean="0"/>
+              <a:t> </a:t>
+            </a:r>
+            <a:r>
+              <a:rPr lang="en-US" baseline="0" dirty="0" err="1" smtClean="0"/>
+              <a:t>hänsyn</a:t>
+            </a:r>
+            <a:r>
+              <a:rPr lang="en-US" baseline="0" dirty="0" smtClean="0"/>
+              <a:t> till </a:t>
+            </a:r>
+            <a:r>
+              <a:rPr lang="en-US" baseline="0" dirty="0" err="1" smtClean="0"/>
+              <a:t>varierande</a:t>
+            </a:r>
+            <a:r>
+              <a:rPr lang="en-US" baseline="0" dirty="0" smtClean="0"/>
+              <a:t> </a:t>
+            </a:r>
+            <a:r>
+              <a:rPr lang="en-US" baseline="0" dirty="0" err="1" smtClean="0"/>
+              <a:t>egenskaper</a:t>
+            </a:r>
+            <a:r>
+              <a:rPr lang="en-US" baseline="0" dirty="0" smtClean="0"/>
+              <a:t> hos </a:t>
+            </a:r>
+            <a:r>
+              <a:rPr lang="en-US" baseline="0" dirty="0" err="1" smtClean="0"/>
+              <a:t>noderna</a:t>
+            </a:r>
+            <a:endParaRPr lang="en-US" baseline="0" dirty="0" smtClean="0"/>
+          </a:p>
+          <a:p>
+            <a:pPr marL="228600" lvl="0" indent="-228600">
+              <a:buFont typeface="+mj-lt"/>
+              <a:buAutoNum type="arabicPeriod"/>
+            </a:pPr>
+            <a:endParaRPr lang="en-US" baseline="0" dirty="0" smtClean="0"/>
+          </a:p>
+          <a:p>
+            <a:pPr marL="0" lvl="0" indent="0">
+              <a:buFont typeface="+mj-lt"/>
+              <a:buNone/>
+            </a:pPr>
+            <a:r>
+              <a:rPr lang="en-US" baseline="0" dirty="0" smtClean="0"/>
+              <a:t>Vi </a:t>
+            </a:r>
+            <a:r>
+              <a:rPr lang="en-US" baseline="0" dirty="0" err="1" smtClean="0"/>
+              <a:t>kommer</a:t>
+            </a:r>
+            <a:r>
+              <a:rPr lang="en-US" baseline="0" dirty="0" smtClean="0"/>
+              <a:t> </a:t>
+            </a:r>
+            <a:r>
+              <a:rPr lang="en-US" baseline="0" dirty="0" err="1" smtClean="0"/>
+              <a:t>inte</a:t>
+            </a:r>
+            <a:r>
+              <a:rPr lang="en-US" baseline="0" dirty="0" smtClean="0"/>
+              <a:t> </a:t>
+            </a:r>
+            <a:r>
+              <a:rPr lang="en-US" baseline="0" dirty="0" err="1" smtClean="0"/>
+              <a:t>att</a:t>
+            </a:r>
+            <a:r>
+              <a:rPr lang="en-US" baseline="0" dirty="0" smtClean="0"/>
+              <a:t> </a:t>
+            </a:r>
+            <a:r>
+              <a:rPr lang="en-US" baseline="0" dirty="0" err="1" smtClean="0"/>
+              <a:t>gå</a:t>
+            </a:r>
+            <a:r>
+              <a:rPr lang="en-US" baseline="0" dirty="0" smtClean="0"/>
+              <a:t> </a:t>
+            </a:r>
+            <a:r>
+              <a:rPr lang="en-US" baseline="0" dirty="0" err="1" smtClean="0"/>
+              <a:t>igenom</a:t>
+            </a:r>
+            <a:r>
+              <a:rPr lang="en-US" baseline="0" dirty="0" smtClean="0"/>
+              <a:t> </a:t>
+            </a:r>
+            <a:r>
+              <a:rPr lang="en-US" baseline="0" dirty="0" err="1" smtClean="0"/>
+              <a:t>alla</a:t>
+            </a:r>
+            <a:r>
+              <a:rPr lang="en-US" baseline="0" dirty="0" smtClean="0"/>
+              <a:t> </a:t>
+            </a:r>
+            <a:r>
+              <a:rPr lang="en-US" baseline="0" dirty="0" err="1" smtClean="0"/>
+              <a:t>resultat</a:t>
+            </a:r>
+            <a:r>
+              <a:rPr lang="en-US" baseline="0" dirty="0" smtClean="0"/>
+              <a:t> </a:t>
+            </a:r>
+            <a:r>
+              <a:rPr lang="en-US" baseline="0" dirty="0" err="1" smtClean="0"/>
+              <a:t>här</a:t>
+            </a:r>
+            <a:r>
+              <a:rPr lang="is-IS" baseline="0" dirty="0" smtClean="0"/>
+              <a:t>…</a:t>
+            </a:r>
+            <a:endParaRPr lang="en-US" baseline="0" dirty="0" smtClean="0"/>
           </a:p>
         </p:txBody>
       </p:sp>
@@ -9397,7 +9790,7 @@
     </p:spTree>
     <p:extLst>
       <p:ext uri="{BB962C8B-B14F-4D97-AF65-F5344CB8AC3E}">
-        <p14:creationId xmlns:p14="http://schemas.microsoft.com/office/powerpoint/2010/main" val="1874596869"/>
+        <p14:creationId xmlns:p14="http://schemas.microsoft.com/office/powerpoint/2010/main" val="856999456"/>
       </p:ext>
     </p:extLst>
   </p:cSld>
@@ -9408,6 +9801,106 @@
 </file>
 
 <file path=ppt/notesSlides/notesSlide34.xml><?xml version="1.0" encoding="utf-8"?>
+<p:notes xmlns:a="http://schemas.openxmlformats.org/drawingml/2006/main" xmlns:r="http://schemas.openxmlformats.org/officeDocument/2006/relationships" xmlns:p="http://schemas.openxmlformats.org/presentationml/2006/main">
+  <p:cSld>
+    <p:spTree>
+      <p:nvGrpSpPr>
+        <p:cNvPr id="1" name=""/>
+        <p:cNvGrpSpPr/>
+        <p:nvPr/>
+      </p:nvGrpSpPr>
+      <p:grpSpPr>
+        <a:xfrm>
+          <a:off x="0" y="0"/>
+          <a:ext cx="0" cy="0"/>
+          <a:chOff x="0" y="0"/>
+          <a:chExt cx="0" cy="0"/>
+        </a:xfrm>
+      </p:grpSpPr>
+      <p:sp>
+        <p:nvSpPr>
+          <p:cNvPr id="2" name="Platshållare för bildobjekt 1"/>
+          <p:cNvSpPr>
+            <a:spLocks noGrp="1" noRot="1" noChangeAspect="1"/>
+          </p:cNvSpPr>
+          <p:nvPr>
+            <p:ph type="sldImg"/>
+          </p:nvPr>
+        </p:nvSpPr>
+        <p:spPr/>
+      </p:sp>
+      <p:sp>
+        <p:nvSpPr>
+          <p:cNvPr id="3" name="Platshållare för anteckningar 2"/>
+          <p:cNvSpPr>
+            <a:spLocks noGrp="1"/>
+          </p:cNvSpPr>
+          <p:nvPr>
+            <p:ph type="body" idx="1"/>
+          </p:nvPr>
+        </p:nvSpPr>
+        <p:spPr/>
+        <p:txBody>
+          <a:bodyPr/>
+          <a:lstStyle/>
+          <a:p>
+            <a:r>
+              <a:rPr lang="sv-SE" dirty="0" smtClean="0"/>
+              <a:t>Kom ihåg att efterso</a:t>
+            </a:r>
+            <a:r>
+              <a:rPr lang="sv-SE" baseline="0" dirty="0" smtClean="0"/>
+              <a:t>m MTBF beräknas utifrån de tre senaste </a:t>
+            </a:r>
+            <a:r>
+              <a:rPr lang="sv-SE" baseline="0" dirty="0" err="1" smtClean="0"/>
+              <a:t>feltiderna</a:t>
+            </a:r>
+            <a:r>
+              <a:rPr lang="sv-SE" baseline="0" dirty="0" smtClean="0"/>
+              <a:t> så kommer noderna tillförlitlighet att anpassa sig, vilket syns i grafen.</a:t>
+            </a:r>
+            <a:endParaRPr lang="sv-SE" dirty="0"/>
+          </a:p>
+        </p:txBody>
+      </p:sp>
+      <p:sp>
+        <p:nvSpPr>
+          <p:cNvPr id="4" name="Platshållare för bildnummer 3"/>
+          <p:cNvSpPr>
+            <a:spLocks noGrp="1"/>
+          </p:cNvSpPr>
+          <p:nvPr>
+            <p:ph type="sldNum" sz="quarter" idx="10"/>
+          </p:nvPr>
+        </p:nvSpPr>
+        <p:spPr/>
+        <p:txBody>
+          <a:bodyPr/>
+          <a:lstStyle/>
+          <a:p>
+            <a:fld id="{100650DF-8CBF-0341-B1F9-47D0C0CD302F}" type="slidenum">
+              <a:rPr lang="en-US" smtClean="0"/>
+              <a:t>34</a:t>
+            </a:fld>
+            <a:endParaRPr lang="en-US"/>
+          </a:p>
+        </p:txBody>
+      </p:sp>
+    </p:spTree>
+    <p:extLst>
+      <p:ext uri="{BB962C8B-B14F-4D97-AF65-F5344CB8AC3E}">
+        <p14:creationId xmlns:p14="http://schemas.microsoft.com/office/powerpoint/2010/main" val="1031593842"/>
+      </p:ext>
+    </p:extLst>
+  </p:cSld>
+  <p:clrMapOvr>
+    <a:masterClrMapping/>
+  </p:clrMapOvr>
+</p:notes>
+</file>
+
+<file path=ppt/notesSlides/notesSlide35.xml><?xml version="1.0" encoding="utf-8"?>
 <p:notes xmlns:a="http://schemas.openxmlformats.org/drawingml/2006/main" xmlns:r="http://schemas.openxmlformats.org/officeDocument/2006/relationships" xmlns:p="http://schemas.openxmlformats.org/presentationml/2006/main">
   <p:cSld>
     <p:spTree>
@@ -9453,7 +9946,59 @@
           <a:p>
             <a:r>
               <a:rPr lang="en-US" dirty="0" err="1" smtClean="0"/>
-              <a:t>För</a:t>
+              <a:t>Alla</a:t>
+            </a:r>
+            <a:r>
+              <a:rPr lang="en-US" dirty="0" smtClean="0"/>
+              <a:t> </a:t>
+            </a:r>
+            <a:r>
+              <a:rPr lang="en-US" dirty="0" err="1" smtClean="0"/>
+              <a:t>värden</a:t>
+            </a:r>
+            <a:r>
+              <a:rPr lang="en-US" dirty="0" smtClean="0"/>
+              <a:t>,</a:t>
+            </a:r>
+            <a:r>
+              <a:rPr lang="en-US" baseline="0" dirty="0" smtClean="0"/>
+              <a:t> </a:t>
+            </a:r>
+            <a:r>
+              <a:rPr lang="en-US" baseline="0" dirty="0" err="1" smtClean="0"/>
+              <a:t>så</a:t>
+            </a:r>
+            <a:r>
+              <a:rPr lang="en-US" baseline="0" dirty="0" smtClean="0"/>
+              <a:t> </a:t>
+            </a:r>
+            <a:r>
+              <a:rPr lang="en-US" baseline="0" dirty="0" err="1" smtClean="0"/>
+              <a:t>som</a:t>
+            </a:r>
+            <a:r>
+              <a:rPr lang="en-US" baseline="0" dirty="0" smtClean="0"/>
+              <a:t> heartbeat timeout, default MTBF/</a:t>
+            </a:r>
+            <a:r>
+              <a:rPr lang="en-US" baseline="0" dirty="0" err="1" smtClean="0"/>
+              <a:t>repliceringstid</a:t>
+            </a:r>
+            <a:r>
+              <a:rPr lang="en-US" baseline="0" dirty="0" smtClean="0"/>
+              <a:t> </a:t>
+            </a:r>
+            <a:r>
+              <a:rPr lang="en-US" baseline="0" dirty="0" err="1" smtClean="0"/>
+              <a:t>valdes</a:t>
+            </a:r>
+            <a:r>
+              <a:rPr lang="en-US" baseline="0" dirty="0" smtClean="0"/>
+              <a:t> </a:t>
+            </a:r>
+            <a:r>
+              <a:rPr lang="en-US" baseline="0" dirty="0" err="1" smtClean="0"/>
+              <a:t>så</a:t>
             </a:r>
             <a:r>
               <a:rPr lang="en-US" baseline="0" dirty="0" smtClean="0"/>
@@ -9465,19 +10010,96 @@
             </a:r>
             <a:r>
               <a:rPr lang="en-US" baseline="0" dirty="0" smtClean="0"/>
-              <a:t> </a:t>
-            </a:r>
-            <a:r>
-              <a:rPr lang="en-US" baseline="0" dirty="0" err="1" smtClean="0"/>
-              <a:t>demonstrera</a:t>
-            </a:r>
-            <a:r>
-              <a:rPr lang="en-US" baseline="0" dirty="0" smtClean="0"/>
-              <a:t> </a:t>
-            </a:r>
-            <a:r>
-              <a:rPr lang="en-US" baseline="0" dirty="0" err="1" smtClean="0"/>
-              <a:t>vår</a:t>
+              <a:t> vi </a:t>
+            </a:r>
+            <a:r>
+              <a:rPr lang="en-US" baseline="0" dirty="0" err="1" smtClean="0"/>
+              <a:t>kunde</a:t>
+            </a:r>
+            <a:r>
+              <a:rPr lang="en-US" baseline="0" dirty="0" smtClean="0"/>
+              <a:t> </a:t>
+            </a:r>
+            <a:r>
+              <a:rPr lang="en-US" baseline="0" dirty="0" err="1" smtClean="0"/>
+              <a:t>köra</a:t>
+            </a:r>
+            <a:r>
+              <a:rPr lang="en-US" baseline="0" dirty="0" smtClean="0"/>
+              <a:t> </a:t>
+            </a:r>
+            <a:r>
+              <a:rPr lang="en-US" baseline="0" dirty="0" err="1" smtClean="0"/>
+              <a:t>experimenten</a:t>
+            </a:r>
+            <a:r>
+              <a:rPr lang="en-US" baseline="0" dirty="0" smtClean="0"/>
+              <a:t> under </a:t>
+            </a:r>
+            <a:r>
+              <a:rPr lang="en-US" baseline="0" dirty="0" err="1" smtClean="0"/>
+              <a:t>ett</a:t>
+            </a:r>
+            <a:r>
+              <a:rPr lang="en-US" baseline="0" dirty="0" smtClean="0"/>
+              <a:t> </a:t>
+            </a:r>
+            <a:r>
+              <a:rPr lang="en-US" baseline="0" dirty="0" err="1" smtClean="0"/>
+              <a:t>antal</a:t>
+            </a:r>
+            <a:r>
+              <a:rPr lang="en-US" baseline="0" dirty="0" smtClean="0"/>
+              <a:t> </a:t>
+            </a:r>
+            <a:r>
+              <a:rPr lang="en-US" baseline="0" dirty="0" err="1" smtClean="0"/>
+              <a:t>minuter</a:t>
+            </a:r>
+            <a:r>
+              <a:rPr lang="en-US" baseline="0" dirty="0" smtClean="0"/>
+              <a:t> </a:t>
+            </a:r>
+            <a:r>
+              <a:rPr lang="en-US" baseline="0" dirty="0" err="1" smtClean="0"/>
+              <a:t>och</a:t>
+            </a:r>
+            <a:r>
+              <a:rPr lang="en-US" baseline="0" dirty="0" smtClean="0"/>
+              <a:t> </a:t>
+            </a:r>
+            <a:r>
+              <a:rPr lang="en-US" baseline="0" dirty="0" err="1" smtClean="0"/>
+              <a:t>ändå</a:t>
+            </a:r>
+            <a:r>
+              <a:rPr lang="en-US" baseline="0" dirty="0" smtClean="0"/>
+              <a:t> </a:t>
+            </a:r>
+            <a:r>
+              <a:rPr lang="en-US" baseline="0" dirty="0" err="1" smtClean="0"/>
+              <a:t>få</a:t>
+            </a:r>
+            <a:r>
+              <a:rPr lang="en-US" baseline="0" dirty="0" smtClean="0"/>
+              <a:t> en del </a:t>
+            </a:r>
+            <a:r>
+              <a:rPr lang="en-US" baseline="0" dirty="0" err="1" smtClean="0"/>
+              <a:t>fel</a:t>
+            </a:r>
+            <a:r>
+              <a:rPr lang="en-US" baseline="0" dirty="0" smtClean="0"/>
+              <a:t>.</a:t>
+            </a:r>
+          </a:p>
+          <a:p>
+            <a:endParaRPr lang="en-US" baseline="0" dirty="0" smtClean="0"/>
+          </a:p>
+          <a:p>
+            <a:r>
+              <a:rPr lang="en-US" baseline="0" dirty="0" err="1" smtClean="0"/>
+              <a:t>Vår</a:t>
             </a:r>
             <a:r>
               <a:rPr lang="en-US" baseline="0" dirty="0" smtClean="0"/>
@@ -9493,6 +10115,142 @@
             </a:r>
             <a:r>
               <a:rPr lang="en-US" baseline="0" dirty="0" err="1" smtClean="0"/>
+              <a:t>använder</a:t>
+            </a:r>
+            <a:r>
+              <a:rPr lang="en-US" baseline="0" dirty="0" smtClean="0"/>
+              <a:t> </a:t>
+            </a:r>
+            <a:r>
+              <a:rPr lang="en-US" baseline="0" dirty="0" err="1" smtClean="0"/>
+              <a:t>en</a:t>
+            </a:r>
+            <a:r>
+              <a:rPr lang="en-US" baseline="0" dirty="0" smtClean="0"/>
+              <a:t> </a:t>
+            </a:r>
+            <a:r>
+              <a:rPr lang="en-US" baseline="0" dirty="0" err="1" smtClean="0"/>
+              <a:t>relativt</a:t>
+            </a:r>
+            <a:r>
+              <a:rPr lang="en-US" baseline="0" dirty="0" smtClean="0"/>
+              <a:t> </a:t>
+            </a:r>
+            <a:r>
+              <a:rPr lang="en-US" baseline="0" dirty="0" err="1" smtClean="0"/>
+              <a:t>enkel</a:t>
+            </a:r>
+            <a:r>
+              <a:rPr lang="en-US" baseline="0" dirty="0" smtClean="0"/>
+              <a:t> </a:t>
+            </a:r>
+            <a:r>
+              <a:rPr lang="en-US" baseline="0" dirty="0" err="1" smtClean="0"/>
+              <a:t>tillförlitlighetsmodell</a:t>
+            </a:r>
+            <a:r>
+              <a:rPr lang="en-US" baseline="0" dirty="0" smtClean="0"/>
+              <a:t>. Den </a:t>
+            </a:r>
+            <a:r>
+              <a:rPr lang="en-US" baseline="0" dirty="0" err="1" smtClean="0"/>
+              <a:t>är</a:t>
+            </a:r>
+            <a:r>
+              <a:rPr lang="en-US" baseline="0" dirty="0" smtClean="0"/>
+              <a:t> </a:t>
+            </a:r>
+            <a:r>
+              <a:rPr lang="en-US" baseline="0" dirty="0" err="1" smtClean="0"/>
+              <a:t>begränsad</a:t>
+            </a:r>
+            <a:r>
+              <a:rPr lang="en-US" baseline="0" dirty="0" smtClean="0"/>
+              <a:t> </a:t>
+            </a:r>
+            <a:r>
+              <a:rPr lang="en-US" baseline="0" dirty="0" err="1" smtClean="0"/>
+              <a:t>i</a:t>
+            </a:r>
+            <a:r>
+              <a:rPr lang="en-US" baseline="0" dirty="0" smtClean="0"/>
+              <a:t> </a:t>
+            </a:r>
+            <a:r>
+              <a:rPr lang="en-US" baseline="0" dirty="0" err="1" smtClean="0"/>
+              <a:t>det</a:t>
+            </a:r>
+            <a:r>
+              <a:rPr lang="en-US" baseline="0" dirty="0" smtClean="0"/>
+              <a:t> </a:t>
+            </a:r>
+            <a:r>
+              <a:rPr lang="en-US" baseline="0" dirty="0" err="1" smtClean="0"/>
+              <a:t>att</a:t>
+            </a:r>
+            <a:r>
+              <a:rPr lang="en-US" baseline="0" dirty="0" smtClean="0"/>
+              <a:t> </a:t>
+            </a:r>
+            <a:r>
+              <a:rPr lang="en-US" baseline="0" dirty="0" err="1" smtClean="0"/>
+              <a:t>när</a:t>
+            </a:r>
+            <a:r>
+              <a:rPr lang="en-US" baseline="0" dirty="0" smtClean="0"/>
+              <a:t> </a:t>
+            </a:r>
+            <a:r>
+              <a:rPr lang="en-US" baseline="0" dirty="0" err="1" smtClean="0"/>
+              <a:t>det</a:t>
+            </a:r>
+            <a:r>
+              <a:rPr lang="en-US" baseline="0" dirty="0" smtClean="0"/>
+              <a:t> </a:t>
+            </a:r>
+            <a:r>
+              <a:rPr lang="en-US" baseline="0" dirty="0" err="1" smtClean="0"/>
+              <a:t>inte</a:t>
+            </a:r>
+            <a:r>
+              <a:rPr lang="en-US" baseline="0" dirty="0" smtClean="0"/>
+              <a:t> </a:t>
+            </a:r>
+            <a:r>
+              <a:rPr lang="en-US" baseline="0" dirty="0" err="1" smtClean="0"/>
+              <a:t>finns</a:t>
+            </a:r>
+            <a:r>
+              <a:rPr lang="en-US" baseline="0" dirty="0" smtClean="0"/>
+              <a:t> </a:t>
+            </a:r>
+            <a:r>
+              <a:rPr lang="en-US" baseline="0" dirty="0" err="1" smtClean="0"/>
+              <a:t>några</a:t>
+            </a:r>
+            <a:r>
+              <a:rPr lang="en-US" baseline="0" dirty="0" smtClean="0"/>
+              <a:t> </a:t>
+            </a:r>
+            <a:r>
+              <a:rPr lang="en-US" baseline="0" dirty="0" err="1" smtClean="0"/>
+              <a:t>registrerade</a:t>
+            </a:r>
+            <a:r>
+              <a:rPr lang="en-US" baseline="0" dirty="0" smtClean="0"/>
+              <a:t> </a:t>
+            </a:r>
+            <a:r>
+              <a:rPr lang="en-US" baseline="0" dirty="0" err="1" smtClean="0"/>
+              <a:t>feltider</a:t>
+            </a:r>
+            <a:r>
+              <a:rPr lang="en-US" baseline="0" dirty="0" smtClean="0"/>
+              <a:t> </a:t>
+            </a:r>
+            <a:r>
+              <a:rPr lang="en-US" baseline="0" dirty="0" err="1" smtClean="0"/>
               <a:t>så</a:t>
             </a:r>
             <a:r>
@@ -9501,52 +10259,550 @@
             </a:r>
             <a:r>
               <a:rPr lang="en-US" baseline="0" dirty="0" err="1" smtClean="0"/>
+              <a:t>används</a:t>
+            </a:r>
+            <a:r>
+              <a:rPr lang="en-US" baseline="0" dirty="0" smtClean="0"/>
+              <a:t> </a:t>
+            </a:r>
+            <a:r>
+              <a:rPr lang="en-US" baseline="0" dirty="0" err="1" smtClean="0"/>
+              <a:t>ett</a:t>
+            </a:r>
+            <a:r>
+              <a:rPr lang="en-US" baseline="0" dirty="0" smtClean="0"/>
+              <a:t> default </a:t>
+            </a:r>
+            <a:r>
+              <a:rPr lang="en-US" baseline="0" dirty="0" err="1" smtClean="0"/>
+              <a:t>värde</a:t>
+            </a:r>
+            <a:r>
+              <a:rPr lang="en-US" baseline="0" dirty="0" smtClean="0"/>
+              <a:t> </a:t>
+            </a:r>
+            <a:r>
+              <a:rPr lang="en-US" baseline="0" dirty="0" err="1" smtClean="0"/>
+              <a:t>som</a:t>
+            </a:r>
+            <a:r>
+              <a:rPr lang="en-US" baseline="0" dirty="0" smtClean="0"/>
+              <a:t> </a:t>
+            </a:r>
+            <a:r>
+              <a:rPr lang="en-US" baseline="0" dirty="0" err="1" smtClean="0"/>
+              <a:t>kan</a:t>
+            </a:r>
+            <a:r>
+              <a:rPr lang="en-US" baseline="0" dirty="0" smtClean="0"/>
+              <a:t> </a:t>
+            </a:r>
+            <a:r>
+              <a:rPr lang="en-US" baseline="0" dirty="0" err="1" smtClean="0"/>
+              <a:t>vara</a:t>
+            </a:r>
+            <a:r>
+              <a:rPr lang="en-US" baseline="0" dirty="0" smtClean="0"/>
+              <a:t> </a:t>
+            </a:r>
+            <a:r>
+              <a:rPr lang="en-US" baseline="0" dirty="0" err="1" smtClean="0"/>
+              <a:t>långt</a:t>
+            </a:r>
+            <a:r>
+              <a:rPr lang="en-US" baseline="0" dirty="0" smtClean="0"/>
+              <a:t> </a:t>
+            </a:r>
+            <a:r>
+              <a:rPr lang="en-US" baseline="0" dirty="0" err="1" smtClean="0"/>
+              <a:t>ifrån</a:t>
+            </a:r>
+            <a:r>
+              <a:rPr lang="en-US" baseline="0" dirty="0" smtClean="0"/>
+              <a:t> </a:t>
+            </a:r>
+            <a:r>
+              <a:rPr lang="en-US" baseline="0" dirty="0" err="1" smtClean="0"/>
+              <a:t>verkligheten</a:t>
+            </a:r>
+            <a:r>
+              <a:rPr lang="en-US" baseline="0" dirty="0" smtClean="0"/>
+              <a:t>, </a:t>
+            </a:r>
+            <a:r>
+              <a:rPr lang="en-US" baseline="0" dirty="0" err="1" smtClean="0"/>
+              <a:t>i</a:t>
+            </a:r>
+            <a:r>
+              <a:rPr lang="en-US" baseline="0" dirty="0" smtClean="0"/>
+              <a:t> </a:t>
+            </a:r>
+            <a:r>
+              <a:rPr lang="en-US" baseline="0" dirty="0" err="1" smtClean="0"/>
+              <a:t>värsta</a:t>
+            </a:r>
+            <a:r>
+              <a:rPr lang="en-US" baseline="0" dirty="0" smtClean="0"/>
+              <a:t> fall </a:t>
+            </a:r>
+            <a:r>
+              <a:rPr lang="en-US" baseline="0" dirty="0" err="1" smtClean="0"/>
+              <a:t>högre</a:t>
+            </a:r>
+            <a:r>
+              <a:rPr lang="en-US" baseline="0" dirty="0" smtClean="0"/>
+              <a:t>.</a:t>
+            </a:r>
+          </a:p>
+          <a:p>
+            <a:r>
+              <a:rPr lang="en-US" baseline="0" dirty="0" err="1" smtClean="0"/>
+              <a:t>En</a:t>
+            </a:r>
+            <a:r>
+              <a:rPr lang="en-US" baseline="0" dirty="0" smtClean="0"/>
+              <a:t> </a:t>
+            </a:r>
+            <a:r>
+              <a:rPr lang="en-US" baseline="0" dirty="0" err="1" smtClean="0"/>
+              <a:t>mer</a:t>
+            </a:r>
+            <a:r>
+              <a:rPr lang="en-US" baseline="0" dirty="0" smtClean="0"/>
+              <a:t> </a:t>
+            </a:r>
+            <a:r>
+              <a:rPr lang="en-US" baseline="0" dirty="0" err="1" smtClean="0"/>
+              <a:t>sofistikerad</a:t>
+            </a:r>
+            <a:r>
+              <a:rPr lang="en-US" baseline="0" dirty="0" smtClean="0"/>
+              <a:t> model </a:t>
+            </a:r>
+            <a:r>
+              <a:rPr lang="en-US" baseline="0" dirty="0" err="1" smtClean="0"/>
+              <a:t>kan</a:t>
+            </a:r>
+            <a:r>
+              <a:rPr lang="en-US" baseline="0" dirty="0" smtClean="0"/>
+              <a:t> </a:t>
+            </a:r>
+            <a:r>
+              <a:rPr lang="en-US" baseline="0" dirty="0" err="1" smtClean="0"/>
+              <a:t>t.ex</a:t>
+            </a:r>
+            <a:r>
+              <a:rPr lang="en-US" baseline="0" dirty="0" smtClean="0"/>
+              <a:t>. anta </a:t>
+            </a:r>
+            <a:r>
+              <a:rPr lang="en-US" baseline="0" dirty="0" err="1" smtClean="0"/>
+              <a:t>att</a:t>
+            </a:r>
+            <a:r>
+              <a:rPr lang="en-US" baseline="0" dirty="0" smtClean="0"/>
+              <a:t> </a:t>
+            </a:r>
+            <a:r>
+              <a:rPr lang="en-US" baseline="0" dirty="0" err="1" smtClean="0"/>
+              <a:t>nodfel</a:t>
+            </a:r>
+            <a:r>
+              <a:rPr lang="en-US" baseline="0" dirty="0" smtClean="0"/>
+              <a:t> </a:t>
+            </a:r>
+            <a:r>
+              <a:rPr lang="en-US" baseline="0" dirty="0" err="1" smtClean="0"/>
+              <a:t>inte</a:t>
+            </a:r>
+            <a:r>
+              <a:rPr lang="en-US" baseline="0" dirty="0" smtClean="0"/>
+              <a:t> </a:t>
+            </a:r>
+            <a:r>
+              <a:rPr lang="en-US" baseline="0" dirty="0" err="1" smtClean="0"/>
+              <a:t>är</a:t>
+            </a:r>
+            <a:r>
+              <a:rPr lang="en-US" baseline="0" dirty="0" smtClean="0"/>
+              <a:t> </a:t>
+            </a:r>
+            <a:r>
+              <a:rPr lang="en-US" baseline="0" dirty="0" err="1" smtClean="0"/>
+              <a:t>oberoende</a:t>
+            </a:r>
+            <a:r>
+              <a:rPr lang="en-US" baseline="0" dirty="0" smtClean="0"/>
+              <a:t>, </a:t>
+            </a:r>
+            <a:r>
+              <a:rPr lang="en-US" baseline="0" dirty="0" err="1" smtClean="0"/>
+              <a:t>t.ex</a:t>
+            </a:r>
+            <a:r>
+              <a:rPr lang="en-US" baseline="0" dirty="0" smtClean="0"/>
+              <a:t>. </a:t>
+            </a:r>
+            <a:r>
+              <a:rPr lang="en-US" baseline="0" dirty="0" err="1" smtClean="0"/>
+              <a:t>kan</a:t>
+            </a:r>
+            <a:r>
+              <a:rPr lang="en-US" baseline="0" dirty="0" smtClean="0"/>
+              <a:t> </a:t>
+            </a:r>
+            <a:r>
+              <a:rPr lang="en-US" baseline="0" dirty="0" err="1" smtClean="0"/>
+              <a:t>switchar</a:t>
+            </a:r>
+            <a:r>
+              <a:rPr lang="en-US" baseline="0" dirty="0" smtClean="0"/>
+              <a:t> </a:t>
+            </a:r>
+            <a:r>
+              <a:rPr lang="en-US" baseline="0" dirty="0" err="1" smtClean="0"/>
+              <a:t>och</a:t>
+            </a:r>
+            <a:r>
+              <a:rPr lang="en-US" baseline="0" dirty="0" smtClean="0"/>
+              <a:t> </a:t>
+            </a:r>
+            <a:r>
+              <a:rPr lang="en-US" baseline="0" dirty="0" err="1" smtClean="0"/>
+              <a:t>nätförsörjning</a:t>
+            </a:r>
+            <a:r>
+              <a:rPr lang="en-US" baseline="0" dirty="0" smtClean="0"/>
+              <a:t> </a:t>
+            </a:r>
+            <a:r>
+              <a:rPr lang="en-US" baseline="0" dirty="0" err="1" smtClean="0"/>
+              <a:t>gå</a:t>
+            </a:r>
+            <a:r>
+              <a:rPr lang="en-US" baseline="0" dirty="0" smtClean="0"/>
+              <a:t> </a:t>
+            </a:r>
+            <a:r>
+              <a:rPr lang="en-US" baseline="0" dirty="0" err="1" smtClean="0"/>
+              <a:t>ner</a:t>
+            </a:r>
+            <a:r>
+              <a:rPr lang="en-US" baseline="0" dirty="0" smtClean="0"/>
+              <a:t> </a:t>
+            </a:r>
+            <a:r>
+              <a:rPr lang="en-US" baseline="0" dirty="0" err="1" smtClean="0"/>
+              <a:t>vilket</a:t>
+            </a:r>
+            <a:r>
+              <a:rPr lang="en-US" baseline="0" dirty="0" smtClean="0"/>
+              <a:t> </a:t>
+            </a:r>
+            <a:r>
+              <a:rPr lang="en-US" baseline="0" dirty="0" err="1" smtClean="0"/>
+              <a:t>påverkar</a:t>
+            </a:r>
+            <a:r>
+              <a:rPr lang="en-US" baseline="0" dirty="0" smtClean="0"/>
+              <a:t> </a:t>
+            </a:r>
+            <a:r>
+              <a:rPr lang="en-US" baseline="0" dirty="0" err="1" smtClean="0"/>
+              <a:t>alla</a:t>
+            </a:r>
+            <a:r>
+              <a:rPr lang="en-US" baseline="0" dirty="0" smtClean="0"/>
+              <a:t> </a:t>
+            </a:r>
+            <a:r>
+              <a:rPr lang="en-US" baseline="0" dirty="0" err="1" smtClean="0"/>
+              <a:t>noder</a:t>
+            </a:r>
+            <a:r>
+              <a:rPr lang="en-US" baseline="0" dirty="0" smtClean="0"/>
+              <a:t> </a:t>
+            </a:r>
+            <a:r>
+              <a:rPr lang="en-US" baseline="0" dirty="0" err="1" smtClean="0"/>
+              <a:t>i</a:t>
+            </a:r>
+            <a:r>
+              <a:rPr lang="en-US" baseline="0" dirty="0" smtClean="0"/>
+              <a:t> </a:t>
+            </a:r>
+            <a:r>
+              <a:rPr lang="en-US" baseline="0" dirty="0" err="1" smtClean="0"/>
+              <a:t>ett</a:t>
+            </a:r>
+            <a:r>
+              <a:rPr lang="en-US" baseline="0" dirty="0" smtClean="0"/>
+              <a:t> </a:t>
+            </a:r>
+            <a:r>
+              <a:rPr lang="en-US" baseline="0" dirty="0" err="1" smtClean="0"/>
+              <a:t>kluster</a:t>
+            </a:r>
+            <a:r>
+              <a:rPr lang="en-US" baseline="0" dirty="0" smtClean="0"/>
+              <a:t>.</a:t>
+            </a:r>
+          </a:p>
+          <a:p>
+            <a:endParaRPr lang="en-US" baseline="0" dirty="0" smtClean="0"/>
+          </a:p>
+          <a:p>
+            <a:r>
+              <a:rPr lang="en-US" baseline="0" dirty="0" smtClean="0"/>
+              <a:t>Valet </a:t>
+            </a:r>
+            <a:r>
+              <a:rPr lang="en-US" baseline="0" dirty="0" err="1" smtClean="0"/>
+              <a:t>av</a:t>
+            </a:r>
+            <a:r>
+              <a:rPr lang="en-US" baseline="0" dirty="0" smtClean="0"/>
+              <a:t> </a:t>
+            </a:r>
+            <a:r>
+              <a:rPr lang="en-US" baseline="0" dirty="0" err="1" smtClean="0"/>
+              <a:t>var</a:t>
+            </a:r>
+            <a:r>
+              <a:rPr lang="en-US" baseline="0" dirty="0" smtClean="0"/>
+              <a:t> vi </a:t>
+            </a:r>
+            <a:r>
+              <a:rPr lang="en-US" baseline="0" dirty="0" err="1" smtClean="0"/>
+              <a:t>placerar</a:t>
+            </a:r>
+            <a:r>
+              <a:rPr lang="en-US" baseline="0" dirty="0" smtClean="0"/>
+              <a:t> </a:t>
+            </a:r>
+            <a:r>
+              <a:rPr lang="en-US" baseline="0" dirty="0" err="1" smtClean="0"/>
+              <a:t>replikor</a:t>
+            </a:r>
+            <a:r>
+              <a:rPr lang="en-US" baseline="0" dirty="0" smtClean="0"/>
+              <a:t> </a:t>
+            </a:r>
+            <a:r>
+              <a:rPr lang="en-US" baseline="0" dirty="0" err="1" smtClean="0"/>
+              <a:t>kan</a:t>
+            </a:r>
+            <a:r>
+              <a:rPr lang="en-US" baseline="0" dirty="0" smtClean="0"/>
+              <a:t> </a:t>
+            </a:r>
+            <a:r>
+              <a:rPr lang="en-US" baseline="0" dirty="0" err="1" smtClean="0"/>
+              <a:t>även</a:t>
+            </a:r>
+            <a:r>
+              <a:rPr lang="en-US" baseline="0" dirty="0" smtClean="0"/>
+              <a:t> ta </a:t>
+            </a:r>
+            <a:r>
+              <a:rPr lang="en-US" baseline="0" dirty="0" err="1" smtClean="0"/>
+              <a:t>fler</a:t>
+            </a:r>
+            <a:r>
+              <a:rPr lang="en-US" baseline="0" dirty="0" smtClean="0"/>
+              <a:t> </a:t>
+            </a:r>
+            <a:r>
+              <a:rPr lang="en-US" baseline="0" dirty="0" err="1" smtClean="0"/>
+              <a:t>parametrar</a:t>
+            </a:r>
+            <a:r>
+              <a:rPr lang="en-US" baseline="0" dirty="0" smtClean="0"/>
+              <a:t> I </a:t>
+            </a:r>
+            <a:r>
+              <a:rPr lang="en-US" baseline="0" dirty="0" err="1" smtClean="0"/>
+              <a:t>åtanke</a:t>
+            </a:r>
+            <a:r>
+              <a:rPr lang="en-US" baseline="0" dirty="0" smtClean="0"/>
+              <a:t>. </a:t>
+            </a:r>
+            <a:r>
+              <a:rPr lang="en-US" baseline="0" dirty="0" err="1" smtClean="0"/>
+              <a:t>T.ex</a:t>
+            </a:r>
+            <a:r>
+              <a:rPr lang="en-US" baseline="0" dirty="0" smtClean="0"/>
+              <a:t>. </a:t>
+            </a:r>
+            <a:r>
+              <a:rPr lang="en-US" baseline="0" dirty="0" err="1" smtClean="0"/>
+              <a:t>så</a:t>
+            </a:r>
+            <a:r>
+              <a:rPr lang="en-US" baseline="0" dirty="0" smtClean="0"/>
+              <a:t> </a:t>
+            </a:r>
+            <a:r>
+              <a:rPr lang="en-US" baseline="0" dirty="0" err="1" smtClean="0"/>
+              <a:t>undersöks</a:t>
+            </a:r>
+            <a:r>
+              <a:rPr lang="en-US" baseline="0" dirty="0" smtClean="0"/>
+              <a:t> </a:t>
+            </a:r>
+            <a:r>
+              <a:rPr lang="en-US" baseline="0" dirty="0" err="1" smtClean="0"/>
+              <a:t>i</a:t>
+            </a:r>
+            <a:r>
+              <a:rPr lang="en-US" baseline="0" dirty="0" smtClean="0"/>
+              <a:t> </a:t>
+            </a:r>
+            <a:r>
+              <a:rPr lang="en-US" baseline="0" dirty="0" err="1" smtClean="0"/>
+              <a:t>nuläget</a:t>
+            </a:r>
+            <a:r>
+              <a:rPr lang="en-US" baseline="0" dirty="0" smtClean="0"/>
+              <a:t> </a:t>
+            </a:r>
+            <a:r>
+              <a:rPr lang="en-US" baseline="0" dirty="0" err="1" smtClean="0"/>
+              <a:t>inte</a:t>
+            </a:r>
+            <a:r>
+              <a:rPr lang="en-US" baseline="0" dirty="0" smtClean="0"/>
+              <a:t> om den </a:t>
+            </a:r>
+            <a:r>
+              <a:rPr lang="en-US" baseline="0" dirty="0" err="1" smtClean="0"/>
+              <a:t>valda</a:t>
+            </a:r>
+            <a:r>
+              <a:rPr lang="en-US" baseline="0" dirty="0" smtClean="0"/>
+              <a:t> </a:t>
+            </a:r>
+            <a:r>
+              <a:rPr lang="en-US" baseline="0" dirty="0" err="1" smtClean="0"/>
+              <a:t>noden</a:t>
+            </a:r>
+            <a:r>
+              <a:rPr lang="en-US" baseline="0" dirty="0" smtClean="0"/>
+              <a:t> </a:t>
+            </a:r>
+            <a:r>
+              <a:rPr lang="en-US" baseline="0" dirty="0" err="1" smtClean="0"/>
               <a:t>har</a:t>
             </a:r>
             <a:r>
               <a:rPr lang="en-US" baseline="0" dirty="0" smtClean="0"/>
+              <a:t> </a:t>
+            </a:r>
+            <a:r>
+              <a:rPr lang="en-US" baseline="0" dirty="0" err="1" smtClean="0"/>
+              <a:t>kapacitet</a:t>
+            </a:r>
+            <a:r>
+              <a:rPr lang="en-US" baseline="0" dirty="0" smtClean="0"/>
+              <a:t> </a:t>
+            </a:r>
+            <a:r>
+              <a:rPr lang="en-US" baseline="0" dirty="0" err="1" smtClean="0"/>
+              <a:t>för</a:t>
+            </a:r>
+            <a:r>
+              <a:rPr lang="en-US" baseline="0" dirty="0" smtClean="0"/>
+              <a:t> </a:t>
+            </a:r>
+            <a:r>
+              <a:rPr lang="en-US" baseline="0" dirty="0" err="1" smtClean="0"/>
+              <a:t>att</a:t>
+            </a:r>
+            <a:r>
+              <a:rPr lang="en-US" baseline="0" dirty="0" smtClean="0"/>
+              <a:t> </a:t>
+            </a:r>
+            <a:r>
+              <a:rPr lang="en-US" baseline="0" dirty="0" err="1" smtClean="0"/>
+              <a:t>starta</a:t>
+            </a:r>
+            <a:r>
+              <a:rPr lang="en-US" baseline="0" dirty="0" smtClean="0"/>
+              <a:t> </a:t>
+            </a:r>
+            <a:r>
+              <a:rPr lang="en-US" baseline="0" dirty="0" err="1" smtClean="0"/>
+              <a:t>upp</a:t>
+            </a:r>
+            <a:r>
+              <a:rPr lang="en-US" baseline="0" dirty="0" smtClean="0"/>
+              <a:t> </a:t>
+            </a:r>
+            <a:r>
+              <a:rPr lang="en-US" baseline="0" dirty="0" err="1" smtClean="0"/>
+              <a:t>en</a:t>
+            </a:r>
+            <a:r>
+              <a:rPr lang="en-US" baseline="0" dirty="0" smtClean="0"/>
+              <a:t> </a:t>
+            </a:r>
+            <a:r>
+              <a:rPr lang="en-US" baseline="0" dirty="0" err="1" smtClean="0"/>
+              <a:t>ny</a:t>
+            </a:r>
+            <a:r>
+              <a:rPr lang="en-US" baseline="0" smtClean="0"/>
+              <a:t> replica. </a:t>
+            </a:r>
+            <a:r>
+              <a:rPr lang="en-US" baseline="0" dirty="0" smtClean="0"/>
+              <a:t>Nodes last </a:t>
+            </a:r>
+            <a:r>
+              <a:rPr lang="en-US" baseline="0" dirty="0" err="1" smtClean="0"/>
+              <a:t>kan</a:t>
+            </a:r>
+            <a:r>
+              <a:rPr lang="en-US" baseline="0" dirty="0" smtClean="0"/>
+              <a:t> </a:t>
+            </a:r>
+            <a:r>
+              <a:rPr lang="en-US" baseline="0" dirty="0" err="1" smtClean="0"/>
+              <a:t>även</a:t>
+            </a:r>
+            <a:r>
+              <a:rPr lang="en-US" baseline="0" dirty="0" smtClean="0"/>
+              <a:t> </a:t>
+            </a:r>
+            <a:r>
+              <a:rPr lang="en-US" baseline="0" dirty="0" err="1" smtClean="0"/>
+              <a:t>inkluderas</a:t>
+            </a:r>
+            <a:r>
+              <a:rPr lang="en-US" baseline="0" dirty="0" smtClean="0"/>
+              <a:t> </a:t>
+            </a:r>
+            <a:r>
+              <a:rPr lang="en-US" baseline="0" dirty="0" err="1" smtClean="0"/>
+              <a:t>vilket</a:t>
+            </a:r>
+            <a:r>
+              <a:rPr lang="en-US" baseline="0" dirty="0" smtClean="0"/>
               <a:t> vi </a:t>
             </a:r>
             <a:r>
               <a:rPr lang="en-US" baseline="0" dirty="0" err="1" smtClean="0"/>
-              <a:t>genomfört</a:t>
-            </a:r>
-            <a:r>
-              <a:rPr lang="en-US" baseline="0" dirty="0" smtClean="0"/>
-              <a:t> </a:t>
-            </a:r>
-            <a:r>
-              <a:rPr lang="en-US" baseline="0" dirty="0" err="1" smtClean="0"/>
-              <a:t>ett</a:t>
-            </a:r>
-            <a:r>
-              <a:rPr lang="en-US" baseline="0" dirty="0" smtClean="0"/>
-              <a:t> </a:t>
-            </a:r>
-            <a:r>
-              <a:rPr lang="en-US" baseline="0" dirty="0" err="1" smtClean="0"/>
-              <a:t>antal</a:t>
-            </a:r>
-            <a:r>
-              <a:rPr lang="en-US" baseline="0" dirty="0" smtClean="0"/>
-              <a:t> experiment</a:t>
-            </a:r>
-          </a:p>
-          <a:p>
-            <a:endParaRPr lang="en-US" baseline="0" dirty="0" smtClean="0"/>
-          </a:p>
-          <a:p>
-            <a:r>
-              <a:rPr lang="en-US" baseline="0" dirty="0" err="1" smtClean="0"/>
-              <a:t>Syftet</a:t>
-            </a:r>
-            <a:r>
-              <a:rPr lang="en-US" baseline="0" dirty="0" smtClean="0"/>
-              <a:t> med </a:t>
-            </a:r>
-            <a:r>
-              <a:rPr lang="en-US" baseline="0" dirty="0" err="1" smtClean="0"/>
-              <a:t>experimenten</a:t>
+              <a:t>visade</a:t>
+            </a:r>
+            <a:r>
+              <a:rPr lang="en-US" baseline="0" dirty="0" smtClean="0"/>
+              <a:t> </a:t>
+            </a:r>
+            <a:r>
+              <a:rPr lang="en-US" baseline="0" dirty="0" err="1" smtClean="0"/>
+              <a:t>inte</a:t>
             </a:r>
             <a:r>
               <a:rPr lang="en-US" baseline="0" dirty="0" smtClean="0"/>
@@ -9558,428 +10814,24 @@
             </a:r>
             <a:r>
               <a:rPr lang="en-US" baseline="0" dirty="0" smtClean="0"/>
-              <a:t> bland </a:t>
-            </a:r>
-            <a:r>
-              <a:rPr lang="en-US" baseline="0" dirty="0" err="1" smtClean="0"/>
-              <a:t>annat</a:t>
-            </a:r>
-            <a:r>
-              <a:rPr lang="en-US" baseline="0" dirty="0" smtClean="0"/>
-              <a:t> </a:t>
-            </a:r>
-            <a:r>
-              <a:rPr lang="en-US" baseline="0" dirty="0" err="1" smtClean="0"/>
-              <a:t>att</a:t>
-            </a:r>
-            <a:r>
-              <a:rPr lang="en-US" baseline="0" dirty="0" smtClean="0"/>
-              <a:t> visa </a:t>
-            </a:r>
-            <a:r>
-              <a:rPr lang="en-US" baseline="0" dirty="0" err="1" smtClean="0"/>
-              <a:t>att</a:t>
-            </a:r>
-            <a:endParaRPr lang="en-US" baseline="0" dirty="0" smtClean="0"/>
-          </a:p>
-          <a:p>
-            <a:pPr marL="228600" indent="-228600">
-              <a:buFont typeface="+mj-lt"/>
-              <a:buAutoNum type="arabicPeriod"/>
-            </a:pPr>
-            <a:r>
-              <a:rPr lang="en-US" baseline="0" dirty="0" err="1" smtClean="0"/>
-              <a:t>tillförlitligheten</a:t>
-            </a:r>
-            <a:r>
-              <a:rPr lang="en-US" baseline="0" dirty="0" smtClean="0"/>
-              <a:t> </a:t>
-            </a:r>
-            <a:r>
-              <a:rPr lang="en-US" baseline="0" dirty="0" err="1" smtClean="0"/>
-              <a:t>över</a:t>
-            </a:r>
-            <a:r>
-              <a:rPr lang="en-US" baseline="0" dirty="0" smtClean="0"/>
-              <a:t> </a:t>
-            </a:r>
-            <a:r>
-              <a:rPr lang="en-US" baseline="0" dirty="0" err="1" smtClean="0"/>
-              <a:t>tid</a:t>
-            </a:r>
-            <a:r>
-              <a:rPr lang="en-US" baseline="0" dirty="0" smtClean="0"/>
-              <a:t> </a:t>
-            </a:r>
-            <a:r>
-              <a:rPr lang="en-US" baseline="0" dirty="0" err="1" smtClean="0"/>
-              <a:t>dynamiskt</a:t>
-            </a:r>
-            <a:r>
-              <a:rPr lang="en-US" baseline="0" dirty="0" smtClean="0"/>
-              <a:t> </a:t>
-            </a:r>
-            <a:r>
-              <a:rPr lang="en-US" baseline="0" dirty="0" err="1" smtClean="0"/>
-              <a:t>uppnås</a:t>
-            </a:r>
-            <a:r>
-              <a:rPr lang="en-US" baseline="0" dirty="0" smtClean="0"/>
-              <a:t> </a:t>
-            </a:r>
-            <a:r>
-              <a:rPr lang="en-US" baseline="0" dirty="0" err="1" smtClean="0"/>
-              <a:t>genom</a:t>
-            </a:r>
-            <a:r>
-              <a:rPr lang="en-US" baseline="0" dirty="0" smtClean="0"/>
-              <a:t> </a:t>
-            </a:r>
-            <a:r>
-              <a:rPr lang="en-US" baseline="0" dirty="0" err="1" smtClean="0"/>
-              <a:t>att</a:t>
-            </a:r>
-            <a:r>
-              <a:rPr lang="en-US" baseline="0" dirty="0" smtClean="0"/>
-              <a:t> </a:t>
-            </a:r>
-            <a:r>
-              <a:rPr lang="en-US" baseline="0" dirty="0" err="1" smtClean="0"/>
-              <a:t>detekera</a:t>
-            </a:r>
-            <a:r>
-              <a:rPr lang="en-US" baseline="0" dirty="0" smtClean="0"/>
-              <a:t> </a:t>
-            </a:r>
-            <a:r>
-              <a:rPr lang="en-US" baseline="0" dirty="0" err="1" smtClean="0"/>
-              <a:t>när</a:t>
-            </a:r>
-            <a:r>
-              <a:rPr lang="en-US" baseline="0" dirty="0" smtClean="0"/>
-              <a:t> </a:t>
-            </a:r>
-            <a:r>
-              <a:rPr lang="en-US" baseline="0" dirty="0" err="1" smtClean="0"/>
-              <a:t>noder</a:t>
-            </a:r>
-            <a:r>
-              <a:rPr lang="en-US" baseline="0" dirty="0" smtClean="0"/>
-              <a:t> </a:t>
-            </a:r>
-            <a:r>
-              <a:rPr lang="en-US" baseline="0" dirty="0" err="1" smtClean="0"/>
-              <a:t>dör</a:t>
-            </a:r>
-            <a:r>
-              <a:rPr lang="en-US" baseline="0" dirty="0" smtClean="0"/>
-              <a:t> </a:t>
-            </a:r>
-            <a:r>
-              <a:rPr lang="en-US" baseline="0" dirty="0" err="1" smtClean="0"/>
-              <a:t>samt</a:t>
-            </a:r>
-            <a:r>
-              <a:rPr lang="en-US" baseline="0" dirty="0" smtClean="0"/>
-              <a:t> </a:t>
-            </a:r>
-            <a:r>
-              <a:rPr lang="en-US" baseline="0" dirty="0" err="1" smtClean="0"/>
-              <a:t>starta</a:t>
-            </a:r>
-            <a:r>
-              <a:rPr lang="en-US" baseline="0" dirty="0" smtClean="0"/>
-              <a:t> </a:t>
-            </a:r>
-            <a:r>
-              <a:rPr lang="en-US" baseline="0" dirty="0" err="1" smtClean="0"/>
-              <a:t>nya</a:t>
-            </a:r>
-            <a:r>
-              <a:rPr lang="en-US" baseline="0" dirty="0" smtClean="0"/>
-              <a:t> </a:t>
-            </a:r>
-            <a:r>
-              <a:rPr lang="en-US" baseline="0" dirty="0" err="1" smtClean="0"/>
-              <a:t>replikor</a:t>
-            </a:r>
-            <a:endParaRPr lang="en-US" baseline="0" dirty="0" smtClean="0"/>
-          </a:p>
-          <a:p>
-            <a:pPr marL="228600" indent="-228600">
-              <a:buFont typeface="+mj-lt"/>
-              <a:buAutoNum type="arabicPeriod"/>
-            </a:pPr>
-            <a:endParaRPr lang="en-US" baseline="0" dirty="0" smtClean="0"/>
-          </a:p>
-          <a:p>
-            <a:pPr marL="228600" indent="-228600">
-              <a:buFont typeface="+mj-lt"/>
-              <a:buAutoNum type="arabicPeriod"/>
-            </a:pPr>
-            <a:r>
-              <a:rPr lang="en-US" baseline="0" dirty="0" err="1" smtClean="0"/>
-              <a:t>det</a:t>
-            </a:r>
-            <a:r>
-              <a:rPr lang="en-US" baseline="0" dirty="0" smtClean="0"/>
-              <a:t> </a:t>
-            </a:r>
-            <a:r>
-              <a:rPr lang="en-US" baseline="0" dirty="0" err="1" smtClean="0"/>
-              <a:t>inte</a:t>
-            </a:r>
-            <a:r>
-              <a:rPr lang="en-US" baseline="0" dirty="0" smtClean="0"/>
-              <a:t> </a:t>
-            </a:r>
-            <a:r>
-              <a:rPr lang="en-US" baseline="0" dirty="0" err="1" smtClean="0"/>
-              <a:t>skapas</a:t>
-            </a:r>
-            <a:r>
-              <a:rPr lang="en-US" baseline="0" dirty="0" smtClean="0"/>
-              <a:t> </a:t>
-            </a:r>
-            <a:r>
-              <a:rPr lang="en-US" baseline="0" dirty="0" err="1" smtClean="0"/>
-              <a:t>fler</a:t>
-            </a:r>
-            <a:r>
-              <a:rPr lang="en-US" baseline="0" dirty="0" smtClean="0"/>
-              <a:t> </a:t>
-            </a:r>
-            <a:r>
-              <a:rPr lang="en-US" baseline="0" dirty="0" err="1" smtClean="0"/>
-              <a:t>replikor</a:t>
-            </a:r>
-            <a:r>
-              <a:rPr lang="en-US" baseline="0" dirty="0" smtClean="0"/>
-              <a:t> </a:t>
-            </a:r>
-            <a:r>
-              <a:rPr lang="en-US" baseline="0" dirty="0" err="1" smtClean="0"/>
-              <a:t>än</a:t>
-            </a:r>
-            <a:r>
-              <a:rPr lang="en-US" baseline="0" dirty="0" smtClean="0"/>
-              <a:t> </a:t>
-            </a:r>
-            <a:r>
-              <a:rPr lang="en-US" baseline="0" dirty="0" err="1" smtClean="0"/>
-              <a:t>nödvändigt</a:t>
-            </a:r>
-            <a:r>
-              <a:rPr lang="en-US" baseline="0" dirty="0" smtClean="0"/>
-              <a:t> </a:t>
-            </a:r>
-            <a:r>
-              <a:rPr lang="en-US" baseline="0" dirty="0" err="1" smtClean="0"/>
-              <a:t>genom</a:t>
-            </a:r>
-            <a:r>
-              <a:rPr lang="en-US" baseline="0" dirty="0" smtClean="0"/>
-              <a:t> </a:t>
-            </a:r>
-            <a:r>
-              <a:rPr lang="en-US" baseline="0" dirty="0" err="1" smtClean="0"/>
-              <a:t>att</a:t>
-            </a:r>
-            <a:endParaRPr lang="en-US" baseline="0" dirty="0" smtClean="0"/>
-          </a:p>
-          <a:p>
-            <a:pPr marL="685800" lvl="1" indent="-228600">
-              <a:buFont typeface="+mj-lt"/>
-              <a:buAutoNum type="arabicPeriod"/>
-            </a:pPr>
-            <a:r>
-              <a:rPr lang="en-US" baseline="0" dirty="0" err="1" smtClean="0"/>
-              <a:t>Välja</a:t>
-            </a:r>
-            <a:r>
-              <a:rPr lang="en-US" baseline="0" dirty="0" smtClean="0"/>
-              <a:t> de </a:t>
-            </a:r>
-            <a:r>
-              <a:rPr lang="en-US" baseline="0" dirty="0" err="1" smtClean="0"/>
-              <a:t>mest</a:t>
-            </a:r>
-            <a:r>
-              <a:rPr lang="en-US" baseline="0" dirty="0" smtClean="0"/>
-              <a:t> </a:t>
-            </a:r>
-            <a:r>
-              <a:rPr lang="en-US" baseline="0" dirty="0" err="1" smtClean="0"/>
-              <a:t>tillförlitliga</a:t>
-            </a:r>
-            <a:endParaRPr lang="en-US" baseline="0" dirty="0" smtClean="0"/>
-          </a:p>
-          <a:p>
-            <a:pPr marL="685800" lvl="1" indent="-228600">
-              <a:buFont typeface="+mj-lt"/>
-              <a:buAutoNum type="arabicPeriod"/>
-            </a:pPr>
-            <a:r>
-              <a:rPr lang="en-US" baseline="0" dirty="0" smtClean="0"/>
-              <a:t>Ta </a:t>
-            </a:r>
-            <a:r>
-              <a:rPr lang="en-US" baseline="0" dirty="0" err="1" smtClean="0"/>
-              <a:t>bort</a:t>
-            </a:r>
-            <a:r>
-              <a:rPr lang="en-US" baseline="0" dirty="0" smtClean="0"/>
-              <a:t> </a:t>
-            </a:r>
-            <a:r>
-              <a:rPr lang="en-US" baseline="0" dirty="0" err="1" smtClean="0"/>
-              <a:t>överflödiga</a:t>
-            </a:r>
-            <a:r>
-              <a:rPr lang="en-US" baseline="0" dirty="0" smtClean="0"/>
-              <a:t> </a:t>
-            </a:r>
-            <a:r>
-              <a:rPr lang="en-US" baseline="0" dirty="0" err="1" smtClean="0"/>
-              <a:t>replikor</a:t>
-            </a:r>
-            <a:endParaRPr lang="en-US" baseline="0" dirty="0" smtClean="0"/>
-          </a:p>
-          <a:p>
-            <a:pPr marL="685800" lvl="1" indent="-228600">
-              <a:buFont typeface="+mj-lt"/>
-              <a:buAutoNum type="arabicPeriod"/>
-            </a:pPr>
-            <a:endParaRPr lang="en-US" baseline="0" dirty="0" smtClean="0"/>
-          </a:p>
-          <a:p>
-            <a:pPr marL="228600" lvl="0" indent="-228600">
-              <a:buFont typeface="+mj-lt"/>
-              <a:buAutoNum type="arabicPeriod"/>
-            </a:pPr>
-            <a:r>
-              <a:rPr lang="en-US" dirty="0" err="1" smtClean="0"/>
-              <a:t>Systemet</a:t>
-            </a:r>
-            <a:r>
-              <a:rPr lang="en-US" dirty="0" smtClean="0"/>
-              <a:t> tar</a:t>
-            </a:r>
-            <a:r>
-              <a:rPr lang="en-US" baseline="0" dirty="0" smtClean="0"/>
-              <a:t> </a:t>
-            </a:r>
-            <a:r>
-              <a:rPr lang="en-US" baseline="0" dirty="0" err="1" smtClean="0"/>
-              <a:t>hänsyn</a:t>
-            </a:r>
-            <a:r>
-              <a:rPr lang="en-US" baseline="0" dirty="0" smtClean="0"/>
-              <a:t> till </a:t>
-            </a:r>
-            <a:r>
-              <a:rPr lang="en-US" baseline="0" dirty="0" err="1" smtClean="0"/>
-              <a:t>varierande</a:t>
-            </a:r>
-            <a:r>
-              <a:rPr lang="en-US" baseline="0" dirty="0" smtClean="0"/>
-              <a:t> </a:t>
-            </a:r>
-            <a:r>
-              <a:rPr lang="en-US" baseline="0" dirty="0" err="1" smtClean="0"/>
-              <a:t>egenskaper</a:t>
-            </a:r>
-            <a:r>
-              <a:rPr lang="en-US" baseline="0" dirty="0" smtClean="0"/>
-              <a:t> hos </a:t>
-            </a:r>
-            <a:r>
-              <a:rPr lang="en-US" baseline="0" dirty="0" err="1" smtClean="0"/>
-              <a:t>noderna</a:t>
-            </a:r>
-            <a:endParaRPr lang="en-US" baseline="0" dirty="0" smtClean="0"/>
-          </a:p>
-          <a:p>
-            <a:pPr marL="228600" lvl="0" indent="-228600">
-              <a:buFont typeface="+mj-lt"/>
-              <a:buAutoNum type="arabicPeriod"/>
-            </a:pPr>
-            <a:endParaRPr lang="en-US" baseline="0" dirty="0" smtClean="0"/>
-          </a:p>
-          <a:p>
-            <a:pPr marL="0" lvl="0" indent="0">
-              <a:buFont typeface="+mj-lt"/>
-              <a:buNone/>
-            </a:pPr>
-            <a:r>
-              <a:rPr lang="en-US" baseline="0" dirty="0" smtClean="0"/>
-              <a:t>Vi </a:t>
-            </a:r>
-            <a:r>
-              <a:rPr lang="en-US" baseline="0" dirty="0" err="1" smtClean="0"/>
-              <a:t>kommer</a:t>
-            </a:r>
-            <a:r>
-              <a:rPr lang="en-US" baseline="0" dirty="0" smtClean="0"/>
-              <a:t> </a:t>
-            </a:r>
-            <a:r>
-              <a:rPr lang="en-US" baseline="0" dirty="0" err="1" smtClean="0"/>
-              <a:t>inte</a:t>
-            </a:r>
-            <a:r>
-              <a:rPr lang="en-US" baseline="0" dirty="0" smtClean="0"/>
-              <a:t> </a:t>
-            </a:r>
-            <a:r>
-              <a:rPr lang="en-US" baseline="0" dirty="0" err="1" smtClean="0"/>
-              <a:t>att</a:t>
-            </a:r>
-            <a:r>
-              <a:rPr lang="en-US" baseline="0" dirty="0" smtClean="0"/>
-              <a:t> </a:t>
-            </a:r>
-            <a:r>
-              <a:rPr lang="en-US" baseline="0" dirty="0" err="1" smtClean="0"/>
-              <a:t>gå</a:t>
-            </a:r>
-            <a:r>
-              <a:rPr lang="en-US" baseline="0" dirty="0" smtClean="0"/>
-              <a:t> </a:t>
-            </a:r>
-            <a:r>
-              <a:rPr lang="en-US" baseline="0" dirty="0" err="1" smtClean="0"/>
-              <a:t>igenom</a:t>
-            </a:r>
-            <a:r>
-              <a:rPr lang="en-US" baseline="0" dirty="0" smtClean="0"/>
-              <a:t> </a:t>
-            </a:r>
-            <a:r>
-              <a:rPr lang="en-US" baseline="0" dirty="0" err="1" smtClean="0"/>
-              <a:t>alla</a:t>
-            </a:r>
-            <a:r>
-              <a:rPr lang="en-US" baseline="0" dirty="0" smtClean="0"/>
-              <a:t> </a:t>
-            </a:r>
-            <a:r>
-              <a:rPr lang="en-US" baseline="0" dirty="0" err="1" smtClean="0"/>
-              <a:t>resultat</a:t>
-            </a:r>
-            <a:r>
-              <a:rPr lang="en-US" baseline="0" dirty="0" smtClean="0"/>
-              <a:t> </a:t>
-            </a:r>
-            <a:r>
-              <a:rPr lang="en-US" baseline="0" dirty="0" err="1" smtClean="0"/>
-              <a:t>här</a:t>
-            </a:r>
-            <a:r>
-              <a:rPr lang="is-IS" baseline="0" dirty="0" smtClean="0"/>
-              <a:t>…</a:t>
-            </a:r>
-            <a:endParaRPr lang="en-US" baseline="0" dirty="0" smtClean="0"/>
+              <a:t> </a:t>
+            </a:r>
+            <a:r>
+              <a:rPr lang="en-US" baseline="0" dirty="0" err="1" smtClean="0"/>
+              <a:t>så</a:t>
+            </a:r>
+            <a:r>
+              <a:rPr lang="en-US" baseline="0" dirty="0" smtClean="0"/>
+              <a:t> </a:t>
+            </a:r>
+            <a:r>
+              <a:rPr lang="en-US" baseline="0" dirty="0" err="1" smtClean="0"/>
+              <a:t>svårt</a:t>
+            </a:r>
+            <a:r>
+              <a:rPr lang="en-US" baseline="0" dirty="0" smtClean="0"/>
+              <a:t>.</a:t>
+            </a:r>
           </a:p>
         </p:txBody>
       </p:sp>
@@ -10000,7 +10852,7 @@
           <a:p>
             <a:fld id="{100650DF-8CBF-0341-B1F9-47D0C0CD302F}" type="slidenum">
               <a:rPr lang="en-US" smtClean="0"/>
-              <a:t>34</a:t>
+              <a:t>36</a:t>
             </a:fld>
             <a:endParaRPr lang="en-US"/>
           </a:p>
@@ -10009,107 +10861,7 @@
     </p:spTree>
     <p:extLst>
       <p:ext uri="{BB962C8B-B14F-4D97-AF65-F5344CB8AC3E}">
-        <p14:creationId xmlns:p14="http://schemas.microsoft.com/office/powerpoint/2010/main" val="856999456"/>
-      </p:ext>
-    </p:extLst>
-  </p:cSld>
-  <p:clrMapOvr>
-    <a:masterClrMapping/>
-  </p:clrMapOvr>
-</p:notes>
-</file>
-
-<file path=ppt/notesSlides/notesSlide35.xml><?xml version="1.0" encoding="utf-8"?>
-<p:notes xmlns:a="http://schemas.openxmlformats.org/drawingml/2006/main" xmlns:r="http://schemas.openxmlformats.org/officeDocument/2006/relationships" xmlns:p="http://schemas.openxmlformats.org/presentationml/2006/main">
-  <p:cSld>
-    <p:spTree>
-      <p:nvGrpSpPr>
-        <p:cNvPr id="1" name=""/>
-        <p:cNvGrpSpPr/>
-        <p:nvPr/>
-      </p:nvGrpSpPr>
-      <p:grpSpPr>
-        <a:xfrm>
-          <a:off x="0" y="0"/>
-          <a:ext cx="0" cy="0"/>
-          <a:chOff x="0" y="0"/>
-          <a:chExt cx="0" cy="0"/>
-        </a:xfrm>
-      </p:grpSpPr>
-      <p:sp>
-        <p:nvSpPr>
-          <p:cNvPr id="2" name="Platshållare för bildobjekt 1"/>
-          <p:cNvSpPr>
-            <a:spLocks noGrp="1" noRot="1" noChangeAspect="1"/>
-          </p:cNvSpPr>
-          <p:nvPr>
-            <p:ph type="sldImg"/>
-          </p:nvPr>
-        </p:nvSpPr>
-        <p:spPr/>
-      </p:sp>
-      <p:sp>
-        <p:nvSpPr>
-          <p:cNvPr id="3" name="Platshållare för anteckningar 2"/>
-          <p:cNvSpPr>
-            <a:spLocks noGrp="1"/>
-          </p:cNvSpPr>
-          <p:nvPr>
-            <p:ph type="body" idx="1"/>
-          </p:nvPr>
-        </p:nvSpPr>
-        <p:spPr/>
-        <p:txBody>
-          <a:bodyPr/>
-          <a:lstStyle/>
-          <a:p>
-            <a:r>
-              <a:rPr lang="sv-SE" dirty="0" smtClean="0"/>
-              <a:t>Kom ihåg att efterso</a:t>
-            </a:r>
-            <a:r>
-              <a:rPr lang="sv-SE" baseline="0" dirty="0" smtClean="0"/>
-              <a:t>m MTBF beräknas utifrån de tre senaste </a:t>
-            </a:r>
-            <a:r>
-              <a:rPr lang="sv-SE" baseline="0" dirty="0" err="1" smtClean="0"/>
-              <a:t>feltiderna</a:t>
-            </a:r>
-            <a:r>
-              <a:rPr lang="sv-SE" baseline="0" dirty="0" smtClean="0"/>
-              <a:t> så kommer noderna tillförlitlighet att anpassa sig, vilket syns i grafen.</a:t>
-            </a:r>
-            <a:endParaRPr lang="sv-SE" dirty="0"/>
-          </a:p>
-        </p:txBody>
-      </p:sp>
-      <p:sp>
-        <p:nvSpPr>
-          <p:cNvPr id="4" name="Platshållare för bildnummer 3"/>
-          <p:cNvSpPr>
-            <a:spLocks noGrp="1"/>
-          </p:cNvSpPr>
-          <p:nvPr>
-            <p:ph type="sldNum" sz="quarter" idx="10"/>
-          </p:nvPr>
-        </p:nvSpPr>
-        <p:spPr/>
-        <p:txBody>
-          <a:bodyPr/>
-          <a:lstStyle/>
-          <a:p>
-            <a:fld id="{100650DF-8CBF-0341-B1F9-47D0C0CD302F}" type="slidenum">
-              <a:rPr lang="en-US" smtClean="0"/>
-              <a:t>35</a:t>
-            </a:fld>
-            <a:endParaRPr lang="en-US"/>
-          </a:p>
-        </p:txBody>
-      </p:sp>
-    </p:spTree>
-    <p:extLst>
-      <p:ext uri="{BB962C8B-B14F-4D97-AF65-F5344CB8AC3E}">
-        <p14:creationId xmlns:p14="http://schemas.microsoft.com/office/powerpoint/2010/main" val="1031593842"/>
+        <p14:creationId xmlns:p14="http://schemas.microsoft.com/office/powerpoint/2010/main" val="908358918"/>
       </p:ext>
     </p:extLst>
   </p:cSld>
@@ -10164,24 +10916,16 @@
           <a:lstStyle/>
           <a:p>
             <a:r>
-              <a:rPr lang="en-US" dirty="0" err="1" smtClean="0"/>
-              <a:t>Alla</a:t>
-            </a:r>
-            <a:r>
-              <a:rPr lang="en-US" dirty="0" smtClean="0"/>
-              <a:t> </a:t>
-            </a:r>
-            <a:r>
-              <a:rPr lang="en-US" dirty="0" err="1" smtClean="0"/>
-              <a:t>värden</a:t>
-            </a:r>
-            <a:r>
-              <a:rPr lang="en-US" dirty="0" smtClean="0"/>
-              <a:t>,</a:t>
-            </a:r>
-            <a:r>
-              <a:rPr lang="en-US" baseline="0" dirty="0" smtClean="0"/>
-              <a:t> </a:t>
+              <a:rPr lang="en-US" baseline="0" dirty="0" smtClean="0"/>
+              <a:t>I </a:t>
+            </a:r>
+            <a:r>
+              <a:rPr lang="en-US" baseline="0" dirty="0" err="1" smtClean="0"/>
+              <a:t>våra</a:t>
+            </a:r>
+            <a:r>
+              <a:rPr lang="en-US" baseline="0" dirty="0" smtClean="0"/>
+              <a:t> experiment </a:t>
             </a:r>
             <a:r>
               <a:rPr lang="en-US" baseline="0" dirty="0" err="1" smtClean="0"/>
@@ -10193,23 +10937,63 @@
             </a:r>
             <a:r>
               <a:rPr lang="en-US" baseline="0" dirty="0" err="1" smtClean="0"/>
-              <a:t>som</a:t>
-            </a:r>
-            <a:r>
-              <a:rPr lang="en-US" baseline="0" dirty="0" smtClean="0"/>
-              <a:t> heartbeat timeout, default MTBF/</a:t>
-            </a:r>
-            <a:r>
-              <a:rPr lang="en-US" baseline="0" dirty="0" err="1" smtClean="0"/>
-              <a:t>repliceringstid</a:t>
-            </a:r>
-            <a:r>
-              <a:rPr lang="en-US" baseline="0" dirty="0" smtClean="0"/>
-              <a:t> </a:t>
-            </a:r>
-            <a:r>
-              <a:rPr lang="en-US" baseline="0" dirty="0" err="1" smtClean="0"/>
-              <a:t>valdes</a:t>
+              <a:t>har</a:t>
+            </a:r>
+            <a:r>
+              <a:rPr lang="en-US" baseline="0" dirty="0" smtClean="0"/>
+              <a:t> vi </a:t>
+            </a:r>
+            <a:r>
+              <a:rPr lang="en-US" baseline="0" dirty="0" err="1" smtClean="0"/>
+              <a:t>bara</a:t>
+            </a:r>
+            <a:r>
+              <a:rPr lang="en-US" baseline="0" dirty="0" smtClean="0"/>
+              <a:t> </a:t>
+            </a:r>
+            <a:r>
+              <a:rPr lang="en-US" baseline="0" dirty="0" err="1" smtClean="0"/>
+              <a:t>kört</a:t>
+            </a:r>
+            <a:r>
+              <a:rPr lang="en-US" baseline="0" dirty="0" smtClean="0"/>
+              <a:t> en </a:t>
+            </a:r>
+            <a:r>
+              <a:rPr lang="en-US" baseline="0" dirty="0" err="1" smtClean="0"/>
+              <a:t>applikation</a:t>
+            </a:r>
+            <a:r>
+              <a:rPr lang="en-US" baseline="0" dirty="0" smtClean="0"/>
+              <a:t>. Men </a:t>
+            </a:r>
+            <a:r>
+              <a:rPr lang="en-US" baseline="0" dirty="0" err="1" smtClean="0"/>
+              <a:t>även</a:t>
+            </a:r>
+            <a:r>
+              <a:rPr lang="en-US" baseline="0" dirty="0" smtClean="0"/>
+              <a:t> om man </a:t>
+            </a:r>
+            <a:r>
+              <a:rPr lang="en-US" baseline="0" dirty="0" err="1" smtClean="0"/>
+              <a:t>kör</a:t>
+            </a:r>
+            <a:r>
+              <a:rPr lang="en-US" baseline="0" dirty="0" smtClean="0"/>
+              <a:t> </a:t>
+            </a:r>
+            <a:r>
+              <a:rPr lang="en-US" baseline="0" dirty="0" err="1" smtClean="0"/>
+              <a:t>flera</a:t>
+            </a:r>
+            <a:r>
+              <a:rPr lang="en-US" baseline="0" dirty="0" smtClean="0"/>
+              <a:t> </a:t>
+            </a:r>
+            <a:r>
+              <a:rPr lang="en-US" baseline="0" dirty="0" err="1" smtClean="0"/>
+              <a:t>applikationer</a:t>
             </a:r>
             <a:r>
               <a:rPr lang="en-US" baseline="0" dirty="0" smtClean="0"/>
@@ -10225,152 +11009,373 @@
             </a:r>
             <a:r>
               <a:rPr lang="en-US" baseline="0" dirty="0" err="1" smtClean="0"/>
+              <a:t>kommer</a:t>
+            </a:r>
+            <a:r>
+              <a:rPr lang="en-US" baseline="0" dirty="0" smtClean="0"/>
+              <a:t> </a:t>
+            </a:r>
+            <a:r>
+              <a:rPr lang="en-US" baseline="0" dirty="0" err="1" smtClean="0"/>
+              <a:t>optimala</a:t>
+            </a:r>
+            <a:r>
+              <a:rPr lang="en-US" baseline="0" dirty="0" smtClean="0"/>
+              <a:t> </a:t>
+            </a:r>
+            <a:r>
+              <a:rPr lang="en-US" baseline="0" dirty="0" err="1" smtClean="0"/>
+              <a:t>antalet</a:t>
+            </a:r>
+            <a:r>
+              <a:rPr lang="en-US" baseline="0" dirty="0" smtClean="0"/>
+              <a:t> </a:t>
+            </a:r>
+            <a:r>
+              <a:rPr lang="en-US" baseline="0" dirty="0" err="1" smtClean="0"/>
+              <a:t>noder</a:t>
+            </a:r>
+            <a:r>
+              <a:rPr lang="en-US" baseline="0" dirty="0" smtClean="0"/>
+              <a:t> </a:t>
+            </a:r>
+            <a:r>
+              <a:rPr lang="en-US" baseline="0" dirty="0" err="1" smtClean="0"/>
+              <a:t>och</a:t>
+            </a:r>
+            <a:r>
+              <a:rPr lang="en-US" baseline="0" dirty="0" smtClean="0"/>
+              <a:t> </a:t>
+            </a:r>
+            <a:r>
+              <a:rPr lang="en-US" baseline="0" dirty="0" err="1" smtClean="0"/>
+              <a:t>därmed</a:t>
+            </a:r>
+            <a:r>
+              <a:rPr lang="en-US" baseline="0" dirty="0" smtClean="0"/>
+              <a:t> </a:t>
+            </a:r>
+            <a:r>
+              <a:rPr lang="en-US" baseline="0" dirty="0" err="1" smtClean="0"/>
+              <a:t>vara</a:t>
+            </a:r>
+            <a:r>
+              <a:rPr lang="en-US" baseline="0" dirty="0" smtClean="0"/>
+              <a:t> </a:t>
+            </a:r>
+            <a:r>
+              <a:rPr lang="en-US" baseline="0" dirty="0" err="1" smtClean="0"/>
+              <a:t>energi-effektiv</a:t>
+            </a:r>
+            <a:r>
+              <a:rPr lang="en-US" baseline="0" dirty="0" smtClean="0"/>
+              <a:t>.  </a:t>
+            </a:r>
+            <a:r>
+              <a:rPr lang="en-US" baseline="0" dirty="0" err="1" smtClean="0"/>
+              <a:t>Tex</a:t>
+            </a:r>
+            <a:r>
+              <a:rPr lang="en-US" baseline="0" dirty="0" smtClean="0"/>
+              <a:t> om man </a:t>
+            </a:r>
+            <a:r>
+              <a:rPr lang="en-US" baseline="0" dirty="0" err="1" smtClean="0"/>
+              <a:t>har</a:t>
+            </a:r>
+            <a:r>
+              <a:rPr lang="en-US" baseline="0" dirty="0" smtClean="0"/>
+              <a:t> 3 </a:t>
+            </a:r>
+            <a:r>
+              <a:rPr lang="en-US" baseline="0" dirty="0" err="1" smtClean="0"/>
+              <a:t>applikationer</a:t>
+            </a:r>
+            <a:r>
+              <a:rPr lang="en-US" baseline="0" dirty="0" smtClean="0"/>
+              <a:t>, </a:t>
+            </a:r>
+            <a:r>
+              <a:rPr lang="en-US" baseline="0" dirty="0" err="1" smtClean="0"/>
+              <a:t>där</a:t>
+            </a:r>
+            <a:r>
+              <a:rPr lang="en-US" baseline="0" dirty="0" smtClean="0"/>
+              <a:t> </a:t>
+            </a:r>
+            <a:r>
+              <a:rPr lang="en-US" baseline="0" dirty="0" err="1" smtClean="0"/>
+              <a:t>två</a:t>
+            </a:r>
+            <a:r>
+              <a:rPr lang="en-US" baseline="0" dirty="0" smtClean="0"/>
+              <a:t> </a:t>
+            </a:r>
+            <a:r>
+              <a:rPr lang="en-US" baseline="0" dirty="0" err="1" smtClean="0"/>
+              <a:t>kräver</a:t>
+            </a:r>
+            <a:r>
+              <a:rPr lang="en-US" baseline="0" dirty="0" smtClean="0"/>
+              <a:t> 3 </a:t>
+            </a:r>
+            <a:r>
+              <a:rPr lang="en-US" baseline="0" dirty="0" err="1" smtClean="0"/>
+              <a:t>replikor</a:t>
+            </a:r>
+            <a:r>
+              <a:rPr lang="en-US" baseline="0" dirty="0" smtClean="0"/>
+              <a:t> </a:t>
+            </a:r>
+            <a:r>
+              <a:rPr lang="en-US" baseline="0" dirty="0" err="1" smtClean="0"/>
+              <a:t>och</a:t>
+            </a:r>
+            <a:r>
+              <a:rPr lang="en-US" baseline="0" dirty="0" smtClean="0"/>
+              <a:t> en </a:t>
+            </a:r>
+            <a:r>
+              <a:rPr lang="en-US" baseline="0" dirty="0" err="1" smtClean="0"/>
+              <a:t>kräver</a:t>
+            </a:r>
+            <a:r>
+              <a:rPr lang="en-US" baseline="0" dirty="0" smtClean="0"/>
+              <a:t> 4 </a:t>
+            </a:r>
+            <a:r>
+              <a:rPr lang="en-US" baseline="0" dirty="0" err="1" smtClean="0"/>
+              <a:t>replikor</a:t>
+            </a:r>
+            <a:r>
+              <a:rPr lang="en-US" baseline="0" dirty="0" smtClean="0"/>
+              <a:t>. </a:t>
+            </a:r>
+            <a:r>
+              <a:rPr lang="en-US" baseline="0" dirty="0" err="1" smtClean="0"/>
+              <a:t>Så</a:t>
+            </a:r>
+            <a:r>
+              <a:rPr lang="en-US" baseline="0" dirty="0" smtClean="0"/>
+              <a:t> </a:t>
+            </a:r>
+            <a:r>
+              <a:rPr lang="en-US" baseline="0" dirty="0" err="1" smtClean="0"/>
+              <a:t>kommer</a:t>
+            </a:r>
+            <a:r>
+              <a:rPr lang="en-US" baseline="0" dirty="0" smtClean="0"/>
+              <a:t> de 4 </a:t>
+            </a:r>
+            <a:r>
+              <a:rPr lang="en-US" baseline="0" dirty="0" err="1" smtClean="0"/>
+              <a:t>mest</a:t>
+            </a:r>
+            <a:r>
+              <a:rPr lang="en-US" baseline="0" dirty="0" smtClean="0"/>
+              <a:t> </a:t>
+            </a:r>
+            <a:r>
+              <a:rPr lang="en-US" baseline="0" dirty="0" err="1" smtClean="0"/>
+              <a:t>tillförlitliga</a:t>
+            </a:r>
+            <a:r>
+              <a:rPr lang="en-US" baseline="0" dirty="0" smtClean="0"/>
+              <a:t> </a:t>
+            </a:r>
+            <a:r>
+              <a:rPr lang="en-US" baseline="0" dirty="0" err="1" smtClean="0"/>
+              <a:t>noderna</a:t>
+            </a:r>
+            <a:r>
+              <a:rPr lang="en-US" baseline="0" dirty="0" smtClean="0"/>
+              <a:t> </a:t>
+            </a:r>
+            <a:r>
+              <a:rPr lang="en-US" baseline="0" dirty="0" err="1" smtClean="0"/>
               <a:t>att</a:t>
             </a:r>
             <a:r>
               <a:rPr lang="en-US" baseline="0" dirty="0" smtClean="0"/>
+              <a:t> </a:t>
+            </a:r>
+            <a:r>
+              <a:rPr lang="en-US" baseline="0" dirty="0" err="1" smtClean="0"/>
+              <a:t>användas</a:t>
+            </a:r>
+            <a:r>
+              <a:rPr lang="en-US" baseline="0" dirty="0" smtClean="0"/>
+              <a:t>.</a:t>
+            </a:r>
+          </a:p>
+          <a:p>
+            <a:endParaRPr lang="en-US" baseline="0" dirty="0" smtClean="0"/>
+          </a:p>
+          <a:p>
+            <a:r>
+              <a:rPr lang="en-US" baseline="0" dirty="0" err="1" smtClean="0"/>
+              <a:t>Detta</a:t>
+            </a:r>
+            <a:r>
+              <a:rPr lang="en-US" baseline="0" dirty="0" smtClean="0"/>
+              <a:t> </a:t>
+            </a:r>
+            <a:r>
+              <a:rPr lang="en-US" baseline="0" dirty="0" err="1" smtClean="0"/>
+              <a:t>förutsätter</a:t>
+            </a:r>
+            <a:r>
+              <a:rPr lang="en-US" baseline="0" dirty="0" smtClean="0"/>
+              <a:t> dock </a:t>
+            </a:r>
+            <a:r>
+              <a:rPr lang="en-US" baseline="0" dirty="0" err="1" smtClean="0"/>
+              <a:t>att</a:t>
+            </a:r>
+            <a:r>
+              <a:rPr lang="en-US" baseline="0" dirty="0" smtClean="0"/>
+              <a:t> </a:t>
+            </a:r>
+            <a:r>
+              <a:rPr lang="en-US" baseline="0" dirty="0" err="1" smtClean="0"/>
+              <a:t>ingen</a:t>
+            </a:r>
+            <a:r>
+              <a:rPr lang="en-US" baseline="0" dirty="0" smtClean="0"/>
+              <a:t> nod </a:t>
+            </a:r>
+            <a:r>
+              <a:rPr lang="en-US" baseline="0" dirty="0" err="1" smtClean="0"/>
+              <a:t>blir</a:t>
+            </a:r>
+            <a:r>
+              <a:rPr lang="en-US" baseline="0" dirty="0" smtClean="0"/>
+              <a:t> overloaded </a:t>
+            </a:r>
+            <a:r>
+              <a:rPr lang="en-US" baseline="0" dirty="0" err="1" smtClean="0"/>
+              <a:t>utan</a:t>
+            </a:r>
+            <a:r>
+              <a:rPr lang="en-US" baseline="0" dirty="0" smtClean="0"/>
+              <a:t> </a:t>
+            </a:r>
+            <a:r>
+              <a:rPr lang="en-US" baseline="0" dirty="0" err="1" smtClean="0"/>
+              <a:t>att</a:t>
+            </a:r>
+            <a:r>
+              <a:rPr lang="en-US" baseline="0" dirty="0" smtClean="0"/>
+              <a:t> de </a:t>
+            </a:r>
+            <a:r>
+              <a:rPr lang="en-US" baseline="0" dirty="0" err="1" smtClean="0"/>
+              <a:t>har</a:t>
+            </a:r>
+            <a:r>
+              <a:rPr lang="en-US" baseline="0" dirty="0" smtClean="0"/>
+              <a:t> plats till de </a:t>
+            </a:r>
+            <a:r>
+              <a:rPr lang="en-US" baseline="0" dirty="0" err="1" smtClean="0"/>
+              <a:t>replikor</a:t>
+            </a:r>
+            <a:r>
+              <a:rPr lang="en-US" baseline="0" dirty="0" smtClean="0"/>
+              <a:t> man </a:t>
+            </a:r>
+            <a:r>
+              <a:rPr lang="en-US" baseline="0" dirty="0" err="1" smtClean="0"/>
+              <a:t>placerar</a:t>
+            </a:r>
+            <a:r>
+              <a:rPr lang="en-US" baseline="0" dirty="0" smtClean="0"/>
+              <a:t> </a:t>
+            </a:r>
+            <a:r>
+              <a:rPr lang="en-US" baseline="0" dirty="0" err="1" smtClean="0"/>
+              <a:t>där</a:t>
+            </a:r>
+            <a:r>
+              <a:rPr lang="en-US" baseline="0" dirty="0" smtClean="0"/>
+              <a:t>.</a:t>
+            </a:r>
+          </a:p>
+          <a:p>
+            <a:endParaRPr lang="en-US" baseline="0" dirty="0" smtClean="0"/>
+          </a:p>
+          <a:p>
+            <a:r>
+              <a:rPr lang="en-US" baseline="0" dirty="0" err="1" smtClean="0"/>
+              <a:t>Vidare</a:t>
+            </a:r>
+            <a:r>
+              <a:rPr lang="en-US" baseline="0" dirty="0" smtClean="0"/>
+              <a:t> </a:t>
+            </a:r>
+            <a:r>
+              <a:rPr lang="en-US" baseline="0" dirty="0" err="1" smtClean="0"/>
+              <a:t>så</a:t>
+            </a:r>
+            <a:r>
+              <a:rPr lang="en-US" baseline="0" dirty="0" smtClean="0"/>
+              <a:t> </a:t>
+            </a:r>
+            <a:r>
+              <a:rPr lang="en-US" baseline="0" dirty="0" err="1" smtClean="0"/>
+              <a:t>ser</a:t>
+            </a:r>
+            <a:r>
+              <a:rPr lang="en-US" baseline="0" dirty="0" smtClean="0"/>
               <a:t> vi </a:t>
             </a:r>
             <a:r>
               <a:rPr lang="en-US" baseline="0" dirty="0" err="1" smtClean="0"/>
-              <a:t>kunde</a:t>
-            </a:r>
-            <a:r>
-              <a:rPr lang="en-US" baseline="0" dirty="0" smtClean="0"/>
-              <a:t> </a:t>
-            </a:r>
-            <a:r>
-              <a:rPr lang="en-US" baseline="0" dirty="0" err="1" smtClean="0"/>
-              <a:t>köra</a:t>
-            </a:r>
-            <a:r>
-              <a:rPr lang="en-US" baseline="0" dirty="0" smtClean="0"/>
-              <a:t> </a:t>
-            </a:r>
-            <a:r>
-              <a:rPr lang="en-US" baseline="0" dirty="0" err="1" smtClean="0"/>
-              <a:t>experimenten</a:t>
-            </a:r>
-            <a:r>
-              <a:rPr lang="en-US" baseline="0" dirty="0" smtClean="0"/>
-              <a:t> under </a:t>
-            </a:r>
-            <a:r>
-              <a:rPr lang="en-US" baseline="0" dirty="0" err="1" smtClean="0"/>
-              <a:t>ett</a:t>
-            </a:r>
-            <a:r>
-              <a:rPr lang="en-US" baseline="0" dirty="0" smtClean="0"/>
-              <a:t> </a:t>
-            </a:r>
-            <a:r>
-              <a:rPr lang="en-US" baseline="0" dirty="0" err="1" smtClean="0"/>
-              <a:t>antal</a:t>
-            </a:r>
-            <a:r>
-              <a:rPr lang="en-US" baseline="0" dirty="0" smtClean="0"/>
-              <a:t> </a:t>
-            </a:r>
-            <a:r>
-              <a:rPr lang="en-US" baseline="0" dirty="0" err="1" smtClean="0"/>
-              <a:t>minuter</a:t>
-            </a:r>
-            <a:r>
-              <a:rPr lang="en-US" baseline="0" dirty="0" smtClean="0"/>
-              <a:t> </a:t>
-            </a:r>
-            <a:r>
-              <a:rPr lang="en-US" baseline="0" dirty="0" err="1" smtClean="0"/>
-              <a:t>och</a:t>
-            </a:r>
-            <a:r>
-              <a:rPr lang="en-US" baseline="0" dirty="0" smtClean="0"/>
-              <a:t> </a:t>
-            </a:r>
-            <a:r>
-              <a:rPr lang="en-US" baseline="0" dirty="0" err="1" smtClean="0"/>
-              <a:t>ändå</a:t>
-            </a:r>
-            <a:r>
-              <a:rPr lang="en-US" baseline="0" dirty="0" smtClean="0"/>
-              <a:t> </a:t>
-            </a:r>
-            <a:r>
-              <a:rPr lang="en-US" baseline="0" dirty="0" err="1" smtClean="0"/>
-              <a:t>få</a:t>
-            </a:r>
-            <a:r>
-              <a:rPr lang="en-US" baseline="0" dirty="0" smtClean="0"/>
-              <a:t> en del </a:t>
-            </a:r>
-            <a:r>
-              <a:rPr lang="en-US" baseline="0" dirty="0" err="1" smtClean="0"/>
-              <a:t>fel</a:t>
-            </a:r>
-            <a:r>
-              <a:rPr lang="en-US" baseline="0" dirty="0" smtClean="0"/>
-              <a:t>.</a:t>
-            </a:r>
-          </a:p>
-          <a:p>
-            <a:endParaRPr lang="en-US" baseline="0" dirty="0" smtClean="0"/>
-          </a:p>
-          <a:p>
-            <a:r>
-              <a:rPr lang="en-US" baseline="0" dirty="0" err="1" smtClean="0"/>
-              <a:t>Vår</a:t>
-            </a:r>
-            <a:r>
-              <a:rPr lang="en-US" baseline="0" dirty="0" smtClean="0"/>
-              <a:t> </a:t>
-            </a:r>
-            <a:r>
-              <a:rPr lang="en-US" baseline="0" dirty="0" err="1" smtClean="0"/>
-              <a:t>modell</a:t>
-            </a:r>
-            <a:r>
-              <a:rPr lang="en-US" baseline="0" dirty="0" smtClean="0"/>
-              <a:t> </a:t>
-            </a:r>
-            <a:r>
-              <a:rPr lang="en-US" baseline="0" dirty="0" err="1" smtClean="0"/>
-              <a:t>använder</a:t>
-            </a:r>
-            <a:r>
-              <a:rPr lang="en-US" baseline="0" dirty="0" smtClean="0"/>
-              <a:t> </a:t>
-            </a:r>
-            <a:r>
-              <a:rPr lang="en-US" baseline="0" dirty="0" err="1" smtClean="0"/>
-              <a:t>en</a:t>
-            </a:r>
-            <a:r>
-              <a:rPr lang="en-US" baseline="0" dirty="0" smtClean="0"/>
-              <a:t> </a:t>
-            </a:r>
-            <a:r>
-              <a:rPr lang="en-US" baseline="0" dirty="0" err="1" smtClean="0"/>
-              <a:t>relativt</a:t>
-            </a:r>
-            <a:r>
-              <a:rPr lang="en-US" baseline="0" dirty="0" smtClean="0"/>
-              <a:t> </a:t>
-            </a:r>
-            <a:r>
-              <a:rPr lang="en-US" baseline="0" dirty="0" err="1" smtClean="0"/>
-              <a:t>enkel</a:t>
-            </a:r>
-            <a:r>
-              <a:rPr lang="en-US" baseline="0" dirty="0" smtClean="0"/>
-              <a:t> </a:t>
-            </a:r>
-            <a:r>
-              <a:rPr lang="en-US" baseline="0" dirty="0" err="1" smtClean="0"/>
-              <a:t>tillförlitlighetsmodell</a:t>
-            </a:r>
-            <a:r>
-              <a:rPr lang="en-US" baseline="0" dirty="0" smtClean="0"/>
-              <a:t>. Den </a:t>
+              <a:t>inte</a:t>
+            </a:r>
+            <a:r>
+              <a:rPr lang="en-US" baseline="0" dirty="0" smtClean="0"/>
+              <a:t> </a:t>
+            </a:r>
+            <a:r>
+              <a:rPr lang="en-US" baseline="0" dirty="0" err="1" smtClean="0"/>
+              <a:t>nödvändigtvis</a:t>
+            </a:r>
+            <a:r>
+              <a:rPr lang="en-US" baseline="0" dirty="0" smtClean="0"/>
+              <a:t> till </a:t>
+            </a:r>
+            <a:r>
+              <a:rPr lang="en-US" baseline="0" dirty="0" err="1" smtClean="0"/>
+              <a:t>att</a:t>
+            </a:r>
+            <a:r>
+              <a:rPr lang="en-US" baseline="0" dirty="0" smtClean="0"/>
+              <a:t> </a:t>
+            </a:r>
+            <a:r>
+              <a:rPr lang="en-US" baseline="0" dirty="0" err="1" smtClean="0"/>
+              <a:t>medelvärdet</a:t>
+            </a:r>
+            <a:r>
+              <a:rPr lang="en-US" baseline="0" dirty="0" smtClean="0"/>
+              <a:t> </a:t>
+            </a:r>
+            <a:r>
+              <a:rPr lang="en-US" baseline="0" dirty="0" err="1" smtClean="0"/>
+              <a:t>för</a:t>
+            </a:r>
+            <a:r>
+              <a:rPr lang="en-US" baseline="0" dirty="0" smtClean="0"/>
+              <a:t> </a:t>
+            </a:r>
+            <a:r>
+              <a:rPr lang="en-US" baseline="0" dirty="0" err="1" smtClean="0"/>
+              <a:t>tillförlitligheten</a:t>
+            </a:r>
+            <a:r>
+              <a:rPr lang="en-US" baseline="0" dirty="0" smtClean="0"/>
+              <a:t> </a:t>
             </a:r>
             <a:r>
               <a:rPr lang="en-US" baseline="0" dirty="0" err="1" smtClean="0"/>
@@ -10382,15 +11387,7 @@
             </a:r>
             <a:r>
               <a:rPr lang="en-US" baseline="0" dirty="0" err="1" smtClean="0"/>
-              <a:t>begränsad</a:t>
-            </a:r>
-            <a:r>
-              <a:rPr lang="en-US" baseline="0" dirty="0" smtClean="0"/>
-              <a:t> </a:t>
-            </a:r>
-            <a:r>
-              <a:rPr lang="en-US" baseline="0" dirty="0" err="1" smtClean="0"/>
-              <a:t>i</a:t>
+              <a:t>över</a:t>
             </a:r>
             <a:r>
               <a:rPr lang="en-US" baseline="0" dirty="0" smtClean="0"/>
@@ -10402,7 +11399,31 @@
             </a:r>
             <a:r>
               <a:rPr lang="en-US" baseline="0" dirty="0" smtClean="0"/>
-              <a:t> </a:t>
+              <a:t> vi </a:t>
+            </a:r>
+            <a:r>
+              <a:rPr lang="en-US" baseline="0" dirty="0" err="1" smtClean="0"/>
+              <a:t>vill</a:t>
+            </a:r>
+            <a:r>
+              <a:rPr lang="en-US" baseline="0" dirty="0" smtClean="0"/>
+              <a:t> ha. Man </a:t>
+            </a:r>
+            <a:r>
+              <a:rPr lang="en-US" baseline="0" dirty="0" err="1" smtClean="0"/>
+              <a:t>kan</a:t>
+            </a:r>
+            <a:r>
+              <a:rPr lang="en-US" baseline="0" dirty="0" smtClean="0"/>
+              <a:t> </a:t>
+            </a:r>
+            <a:r>
+              <a:rPr lang="en-US" baseline="0" dirty="0" err="1" smtClean="0"/>
+              <a:t>tänka</a:t>
+            </a:r>
+            <a:r>
+              <a:rPr lang="en-US" baseline="0" dirty="0" smtClean="0"/>
+              <a:t> sig </a:t>
             </a:r>
             <a:r>
               <a:rPr lang="en-US" baseline="0" dirty="0" err="1" smtClean="0"/>
@@ -10410,11 +11431,43 @@
             </a:r>
             <a:r>
               <a:rPr lang="en-US" baseline="0" dirty="0" smtClean="0"/>
-              <a:t> </a:t>
-            </a:r>
-            <a:r>
-              <a:rPr lang="en-US" baseline="0" dirty="0" err="1" smtClean="0"/>
-              <a:t>när</a:t>
+              <a:t> med </a:t>
+            </a:r>
+            <a:r>
+              <a:rPr lang="en-US" baseline="0" dirty="0" err="1" smtClean="0"/>
+              <a:t>två</a:t>
+            </a:r>
+            <a:r>
+              <a:rPr lang="en-US" baseline="0" dirty="0" smtClean="0"/>
+              <a:t> </a:t>
+            </a:r>
+            <a:r>
+              <a:rPr lang="en-US" baseline="0" dirty="0" err="1" smtClean="0"/>
+              <a:t>replikor</a:t>
+            </a:r>
+            <a:r>
+              <a:rPr lang="en-US" baseline="0" dirty="0" smtClean="0"/>
+              <a:t> </a:t>
+            </a:r>
+            <a:r>
+              <a:rPr lang="en-US" baseline="0" dirty="0" err="1" smtClean="0"/>
+              <a:t>når</a:t>
+            </a:r>
+            <a:r>
+              <a:rPr lang="en-US" baseline="0" dirty="0" smtClean="0"/>
+              <a:t> vi </a:t>
+            </a:r>
+            <a:r>
+              <a:rPr lang="en-US" baseline="0" dirty="0" err="1" smtClean="0"/>
+              <a:t>precis</a:t>
+            </a:r>
+            <a:r>
+              <a:rPr lang="en-US" baseline="0" dirty="0" smtClean="0"/>
+              <a:t> </a:t>
+            </a:r>
+            <a:r>
+              <a:rPr lang="en-US" baseline="0" dirty="0" err="1" smtClean="0"/>
+              <a:t>över</a:t>
             </a:r>
             <a:r>
               <a:rPr lang="en-US" baseline="0" dirty="0" smtClean="0"/>
@@ -10430,39 +11483,47 @@
             </a:r>
             <a:r>
               <a:rPr lang="en-US" baseline="0" dirty="0" err="1" smtClean="0"/>
-              <a:t>inte</a:t>
-            </a:r>
-            <a:r>
-              <a:rPr lang="en-US" baseline="0" dirty="0" smtClean="0"/>
-              <a:t> </a:t>
-            </a:r>
-            <a:r>
-              <a:rPr lang="en-US" baseline="0" dirty="0" err="1" smtClean="0"/>
-              <a:t>finns</a:t>
-            </a:r>
-            <a:r>
-              <a:rPr lang="en-US" baseline="0" dirty="0" smtClean="0"/>
-              <a:t> </a:t>
-            </a:r>
-            <a:r>
-              <a:rPr lang="en-US" baseline="0" dirty="0" err="1" smtClean="0"/>
-              <a:t>några</a:t>
-            </a:r>
-            <a:r>
-              <a:rPr lang="en-US" baseline="0" dirty="0" smtClean="0"/>
-              <a:t> </a:t>
-            </a:r>
-            <a:r>
-              <a:rPr lang="en-US" baseline="0" dirty="0" err="1" smtClean="0"/>
-              <a:t>registrerade</a:t>
-            </a:r>
-            <a:r>
-              <a:rPr lang="en-US" baseline="0" dirty="0" smtClean="0"/>
-              <a:t> </a:t>
-            </a:r>
-            <a:r>
-              <a:rPr lang="en-US" baseline="0" dirty="0" err="1" smtClean="0"/>
-              <a:t>feltider</a:t>
+              <a:t>önskade</a:t>
+            </a:r>
+            <a:r>
+              <a:rPr lang="en-US" baseline="0" dirty="0" smtClean="0"/>
+              <a:t> </a:t>
+            </a:r>
+            <a:r>
+              <a:rPr lang="en-US" baseline="0" dirty="0" err="1" smtClean="0"/>
+              <a:t>värdet</a:t>
+            </a:r>
+            <a:r>
+              <a:rPr lang="en-US" baseline="0" dirty="0" smtClean="0"/>
+              <a:t>, men under </a:t>
+            </a:r>
+            <a:r>
+              <a:rPr lang="en-US" baseline="0" dirty="0" err="1" smtClean="0"/>
+              <a:t>tiden</a:t>
+            </a:r>
+            <a:r>
+              <a:rPr lang="en-US" baseline="0" dirty="0" smtClean="0"/>
+              <a:t> </a:t>
+            </a:r>
+            <a:r>
+              <a:rPr lang="en-US" baseline="0" dirty="0" err="1" smtClean="0"/>
+              <a:t>bara</a:t>
+            </a:r>
+            <a:r>
+              <a:rPr lang="en-US" baseline="0" dirty="0" smtClean="0"/>
+              <a:t> en </a:t>
+            </a:r>
+            <a:r>
+              <a:rPr lang="en-US" baseline="0" dirty="0" err="1" smtClean="0"/>
+              <a:t>replika</a:t>
+            </a:r>
+            <a:r>
+              <a:rPr lang="en-US" baseline="0" dirty="0" smtClean="0"/>
+              <a:t> </a:t>
+            </a:r>
+            <a:r>
+              <a:rPr lang="en-US" baseline="0" dirty="0" err="1" smtClean="0"/>
+              <a:t>körs</a:t>
             </a:r>
             <a:r>
               <a:rPr lang="en-US" baseline="0" dirty="0" smtClean="0"/>
@@ -10478,141 +11539,35 @@
             </a:r>
             <a:r>
               <a:rPr lang="en-US" baseline="0" dirty="0" err="1" smtClean="0"/>
-              <a:t>används</a:t>
-            </a:r>
-            <a:r>
-              <a:rPr lang="en-US" baseline="0" dirty="0" smtClean="0"/>
-              <a:t> </a:t>
-            </a:r>
-            <a:r>
-              <a:rPr lang="en-US" baseline="0" dirty="0" err="1" smtClean="0"/>
-              <a:t>ett</a:t>
-            </a:r>
-            <a:r>
-              <a:rPr lang="en-US" baseline="0" dirty="0" smtClean="0"/>
-              <a:t> default </a:t>
-            </a:r>
-            <a:r>
-              <a:rPr lang="en-US" baseline="0" dirty="0" err="1" smtClean="0"/>
-              <a:t>värde</a:t>
-            </a:r>
-            <a:r>
-              <a:rPr lang="en-US" baseline="0" dirty="0" smtClean="0"/>
-              <a:t> </a:t>
-            </a:r>
-            <a:r>
-              <a:rPr lang="en-US" baseline="0" dirty="0" err="1" smtClean="0"/>
-              <a:t>som</a:t>
-            </a:r>
-            <a:r>
-              <a:rPr lang="en-US" baseline="0" dirty="0" smtClean="0"/>
-              <a:t> </a:t>
-            </a:r>
-            <a:r>
-              <a:rPr lang="en-US" baseline="0" dirty="0" err="1" smtClean="0"/>
-              <a:t>kan</a:t>
-            </a:r>
-            <a:r>
-              <a:rPr lang="en-US" baseline="0" dirty="0" smtClean="0"/>
-              <a:t> </a:t>
-            </a:r>
-            <a:r>
-              <a:rPr lang="en-US" baseline="0" dirty="0" err="1" smtClean="0"/>
-              <a:t>vara</a:t>
-            </a:r>
-            <a:r>
-              <a:rPr lang="en-US" baseline="0" dirty="0" smtClean="0"/>
-              <a:t> </a:t>
-            </a:r>
-            <a:r>
-              <a:rPr lang="en-US" baseline="0" dirty="0" err="1" smtClean="0"/>
-              <a:t>långt</a:t>
-            </a:r>
-            <a:r>
-              <a:rPr lang="en-US" baseline="0" dirty="0" smtClean="0"/>
-              <a:t> </a:t>
-            </a:r>
-            <a:r>
-              <a:rPr lang="en-US" baseline="0" dirty="0" err="1" smtClean="0"/>
-              <a:t>ifrån</a:t>
-            </a:r>
-            <a:r>
-              <a:rPr lang="en-US" baseline="0" dirty="0" smtClean="0"/>
-              <a:t> </a:t>
-            </a:r>
-            <a:r>
-              <a:rPr lang="en-US" baseline="0" dirty="0" err="1" smtClean="0"/>
-              <a:t>verkligheten</a:t>
-            </a:r>
-            <a:r>
-              <a:rPr lang="en-US" baseline="0" dirty="0" smtClean="0"/>
-              <a:t>, </a:t>
-            </a:r>
-            <a:r>
-              <a:rPr lang="en-US" baseline="0" dirty="0" err="1" smtClean="0"/>
-              <a:t>i</a:t>
-            </a:r>
-            <a:r>
-              <a:rPr lang="en-US" baseline="0" dirty="0" smtClean="0"/>
-              <a:t> </a:t>
-            </a:r>
-            <a:r>
-              <a:rPr lang="en-US" baseline="0" dirty="0" err="1" smtClean="0"/>
-              <a:t>värsta</a:t>
-            </a:r>
-            <a:r>
-              <a:rPr lang="en-US" baseline="0" dirty="0" smtClean="0"/>
-              <a:t> fall </a:t>
-            </a:r>
-            <a:r>
-              <a:rPr lang="en-US" baseline="0" dirty="0" err="1" smtClean="0"/>
-              <a:t>högre</a:t>
-            </a:r>
-            <a:r>
-              <a:rPr lang="en-US" baseline="0" dirty="0" smtClean="0"/>
-              <a:t>.</a:t>
-            </a:r>
-          </a:p>
-          <a:p>
-            <a:r>
-              <a:rPr lang="en-US" baseline="0" dirty="0" err="1" smtClean="0"/>
-              <a:t>En</a:t>
-            </a:r>
-            <a:r>
-              <a:rPr lang="en-US" baseline="0" dirty="0" smtClean="0"/>
-              <a:t> </a:t>
-            </a:r>
-            <a:r>
-              <a:rPr lang="en-US" baseline="0" dirty="0" err="1" smtClean="0"/>
-              <a:t>mer</a:t>
-            </a:r>
-            <a:r>
-              <a:rPr lang="en-US" baseline="0" dirty="0" smtClean="0"/>
-              <a:t> </a:t>
-            </a:r>
-            <a:r>
-              <a:rPr lang="en-US" baseline="0" dirty="0" err="1" smtClean="0"/>
-              <a:t>sofistikerad</a:t>
-            </a:r>
-            <a:r>
-              <a:rPr lang="en-US" baseline="0" dirty="0" smtClean="0"/>
-              <a:t> model </a:t>
-            </a:r>
-            <a:r>
-              <a:rPr lang="en-US" baseline="0" dirty="0" err="1" smtClean="0"/>
-              <a:t>kan</a:t>
-            </a:r>
-            <a:r>
-              <a:rPr lang="en-US" baseline="0" dirty="0" smtClean="0"/>
-              <a:t> </a:t>
-            </a:r>
-            <a:r>
-              <a:rPr lang="en-US" baseline="0" dirty="0" err="1" smtClean="0"/>
-              <a:t>t.ex</a:t>
-            </a:r>
-            <a:r>
-              <a:rPr lang="en-US" baseline="0" dirty="0" smtClean="0"/>
-              <a:t>. anta </a:t>
+              <a:t>är</a:t>
+            </a:r>
+            <a:r>
+              <a:rPr lang="en-US" baseline="0" dirty="0" smtClean="0"/>
+              <a:t> </a:t>
+            </a:r>
+            <a:r>
+              <a:rPr lang="en-US" baseline="0" dirty="0" err="1" smtClean="0"/>
+              <a:t>värdet</a:t>
+            </a:r>
+            <a:r>
+              <a:rPr lang="en-US" baseline="0" dirty="0" smtClean="0"/>
+              <a:t> </a:t>
+            </a:r>
+            <a:r>
+              <a:rPr lang="en-US" baseline="0" dirty="0" err="1" smtClean="0"/>
+              <a:t>så</a:t>
+            </a:r>
+            <a:r>
+              <a:rPr lang="en-US" baseline="0" dirty="0" smtClean="0"/>
+              <a:t> </a:t>
+            </a:r>
+            <a:r>
+              <a:rPr lang="en-US" baseline="0" dirty="0" err="1" smtClean="0"/>
+              <a:t>lågt</a:t>
+            </a:r>
+            <a:r>
+              <a:rPr lang="en-US" baseline="0" dirty="0" smtClean="0"/>
+              <a:t> </a:t>
             </a:r>
             <a:r>
               <a:rPr lang="en-US" baseline="0" dirty="0" err="1" smtClean="0"/>
@@ -10624,432 +11579,43 @@
             </a:r>
             <a:r>
               <a:rPr lang="en-US" baseline="0" dirty="0" err="1" smtClean="0"/>
-              <a:t>nodfel</a:t>
-            </a:r>
-            <a:r>
-              <a:rPr lang="en-US" baseline="0" dirty="0" smtClean="0"/>
-              <a:t> </a:t>
-            </a:r>
-            <a:r>
-              <a:rPr lang="en-US" baseline="0" dirty="0" err="1" smtClean="0"/>
-              <a:t>inte</a:t>
-            </a:r>
-            <a:r>
-              <a:rPr lang="en-US" baseline="0" dirty="0" smtClean="0"/>
-              <a:t> </a:t>
-            </a:r>
-            <a:r>
-              <a:rPr lang="en-US" baseline="0" dirty="0" err="1" smtClean="0"/>
-              <a:t>är</a:t>
-            </a:r>
-            <a:r>
-              <a:rPr lang="en-US" baseline="0" dirty="0" smtClean="0"/>
-              <a:t> </a:t>
-            </a:r>
-            <a:r>
-              <a:rPr lang="en-US" baseline="0" dirty="0" err="1" smtClean="0"/>
-              <a:t>oberoende</a:t>
-            </a:r>
-            <a:r>
-              <a:rPr lang="en-US" baseline="0" dirty="0" smtClean="0"/>
-              <a:t>, </a:t>
-            </a:r>
-            <a:r>
-              <a:rPr lang="en-US" baseline="0" dirty="0" err="1" smtClean="0"/>
-              <a:t>t.ex</a:t>
+              <a:t>medelvärdet</a:t>
+            </a:r>
+            <a:r>
+              <a:rPr lang="en-US" baseline="0" dirty="0" smtClean="0"/>
+              <a:t> </a:t>
+            </a:r>
+            <a:r>
+              <a:rPr lang="en-US" baseline="0" dirty="0" err="1" smtClean="0"/>
+              <a:t>också</a:t>
+            </a:r>
+            <a:r>
+              <a:rPr lang="en-US" baseline="0" dirty="0" smtClean="0"/>
+              <a:t> </a:t>
+            </a:r>
+            <a:r>
+              <a:rPr lang="en-US" baseline="0" dirty="0" err="1" smtClean="0"/>
+              <a:t>blir</a:t>
+            </a:r>
+            <a:r>
+              <a:rPr lang="en-US" baseline="0" dirty="0" smtClean="0"/>
+              <a:t> </a:t>
+            </a:r>
+            <a:r>
+              <a:rPr lang="en-US" baseline="0" dirty="0" err="1" smtClean="0"/>
+              <a:t>ganska</a:t>
+            </a:r>
+            <a:r>
+              <a:rPr lang="en-US" baseline="0" dirty="0" smtClean="0"/>
+              <a:t> </a:t>
+            </a:r>
+            <a:r>
+              <a:rPr lang="en-US" baseline="0" dirty="0" err="1" smtClean="0"/>
+              <a:t>lågt</a:t>
             </a:r>
             <a:r>
               <a:rPr lang="en-US" baseline="0" dirty="0" smtClean="0"/>
               <a:t>. </a:t>
-            </a:r>
-            <a:r>
-              <a:rPr lang="en-US" baseline="0" dirty="0" err="1" smtClean="0"/>
-              <a:t>kan</a:t>
-            </a:r>
-            <a:r>
-              <a:rPr lang="en-US" baseline="0" dirty="0" smtClean="0"/>
-              <a:t> </a:t>
-            </a:r>
-            <a:r>
-              <a:rPr lang="en-US" baseline="0" dirty="0" err="1" smtClean="0"/>
-              <a:t>switchar</a:t>
-            </a:r>
-            <a:r>
-              <a:rPr lang="en-US" baseline="0" dirty="0" smtClean="0"/>
-              <a:t> </a:t>
-            </a:r>
-            <a:r>
-              <a:rPr lang="en-US" baseline="0" dirty="0" err="1" smtClean="0"/>
-              <a:t>och</a:t>
-            </a:r>
-            <a:r>
-              <a:rPr lang="en-US" baseline="0" dirty="0" smtClean="0"/>
-              <a:t> </a:t>
-            </a:r>
-            <a:r>
-              <a:rPr lang="en-US" baseline="0" dirty="0" err="1" smtClean="0"/>
-              <a:t>nätförsörjning</a:t>
-            </a:r>
-            <a:r>
-              <a:rPr lang="en-US" baseline="0" dirty="0" smtClean="0"/>
-              <a:t> </a:t>
-            </a:r>
-            <a:r>
-              <a:rPr lang="en-US" baseline="0" dirty="0" err="1" smtClean="0"/>
-              <a:t>gå</a:t>
-            </a:r>
-            <a:r>
-              <a:rPr lang="en-US" baseline="0" dirty="0" smtClean="0"/>
-              <a:t> </a:t>
-            </a:r>
-            <a:r>
-              <a:rPr lang="en-US" baseline="0" dirty="0" err="1" smtClean="0"/>
-              <a:t>ner</a:t>
-            </a:r>
-            <a:r>
-              <a:rPr lang="en-US" baseline="0" dirty="0" smtClean="0"/>
-              <a:t> </a:t>
-            </a:r>
-            <a:r>
-              <a:rPr lang="en-US" baseline="0" dirty="0" err="1" smtClean="0"/>
-              <a:t>vilket</a:t>
-            </a:r>
-            <a:r>
-              <a:rPr lang="en-US" baseline="0" dirty="0" smtClean="0"/>
-              <a:t> </a:t>
-            </a:r>
-            <a:r>
-              <a:rPr lang="en-US" baseline="0" dirty="0" err="1" smtClean="0"/>
-              <a:t>påverkar</a:t>
-            </a:r>
-            <a:r>
-              <a:rPr lang="en-US" baseline="0" dirty="0" smtClean="0"/>
-              <a:t> </a:t>
-            </a:r>
-            <a:r>
-              <a:rPr lang="en-US" baseline="0" dirty="0" err="1" smtClean="0"/>
-              <a:t>alla</a:t>
-            </a:r>
-            <a:r>
-              <a:rPr lang="en-US" baseline="0" dirty="0" smtClean="0"/>
-              <a:t> </a:t>
-            </a:r>
-            <a:r>
-              <a:rPr lang="en-US" baseline="0" dirty="0" err="1" smtClean="0"/>
-              <a:t>noder</a:t>
-            </a:r>
-            <a:r>
-              <a:rPr lang="en-US" baseline="0" dirty="0" smtClean="0"/>
-              <a:t> </a:t>
-            </a:r>
-            <a:r>
-              <a:rPr lang="en-US" baseline="0" dirty="0" err="1" smtClean="0"/>
-              <a:t>i</a:t>
-            </a:r>
-            <a:r>
-              <a:rPr lang="en-US" baseline="0" dirty="0" smtClean="0"/>
-              <a:t> </a:t>
-            </a:r>
-            <a:r>
-              <a:rPr lang="en-US" baseline="0" dirty="0" err="1" smtClean="0"/>
-              <a:t>ett</a:t>
-            </a:r>
-            <a:r>
-              <a:rPr lang="en-US" baseline="0" dirty="0" smtClean="0"/>
-              <a:t> </a:t>
-            </a:r>
-            <a:r>
-              <a:rPr lang="en-US" baseline="0" dirty="0" err="1" smtClean="0"/>
-              <a:t>kluster</a:t>
-            </a:r>
-            <a:r>
-              <a:rPr lang="en-US" baseline="0" dirty="0" smtClean="0"/>
-              <a:t>.</a:t>
-            </a:r>
-          </a:p>
-          <a:p>
-            <a:endParaRPr lang="en-US" baseline="0" dirty="0" smtClean="0"/>
-          </a:p>
-          <a:p>
-            <a:r>
-              <a:rPr lang="en-US" baseline="0" dirty="0" smtClean="0"/>
-              <a:t>Valet </a:t>
-            </a:r>
-            <a:r>
-              <a:rPr lang="en-US" baseline="0" dirty="0" err="1" smtClean="0"/>
-              <a:t>av</a:t>
-            </a:r>
-            <a:r>
-              <a:rPr lang="en-US" baseline="0" dirty="0" smtClean="0"/>
-              <a:t> </a:t>
-            </a:r>
-            <a:r>
-              <a:rPr lang="en-US" baseline="0" dirty="0" err="1" smtClean="0"/>
-              <a:t>var</a:t>
-            </a:r>
-            <a:r>
-              <a:rPr lang="en-US" baseline="0" dirty="0" smtClean="0"/>
-              <a:t> vi </a:t>
-            </a:r>
-            <a:r>
-              <a:rPr lang="en-US" baseline="0" dirty="0" err="1" smtClean="0"/>
-              <a:t>placerar</a:t>
-            </a:r>
-            <a:r>
-              <a:rPr lang="en-US" baseline="0" dirty="0" smtClean="0"/>
-              <a:t> </a:t>
-            </a:r>
-            <a:r>
-              <a:rPr lang="en-US" baseline="0" dirty="0" err="1" smtClean="0"/>
-              <a:t>replikor</a:t>
-            </a:r>
-            <a:r>
-              <a:rPr lang="en-US" baseline="0" dirty="0" smtClean="0"/>
-              <a:t> </a:t>
-            </a:r>
-            <a:r>
-              <a:rPr lang="en-US" baseline="0" dirty="0" err="1" smtClean="0"/>
-              <a:t>kan</a:t>
-            </a:r>
-            <a:r>
-              <a:rPr lang="en-US" baseline="0" dirty="0" smtClean="0"/>
-              <a:t> </a:t>
-            </a:r>
-            <a:r>
-              <a:rPr lang="en-US" baseline="0" dirty="0" err="1" smtClean="0"/>
-              <a:t>även</a:t>
-            </a:r>
-            <a:r>
-              <a:rPr lang="en-US" baseline="0" dirty="0" smtClean="0"/>
-              <a:t> ta </a:t>
-            </a:r>
-            <a:r>
-              <a:rPr lang="en-US" baseline="0" dirty="0" err="1" smtClean="0"/>
-              <a:t>fler</a:t>
-            </a:r>
-            <a:r>
-              <a:rPr lang="en-US" baseline="0" dirty="0" smtClean="0"/>
-              <a:t> </a:t>
-            </a:r>
-            <a:r>
-              <a:rPr lang="en-US" baseline="0" dirty="0" err="1" smtClean="0"/>
-              <a:t>parametrar</a:t>
-            </a:r>
-            <a:r>
-              <a:rPr lang="en-US" baseline="0" dirty="0" smtClean="0"/>
-              <a:t> I </a:t>
-            </a:r>
-            <a:r>
-              <a:rPr lang="en-US" baseline="0" dirty="0" err="1" smtClean="0"/>
-              <a:t>åtanke</a:t>
-            </a:r>
-            <a:r>
-              <a:rPr lang="en-US" baseline="0" dirty="0" smtClean="0"/>
-              <a:t>. </a:t>
-            </a:r>
-            <a:r>
-              <a:rPr lang="en-US" baseline="0" dirty="0" err="1" smtClean="0"/>
-              <a:t>T.ex</a:t>
-            </a:r>
-            <a:r>
-              <a:rPr lang="en-US" baseline="0" dirty="0" smtClean="0"/>
-              <a:t>. </a:t>
-            </a:r>
-            <a:r>
-              <a:rPr lang="en-US" baseline="0" dirty="0" err="1" smtClean="0"/>
-              <a:t>så</a:t>
-            </a:r>
-            <a:r>
-              <a:rPr lang="en-US" baseline="0" dirty="0" smtClean="0"/>
-              <a:t> </a:t>
-            </a:r>
-            <a:r>
-              <a:rPr lang="en-US" baseline="0" dirty="0" err="1" smtClean="0"/>
-              <a:t>undersöks</a:t>
-            </a:r>
-            <a:r>
-              <a:rPr lang="en-US" baseline="0" dirty="0" smtClean="0"/>
-              <a:t> </a:t>
-            </a:r>
-            <a:r>
-              <a:rPr lang="en-US" baseline="0" dirty="0" err="1" smtClean="0"/>
-              <a:t>i</a:t>
-            </a:r>
-            <a:r>
-              <a:rPr lang="en-US" baseline="0" dirty="0" smtClean="0"/>
-              <a:t> </a:t>
-            </a:r>
-            <a:r>
-              <a:rPr lang="en-US" baseline="0" dirty="0" err="1" smtClean="0"/>
-              <a:t>nuläget</a:t>
-            </a:r>
-            <a:r>
-              <a:rPr lang="en-US" baseline="0" dirty="0" smtClean="0"/>
-              <a:t> </a:t>
-            </a:r>
-            <a:r>
-              <a:rPr lang="en-US" baseline="0" dirty="0" err="1" smtClean="0"/>
-              <a:t>inte</a:t>
-            </a:r>
-            <a:r>
-              <a:rPr lang="en-US" baseline="0" dirty="0" smtClean="0"/>
-              <a:t> om den </a:t>
-            </a:r>
-            <a:r>
-              <a:rPr lang="en-US" baseline="0" dirty="0" err="1" smtClean="0"/>
-              <a:t>valda</a:t>
-            </a:r>
-            <a:r>
-              <a:rPr lang="en-US" baseline="0" dirty="0" smtClean="0"/>
-              <a:t> </a:t>
-            </a:r>
-            <a:r>
-              <a:rPr lang="en-US" baseline="0" dirty="0" err="1" smtClean="0"/>
-              <a:t>noden</a:t>
-            </a:r>
-            <a:r>
-              <a:rPr lang="en-US" baseline="0" dirty="0" smtClean="0"/>
-              <a:t> </a:t>
-            </a:r>
-            <a:r>
-              <a:rPr lang="en-US" baseline="0" dirty="0" err="1" smtClean="0"/>
-              <a:t>har</a:t>
-            </a:r>
-            <a:r>
-              <a:rPr lang="en-US" baseline="0" dirty="0" smtClean="0"/>
-              <a:t> </a:t>
-            </a:r>
-            <a:r>
-              <a:rPr lang="en-US" baseline="0" dirty="0" err="1" smtClean="0"/>
-              <a:t>kapacitet</a:t>
-            </a:r>
-            <a:r>
-              <a:rPr lang="en-US" baseline="0" dirty="0" smtClean="0"/>
-              <a:t> </a:t>
-            </a:r>
-            <a:r>
-              <a:rPr lang="en-US" baseline="0" dirty="0" err="1" smtClean="0"/>
-              <a:t>för</a:t>
-            </a:r>
-            <a:r>
-              <a:rPr lang="en-US" baseline="0" dirty="0" smtClean="0"/>
-              <a:t> </a:t>
-            </a:r>
-            <a:r>
-              <a:rPr lang="en-US" baseline="0" dirty="0" err="1" smtClean="0"/>
-              <a:t>att</a:t>
-            </a:r>
-            <a:r>
-              <a:rPr lang="en-US" baseline="0" dirty="0" smtClean="0"/>
-              <a:t> </a:t>
-            </a:r>
-            <a:r>
-              <a:rPr lang="en-US" baseline="0" dirty="0" err="1" smtClean="0"/>
-              <a:t>starta</a:t>
-            </a:r>
-            <a:r>
-              <a:rPr lang="en-US" baseline="0" dirty="0" smtClean="0"/>
-              <a:t> </a:t>
-            </a:r>
-            <a:r>
-              <a:rPr lang="en-US" baseline="0" dirty="0" err="1" smtClean="0"/>
-              <a:t>upp</a:t>
-            </a:r>
-            <a:r>
-              <a:rPr lang="en-US" baseline="0" dirty="0" smtClean="0"/>
-              <a:t> </a:t>
-            </a:r>
-            <a:r>
-              <a:rPr lang="en-US" baseline="0" dirty="0" err="1" smtClean="0"/>
-              <a:t>en</a:t>
-            </a:r>
-            <a:r>
-              <a:rPr lang="en-US" baseline="0" dirty="0" smtClean="0"/>
-              <a:t> </a:t>
-            </a:r>
-            <a:r>
-              <a:rPr lang="en-US" baseline="0" dirty="0" err="1" smtClean="0"/>
-              <a:t>ny</a:t>
-            </a:r>
-            <a:r>
-              <a:rPr lang="en-US" baseline="0" smtClean="0"/>
-              <a:t> replica. </a:t>
-            </a:r>
-            <a:r>
-              <a:rPr lang="en-US" baseline="0" dirty="0" smtClean="0"/>
-              <a:t>Nodes last </a:t>
-            </a:r>
-            <a:r>
-              <a:rPr lang="en-US" baseline="0" dirty="0" err="1" smtClean="0"/>
-              <a:t>kan</a:t>
-            </a:r>
-            <a:r>
-              <a:rPr lang="en-US" baseline="0" dirty="0" smtClean="0"/>
-              <a:t> </a:t>
-            </a:r>
-            <a:r>
-              <a:rPr lang="en-US" baseline="0" dirty="0" err="1" smtClean="0"/>
-              <a:t>även</a:t>
-            </a:r>
-            <a:r>
-              <a:rPr lang="en-US" baseline="0" dirty="0" smtClean="0"/>
-              <a:t> </a:t>
-            </a:r>
-            <a:r>
-              <a:rPr lang="en-US" baseline="0" dirty="0" err="1" smtClean="0"/>
-              <a:t>inkluderas</a:t>
-            </a:r>
-            <a:r>
-              <a:rPr lang="en-US" baseline="0" dirty="0" smtClean="0"/>
-              <a:t> </a:t>
-            </a:r>
-            <a:r>
-              <a:rPr lang="en-US" baseline="0" dirty="0" err="1" smtClean="0"/>
-              <a:t>vilket</a:t>
-            </a:r>
-            <a:r>
-              <a:rPr lang="en-US" baseline="0" dirty="0" smtClean="0"/>
-              <a:t> vi </a:t>
-            </a:r>
-            <a:r>
-              <a:rPr lang="en-US" baseline="0" dirty="0" err="1" smtClean="0"/>
-              <a:t>visade</a:t>
-            </a:r>
-            <a:r>
-              <a:rPr lang="en-US" baseline="0" dirty="0" smtClean="0"/>
-              <a:t> </a:t>
-            </a:r>
-            <a:r>
-              <a:rPr lang="en-US" baseline="0" dirty="0" err="1" smtClean="0"/>
-              <a:t>inte</a:t>
-            </a:r>
-            <a:r>
-              <a:rPr lang="en-US" baseline="0" dirty="0" smtClean="0"/>
-              <a:t> </a:t>
-            </a:r>
-            <a:r>
-              <a:rPr lang="en-US" baseline="0" dirty="0" err="1" smtClean="0"/>
-              <a:t>var</a:t>
-            </a:r>
-            <a:r>
-              <a:rPr lang="en-US" baseline="0" dirty="0" smtClean="0"/>
-              <a:t> </a:t>
-            </a:r>
-            <a:r>
-              <a:rPr lang="en-US" baseline="0" dirty="0" err="1" smtClean="0"/>
-              <a:t>så</a:t>
-            </a:r>
-            <a:r>
-              <a:rPr lang="en-US" baseline="0" dirty="0" smtClean="0"/>
-              <a:t> </a:t>
-            </a:r>
-            <a:r>
-              <a:rPr lang="en-US" baseline="0" dirty="0" err="1" smtClean="0"/>
-              <a:t>svårt</a:t>
-            </a:r>
-            <a:r>
-              <a:rPr lang="en-US" baseline="0" dirty="0" smtClean="0"/>
-              <a:t>.</a:t>
             </a:r>
           </a:p>
         </p:txBody>
@@ -11080,7 +11646,7 @@
     </p:spTree>
     <p:extLst>
       <p:ext uri="{BB962C8B-B14F-4D97-AF65-F5344CB8AC3E}">
-        <p14:creationId xmlns:p14="http://schemas.microsoft.com/office/powerpoint/2010/main" val="908358918"/>
+        <p14:creationId xmlns:p14="http://schemas.microsoft.com/office/powerpoint/2010/main" val="215043946"/>
       </p:ext>
     </p:extLst>
   </p:cSld>
@@ -11136,27 +11702,160 @@
           <a:p>
             <a:r>
               <a:rPr lang="en-US" baseline="0" dirty="0" smtClean="0"/>
-              <a:t>I </a:t>
-            </a:r>
-            <a:r>
-              <a:rPr lang="en-US" baseline="0" dirty="0" err="1" smtClean="0"/>
-              <a:t>våra</a:t>
-            </a:r>
-            <a:r>
-              <a:rPr lang="en-US" baseline="0" dirty="0" smtClean="0"/>
-              <a:t> experiment </a:t>
-            </a:r>
-            <a:r>
-              <a:rPr lang="en-US" baseline="0" dirty="0" err="1" smtClean="0"/>
-              <a:t>så</a:t>
-            </a:r>
-            <a:r>
-              <a:rPr lang="en-US" baseline="0" dirty="0" smtClean="0"/>
-              <a:t> </a:t>
-            </a:r>
-            <a:r>
-              <a:rPr lang="en-US" baseline="0" dirty="0" err="1" smtClean="0"/>
-              <a:t>har</a:t>
+              <a:t>Om vi </a:t>
+            </a:r>
+            <a:r>
+              <a:rPr lang="en-US" baseline="0" dirty="0" err="1" smtClean="0"/>
+              <a:t>då</a:t>
+            </a:r>
+            <a:r>
+              <a:rPr lang="en-US" baseline="0" dirty="0" smtClean="0"/>
+              <a:t> </a:t>
+            </a:r>
+            <a:r>
+              <a:rPr lang="en-US" baseline="0" dirty="0" err="1" smtClean="0"/>
+              <a:t>antar</a:t>
+            </a:r>
+            <a:r>
+              <a:rPr lang="en-US" baseline="0" dirty="0" smtClean="0"/>
+              <a:t> </a:t>
+            </a:r>
+            <a:r>
+              <a:rPr lang="en-US" baseline="0" dirty="0" err="1" smtClean="0"/>
+              <a:t>att</a:t>
+            </a:r>
+            <a:r>
+              <a:rPr lang="en-US" baseline="0" dirty="0" smtClean="0"/>
+              <a:t> en nods MTBF </a:t>
+            </a:r>
+            <a:r>
+              <a:rPr lang="en-US" baseline="0" dirty="0" err="1" smtClean="0"/>
+              <a:t>är</a:t>
+            </a:r>
+            <a:r>
+              <a:rPr lang="en-US" baseline="0" dirty="0" smtClean="0"/>
+              <a:t> 1 </a:t>
+            </a:r>
+            <a:r>
+              <a:rPr lang="en-US" baseline="0" dirty="0" err="1" smtClean="0"/>
+              <a:t>år</a:t>
+            </a:r>
+            <a:r>
+              <a:rPr lang="en-US" baseline="0" dirty="0" smtClean="0"/>
+              <a:t> </a:t>
+            </a:r>
+            <a:r>
+              <a:rPr lang="en-US" baseline="0" dirty="0" err="1" smtClean="0"/>
+              <a:t>och</a:t>
+            </a:r>
+            <a:r>
+              <a:rPr lang="en-US" baseline="0" dirty="0" smtClean="0"/>
+              <a:t> </a:t>
+            </a:r>
+            <a:r>
+              <a:rPr lang="en-US" baseline="0" dirty="0" err="1" smtClean="0"/>
+              <a:t>att</a:t>
+            </a:r>
+            <a:r>
+              <a:rPr lang="en-US" baseline="0" dirty="0" smtClean="0"/>
+              <a:t> </a:t>
+            </a:r>
+            <a:r>
+              <a:rPr lang="en-US" baseline="0" dirty="0" err="1" smtClean="0"/>
+              <a:t>repliceringstiden</a:t>
+            </a:r>
+            <a:r>
+              <a:rPr lang="en-US" baseline="0" dirty="0" smtClean="0"/>
+              <a:t> </a:t>
+            </a:r>
+            <a:r>
+              <a:rPr lang="en-US" baseline="0" dirty="0" err="1" smtClean="0"/>
+              <a:t>är</a:t>
+            </a:r>
+            <a:r>
+              <a:rPr lang="en-US" baseline="0" dirty="0" smtClean="0"/>
+              <a:t> en </a:t>
+            </a:r>
+            <a:r>
+              <a:rPr lang="en-US" baseline="0" dirty="0" err="1" smtClean="0"/>
+              <a:t>timme</a:t>
+            </a:r>
+            <a:r>
+              <a:rPr lang="en-US" baseline="0" dirty="0" smtClean="0"/>
+              <a:t>. </a:t>
+            </a:r>
+          </a:p>
+          <a:p>
+            <a:endParaRPr lang="en-US" baseline="0" dirty="0" smtClean="0"/>
+          </a:p>
+          <a:p>
+            <a:r>
+              <a:rPr lang="en-US" baseline="0" dirty="0" err="1" smtClean="0"/>
+              <a:t>Då</a:t>
+            </a:r>
+            <a:r>
+              <a:rPr lang="en-US" baseline="0" dirty="0" smtClean="0"/>
+              <a:t> </a:t>
+            </a:r>
+            <a:r>
+              <a:rPr lang="en-US" baseline="0" dirty="0" err="1" smtClean="0"/>
+              <a:t>får</a:t>
+            </a:r>
+            <a:r>
+              <a:rPr lang="en-US" baseline="0" dirty="0" smtClean="0"/>
+              <a:t> vi med en replica en </a:t>
+            </a:r>
+            <a:r>
+              <a:rPr lang="en-US" baseline="0" dirty="0" err="1" smtClean="0"/>
+              <a:t>tillförlitlighet</a:t>
+            </a:r>
+            <a:r>
+              <a:rPr lang="en-US" baseline="0" dirty="0" smtClean="0"/>
+              <a:t> </a:t>
+            </a:r>
+            <a:r>
+              <a:rPr lang="en-US" baseline="0" dirty="0" err="1" smtClean="0"/>
+              <a:t>på</a:t>
+            </a:r>
+            <a:r>
+              <a:rPr lang="en-US" baseline="0" dirty="0" smtClean="0"/>
+              <a:t> </a:t>
+            </a:r>
+            <a:r>
+              <a:rPr lang="en-US" baseline="0" dirty="0" err="1" smtClean="0"/>
+              <a:t>tre</a:t>
+            </a:r>
+            <a:r>
+              <a:rPr lang="en-US" baseline="0" dirty="0" smtClean="0"/>
+              <a:t> </a:t>
+            </a:r>
+            <a:r>
+              <a:rPr lang="en-US" baseline="0" dirty="0" err="1" smtClean="0"/>
+              <a:t>nion</a:t>
+            </a:r>
+            <a:r>
+              <a:rPr lang="en-US" baseline="0" dirty="0" smtClean="0"/>
+              <a:t>, men </a:t>
+            </a:r>
+            <a:r>
+              <a:rPr lang="en-US" baseline="0" dirty="0" err="1" smtClean="0"/>
+              <a:t>två</a:t>
+            </a:r>
+            <a:r>
+              <a:rPr lang="en-US" baseline="0" dirty="0" smtClean="0"/>
+              <a:t> </a:t>
+            </a:r>
+            <a:r>
+              <a:rPr lang="en-US" baseline="0" dirty="0" err="1" smtClean="0"/>
+              <a:t>replikor</a:t>
+            </a:r>
+            <a:r>
+              <a:rPr lang="en-US" baseline="0" dirty="0" smtClean="0"/>
+              <a:t> </a:t>
+            </a:r>
+            <a:r>
+              <a:rPr lang="en-US" baseline="0" dirty="0" err="1" smtClean="0"/>
+              <a:t>får</a:t>
             </a:r>
             <a:r>
               <a:rPr lang="en-US" baseline="0" dirty="0" smtClean="0"/>
@@ -11164,15 +11863,184 @@
             </a:r>
             <a:r>
               <a:rPr lang="en-US" baseline="0" dirty="0" err="1" smtClean="0"/>
-              <a:t>bara</a:t>
-            </a:r>
-            <a:r>
-              <a:rPr lang="en-US" baseline="0" dirty="0" smtClean="0"/>
-              <a:t> </a:t>
-            </a:r>
-            <a:r>
-              <a:rPr lang="en-US" baseline="0" dirty="0" err="1" smtClean="0"/>
-              <a:t>kört</a:t>
+              <a:t>sju</a:t>
+            </a:r>
+            <a:r>
+              <a:rPr lang="en-US" baseline="0" dirty="0" smtClean="0"/>
+              <a:t> </a:t>
+            </a:r>
+            <a:r>
+              <a:rPr lang="en-US" baseline="0" dirty="0" err="1" smtClean="0"/>
+              <a:t>nior</a:t>
+            </a:r>
+            <a:r>
+              <a:rPr lang="en-US" baseline="0" dirty="0" smtClean="0"/>
+              <a:t> </a:t>
+            </a:r>
+            <a:r>
+              <a:rPr lang="en-US" baseline="0" dirty="0" err="1" smtClean="0"/>
+              <a:t>och</a:t>
+            </a:r>
+            <a:r>
+              <a:rPr lang="en-US" baseline="0" dirty="0" smtClean="0"/>
+              <a:t> </a:t>
+            </a:r>
+            <a:r>
+              <a:rPr lang="en-US" baseline="0" dirty="0" err="1" smtClean="0"/>
+              <a:t>tre</a:t>
+            </a:r>
+            <a:r>
+              <a:rPr lang="en-US" baseline="0" dirty="0" smtClean="0"/>
+              <a:t> </a:t>
+            </a:r>
+            <a:r>
+              <a:rPr lang="en-US" baseline="0" dirty="0" err="1" smtClean="0"/>
+              <a:t>replikor</a:t>
+            </a:r>
+            <a:r>
+              <a:rPr lang="en-US" baseline="0" dirty="0" smtClean="0"/>
+              <a:t> </a:t>
+            </a:r>
+            <a:r>
+              <a:rPr lang="en-US" baseline="0" dirty="0" err="1" smtClean="0"/>
+              <a:t>elva</a:t>
+            </a:r>
+            <a:r>
+              <a:rPr lang="en-US" baseline="0" dirty="0" smtClean="0"/>
+              <a:t> </a:t>
+            </a:r>
+            <a:r>
+              <a:rPr lang="en-US" baseline="0" dirty="0" err="1" smtClean="0"/>
+              <a:t>nior</a:t>
+            </a:r>
+            <a:r>
+              <a:rPr lang="en-US" baseline="0" dirty="0" smtClean="0"/>
+              <a:t>. </a:t>
+            </a:r>
+          </a:p>
+          <a:p>
+            <a:endParaRPr lang="en-US" baseline="0" dirty="0" smtClean="0"/>
+          </a:p>
+          <a:p>
+            <a:r>
+              <a:rPr lang="en-US" baseline="0" dirty="0" smtClean="0"/>
+              <a:t>Med </a:t>
+            </a:r>
+            <a:r>
+              <a:rPr lang="en-US" baseline="0" dirty="0" err="1" smtClean="0"/>
+              <a:t>tex</a:t>
+            </a:r>
+            <a:r>
+              <a:rPr lang="en-US" baseline="0" dirty="0" smtClean="0"/>
+              <a:t> </a:t>
+            </a:r>
+            <a:r>
+              <a:rPr lang="en-US" baseline="0" dirty="0" err="1" smtClean="0"/>
+              <a:t>två</a:t>
+            </a:r>
+            <a:r>
+              <a:rPr lang="en-US" baseline="0" dirty="0" smtClean="0"/>
+              <a:t> </a:t>
+            </a:r>
+            <a:r>
+              <a:rPr lang="en-US" baseline="0" dirty="0" err="1" smtClean="0"/>
+              <a:t>noder</a:t>
+            </a:r>
+            <a:r>
+              <a:rPr lang="en-US" baseline="0" dirty="0" smtClean="0"/>
+              <a:t> </a:t>
+            </a:r>
+            <a:r>
+              <a:rPr lang="en-US" baseline="0" dirty="0" err="1" smtClean="0"/>
+              <a:t>är</a:t>
+            </a:r>
+            <a:r>
+              <a:rPr lang="en-US" baseline="0" dirty="0" smtClean="0"/>
+              <a:t> </a:t>
+            </a:r>
+            <a:r>
+              <a:rPr lang="en-US" baseline="0" dirty="0" err="1" smtClean="0"/>
+              <a:t>det</a:t>
+            </a:r>
+            <a:r>
+              <a:rPr lang="en-US" baseline="0" dirty="0" smtClean="0"/>
+              <a:t> </a:t>
+            </a:r>
+            <a:r>
+              <a:rPr lang="en-US" baseline="0" dirty="0" err="1" smtClean="0"/>
+              <a:t>alltså</a:t>
+            </a:r>
+            <a:r>
+              <a:rPr lang="en-US" baseline="0" dirty="0" smtClean="0"/>
+              <a:t> </a:t>
+            </a:r>
+            <a:r>
+              <a:rPr lang="en-US" baseline="0" dirty="0" err="1" smtClean="0"/>
+              <a:t>väldigt</a:t>
+            </a:r>
+            <a:r>
+              <a:rPr lang="en-US" baseline="0" dirty="0" smtClean="0"/>
+              <a:t> </a:t>
+            </a:r>
+            <a:r>
+              <a:rPr lang="en-US" baseline="0" dirty="0" err="1" smtClean="0"/>
+              <a:t>liten</a:t>
+            </a:r>
+            <a:r>
+              <a:rPr lang="en-US" baseline="0" dirty="0" smtClean="0"/>
+              <a:t> risk </a:t>
+            </a:r>
+            <a:r>
+              <a:rPr lang="en-US" baseline="0" dirty="0" err="1" smtClean="0"/>
+              <a:t>att</a:t>
+            </a:r>
+            <a:r>
+              <a:rPr lang="en-US" baseline="0" dirty="0" smtClean="0"/>
+              <a:t> </a:t>
+            </a:r>
+            <a:r>
+              <a:rPr lang="en-US" baseline="0" dirty="0" err="1" smtClean="0"/>
+              <a:t>båda</a:t>
+            </a:r>
+            <a:r>
+              <a:rPr lang="en-US" baseline="0" dirty="0" smtClean="0"/>
+              <a:t> </a:t>
+            </a:r>
+            <a:r>
+              <a:rPr lang="en-US" baseline="0" dirty="0" err="1" smtClean="0"/>
+              <a:t>dör</a:t>
+            </a:r>
+            <a:r>
+              <a:rPr lang="en-US" baseline="0" dirty="0" smtClean="0"/>
+              <a:t> </a:t>
+            </a:r>
+            <a:r>
+              <a:rPr lang="en-US" baseline="0" dirty="0" err="1" smtClean="0"/>
+              <a:t>innan</a:t>
+            </a:r>
+            <a:r>
+              <a:rPr lang="en-US" baseline="0" dirty="0" smtClean="0"/>
+              <a:t> vi </a:t>
+            </a:r>
+            <a:r>
+              <a:rPr lang="en-US" baseline="0" dirty="0" err="1" smtClean="0"/>
+              <a:t>hunnit</a:t>
+            </a:r>
+            <a:r>
+              <a:rPr lang="en-US" baseline="0" dirty="0" smtClean="0"/>
+              <a:t> </a:t>
+            </a:r>
+            <a:r>
+              <a:rPr lang="en-US" baseline="0" dirty="0" err="1" smtClean="0"/>
+              <a:t>starta</a:t>
+            </a:r>
+            <a:r>
+              <a:rPr lang="en-US" baseline="0" dirty="0" smtClean="0"/>
+              <a:t> </a:t>
+            </a:r>
+            <a:r>
+              <a:rPr lang="en-US" baseline="0" dirty="0" err="1" smtClean="0"/>
+              <a:t>upp</a:t>
             </a:r>
             <a:r>
               <a:rPr lang="en-US" baseline="0" dirty="0" smtClean="0"/>
@@ -11180,163 +12048,172 @@
             </a:r>
             <a:r>
               <a:rPr lang="en-US" baseline="0" dirty="0" err="1" smtClean="0"/>
-              <a:t>applikation</a:t>
-            </a:r>
-            <a:r>
-              <a:rPr lang="en-US" baseline="0" dirty="0" smtClean="0"/>
-              <a:t>. Men </a:t>
-            </a:r>
-            <a:r>
-              <a:rPr lang="en-US" baseline="0" dirty="0" err="1" smtClean="0"/>
-              <a:t>även</a:t>
-            </a:r>
-            <a:r>
-              <a:rPr lang="en-US" baseline="0" dirty="0" smtClean="0"/>
-              <a:t> om man </a:t>
-            </a:r>
-            <a:r>
-              <a:rPr lang="en-US" baseline="0" dirty="0" err="1" smtClean="0"/>
-              <a:t>kör</a:t>
-            </a:r>
-            <a:r>
-              <a:rPr lang="en-US" baseline="0" dirty="0" smtClean="0"/>
-              <a:t> </a:t>
-            </a:r>
-            <a:r>
-              <a:rPr lang="en-US" baseline="0" dirty="0" err="1" smtClean="0"/>
-              <a:t>flera</a:t>
-            </a:r>
-            <a:r>
-              <a:rPr lang="en-US" baseline="0" dirty="0" smtClean="0"/>
-              <a:t> </a:t>
-            </a:r>
-            <a:r>
-              <a:rPr lang="en-US" baseline="0" dirty="0" err="1" smtClean="0"/>
-              <a:t>applikationer</a:t>
-            </a:r>
-            <a:r>
-              <a:rPr lang="en-US" baseline="0" dirty="0" smtClean="0"/>
-              <a:t> </a:t>
-            </a:r>
-            <a:r>
-              <a:rPr lang="en-US" baseline="0" dirty="0" err="1" smtClean="0"/>
-              <a:t>så</a:t>
-            </a:r>
-            <a:r>
-              <a:rPr lang="en-US" baseline="0" dirty="0" smtClean="0"/>
-              <a:t> </a:t>
-            </a:r>
-            <a:r>
-              <a:rPr lang="en-US" baseline="0" dirty="0" err="1" smtClean="0"/>
-              <a:t>kommer</a:t>
-            </a:r>
-            <a:r>
-              <a:rPr lang="en-US" baseline="0" dirty="0" smtClean="0"/>
-              <a:t> </a:t>
-            </a:r>
-            <a:r>
-              <a:rPr lang="en-US" baseline="0" dirty="0" err="1" smtClean="0"/>
-              <a:t>optimala</a:t>
-            </a:r>
-            <a:r>
-              <a:rPr lang="en-US" baseline="0" dirty="0" smtClean="0"/>
-              <a:t> </a:t>
-            </a:r>
-            <a:r>
-              <a:rPr lang="en-US" baseline="0" dirty="0" err="1" smtClean="0"/>
-              <a:t>antalet</a:t>
-            </a:r>
-            <a:r>
-              <a:rPr lang="en-US" baseline="0" dirty="0" smtClean="0"/>
-              <a:t> </a:t>
-            </a:r>
-            <a:r>
-              <a:rPr lang="en-US" baseline="0" dirty="0" err="1" smtClean="0"/>
-              <a:t>noder</a:t>
-            </a:r>
-            <a:r>
-              <a:rPr lang="en-US" baseline="0" dirty="0" smtClean="0"/>
-              <a:t> </a:t>
-            </a:r>
-            <a:r>
-              <a:rPr lang="en-US" baseline="0" dirty="0" err="1" smtClean="0"/>
-              <a:t>och</a:t>
-            </a:r>
-            <a:r>
-              <a:rPr lang="en-US" baseline="0" dirty="0" smtClean="0"/>
-              <a:t> </a:t>
-            </a:r>
-            <a:r>
-              <a:rPr lang="en-US" baseline="0" dirty="0" err="1" smtClean="0"/>
-              <a:t>därmed</a:t>
-            </a:r>
-            <a:r>
-              <a:rPr lang="en-US" baseline="0" dirty="0" smtClean="0"/>
-              <a:t> </a:t>
-            </a:r>
-            <a:r>
-              <a:rPr lang="en-US" baseline="0" dirty="0" err="1" smtClean="0"/>
-              <a:t>vara</a:t>
-            </a:r>
-            <a:r>
-              <a:rPr lang="en-US" baseline="0" dirty="0" smtClean="0"/>
-              <a:t> </a:t>
-            </a:r>
-            <a:r>
-              <a:rPr lang="en-US" baseline="0" dirty="0" err="1" smtClean="0"/>
-              <a:t>energi-effektiv</a:t>
-            </a:r>
-            <a:r>
-              <a:rPr lang="en-US" baseline="0" dirty="0" smtClean="0"/>
-              <a:t>.  </a:t>
-            </a:r>
-            <a:r>
-              <a:rPr lang="en-US" baseline="0" dirty="0" err="1" smtClean="0"/>
-              <a:t>Tex</a:t>
-            </a:r>
-            <a:r>
-              <a:rPr lang="en-US" baseline="0" dirty="0" smtClean="0"/>
-              <a:t> om man </a:t>
-            </a:r>
-            <a:r>
-              <a:rPr lang="en-US" baseline="0" dirty="0" err="1" smtClean="0"/>
-              <a:t>har</a:t>
-            </a:r>
-            <a:r>
-              <a:rPr lang="en-US" baseline="0" dirty="0" smtClean="0"/>
-              <a:t> 3 </a:t>
-            </a:r>
-            <a:r>
-              <a:rPr lang="en-US" baseline="0" dirty="0" err="1" smtClean="0"/>
-              <a:t>applikationer</a:t>
-            </a:r>
-            <a:r>
-              <a:rPr lang="en-US" baseline="0" dirty="0" smtClean="0"/>
-              <a:t>, </a:t>
-            </a:r>
-            <a:r>
-              <a:rPr lang="en-US" baseline="0" dirty="0" err="1" smtClean="0"/>
-              <a:t>där</a:t>
-            </a:r>
-            <a:r>
-              <a:rPr lang="en-US" baseline="0" dirty="0" smtClean="0"/>
-              <a:t> </a:t>
-            </a:r>
-            <a:r>
-              <a:rPr lang="en-US" baseline="0" dirty="0" err="1" smtClean="0"/>
-              <a:t>två</a:t>
-            </a:r>
-            <a:r>
-              <a:rPr lang="en-US" baseline="0" dirty="0" smtClean="0"/>
-              <a:t> </a:t>
-            </a:r>
-            <a:r>
-              <a:rPr lang="en-US" baseline="0" dirty="0" err="1" smtClean="0"/>
-              <a:t>kräver</a:t>
-            </a:r>
-            <a:r>
-              <a:rPr lang="en-US" baseline="0" dirty="0" smtClean="0"/>
-              <a:t> 3 </a:t>
+              <a:t>ny</a:t>
+            </a:r>
+            <a:r>
+              <a:rPr lang="en-US" baseline="0" dirty="0" smtClean="0"/>
+              <a:t> </a:t>
+            </a:r>
+            <a:r>
+              <a:rPr lang="en-US" baseline="0" dirty="0" err="1" smtClean="0"/>
+              <a:t>aktor</a:t>
+            </a:r>
+            <a:r>
+              <a:rPr lang="en-US" baseline="0" dirty="0" smtClean="0"/>
+              <a:t>.</a:t>
+            </a:r>
+          </a:p>
+          <a:p>
+            <a:endParaRPr lang="en-US" baseline="0" dirty="0" smtClean="0"/>
+          </a:p>
+          <a:p>
+            <a:r>
+              <a:rPr lang="en-US" baseline="0" dirty="0" smtClean="0"/>
+              <a:t>Nu </a:t>
+            </a:r>
+            <a:r>
+              <a:rPr lang="en-US" baseline="0" dirty="0" err="1" smtClean="0"/>
+              <a:t>antar</a:t>
+            </a:r>
+            <a:r>
+              <a:rPr lang="en-US" baseline="0" dirty="0" smtClean="0"/>
+              <a:t> vi </a:t>
+            </a:r>
+            <a:r>
+              <a:rPr lang="en-US" baseline="0" dirty="0" err="1" smtClean="0"/>
+              <a:t>förvisso</a:t>
+            </a:r>
+            <a:r>
+              <a:rPr lang="en-US" baseline="0" dirty="0" smtClean="0"/>
+              <a:t> </a:t>
+            </a:r>
+            <a:r>
+              <a:rPr lang="en-US" baseline="0" dirty="0" err="1" smtClean="0"/>
+              <a:t>att</a:t>
+            </a:r>
+            <a:r>
+              <a:rPr lang="en-US" baseline="0" dirty="0" smtClean="0"/>
+              <a:t> </a:t>
+            </a:r>
+            <a:r>
+              <a:rPr lang="en-US" baseline="0" dirty="0" err="1" smtClean="0"/>
+              <a:t>fel</a:t>
+            </a:r>
+            <a:r>
+              <a:rPr lang="en-US" baseline="0" dirty="0" smtClean="0"/>
+              <a:t> </a:t>
+            </a:r>
+            <a:r>
+              <a:rPr lang="en-US" baseline="0" dirty="0" err="1" smtClean="0"/>
+              <a:t>inträffar</a:t>
+            </a:r>
+            <a:r>
+              <a:rPr lang="en-US" baseline="0" dirty="0" smtClean="0"/>
+              <a:t> </a:t>
+            </a:r>
+            <a:r>
+              <a:rPr lang="en-US" baseline="0" dirty="0" err="1" smtClean="0"/>
+              <a:t>oberoende</a:t>
+            </a:r>
+            <a:r>
+              <a:rPr lang="en-US" baseline="0" dirty="0" smtClean="0"/>
+              <a:t> men </a:t>
+            </a:r>
+            <a:r>
+              <a:rPr lang="en-US" baseline="0" dirty="0" err="1" smtClean="0"/>
+              <a:t>det</a:t>
+            </a:r>
+            <a:r>
+              <a:rPr lang="en-US" baseline="0" dirty="0" smtClean="0"/>
+              <a:t> </a:t>
+            </a:r>
+            <a:r>
+              <a:rPr lang="en-US" baseline="0" dirty="0" err="1" smtClean="0"/>
+              <a:t>tyder</a:t>
+            </a:r>
+            <a:r>
+              <a:rPr lang="en-US" baseline="0" dirty="0" smtClean="0"/>
+              <a:t> </a:t>
+            </a:r>
+            <a:r>
+              <a:rPr lang="en-US" baseline="0" dirty="0" err="1" smtClean="0"/>
+              <a:t>ändå</a:t>
+            </a:r>
+            <a:r>
+              <a:rPr lang="en-US" baseline="0" dirty="0" smtClean="0"/>
+              <a:t> </a:t>
+            </a:r>
+            <a:r>
+              <a:rPr lang="en-US" baseline="0" dirty="0" err="1" smtClean="0"/>
+              <a:t>på</a:t>
+            </a:r>
+            <a:r>
+              <a:rPr lang="en-US" baseline="0" dirty="0" smtClean="0"/>
+              <a:t> </a:t>
+            </a:r>
+            <a:r>
+              <a:rPr lang="en-US" baseline="0" dirty="0" err="1" smtClean="0"/>
+              <a:t>att</a:t>
+            </a:r>
+            <a:r>
+              <a:rPr lang="en-US" baseline="0" dirty="0" smtClean="0"/>
+              <a:t> vi </a:t>
+            </a:r>
+            <a:r>
+              <a:rPr lang="en-US" baseline="0" dirty="0" err="1" smtClean="0"/>
+              <a:t>får</a:t>
+            </a:r>
+            <a:r>
+              <a:rPr lang="en-US" baseline="0" dirty="0" smtClean="0"/>
+              <a:t> </a:t>
+            </a:r>
+            <a:r>
+              <a:rPr lang="en-US" baseline="0" dirty="0" err="1" smtClean="0"/>
+              <a:t>väldigt</a:t>
+            </a:r>
+            <a:r>
+              <a:rPr lang="en-US" baseline="0" dirty="0" smtClean="0"/>
+              <a:t> </a:t>
+            </a:r>
+            <a:r>
+              <a:rPr lang="en-US" baseline="0" dirty="0" err="1" smtClean="0"/>
+              <a:t>hög</a:t>
+            </a:r>
+            <a:r>
+              <a:rPr lang="en-US" baseline="0" dirty="0" smtClean="0"/>
+              <a:t> </a:t>
+            </a:r>
+            <a:r>
+              <a:rPr lang="en-US" baseline="0" dirty="0" err="1" smtClean="0"/>
+              <a:t>tillförlitlighet</a:t>
+            </a:r>
+            <a:r>
+              <a:rPr lang="en-US" baseline="0" dirty="0" smtClean="0"/>
+              <a:t> med </a:t>
+            </a:r>
+            <a:r>
+              <a:rPr lang="en-US" baseline="0" dirty="0" err="1" smtClean="0"/>
+              <a:t>ett</a:t>
+            </a:r>
+            <a:r>
+              <a:rPr lang="en-US" baseline="0" dirty="0" smtClean="0"/>
+              <a:t> </a:t>
+            </a:r>
+            <a:r>
+              <a:rPr lang="en-US" baseline="0" dirty="0" err="1" smtClean="0"/>
+              <a:t>få</a:t>
+            </a:r>
+            <a:r>
+              <a:rPr lang="en-US" baseline="0" dirty="0" smtClean="0"/>
+              <a:t> </a:t>
+            </a:r>
+            <a:r>
+              <a:rPr lang="en-US" baseline="0" dirty="0" err="1" smtClean="0"/>
+              <a:t>antal</a:t>
+            </a:r>
+            <a:r>
+              <a:rPr lang="en-US" baseline="0" dirty="0" smtClean="0"/>
+              <a:t> </a:t>
             </a:r>
             <a:r>
               <a:rPr lang="en-US" baseline="0" dirty="0" err="1" smtClean="0"/>
@@ -11344,498 +12221,9 @@
             </a:r>
             <a:r>
               <a:rPr lang="en-US" baseline="0" dirty="0" smtClean="0"/>
-              <a:t> </a:t>
-            </a:r>
-            <a:r>
-              <a:rPr lang="en-US" baseline="0" dirty="0" err="1" smtClean="0"/>
-              <a:t>och</a:t>
-            </a:r>
-            <a:r>
-              <a:rPr lang="en-US" baseline="0" dirty="0" smtClean="0"/>
-              <a:t> en </a:t>
-            </a:r>
-            <a:r>
-              <a:rPr lang="en-US" baseline="0" dirty="0" err="1" smtClean="0"/>
-              <a:t>kräver</a:t>
-            </a:r>
-            <a:r>
-              <a:rPr lang="en-US" baseline="0" dirty="0" smtClean="0"/>
-              <a:t> 4 </a:t>
-            </a:r>
-            <a:r>
-              <a:rPr lang="en-US" baseline="0" dirty="0" err="1" smtClean="0"/>
-              <a:t>replikor</a:t>
-            </a:r>
-            <a:r>
-              <a:rPr lang="en-US" baseline="0" dirty="0" smtClean="0"/>
-              <a:t>. </a:t>
-            </a:r>
-            <a:r>
-              <a:rPr lang="en-US" baseline="0" dirty="0" err="1" smtClean="0"/>
-              <a:t>Så</a:t>
-            </a:r>
-            <a:r>
-              <a:rPr lang="en-US" baseline="0" dirty="0" smtClean="0"/>
-              <a:t> </a:t>
-            </a:r>
-            <a:r>
-              <a:rPr lang="en-US" baseline="0" dirty="0" err="1" smtClean="0"/>
-              <a:t>kommer</a:t>
-            </a:r>
-            <a:r>
-              <a:rPr lang="en-US" baseline="0" dirty="0" smtClean="0"/>
-              <a:t> de 4 </a:t>
-            </a:r>
-            <a:r>
-              <a:rPr lang="en-US" baseline="0" dirty="0" err="1" smtClean="0"/>
-              <a:t>mest</a:t>
-            </a:r>
-            <a:r>
-              <a:rPr lang="en-US" baseline="0" dirty="0" smtClean="0"/>
-              <a:t> </a:t>
-            </a:r>
-            <a:r>
-              <a:rPr lang="en-US" baseline="0" dirty="0" err="1" smtClean="0"/>
-              <a:t>tillförlitliga</a:t>
-            </a:r>
-            <a:r>
-              <a:rPr lang="en-US" baseline="0" dirty="0" smtClean="0"/>
-              <a:t> </a:t>
-            </a:r>
-            <a:r>
-              <a:rPr lang="en-US" baseline="0" dirty="0" err="1" smtClean="0"/>
-              <a:t>noderna</a:t>
-            </a:r>
-            <a:r>
-              <a:rPr lang="en-US" baseline="0" dirty="0" smtClean="0"/>
-              <a:t> </a:t>
-            </a:r>
-            <a:r>
-              <a:rPr lang="en-US" baseline="0" dirty="0" err="1" smtClean="0"/>
-              <a:t>att</a:t>
-            </a:r>
-            <a:r>
-              <a:rPr lang="en-US" baseline="0" dirty="0" smtClean="0"/>
-              <a:t> </a:t>
-            </a:r>
-            <a:r>
-              <a:rPr lang="en-US" baseline="0" dirty="0" err="1" smtClean="0"/>
-              <a:t>användas</a:t>
-            </a:r>
-            <a:r>
-              <a:rPr lang="en-US" baseline="0" dirty="0" smtClean="0"/>
               <a:t>.</a:t>
             </a:r>
-          </a:p>
-          <a:p>
-            <a:endParaRPr lang="en-US" baseline="0" dirty="0" smtClean="0"/>
-          </a:p>
-          <a:p>
-            <a:r>
-              <a:rPr lang="en-US" baseline="0" dirty="0" err="1" smtClean="0"/>
-              <a:t>Detta</a:t>
-            </a:r>
-            <a:r>
-              <a:rPr lang="en-US" baseline="0" dirty="0" smtClean="0"/>
-              <a:t> </a:t>
-            </a:r>
-            <a:r>
-              <a:rPr lang="en-US" baseline="0" dirty="0" err="1" smtClean="0"/>
-              <a:t>förutsätter</a:t>
-            </a:r>
-            <a:r>
-              <a:rPr lang="en-US" baseline="0" dirty="0" smtClean="0"/>
-              <a:t> dock </a:t>
-            </a:r>
-            <a:r>
-              <a:rPr lang="en-US" baseline="0" dirty="0" err="1" smtClean="0"/>
-              <a:t>att</a:t>
-            </a:r>
-            <a:r>
-              <a:rPr lang="en-US" baseline="0" dirty="0" smtClean="0"/>
-              <a:t> </a:t>
-            </a:r>
-            <a:r>
-              <a:rPr lang="en-US" baseline="0" dirty="0" err="1" smtClean="0"/>
-              <a:t>ingen</a:t>
-            </a:r>
-            <a:r>
-              <a:rPr lang="en-US" baseline="0" dirty="0" smtClean="0"/>
-              <a:t> nod </a:t>
-            </a:r>
-            <a:r>
-              <a:rPr lang="en-US" baseline="0" dirty="0" err="1" smtClean="0"/>
-              <a:t>blir</a:t>
-            </a:r>
-            <a:r>
-              <a:rPr lang="en-US" baseline="0" dirty="0" smtClean="0"/>
-              <a:t> overloaded </a:t>
-            </a:r>
-            <a:r>
-              <a:rPr lang="en-US" baseline="0" dirty="0" err="1" smtClean="0"/>
-              <a:t>utan</a:t>
-            </a:r>
-            <a:r>
-              <a:rPr lang="en-US" baseline="0" dirty="0" smtClean="0"/>
-              <a:t> </a:t>
-            </a:r>
-            <a:r>
-              <a:rPr lang="en-US" baseline="0" dirty="0" err="1" smtClean="0"/>
-              <a:t>att</a:t>
-            </a:r>
-            <a:r>
-              <a:rPr lang="en-US" baseline="0" dirty="0" smtClean="0"/>
-              <a:t> de </a:t>
-            </a:r>
-            <a:r>
-              <a:rPr lang="en-US" baseline="0" dirty="0" err="1" smtClean="0"/>
-              <a:t>har</a:t>
-            </a:r>
-            <a:r>
-              <a:rPr lang="en-US" baseline="0" dirty="0" smtClean="0"/>
-              <a:t> plats till de </a:t>
-            </a:r>
-            <a:r>
-              <a:rPr lang="en-US" baseline="0" dirty="0" err="1" smtClean="0"/>
-              <a:t>replikor</a:t>
-            </a:r>
-            <a:r>
-              <a:rPr lang="en-US" baseline="0" dirty="0" smtClean="0"/>
-              <a:t> man </a:t>
-            </a:r>
-            <a:r>
-              <a:rPr lang="en-US" baseline="0" dirty="0" err="1" smtClean="0"/>
-              <a:t>placerar</a:t>
-            </a:r>
-            <a:r>
-              <a:rPr lang="en-US" baseline="0" dirty="0" smtClean="0"/>
-              <a:t> </a:t>
-            </a:r>
-            <a:r>
-              <a:rPr lang="en-US" baseline="0" dirty="0" err="1" smtClean="0"/>
-              <a:t>där</a:t>
-            </a:r>
-            <a:r>
-              <a:rPr lang="en-US" baseline="0" dirty="0" smtClean="0"/>
-              <a:t>.</a:t>
-            </a:r>
-          </a:p>
-          <a:p>
-            <a:endParaRPr lang="en-US" baseline="0" dirty="0" smtClean="0"/>
-          </a:p>
-          <a:p>
-            <a:r>
-              <a:rPr lang="en-US" baseline="0" dirty="0" err="1" smtClean="0"/>
-              <a:t>Vidare</a:t>
-            </a:r>
-            <a:r>
-              <a:rPr lang="en-US" baseline="0" dirty="0" smtClean="0"/>
-              <a:t> </a:t>
-            </a:r>
-            <a:r>
-              <a:rPr lang="en-US" baseline="0" dirty="0" err="1" smtClean="0"/>
-              <a:t>så</a:t>
-            </a:r>
-            <a:r>
-              <a:rPr lang="en-US" baseline="0" dirty="0" smtClean="0"/>
-              <a:t> </a:t>
-            </a:r>
-            <a:r>
-              <a:rPr lang="en-US" baseline="0" dirty="0" err="1" smtClean="0"/>
-              <a:t>ser</a:t>
-            </a:r>
-            <a:r>
-              <a:rPr lang="en-US" baseline="0" dirty="0" smtClean="0"/>
-              <a:t> vi </a:t>
-            </a:r>
-            <a:r>
-              <a:rPr lang="en-US" baseline="0" dirty="0" err="1" smtClean="0"/>
-              <a:t>inte</a:t>
-            </a:r>
-            <a:r>
-              <a:rPr lang="en-US" baseline="0" dirty="0" smtClean="0"/>
-              <a:t> </a:t>
-            </a:r>
-            <a:r>
-              <a:rPr lang="en-US" baseline="0" dirty="0" err="1" smtClean="0"/>
-              <a:t>nödvändigtvis</a:t>
-            </a:r>
-            <a:r>
-              <a:rPr lang="en-US" baseline="0" dirty="0" smtClean="0"/>
-              <a:t> till </a:t>
-            </a:r>
-            <a:r>
-              <a:rPr lang="en-US" baseline="0" dirty="0" err="1" smtClean="0"/>
-              <a:t>att</a:t>
-            </a:r>
-            <a:r>
-              <a:rPr lang="en-US" baseline="0" dirty="0" smtClean="0"/>
-              <a:t> </a:t>
-            </a:r>
-            <a:r>
-              <a:rPr lang="en-US" baseline="0" dirty="0" err="1" smtClean="0"/>
-              <a:t>medelvärdet</a:t>
-            </a:r>
-            <a:r>
-              <a:rPr lang="en-US" baseline="0" dirty="0" smtClean="0"/>
-              <a:t> </a:t>
-            </a:r>
-            <a:r>
-              <a:rPr lang="en-US" baseline="0" dirty="0" err="1" smtClean="0"/>
-              <a:t>för</a:t>
-            </a:r>
-            <a:r>
-              <a:rPr lang="en-US" baseline="0" dirty="0" smtClean="0"/>
-              <a:t> </a:t>
-            </a:r>
-            <a:r>
-              <a:rPr lang="en-US" baseline="0" dirty="0" err="1" smtClean="0"/>
-              <a:t>tillförlitligheten</a:t>
-            </a:r>
-            <a:r>
-              <a:rPr lang="en-US" baseline="0" dirty="0" smtClean="0"/>
-              <a:t> </a:t>
-            </a:r>
-            <a:r>
-              <a:rPr lang="en-US" baseline="0" dirty="0" err="1" smtClean="0"/>
-              <a:t>är</a:t>
-            </a:r>
-            <a:r>
-              <a:rPr lang="en-US" baseline="0" dirty="0" smtClean="0"/>
-              <a:t> </a:t>
-            </a:r>
-            <a:r>
-              <a:rPr lang="en-US" baseline="0" dirty="0" err="1" smtClean="0"/>
-              <a:t>över</a:t>
-            </a:r>
-            <a:r>
-              <a:rPr lang="en-US" baseline="0" dirty="0" smtClean="0"/>
-              <a:t> </a:t>
-            </a:r>
-            <a:r>
-              <a:rPr lang="en-US" baseline="0" dirty="0" err="1" smtClean="0"/>
-              <a:t>det</a:t>
-            </a:r>
-            <a:r>
-              <a:rPr lang="en-US" baseline="0" dirty="0" smtClean="0"/>
-              <a:t> vi </a:t>
-            </a:r>
-            <a:r>
-              <a:rPr lang="en-US" baseline="0" dirty="0" err="1" smtClean="0"/>
-              <a:t>vill</a:t>
-            </a:r>
-            <a:r>
-              <a:rPr lang="en-US" baseline="0" dirty="0" smtClean="0"/>
-              <a:t> ha. Man </a:t>
-            </a:r>
-            <a:r>
-              <a:rPr lang="en-US" baseline="0" dirty="0" err="1" smtClean="0"/>
-              <a:t>kan</a:t>
-            </a:r>
-            <a:r>
-              <a:rPr lang="en-US" baseline="0" dirty="0" smtClean="0"/>
-              <a:t> </a:t>
-            </a:r>
-            <a:r>
-              <a:rPr lang="en-US" baseline="0" dirty="0" err="1" smtClean="0"/>
-              <a:t>tänka</a:t>
-            </a:r>
-            <a:r>
-              <a:rPr lang="en-US" baseline="0" dirty="0" smtClean="0"/>
-              <a:t> sig </a:t>
-            </a:r>
-            <a:r>
-              <a:rPr lang="en-US" baseline="0" dirty="0" err="1" smtClean="0"/>
-              <a:t>att</a:t>
-            </a:r>
-            <a:r>
-              <a:rPr lang="en-US" baseline="0" dirty="0" smtClean="0"/>
-              <a:t> med </a:t>
-            </a:r>
-            <a:r>
-              <a:rPr lang="en-US" baseline="0" dirty="0" err="1" smtClean="0"/>
-              <a:t>två</a:t>
-            </a:r>
-            <a:r>
-              <a:rPr lang="en-US" baseline="0" dirty="0" smtClean="0"/>
-              <a:t> </a:t>
-            </a:r>
-            <a:r>
-              <a:rPr lang="en-US" baseline="0" dirty="0" err="1" smtClean="0"/>
-              <a:t>replikor</a:t>
-            </a:r>
-            <a:r>
-              <a:rPr lang="en-US" baseline="0" dirty="0" smtClean="0"/>
-              <a:t> </a:t>
-            </a:r>
-            <a:r>
-              <a:rPr lang="en-US" baseline="0" dirty="0" err="1" smtClean="0"/>
-              <a:t>når</a:t>
-            </a:r>
-            <a:r>
-              <a:rPr lang="en-US" baseline="0" dirty="0" smtClean="0"/>
-              <a:t> vi </a:t>
-            </a:r>
-            <a:r>
-              <a:rPr lang="en-US" baseline="0" dirty="0" err="1" smtClean="0"/>
-              <a:t>precis</a:t>
-            </a:r>
-            <a:r>
-              <a:rPr lang="en-US" baseline="0" dirty="0" smtClean="0"/>
-              <a:t> </a:t>
-            </a:r>
-            <a:r>
-              <a:rPr lang="en-US" baseline="0" dirty="0" err="1" smtClean="0"/>
-              <a:t>över</a:t>
-            </a:r>
-            <a:r>
-              <a:rPr lang="en-US" baseline="0" dirty="0" smtClean="0"/>
-              <a:t> </a:t>
-            </a:r>
-            <a:r>
-              <a:rPr lang="en-US" baseline="0" dirty="0" err="1" smtClean="0"/>
-              <a:t>det</a:t>
-            </a:r>
-            <a:r>
-              <a:rPr lang="en-US" baseline="0" dirty="0" smtClean="0"/>
-              <a:t> </a:t>
-            </a:r>
-            <a:r>
-              <a:rPr lang="en-US" baseline="0" dirty="0" err="1" smtClean="0"/>
-              <a:t>önskade</a:t>
-            </a:r>
-            <a:r>
-              <a:rPr lang="en-US" baseline="0" dirty="0" smtClean="0"/>
-              <a:t> </a:t>
-            </a:r>
-            <a:r>
-              <a:rPr lang="en-US" baseline="0" dirty="0" err="1" smtClean="0"/>
-              <a:t>värdet</a:t>
-            </a:r>
-            <a:r>
-              <a:rPr lang="en-US" baseline="0" dirty="0" smtClean="0"/>
-              <a:t>, men under </a:t>
-            </a:r>
-            <a:r>
-              <a:rPr lang="en-US" baseline="0" dirty="0" err="1" smtClean="0"/>
-              <a:t>tiden</a:t>
-            </a:r>
-            <a:r>
-              <a:rPr lang="en-US" baseline="0" dirty="0" smtClean="0"/>
-              <a:t> </a:t>
-            </a:r>
-            <a:r>
-              <a:rPr lang="en-US" baseline="0" dirty="0" err="1" smtClean="0"/>
-              <a:t>bara</a:t>
-            </a:r>
-            <a:r>
-              <a:rPr lang="en-US" baseline="0" dirty="0" smtClean="0"/>
-              <a:t> en </a:t>
-            </a:r>
-            <a:r>
-              <a:rPr lang="en-US" baseline="0" dirty="0" err="1" smtClean="0"/>
-              <a:t>replika</a:t>
-            </a:r>
-            <a:r>
-              <a:rPr lang="en-US" baseline="0" dirty="0" smtClean="0"/>
-              <a:t> </a:t>
-            </a:r>
-            <a:r>
-              <a:rPr lang="en-US" baseline="0" dirty="0" err="1" smtClean="0"/>
-              <a:t>körs</a:t>
-            </a:r>
-            <a:r>
-              <a:rPr lang="en-US" baseline="0" dirty="0" smtClean="0"/>
-              <a:t> </a:t>
-            </a:r>
-            <a:r>
-              <a:rPr lang="en-US" baseline="0" dirty="0" err="1" smtClean="0"/>
-              <a:t>så</a:t>
-            </a:r>
-            <a:r>
-              <a:rPr lang="en-US" baseline="0" dirty="0" smtClean="0"/>
-              <a:t> </a:t>
-            </a:r>
-            <a:r>
-              <a:rPr lang="en-US" baseline="0" dirty="0" err="1" smtClean="0"/>
-              <a:t>är</a:t>
-            </a:r>
-            <a:r>
-              <a:rPr lang="en-US" baseline="0" dirty="0" smtClean="0"/>
-              <a:t> </a:t>
-            </a:r>
-            <a:r>
-              <a:rPr lang="en-US" baseline="0" dirty="0" err="1" smtClean="0"/>
-              <a:t>värdet</a:t>
-            </a:r>
-            <a:r>
-              <a:rPr lang="en-US" baseline="0" dirty="0" smtClean="0"/>
-              <a:t> </a:t>
-            </a:r>
-            <a:r>
-              <a:rPr lang="en-US" baseline="0" dirty="0" err="1" smtClean="0"/>
-              <a:t>så</a:t>
-            </a:r>
-            <a:r>
-              <a:rPr lang="en-US" baseline="0" dirty="0" smtClean="0"/>
-              <a:t> </a:t>
-            </a:r>
-            <a:r>
-              <a:rPr lang="en-US" baseline="0" dirty="0" err="1" smtClean="0"/>
-              <a:t>lågt</a:t>
-            </a:r>
-            <a:r>
-              <a:rPr lang="en-US" baseline="0" dirty="0" smtClean="0"/>
-              <a:t> </a:t>
-            </a:r>
-            <a:r>
-              <a:rPr lang="en-US" baseline="0" dirty="0" err="1" smtClean="0"/>
-              <a:t>att</a:t>
-            </a:r>
-            <a:r>
-              <a:rPr lang="en-US" baseline="0" dirty="0" smtClean="0"/>
-              <a:t> </a:t>
-            </a:r>
-            <a:r>
-              <a:rPr lang="en-US" baseline="0" dirty="0" err="1" smtClean="0"/>
-              <a:t>medelvärdet</a:t>
-            </a:r>
-            <a:r>
-              <a:rPr lang="en-US" baseline="0" dirty="0" smtClean="0"/>
-              <a:t> </a:t>
-            </a:r>
-            <a:r>
-              <a:rPr lang="en-US" baseline="0" dirty="0" err="1" smtClean="0"/>
-              <a:t>också</a:t>
-            </a:r>
-            <a:r>
-              <a:rPr lang="en-US" baseline="0" dirty="0" smtClean="0"/>
-              <a:t> </a:t>
-            </a:r>
-            <a:r>
-              <a:rPr lang="en-US" baseline="0" dirty="0" err="1" smtClean="0"/>
-              <a:t>blir</a:t>
-            </a:r>
-            <a:r>
-              <a:rPr lang="en-US" baseline="0" dirty="0" smtClean="0"/>
-              <a:t> </a:t>
-            </a:r>
-            <a:r>
-              <a:rPr lang="en-US" baseline="0" dirty="0" err="1" smtClean="0"/>
-              <a:t>ganska</a:t>
-            </a:r>
-            <a:r>
-              <a:rPr lang="en-US" baseline="0" dirty="0" smtClean="0"/>
-              <a:t> </a:t>
-            </a:r>
-            <a:r>
-              <a:rPr lang="en-US" baseline="0" dirty="0" err="1" smtClean="0"/>
-              <a:t>lågt</a:t>
-            </a:r>
-            <a:r>
-              <a:rPr lang="en-US" baseline="0" dirty="0" smtClean="0"/>
-              <a:t>. </a:t>
-            </a:r>
+            <a:endParaRPr lang="en-US" dirty="0"/>
           </a:p>
         </p:txBody>
       </p:sp>
@@ -11865,7 +12253,7 @@
     </p:spTree>
     <p:extLst>
       <p:ext uri="{BB962C8B-B14F-4D97-AF65-F5344CB8AC3E}">
-        <p14:creationId xmlns:p14="http://schemas.microsoft.com/office/powerpoint/2010/main" val="215043946"/>
+        <p14:creationId xmlns:p14="http://schemas.microsoft.com/office/powerpoint/2010/main" val="95629498"/>
       </p:ext>
     </p:extLst>
   </p:cSld>
@@ -11894,7 +12282,7 @@
       </p:grpSpPr>
       <p:sp>
         <p:nvSpPr>
-          <p:cNvPr id="2" name="Slide Image Placeholder 1"/>
+          <p:cNvPr id="2" name="Platshållare för bildobjekt 1"/>
           <p:cNvSpPr>
             <a:spLocks noGrp="1" noRot="1" noChangeAspect="1"/>
           </p:cNvSpPr>
@@ -11906,7 +12294,7 @@
       </p:sp>
       <p:sp>
         <p:nvSpPr>
-          <p:cNvPr id="3" name="Notes Placeholder 2"/>
+          <p:cNvPr id="3" name="Platshållare för anteckningar 2"/>
           <p:cNvSpPr>
             <a:spLocks noGrp="1"/>
           </p:cNvSpPr>
@@ -11919,536 +12307,13 @@
           <a:bodyPr/>
           <a:lstStyle/>
           <a:p>
-            <a:r>
-              <a:rPr lang="en-US" baseline="0" dirty="0" smtClean="0"/>
-              <a:t>Om vi </a:t>
-            </a:r>
-            <a:r>
-              <a:rPr lang="en-US" baseline="0" dirty="0" err="1" smtClean="0"/>
-              <a:t>då</a:t>
-            </a:r>
-            <a:r>
-              <a:rPr lang="en-US" baseline="0" dirty="0" smtClean="0"/>
-              <a:t> </a:t>
-            </a:r>
-            <a:r>
-              <a:rPr lang="en-US" baseline="0" dirty="0" err="1" smtClean="0"/>
-              <a:t>antar</a:t>
-            </a:r>
-            <a:r>
-              <a:rPr lang="en-US" baseline="0" dirty="0" smtClean="0"/>
-              <a:t> </a:t>
-            </a:r>
-            <a:r>
-              <a:rPr lang="en-US" baseline="0" dirty="0" err="1" smtClean="0"/>
-              <a:t>att</a:t>
-            </a:r>
-            <a:r>
-              <a:rPr lang="en-US" baseline="0" dirty="0" smtClean="0"/>
-              <a:t> en nods MTBF </a:t>
-            </a:r>
-            <a:r>
-              <a:rPr lang="en-US" baseline="0" dirty="0" err="1" smtClean="0"/>
-              <a:t>är</a:t>
-            </a:r>
-            <a:r>
-              <a:rPr lang="en-US" baseline="0" dirty="0" smtClean="0"/>
-              <a:t> 1 </a:t>
-            </a:r>
-            <a:r>
-              <a:rPr lang="en-US" baseline="0" dirty="0" err="1" smtClean="0"/>
-              <a:t>år</a:t>
-            </a:r>
-            <a:r>
-              <a:rPr lang="en-US" baseline="0" dirty="0" smtClean="0"/>
-              <a:t> </a:t>
-            </a:r>
-            <a:r>
-              <a:rPr lang="en-US" baseline="0" dirty="0" err="1" smtClean="0"/>
-              <a:t>och</a:t>
-            </a:r>
-            <a:r>
-              <a:rPr lang="en-US" baseline="0" dirty="0" smtClean="0"/>
-              <a:t> </a:t>
-            </a:r>
-            <a:r>
-              <a:rPr lang="en-US" baseline="0" dirty="0" err="1" smtClean="0"/>
-              <a:t>att</a:t>
-            </a:r>
-            <a:r>
-              <a:rPr lang="en-US" baseline="0" dirty="0" smtClean="0"/>
-              <a:t> </a:t>
-            </a:r>
-            <a:r>
-              <a:rPr lang="en-US" baseline="0" dirty="0" err="1" smtClean="0"/>
-              <a:t>repliceringstiden</a:t>
-            </a:r>
-            <a:r>
-              <a:rPr lang="en-US" baseline="0" dirty="0" smtClean="0"/>
-              <a:t> </a:t>
-            </a:r>
-            <a:r>
-              <a:rPr lang="en-US" baseline="0" dirty="0" err="1" smtClean="0"/>
-              <a:t>är</a:t>
-            </a:r>
-            <a:r>
-              <a:rPr lang="en-US" baseline="0" dirty="0" smtClean="0"/>
-              <a:t> en </a:t>
-            </a:r>
-            <a:r>
-              <a:rPr lang="en-US" baseline="0" dirty="0" err="1" smtClean="0"/>
-              <a:t>timme</a:t>
-            </a:r>
-            <a:r>
-              <a:rPr lang="en-US" baseline="0" dirty="0" smtClean="0"/>
-              <a:t>. </a:t>
-            </a:r>
-          </a:p>
-          <a:p>
-            <a:endParaRPr lang="en-US" baseline="0" dirty="0" smtClean="0"/>
-          </a:p>
-          <a:p>
-            <a:r>
-              <a:rPr lang="en-US" baseline="0" dirty="0" err="1" smtClean="0"/>
-              <a:t>Då</a:t>
-            </a:r>
-            <a:r>
-              <a:rPr lang="en-US" baseline="0" dirty="0" smtClean="0"/>
-              <a:t> </a:t>
-            </a:r>
-            <a:r>
-              <a:rPr lang="en-US" baseline="0" dirty="0" err="1" smtClean="0"/>
-              <a:t>får</a:t>
-            </a:r>
-            <a:r>
-              <a:rPr lang="en-US" baseline="0" dirty="0" smtClean="0"/>
-              <a:t> vi med en replica en </a:t>
-            </a:r>
-            <a:r>
-              <a:rPr lang="en-US" baseline="0" dirty="0" err="1" smtClean="0"/>
-              <a:t>tillförlitlighet</a:t>
-            </a:r>
-            <a:r>
-              <a:rPr lang="en-US" baseline="0" dirty="0" smtClean="0"/>
-              <a:t> </a:t>
-            </a:r>
-            <a:r>
-              <a:rPr lang="en-US" baseline="0" dirty="0" err="1" smtClean="0"/>
-              <a:t>på</a:t>
-            </a:r>
-            <a:r>
-              <a:rPr lang="en-US" baseline="0" dirty="0" smtClean="0"/>
-              <a:t> </a:t>
-            </a:r>
-            <a:r>
-              <a:rPr lang="en-US" baseline="0" dirty="0" err="1" smtClean="0"/>
-              <a:t>tre</a:t>
-            </a:r>
-            <a:r>
-              <a:rPr lang="en-US" baseline="0" dirty="0" smtClean="0"/>
-              <a:t> </a:t>
-            </a:r>
-            <a:r>
-              <a:rPr lang="en-US" baseline="0" dirty="0" err="1" smtClean="0"/>
-              <a:t>nion</a:t>
-            </a:r>
-            <a:r>
-              <a:rPr lang="en-US" baseline="0" dirty="0" smtClean="0"/>
-              <a:t>, men </a:t>
-            </a:r>
-            <a:r>
-              <a:rPr lang="en-US" baseline="0" dirty="0" err="1" smtClean="0"/>
-              <a:t>två</a:t>
-            </a:r>
-            <a:r>
-              <a:rPr lang="en-US" baseline="0" dirty="0" smtClean="0"/>
-              <a:t> </a:t>
-            </a:r>
-            <a:r>
-              <a:rPr lang="en-US" baseline="0" dirty="0" err="1" smtClean="0"/>
-              <a:t>replikor</a:t>
-            </a:r>
-            <a:r>
-              <a:rPr lang="en-US" baseline="0" dirty="0" smtClean="0"/>
-              <a:t> </a:t>
-            </a:r>
-            <a:r>
-              <a:rPr lang="en-US" baseline="0" dirty="0" err="1" smtClean="0"/>
-              <a:t>får</a:t>
-            </a:r>
-            <a:r>
-              <a:rPr lang="en-US" baseline="0" dirty="0" smtClean="0"/>
-              <a:t> vi </a:t>
-            </a:r>
-            <a:r>
-              <a:rPr lang="en-US" baseline="0" dirty="0" err="1" smtClean="0"/>
-              <a:t>sju</a:t>
-            </a:r>
-            <a:r>
-              <a:rPr lang="en-US" baseline="0" dirty="0" smtClean="0"/>
-              <a:t> </a:t>
-            </a:r>
-            <a:r>
-              <a:rPr lang="en-US" baseline="0" dirty="0" err="1" smtClean="0"/>
-              <a:t>nior</a:t>
-            </a:r>
-            <a:r>
-              <a:rPr lang="en-US" baseline="0" dirty="0" smtClean="0"/>
-              <a:t> </a:t>
-            </a:r>
-            <a:r>
-              <a:rPr lang="en-US" baseline="0" dirty="0" err="1" smtClean="0"/>
-              <a:t>och</a:t>
-            </a:r>
-            <a:r>
-              <a:rPr lang="en-US" baseline="0" dirty="0" smtClean="0"/>
-              <a:t> </a:t>
-            </a:r>
-            <a:r>
-              <a:rPr lang="en-US" baseline="0" dirty="0" err="1" smtClean="0"/>
-              <a:t>tre</a:t>
-            </a:r>
-            <a:r>
-              <a:rPr lang="en-US" baseline="0" dirty="0" smtClean="0"/>
-              <a:t> </a:t>
-            </a:r>
-            <a:r>
-              <a:rPr lang="en-US" baseline="0" dirty="0" err="1" smtClean="0"/>
-              <a:t>replikor</a:t>
-            </a:r>
-            <a:r>
-              <a:rPr lang="en-US" baseline="0" dirty="0" smtClean="0"/>
-              <a:t> </a:t>
-            </a:r>
-            <a:r>
-              <a:rPr lang="en-US" baseline="0" dirty="0" err="1" smtClean="0"/>
-              <a:t>elva</a:t>
-            </a:r>
-            <a:r>
-              <a:rPr lang="en-US" baseline="0" dirty="0" smtClean="0"/>
-              <a:t> </a:t>
-            </a:r>
-            <a:r>
-              <a:rPr lang="en-US" baseline="0" dirty="0" err="1" smtClean="0"/>
-              <a:t>nior</a:t>
-            </a:r>
-            <a:r>
-              <a:rPr lang="en-US" baseline="0" dirty="0" smtClean="0"/>
-              <a:t>. </a:t>
-            </a:r>
-          </a:p>
-          <a:p>
-            <a:endParaRPr lang="en-US" baseline="0" dirty="0" smtClean="0"/>
-          </a:p>
-          <a:p>
-            <a:r>
-              <a:rPr lang="en-US" baseline="0" dirty="0" smtClean="0"/>
-              <a:t>Med </a:t>
-            </a:r>
-            <a:r>
-              <a:rPr lang="en-US" baseline="0" dirty="0" err="1" smtClean="0"/>
-              <a:t>tex</a:t>
-            </a:r>
-            <a:r>
-              <a:rPr lang="en-US" baseline="0" dirty="0" smtClean="0"/>
-              <a:t> </a:t>
-            </a:r>
-            <a:r>
-              <a:rPr lang="en-US" baseline="0" dirty="0" err="1" smtClean="0"/>
-              <a:t>två</a:t>
-            </a:r>
-            <a:r>
-              <a:rPr lang="en-US" baseline="0" dirty="0" smtClean="0"/>
-              <a:t> </a:t>
-            </a:r>
-            <a:r>
-              <a:rPr lang="en-US" baseline="0" dirty="0" err="1" smtClean="0"/>
-              <a:t>noder</a:t>
-            </a:r>
-            <a:r>
-              <a:rPr lang="en-US" baseline="0" dirty="0" smtClean="0"/>
-              <a:t> </a:t>
-            </a:r>
-            <a:r>
-              <a:rPr lang="en-US" baseline="0" dirty="0" err="1" smtClean="0"/>
-              <a:t>är</a:t>
-            </a:r>
-            <a:r>
-              <a:rPr lang="en-US" baseline="0" dirty="0" smtClean="0"/>
-              <a:t> </a:t>
-            </a:r>
-            <a:r>
-              <a:rPr lang="en-US" baseline="0" dirty="0" err="1" smtClean="0"/>
-              <a:t>det</a:t>
-            </a:r>
-            <a:r>
-              <a:rPr lang="en-US" baseline="0" dirty="0" smtClean="0"/>
-              <a:t> </a:t>
-            </a:r>
-            <a:r>
-              <a:rPr lang="en-US" baseline="0" dirty="0" err="1" smtClean="0"/>
-              <a:t>alltså</a:t>
-            </a:r>
-            <a:r>
-              <a:rPr lang="en-US" baseline="0" dirty="0" smtClean="0"/>
-              <a:t> </a:t>
-            </a:r>
-            <a:r>
-              <a:rPr lang="en-US" baseline="0" dirty="0" err="1" smtClean="0"/>
-              <a:t>väldigt</a:t>
-            </a:r>
-            <a:r>
-              <a:rPr lang="en-US" baseline="0" dirty="0" smtClean="0"/>
-              <a:t> </a:t>
-            </a:r>
-            <a:r>
-              <a:rPr lang="en-US" baseline="0" dirty="0" err="1" smtClean="0"/>
-              <a:t>liten</a:t>
-            </a:r>
-            <a:r>
-              <a:rPr lang="en-US" baseline="0" dirty="0" smtClean="0"/>
-              <a:t> risk </a:t>
-            </a:r>
-            <a:r>
-              <a:rPr lang="en-US" baseline="0" dirty="0" err="1" smtClean="0"/>
-              <a:t>att</a:t>
-            </a:r>
-            <a:r>
-              <a:rPr lang="en-US" baseline="0" dirty="0" smtClean="0"/>
-              <a:t> </a:t>
-            </a:r>
-            <a:r>
-              <a:rPr lang="en-US" baseline="0" dirty="0" err="1" smtClean="0"/>
-              <a:t>båda</a:t>
-            </a:r>
-            <a:r>
-              <a:rPr lang="en-US" baseline="0" dirty="0" smtClean="0"/>
-              <a:t> </a:t>
-            </a:r>
-            <a:r>
-              <a:rPr lang="en-US" baseline="0" dirty="0" err="1" smtClean="0"/>
-              <a:t>dör</a:t>
-            </a:r>
-            <a:r>
-              <a:rPr lang="en-US" baseline="0" dirty="0" smtClean="0"/>
-              <a:t> </a:t>
-            </a:r>
-            <a:r>
-              <a:rPr lang="en-US" baseline="0" dirty="0" err="1" smtClean="0"/>
-              <a:t>innan</a:t>
-            </a:r>
-            <a:r>
-              <a:rPr lang="en-US" baseline="0" dirty="0" smtClean="0"/>
-              <a:t> vi </a:t>
-            </a:r>
-            <a:r>
-              <a:rPr lang="en-US" baseline="0" dirty="0" err="1" smtClean="0"/>
-              <a:t>hunnit</a:t>
-            </a:r>
-            <a:r>
-              <a:rPr lang="en-US" baseline="0" dirty="0" smtClean="0"/>
-              <a:t> </a:t>
-            </a:r>
-            <a:r>
-              <a:rPr lang="en-US" baseline="0" dirty="0" err="1" smtClean="0"/>
-              <a:t>starta</a:t>
-            </a:r>
-            <a:r>
-              <a:rPr lang="en-US" baseline="0" dirty="0" smtClean="0"/>
-              <a:t> </a:t>
-            </a:r>
-            <a:r>
-              <a:rPr lang="en-US" baseline="0" dirty="0" err="1" smtClean="0"/>
-              <a:t>upp</a:t>
-            </a:r>
-            <a:r>
-              <a:rPr lang="en-US" baseline="0" dirty="0" smtClean="0"/>
-              <a:t> en </a:t>
-            </a:r>
-            <a:r>
-              <a:rPr lang="en-US" baseline="0" dirty="0" err="1" smtClean="0"/>
-              <a:t>ny</a:t>
-            </a:r>
-            <a:r>
-              <a:rPr lang="en-US" baseline="0" dirty="0" smtClean="0"/>
-              <a:t> </a:t>
-            </a:r>
-            <a:r>
-              <a:rPr lang="en-US" baseline="0" dirty="0" err="1" smtClean="0"/>
-              <a:t>aktor</a:t>
-            </a:r>
-            <a:r>
-              <a:rPr lang="en-US" baseline="0" dirty="0" smtClean="0"/>
-              <a:t>.</a:t>
-            </a:r>
-          </a:p>
-          <a:p>
-            <a:endParaRPr lang="en-US" baseline="0" dirty="0" smtClean="0"/>
-          </a:p>
-          <a:p>
-            <a:r>
-              <a:rPr lang="en-US" baseline="0" dirty="0" smtClean="0"/>
-              <a:t>Nu </a:t>
-            </a:r>
-            <a:r>
-              <a:rPr lang="en-US" baseline="0" dirty="0" err="1" smtClean="0"/>
-              <a:t>antar</a:t>
-            </a:r>
-            <a:r>
-              <a:rPr lang="en-US" baseline="0" dirty="0" smtClean="0"/>
-              <a:t> vi </a:t>
-            </a:r>
-            <a:r>
-              <a:rPr lang="en-US" baseline="0" dirty="0" err="1" smtClean="0"/>
-              <a:t>förvisso</a:t>
-            </a:r>
-            <a:r>
-              <a:rPr lang="en-US" baseline="0" dirty="0" smtClean="0"/>
-              <a:t> </a:t>
-            </a:r>
-            <a:r>
-              <a:rPr lang="en-US" baseline="0" dirty="0" err="1" smtClean="0"/>
-              <a:t>att</a:t>
-            </a:r>
-            <a:r>
-              <a:rPr lang="en-US" baseline="0" dirty="0" smtClean="0"/>
-              <a:t> </a:t>
-            </a:r>
-            <a:r>
-              <a:rPr lang="en-US" baseline="0" dirty="0" err="1" smtClean="0"/>
-              <a:t>fel</a:t>
-            </a:r>
-            <a:r>
-              <a:rPr lang="en-US" baseline="0" dirty="0" smtClean="0"/>
-              <a:t> </a:t>
-            </a:r>
-            <a:r>
-              <a:rPr lang="en-US" baseline="0" dirty="0" err="1" smtClean="0"/>
-              <a:t>inträffar</a:t>
-            </a:r>
-            <a:r>
-              <a:rPr lang="en-US" baseline="0" dirty="0" smtClean="0"/>
-              <a:t> </a:t>
-            </a:r>
-            <a:r>
-              <a:rPr lang="en-US" baseline="0" dirty="0" err="1" smtClean="0"/>
-              <a:t>oberoende</a:t>
-            </a:r>
-            <a:r>
-              <a:rPr lang="en-US" baseline="0" dirty="0" smtClean="0"/>
-              <a:t> men </a:t>
-            </a:r>
-            <a:r>
-              <a:rPr lang="en-US" baseline="0" dirty="0" err="1" smtClean="0"/>
-              <a:t>det</a:t>
-            </a:r>
-            <a:r>
-              <a:rPr lang="en-US" baseline="0" dirty="0" smtClean="0"/>
-              <a:t> </a:t>
-            </a:r>
-            <a:r>
-              <a:rPr lang="en-US" baseline="0" dirty="0" err="1" smtClean="0"/>
-              <a:t>tyder</a:t>
-            </a:r>
-            <a:r>
-              <a:rPr lang="en-US" baseline="0" dirty="0" smtClean="0"/>
-              <a:t> </a:t>
-            </a:r>
-            <a:r>
-              <a:rPr lang="en-US" baseline="0" dirty="0" err="1" smtClean="0"/>
-              <a:t>ändå</a:t>
-            </a:r>
-            <a:r>
-              <a:rPr lang="en-US" baseline="0" dirty="0" smtClean="0"/>
-              <a:t> </a:t>
-            </a:r>
-            <a:r>
-              <a:rPr lang="en-US" baseline="0" dirty="0" err="1" smtClean="0"/>
-              <a:t>på</a:t>
-            </a:r>
-            <a:r>
-              <a:rPr lang="en-US" baseline="0" dirty="0" smtClean="0"/>
-              <a:t> </a:t>
-            </a:r>
-            <a:r>
-              <a:rPr lang="en-US" baseline="0" dirty="0" err="1" smtClean="0"/>
-              <a:t>att</a:t>
-            </a:r>
-            <a:r>
-              <a:rPr lang="en-US" baseline="0" dirty="0" smtClean="0"/>
-              <a:t> vi </a:t>
-            </a:r>
-            <a:r>
-              <a:rPr lang="en-US" baseline="0" dirty="0" err="1" smtClean="0"/>
-              <a:t>får</a:t>
-            </a:r>
-            <a:r>
-              <a:rPr lang="en-US" baseline="0" dirty="0" smtClean="0"/>
-              <a:t> </a:t>
-            </a:r>
-            <a:r>
-              <a:rPr lang="en-US" baseline="0" dirty="0" err="1" smtClean="0"/>
-              <a:t>väldigt</a:t>
-            </a:r>
-            <a:r>
-              <a:rPr lang="en-US" baseline="0" dirty="0" smtClean="0"/>
-              <a:t> </a:t>
-            </a:r>
-            <a:r>
-              <a:rPr lang="en-US" baseline="0" dirty="0" err="1" smtClean="0"/>
-              <a:t>hög</a:t>
-            </a:r>
-            <a:r>
-              <a:rPr lang="en-US" baseline="0" dirty="0" smtClean="0"/>
-              <a:t> </a:t>
-            </a:r>
-            <a:r>
-              <a:rPr lang="en-US" baseline="0" dirty="0" err="1" smtClean="0"/>
-              <a:t>tillförlitlighet</a:t>
-            </a:r>
-            <a:r>
-              <a:rPr lang="en-US" baseline="0" dirty="0" smtClean="0"/>
-              <a:t> med </a:t>
-            </a:r>
-            <a:r>
-              <a:rPr lang="en-US" baseline="0" dirty="0" err="1" smtClean="0"/>
-              <a:t>ett</a:t>
-            </a:r>
-            <a:r>
-              <a:rPr lang="en-US" baseline="0" dirty="0" smtClean="0"/>
-              <a:t> </a:t>
-            </a:r>
-            <a:r>
-              <a:rPr lang="en-US" baseline="0" dirty="0" err="1" smtClean="0"/>
-              <a:t>få</a:t>
-            </a:r>
-            <a:r>
-              <a:rPr lang="en-US" baseline="0" dirty="0" smtClean="0"/>
-              <a:t> </a:t>
-            </a:r>
-            <a:r>
-              <a:rPr lang="en-US" baseline="0" dirty="0" err="1" smtClean="0"/>
-              <a:t>antal</a:t>
-            </a:r>
-            <a:r>
-              <a:rPr lang="en-US" baseline="0" dirty="0" smtClean="0"/>
-              <a:t> </a:t>
-            </a:r>
-            <a:r>
-              <a:rPr lang="en-US" baseline="0" dirty="0" err="1" smtClean="0"/>
-              <a:t>replikor</a:t>
-            </a:r>
-            <a:r>
-              <a:rPr lang="en-US" baseline="0" dirty="0" smtClean="0"/>
-              <a:t>.</a:t>
-            </a:r>
-            <a:endParaRPr lang="en-US" dirty="0"/>
+            <a:endParaRPr lang="sv-SE" baseline="0" dirty="0" smtClean="0"/>
           </a:p>
         </p:txBody>
       </p:sp>
       <p:sp>
         <p:nvSpPr>
-          <p:cNvPr id="4" name="Slide Number Placeholder 3"/>
+          <p:cNvPr id="4" name="Platshållare för bildnummer 3"/>
           <p:cNvSpPr>
             <a:spLocks noGrp="1"/>
           </p:cNvSpPr>
@@ -12472,7 +12337,7 @@
     </p:spTree>
     <p:extLst>
       <p:ext uri="{BB962C8B-B14F-4D97-AF65-F5344CB8AC3E}">
-        <p14:creationId xmlns:p14="http://schemas.microsoft.com/office/powerpoint/2010/main" val="95629498"/>
+        <p14:creationId xmlns:p14="http://schemas.microsoft.com/office/powerpoint/2010/main" val="600721925"/>
       </p:ext>
     </p:extLst>
   </p:cSld>
@@ -12556,7 +12421,7 @@
     </p:spTree>
     <p:extLst>
       <p:ext uri="{BB962C8B-B14F-4D97-AF65-F5344CB8AC3E}">
-        <p14:creationId xmlns:p14="http://schemas.microsoft.com/office/powerpoint/2010/main" val="600721925"/>
+        <p14:creationId xmlns:p14="http://schemas.microsoft.com/office/powerpoint/2010/main" val="101356061"/>
       </p:ext>
     </p:extLst>
   </p:cSld>
@@ -13378,90 +13243,6 @@
     <p:extLst>
       <p:ext uri="{BB962C8B-B14F-4D97-AF65-F5344CB8AC3E}">
         <p14:creationId xmlns:p14="http://schemas.microsoft.com/office/powerpoint/2010/main" val="254065767"/>
-      </p:ext>
-    </p:extLst>
-  </p:cSld>
-  <p:clrMapOvr>
-    <a:masterClrMapping/>
-  </p:clrMapOvr>
-</p:notes>
-</file>
-
-<file path=ppt/notesSlides/notesSlide40.xml><?xml version="1.0" encoding="utf-8"?>
-<p:notes xmlns:a="http://schemas.openxmlformats.org/drawingml/2006/main" xmlns:r="http://schemas.openxmlformats.org/officeDocument/2006/relationships" xmlns:p="http://schemas.openxmlformats.org/presentationml/2006/main">
-  <p:cSld>
-    <p:spTree>
-      <p:nvGrpSpPr>
-        <p:cNvPr id="1" name=""/>
-        <p:cNvGrpSpPr/>
-        <p:nvPr/>
-      </p:nvGrpSpPr>
-      <p:grpSpPr>
-        <a:xfrm>
-          <a:off x="0" y="0"/>
-          <a:ext cx="0" cy="0"/>
-          <a:chOff x="0" y="0"/>
-          <a:chExt cx="0" cy="0"/>
-        </a:xfrm>
-      </p:grpSpPr>
-      <p:sp>
-        <p:nvSpPr>
-          <p:cNvPr id="2" name="Platshållare för bildobjekt 1"/>
-          <p:cNvSpPr>
-            <a:spLocks noGrp="1" noRot="1" noChangeAspect="1"/>
-          </p:cNvSpPr>
-          <p:nvPr>
-            <p:ph type="sldImg"/>
-          </p:nvPr>
-        </p:nvSpPr>
-        <p:spPr/>
-      </p:sp>
-      <p:sp>
-        <p:nvSpPr>
-          <p:cNvPr id="3" name="Platshållare för anteckningar 2"/>
-          <p:cNvSpPr>
-            <a:spLocks noGrp="1"/>
-          </p:cNvSpPr>
-          <p:nvPr>
-            <p:ph type="body" idx="1"/>
-          </p:nvPr>
-        </p:nvSpPr>
-        <p:spPr/>
-        <p:txBody>
-          <a:bodyPr/>
-          <a:lstStyle/>
-          <a:p>
-            <a:endParaRPr lang="sv-SE" baseline="0" dirty="0" smtClean="0"/>
-          </a:p>
-        </p:txBody>
-      </p:sp>
-      <p:sp>
-        <p:nvSpPr>
-          <p:cNvPr id="4" name="Platshållare för bildnummer 3"/>
-          <p:cNvSpPr>
-            <a:spLocks noGrp="1"/>
-          </p:cNvSpPr>
-          <p:nvPr>
-            <p:ph type="sldNum" sz="quarter" idx="10"/>
-          </p:nvPr>
-        </p:nvSpPr>
-        <p:spPr/>
-        <p:txBody>
-          <a:bodyPr/>
-          <a:lstStyle/>
-          <a:p>
-            <a:fld id="{100650DF-8CBF-0341-B1F9-47D0C0CD302F}" type="slidenum">
-              <a:rPr lang="en-US" smtClean="0"/>
-              <a:t>41</a:t>
-            </a:fld>
-            <a:endParaRPr lang="en-US"/>
-          </a:p>
-        </p:txBody>
-      </p:sp>
-    </p:spTree>
-    <p:extLst>
-      <p:ext uri="{BB962C8B-B14F-4D97-AF65-F5344CB8AC3E}">
-        <p14:creationId xmlns:p14="http://schemas.microsoft.com/office/powerpoint/2010/main" val="101356061"/>
       </p:ext>
     </p:extLst>
   </p:cSld>
@@ -22335,8 +22116,8 @@
           </a:p>
         </p:txBody>
       </p:sp>
-      <mc:AlternateContent xmlns:mc="http://schemas.openxmlformats.org/markup-compatibility/2006">
-        <mc:Choice xmlns:a14="http://schemas.microsoft.com/office/drawing/2010/main" Requires="a14">
+      <mc:AlternateContent xmlns:mc="http://schemas.openxmlformats.org/markup-compatibility/2006" xmlns:a14="http://schemas.microsoft.com/office/drawing/2010/main">
+        <mc:Choice Requires="a14">
           <p:sp>
             <p:nvSpPr>
               <p:cNvPr id="3" name="Content Placeholder 2"/>
@@ -22382,11 +22163,7 @@
                 </a:pPr>
                 <a:r>
                   <a:rPr lang="en-US" dirty="0" smtClean="0"/>
-                  <a:t>We </a:t>
-                </a:r>
-                <a:r>
-                  <a:rPr lang="en-US" dirty="0" smtClean="0"/>
-                  <a:t>consider the MTBF for nodes to be constant for some period of time</a:t>
+                  <a:t>We consider the MTBF for nodes to be constant for some period of time</a:t>
                 </a:r>
               </a:p>
               <a:p>
@@ -22515,11 +22292,7 @@
                 </a:pPr>
                 <a:r>
                   <a:rPr lang="en-US" dirty="0" smtClean="0"/>
-                  <a:t>This allows for adapting the reliability of a node if it starts failing more/less </a:t>
-                </a:r>
-                <a:r>
-                  <a:rPr lang="en-US" dirty="0" smtClean="0"/>
-                  <a:t>often</a:t>
+                  <a:t>This allows for adapting the reliability of a node if it starts failing more/less often</a:t>
                 </a:r>
                 <a:endParaRPr lang="en-US" dirty="0"/>
               </a:p>
@@ -22538,7 +22311,7 @@
             </p:txBody>
           </p:sp>
         </mc:Choice>
-        <mc:Fallback>
+        <mc:Fallback xmlns="">
           <p:sp>
             <p:nvSpPr>
               <p:cNvPr id="3" name="Content Placeholder 2"/>
@@ -22576,8 +22349,8 @@
           </p:sp>
         </mc:Fallback>
       </mc:AlternateContent>
-      <mc:AlternateContent xmlns:mc="http://schemas.openxmlformats.org/markup-compatibility/2006">
-        <mc:Choice xmlns:a14="http://schemas.microsoft.com/office/drawing/2010/main" Requires="a14">
+      <mc:AlternateContent xmlns:mc="http://schemas.openxmlformats.org/markup-compatibility/2006" xmlns:a14="http://schemas.microsoft.com/office/drawing/2010/main">
+        <mc:Choice Requires="a14">
           <p:sp>
             <p:nvSpPr>
               <p:cNvPr id="5" name="Rectangle 4"/>
@@ -22763,7 +22536,7 @@
             </p:txBody>
           </p:sp>
         </mc:Choice>
-        <mc:Fallback>
+        <mc:Fallback xmlns="">
           <p:sp>
             <p:nvSpPr>
               <p:cNvPr id="5" name="Rectangle 4"/>
@@ -22802,8 +22575,8 @@
           </p:sp>
         </mc:Fallback>
       </mc:AlternateContent>
-      <mc:AlternateContent xmlns:mc="http://schemas.openxmlformats.org/markup-compatibility/2006">
-        <mc:Choice xmlns:a14="http://schemas.microsoft.com/office/drawing/2010/main" Requires="a14">
+      <mc:AlternateContent xmlns:mc="http://schemas.openxmlformats.org/markup-compatibility/2006" xmlns:a14="http://schemas.microsoft.com/office/drawing/2010/main">
+        <mc:Choice Requires="a14">
           <p:sp>
             <p:nvSpPr>
               <p:cNvPr id="6" name="Rectangle 5"/>
@@ -22913,7 +22686,7 @@
             </p:txBody>
           </p:sp>
         </mc:Choice>
-        <mc:Fallback>
+        <mc:Fallback xmlns="">
           <p:sp>
             <p:nvSpPr>
               <p:cNvPr id="6" name="Rectangle 5"/>
@@ -23618,18 +23391,14 @@
           <a:p>
             <a:r>
               <a:rPr lang="en-US" dirty="0" smtClean="0"/>
-              <a:t>Ensuring </a:t>
-            </a:r>
-            <a:r>
-              <a:rPr lang="en-US" dirty="0" smtClean="0"/>
-              <a:t>reliability example</a:t>
+              <a:t>Ensuring reliability example</a:t>
             </a:r>
             <a:endParaRPr lang="en-US" dirty="0"/>
           </a:p>
         </p:txBody>
       </p:sp>
-      <mc:AlternateContent xmlns:mc="http://schemas.openxmlformats.org/markup-compatibility/2006">
-        <mc:Choice xmlns:a14="http://schemas.microsoft.com/office/drawing/2010/main" Requires="a14">
+      <mc:AlternateContent xmlns:mc="http://schemas.openxmlformats.org/markup-compatibility/2006" xmlns:a14="http://schemas.microsoft.com/office/drawing/2010/main">
+        <mc:Choice Requires="a14">
           <p:sp>
             <p:nvSpPr>
               <p:cNvPr id="3" name="Content Placeholder 2"/>
@@ -23935,7 +23704,7 @@
             </p:txBody>
           </p:sp>
         </mc:Choice>
-        <mc:Fallback>
+        <mc:Fallback xmlns="">
           <p:sp>
             <p:nvSpPr>
               <p:cNvPr id="3" name="Content Placeholder 2"/>
@@ -24059,8 +23828,8 @@
           </a:p>
         </p:txBody>
       </p:sp>
-      <mc:AlternateContent xmlns:mc="http://schemas.openxmlformats.org/markup-compatibility/2006">
-        <mc:Choice xmlns:a14="http://schemas.microsoft.com/office/drawing/2010/main" Requires="a14">
+      <mc:AlternateContent xmlns:mc="http://schemas.openxmlformats.org/markup-compatibility/2006" xmlns:a14="http://schemas.microsoft.com/office/drawing/2010/main">
+        <mc:Choice Requires="a14">
           <p:sp>
             <p:nvSpPr>
               <p:cNvPr id="3" name="Content Placeholder 2"/>
@@ -24381,7 +24150,7 @@
             </p:txBody>
           </p:sp>
         </mc:Choice>
-        <mc:Fallback>
+        <mc:Fallback xmlns="">
           <p:sp>
             <p:nvSpPr>
               <p:cNvPr id="3" name="Content Placeholder 2"/>
@@ -24505,8 +24274,8 @@
           </a:p>
         </p:txBody>
       </p:sp>
-      <mc:AlternateContent xmlns:mc="http://schemas.openxmlformats.org/markup-compatibility/2006">
-        <mc:Choice xmlns:a14="http://schemas.microsoft.com/office/drawing/2010/main" Requires="a14">
+      <mc:AlternateContent xmlns:mc="http://schemas.openxmlformats.org/markup-compatibility/2006" xmlns:a14="http://schemas.microsoft.com/office/drawing/2010/main">
+        <mc:Choice Requires="a14">
           <p:sp>
             <p:nvSpPr>
               <p:cNvPr id="3" name="Content Placeholder 2"/>
@@ -24829,7 +24598,7 @@
             </p:txBody>
           </p:sp>
         </mc:Choice>
-        <mc:Fallback>
+        <mc:Fallback xmlns="">
           <p:sp>
             <p:nvSpPr>
               <p:cNvPr id="3" name="Content Placeholder 2"/>
@@ -25775,7 +25544,15 @@
             </a:pPr>
             <a:r>
               <a:rPr lang="en-US" dirty="0" smtClean="0"/>
-              <a:t>Application model</a:t>
+              <a:t>A</a:t>
+            </a:r>
+            <a:r>
+              <a:rPr lang="en-US" dirty="0" smtClean="0"/>
+              <a:t>pplication </a:t>
+            </a:r>
+            <a:r>
+              <a:rPr lang="en-US" dirty="0" smtClean="0"/>
+              <a:t>model</a:t>
             </a:r>
           </a:p>
           <a:p>
@@ -25785,8 +25562,13 @@
             </a:pPr>
             <a:r>
               <a:rPr lang="en-US" dirty="0" smtClean="0"/>
-              <a:t>Reliability definition</a:t>
-            </a:r>
+              <a:t>Reliability </a:t>
+            </a:r>
+            <a:r>
+              <a:rPr lang="en-US" dirty="0" smtClean="0"/>
+              <a:t>definition and model</a:t>
+            </a:r>
+            <a:endParaRPr lang="en-US" dirty="0" smtClean="0"/>
           </a:p>
           <a:p>
             <a:pPr marL="457200" indent="-457200">
@@ -25807,6 +25589,7 @@
               <a:rPr lang="en-US" dirty="0" smtClean="0"/>
               <a:t>Fault-tolerant model</a:t>
             </a:r>
+            <a:endParaRPr lang="en-US" dirty="0" smtClean="0"/>
           </a:p>
           <a:p>
             <a:pPr marL="457200" indent="-457200">
@@ -25817,7 +25600,6 @@
               <a:rPr lang="en-US" dirty="0" smtClean="0"/>
               <a:t>Experiments</a:t>
             </a:r>
-            <a:endParaRPr lang="en-US" dirty="0" smtClean="0"/>
           </a:p>
           <a:p>
             <a:pPr marL="457200" indent="-457200">
@@ -26330,8 +26112,8 @@
           </a:p>
         </p:txBody>
       </p:sp>
-      <mc:AlternateContent xmlns:mc="http://schemas.openxmlformats.org/markup-compatibility/2006">
-        <mc:Choice xmlns:a14="http://schemas.microsoft.com/office/drawing/2010/main" Requires="a14">
+      <mc:AlternateContent xmlns:mc="http://schemas.openxmlformats.org/markup-compatibility/2006" xmlns:a14="http://schemas.microsoft.com/office/drawing/2010/main">
+        <mc:Choice Requires="a14">
           <p:sp>
             <p:nvSpPr>
               <p:cNvPr id="3" name="Content Placeholder 2"/>
@@ -26622,7 +26404,7 @@
             </p:txBody>
           </p:sp>
         </mc:Choice>
-        <mc:Fallback>
+        <mc:Fallback xmlns="">
           <p:sp>
             <p:nvSpPr>
               <p:cNvPr id="3" name="Content Placeholder 2"/>
@@ -26745,8 +26527,8 @@
           </a:p>
         </p:txBody>
       </p:sp>
-      <mc:AlternateContent xmlns:mc="http://schemas.openxmlformats.org/markup-compatibility/2006">
-        <mc:Choice xmlns:a14="http://schemas.microsoft.com/office/drawing/2010/main" Requires="a14">
+      <mc:AlternateContent xmlns:mc="http://schemas.openxmlformats.org/markup-compatibility/2006" xmlns:a14="http://schemas.microsoft.com/office/drawing/2010/main">
+        <mc:Choice Requires="a14">
           <p:sp>
             <p:nvSpPr>
               <p:cNvPr id="3" name="Content Placeholder 2"/>
@@ -27004,7 +26786,7 @@
             </p:txBody>
           </p:sp>
         </mc:Choice>
-        <mc:Fallback>
+        <mc:Fallback xmlns="">
           <p:sp>
             <p:nvSpPr>
               <p:cNvPr id="3" name="Content Placeholder 2"/>
@@ -27385,9 +27167,10 @@
               <a:t>Handling node </a:t>
             </a:r>
             <a:r>
-              <a:rPr lang="en-US" dirty="0"/>
-              <a:t>failure cont’d</a:t>
-            </a:r>
+              <a:rPr lang="en-US" dirty="0" smtClean="0"/>
+              <a:t>failure</a:t>
+            </a:r>
+            <a:endParaRPr lang="en-US" dirty="0"/>
           </a:p>
         </p:txBody>
       </p:sp>
@@ -27441,11 +27224,7 @@
             </a:r>
             <a:r>
               <a:rPr lang="en-US" dirty="0" smtClean="0"/>
-              <a:t> message to the selected node, including the ID of the lost </a:t>
-            </a:r>
-            <a:r>
-              <a:rPr lang="en-US" dirty="0" smtClean="0"/>
-              <a:t>node</a:t>
+              <a:t> message to the selected node, including the ID of the lost node</a:t>
             </a:r>
           </a:p>
           <a:p>
@@ -27461,13 +27240,8 @@
             </a:pPr>
             <a:r>
               <a:rPr lang="en-US" dirty="0" smtClean="0"/>
-              <a:t>The node receiving the lost node messages will </a:t>
-            </a:r>
-            <a:r>
-              <a:rPr lang="en-US" dirty="0" smtClean="0"/>
-              <a:t>ensure the required reliability is achieved</a:t>
-            </a:r>
-            <a:endParaRPr lang="en-US" dirty="0" smtClean="0"/>
+              <a:t>The node receiving the lost node messages will ensure the required reliability is achieved</a:t>
+            </a:r>
           </a:p>
         </p:txBody>
       </p:sp>
@@ -27525,7 +27299,11 @@
           <a:p>
             <a:r>
               <a:rPr lang="en-US" dirty="0" smtClean="0"/>
-              <a:t>Handling node failure example _TODO pic</a:t>
+              <a:t>Handling node failure </a:t>
+            </a:r>
+            <a:r>
+              <a:rPr lang="en-US" dirty="0" smtClean="0"/>
+              <a:t>- example</a:t>
             </a:r>
             <a:endParaRPr lang="en-US" dirty="0"/>
           </a:p>
@@ -27533,7 +27311,7 @@
       </p:sp>
       <p:pic>
         <p:nvPicPr>
-          <p:cNvPr id="8" name="Content Placeholder 7"/>
+          <p:cNvPr id="12" name="Platshållare för innehåll 11"/>
           <p:cNvPicPr>
             <a:picLocks noGrp="1" noChangeAspect="1"/>
           </p:cNvPicPr>
@@ -27555,15 +27333,15 @@
         </p:blipFill>
         <p:spPr>
           <a:xfrm>
-            <a:off x="4673045" y="2233178"/>
-            <a:ext cx="2919245" cy="2920714"/>
+            <a:off x="3392488" y="2024063"/>
+            <a:ext cx="5467350" cy="3667125"/>
           </a:xfrm>
         </p:spPr>
       </p:pic>
     </p:spTree>
     <p:extLst>
       <p:ext uri="{BB962C8B-B14F-4D97-AF65-F5344CB8AC3E}">
-        <p14:creationId xmlns:p14="http://schemas.microsoft.com/office/powerpoint/2010/main" val="2048571654"/>
+        <p14:creationId xmlns:p14="http://schemas.microsoft.com/office/powerpoint/2010/main" val="1885960074"/>
       </p:ext>
     </p:extLst>
   </p:cSld>
@@ -27617,15 +27395,16 @@
               <a:t>Handling node failure </a:t>
             </a:r>
             <a:r>
-              <a:rPr lang="en-US" dirty="0"/>
-              <a:t>cont’d _TODO pic</a:t>
-            </a:r>
+              <a:rPr lang="en-US" dirty="0" smtClean="0"/>
+              <a:t>- example</a:t>
+            </a:r>
+            <a:endParaRPr lang="en-US" dirty="0"/>
           </a:p>
         </p:txBody>
       </p:sp>
       <p:pic>
         <p:nvPicPr>
-          <p:cNvPr id="5" name="Content Placeholder 4"/>
+          <p:cNvPr id="5" name="Platshållare för innehåll 4"/>
           <p:cNvPicPr>
             <a:picLocks noGrp="1" noChangeAspect="1"/>
           </p:cNvPicPr>
@@ -27647,15 +27426,15 @@
         </p:blipFill>
         <p:spPr>
           <a:xfrm>
-            <a:off x="4668054" y="1846263"/>
-            <a:ext cx="2916217" cy="4022725"/>
+            <a:off x="3392587" y="2021361"/>
+            <a:ext cx="5467350" cy="4095750"/>
           </a:xfrm>
         </p:spPr>
       </p:pic>
     </p:spTree>
     <p:extLst>
       <p:ext uri="{BB962C8B-B14F-4D97-AF65-F5344CB8AC3E}">
-        <p14:creationId xmlns:p14="http://schemas.microsoft.com/office/powerpoint/2010/main" val="1885960074"/>
+        <p14:creationId xmlns:p14="http://schemas.microsoft.com/office/powerpoint/2010/main" val="1417945074"/>
       </p:ext>
     </p:extLst>
   </p:cSld>
@@ -27709,15 +27488,16 @@
               <a:t>Handling node failure </a:t>
             </a:r>
             <a:r>
-              <a:rPr lang="en-US" dirty="0"/>
-              <a:t>cont’d _TODO pic</a:t>
-            </a:r>
+              <a:rPr lang="en-US" dirty="0" smtClean="0"/>
+              <a:t>- example</a:t>
+            </a:r>
+            <a:endParaRPr lang="en-US" dirty="0"/>
           </a:p>
         </p:txBody>
       </p:sp>
       <p:pic>
         <p:nvPicPr>
-          <p:cNvPr id="9" name="Content Placeholder 8"/>
+          <p:cNvPr id="4" name="Platshållare för innehåll 3"/>
           <p:cNvPicPr>
             <a:picLocks noGrp="1" noChangeAspect="1"/>
           </p:cNvPicPr>
@@ -27739,15 +27519,15 @@
         </p:blipFill>
         <p:spPr>
           <a:xfrm>
-            <a:off x="4514787" y="1846263"/>
-            <a:ext cx="3222751" cy="4022725"/>
+            <a:off x="3392488" y="2024063"/>
+            <a:ext cx="5467350" cy="3667125"/>
           </a:xfrm>
         </p:spPr>
       </p:pic>
     </p:spTree>
     <p:extLst>
       <p:ext uri="{BB962C8B-B14F-4D97-AF65-F5344CB8AC3E}">
-        <p14:creationId xmlns:p14="http://schemas.microsoft.com/office/powerpoint/2010/main" val="472333998"/>
+        <p14:creationId xmlns:p14="http://schemas.microsoft.com/office/powerpoint/2010/main" val="776827959"/>
       </p:ext>
     </p:extLst>
   </p:cSld>
@@ -27783,7 +27563,7 @@
       </p:grpSpPr>
       <p:sp>
         <p:nvSpPr>
-          <p:cNvPr id="2" name="Title 1"/>
+          <p:cNvPr id="2" name="Rubrik 1"/>
           <p:cNvSpPr>
             <a:spLocks noGrp="1"/>
           </p:cNvSpPr>
@@ -27797,16 +27577,16 @@
           <a:lstStyle/>
           <a:p>
             <a:r>
-              <a:rPr lang="en-US" dirty="0" smtClean="0"/>
-              <a:t>Handling node failure cont’d _TODO, pic</a:t>
-            </a:r>
-            <a:endParaRPr lang="en-US" dirty="0"/>
+              <a:rPr lang="en-US" dirty="0"/>
+              <a:t>Handling node failure - example</a:t>
+            </a:r>
+            <a:endParaRPr lang="sv-SE" dirty="0"/>
           </a:p>
         </p:txBody>
       </p:sp>
       <p:pic>
         <p:nvPicPr>
-          <p:cNvPr id="3" name="Content Placeholder 2"/>
+          <p:cNvPr id="4" name="Platshållare för innehåll 3"/>
           <p:cNvPicPr>
             <a:picLocks noGrp="1" noChangeAspect="1"/>
           </p:cNvPicPr>
@@ -27828,28 +27608,21 @@
         </p:blipFill>
         <p:spPr>
           <a:xfrm>
-            <a:off x="4467671" y="1846263"/>
-            <a:ext cx="3316983" cy="4022725"/>
+            <a:off x="3392488" y="2014538"/>
+            <a:ext cx="5467350" cy="3686175"/>
           </a:xfrm>
         </p:spPr>
       </p:pic>
     </p:spTree>
     <p:extLst>
       <p:ext uri="{BB962C8B-B14F-4D97-AF65-F5344CB8AC3E}">
-        <p14:creationId xmlns:p14="http://schemas.microsoft.com/office/powerpoint/2010/main" val="1417945074"/>
+        <p14:creationId xmlns:p14="http://schemas.microsoft.com/office/powerpoint/2010/main" val="4008130742"/>
       </p:ext>
     </p:extLst>
   </p:cSld>
   <p:clrMapOvr>
     <a:masterClrMapping/>
   </p:clrMapOvr>
-  <p:timing>
-    <p:tnLst>
-      <p:par>
-        <p:cTn id="1" dur="indefinite" restart="never" nodeType="tmRoot"/>
-      </p:par>
-    </p:tnLst>
-  </p:timing>
 </p:sld>
 </file>
 
@@ -28015,98 +27788,6 @@
 </file>
 
 <file path=ppt/slides/slide30.xml><?xml version="1.0" encoding="utf-8"?>
-<p:sld xmlns:a="http://schemas.openxmlformats.org/drawingml/2006/main" xmlns:r="http://schemas.openxmlformats.org/officeDocument/2006/relationships" xmlns:p="http://schemas.openxmlformats.org/presentationml/2006/main">
-  <p:cSld>
-    <p:spTree>
-      <p:nvGrpSpPr>
-        <p:cNvPr id="1" name=""/>
-        <p:cNvGrpSpPr/>
-        <p:nvPr/>
-      </p:nvGrpSpPr>
-      <p:grpSpPr>
-        <a:xfrm>
-          <a:off x="0" y="0"/>
-          <a:ext cx="0" cy="0"/>
-          <a:chOff x="0" y="0"/>
-          <a:chExt cx="0" cy="0"/>
-        </a:xfrm>
-      </p:grpSpPr>
-      <p:sp>
-        <p:nvSpPr>
-          <p:cNvPr id="2" name="Title 1"/>
-          <p:cNvSpPr>
-            <a:spLocks noGrp="1"/>
-          </p:cNvSpPr>
-          <p:nvPr>
-            <p:ph type="title"/>
-          </p:nvPr>
-        </p:nvSpPr>
-        <p:spPr/>
-        <p:txBody>
-          <a:bodyPr/>
-          <a:lstStyle/>
-          <a:p>
-            <a:r>
-              <a:rPr lang="en-US" dirty="0" smtClean="0"/>
-              <a:t>Handling node failure </a:t>
-            </a:r>
-            <a:r>
-              <a:rPr lang="en-US" dirty="0"/>
-              <a:t>cont’d _TODO pic</a:t>
-            </a:r>
-          </a:p>
-        </p:txBody>
-      </p:sp>
-      <p:pic>
-        <p:nvPicPr>
-          <p:cNvPr id="5" name="Content Placeholder 4"/>
-          <p:cNvPicPr>
-            <a:picLocks noGrp="1" noChangeAspect="1"/>
-          </p:cNvPicPr>
-          <p:nvPr>
-            <p:ph idx="1"/>
-          </p:nvPr>
-        </p:nvPicPr>
-        <p:blipFill>
-          <a:blip r:embed="rId3">
-            <a:extLst>
-              <a:ext uri="{28A0092B-C50C-407E-A947-70E740481C1C}">
-                <a14:useLocalDpi xmlns:a14="http://schemas.microsoft.com/office/drawing/2010/main" val="0"/>
-              </a:ext>
-            </a:extLst>
-          </a:blip>
-          <a:stretch>
-            <a:fillRect/>
-          </a:stretch>
-        </p:blipFill>
-        <p:spPr>
-          <a:xfrm>
-            <a:off x="4467671" y="1846263"/>
-            <a:ext cx="3316983" cy="4022725"/>
-          </a:xfrm>
-        </p:spPr>
-      </p:pic>
-    </p:spTree>
-    <p:extLst>
-      <p:ext uri="{BB962C8B-B14F-4D97-AF65-F5344CB8AC3E}">
-        <p14:creationId xmlns:p14="http://schemas.microsoft.com/office/powerpoint/2010/main" val="776827959"/>
-      </p:ext>
-    </p:extLst>
-  </p:cSld>
-  <p:clrMapOvr>
-    <a:masterClrMapping/>
-  </p:clrMapOvr>
-  <p:timing>
-    <p:tnLst>
-      <p:par>
-        <p:cTn id="1" dur="indefinite" restart="never" nodeType="tmRoot"/>
-      </p:par>
-    </p:tnLst>
-  </p:timing>
-</p:sld>
-</file>
-
-<file path=ppt/slides/slide31.xml><?xml version="1.0" encoding="utf-8"?>
 <p:sld xmlns:a="http://schemas.openxmlformats.org/drawingml/2006/main" xmlns:r="http://schemas.openxmlformats.org/officeDocument/2006/relationships" xmlns:p="http://schemas.openxmlformats.org/presentationml/2006/main">
   <p:cSld>
     <p:spTree>
@@ -28695,7 +28376,7 @@
 </p:sld>
 </file>
 
-<file path=ppt/slides/slide32.xml><?xml version="1.0" encoding="utf-8"?>
+<file path=ppt/slides/slide31.xml><?xml version="1.0" encoding="utf-8"?>
 <p:sld xmlns:a="http://schemas.openxmlformats.org/drawingml/2006/main" xmlns:r="http://schemas.openxmlformats.org/officeDocument/2006/relationships" xmlns:p="http://schemas.openxmlformats.org/presentationml/2006/main">
   <p:cSld>
     <p:spTree>
@@ -28855,7 +28536,7 @@
 </p:sld>
 </file>
 
-<file path=ppt/slides/slide33.xml><?xml version="1.0" encoding="utf-8"?>
+<file path=ppt/slides/slide32.xml><?xml version="1.0" encoding="utf-8"?>
 <p:sld xmlns:a="http://schemas.openxmlformats.org/drawingml/2006/main" xmlns:r="http://schemas.openxmlformats.org/officeDocument/2006/relationships" xmlns:p="http://schemas.openxmlformats.org/presentationml/2006/main">
   <p:cSld>
     <p:spTree>
@@ -29010,7 +28691,7 @@
 </p:sld>
 </file>
 
-<file path=ppt/slides/slide34.xml><?xml version="1.0" encoding="utf-8"?>
+<file path=ppt/slides/slide33.xml><?xml version="1.0" encoding="utf-8"?>
 <p:sld xmlns:a="http://schemas.openxmlformats.org/drawingml/2006/main" xmlns:r="http://schemas.openxmlformats.org/officeDocument/2006/relationships" xmlns:p="http://schemas.openxmlformats.org/presentationml/2006/main">
   <p:cSld>
     <p:spTree>
@@ -29160,7 +28841,7 @@
 </p:sld>
 </file>
 
-<file path=ppt/slides/slide35.xml><?xml version="1.0" encoding="utf-8"?>
+<file path=ppt/slides/slide34.xml><?xml version="1.0" encoding="utf-8"?>
 <p:sld xmlns:a="http://schemas.openxmlformats.org/drawingml/2006/main" xmlns:r="http://schemas.openxmlformats.org/officeDocument/2006/relationships" xmlns:p="http://schemas.openxmlformats.org/presentationml/2006/main">
   <p:cSld>
     <p:spTree>
@@ -29276,7 +28957,7 @@
 </p:sld>
 </file>
 
-<file path=ppt/slides/slide36.xml><?xml version="1.0" encoding="utf-8"?>
+<file path=ppt/slides/slide35.xml><?xml version="1.0" encoding="utf-8"?>
 <p:sld xmlns:a="http://schemas.openxmlformats.org/drawingml/2006/main" xmlns:r="http://schemas.openxmlformats.org/officeDocument/2006/relationships" xmlns:p="http://schemas.openxmlformats.org/presentationml/2006/main">
   <p:cSld>
     <p:spTree>
@@ -29385,7 +29066,7 @@
 </p:sld>
 </file>
 
-<file path=ppt/slides/slide37.xml><?xml version="1.0" encoding="utf-8"?>
+<file path=ppt/slides/slide36.xml><?xml version="1.0" encoding="utf-8"?>
 <p:sld xmlns:a="http://schemas.openxmlformats.org/drawingml/2006/main" xmlns:r="http://schemas.openxmlformats.org/officeDocument/2006/relationships" xmlns:p="http://schemas.openxmlformats.org/presentationml/2006/main">
   <p:cSld>
     <p:spTree>
@@ -29445,11 +29126,7 @@
             </a:pPr>
             <a:r>
               <a:rPr lang="en-US" dirty="0" smtClean="0"/>
-              <a:t>Our </a:t>
-            </a:r>
-            <a:r>
-              <a:rPr lang="en-US" dirty="0" smtClean="0"/>
-              <a:t>model uses a relatively simple reliability model</a:t>
+              <a:t>Our model uses a relatively simple reliability model</a:t>
             </a:r>
           </a:p>
           <a:p>
@@ -29459,11 +29136,7 @@
             </a:pPr>
             <a:r>
               <a:rPr lang="en-US" dirty="0" smtClean="0"/>
-              <a:t>A </a:t>
-            </a:r>
-            <a:r>
-              <a:rPr lang="en-US" dirty="0" smtClean="0"/>
-              <a:t>more sophisticated model could for example assume node non-independent failures, for example the switch of a rack may fail, affecting all nodes in that rack. The reliability of a node should therefore take the current nodes into account</a:t>
+              <a:t>A more sophisticated model could for example assume node non-independent failures, for example the switch of a rack may fail, affecting all nodes in that rack. The reliability of a node should therefore take the current nodes into account</a:t>
             </a:r>
           </a:p>
           <a:p>
@@ -29482,11 +29155,7 @@
             </a:pPr>
             <a:r>
               <a:rPr lang="en-US" dirty="0" smtClean="0"/>
-              <a:t>Currently, the most reliable node is chosen, but it does not care whether or not the selected node has capacity for a new replica, or if it’s overloaded - but as shown in one of the experiments, it can easily be changed to not select nodes with a certain </a:t>
-            </a:r>
-            <a:r>
-              <a:rPr lang="en-US" dirty="0" smtClean="0"/>
-              <a:t>load</a:t>
+              <a:t>Currently, the most reliable node is chosen, but it does not care whether or not the selected node has capacity for a new replica, or if it’s overloaded - but as shown in one of the experiments, it can easily be changed to not select nodes with a certain load</a:t>
             </a:r>
           </a:p>
           <a:p>
@@ -29527,7 +29196,7 @@
 </p:sld>
 </file>
 
-<file path=ppt/slides/slide38.xml><?xml version="1.0" encoding="utf-8"?>
+<file path=ppt/slides/slide37.xml><?xml version="1.0" encoding="utf-8"?>
 <p:sld xmlns:a="http://schemas.openxmlformats.org/drawingml/2006/main" xmlns:r="http://schemas.openxmlformats.org/officeDocument/2006/relationships" xmlns:p="http://schemas.openxmlformats.org/presentationml/2006/main">
   <p:cSld>
     <p:spTree>
@@ -29581,7 +29250,6 @@
               <a:rPr lang="en-US" sz="20000" dirty="0" smtClean="0"/>
               <a:t>A</a:t>
             </a:r>
-            <a:endParaRPr lang="en-US" sz="20000" dirty="0" smtClean="0"/>
           </a:p>
         </p:txBody>
       </p:sp>
@@ -29605,7 +29273,7 @@
 </p:sld>
 </file>
 
-<file path=ppt/slides/slide39.xml><?xml version="1.0" encoding="utf-8"?>
+<file path=ppt/slides/slide38.xml><?xml version="1.0" encoding="utf-8"?>
 <p:sld xmlns:a="http://schemas.openxmlformats.org/drawingml/2006/main" xmlns:r="http://schemas.openxmlformats.org/officeDocument/2006/relationships" xmlns:p="http://schemas.openxmlformats.org/presentationml/2006/main">
   <p:cSld>
     <p:spTree>
@@ -29639,11 +29307,7 @@
           <a:p>
             <a:r>
               <a:rPr lang="en-US" dirty="0" smtClean="0"/>
-              <a:t>Replication </a:t>
-            </a:r>
-            <a:r>
-              <a:rPr lang="en-US" dirty="0" smtClean="0"/>
-              <a:t>time example</a:t>
+              <a:t>Replication time example</a:t>
             </a:r>
             <a:endParaRPr lang="en-US" dirty="0"/>
           </a:p>
@@ -30281,223 +29945,7 @@
 </p:sld>
 </file>
 
-<file path=ppt/slides/slide4.xml><?xml version="1.0" encoding="utf-8"?>
-<p:sld xmlns:a="http://schemas.openxmlformats.org/drawingml/2006/main" xmlns:r="http://schemas.openxmlformats.org/officeDocument/2006/relationships" xmlns:p="http://schemas.openxmlformats.org/presentationml/2006/main">
-  <p:cSld>
-    <p:spTree>
-      <p:nvGrpSpPr>
-        <p:cNvPr id="1" name=""/>
-        <p:cNvGrpSpPr/>
-        <p:nvPr/>
-      </p:nvGrpSpPr>
-      <p:grpSpPr>
-        <a:xfrm>
-          <a:off x="0" y="0"/>
-          <a:ext cx="0" cy="0"/>
-          <a:chOff x="0" y="0"/>
-          <a:chExt cx="0" cy="0"/>
-        </a:xfrm>
-      </p:grpSpPr>
-      <p:sp>
-        <p:nvSpPr>
-          <p:cNvPr id="2" name="Title 1"/>
-          <p:cNvSpPr>
-            <a:spLocks noGrp="1"/>
-          </p:cNvSpPr>
-          <p:nvPr>
-            <p:ph type="title"/>
-          </p:nvPr>
-        </p:nvSpPr>
-        <p:spPr/>
-        <p:txBody>
-          <a:bodyPr/>
-          <a:lstStyle/>
-          <a:p>
-            <a:r>
-              <a:rPr lang="en-US" dirty="0" smtClean="0"/>
-              <a:t>Goal</a:t>
-            </a:r>
-            <a:endParaRPr lang="en-US" dirty="0"/>
-          </a:p>
-        </p:txBody>
-      </p:sp>
-      <p:sp>
-        <p:nvSpPr>
-          <p:cNvPr id="3" name="Content Placeholder 2"/>
-          <p:cNvSpPr>
-            <a:spLocks noGrp="1"/>
-          </p:cNvSpPr>
-          <p:nvPr>
-            <p:ph idx="1"/>
-          </p:nvPr>
-        </p:nvSpPr>
-        <p:spPr/>
-        <p:txBody>
-          <a:bodyPr/>
-          <a:lstStyle/>
-          <a:p>
-            <a:pPr>
-              <a:lnSpc>
-                <a:spcPct val="100000"/>
-              </a:lnSpc>
-              <a:spcBef>
-                <a:spcPts val="0"/>
-              </a:spcBef>
-              <a:spcAft>
-                <a:spcPts val="0"/>
-              </a:spcAft>
-              <a:buSzTx/>
-            </a:pPr>
-            <a:r>
-              <a:rPr lang="en-US" dirty="0" smtClean="0"/>
-              <a:t>Devise a method for dynamically ensuring a certain reliability level of applications or services running in distributed environments.</a:t>
-            </a:r>
-          </a:p>
-          <a:p>
-            <a:pPr>
-              <a:lnSpc>
-                <a:spcPct val="100000"/>
-              </a:lnSpc>
-              <a:spcBef>
-                <a:spcPts val="0"/>
-              </a:spcBef>
-              <a:spcAft>
-                <a:spcPts val="0"/>
-              </a:spcAft>
-              <a:buSzTx/>
-            </a:pPr>
-            <a:endParaRPr lang="en-US" dirty="0"/>
-          </a:p>
-          <a:p>
-            <a:pPr marL="457200" indent="-457200">
-              <a:lnSpc>
-                <a:spcPct val="100000"/>
-              </a:lnSpc>
-              <a:spcBef>
-                <a:spcPts val="0"/>
-              </a:spcBef>
-              <a:spcAft>
-                <a:spcPts val="0"/>
-              </a:spcAft>
-              <a:buSzTx/>
-              <a:buFont typeface="+mj-lt"/>
-              <a:buAutoNum type="arabicPeriod"/>
-            </a:pPr>
-            <a:r>
-              <a:rPr lang="en-US" dirty="0"/>
-              <a:t>Design a model for expressing the reliability for an application running in a distributed environment</a:t>
-            </a:r>
-          </a:p>
-          <a:p>
-            <a:pPr marL="457200" indent="-457200">
-              <a:lnSpc>
-                <a:spcPct val="100000"/>
-              </a:lnSpc>
-              <a:spcBef>
-                <a:spcPts val="0"/>
-              </a:spcBef>
-              <a:spcAft>
-                <a:spcPts val="0"/>
-              </a:spcAft>
-              <a:buSzTx/>
-              <a:buFont typeface="+mj-lt"/>
-              <a:buAutoNum type="arabicPeriod"/>
-            </a:pPr>
-            <a:endParaRPr lang="en-US" dirty="0" smtClean="0"/>
-          </a:p>
-          <a:p>
-            <a:pPr marL="457200" indent="-457200">
-              <a:lnSpc>
-                <a:spcPct val="100000"/>
-              </a:lnSpc>
-              <a:spcBef>
-                <a:spcPts val="0"/>
-              </a:spcBef>
-              <a:spcAft>
-                <a:spcPts val="0"/>
-              </a:spcAft>
-              <a:buSzTx/>
-              <a:buFont typeface="+mj-lt"/>
-              <a:buAutoNum type="arabicPeriod"/>
-            </a:pPr>
-            <a:r>
-              <a:rPr lang="en-US" dirty="0" smtClean="0"/>
-              <a:t>Design </a:t>
-            </a:r>
-            <a:r>
-              <a:rPr lang="en-US" dirty="0"/>
-              <a:t>a framework which dynamically ensures a certain level of reliability by replicating tasks, detecting node failures, and adapting to changing system </a:t>
-            </a:r>
-            <a:r>
-              <a:rPr lang="en-US" dirty="0" smtClean="0"/>
-              <a:t>properties</a:t>
-            </a:r>
-          </a:p>
-          <a:p>
-            <a:pPr marL="457200" indent="-457200">
-              <a:lnSpc>
-                <a:spcPct val="100000"/>
-              </a:lnSpc>
-              <a:spcBef>
-                <a:spcPts val="0"/>
-              </a:spcBef>
-              <a:spcAft>
-                <a:spcPts val="0"/>
-              </a:spcAft>
-              <a:buSzTx/>
-              <a:buFont typeface="+mj-lt"/>
-              <a:buAutoNum type="arabicPeriod"/>
-            </a:pPr>
-            <a:endParaRPr lang="en-US" dirty="0"/>
-          </a:p>
-          <a:p>
-            <a:pPr marL="457200" indent="-457200">
-              <a:lnSpc>
-                <a:spcPct val="100000"/>
-              </a:lnSpc>
-              <a:spcBef>
-                <a:spcPts val="0"/>
-              </a:spcBef>
-              <a:spcAft>
-                <a:spcPts val="0"/>
-              </a:spcAft>
-              <a:buSzTx/>
-              <a:buFont typeface="+mj-lt"/>
-              <a:buAutoNum type="arabicPeriod"/>
-            </a:pPr>
-            <a:r>
-              <a:rPr lang="en-US" dirty="0" smtClean="0"/>
-              <a:t>Implement </a:t>
-            </a:r>
-            <a:r>
-              <a:rPr lang="en-US" dirty="0" smtClean="0"/>
-              <a:t>and evaluate using Calvin</a:t>
-            </a:r>
-            <a:endParaRPr lang="en-US" dirty="0"/>
-          </a:p>
-        </p:txBody>
-      </p:sp>
-    </p:spTree>
-    <p:extLst>
-      <p:ext uri="{BB962C8B-B14F-4D97-AF65-F5344CB8AC3E}">
-        <p14:creationId xmlns:p14="http://schemas.microsoft.com/office/powerpoint/2010/main" val="1070146524"/>
-      </p:ext>
-    </p:extLst>
-  </p:cSld>
-  <p:clrMapOvr>
-    <a:masterClrMapping/>
-  </p:clrMapOvr>
-  <p:timing>
-    <p:tnLst>
-      <p:par>
-        <p:cTn id="1" dur="indefinite" restart="never" nodeType="tmRoot"/>
-      </p:par>
-    </p:tnLst>
-  </p:timing>
-</p:sld>
-</file>
-
-<file path=ppt/slides/slide40.xml><?xml version="1.0" encoding="utf-8"?>
+<file path=ppt/slides/slide39.xml><?xml version="1.0" encoding="utf-8"?>
 <p:sld xmlns:a="http://schemas.openxmlformats.org/drawingml/2006/main" xmlns:r="http://schemas.openxmlformats.org/officeDocument/2006/relationships" xmlns:p="http://schemas.openxmlformats.org/presentationml/2006/main">
   <p:cSld>
     <p:spTree>
@@ -31219,7 +30667,219 @@
 </p:sld>
 </file>
 
-<file path=ppt/slides/slide41.xml><?xml version="1.0" encoding="utf-8"?>
+<file path=ppt/slides/slide4.xml><?xml version="1.0" encoding="utf-8"?>
+<p:sld xmlns:a="http://schemas.openxmlformats.org/drawingml/2006/main" xmlns:r="http://schemas.openxmlformats.org/officeDocument/2006/relationships" xmlns:p="http://schemas.openxmlformats.org/presentationml/2006/main">
+  <p:cSld>
+    <p:spTree>
+      <p:nvGrpSpPr>
+        <p:cNvPr id="1" name=""/>
+        <p:cNvGrpSpPr/>
+        <p:nvPr/>
+      </p:nvGrpSpPr>
+      <p:grpSpPr>
+        <a:xfrm>
+          <a:off x="0" y="0"/>
+          <a:ext cx="0" cy="0"/>
+          <a:chOff x="0" y="0"/>
+          <a:chExt cx="0" cy="0"/>
+        </a:xfrm>
+      </p:grpSpPr>
+      <p:sp>
+        <p:nvSpPr>
+          <p:cNvPr id="2" name="Title 1"/>
+          <p:cNvSpPr>
+            <a:spLocks noGrp="1"/>
+          </p:cNvSpPr>
+          <p:nvPr>
+            <p:ph type="title"/>
+          </p:nvPr>
+        </p:nvSpPr>
+        <p:spPr/>
+        <p:txBody>
+          <a:bodyPr/>
+          <a:lstStyle/>
+          <a:p>
+            <a:r>
+              <a:rPr lang="en-US" dirty="0" smtClean="0"/>
+              <a:t>Goal</a:t>
+            </a:r>
+            <a:endParaRPr lang="en-US" dirty="0"/>
+          </a:p>
+        </p:txBody>
+      </p:sp>
+      <p:sp>
+        <p:nvSpPr>
+          <p:cNvPr id="3" name="Content Placeholder 2"/>
+          <p:cNvSpPr>
+            <a:spLocks noGrp="1"/>
+          </p:cNvSpPr>
+          <p:nvPr>
+            <p:ph idx="1"/>
+          </p:nvPr>
+        </p:nvSpPr>
+        <p:spPr/>
+        <p:txBody>
+          <a:bodyPr/>
+          <a:lstStyle/>
+          <a:p>
+            <a:pPr>
+              <a:lnSpc>
+                <a:spcPct val="100000"/>
+              </a:lnSpc>
+              <a:spcBef>
+                <a:spcPts val="0"/>
+              </a:spcBef>
+              <a:spcAft>
+                <a:spcPts val="0"/>
+              </a:spcAft>
+              <a:buSzTx/>
+            </a:pPr>
+            <a:r>
+              <a:rPr lang="en-US" dirty="0" smtClean="0"/>
+              <a:t>Devise a method for dynamically ensuring a certain reliability level of applications or services running in distributed environments.</a:t>
+            </a:r>
+          </a:p>
+          <a:p>
+            <a:pPr>
+              <a:lnSpc>
+                <a:spcPct val="100000"/>
+              </a:lnSpc>
+              <a:spcBef>
+                <a:spcPts val="0"/>
+              </a:spcBef>
+              <a:spcAft>
+                <a:spcPts val="0"/>
+              </a:spcAft>
+              <a:buSzTx/>
+            </a:pPr>
+            <a:endParaRPr lang="en-US" dirty="0"/>
+          </a:p>
+          <a:p>
+            <a:pPr marL="457200" indent="-457200">
+              <a:lnSpc>
+                <a:spcPct val="100000"/>
+              </a:lnSpc>
+              <a:spcBef>
+                <a:spcPts val="0"/>
+              </a:spcBef>
+              <a:spcAft>
+                <a:spcPts val="0"/>
+              </a:spcAft>
+              <a:buSzTx/>
+              <a:buFont typeface="+mj-lt"/>
+              <a:buAutoNum type="arabicPeriod"/>
+            </a:pPr>
+            <a:r>
+              <a:rPr lang="en-US" dirty="0"/>
+              <a:t>Design a model for expressing the reliability for an application running in a distributed environment</a:t>
+            </a:r>
+          </a:p>
+          <a:p>
+            <a:pPr marL="457200" indent="-457200">
+              <a:lnSpc>
+                <a:spcPct val="100000"/>
+              </a:lnSpc>
+              <a:spcBef>
+                <a:spcPts val="0"/>
+              </a:spcBef>
+              <a:spcAft>
+                <a:spcPts val="0"/>
+              </a:spcAft>
+              <a:buSzTx/>
+              <a:buFont typeface="+mj-lt"/>
+              <a:buAutoNum type="arabicPeriod"/>
+            </a:pPr>
+            <a:endParaRPr lang="en-US" dirty="0" smtClean="0"/>
+          </a:p>
+          <a:p>
+            <a:pPr marL="457200" indent="-457200">
+              <a:lnSpc>
+                <a:spcPct val="100000"/>
+              </a:lnSpc>
+              <a:spcBef>
+                <a:spcPts val="0"/>
+              </a:spcBef>
+              <a:spcAft>
+                <a:spcPts val="0"/>
+              </a:spcAft>
+              <a:buSzTx/>
+              <a:buFont typeface="+mj-lt"/>
+              <a:buAutoNum type="arabicPeriod"/>
+            </a:pPr>
+            <a:r>
+              <a:rPr lang="en-US" dirty="0" smtClean="0"/>
+              <a:t>Design </a:t>
+            </a:r>
+            <a:r>
+              <a:rPr lang="en-US" dirty="0"/>
+              <a:t>a framework which dynamically ensures a certain level of reliability by replicating tasks, detecting node failures, and adapting to changing system </a:t>
+            </a:r>
+            <a:r>
+              <a:rPr lang="en-US" dirty="0" smtClean="0"/>
+              <a:t>properties</a:t>
+            </a:r>
+          </a:p>
+          <a:p>
+            <a:pPr marL="457200" indent="-457200">
+              <a:lnSpc>
+                <a:spcPct val="100000"/>
+              </a:lnSpc>
+              <a:spcBef>
+                <a:spcPts val="0"/>
+              </a:spcBef>
+              <a:spcAft>
+                <a:spcPts val="0"/>
+              </a:spcAft>
+              <a:buSzTx/>
+              <a:buFont typeface="+mj-lt"/>
+              <a:buAutoNum type="arabicPeriod"/>
+            </a:pPr>
+            <a:endParaRPr lang="en-US" dirty="0"/>
+          </a:p>
+          <a:p>
+            <a:pPr marL="457200" indent="-457200">
+              <a:lnSpc>
+                <a:spcPct val="100000"/>
+              </a:lnSpc>
+              <a:spcBef>
+                <a:spcPts val="0"/>
+              </a:spcBef>
+              <a:spcAft>
+                <a:spcPts val="0"/>
+              </a:spcAft>
+              <a:buSzTx/>
+              <a:buFont typeface="+mj-lt"/>
+              <a:buAutoNum type="arabicPeriod"/>
+            </a:pPr>
+            <a:r>
+              <a:rPr lang="en-US" dirty="0" smtClean="0"/>
+              <a:t>Implement and evaluate using Calvin</a:t>
+            </a:r>
+            <a:endParaRPr lang="en-US" dirty="0"/>
+          </a:p>
+        </p:txBody>
+      </p:sp>
+    </p:spTree>
+    <p:extLst>
+      <p:ext uri="{BB962C8B-B14F-4D97-AF65-F5344CB8AC3E}">
+        <p14:creationId xmlns:p14="http://schemas.microsoft.com/office/powerpoint/2010/main" val="1070146524"/>
+      </p:ext>
+    </p:extLst>
+  </p:cSld>
+  <p:clrMapOvr>
+    <a:masterClrMapping/>
+  </p:clrMapOvr>
+  <p:timing>
+    <p:tnLst>
+      <p:par>
+        <p:cTn id="1" dur="indefinite" restart="never" nodeType="tmRoot"/>
+      </p:par>
+    </p:tnLst>
+  </p:timing>
+</p:sld>
+</file>
+
+<file path=ppt/slides/slide40.xml><?xml version="1.0" encoding="utf-8"?>
 <p:sld xmlns:a="http://schemas.openxmlformats.org/drawingml/2006/main" xmlns:r="http://schemas.openxmlformats.org/officeDocument/2006/relationships" xmlns:p="http://schemas.openxmlformats.org/presentationml/2006/main">
   <p:cSld>
     <p:spTree>
@@ -31662,11 +31322,7 @@
             </a:pPr>
             <a:r>
               <a:rPr lang="en-US" dirty="0" smtClean="0"/>
-              <a:t>Nodes are </a:t>
-            </a:r>
-            <a:r>
-              <a:rPr lang="en-US" dirty="0" smtClean="0"/>
-              <a:t>either </a:t>
+              <a:t>Nodes are either </a:t>
             </a:r>
             <a:r>
               <a:rPr lang="en-US" i="1" dirty="0" smtClean="0"/>

--- a/presentation/presentation2.pptx
+++ b/presentation/presentation2.pptx
@@ -11,7 +11,7 @@
     <p:sldId id="256" r:id="rId2"/>
     <p:sldId id="257" r:id="rId3"/>
     <p:sldId id="288" r:id="rId4"/>
-    <p:sldId id="329" r:id="rId5"/>
+    <p:sldId id="382" r:id="rId5"/>
     <p:sldId id="371" r:id="rId6"/>
     <p:sldId id="331" r:id="rId7"/>
     <p:sldId id="373" r:id="rId8"/>
@@ -239,7 +239,7 @@
           <a:p>
             <a:fld id="{C325F682-9988-D94F-9A71-50A4F920F505}" type="datetimeFigureOut">
               <a:rPr lang="en-US" smtClean="0"/>
-              <a:t>5/26/2016</a:t>
+              <a:t>5/26/16</a:t>
             </a:fld>
             <a:endParaRPr lang="en-US"/>
           </a:p>
@@ -12637,281 +12637,129 @@
             </a:r>
           </a:p>
           <a:p>
+            <a:r>
+              <a:rPr lang="en-US" baseline="0" dirty="0" err="1" smtClean="0"/>
+              <a:t>Och</a:t>
+            </a:r>
+            <a:r>
+              <a:rPr lang="en-US" baseline="0" dirty="0" smtClean="0"/>
+              <a:t> </a:t>
+            </a:r>
+            <a:r>
+              <a:rPr lang="en-US" baseline="0" dirty="0" err="1" smtClean="0"/>
+              <a:t>genom</a:t>
+            </a:r>
+            <a:r>
+              <a:rPr lang="en-US" baseline="0" dirty="0" smtClean="0"/>
+              <a:t> </a:t>
+            </a:r>
+            <a:r>
+              <a:rPr lang="en-US" baseline="0" dirty="0" err="1" smtClean="0"/>
+              <a:t>att</a:t>
+            </a:r>
+            <a:r>
+              <a:rPr lang="en-US" baseline="0" dirty="0" smtClean="0"/>
+              <a:t> </a:t>
+            </a:r>
+            <a:r>
+              <a:rPr lang="en-US" baseline="0" dirty="0" err="1" smtClean="0"/>
+              <a:t>implementera</a:t>
+            </a:r>
+            <a:r>
+              <a:rPr lang="en-US" baseline="0" dirty="0" smtClean="0"/>
+              <a:t> </a:t>
+            </a:r>
+            <a:r>
+              <a:rPr lang="en-US" baseline="0" dirty="0" err="1" smtClean="0"/>
+              <a:t>denna</a:t>
+            </a:r>
+            <a:r>
+              <a:rPr lang="en-US" baseline="0" dirty="0" smtClean="0"/>
+              <a:t> </a:t>
+            </a:r>
+            <a:r>
+              <a:rPr lang="en-US" baseline="0" dirty="0" err="1" smtClean="0"/>
+              <a:t>funktionaliten</a:t>
+            </a:r>
+            <a:r>
+              <a:rPr lang="en-US" baseline="0" dirty="0" smtClean="0"/>
+              <a:t> </a:t>
+            </a:r>
+            <a:r>
+              <a:rPr lang="en-US" baseline="0" dirty="0" err="1" smtClean="0"/>
+              <a:t>ville</a:t>
+            </a:r>
+            <a:r>
+              <a:rPr lang="en-US" baseline="0" dirty="0" smtClean="0"/>
+              <a:t> vi </a:t>
+            </a:r>
+            <a:r>
+              <a:rPr lang="en-US" baseline="0" dirty="0" err="1" smtClean="0"/>
+              <a:t>skapa</a:t>
+            </a:r>
+            <a:r>
+              <a:rPr lang="en-US" baseline="0" dirty="0" smtClean="0"/>
+              <a:t> en platform </a:t>
+            </a:r>
+            <a:r>
+              <a:rPr lang="en-US" baseline="0" dirty="0" err="1" smtClean="0"/>
+              <a:t>där</a:t>
+            </a:r>
+            <a:r>
+              <a:rPr lang="en-US" baseline="0" dirty="0" smtClean="0"/>
+              <a:t> msn </a:t>
+            </a:r>
+            <a:r>
+              <a:rPr lang="en-US" baseline="0" dirty="0" err="1" smtClean="0"/>
+              <a:t>kan</a:t>
+            </a:r>
+            <a:r>
+              <a:rPr lang="en-US" baseline="0" dirty="0" smtClean="0"/>
+              <a:t> </a:t>
+            </a:r>
+            <a:r>
+              <a:rPr lang="en-US" baseline="0" dirty="0" err="1" smtClean="0"/>
+              <a:t>experimentera</a:t>
+            </a:r>
+            <a:r>
+              <a:rPr lang="en-US" baseline="0" dirty="0" smtClean="0"/>
+              <a:t> med </a:t>
+            </a:r>
+            <a:r>
+              <a:rPr lang="en-US" baseline="0" dirty="0" err="1" smtClean="0"/>
+              <a:t>olika</a:t>
+            </a:r>
+            <a:r>
+              <a:rPr lang="en-US" baseline="0" dirty="0" smtClean="0"/>
+              <a:t> </a:t>
+            </a:r>
+            <a:r>
+              <a:rPr lang="en-US" baseline="0" dirty="0" err="1" smtClean="0"/>
+              <a:t>scheduleringsalgoritmer</a:t>
+            </a:r>
+            <a:r>
+              <a:rPr lang="en-US" baseline="0" dirty="0" smtClean="0"/>
+              <a:t> </a:t>
+            </a:r>
+            <a:r>
+              <a:rPr lang="en-US" baseline="0" dirty="0" err="1" smtClean="0"/>
+              <a:t>och</a:t>
+            </a:r>
+            <a:r>
+              <a:rPr lang="en-US" baseline="0" dirty="0" smtClean="0"/>
+              <a:t> </a:t>
+            </a:r>
+            <a:r>
+              <a:rPr lang="en-US" baseline="0" dirty="0" err="1" smtClean="0"/>
+              <a:t>tillförlitlighetsmodeller</a:t>
+            </a:r>
+            <a:r>
+              <a:rPr lang="en-US" baseline="0" dirty="0" smtClean="0"/>
+              <a:t>.</a:t>
+            </a:r>
+          </a:p>
+          <a:p>
             <a:endParaRPr lang="en-US" baseline="0" dirty="0" smtClean="0"/>
-          </a:p>
-          <a:p>
-            <a:r>
-              <a:rPr lang="en-US" baseline="0" dirty="0" err="1" smtClean="0"/>
-              <a:t>För</a:t>
-            </a:r>
-            <a:r>
-              <a:rPr lang="en-US" baseline="0" dirty="0" smtClean="0"/>
-              <a:t> </a:t>
-            </a:r>
-            <a:r>
-              <a:rPr lang="en-US" baseline="0" dirty="0" err="1" smtClean="0"/>
-              <a:t>att</a:t>
-            </a:r>
-            <a:r>
-              <a:rPr lang="en-US" baseline="0" dirty="0" smtClean="0"/>
-              <a:t> </a:t>
-            </a:r>
-            <a:r>
-              <a:rPr lang="en-US" baseline="0" dirty="0" err="1" smtClean="0"/>
-              <a:t>göra</a:t>
-            </a:r>
-            <a:r>
-              <a:rPr lang="en-US" baseline="0" dirty="0" smtClean="0"/>
-              <a:t> </a:t>
-            </a:r>
-            <a:r>
-              <a:rPr lang="en-US" baseline="0" dirty="0" err="1" smtClean="0"/>
-              <a:t>detta</a:t>
-            </a:r>
-            <a:r>
-              <a:rPr lang="en-US" baseline="0" dirty="0" smtClean="0"/>
-              <a:t> </a:t>
-            </a:r>
-            <a:r>
-              <a:rPr lang="en-US" baseline="0" dirty="0" err="1" smtClean="0"/>
-              <a:t>så</a:t>
-            </a:r>
-            <a:r>
-              <a:rPr lang="en-US" baseline="0" dirty="0" smtClean="0"/>
-              <a:t> </a:t>
-            </a:r>
-            <a:r>
-              <a:rPr lang="en-US" baseline="0" dirty="0" err="1" smtClean="0"/>
-              <a:t>har</a:t>
-            </a:r>
-            <a:r>
-              <a:rPr lang="en-US" baseline="0" dirty="0" smtClean="0"/>
-              <a:t> vi </a:t>
-            </a:r>
-            <a:r>
-              <a:rPr lang="en-US" baseline="0" dirty="0" err="1" smtClean="0"/>
-              <a:t>designat</a:t>
-            </a:r>
-            <a:r>
-              <a:rPr lang="en-US" baseline="0" dirty="0" smtClean="0"/>
-              <a:t> </a:t>
-            </a:r>
-            <a:r>
-              <a:rPr lang="en-US" baseline="0" dirty="0" err="1" smtClean="0"/>
-              <a:t>ett</a:t>
-            </a:r>
-            <a:r>
-              <a:rPr lang="en-US" baseline="0" dirty="0" smtClean="0"/>
-              <a:t> </a:t>
-            </a:r>
-            <a:r>
-              <a:rPr lang="en-US" baseline="0" dirty="0" err="1" smtClean="0"/>
-              <a:t>ramverk</a:t>
-            </a:r>
-            <a:r>
-              <a:rPr lang="en-US" baseline="0" dirty="0" smtClean="0"/>
-              <a:t>, </a:t>
-            </a:r>
-            <a:r>
-              <a:rPr lang="en-US" baseline="0" dirty="0" err="1" smtClean="0"/>
-              <a:t>som</a:t>
-            </a:r>
-            <a:r>
-              <a:rPr lang="en-US" baseline="0" dirty="0" smtClean="0"/>
-              <a:t> </a:t>
-            </a:r>
-            <a:r>
-              <a:rPr lang="en-US" baseline="0" dirty="0" err="1" smtClean="0"/>
-              <a:t>på</a:t>
-            </a:r>
-            <a:r>
-              <a:rPr lang="en-US" baseline="0" dirty="0" smtClean="0"/>
-              <a:t> </a:t>
-            </a:r>
-            <a:r>
-              <a:rPr lang="en-US" baseline="0" dirty="0" err="1" smtClean="0"/>
-              <a:t>ett</a:t>
-            </a:r>
-            <a:r>
-              <a:rPr lang="en-US" baseline="0" dirty="0" smtClean="0"/>
-              <a:t> </a:t>
-            </a:r>
-            <a:r>
-              <a:rPr lang="en-US" baseline="0" dirty="0" err="1" smtClean="0"/>
-              <a:t>dynamiskt</a:t>
-            </a:r>
-            <a:r>
-              <a:rPr lang="en-US" baseline="0" dirty="0" smtClean="0"/>
-              <a:t> </a:t>
-            </a:r>
-            <a:r>
-              <a:rPr lang="en-US" baseline="0" dirty="0" err="1" smtClean="0"/>
-              <a:t>och</a:t>
-            </a:r>
-            <a:r>
-              <a:rPr lang="en-US" baseline="0" dirty="0" smtClean="0"/>
-              <a:t> </a:t>
-            </a:r>
-            <a:r>
-              <a:rPr lang="en-US" baseline="0" dirty="0" err="1" smtClean="0"/>
-              <a:t>optimalt</a:t>
-            </a:r>
-            <a:r>
-              <a:rPr lang="en-US" baseline="0" dirty="0" smtClean="0"/>
-              <a:t> </a:t>
-            </a:r>
-            <a:r>
-              <a:rPr lang="en-US" baseline="0" dirty="0" err="1" smtClean="0"/>
-              <a:t>sätt</a:t>
-            </a:r>
-            <a:r>
-              <a:rPr lang="en-US" baseline="0" dirty="0" smtClean="0"/>
-              <a:t> </a:t>
-            </a:r>
-            <a:r>
-              <a:rPr lang="en-US" baseline="0" dirty="0" err="1" smtClean="0"/>
-              <a:t>tillgodoser</a:t>
-            </a:r>
-            <a:r>
-              <a:rPr lang="en-US" baseline="0" dirty="0" smtClean="0"/>
-              <a:t> </a:t>
-            </a:r>
-            <a:r>
-              <a:rPr lang="en-US" baseline="0" dirty="0" err="1" smtClean="0"/>
-              <a:t>en</a:t>
-            </a:r>
-            <a:r>
-              <a:rPr lang="en-US" baseline="0" dirty="0" smtClean="0"/>
-              <a:t> </a:t>
-            </a:r>
-            <a:r>
-              <a:rPr lang="en-US" baseline="0" dirty="0" err="1" smtClean="0"/>
-              <a:t>viss</a:t>
-            </a:r>
-            <a:r>
-              <a:rPr lang="en-US" baseline="0" dirty="0" smtClean="0"/>
-              <a:t> </a:t>
-            </a:r>
-            <a:r>
-              <a:rPr lang="en-US" baseline="0" dirty="0" err="1" smtClean="0"/>
-              <a:t>tillförlitlighetsnivå</a:t>
-            </a:r>
-            <a:r>
-              <a:rPr lang="en-US" baseline="0" dirty="0" smtClean="0"/>
-              <a:t>, </a:t>
-            </a:r>
-            <a:r>
-              <a:rPr lang="en-US" baseline="0" dirty="0" err="1" smtClean="0"/>
-              <a:t>genom</a:t>
-            </a:r>
-            <a:r>
-              <a:rPr lang="en-US" baseline="0" dirty="0" smtClean="0"/>
-              <a:t> </a:t>
-            </a:r>
-            <a:r>
-              <a:rPr lang="en-US" baseline="0" dirty="0" err="1" smtClean="0"/>
-              <a:t>att</a:t>
-            </a:r>
-            <a:r>
-              <a:rPr lang="en-US" baseline="0" dirty="0" smtClean="0"/>
-              <a:t> </a:t>
-            </a:r>
-            <a:r>
-              <a:rPr lang="en-US" baseline="0" dirty="0" err="1" smtClean="0"/>
-              <a:t>skapa</a:t>
-            </a:r>
-            <a:r>
-              <a:rPr lang="en-US" baseline="0" dirty="0" smtClean="0"/>
-              <a:t> </a:t>
-            </a:r>
-            <a:r>
-              <a:rPr lang="en-US" baseline="0" dirty="0" err="1" smtClean="0"/>
-              <a:t>tillräckligt</a:t>
-            </a:r>
-            <a:r>
-              <a:rPr lang="en-US" baseline="0" dirty="0" smtClean="0"/>
-              <a:t> </a:t>
-            </a:r>
-            <a:r>
-              <a:rPr lang="en-US" baseline="0" dirty="0" err="1" smtClean="0"/>
-              <a:t>många</a:t>
-            </a:r>
-            <a:r>
-              <a:rPr lang="en-US" baseline="0" dirty="0" smtClean="0"/>
-              <a:t> </a:t>
-            </a:r>
-            <a:r>
-              <a:rPr lang="en-US" baseline="0" dirty="0" err="1" smtClean="0"/>
-              <a:t>replikor</a:t>
-            </a:r>
-            <a:r>
-              <a:rPr lang="en-US" baseline="0" dirty="0" smtClean="0"/>
-              <a:t>, </a:t>
-            </a:r>
-            <a:r>
-              <a:rPr lang="en-US" baseline="0" dirty="0" err="1" smtClean="0"/>
-              <a:t>upptäcker</a:t>
-            </a:r>
-            <a:r>
-              <a:rPr lang="en-US" baseline="0" dirty="0" smtClean="0"/>
-              <a:t> </a:t>
-            </a:r>
-            <a:r>
-              <a:rPr lang="en-US" baseline="0" dirty="0" err="1" smtClean="0"/>
-              <a:t>fel</a:t>
-            </a:r>
-            <a:r>
-              <a:rPr lang="en-US" baseline="0" dirty="0" smtClean="0"/>
-              <a:t> </a:t>
-            </a:r>
-            <a:r>
-              <a:rPr lang="en-US" baseline="0" dirty="0" err="1" smtClean="0"/>
-              <a:t>och</a:t>
-            </a:r>
-            <a:r>
-              <a:rPr lang="en-US" baseline="0" dirty="0" smtClean="0"/>
-              <a:t> </a:t>
-            </a:r>
-            <a:r>
-              <a:rPr lang="en-US" baseline="0" dirty="0" err="1" smtClean="0"/>
-              <a:t>anpassar</a:t>
-            </a:r>
-            <a:r>
-              <a:rPr lang="en-US" baseline="0" dirty="0" smtClean="0"/>
-              <a:t> sig till </a:t>
-            </a:r>
-            <a:r>
-              <a:rPr lang="en-US" baseline="0" dirty="0" err="1" smtClean="0"/>
-              <a:t>varierande</a:t>
-            </a:r>
-            <a:r>
-              <a:rPr lang="en-US" baseline="0" dirty="0" smtClean="0"/>
-              <a:t> </a:t>
-            </a:r>
-            <a:r>
-              <a:rPr lang="en-US" baseline="0" dirty="0" err="1" smtClean="0"/>
-              <a:t>egenskaper</a:t>
-            </a:r>
-            <a:r>
-              <a:rPr lang="en-US" baseline="0" dirty="0" smtClean="0"/>
-              <a:t> </a:t>
-            </a:r>
-            <a:r>
-              <a:rPr lang="en-US" baseline="0" dirty="0" err="1" smtClean="0"/>
-              <a:t>i</a:t>
-            </a:r>
-            <a:r>
-              <a:rPr lang="en-US" baseline="0" dirty="0" smtClean="0"/>
-              <a:t> </a:t>
-            </a:r>
-            <a:r>
-              <a:rPr lang="en-US" baseline="0" dirty="0" err="1" smtClean="0"/>
-              <a:t>systemet</a:t>
-            </a:r>
-            <a:r>
-              <a:rPr lang="en-US" baseline="0" dirty="0" smtClean="0"/>
-              <a:t>. </a:t>
-            </a:r>
           </a:p>
           <a:p>
             <a:pPr marL="0" marR="0" indent="0" algn="l" defTabSz="914400" rtl="0" eaLnBrk="1" fontAlgn="auto" latinLnBrk="0" hangingPunct="1">
@@ -12931,26 +12779,171 @@
               <a:tabLst/>
               <a:defRPr/>
             </a:pPr>
+            <a:r>
+              <a:rPr lang="en-US" baseline="0" dirty="0" err="1" smtClean="0"/>
+              <a:t>För</a:t>
+            </a:r>
+            <a:r>
+              <a:rPr lang="en-US" baseline="0" dirty="0" smtClean="0"/>
+              <a:t> </a:t>
+            </a:r>
+            <a:r>
+              <a:rPr lang="en-US" baseline="0" dirty="0" err="1" smtClean="0"/>
+              <a:t>att</a:t>
+            </a:r>
+            <a:r>
+              <a:rPr lang="en-US" baseline="0" dirty="0" smtClean="0"/>
+              <a:t> </a:t>
+            </a:r>
+            <a:r>
+              <a:rPr lang="en-US" baseline="0" dirty="0" err="1" smtClean="0"/>
+              <a:t>göra</a:t>
+            </a:r>
+            <a:r>
+              <a:rPr lang="en-US" baseline="0" dirty="0" smtClean="0"/>
+              <a:t> </a:t>
+            </a:r>
+            <a:r>
+              <a:rPr lang="en-US" baseline="0" dirty="0" err="1" smtClean="0"/>
+              <a:t>detta</a:t>
+            </a:r>
+            <a:r>
+              <a:rPr lang="en-US" baseline="0" dirty="0" smtClean="0"/>
+              <a:t> </a:t>
+            </a:r>
+            <a:r>
+              <a:rPr lang="en-US" baseline="0" dirty="0" err="1" smtClean="0"/>
+              <a:t>så</a:t>
+            </a:r>
+            <a:r>
+              <a:rPr lang="en-US" baseline="0" dirty="0" smtClean="0"/>
+              <a:t> </a:t>
+            </a:r>
+            <a:r>
+              <a:rPr lang="en-US" baseline="0" dirty="0" err="1" smtClean="0"/>
+              <a:t>har</a:t>
+            </a:r>
+            <a:r>
+              <a:rPr lang="en-US" baseline="0" dirty="0" smtClean="0"/>
+              <a:t> vi </a:t>
+            </a:r>
+            <a:r>
+              <a:rPr lang="en-US" baseline="0" dirty="0" err="1" smtClean="0"/>
+              <a:t>designat</a:t>
+            </a:r>
+            <a:r>
+              <a:rPr lang="en-US" baseline="0" dirty="0" smtClean="0"/>
+              <a:t> en </a:t>
+            </a:r>
+            <a:r>
+              <a:rPr lang="en-US" baseline="0" dirty="0" err="1" smtClean="0"/>
+              <a:t>tillförlitlighetsmodel</a:t>
+            </a:r>
+            <a:r>
+              <a:rPr lang="en-US" baseline="0" dirty="0" smtClean="0"/>
+              <a:t>, </a:t>
+            </a:r>
+            <a:r>
+              <a:rPr lang="en-US" baseline="0" dirty="0" err="1" smtClean="0"/>
+              <a:t>som</a:t>
+            </a:r>
+            <a:r>
+              <a:rPr lang="en-US" baseline="0" dirty="0" smtClean="0"/>
+              <a:t> </a:t>
+            </a:r>
+            <a:r>
+              <a:rPr lang="en-US" baseline="0" dirty="0" err="1" smtClean="0"/>
+              <a:t>beskriver</a:t>
+            </a:r>
+            <a:r>
+              <a:rPr lang="en-US" baseline="0" dirty="0" smtClean="0"/>
+              <a:t> </a:t>
+            </a:r>
+            <a:r>
+              <a:rPr lang="en-US" baseline="0" dirty="0" err="1" smtClean="0"/>
+              <a:t>tillförlitligheten</a:t>
+            </a:r>
+            <a:r>
+              <a:rPr lang="en-US" baseline="0" dirty="0" smtClean="0"/>
+              <a:t> </a:t>
+            </a:r>
+            <a:r>
+              <a:rPr lang="en-US" baseline="0" dirty="0" err="1" smtClean="0"/>
+              <a:t>av</a:t>
+            </a:r>
+            <a:r>
+              <a:rPr lang="en-US" baseline="0" dirty="0" smtClean="0"/>
+              <a:t> </a:t>
+            </a:r>
+            <a:r>
+              <a:rPr lang="en-US" baseline="0" dirty="0" err="1" smtClean="0"/>
+              <a:t>noderna</a:t>
+            </a:r>
+            <a:r>
+              <a:rPr lang="en-US" baseline="0" dirty="0" smtClean="0"/>
+              <a:t> I </a:t>
+            </a:r>
+            <a:r>
+              <a:rPr lang="en-US" baseline="0" dirty="0" err="1" smtClean="0"/>
+              <a:t>ett</a:t>
+            </a:r>
+            <a:r>
+              <a:rPr lang="en-US" baseline="0" dirty="0" smtClean="0"/>
+              <a:t> </a:t>
+            </a:r>
+            <a:r>
+              <a:rPr lang="en-US" baseline="0" dirty="0" err="1" smtClean="0"/>
+              <a:t>distribuerat</a:t>
+            </a:r>
+            <a:r>
+              <a:rPr lang="en-US" baseline="0" dirty="0" smtClean="0"/>
+              <a:t> system, </a:t>
+            </a:r>
+            <a:r>
+              <a:rPr lang="en-US" baseline="0" dirty="0" err="1" smtClean="0"/>
+              <a:t>samt</a:t>
+            </a:r>
+            <a:r>
+              <a:rPr lang="en-US" baseline="0" dirty="0" smtClean="0"/>
+              <a:t> </a:t>
+            </a:r>
+            <a:r>
+              <a:rPr lang="en-US" baseline="0" dirty="0" err="1" smtClean="0"/>
+              <a:t>applikationerna</a:t>
+            </a:r>
+            <a:r>
+              <a:rPr lang="en-US" baseline="0" dirty="0" smtClean="0"/>
+              <a:t> </a:t>
+            </a:r>
+            <a:r>
+              <a:rPr lang="en-US" baseline="0" dirty="0" err="1" smtClean="0"/>
+              <a:t>som</a:t>
+            </a:r>
+            <a:r>
+              <a:rPr lang="en-US" baseline="0" dirty="0" smtClean="0"/>
+              <a:t> </a:t>
+            </a:r>
+            <a:r>
+              <a:rPr lang="en-US" baseline="0" dirty="0" err="1" smtClean="0"/>
+              <a:t>körs</a:t>
+            </a:r>
+            <a:r>
+              <a:rPr lang="en-US" baseline="0" dirty="0" smtClean="0"/>
+              <a:t> </a:t>
+            </a:r>
+            <a:r>
+              <a:rPr lang="en-US" baseline="0" dirty="0" err="1" smtClean="0"/>
+              <a:t>där</a:t>
+            </a:r>
+            <a:r>
+              <a:rPr lang="en-US" baseline="0" dirty="0" smtClean="0"/>
+              <a:t>.</a:t>
+            </a:r>
+          </a:p>
+          <a:p>
             <a:endParaRPr lang="en-US" baseline="0" dirty="0" smtClean="0"/>
           </a:p>
           <a:p>
-            <a:pPr marL="0" marR="0" indent="0" algn="l" defTabSz="914400" rtl="0" eaLnBrk="1" fontAlgn="auto" latinLnBrk="0" hangingPunct="1">
-              <a:lnSpc>
-                <a:spcPct val="100000"/>
-              </a:lnSpc>
-              <a:spcBef>
-                <a:spcPts val="0"/>
-              </a:spcBef>
-              <a:spcAft>
-                <a:spcPts val="0"/>
-              </a:spcAft>
-              <a:buClrTx/>
-              <a:buSzTx/>
-              <a:buFontTx/>
-              <a:buNone/>
-              <a:tabLst/>
-              <a:defRPr/>
-            </a:pPr>
             <a:r>
               <a:rPr lang="en-US" baseline="0" dirty="0" err="1" smtClean="0"/>
               <a:t>Vidare</a:t>
@@ -12977,15 +12970,15 @@
             </a:r>
             <a:r>
               <a:rPr lang="en-US" baseline="0" dirty="0" err="1" smtClean="0"/>
-              <a:t>en</a:t>
-            </a:r>
-            <a:r>
-              <a:rPr lang="en-US" baseline="0" dirty="0" smtClean="0"/>
-              <a:t> </a:t>
-            </a:r>
-            <a:r>
-              <a:rPr lang="en-US" baseline="0" dirty="0" err="1" smtClean="0"/>
-              <a:t>tillförlitlighetsmodel</a:t>
+              <a:t>ett</a:t>
+            </a:r>
+            <a:r>
+              <a:rPr lang="en-US" baseline="0" dirty="0" smtClean="0"/>
+              <a:t> </a:t>
+            </a:r>
+            <a:r>
+              <a:rPr lang="en-US" baseline="0" dirty="0" err="1" smtClean="0"/>
+              <a:t>ramverk</a:t>
             </a:r>
             <a:r>
               <a:rPr lang="en-US" baseline="0" dirty="0" smtClean="0"/>
@@ -13001,7 +12994,87 @@
             </a:r>
             <a:r>
               <a:rPr lang="en-US" baseline="0" dirty="0" err="1" smtClean="0"/>
-              <a:t>för</a:t>
+              <a:t>som</a:t>
+            </a:r>
+            <a:r>
+              <a:rPr lang="en-US" baseline="0" dirty="0" smtClean="0"/>
+              <a:t> </a:t>
+            </a:r>
+            <a:r>
+              <a:rPr lang="en-US" baseline="0" dirty="0" err="1" smtClean="0"/>
+              <a:t>på</a:t>
+            </a:r>
+            <a:r>
+              <a:rPr lang="en-US" baseline="0" dirty="0" smtClean="0"/>
+              <a:t> </a:t>
+            </a:r>
+            <a:r>
+              <a:rPr lang="en-US" baseline="0" dirty="0" err="1" smtClean="0"/>
+              <a:t>ett</a:t>
+            </a:r>
+            <a:r>
+              <a:rPr lang="en-US" baseline="0" dirty="0" smtClean="0"/>
+              <a:t> </a:t>
+            </a:r>
+            <a:r>
+              <a:rPr lang="en-US" baseline="0" dirty="0" err="1" smtClean="0"/>
+              <a:t>dynamiskt</a:t>
+            </a:r>
+            <a:r>
+              <a:rPr lang="en-US" baseline="0" dirty="0" smtClean="0"/>
+              <a:t> </a:t>
+            </a:r>
+            <a:r>
+              <a:rPr lang="en-US" baseline="0" dirty="0" err="1" smtClean="0"/>
+              <a:t>och</a:t>
+            </a:r>
+            <a:r>
+              <a:rPr lang="en-US" baseline="0" dirty="0" smtClean="0"/>
+              <a:t> </a:t>
+            </a:r>
+            <a:r>
+              <a:rPr lang="en-US" baseline="0" dirty="0" err="1" smtClean="0"/>
+              <a:t>optimalt</a:t>
+            </a:r>
+            <a:r>
+              <a:rPr lang="en-US" baseline="0" dirty="0" smtClean="0"/>
+              <a:t> </a:t>
+            </a:r>
+            <a:r>
+              <a:rPr lang="en-US" baseline="0" dirty="0" err="1" smtClean="0"/>
+              <a:t>sätt</a:t>
+            </a:r>
+            <a:r>
+              <a:rPr lang="en-US" baseline="0" dirty="0" smtClean="0"/>
+              <a:t> </a:t>
+            </a:r>
+            <a:r>
+              <a:rPr lang="en-US" baseline="0" dirty="0" err="1" smtClean="0"/>
+              <a:t>tillgodoser</a:t>
+            </a:r>
+            <a:r>
+              <a:rPr lang="en-US" baseline="0" dirty="0" smtClean="0"/>
+              <a:t> en </a:t>
+            </a:r>
+            <a:r>
+              <a:rPr lang="en-US" baseline="0" dirty="0" err="1" smtClean="0"/>
+              <a:t>viss</a:t>
+            </a:r>
+            <a:r>
+              <a:rPr lang="en-US" baseline="0" dirty="0" smtClean="0"/>
+              <a:t> </a:t>
+            </a:r>
+            <a:r>
+              <a:rPr lang="en-US" baseline="0" dirty="0" err="1" smtClean="0"/>
+              <a:t>tillförlitlighetsnivå</a:t>
+            </a:r>
+            <a:r>
+              <a:rPr lang="en-US" baseline="0" dirty="0" smtClean="0"/>
+              <a:t>, </a:t>
+            </a:r>
+            <a:r>
+              <a:rPr lang="en-US" baseline="0" dirty="0" err="1" smtClean="0"/>
+              <a:t>genom</a:t>
             </a:r>
             <a:r>
               <a:rPr lang="en-US" baseline="0" dirty="0" smtClean="0"/>
@@ -13017,39 +13090,79 @@
             </a:r>
             <a:r>
               <a:rPr lang="en-US" baseline="0" dirty="0" err="1" smtClean="0"/>
-              <a:t>kunna</a:t>
-            </a:r>
-            <a:r>
-              <a:rPr lang="en-US" baseline="0" dirty="0" smtClean="0"/>
-              <a:t> </a:t>
-            </a:r>
-            <a:r>
-              <a:rPr lang="en-US" baseline="0" dirty="0" err="1" smtClean="0"/>
-              <a:t>bestämma</a:t>
-            </a:r>
-            <a:r>
-              <a:rPr lang="en-US" baseline="0" dirty="0" smtClean="0"/>
-              <a:t> </a:t>
-            </a:r>
-            <a:r>
-              <a:rPr lang="en-US" baseline="0" dirty="0" err="1" smtClean="0"/>
-              <a:t>tillförlitligheten</a:t>
-            </a:r>
-            <a:r>
-              <a:rPr lang="en-US" baseline="0" dirty="0" smtClean="0"/>
-              <a:t> </a:t>
-            </a:r>
-            <a:r>
-              <a:rPr lang="en-US" baseline="0" dirty="0" err="1" smtClean="0"/>
-              <a:t>av</a:t>
-            </a:r>
-            <a:r>
-              <a:rPr lang="en-US" baseline="0" dirty="0" smtClean="0"/>
-              <a:t> </a:t>
-            </a:r>
-            <a:r>
-              <a:rPr lang="en-US" baseline="0" dirty="0" err="1" smtClean="0"/>
-              <a:t>resurserna</a:t>
+              <a:t>skapa</a:t>
+            </a:r>
+            <a:r>
+              <a:rPr lang="en-US" baseline="0" dirty="0" smtClean="0"/>
+              <a:t> </a:t>
+            </a:r>
+            <a:r>
+              <a:rPr lang="en-US" baseline="0" dirty="0" err="1" smtClean="0"/>
+              <a:t>tillräckligt</a:t>
+            </a:r>
+            <a:r>
+              <a:rPr lang="en-US" baseline="0" dirty="0" smtClean="0"/>
+              <a:t> </a:t>
+            </a:r>
+            <a:r>
+              <a:rPr lang="en-US" baseline="0" dirty="0" err="1" smtClean="0"/>
+              <a:t>många</a:t>
+            </a:r>
+            <a:r>
+              <a:rPr lang="en-US" baseline="0" dirty="0" smtClean="0"/>
+              <a:t> </a:t>
+            </a:r>
+            <a:r>
+              <a:rPr lang="en-US" baseline="0" dirty="0" err="1" smtClean="0"/>
+              <a:t>kopior</a:t>
+            </a:r>
+            <a:r>
+              <a:rPr lang="en-US" baseline="0" dirty="0" smtClean="0"/>
+              <a:t>, </a:t>
+            </a:r>
+            <a:r>
+              <a:rPr lang="en-US" baseline="0" dirty="0" err="1" smtClean="0"/>
+              <a:t>upptäcker</a:t>
+            </a:r>
+            <a:r>
+              <a:rPr lang="en-US" baseline="0" dirty="0" smtClean="0"/>
+              <a:t> </a:t>
+            </a:r>
+            <a:r>
+              <a:rPr lang="en-US" baseline="0" dirty="0" err="1" smtClean="0"/>
+              <a:t>fel</a:t>
+            </a:r>
+            <a:r>
+              <a:rPr lang="en-US" baseline="0" dirty="0" smtClean="0"/>
+              <a:t> </a:t>
+            </a:r>
+            <a:r>
+              <a:rPr lang="en-US" baseline="0" dirty="0" err="1" smtClean="0"/>
+              <a:t>och</a:t>
+            </a:r>
+            <a:r>
+              <a:rPr lang="en-US" baseline="0" dirty="0" smtClean="0"/>
+              <a:t> </a:t>
+            </a:r>
+            <a:r>
+              <a:rPr lang="en-US" baseline="0" dirty="0" err="1" smtClean="0"/>
+              <a:t>anpassar</a:t>
+            </a:r>
+            <a:r>
+              <a:rPr lang="en-US" baseline="0" dirty="0" smtClean="0"/>
+              <a:t> sig till </a:t>
+            </a:r>
+            <a:r>
+              <a:rPr lang="en-US" baseline="0" dirty="0" err="1" smtClean="0"/>
+              <a:t>varierande</a:t>
+            </a:r>
+            <a:r>
+              <a:rPr lang="en-US" baseline="0" dirty="0" smtClean="0"/>
+              <a:t> </a:t>
+            </a:r>
+            <a:r>
+              <a:rPr lang="en-US" baseline="0" dirty="0" err="1" smtClean="0"/>
+              <a:t>egenskaper</a:t>
             </a:r>
             <a:r>
               <a:rPr lang="en-US" baseline="0" dirty="0" smtClean="0"/>
@@ -13065,75 +13178,11 @@
             </a:r>
             <a:r>
               <a:rPr lang="en-US" baseline="0" dirty="0" err="1" smtClean="0"/>
-              <a:t>en</a:t>
-            </a:r>
-            <a:r>
-              <a:rPr lang="en-US" baseline="0" dirty="0" smtClean="0"/>
-              <a:t> </a:t>
-            </a:r>
-            <a:r>
-              <a:rPr lang="en-US" baseline="0" dirty="0" err="1" smtClean="0"/>
-              <a:t>sådan</a:t>
-            </a:r>
-            <a:r>
-              <a:rPr lang="en-US" baseline="0" dirty="0" smtClean="0"/>
-              <a:t> </a:t>
-            </a:r>
-            <a:r>
-              <a:rPr lang="en-US" baseline="0" dirty="0" err="1" smtClean="0"/>
-              <a:t>miljö</a:t>
-            </a:r>
-            <a:r>
-              <a:rPr lang="en-US" baseline="0" dirty="0" smtClean="0"/>
-              <a:t>, </a:t>
-            </a:r>
-            <a:r>
-              <a:rPr lang="en-US" baseline="0" dirty="0" err="1" smtClean="0"/>
-              <a:t>samt</a:t>
-            </a:r>
-            <a:r>
-              <a:rPr lang="en-US" baseline="0" dirty="0" smtClean="0"/>
-              <a:t> </a:t>
-            </a:r>
-            <a:r>
-              <a:rPr lang="en-US" baseline="0" dirty="0" err="1" smtClean="0"/>
-              <a:t>applikationerna</a:t>
-            </a:r>
-            <a:r>
-              <a:rPr lang="en-US" baseline="0" dirty="0" smtClean="0"/>
-              <a:t> </a:t>
-            </a:r>
-            <a:r>
-              <a:rPr lang="en-US" baseline="0" dirty="0" err="1" smtClean="0"/>
-              <a:t>som</a:t>
-            </a:r>
-            <a:r>
-              <a:rPr lang="en-US" baseline="0" dirty="0" smtClean="0"/>
-              <a:t> </a:t>
-            </a:r>
-            <a:r>
-              <a:rPr lang="en-US" baseline="0" dirty="0" err="1" smtClean="0"/>
-              <a:t>använder</a:t>
-            </a:r>
-            <a:r>
-              <a:rPr lang="en-US" baseline="0" dirty="0" smtClean="0"/>
-              <a:t> </a:t>
-            </a:r>
-            <a:r>
-              <a:rPr lang="en-US" baseline="0" dirty="0" err="1" smtClean="0"/>
-              <a:t>dessa</a:t>
-            </a:r>
-            <a:r>
-              <a:rPr lang="en-US" baseline="0" dirty="0" smtClean="0"/>
-              <a:t> </a:t>
-            </a:r>
-            <a:r>
-              <a:rPr lang="en-US" baseline="0" dirty="0" err="1" smtClean="0"/>
-              <a:t>resurser</a:t>
-            </a:r>
-            <a:r>
-              <a:rPr lang="en-US" baseline="0" dirty="0" smtClean="0"/>
-              <a:t>.</a:t>
+              <a:t>systemet</a:t>
+            </a:r>
+            <a:r>
+              <a:rPr lang="en-US" baseline="0" dirty="0" smtClean="0"/>
+              <a:t>. </a:t>
             </a:r>
           </a:p>
           <a:p>
@@ -13242,7 +13291,7 @@
     </p:spTree>
     <p:extLst>
       <p:ext uri="{BB962C8B-B14F-4D97-AF65-F5344CB8AC3E}">
-        <p14:creationId xmlns:p14="http://schemas.microsoft.com/office/powerpoint/2010/main" val="254065767"/>
+        <p14:creationId xmlns:p14="http://schemas.microsoft.com/office/powerpoint/2010/main" val="890917639"/>
       </p:ext>
     </p:extLst>
   </p:cSld>
@@ -17977,7 +18026,7 @@
           <a:p>
             <a:fld id="{4BDF68E2-58F2-4D09-BE8B-E3BD06533059}" type="datetimeFigureOut">
               <a:rPr lang="en-US" smtClean="0"/>
-              <a:t>5/26/2016</a:t>
+              <a:t>5/26/16</a:t>
             </a:fld>
             <a:endParaRPr lang="en-US" dirty="0"/>
           </a:p>
@@ -18185,7 +18234,7 @@
           <a:p>
             <a:fld id="{2E2D6473-DF6D-4702-B328-E0DD40540A4E}" type="datetimeFigureOut">
               <a:rPr lang="en-US" smtClean="0"/>
-              <a:t>5/26/2016</a:t>
+              <a:t>5/26/16</a:t>
             </a:fld>
             <a:endParaRPr lang="en-US" dirty="0"/>
           </a:p>
@@ -18441,7 +18490,7 @@
           <a:p>
             <a:fld id="{E26F7E3A-B166-407D-9866-32884E7D5B37}" type="datetimeFigureOut">
               <a:rPr lang="en-US" smtClean="0"/>
-              <a:t>5/26/2016</a:t>
+              <a:t>5/26/16</a:t>
             </a:fld>
             <a:endParaRPr lang="en-US" dirty="0"/>
           </a:p>
@@ -18615,7 +18664,7 @@
           <a:p>
             <a:fld id="{528FC5F6-F338-4AE4-BB23-26385BCFC423}" type="datetimeFigureOut">
               <a:rPr lang="en-US" smtClean="0"/>
-              <a:t>5/26/2016</a:t>
+              <a:t>5/26/16</a:t>
             </a:fld>
             <a:endParaRPr lang="en-US" dirty="0"/>
           </a:p>
@@ -18958,7 +19007,7 @@
           <a:p>
             <a:fld id="{20EBB0C4-6273-4C6E-B9BD-2EDC30F1CD52}" type="datetimeFigureOut">
               <a:rPr lang="en-US" smtClean="0"/>
-              <a:t>5/26/2016</a:t>
+              <a:t>5/26/16</a:t>
             </a:fld>
             <a:endParaRPr lang="en-US" dirty="0"/>
           </a:p>
@@ -19233,7 +19282,7 @@
           <a:p>
             <a:fld id="{19AB4D41-86C1-4908-B66A-0B50CEB3BF29}" type="datetimeFigureOut">
               <a:rPr lang="en-US" smtClean="0"/>
-              <a:t>5/26/2016</a:t>
+              <a:t>5/26/16</a:t>
             </a:fld>
             <a:endParaRPr lang="en-US" dirty="0"/>
           </a:p>
@@ -19612,7 +19661,7 @@
           <a:p>
             <a:fld id="{E6426E2C-56C1-4E0D-A793-0088A7FDD37E}" type="datetimeFigureOut">
               <a:rPr lang="en-US" smtClean="0"/>
-              <a:t>5/26/2016</a:t>
+              <a:t>5/26/16</a:t>
             </a:fld>
             <a:endParaRPr lang="en-US" dirty="0"/>
           </a:p>
@@ -19730,7 +19779,7 @@
           <a:p>
             <a:fld id="{C8C39B41-D8B5-4052-B551-9B5525EAA8B6}" type="datetimeFigureOut">
               <a:rPr lang="en-US" smtClean="0"/>
-              <a:t>5/26/2016</a:t>
+              <a:t>5/26/16</a:t>
             </a:fld>
             <a:endParaRPr lang="en-US" dirty="0"/>
           </a:p>
@@ -19901,7 +19950,7 @@
           <a:p>
             <a:fld id="{4D94136C-8742-45B2-AF27-D93DF72833A9}" type="datetimeFigureOut">
               <a:rPr lang="en-US" smtClean="0"/>
-              <a:t>5/26/2016</a:t>
+              <a:t>5/26/16</a:t>
             </a:fld>
             <a:endParaRPr lang="en-US" dirty="0"/>
           </a:p>
@@ -20256,7 +20305,7 @@
           <a:p>
             <a:fld id="{32ABBEA6-7C60-4B02-AE87-00D78D8422AF}" type="datetimeFigureOut">
               <a:rPr lang="en-US" smtClean="0"/>
-              <a:t>5/26/2016</a:t>
+              <a:t>5/26/16</a:t>
             </a:fld>
             <a:endParaRPr lang="en-US" dirty="0"/>
           </a:p>
@@ -20639,7 +20688,7 @@
           <a:p>
             <a:fld id="{C9CAD897-D46E-4AD2-BD9B-49DD3E640873}" type="datetimeFigureOut">
               <a:rPr lang="en-US" smtClean="0"/>
-              <a:t>5/26/2016</a:t>
+              <a:t>5/26/16</a:t>
             </a:fld>
             <a:endParaRPr lang="en-US" dirty="0"/>
           </a:p>
@@ -20926,7 +20975,7 @@
           <a:p>
             <a:fld id="{98624D31-43A5-475A-80CF-332C9F6DCF35}" type="datetimeFigureOut">
               <a:rPr lang="en-US" smtClean="0"/>
-              <a:t>5/26/2016</a:t>
+              <a:t>5/26/16</a:t>
             </a:fld>
             <a:endParaRPr lang="en-US" dirty="0"/>
           </a:p>
@@ -21728,7 +21777,7 @@
                         <m:dPr>
                           <m:ctrlPr>
                             <a:rPr lang="en-GB" i="1">
-                              <a:latin typeface="Cambria Math" panose="02040503050406030204" pitchFamily="18" charset="0"/>
+                              <a:latin typeface="Cambria Math" charset="0"/>
                             </a:rPr>
                           </m:ctrlPr>
                         </m:dPr>
@@ -21757,7 +21806,7 @@
                         <m:dPr>
                           <m:ctrlPr>
                             <a:rPr lang="en-GB" i="1">
-                              <a:latin typeface="Cambria Math" panose="02040503050406030204" pitchFamily="18" charset="0"/>
+                              <a:latin typeface="Cambria Math" charset="0"/>
                             </a:rPr>
                           </m:ctrlPr>
                         </m:dPr>
@@ -21822,7 +21871,7 @@
                         <m:sSupPr>
                           <m:ctrlPr>
                             <a:rPr lang="is-IS" i="1">
-                              <a:latin typeface="Cambria Math" panose="02040503050406030204" pitchFamily="18" charset="0"/>
+                              <a:latin typeface="Cambria Math" charset="0"/>
                             </a:rPr>
                           </m:ctrlPr>
                         </m:sSupPr>
@@ -21845,7 +21894,7 @@
                             <m:dPr>
                               <m:ctrlPr>
                                 <a:rPr lang="en-US" i="1">
-                                  <a:latin typeface="Cambria Math" panose="02040503050406030204" pitchFamily="18" charset="0"/>
+                                  <a:latin typeface="Cambria Math" charset="0"/>
                                 </a:rPr>
                               </m:ctrlPr>
                             </m:dPr>
@@ -21854,7 +21903,7 @@
                                 <m:fPr>
                                   <m:ctrlPr>
                                     <a:rPr lang="fi-FI" i="1">
-                                      <a:latin typeface="Cambria Math" panose="02040503050406030204" pitchFamily="18" charset="0"/>
+                                      <a:latin typeface="Cambria Math" charset="0"/>
                                     </a:rPr>
                                   </m:ctrlPr>
                                 </m:fPr>
@@ -21966,7 +22015,7 @@
                         <m:dPr>
                           <m:ctrlPr>
                             <a:rPr lang="en-GB" i="1">
-                              <a:latin typeface="Cambria Math" panose="02040503050406030204" pitchFamily="18" charset="0"/>
+                              <a:latin typeface="Cambria Math" charset="0"/>
                             </a:rPr>
                           </m:ctrlPr>
                         </m:dPr>
@@ -22180,7 +22229,7 @@
                       <m:sSubPr>
                         <m:ctrlPr>
                           <a:rPr lang="en-US" i="1">
-                            <a:latin typeface="Cambria Math" panose="02040503050406030204" pitchFamily="18" charset="0"/>
+                            <a:latin typeface="Cambria Math" charset="0"/>
                           </a:rPr>
                         </m:ctrlPr>
                       </m:sSubPr>
@@ -22213,7 +22262,7 @@
                       <m:sSubPr>
                         <m:ctrlPr>
                           <a:rPr lang="en-US" i="1">
-                            <a:latin typeface="Cambria Math" panose="02040503050406030204" pitchFamily="18" charset="0"/>
+                            <a:latin typeface="Cambria Math" charset="0"/>
                           </a:rPr>
                         </m:ctrlPr>
                       </m:sSubPr>
@@ -22246,7 +22295,7 @@
                       <m:sSubPr>
                         <m:ctrlPr>
                           <a:rPr lang="en-US" i="1">
-                            <a:latin typeface="Cambria Math" panose="02040503050406030204" pitchFamily="18" charset="0"/>
+                            <a:latin typeface="Cambria Math" charset="0"/>
                           </a:rPr>
                         </m:ctrlPr>
                       </m:sSubPr>
@@ -22395,7 +22444,7 @@
                         <m:fPr>
                           <m:ctrlPr>
                             <a:rPr lang="bg-BG" b="0" i="1" smtClean="0">
-                              <a:latin typeface="Cambria Math" panose="02040503050406030204" pitchFamily="18" charset="0"/>
+                              <a:latin typeface="Cambria Math" charset="0"/>
                             </a:rPr>
                           </m:ctrlPr>
                         </m:fPr>
@@ -22404,7 +22453,7 @@
                             <m:sSubPr>
                               <m:ctrlPr>
                                 <a:rPr lang="en-US" i="1">
-                                  <a:latin typeface="Cambria Math" panose="02040503050406030204" pitchFamily="18" charset="0"/>
+                                  <a:latin typeface="Cambria Math" charset="0"/>
                                 </a:rPr>
                               </m:ctrlPr>
                             </m:sSubPr>
@@ -22435,7 +22484,7 @@
                             <m:sSubPr>
                               <m:ctrlPr>
                                 <a:rPr lang="en-US" i="1">
-                                  <a:latin typeface="Cambria Math" panose="02040503050406030204" pitchFamily="18" charset="0"/>
+                                  <a:latin typeface="Cambria Math" charset="0"/>
                                 </a:rPr>
                               </m:ctrlPr>
                             </m:sSubPr>
@@ -22466,7 +22515,7 @@
                             <m:sSubPr>
                               <m:ctrlPr>
                                 <a:rPr lang="en-US" i="1">
-                                  <a:latin typeface="Cambria Math" panose="02040503050406030204" pitchFamily="18" charset="0"/>
+                                  <a:latin typeface="Cambria Math" charset="0"/>
                                 </a:rPr>
                               </m:ctrlPr>
                             </m:sSubPr>
@@ -22497,7 +22546,7 @@
                             <m:sSubPr>
                               <m:ctrlPr>
                                 <a:rPr lang="en-US" i="1">
-                                  <a:latin typeface="Cambria Math" panose="02040503050406030204" pitchFamily="18" charset="0"/>
+                                  <a:latin typeface="Cambria Math" charset="0"/>
                                 </a:rPr>
                               </m:ctrlPr>
                             </m:sSubPr>
@@ -22621,7 +22670,7 @@
                         <m:fPr>
                           <m:ctrlPr>
                             <a:rPr lang="bg-BG" b="0" i="1" smtClean="0">
-                              <a:latin typeface="Cambria Math" panose="02040503050406030204" pitchFamily="18" charset="0"/>
+                              <a:latin typeface="Cambria Math" charset="0"/>
                             </a:rPr>
                           </m:ctrlPr>
                         </m:fPr>
@@ -22923,7 +22972,7 @@
                         <m:dPr>
                           <m:ctrlPr>
                             <a:rPr lang="en-GB" i="1">
-                              <a:latin typeface="Cambria Math" panose="02040503050406030204" pitchFamily="18" charset="0"/>
+                              <a:latin typeface="Cambria Math" charset="0"/>
                             </a:rPr>
                           </m:ctrlPr>
                         </m:dPr>
@@ -23030,7 +23079,7 @@
                         <m:dPr>
                           <m:ctrlPr>
                             <a:rPr lang="en-GB" i="1">
-                              <a:latin typeface="Cambria Math" panose="02040503050406030204" pitchFamily="18" charset="0"/>
+                              <a:latin typeface="Cambria Math" charset="0"/>
                             </a:rPr>
                           </m:ctrlPr>
                         </m:dPr>
@@ -23125,7 +23174,7 @@
                           <m:chr m:val="∏"/>
                           <m:ctrlPr>
                             <a:rPr lang="is-IS" i="1">
-                              <a:latin typeface="Cambria Math" panose="02040503050406030204" pitchFamily="18" charset="0"/>
+                              <a:latin typeface="Cambria Math" charset="0"/>
                             </a:rPr>
                           </m:ctrlPr>
                         </m:naryPr>
@@ -23159,7 +23208,7 @@
                             <m:sSubPr>
                               <m:ctrlPr>
                                 <a:rPr lang="en-US" i="1">
-                                  <a:latin typeface="Cambria Math" panose="02040503050406030204" pitchFamily="18" charset="0"/>
+                                  <a:latin typeface="Cambria Math" charset="0"/>
                                 </a:rPr>
                               </m:ctrlPr>
                             </m:sSubPr>
@@ -23184,7 +23233,7 @@
                             <m:dPr>
                               <m:ctrlPr>
                                 <a:rPr lang="en-GB" i="1">
-                                  <a:latin typeface="Cambria Math" panose="02040503050406030204" pitchFamily="18" charset="0"/>
+                                  <a:latin typeface="Cambria Math" charset="0"/>
                                 </a:rPr>
                               </m:ctrlPr>
                             </m:dPr>
@@ -23210,7 +23259,7 @@
                           <m:chr m:val="∏"/>
                           <m:ctrlPr>
                             <a:rPr lang="is-IS" i="1">
-                              <a:latin typeface="Cambria Math" panose="02040503050406030204" pitchFamily="18" charset="0"/>
+                              <a:latin typeface="Cambria Math" charset="0"/>
                             </a:rPr>
                           </m:ctrlPr>
                         </m:naryPr>
@@ -23250,7 +23299,7 @@
                             <m:sSubPr>
                               <m:ctrlPr>
                                 <a:rPr lang="en-US" i="1">
-                                  <a:latin typeface="Cambria Math" panose="02040503050406030204" pitchFamily="18" charset="0"/>
+                                  <a:latin typeface="Cambria Math" charset="0"/>
                                 </a:rPr>
                               </m:ctrlPr>
                             </m:sSubPr>
@@ -23275,7 +23324,7 @@
                             <m:dPr>
                               <m:ctrlPr>
                                 <a:rPr lang="en-GB" i="1">
-                                  <a:latin typeface="Cambria Math" panose="02040503050406030204" pitchFamily="18" charset="0"/>
+                                  <a:latin typeface="Cambria Math" charset="0"/>
                                 </a:rPr>
                               </m:ctrlPr>
                             </m:dPr>
@@ -23539,7 +23588,7 @@
                       <m:dPr>
                         <m:ctrlPr>
                           <a:rPr lang="sv-SE" b="0" i="1" smtClean="0">
-                            <a:latin typeface="Cambria Math" panose="02040503050406030204" pitchFamily="18" charset="0"/>
+                            <a:latin typeface="Cambria Math" charset="0"/>
                           </a:rPr>
                         </m:ctrlPr>
                       </m:dPr>
@@ -23966,7 +24015,7 @@
                       <m:dPr>
                         <m:ctrlPr>
                           <a:rPr lang="sv-SE" i="1">
-                            <a:latin typeface="Cambria Math" panose="02040503050406030204" pitchFamily="18" charset="0"/>
+                            <a:latin typeface="Cambria Math" charset="0"/>
                           </a:rPr>
                         </m:ctrlPr>
                       </m:dPr>
@@ -24412,7 +24461,7 @@
                       <m:dPr>
                         <m:ctrlPr>
                           <a:rPr lang="sv-SE" i="1">
-                            <a:latin typeface="Cambria Math" panose="02040503050406030204" pitchFamily="18" charset="0"/>
+                            <a:latin typeface="Cambria Math" charset="0"/>
                           </a:rPr>
                         </m:ctrlPr>
                       </m:dPr>
@@ -24436,7 +24485,7 @@
                       <m:dPr>
                         <m:ctrlPr>
                           <a:rPr lang="sv-SE" i="1">
-                            <a:latin typeface="Cambria Math" panose="02040503050406030204" pitchFamily="18" charset="0"/>
+                            <a:latin typeface="Cambria Math" charset="0"/>
                             <a:ea typeface="Cambria Math" panose="02040503050406030204" pitchFamily="18" charset="0"/>
                           </a:rPr>
                         </m:ctrlPr>
@@ -24462,7 +24511,7 @@
                       <m:dPr>
                         <m:ctrlPr>
                           <a:rPr lang="sv-SE" i="1">
-                            <a:latin typeface="Cambria Math" panose="02040503050406030204" pitchFamily="18" charset="0"/>
+                            <a:latin typeface="Cambria Math" charset="0"/>
                             <a:ea typeface="Cambria Math" panose="02040503050406030204" pitchFamily="18" charset="0"/>
                           </a:rPr>
                         </m:ctrlPr>
@@ -25544,15 +25593,7 @@
             </a:pPr>
             <a:r>
               <a:rPr lang="en-US" dirty="0" smtClean="0"/>
-              <a:t>A</a:t>
-            </a:r>
-            <a:r>
-              <a:rPr lang="en-US" dirty="0" smtClean="0"/>
-              <a:t>pplication </a:t>
-            </a:r>
-            <a:r>
-              <a:rPr lang="en-US" dirty="0" smtClean="0"/>
-              <a:t>model</a:t>
+              <a:t>Application model</a:t>
             </a:r>
           </a:p>
           <a:p>
@@ -25562,13 +25603,8 @@
             </a:pPr>
             <a:r>
               <a:rPr lang="en-US" dirty="0" smtClean="0"/>
-              <a:t>Reliability </a:t>
-            </a:r>
-            <a:r>
-              <a:rPr lang="en-US" dirty="0" smtClean="0"/>
-              <a:t>definition and model</a:t>
-            </a:r>
-            <a:endParaRPr lang="en-US" dirty="0" smtClean="0"/>
+              <a:t>Reliability definition and model</a:t>
+            </a:r>
           </a:p>
           <a:p>
             <a:pPr marL="457200" indent="-457200">
@@ -25589,7 +25625,6 @@
               <a:rPr lang="en-US" dirty="0" smtClean="0"/>
               <a:t>Fault-tolerant model</a:t>
             </a:r>
-            <a:endParaRPr lang="en-US" dirty="0" smtClean="0"/>
           </a:p>
           <a:p>
             <a:pPr marL="457200" indent="-457200">
@@ -26286,7 +26321,7 @@
                       <m:dPr>
                         <m:ctrlPr>
                           <a:rPr lang="sv-SE" i="1">
-                            <a:latin typeface="Cambria Math" panose="02040503050406030204" pitchFamily="18" charset="0"/>
+                            <a:latin typeface="Cambria Math" charset="0"/>
                           </a:rPr>
                         </m:ctrlPr>
                       </m:dPr>
@@ -26310,7 +26345,7 @@
                       <m:dPr>
                         <m:ctrlPr>
                           <a:rPr lang="sv-SE" i="1">
-                            <a:latin typeface="Cambria Math" panose="02040503050406030204" pitchFamily="18" charset="0"/>
+                            <a:latin typeface="Cambria Math" charset="0"/>
                             <a:ea typeface="Cambria Math" panose="02040503050406030204" pitchFamily="18" charset="0"/>
                           </a:rPr>
                         </m:ctrlPr>
@@ -26699,7 +26734,7 @@
                       <m:dPr>
                         <m:ctrlPr>
                           <a:rPr lang="sv-SE" i="1">
-                            <a:latin typeface="Cambria Math" panose="02040503050406030204" pitchFamily="18" charset="0"/>
+                            <a:latin typeface="Cambria Math" charset="0"/>
                           </a:rPr>
                         </m:ctrlPr>
                       </m:dPr>
@@ -26953,7 +26988,7 @@
                       <m:sSubPr>
                         <m:ctrlPr>
                           <a:rPr lang="sv-SE" b="0" i="1" smtClean="0">
-                            <a:latin typeface="Cambria Math" panose="02040503050406030204" pitchFamily="18" charset="0"/>
+                            <a:latin typeface="Cambria Math" charset="0"/>
                           </a:rPr>
                         </m:ctrlPr>
                       </m:sSubPr>
@@ -26986,7 +27021,7 @@
                       <m:sSubPr>
                         <m:ctrlPr>
                           <a:rPr lang="sv-SE" i="1">
-                            <a:latin typeface="Cambria Math" panose="02040503050406030204" pitchFamily="18" charset="0"/>
+                            <a:latin typeface="Cambria Math" charset="0"/>
                           </a:rPr>
                         </m:ctrlPr>
                       </m:sSubPr>
@@ -27164,11 +27199,7 @@
           <a:p>
             <a:r>
               <a:rPr lang="en-US" dirty="0" smtClean="0"/>
-              <a:t>Handling node </a:t>
-            </a:r>
-            <a:r>
-              <a:rPr lang="en-US" dirty="0" smtClean="0"/>
-              <a:t>failure</a:t>
+              <a:t>Handling node failure</a:t>
             </a:r>
             <a:endParaRPr lang="en-US" dirty="0"/>
           </a:p>
@@ -27299,11 +27330,7 @@
           <a:p>
             <a:r>
               <a:rPr lang="en-US" dirty="0" smtClean="0"/>
-              <a:t>Handling node failure </a:t>
-            </a:r>
-            <a:r>
-              <a:rPr lang="en-US" dirty="0" smtClean="0"/>
-              <a:t>- example</a:t>
+              <a:t>Handling node failure - example</a:t>
             </a:r>
             <a:endParaRPr lang="en-US" dirty="0"/>
           </a:p>
@@ -27392,11 +27419,7 @@
           <a:p>
             <a:r>
               <a:rPr lang="en-US" dirty="0" smtClean="0"/>
-              <a:t>Handling node failure </a:t>
-            </a:r>
-            <a:r>
-              <a:rPr lang="en-US" dirty="0" smtClean="0"/>
-              <a:t>- example</a:t>
+              <a:t>Handling node failure - example</a:t>
             </a:r>
             <a:endParaRPr lang="en-US" dirty="0"/>
           </a:p>
@@ -27485,11 +27508,7 @@
           <a:p>
             <a:r>
               <a:rPr lang="en-US" dirty="0" smtClean="0"/>
-              <a:t>Handling node failure </a:t>
-            </a:r>
-            <a:r>
-              <a:rPr lang="en-US" dirty="0" smtClean="0"/>
-              <a:t>- example</a:t>
+              <a:t>Handling node failure - example</a:t>
             </a:r>
             <a:endParaRPr lang="en-US" dirty="0"/>
           </a:p>
@@ -27915,7 +27934,7 @@
                       <m:sSubPr>
                         <m:ctrlPr>
                           <a:rPr lang="sv-SE" b="0" i="1" smtClean="0">
-                            <a:latin typeface="Cambria Math" panose="02040503050406030204" pitchFamily="18" charset="0"/>
+                            <a:latin typeface="Cambria Math" charset="0"/>
                           </a:rPr>
                         </m:ctrlPr>
                       </m:sSubPr>
@@ -28090,7 +28109,7 @@
                         <m:sSubPr>
                           <m:ctrlPr>
                             <a:rPr lang="en-US" i="1">
-                              <a:latin typeface="Cambria Math" panose="02040503050406030204" pitchFamily="18" charset="0"/>
+                              <a:latin typeface="Cambria Math" charset="0"/>
                             </a:rPr>
                           </m:ctrlPr>
                         </m:sSubPr>
@@ -28121,7 +28140,7 @@
                         <m:sSubPr>
                           <m:ctrlPr>
                             <a:rPr lang="en-US" b="0" i="1" smtClean="0">
-                              <a:latin typeface="Cambria Math" panose="02040503050406030204" pitchFamily="18" charset="0"/>
+                              <a:latin typeface="Cambria Math" charset="0"/>
                             </a:rPr>
                           </m:ctrlPr>
                         </m:sSubPr>
@@ -28229,7 +28248,7 @@
                         <m:dPr>
                           <m:ctrlPr>
                             <a:rPr lang="en-GB" i="1">
-                              <a:latin typeface="Cambria Math" panose="02040503050406030204" pitchFamily="18" charset="0"/>
+                              <a:latin typeface="Cambria Math" charset="0"/>
                             </a:rPr>
                           </m:ctrlPr>
                         </m:dPr>
@@ -28252,7 +28271,7 @@
                         <m:sSupPr>
                           <m:ctrlPr>
                             <a:rPr lang="is-IS" i="1">
-                              <a:latin typeface="Cambria Math" panose="02040503050406030204" pitchFamily="18" charset="0"/>
+                              <a:latin typeface="Cambria Math" charset="0"/>
                             </a:rPr>
                           </m:ctrlPr>
                         </m:sSupPr>
@@ -28275,7 +28294,7 @@
                             <m:dPr>
                               <m:ctrlPr>
                                 <a:rPr lang="en-US" i="1">
-                                  <a:latin typeface="Cambria Math" panose="02040503050406030204" pitchFamily="18" charset="0"/>
+                                  <a:latin typeface="Cambria Math" charset="0"/>
                                 </a:rPr>
                               </m:ctrlPr>
                             </m:dPr>
@@ -28284,7 +28303,7 @@
                                 <m:fPr>
                                   <m:ctrlPr>
                                     <a:rPr lang="fi-FI" i="1">
-                                      <a:latin typeface="Cambria Math" panose="02040503050406030204" pitchFamily="18" charset="0"/>
+                                      <a:latin typeface="Cambria Math" charset="0"/>
                                     </a:rPr>
                                   </m:ctrlPr>
                                 </m:fPr>
@@ -29499,7 +29518,7 @@
                         <m:dPr>
                           <m:ctrlPr>
                             <a:rPr lang="sv-SE" b="0" i="1" smtClean="0">
-                              <a:latin typeface="Cambria Math" panose="02040503050406030204" pitchFamily="18" charset="0"/>
+                              <a:latin typeface="Cambria Math" charset="0"/>
                             </a:rPr>
                           </m:ctrlPr>
                         </m:dPr>
@@ -29529,7 +29548,7 @@
                           <m:chr m:val="∏"/>
                           <m:ctrlPr>
                             <a:rPr lang="is-IS" i="1">
-                              <a:latin typeface="Cambria Math" panose="02040503050406030204" pitchFamily="18" charset="0"/>
+                              <a:latin typeface="Cambria Math" charset="0"/>
                             </a:rPr>
                           </m:ctrlPr>
                         </m:naryPr>
@@ -29569,7 +29588,7 @@
                             <m:sSubPr>
                               <m:ctrlPr>
                                 <a:rPr lang="en-US" i="1">
-                                  <a:latin typeface="Cambria Math" panose="02040503050406030204" pitchFamily="18" charset="0"/>
+                                  <a:latin typeface="Cambria Math" charset="0"/>
                                 </a:rPr>
                               </m:ctrlPr>
                             </m:sSubPr>
@@ -29594,7 +29613,7 @@
                             <m:dPr>
                               <m:ctrlPr>
                                 <a:rPr lang="en-GB" i="1">
-                                  <a:latin typeface="Cambria Math" panose="02040503050406030204" pitchFamily="18" charset="0"/>
+                                  <a:latin typeface="Cambria Math" charset="0"/>
                                 </a:rPr>
                               </m:ctrlPr>
                             </m:dPr>
@@ -30736,7 +30755,7 @@
             </a:pPr>
             <a:r>
               <a:rPr lang="en-US" dirty="0" smtClean="0"/>
-              <a:t>Devise a method for dynamically ensuring a certain reliability level of applications or services running in distributed environments.</a:t>
+              <a:t>Devise a method for dynamically ensuring a certain reliability level of applications or services running in distributed environments. Implement this functionality to provide a platform in which further research and experiments can be carried out.</a:t>
             </a:r>
           </a:p>
           <a:p>
@@ -30853,7 +30872,15 @@
             </a:pPr>
             <a:r>
               <a:rPr lang="en-US" dirty="0" smtClean="0"/>
-              <a:t>Implement and evaluate using Calvin</a:t>
+              <a:t>Implement and evaluate using Calvin – an </a:t>
+            </a:r>
+            <a:r>
+              <a:rPr lang="en-US" dirty="0" err="1" smtClean="0"/>
+              <a:t>IoT</a:t>
+            </a:r>
+            <a:r>
+              <a:rPr lang="en-US" dirty="0" smtClean="0"/>
+              <a:t> platform developed by Ericsson</a:t>
             </a:r>
             <a:endParaRPr lang="en-US" dirty="0"/>
           </a:p>
@@ -30862,7 +30889,7 @@
     </p:spTree>
     <p:extLst>
       <p:ext uri="{BB962C8B-B14F-4D97-AF65-F5344CB8AC3E}">
-        <p14:creationId xmlns:p14="http://schemas.microsoft.com/office/powerpoint/2010/main" val="1070146524"/>
+        <p14:creationId xmlns:p14="http://schemas.microsoft.com/office/powerpoint/2010/main" val="2072022713"/>
       </p:ext>
     </p:extLst>
   </p:cSld>

--- a/presentation/presentation2.pptx
+++ b/presentation/presentation2.pptx
@@ -45,9 +45,9 @@
     <p:sldId id="278" r:id="rId36"/>
     <p:sldId id="368" r:id="rId37"/>
     <p:sldId id="369" r:id="rId38"/>
-    <p:sldId id="367" r:id="rId39"/>
-    <p:sldId id="376" r:id="rId40"/>
-    <p:sldId id="380" r:id="rId41"/>
+    <p:sldId id="376" r:id="rId39"/>
+    <p:sldId id="380" r:id="rId40"/>
+    <p:sldId id="367" r:id="rId41"/>
   </p:sldIdLst>
   <p:sldSz cx="12192000" cy="6858000"/>
   <p:notesSz cx="6858000" cy="9144000"/>
@@ -239,7 +239,7 @@
           <a:p>
             <a:fld id="{C325F682-9988-D94F-9A71-50A4F920F505}" type="datetimeFigureOut">
               <a:rPr lang="en-US" smtClean="0"/>
-              <a:t>5/26/16</a:t>
+              <a:t>5/27/2016</a:t>
             </a:fld>
             <a:endParaRPr lang="en-US"/>
           </a:p>
@@ -11675,7 +11675,7 @@
       </p:grpSpPr>
       <p:sp>
         <p:nvSpPr>
-          <p:cNvPr id="2" name="Slide Image Placeholder 1"/>
+          <p:cNvPr id="2" name="Platshållare för bildobjekt 1"/>
           <p:cNvSpPr>
             <a:spLocks noGrp="1" noRot="1" noChangeAspect="1"/>
           </p:cNvSpPr>
@@ -11687,7 +11687,7 @@
       </p:sp>
       <p:sp>
         <p:nvSpPr>
-          <p:cNvPr id="3" name="Notes Placeholder 2"/>
+          <p:cNvPr id="3" name="Platshållare för anteckningar 2"/>
           <p:cNvSpPr>
             <a:spLocks noGrp="1"/>
           </p:cNvSpPr>
@@ -11700,536 +11700,13 @@
           <a:bodyPr/>
           <a:lstStyle/>
           <a:p>
-            <a:r>
-              <a:rPr lang="en-US" baseline="0" dirty="0" smtClean="0"/>
-              <a:t>Om vi </a:t>
-            </a:r>
-            <a:r>
-              <a:rPr lang="en-US" baseline="0" dirty="0" err="1" smtClean="0"/>
-              <a:t>då</a:t>
-            </a:r>
-            <a:r>
-              <a:rPr lang="en-US" baseline="0" dirty="0" smtClean="0"/>
-              <a:t> </a:t>
-            </a:r>
-            <a:r>
-              <a:rPr lang="en-US" baseline="0" dirty="0" err="1" smtClean="0"/>
-              <a:t>antar</a:t>
-            </a:r>
-            <a:r>
-              <a:rPr lang="en-US" baseline="0" dirty="0" smtClean="0"/>
-              <a:t> </a:t>
-            </a:r>
-            <a:r>
-              <a:rPr lang="en-US" baseline="0" dirty="0" err="1" smtClean="0"/>
-              <a:t>att</a:t>
-            </a:r>
-            <a:r>
-              <a:rPr lang="en-US" baseline="0" dirty="0" smtClean="0"/>
-              <a:t> en nods MTBF </a:t>
-            </a:r>
-            <a:r>
-              <a:rPr lang="en-US" baseline="0" dirty="0" err="1" smtClean="0"/>
-              <a:t>är</a:t>
-            </a:r>
-            <a:r>
-              <a:rPr lang="en-US" baseline="0" dirty="0" smtClean="0"/>
-              <a:t> 1 </a:t>
-            </a:r>
-            <a:r>
-              <a:rPr lang="en-US" baseline="0" dirty="0" err="1" smtClean="0"/>
-              <a:t>år</a:t>
-            </a:r>
-            <a:r>
-              <a:rPr lang="en-US" baseline="0" dirty="0" smtClean="0"/>
-              <a:t> </a:t>
-            </a:r>
-            <a:r>
-              <a:rPr lang="en-US" baseline="0" dirty="0" err="1" smtClean="0"/>
-              <a:t>och</a:t>
-            </a:r>
-            <a:r>
-              <a:rPr lang="en-US" baseline="0" dirty="0" smtClean="0"/>
-              <a:t> </a:t>
-            </a:r>
-            <a:r>
-              <a:rPr lang="en-US" baseline="0" dirty="0" err="1" smtClean="0"/>
-              <a:t>att</a:t>
-            </a:r>
-            <a:r>
-              <a:rPr lang="en-US" baseline="0" dirty="0" smtClean="0"/>
-              <a:t> </a:t>
-            </a:r>
-            <a:r>
-              <a:rPr lang="en-US" baseline="0" dirty="0" err="1" smtClean="0"/>
-              <a:t>repliceringstiden</a:t>
-            </a:r>
-            <a:r>
-              <a:rPr lang="en-US" baseline="0" dirty="0" smtClean="0"/>
-              <a:t> </a:t>
-            </a:r>
-            <a:r>
-              <a:rPr lang="en-US" baseline="0" dirty="0" err="1" smtClean="0"/>
-              <a:t>är</a:t>
-            </a:r>
-            <a:r>
-              <a:rPr lang="en-US" baseline="0" dirty="0" smtClean="0"/>
-              <a:t> en </a:t>
-            </a:r>
-            <a:r>
-              <a:rPr lang="en-US" baseline="0" dirty="0" err="1" smtClean="0"/>
-              <a:t>timme</a:t>
-            </a:r>
-            <a:r>
-              <a:rPr lang="en-US" baseline="0" dirty="0" smtClean="0"/>
-              <a:t>. </a:t>
-            </a:r>
-          </a:p>
-          <a:p>
-            <a:endParaRPr lang="en-US" baseline="0" dirty="0" smtClean="0"/>
-          </a:p>
-          <a:p>
-            <a:r>
-              <a:rPr lang="en-US" baseline="0" dirty="0" err="1" smtClean="0"/>
-              <a:t>Då</a:t>
-            </a:r>
-            <a:r>
-              <a:rPr lang="en-US" baseline="0" dirty="0" smtClean="0"/>
-              <a:t> </a:t>
-            </a:r>
-            <a:r>
-              <a:rPr lang="en-US" baseline="0" dirty="0" err="1" smtClean="0"/>
-              <a:t>får</a:t>
-            </a:r>
-            <a:r>
-              <a:rPr lang="en-US" baseline="0" dirty="0" smtClean="0"/>
-              <a:t> vi med en replica en </a:t>
-            </a:r>
-            <a:r>
-              <a:rPr lang="en-US" baseline="0" dirty="0" err="1" smtClean="0"/>
-              <a:t>tillförlitlighet</a:t>
-            </a:r>
-            <a:r>
-              <a:rPr lang="en-US" baseline="0" dirty="0" smtClean="0"/>
-              <a:t> </a:t>
-            </a:r>
-            <a:r>
-              <a:rPr lang="en-US" baseline="0" dirty="0" err="1" smtClean="0"/>
-              <a:t>på</a:t>
-            </a:r>
-            <a:r>
-              <a:rPr lang="en-US" baseline="0" dirty="0" smtClean="0"/>
-              <a:t> </a:t>
-            </a:r>
-            <a:r>
-              <a:rPr lang="en-US" baseline="0" dirty="0" err="1" smtClean="0"/>
-              <a:t>tre</a:t>
-            </a:r>
-            <a:r>
-              <a:rPr lang="en-US" baseline="0" dirty="0" smtClean="0"/>
-              <a:t> </a:t>
-            </a:r>
-            <a:r>
-              <a:rPr lang="en-US" baseline="0" dirty="0" err="1" smtClean="0"/>
-              <a:t>nion</a:t>
-            </a:r>
-            <a:r>
-              <a:rPr lang="en-US" baseline="0" dirty="0" smtClean="0"/>
-              <a:t>, men </a:t>
-            </a:r>
-            <a:r>
-              <a:rPr lang="en-US" baseline="0" dirty="0" err="1" smtClean="0"/>
-              <a:t>två</a:t>
-            </a:r>
-            <a:r>
-              <a:rPr lang="en-US" baseline="0" dirty="0" smtClean="0"/>
-              <a:t> </a:t>
-            </a:r>
-            <a:r>
-              <a:rPr lang="en-US" baseline="0" dirty="0" err="1" smtClean="0"/>
-              <a:t>replikor</a:t>
-            </a:r>
-            <a:r>
-              <a:rPr lang="en-US" baseline="0" dirty="0" smtClean="0"/>
-              <a:t> </a:t>
-            </a:r>
-            <a:r>
-              <a:rPr lang="en-US" baseline="0" dirty="0" err="1" smtClean="0"/>
-              <a:t>får</a:t>
-            </a:r>
-            <a:r>
-              <a:rPr lang="en-US" baseline="0" dirty="0" smtClean="0"/>
-              <a:t> vi </a:t>
-            </a:r>
-            <a:r>
-              <a:rPr lang="en-US" baseline="0" dirty="0" err="1" smtClean="0"/>
-              <a:t>sju</a:t>
-            </a:r>
-            <a:r>
-              <a:rPr lang="en-US" baseline="0" dirty="0" smtClean="0"/>
-              <a:t> </a:t>
-            </a:r>
-            <a:r>
-              <a:rPr lang="en-US" baseline="0" dirty="0" err="1" smtClean="0"/>
-              <a:t>nior</a:t>
-            </a:r>
-            <a:r>
-              <a:rPr lang="en-US" baseline="0" dirty="0" smtClean="0"/>
-              <a:t> </a:t>
-            </a:r>
-            <a:r>
-              <a:rPr lang="en-US" baseline="0" dirty="0" err="1" smtClean="0"/>
-              <a:t>och</a:t>
-            </a:r>
-            <a:r>
-              <a:rPr lang="en-US" baseline="0" dirty="0" smtClean="0"/>
-              <a:t> </a:t>
-            </a:r>
-            <a:r>
-              <a:rPr lang="en-US" baseline="0" dirty="0" err="1" smtClean="0"/>
-              <a:t>tre</a:t>
-            </a:r>
-            <a:r>
-              <a:rPr lang="en-US" baseline="0" dirty="0" smtClean="0"/>
-              <a:t> </a:t>
-            </a:r>
-            <a:r>
-              <a:rPr lang="en-US" baseline="0" dirty="0" err="1" smtClean="0"/>
-              <a:t>replikor</a:t>
-            </a:r>
-            <a:r>
-              <a:rPr lang="en-US" baseline="0" dirty="0" smtClean="0"/>
-              <a:t> </a:t>
-            </a:r>
-            <a:r>
-              <a:rPr lang="en-US" baseline="0" dirty="0" err="1" smtClean="0"/>
-              <a:t>elva</a:t>
-            </a:r>
-            <a:r>
-              <a:rPr lang="en-US" baseline="0" dirty="0" smtClean="0"/>
-              <a:t> </a:t>
-            </a:r>
-            <a:r>
-              <a:rPr lang="en-US" baseline="0" dirty="0" err="1" smtClean="0"/>
-              <a:t>nior</a:t>
-            </a:r>
-            <a:r>
-              <a:rPr lang="en-US" baseline="0" dirty="0" smtClean="0"/>
-              <a:t>. </a:t>
-            </a:r>
-          </a:p>
-          <a:p>
-            <a:endParaRPr lang="en-US" baseline="0" dirty="0" smtClean="0"/>
-          </a:p>
-          <a:p>
-            <a:r>
-              <a:rPr lang="en-US" baseline="0" dirty="0" smtClean="0"/>
-              <a:t>Med </a:t>
-            </a:r>
-            <a:r>
-              <a:rPr lang="en-US" baseline="0" dirty="0" err="1" smtClean="0"/>
-              <a:t>tex</a:t>
-            </a:r>
-            <a:r>
-              <a:rPr lang="en-US" baseline="0" dirty="0" smtClean="0"/>
-              <a:t> </a:t>
-            </a:r>
-            <a:r>
-              <a:rPr lang="en-US" baseline="0" dirty="0" err="1" smtClean="0"/>
-              <a:t>två</a:t>
-            </a:r>
-            <a:r>
-              <a:rPr lang="en-US" baseline="0" dirty="0" smtClean="0"/>
-              <a:t> </a:t>
-            </a:r>
-            <a:r>
-              <a:rPr lang="en-US" baseline="0" dirty="0" err="1" smtClean="0"/>
-              <a:t>noder</a:t>
-            </a:r>
-            <a:r>
-              <a:rPr lang="en-US" baseline="0" dirty="0" smtClean="0"/>
-              <a:t> </a:t>
-            </a:r>
-            <a:r>
-              <a:rPr lang="en-US" baseline="0" dirty="0" err="1" smtClean="0"/>
-              <a:t>är</a:t>
-            </a:r>
-            <a:r>
-              <a:rPr lang="en-US" baseline="0" dirty="0" smtClean="0"/>
-              <a:t> </a:t>
-            </a:r>
-            <a:r>
-              <a:rPr lang="en-US" baseline="0" dirty="0" err="1" smtClean="0"/>
-              <a:t>det</a:t>
-            </a:r>
-            <a:r>
-              <a:rPr lang="en-US" baseline="0" dirty="0" smtClean="0"/>
-              <a:t> </a:t>
-            </a:r>
-            <a:r>
-              <a:rPr lang="en-US" baseline="0" dirty="0" err="1" smtClean="0"/>
-              <a:t>alltså</a:t>
-            </a:r>
-            <a:r>
-              <a:rPr lang="en-US" baseline="0" dirty="0" smtClean="0"/>
-              <a:t> </a:t>
-            </a:r>
-            <a:r>
-              <a:rPr lang="en-US" baseline="0" dirty="0" err="1" smtClean="0"/>
-              <a:t>väldigt</a:t>
-            </a:r>
-            <a:r>
-              <a:rPr lang="en-US" baseline="0" dirty="0" smtClean="0"/>
-              <a:t> </a:t>
-            </a:r>
-            <a:r>
-              <a:rPr lang="en-US" baseline="0" dirty="0" err="1" smtClean="0"/>
-              <a:t>liten</a:t>
-            </a:r>
-            <a:r>
-              <a:rPr lang="en-US" baseline="0" dirty="0" smtClean="0"/>
-              <a:t> risk </a:t>
-            </a:r>
-            <a:r>
-              <a:rPr lang="en-US" baseline="0" dirty="0" err="1" smtClean="0"/>
-              <a:t>att</a:t>
-            </a:r>
-            <a:r>
-              <a:rPr lang="en-US" baseline="0" dirty="0" smtClean="0"/>
-              <a:t> </a:t>
-            </a:r>
-            <a:r>
-              <a:rPr lang="en-US" baseline="0" dirty="0" err="1" smtClean="0"/>
-              <a:t>båda</a:t>
-            </a:r>
-            <a:r>
-              <a:rPr lang="en-US" baseline="0" dirty="0" smtClean="0"/>
-              <a:t> </a:t>
-            </a:r>
-            <a:r>
-              <a:rPr lang="en-US" baseline="0" dirty="0" err="1" smtClean="0"/>
-              <a:t>dör</a:t>
-            </a:r>
-            <a:r>
-              <a:rPr lang="en-US" baseline="0" dirty="0" smtClean="0"/>
-              <a:t> </a:t>
-            </a:r>
-            <a:r>
-              <a:rPr lang="en-US" baseline="0" dirty="0" err="1" smtClean="0"/>
-              <a:t>innan</a:t>
-            </a:r>
-            <a:r>
-              <a:rPr lang="en-US" baseline="0" dirty="0" smtClean="0"/>
-              <a:t> vi </a:t>
-            </a:r>
-            <a:r>
-              <a:rPr lang="en-US" baseline="0" dirty="0" err="1" smtClean="0"/>
-              <a:t>hunnit</a:t>
-            </a:r>
-            <a:r>
-              <a:rPr lang="en-US" baseline="0" dirty="0" smtClean="0"/>
-              <a:t> </a:t>
-            </a:r>
-            <a:r>
-              <a:rPr lang="en-US" baseline="0" dirty="0" err="1" smtClean="0"/>
-              <a:t>starta</a:t>
-            </a:r>
-            <a:r>
-              <a:rPr lang="en-US" baseline="0" dirty="0" smtClean="0"/>
-              <a:t> </a:t>
-            </a:r>
-            <a:r>
-              <a:rPr lang="en-US" baseline="0" dirty="0" err="1" smtClean="0"/>
-              <a:t>upp</a:t>
-            </a:r>
-            <a:r>
-              <a:rPr lang="en-US" baseline="0" dirty="0" smtClean="0"/>
-              <a:t> en </a:t>
-            </a:r>
-            <a:r>
-              <a:rPr lang="en-US" baseline="0" dirty="0" err="1" smtClean="0"/>
-              <a:t>ny</a:t>
-            </a:r>
-            <a:r>
-              <a:rPr lang="en-US" baseline="0" dirty="0" smtClean="0"/>
-              <a:t> </a:t>
-            </a:r>
-            <a:r>
-              <a:rPr lang="en-US" baseline="0" dirty="0" err="1" smtClean="0"/>
-              <a:t>aktor</a:t>
-            </a:r>
-            <a:r>
-              <a:rPr lang="en-US" baseline="0" dirty="0" smtClean="0"/>
-              <a:t>.</a:t>
-            </a:r>
-          </a:p>
-          <a:p>
-            <a:endParaRPr lang="en-US" baseline="0" dirty="0" smtClean="0"/>
-          </a:p>
-          <a:p>
-            <a:r>
-              <a:rPr lang="en-US" baseline="0" dirty="0" smtClean="0"/>
-              <a:t>Nu </a:t>
-            </a:r>
-            <a:r>
-              <a:rPr lang="en-US" baseline="0" dirty="0" err="1" smtClean="0"/>
-              <a:t>antar</a:t>
-            </a:r>
-            <a:r>
-              <a:rPr lang="en-US" baseline="0" dirty="0" smtClean="0"/>
-              <a:t> vi </a:t>
-            </a:r>
-            <a:r>
-              <a:rPr lang="en-US" baseline="0" dirty="0" err="1" smtClean="0"/>
-              <a:t>förvisso</a:t>
-            </a:r>
-            <a:r>
-              <a:rPr lang="en-US" baseline="0" dirty="0" smtClean="0"/>
-              <a:t> </a:t>
-            </a:r>
-            <a:r>
-              <a:rPr lang="en-US" baseline="0" dirty="0" err="1" smtClean="0"/>
-              <a:t>att</a:t>
-            </a:r>
-            <a:r>
-              <a:rPr lang="en-US" baseline="0" dirty="0" smtClean="0"/>
-              <a:t> </a:t>
-            </a:r>
-            <a:r>
-              <a:rPr lang="en-US" baseline="0" dirty="0" err="1" smtClean="0"/>
-              <a:t>fel</a:t>
-            </a:r>
-            <a:r>
-              <a:rPr lang="en-US" baseline="0" dirty="0" smtClean="0"/>
-              <a:t> </a:t>
-            </a:r>
-            <a:r>
-              <a:rPr lang="en-US" baseline="0" dirty="0" err="1" smtClean="0"/>
-              <a:t>inträffar</a:t>
-            </a:r>
-            <a:r>
-              <a:rPr lang="en-US" baseline="0" dirty="0" smtClean="0"/>
-              <a:t> </a:t>
-            </a:r>
-            <a:r>
-              <a:rPr lang="en-US" baseline="0" dirty="0" err="1" smtClean="0"/>
-              <a:t>oberoende</a:t>
-            </a:r>
-            <a:r>
-              <a:rPr lang="en-US" baseline="0" dirty="0" smtClean="0"/>
-              <a:t> men </a:t>
-            </a:r>
-            <a:r>
-              <a:rPr lang="en-US" baseline="0" dirty="0" err="1" smtClean="0"/>
-              <a:t>det</a:t>
-            </a:r>
-            <a:r>
-              <a:rPr lang="en-US" baseline="0" dirty="0" smtClean="0"/>
-              <a:t> </a:t>
-            </a:r>
-            <a:r>
-              <a:rPr lang="en-US" baseline="0" dirty="0" err="1" smtClean="0"/>
-              <a:t>tyder</a:t>
-            </a:r>
-            <a:r>
-              <a:rPr lang="en-US" baseline="0" dirty="0" smtClean="0"/>
-              <a:t> </a:t>
-            </a:r>
-            <a:r>
-              <a:rPr lang="en-US" baseline="0" dirty="0" err="1" smtClean="0"/>
-              <a:t>ändå</a:t>
-            </a:r>
-            <a:r>
-              <a:rPr lang="en-US" baseline="0" dirty="0" smtClean="0"/>
-              <a:t> </a:t>
-            </a:r>
-            <a:r>
-              <a:rPr lang="en-US" baseline="0" dirty="0" err="1" smtClean="0"/>
-              <a:t>på</a:t>
-            </a:r>
-            <a:r>
-              <a:rPr lang="en-US" baseline="0" dirty="0" smtClean="0"/>
-              <a:t> </a:t>
-            </a:r>
-            <a:r>
-              <a:rPr lang="en-US" baseline="0" dirty="0" err="1" smtClean="0"/>
-              <a:t>att</a:t>
-            </a:r>
-            <a:r>
-              <a:rPr lang="en-US" baseline="0" dirty="0" smtClean="0"/>
-              <a:t> vi </a:t>
-            </a:r>
-            <a:r>
-              <a:rPr lang="en-US" baseline="0" dirty="0" err="1" smtClean="0"/>
-              <a:t>får</a:t>
-            </a:r>
-            <a:r>
-              <a:rPr lang="en-US" baseline="0" dirty="0" smtClean="0"/>
-              <a:t> </a:t>
-            </a:r>
-            <a:r>
-              <a:rPr lang="en-US" baseline="0" dirty="0" err="1" smtClean="0"/>
-              <a:t>väldigt</a:t>
-            </a:r>
-            <a:r>
-              <a:rPr lang="en-US" baseline="0" dirty="0" smtClean="0"/>
-              <a:t> </a:t>
-            </a:r>
-            <a:r>
-              <a:rPr lang="en-US" baseline="0" dirty="0" err="1" smtClean="0"/>
-              <a:t>hög</a:t>
-            </a:r>
-            <a:r>
-              <a:rPr lang="en-US" baseline="0" dirty="0" smtClean="0"/>
-              <a:t> </a:t>
-            </a:r>
-            <a:r>
-              <a:rPr lang="en-US" baseline="0" dirty="0" err="1" smtClean="0"/>
-              <a:t>tillförlitlighet</a:t>
-            </a:r>
-            <a:r>
-              <a:rPr lang="en-US" baseline="0" dirty="0" smtClean="0"/>
-              <a:t> med </a:t>
-            </a:r>
-            <a:r>
-              <a:rPr lang="en-US" baseline="0" dirty="0" err="1" smtClean="0"/>
-              <a:t>ett</a:t>
-            </a:r>
-            <a:r>
-              <a:rPr lang="en-US" baseline="0" dirty="0" smtClean="0"/>
-              <a:t> </a:t>
-            </a:r>
-            <a:r>
-              <a:rPr lang="en-US" baseline="0" dirty="0" err="1" smtClean="0"/>
-              <a:t>få</a:t>
-            </a:r>
-            <a:r>
-              <a:rPr lang="en-US" baseline="0" dirty="0" smtClean="0"/>
-              <a:t> </a:t>
-            </a:r>
-            <a:r>
-              <a:rPr lang="en-US" baseline="0" dirty="0" err="1" smtClean="0"/>
-              <a:t>antal</a:t>
-            </a:r>
-            <a:r>
-              <a:rPr lang="en-US" baseline="0" dirty="0" smtClean="0"/>
-              <a:t> </a:t>
-            </a:r>
-            <a:r>
-              <a:rPr lang="en-US" baseline="0" dirty="0" err="1" smtClean="0"/>
-              <a:t>replikor</a:t>
-            </a:r>
-            <a:r>
-              <a:rPr lang="en-US" baseline="0" dirty="0" smtClean="0"/>
-              <a:t>.</a:t>
-            </a:r>
-            <a:endParaRPr lang="en-US" dirty="0"/>
+            <a:endParaRPr lang="sv-SE" baseline="0" dirty="0" smtClean="0"/>
           </a:p>
         </p:txBody>
       </p:sp>
       <p:sp>
         <p:nvSpPr>
-          <p:cNvPr id="4" name="Slide Number Placeholder 3"/>
+          <p:cNvPr id="4" name="Platshållare för bildnummer 3"/>
           <p:cNvSpPr>
             <a:spLocks noGrp="1"/>
           </p:cNvSpPr>
@@ -12253,7 +11730,7 @@
     </p:spTree>
     <p:extLst>
       <p:ext uri="{BB962C8B-B14F-4D97-AF65-F5344CB8AC3E}">
-        <p14:creationId xmlns:p14="http://schemas.microsoft.com/office/powerpoint/2010/main" val="95629498"/>
+        <p14:creationId xmlns:p14="http://schemas.microsoft.com/office/powerpoint/2010/main" val="600721925"/>
       </p:ext>
     </p:extLst>
   </p:cSld>
@@ -12337,7 +11814,7 @@
     </p:spTree>
     <p:extLst>
       <p:ext uri="{BB962C8B-B14F-4D97-AF65-F5344CB8AC3E}">
-        <p14:creationId xmlns:p14="http://schemas.microsoft.com/office/powerpoint/2010/main" val="600721925"/>
+        <p14:creationId xmlns:p14="http://schemas.microsoft.com/office/powerpoint/2010/main" val="101356061"/>
       </p:ext>
     </p:extLst>
   </p:cSld>
@@ -12366,7 +11843,7 @@
       </p:grpSpPr>
       <p:sp>
         <p:nvSpPr>
-          <p:cNvPr id="2" name="Platshållare för bildobjekt 1"/>
+          <p:cNvPr id="2" name="Slide Image Placeholder 1"/>
           <p:cNvSpPr>
             <a:spLocks noGrp="1" noRot="1" noChangeAspect="1"/>
           </p:cNvSpPr>
@@ -12378,7 +11855,7 @@
       </p:sp>
       <p:sp>
         <p:nvSpPr>
-          <p:cNvPr id="3" name="Platshållare för anteckningar 2"/>
+          <p:cNvPr id="3" name="Notes Placeholder 2"/>
           <p:cNvSpPr>
             <a:spLocks noGrp="1"/>
           </p:cNvSpPr>
@@ -12391,13 +11868,536 @@
           <a:bodyPr/>
           <a:lstStyle/>
           <a:p>
-            <a:endParaRPr lang="sv-SE" baseline="0" dirty="0" smtClean="0"/>
+            <a:r>
+              <a:rPr lang="en-US" baseline="0" dirty="0" smtClean="0"/>
+              <a:t>Om vi </a:t>
+            </a:r>
+            <a:r>
+              <a:rPr lang="en-US" baseline="0" dirty="0" err="1" smtClean="0"/>
+              <a:t>då</a:t>
+            </a:r>
+            <a:r>
+              <a:rPr lang="en-US" baseline="0" dirty="0" smtClean="0"/>
+              <a:t> </a:t>
+            </a:r>
+            <a:r>
+              <a:rPr lang="en-US" baseline="0" dirty="0" err="1" smtClean="0"/>
+              <a:t>antar</a:t>
+            </a:r>
+            <a:r>
+              <a:rPr lang="en-US" baseline="0" dirty="0" smtClean="0"/>
+              <a:t> </a:t>
+            </a:r>
+            <a:r>
+              <a:rPr lang="en-US" baseline="0" dirty="0" err="1" smtClean="0"/>
+              <a:t>att</a:t>
+            </a:r>
+            <a:r>
+              <a:rPr lang="en-US" baseline="0" dirty="0" smtClean="0"/>
+              <a:t> en nods MTBF </a:t>
+            </a:r>
+            <a:r>
+              <a:rPr lang="en-US" baseline="0" dirty="0" err="1" smtClean="0"/>
+              <a:t>är</a:t>
+            </a:r>
+            <a:r>
+              <a:rPr lang="en-US" baseline="0" dirty="0" smtClean="0"/>
+              <a:t> 1 </a:t>
+            </a:r>
+            <a:r>
+              <a:rPr lang="en-US" baseline="0" dirty="0" err="1" smtClean="0"/>
+              <a:t>år</a:t>
+            </a:r>
+            <a:r>
+              <a:rPr lang="en-US" baseline="0" dirty="0" smtClean="0"/>
+              <a:t> </a:t>
+            </a:r>
+            <a:r>
+              <a:rPr lang="en-US" baseline="0" dirty="0" err="1" smtClean="0"/>
+              <a:t>och</a:t>
+            </a:r>
+            <a:r>
+              <a:rPr lang="en-US" baseline="0" dirty="0" smtClean="0"/>
+              <a:t> </a:t>
+            </a:r>
+            <a:r>
+              <a:rPr lang="en-US" baseline="0" dirty="0" err="1" smtClean="0"/>
+              <a:t>att</a:t>
+            </a:r>
+            <a:r>
+              <a:rPr lang="en-US" baseline="0" dirty="0" smtClean="0"/>
+              <a:t> </a:t>
+            </a:r>
+            <a:r>
+              <a:rPr lang="en-US" baseline="0" dirty="0" err="1" smtClean="0"/>
+              <a:t>repliceringstiden</a:t>
+            </a:r>
+            <a:r>
+              <a:rPr lang="en-US" baseline="0" dirty="0" smtClean="0"/>
+              <a:t> </a:t>
+            </a:r>
+            <a:r>
+              <a:rPr lang="en-US" baseline="0" dirty="0" err="1" smtClean="0"/>
+              <a:t>är</a:t>
+            </a:r>
+            <a:r>
+              <a:rPr lang="en-US" baseline="0" dirty="0" smtClean="0"/>
+              <a:t> en </a:t>
+            </a:r>
+            <a:r>
+              <a:rPr lang="en-US" baseline="0" dirty="0" err="1" smtClean="0"/>
+              <a:t>timme</a:t>
+            </a:r>
+            <a:r>
+              <a:rPr lang="en-US" baseline="0" dirty="0" smtClean="0"/>
+              <a:t>. </a:t>
+            </a:r>
+          </a:p>
+          <a:p>
+            <a:endParaRPr lang="en-US" baseline="0" dirty="0" smtClean="0"/>
+          </a:p>
+          <a:p>
+            <a:r>
+              <a:rPr lang="en-US" baseline="0" dirty="0" err="1" smtClean="0"/>
+              <a:t>Då</a:t>
+            </a:r>
+            <a:r>
+              <a:rPr lang="en-US" baseline="0" dirty="0" smtClean="0"/>
+              <a:t> </a:t>
+            </a:r>
+            <a:r>
+              <a:rPr lang="en-US" baseline="0" dirty="0" err="1" smtClean="0"/>
+              <a:t>får</a:t>
+            </a:r>
+            <a:r>
+              <a:rPr lang="en-US" baseline="0" dirty="0" smtClean="0"/>
+              <a:t> vi med en replica en </a:t>
+            </a:r>
+            <a:r>
+              <a:rPr lang="en-US" baseline="0" dirty="0" err="1" smtClean="0"/>
+              <a:t>tillförlitlighet</a:t>
+            </a:r>
+            <a:r>
+              <a:rPr lang="en-US" baseline="0" dirty="0" smtClean="0"/>
+              <a:t> </a:t>
+            </a:r>
+            <a:r>
+              <a:rPr lang="en-US" baseline="0" dirty="0" err="1" smtClean="0"/>
+              <a:t>på</a:t>
+            </a:r>
+            <a:r>
+              <a:rPr lang="en-US" baseline="0" dirty="0" smtClean="0"/>
+              <a:t> </a:t>
+            </a:r>
+            <a:r>
+              <a:rPr lang="en-US" baseline="0" dirty="0" err="1" smtClean="0"/>
+              <a:t>tre</a:t>
+            </a:r>
+            <a:r>
+              <a:rPr lang="en-US" baseline="0" dirty="0" smtClean="0"/>
+              <a:t> </a:t>
+            </a:r>
+            <a:r>
+              <a:rPr lang="en-US" baseline="0" dirty="0" err="1" smtClean="0"/>
+              <a:t>nion</a:t>
+            </a:r>
+            <a:r>
+              <a:rPr lang="en-US" baseline="0" dirty="0" smtClean="0"/>
+              <a:t>, men </a:t>
+            </a:r>
+            <a:r>
+              <a:rPr lang="en-US" baseline="0" dirty="0" err="1" smtClean="0"/>
+              <a:t>två</a:t>
+            </a:r>
+            <a:r>
+              <a:rPr lang="en-US" baseline="0" dirty="0" smtClean="0"/>
+              <a:t> </a:t>
+            </a:r>
+            <a:r>
+              <a:rPr lang="en-US" baseline="0" dirty="0" err="1" smtClean="0"/>
+              <a:t>replikor</a:t>
+            </a:r>
+            <a:r>
+              <a:rPr lang="en-US" baseline="0" dirty="0" smtClean="0"/>
+              <a:t> </a:t>
+            </a:r>
+            <a:r>
+              <a:rPr lang="en-US" baseline="0" dirty="0" err="1" smtClean="0"/>
+              <a:t>får</a:t>
+            </a:r>
+            <a:r>
+              <a:rPr lang="en-US" baseline="0" dirty="0" smtClean="0"/>
+              <a:t> vi </a:t>
+            </a:r>
+            <a:r>
+              <a:rPr lang="en-US" baseline="0" dirty="0" err="1" smtClean="0"/>
+              <a:t>sju</a:t>
+            </a:r>
+            <a:r>
+              <a:rPr lang="en-US" baseline="0" dirty="0" smtClean="0"/>
+              <a:t> </a:t>
+            </a:r>
+            <a:r>
+              <a:rPr lang="en-US" baseline="0" dirty="0" err="1" smtClean="0"/>
+              <a:t>nior</a:t>
+            </a:r>
+            <a:r>
+              <a:rPr lang="en-US" baseline="0" dirty="0" smtClean="0"/>
+              <a:t> </a:t>
+            </a:r>
+            <a:r>
+              <a:rPr lang="en-US" baseline="0" dirty="0" err="1" smtClean="0"/>
+              <a:t>och</a:t>
+            </a:r>
+            <a:r>
+              <a:rPr lang="en-US" baseline="0" dirty="0" smtClean="0"/>
+              <a:t> </a:t>
+            </a:r>
+            <a:r>
+              <a:rPr lang="en-US" baseline="0" dirty="0" err="1" smtClean="0"/>
+              <a:t>tre</a:t>
+            </a:r>
+            <a:r>
+              <a:rPr lang="en-US" baseline="0" dirty="0" smtClean="0"/>
+              <a:t> </a:t>
+            </a:r>
+            <a:r>
+              <a:rPr lang="en-US" baseline="0" dirty="0" err="1" smtClean="0"/>
+              <a:t>replikor</a:t>
+            </a:r>
+            <a:r>
+              <a:rPr lang="en-US" baseline="0" dirty="0" smtClean="0"/>
+              <a:t> </a:t>
+            </a:r>
+            <a:r>
+              <a:rPr lang="en-US" baseline="0" dirty="0" err="1" smtClean="0"/>
+              <a:t>elva</a:t>
+            </a:r>
+            <a:r>
+              <a:rPr lang="en-US" baseline="0" dirty="0" smtClean="0"/>
+              <a:t> </a:t>
+            </a:r>
+            <a:r>
+              <a:rPr lang="en-US" baseline="0" dirty="0" err="1" smtClean="0"/>
+              <a:t>nior</a:t>
+            </a:r>
+            <a:r>
+              <a:rPr lang="en-US" baseline="0" dirty="0" smtClean="0"/>
+              <a:t>. </a:t>
+            </a:r>
+          </a:p>
+          <a:p>
+            <a:endParaRPr lang="en-US" baseline="0" dirty="0" smtClean="0"/>
+          </a:p>
+          <a:p>
+            <a:r>
+              <a:rPr lang="en-US" baseline="0" dirty="0" smtClean="0"/>
+              <a:t>Med </a:t>
+            </a:r>
+            <a:r>
+              <a:rPr lang="en-US" baseline="0" dirty="0" err="1" smtClean="0"/>
+              <a:t>tex</a:t>
+            </a:r>
+            <a:r>
+              <a:rPr lang="en-US" baseline="0" dirty="0" smtClean="0"/>
+              <a:t> </a:t>
+            </a:r>
+            <a:r>
+              <a:rPr lang="en-US" baseline="0" dirty="0" err="1" smtClean="0"/>
+              <a:t>två</a:t>
+            </a:r>
+            <a:r>
+              <a:rPr lang="en-US" baseline="0" dirty="0" smtClean="0"/>
+              <a:t> </a:t>
+            </a:r>
+            <a:r>
+              <a:rPr lang="en-US" baseline="0" dirty="0" err="1" smtClean="0"/>
+              <a:t>noder</a:t>
+            </a:r>
+            <a:r>
+              <a:rPr lang="en-US" baseline="0" dirty="0" smtClean="0"/>
+              <a:t> </a:t>
+            </a:r>
+            <a:r>
+              <a:rPr lang="en-US" baseline="0" dirty="0" err="1" smtClean="0"/>
+              <a:t>är</a:t>
+            </a:r>
+            <a:r>
+              <a:rPr lang="en-US" baseline="0" dirty="0" smtClean="0"/>
+              <a:t> </a:t>
+            </a:r>
+            <a:r>
+              <a:rPr lang="en-US" baseline="0" dirty="0" err="1" smtClean="0"/>
+              <a:t>det</a:t>
+            </a:r>
+            <a:r>
+              <a:rPr lang="en-US" baseline="0" dirty="0" smtClean="0"/>
+              <a:t> </a:t>
+            </a:r>
+            <a:r>
+              <a:rPr lang="en-US" baseline="0" dirty="0" err="1" smtClean="0"/>
+              <a:t>alltså</a:t>
+            </a:r>
+            <a:r>
+              <a:rPr lang="en-US" baseline="0" dirty="0" smtClean="0"/>
+              <a:t> </a:t>
+            </a:r>
+            <a:r>
+              <a:rPr lang="en-US" baseline="0" dirty="0" err="1" smtClean="0"/>
+              <a:t>väldigt</a:t>
+            </a:r>
+            <a:r>
+              <a:rPr lang="en-US" baseline="0" dirty="0" smtClean="0"/>
+              <a:t> </a:t>
+            </a:r>
+            <a:r>
+              <a:rPr lang="en-US" baseline="0" dirty="0" err="1" smtClean="0"/>
+              <a:t>liten</a:t>
+            </a:r>
+            <a:r>
+              <a:rPr lang="en-US" baseline="0" dirty="0" smtClean="0"/>
+              <a:t> risk </a:t>
+            </a:r>
+            <a:r>
+              <a:rPr lang="en-US" baseline="0" dirty="0" err="1" smtClean="0"/>
+              <a:t>att</a:t>
+            </a:r>
+            <a:r>
+              <a:rPr lang="en-US" baseline="0" dirty="0" smtClean="0"/>
+              <a:t> </a:t>
+            </a:r>
+            <a:r>
+              <a:rPr lang="en-US" baseline="0" dirty="0" err="1" smtClean="0"/>
+              <a:t>båda</a:t>
+            </a:r>
+            <a:r>
+              <a:rPr lang="en-US" baseline="0" dirty="0" smtClean="0"/>
+              <a:t> </a:t>
+            </a:r>
+            <a:r>
+              <a:rPr lang="en-US" baseline="0" dirty="0" err="1" smtClean="0"/>
+              <a:t>dör</a:t>
+            </a:r>
+            <a:r>
+              <a:rPr lang="en-US" baseline="0" dirty="0" smtClean="0"/>
+              <a:t> </a:t>
+            </a:r>
+            <a:r>
+              <a:rPr lang="en-US" baseline="0" dirty="0" err="1" smtClean="0"/>
+              <a:t>innan</a:t>
+            </a:r>
+            <a:r>
+              <a:rPr lang="en-US" baseline="0" dirty="0" smtClean="0"/>
+              <a:t> vi </a:t>
+            </a:r>
+            <a:r>
+              <a:rPr lang="en-US" baseline="0" dirty="0" err="1" smtClean="0"/>
+              <a:t>hunnit</a:t>
+            </a:r>
+            <a:r>
+              <a:rPr lang="en-US" baseline="0" dirty="0" smtClean="0"/>
+              <a:t> </a:t>
+            </a:r>
+            <a:r>
+              <a:rPr lang="en-US" baseline="0" dirty="0" err="1" smtClean="0"/>
+              <a:t>starta</a:t>
+            </a:r>
+            <a:r>
+              <a:rPr lang="en-US" baseline="0" dirty="0" smtClean="0"/>
+              <a:t> </a:t>
+            </a:r>
+            <a:r>
+              <a:rPr lang="en-US" baseline="0" dirty="0" err="1" smtClean="0"/>
+              <a:t>upp</a:t>
+            </a:r>
+            <a:r>
+              <a:rPr lang="en-US" baseline="0" dirty="0" smtClean="0"/>
+              <a:t> en </a:t>
+            </a:r>
+            <a:r>
+              <a:rPr lang="en-US" baseline="0" dirty="0" err="1" smtClean="0"/>
+              <a:t>ny</a:t>
+            </a:r>
+            <a:r>
+              <a:rPr lang="en-US" baseline="0" dirty="0" smtClean="0"/>
+              <a:t> </a:t>
+            </a:r>
+            <a:r>
+              <a:rPr lang="en-US" baseline="0" dirty="0" err="1" smtClean="0"/>
+              <a:t>aktor</a:t>
+            </a:r>
+            <a:r>
+              <a:rPr lang="en-US" baseline="0" dirty="0" smtClean="0"/>
+              <a:t>.</a:t>
+            </a:r>
+          </a:p>
+          <a:p>
+            <a:endParaRPr lang="en-US" baseline="0" dirty="0" smtClean="0"/>
+          </a:p>
+          <a:p>
+            <a:r>
+              <a:rPr lang="en-US" baseline="0" dirty="0" smtClean="0"/>
+              <a:t>Nu </a:t>
+            </a:r>
+            <a:r>
+              <a:rPr lang="en-US" baseline="0" dirty="0" err="1" smtClean="0"/>
+              <a:t>antar</a:t>
+            </a:r>
+            <a:r>
+              <a:rPr lang="en-US" baseline="0" dirty="0" smtClean="0"/>
+              <a:t> vi </a:t>
+            </a:r>
+            <a:r>
+              <a:rPr lang="en-US" baseline="0" dirty="0" err="1" smtClean="0"/>
+              <a:t>förvisso</a:t>
+            </a:r>
+            <a:r>
+              <a:rPr lang="en-US" baseline="0" dirty="0" smtClean="0"/>
+              <a:t> </a:t>
+            </a:r>
+            <a:r>
+              <a:rPr lang="en-US" baseline="0" dirty="0" err="1" smtClean="0"/>
+              <a:t>att</a:t>
+            </a:r>
+            <a:r>
+              <a:rPr lang="en-US" baseline="0" dirty="0" smtClean="0"/>
+              <a:t> </a:t>
+            </a:r>
+            <a:r>
+              <a:rPr lang="en-US" baseline="0" dirty="0" err="1" smtClean="0"/>
+              <a:t>fel</a:t>
+            </a:r>
+            <a:r>
+              <a:rPr lang="en-US" baseline="0" dirty="0" smtClean="0"/>
+              <a:t> </a:t>
+            </a:r>
+            <a:r>
+              <a:rPr lang="en-US" baseline="0" dirty="0" err="1" smtClean="0"/>
+              <a:t>inträffar</a:t>
+            </a:r>
+            <a:r>
+              <a:rPr lang="en-US" baseline="0" dirty="0" smtClean="0"/>
+              <a:t> </a:t>
+            </a:r>
+            <a:r>
+              <a:rPr lang="en-US" baseline="0" dirty="0" err="1" smtClean="0"/>
+              <a:t>oberoende</a:t>
+            </a:r>
+            <a:r>
+              <a:rPr lang="en-US" baseline="0" dirty="0" smtClean="0"/>
+              <a:t> men </a:t>
+            </a:r>
+            <a:r>
+              <a:rPr lang="en-US" baseline="0" dirty="0" err="1" smtClean="0"/>
+              <a:t>det</a:t>
+            </a:r>
+            <a:r>
+              <a:rPr lang="en-US" baseline="0" dirty="0" smtClean="0"/>
+              <a:t> </a:t>
+            </a:r>
+            <a:r>
+              <a:rPr lang="en-US" baseline="0" dirty="0" err="1" smtClean="0"/>
+              <a:t>tyder</a:t>
+            </a:r>
+            <a:r>
+              <a:rPr lang="en-US" baseline="0" dirty="0" smtClean="0"/>
+              <a:t> </a:t>
+            </a:r>
+            <a:r>
+              <a:rPr lang="en-US" baseline="0" dirty="0" err="1" smtClean="0"/>
+              <a:t>ändå</a:t>
+            </a:r>
+            <a:r>
+              <a:rPr lang="en-US" baseline="0" dirty="0" smtClean="0"/>
+              <a:t> </a:t>
+            </a:r>
+            <a:r>
+              <a:rPr lang="en-US" baseline="0" dirty="0" err="1" smtClean="0"/>
+              <a:t>på</a:t>
+            </a:r>
+            <a:r>
+              <a:rPr lang="en-US" baseline="0" dirty="0" smtClean="0"/>
+              <a:t> </a:t>
+            </a:r>
+            <a:r>
+              <a:rPr lang="en-US" baseline="0" dirty="0" err="1" smtClean="0"/>
+              <a:t>att</a:t>
+            </a:r>
+            <a:r>
+              <a:rPr lang="en-US" baseline="0" dirty="0" smtClean="0"/>
+              <a:t> vi </a:t>
+            </a:r>
+            <a:r>
+              <a:rPr lang="en-US" baseline="0" dirty="0" err="1" smtClean="0"/>
+              <a:t>får</a:t>
+            </a:r>
+            <a:r>
+              <a:rPr lang="en-US" baseline="0" dirty="0" smtClean="0"/>
+              <a:t> </a:t>
+            </a:r>
+            <a:r>
+              <a:rPr lang="en-US" baseline="0" dirty="0" err="1" smtClean="0"/>
+              <a:t>väldigt</a:t>
+            </a:r>
+            <a:r>
+              <a:rPr lang="en-US" baseline="0" dirty="0" smtClean="0"/>
+              <a:t> </a:t>
+            </a:r>
+            <a:r>
+              <a:rPr lang="en-US" baseline="0" dirty="0" err="1" smtClean="0"/>
+              <a:t>hög</a:t>
+            </a:r>
+            <a:r>
+              <a:rPr lang="en-US" baseline="0" dirty="0" smtClean="0"/>
+              <a:t> </a:t>
+            </a:r>
+            <a:r>
+              <a:rPr lang="en-US" baseline="0" dirty="0" err="1" smtClean="0"/>
+              <a:t>tillförlitlighet</a:t>
+            </a:r>
+            <a:r>
+              <a:rPr lang="en-US" baseline="0" dirty="0" smtClean="0"/>
+              <a:t> med </a:t>
+            </a:r>
+            <a:r>
+              <a:rPr lang="en-US" baseline="0" dirty="0" err="1" smtClean="0"/>
+              <a:t>ett</a:t>
+            </a:r>
+            <a:r>
+              <a:rPr lang="en-US" baseline="0" dirty="0" smtClean="0"/>
+              <a:t> </a:t>
+            </a:r>
+            <a:r>
+              <a:rPr lang="en-US" baseline="0" dirty="0" err="1" smtClean="0"/>
+              <a:t>få</a:t>
+            </a:r>
+            <a:r>
+              <a:rPr lang="en-US" baseline="0" dirty="0" smtClean="0"/>
+              <a:t> </a:t>
+            </a:r>
+            <a:r>
+              <a:rPr lang="en-US" baseline="0" dirty="0" err="1" smtClean="0"/>
+              <a:t>antal</a:t>
+            </a:r>
+            <a:r>
+              <a:rPr lang="en-US" baseline="0" dirty="0" smtClean="0"/>
+              <a:t> </a:t>
+            </a:r>
+            <a:r>
+              <a:rPr lang="en-US" baseline="0" dirty="0" err="1" smtClean="0"/>
+              <a:t>replikor</a:t>
+            </a:r>
+            <a:r>
+              <a:rPr lang="en-US" baseline="0" dirty="0" smtClean="0"/>
+              <a:t>.</a:t>
+            </a:r>
+            <a:endParaRPr lang="en-US" dirty="0"/>
           </a:p>
         </p:txBody>
       </p:sp>
       <p:sp>
         <p:nvSpPr>
-          <p:cNvPr id="4" name="Platshållare för bildnummer 3"/>
+          <p:cNvPr id="4" name="Slide Number Placeholder 3"/>
           <p:cNvSpPr>
             <a:spLocks noGrp="1"/>
           </p:cNvSpPr>
@@ -12421,7 +12421,7 @@
     </p:spTree>
     <p:extLst>
       <p:ext uri="{BB962C8B-B14F-4D97-AF65-F5344CB8AC3E}">
-        <p14:creationId xmlns:p14="http://schemas.microsoft.com/office/powerpoint/2010/main" val="101356061"/>
+        <p14:creationId xmlns:p14="http://schemas.microsoft.com/office/powerpoint/2010/main" val="95629498"/>
       </p:ext>
     </p:extLst>
   </p:cSld>
@@ -18026,7 +18026,7 @@
           <a:p>
             <a:fld id="{4BDF68E2-58F2-4D09-BE8B-E3BD06533059}" type="datetimeFigureOut">
               <a:rPr lang="en-US" smtClean="0"/>
-              <a:t>5/26/16</a:t>
+              <a:t>5/27/2016</a:t>
             </a:fld>
             <a:endParaRPr lang="en-US" dirty="0"/>
           </a:p>
@@ -18234,7 +18234,7 @@
           <a:p>
             <a:fld id="{2E2D6473-DF6D-4702-B328-E0DD40540A4E}" type="datetimeFigureOut">
               <a:rPr lang="en-US" smtClean="0"/>
-              <a:t>5/26/16</a:t>
+              <a:t>5/27/2016</a:t>
             </a:fld>
             <a:endParaRPr lang="en-US" dirty="0"/>
           </a:p>
@@ -18490,7 +18490,7 @@
           <a:p>
             <a:fld id="{E26F7E3A-B166-407D-9866-32884E7D5B37}" type="datetimeFigureOut">
               <a:rPr lang="en-US" smtClean="0"/>
-              <a:t>5/26/16</a:t>
+              <a:t>5/27/2016</a:t>
             </a:fld>
             <a:endParaRPr lang="en-US" dirty="0"/>
           </a:p>
@@ -18664,7 +18664,7 @@
           <a:p>
             <a:fld id="{528FC5F6-F338-4AE4-BB23-26385BCFC423}" type="datetimeFigureOut">
               <a:rPr lang="en-US" smtClean="0"/>
-              <a:t>5/26/16</a:t>
+              <a:t>5/27/2016</a:t>
             </a:fld>
             <a:endParaRPr lang="en-US" dirty="0"/>
           </a:p>
@@ -19007,7 +19007,7 @@
           <a:p>
             <a:fld id="{20EBB0C4-6273-4C6E-B9BD-2EDC30F1CD52}" type="datetimeFigureOut">
               <a:rPr lang="en-US" smtClean="0"/>
-              <a:t>5/26/16</a:t>
+              <a:t>5/27/2016</a:t>
             </a:fld>
             <a:endParaRPr lang="en-US" dirty="0"/>
           </a:p>
@@ -19282,7 +19282,7 @@
           <a:p>
             <a:fld id="{19AB4D41-86C1-4908-B66A-0B50CEB3BF29}" type="datetimeFigureOut">
               <a:rPr lang="en-US" smtClean="0"/>
-              <a:t>5/26/16</a:t>
+              <a:t>5/27/2016</a:t>
             </a:fld>
             <a:endParaRPr lang="en-US" dirty="0"/>
           </a:p>
@@ -19661,7 +19661,7 @@
           <a:p>
             <a:fld id="{E6426E2C-56C1-4E0D-A793-0088A7FDD37E}" type="datetimeFigureOut">
               <a:rPr lang="en-US" smtClean="0"/>
-              <a:t>5/26/16</a:t>
+              <a:t>5/27/2016</a:t>
             </a:fld>
             <a:endParaRPr lang="en-US" dirty="0"/>
           </a:p>
@@ -19779,7 +19779,7 @@
           <a:p>
             <a:fld id="{C8C39B41-D8B5-4052-B551-9B5525EAA8B6}" type="datetimeFigureOut">
               <a:rPr lang="en-US" smtClean="0"/>
-              <a:t>5/26/16</a:t>
+              <a:t>5/27/2016</a:t>
             </a:fld>
             <a:endParaRPr lang="en-US" dirty="0"/>
           </a:p>
@@ -19950,7 +19950,7 @@
           <a:p>
             <a:fld id="{4D94136C-8742-45B2-AF27-D93DF72833A9}" type="datetimeFigureOut">
               <a:rPr lang="en-US" smtClean="0"/>
-              <a:t>5/26/16</a:t>
+              <a:t>5/27/2016</a:t>
             </a:fld>
             <a:endParaRPr lang="en-US" dirty="0"/>
           </a:p>
@@ -20305,7 +20305,7 @@
           <a:p>
             <a:fld id="{32ABBEA6-7C60-4B02-AE87-00D78D8422AF}" type="datetimeFigureOut">
               <a:rPr lang="en-US" smtClean="0"/>
-              <a:t>5/26/16</a:t>
+              <a:t>5/27/2016</a:t>
             </a:fld>
             <a:endParaRPr lang="en-US" dirty="0"/>
           </a:p>
@@ -20688,7 +20688,7 @@
           <a:p>
             <a:fld id="{C9CAD897-D46E-4AD2-BD9B-49DD3E640873}" type="datetimeFigureOut">
               <a:rPr lang="en-US" smtClean="0"/>
-              <a:t>5/26/16</a:t>
+              <a:t>5/27/2016</a:t>
             </a:fld>
             <a:endParaRPr lang="en-US" dirty="0"/>
           </a:p>
@@ -20975,7 +20975,7 @@
           <a:p>
             <a:fld id="{98624D31-43A5-475A-80CF-332C9F6DCF35}" type="datetimeFigureOut">
               <a:rPr lang="en-US" smtClean="0"/>
-              <a:t>5/26/16</a:t>
+              <a:t>5/27/2016</a:t>
             </a:fld>
             <a:endParaRPr lang="en-US" dirty="0"/>
           </a:p>
@@ -21777,7 +21777,7 @@
                         <m:dPr>
                           <m:ctrlPr>
                             <a:rPr lang="en-GB" i="1">
-                              <a:latin typeface="Cambria Math" charset="0"/>
+                              <a:latin typeface="Cambria Math" panose="02040503050406030204" pitchFamily="18" charset="0"/>
                             </a:rPr>
                           </m:ctrlPr>
                         </m:dPr>
@@ -21806,7 +21806,7 @@
                         <m:dPr>
                           <m:ctrlPr>
                             <a:rPr lang="en-GB" i="1">
-                              <a:latin typeface="Cambria Math" charset="0"/>
+                              <a:latin typeface="Cambria Math" panose="02040503050406030204" pitchFamily="18" charset="0"/>
                             </a:rPr>
                           </m:ctrlPr>
                         </m:dPr>
@@ -21871,7 +21871,7 @@
                         <m:sSupPr>
                           <m:ctrlPr>
                             <a:rPr lang="is-IS" i="1">
-                              <a:latin typeface="Cambria Math" charset="0"/>
+                              <a:latin typeface="Cambria Math" panose="02040503050406030204" pitchFamily="18" charset="0"/>
                             </a:rPr>
                           </m:ctrlPr>
                         </m:sSupPr>
@@ -21894,7 +21894,7 @@
                             <m:dPr>
                               <m:ctrlPr>
                                 <a:rPr lang="en-US" i="1">
-                                  <a:latin typeface="Cambria Math" charset="0"/>
+                                  <a:latin typeface="Cambria Math" panose="02040503050406030204" pitchFamily="18" charset="0"/>
                                 </a:rPr>
                               </m:ctrlPr>
                             </m:dPr>
@@ -21903,7 +21903,7 @@
                                 <m:fPr>
                                   <m:ctrlPr>
                                     <a:rPr lang="fi-FI" i="1">
-                                      <a:latin typeface="Cambria Math" charset="0"/>
+                                      <a:latin typeface="Cambria Math" panose="02040503050406030204" pitchFamily="18" charset="0"/>
                                     </a:rPr>
                                   </m:ctrlPr>
                                 </m:fPr>
@@ -22015,7 +22015,7 @@
                         <m:dPr>
                           <m:ctrlPr>
                             <a:rPr lang="en-GB" i="1">
-                              <a:latin typeface="Cambria Math" charset="0"/>
+                              <a:latin typeface="Cambria Math" panose="02040503050406030204" pitchFamily="18" charset="0"/>
                             </a:rPr>
                           </m:ctrlPr>
                         </m:dPr>
@@ -22229,7 +22229,7 @@
                       <m:sSubPr>
                         <m:ctrlPr>
                           <a:rPr lang="en-US" i="1">
-                            <a:latin typeface="Cambria Math" charset="0"/>
+                            <a:latin typeface="Cambria Math" panose="02040503050406030204" pitchFamily="18" charset="0"/>
                           </a:rPr>
                         </m:ctrlPr>
                       </m:sSubPr>
@@ -22262,7 +22262,7 @@
                       <m:sSubPr>
                         <m:ctrlPr>
                           <a:rPr lang="en-US" i="1">
-                            <a:latin typeface="Cambria Math" charset="0"/>
+                            <a:latin typeface="Cambria Math" panose="02040503050406030204" pitchFamily="18" charset="0"/>
                           </a:rPr>
                         </m:ctrlPr>
                       </m:sSubPr>
@@ -22295,7 +22295,7 @@
                       <m:sSubPr>
                         <m:ctrlPr>
                           <a:rPr lang="en-US" i="1">
-                            <a:latin typeface="Cambria Math" charset="0"/>
+                            <a:latin typeface="Cambria Math" panose="02040503050406030204" pitchFamily="18" charset="0"/>
                           </a:rPr>
                         </m:ctrlPr>
                       </m:sSubPr>
@@ -22444,7 +22444,7 @@
                         <m:fPr>
                           <m:ctrlPr>
                             <a:rPr lang="bg-BG" b="0" i="1" smtClean="0">
-                              <a:latin typeface="Cambria Math" charset="0"/>
+                              <a:latin typeface="Cambria Math" panose="02040503050406030204" pitchFamily="18" charset="0"/>
                             </a:rPr>
                           </m:ctrlPr>
                         </m:fPr>
@@ -22453,7 +22453,7 @@
                             <m:sSubPr>
                               <m:ctrlPr>
                                 <a:rPr lang="en-US" i="1">
-                                  <a:latin typeface="Cambria Math" charset="0"/>
+                                  <a:latin typeface="Cambria Math" panose="02040503050406030204" pitchFamily="18" charset="0"/>
                                 </a:rPr>
                               </m:ctrlPr>
                             </m:sSubPr>
@@ -22484,7 +22484,7 @@
                             <m:sSubPr>
                               <m:ctrlPr>
                                 <a:rPr lang="en-US" i="1">
-                                  <a:latin typeface="Cambria Math" charset="0"/>
+                                  <a:latin typeface="Cambria Math" panose="02040503050406030204" pitchFamily="18" charset="0"/>
                                 </a:rPr>
                               </m:ctrlPr>
                             </m:sSubPr>
@@ -22515,7 +22515,7 @@
                             <m:sSubPr>
                               <m:ctrlPr>
                                 <a:rPr lang="en-US" i="1">
-                                  <a:latin typeface="Cambria Math" charset="0"/>
+                                  <a:latin typeface="Cambria Math" panose="02040503050406030204" pitchFamily="18" charset="0"/>
                                 </a:rPr>
                               </m:ctrlPr>
                             </m:sSubPr>
@@ -22546,7 +22546,7 @@
                             <m:sSubPr>
                               <m:ctrlPr>
                                 <a:rPr lang="en-US" i="1">
-                                  <a:latin typeface="Cambria Math" charset="0"/>
+                                  <a:latin typeface="Cambria Math" panose="02040503050406030204" pitchFamily="18" charset="0"/>
                                 </a:rPr>
                               </m:ctrlPr>
                             </m:sSubPr>
@@ -22670,7 +22670,7 @@
                         <m:fPr>
                           <m:ctrlPr>
                             <a:rPr lang="bg-BG" b="0" i="1" smtClean="0">
-                              <a:latin typeface="Cambria Math" charset="0"/>
+                              <a:latin typeface="Cambria Math" panose="02040503050406030204" pitchFamily="18" charset="0"/>
                             </a:rPr>
                           </m:ctrlPr>
                         </m:fPr>
@@ -22972,7 +22972,7 @@
                         <m:dPr>
                           <m:ctrlPr>
                             <a:rPr lang="en-GB" i="1">
-                              <a:latin typeface="Cambria Math" charset="0"/>
+                              <a:latin typeface="Cambria Math" panose="02040503050406030204" pitchFamily="18" charset="0"/>
                             </a:rPr>
                           </m:ctrlPr>
                         </m:dPr>
@@ -23079,7 +23079,7 @@
                         <m:dPr>
                           <m:ctrlPr>
                             <a:rPr lang="en-GB" i="1">
-                              <a:latin typeface="Cambria Math" charset="0"/>
+                              <a:latin typeface="Cambria Math" panose="02040503050406030204" pitchFamily="18" charset="0"/>
                             </a:rPr>
                           </m:ctrlPr>
                         </m:dPr>
@@ -23174,7 +23174,7 @@
                           <m:chr m:val="∏"/>
                           <m:ctrlPr>
                             <a:rPr lang="is-IS" i="1">
-                              <a:latin typeface="Cambria Math" charset="0"/>
+                              <a:latin typeface="Cambria Math" panose="02040503050406030204" pitchFamily="18" charset="0"/>
                             </a:rPr>
                           </m:ctrlPr>
                         </m:naryPr>
@@ -23208,7 +23208,7 @@
                             <m:sSubPr>
                               <m:ctrlPr>
                                 <a:rPr lang="en-US" i="1">
-                                  <a:latin typeface="Cambria Math" charset="0"/>
+                                  <a:latin typeface="Cambria Math" panose="02040503050406030204" pitchFamily="18" charset="0"/>
                                 </a:rPr>
                               </m:ctrlPr>
                             </m:sSubPr>
@@ -23233,7 +23233,7 @@
                             <m:dPr>
                               <m:ctrlPr>
                                 <a:rPr lang="en-GB" i="1">
-                                  <a:latin typeface="Cambria Math" charset="0"/>
+                                  <a:latin typeface="Cambria Math" panose="02040503050406030204" pitchFamily="18" charset="0"/>
                                 </a:rPr>
                               </m:ctrlPr>
                             </m:dPr>
@@ -23259,7 +23259,7 @@
                           <m:chr m:val="∏"/>
                           <m:ctrlPr>
                             <a:rPr lang="is-IS" i="1">
-                              <a:latin typeface="Cambria Math" charset="0"/>
+                              <a:latin typeface="Cambria Math" panose="02040503050406030204" pitchFamily="18" charset="0"/>
                             </a:rPr>
                           </m:ctrlPr>
                         </m:naryPr>
@@ -23299,7 +23299,7 @@
                             <m:sSubPr>
                               <m:ctrlPr>
                                 <a:rPr lang="en-US" i="1">
-                                  <a:latin typeface="Cambria Math" charset="0"/>
+                                  <a:latin typeface="Cambria Math" panose="02040503050406030204" pitchFamily="18" charset="0"/>
                                 </a:rPr>
                               </m:ctrlPr>
                             </m:sSubPr>
@@ -23324,7 +23324,7 @@
                             <m:dPr>
                               <m:ctrlPr>
                                 <a:rPr lang="en-GB" i="1">
-                                  <a:latin typeface="Cambria Math" charset="0"/>
+                                  <a:latin typeface="Cambria Math" panose="02040503050406030204" pitchFamily="18" charset="0"/>
                                 </a:rPr>
                               </m:ctrlPr>
                             </m:dPr>
@@ -23588,7 +23588,7 @@
                       <m:dPr>
                         <m:ctrlPr>
                           <a:rPr lang="sv-SE" b="0" i="1" smtClean="0">
-                            <a:latin typeface="Cambria Math" charset="0"/>
+                            <a:latin typeface="Cambria Math" panose="02040503050406030204" pitchFamily="18" charset="0"/>
                           </a:rPr>
                         </m:ctrlPr>
                       </m:dPr>
@@ -24015,7 +24015,7 @@
                       <m:dPr>
                         <m:ctrlPr>
                           <a:rPr lang="sv-SE" i="1">
-                            <a:latin typeface="Cambria Math" charset="0"/>
+                            <a:latin typeface="Cambria Math" panose="02040503050406030204" pitchFamily="18" charset="0"/>
                           </a:rPr>
                         </m:ctrlPr>
                       </m:dPr>
@@ -24461,7 +24461,7 @@
                       <m:dPr>
                         <m:ctrlPr>
                           <a:rPr lang="sv-SE" i="1">
-                            <a:latin typeface="Cambria Math" charset="0"/>
+                            <a:latin typeface="Cambria Math" panose="02040503050406030204" pitchFamily="18" charset="0"/>
                           </a:rPr>
                         </m:ctrlPr>
                       </m:dPr>
@@ -24485,7 +24485,7 @@
                       <m:dPr>
                         <m:ctrlPr>
                           <a:rPr lang="sv-SE" i="1">
-                            <a:latin typeface="Cambria Math" charset="0"/>
+                            <a:latin typeface="Cambria Math" panose="02040503050406030204" pitchFamily="18" charset="0"/>
                             <a:ea typeface="Cambria Math" panose="02040503050406030204" pitchFamily="18" charset="0"/>
                           </a:rPr>
                         </m:ctrlPr>
@@ -24511,7 +24511,7 @@
                       <m:dPr>
                         <m:ctrlPr>
                           <a:rPr lang="sv-SE" i="1">
-                            <a:latin typeface="Cambria Math" charset="0"/>
+                            <a:latin typeface="Cambria Math" panose="02040503050406030204" pitchFamily="18" charset="0"/>
                             <a:ea typeface="Cambria Math" panose="02040503050406030204" pitchFamily="18" charset="0"/>
                           </a:rPr>
                         </m:ctrlPr>
@@ -26321,7 +26321,7 @@
                       <m:dPr>
                         <m:ctrlPr>
                           <a:rPr lang="sv-SE" i="1">
-                            <a:latin typeface="Cambria Math" charset="0"/>
+                            <a:latin typeface="Cambria Math" panose="02040503050406030204" pitchFamily="18" charset="0"/>
                           </a:rPr>
                         </m:ctrlPr>
                       </m:dPr>
@@ -26345,7 +26345,7 @@
                       <m:dPr>
                         <m:ctrlPr>
                           <a:rPr lang="sv-SE" i="1">
-                            <a:latin typeface="Cambria Math" charset="0"/>
+                            <a:latin typeface="Cambria Math" panose="02040503050406030204" pitchFamily="18" charset="0"/>
                             <a:ea typeface="Cambria Math" panose="02040503050406030204" pitchFamily="18" charset="0"/>
                           </a:rPr>
                         </m:ctrlPr>
@@ -26734,7 +26734,7 @@
                       <m:dPr>
                         <m:ctrlPr>
                           <a:rPr lang="sv-SE" i="1">
-                            <a:latin typeface="Cambria Math" charset="0"/>
+                            <a:latin typeface="Cambria Math" panose="02040503050406030204" pitchFamily="18" charset="0"/>
                           </a:rPr>
                         </m:ctrlPr>
                       </m:dPr>
@@ -26988,7 +26988,7 @@
                       <m:sSubPr>
                         <m:ctrlPr>
                           <a:rPr lang="sv-SE" b="0" i="1" smtClean="0">
-                            <a:latin typeface="Cambria Math" charset="0"/>
+                            <a:latin typeface="Cambria Math" panose="02040503050406030204" pitchFamily="18" charset="0"/>
                           </a:rPr>
                         </m:ctrlPr>
                       </m:sSubPr>
@@ -27021,7 +27021,7 @@
                       <m:sSubPr>
                         <m:ctrlPr>
                           <a:rPr lang="sv-SE" i="1">
-                            <a:latin typeface="Cambria Math" charset="0"/>
+                            <a:latin typeface="Cambria Math" panose="02040503050406030204" pitchFamily="18" charset="0"/>
                           </a:rPr>
                         </m:ctrlPr>
                       </m:sSubPr>
@@ -27850,8 +27850,8 @@
           </a:p>
         </p:txBody>
       </p:sp>
-      <mc:AlternateContent xmlns:mc="http://schemas.openxmlformats.org/markup-compatibility/2006" xmlns:a14="http://schemas.microsoft.com/office/drawing/2010/main">
-        <mc:Choice Requires="a14">
+      <mc:AlternateContent xmlns:mc="http://schemas.openxmlformats.org/markup-compatibility/2006">
+        <mc:Choice xmlns:a14="http://schemas.microsoft.com/office/drawing/2010/main" Requires="a14">
           <p:sp>
             <p:nvSpPr>
               <p:cNvPr id="3" name="Content Placeholder 2"/>
@@ -27916,17 +27916,42 @@
                   <a:rPr lang="en-US" dirty="0" smtClean="0"/>
                   <a:t>Where </a:t>
                 </a:r>
+                <a14:m>
+                  <m:oMath xmlns:m="http://schemas.openxmlformats.org/officeDocument/2006/math">
+                    <m:sSub>
+                      <m:sSubPr>
+                        <m:ctrlPr>
+                          <a:rPr lang="en-US" i="1">
+                            <a:latin typeface="Cambria Math" panose="02040503050406030204" pitchFamily="18" charset="0"/>
+                          </a:rPr>
+                        </m:ctrlPr>
+                      </m:sSubPr>
+                      <m:e>
+                        <m:r>
+                          <a:rPr lang="sv-SE" i="1">
+                            <a:latin typeface="Cambria Math" panose="02040503050406030204" pitchFamily="18" charset="0"/>
+                          </a:rPr>
+                          <m:t>𝑡</m:t>
+                        </m:r>
+                      </m:e>
+                      <m:sub>
+                        <m:r>
+                          <a:rPr lang="sv-SE" i="1">
+                            <a:latin typeface="Cambria Math" panose="02040503050406030204" pitchFamily="18" charset="0"/>
+                          </a:rPr>
+                          <m:t>𝑑</m:t>
+                        </m:r>
+                      </m:sub>
+                    </m:sSub>
+                  </m:oMath>
+                </a14:m>
                 <a:r>
-                  <a:rPr lang="en-US" i="1" dirty="0" smtClean="0"/>
-                  <a:t>T</a:t>
-                </a:r>
-                <a:r>
-                  <a:rPr lang="en-US" i="1" baseline="-25000" dirty="0"/>
-                  <a:t>d</a:t>
+                  <a:rPr lang="en-US" dirty="0" smtClean="0"/>
+                  <a:t> </a:t>
                 </a:r>
                 <a:r>
                   <a:rPr lang="en-US" dirty="0" smtClean="0"/>
-                  <a:t> is the time to detect a failure, statically set to </a:t>
+                  <a:t>is the time to detect a failure, statically set to </a:t>
                 </a:r>
                 <a14:m>
                   <m:oMath xmlns:m="http://schemas.openxmlformats.org/officeDocument/2006/math">
@@ -27934,7 +27959,7 @@
                       <m:sSubPr>
                         <m:ctrlPr>
                           <a:rPr lang="sv-SE" b="0" i="1" smtClean="0">
-                            <a:latin typeface="Cambria Math" charset="0"/>
+                            <a:latin typeface="Cambria Math" panose="02040503050406030204" pitchFamily="18" charset="0"/>
                           </a:rPr>
                         </m:ctrlPr>
                       </m:sSubPr>
@@ -27961,14 +27986,35 @@
                   <a:rPr lang="en-US" dirty="0" smtClean="0"/>
                   <a:t>, while </a:t>
                 </a:r>
-                <a:r>
-                  <a:rPr lang="en-US" i="1" dirty="0" smtClean="0"/>
-                  <a:t>T</a:t>
-                </a:r>
-                <a:r>
-                  <a:rPr lang="en-US" i="1" baseline="-25000" dirty="0" smtClean="0"/>
-                  <a:t>R</a:t>
-                </a:r>
+                <a14:m>
+                  <m:oMath xmlns:m="http://schemas.openxmlformats.org/officeDocument/2006/math">
+                    <m:sSub>
+                      <m:sSubPr>
+                        <m:ctrlPr>
+                          <a:rPr lang="en-US" i="1">
+                            <a:latin typeface="Cambria Math" panose="02040503050406030204" pitchFamily="18" charset="0"/>
+                          </a:rPr>
+                        </m:ctrlPr>
+                      </m:sSubPr>
+                      <m:e>
+                        <m:r>
+                          <a:rPr lang="sv-SE" i="1">
+                            <a:latin typeface="Cambria Math" panose="02040503050406030204" pitchFamily="18" charset="0"/>
+                          </a:rPr>
+                          <m:t>𝑡</m:t>
+                        </m:r>
+                      </m:e>
+                      <m:sub>
+                        <m:r>
+                          <a:rPr lang="en-US" i="1">
+                            <a:latin typeface="Cambria Math" charset="0"/>
+                          </a:rPr>
+                          <m:t>𝑅</m:t>
+                        </m:r>
+                      </m:sub>
+                    </m:sSub>
+                  </m:oMath>
+                </a14:m>
                 <a:r>
                   <a:rPr lang="en-US" dirty="0" smtClean="0"/>
                   <a:t> varies.</a:t>
@@ -27978,17 +28024,46 @@
                 <a:pPr marL="0" indent="0">
                   <a:buNone/>
                 </a:pPr>
+                <a14:m>
+                  <m:oMath xmlns:m="http://schemas.openxmlformats.org/officeDocument/2006/math">
+                    <m:sSub>
+                      <m:sSubPr>
+                        <m:ctrlPr>
+                          <a:rPr lang="en-US" i="1">
+                            <a:latin typeface="Cambria Math" panose="02040503050406030204" pitchFamily="18" charset="0"/>
+                          </a:rPr>
+                        </m:ctrlPr>
+                      </m:sSubPr>
+                      <m:e>
+                        <m:r>
+                          <a:rPr lang="sv-SE" i="1">
+                            <a:latin typeface="Cambria Math" panose="02040503050406030204" pitchFamily="18" charset="0"/>
+                          </a:rPr>
+                          <m:t>𝑡</m:t>
+                        </m:r>
+                      </m:e>
+                      <m:sub>
+                        <m:r>
+                          <a:rPr lang="en-US" i="1">
+                            <a:latin typeface="Cambria Math" charset="0"/>
+                          </a:rPr>
+                          <m:t>𝑅</m:t>
+                        </m:r>
+                      </m:sub>
+                    </m:sSub>
+                  </m:oMath>
+                </a14:m>
                 <a:r>
-                  <a:rPr lang="en-US" i="1" dirty="0" smtClean="0"/>
-                  <a:t>T</a:t>
-                </a:r>
-                <a:r>
-                  <a:rPr lang="en-US" i="1" baseline="-25000" dirty="0" smtClean="0"/>
-                  <a:t>R</a:t>
+                  <a:rPr lang="en-US" dirty="0" smtClean="0"/>
+                  <a:t> </a:t>
                 </a:r>
                 <a:r>
                   <a:rPr lang="en-US" dirty="0" smtClean="0"/>
-                  <a:t> varies depending on:</a:t>
+                  <a:t>varies depending </a:t>
+                </a:r>
+                <a:r>
+                  <a:rPr lang="en-US" dirty="0" smtClean="0"/>
+                  <a:t>on:</a:t>
                 </a:r>
               </a:p>
               <a:p>
@@ -27997,13 +28072,10 @@
                   <a:buChar char="•"/>
                 </a:pPr>
                 <a:r>
-                  <a:rPr lang="en-US" dirty="0"/>
-                  <a:t>T</a:t>
+                  <a:rPr lang="en-US" dirty="0" smtClean="0"/>
+                  <a:t>Task state size</a:t>
                 </a:r>
-                <a:r>
-                  <a:rPr lang="en-US" dirty="0" smtClean="0"/>
-                  <a:t>he size of the task state</a:t>
-                </a:r>
+                <a:endParaRPr lang="en-US" dirty="0" smtClean="0"/>
               </a:p>
               <a:p>
                 <a:pPr lvl="1">
@@ -28028,7 +28100,7 @@
             </p:txBody>
           </p:sp>
         </mc:Choice>
-        <mc:Fallback xmlns="">
+        <mc:Fallback>
           <p:sp>
             <p:nvSpPr>
               <p:cNvPr id="3" name="Content Placeholder 2"/>
@@ -28062,8 +28134,8 @@
           </p:sp>
         </mc:Fallback>
       </mc:AlternateContent>
-      <mc:AlternateContent xmlns:mc="http://schemas.openxmlformats.org/markup-compatibility/2006" xmlns:a14="http://schemas.microsoft.com/office/drawing/2010/main">
-        <mc:Choice Requires="a14">
+      <mc:AlternateContent xmlns:mc="http://schemas.openxmlformats.org/markup-compatibility/2006">
+        <mc:Choice xmlns:a14="http://schemas.microsoft.com/office/drawing/2010/main" Requires="a14">
           <p:sp>
             <p:nvSpPr>
               <p:cNvPr id="5" name="TextBox 4"/>
@@ -28073,7 +28145,7 @@
             <p:spPr>
               <a:xfrm>
                 <a:off x="5536767" y="3212418"/>
-                <a:ext cx="1243354" cy="276999"/>
+                <a:ext cx="1150443" cy="276999"/>
               </a:xfrm>
               <a:prstGeom prst="rect">
                 <a:avLst/>
@@ -28109,16 +28181,16 @@
                         <m:sSubPr>
                           <m:ctrlPr>
                             <a:rPr lang="en-US" i="1">
-                              <a:latin typeface="Cambria Math" charset="0"/>
+                              <a:latin typeface="Cambria Math" panose="02040503050406030204" pitchFamily="18" charset="0"/>
                             </a:rPr>
                           </m:ctrlPr>
                         </m:sSubPr>
                         <m:e>
                           <m:r>
-                            <a:rPr lang="en-US" i="1">
-                              <a:latin typeface="Cambria Math" charset="0"/>
+                            <a:rPr lang="sv-SE" b="0" i="1" smtClean="0">
+                              <a:latin typeface="Cambria Math" panose="02040503050406030204" pitchFamily="18" charset="0"/>
                             </a:rPr>
-                            <m:t>𝑇</m:t>
+                            <m:t>𝑡</m:t>
                           </m:r>
                         </m:e>
                         <m:sub>
@@ -28140,16 +28212,16 @@
                         <m:sSubPr>
                           <m:ctrlPr>
                             <a:rPr lang="en-US" b="0" i="1" smtClean="0">
-                              <a:latin typeface="Cambria Math" charset="0"/>
+                              <a:latin typeface="Cambria Math" panose="02040503050406030204" pitchFamily="18" charset="0"/>
                             </a:rPr>
                           </m:ctrlPr>
                         </m:sSubPr>
                         <m:e>
                           <m:r>
-                            <a:rPr lang="en-US" b="0" i="1" smtClean="0">
-                              <a:latin typeface="Cambria Math" charset="0"/>
+                            <a:rPr lang="sv-SE" b="0" i="1" smtClean="0">
+                              <a:latin typeface="Cambria Math" panose="02040503050406030204" pitchFamily="18" charset="0"/>
                             </a:rPr>
-                            <m:t>𝑇</m:t>
+                            <m:t>𝑡</m:t>
                           </m:r>
                         </m:e>
                         <m:sub>
@@ -28169,7 +28241,7 @@
             </p:txBody>
           </p:sp>
         </mc:Choice>
-        <mc:Fallback xmlns="">
+        <mc:Fallback>
           <p:sp>
             <p:nvSpPr>
               <p:cNvPr id="5" name="TextBox 4"/>
@@ -28181,7 +28253,7 @@
             <p:spPr>
               <a:xfrm>
                 <a:off x="5536767" y="3212418"/>
-                <a:ext cx="1243354" cy="276999"/>
+                <a:ext cx="1150443" cy="276999"/>
               </a:xfrm>
               <a:prstGeom prst="rect">
                 <a:avLst/>
@@ -28189,7 +28261,7 @@
               <a:blipFill rotWithShape="0">
                 <a:blip r:embed="rId4"/>
                 <a:stretch>
-                  <a:fillRect l="-1471" b="-17778"/>
+                  <a:fillRect l="-3704" r="-1058" b="-17778"/>
                 </a:stretch>
               </a:blipFill>
             </p:spPr>
@@ -28248,7 +28320,7 @@
                         <m:dPr>
                           <m:ctrlPr>
                             <a:rPr lang="en-GB" i="1">
-                              <a:latin typeface="Cambria Math" charset="0"/>
+                              <a:latin typeface="Cambria Math" panose="02040503050406030204" pitchFamily="18" charset="0"/>
                             </a:rPr>
                           </m:ctrlPr>
                         </m:dPr>
@@ -28271,7 +28343,7 @@
                         <m:sSupPr>
                           <m:ctrlPr>
                             <a:rPr lang="is-IS" i="1">
-                              <a:latin typeface="Cambria Math" charset="0"/>
+                              <a:latin typeface="Cambria Math" panose="02040503050406030204" pitchFamily="18" charset="0"/>
                             </a:rPr>
                           </m:ctrlPr>
                         </m:sSupPr>
@@ -28294,7 +28366,7 @@
                             <m:dPr>
                               <m:ctrlPr>
                                 <a:rPr lang="en-US" i="1">
-                                  <a:latin typeface="Cambria Math" charset="0"/>
+                                  <a:latin typeface="Cambria Math" panose="02040503050406030204" pitchFamily="18" charset="0"/>
                                 </a:rPr>
                               </m:ctrlPr>
                             </m:dPr>
@@ -28303,7 +28375,7 @@
                                 <m:fPr>
                                   <m:ctrlPr>
                                     <a:rPr lang="fi-FI" i="1">
-                                      <a:latin typeface="Cambria Math" charset="0"/>
+                                      <a:latin typeface="Cambria Math" panose="02040503050406030204" pitchFamily="18" charset="0"/>
                                     </a:rPr>
                                   </m:ctrlPr>
                                 </m:fPr>
@@ -28439,72 +28511,159 @@
           </a:p>
         </p:txBody>
       </p:sp>
-      <p:sp>
-        <p:nvSpPr>
-          <p:cNvPr id="3" name="Content Placeholder 2"/>
-          <p:cNvSpPr>
-            <a:spLocks noGrp="1"/>
-          </p:cNvSpPr>
-          <p:nvPr>
-            <p:ph idx="1"/>
-          </p:nvPr>
-        </p:nvSpPr>
-        <p:spPr/>
-        <p:txBody>
-          <a:bodyPr/>
-          <a:lstStyle/>
-          <a:p>
-            <a:pPr marL="0" indent="0">
-              <a:buNone/>
-            </a:pPr>
-            <a:r>
-              <a:rPr lang="en-US" dirty="0" smtClean="0"/>
-              <a:t>To cope with the varying time T</a:t>
-            </a:r>
-            <a:r>
-              <a:rPr lang="en-US" baseline="-25000" dirty="0" smtClean="0"/>
-              <a:t>R</a:t>
-            </a:r>
-            <a:r>
-              <a:rPr lang="en-US" dirty="0" smtClean="0"/>
-              <a:t>, an experiment was conducted during which each time T</a:t>
-            </a:r>
-            <a:r>
-              <a:rPr lang="en-US" baseline="-25000" dirty="0" smtClean="0"/>
-              <a:t>R</a:t>
-            </a:r>
-            <a:r>
-              <a:rPr lang="en-US" dirty="0" smtClean="0"/>
-              <a:t> was registered, in order to find a distribution fitting to the data. </a:t>
-            </a:r>
-            <a:endParaRPr lang="en-US" dirty="0"/>
-          </a:p>
-          <a:p>
-            <a:pPr lvl="1">
-              <a:buFont typeface="Arial" panose="020B0604020202020204" pitchFamily="34" charset="0"/>
-              <a:buChar char="•"/>
-            </a:pPr>
-            <a:r>
-              <a:rPr lang="en-US" dirty="0" smtClean="0"/>
-              <a:t>log-logistic was found to be the best fit</a:t>
-            </a:r>
-          </a:p>
-          <a:p>
-            <a:pPr>
-              <a:buFont typeface="Arial" charset="0"/>
-              <a:buChar char="•"/>
-            </a:pPr>
-            <a:endParaRPr lang="en-US" dirty="0" smtClean="0"/>
-          </a:p>
-          <a:p>
-            <a:pPr>
-              <a:buFont typeface="Arial" charset="0"/>
-              <a:buChar char="•"/>
-            </a:pPr>
-            <a:endParaRPr lang="en-US" dirty="0" smtClean="0"/>
-          </a:p>
-        </p:txBody>
-      </p:sp>
+      <mc:AlternateContent xmlns:mc="http://schemas.openxmlformats.org/markup-compatibility/2006">
+        <mc:Choice xmlns:a14="http://schemas.microsoft.com/office/drawing/2010/main" Requires="a14">
+          <p:sp>
+            <p:nvSpPr>
+              <p:cNvPr id="3" name="Content Placeholder 2"/>
+              <p:cNvSpPr>
+                <a:spLocks noGrp="1"/>
+              </p:cNvSpPr>
+              <p:nvPr>
+                <p:ph idx="1"/>
+              </p:nvPr>
+            </p:nvSpPr>
+            <p:spPr/>
+            <p:txBody>
+              <a:bodyPr/>
+              <a:lstStyle/>
+              <a:p>
+                <a:pPr marL="0" indent="0">
+                  <a:buNone/>
+                </a:pPr>
+                <a:r>
+                  <a:rPr lang="en-US" dirty="0" smtClean="0"/>
+                  <a:t>To cope with the varying time </a:t>
+                </a:r>
+                <a14:m>
+                  <m:oMath xmlns:m="http://schemas.openxmlformats.org/officeDocument/2006/math">
+                    <m:sSub>
+                      <m:sSubPr>
+                        <m:ctrlPr>
+                          <a:rPr lang="en-US" i="1">
+                            <a:latin typeface="Cambria Math" panose="02040503050406030204" pitchFamily="18" charset="0"/>
+                          </a:rPr>
+                        </m:ctrlPr>
+                      </m:sSubPr>
+                      <m:e>
+                        <m:r>
+                          <a:rPr lang="sv-SE" i="1">
+                            <a:latin typeface="Cambria Math" panose="02040503050406030204" pitchFamily="18" charset="0"/>
+                          </a:rPr>
+                          <m:t>𝑡</m:t>
+                        </m:r>
+                      </m:e>
+                      <m:sub>
+                        <m:r>
+                          <a:rPr lang="en-US" i="1">
+                            <a:latin typeface="Cambria Math" charset="0"/>
+                          </a:rPr>
+                          <m:t>𝑅</m:t>
+                        </m:r>
+                      </m:sub>
+                    </m:sSub>
+                  </m:oMath>
+                </a14:m>
+                <a:r>
+                  <a:rPr lang="en-US" dirty="0" smtClean="0"/>
+                  <a:t>, an experiment was conducted during which each time </a:t>
+                </a:r>
+                <a14:m>
+                  <m:oMath xmlns:m="http://schemas.openxmlformats.org/officeDocument/2006/math">
+                    <m:sSub>
+                      <m:sSubPr>
+                        <m:ctrlPr>
+                          <a:rPr lang="en-US" i="1">
+                            <a:latin typeface="Cambria Math" panose="02040503050406030204" pitchFamily="18" charset="0"/>
+                          </a:rPr>
+                        </m:ctrlPr>
+                      </m:sSubPr>
+                      <m:e>
+                        <m:r>
+                          <a:rPr lang="sv-SE" i="1">
+                            <a:latin typeface="Cambria Math" panose="02040503050406030204" pitchFamily="18" charset="0"/>
+                          </a:rPr>
+                          <m:t>𝑡</m:t>
+                        </m:r>
+                      </m:e>
+                      <m:sub>
+                        <m:r>
+                          <a:rPr lang="en-US" i="1">
+                            <a:latin typeface="Cambria Math" charset="0"/>
+                          </a:rPr>
+                          <m:t>𝑅</m:t>
+                        </m:r>
+                      </m:sub>
+                    </m:sSub>
+                  </m:oMath>
+                </a14:m>
+                <a:r>
+                  <a:rPr lang="en-US" dirty="0" smtClean="0"/>
+                  <a:t> was registered, in order to find a distribution fitting to the data. </a:t>
+                </a:r>
+                <a:endParaRPr lang="en-US" dirty="0"/>
+              </a:p>
+              <a:p>
+                <a:pPr lvl="1">
+                  <a:buFont typeface="Arial" panose="020B0604020202020204" pitchFamily="34" charset="0"/>
+                  <a:buChar char="•"/>
+                </a:pPr>
+                <a:r>
+                  <a:rPr lang="en-US" dirty="0" smtClean="0"/>
+                  <a:t>log-logistic was found to be the best fit</a:t>
+                </a:r>
+              </a:p>
+              <a:p>
+                <a:pPr>
+                  <a:buFont typeface="Arial" charset="0"/>
+                  <a:buChar char="•"/>
+                </a:pPr>
+                <a:endParaRPr lang="en-US" dirty="0" smtClean="0"/>
+              </a:p>
+              <a:p>
+                <a:pPr>
+                  <a:buFont typeface="Arial" charset="0"/>
+                  <a:buChar char="•"/>
+                </a:pPr>
+                <a:endParaRPr lang="en-US" dirty="0" smtClean="0"/>
+              </a:p>
+            </p:txBody>
+          </p:sp>
+        </mc:Choice>
+        <mc:Fallback>
+          <p:sp>
+            <p:nvSpPr>
+              <p:cNvPr id="3" name="Content Placeholder 2"/>
+              <p:cNvSpPr>
+                <a:spLocks noGrp="1" noRot="1" noChangeAspect="1" noMove="1" noResize="1" noEditPoints="1" noAdjustHandles="1" noChangeArrowheads="1" noChangeShapeType="1" noTextEdit="1"/>
+              </p:cNvSpPr>
+              <p:nvPr>
+                <p:ph idx="1"/>
+              </p:nvPr>
+            </p:nvSpPr>
+            <p:spPr>
+              <a:blipFill rotWithShape="0">
+                <a:blip r:embed="rId3"/>
+                <a:stretch>
+                  <a:fillRect l="-1515" t="-1667"/>
+                </a:stretch>
+              </a:blipFill>
+            </p:spPr>
+            <p:txBody>
+              <a:bodyPr/>
+              <a:lstStyle/>
+              <a:p>
+                <a:r>
+                  <a:rPr lang="sv-SE">
+                    <a:noFill/>
+                  </a:rPr>
+                  <a:t> </a:t>
+                </a:r>
+              </a:p>
+            </p:txBody>
+          </p:sp>
+        </mc:Fallback>
+      </mc:AlternateContent>
       <p:pic>
         <p:nvPicPr>
           <p:cNvPr id="5" name="Picture 4"/>
@@ -28514,7 +28673,7 @@
           <p:nvPr/>
         </p:nvPicPr>
         <p:blipFill>
-          <a:blip r:embed="rId3">
+          <a:blip r:embed="rId4">
             <a:extLst>
               <a:ext uri="{28A0092B-C50C-407E-A947-70E740481C1C}">
                 <a14:useLocalDpi xmlns:a14="http://schemas.microsoft.com/office/drawing/2010/main" val="0"/>
@@ -28603,63 +28762,129 @@
           </a:p>
         </p:txBody>
       </p:sp>
-      <p:sp>
-        <p:nvSpPr>
-          <p:cNvPr id="3" name="Content Placeholder 2"/>
-          <p:cNvSpPr>
-            <a:spLocks noGrp="1"/>
-          </p:cNvSpPr>
-          <p:nvPr>
-            <p:ph idx="1"/>
-          </p:nvPr>
-        </p:nvSpPr>
-        <p:spPr/>
-        <p:txBody>
-          <a:bodyPr/>
-          <a:lstStyle/>
-          <a:p>
-            <a:pPr marL="0" indent="0">
-              <a:buNone/>
-            </a:pPr>
-            <a:r>
-              <a:rPr lang="en-US" dirty="0" smtClean="0"/>
-              <a:t>To find a value for T</a:t>
-            </a:r>
-            <a:r>
-              <a:rPr lang="en-US" baseline="-25000" dirty="0" smtClean="0"/>
-              <a:t>R</a:t>
-            </a:r>
-            <a:r>
-              <a:rPr lang="en-US" dirty="0" smtClean="0"/>
-              <a:t> to use in the reliability model, all previously registered values are used to find the shape parameters for the log-logistic distribution</a:t>
-            </a:r>
-          </a:p>
-          <a:p>
-            <a:pPr lvl="1">
-              <a:buFont typeface="Arial" panose="020B0604020202020204" pitchFamily="34" charset="0"/>
-              <a:buChar char="•"/>
-            </a:pPr>
-            <a:r>
-              <a:rPr lang="en-US" dirty="0" smtClean="0"/>
-              <a:t>The 95th percentile value is used</a:t>
-            </a:r>
-          </a:p>
-          <a:p>
-            <a:pPr>
-              <a:buFont typeface="Arial" charset="0"/>
-              <a:buChar char="•"/>
-            </a:pPr>
-            <a:endParaRPr lang="en-US" dirty="0" smtClean="0"/>
-          </a:p>
-          <a:p>
-            <a:pPr>
-              <a:buFont typeface="Arial" charset="0"/>
-              <a:buChar char="•"/>
-            </a:pPr>
-            <a:endParaRPr lang="en-US" dirty="0" smtClean="0"/>
-          </a:p>
-        </p:txBody>
-      </p:sp>
+      <mc:AlternateContent xmlns:mc="http://schemas.openxmlformats.org/markup-compatibility/2006">
+        <mc:Choice xmlns:a14="http://schemas.microsoft.com/office/drawing/2010/main" Requires="a14">
+          <p:sp>
+            <p:nvSpPr>
+              <p:cNvPr id="3" name="Content Placeholder 2"/>
+              <p:cNvSpPr>
+                <a:spLocks noGrp="1"/>
+              </p:cNvSpPr>
+              <p:nvPr>
+                <p:ph idx="1"/>
+              </p:nvPr>
+            </p:nvSpPr>
+            <p:spPr/>
+            <p:txBody>
+              <a:bodyPr/>
+              <a:lstStyle/>
+              <a:p>
+                <a:pPr marL="0" indent="0">
+                  <a:buNone/>
+                </a:pPr>
+                <a:r>
+                  <a:rPr lang="en-US" dirty="0" smtClean="0"/>
+                  <a:t>To find a value for </a:t>
+                </a:r>
+                <a14:m>
+                  <m:oMath xmlns:m="http://schemas.openxmlformats.org/officeDocument/2006/math">
+                    <m:sSub>
+                      <m:sSubPr>
+                        <m:ctrlPr>
+                          <a:rPr lang="en-US" i="1">
+                            <a:latin typeface="Cambria Math" panose="02040503050406030204" pitchFamily="18" charset="0"/>
+                          </a:rPr>
+                        </m:ctrlPr>
+                      </m:sSubPr>
+                      <m:e>
+                        <m:r>
+                          <a:rPr lang="sv-SE" i="1">
+                            <a:latin typeface="Cambria Math" panose="02040503050406030204" pitchFamily="18" charset="0"/>
+                          </a:rPr>
+                          <m:t>𝑡</m:t>
+                        </m:r>
+                      </m:e>
+                      <m:sub>
+                        <m:r>
+                          <a:rPr lang="en-US" i="1">
+                            <a:latin typeface="Cambria Math" charset="0"/>
+                          </a:rPr>
+                          <m:t>𝑅</m:t>
+                        </m:r>
+                      </m:sub>
+                    </m:sSub>
+                  </m:oMath>
+                </a14:m>
+                <a:r>
+                  <a:rPr lang="en-US" dirty="0" smtClean="0"/>
+                  <a:t> </a:t>
+                </a:r>
+                <a:r>
+                  <a:rPr lang="en-US" dirty="0" smtClean="0"/>
+                  <a:t>to use in the reliability model, all previously registered values are used to find the shape parameters for the log-logistic distribution</a:t>
+                </a:r>
+              </a:p>
+              <a:p>
+                <a:pPr lvl="1">
+                  <a:buFont typeface="Arial" panose="020B0604020202020204" pitchFamily="34" charset="0"/>
+                  <a:buChar char="•"/>
+                </a:pPr>
+                <a:r>
+                  <a:rPr lang="en-US" dirty="0" smtClean="0"/>
+                  <a:t>The 95th percentile value is used</a:t>
+                </a:r>
+              </a:p>
+              <a:p>
+                <a:pPr>
+                  <a:buFont typeface="Arial" charset="0"/>
+                  <a:buChar char="•"/>
+                </a:pPr>
+                <a:endParaRPr lang="en-US" dirty="0" smtClean="0"/>
+              </a:p>
+              <a:p>
+                <a:pPr>
+                  <a:buFont typeface="Arial" charset="0"/>
+                  <a:buChar char="•"/>
+                </a:pPr>
+                <a:endParaRPr lang="en-US" dirty="0" smtClean="0"/>
+              </a:p>
+            </p:txBody>
+          </p:sp>
+        </mc:Choice>
+        <mc:Fallback>
+          <p:sp>
+            <p:nvSpPr>
+              <p:cNvPr id="3" name="Content Placeholder 2"/>
+              <p:cNvSpPr>
+                <a:spLocks noGrp="1" noRot="1" noChangeAspect="1" noMove="1" noResize="1" noEditPoints="1" noAdjustHandles="1" noChangeArrowheads="1" noChangeShapeType="1" noTextEdit="1"/>
+              </p:cNvSpPr>
+              <p:nvPr>
+                <p:ph idx="1"/>
+              </p:nvPr>
+            </p:nvSpPr>
+            <p:spPr>
+              <a:blipFill rotWithShape="0">
+                <a:blip r:embed="rId3"/>
+                <a:stretch>
+                  <a:fillRect l="-1515" t="-1667"/>
+                </a:stretch>
+              </a:blipFill>
+            </p:spPr>
+            <p:txBody>
+              <a:bodyPr/>
+              <a:lstStyle/>
+              <a:p>
+                <a:r>
+                  <a:rPr lang="sv-SE">
+                    <a:noFill/>
+                  </a:rPr>
+                  <a:t> </a:t>
+                </a:r>
+              </a:p>
+            </p:txBody>
+          </p:sp>
+        </mc:Fallback>
+      </mc:AlternateContent>
       <p:pic>
         <p:nvPicPr>
           <p:cNvPr id="5" name="Picture 4"/>
@@ -28669,7 +28894,7 @@
           <p:nvPr/>
         </p:nvPicPr>
         <p:blipFill>
-          <a:blip r:embed="rId3">
+          <a:blip r:embed="rId4">
             <a:extLst>
               <a:ext uri="{28A0092B-C50C-407E-A947-70E740481C1C}">
                 <a14:useLocalDpi xmlns:a14="http://schemas.microsoft.com/office/drawing/2010/main" val="0"/>
@@ -29155,7 +29380,15 @@
             </a:pPr>
             <a:r>
               <a:rPr lang="en-US" dirty="0" smtClean="0"/>
-              <a:t>A more sophisticated model could for example assume node non-independent failures, for example the switch of a rack may fail, affecting all nodes in that rack. The reliability of a node should therefore take the current nodes into account</a:t>
+              <a:t>A more sophisticated model could for example assume </a:t>
+            </a:r>
+            <a:r>
+              <a:rPr lang="en-US" dirty="0" smtClean="0"/>
+              <a:t>non-independent </a:t>
+            </a:r>
+            <a:r>
+              <a:rPr lang="en-US" dirty="0" smtClean="0"/>
+              <a:t>failures, for example the switch of a rack may fail, affecting all nodes in that rack. The reliability of a node should therefore take the current nodes into account</a:t>
             </a:r>
           </a:p>
           <a:p>
@@ -29293,678 +29526,6 @@
 </file>
 
 <file path=ppt/slides/slide38.xml><?xml version="1.0" encoding="utf-8"?>
-<p:sld xmlns:a="http://schemas.openxmlformats.org/drawingml/2006/main" xmlns:r="http://schemas.openxmlformats.org/officeDocument/2006/relationships" xmlns:p="http://schemas.openxmlformats.org/presentationml/2006/main">
-  <p:cSld>
-    <p:spTree>
-      <p:nvGrpSpPr>
-        <p:cNvPr id="1" name=""/>
-        <p:cNvGrpSpPr/>
-        <p:nvPr/>
-      </p:nvGrpSpPr>
-      <p:grpSpPr>
-        <a:xfrm>
-          <a:off x="0" y="0"/>
-          <a:ext cx="0" cy="0"/>
-          <a:chOff x="0" y="0"/>
-          <a:chExt cx="0" cy="0"/>
-        </a:xfrm>
-      </p:grpSpPr>
-      <p:sp>
-        <p:nvSpPr>
-          <p:cNvPr id="2" name="Title 1"/>
-          <p:cNvSpPr>
-            <a:spLocks noGrp="1"/>
-          </p:cNvSpPr>
-          <p:nvPr>
-            <p:ph type="title"/>
-          </p:nvPr>
-        </p:nvSpPr>
-        <p:spPr/>
-        <p:txBody>
-          <a:bodyPr/>
-          <a:lstStyle/>
-          <a:p>
-            <a:r>
-              <a:rPr lang="en-US" dirty="0" smtClean="0"/>
-              <a:t>Replication time example</a:t>
-            </a:r>
-            <a:endParaRPr lang="en-US" dirty="0"/>
-          </a:p>
-        </p:txBody>
-      </p:sp>
-      <mc:AlternateContent xmlns:mc="http://schemas.openxmlformats.org/markup-compatibility/2006" xmlns:a14="http://schemas.microsoft.com/office/drawing/2010/main">
-        <mc:Choice Requires="a14">
-          <p:sp>
-            <p:nvSpPr>
-              <p:cNvPr id="3" name="Content Placeholder 2"/>
-              <p:cNvSpPr>
-                <a:spLocks noGrp="1"/>
-              </p:cNvSpPr>
-              <p:nvPr>
-                <p:ph idx="1"/>
-              </p:nvPr>
-            </p:nvSpPr>
-            <p:spPr/>
-            <p:txBody>
-              <a:bodyPr/>
-              <a:lstStyle/>
-              <a:p>
-                <a:pPr marL="0" lvl="0" indent="0">
-                  <a:lnSpc>
-                    <a:spcPct val="100000"/>
-                  </a:lnSpc>
-                  <a:spcBef>
-                    <a:spcPts val="0"/>
-                  </a:spcBef>
-                  <a:spcAft>
-                    <a:spcPts val="0"/>
-                  </a:spcAft>
-                  <a:buSzTx/>
-                  <a:buNone/>
-                </a:pPr>
-                <a:r>
-                  <a:rPr lang="en-US" dirty="0" smtClean="0"/>
-                  <a:t>Assume:</a:t>
-                </a:r>
-              </a:p>
-              <a:p>
-                <a:pPr lvl="1">
-                  <a:lnSpc>
-                    <a:spcPct val="100000"/>
-                  </a:lnSpc>
-                  <a:spcBef>
-                    <a:spcPts val="0"/>
-                  </a:spcBef>
-                  <a:spcAft>
-                    <a:spcPts val="0"/>
-                  </a:spcAft>
-                  <a:buFont typeface="Arial" charset="0"/>
-                  <a:buChar char="•"/>
-                </a:pPr>
-                <a:r>
-                  <a:rPr lang="en-US" dirty="0" smtClean="0"/>
-                  <a:t>All nodes’ </a:t>
-                </a:r>
-                <a14:m>
-                  <m:oMath xmlns:m="http://schemas.openxmlformats.org/officeDocument/2006/math">
-                    <m:r>
-                      <m:rPr>
-                        <m:sty m:val="p"/>
-                      </m:rPr>
-                      <a:rPr lang="sv-SE" b="0" i="0" smtClean="0">
-                        <a:latin typeface="Cambria Math" panose="02040503050406030204" pitchFamily="18" charset="0"/>
-                      </a:rPr>
-                      <m:t>MTBF</m:t>
-                    </m:r>
-                    <m:r>
-                      <a:rPr lang="sv-SE" b="0" i="0" smtClean="0">
-                        <a:latin typeface="Cambria Math" panose="02040503050406030204" pitchFamily="18" charset="0"/>
-                      </a:rPr>
-                      <m:t>= 525 </m:t>
-                    </m:r>
-                    <m:r>
-                      <a:rPr lang="sv-SE" i="1">
-                        <a:latin typeface="Cambria Math" panose="02040503050406030204" pitchFamily="18" charset="0"/>
-                      </a:rPr>
-                      <m:t>6</m:t>
-                    </m:r>
-                    <m:r>
-                      <a:rPr lang="sv-SE" b="0" i="1" smtClean="0">
-                        <a:latin typeface="Cambria Math" panose="02040503050406030204" pitchFamily="18" charset="0"/>
-                      </a:rPr>
-                      <m:t>0</m:t>
-                    </m:r>
-                    <m:r>
-                      <a:rPr lang="sv-SE" i="1">
-                        <a:latin typeface="Cambria Math" panose="02040503050406030204" pitchFamily="18" charset="0"/>
-                      </a:rPr>
-                      <m:t>0 </m:t>
-                    </m:r>
-                    <m:r>
-                      <a:rPr lang="sv-SE" i="1">
-                        <a:latin typeface="Cambria Math" panose="02040503050406030204" pitchFamily="18" charset="0"/>
-                      </a:rPr>
-                      <m:t>𝑚𝑖𝑛𝑢𝑡𝑒𝑠</m:t>
-                    </m:r>
-                    <m:r>
-                      <a:rPr lang="sv-SE" i="1">
-                        <a:latin typeface="Cambria Math" panose="02040503050406030204" pitchFamily="18" charset="0"/>
-                      </a:rPr>
-                      <m:t> </m:t>
-                    </m:r>
-                  </m:oMath>
-                </a14:m>
-                <a:r>
-                  <a:rPr lang="is-IS" dirty="0" smtClean="0"/>
-                  <a:t>(1 year)</a:t>
-                </a:r>
-              </a:p>
-              <a:p>
-                <a:pPr lvl="1">
-                  <a:lnSpc>
-                    <a:spcPct val="100000"/>
-                  </a:lnSpc>
-                  <a:spcBef>
-                    <a:spcPts val="0"/>
-                  </a:spcBef>
-                  <a:spcAft>
-                    <a:spcPts val="0"/>
-                  </a:spcAft>
-                  <a:buFont typeface="Arial" charset="0"/>
-                  <a:buChar char="•"/>
-                </a:pPr>
-                <a:r>
-                  <a:rPr lang="sv-SE" dirty="0" err="1" smtClean="0"/>
-                  <a:t>Time</a:t>
-                </a:r>
-                <a:r>
-                  <a:rPr lang="sv-SE" dirty="0" smtClean="0"/>
-                  <a:t> </a:t>
-                </a:r>
-                <a14:m>
-                  <m:oMath xmlns:m="http://schemas.openxmlformats.org/officeDocument/2006/math">
-                    <m:r>
-                      <a:rPr lang="sv-SE" i="1">
-                        <a:latin typeface="Cambria Math" panose="02040503050406030204" pitchFamily="18" charset="0"/>
-                      </a:rPr>
-                      <m:t>𝑡</m:t>
-                    </m:r>
-                    <m:r>
-                      <a:rPr lang="sv-SE" b="0" i="1" smtClean="0">
-                        <a:latin typeface="Cambria Math" panose="02040503050406030204" pitchFamily="18" charset="0"/>
-                      </a:rPr>
-                      <m:t>=60 </m:t>
-                    </m:r>
-                    <m:r>
-                      <a:rPr lang="sv-SE" b="0" i="1" smtClean="0">
-                        <a:latin typeface="Cambria Math" panose="02040503050406030204" pitchFamily="18" charset="0"/>
-                      </a:rPr>
-                      <m:t>𝑚𝑖𝑛𝑢𝑡𝑒𝑠</m:t>
-                    </m:r>
-                  </m:oMath>
-                </a14:m>
-                <a:r>
-                  <a:rPr lang="is-IS" dirty="0" smtClean="0"/>
-                  <a:t> (1 hour)</a:t>
-                </a:r>
-                <a:endParaRPr lang="en-US" dirty="0" smtClean="0"/>
-              </a:p>
-              <a:p>
-                <a:pPr marL="0" indent="0">
-                  <a:buNone/>
-                </a:pPr>
-                <a:r>
-                  <a:rPr lang="en-US" dirty="0" smtClean="0"/>
-                  <a:t>Recall:</a:t>
-                </a:r>
-              </a:p>
-              <a:p>
-                <a:pPr marL="0" indent="0">
-                  <a:buNone/>
-                </a:pPr>
-                <a14:m>
-                  <m:oMathPara xmlns:m="http://schemas.openxmlformats.org/officeDocument/2006/math">
-                    <m:oMathParaPr>
-                      <m:jc m:val="centerGroup"/>
-                    </m:oMathParaPr>
-                    <m:oMath xmlns:m="http://schemas.openxmlformats.org/officeDocument/2006/math">
-                      <m:r>
-                        <a:rPr lang="sv-SE" b="0" i="1" smtClean="0">
-                          <a:latin typeface="Cambria Math" panose="02040503050406030204" pitchFamily="18" charset="0"/>
-                        </a:rPr>
-                        <m:t>𝑅</m:t>
-                      </m:r>
-                      <m:d>
-                        <m:dPr>
-                          <m:ctrlPr>
-                            <a:rPr lang="sv-SE" b="0" i="1" smtClean="0">
-                              <a:latin typeface="Cambria Math" charset="0"/>
-                            </a:rPr>
-                          </m:ctrlPr>
-                        </m:dPr>
-                        <m:e>
-                          <m:r>
-                            <a:rPr lang="sv-SE" b="0" i="1" smtClean="0">
-                              <a:latin typeface="Cambria Math" panose="02040503050406030204" pitchFamily="18" charset="0"/>
-                            </a:rPr>
-                            <m:t>𝑡</m:t>
-                          </m:r>
-                        </m:e>
-                      </m:d>
-                      <m:r>
-                        <a:rPr lang="sv-SE" b="0" i="1" smtClean="0">
-                          <a:latin typeface="Cambria Math" panose="02040503050406030204" pitchFamily="18" charset="0"/>
-                        </a:rPr>
-                        <m:t>=</m:t>
-                      </m:r>
-                      <m:r>
-                        <a:rPr lang="sv-SE">
-                          <a:latin typeface="Cambria Math" panose="02040503050406030204" pitchFamily="18" charset="0"/>
-                        </a:rPr>
-                        <m:t>1 −</m:t>
-                      </m:r>
-                      <m:nary>
-                        <m:naryPr>
-                          <m:chr m:val="∏"/>
-                          <m:ctrlPr>
-                            <a:rPr lang="is-IS" i="1">
-                              <a:latin typeface="Cambria Math" charset="0"/>
-                            </a:rPr>
-                          </m:ctrlPr>
-                        </m:naryPr>
-                        <m:sub>
-                          <m:r>
-                            <m:rPr>
-                              <m:brk m:alnAt="23"/>
-                            </m:rPr>
-                            <a:rPr lang="sv-SE" i="1">
-                              <a:latin typeface="Cambria Math" panose="02040503050406030204" pitchFamily="18" charset="0"/>
-                            </a:rPr>
-                            <m:t>𝑘</m:t>
-                          </m:r>
-                          <m:r>
-                            <a:rPr lang="sv-SE" i="1">
-                              <a:latin typeface="Cambria Math" panose="02040503050406030204" pitchFamily="18" charset="0"/>
-                            </a:rPr>
-                            <m:t>=1</m:t>
-                          </m:r>
-                        </m:sub>
-                        <m:sup>
-                          <m:r>
-                            <a:rPr lang="sv-SE" i="1">
-                              <a:latin typeface="Cambria Math" panose="02040503050406030204" pitchFamily="18" charset="0"/>
-                            </a:rPr>
-                            <m:t>𝑛</m:t>
-                          </m:r>
-                        </m:sup>
-                        <m:e>
-                          <m:r>
-                            <a:rPr lang="sv-SE" i="1">
-                              <a:latin typeface="Cambria Math" panose="02040503050406030204" pitchFamily="18" charset="0"/>
-                            </a:rPr>
-                            <m:t>1 − </m:t>
-                          </m:r>
-                          <m:sSub>
-                            <m:sSubPr>
-                              <m:ctrlPr>
-                                <a:rPr lang="en-US" i="1">
-                                  <a:latin typeface="Cambria Math" charset="0"/>
-                                </a:rPr>
-                              </m:ctrlPr>
-                            </m:sSubPr>
-                            <m:e>
-                              <m:r>
-                                <a:rPr lang="en-GB" i="1">
-                                  <a:latin typeface="Cambria Math" charset="0"/>
-                                </a:rPr>
-                                <m:t>𝑃</m:t>
-                              </m:r>
-                            </m:e>
-                            <m:sub>
-                              <m:r>
-                                <a:rPr lang="en-GB" i="1">
-                                  <a:latin typeface="Cambria Math" charset="0"/>
-                                </a:rPr>
-                                <m:t>𝑘</m:t>
-                              </m:r>
-                            </m:sub>
-                          </m:sSub>
-                          <m:d>
-                            <m:dPr>
-                              <m:ctrlPr>
-                                <a:rPr lang="en-GB" i="1">
-                                  <a:latin typeface="Cambria Math" charset="0"/>
-                                </a:rPr>
-                              </m:ctrlPr>
-                            </m:dPr>
-                            <m:e>
-                              <m:r>
-                                <a:rPr lang="sv-SE" i="1">
-                                  <a:latin typeface="Cambria Math" panose="02040503050406030204" pitchFamily="18" charset="0"/>
-                                </a:rPr>
-                                <m:t>𝑠𝑢𝑟𝑣𝑖𝑣𝑎𝑙</m:t>
-                              </m:r>
-                            </m:e>
-                          </m:d>
-                        </m:e>
-                      </m:nary>
-                    </m:oMath>
-                  </m:oMathPara>
-                </a14:m>
-                <a:endParaRPr lang="sv-SE" i="1" dirty="0" smtClean="0">
-                  <a:latin typeface="Cambria Math" panose="02040503050406030204" pitchFamily="18" charset="0"/>
-                </a:endParaRPr>
-              </a:p>
-              <a:p>
-                <a:pPr marL="0" indent="0">
-                  <a:buNone/>
-                </a:pPr>
-                <a:endParaRPr lang="en-US" dirty="0"/>
-              </a:p>
-              <a:p>
-                <a:pPr marL="0" lvl="0" indent="0">
-                  <a:lnSpc>
-                    <a:spcPct val="100000"/>
-                  </a:lnSpc>
-                  <a:spcBef>
-                    <a:spcPts val="0"/>
-                  </a:spcBef>
-                  <a:spcAft>
-                    <a:spcPts val="0"/>
-                  </a:spcAft>
-                  <a:buSzTx/>
-                  <a:buNone/>
-                </a:pPr>
-                <a:endParaRPr lang="is-IS" dirty="0" smtClean="0"/>
-              </a:p>
-              <a:p>
-                <a:pPr marL="0" lvl="0" indent="0">
-                  <a:lnSpc>
-                    <a:spcPct val="100000"/>
-                  </a:lnSpc>
-                  <a:spcBef>
-                    <a:spcPts val="0"/>
-                  </a:spcBef>
-                  <a:spcAft>
-                    <a:spcPts val="0"/>
-                  </a:spcAft>
-                  <a:buSzTx/>
-                  <a:buNone/>
-                </a:pPr>
-                <a:endParaRPr lang="is-IS" dirty="0"/>
-              </a:p>
-            </p:txBody>
-          </p:sp>
-        </mc:Choice>
-        <mc:Fallback xmlns="">
-          <p:sp>
-            <p:nvSpPr>
-              <p:cNvPr id="3" name="Content Placeholder 2"/>
-              <p:cNvSpPr>
-                <a:spLocks noGrp="1" noRot="1" noChangeAspect="1" noMove="1" noResize="1" noEditPoints="1" noAdjustHandles="1" noChangeArrowheads="1" noChangeShapeType="1" noTextEdit="1"/>
-              </p:cNvSpPr>
-              <p:nvPr>
-                <p:ph idx="1"/>
-              </p:nvPr>
-            </p:nvSpPr>
-            <p:spPr>
-              <a:blipFill rotWithShape="0">
-                <a:blip r:embed="rId3"/>
-                <a:stretch>
-                  <a:fillRect l="-1515" t="-909"/>
-                </a:stretch>
-              </a:blipFill>
-            </p:spPr>
-            <p:txBody>
-              <a:bodyPr/>
-              <a:lstStyle/>
-              <a:p>
-                <a:r>
-                  <a:rPr lang="sv-SE">
-                    <a:noFill/>
-                  </a:rPr>
-                  <a:t> </a:t>
-                </a:r>
-              </a:p>
-            </p:txBody>
-          </p:sp>
-        </mc:Fallback>
-      </mc:AlternateContent>
-      <p:graphicFrame>
-        <p:nvGraphicFramePr>
-          <p:cNvPr id="5" name="Table 4"/>
-          <p:cNvGraphicFramePr>
-            <a:graphicFrameLocks noGrp="1"/>
-          </p:cNvGraphicFramePr>
-          <p:nvPr>
-            <p:extLst>
-              <p:ext uri="{D42A27DB-BD31-4B8C-83A1-F6EECF244321}">
-                <p14:modId xmlns:p14="http://schemas.microsoft.com/office/powerpoint/2010/main" val="240625729"/>
-              </p:ext>
-            </p:extLst>
-          </p:nvPr>
-        </p:nvGraphicFramePr>
-        <p:xfrm>
-          <a:off x="2657994" y="4149181"/>
-          <a:ext cx="6586777" cy="1490320"/>
-        </p:xfrm>
-        <a:graphic>
-          <a:graphicData uri="http://schemas.openxmlformats.org/drawingml/2006/table">
-            <a:tbl>
-              <a:tblPr firstRow="1" bandRow="1">
-                <a:tableStyleId>{2D5ABB26-0587-4C30-8999-92F81FD0307C}</a:tableStyleId>
-              </a:tblPr>
-              <a:tblGrid>
-                <a:gridCol w="2079740"/>
-                <a:gridCol w="4507037"/>
-              </a:tblGrid>
-              <a:tr h="377800">
-                <a:tc>
-                  <a:txBody>
-                    <a:bodyPr/>
-                    <a:lstStyle/>
-                    <a:p>
-                      <a:r>
-                        <a:rPr lang="en-US" b="1" dirty="0" smtClean="0"/>
-                        <a:t>Number of replicas</a:t>
-                      </a:r>
-                      <a:endParaRPr lang="en-US" b="1" dirty="0"/>
-                    </a:p>
-                  </a:txBody>
-                  <a:tcPr/>
-                </a:tc>
-                <a:tc>
-                  <a:txBody>
-                    <a:bodyPr/>
-                    <a:lstStyle/>
-                    <a:p>
-                      <a:r>
-                        <a:rPr lang="en-US" b="1" dirty="0" smtClean="0"/>
-                        <a:t>Reliability</a:t>
-                      </a:r>
-                      <a:endParaRPr lang="en-US" b="1" dirty="0"/>
-                    </a:p>
-                  </a:txBody>
-                  <a:tcPr/>
-                </a:tc>
-              </a:tr>
-              <a:tr h="370840">
-                <a:tc>
-                  <a:txBody>
-                    <a:bodyPr/>
-                    <a:lstStyle/>
-                    <a:p>
-                      <a:r>
-                        <a:rPr lang="en-US" dirty="0" smtClean="0"/>
-                        <a:t>1</a:t>
-                      </a:r>
-                      <a:endParaRPr lang="en-US" dirty="0"/>
-                    </a:p>
-                  </a:txBody>
-                  <a:tcPr/>
-                </a:tc>
-                <a:tc>
-                  <a:txBody>
-                    <a:bodyPr/>
-                    <a:lstStyle/>
-                    <a:p>
-                      <a:r>
-                        <a:rPr lang="en-US" dirty="0" smtClean="0"/>
-                        <a:t>1 –</a:t>
-                      </a:r>
-                      <a:r>
-                        <a:rPr lang="en-US" baseline="0" dirty="0" smtClean="0"/>
-                        <a:t> (1 – R(t))</a:t>
-                      </a:r>
-                      <a:r>
-                        <a:rPr lang="en-US" baseline="30000" dirty="0" smtClean="0"/>
-                        <a:t>1</a:t>
-                      </a:r>
-                      <a:r>
-                        <a:rPr lang="en-US" baseline="0" dirty="0" smtClean="0"/>
-                        <a:t> = </a:t>
-                      </a:r>
-                      <a:r>
-                        <a:rPr lang="tr-TR" baseline="0" dirty="0" smtClean="0"/>
-                        <a:t>0.999885851264</a:t>
-                      </a:r>
-                      <a:endParaRPr lang="en-US" baseline="30000" dirty="0"/>
-                    </a:p>
-                  </a:txBody>
-                  <a:tcPr/>
-                </a:tc>
-              </a:tr>
-              <a:tr h="370840">
-                <a:tc>
-                  <a:txBody>
-                    <a:bodyPr/>
-                    <a:lstStyle/>
-                    <a:p>
-                      <a:r>
-                        <a:rPr lang="en-US" dirty="0" smtClean="0"/>
-                        <a:t>2</a:t>
-                      </a:r>
-                      <a:endParaRPr lang="en-US" dirty="0"/>
-                    </a:p>
-                  </a:txBody>
-                  <a:tcPr/>
-                </a:tc>
-                <a:tc>
-                  <a:txBody>
-                    <a:bodyPr/>
-                    <a:lstStyle/>
-                    <a:p>
-                      <a:pPr marL="0" marR="0" indent="0" algn="l" defTabSz="914400" rtl="0" eaLnBrk="1" fontAlgn="auto" latinLnBrk="0" hangingPunct="1">
-                        <a:lnSpc>
-                          <a:spcPct val="100000"/>
-                        </a:lnSpc>
-                        <a:spcBef>
-                          <a:spcPts val="0"/>
-                        </a:spcBef>
-                        <a:spcAft>
-                          <a:spcPts val="0"/>
-                        </a:spcAft>
-                        <a:buClrTx/>
-                        <a:buSzTx/>
-                        <a:buFontTx/>
-                        <a:buNone/>
-                        <a:tabLst/>
-                        <a:defRPr/>
-                      </a:pPr>
-                      <a:r>
-                        <a:rPr lang="en-US" b="0" dirty="0" smtClean="0"/>
-                        <a:t>1 –</a:t>
-                      </a:r>
-                      <a:r>
-                        <a:rPr lang="en-US" b="0" baseline="0" dirty="0" smtClean="0"/>
-                        <a:t> (1 – R(t))</a:t>
-                      </a:r>
-                      <a:r>
-                        <a:rPr lang="en-US" b="0" baseline="30000" dirty="0" smtClean="0"/>
-                        <a:t>2</a:t>
-                      </a:r>
-                      <a:r>
-                        <a:rPr lang="en-US" b="0" baseline="0" dirty="0" smtClean="0"/>
-                        <a:t> = </a:t>
-                      </a:r>
-                      <a:r>
-                        <a:rPr lang="nb-NO" b="0" baseline="0" dirty="0" smtClean="0"/>
-                        <a:t>0.99999998697 (7-nines)</a:t>
-                      </a:r>
-                      <a:endParaRPr lang="en-US" b="0" baseline="30000" dirty="0" smtClean="0"/>
-                    </a:p>
-                  </a:txBody>
-                  <a:tcPr/>
-                </a:tc>
-              </a:tr>
-              <a:tr h="370840">
-                <a:tc>
-                  <a:txBody>
-                    <a:bodyPr/>
-                    <a:lstStyle/>
-                    <a:p>
-                      <a:r>
-                        <a:rPr lang="en-US" dirty="0" smtClean="0"/>
-                        <a:t>3</a:t>
-                      </a:r>
-                      <a:endParaRPr lang="en-US" dirty="0"/>
-                    </a:p>
-                  </a:txBody>
-                  <a:tcPr/>
-                </a:tc>
-                <a:tc>
-                  <a:txBody>
-                    <a:bodyPr/>
-                    <a:lstStyle/>
-                    <a:p>
-                      <a:pPr marL="0" marR="0" indent="0" algn="l" defTabSz="914400" rtl="0" eaLnBrk="1" fontAlgn="auto" latinLnBrk="0" hangingPunct="1">
-                        <a:lnSpc>
-                          <a:spcPct val="100000"/>
-                        </a:lnSpc>
-                        <a:spcBef>
-                          <a:spcPts val="0"/>
-                        </a:spcBef>
-                        <a:spcAft>
-                          <a:spcPts val="0"/>
-                        </a:spcAft>
-                        <a:buClrTx/>
-                        <a:buSzTx/>
-                        <a:buFontTx/>
-                        <a:buNone/>
-                        <a:tabLst/>
-                        <a:defRPr/>
-                      </a:pPr>
-                      <a:r>
-                        <a:rPr lang="en-US" b="0" dirty="0" smtClean="0"/>
-                        <a:t>1 –</a:t>
-                      </a:r>
-                      <a:r>
-                        <a:rPr lang="en-US" b="0" baseline="0" dirty="0" smtClean="0"/>
-                        <a:t> (1 – R(t))</a:t>
-                      </a:r>
-                      <a:r>
-                        <a:rPr lang="en-US" b="0" baseline="30000" dirty="0" smtClean="0"/>
-                        <a:t>3</a:t>
-                      </a:r>
-                      <a:r>
-                        <a:rPr lang="en-US" b="0" baseline="0" dirty="0" smtClean="0"/>
-                        <a:t> = </a:t>
-                      </a:r>
-                      <a:r>
-                        <a:rPr lang="nb-NO" b="0" baseline="0" dirty="0" smtClean="0"/>
-                        <a:t>0.999999999998 (11-nines)</a:t>
-                      </a:r>
-                      <a:endParaRPr lang="en-US" b="0" baseline="30000" dirty="0" smtClean="0"/>
-                    </a:p>
-                  </a:txBody>
-                  <a:tcPr/>
-                </a:tc>
-              </a:tr>
-            </a:tbl>
-          </a:graphicData>
-        </a:graphic>
-      </p:graphicFrame>
-    </p:spTree>
-    <p:extLst>
-      <p:ext uri="{BB962C8B-B14F-4D97-AF65-F5344CB8AC3E}">
-        <p14:creationId xmlns:p14="http://schemas.microsoft.com/office/powerpoint/2010/main" val="799737953"/>
-      </p:ext>
-    </p:extLst>
-  </p:cSld>
-  <p:clrMapOvr>
-    <a:masterClrMapping/>
-  </p:clrMapOvr>
-  <p:timing>
-    <p:tnLst>
-      <p:par>
-        <p:cTn id="1" dur="indefinite" restart="never" nodeType="tmRoot"/>
-      </p:par>
-    </p:tnLst>
-  </p:timing>
-</p:sld>
-</file>
-
-<file path=ppt/slides/slide39.xml><?xml version="1.0" encoding="utf-8"?>
 <p:sld xmlns:a="http://schemas.openxmlformats.org/drawingml/2006/main" xmlns:r="http://schemas.openxmlformats.org/officeDocument/2006/relationships" xmlns:p="http://schemas.openxmlformats.org/presentationml/2006/main">
   <p:cSld>
     <p:spTree>
@@ -30686,227 +30247,7 @@
 </p:sld>
 </file>
 
-<file path=ppt/slides/slide4.xml><?xml version="1.0" encoding="utf-8"?>
-<p:sld xmlns:a="http://schemas.openxmlformats.org/drawingml/2006/main" xmlns:r="http://schemas.openxmlformats.org/officeDocument/2006/relationships" xmlns:p="http://schemas.openxmlformats.org/presentationml/2006/main">
-  <p:cSld>
-    <p:spTree>
-      <p:nvGrpSpPr>
-        <p:cNvPr id="1" name=""/>
-        <p:cNvGrpSpPr/>
-        <p:nvPr/>
-      </p:nvGrpSpPr>
-      <p:grpSpPr>
-        <a:xfrm>
-          <a:off x="0" y="0"/>
-          <a:ext cx="0" cy="0"/>
-          <a:chOff x="0" y="0"/>
-          <a:chExt cx="0" cy="0"/>
-        </a:xfrm>
-      </p:grpSpPr>
-      <p:sp>
-        <p:nvSpPr>
-          <p:cNvPr id="2" name="Title 1"/>
-          <p:cNvSpPr>
-            <a:spLocks noGrp="1"/>
-          </p:cNvSpPr>
-          <p:nvPr>
-            <p:ph type="title"/>
-          </p:nvPr>
-        </p:nvSpPr>
-        <p:spPr/>
-        <p:txBody>
-          <a:bodyPr/>
-          <a:lstStyle/>
-          <a:p>
-            <a:r>
-              <a:rPr lang="en-US" dirty="0" smtClean="0"/>
-              <a:t>Goal</a:t>
-            </a:r>
-            <a:endParaRPr lang="en-US" dirty="0"/>
-          </a:p>
-        </p:txBody>
-      </p:sp>
-      <p:sp>
-        <p:nvSpPr>
-          <p:cNvPr id="3" name="Content Placeholder 2"/>
-          <p:cNvSpPr>
-            <a:spLocks noGrp="1"/>
-          </p:cNvSpPr>
-          <p:nvPr>
-            <p:ph idx="1"/>
-          </p:nvPr>
-        </p:nvSpPr>
-        <p:spPr/>
-        <p:txBody>
-          <a:bodyPr/>
-          <a:lstStyle/>
-          <a:p>
-            <a:pPr>
-              <a:lnSpc>
-                <a:spcPct val="100000"/>
-              </a:lnSpc>
-              <a:spcBef>
-                <a:spcPts val="0"/>
-              </a:spcBef>
-              <a:spcAft>
-                <a:spcPts val="0"/>
-              </a:spcAft>
-              <a:buSzTx/>
-            </a:pPr>
-            <a:r>
-              <a:rPr lang="en-US" dirty="0" smtClean="0"/>
-              <a:t>Devise a method for dynamically ensuring a certain reliability level of applications or services running in distributed environments. Implement this functionality to provide a platform in which further research and experiments can be carried out.</a:t>
-            </a:r>
-          </a:p>
-          <a:p>
-            <a:pPr>
-              <a:lnSpc>
-                <a:spcPct val="100000"/>
-              </a:lnSpc>
-              <a:spcBef>
-                <a:spcPts val="0"/>
-              </a:spcBef>
-              <a:spcAft>
-                <a:spcPts val="0"/>
-              </a:spcAft>
-              <a:buSzTx/>
-            </a:pPr>
-            <a:endParaRPr lang="en-US" dirty="0"/>
-          </a:p>
-          <a:p>
-            <a:pPr marL="457200" indent="-457200">
-              <a:lnSpc>
-                <a:spcPct val="100000"/>
-              </a:lnSpc>
-              <a:spcBef>
-                <a:spcPts val="0"/>
-              </a:spcBef>
-              <a:spcAft>
-                <a:spcPts val="0"/>
-              </a:spcAft>
-              <a:buSzTx/>
-              <a:buFont typeface="+mj-lt"/>
-              <a:buAutoNum type="arabicPeriod"/>
-            </a:pPr>
-            <a:r>
-              <a:rPr lang="en-US" dirty="0"/>
-              <a:t>Design a model for expressing the reliability for an application running in a distributed environment</a:t>
-            </a:r>
-          </a:p>
-          <a:p>
-            <a:pPr marL="457200" indent="-457200">
-              <a:lnSpc>
-                <a:spcPct val="100000"/>
-              </a:lnSpc>
-              <a:spcBef>
-                <a:spcPts val="0"/>
-              </a:spcBef>
-              <a:spcAft>
-                <a:spcPts val="0"/>
-              </a:spcAft>
-              <a:buSzTx/>
-              <a:buFont typeface="+mj-lt"/>
-              <a:buAutoNum type="arabicPeriod"/>
-            </a:pPr>
-            <a:endParaRPr lang="en-US" dirty="0" smtClean="0"/>
-          </a:p>
-          <a:p>
-            <a:pPr marL="457200" indent="-457200">
-              <a:lnSpc>
-                <a:spcPct val="100000"/>
-              </a:lnSpc>
-              <a:spcBef>
-                <a:spcPts val="0"/>
-              </a:spcBef>
-              <a:spcAft>
-                <a:spcPts val="0"/>
-              </a:spcAft>
-              <a:buSzTx/>
-              <a:buFont typeface="+mj-lt"/>
-              <a:buAutoNum type="arabicPeriod"/>
-            </a:pPr>
-            <a:r>
-              <a:rPr lang="en-US" dirty="0" smtClean="0"/>
-              <a:t>Design </a:t>
-            </a:r>
-            <a:r>
-              <a:rPr lang="en-US" dirty="0"/>
-              <a:t>a framework which dynamically ensures a certain level of reliability by replicating tasks, detecting node failures, and adapting to changing system </a:t>
-            </a:r>
-            <a:r>
-              <a:rPr lang="en-US" dirty="0" smtClean="0"/>
-              <a:t>properties</a:t>
-            </a:r>
-          </a:p>
-          <a:p>
-            <a:pPr marL="457200" indent="-457200">
-              <a:lnSpc>
-                <a:spcPct val="100000"/>
-              </a:lnSpc>
-              <a:spcBef>
-                <a:spcPts val="0"/>
-              </a:spcBef>
-              <a:spcAft>
-                <a:spcPts val="0"/>
-              </a:spcAft>
-              <a:buSzTx/>
-              <a:buFont typeface="+mj-lt"/>
-              <a:buAutoNum type="arabicPeriod"/>
-            </a:pPr>
-            <a:endParaRPr lang="en-US" dirty="0"/>
-          </a:p>
-          <a:p>
-            <a:pPr marL="457200" indent="-457200">
-              <a:lnSpc>
-                <a:spcPct val="100000"/>
-              </a:lnSpc>
-              <a:spcBef>
-                <a:spcPts val="0"/>
-              </a:spcBef>
-              <a:spcAft>
-                <a:spcPts val="0"/>
-              </a:spcAft>
-              <a:buSzTx/>
-              <a:buFont typeface="+mj-lt"/>
-              <a:buAutoNum type="arabicPeriod"/>
-            </a:pPr>
-            <a:r>
-              <a:rPr lang="en-US" dirty="0" smtClean="0"/>
-              <a:t>Implement and evaluate using Calvin – an </a:t>
-            </a:r>
-            <a:r>
-              <a:rPr lang="en-US" dirty="0" err="1" smtClean="0"/>
-              <a:t>IoT</a:t>
-            </a:r>
-            <a:r>
-              <a:rPr lang="en-US" dirty="0" smtClean="0"/>
-              <a:t> platform developed by Ericsson</a:t>
-            </a:r>
-            <a:endParaRPr lang="en-US" dirty="0"/>
-          </a:p>
-        </p:txBody>
-      </p:sp>
-    </p:spTree>
-    <p:extLst>
-      <p:ext uri="{BB962C8B-B14F-4D97-AF65-F5344CB8AC3E}">
-        <p14:creationId xmlns:p14="http://schemas.microsoft.com/office/powerpoint/2010/main" val="2072022713"/>
-      </p:ext>
-    </p:extLst>
-  </p:cSld>
-  <p:clrMapOvr>
-    <a:masterClrMapping/>
-  </p:clrMapOvr>
-  <p:timing>
-    <p:tnLst>
-      <p:par>
-        <p:cTn id="1" dur="indefinite" restart="never" nodeType="tmRoot"/>
-      </p:par>
-    </p:tnLst>
-  </p:timing>
-</p:sld>
-</file>
-
-<file path=ppt/slides/slide40.xml><?xml version="1.0" encoding="utf-8"?>
+<file path=ppt/slides/slide39.xml><?xml version="1.0" encoding="utf-8"?>
 <p:sld xmlns:a="http://schemas.openxmlformats.org/drawingml/2006/main" xmlns:r="http://schemas.openxmlformats.org/officeDocument/2006/relationships" xmlns:p="http://schemas.openxmlformats.org/presentationml/2006/main">
   <p:cSld>
     <p:spTree>
@@ -31263,6 +30604,898 @@
     <p:extLst>
       <p:ext uri="{BB962C8B-B14F-4D97-AF65-F5344CB8AC3E}">
         <p14:creationId xmlns:p14="http://schemas.microsoft.com/office/powerpoint/2010/main" val="724224351"/>
+      </p:ext>
+    </p:extLst>
+  </p:cSld>
+  <p:clrMapOvr>
+    <a:masterClrMapping/>
+  </p:clrMapOvr>
+  <p:timing>
+    <p:tnLst>
+      <p:par>
+        <p:cTn id="1" dur="indefinite" restart="never" nodeType="tmRoot"/>
+      </p:par>
+    </p:tnLst>
+  </p:timing>
+</p:sld>
+</file>
+
+<file path=ppt/slides/slide4.xml><?xml version="1.0" encoding="utf-8"?>
+<p:sld xmlns:a="http://schemas.openxmlformats.org/drawingml/2006/main" xmlns:r="http://schemas.openxmlformats.org/officeDocument/2006/relationships" xmlns:p="http://schemas.openxmlformats.org/presentationml/2006/main">
+  <p:cSld>
+    <p:spTree>
+      <p:nvGrpSpPr>
+        <p:cNvPr id="1" name=""/>
+        <p:cNvGrpSpPr/>
+        <p:nvPr/>
+      </p:nvGrpSpPr>
+      <p:grpSpPr>
+        <a:xfrm>
+          <a:off x="0" y="0"/>
+          <a:ext cx="0" cy="0"/>
+          <a:chOff x="0" y="0"/>
+          <a:chExt cx="0" cy="0"/>
+        </a:xfrm>
+      </p:grpSpPr>
+      <p:sp>
+        <p:nvSpPr>
+          <p:cNvPr id="2" name="Title 1"/>
+          <p:cNvSpPr>
+            <a:spLocks noGrp="1"/>
+          </p:cNvSpPr>
+          <p:nvPr>
+            <p:ph type="title"/>
+          </p:nvPr>
+        </p:nvSpPr>
+        <p:spPr/>
+        <p:txBody>
+          <a:bodyPr/>
+          <a:lstStyle/>
+          <a:p>
+            <a:r>
+              <a:rPr lang="en-US" dirty="0" smtClean="0"/>
+              <a:t>Goal</a:t>
+            </a:r>
+            <a:endParaRPr lang="en-US" dirty="0"/>
+          </a:p>
+        </p:txBody>
+      </p:sp>
+      <p:sp>
+        <p:nvSpPr>
+          <p:cNvPr id="3" name="Content Placeholder 2"/>
+          <p:cNvSpPr>
+            <a:spLocks noGrp="1"/>
+          </p:cNvSpPr>
+          <p:nvPr>
+            <p:ph idx="1"/>
+          </p:nvPr>
+        </p:nvSpPr>
+        <p:spPr/>
+        <p:txBody>
+          <a:bodyPr/>
+          <a:lstStyle/>
+          <a:p>
+            <a:pPr>
+              <a:lnSpc>
+                <a:spcPct val="100000"/>
+              </a:lnSpc>
+              <a:spcBef>
+                <a:spcPts val="0"/>
+              </a:spcBef>
+              <a:spcAft>
+                <a:spcPts val="0"/>
+              </a:spcAft>
+              <a:buSzTx/>
+            </a:pPr>
+            <a:r>
+              <a:rPr lang="en-US" dirty="0" smtClean="0"/>
+              <a:t>Devise a method for dynamically ensuring a certain reliability level of applications or services running in distributed environments. Implement this functionality to provide a platform in which further research and experiments can be carried out.</a:t>
+            </a:r>
+          </a:p>
+          <a:p>
+            <a:pPr>
+              <a:lnSpc>
+                <a:spcPct val="100000"/>
+              </a:lnSpc>
+              <a:spcBef>
+                <a:spcPts val="0"/>
+              </a:spcBef>
+              <a:spcAft>
+                <a:spcPts val="0"/>
+              </a:spcAft>
+              <a:buSzTx/>
+            </a:pPr>
+            <a:endParaRPr lang="en-US" dirty="0"/>
+          </a:p>
+          <a:p>
+            <a:pPr marL="457200" indent="-457200">
+              <a:lnSpc>
+                <a:spcPct val="100000"/>
+              </a:lnSpc>
+              <a:spcBef>
+                <a:spcPts val="0"/>
+              </a:spcBef>
+              <a:spcAft>
+                <a:spcPts val="0"/>
+              </a:spcAft>
+              <a:buSzTx/>
+              <a:buFont typeface="+mj-lt"/>
+              <a:buAutoNum type="arabicPeriod"/>
+            </a:pPr>
+            <a:r>
+              <a:rPr lang="en-US" dirty="0"/>
+              <a:t>Design a model for expressing the reliability for an application running in a distributed environment</a:t>
+            </a:r>
+          </a:p>
+          <a:p>
+            <a:pPr marL="457200" indent="-457200">
+              <a:lnSpc>
+                <a:spcPct val="100000"/>
+              </a:lnSpc>
+              <a:spcBef>
+                <a:spcPts val="0"/>
+              </a:spcBef>
+              <a:spcAft>
+                <a:spcPts val="0"/>
+              </a:spcAft>
+              <a:buSzTx/>
+              <a:buFont typeface="+mj-lt"/>
+              <a:buAutoNum type="arabicPeriod"/>
+            </a:pPr>
+            <a:endParaRPr lang="en-US" dirty="0" smtClean="0"/>
+          </a:p>
+          <a:p>
+            <a:pPr marL="457200" indent="-457200">
+              <a:lnSpc>
+                <a:spcPct val="100000"/>
+              </a:lnSpc>
+              <a:spcBef>
+                <a:spcPts val="0"/>
+              </a:spcBef>
+              <a:spcAft>
+                <a:spcPts val="0"/>
+              </a:spcAft>
+              <a:buSzTx/>
+              <a:buFont typeface="+mj-lt"/>
+              <a:buAutoNum type="arabicPeriod"/>
+            </a:pPr>
+            <a:r>
+              <a:rPr lang="en-US" dirty="0" smtClean="0"/>
+              <a:t>Design </a:t>
+            </a:r>
+            <a:r>
+              <a:rPr lang="en-US" dirty="0"/>
+              <a:t>a framework which dynamically ensures a certain level of reliability by replicating tasks, detecting node failures, and adapting to changing system </a:t>
+            </a:r>
+            <a:r>
+              <a:rPr lang="en-US" dirty="0" smtClean="0"/>
+              <a:t>properties</a:t>
+            </a:r>
+          </a:p>
+          <a:p>
+            <a:pPr marL="457200" indent="-457200">
+              <a:lnSpc>
+                <a:spcPct val="100000"/>
+              </a:lnSpc>
+              <a:spcBef>
+                <a:spcPts val="0"/>
+              </a:spcBef>
+              <a:spcAft>
+                <a:spcPts val="0"/>
+              </a:spcAft>
+              <a:buSzTx/>
+              <a:buFont typeface="+mj-lt"/>
+              <a:buAutoNum type="arabicPeriod"/>
+            </a:pPr>
+            <a:endParaRPr lang="en-US" dirty="0"/>
+          </a:p>
+          <a:p>
+            <a:pPr marL="457200" indent="-457200">
+              <a:lnSpc>
+                <a:spcPct val="100000"/>
+              </a:lnSpc>
+              <a:spcBef>
+                <a:spcPts val="0"/>
+              </a:spcBef>
+              <a:spcAft>
+                <a:spcPts val="0"/>
+              </a:spcAft>
+              <a:buSzTx/>
+              <a:buFont typeface="+mj-lt"/>
+              <a:buAutoNum type="arabicPeriod"/>
+            </a:pPr>
+            <a:r>
+              <a:rPr lang="en-US" dirty="0" smtClean="0"/>
+              <a:t>Implement and evaluate using Calvin – an </a:t>
+            </a:r>
+            <a:r>
+              <a:rPr lang="en-US" dirty="0" err="1" smtClean="0"/>
+              <a:t>IoT</a:t>
+            </a:r>
+            <a:r>
+              <a:rPr lang="en-US" dirty="0" smtClean="0"/>
+              <a:t> platform developed by Ericsson</a:t>
+            </a:r>
+            <a:endParaRPr lang="en-US" dirty="0"/>
+          </a:p>
+        </p:txBody>
+      </p:sp>
+    </p:spTree>
+    <p:extLst>
+      <p:ext uri="{BB962C8B-B14F-4D97-AF65-F5344CB8AC3E}">
+        <p14:creationId xmlns:p14="http://schemas.microsoft.com/office/powerpoint/2010/main" val="2072022713"/>
+      </p:ext>
+    </p:extLst>
+  </p:cSld>
+  <p:clrMapOvr>
+    <a:masterClrMapping/>
+  </p:clrMapOvr>
+  <p:timing>
+    <p:tnLst>
+      <p:par>
+        <p:cTn id="1" dur="indefinite" restart="never" nodeType="tmRoot"/>
+      </p:par>
+    </p:tnLst>
+  </p:timing>
+</p:sld>
+</file>
+
+<file path=ppt/slides/slide40.xml><?xml version="1.0" encoding="utf-8"?>
+<p:sld xmlns:a="http://schemas.openxmlformats.org/drawingml/2006/main" xmlns:r="http://schemas.openxmlformats.org/officeDocument/2006/relationships" xmlns:p="http://schemas.openxmlformats.org/presentationml/2006/main">
+  <p:cSld>
+    <p:spTree>
+      <p:nvGrpSpPr>
+        <p:cNvPr id="1" name=""/>
+        <p:cNvGrpSpPr/>
+        <p:nvPr/>
+      </p:nvGrpSpPr>
+      <p:grpSpPr>
+        <a:xfrm>
+          <a:off x="0" y="0"/>
+          <a:ext cx="0" cy="0"/>
+          <a:chOff x="0" y="0"/>
+          <a:chExt cx="0" cy="0"/>
+        </a:xfrm>
+      </p:grpSpPr>
+      <p:sp>
+        <p:nvSpPr>
+          <p:cNvPr id="2" name="Title 1"/>
+          <p:cNvSpPr>
+            <a:spLocks noGrp="1"/>
+          </p:cNvSpPr>
+          <p:nvPr>
+            <p:ph type="title"/>
+          </p:nvPr>
+        </p:nvSpPr>
+        <p:spPr/>
+        <p:txBody>
+          <a:bodyPr/>
+          <a:lstStyle/>
+          <a:p>
+            <a:r>
+              <a:rPr lang="en-US" dirty="0" smtClean="0"/>
+              <a:t>Replication time example</a:t>
+            </a:r>
+            <a:endParaRPr lang="en-US" dirty="0"/>
+          </a:p>
+        </p:txBody>
+      </p:sp>
+      <mc:AlternateContent xmlns:mc="http://schemas.openxmlformats.org/markup-compatibility/2006" xmlns:a14="http://schemas.microsoft.com/office/drawing/2010/main">
+        <mc:Choice Requires="a14">
+          <p:sp>
+            <p:nvSpPr>
+              <p:cNvPr id="3" name="Content Placeholder 2"/>
+              <p:cNvSpPr>
+                <a:spLocks noGrp="1"/>
+              </p:cNvSpPr>
+              <p:nvPr>
+                <p:ph idx="1"/>
+              </p:nvPr>
+            </p:nvSpPr>
+            <p:spPr/>
+            <p:txBody>
+              <a:bodyPr/>
+              <a:lstStyle/>
+              <a:p>
+                <a:pPr marL="0" lvl="0" indent="0">
+                  <a:lnSpc>
+                    <a:spcPct val="100000"/>
+                  </a:lnSpc>
+                  <a:spcBef>
+                    <a:spcPts val="0"/>
+                  </a:spcBef>
+                  <a:spcAft>
+                    <a:spcPts val="0"/>
+                  </a:spcAft>
+                  <a:buSzTx/>
+                  <a:buNone/>
+                </a:pPr>
+                <a:r>
+                  <a:rPr lang="en-US" dirty="0" smtClean="0"/>
+                  <a:t>Assume:</a:t>
+                </a:r>
+              </a:p>
+              <a:p>
+                <a:pPr lvl="1">
+                  <a:lnSpc>
+                    <a:spcPct val="100000"/>
+                  </a:lnSpc>
+                  <a:spcBef>
+                    <a:spcPts val="0"/>
+                  </a:spcBef>
+                  <a:spcAft>
+                    <a:spcPts val="0"/>
+                  </a:spcAft>
+                  <a:buFont typeface="Arial" charset="0"/>
+                  <a:buChar char="•"/>
+                </a:pPr>
+                <a:r>
+                  <a:rPr lang="en-US" dirty="0" smtClean="0"/>
+                  <a:t>All nodes’ </a:t>
+                </a:r>
+                <a14:m>
+                  <m:oMath xmlns:m="http://schemas.openxmlformats.org/officeDocument/2006/math">
+                    <m:r>
+                      <m:rPr>
+                        <m:sty m:val="p"/>
+                      </m:rPr>
+                      <a:rPr lang="sv-SE" b="0" i="0" smtClean="0">
+                        <a:latin typeface="Cambria Math" panose="02040503050406030204" pitchFamily="18" charset="0"/>
+                      </a:rPr>
+                      <m:t>MTBF</m:t>
+                    </m:r>
+                    <m:r>
+                      <a:rPr lang="sv-SE" b="0" i="0" smtClean="0">
+                        <a:latin typeface="Cambria Math" panose="02040503050406030204" pitchFamily="18" charset="0"/>
+                      </a:rPr>
+                      <m:t>= 525 </m:t>
+                    </m:r>
+                    <m:r>
+                      <a:rPr lang="sv-SE" i="1">
+                        <a:latin typeface="Cambria Math" panose="02040503050406030204" pitchFamily="18" charset="0"/>
+                      </a:rPr>
+                      <m:t>6</m:t>
+                    </m:r>
+                    <m:r>
+                      <a:rPr lang="sv-SE" b="0" i="1" smtClean="0">
+                        <a:latin typeface="Cambria Math" panose="02040503050406030204" pitchFamily="18" charset="0"/>
+                      </a:rPr>
+                      <m:t>0</m:t>
+                    </m:r>
+                    <m:r>
+                      <a:rPr lang="sv-SE" i="1">
+                        <a:latin typeface="Cambria Math" panose="02040503050406030204" pitchFamily="18" charset="0"/>
+                      </a:rPr>
+                      <m:t>0 </m:t>
+                    </m:r>
+                    <m:r>
+                      <a:rPr lang="sv-SE" i="1">
+                        <a:latin typeface="Cambria Math" panose="02040503050406030204" pitchFamily="18" charset="0"/>
+                      </a:rPr>
+                      <m:t>𝑚𝑖𝑛𝑢𝑡𝑒𝑠</m:t>
+                    </m:r>
+                    <m:r>
+                      <a:rPr lang="sv-SE" i="1">
+                        <a:latin typeface="Cambria Math" panose="02040503050406030204" pitchFamily="18" charset="0"/>
+                      </a:rPr>
+                      <m:t> </m:t>
+                    </m:r>
+                  </m:oMath>
+                </a14:m>
+                <a:r>
+                  <a:rPr lang="is-IS" dirty="0" smtClean="0"/>
+                  <a:t>(1 year)</a:t>
+                </a:r>
+              </a:p>
+              <a:p>
+                <a:pPr lvl="1">
+                  <a:lnSpc>
+                    <a:spcPct val="100000"/>
+                  </a:lnSpc>
+                  <a:spcBef>
+                    <a:spcPts val="0"/>
+                  </a:spcBef>
+                  <a:spcAft>
+                    <a:spcPts val="0"/>
+                  </a:spcAft>
+                  <a:buFont typeface="Arial" charset="0"/>
+                  <a:buChar char="•"/>
+                </a:pPr>
+                <a:r>
+                  <a:rPr lang="sv-SE" dirty="0" err="1" smtClean="0"/>
+                  <a:t>Time</a:t>
+                </a:r>
+                <a:r>
+                  <a:rPr lang="sv-SE" dirty="0" smtClean="0"/>
+                  <a:t> </a:t>
+                </a:r>
+                <a14:m>
+                  <m:oMath xmlns:m="http://schemas.openxmlformats.org/officeDocument/2006/math">
+                    <m:r>
+                      <a:rPr lang="sv-SE" i="1">
+                        <a:latin typeface="Cambria Math" panose="02040503050406030204" pitchFamily="18" charset="0"/>
+                      </a:rPr>
+                      <m:t>𝑡</m:t>
+                    </m:r>
+                    <m:r>
+                      <a:rPr lang="sv-SE" b="0" i="1" smtClean="0">
+                        <a:latin typeface="Cambria Math" panose="02040503050406030204" pitchFamily="18" charset="0"/>
+                      </a:rPr>
+                      <m:t>=60 </m:t>
+                    </m:r>
+                    <m:r>
+                      <a:rPr lang="sv-SE" b="0" i="1" smtClean="0">
+                        <a:latin typeface="Cambria Math" panose="02040503050406030204" pitchFamily="18" charset="0"/>
+                      </a:rPr>
+                      <m:t>𝑚𝑖𝑛𝑢𝑡𝑒𝑠</m:t>
+                    </m:r>
+                  </m:oMath>
+                </a14:m>
+                <a:r>
+                  <a:rPr lang="is-IS" dirty="0" smtClean="0"/>
+                  <a:t> (1 hour)</a:t>
+                </a:r>
+                <a:endParaRPr lang="en-US" dirty="0" smtClean="0"/>
+              </a:p>
+              <a:p>
+                <a:pPr marL="0" indent="0">
+                  <a:buNone/>
+                </a:pPr>
+                <a:r>
+                  <a:rPr lang="en-US" dirty="0" smtClean="0"/>
+                  <a:t>Recall:</a:t>
+                </a:r>
+              </a:p>
+              <a:p>
+                <a:pPr marL="0" indent="0">
+                  <a:buNone/>
+                </a:pPr>
+                <a14:m>
+                  <m:oMathPara xmlns:m="http://schemas.openxmlformats.org/officeDocument/2006/math">
+                    <m:oMathParaPr>
+                      <m:jc m:val="centerGroup"/>
+                    </m:oMathParaPr>
+                    <m:oMath xmlns:m="http://schemas.openxmlformats.org/officeDocument/2006/math">
+                      <m:r>
+                        <a:rPr lang="sv-SE" b="0" i="1" smtClean="0">
+                          <a:latin typeface="Cambria Math" panose="02040503050406030204" pitchFamily="18" charset="0"/>
+                        </a:rPr>
+                        <m:t>𝑅</m:t>
+                      </m:r>
+                      <m:d>
+                        <m:dPr>
+                          <m:ctrlPr>
+                            <a:rPr lang="sv-SE" b="0" i="1" smtClean="0">
+                              <a:latin typeface="Cambria Math" panose="02040503050406030204" pitchFamily="18" charset="0"/>
+                            </a:rPr>
+                          </m:ctrlPr>
+                        </m:dPr>
+                        <m:e>
+                          <m:r>
+                            <a:rPr lang="sv-SE" b="0" i="1" smtClean="0">
+                              <a:latin typeface="Cambria Math" panose="02040503050406030204" pitchFamily="18" charset="0"/>
+                            </a:rPr>
+                            <m:t>𝑡</m:t>
+                          </m:r>
+                        </m:e>
+                      </m:d>
+                      <m:r>
+                        <a:rPr lang="sv-SE" b="0" i="1" smtClean="0">
+                          <a:latin typeface="Cambria Math" panose="02040503050406030204" pitchFamily="18" charset="0"/>
+                        </a:rPr>
+                        <m:t>=</m:t>
+                      </m:r>
+                      <m:r>
+                        <a:rPr lang="sv-SE">
+                          <a:latin typeface="Cambria Math" panose="02040503050406030204" pitchFamily="18" charset="0"/>
+                        </a:rPr>
+                        <m:t>1 −</m:t>
+                      </m:r>
+                      <m:nary>
+                        <m:naryPr>
+                          <m:chr m:val="∏"/>
+                          <m:ctrlPr>
+                            <a:rPr lang="is-IS" i="1">
+                              <a:latin typeface="Cambria Math" panose="02040503050406030204" pitchFamily="18" charset="0"/>
+                            </a:rPr>
+                          </m:ctrlPr>
+                        </m:naryPr>
+                        <m:sub>
+                          <m:r>
+                            <m:rPr>
+                              <m:brk m:alnAt="23"/>
+                            </m:rPr>
+                            <a:rPr lang="sv-SE" i="1">
+                              <a:latin typeface="Cambria Math" panose="02040503050406030204" pitchFamily="18" charset="0"/>
+                            </a:rPr>
+                            <m:t>𝑘</m:t>
+                          </m:r>
+                          <m:r>
+                            <a:rPr lang="sv-SE" i="1">
+                              <a:latin typeface="Cambria Math" panose="02040503050406030204" pitchFamily="18" charset="0"/>
+                            </a:rPr>
+                            <m:t>=1</m:t>
+                          </m:r>
+                        </m:sub>
+                        <m:sup>
+                          <m:r>
+                            <a:rPr lang="sv-SE" i="1">
+                              <a:latin typeface="Cambria Math" panose="02040503050406030204" pitchFamily="18" charset="0"/>
+                            </a:rPr>
+                            <m:t>𝑛</m:t>
+                          </m:r>
+                        </m:sup>
+                        <m:e>
+                          <m:r>
+                            <a:rPr lang="sv-SE" i="1">
+                              <a:latin typeface="Cambria Math" panose="02040503050406030204" pitchFamily="18" charset="0"/>
+                            </a:rPr>
+                            <m:t>1 − </m:t>
+                          </m:r>
+                          <m:sSub>
+                            <m:sSubPr>
+                              <m:ctrlPr>
+                                <a:rPr lang="en-US" i="1">
+                                  <a:latin typeface="Cambria Math" panose="02040503050406030204" pitchFamily="18" charset="0"/>
+                                </a:rPr>
+                              </m:ctrlPr>
+                            </m:sSubPr>
+                            <m:e>
+                              <m:r>
+                                <a:rPr lang="en-GB" i="1">
+                                  <a:latin typeface="Cambria Math" charset="0"/>
+                                </a:rPr>
+                                <m:t>𝑃</m:t>
+                              </m:r>
+                            </m:e>
+                            <m:sub>
+                              <m:r>
+                                <a:rPr lang="en-GB" i="1">
+                                  <a:latin typeface="Cambria Math" charset="0"/>
+                                </a:rPr>
+                                <m:t>𝑘</m:t>
+                              </m:r>
+                            </m:sub>
+                          </m:sSub>
+                          <m:d>
+                            <m:dPr>
+                              <m:ctrlPr>
+                                <a:rPr lang="en-GB" i="1">
+                                  <a:latin typeface="Cambria Math" panose="02040503050406030204" pitchFamily="18" charset="0"/>
+                                </a:rPr>
+                              </m:ctrlPr>
+                            </m:dPr>
+                            <m:e>
+                              <m:r>
+                                <a:rPr lang="sv-SE" i="1">
+                                  <a:latin typeface="Cambria Math" panose="02040503050406030204" pitchFamily="18" charset="0"/>
+                                </a:rPr>
+                                <m:t>𝑠𝑢𝑟𝑣𝑖𝑣𝑎𝑙</m:t>
+                              </m:r>
+                            </m:e>
+                          </m:d>
+                        </m:e>
+                      </m:nary>
+                    </m:oMath>
+                  </m:oMathPara>
+                </a14:m>
+                <a:endParaRPr lang="sv-SE" i="1" dirty="0" smtClean="0">
+                  <a:latin typeface="Cambria Math" panose="02040503050406030204" pitchFamily="18" charset="0"/>
+                </a:endParaRPr>
+              </a:p>
+              <a:p>
+                <a:pPr marL="0" indent="0">
+                  <a:buNone/>
+                </a:pPr>
+                <a:endParaRPr lang="en-US" dirty="0"/>
+              </a:p>
+              <a:p>
+                <a:pPr marL="0" lvl="0" indent="0">
+                  <a:lnSpc>
+                    <a:spcPct val="100000"/>
+                  </a:lnSpc>
+                  <a:spcBef>
+                    <a:spcPts val="0"/>
+                  </a:spcBef>
+                  <a:spcAft>
+                    <a:spcPts val="0"/>
+                  </a:spcAft>
+                  <a:buSzTx/>
+                  <a:buNone/>
+                </a:pPr>
+                <a:endParaRPr lang="is-IS" dirty="0" smtClean="0"/>
+              </a:p>
+              <a:p>
+                <a:pPr marL="0" lvl="0" indent="0">
+                  <a:lnSpc>
+                    <a:spcPct val="100000"/>
+                  </a:lnSpc>
+                  <a:spcBef>
+                    <a:spcPts val="0"/>
+                  </a:spcBef>
+                  <a:spcAft>
+                    <a:spcPts val="0"/>
+                  </a:spcAft>
+                  <a:buSzTx/>
+                  <a:buNone/>
+                </a:pPr>
+                <a:endParaRPr lang="is-IS" dirty="0"/>
+              </a:p>
+            </p:txBody>
+          </p:sp>
+        </mc:Choice>
+        <mc:Fallback xmlns="">
+          <p:sp>
+            <p:nvSpPr>
+              <p:cNvPr id="3" name="Content Placeholder 2"/>
+              <p:cNvSpPr>
+                <a:spLocks noGrp="1" noRot="1" noChangeAspect="1" noMove="1" noResize="1" noEditPoints="1" noAdjustHandles="1" noChangeArrowheads="1" noChangeShapeType="1" noTextEdit="1"/>
+              </p:cNvSpPr>
+              <p:nvPr>
+                <p:ph idx="1"/>
+              </p:nvPr>
+            </p:nvSpPr>
+            <p:spPr>
+              <a:blipFill rotWithShape="0">
+                <a:blip r:embed="rId3"/>
+                <a:stretch>
+                  <a:fillRect l="-1515" t="-909"/>
+                </a:stretch>
+              </a:blipFill>
+            </p:spPr>
+            <p:txBody>
+              <a:bodyPr/>
+              <a:lstStyle/>
+              <a:p>
+                <a:r>
+                  <a:rPr lang="sv-SE">
+                    <a:noFill/>
+                  </a:rPr>
+                  <a:t> </a:t>
+                </a:r>
+              </a:p>
+            </p:txBody>
+          </p:sp>
+        </mc:Fallback>
+      </mc:AlternateContent>
+      <p:graphicFrame>
+        <p:nvGraphicFramePr>
+          <p:cNvPr id="5" name="Table 4"/>
+          <p:cNvGraphicFramePr>
+            <a:graphicFrameLocks noGrp="1"/>
+          </p:cNvGraphicFramePr>
+          <p:nvPr>
+            <p:extLst>
+              <p:ext uri="{D42A27DB-BD31-4B8C-83A1-F6EECF244321}">
+                <p14:modId xmlns:p14="http://schemas.microsoft.com/office/powerpoint/2010/main" val="240625729"/>
+              </p:ext>
+            </p:extLst>
+          </p:nvPr>
+        </p:nvGraphicFramePr>
+        <p:xfrm>
+          <a:off x="2657994" y="4149181"/>
+          <a:ext cx="6586777" cy="1490320"/>
+        </p:xfrm>
+        <a:graphic>
+          <a:graphicData uri="http://schemas.openxmlformats.org/drawingml/2006/table">
+            <a:tbl>
+              <a:tblPr firstRow="1" bandRow="1">
+                <a:tableStyleId>{2D5ABB26-0587-4C30-8999-92F81FD0307C}</a:tableStyleId>
+              </a:tblPr>
+              <a:tblGrid>
+                <a:gridCol w="2079740"/>
+                <a:gridCol w="4507037"/>
+              </a:tblGrid>
+              <a:tr h="377800">
+                <a:tc>
+                  <a:txBody>
+                    <a:bodyPr/>
+                    <a:lstStyle/>
+                    <a:p>
+                      <a:r>
+                        <a:rPr lang="en-US" b="1" dirty="0" smtClean="0"/>
+                        <a:t>Number of replicas</a:t>
+                      </a:r>
+                      <a:endParaRPr lang="en-US" b="1" dirty="0"/>
+                    </a:p>
+                  </a:txBody>
+                  <a:tcPr/>
+                </a:tc>
+                <a:tc>
+                  <a:txBody>
+                    <a:bodyPr/>
+                    <a:lstStyle/>
+                    <a:p>
+                      <a:r>
+                        <a:rPr lang="en-US" b="1" dirty="0" smtClean="0"/>
+                        <a:t>Reliability</a:t>
+                      </a:r>
+                      <a:endParaRPr lang="en-US" b="1" dirty="0"/>
+                    </a:p>
+                  </a:txBody>
+                  <a:tcPr/>
+                </a:tc>
+              </a:tr>
+              <a:tr h="370840">
+                <a:tc>
+                  <a:txBody>
+                    <a:bodyPr/>
+                    <a:lstStyle/>
+                    <a:p>
+                      <a:r>
+                        <a:rPr lang="en-US" dirty="0" smtClean="0"/>
+                        <a:t>1</a:t>
+                      </a:r>
+                      <a:endParaRPr lang="en-US" dirty="0"/>
+                    </a:p>
+                  </a:txBody>
+                  <a:tcPr/>
+                </a:tc>
+                <a:tc>
+                  <a:txBody>
+                    <a:bodyPr/>
+                    <a:lstStyle/>
+                    <a:p>
+                      <a:r>
+                        <a:rPr lang="en-US" dirty="0" smtClean="0"/>
+                        <a:t>1 –</a:t>
+                      </a:r>
+                      <a:r>
+                        <a:rPr lang="en-US" baseline="0" dirty="0" smtClean="0"/>
+                        <a:t> (1 – R(t))</a:t>
+                      </a:r>
+                      <a:r>
+                        <a:rPr lang="en-US" baseline="30000" dirty="0" smtClean="0"/>
+                        <a:t>1</a:t>
+                      </a:r>
+                      <a:r>
+                        <a:rPr lang="en-US" baseline="0" dirty="0" smtClean="0"/>
+                        <a:t> = </a:t>
+                      </a:r>
+                      <a:r>
+                        <a:rPr lang="tr-TR" baseline="0" dirty="0" smtClean="0"/>
+                        <a:t>0.999885851264</a:t>
+                      </a:r>
+                      <a:endParaRPr lang="en-US" baseline="30000" dirty="0"/>
+                    </a:p>
+                  </a:txBody>
+                  <a:tcPr/>
+                </a:tc>
+              </a:tr>
+              <a:tr h="370840">
+                <a:tc>
+                  <a:txBody>
+                    <a:bodyPr/>
+                    <a:lstStyle/>
+                    <a:p>
+                      <a:r>
+                        <a:rPr lang="en-US" dirty="0" smtClean="0"/>
+                        <a:t>2</a:t>
+                      </a:r>
+                      <a:endParaRPr lang="en-US" dirty="0"/>
+                    </a:p>
+                  </a:txBody>
+                  <a:tcPr/>
+                </a:tc>
+                <a:tc>
+                  <a:txBody>
+                    <a:bodyPr/>
+                    <a:lstStyle/>
+                    <a:p>
+                      <a:pPr marL="0" marR="0" indent="0" algn="l" defTabSz="914400" rtl="0" eaLnBrk="1" fontAlgn="auto" latinLnBrk="0" hangingPunct="1">
+                        <a:lnSpc>
+                          <a:spcPct val="100000"/>
+                        </a:lnSpc>
+                        <a:spcBef>
+                          <a:spcPts val="0"/>
+                        </a:spcBef>
+                        <a:spcAft>
+                          <a:spcPts val="0"/>
+                        </a:spcAft>
+                        <a:buClrTx/>
+                        <a:buSzTx/>
+                        <a:buFontTx/>
+                        <a:buNone/>
+                        <a:tabLst/>
+                        <a:defRPr/>
+                      </a:pPr>
+                      <a:r>
+                        <a:rPr lang="en-US" b="0" dirty="0" smtClean="0"/>
+                        <a:t>1 –</a:t>
+                      </a:r>
+                      <a:r>
+                        <a:rPr lang="en-US" b="0" baseline="0" dirty="0" smtClean="0"/>
+                        <a:t> (1 – R(t))</a:t>
+                      </a:r>
+                      <a:r>
+                        <a:rPr lang="en-US" b="0" baseline="30000" dirty="0" smtClean="0"/>
+                        <a:t>2</a:t>
+                      </a:r>
+                      <a:r>
+                        <a:rPr lang="en-US" b="0" baseline="0" dirty="0" smtClean="0"/>
+                        <a:t> = </a:t>
+                      </a:r>
+                      <a:r>
+                        <a:rPr lang="nb-NO" b="0" baseline="0" dirty="0" smtClean="0"/>
+                        <a:t>0.99999998697 (7-nines)</a:t>
+                      </a:r>
+                      <a:endParaRPr lang="en-US" b="0" baseline="30000" dirty="0" smtClean="0"/>
+                    </a:p>
+                  </a:txBody>
+                  <a:tcPr/>
+                </a:tc>
+              </a:tr>
+              <a:tr h="370840">
+                <a:tc>
+                  <a:txBody>
+                    <a:bodyPr/>
+                    <a:lstStyle/>
+                    <a:p>
+                      <a:r>
+                        <a:rPr lang="en-US" dirty="0" smtClean="0"/>
+                        <a:t>3</a:t>
+                      </a:r>
+                      <a:endParaRPr lang="en-US" dirty="0"/>
+                    </a:p>
+                  </a:txBody>
+                  <a:tcPr/>
+                </a:tc>
+                <a:tc>
+                  <a:txBody>
+                    <a:bodyPr/>
+                    <a:lstStyle/>
+                    <a:p>
+                      <a:pPr marL="0" marR="0" indent="0" algn="l" defTabSz="914400" rtl="0" eaLnBrk="1" fontAlgn="auto" latinLnBrk="0" hangingPunct="1">
+                        <a:lnSpc>
+                          <a:spcPct val="100000"/>
+                        </a:lnSpc>
+                        <a:spcBef>
+                          <a:spcPts val="0"/>
+                        </a:spcBef>
+                        <a:spcAft>
+                          <a:spcPts val="0"/>
+                        </a:spcAft>
+                        <a:buClrTx/>
+                        <a:buSzTx/>
+                        <a:buFontTx/>
+                        <a:buNone/>
+                        <a:tabLst/>
+                        <a:defRPr/>
+                      </a:pPr>
+                      <a:r>
+                        <a:rPr lang="en-US" b="0" dirty="0" smtClean="0"/>
+                        <a:t>1 –</a:t>
+                      </a:r>
+                      <a:r>
+                        <a:rPr lang="en-US" b="0" baseline="0" dirty="0" smtClean="0"/>
+                        <a:t> (1 – R(t))</a:t>
+                      </a:r>
+                      <a:r>
+                        <a:rPr lang="en-US" b="0" baseline="30000" dirty="0" smtClean="0"/>
+                        <a:t>3</a:t>
+                      </a:r>
+                      <a:r>
+                        <a:rPr lang="en-US" b="0" baseline="0" dirty="0" smtClean="0"/>
+                        <a:t> = </a:t>
+                      </a:r>
+                      <a:r>
+                        <a:rPr lang="nb-NO" b="0" baseline="0" dirty="0" smtClean="0"/>
+                        <a:t>0.999999999998 (11-nines)</a:t>
+                      </a:r>
+                      <a:endParaRPr lang="en-US" b="0" baseline="30000" dirty="0" smtClean="0"/>
+                    </a:p>
+                  </a:txBody>
+                  <a:tcPr/>
+                </a:tc>
+              </a:tr>
+            </a:tbl>
+          </a:graphicData>
+        </a:graphic>
+      </p:graphicFrame>
+    </p:spTree>
+    <p:extLst>
+      <p:ext uri="{BB962C8B-B14F-4D97-AF65-F5344CB8AC3E}">
+        <p14:creationId xmlns:p14="http://schemas.microsoft.com/office/powerpoint/2010/main" val="799737953"/>
       </p:ext>
     </p:extLst>
   </p:cSld>

--- a/presentation/presentation2.pptx
+++ b/presentation/presentation2.pptx
@@ -27850,8 +27850,8 @@
           </a:p>
         </p:txBody>
       </p:sp>
-      <mc:AlternateContent xmlns:mc="http://schemas.openxmlformats.org/markup-compatibility/2006">
-        <mc:Choice xmlns:a14="http://schemas.microsoft.com/office/drawing/2010/main" Requires="a14">
+      <mc:AlternateContent xmlns:mc="http://schemas.openxmlformats.org/markup-compatibility/2006" xmlns:a14="http://schemas.microsoft.com/office/drawing/2010/main">
+        <mc:Choice Requires="a14">
           <p:sp>
             <p:nvSpPr>
               <p:cNvPr id="3" name="Content Placeholder 2"/>
@@ -27947,11 +27947,7 @@
                 </a14:m>
                 <a:r>
                   <a:rPr lang="en-US" dirty="0" smtClean="0"/>
-                  <a:t> </a:t>
-                </a:r>
-                <a:r>
-                  <a:rPr lang="en-US" dirty="0" smtClean="0"/>
-                  <a:t>is the time to detect a failure, statically set to </a:t>
+                  <a:t> is the time to detect a failure, statically set to </a:t>
                 </a:r>
                 <a14:m>
                   <m:oMath xmlns:m="http://schemas.openxmlformats.org/officeDocument/2006/math">
@@ -28055,15 +28051,7 @@
                 </a14:m>
                 <a:r>
                   <a:rPr lang="en-US" dirty="0" smtClean="0"/>
-                  <a:t> </a:t>
-                </a:r>
-                <a:r>
-                  <a:rPr lang="en-US" dirty="0" smtClean="0"/>
-                  <a:t>varies depending </a:t>
-                </a:r>
-                <a:r>
-                  <a:rPr lang="en-US" dirty="0" smtClean="0"/>
-                  <a:t>on:</a:t>
+                  <a:t> varies depending on:</a:t>
                 </a:r>
               </a:p>
               <a:p>
@@ -28075,7 +28063,6 @@
                   <a:rPr lang="en-US" dirty="0" smtClean="0"/>
                   <a:t>Task state size</a:t>
                 </a:r>
-                <a:endParaRPr lang="en-US" dirty="0" smtClean="0"/>
               </a:p>
               <a:p>
                 <a:pPr lvl="1">
@@ -28100,7 +28087,7 @@
             </p:txBody>
           </p:sp>
         </mc:Choice>
-        <mc:Fallback>
+        <mc:Fallback xmlns="">
           <p:sp>
             <p:nvSpPr>
               <p:cNvPr id="3" name="Content Placeholder 2"/>
@@ -28134,8 +28121,8 @@
           </p:sp>
         </mc:Fallback>
       </mc:AlternateContent>
-      <mc:AlternateContent xmlns:mc="http://schemas.openxmlformats.org/markup-compatibility/2006">
-        <mc:Choice xmlns:a14="http://schemas.microsoft.com/office/drawing/2010/main" Requires="a14">
+      <mc:AlternateContent xmlns:mc="http://schemas.openxmlformats.org/markup-compatibility/2006" xmlns:a14="http://schemas.microsoft.com/office/drawing/2010/main">
+        <mc:Choice Requires="a14">
           <p:sp>
             <p:nvSpPr>
               <p:cNvPr id="5" name="TextBox 4"/>
@@ -28241,7 +28228,7 @@
             </p:txBody>
           </p:sp>
         </mc:Choice>
-        <mc:Fallback>
+        <mc:Fallback xmlns="">
           <p:sp>
             <p:nvSpPr>
               <p:cNvPr id="5" name="TextBox 4"/>
@@ -28511,8 +28498,8 @@
           </a:p>
         </p:txBody>
       </p:sp>
-      <mc:AlternateContent xmlns:mc="http://schemas.openxmlformats.org/markup-compatibility/2006">
-        <mc:Choice xmlns:a14="http://schemas.microsoft.com/office/drawing/2010/main" Requires="a14">
+      <mc:AlternateContent xmlns:mc="http://schemas.openxmlformats.org/markup-compatibility/2006" xmlns:a14="http://schemas.microsoft.com/office/drawing/2010/main">
+        <mc:Choice Requires="a14">
           <p:sp>
             <p:nvSpPr>
               <p:cNvPr id="3" name="Content Placeholder 2"/>
@@ -28630,7 +28617,7 @@
             </p:txBody>
           </p:sp>
         </mc:Choice>
-        <mc:Fallback>
+        <mc:Fallback xmlns="">
           <p:sp>
             <p:nvSpPr>
               <p:cNvPr id="3" name="Content Placeholder 2"/>
@@ -28762,8 +28749,8 @@
           </a:p>
         </p:txBody>
       </p:sp>
-      <mc:AlternateContent xmlns:mc="http://schemas.openxmlformats.org/markup-compatibility/2006">
-        <mc:Choice xmlns:a14="http://schemas.microsoft.com/office/drawing/2010/main" Requires="a14">
+      <mc:AlternateContent xmlns:mc="http://schemas.openxmlformats.org/markup-compatibility/2006" xmlns:a14="http://schemas.microsoft.com/office/drawing/2010/main">
+        <mc:Choice Requires="a14">
           <p:sp>
             <p:nvSpPr>
               <p:cNvPr id="3" name="Content Placeholder 2"/>
@@ -28817,11 +28804,7 @@
                 </a14:m>
                 <a:r>
                   <a:rPr lang="en-US" dirty="0" smtClean="0"/>
-                  <a:t> </a:t>
-                </a:r>
-                <a:r>
-                  <a:rPr lang="en-US" dirty="0" smtClean="0"/>
-                  <a:t>to use in the reliability model, all previously registered values are used to find the shape parameters for the log-logistic distribution</a:t>
+                  <a:t> to use in the reliability model, all previously registered values are used to find the shape parameters for the log-logistic distribution</a:t>
                 </a:r>
               </a:p>
               <a:p>
@@ -28851,7 +28834,7 @@
             </p:txBody>
           </p:sp>
         </mc:Choice>
-        <mc:Fallback>
+        <mc:Fallback xmlns="">
           <p:sp>
             <p:nvSpPr>
               <p:cNvPr id="3" name="Content Placeholder 2"/>
@@ -29370,7 +29353,45 @@
             </a:pPr>
             <a:r>
               <a:rPr lang="en-US" dirty="0" smtClean="0"/>
-              <a:t>Our model uses a relatively simple reliability model</a:t>
+              <a:t>Platform for future experiments</a:t>
+            </a:r>
+          </a:p>
+          <a:p>
+            <a:pPr marL="0" indent="0">
+              <a:buNone/>
+            </a:pPr>
+            <a:r>
+              <a:rPr lang="en-US" dirty="0" smtClean="0"/>
+              <a:t>Considering </a:t>
+            </a:r>
+            <a:r>
+              <a:rPr lang="en-US" dirty="0"/>
+              <a:t>several applications, our model will use the optimal number of nodes and is thereby</a:t>
+            </a:r>
+            <a:r>
+              <a:rPr lang="en-US" dirty="0">
+                <a:sym typeface="Wingdings"/>
+              </a:rPr>
+              <a:t> energy </a:t>
+            </a:r>
+            <a:r>
+              <a:rPr lang="en-US" dirty="0" smtClean="0">
+                <a:sym typeface="Wingdings"/>
+              </a:rPr>
+              <a:t>efficient</a:t>
+            </a:r>
+          </a:p>
+          <a:p>
+            <a:pPr marL="0" indent="0">
+              <a:buNone/>
+            </a:pPr>
+            <a:r>
+              <a:rPr lang="en-US" dirty="0" smtClean="0"/>
+              <a:t>Our </a:t>
+            </a:r>
+            <a:r>
+              <a:rPr lang="en-US" dirty="0" smtClean="0"/>
+              <a:t>model uses a relatively simple reliability model</a:t>
             </a:r>
           </a:p>
           <a:p>
@@ -29380,7 +29401,7 @@
             </a:pPr>
             <a:r>
               <a:rPr lang="en-US" dirty="0" smtClean="0"/>
-              <a:t>A more sophisticated model could for example assume </a:t>
+              <a:t>Consider </a:t>
             </a:r>
             <a:r>
               <a:rPr lang="en-US" dirty="0" smtClean="0"/>
@@ -29388,8 +29409,13 @@
             </a:r>
             <a:r>
               <a:rPr lang="en-US" dirty="0" smtClean="0"/>
-              <a:t>failures, for example the switch of a rack may fail, affecting all nodes in that rack. The reliability of a node should therefore take the current nodes into account</a:t>
-            </a:r>
+              <a:t>failures, for example the switch of a rack may </a:t>
+            </a:r>
+            <a:r>
+              <a:rPr lang="en-US" dirty="0" smtClean="0"/>
+              <a:t>fail. </a:t>
+            </a:r>
+            <a:endParaRPr lang="en-US" dirty="0" smtClean="0"/>
           </a:p>
           <a:p>
             <a:pPr marL="0" indent="0">
@@ -29407,23 +29433,18 @@
             </a:pPr>
             <a:r>
               <a:rPr lang="en-US" dirty="0" smtClean="0"/>
-              <a:t>Currently, the most reliable node is chosen, but it does not care whether or not the selected node has capacity for a new replica, or if it’s overloaded - but as shown in one of the experiments, it can easily be changed to not select nodes with a certain load</a:t>
-            </a:r>
+              <a:t>Currently, the most reliable node is chosen, but it does not care whether or not the selected node has capacity for a new </a:t>
+            </a:r>
+            <a:r>
+              <a:rPr lang="en-US" dirty="0" smtClean="0"/>
+              <a:t>replica</a:t>
+            </a:r>
+            <a:endParaRPr lang="en-US" dirty="0" smtClean="0"/>
           </a:p>
           <a:p>
             <a:pPr marL="0" indent="0">
               <a:buNone/>
             </a:pPr>
-            <a:r>
-              <a:rPr lang="en-US" dirty="0"/>
-              <a:t>Considering several applications, our model will use the optimal number of nodes and is thereby</a:t>
-            </a:r>
-            <a:r>
-              <a:rPr lang="en-US" dirty="0">
-                <a:sym typeface="Wingdings"/>
-              </a:rPr>
-              <a:t> energy efficient</a:t>
-            </a:r>
             <a:endParaRPr lang="en-US" dirty="0"/>
           </a:p>
         </p:txBody>

--- a/presentation/presentation2.pptx
+++ b/presentation/presentation2.pptx
@@ -23446,8 +23446,8 @@
           </a:p>
         </p:txBody>
       </p:sp>
-      <mc:AlternateContent xmlns:mc="http://schemas.openxmlformats.org/markup-compatibility/2006" xmlns:a14="http://schemas.microsoft.com/office/drawing/2010/main">
-        <mc:Choice Requires="a14">
+      <mc:AlternateContent xmlns:mc="http://schemas.openxmlformats.org/markup-compatibility/2006">
+        <mc:Choice xmlns:a14="http://schemas.microsoft.com/office/drawing/2010/main" Requires="a14">
           <p:sp>
             <p:nvSpPr>
               <p:cNvPr id="3" name="Content Placeholder 2"/>
@@ -23654,7 +23654,14 @@
                         <a:latin typeface="Cambria Math" panose="02040503050406030204" pitchFamily="18" charset="0"/>
                         <a:ea typeface="Cambria Math" panose="02040503050406030204" pitchFamily="18" charset="0"/>
                       </a:rPr>
-                      <m:t>0.95≤</m:t>
+                      <m:t>0.95</m:t>
+                    </m:r>
+                    <m:r>
+                      <a:rPr lang="sv-SE" b="0" i="1" smtClean="0">
+                        <a:latin typeface="Cambria Math" panose="02040503050406030204" pitchFamily="18" charset="0"/>
+                        <a:ea typeface="Cambria Math" panose="02040503050406030204" pitchFamily="18" charset="0"/>
+                      </a:rPr>
+                      <m:t>≱</m:t>
                     </m:r>
                     <m:r>
                       <a:rPr lang="sv-SE" i="1">
@@ -23753,7 +23760,7 @@
             </p:txBody>
           </p:sp>
         </mc:Choice>
-        <mc:Fallback xmlns="">
+        <mc:Fallback>
           <p:sp>
             <p:nvSpPr>
               <p:cNvPr id="3" name="Content Placeholder 2"/>
@@ -23877,8 +23884,8 @@
           </a:p>
         </p:txBody>
       </p:sp>
-      <mc:AlternateContent xmlns:mc="http://schemas.openxmlformats.org/markup-compatibility/2006" xmlns:a14="http://schemas.microsoft.com/office/drawing/2010/main">
-        <mc:Choice Requires="a14">
+      <mc:AlternateContent xmlns:mc="http://schemas.openxmlformats.org/markup-compatibility/2006">
+        <mc:Choice xmlns:a14="http://schemas.microsoft.com/office/drawing/2010/main" Requires="a14">
           <p:sp>
             <p:nvSpPr>
               <p:cNvPr id="3" name="Content Placeholder 2"/>
@@ -24114,7 +24121,21 @@
                         <a:latin typeface="Cambria Math" panose="02040503050406030204" pitchFamily="18" charset="0"/>
                         <a:ea typeface="Cambria Math" panose="02040503050406030204" pitchFamily="18" charset="0"/>
                       </a:rPr>
-                      <m:t>5≤0.999 → </m:t>
+                      <m:t>5</m:t>
+                    </m:r>
+                    <m:r>
+                      <a:rPr lang="sv-SE" i="1">
+                        <a:latin typeface="Cambria Math" panose="02040503050406030204" pitchFamily="18" charset="0"/>
+                        <a:ea typeface="Cambria Math" panose="02040503050406030204" pitchFamily="18" charset="0"/>
+                      </a:rPr>
+                      <m:t>≱</m:t>
+                    </m:r>
+                    <m:r>
+                      <a:rPr lang="sv-SE" i="1">
+                        <a:latin typeface="Cambria Math" panose="02040503050406030204" pitchFamily="18" charset="0"/>
+                        <a:ea typeface="Cambria Math" panose="02040503050406030204" pitchFamily="18" charset="0"/>
+                      </a:rPr>
+                      <m:t>0.999 → </m:t>
                     </m:r>
                   </m:oMath>
                 </a14:m>
@@ -24199,7 +24220,7 @@
             </p:txBody>
           </p:sp>
         </mc:Choice>
-        <mc:Fallback xmlns="">
+        <mc:Fallback>
           <p:sp>
             <p:nvSpPr>
               <p:cNvPr id="3" name="Content Placeholder 2"/>
@@ -24323,8 +24344,8 @@
           </a:p>
         </p:txBody>
       </p:sp>
-      <mc:AlternateContent xmlns:mc="http://schemas.openxmlformats.org/markup-compatibility/2006" xmlns:a14="http://schemas.microsoft.com/office/drawing/2010/main">
-        <mc:Choice Requires="a14">
+      <mc:AlternateContent xmlns:mc="http://schemas.openxmlformats.org/markup-compatibility/2006">
+        <mc:Choice xmlns:a14="http://schemas.microsoft.com/office/drawing/2010/main" Requires="a14">
           <p:sp>
             <p:nvSpPr>
               <p:cNvPr id="3" name="Content Placeholder 2"/>
@@ -24356,7 +24377,7 @@
                   <a:defRPr/>
                 </a:pPr>
                 <a:r>
-                  <a:rPr lang="en-US" dirty="0"/>
+                  <a:rPr lang="en-US" dirty="0" smtClean="0"/>
                   <a:t>Required reliability</a:t>
                 </a:r>
                 <a:r>
@@ -24626,7 +24647,7 @@
                       <a:rPr lang="sv-SE" b="0" i="1" smtClean="0">
                         <a:latin typeface="Cambria Math" panose="02040503050406030204" pitchFamily="18" charset="0"/>
                       </a:rPr>
-                      <m:t>&gt;0.999 → </m:t>
+                      <m:t>≥0.999 → </m:t>
                     </m:r>
                   </m:oMath>
                 </a14:m>
@@ -24647,7 +24668,7 @@
             </p:txBody>
           </p:sp>
         </mc:Choice>
-        <mc:Fallback xmlns="">
+        <mc:Fallback>
           <p:sp>
             <p:nvSpPr>
               <p:cNvPr id="3" name="Content Placeholder 2"/>
@@ -26147,8 +26168,8 @@
           </a:p>
         </p:txBody>
       </p:sp>
-      <mc:AlternateContent xmlns:mc="http://schemas.openxmlformats.org/markup-compatibility/2006" xmlns:a14="http://schemas.microsoft.com/office/drawing/2010/main">
-        <mc:Choice Requires="a14">
+      <mc:AlternateContent xmlns:mc="http://schemas.openxmlformats.org/markup-compatibility/2006">
+        <mc:Choice xmlns:a14="http://schemas.microsoft.com/office/drawing/2010/main" Requires="a14">
           <p:sp>
             <p:nvSpPr>
               <p:cNvPr id="3" name="Content Placeholder 2"/>
@@ -26419,7 +26440,7 @@
                         <a:latin typeface="Cambria Math" panose="02040503050406030204" pitchFamily="18" charset="0"/>
                         <a:ea typeface="Cambria Math" panose="02040503050406030204" pitchFamily="18" charset="0"/>
                       </a:rPr>
-                      <m:t>&gt;0.999 →</m:t>
+                      <m:t>≥0.999 →</m:t>
                     </m:r>
                     <m:r>
                       <a:rPr lang="sv-SE" i="1">
@@ -26439,7 +26460,7 @@
             </p:txBody>
           </p:sp>
         </mc:Choice>
-        <mc:Fallback xmlns="">
+        <mc:Fallback>
           <p:sp>
             <p:nvSpPr>
               <p:cNvPr id="3" name="Content Placeholder 2"/>
@@ -26562,8 +26583,8 @@
           </a:p>
         </p:txBody>
       </p:sp>
-      <mc:AlternateContent xmlns:mc="http://schemas.openxmlformats.org/markup-compatibility/2006" xmlns:a14="http://schemas.microsoft.com/office/drawing/2010/main">
-        <mc:Choice Requires="a14">
+      <mc:AlternateContent xmlns:mc="http://schemas.openxmlformats.org/markup-compatibility/2006">
+        <mc:Choice xmlns:a14="http://schemas.microsoft.com/office/drawing/2010/main" Requires="a14">
           <p:sp>
             <p:nvSpPr>
               <p:cNvPr id="3" name="Content Placeholder 2"/>
@@ -26801,7 +26822,7 @@
                         <a:latin typeface="Cambria Math" panose="02040503050406030204" pitchFamily="18" charset="0"/>
                         <a:ea typeface="Cambria Math" panose="02040503050406030204" pitchFamily="18" charset="0"/>
                       </a:rPr>
-                      <m:t>0.99≯</m:t>
+                      <m:t>0.99≱</m:t>
                     </m:r>
                     <m:r>
                       <a:rPr lang="sv-SE" b="0" i="1" smtClean="0">
@@ -26821,7 +26842,7 @@
             </p:txBody>
           </p:sp>
         </mc:Choice>
-        <mc:Fallback xmlns="">
+        <mc:Fallback>
           <p:sp>
             <p:nvSpPr>
               <p:cNvPr id="3" name="Content Placeholder 2"/>
@@ -29387,11 +29408,7 @@
             </a:pPr>
             <a:r>
               <a:rPr lang="en-US" dirty="0" smtClean="0"/>
-              <a:t>Our </a:t>
-            </a:r>
-            <a:r>
-              <a:rPr lang="en-US" dirty="0" smtClean="0"/>
-              <a:t>model uses a relatively simple reliability model</a:t>
+              <a:t>Our model uses a relatively simple reliability model</a:t>
             </a:r>
           </a:p>
           <a:p>
@@ -29401,21 +29418,8 @@
             </a:pPr>
             <a:r>
               <a:rPr lang="en-US" dirty="0" smtClean="0"/>
-              <a:t>Consider </a:t>
-            </a:r>
-            <a:r>
-              <a:rPr lang="en-US" dirty="0" smtClean="0"/>
-              <a:t>non-independent </a:t>
-            </a:r>
-            <a:r>
-              <a:rPr lang="en-US" dirty="0" smtClean="0"/>
-              <a:t>failures, for example the switch of a rack may </a:t>
-            </a:r>
-            <a:r>
-              <a:rPr lang="en-US" dirty="0" smtClean="0"/>
-              <a:t>fail. </a:t>
-            </a:r>
-            <a:endParaRPr lang="en-US" dirty="0" smtClean="0"/>
+              <a:t>Consider non-independent failures, for example the switch of a rack may fail. </a:t>
+            </a:r>
           </a:p>
           <a:p>
             <a:pPr marL="0" indent="0">
@@ -29433,13 +29437,8 @@
             </a:pPr>
             <a:r>
               <a:rPr lang="en-US" dirty="0" smtClean="0"/>
-              <a:t>Currently, the most reliable node is chosen, but it does not care whether or not the selected node has capacity for a new </a:t>
-            </a:r>
-            <a:r>
-              <a:rPr lang="en-US" dirty="0" smtClean="0"/>
-              <a:t>replica</a:t>
-            </a:r>
-            <a:endParaRPr lang="en-US" dirty="0" smtClean="0"/>
+              <a:t>Currently, the most reliable node is chosen, but it does not care whether or not the selected node has capacity for a new replica</a:t>
+            </a:r>
           </a:p>
           <a:p>
             <a:pPr marL="0" indent="0">

--- a/presentation/presentation2.pptx
+++ b/presentation/presentation2.pptx
@@ -7581,7 +7581,15 @@
             </a:r>
             <a:r>
               <a:rPr lang="en-US" baseline="0" dirty="0" smtClean="0"/>
-              <a:t> tanker </a:t>
+              <a:t> </a:t>
+            </a:r>
+            <a:r>
+              <a:rPr lang="en-US" baseline="0" dirty="0" err="1" smtClean="0"/>
+              <a:t>tänker</a:t>
+            </a:r>
+            <a:r>
+              <a:rPr lang="en-US" baseline="0" dirty="0" smtClean="0"/>
+              <a:t> </a:t>
             </a:r>
             <a:r>
               <a:rPr lang="en-US" baseline="0" dirty="0" err="1" smtClean="0"/>
@@ -23446,8 +23454,8 @@
           </a:p>
         </p:txBody>
       </p:sp>
-      <mc:AlternateContent xmlns:mc="http://schemas.openxmlformats.org/markup-compatibility/2006">
-        <mc:Choice xmlns:a14="http://schemas.microsoft.com/office/drawing/2010/main" Requires="a14">
+      <mc:AlternateContent xmlns:mc="http://schemas.openxmlformats.org/markup-compatibility/2006" xmlns:a14="http://schemas.microsoft.com/office/drawing/2010/main">
+        <mc:Choice Requires="a14">
           <p:sp>
             <p:nvSpPr>
               <p:cNvPr id="3" name="Content Placeholder 2"/>
@@ -23654,14 +23662,7 @@
                         <a:latin typeface="Cambria Math" panose="02040503050406030204" pitchFamily="18" charset="0"/>
                         <a:ea typeface="Cambria Math" panose="02040503050406030204" pitchFamily="18" charset="0"/>
                       </a:rPr>
-                      <m:t>0.95</m:t>
-                    </m:r>
-                    <m:r>
-                      <a:rPr lang="sv-SE" b="0" i="1" smtClean="0">
-                        <a:latin typeface="Cambria Math" panose="02040503050406030204" pitchFamily="18" charset="0"/>
-                        <a:ea typeface="Cambria Math" panose="02040503050406030204" pitchFamily="18" charset="0"/>
-                      </a:rPr>
-                      <m:t>≱</m:t>
+                      <m:t>0.95≱</m:t>
                     </m:r>
                     <m:r>
                       <a:rPr lang="sv-SE" i="1">
@@ -23760,7 +23761,7 @@
             </p:txBody>
           </p:sp>
         </mc:Choice>
-        <mc:Fallback>
+        <mc:Fallback xmlns="">
           <p:sp>
             <p:nvSpPr>
               <p:cNvPr id="3" name="Content Placeholder 2"/>
@@ -23884,8 +23885,8 @@
           </a:p>
         </p:txBody>
       </p:sp>
-      <mc:AlternateContent xmlns:mc="http://schemas.openxmlformats.org/markup-compatibility/2006">
-        <mc:Choice xmlns:a14="http://schemas.microsoft.com/office/drawing/2010/main" Requires="a14">
+      <mc:AlternateContent xmlns:mc="http://schemas.openxmlformats.org/markup-compatibility/2006" xmlns:a14="http://schemas.microsoft.com/office/drawing/2010/main">
+        <mc:Choice Requires="a14">
           <p:sp>
             <p:nvSpPr>
               <p:cNvPr id="3" name="Content Placeholder 2"/>
@@ -24121,21 +24122,7 @@
                         <a:latin typeface="Cambria Math" panose="02040503050406030204" pitchFamily="18" charset="0"/>
                         <a:ea typeface="Cambria Math" panose="02040503050406030204" pitchFamily="18" charset="0"/>
                       </a:rPr>
-                      <m:t>5</m:t>
-                    </m:r>
-                    <m:r>
-                      <a:rPr lang="sv-SE" i="1">
-                        <a:latin typeface="Cambria Math" panose="02040503050406030204" pitchFamily="18" charset="0"/>
-                        <a:ea typeface="Cambria Math" panose="02040503050406030204" pitchFamily="18" charset="0"/>
-                      </a:rPr>
-                      <m:t>≱</m:t>
-                    </m:r>
-                    <m:r>
-                      <a:rPr lang="sv-SE" i="1">
-                        <a:latin typeface="Cambria Math" panose="02040503050406030204" pitchFamily="18" charset="0"/>
-                        <a:ea typeface="Cambria Math" panose="02040503050406030204" pitchFamily="18" charset="0"/>
-                      </a:rPr>
-                      <m:t>0.999 → </m:t>
+                      <m:t>5≱0.999 → </m:t>
                     </m:r>
                   </m:oMath>
                 </a14:m>
@@ -24220,7 +24207,7 @@
             </p:txBody>
           </p:sp>
         </mc:Choice>
-        <mc:Fallback>
+        <mc:Fallback xmlns="">
           <p:sp>
             <p:nvSpPr>
               <p:cNvPr id="3" name="Content Placeholder 2"/>
@@ -24344,8 +24331,8 @@
           </a:p>
         </p:txBody>
       </p:sp>
-      <mc:AlternateContent xmlns:mc="http://schemas.openxmlformats.org/markup-compatibility/2006">
-        <mc:Choice xmlns:a14="http://schemas.microsoft.com/office/drawing/2010/main" Requires="a14">
+      <mc:AlternateContent xmlns:mc="http://schemas.openxmlformats.org/markup-compatibility/2006" xmlns:a14="http://schemas.microsoft.com/office/drawing/2010/main">
+        <mc:Choice Requires="a14">
           <p:sp>
             <p:nvSpPr>
               <p:cNvPr id="3" name="Content Placeholder 2"/>
@@ -24378,11 +24365,7 @@
                 </a:pPr>
                 <a:r>
                   <a:rPr lang="en-US" dirty="0" smtClean="0"/>
-                  <a:t>Required reliability</a:t>
-                </a:r>
-                <a:r>
-                  <a:rPr lang="en-US" dirty="0" smtClean="0"/>
-                  <a:t>: </a:t>
+                  <a:t>Required reliability: </a:t>
                 </a:r>
                 <a14:m>
                   <m:oMath xmlns:m="http://schemas.openxmlformats.org/officeDocument/2006/math">
@@ -24668,7 +24651,7 @@
             </p:txBody>
           </p:sp>
         </mc:Choice>
-        <mc:Fallback>
+        <mc:Fallback xmlns="">
           <p:sp>
             <p:nvSpPr>
               <p:cNvPr id="3" name="Content Placeholder 2"/>
@@ -26168,8 +26151,8 @@
           </a:p>
         </p:txBody>
       </p:sp>
-      <mc:AlternateContent xmlns:mc="http://schemas.openxmlformats.org/markup-compatibility/2006">
-        <mc:Choice xmlns:a14="http://schemas.microsoft.com/office/drawing/2010/main" Requires="a14">
+      <mc:AlternateContent xmlns:mc="http://schemas.openxmlformats.org/markup-compatibility/2006" xmlns:a14="http://schemas.microsoft.com/office/drawing/2010/main">
+        <mc:Choice Requires="a14">
           <p:sp>
             <p:nvSpPr>
               <p:cNvPr id="3" name="Content Placeholder 2"/>
@@ -26460,7 +26443,7 @@
             </p:txBody>
           </p:sp>
         </mc:Choice>
-        <mc:Fallback>
+        <mc:Fallback xmlns="">
           <p:sp>
             <p:nvSpPr>
               <p:cNvPr id="3" name="Content Placeholder 2"/>
@@ -26583,8 +26566,8 @@
           </a:p>
         </p:txBody>
       </p:sp>
-      <mc:AlternateContent xmlns:mc="http://schemas.openxmlformats.org/markup-compatibility/2006">
-        <mc:Choice xmlns:a14="http://schemas.microsoft.com/office/drawing/2010/main" Requires="a14">
+      <mc:AlternateContent xmlns:mc="http://schemas.openxmlformats.org/markup-compatibility/2006" xmlns:a14="http://schemas.microsoft.com/office/drawing/2010/main">
+        <mc:Choice Requires="a14">
           <p:sp>
             <p:nvSpPr>
               <p:cNvPr id="3" name="Content Placeholder 2"/>
@@ -26842,7 +26825,7 @@
             </p:txBody>
           </p:sp>
         </mc:Choice>
-        <mc:Fallback>
+        <mc:Fallback xmlns="">
           <p:sp>
             <p:nvSpPr>
               <p:cNvPr id="3" name="Content Placeholder 2"/>
@@ -26966,8 +26949,8 @@
           </a:p>
         </p:txBody>
       </p:sp>
-      <mc:AlternateContent xmlns:mc="http://schemas.openxmlformats.org/markup-compatibility/2006" xmlns:a14="http://schemas.microsoft.com/office/drawing/2010/main">
-        <mc:Choice Requires="a14">
+      <mc:AlternateContent xmlns:mc="http://schemas.openxmlformats.org/markup-compatibility/2006">
+        <mc:Choice xmlns:a14="http://schemas.microsoft.com/office/drawing/2010/main" Requires="a14">
           <p:sp>
             <p:nvSpPr>
               <p:cNvPr id="3" name="Content Placeholder 2"/>
@@ -27034,7 +27017,49 @@
                 </a14:m>
                 <a:r>
                   <a:rPr lang="en-US" dirty="0" smtClean="0"/>
-                  <a:t> seconds. If no heartbeat from a node is received within </a:t>
+                  <a:t> seconds. </a:t>
+                </a:r>
+                <a:endParaRPr lang="en-US" dirty="0" smtClean="0"/>
+              </a:p>
+              <a:p>
+                <a:pPr marL="0" indent="0">
+                  <a:lnSpc>
+                    <a:spcPct val="100000"/>
+                  </a:lnSpc>
+                  <a:spcBef>
+                    <a:spcPts val="0"/>
+                  </a:spcBef>
+                  <a:spcAft>
+                    <a:spcPts val="0"/>
+                  </a:spcAft>
+                  <a:buSzTx/>
+                  <a:buNone/>
+                  <a:defRPr/>
+                </a:pPr>
+                <a:endParaRPr lang="en-US" dirty="0"/>
+              </a:p>
+              <a:p>
+                <a:pPr marL="0" indent="0">
+                  <a:lnSpc>
+                    <a:spcPct val="100000"/>
+                  </a:lnSpc>
+                  <a:spcBef>
+                    <a:spcPts val="0"/>
+                  </a:spcBef>
+                  <a:spcAft>
+                    <a:spcPts val="0"/>
+                  </a:spcAft>
+                  <a:buSzTx/>
+                  <a:buNone/>
+                  <a:defRPr/>
+                </a:pPr>
+                <a:r>
+                  <a:rPr lang="en-US" dirty="0" smtClean="0"/>
+                  <a:t>If </a:t>
+                </a:r>
+                <a:r>
+                  <a:rPr lang="en-US" dirty="0" smtClean="0"/>
+                  <a:t>no heartbeat from a node is received within </a:t>
                 </a:r>
                 <a14:m>
                   <m:oMath xmlns:m="http://schemas.openxmlformats.org/officeDocument/2006/math">
@@ -27088,30 +27113,6 @@
                 <a:endParaRPr lang="en-US" dirty="0"/>
               </a:p>
               <a:p>
-                <a:pPr marL="0" lvl="0" indent="0">
-                  <a:lnSpc>
-                    <a:spcPct val="100000"/>
-                  </a:lnSpc>
-                  <a:spcBef>
-                    <a:spcPts val="0"/>
-                  </a:spcBef>
-                  <a:spcAft>
-                    <a:spcPts val="0"/>
-                  </a:spcAft>
-                  <a:buSzTx/>
-                  <a:buNone/>
-                  <a:defRPr/>
-                </a:pPr>
-                <a:r>
-                  <a:rPr lang="en-US" dirty="0" smtClean="0"/>
-                  <a:t>Since </a:t>
-                </a:r>
-                <a:r>
-                  <a:rPr lang="en-US" dirty="0"/>
-                  <a:t>we assume high bandwidth low latency connections, the time it takes to send the heartbeat is negligible.</a:t>
-                </a:r>
-              </a:p>
-              <a:p>
                 <a:pPr>
                   <a:lnSpc>
                     <a:spcPct val="100000"/>
@@ -27132,7 +27133,7 @@
             </p:txBody>
           </p:sp>
         </mc:Choice>
-        <mc:Fallback xmlns="">
+        <mc:Fallback>
           <p:sp>
             <p:nvSpPr>
               <p:cNvPr id="3" name="Content Placeholder 2"/>
@@ -27147,7 +27148,7 @@
               <a:blipFill rotWithShape="0">
                 <a:blip r:embed="rId3"/>
                 <a:stretch>
-                  <a:fillRect l="-1515" t="-909" r="-970"/>
+                  <a:fillRect l="-1515" t="-909"/>
                 </a:stretch>
               </a:blipFill>
             </p:spPr>
@@ -27276,7 +27277,11 @@
             </a:r>
             <a:r>
               <a:rPr lang="en-US" dirty="0" smtClean="0"/>
-              <a:t> message to the selected node, including the ID of the lost node</a:t>
+              <a:t> message to the selected node</a:t>
+            </a:r>
+            <a:r>
+              <a:rPr lang="en-US" dirty="0" smtClean="0"/>
+              <a:t>, including the ID of the lost node</a:t>
             </a:r>
           </a:p>
           <a:p>
@@ -27292,7 +27297,11 @@
             </a:pPr>
             <a:r>
               <a:rPr lang="en-US" dirty="0" smtClean="0"/>
-              <a:t>The node receiving the lost node messages will ensure the required reliability is achieved</a:t>
+              <a:t>The </a:t>
+            </a:r>
+            <a:r>
+              <a:rPr lang="en-US" dirty="0" smtClean="0"/>
+              <a:t>node receiving the lost node messages will ensure the required reliability is achieved</a:t>
             </a:r>
           </a:p>
         </p:txBody>
@@ -27381,11 +27390,160 @@
         </p:blipFill>
         <p:spPr>
           <a:xfrm>
-            <a:off x="3392488" y="2024063"/>
+            <a:off x="3392495" y="2024063"/>
             <a:ext cx="5467350" cy="3667125"/>
           </a:xfrm>
         </p:spPr>
       </p:pic>
+      <mc:AlternateContent xmlns:mc="http://schemas.openxmlformats.org/markup-compatibility/2006">
+        <mc:Choice xmlns:a14="http://schemas.microsoft.com/office/drawing/2010/main" Requires="a14">
+          <p:sp>
+            <p:nvSpPr>
+              <p:cNvPr id="6" name="textruta 5"/>
+              <p:cNvSpPr txBox="1"/>
+              <p:nvPr/>
+            </p:nvSpPr>
+            <p:spPr>
+              <a:xfrm>
+                <a:off x="1087553" y="2024063"/>
+                <a:ext cx="2256817" cy="667747"/>
+              </a:xfrm>
+              <a:prstGeom prst="rect">
+                <a:avLst/>
+              </a:prstGeom>
+              <a:noFill/>
+            </p:spPr>
+            <p:txBody>
+              <a:bodyPr wrap="square" rtlCol="0">
+                <a:spAutoFit/>
+              </a:bodyPr>
+              <a:lstStyle/>
+              <a:p>
+                <a:r>
+                  <a:rPr lang="sv-SE" b="0" dirty="0" smtClean="0"/>
+                  <a:t> </a:t>
+                </a:r>
+                <a14:m>
+                  <m:oMath xmlns:m="http://schemas.openxmlformats.org/officeDocument/2006/math">
+                    <m:sSub>
+                      <m:sSubPr>
+                        <m:ctrlPr>
+                          <a:rPr lang="sv-SE" i="1" dirty="0" smtClean="0">
+                            <a:latin typeface="Cambria Math" panose="02040503050406030204" pitchFamily="18" charset="0"/>
+                          </a:rPr>
+                        </m:ctrlPr>
+                      </m:sSubPr>
+                      <m:e>
+                        <m:r>
+                          <a:rPr lang="sv-SE" b="0" i="1" dirty="0" smtClean="0">
+                            <a:latin typeface="Cambria Math" panose="02040503050406030204" pitchFamily="18" charset="0"/>
+                          </a:rPr>
+                          <m:t>𝑅</m:t>
+                        </m:r>
+                      </m:e>
+                      <m:sub>
+                        <m:r>
+                          <a:rPr lang="sv-SE" b="0" i="1" dirty="0" smtClean="0">
+                            <a:latin typeface="Cambria Math" panose="02040503050406030204" pitchFamily="18" charset="0"/>
+                          </a:rPr>
+                          <m:t>𝑟𝑒𝑞</m:t>
+                        </m:r>
+                      </m:sub>
+                    </m:sSub>
+                    <m:r>
+                      <a:rPr lang="sv-SE" b="0" i="1" dirty="0" smtClean="0">
+                        <a:latin typeface="Cambria Math" panose="02040503050406030204" pitchFamily="18" charset="0"/>
+                      </a:rPr>
+                      <m:t>=0.999</m:t>
+                    </m:r>
+                  </m:oMath>
+                </a14:m>
+                <a:endParaRPr lang="sv-SE" b="0" dirty="0" smtClean="0"/>
+              </a:p>
+              <a:p>
+                <a:r>
+                  <a:rPr lang="sv-SE" dirty="0" smtClean="0"/>
+                  <a:t> </a:t>
+                </a:r>
+                <a14:m>
+                  <m:oMath xmlns:m="http://schemas.openxmlformats.org/officeDocument/2006/math">
+                    <m:sSub>
+                      <m:sSubPr>
+                        <m:ctrlPr>
+                          <a:rPr lang="sv-SE" i="1" dirty="0">
+                            <a:latin typeface="Cambria Math" panose="02040503050406030204" pitchFamily="18" charset="0"/>
+                          </a:rPr>
+                        </m:ctrlPr>
+                      </m:sSubPr>
+                      <m:e>
+                        <m:r>
+                          <a:rPr lang="sv-SE" i="1" dirty="0">
+                            <a:latin typeface="Cambria Math" panose="02040503050406030204" pitchFamily="18" charset="0"/>
+                          </a:rPr>
+                          <m:t>𝑅</m:t>
+                        </m:r>
+                      </m:e>
+                      <m:sub>
+                        <m:r>
+                          <a:rPr lang="sv-SE" b="0" i="1" dirty="0" smtClean="0">
+                            <a:latin typeface="Cambria Math" panose="02040503050406030204" pitchFamily="18" charset="0"/>
+                          </a:rPr>
+                          <m:t>𝑐𝑢𝑟𝑟𝑒𝑛𝑡</m:t>
+                        </m:r>
+                      </m:sub>
+                    </m:sSub>
+                    <m:r>
+                      <a:rPr lang="sv-SE" b="0" i="1" dirty="0" smtClean="0">
+                        <a:latin typeface="Cambria Math" panose="02040503050406030204" pitchFamily="18" charset="0"/>
+                      </a:rPr>
+                      <m:t>=0.99</m:t>
+                    </m:r>
+                  </m:oMath>
+                </a14:m>
+                <a:endParaRPr lang="sv-SE" b="0" dirty="0" smtClean="0"/>
+              </a:p>
+            </p:txBody>
+          </p:sp>
+        </mc:Choice>
+        <mc:Fallback>
+          <p:sp>
+            <p:nvSpPr>
+              <p:cNvPr id="6" name="textruta 5"/>
+              <p:cNvSpPr txBox="1">
+                <a:spLocks noRot="1" noChangeAspect="1" noMove="1" noResize="1" noEditPoints="1" noAdjustHandles="1" noChangeArrowheads="1" noChangeShapeType="1" noTextEdit="1"/>
+              </p:cNvSpPr>
+              <p:nvPr/>
+            </p:nvSpPr>
+            <p:spPr>
+              <a:xfrm>
+                <a:off x="1087553" y="2024063"/>
+                <a:ext cx="2256817" cy="667747"/>
+              </a:xfrm>
+              <a:prstGeom prst="rect">
+                <a:avLst/>
+              </a:prstGeom>
+              <a:blipFill rotWithShape="0">
+                <a:blip r:embed="rId4"/>
+                <a:stretch>
+                  <a:fillRect/>
+                </a:stretch>
+              </a:blipFill>
+            </p:spPr>
+            <p:txBody>
+              <a:bodyPr/>
+              <a:lstStyle/>
+              <a:p>
+                <a:r>
+                  <a:rPr lang="sv-SE">
+                    <a:noFill/>
+                  </a:rPr>
+                  <a:t> </a:t>
+                </a:r>
+              </a:p>
+            </p:txBody>
+          </p:sp>
+        </mc:Fallback>
+      </mc:AlternateContent>
     </p:spTree>
     <p:extLst>
       <p:ext uri="{BB962C8B-B14F-4D97-AF65-F5344CB8AC3E}">
@@ -27475,6 +27633,155 @@
           </a:xfrm>
         </p:spPr>
       </p:pic>
+      <mc:AlternateContent xmlns:mc="http://schemas.openxmlformats.org/markup-compatibility/2006">
+        <mc:Choice xmlns:a14="http://schemas.microsoft.com/office/drawing/2010/main" Requires="a14">
+          <p:sp>
+            <p:nvSpPr>
+              <p:cNvPr id="7" name="textruta 6"/>
+              <p:cNvSpPr txBox="1"/>
+              <p:nvPr/>
+            </p:nvSpPr>
+            <p:spPr>
+              <a:xfrm>
+                <a:off x="1087553" y="2024063"/>
+                <a:ext cx="2256817" cy="667747"/>
+              </a:xfrm>
+              <a:prstGeom prst="rect">
+                <a:avLst/>
+              </a:prstGeom>
+              <a:noFill/>
+            </p:spPr>
+            <p:txBody>
+              <a:bodyPr wrap="square" rtlCol="0">
+                <a:spAutoFit/>
+              </a:bodyPr>
+              <a:lstStyle/>
+              <a:p>
+                <a:r>
+                  <a:rPr lang="sv-SE" b="0" dirty="0" smtClean="0"/>
+                  <a:t> </a:t>
+                </a:r>
+                <a14:m>
+                  <m:oMath xmlns:m="http://schemas.openxmlformats.org/officeDocument/2006/math">
+                    <m:sSub>
+                      <m:sSubPr>
+                        <m:ctrlPr>
+                          <a:rPr lang="sv-SE" i="1" dirty="0" smtClean="0">
+                            <a:latin typeface="Cambria Math" panose="02040503050406030204" pitchFamily="18" charset="0"/>
+                          </a:rPr>
+                        </m:ctrlPr>
+                      </m:sSubPr>
+                      <m:e>
+                        <m:r>
+                          <a:rPr lang="sv-SE" b="0" i="1" dirty="0" smtClean="0">
+                            <a:latin typeface="Cambria Math" panose="02040503050406030204" pitchFamily="18" charset="0"/>
+                          </a:rPr>
+                          <m:t>𝑅</m:t>
+                        </m:r>
+                      </m:e>
+                      <m:sub>
+                        <m:r>
+                          <a:rPr lang="sv-SE" b="0" i="1" dirty="0" smtClean="0">
+                            <a:latin typeface="Cambria Math" panose="02040503050406030204" pitchFamily="18" charset="0"/>
+                          </a:rPr>
+                          <m:t>𝑟𝑒𝑞</m:t>
+                        </m:r>
+                      </m:sub>
+                    </m:sSub>
+                    <m:r>
+                      <a:rPr lang="sv-SE" b="0" i="1" dirty="0" smtClean="0">
+                        <a:latin typeface="Cambria Math" panose="02040503050406030204" pitchFamily="18" charset="0"/>
+                      </a:rPr>
+                      <m:t>=0.999</m:t>
+                    </m:r>
+                  </m:oMath>
+                </a14:m>
+                <a:endParaRPr lang="sv-SE" b="0" dirty="0" smtClean="0"/>
+              </a:p>
+              <a:p>
+                <a:r>
+                  <a:rPr lang="sv-SE" dirty="0" smtClean="0"/>
+                  <a:t> </a:t>
+                </a:r>
+                <a14:m>
+                  <m:oMath xmlns:m="http://schemas.openxmlformats.org/officeDocument/2006/math">
+                    <m:sSub>
+                      <m:sSubPr>
+                        <m:ctrlPr>
+                          <a:rPr lang="sv-SE" i="1" dirty="0">
+                            <a:latin typeface="Cambria Math" panose="02040503050406030204" pitchFamily="18" charset="0"/>
+                          </a:rPr>
+                        </m:ctrlPr>
+                      </m:sSubPr>
+                      <m:e>
+                        <m:r>
+                          <a:rPr lang="sv-SE" i="1" dirty="0">
+                            <a:latin typeface="Cambria Math" panose="02040503050406030204" pitchFamily="18" charset="0"/>
+                          </a:rPr>
+                          <m:t>𝑅</m:t>
+                        </m:r>
+                      </m:e>
+                      <m:sub>
+                        <m:r>
+                          <a:rPr lang="sv-SE" b="0" i="1" dirty="0" smtClean="0">
+                            <a:latin typeface="Cambria Math" panose="02040503050406030204" pitchFamily="18" charset="0"/>
+                          </a:rPr>
+                          <m:t>𝑐𝑢𝑟𝑟𝑒𝑛𝑡</m:t>
+                        </m:r>
+                      </m:sub>
+                    </m:sSub>
+                    <m:r>
+                      <a:rPr lang="sv-SE" b="0" i="1" dirty="0" smtClean="0">
+                        <a:latin typeface="Cambria Math" panose="02040503050406030204" pitchFamily="18" charset="0"/>
+                      </a:rPr>
+                      <m:t>=0.99</m:t>
+                    </m:r>
+                  </m:oMath>
+                </a14:m>
+                <a:endParaRPr lang="sv-SE" b="0" dirty="0" smtClean="0"/>
+              </a:p>
+            </p:txBody>
+          </p:sp>
+        </mc:Choice>
+        <mc:Fallback>
+          <p:sp>
+            <p:nvSpPr>
+              <p:cNvPr id="7" name="textruta 6"/>
+              <p:cNvSpPr txBox="1">
+                <a:spLocks noRot="1" noChangeAspect="1" noMove="1" noResize="1" noEditPoints="1" noAdjustHandles="1" noChangeArrowheads="1" noChangeShapeType="1" noTextEdit="1"/>
+              </p:cNvSpPr>
+              <p:nvPr/>
+            </p:nvSpPr>
+            <p:spPr>
+              <a:xfrm>
+                <a:off x="1087553" y="2024063"/>
+                <a:ext cx="2256817" cy="667747"/>
+              </a:xfrm>
+              <a:prstGeom prst="rect">
+                <a:avLst/>
+              </a:prstGeom>
+              <a:blipFill rotWithShape="0">
+                <a:blip r:embed="rId4"/>
+                <a:stretch>
+                  <a:fillRect/>
+                </a:stretch>
+              </a:blipFill>
+            </p:spPr>
+            <p:txBody>
+              <a:bodyPr/>
+              <a:lstStyle/>
+              <a:p>
+                <a:r>
+                  <a:rPr lang="sv-SE">
+                    <a:noFill/>
+                  </a:rPr>
+                  <a:t> </a:t>
+                </a:r>
+              </a:p>
+            </p:txBody>
+          </p:sp>
+        </mc:Fallback>
+      </mc:AlternateContent>
     </p:spTree>
     <p:extLst>
       <p:ext uri="{BB962C8B-B14F-4D97-AF65-F5344CB8AC3E}">
@@ -27564,6 +27871,155 @@
           </a:xfrm>
         </p:spPr>
       </p:pic>
+      <mc:AlternateContent xmlns:mc="http://schemas.openxmlformats.org/markup-compatibility/2006">
+        <mc:Choice xmlns:a14="http://schemas.microsoft.com/office/drawing/2010/main" Requires="a14">
+          <p:sp>
+            <p:nvSpPr>
+              <p:cNvPr id="6" name="textruta 5"/>
+              <p:cNvSpPr txBox="1"/>
+              <p:nvPr/>
+            </p:nvSpPr>
+            <p:spPr>
+              <a:xfrm>
+                <a:off x="1087553" y="2024063"/>
+                <a:ext cx="2256817" cy="667747"/>
+              </a:xfrm>
+              <a:prstGeom prst="rect">
+                <a:avLst/>
+              </a:prstGeom>
+              <a:noFill/>
+            </p:spPr>
+            <p:txBody>
+              <a:bodyPr wrap="square" rtlCol="0">
+                <a:spAutoFit/>
+              </a:bodyPr>
+              <a:lstStyle/>
+              <a:p>
+                <a:r>
+                  <a:rPr lang="sv-SE" b="0" dirty="0" smtClean="0"/>
+                  <a:t> </a:t>
+                </a:r>
+                <a14:m>
+                  <m:oMath xmlns:m="http://schemas.openxmlformats.org/officeDocument/2006/math">
+                    <m:sSub>
+                      <m:sSubPr>
+                        <m:ctrlPr>
+                          <a:rPr lang="sv-SE" i="1" dirty="0" smtClean="0">
+                            <a:latin typeface="Cambria Math" panose="02040503050406030204" pitchFamily="18" charset="0"/>
+                          </a:rPr>
+                        </m:ctrlPr>
+                      </m:sSubPr>
+                      <m:e>
+                        <m:r>
+                          <a:rPr lang="sv-SE" b="0" i="1" dirty="0" smtClean="0">
+                            <a:latin typeface="Cambria Math" panose="02040503050406030204" pitchFamily="18" charset="0"/>
+                          </a:rPr>
+                          <m:t>𝑅</m:t>
+                        </m:r>
+                      </m:e>
+                      <m:sub>
+                        <m:r>
+                          <a:rPr lang="sv-SE" b="0" i="1" dirty="0" smtClean="0">
+                            <a:latin typeface="Cambria Math" panose="02040503050406030204" pitchFamily="18" charset="0"/>
+                          </a:rPr>
+                          <m:t>𝑟𝑒𝑞</m:t>
+                        </m:r>
+                      </m:sub>
+                    </m:sSub>
+                    <m:r>
+                      <a:rPr lang="sv-SE" b="0" i="1" dirty="0" smtClean="0">
+                        <a:latin typeface="Cambria Math" panose="02040503050406030204" pitchFamily="18" charset="0"/>
+                      </a:rPr>
+                      <m:t>=0.999</m:t>
+                    </m:r>
+                  </m:oMath>
+                </a14:m>
+                <a:endParaRPr lang="sv-SE" b="0" dirty="0" smtClean="0"/>
+              </a:p>
+              <a:p>
+                <a:r>
+                  <a:rPr lang="sv-SE" dirty="0" smtClean="0"/>
+                  <a:t> </a:t>
+                </a:r>
+                <a14:m>
+                  <m:oMath xmlns:m="http://schemas.openxmlformats.org/officeDocument/2006/math">
+                    <m:sSub>
+                      <m:sSubPr>
+                        <m:ctrlPr>
+                          <a:rPr lang="sv-SE" i="1" dirty="0">
+                            <a:latin typeface="Cambria Math" panose="02040503050406030204" pitchFamily="18" charset="0"/>
+                          </a:rPr>
+                        </m:ctrlPr>
+                      </m:sSubPr>
+                      <m:e>
+                        <m:r>
+                          <a:rPr lang="sv-SE" i="1" dirty="0">
+                            <a:latin typeface="Cambria Math" panose="02040503050406030204" pitchFamily="18" charset="0"/>
+                          </a:rPr>
+                          <m:t>𝑅</m:t>
+                        </m:r>
+                      </m:e>
+                      <m:sub>
+                        <m:r>
+                          <a:rPr lang="sv-SE" b="0" i="1" dirty="0" smtClean="0">
+                            <a:latin typeface="Cambria Math" panose="02040503050406030204" pitchFamily="18" charset="0"/>
+                          </a:rPr>
+                          <m:t>𝑐𝑢𝑟𝑟𝑒𝑛𝑡</m:t>
+                        </m:r>
+                      </m:sub>
+                    </m:sSub>
+                    <m:r>
+                      <a:rPr lang="sv-SE" b="0" i="1" dirty="0" smtClean="0">
+                        <a:latin typeface="Cambria Math" panose="02040503050406030204" pitchFamily="18" charset="0"/>
+                      </a:rPr>
+                      <m:t>=0.99</m:t>
+                    </m:r>
+                  </m:oMath>
+                </a14:m>
+                <a:endParaRPr lang="sv-SE" b="0" dirty="0" smtClean="0"/>
+              </a:p>
+            </p:txBody>
+          </p:sp>
+        </mc:Choice>
+        <mc:Fallback>
+          <p:sp>
+            <p:nvSpPr>
+              <p:cNvPr id="6" name="textruta 5"/>
+              <p:cNvSpPr txBox="1">
+                <a:spLocks noRot="1" noChangeAspect="1" noMove="1" noResize="1" noEditPoints="1" noAdjustHandles="1" noChangeArrowheads="1" noChangeShapeType="1" noTextEdit="1"/>
+              </p:cNvSpPr>
+              <p:nvPr/>
+            </p:nvSpPr>
+            <p:spPr>
+              <a:xfrm>
+                <a:off x="1087553" y="2024063"/>
+                <a:ext cx="2256817" cy="667747"/>
+              </a:xfrm>
+              <a:prstGeom prst="rect">
+                <a:avLst/>
+              </a:prstGeom>
+              <a:blipFill rotWithShape="0">
+                <a:blip r:embed="rId4"/>
+                <a:stretch>
+                  <a:fillRect/>
+                </a:stretch>
+              </a:blipFill>
+            </p:spPr>
+            <p:txBody>
+              <a:bodyPr/>
+              <a:lstStyle/>
+              <a:p>
+                <a:r>
+                  <a:rPr lang="sv-SE">
+                    <a:noFill/>
+                  </a:rPr>
+                  <a:t> </a:t>
+                </a:r>
+              </a:p>
+            </p:txBody>
+          </p:sp>
+        </mc:Fallback>
+      </mc:AlternateContent>
     </p:spTree>
     <p:extLst>
       <p:ext uri="{BB962C8B-B14F-4D97-AF65-F5344CB8AC3E}">
@@ -27653,6 +28109,173 @@
           </a:xfrm>
         </p:spPr>
       </p:pic>
+      <mc:AlternateContent xmlns:mc="http://schemas.openxmlformats.org/markup-compatibility/2006">
+        <mc:Choice xmlns:a14="http://schemas.microsoft.com/office/drawing/2010/main" Requires="a14">
+          <p:sp>
+            <p:nvSpPr>
+              <p:cNvPr id="5" name="textruta 4"/>
+              <p:cNvSpPr txBox="1"/>
+              <p:nvPr/>
+            </p:nvSpPr>
+            <p:spPr>
+              <a:xfrm>
+                <a:off x="1087553" y="2024063"/>
+                <a:ext cx="2256817" cy="1221745"/>
+              </a:xfrm>
+              <a:prstGeom prst="rect">
+                <a:avLst/>
+              </a:prstGeom>
+              <a:noFill/>
+            </p:spPr>
+            <p:txBody>
+              <a:bodyPr wrap="square" rtlCol="0">
+                <a:spAutoFit/>
+              </a:bodyPr>
+              <a:lstStyle/>
+              <a:p>
+                <a:r>
+                  <a:rPr lang="sv-SE" b="0" dirty="0" smtClean="0"/>
+                  <a:t> </a:t>
+                </a:r>
+                <a14:m>
+                  <m:oMath xmlns:m="http://schemas.openxmlformats.org/officeDocument/2006/math">
+                    <m:sSub>
+                      <m:sSubPr>
+                        <m:ctrlPr>
+                          <a:rPr lang="sv-SE" i="1" dirty="0" smtClean="0">
+                            <a:latin typeface="Cambria Math" panose="02040503050406030204" pitchFamily="18" charset="0"/>
+                          </a:rPr>
+                        </m:ctrlPr>
+                      </m:sSubPr>
+                      <m:e>
+                        <m:r>
+                          <a:rPr lang="sv-SE" b="0" i="1" dirty="0" smtClean="0">
+                            <a:latin typeface="Cambria Math" panose="02040503050406030204" pitchFamily="18" charset="0"/>
+                          </a:rPr>
+                          <m:t>𝑅</m:t>
+                        </m:r>
+                      </m:e>
+                      <m:sub>
+                        <m:r>
+                          <a:rPr lang="sv-SE" b="0" i="1" dirty="0" smtClean="0">
+                            <a:latin typeface="Cambria Math" panose="02040503050406030204" pitchFamily="18" charset="0"/>
+                          </a:rPr>
+                          <m:t>𝑟𝑒𝑞</m:t>
+                        </m:r>
+                      </m:sub>
+                    </m:sSub>
+                    <m:r>
+                      <a:rPr lang="sv-SE" b="0" i="1" dirty="0" smtClean="0">
+                        <a:latin typeface="Cambria Math" panose="02040503050406030204" pitchFamily="18" charset="0"/>
+                      </a:rPr>
+                      <m:t>=0.999</m:t>
+                    </m:r>
+                  </m:oMath>
+                </a14:m>
+                <a:endParaRPr lang="sv-SE" b="0" dirty="0" smtClean="0"/>
+              </a:p>
+              <a:p>
+                <a:r>
+                  <a:rPr lang="sv-SE" dirty="0" smtClean="0"/>
+                  <a:t> </a:t>
+                </a:r>
+                <a14:m>
+                  <m:oMath xmlns:m="http://schemas.openxmlformats.org/officeDocument/2006/math">
+                    <m:sSub>
+                      <m:sSubPr>
+                        <m:ctrlPr>
+                          <a:rPr lang="sv-SE" i="1" dirty="0">
+                            <a:latin typeface="Cambria Math" panose="02040503050406030204" pitchFamily="18" charset="0"/>
+                          </a:rPr>
+                        </m:ctrlPr>
+                      </m:sSubPr>
+                      <m:e>
+                        <m:r>
+                          <a:rPr lang="sv-SE" i="1" dirty="0">
+                            <a:latin typeface="Cambria Math" panose="02040503050406030204" pitchFamily="18" charset="0"/>
+                          </a:rPr>
+                          <m:t>𝑅</m:t>
+                        </m:r>
+                      </m:e>
+                      <m:sub>
+                        <m:r>
+                          <a:rPr lang="sv-SE" b="0" i="1" dirty="0" smtClean="0">
+                            <a:latin typeface="Cambria Math" panose="02040503050406030204" pitchFamily="18" charset="0"/>
+                          </a:rPr>
+                          <m:t>𝑐𝑢𝑟𝑟𝑒𝑛𝑡</m:t>
+                        </m:r>
+                      </m:sub>
+                    </m:sSub>
+                    <m:r>
+                      <a:rPr lang="sv-SE" b="0" i="1" dirty="0" smtClean="0">
+                        <a:latin typeface="Cambria Math" panose="02040503050406030204" pitchFamily="18" charset="0"/>
+                      </a:rPr>
+                      <m:t>=0.999</m:t>
+                    </m:r>
+                  </m:oMath>
+                </a14:m>
+                <a:endParaRPr lang="sv-SE" b="0" dirty="0" smtClean="0"/>
+              </a:p>
+              <a:p>
+                <a:endParaRPr lang="sv-SE" dirty="0" smtClean="0"/>
+              </a:p>
+              <a:p>
+                <a:r>
+                  <a:rPr lang="sv-SE" dirty="0" err="1" smtClean="0"/>
+                  <a:t>We’re</a:t>
+                </a:r>
+                <a:r>
+                  <a:rPr lang="sv-SE" dirty="0" smtClean="0"/>
+                  <a:t> </a:t>
+                </a:r>
+                <a:r>
+                  <a:rPr lang="sv-SE" dirty="0" err="1" smtClean="0"/>
+                  <a:t>done</a:t>
+                </a:r>
+                <a:endParaRPr lang="sv-SE" dirty="0"/>
+              </a:p>
+            </p:txBody>
+          </p:sp>
+        </mc:Choice>
+        <mc:Fallback>
+          <p:sp>
+            <p:nvSpPr>
+              <p:cNvPr id="5" name="textruta 4"/>
+              <p:cNvSpPr txBox="1">
+                <a:spLocks noRot="1" noChangeAspect="1" noMove="1" noResize="1" noEditPoints="1" noAdjustHandles="1" noChangeArrowheads="1" noChangeShapeType="1" noTextEdit="1"/>
+              </p:cNvSpPr>
+              <p:nvPr/>
+            </p:nvSpPr>
+            <p:spPr>
+              <a:xfrm>
+                <a:off x="1087553" y="2024063"/>
+                <a:ext cx="2256817" cy="1221745"/>
+              </a:xfrm>
+              <a:prstGeom prst="rect">
+                <a:avLst/>
+              </a:prstGeom>
+              <a:blipFill rotWithShape="0">
+                <a:blip r:embed="rId4"/>
+                <a:stretch>
+                  <a:fillRect l="-2156" b="-7500"/>
+                </a:stretch>
+              </a:blipFill>
+            </p:spPr>
+            <p:txBody>
+              <a:bodyPr/>
+              <a:lstStyle/>
+              <a:p>
+                <a:r>
+                  <a:rPr lang="sv-SE">
+                    <a:noFill/>
+                  </a:rPr>
+                  <a:t> </a:t>
+                </a:r>
+              </a:p>
+            </p:txBody>
+          </p:sp>
+        </mc:Fallback>
+      </mc:AlternateContent>
     </p:spTree>
     <p:extLst>
       <p:ext uri="{BB962C8B-B14F-4D97-AF65-F5344CB8AC3E}">

--- a/presentation/presentation2.pptx
+++ b/presentation/presentation2.pptx
@@ -26949,8 +26949,8 @@
           </a:p>
         </p:txBody>
       </p:sp>
-      <mc:AlternateContent xmlns:mc="http://schemas.openxmlformats.org/markup-compatibility/2006">
-        <mc:Choice xmlns:a14="http://schemas.microsoft.com/office/drawing/2010/main" Requires="a14">
+      <mc:AlternateContent xmlns:mc="http://schemas.openxmlformats.org/markup-compatibility/2006" xmlns:a14="http://schemas.microsoft.com/office/drawing/2010/main">
+        <mc:Choice Requires="a14">
           <p:sp>
             <p:nvSpPr>
               <p:cNvPr id="3" name="Content Placeholder 2"/>
@@ -27019,7 +27019,6 @@
                   <a:rPr lang="en-US" dirty="0" smtClean="0"/>
                   <a:t> seconds. </a:t>
                 </a:r>
-                <a:endParaRPr lang="en-US" dirty="0" smtClean="0"/>
               </a:p>
               <a:p>
                 <a:pPr marL="0" indent="0">
@@ -27055,11 +27054,7 @@
                 </a:pPr>
                 <a:r>
                   <a:rPr lang="en-US" dirty="0" smtClean="0"/>
-                  <a:t>If </a:t>
-                </a:r>
-                <a:r>
-                  <a:rPr lang="en-US" dirty="0" smtClean="0"/>
-                  <a:t>no heartbeat from a node is received within </a:t>
+                  <a:t>If no heartbeat from a node is received within </a:t>
                 </a:r>
                 <a14:m>
                   <m:oMath xmlns:m="http://schemas.openxmlformats.org/officeDocument/2006/math">
@@ -27133,7 +27128,7 @@
             </p:txBody>
           </p:sp>
         </mc:Choice>
-        <mc:Fallback>
+        <mc:Fallback xmlns="">
           <p:sp>
             <p:nvSpPr>
               <p:cNvPr id="3" name="Content Placeholder 2"/>
@@ -27277,11 +27272,7 @@
             </a:r>
             <a:r>
               <a:rPr lang="en-US" dirty="0" smtClean="0"/>
-              <a:t> message to the selected node</a:t>
-            </a:r>
-            <a:r>
-              <a:rPr lang="en-US" dirty="0" smtClean="0"/>
-              <a:t>, including the ID of the lost node</a:t>
+              <a:t> message to the selected node, including the ID of the lost node</a:t>
             </a:r>
           </a:p>
           <a:p>
@@ -27297,11 +27288,7 @@
             </a:pPr>
             <a:r>
               <a:rPr lang="en-US" dirty="0" smtClean="0"/>
-              <a:t>The </a:t>
-            </a:r>
-            <a:r>
-              <a:rPr lang="en-US" dirty="0" smtClean="0"/>
-              <a:t>node receiving the lost node messages will ensure the required reliability is achieved</a:t>
+              <a:t>The node receiving the lost node messages will ensure the required reliability is achieved</a:t>
             </a:r>
           </a:p>
         </p:txBody>
@@ -27395,8 +27382,8 @@
           </a:xfrm>
         </p:spPr>
       </p:pic>
-      <mc:AlternateContent xmlns:mc="http://schemas.openxmlformats.org/markup-compatibility/2006">
-        <mc:Choice xmlns:a14="http://schemas.microsoft.com/office/drawing/2010/main" Requires="a14">
+      <mc:AlternateContent xmlns:mc="http://schemas.openxmlformats.org/markup-compatibility/2006" xmlns:a14="http://schemas.microsoft.com/office/drawing/2010/main">
+        <mc:Choice Requires="a14">
           <p:sp>
             <p:nvSpPr>
               <p:cNvPr id="6" name="textruta 5"/>
@@ -27505,7 +27492,7 @@
             </p:txBody>
           </p:sp>
         </mc:Choice>
-        <mc:Fallback>
+        <mc:Fallback xmlns="">
           <p:sp>
             <p:nvSpPr>
               <p:cNvPr id="6" name="textruta 5"/>
@@ -27633,8 +27620,8 @@
           </a:xfrm>
         </p:spPr>
       </p:pic>
-      <mc:AlternateContent xmlns:mc="http://schemas.openxmlformats.org/markup-compatibility/2006">
-        <mc:Choice xmlns:a14="http://schemas.microsoft.com/office/drawing/2010/main" Requires="a14">
+      <mc:AlternateContent xmlns:mc="http://schemas.openxmlformats.org/markup-compatibility/2006" xmlns:a14="http://schemas.microsoft.com/office/drawing/2010/main">
+        <mc:Choice Requires="a14">
           <p:sp>
             <p:nvSpPr>
               <p:cNvPr id="7" name="textruta 6"/>
@@ -27743,7 +27730,7 @@
             </p:txBody>
           </p:sp>
         </mc:Choice>
-        <mc:Fallback>
+        <mc:Fallback xmlns="">
           <p:sp>
             <p:nvSpPr>
               <p:cNvPr id="7" name="textruta 6"/>
@@ -27871,8 +27858,8 @@
           </a:xfrm>
         </p:spPr>
       </p:pic>
-      <mc:AlternateContent xmlns:mc="http://schemas.openxmlformats.org/markup-compatibility/2006">
-        <mc:Choice xmlns:a14="http://schemas.microsoft.com/office/drawing/2010/main" Requires="a14">
+      <mc:AlternateContent xmlns:mc="http://schemas.openxmlformats.org/markup-compatibility/2006" xmlns:a14="http://schemas.microsoft.com/office/drawing/2010/main">
+        <mc:Choice Requires="a14">
           <p:sp>
             <p:nvSpPr>
               <p:cNvPr id="6" name="textruta 5"/>
@@ -27981,7 +27968,7 @@
             </p:txBody>
           </p:sp>
         </mc:Choice>
-        <mc:Fallback>
+        <mc:Fallback xmlns="">
           <p:sp>
             <p:nvSpPr>
               <p:cNvPr id="6" name="textruta 5"/>
@@ -28109,8 +28096,8 @@
           </a:xfrm>
         </p:spPr>
       </p:pic>
-      <mc:AlternateContent xmlns:mc="http://schemas.openxmlformats.org/markup-compatibility/2006">
-        <mc:Choice xmlns:a14="http://schemas.microsoft.com/office/drawing/2010/main" Requires="a14">
+      <mc:AlternateContent xmlns:mc="http://schemas.openxmlformats.org/markup-compatibility/2006" xmlns:a14="http://schemas.microsoft.com/office/drawing/2010/main">
+        <mc:Choice Requires="a14">
           <p:sp>
             <p:nvSpPr>
               <p:cNvPr id="5" name="textruta 4"/>
@@ -28237,7 +28224,7 @@
             </p:txBody>
           </p:sp>
         </mc:Choice>
-        <mc:Fallback>
+        <mc:Fallback xmlns="">
           <p:sp>
             <p:nvSpPr>
               <p:cNvPr id="5" name="textruta 4"/>
@@ -29542,6 +29529,39 @@
           </a:prstGeom>
         </p:spPr>
       </p:pic>
+      <p:cxnSp>
+        <p:nvCxnSpPr>
+          <p:cNvPr id="6" name="Rak pil 5"/>
+          <p:cNvCxnSpPr/>
+          <p:nvPr/>
+        </p:nvCxnSpPr>
+        <p:spPr>
+          <a:xfrm flipH="1">
+            <a:off x="5710137" y="4727643"/>
+            <a:ext cx="350196" cy="963038"/>
+          </a:xfrm>
+          <a:prstGeom prst="straightConnector1">
+            <a:avLst/>
+          </a:prstGeom>
+          <a:ln>
+            <a:tailEnd type="triangle"/>
+          </a:ln>
+        </p:spPr>
+        <p:style>
+          <a:lnRef idx="1">
+            <a:schemeClr val="accent1"/>
+          </a:lnRef>
+          <a:fillRef idx="0">
+            <a:schemeClr val="accent1"/>
+          </a:fillRef>
+          <a:effectRef idx="0">
+            <a:schemeClr val="accent1"/>
+          </a:effectRef>
+          <a:fontRef idx="minor">
+            <a:schemeClr val="tx1"/>
+          </a:fontRef>
+        </p:style>
+      </p:cxnSp>
     </p:spTree>
     <p:extLst>
       <p:ext uri="{BB962C8B-B14F-4D97-AF65-F5344CB8AC3E}">

--- a/presentation/presentation2.pptx
+++ b/presentation/presentation2.pptx
@@ -240,7 +240,7 @@
           <a:p>
             <a:fld id="{C325F682-9988-D94F-9A71-50A4F920F505}" type="datetimeFigureOut">
               <a:rPr lang="en-US" smtClean="0"/>
-              <a:t>5/27/16</a:t>
+              <a:t>5/27/2016</a:t>
             </a:fld>
             <a:endParaRPr lang="en-US"/>
           </a:p>
@@ -7343,11 +7343,7 @@
             </a:r>
             <a:r>
               <a:rPr lang="en-US" dirty="0" smtClean="0"/>
-              <a:t> </a:t>
-            </a:r>
-            <a:r>
-              <a:rPr lang="en-US" dirty="0" smtClean="0"/>
-              <a:t>T1 </a:t>
+              <a:t> T1 </a:t>
             </a:r>
             <a:r>
               <a:rPr lang="en-US" dirty="0" err="1" smtClean="0"/>
@@ -7622,27 +7618,14 @@
               <a:rPr lang="en-US" baseline="0" dirty="0" smtClean="0"/>
               <a:t> 2.</a:t>
             </a:r>
+          </a:p>
+          <a:p>
             <a:endParaRPr lang="en-US" baseline="0" dirty="0" smtClean="0"/>
           </a:p>
           <a:p>
-            <a:endParaRPr lang="en-US" baseline="0" dirty="0" smtClean="0"/>
-          </a:p>
-          <a:p>
-            <a:r>
-              <a:rPr lang="en-US" baseline="0" dirty="0" smtClean="0"/>
-              <a:t>Men om </a:t>
-            </a:r>
-            <a:r>
-              <a:rPr lang="en-US" baseline="0" dirty="0" smtClean="0"/>
-              <a:t>sedan </a:t>
-            </a:r>
-            <a:r>
-              <a:rPr lang="en-US" baseline="0" dirty="0" smtClean="0"/>
-              <a:t>nod </a:t>
-            </a:r>
-            <a:r>
-              <a:rPr lang="en-US" baseline="0" dirty="0" smtClean="0"/>
-              <a:t>E </a:t>
+            <a:r>
+              <a:rPr lang="en-US" baseline="0" dirty="0" smtClean="0"/>
+              <a:t>Men om sedan nod E </a:t>
             </a:r>
             <a:r>
               <a:rPr lang="en-US" baseline="0" dirty="0" err="1" smtClean="0"/>
@@ -18509,7 +18492,7 @@
           <a:p>
             <a:fld id="{4BDF68E2-58F2-4D09-BE8B-E3BD06533059}" type="datetimeFigureOut">
               <a:rPr lang="en-US" smtClean="0"/>
-              <a:t>5/27/16</a:t>
+              <a:t>5/27/2016</a:t>
             </a:fld>
             <a:endParaRPr lang="en-US" dirty="0"/>
           </a:p>
@@ -18717,7 +18700,7 @@
           <a:p>
             <a:fld id="{2E2D6473-DF6D-4702-B328-E0DD40540A4E}" type="datetimeFigureOut">
               <a:rPr lang="en-US" smtClean="0"/>
-              <a:t>5/27/16</a:t>
+              <a:t>5/27/2016</a:t>
             </a:fld>
             <a:endParaRPr lang="en-US" dirty="0"/>
           </a:p>
@@ -18973,7 +18956,7 @@
           <a:p>
             <a:fld id="{E26F7E3A-B166-407D-9866-32884E7D5B37}" type="datetimeFigureOut">
               <a:rPr lang="en-US" smtClean="0"/>
-              <a:t>5/27/16</a:t>
+              <a:t>5/27/2016</a:t>
             </a:fld>
             <a:endParaRPr lang="en-US" dirty="0"/>
           </a:p>
@@ -19147,7 +19130,7 @@
           <a:p>
             <a:fld id="{528FC5F6-F338-4AE4-BB23-26385BCFC423}" type="datetimeFigureOut">
               <a:rPr lang="en-US" smtClean="0"/>
-              <a:t>5/27/16</a:t>
+              <a:t>5/27/2016</a:t>
             </a:fld>
             <a:endParaRPr lang="en-US" dirty="0"/>
           </a:p>
@@ -19490,7 +19473,7 @@
           <a:p>
             <a:fld id="{20EBB0C4-6273-4C6E-B9BD-2EDC30F1CD52}" type="datetimeFigureOut">
               <a:rPr lang="en-US" smtClean="0"/>
-              <a:t>5/27/16</a:t>
+              <a:t>5/27/2016</a:t>
             </a:fld>
             <a:endParaRPr lang="en-US" dirty="0"/>
           </a:p>
@@ -19765,7 +19748,7 @@
           <a:p>
             <a:fld id="{19AB4D41-86C1-4908-B66A-0B50CEB3BF29}" type="datetimeFigureOut">
               <a:rPr lang="en-US" smtClean="0"/>
-              <a:t>5/27/16</a:t>
+              <a:t>5/27/2016</a:t>
             </a:fld>
             <a:endParaRPr lang="en-US" dirty="0"/>
           </a:p>
@@ -20144,7 +20127,7 @@
           <a:p>
             <a:fld id="{E6426E2C-56C1-4E0D-A793-0088A7FDD37E}" type="datetimeFigureOut">
               <a:rPr lang="en-US" smtClean="0"/>
-              <a:t>5/27/16</a:t>
+              <a:t>5/27/2016</a:t>
             </a:fld>
             <a:endParaRPr lang="en-US" dirty="0"/>
           </a:p>
@@ -20262,7 +20245,7 @@
           <a:p>
             <a:fld id="{C8C39B41-D8B5-4052-B551-9B5525EAA8B6}" type="datetimeFigureOut">
               <a:rPr lang="en-US" smtClean="0"/>
-              <a:t>5/27/16</a:t>
+              <a:t>5/27/2016</a:t>
             </a:fld>
             <a:endParaRPr lang="en-US" dirty="0"/>
           </a:p>
@@ -20433,7 +20416,7 @@
           <a:p>
             <a:fld id="{4D94136C-8742-45B2-AF27-D93DF72833A9}" type="datetimeFigureOut">
               <a:rPr lang="en-US" smtClean="0"/>
-              <a:t>5/27/16</a:t>
+              <a:t>5/27/2016</a:t>
             </a:fld>
             <a:endParaRPr lang="en-US" dirty="0"/>
           </a:p>
@@ -20788,7 +20771,7 @@
           <a:p>
             <a:fld id="{32ABBEA6-7C60-4B02-AE87-00D78D8422AF}" type="datetimeFigureOut">
               <a:rPr lang="en-US" smtClean="0"/>
-              <a:t>5/27/16</a:t>
+              <a:t>5/27/2016</a:t>
             </a:fld>
             <a:endParaRPr lang="en-US" dirty="0"/>
           </a:p>
@@ -21171,7 +21154,7 @@
           <a:p>
             <a:fld id="{C9CAD897-D46E-4AD2-BD9B-49DD3E640873}" type="datetimeFigureOut">
               <a:rPr lang="en-US" smtClean="0"/>
-              <a:t>5/27/16</a:t>
+              <a:t>5/27/2016</a:t>
             </a:fld>
             <a:endParaRPr lang="en-US" dirty="0"/>
           </a:p>
@@ -21458,7 +21441,7 @@
           <a:p>
             <a:fld id="{98624D31-43A5-475A-80CF-332C9F6DCF35}" type="datetimeFigureOut">
               <a:rPr lang="en-US" smtClean="0"/>
-              <a:t>5/27/16</a:t>
+              <a:t>5/27/2016</a:t>
             </a:fld>
             <a:endParaRPr lang="en-US" dirty="0"/>
           </a:p>
@@ -22601,7 +22584,7 @@
                         <m:dPr>
                           <m:ctrlPr>
                             <a:rPr lang="en-GB" i="1">
-                              <a:latin typeface="Cambria Math" charset="0"/>
+                              <a:latin typeface="Cambria Math" panose="02040503050406030204" pitchFamily="18" charset="0"/>
                             </a:rPr>
                           </m:ctrlPr>
                         </m:dPr>
@@ -22708,7 +22691,7 @@
                         <m:dPr>
                           <m:ctrlPr>
                             <a:rPr lang="en-GB" i="1">
-                              <a:latin typeface="Cambria Math" charset="0"/>
+                              <a:latin typeface="Cambria Math" panose="02040503050406030204" pitchFamily="18" charset="0"/>
                             </a:rPr>
                           </m:ctrlPr>
                         </m:dPr>
@@ -22803,7 +22786,7 @@
                           <m:chr m:val="∏"/>
                           <m:ctrlPr>
                             <a:rPr lang="is-IS" i="1">
-                              <a:latin typeface="Cambria Math" charset="0"/>
+                              <a:latin typeface="Cambria Math" panose="02040503050406030204" pitchFamily="18" charset="0"/>
                             </a:rPr>
                           </m:ctrlPr>
                         </m:naryPr>
@@ -22837,7 +22820,7 @@
                             <m:sSubPr>
                               <m:ctrlPr>
                                 <a:rPr lang="en-US" i="1">
-                                  <a:latin typeface="Cambria Math" charset="0"/>
+                                  <a:latin typeface="Cambria Math" panose="02040503050406030204" pitchFamily="18" charset="0"/>
                                 </a:rPr>
                               </m:ctrlPr>
                             </m:sSubPr>
@@ -22862,7 +22845,7 @@
                             <m:dPr>
                               <m:ctrlPr>
                                 <a:rPr lang="en-GB" i="1">
-                                  <a:latin typeface="Cambria Math" charset="0"/>
+                                  <a:latin typeface="Cambria Math" panose="02040503050406030204" pitchFamily="18" charset="0"/>
                                 </a:rPr>
                               </m:ctrlPr>
                             </m:dPr>
@@ -22888,7 +22871,7 @@
                           <m:chr m:val="∏"/>
                           <m:ctrlPr>
                             <a:rPr lang="is-IS" i="1">
-                              <a:latin typeface="Cambria Math" charset="0"/>
+                              <a:latin typeface="Cambria Math" panose="02040503050406030204" pitchFamily="18" charset="0"/>
                             </a:rPr>
                           </m:ctrlPr>
                         </m:naryPr>
@@ -22928,7 +22911,7 @@
                             <m:sSubPr>
                               <m:ctrlPr>
                                 <a:rPr lang="en-US" i="1">
-                                  <a:latin typeface="Cambria Math" charset="0"/>
+                                  <a:latin typeface="Cambria Math" panose="02040503050406030204" pitchFamily="18" charset="0"/>
                                 </a:rPr>
                               </m:ctrlPr>
                             </m:sSubPr>
@@ -22953,7 +22936,7 @@
                             <m:dPr>
                               <m:ctrlPr>
                                 <a:rPr lang="en-GB" i="1">
-                                  <a:latin typeface="Cambria Math" charset="0"/>
+                                  <a:latin typeface="Cambria Math" panose="02040503050406030204" pitchFamily="18" charset="0"/>
                                 </a:rPr>
                               </m:ctrlPr>
                             </m:dPr>
@@ -23107,13 +23090,8 @@
             </a:pPr>
             <a:r>
               <a:rPr lang="is-IS" dirty="0" smtClean="0"/>
-              <a:t>“As long as the current reliability is less than or equal to the required, create a new </a:t>
-            </a:r>
-            <a:r>
-              <a:rPr lang="is-IS" dirty="0" smtClean="0"/>
-              <a:t>replica on the most reliable node available”</a:t>
-            </a:r>
-            <a:endParaRPr lang="is-IS" dirty="0" smtClean="0"/>
+              <a:t>“As long as the current reliability is less than or equal to the required, create a new replica on the most reliable node available”</a:t>
+            </a:r>
           </a:p>
         </p:txBody>
       </p:sp>
@@ -23177,8 +23155,8 @@
           </a:p>
         </p:txBody>
       </p:sp>
-      <mc:AlternateContent xmlns:mc="http://schemas.openxmlformats.org/markup-compatibility/2006">
-        <mc:Choice xmlns:a14="http://schemas.microsoft.com/office/drawing/2010/main" Requires="a14">
+      <mc:AlternateContent xmlns:mc="http://schemas.openxmlformats.org/markup-compatibility/2006" xmlns:a14="http://schemas.microsoft.com/office/drawing/2010/main">
+        <mc:Choice Requires="a14">
           <p:sp>
             <p:nvSpPr>
               <p:cNvPr id="3" name="Content Placeholder 2"/>
@@ -23402,7 +23380,7 @@
             </p:txBody>
           </p:sp>
         </mc:Choice>
-        <mc:Fallback>
+        <mc:Fallback xmlns="">
           <p:sp>
             <p:nvSpPr>
               <p:cNvPr id="3" name="Content Placeholder 2"/>
@@ -23466,8 +23444,8 @@
           </a:prstGeom>
         </p:spPr>
       </p:pic>
-      <mc:AlternateContent xmlns:mc="http://schemas.openxmlformats.org/markup-compatibility/2006">
-        <mc:Choice xmlns:a14="http://schemas.microsoft.com/office/drawing/2010/main" Requires="a14">
+      <mc:AlternateContent xmlns:mc="http://schemas.openxmlformats.org/markup-compatibility/2006" xmlns:a14="http://schemas.microsoft.com/office/drawing/2010/main">
+        <mc:Choice Requires="a14">
           <p:sp>
             <p:nvSpPr>
               <p:cNvPr id="5" name="textruta 5"/>
@@ -23500,7 +23478,7 @@
                       <m:sSubPr>
                         <m:ctrlPr>
                           <a:rPr lang="sv-SE" i="1" dirty="0" smtClean="0">
-                            <a:latin typeface="Cambria Math" charset="0"/>
+                            <a:latin typeface="Cambria Math" panose="02040503050406030204" pitchFamily="18" charset="0"/>
                           </a:rPr>
                         </m:ctrlPr>
                       </m:sSubPr>
@@ -23542,7 +23520,7 @@
                       <m:sSubPr>
                         <m:ctrlPr>
                           <a:rPr lang="sv-SE" i="1" dirty="0">
-                            <a:latin typeface="Cambria Math" charset="0"/>
+                            <a:latin typeface="Cambria Math" panose="02040503050406030204" pitchFamily="18" charset="0"/>
                           </a:rPr>
                         </m:ctrlPr>
                       </m:sSubPr>
@@ -23582,7 +23560,7 @@
             </p:txBody>
           </p:sp>
         </mc:Choice>
-        <mc:Fallback>
+        <mc:Fallback xmlns="">
           <p:sp>
             <p:nvSpPr>
               <p:cNvPr id="5" name="textruta 5"/>
@@ -23681,8 +23659,8 @@
           </a:p>
         </p:txBody>
       </p:sp>
-      <mc:AlternateContent xmlns:mc="http://schemas.openxmlformats.org/markup-compatibility/2006">
-        <mc:Choice xmlns:a14="http://schemas.microsoft.com/office/drawing/2010/main" Requires="a14">
+      <mc:AlternateContent xmlns:mc="http://schemas.openxmlformats.org/markup-compatibility/2006" xmlns:a14="http://schemas.microsoft.com/office/drawing/2010/main">
+        <mc:Choice Requires="a14">
           <p:sp>
             <p:nvSpPr>
               <p:cNvPr id="3" name="Content Placeholder 2"/>
@@ -23906,7 +23884,7 @@
             </p:txBody>
           </p:sp>
         </mc:Choice>
-        <mc:Fallback>
+        <mc:Fallback xmlns="">
           <p:sp>
             <p:nvSpPr>
               <p:cNvPr id="3" name="Content Placeholder 2"/>
@@ -23970,8 +23948,8 @@
           </a:prstGeom>
         </p:spPr>
       </p:pic>
-      <mc:AlternateContent xmlns:mc="http://schemas.openxmlformats.org/markup-compatibility/2006">
-        <mc:Choice xmlns:a14="http://schemas.microsoft.com/office/drawing/2010/main" Requires="a14">
+      <mc:AlternateContent xmlns:mc="http://schemas.openxmlformats.org/markup-compatibility/2006" xmlns:a14="http://schemas.microsoft.com/office/drawing/2010/main">
+        <mc:Choice Requires="a14">
           <p:sp>
             <p:nvSpPr>
               <p:cNvPr id="5" name="textruta 5"/>
@@ -24004,7 +23982,7 @@
                       <m:sSubPr>
                         <m:ctrlPr>
                           <a:rPr lang="sv-SE" i="1" dirty="0" smtClean="0">
-                            <a:latin typeface="Cambria Math" charset="0"/>
+                            <a:latin typeface="Cambria Math" panose="02040503050406030204" pitchFamily="18" charset="0"/>
                           </a:rPr>
                         </m:ctrlPr>
                       </m:sSubPr>
@@ -24046,7 +24024,7 @@
                       <m:sSubPr>
                         <m:ctrlPr>
                           <a:rPr lang="sv-SE" i="1" dirty="0">
-                            <a:latin typeface="Cambria Math" charset="0"/>
+                            <a:latin typeface="Cambria Math" panose="02040503050406030204" pitchFamily="18" charset="0"/>
                           </a:rPr>
                         </m:ctrlPr>
                       </m:sSubPr>
@@ -24086,7 +24064,7 @@
             </p:txBody>
           </p:sp>
         </mc:Choice>
-        <mc:Fallback>
+        <mc:Fallback xmlns="">
           <p:sp>
             <p:nvSpPr>
               <p:cNvPr id="5" name="textruta 5"/>
@@ -24185,8 +24163,8 @@
           </a:p>
         </p:txBody>
       </p:sp>
-      <mc:AlternateContent xmlns:mc="http://schemas.openxmlformats.org/markup-compatibility/2006">
-        <mc:Choice xmlns:a14="http://schemas.microsoft.com/office/drawing/2010/main" Requires="a14">
+      <mc:AlternateContent xmlns:mc="http://schemas.openxmlformats.org/markup-compatibility/2006" xmlns:a14="http://schemas.microsoft.com/office/drawing/2010/main">
+        <mc:Choice Requires="a14">
           <p:sp>
             <p:nvSpPr>
               <p:cNvPr id="3" name="Content Placeholder 2"/>
@@ -24336,7 +24314,7 @@
             </p:txBody>
           </p:sp>
         </mc:Choice>
-        <mc:Fallback>
+        <mc:Fallback xmlns="">
           <p:sp>
             <p:nvSpPr>
               <p:cNvPr id="3" name="Content Placeholder 2"/>
@@ -24400,8 +24378,8 @@
           </a:prstGeom>
         </p:spPr>
       </p:pic>
-      <mc:AlternateContent xmlns:mc="http://schemas.openxmlformats.org/markup-compatibility/2006">
-        <mc:Choice xmlns:a14="http://schemas.microsoft.com/office/drawing/2010/main" Requires="a14">
+      <mc:AlternateContent xmlns:mc="http://schemas.openxmlformats.org/markup-compatibility/2006" xmlns:a14="http://schemas.microsoft.com/office/drawing/2010/main">
+        <mc:Choice Requires="a14">
           <p:sp>
             <p:nvSpPr>
               <p:cNvPr id="5" name="textruta 5"/>
@@ -24434,7 +24412,7 @@
                       <m:sSubPr>
                         <m:ctrlPr>
                           <a:rPr lang="sv-SE" i="1" dirty="0" smtClean="0">
-                            <a:latin typeface="Cambria Math" charset="0"/>
+                            <a:latin typeface="Cambria Math" panose="02040503050406030204" pitchFamily="18" charset="0"/>
                           </a:rPr>
                         </m:ctrlPr>
                       </m:sSubPr>
@@ -24476,7 +24454,7 @@
                       <m:sSubPr>
                         <m:ctrlPr>
                           <a:rPr lang="sv-SE" i="1" dirty="0">
-                            <a:latin typeface="Cambria Math" charset="0"/>
+                            <a:latin typeface="Cambria Math" panose="02040503050406030204" pitchFamily="18" charset="0"/>
                           </a:rPr>
                         </m:ctrlPr>
                       </m:sSubPr>
@@ -24516,7 +24494,7 @@
             </p:txBody>
           </p:sp>
         </mc:Choice>
-        <mc:Fallback>
+        <mc:Fallback xmlns="">
           <p:sp>
             <p:nvSpPr>
               <p:cNvPr id="5" name="textruta 5"/>
@@ -24648,21 +24626,8 @@
             </a:pPr>
             <a:r>
               <a:rPr lang="en-US" dirty="0" smtClean="0"/>
-              <a:t>After </a:t>
-            </a:r>
-            <a:r>
-              <a:rPr lang="en-US" dirty="0" smtClean="0"/>
-              <a:t>some time, there may be more reliable nodes available, and by moving </a:t>
-            </a:r>
-            <a:r>
-              <a:rPr lang="en-US" dirty="0" smtClean="0"/>
-              <a:t>replicas to those nodes, </a:t>
-            </a:r>
-            <a:r>
-              <a:rPr lang="en-US" dirty="0" smtClean="0"/>
-              <a:t>less replicas may be needed. </a:t>
-            </a:r>
-            <a:endParaRPr lang="en-US" dirty="0" smtClean="0"/>
+              <a:t>After some time, there may be more reliable nodes available, and by moving replicas to those nodes, less replicas may be needed. </a:t>
+            </a:r>
           </a:p>
           <a:p>
             <a:pPr marL="0" marR="0" lvl="0" indent="0" defTabSz="914400" eaLnBrk="1" fontAlgn="auto" latinLnBrk="0" hangingPunct="1">
@@ -24702,17 +24667,8 @@
             </a:pPr>
             <a:r>
               <a:rPr lang="en-US" dirty="0" smtClean="0"/>
-              <a:t>An </a:t>
-            </a:r>
-            <a:r>
-              <a:rPr lang="en-US" dirty="0" smtClean="0"/>
-              <a:t>optimization algorithm is therefore periodically run </a:t>
-            </a:r>
-            <a:r>
-              <a:rPr lang="en-US" dirty="0" smtClean="0"/>
-              <a:t>which:</a:t>
-            </a:r>
-            <a:endParaRPr lang="en-US" dirty="0" smtClean="0"/>
+              <a:t>An optimization algorithm is therefore periodically run which:</a:t>
+            </a:r>
           </a:p>
           <a:p>
             <a:pPr marL="457200" marR="0" lvl="0" indent="-457200" defTabSz="914400" eaLnBrk="1" fontAlgn="auto" latinLnBrk="0" hangingPunct="1">
@@ -26013,8 +25969,8 @@
           </a:p>
         </p:txBody>
       </p:sp>
-      <mc:AlternateContent xmlns:mc="http://schemas.openxmlformats.org/markup-compatibility/2006">
-        <mc:Choice xmlns:a14="http://schemas.microsoft.com/office/drawing/2010/main" Requires="a14">
+      <mc:AlternateContent xmlns:mc="http://schemas.openxmlformats.org/markup-compatibility/2006" xmlns:a14="http://schemas.microsoft.com/office/drawing/2010/main">
+        <mc:Choice Requires="a14">
           <p:sp>
             <p:nvSpPr>
               <p:cNvPr id="3" name="Content Placeholder 2"/>
@@ -26185,7 +26141,7 @@
             </p:txBody>
           </p:sp>
         </mc:Choice>
-        <mc:Fallback>
+        <mc:Fallback xmlns="">
           <p:sp>
             <p:nvSpPr>
               <p:cNvPr id="3" name="Content Placeholder 2"/>
@@ -26249,8 +26205,8 @@
           </a:prstGeom>
         </p:spPr>
       </p:pic>
-      <mc:AlternateContent xmlns:mc="http://schemas.openxmlformats.org/markup-compatibility/2006">
-        <mc:Choice xmlns:a14="http://schemas.microsoft.com/office/drawing/2010/main" Requires="a14">
+      <mc:AlternateContent xmlns:mc="http://schemas.openxmlformats.org/markup-compatibility/2006" xmlns:a14="http://schemas.microsoft.com/office/drawing/2010/main">
+        <mc:Choice Requires="a14">
           <p:sp>
             <p:nvSpPr>
               <p:cNvPr id="6" name="textruta 5"/>
@@ -26283,7 +26239,7 @@
                       <m:sSubPr>
                         <m:ctrlPr>
                           <a:rPr lang="sv-SE" i="1" dirty="0" smtClean="0">
-                            <a:latin typeface="Cambria Math" charset="0"/>
+                            <a:latin typeface="Cambria Math" panose="02040503050406030204" pitchFamily="18" charset="0"/>
                           </a:rPr>
                         </m:ctrlPr>
                       </m:sSubPr>
@@ -26325,7 +26281,7 @@
                       <m:sSubPr>
                         <m:ctrlPr>
                           <a:rPr lang="sv-SE" i="1" dirty="0">
-                            <a:latin typeface="Cambria Math" charset="0"/>
+                            <a:latin typeface="Cambria Math" panose="02040503050406030204" pitchFamily="18" charset="0"/>
                           </a:rPr>
                         </m:ctrlPr>
                       </m:sSubPr>
@@ -26383,7 +26339,7 @@
             </p:txBody>
           </p:sp>
         </mc:Choice>
-        <mc:Fallback>
+        <mc:Fallback xmlns="">
           <p:sp>
             <p:nvSpPr>
               <p:cNvPr id="6" name="textruta 5"/>
@@ -26481,8 +26437,8 @@
           </a:p>
         </p:txBody>
       </p:sp>
-      <mc:AlternateContent xmlns:mc="http://schemas.openxmlformats.org/markup-compatibility/2006">
-        <mc:Choice xmlns:a14="http://schemas.microsoft.com/office/drawing/2010/main" Requires="a14">
+      <mc:AlternateContent xmlns:mc="http://schemas.openxmlformats.org/markup-compatibility/2006" xmlns:a14="http://schemas.microsoft.com/office/drawing/2010/main">
+        <mc:Choice Requires="a14">
           <p:sp>
             <p:nvSpPr>
               <p:cNvPr id="3" name="Content Placeholder 2"/>
@@ -26644,7 +26600,7 @@
             </p:txBody>
           </p:sp>
         </mc:Choice>
-        <mc:Fallback>
+        <mc:Fallback xmlns="">
           <p:sp>
             <p:nvSpPr>
               <p:cNvPr id="3" name="Content Placeholder 2"/>
@@ -26708,8 +26664,8 @@
           </a:prstGeom>
         </p:spPr>
       </p:pic>
-      <mc:AlternateContent xmlns:mc="http://schemas.openxmlformats.org/markup-compatibility/2006">
-        <mc:Choice xmlns:a14="http://schemas.microsoft.com/office/drawing/2010/main" Requires="a14">
+      <mc:AlternateContent xmlns:mc="http://schemas.openxmlformats.org/markup-compatibility/2006" xmlns:a14="http://schemas.microsoft.com/office/drawing/2010/main">
+        <mc:Choice Requires="a14">
           <p:sp>
             <p:nvSpPr>
               <p:cNvPr id="5" name="textruta 5"/>
@@ -26742,7 +26698,7 @@
                       <m:sSubPr>
                         <m:ctrlPr>
                           <a:rPr lang="sv-SE" i="1" dirty="0" smtClean="0">
-                            <a:latin typeface="Cambria Math" charset="0"/>
+                            <a:latin typeface="Cambria Math" panose="02040503050406030204" pitchFamily="18" charset="0"/>
                           </a:rPr>
                         </m:ctrlPr>
                       </m:sSubPr>
@@ -26784,7 +26740,7 @@
                       <m:sSubPr>
                         <m:ctrlPr>
                           <a:rPr lang="sv-SE" i="1" dirty="0">
-                            <a:latin typeface="Cambria Math" charset="0"/>
+                            <a:latin typeface="Cambria Math" panose="02040503050406030204" pitchFamily="18" charset="0"/>
                           </a:rPr>
                         </m:ctrlPr>
                       </m:sSubPr>
@@ -26842,7 +26798,7 @@
             </p:txBody>
           </p:sp>
         </mc:Choice>
-        <mc:Fallback>
+        <mc:Fallback xmlns="">
           <p:sp>
             <p:nvSpPr>
               <p:cNvPr id="5" name="textruta 5"/>
@@ -26941,8 +26897,8 @@
           </a:p>
         </p:txBody>
       </p:sp>
-      <mc:AlternateContent xmlns:mc="http://schemas.openxmlformats.org/markup-compatibility/2006" xmlns:a14="http://schemas.microsoft.com/office/drawing/2010/main">
-        <mc:Choice Requires="a14">
+      <mc:AlternateContent xmlns:mc="http://schemas.openxmlformats.org/markup-compatibility/2006">
+        <mc:Choice xmlns:a14="http://schemas.microsoft.com/office/drawing/2010/main" Requires="a14">
           <p:sp>
             <p:nvSpPr>
               <p:cNvPr id="3" name="Content Placeholder 2"/>
@@ -26984,7 +26940,7 @@
                       <m:sSubPr>
                         <m:ctrlPr>
                           <a:rPr lang="sv-SE" b="0" i="1" smtClean="0">
-                            <a:latin typeface="Cambria Math" charset="0"/>
+                            <a:latin typeface="Cambria Math" panose="02040503050406030204" pitchFamily="18" charset="0"/>
                           </a:rPr>
                         </m:ctrlPr>
                       </m:sSubPr>
@@ -27011,42 +26967,13 @@
                   <a:rPr lang="en-US" dirty="0" smtClean="0"/>
                   <a:t> seconds. </a:t>
                 </a:r>
-              </a:p>
-              <a:p>
-                <a:pPr marL="0" indent="0">
-                  <a:lnSpc>
-                    <a:spcPct val="100000"/>
-                  </a:lnSpc>
-                  <a:spcBef>
-                    <a:spcPts val="0"/>
-                  </a:spcBef>
-                  <a:spcAft>
-                    <a:spcPts val="0"/>
-                  </a:spcAft>
-                  <a:buSzTx/>
-                  <a:buNone/>
-                  <a:defRPr/>
-                </a:pPr>
-                <a:endParaRPr lang="en-US" dirty="0"/>
-              </a:p>
-              <a:p>
-                <a:pPr marL="0" indent="0">
-                  <a:lnSpc>
-                    <a:spcPct val="100000"/>
-                  </a:lnSpc>
-                  <a:spcBef>
-                    <a:spcPts val="0"/>
-                  </a:spcBef>
-                  <a:spcAft>
-                    <a:spcPts val="0"/>
-                  </a:spcAft>
-                  <a:buSzTx/>
-                  <a:buNone/>
-                  <a:defRPr/>
-                </a:pPr>
                 <a:r>
                   <a:rPr lang="en-US" dirty="0" smtClean="0"/>
-                  <a:t>If no heartbeat from a node is received within </a:t>
+                  <a:t>If </a:t>
+                </a:r>
+                <a:r>
+                  <a:rPr lang="en-US" dirty="0" smtClean="0"/>
+                  <a:t>no heartbeat from a node is received within </a:t>
                 </a:r>
                 <a14:m>
                   <m:oMath xmlns:m="http://schemas.openxmlformats.org/officeDocument/2006/math">
@@ -27054,7 +26981,7 @@
                       <m:sSubPr>
                         <m:ctrlPr>
                           <a:rPr lang="sv-SE" i="1">
-                            <a:latin typeface="Cambria Math" charset="0"/>
+                            <a:latin typeface="Cambria Math" panose="02040503050406030204" pitchFamily="18" charset="0"/>
                           </a:rPr>
                         </m:ctrlPr>
                       </m:sSubPr>
@@ -27100,7 +27027,7 @@
                 <a:endParaRPr lang="en-US" dirty="0"/>
               </a:p>
               <a:p>
-                <a:pPr>
+                <a:pPr marL="0" indent="0">
                   <a:lnSpc>
                     <a:spcPct val="100000"/>
                   </a:lnSpc>
@@ -27111,16 +27038,18 @@
                     <a:spcPts val="0"/>
                   </a:spcAft>
                   <a:buSzTx/>
-                  <a:buFont typeface="Arial" panose="020B0604020202020204" pitchFamily="34" charset="0"/>
-                  <a:buChar char="•"/>
+                  <a:buNone/>
                   <a:defRPr/>
                 </a:pPr>
-                <a:endParaRPr lang="en-US" dirty="0" smtClean="0"/>
+                <a:r>
+                  <a:rPr lang="en-US" dirty="0" smtClean="0"/>
+                  <a:t>Every time a node dies the above algorithm has to run in order to ensure that the required reliability met.</a:t>
+                </a:r>
               </a:p>
             </p:txBody>
           </p:sp>
         </mc:Choice>
-        <mc:Fallback xmlns="">
+        <mc:Fallback>
           <p:sp>
             <p:nvSpPr>
               <p:cNvPr id="3" name="Content Placeholder 2"/>
@@ -27135,7 +27064,7 @@
               <a:blipFill rotWithShape="0">
                 <a:blip r:embed="rId3"/>
                 <a:stretch>
-                  <a:fillRect l="-1515" t="-909"/>
+                  <a:fillRect l="-1515" t="-909" r="-970"/>
                 </a:stretch>
               </a:blipFill>
             </p:spPr>
@@ -27408,7 +27337,7 @@
                       <m:sSubPr>
                         <m:ctrlPr>
                           <a:rPr lang="sv-SE" i="1" dirty="0" smtClean="0">
-                            <a:latin typeface="Cambria Math" charset="0"/>
+                            <a:latin typeface="Cambria Math" panose="02040503050406030204" pitchFamily="18" charset="0"/>
                           </a:rPr>
                         </m:ctrlPr>
                       </m:sSubPr>
@@ -27450,7 +27379,7 @@
                       <m:sSubPr>
                         <m:ctrlPr>
                           <a:rPr lang="sv-SE" i="1" dirty="0">
-                            <a:latin typeface="Cambria Math" charset="0"/>
+                            <a:latin typeface="Cambria Math" panose="02040503050406030204" pitchFamily="18" charset="0"/>
                           </a:rPr>
                         </m:ctrlPr>
                       </m:sSubPr>
@@ -27646,7 +27575,7 @@
                       <m:sSubPr>
                         <m:ctrlPr>
                           <a:rPr lang="sv-SE" i="1" dirty="0" smtClean="0">
-                            <a:latin typeface="Cambria Math" charset="0"/>
+                            <a:latin typeface="Cambria Math" panose="02040503050406030204" pitchFamily="18" charset="0"/>
                           </a:rPr>
                         </m:ctrlPr>
                       </m:sSubPr>
@@ -27688,7 +27617,7 @@
                       <m:sSubPr>
                         <m:ctrlPr>
                           <a:rPr lang="sv-SE" i="1" dirty="0">
-                            <a:latin typeface="Cambria Math" charset="0"/>
+                            <a:latin typeface="Cambria Math" panose="02040503050406030204" pitchFamily="18" charset="0"/>
                           </a:rPr>
                         </m:ctrlPr>
                       </m:sSubPr>
@@ -27884,7 +27813,7 @@
                       <m:sSubPr>
                         <m:ctrlPr>
                           <a:rPr lang="sv-SE" i="1" dirty="0" smtClean="0">
-                            <a:latin typeface="Cambria Math" charset="0"/>
+                            <a:latin typeface="Cambria Math" panose="02040503050406030204" pitchFamily="18" charset="0"/>
                           </a:rPr>
                         </m:ctrlPr>
                       </m:sSubPr>
@@ -27926,7 +27855,7 @@
                       <m:sSubPr>
                         <m:ctrlPr>
                           <a:rPr lang="sv-SE" i="1" dirty="0">
-                            <a:latin typeface="Cambria Math" charset="0"/>
+                            <a:latin typeface="Cambria Math" panose="02040503050406030204" pitchFamily="18" charset="0"/>
                           </a:rPr>
                         </m:ctrlPr>
                       </m:sSubPr>
@@ -28272,7 +28201,7 @@
                       <m:sSubPr>
                         <m:ctrlPr>
                           <a:rPr lang="sv-SE" i="1" dirty="0" smtClean="0">
-                            <a:latin typeface="Cambria Math" charset="0"/>
+                            <a:latin typeface="Cambria Math" panose="02040503050406030204" pitchFamily="18" charset="0"/>
                           </a:rPr>
                         </m:ctrlPr>
                       </m:sSubPr>
@@ -28314,7 +28243,7 @@
                       <m:sSubPr>
                         <m:ctrlPr>
                           <a:rPr lang="sv-SE" i="1" dirty="0">
-                            <a:latin typeface="Cambria Math" charset="0"/>
+                            <a:latin typeface="Cambria Math" panose="02040503050406030204" pitchFamily="18" charset="0"/>
                           </a:rPr>
                         </m:ctrlPr>
                       </m:sSubPr>
@@ -28534,7 +28463,7 @@
                       <m:sSubPr>
                         <m:ctrlPr>
                           <a:rPr lang="en-US" i="1">
-                            <a:latin typeface="Cambria Math" charset="0"/>
+                            <a:latin typeface="Cambria Math" panose="02040503050406030204" pitchFamily="18" charset="0"/>
                           </a:rPr>
                         </m:ctrlPr>
                       </m:sSubPr>
@@ -28567,7 +28496,7 @@
                       <m:sSubPr>
                         <m:ctrlPr>
                           <a:rPr lang="sv-SE" b="0" i="1" smtClean="0">
-                            <a:latin typeface="Cambria Math" charset="0"/>
+                            <a:latin typeface="Cambria Math" panose="02040503050406030204" pitchFamily="18" charset="0"/>
                           </a:rPr>
                         </m:ctrlPr>
                       </m:sSubPr>
@@ -28600,7 +28529,7 @@
                       <m:sSubPr>
                         <m:ctrlPr>
                           <a:rPr lang="en-US" i="1">
-                            <a:latin typeface="Cambria Math" charset="0"/>
+                            <a:latin typeface="Cambria Math" panose="02040503050406030204" pitchFamily="18" charset="0"/>
                           </a:rPr>
                         </m:ctrlPr>
                       </m:sSubPr>
@@ -28638,7 +28567,7 @@
                       <m:sSubPr>
                         <m:ctrlPr>
                           <a:rPr lang="en-US" i="1">
-                            <a:latin typeface="Cambria Math" charset="0"/>
+                            <a:latin typeface="Cambria Math" panose="02040503050406030204" pitchFamily="18" charset="0"/>
                           </a:rPr>
                         </m:ctrlPr>
                       </m:sSubPr>
@@ -28780,7 +28709,7 @@
                         <m:sSubPr>
                           <m:ctrlPr>
                             <a:rPr lang="en-US" i="1">
-                              <a:latin typeface="Cambria Math" charset="0"/>
+                              <a:latin typeface="Cambria Math" panose="02040503050406030204" pitchFamily="18" charset="0"/>
                             </a:rPr>
                           </m:ctrlPr>
                         </m:sSubPr>
@@ -28811,7 +28740,7 @@
                         <m:sSubPr>
                           <m:ctrlPr>
                             <a:rPr lang="en-US" b="0" i="1" smtClean="0">
-                              <a:latin typeface="Cambria Math" charset="0"/>
+                              <a:latin typeface="Cambria Math" panose="02040503050406030204" pitchFamily="18" charset="0"/>
                             </a:rPr>
                           </m:ctrlPr>
                         </m:sSubPr>
@@ -28919,7 +28848,7 @@
                         <m:dPr>
                           <m:ctrlPr>
                             <a:rPr lang="en-GB" i="1">
-                              <a:latin typeface="Cambria Math" charset="0"/>
+                              <a:latin typeface="Cambria Math" panose="02040503050406030204" pitchFamily="18" charset="0"/>
                             </a:rPr>
                           </m:ctrlPr>
                         </m:dPr>
@@ -28942,7 +28871,7 @@
                         <m:sSupPr>
                           <m:ctrlPr>
                             <a:rPr lang="is-IS" i="1">
-                              <a:latin typeface="Cambria Math" charset="0"/>
+                              <a:latin typeface="Cambria Math" panose="02040503050406030204" pitchFamily="18" charset="0"/>
                             </a:rPr>
                           </m:ctrlPr>
                         </m:sSupPr>
@@ -28965,7 +28894,7 @@
                             <m:dPr>
                               <m:ctrlPr>
                                 <a:rPr lang="en-US" i="1">
-                                  <a:latin typeface="Cambria Math" charset="0"/>
+                                  <a:latin typeface="Cambria Math" panose="02040503050406030204" pitchFamily="18" charset="0"/>
                                 </a:rPr>
                               </m:ctrlPr>
                             </m:dPr>
@@ -28974,7 +28903,7 @@
                                 <m:fPr>
                                   <m:ctrlPr>
                                     <a:rPr lang="fi-FI" i="1">
-                                      <a:latin typeface="Cambria Math" charset="0"/>
+                                      <a:latin typeface="Cambria Math" panose="02040503050406030204" pitchFamily="18" charset="0"/>
                                     </a:rPr>
                                   </m:ctrlPr>
                                 </m:fPr>
@@ -29140,7 +29069,7 @@
                       <m:sSubPr>
                         <m:ctrlPr>
                           <a:rPr lang="en-US" i="1">
-                            <a:latin typeface="Cambria Math" charset="0"/>
+                            <a:latin typeface="Cambria Math" panose="02040503050406030204" pitchFamily="18" charset="0"/>
                           </a:rPr>
                         </m:ctrlPr>
                       </m:sSubPr>
@@ -29173,7 +29102,7 @@
                       <m:sSubPr>
                         <m:ctrlPr>
                           <a:rPr lang="en-US" i="1">
-                            <a:latin typeface="Cambria Math" charset="0"/>
+                            <a:latin typeface="Cambria Math" panose="02040503050406030204" pitchFamily="18" charset="0"/>
                           </a:rPr>
                         </m:ctrlPr>
                       </m:sSubPr>
@@ -29391,7 +29320,7 @@
                       <m:sSubPr>
                         <m:ctrlPr>
                           <a:rPr lang="en-US" i="1">
-                            <a:latin typeface="Cambria Math" charset="0"/>
+                            <a:latin typeface="Cambria Math" panose="02040503050406030204" pitchFamily="18" charset="0"/>
                           </a:rPr>
                         </m:ctrlPr>
                       </m:sSubPr>
@@ -31710,7 +31639,7 @@
                         <m:dPr>
                           <m:ctrlPr>
                             <a:rPr lang="sv-SE" b="0" i="1" smtClean="0">
-                              <a:latin typeface="Cambria Math" charset="0"/>
+                              <a:latin typeface="Cambria Math" panose="02040503050406030204" pitchFamily="18" charset="0"/>
                             </a:rPr>
                           </m:ctrlPr>
                         </m:dPr>
@@ -31740,7 +31669,7 @@
                           <m:chr m:val="∏"/>
                           <m:ctrlPr>
                             <a:rPr lang="is-IS" i="1">
-                              <a:latin typeface="Cambria Math" charset="0"/>
+                              <a:latin typeface="Cambria Math" panose="02040503050406030204" pitchFamily="18" charset="0"/>
                             </a:rPr>
                           </m:ctrlPr>
                         </m:naryPr>
@@ -31780,7 +31709,7 @@
                             <m:sSubPr>
                               <m:ctrlPr>
                                 <a:rPr lang="en-US" i="1">
-                                  <a:latin typeface="Cambria Math" charset="0"/>
+                                  <a:latin typeface="Cambria Math" panose="02040503050406030204" pitchFamily="18" charset="0"/>
                                 </a:rPr>
                               </m:ctrlPr>
                             </m:sSubPr>
@@ -31805,7 +31734,7 @@
                             <m:dPr>
                               <m:ctrlPr>
                                 <a:rPr lang="en-GB" i="1">
-                                  <a:latin typeface="Cambria Math" charset="0"/>
+                                  <a:latin typeface="Cambria Math" panose="02040503050406030204" pitchFamily="18" charset="0"/>
                                 </a:rPr>
                               </m:ctrlPr>
                             </m:dPr>
@@ -32825,7 +32754,7 @@
                         <m:dPr>
                           <m:ctrlPr>
                             <a:rPr lang="en-GB" i="1">
-                              <a:latin typeface="Cambria Math" charset="0"/>
+                              <a:latin typeface="Cambria Math" panose="02040503050406030204" pitchFamily="18" charset="0"/>
                             </a:rPr>
                           </m:ctrlPr>
                         </m:dPr>
@@ -32854,7 +32783,7 @@
                         <m:dPr>
                           <m:ctrlPr>
                             <a:rPr lang="en-GB" i="1">
-                              <a:latin typeface="Cambria Math" charset="0"/>
+                              <a:latin typeface="Cambria Math" panose="02040503050406030204" pitchFamily="18" charset="0"/>
                             </a:rPr>
                           </m:ctrlPr>
                         </m:dPr>
@@ -32919,7 +32848,7 @@
                         <m:sSupPr>
                           <m:ctrlPr>
                             <a:rPr lang="is-IS" i="1">
-                              <a:latin typeface="Cambria Math" charset="0"/>
+                              <a:latin typeface="Cambria Math" panose="02040503050406030204" pitchFamily="18" charset="0"/>
                             </a:rPr>
                           </m:ctrlPr>
                         </m:sSupPr>
@@ -32942,7 +32871,7 @@
                             <m:dPr>
                               <m:ctrlPr>
                                 <a:rPr lang="en-US" i="1">
-                                  <a:latin typeface="Cambria Math" charset="0"/>
+                                  <a:latin typeface="Cambria Math" panose="02040503050406030204" pitchFamily="18" charset="0"/>
                                 </a:rPr>
                               </m:ctrlPr>
                             </m:dPr>
@@ -32951,7 +32880,7 @@
                                 <m:fPr>
                                   <m:ctrlPr>
                                     <a:rPr lang="fi-FI" i="1">
-                                      <a:latin typeface="Cambria Math" charset="0"/>
+                                      <a:latin typeface="Cambria Math" panose="02040503050406030204" pitchFamily="18" charset="0"/>
                                     </a:rPr>
                                   </m:ctrlPr>
                                 </m:fPr>
@@ -33063,7 +32992,7 @@
                         <m:dPr>
                           <m:ctrlPr>
                             <a:rPr lang="en-GB" i="1">
-                              <a:latin typeface="Cambria Math" charset="0"/>
+                              <a:latin typeface="Cambria Math" panose="02040503050406030204" pitchFamily="18" charset="0"/>
                             </a:rPr>
                           </m:ctrlPr>
                         </m:dPr>
@@ -33277,7 +33206,7 @@
                       <m:sSubPr>
                         <m:ctrlPr>
                           <a:rPr lang="en-US" i="1">
-                            <a:latin typeface="Cambria Math" charset="0"/>
+                            <a:latin typeface="Cambria Math" panose="02040503050406030204" pitchFamily="18" charset="0"/>
                           </a:rPr>
                         </m:ctrlPr>
                       </m:sSubPr>
@@ -33310,7 +33239,7 @@
                       <m:sSubPr>
                         <m:ctrlPr>
                           <a:rPr lang="en-US" i="1">
-                            <a:latin typeface="Cambria Math" charset="0"/>
+                            <a:latin typeface="Cambria Math" panose="02040503050406030204" pitchFamily="18" charset="0"/>
                           </a:rPr>
                         </m:ctrlPr>
                       </m:sSubPr>
@@ -33343,7 +33272,7 @@
                       <m:sSubPr>
                         <m:ctrlPr>
                           <a:rPr lang="en-US" i="1">
-                            <a:latin typeface="Cambria Math" charset="0"/>
+                            <a:latin typeface="Cambria Math" panose="02040503050406030204" pitchFamily="18" charset="0"/>
                           </a:rPr>
                         </m:ctrlPr>
                       </m:sSubPr>
@@ -33492,7 +33421,7 @@
                         <m:fPr>
                           <m:ctrlPr>
                             <a:rPr lang="bg-BG" b="0" i="1" smtClean="0">
-                              <a:latin typeface="Cambria Math" charset="0"/>
+                              <a:latin typeface="Cambria Math" panose="02040503050406030204" pitchFamily="18" charset="0"/>
                             </a:rPr>
                           </m:ctrlPr>
                         </m:fPr>
@@ -33501,7 +33430,7 @@
                             <m:sSubPr>
                               <m:ctrlPr>
                                 <a:rPr lang="en-US" i="1">
-                                  <a:latin typeface="Cambria Math" charset="0"/>
+                                  <a:latin typeface="Cambria Math" panose="02040503050406030204" pitchFamily="18" charset="0"/>
                                 </a:rPr>
                               </m:ctrlPr>
                             </m:sSubPr>
@@ -33532,7 +33461,7 @@
                             <m:sSubPr>
                               <m:ctrlPr>
                                 <a:rPr lang="en-US" i="1">
-                                  <a:latin typeface="Cambria Math" charset="0"/>
+                                  <a:latin typeface="Cambria Math" panose="02040503050406030204" pitchFamily="18" charset="0"/>
                                 </a:rPr>
                               </m:ctrlPr>
                             </m:sSubPr>
@@ -33563,7 +33492,7 @@
                             <m:sSubPr>
                               <m:ctrlPr>
                                 <a:rPr lang="en-US" i="1">
-                                  <a:latin typeface="Cambria Math" charset="0"/>
+                                  <a:latin typeface="Cambria Math" panose="02040503050406030204" pitchFamily="18" charset="0"/>
                                 </a:rPr>
                               </m:ctrlPr>
                             </m:sSubPr>
@@ -33594,7 +33523,7 @@
                             <m:sSubPr>
                               <m:ctrlPr>
                                 <a:rPr lang="en-US" i="1">
-                                  <a:latin typeface="Cambria Math" charset="0"/>
+                                  <a:latin typeface="Cambria Math" panose="02040503050406030204" pitchFamily="18" charset="0"/>
                                 </a:rPr>
                               </m:ctrlPr>
                             </m:sSubPr>
@@ -33718,7 +33647,7 @@
                         <m:fPr>
                           <m:ctrlPr>
                             <a:rPr lang="bg-BG" b="0" i="1" smtClean="0">
-                              <a:latin typeface="Cambria Math" charset="0"/>
+                              <a:latin typeface="Cambria Math" panose="02040503050406030204" pitchFamily="18" charset="0"/>
                             </a:rPr>
                           </m:ctrlPr>
                         </m:fPr>

--- a/presentation/presentation2.pptx
+++ b/presentation/presentation2.pptx
@@ -10305,7 +10305,43 @@
           <a:p>
             <a:r>
               <a:rPr lang="sv-SE" i="0" baseline="0" noProof="0" dirty="0" smtClean="0"/>
-              <a:t>Tiden det tar att </a:t>
+              <a:t>Om vi backar tillbaka lite till hur vi beräknar tillförlitligheten för en nod, så beror den på en tid t som är tiden från det att ett fel inträffar tills det att en ny </a:t>
+            </a:r>
+            <a:r>
+              <a:rPr lang="sv-SE" i="0" baseline="0" noProof="0" dirty="0" err="1" smtClean="0"/>
+              <a:t>replika</a:t>
+            </a:r>
+            <a:r>
+              <a:rPr lang="sv-SE" i="0" baseline="0" noProof="0" dirty="0" smtClean="0"/>
+              <a:t> är operationell. Den tiden kan delas upp </a:t>
+            </a:r>
+            <a:r>
+              <a:rPr lang="sv-SE" i="0" baseline="0" noProof="0" dirty="0" err="1" smtClean="0"/>
+              <a:t>t_D</a:t>
+            </a:r>
+            <a:r>
+              <a:rPr lang="sv-SE" i="0" baseline="0" noProof="0" dirty="0" smtClean="0"/>
+              <a:t> och </a:t>
+            </a:r>
+            <a:r>
+              <a:rPr lang="sv-SE" i="0" baseline="0" noProof="0" dirty="0" err="1" smtClean="0"/>
+              <a:t>t_R</a:t>
+            </a:r>
+            <a:r>
+              <a:rPr lang="sv-SE" i="0" baseline="0" noProof="0" dirty="0" smtClean="0"/>
+              <a:t> där </a:t>
+            </a:r>
+            <a:r>
+              <a:rPr lang="sv-SE" i="0" baseline="0" noProof="0" dirty="0" err="1" smtClean="0"/>
+              <a:t>t_D</a:t>
+            </a:r>
+            <a:r>
+              <a:rPr lang="sv-SE" i="0" baseline="0" noProof="0" dirty="0" smtClean="0"/>
+              <a:t> är tiden det </a:t>
+            </a:r>
+            <a:r>
+              <a:rPr lang="sv-SE" i="0" baseline="0" noProof="0" dirty="0" smtClean="0"/>
+              <a:t>tar att </a:t>
             </a:r>
             <a:r>
               <a:rPr lang="sv-SE" i="0" baseline="0" noProof="0" dirty="0" err="1" smtClean="0"/>
@@ -10313,7 +10349,48 @@
             </a:r>
             <a:r>
               <a:rPr lang="sv-SE" i="0" baseline="0" noProof="0" dirty="0" smtClean="0"/>
-              <a:t> att en nod har dött är satt till timeoutiden för </a:t>
+              <a:t> att en nod har </a:t>
+            </a:r>
+            <a:r>
+              <a:rPr lang="sv-SE" i="0" baseline="0" noProof="0" dirty="0" smtClean="0"/>
+              <a:t>dött medans </a:t>
+            </a:r>
+            <a:r>
+              <a:rPr lang="sv-SE" i="0" baseline="0" noProof="0" dirty="0" err="1" smtClean="0"/>
+              <a:t>t_R</a:t>
+            </a:r>
+            <a:r>
+              <a:rPr lang="sv-SE" i="0" baseline="0" noProof="0" dirty="0" smtClean="0"/>
+              <a:t> är tiden </a:t>
+            </a:r>
+            <a:r>
+              <a:rPr lang="sv-SE" i="0" baseline="0" noProof="0" dirty="0" smtClean="0"/>
+              <a:t>det tar att hantera felet och skapa en ny </a:t>
+            </a:r>
+            <a:r>
+              <a:rPr lang="sv-SE" i="0" baseline="0" noProof="0" dirty="0" err="1" smtClean="0"/>
+              <a:t>replika</a:t>
+            </a:r>
+            <a:r>
+              <a:rPr lang="sv-SE" i="0" baseline="0" noProof="0" dirty="0" smtClean="0"/>
+              <a:t>.</a:t>
+            </a:r>
+          </a:p>
+          <a:p>
+            <a:endParaRPr lang="sv-SE" i="0" baseline="0" noProof="0" dirty="0" smtClean="0"/>
+          </a:p>
+          <a:p>
+            <a:r>
+              <a:rPr lang="sv-SE" i="0" baseline="0" noProof="0" dirty="0" smtClean="0"/>
+              <a:t>T_D är satt till </a:t>
+            </a:r>
+            <a:r>
+              <a:rPr lang="sv-SE" i="0" baseline="0" noProof="0" dirty="0" err="1" smtClean="0"/>
+              <a:t>timeouteiden</a:t>
+            </a:r>
+            <a:r>
+              <a:rPr lang="sv-SE" i="0" baseline="0" noProof="0" dirty="0" smtClean="0"/>
+              <a:t> för </a:t>
             </a:r>
             <a:r>
               <a:rPr lang="sv-SE" i="0" baseline="0" noProof="0" dirty="0" err="1" smtClean="0"/>
@@ -10321,100 +10398,17 @@
             </a:r>
             <a:r>
               <a:rPr lang="sv-SE" i="0" baseline="0" noProof="0" dirty="0" smtClean="0"/>
-              <a:t>,</a:t>
-            </a:r>
-            <a:r>
-              <a:rPr lang="sv-SE" b="1" i="0" baseline="0" noProof="0" dirty="0" smtClean="0"/>
-              <a:t> </a:t>
+              <a:t> medan </a:t>
+            </a:r>
+            <a:r>
+              <a:rPr lang="sv-SE" i="0" baseline="0" noProof="0" dirty="0" err="1" smtClean="0"/>
+              <a:t>t_R</a:t>
             </a:r>
             <a:r>
               <a:rPr lang="sv-SE" i="0" baseline="0" noProof="0" dirty="0" smtClean="0"/>
-              <a:t>medan tiden det tar att hantera felet och skapa en ny </a:t>
-            </a:r>
-            <a:r>
-              <a:rPr lang="sv-SE" i="0" baseline="0" noProof="0" dirty="0" err="1" smtClean="0"/>
-              <a:t>replika</a:t>
-            </a:r>
-            <a:r>
-              <a:rPr lang="sv-SE" i="0" baseline="0" noProof="0" dirty="0" smtClean="0"/>
-              <a:t> varierar dock.</a:t>
-            </a:r>
-          </a:p>
-          <a:p>
+              <a:t> varierar mycket</a:t>
+            </a:r>
             <a:endParaRPr lang="sv-SE" i="0" baseline="0" noProof="0" dirty="0" smtClean="0"/>
-          </a:p>
-          <a:p>
-            <a:r>
-              <a:rPr lang="sv-SE" i="0" baseline="0" noProof="0" dirty="0" smtClean="0"/>
-              <a:t>Det beror delvis på hur stort tillståndet, dvs dess </a:t>
-            </a:r>
-            <a:r>
-              <a:rPr lang="sv-SE" i="0" baseline="0" noProof="0" dirty="0" err="1" smtClean="0"/>
-              <a:t>state</a:t>
-            </a:r>
-            <a:r>
-              <a:rPr lang="sv-SE" i="0" baseline="0" noProof="0" dirty="0" smtClean="0"/>
-              <a:t>, på </a:t>
-            </a:r>
-            <a:r>
-              <a:rPr lang="sv-SE" i="0" baseline="0" noProof="0" dirty="0" err="1" smtClean="0"/>
-              <a:t>replikan</a:t>
-            </a:r>
-            <a:r>
-              <a:rPr lang="sv-SE" i="0" baseline="0" noProof="0" dirty="0" smtClean="0"/>
-              <a:t> är, så därför lagras dessa tider utifrån typ av tjänst.</a:t>
-            </a:r>
-          </a:p>
-          <a:p>
-            <a:endParaRPr lang="sv-SE" i="0" baseline="0" noProof="0" dirty="0" smtClean="0"/>
-          </a:p>
-          <a:p>
-            <a:r>
-              <a:rPr lang="sv-SE" i="0" baseline="0" noProof="0" dirty="0" smtClean="0"/>
-              <a:t>Det beror dessutom på om noden som först väljs ut, blir klar eller om den själv dör innan den blir klar, i vilket fall en ny nod väljs. </a:t>
-            </a:r>
-          </a:p>
-          <a:p>
-            <a:endParaRPr lang="sv-SE" i="0" baseline="0" noProof="0" dirty="0" smtClean="0"/>
-          </a:p>
-          <a:p>
-            <a:r>
-              <a:rPr lang="sv-SE" i="0" baseline="0" noProof="0" dirty="0" smtClean="0"/>
-              <a:t>Vidare kan noden som vi ber </a:t>
-            </a:r>
-            <a:r>
-              <a:rPr lang="sv-SE" i="0" baseline="0" noProof="0" dirty="0" err="1" smtClean="0"/>
-              <a:t>replicera</a:t>
-            </a:r>
-            <a:r>
-              <a:rPr lang="sv-SE" i="0" baseline="0" noProof="0" dirty="0" smtClean="0"/>
-              <a:t> sin </a:t>
-            </a:r>
-            <a:r>
-              <a:rPr lang="sv-SE" i="0" baseline="0" noProof="0" dirty="0" err="1" smtClean="0"/>
-              <a:t>replika</a:t>
-            </a:r>
-            <a:r>
-              <a:rPr lang="sv-SE" i="0" baseline="0" noProof="0" dirty="0" smtClean="0"/>
-              <a:t> dö innan den hinner göra det, även då väljs en ny nod ut,  och även noden vi </a:t>
-            </a:r>
-            <a:r>
-              <a:rPr lang="sv-SE" i="0" baseline="0" noProof="0" dirty="0" err="1" smtClean="0"/>
-              <a:t>replicerar</a:t>
-            </a:r>
-            <a:r>
-              <a:rPr lang="sv-SE" i="0" baseline="0" noProof="0" dirty="0" smtClean="0"/>
-              <a:t> till kan dö.</a:t>
-            </a:r>
-          </a:p>
-          <a:p>
-            <a:endParaRPr lang="sv-SE" i="0" baseline="0" noProof="0" dirty="0" smtClean="0"/>
-          </a:p>
-          <a:p>
-            <a:r>
-              <a:rPr lang="sv-SE" i="0" baseline="0" noProof="0" dirty="0" smtClean="0"/>
-              <a:t>Det är alltså många faktorer som påverkar tiden TR</a:t>
-            </a:r>
           </a:p>
           <a:p>
             <a:endParaRPr lang="sv-SE" i="0" baseline="0" noProof="0" dirty="0" smtClean="0"/>
@@ -10572,7 +10566,11 @@
             </a:r>
             <a:r>
               <a:rPr lang="sv-SE" baseline="0" noProof="0" dirty="0" smtClean="0"/>
-              <a:t> distribution var den bästa.</a:t>
+              <a:t> distribution var den </a:t>
+            </a:r>
+            <a:r>
+              <a:rPr lang="sv-SE" baseline="0" noProof="0" dirty="0" smtClean="0"/>
+              <a:t>som passade bäst.</a:t>
             </a:r>
             <a:endParaRPr lang="sv-SE" noProof="0" dirty="0"/>
           </a:p>
@@ -12297,12 +12295,8 @@
               <a:t>ny</a:t>
             </a:r>
             <a:r>
-              <a:rPr lang="en-US" baseline="0" smtClean="0"/>
-              <a:t> replica. </a:t>
-            </a:r>
-            <a:r>
-              <a:rPr lang="en-US" baseline="0" dirty="0" smtClean="0"/>
-              <a:t>Nodes last </a:t>
+              <a:rPr lang="en-US" baseline="0" dirty="0" smtClean="0"/>
+              <a:t> replica. Nodes last </a:t>
             </a:r>
             <a:r>
               <a:rPr lang="en-US" baseline="0" dirty="0" err="1" smtClean="0"/>
@@ -21986,7 +21980,15 @@
           <a:p>
             <a:r>
               <a:rPr lang="en-US" sz="4800" dirty="0" smtClean="0"/>
-              <a:t>Dynamic Fault-Tolerance and Task Scheduling in Distributed Systems</a:t>
+              <a:t>Dynamic </a:t>
+            </a:r>
+            <a:r>
+              <a:rPr lang="en-US" sz="4800" dirty="0" smtClean="0"/>
+              <a:t>Fault Tolerance </a:t>
+            </a:r>
+            <a:r>
+              <a:rPr lang="en-US" sz="4800" dirty="0" smtClean="0"/>
+              <a:t>and Task Scheduling in Distributed Systems</a:t>
             </a:r>
             <a:endParaRPr lang="en-US" sz="4800" dirty="0"/>
           </a:p>
@@ -26897,8 +26899,8 @@
           </a:p>
         </p:txBody>
       </p:sp>
-      <mc:AlternateContent xmlns:mc="http://schemas.openxmlformats.org/markup-compatibility/2006">
-        <mc:Choice xmlns:a14="http://schemas.microsoft.com/office/drawing/2010/main" Requires="a14">
+      <mc:AlternateContent xmlns:mc="http://schemas.openxmlformats.org/markup-compatibility/2006" xmlns:a14="http://schemas.microsoft.com/office/drawing/2010/main">
+        <mc:Choice Requires="a14">
           <p:sp>
             <p:nvSpPr>
               <p:cNvPr id="3" name="Content Placeholder 2"/>
@@ -26965,15 +26967,7 @@
                 </a14:m>
                 <a:r>
                   <a:rPr lang="en-US" dirty="0" smtClean="0"/>
-                  <a:t> seconds. </a:t>
-                </a:r>
-                <a:r>
-                  <a:rPr lang="en-US" dirty="0" smtClean="0"/>
-                  <a:t>If </a:t>
-                </a:r>
-                <a:r>
-                  <a:rPr lang="en-US" dirty="0" smtClean="0"/>
-                  <a:t>no heartbeat from a node is received within </a:t>
+                  <a:t> seconds. If no heartbeat from a node is received within </a:t>
                 </a:r>
                 <a14:m>
                   <m:oMath xmlns:m="http://schemas.openxmlformats.org/officeDocument/2006/math">
@@ -27049,7 +27043,7 @@
             </p:txBody>
           </p:sp>
         </mc:Choice>
-        <mc:Fallback>
+        <mc:Fallback xmlns="">
           <p:sp>
             <p:nvSpPr>
               <p:cNvPr id="3" name="Content Placeholder 2"/>
@@ -28391,8 +28385,8 @@
           </a:p>
         </p:txBody>
       </p:sp>
-      <mc:AlternateContent xmlns:mc="http://schemas.openxmlformats.org/markup-compatibility/2006" xmlns:a14="http://schemas.microsoft.com/office/drawing/2010/main">
-        <mc:Choice Requires="a14">
+      <mc:AlternateContent xmlns:mc="http://schemas.openxmlformats.org/markup-compatibility/2006">
+        <mc:Choice xmlns:a14="http://schemas.microsoft.com/office/drawing/2010/main" Requires="a14">
           <p:sp>
             <p:nvSpPr>
               <p:cNvPr id="3" name="Content Placeholder 2"/>
@@ -28406,7 +28400,7 @@
             <p:spPr/>
             <p:txBody>
               <a:bodyPr>
-                <a:normAutofit lnSpcReduction="10000"/>
+                <a:normAutofit/>
               </a:bodyPr>
               <a:lstStyle/>
               <a:p>
@@ -28431,7 +28425,11 @@
                 </a:pPr>
                 <a:r>
                   <a:rPr lang="en-US" dirty="0" smtClean="0"/>
-                  <a:t>The time </a:t>
+                  <a:t>The </a:t>
+                </a:r>
+                <a:r>
+                  <a:rPr lang="en-US" dirty="0" smtClean="0"/>
+                  <a:t>time </a:t>
                 </a:r>
                 <a:r>
                   <a:rPr lang="en-US" i="1" dirty="0" smtClean="0"/>
@@ -28554,81 +28552,18 @@
                 </a14:m>
                 <a:r>
                   <a:rPr lang="en-US" dirty="0" smtClean="0"/>
-                  <a:t> varies.</a:t>
+                  <a:t> varies</a:t>
                 </a:r>
-              </a:p>
-              <a:p>
-                <a:pPr marL="0" indent="0">
-                  <a:buNone/>
-                </a:pPr>
-                <a14:m>
-                  <m:oMath xmlns:m="http://schemas.openxmlformats.org/officeDocument/2006/math">
-                    <m:sSub>
-                      <m:sSubPr>
-                        <m:ctrlPr>
-                          <a:rPr lang="en-US" i="1">
-                            <a:latin typeface="Cambria Math" panose="02040503050406030204" pitchFamily="18" charset="0"/>
-                          </a:rPr>
-                        </m:ctrlPr>
-                      </m:sSubPr>
-                      <m:e>
-                        <m:r>
-                          <a:rPr lang="sv-SE" i="1">
-                            <a:latin typeface="Cambria Math" panose="02040503050406030204" pitchFamily="18" charset="0"/>
-                          </a:rPr>
-                          <m:t>𝑡</m:t>
-                        </m:r>
-                      </m:e>
-                      <m:sub>
-                        <m:r>
-                          <a:rPr lang="en-US" i="1">
-                            <a:latin typeface="Cambria Math" charset="0"/>
-                          </a:rPr>
-                          <m:t>𝑅</m:t>
-                        </m:r>
-                      </m:sub>
-                    </m:sSub>
-                  </m:oMath>
-                </a14:m>
                 <a:r>
                   <a:rPr lang="en-US" dirty="0" smtClean="0"/>
-                  <a:t> varies depending on:</a:t>
+                  <a:t>.</a:t>
                 </a:r>
-              </a:p>
-              <a:p>
-                <a:pPr lvl="1">
-                  <a:buFont typeface="Arial" charset="0"/>
-                  <a:buChar char="•"/>
-                </a:pPr>
-                <a:r>
-                  <a:rPr lang="en-US" dirty="0" smtClean="0"/>
-                  <a:t>Task state size</a:t>
-                </a:r>
-              </a:p>
-              <a:p>
-                <a:pPr lvl="1">
-                  <a:buFont typeface="Arial" charset="0"/>
-                  <a:buChar char="•"/>
-                </a:pPr>
-                <a:r>
-                  <a:rPr lang="en-US" dirty="0" smtClean="0"/>
-                  <a:t>Whether or not the selected node to handle the failure succeeds or die itself, in case a new node is selected</a:t>
-                </a:r>
-              </a:p>
-              <a:p>
-                <a:pPr lvl="1">
-                  <a:buFont typeface="Arial" charset="0"/>
-                  <a:buChar char="•"/>
-                </a:pPr>
-                <a:r>
-                  <a:rPr lang="en-US" dirty="0" smtClean="0"/>
-                  <a:t>Whether or not the node asked to replicate its replica succeeds or die, in case a new node is asked</a:t>
-                </a:r>
+                <a:endParaRPr lang="en-US" dirty="0" smtClean="0"/>
               </a:p>
             </p:txBody>
           </p:sp>
         </mc:Choice>
-        <mc:Fallback xmlns="">
+        <mc:Fallback>
           <p:sp>
             <p:nvSpPr>
               <p:cNvPr id="3" name="Content Placeholder 2"/>
@@ -28643,7 +28578,7 @@
               <a:blipFill rotWithShape="0">
                 <a:blip r:embed="rId3"/>
                 <a:stretch>
-                  <a:fillRect l="-1515" t="-2273"/>
+                  <a:fillRect l="-1515" t="-1667"/>
                 </a:stretch>
               </a:blipFill>
             </p:spPr>
@@ -29035,163 +28970,62 @@
               <a:rPr lang="en-US" i="1" dirty="0" smtClean="0"/>
               <a:t>t</a:t>
             </a:r>
+            <a:r>
+              <a:rPr lang="en-US" dirty="0"/>
+              <a:t> cont’d</a:t>
+            </a:r>
             <a:endParaRPr lang="en-US" dirty="0"/>
           </a:p>
         </p:txBody>
       </p:sp>
-      <mc:AlternateContent xmlns:mc="http://schemas.openxmlformats.org/markup-compatibility/2006" xmlns:a14="http://schemas.microsoft.com/office/drawing/2010/main">
-        <mc:Choice Requires="a14">
-          <p:sp>
-            <p:nvSpPr>
-              <p:cNvPr id="3" name="Content Placeholder 2"/>
-              <p:cNvSpPr>
-                <a:spLocks noGrp="1"/>
-              </p:cNvSpPr>
-              <p:nvPr>
-                <p:ph idx="1"/>
-              </p:nvPr>
-            </p:nvSpPr>
-            <p:spPr/>
-            <p:txBody>
-              <a:bodyPr/>
-              <a:lstStyle/>
-              <a:p>
-                <a:pPr marL="0" indent="0">
-                  <a:buNone/>
-                </a:pPr>
-                <a:r>
-                  <a:rPr lang="en-US" dirty="0" smtClean="0"/>
-                  <a:t>To cope with the varying time </a:t>
-                </a:r>
-                <a14:m>
-                  <m:oMath xmlns:m="http://schemas.openxmlformats.org/officeDocument/2006/math">
-                    <m:sSub>
-                      <m:sSubPr>
-                        <m:ctrlPr>
-                          <a:rPr lang="en-US" i="1">
-                            <a:latin typeface="Cambria Math" panose="02040503050406030204" pitchFamily="18" charset="0"/>
-                          </a:rPr>
-                        </m:ctrlPr>
-                      </m:sSubPr>
-                      <m:e>
-                        <m:r>
-                          <a:rPr lang="sv-SE" i="1">
-                            <a:latin typeface="Cambria Math" panose="02040503050406030204" pitchFamily="18" charset="0"/>
-                          </a:rPr>
-                          <m:t>𝑡</m:t>
-                        </m:r>
-                      </m:e>
-                      <m:sub>
-                        <m:r>
-                          <a:rPr lang="en-US" i="1">
-                            <a:latin typeface="Cambria Math" charset="0"/>
-                          </a:rPr>
-                          <m:t>𝑅</m:t>
-                        </m:r>
-                      </m:sub>
-                    </m:sSub>
-                  </m:oMath>
-                </a14:m>
-                <a:r>
-                  <a:rPr lang="en-US" dirty="0" smtClean="0"/>
-                  <a:t>, an experiment was conducted during which each time </a:t>
-                </a:r>
-                <a14:m>
-                  <m:oMath xmlns:m="http://schemas.openxmlformats.org/officeDocument/2006/math">
-                    <m:sSub>
-                      <m:sSubPr>
-                        <m:ctrlPr>
-                          <a:rPr lang="en-US" i="1">
-                            <a:latin typeface="Cambria Math" panose="02040503050406030204" pitchFamily="18" charset="0"/>
-                          </a:rPr>
-                        </m:ctrlPr>
-                      </m:sSubPr>
-                      <m:e>
-                        <m:r>
-                          <a:rPr lang="sv-SE" i="1">
-                            <a:latin typeface="Cambria Math" panose="02040503050406030204" pitchFamily="18" charset="0"/>
-                          </a:rPr>
-                          <m:t>𝑡</m:t>
-                        </m:r>
-                      </m:e>
-                      <m:sub>
-                        <m:r>
-                          <a:rPr lang="en-US" i="1">
-                            <a:latin typeface="Cambria Math" charset="0"/>
-                          </a:rPr>
-                          <m:t>𝑅</m:t>
-                        </m:r>
-                      </m:sub>
-                    </m:sSub>
-                  </m:oMath>
-                </a14:m>
-                <a:r>
-                  <a:rPr lang="en-US" dirty="0" smtClean="0"/>
-                  <a:t> was registered, in order to find a distribution fitting to the data. </a:t>
-                </a:r>
-                <a:endParaRPr lang="en-US" dirty="0"/>
-              </a:p>
-              <a:p>
-                <a:pPr lvl="1">
-                  <a:buFont typeface="Arial" panose="020B0604020202020204" pitchFamily="34" charset="0"/>
-                  <a:buChar char="•"/>
-                </a:pPr>
-                <a:r>
-                  <a:rPr lang="en-US" dirty="0" smtClean="0"/>
-                  <a:t>log-logistic was found to be the best fit</a:t>
-                </a:r>
-              </a:p>
-              <a:p>
-                <a:pPr>
-                  <a:buFont typeface="Arial" charset="0"/>
-                  <a:buChar char="•"/>
-                </a:pPr>
-                <a:endParaRPr lang="en-US" dirty="0" smtClean="0"/>
-              </a:p>
-              <a:p>
-                <a:pPr>
-                  <a:buFont typeface="Arial" charset="0"/>
-                  <a:buChar char="•"/>
-                </a:pPr>
-                <a:endParaRPr lang="en-US" dirty="0" smtClean="0"/>
-              </a:p>
-            </p:txBody>
-          </p:sp>
-        </mc:Choice>
-        <mc:Fallback xmlns="">
-          <p:sp>
-            <p:nvSpPr>
-              <p:cNvPr id="3" name="Content Placeholder 2"/>
-              <p:cNvSpPr>
-                <a:spLocks noGrp="1" noRot="1" noChangeAspect="1" noMove="1" noResize="1" noEditPoints="1" noAdjustHandles="1" noChangeArrowheads="1" noChangeShapeType="1" noTextEdit="1"/>
-              </p:cNvSpPr>
-              <p:nvPr>
-                <p:ph idx="1"/>
-              </p:nvPr>
-            </p:nvSpPr>
-            <p:spPr>
-              <a:blipFill rotWithShape="0">
-                <a:blip r:embed="rId3"/>
-                <a:stretch>
-                  <a:fillRect l="-1515" t="-1667"/>
-                </a:stretch>
-              </a:blipFill>
-            </p:spPr>
-            <p:txBody>
-              <a:bodyPr/>
-              <a:lstStyle/>
-              <a:p>
-                <a:r>
-                  <a:rPr lang="sv-SE">
-                    <a:noFill/>
-                  </a:rPr>
-                  <a:t> </a:t>
-                </a:r>
-              </a:p>
-            </p:txBody>
-          </p:sp>
-        </mc:Fallback>
-      </mc:AlternateContent>
+      <p:sp>
+        <p:nvSpPr>
+          <p:cNvPr id="3" name="Content Placeholder 2"/>
+          <p:cNvSpPr>
+            <a:spLocks noGrp="1"/>
+          </p:cNvSpPr>
+          <p:nvPr>
+            <p:ph idx="1"/>
+          </p:nvPr>
+        </p:nvSpPr>
+        <p:spPr/>
+        <p:txBody>
+          <a:bodyPr/>
+          <a:lstStyle/>
+          <a:p>
+            <a:pPr marL="201168" lvl="1" indent="0">
+              <a:buNone/>
+            </a:pPr>
+            <a:r>
+              <a:rPr lang="en-US" dirty="0" smtClean="0"/>
+              <a:t>2000 measurements</a:t>
+            </a:r>
+          </a:p>
+          <a:p>
+            <a:pPr marL="201168" lvl="1" indent="0">
+              <a:buNone/>
+            </a:pPr>
+            <a:r>
+              <a:rPr lang="en-US" dirty="0" smtClean="0"/>
+              <a:t>Log-logistic was found to be the best fit</a:t>
+            </a:r>
+          </a:p>
+          <a:p>
+            <a:pPr>
+              <a:buFont typeface="Arial" charset="0"/>
+              <a:buChar char="•"/>
+            </a:pPr>
+            <a:endParaRPr lang="en-US" dirty="0" smtClean="0"/>
+          </a:p>
+          <a:p>
+            <a:pPr>
+              <a:buFont typeface="Arial" charset="0"/>
+              <a:buChar char="•"/>
+            </a:pPr>
+            <a:endParaRPr lang="en-US" dirty="0" smtClean="0"/>
+          </a:p>
+        </p:txBody>
+      </p:sp>
       <p:pic>
         <p:nvPicPr>
           <p:cNvPr id="5" name="Picture 4"/>
@@ -29201,7 +29035,7 @@
           <p:nvPr/>
         </p:nvPicPr>
         <p:blipFill>
-          <a:blip r:embed="rId4">
+          <a:blip r:embed="rId3">
             <a:extLst>
               <a:ext uri="{28A0092B-C50C-407E-A947-70E740481C1C}">
                 <a14:useLocalDpi xmlns:a14="http://schemas.microsoft.com/office/drawing/2010/main" val="0"/>

--- a/presentation/presentation2.pptx
+++ b/presentation/presentation2.pptx
@@ -5,7 +5,7 @@
     <p:sldMasterId id="2147483673" r:id="rId1"/>
   </p:sldMasterIdLst>
   <p:notesMasterIdLst>
-    <p:notesMasterId r:id="rId43"/>
+    <p:notesMasterId r:id="rId41"/>
   </p:notesMasterIdLst>
   <p:sldIdLst>
     <p:sldId id="383" r:id="rId2"/>
@@ -38,17 +38,15 @@
     <p:sldId id="317" r:id="rId29"/>
     <p:sldId id="318" r:id="rId30"/>
     <p:sldId id="381" r:id="rId31"/>
-    <p:sldId id="332" r:id="rId32"/>
-    <p:sldId id="336" r:id="rId33"/>
-    <p:sldId id="337" r:id="rId34"/>
-    <p:sldId id="258" r:id="rId35"/>
-    <p:sldId id="277" r:id="rId36"/>
-    <p:sldId id="278" r:id="rId37"/>
-    <p:sldId id="368" r:id="rId38"/>
-    <p:sldId id="369" r:id="rId39"/>
-    <p:sldId id="376" r:id="rId40"/>
-    <p:sldId id="380" r:id="rId41"/>
-    <p:sldId id="367" r:id="rId42"/>
+    <p:sldId id="258" r:id="rId32"/>
+    <p:sldId id="277" r:id="rId33"/>
+    <p:sldId id="278" r:id="rId34"/>
+    <p:sldId id="368" r:id="rId35"/>
+    <p:sldId id="369" r:id="rId36"/>
+    <p:sldId id="376" r:id="rId37"/>
+    <p:sldId id="380" r:id="rId38"/>
+    <p:sldId id="367" r:id="rId39"/>
+    <p:sldId id="396" r:id="rId40"/>
   </p:sldIdLst>
   <p:sldSz cx="12192000" cy="6858000"/>
   <p:notesSz cx="6858000" cy="9144000"/>
@@ -10304,166 +10302,534 @@
           <a:lstStyle/>
           <a:p>
             <a:r>
-              <a:rPr lang="sv-SE" i="0" baseline="0" noProof="0" dirty="0" smtClean="0"/>
-              <a:t>Om vi backar tillbaka lite till hur vi beräknar tillförlitligheten för en nod, så beror den på en tid t som är tiden från det att ett fel inträffar tills det att en ny </a:t>
-            </a:r>
-            <a:r>
-              <a:rPr lang="sv-SE" i="0" baseline="0" noProof="0" dirty="0" err="1" smtClean="0"/>
-              <a:t>replika</a:t>
-            </a:r>
-            <a:r>
-              <a:rPr lang="sv-SE" i="0" baseline="0" noProof="0" dirty="0" smtClean="0"/>
-              <a:t> är operationell. Den tiden kan delas upp </a:t>
-            </a:r>
-            <a:r>
-              <a:rPr lang="sv-SE" i="0" baseline="0" noProof="0" dirty="0" err="1" smtClean="0"/>
-              <a:t>t_D</a:t>
-            </a:r>
-            <a:r>
-              <a:rPr lang="sv-SE" i="0" baseline="0" noProof="0" dirty="0" smtClean="0"/>
-              <a:t> och </a:t>
-            </a:r>
-            <a:r>
-              <a:rPr lang="sv-SE" i="0" baseline="0" noProof="0" dirty="0" err="1" smtClean="0"/>
-              <a:t>t_R</a:t>
-            </a:r>
-            <a:r>
-              <a:rPr lang="sv-SE" i="0" baseline="0" noProof="0" dirty="0" smtClean="0"/>
-              <a:t> där </a:t>
-            </a:r>
-            <a:r>
-              <a:rPr lang="sv-SE" i="0" baseline="0" noProof="0" dirty="0" err="1" smtClean="0"/>
-              <a:t>t_D</a:t>
-            </a:r>
-            <a:r>
-              <a:rPr lang="sv-SE" i="0" baseline="0" noProof="0" dirty="0" smtClean="0"/>
-              <a:t> är tiden det </a:t>
-            </a:r>
-            <a:r>
-              <a:rPr lang="sv-SE" i="0" baseline="0" noProof="0" dirty="0" smtClean="0"/>
-              <a:t>tar att </a:t>
-            </a:r>
-            <a:r>
-              <a:rPr lang="sv-SE" i="0" baseline="0" noProof="0" dirty="0" err="1" smtClean="0"/>
+              <a:rPr lang="en-US" dirty="0" err="1" smtClean="0"/>
+              <a:t>För</a:t>
+            </a:r>
+            <a:r>
+              <a:rPr lang="en-US" baseline="0" dirty="0" smtClean="0"/>
+              <a:t> </a:t>
+            </a:r>
+            <a:r>
+              <a:rPr lang="en-US" baseline="0" dirty="0" err="1" smtClean="0"/>
+              <a:t>att</a:t>
+            </a:r>
+            <a:r>
+              <a:rPr lang="en-US" baseline="0" dirty="0" smtClean="0"/>
+              <a:t> </a:t>
+            </a:r>
+            <a:r>
+              <a:rPr lang="en-US" baseline="0" dirty="0" err="1" smtClean="0"/>
+              <a:t>demonstrera</a:t>
+            </a:r>
+            <a:r>
+              <a:rPr lang="en-US" baseline="0" dirty="0" smtClean="0"/>
+              <a:t> </a:t>
+            </a:r>
+            <a:r>
+              <a:rPr lang="en-US" baseline="0" dirty="0" err="1" smtClean="0"/>
+              <a:t>vår</a:t>
+            </a:r>
+            <a:r>
+              <a:rPr lang="en-US" baseline="0" dirty="0" smtClean="0"/>
+              <a:t> </a:t>
+            </a:r>
+            <a:r>
+              <a:rPr lang="en-US" baseline="0" dirty="0" err="1" smtClean="0"/>
+              <a:t>modell</a:t>
+            </a:r>
+            <a:r>
+              <a:rPr lang="en-US" baseline="0" dirty="0" smtClean="0"/>
+              <a:t> </a:t>
+            </a:r>
+            <a:r>
+              <a:rPr lang="en-US" baseline="0" dirty="0" err="1" smtClean="0"/>
+              <a:t>så</a:t>
+            </a:r>
+            <a:r>
+              <a:rPr lang="en-US" baseline="0" dirty="0" smtClean="0"/>
+              <a:t> </a:t>
+            </a:r>
+            <a:r>
+              <a:rPr lang="en-US" baseline="0" dirty="0" err="1" smtClean="0"/>
+              <a:t>har</a:t>
+            </a:r>
+            <a:r>
+              <a:rPr lang="en-US" baseline="0" dirty="0" smtClean="0"/>
+              <a:t> vi </a:t>
+            </a:r>
+            <a:r>
+              <a:rPr lang="en-US" baseline="0" dirty="0" err="1" smtClean="0"/>
+              <a:t>genomfört</a:t>
+            </a:r>
+            <a:r>
+              <a:rPr lang="en-US" baseline="0" dirty="0" smtClean="0"/>
+              <a:t> </a:t>
+            </a:r>
+            <a:r>
+              <a:rPr lang="en-US" baseline="0" dirty="0" err="1" smtClean="0"/>
+              <a:t>ett</a:t>
+            </a:r>
+            <a:r>
+              <a:rPr lang="en-US" baseline="0" dirty="0" smtClean="0"/>
+              <a:t> </a:t>
+            </a:r>
+            <a:r>
+              <a:rPr lang="en-US" baseline="0" dirty="0" err="1" smtClean="0"/>
+              <a:t>antal</a:t>
+            </a:r>
+            <a:r>
+              <a:rPr lang="en-US" baseline="0" dirty="0" smtClean="0"/>
+              <a:t> experiment</a:t>
+            </a:r>
+          </a:p>
+          <a:p>
+            <a:endParaRPr lang="en-US" baseline="0" dirty="0" smtClean="0"/>
+          </a:p>
+          <a:p>
+            <a:r>
+              <a:rPr lang="en-US" baseline="0" dirty="0" err="1" smtClean="0"/>
+              <a:t>Syftet</a:t>
+            </a:r>
+            <a:r>
+              <a:rPr lang="en-US" baseline="0" dirty="0" smtClean="0"/>
+              <a:t> med </a:t>
+            </a:r>
+            <a:r>
+              <a:rPr lang="en-US" baseline="0" dirty="0" err="1" smtClean="0"/>
+              <a:t>experimenten</a:t>
+            </a:r>
+            <a:r>
+              <a:rPr lang="en-US" baseline="0" dirty="0" smtClean="0"/>
+              <a:t> </a:t>
+            </a:r>
+            <a:r>
+              <a:rPr lang="en-US" baseline="0" dirty="0" err="1" smtClean="0"/>
+              <a:t>var</a:t>
+            </a:r>
+            <a:r>
+              <a:rPr lang="en-US" baseline="0" dirty="0" smtClean="0"/>
+              <a:t> bland </a:t>
+            </a:r>
+            <a:r>
+              <a:rPr lang="en-US" baseline="0" dirty="0" err="1" smtClean="0"/>
+              <a:t>annat</a:t>
+            </a:r>
+            <a:r>
+              <a:rPr lang="en-US" baseline="0" dirty="0" smtClean="0"/>
+              <a:t> </a:t>
+            </a:r>
+            <a:r>
+              <a:rPr lang="en-US" baseline="0" dirty="0" err="1" smtClean="0"/>
+              <a:t>att</a:t>
+            </a:r>
+            <a:r>
+              <a:rPr lang="en-US" baseline="0" dirty="0" smtClean="0"/>
+              <a:t> visa </a:t>
+            </a:r>
+            <a:r>
+              <a:rPr lang="en-US" baseline="0" dirty="0" err="1" smtClean="0"/>
+              <a:t>att</a:t>
+            </a:r>
+            <a:endParaRPr lang="en-US" baseline="0" dirty="0" smtClean="0"/>
+          </a:p>
+          <a:p>
+            <a:pPr marL="228600" indent="-228600">
+              <a:buFont typeface="+mj-lt"/>
+              <a:buAutoNum type="arabicPeriod"/>
+            </a:pPr>
+            <a:r>
+              <a:rPr lang="en-US" baseline="0" dirty="0" err="1" smtClean="0"/>
+              <a:t>tillförlitligheten</a:t>
+            </a:r>
+            <a:r>
+              <a:rPr lang="en-US" baseline="0" dirty="0" smtClean="0"/>
+              <a:t> </a:t>
+            </a:r>
+            <a:r>
+              <a:rPr lang="en-US" baseline="0" dirty="0" err="1" smtClean="0"/>
+              <a:t>över</a:t>
+            </a:r>
+            <a:r>
+              <a:rPr lang="en-US" baseline="0" dirty="0" smtClean="0"/>
+              <a:t> </a:t>
+            </a:r>
+            <a:r>
+              <a:rPr lang="en-US" baseline="0" dirty="0" err="1" smtClean="0"/>
+              <a:t>tid</a:t>
+            </a:r>
+            <a:r>
+              <a:rPr lang="en-US" baseline="0" dirty="0" smtClean="0"/>
+              <a:t> </a:t>
+            </a:r>
+            <a:r>
+              <a:rPr lang="en-US" baseline="0" dirty="0" err="1" smtClean="0"/>
+              <a:t>dynamiskt</a:t>
+            </a:r>
+            <a:r>
+              <a:rPr lang="en-US" baseline="0" dirty="0" smtClean="0"/>
+              <a:t> </a:t>
+            </a:r>
+            <a:r>
+              <a:rPr lang="en-US" baseline="0" dirty="0" err="1" smtClean="0"/>
+              <a:t>uppnås</a:t>
+            </a:r>
+            <a:r>
+              <a:rPr lang="en-US" baseline="0" dirty="0" smtClean="0"/>
+              <a:t> </a:t>
+            </a:r>
+            <a:r>
+              <a:rPr lang="en-US" baseline="0" dirty="0" err="1" smtClean="0"/>
+              <a:t>genom</a:t>
+            </a:r>
+            <a:r>
+              <a:rPr lang="en-US" baseline="0" dirty="0" smtClean="0"/>
+              <a:t> </a:t>
+            </a:r>
+            <a:r>
+              <a:rPr lang="en-US" baseline="0" dirty="0" err="1" smtClean="0"/>
+              <a:t>att</a:t>
+            </a:r>
+            <a:r>
+              <a:rPr lang="en-US" baseline="0" dirty="0" smtClean="0"/>
+              <a:t> </a:t>
+            </a:r>
+            <a:r>
+              <a:rPr lang="en-US" baseline="0" dirty="0" err="1" smtClean="0"/>
               <a:t>detekera</a:t>
             </a:r>
             <a:r>
-              <a:rPr lang="sv-SE" i="0" baseline="0" noProof="0" dirty="0" smtClean="0"/>
-              <a:t> att en nod har </a:t>
-            </a:r>
-            <a:r>
-              <a:rPr lang="sv-SE" i="0" baseline="0" noProof="0" dirty="0" smtClean="0"/>
-              <a:t>dött medans </a:t>
-            </a:r>
-            <a:r>
-              <a:rPr lang="sv-SE" i="0" baseline="0" noProof="0" dirty="0" err="1" smtClean="0"/>
-              <a:t>t_R</a:t>
-            </a:r>
-            <a:r>
-              <a:rPr lang="sv-SE" i="0" baseline="0" noProof="0" dirty="0" smtClean="0"/>
-              <a:t> är tiden </a:t>
-            </a:r>
-            <a:r>
-              <a:rPr lang="sv-SE" i="0" baseline="0" noProof="0" dirty="0" smtClean="0"/>
-              <a:t>det tar att hantera felet och skapa en ny </a:t>
-            </a:r>
-            <a:r>
-              <a:rPr lang="sv-SE" i="0" baseline="0" noProof="0" dirty="0" err="1" smtClean="0"/>
-              <a:t>replika</a:t>
-            </a:r>
-            <a:r>
-              <a:rPr lang="sv-SE" i="0" baseline="0" noProof="0" dirty="0" smtClean="0"/>
-              <a:t>.</a:t>
-            </a:r>
-          </a:p>
-          <a:p>
-            <a:endParaRPr lang="sv-SE" i="0" baseline="0" noProof="0" dirty="0" smtClean="0"/>
-          </a:p>
-          <a:p>
-            <a:r>
-              <a:rPr lang="sv-SE" i="0" baseline="0" noProof="0" dirty="0" smtClean="0"/>
-              <a:t>T_D är satt till </a:t>
-            </a:r>
-            <a:r>
-              <a:rPr lang="sv-SE" i="0" baseline="0" noProof="0" dirty="0" err="1" smtClean="0"/>
-              <a:t>timeouteiden</a:t>
-            </a:r>
-            <a:r>
-              <a:rPr lang="sv-SE" i="0" baseline="0" noProof="0" dirty="0" smtClean="0"/>
-              <a:t> för </a:t>
-            </a:r>
-            <a:r>
-              <a:rPr lang="sv-SE" i="0" baseline="0" noProof="0" dirty="0" err="1" smtClean="0"/>
-              <a:t>heartbeat</a:t>
-            </a:r>
-            <a:r>
-              <a:rPr lang="sv-SE" i="0" baseline="0" noProof="0" dirty="0" smtClean="0"/>
-              <a:t> medan </a:t>
-            </a:r>
-            <a:r>
-              <a:rPr lang="sv-SE" i="0" baseline="0" noProof="0" dirty="0" err="1" smtClean="0"/>
-              <a:t>t_R</a:t>
-            </a:r>
-            <a:r>
-              <a:rPr lang="sv-SE" i="0" baseline="0" noProof="0" dirty="0" smtClean="0"/>
-              <a:t> varierar mycket</a:t>
-            </a:r>
-            <a:endParaRPr lang="sv-SE" i="0" baseline="0" noProof="0" dirty="0" smtClean="0"/>
-          </a:p>
-          <a:p>
-            <a:endParaRPr lang="sv-SE" i="0" baseline="0" noProof="0" dirty="0" smtClean="0"/>
-          </a:p>
-          <a:p>
-            <a:pPr marL="0" marR="0" indent="0" algn="l" defTabSz="914400" rtl="0" eaLnBrk="1" fontAlgn="auto" latinLnBrk="0" hangingPunct="1">
-              <a:lnSpc>
-                <a:spcPct val="100000"/>
-              </a:lnSpc>
-              <a:spcBef>
-                <a:spcPts val="0"/>
-              </a:spcBef>
-              <a:spcAft>
-                <a:spcPts val="0"/>
-              </a:spcAft>
-              <a:buClrTx/>
-              <a:buSzTx/>
-              <a:buFontTx/>
+              <a:rPr lang="en-US" baseline="0" dirty="0" smtClean="0"/>
+              <a:t> </a:t>
+            </a:r>
+            <a:r>
+              <a:rPr lang="en-US" baseline="0" dirty="0" err="1" smtClean="0"/>
+              <a:t>när</a:t>
+            </a:r>
+            <a:r>
+              <a:rPr lang="en-US" baseline="0" dirty="0" smtClean="0"/>
+              <a:t> </a:t>
+            </a:r>
+            <a:r>
+              <a:rPr lang="en-US" baseline="0" dirty="0" err="1" smtClean="0"/>
+              <a:t>noder</a:t>
+            </a:r>
+            <a:r>
+              <a:rPr lang="en-US" baseline="0" dirty="0" smtClean="0"/>
+              <a:t> </a:t>
+            </a:r>
+            <a:r>
+              <a:rPr lang="en-US" baseline="0" dirty="0" err="1" smtClean="0"/>
+              <a:t>dör</a:t>
+            </a:r>
+            <a:r>
+              <a:rPr lang="en-US" baseline="0" dirty="0" smtClean="0"/>
+              <a:t> </a:t>
+            </a:r>
+            <a:r>
+              <a:rPr lang="en-US" baseline="0" dirty="0" err="1" smtClean="0"/>
+              <a:t>samt</a:t>
+            </a:r>
+            <a:r>
+              <a:rPr lang="en-US" baseline="0" dirty="0" smtClean="0"/>
+              <a:t> </a:t>
+            </a:r>
+            <a:r>
+              <a:rPr lang="en-US" baseline="0" dirty="0" err="1" smtClean="0"/>
+              <a:t>starta</a:t>
+            </a:r>
+            <a:r>
+              <a:rPr lang="en-US" baseline="0" dirty="0" smtClean="0"/>
+              <a:t> </a:t>
+            </a:r>
+            <a:r>
+              <a:rPr lang="en-US" baseline="0" dirty="0" err="1" smtClean="0"/>
+              <a:t>nya</a:t>
+            </a:r>
+            <a:r>
+              <a:rPr lang="en-US" baseline="0" dirty="0" smtClean="0"/>
+              <a:t> </a:t>
+            </a:r>
+            <a:r>
+              <a:rPr lang="en-US" baseline="0" dirty="0" err="1" smtClean="0"/>
+              <a:t>replikor</a:t>
+            </a:r>
+            <a:endParaRPr lang="en-US" baseline="0" dirty="0" smtClean="0"/>
+          </a:p>
+          <a:p>
+            <a:pPr marL="228600" indent="-228600">
+              <a:buFont typeface="+mj-lt"/>
+              <a:buAutoNum type="arabicPeriod"/>
+            </a:pPr>
+            <a:endParaRPr lang="en-US" baseline="0" dirty="0" smtClean="0"/>
+          </a:p>
+          <a:p>
+            <a:pPr marL="228600" indent="-228600">
+              <a:buFont typeface="+mj-lt"/>
+              <a:buAutoNum type="arabicPeriod"/>
+            </a:pPr>
+            <a:r>
+              <a:rPr lang="en-US" baseline="0" dirty="0" err="1" smtClean="0"/>
+              <a:t>det</a:t>
+            </a:r>
+            <a:r>
+              <a:rPr lang="en-US" baseline="0" dirty="0" smtClean="0"/>
+              <a:t> </a:t>
+            </a:r>
+            <a:r>
+              <a:rPr lang="en-US" baseline="0" dirty="0" err="1" smtClean="0"/>
+              <a:t>inte</a:t>
+            </a:r>
+            <a:r>
+              <a:rPr lang="en-US" baseline="0" dirty="0" smtClean="0"/>
+              <a:t> </a:t>
+            </a:r>
+            <a:r>
+              <a:rPr lang="en-US" baseline="0" dirty="0" err="1" smtClean="0"/>
+              <a:t>skapas</a:t>
+            </a:r>
+            <a:r>
+              <a:rPr lang="en-US" baseline="0" dirty="0" smtClean="0"/>
+              <a:t> </a:t>
+            </a:r>
+            <a:r>
+              <a:rPr lang="en-US" baseline="0" dirty="0" err="1" smtClean="0"/>
+              <a:t>fler</a:t>
+            </a:r>
+            <a:r>
+              <a:rPr lang="en-US" baseline="0" dirty="0" smtClean="0"/>
+              <a:t> </a:t>
+            </a:r>
+            <a:r>
+              <a:rPr lang="en-US" baseline="0" dirty="0" err="1" smtClean="0"/>
+              <a:t>replikor</a:t>
+            </a:r>
+            <a:r>
+              <a:rPr lang="en-US" baseline="0" dirty="0" smtClean="0"/>
+              <a:t> </a:t>
+            </a:r>
+            <a:r>
+              <a:rPr lang="en-US" baseline="0" dirty="0" err="1" smtClean="0"/>
+              <a:t>än</a:t>
+            </a:r>
+            <a:r>
+              <a:rPr lang="en-US" baseline="0" dirty="0" smtClean="0"/>
+              <a:t> </a:t>
+            </a:r>
+            <a:r>
+              <a:rPr lang="en-US" baseline="0" dirty="0" err="1" smtClean="0"/>
+              <a:t>nödvändigt</a:t>
+            </a:r>
+            <a:r>
+              <a:rPr lang="en-US" baseline="0" dirty="0" smtClean="0"/>
+              <a:t> </a:t>
+            </a:r>
+            <a:r>
+              <a:rPr lang="en-US" baseline="0" dirty="0" err="1" smtClean="0"/>
+              <a:t>genom</a:t>
+            </a:r>
+            <a:r>
+              <a:rPr lang="en-US" baseline="0" dirty="0" smtClean="0"/>
+              <a:t> </a:t>
+            </a:r>
+            <a:r>
+              <a:rPr lang="en-US" baseline="0" dirty="0" err="1" smtClean="0"/>
+              <a:t>att</a:t>
+            </a:r>
+            <a:endParaRPr lang="en-US" baseline="0" dirty="0" smtClean="0"/>
+          </a:p>
+          <a:p>
+            <a:pPr marL="685800" lvl="1" indent="-228600">
+              <a:buFont typeface="+mj-lt"/>
+              <a:buAutoNum type="arabicPeriod"/>
+            </a:pPr>
+            <a:r>
+              <a:rPr lang="en-US" baseline="0" dirty="0" err="1" smtClean="0"/>
+              <a:t>Välja</a:t>
+            </a:r>
+            <a:r>
+              <a:rPr lang="en-US" baseline="0" dirty="0" smtClean="0"/>
+              <a:t> de </a:t>
+            </a:r>
+            <a:r>
+              <a:rPr lang="en-US" baseline="0" dirty="0" err="1" smtClean="0"/>
+              <a:t>mest</a:t>
+            </a:r>
+            <a:r>
+              <a:rPr lang="en-US" baseline="0" dirty="0" smtClean="0"/>
+              <a:t> </a:t>
+            </a:r>
+            <a:r>
+              <a:rPr lang="en-US" baseline="0" dirty="0" err="1" smtClean="0"/>
+              <a:t>tillförlitliga</a:t>
+            </a:r>
+            <a:endParaRPr lang="en-US" baseline="0" dirty="0" smtClean="0"/>
+          </a:p>
+          <a:p>
+            <a:pPr marL="685800" lvl="1" indent="-228600">
+              <a:buFont typeface="+mj-lt"/>
+              <a:buAutoNum type="arabicPeriod"/>
+            </a:pPr>
+            <a:r>
+              <a:rPr lang="en-US" baseline="0" dirty="0" smtClean="0"/>
+              <a:t>Ta </a:t>
+            </a:r>
+            <a:r>
+              <a:rPr lang="en-US" baseline="0" dirty="0" err="1" smtClean="0"/>
+              <a:t>bort</a:t>
+            </a:r>
+            <a:r>
+              <a:rPr lang="en-US" baseline="0" dirty="0" smtClean="0"/>
+              <a:t> </a:t>
+            </a:r>
+            <a:r>
+              <a:rPr lang="en-US" baseline="0" dirty="0" err="1" smtClean="0"/>
+              <a:t>överflödiga</a:t>
+            </a:r>
+            <a:r>
+              <a:rPr lang="en-US" baseline="0" dirty="0" smtClean="0"/>
+              <a:t> </a:t>
+            </a:r>
+            <a:r>
+              <a:rPr lang="en-US" baseline="0" dirty="0" err="1" smtClean="0"/>
+              <a:t>replikor</a:t>
+            </a:r>
+            <a:endParaRPr lang="en-US" baseline="0" dirty="0" smtClean="0"/>
+          </a:p>
+          <a:p>
+            <a:pPr marL="685800" lvl="1" indent="-228600">
+              <a:buFont typeface="+mj-lt"/>
+              <a:buAutoNum type="arabicPeriod"/>
+            </a:pPr>
+            <a:endParaRPr lang="en-US" baseline="0" dirty="0" smtClean="0"/>
+          </a:p>
+          <a:p>
+            <a:pPr marL="228600" lvl="0" indent="-228600">
+              <a:buFont typeface="+mj-lt"/>
+              <a:buAutoNum type="arabicPeriod"/>
+            </a:pPr>
+            <a:r>
+              <a:rPr lang="en-US" dirty="0" err="1" smtClean="0"/>
+              <a:t>Systemet</a:t>
+            </a:r>
+            <a:r>
+              <a:rPr lang="en-US" dirty="0" smtClean="0"/>
+              <a:t> tar</a:t>
+            </a:r>
+            <a:r>
+              <a:rPr lang="en-US" baseline="0" dirty="0" smtClean="0"/>
+              <a:t> </a:t>
+            </a:r>
+            <a:r>
+              <a:rPr lang="en-US" baseline="0" dirty="0" err="1" smtClean="0"/>
+              <a:t>hänsyn</a:t>
+            </a:r>
+            <a:r>
+              <a:rPr lang="en-US" baseline="0" dirty="0" smtClean="0"/>
+              <a:t> till </a:t>
+            </a:r>
+            <a:r>
+              <a:rPr lang="en-US" baseline="0" dirty="0" err="1" smtClean="0"/>
+              <a:t>varierande</a:t>
+            </a:r>
+            <a:r>
+              <a:rPr lang="en-US" baseline="0" dirty="0" smtClean="0"/>
+              <a:t> </a:t>
+            </a:r>
+            <a:r>
+              <a:rPr lang="en-US" baseline="0" dirty="0" err="1" smtClean="0"/>
+              <a:t>egenskaper</a:t>
+            </a:r>
+            <a:r>
+              <a:rPr lang="en-US" baseline="0" dirty="0" smtClean="0"/>
+              <a:t> hos </a:t>
+            </a:r>
+            <a:r>
+              <a:rPr lang="en-US" baseline="0" dirty="0" err="1" smtClean="0"/>
+              <a:t>noderna</a:t>
+            </a:r>
+            <a:endParaRPr lang="en-US" baseline="0" dirty="0" smtClean="0"/>
+          </a:p>
+          <a:p>
+            <a:pPr marL="228600" lvl="0" indent="-228600">
+              <a:buFont typeface="+mj-lt"/>
+              <a:buAutoNum type="arabicPeriod"/>
+            </a:pPr>
+            <a:endParaRPr lang="en-US" baseline="0" dirty="0" smtClean="0"/>
+          </a:p>
+          <a:p>
+            <a:pPr marL="0" lvl="0" indent="0">
+              <a:buFont typeface="+mj-lt"/>
               <a:buNone/>
-              <a:tabLst/>
-              <a:defRPr/>
             </a:pPr>
             <a:r>
-              <a:rPr lang="sv-SE" noProof="0" dirty="0" smtClean="0"/>
-              <a:t>För att hantera den här varierande tiden, så valde vi att inte bara använda</a:t>
-            </a:r>
-            <a:r>
-              <a:rPr lang="sv-SE" baseline="0" noProof="0" dirty="0" smtClean="0"/>
-              <a:t> ett medelvärde tex, eftersom de teoretiskt sätt kan variera ganska mycket, vilket därmed påverkar tillförlitligheten ganska mycket.</a:t>
-            </a:r>
-            <a:endParaRPr lang="sv-SE" i="0" baseline="0" noProof="0" dirty="0" smtClean="0"/>
-          </a:p>
-          <a:p>
-            <a:pPr marL="0" marR="0" indent="0" algn="l" defTabSz="914400" rtl="0" eaLnBrk="1" fontAlgn="auto" latinLnBrk="0" hangingPunct="1">
-              <a:lnSpc>
-                <a:spcPct val="100000"/>
-              </a:lnSpc>
-              <a:spcBef>
-                <a:spcPts val="0"/>
-              </a:spcBef>
-              <a:spcAft>
-                <a:spcPts val="0"/>
-              </a:spcAft>
-              <a:buClrTx/>
-              <a:buSzTx/>
-              <a:buFontTx/>
-              <a:buNone/>
-              <a:tabLst/>
-              <a:defRPr/>
-            </a:pPr>
-            <a:r>
-              <a:rPr lang="sv-SE" i="0" baseline="0" noProof="0" dirty="0" smtClean="0"/>
-              <a:t>[BYT SLIDE]</a:t>
-            </a:r>
-            <a:endParaRPr lang="sv-SE" baseline="0" noProof="0" dirty="0" smtClean="0"/>
+              <a:rPr lang="en-US" baseline="0" dirty="0" smtClean="0"/>
+              <a:t>Vi </a:t>
+            </a:r>
+            <a:r>
+              <a:rPr lang="en-US" baseline="0" dirty="0" err="1" smtClean="0"/>
+              <a:t>kommer</a:t>
+            </a:r>
+            <a:r>
+              <a:rPr lang="en-US" baseline="0" dirty="0" smtClean="0"/>
+              <a:t> </a:t>
+            </a:r>
+            <a:r>
+              <a:rPr lang="en-US" baseline="0" dirty="0" err="1" smtClean="0"/>
+              <a:t>inte</a:t>
+            </a:r>
+            <a:r>
+              <a:rPr lang="en-US" baseline="0" dirty="0" smtClean="0"/>
+              <a:t> </a:t>
+            </a:r>
+            <a:r>
+              <a:rPr lang="en-US" baseline="0" dirty="0" err="1" smtClean="0"/>
+              <a:t>att</a:t>
+            </a:r>
+            <a:r>
+              <a:rPr lang="en-US" baseline="0" dirty="0" smtClean="0"/>
+              <a:t> </a:t>
+            </a:r>
+            <a:r>
+              <a:rPr lang="en-US" baseline="0" dirty="0" err="1" smtClean="0"/>
+              <a:t>gå</a:t>
+            </a:r>
+            <a:r>
+              <a:rPr lang="en-US" baseline="0" dirty="0" smtClean="0"/>
+              <a:t> </a:t>
+            </a:r>
+            <a:r>
+              <a:rPr lang="en-US" baseline="0" dirty="0" err="1" smtClean="0"/>
+              <a:t>igenom</a:t>
+            </a:r>
+            <a:r>
+              <a:rPr lang="en-US" baseline="0" dirty="0" smtClean="0"/>
+              <a:t> </a:t>
+            </a:r>
+            <a:r>
+              <a:rPr lang="en-US" baseline="0" dirty="0" err="1" smtClean="0"/>
+              <a:t>alla</a:t>
+            </a:r>
+            <a:r>
+              <a:rPr lang="en-US" baseline="0" dirty="0" smtClean="0"/>
+              <a:t> </a:t>
+            </a:r>
+            <a:r>
+              <a:rPr lang="en-US" baseline="0" dirty="0" err="1" smtClean="0"/>
+              <a:t>resultat</a:t>
+            </a:r>
+            <a:r>
+              <a:rPr lang="en-US" baseline="0" dirty="0" smtClean="0"/>
+              <a:t> </a:t>
+            </a:r>
+            <a:r>
+              <a:rPr lang="en-US" baseline="0" dirty="0" err="1" smtClean="0"/>
+              <a:t>här</a:t>
+            </a:r>
+            <a:r>
+              <a:rPr lang="is-IS" baseline="0" dirty="0" smtClean="0"/>
+              <a:t>…</a:t>
+            </a:r>
+            <a:endParaRPr lang="en-US" baseline="0" dirty="0" smtClean="0"/>
           </a:p>
         </p:txBody>
       </p:sp>
@@ -10493,7 +10859,7 @@
     </p:spTree>
     <p:extLst>
       <p:ext uri="{BB962C8B-B14F-4D97-AF65-F5344CB8AC3E}">
-        <p14:creationId xmlns:p14="http://schemas.microsoft.com/office/powerpoint/2010/main" val="1313513140"/>
+        <p14:creationId xmlns:p14="http://schemas.microsoft.com/office/powerpoint/2010/main" val="856999456"/>
       </p:ext>
     </p:extLst>
   </p:cSld>
@@ -10522,7 +10888,7 @@
       </p:grpSpPr>
       <p:sp>
         <p:nvSpPr>
-          <p:cNvPr id="2" name="Slide Image Placeholder 1"/>
+          <p:cNvPr id="2" name="Platshållare för bildobjekt 1"/>
           <p:cNvSpPr>
             <a:spLocks noGrp="1" noRot="1" noChangeAspect="1"/>
           </p:cNvSpPr>
@@ -10534,7 +10900,7 @@
       </p:sp>
       <p:sp>
         <p:nvSpPr>
-          <p:cNvPr id="3" name="Notes Placeholder 2"/>
+          <p:cNvPr id="3" name="Platshållare för anteckningar 2"/>
           <p:cNvSpPr>
             <a:spLocks noGrp="1"/>
           </p:cNvSpPr>
@@ -10548,37 +10914,28 @@
           <a:lstStyle/>
           <a:p>
             <a:r>
-              <a:rPr lang="sv-SE" baseline="0" noProof="0" dirty="0" smtClean="0"/>
-              <a:t>Istället genomförde vi ett experiment från vilket vi fick ut över 2000 värden för tiden t (exkluderat tiden det tar att detektera fel). </a:t>
-            </a:r>
-          </a:p>
-          <a:p>
-            <a:endParaRPr lang="sv-SE" baseline="0" noProof="0" dirty="0" smtClean="0"/>
-          </a:p>
-          <a:p>
-            <a:r>
-              <a:rPr lang="sv-SE" baseline="0" noProof="0" dirty="0" smtClean="0"/>
-              <a:t>Sedan matchades en rad olika distributioner mot dessa värden, och vi fann att log-</a:t>
-            </a:r>
-            <a:r>
-              <a:rPr lang="sv-SE" baseline="0" noProof="0" dirty="0" err="1" smtClean="0"/>
-              <a:t>logistic</a:t>
-            </a:r>
-            <a:r>
-              <a:rPr lang="sv-SE" baseline="0" noProof="0" dirty="0" smtClean="0"/>
-              <a:t> distribution var den </a:t>
-            </a:r>
-            <a:r>
-              <a:rPr lang="sv-SE" baseline="0" noProof="0" dirty="0" smtClean="0"/>
-              <a:t>som passade bäst.</a:t>
-            </a:r>
-            <a:endParaRPr lang="sv-SE" noProof="0" dirty="0"/>
+              <a:rPr lang="sv-SE" dirty="0" smtClean="0"/>
+              <a:t>Kom ihåg att efterso</a:t>
+            </a:r>
+            <a:r>
+              <a:rPr lang="sv-SE" baseline="0" dirty="0" smtClean="0"/>
+              <a:t>m MTBF beräknas utifrån de tre senaste </a:t>
+            </a:r>
+            <a:r>
+              <a:rPr lang="sv-SE" baseline="0" dirty="0" err="1" smtClean="0"/>
+              <a:t>feltiderna</a:t>
+            </a:r>
+            <a:r>
+              <a:rPr lang="sv-SE" baseline="0" dirty="0" smtClean="0"/>
+              <a:t> så kommer noderna tillförlitlighet att anpassa sig, vilket syns i grafen.</a:t>
+            </a:r>
+            <a:endParaRPr lang="sv-SE" dirty="0"/>
           </a:p>
         </p:txBody>
       </p:sp>
       <p:sp>
         <p:nvSpPr>
-          <p:cNvPr id="4" name="Slide Number Placeholder 3"/>
+          <p:cNvPr id="4" name="Platshållare för bildnummer 3"/>
           <p:cNvSpPr>
             <a:spLocks noGrp="1"/>
           </p:cNvSpPr>
@@ -10602,7 +10959,7 @@
     </p:spTree>
     <p:extLst>
       <p:ext uri="{BB962C8B-B14F-4D97-AF65-F5344CB8AC3E}">
-        <p14:creationId xmlns:p14="http://schemas.microsoft.com/office/powerpoint/2010/main" val="664243240"/>
+        <p14:creationId xmlns:p14="http://schemas.microsoft.com/office/powerpoint/2010/main" val="1031593842"/>
       </p:ext>
     </p:extLst>
   </p:cSld>
@@ -10657,40 +11014,889 @@
           <a:lstStyle/>
           <a:p>
             <a:r>
-              <a:rPr lang="sv-SE" noProof="0" dirty="0" smtClean="0"/>
-              <a:t>I tillförlitlighetsmodellen,</a:t>
-            </a:r>
-            <a:r>
-              <a:rPr lang="sv-SE" baseline="0" noProof="0" dirty="0" smtClean="0"/>
-              <a:t> så används därmed de tidigare registrerade tiderna först för att få fram parametrarna till log-logistiska distributionen</a:t>
-            </a:r>
-          </a:p>
-          <a:p>
-            <a:endParaRPr lang="sv-SE" baseline="0" noProof="0" dirty="0" smtClean="0"/>
-          </a:p>
-          <a:p>
-            <a:r>
-              <a:rPr lang="sv-SE" baseline="0" noProof="0" dirty="0" smtClean="0"/>
-              <a:t>Efter det, så väljs det 95e percentilen, vilket innebär att med 95% sannolikhet kommer nästa värde vara mindre än detta, och genom att använda detta värde kommer vi I 95% av fallen beräkna fram en lägre tillförlitlighet än den faktiska.</a:t>
-            </a:r>
-          </a:p>
-          <a:p>
-            <a:endParaRPr lang="sv-SE" baseline="0" noProof="0" dirty="0" smtClean="0"/>
-          </a:p>
-          <a:p>
-            <a:r>
-              <a:rPr lang="sv-SE" baseline="0" noProof="0" dirty="0" smtClean="0"/>
-              <a:t>Innan några </a:t>
-            </a:r>
-            <a:r>
-              <a:rPr lang="sv-SE" baseline="0" noProof="0" dirty="0" err="1" smtClean="0"/>
-              <a:t>replication</a:t>
-            </a:r>
-            <a:r>
-              <a:rPr lang="sv-SE" baseline="0" noProof="0" dirty="0" smtClean="0"/>
-              <a:t> tider har använts, så använts ett default värde.</a:t>
-            </a:r>
-            <a:endParaRPr lang="sv-SE" noProof="0" dirty="0"/>
+              <a:rPr lang="en-US" dirty="0" err="1" smtClean="0"/>
+              <a:t>Alla</a:t>
+            </a:r>
+            <a:r>
+              <a:rPr lang="en-US" dirty="0" smtClean="0"/>
+              <a:t> </a:t>
+            </a:r>
+            <a:r>
+              <a:rPr lang="en-US" dirty="0" err="1" smtClean="0"/>
+              <a:t>värden</a:t>
+            </a:r>
+            <a:r>
+              <a:rPr lang="en-US" dirty="0" smtClean="0"/>
+              <a:t>,</a:t>
+            </a:r>
+            <a:r>
+              <a:rPr lang="en-US" baseline="0" dirty="0" smtClean="0"/>
+              <a:t> </a:t>
+            </a:r>
+            <a:r>
+              <a:rPr lang="en-US" baseline="0" dirty="0" err="1" smtClean="0"/>
+              <a:t>så</a:t>
+            </a:r>
+            <a:r>
+              <a:rPr lang="en-US" baseline="0" dirty="0" smtClean="0"/>
+              <a:t> </a:t>
+            </a:r>
+            <a:r>
+              <a:rPr lang="en-US" baseline="0" dirty="0" err="1" smtClean="0"/>
+              <a:t>som</a:t>
+            </a:r>
+            <a:r>
+              <a:rPr lang="en-US" baseline="0" dirty="0" smtClean="0"/>
+              <a:t> heartbeat timeout, default MTBF/</a:t>
+            </a:r>
+            <a:r>
+              <a:rPr lang="en-US" baseline="0" dirty="0" err="1" smtClean="0"/>
+              <a:t>repliceringstid</a:t>
+            </a:r>
+            <a:r>
+              <a:rPr lang="en-US" baseline="0" dirty="0" smtClean="0"/>
+              <a:t> </a:t>
+            </a:r>
+            <a:r>
+              <a:rPr lang="en-US" baseline="0" dirty="0" err="1" smtClean="0"/>
+              <a:t>valdes</a:t>
+            </a:r>
+            <a:r>
+              <a:rPr lang="en-US" baseline="0" dirty="0" smtClean="0"/>
+              <a:t> </a:t>
+            </a:r>
+            <a:r>
+              <a:rPr lang="en-US" baseline="0" dirty="0" err="1" smtClean="0"/>
+              <a:t>så</a:t>
+            </a:r>
+            <a:r>
+              <a:rPr lang="en-US" baseline="0" dirty="0" smtClean="0"/>
+              <a:t> </a:t>
+            </a:r>
+            <a:r>
+              <a:rPr lang="en-US" baseline="0" dirty="0" err="1" smtClean="0"/>
+              <a:t>att</a:t>
+            </a:r>
+            <a:r>
+              <a:rPr lang="en-US" baseline="0" dirty="0" smtClean="0"/>
+              <a:t> vi </a:t>
+            </a:r>
+            <a:r>
+              <a:rPr lang="en-US" baseline="0" dirty="0" err="1" smtClean="0"/>
+              <a:t>kunde</a:t>
+            </a:r>
+            <a:r>
+              <a:rPr lang="en-US" baseline="0" dirty="0" smtClean="0"/>
+              <a:t> </a:t>
+            </a:r>
+            <a:r>
+              <a:rPr lang="en-US" baseline="0" dirty="0" err="1" smtClean="0"/>
+              <a:t>köra</a:t>
+            </a:r>
+            <a:r>
+              <a:rPr lang="en-US" baseline="0" dirty="0" smtClean="0"/>
+              <a:t> </a:t>
+            </a:r>
+            <a:r>
+              <a:rPr lang="en-US" baseline="0" dirty="0" err="1" smtClean="0"/>
+              <a:t>experimenten</a:t>
+            </a:r>
+            <a:r>
+              <a:rPr lang="en-US" baseline="0" dirty="0" smtClean="0"/>
+              <a:t> under </a:t>
+            </a:r>
+            <a:r>
+              <a:rPr lang="en-US" baseline="0" dirty="0" err="1" smtClean="0"/>
+              <a:t>ett</a:t>
+            </a:r>
+            <a:r>
+              <a:rPr lang="en-US" baseline="0" dirty="0" smtClean="0"/>
+              <a:t> </a:t>
+            </a:r>
+            <a:r>
+              <a:rPr lang="en-US" baseline="0" dirty="0" err="1" smtClean="0"/>
+              <a:t>antal</a:t>
+            </a:r>
+            <a:r>
+              <a:rPr lang="en-US" baseline="0" dirty="0" smtClean="0"/>
+              <a:t> </a:t>
+            </a:r>
+            <a:r>
+              <a:rPr lang="en-US" baseline="0" dirty="0" err="1" smtClean="0"/>
+              <a:t>minuter</a:t>
+            </a:r>
+            <a:r>
+              <a:rPr lang="en-US" baseline="0" dirty="0" smtClean="0"/>
+              <a:t> </a:t>
+            </a:r>
+            <a:r>
+              <a:rPr lang="en-US" baseline="0" dirty="0" err="1" smtClean="0"/>
+              <a:t>och</a:t>
+            </a:r>
+            <a:r>
+              <a:rPr lang="en-US" baseline="0" dirty="0" smtClean="0"/>
+              <a:t> </a:t>
+            </a:r>
+            <a:r>
+              <a:rPr lang="en-US" baseline="0" dirty="0" err="1" smtClean="0"/>
+              <a:t>ändå</a:t>
+            </a:r>
+            <a:r>
+              <a:rPr lang="en-US" baseline="0" dirty="0" smtClean="0"/>
+              <a:t> </a:t>
+            </a:r>
+            <a:r>
+              <a:rPr lang="en-US" baseline="0" dirty="0" err="1" smtClean="0"/>
+              <a:t>få</a:t>
+            </a:r>
+            <a:r>
+              <a:rPr lang="en-US" baseline="0" dirty="0" smtClean="0"/>
+              <a:t> en del </a:t>
+            </a:r>
+            <a:r>
+              <a:rPr lang="en-US" baseline="0" dirty="0" err="1" smtClean="0"/>
+              <a:t>fel</a:t>
+            </a:r>
+            <a:r>
+              <a:rPr lang="en-US" baseline="0" dirty="0" smtClean="0"/>
+              <a:t>.</a:t>
+            </a:r>
+          </a:p>
+          <a:p>
+            <a:endParaRPr lang="en-US" baseline="0" dirty="0" smtClean="0"/>
+          </a:p>
+          <a:p>
+            <a:r>
+              <a:rPr lang="en-US" baseline="0" dirty="0" err="1" smtClean="0"/>
+              <a:t>Vår</a:t>
+            </a:r>
+            <a:r>
+              <a:rPr lang="en-US" baseline="0" dirty="0" smtClean="0"/>
+              <a:t> </a:t>
+            </a:r>
+            <a:r>
+              <a:rPr lang="en-US" baseline="0" dirty="0" err="1" smtClean="0"/>
+              <a:t>modell</a:t>
+            </a:r>
+            <a:r>
+              <a:rPr lang="en-US" baseline="0" dirty="0" smtClean="0"/>
+              <a:t> </a:t>
+            </a:r>
+            <a:r>
+              <a:rPr lang="en-US" baseline="0" dirty="0" err="1" smtClean="0"/>
+              <a:t>använder</a:t>
+            </a:r>
+            <a:r>
+              <a:rPr lang="en-US" baseline="0" dirty="0" smtClean="0"/>
+              <a:t> </a:t>
+            </a:r>
+            <a:r>
+              <a:rPr lang="en-US" baseline="0" dirty="0" err="1" smtClean="0"/>
+              <a:t>en</a:t>
+            </a:r>
+            <a:r>
+              <a:rPr lang="en-US" baseline="0" dirty="0" smtClean="0"/>
+              <a:t> </a:t>
+            </a:r>
+            <a:r>
+              <a:rPr lang="en-US" baseline="0" dirty="0" err="1" smtClean="0"/>
+              <a:t>relativt</a:t>
+            </a:r>
+            <a:r>
+              <a:rPr lang="en-US" baseline="0" dirty="0" smtClean="0"/>
+              <a:t> </a:t>
+            </a:r>
+            <a:r>
+              <a:rPr lang="en-US" baseline="0" dirty="0" err="1" smtClean="0"/>
+              <a:t>enkel</a:t>
+            </a:r>
+            <a:r>
+              <a:rPr lang="en-US" baseline="0" dirty="0" smtClean="0"/>
+              <a:t> </a:t>
+            </a:r>
+            <a:r>
+              <a:rPr lang="en-US" baseline="0" dirty="0" err="1" smtClean="0"/>
+              <a:t>tillförlitlighetsmodell</a:t>
+            </a:r>
+            <a:r>
+              <a:rPr lang="en-US" baseline="0" dirty="0" smtClean="0"/>
+              <a:t>. Den </a:t>
+            </a:r>
+            <a:r>
+              <a:rPr lang="en-US" baseline="0" dirty="0" err="1" smtClean="0"/>
+              <a:t>är</a:t>
+            </a:r>
+            <a:r>
+              <a:rPr lang="en-US" baseline="0" dirty="0" smtClean="0"/>
+              <a:t> </a:t>
+            </a:r>
+            <a:r>
+              <a:rPr lang="en-US" baseline="0" dirty="0" err="1" smtClean="0"/>
+              <a:t>begränsad</a:t>
+            </a:r>
+            <a:r>
+              <a:rPr lang="en-US" baseline="0" dirty="0" smtClean="0"/>
+              <a:t> </a:t>
+            </a:r>
+            <a:r>
+              <a:rPr lang="en-US" baseline="0" dirty="0" err="1" smtClean="0"/>
+              <a:t>i</a:t>
+            </a:r>
+            <a:r>
+              <a:rPr lang="en-US" baseline="0" dirty="0" smtClean="0"/>
+              <a:t> </a:t>
+            </a:r>
+            <a:r>
+              <a:rPr lang="en-US" baseline="0" dirty="0" err="1" smtClean="0"/>
+              <a:t>det</a:t>
+            </a:r>
+            <a:r>
+              <a:rPr lang="en-US" baseline="0" dirty="0" smtClean="0"/>
+              <a:t> </a:t>
+            </a:r>
+            <a:r>
+              <a:rPr lang="en-US" baseline="0" dirty="0" err="1" smtClean="0"/>
+              <a:t>att</a:t>
+            </a:r>
+            <a:r>
+              <a:rPr lang="en-US" baseline="0" dirty="0" smtClean="0"/>
+              <a:t> </a:t>
+            </a:r>
+            <a:r>
+              <a:rPr lang="en-US" baseline="0" dirty="0" err="1" smtClean="0"/>
+              <a:t>när</a:t>
+            </a:r>
+            <a:r>
+              <a:rPr lang="en-US" baseline="0" dirty="0" smtClean="0"/>
+              <a:t> </a:t>
+            </a:r>
+            <a:r>
+              <a:rPr lang="en-US" baseline="0" dirty="0" err="1" smtClean="0"/>
+              <a:t>det</a:t>
+            </a:r>
+            <a:r>
+              <a:rPr lang="en-US" baseline="0" dirty="0" smtClean="0"/>
+              <a:t> </a:t>
+            </a:r>
+            <a:r>
+              <a:rPr lang="en-US" baseline="0" dirty="0" err="1" smtClean="0"/>
+              <a:t>inte</a:t>
+            </a:r>
+            <a:r>
+              <a:rPr lang="en-US" baseline="0" dirty="0" smtClean="0"/>
+              <a:t> </a:t>
+            </a:r>
+            <a:r>
+              <a:rPr lang="en-US" baseline="0" dirty="0" err="1" smtClean="0"/>
+              <a:t>finns</a:t>
+            </a:r>
+            <a:r>
+              <a:rPr lang="en-US" baseline="0" dirty="0" smtClean="0"/>
+              <a:t> </a:t>
+            </a:r>
+            <a:r>
+              <a:rPr lang="en-US" baseline="0" dirty="0" err="1" smtClean="0"/>
+              <a:t>några</a:t>
+            </a:r>
+            <a:r>
+              <a:rPr lang="en-US" baseline="0" dirty="0" smtClean="0"/>
+              <a:t> </a:t>
+            </a:r>
+            <a:r>
+              <a:rPr lang="en-US" baseline="0" dirty="0" err="1" smtClean="0"/>
+              <a:t>registrerade</a:t>
+            </a:r>
+            <a:r>
+              <a:rPr lang="en-US" baseline="0" dirty="0" smtClean="0"/>
+              <a:t> </a:t>
+            </a:r>
+            <a:r>
+              <a:rPr lang="en-US" baseline="0" dirty="0" err="1" smtClean="0"/>
+              <a:t>feltider</a:t>
+            </a:r>
+            <a:r>
+              <a:rPr lang="en-US" baseline="0" dirty="0" smtClean="0"/>
+              <a:t> </a:t>
+            </a:r>
+            <a:r>
+              <a:rPr lang="en-US" baseline="0" dirty="0" err="1" smtClean="0"/>
+              <a:t>så</a:t>
+            </a:r>
+            <a:r>
+              <a:rPr lang="en-US" baseline="0" dirty="0" smtClean="0"/>
+              <a:t> </a:t>
+            </a:r>
+            <a:r>
+              <a:rPr lang="en-US" baseline="0" dirty="0" err="1" smtClean="0"/>
+              <a:t>används</a:t>
+            </a:r>
+            <a:r>
+              <a:rPr lang="en-US" baseline="0" dirty="0" smtClean="0"/>
+              <a:t> </a:t>
+            </a:r>
+            <a:r>
+              <a:rPr lang="en-US" baseline="0" dirty="0" err="1" smtClean="0"/>
+              <a:t>ett</a:t>
+            </a:r>
+            <a:r>
+              <a:rPr lang="en-US" baseline="0" dirty="0" smtClean="0"/>
+              <a:t> default </a:t>
+            </a:r>
+            <a:r>
+              <a:rPr lang="en-US" baseline="0" dirty="0" err="1" smtClean="0"/>
+              <a:t>värde</a:t>
+            </a:r>
+            <a:r>
+              <a:rPr lang="en-US" baseline="0" dirty="0" smtClean="0"/>
+              <a:t> </a:t>
+            </a:r>
+            <a:r>
+              <a:rPr lang="en-US" baseline="0" dirty="0" err="1" smtClean="0"/>
+              <a:t>som</a:t>
+            </a:r>
+            <a:r>
+              <a:rPr lang="en-US" baseline="0" dirty="0" smtClean="0"/>
+              <a:t> </a:t>
+            </a:r>
+            <a:r>
+              <a:rPr lang="en-US" baseline="0" dirty="0" err="1" smtClean="0"/>
+              <a:t>kan</a:t>
+            </a:r>
+            <a:r>
+              <a:rPr lang="en-US" baseline="0" dirty="0" smtClean="0"/>
+              <a:t> </a:t>
+            </a:r>
+            <a:r>
+              <a:rPr lang="en-US" baseline="0" dirty="0" err="1" smtClean="0"/>
+              <a:t>vara</a:t>
+            </a:r>
+            <a:r>
+              <a:rPr lang="en-US" baseline="0" dirty="0" smtClean="0"/>
+              <a:t> </a:t>
+            </a:r>
+            <a:r>
+              <a:rPr lang="en-US" baseline="0" dirty="0" err="1" smtClean="0"/>
+              <a:t>långt</a:t>
+            </a:r>
+            <a:r>
+              <a:rPr lang="en-US" baseline="0" dirty="0" smtClean="0"/>
+              <a:t> </a:t>
+            </a:r>
+            <a:r>
+              <a:rPr lang="en-US" baseline="0" dirty="0" err="1" smtClean="0"/>
+              <a:t>ifrån</a:t>
+            </a:r>
+            <a:r>
+              <a:rPr lang="en-US" baseline="0" dirty="0" smtClean="0"/>
+              <a:t> </a:t>
+            </a:r>
+            <a:r>
+              <a:rPr lang="en-US" baseline="0" dirty="0" err="1" smtClean="0"/>
+              <a:t>verkligheten</a:t>
+            </a:r>
+            <a:r>
+              <a:rPr lang="en-US" baseline="0" dirty="0" smtClean="0"/>
+              <a:t>, </a:t>
+            </a:r>
+            <a:r>
+              <a:rPr lang="en-US" baseline="0" dirty="0" err="1" smtClean="0"/>
+              <a:t>i</a:t>
+            </a:r>
+            <a:r>
+              <a:rPr lang="en-US" baseline="0" dirty="0" smtClean="0"/>
+              <a:t> </a:t>
+            </a:r>
+            <a:r>
+              <a:rPr lang="en-US" baseline="0" dirty="0" err="1" smtClean="0"/>
+              <a:t>värsta</a:t>
+            </a:r>
+            <a:r>
+              <a:rPr lang="en-US" baseline="0" dirty="0" smtClean="0"/>
+              <a:t> fall </a:t>
+            </a:r>
+            <a:r>
+              <a:rPr lang="en-US" baseline="0" dirty="0" err="1" smtClean="0"/>
+              <a:t>högre</a:t>
+            </a:r>
+            <a:r>
+              <a:rPr lang="en-US" baseline="0" dirty="0" smtClean="0"/>
+              <a:t>.</a:t>
+            </a:r>
+          </a:p>
+          <a:p>
+            <a:r>
+              <a:rPr lang="en-US" baseline="0" dirty="0" err="1" smtClean="0"/>
+              <a:t>En</a:t>
+            </a:r>
+            <a:r>
+              <a:rPr lang="en-US" baseline="0" dirty="0" smtClean="0"/>
+              <a:t> </a:t>
+            </a:r>
+            <a:r>
+              <a:rPr lang="en-US" baseline="0" dirty="0" err="1" smtClean="0"/>
+              <a:t>mer</a:t>
+            </a:r>
+            <a:r>
+              <a:rPr lang="en-US" baseline="0" dirty="0" smtClean="0"/>
+              <a:t> </a:t>
+            </a:r>
+            <a:r>
+              <a:rPr lang="en-US" baseline="0" dirty="0" err="1" smtClean="0"/>
+              <a:t>sofistikerad</a:t>
+            </a:r>
+            <a:r>
+              <a:rPr lang="en-US" baseline="0" dirty="0" smtClean="0"/>
+              <a:t> model </a:t>
+            </a:r>
+            <a:r>
+              <a:rPr lang="en-US" baseline="0" dirty="0" err="1" smtClean="0"/>
+              <a:t>kan</a:t>
+            </a:r>
+            <a:r>
+              <a:rPr lang="en-US" baseline="0" dirty="0" smtClean="0"/>
+              <a:t> </a:t>
+            </a:r>
+            <a:r>
+              <a:rPr lang="en-US" baseline="0" dirty="0" err="1" smtClean="0"/>
+              <a:t>t.ex</a:t>
+            </a:r>
+            <a:r>
+              <a:rPr lang="en-US" baseline="0" dirty="0" smtClean="0"/>
+              <a:t>. anta </a:t>
+            </a:r>
+            <a:r>
+              <a:rPr lang="en-US" baseline="0" dirty="0" err="1" smtClean="0"/>
+              <a:t>att</a:t>
+            </a:r>
+            <a:r>
+              <a:rPr lang="en-US" baseline="0" dirty="0" smtClean="0"/>
+              <a:t> </a:t>
+            </a:r>
+            <a:r>
+              <a:rPr lang="en-US" baseline="0" dirty="0" err="1" smtClean="0"/>
+              <a:t>nodfel</a:t>
+            </a:r>
+            <a:r>
+              <a:rPr lang="en-US" baseline="0" dirty="0" smtClean="0"/>
+              <a:t> </a:t>
+            </a:r>
+            <a:r>
+              <a:rPr lang="en-US" baseline="0" dirty="0" err="1" smtClean="0"/>
+              <a:t>inte</a:t>
+            </a:r>
+            <a:r>
+              <a:rPr lang="en-US" baseline="0" dirty="0" smtClean="0"/>
+              <a:t> </a:t>
+            </a:r>
+            <a:r>
+              <a:rPr lang="en-US" baseline="0" dirty="0" err="1" smtClean="0"/>
+              <a:t>är</a:t>
+            </a:r>
+            <a:r>
+              <a:rPr lang="en-US" baseline="0" dirty="0" smtClean="0"/>
+              <a:t> </a:t>
+            </a:r>
+            <a:r>
+              <a:rPr lang="en-US" baseline="0" dirty="0" err="1" smtClean="0"/>
+              <a:t>oberoende</a:t>
+            </a:r>
+            <a:r>
+              <a:rPr lang="en-US" baseline="0" dirty="0" smtClean="0"/>
+              <a:t>, </a:t>
+            </a:r>
+            <a:r>
+              <a:rPr lang="en-US" baseline="0" dirty="0" err="1" smtClean="0"/>
+              <a:t>t.ex</a:t>
+            </a:r>
+            <a:r>
+              <a:rPr lang="en-US" baseline="0" dirty="0" smtClean="0"/>
+              <a:t>. </a:t>
+            </a:r>
+            <a:r>
+              <a:rPr lang="en-US" baseline="0" dirty="0" err="1" smtClean="0"/>
+              <a:t>kan</a:t>
+            </a:r>
+            <a:r>
+              <a:rPr lang="en-US" baseline="0" dirty="0" smtClean="0"/>
+              <a:t> </a:t>
+            </a:r>
+            <a:r>
+              <a:rPr lang="en-US" baseline="0" dirty="0" err="1" smtClean="0"/>
+              <a:t>switchar</a:t>
+            </a:r>
+            <a:r>
+              <a:rPr lang="en-US" baseline="0" dirty="0" smtClean="0"/>
+              <a:t> </a:t>
+            </a:r>
+            <a:r>
+              <a:rPr lang="en-US" baseline="0" dirty="0" err="1" smtClean="0"/>
+              <a:t>och</a:t>
+            </a:r>
+            <a:r>
+              <a:rPr lang="en-US" baseline="0" dirty="0" smtClean="0"/>
+              <a:t> </a:t>
+            </a:r>
+            <a:r>
+              <a:rPr lang="en-US" baseline="0" dirty="0" err="1" smtClean="0"/>
+              <a:t>nätförsörjning</a:t>
+            </a:r>
+            <a:r>
+              <a:rPr lang="en-US" baseline="0" dirty="0" smtClean="0"/>
+              <a:t> </a:t>
+            </a:r>
+            <a:r>
+              <a:rPr lang="en-US" baseline="0" dirty="0" err="1" smtClean="0"/>
+              <a:t>gå</a:t>
+            </a:r>
+            <a:r>
+              <a:rPr lang="en-US" baseline="0" dirty="0" smtClean="0"/>
+              <a:t> </a:t>
+            </a:r>
+            <a:r>
+              <a:rPr lang="en-US" baseline="0" dirty="0" err="1" smtClean="0"/>
+              <a:t>ner</a:t>
+            </a:r>
+            <a:r>
+              <a:rPr lang="en-US" baseline="0" dirty="0" smtClean="0"/>
+              <a:t> </a:t>
+            </a:r>
+            <a:r>
+              <a:rPr lang="en-US" baseline="0" dirty="0" err="1" smtClean="0"/>
+              <a:t>vilket</a:t>
+            </a:r>
+            <a:r>
+              <a:rPr lang="en-US" baseline="0" dirty="0" smtClean="0"/>
+              <a:t> </a:t>
+            </a:r>
+            <a:r>
+              <a:rPr lang="en-US" baseline="0" dirty="0" err="1" smtClean="0"/>
+              <a:t>påverkar</a:t>
+            </a:r>
+            <a:r>
+              <a:rPr lang="en-US" baseline="0" dirty="0" smtClean="0"/>
+              <a:t> </a:t>
+            </a:r>
+            <a:r>
+              <a:rPr lang="en-US" baseline="0" dirty="0" err="1" smtClean="0"/>
+              <a:t>alla</a:t>
+            </a:r>
+            <a:r>
+              <a:rPr lang="en-US" baseline="0" dirty="0" smtClean="0"/>
+              <a:t> </a:t>
+            </a:r>
+            <a:r>
+              <a:rPr lang="en-US" baseline="0" dirty="0" err="1" smtClean="0"/>
+              <a:t>noder</a:t>
+            </a:r>
+            <a:r>
+              <a:rPr lang="en-US" baseline="0" dirty="0" smtClean="0"/>
+              <a:t> </a:t>
+            </a:r>
+            <a:r>
+              <a:rPr lang="en-US" baseline="0" dirty="0" err="1" smtClean="0"/>
+              <a:t>i</a:t>
+            </a:r>
+            <a:r>
+              <a:rPr lang="en-US" baseline="0" dirty="0" smtClean="0"/>
+              <a:t> </a:t>
+            </a:r>
+            <a:r>
+              <a:rPr lang="en-US" baseline="0" dirty="0" err="1" smtClean="0"/>
+              <a:t>ett</a:t>
+            </a:r>
+            <a:r>
+              <a:rPr lang="en-US" baseline="0" dirty="0" smtClean="0"/>
+              <a:t> </a:t>
+            </a:r>
+            <a:r>
+              <a:rPr lang="en-US" baseline="0" dirty="0" err="1" smtClean="0"/>
+              <a:t>kluster</a:t>
+            </a:r>
+            <a:r>
+              <a:rPr lang="en-US" baseline="0" dirty="0" smtClean="0"/>
+              <a:t>.</a:t>
+            </a:r>
+          </a:p>
+          <a:p>
+            <a:endParaRPr lang="en-US" baseline="0" dirty="0" smtClean="0"/>
+          </a:p>
+          <a:p>
+            <a:r>
+              <a:rPr lang="en-US" baseline="0" dirty="0" smtClean="0"/>
+              <a:t>Valet </a:t>
+            </a:r>
+            <a:r>
+              <a:rPr lang="en-US" baseline="0" dirty="0" err="1" smtClean="0"/>
+              <a:t>av</a:t>
+            </a:r>
+            <a:r>
+              <a:rPr lang="en-US" baseline="0" dirty="0" smtClean="0"/>
+              <a:t> </a:t>
+            </a:r>
+            <a:r>
+              <a:rPr lang="en-US" baseline="0" dirty="0" err="1" smtClean="0"/>
+              <a:t>var</a:t>
+            </a:r>
+            <a:r>
+              <a:rPr lang="en-US" baseline="0" dirty="0" smtClean="0"/>
+              <a:t> vi </a:t>
+            </a:r>
+            <a:r>
+              <a:rPr lang="en-US" baseline="0" dirty="0" err="1" smtClean="0"/>
+              <a:t>placerar</a:t>
+            </a:r>
+            <a:r>
+              <a:rPr lang="en-US" baseline="0" dirty="0" smtClean="0"/>
+              <a:t> </a:t>
+            </a:r>
+            <a:r>
+              <a:rPr lang="en-US" baseline="0" dirty="0" err="1" smtClean="0"/>
+              <a:t>replikor</a:t>
+            </a:r>
+            <a:r>
+              <a:rPr lang="en-US" baseline="0" dirty="0" smtClean="0"/>
+              <a:t> </a:t>
+            </a:r>
+            <a:r>
+              <a:rPr lang="en-US" baseline="0" dirty="0" err="1" smtClean="0"/>
+              <a:t>kan</a:t>
+            </a:r>
+            <a:r>
+              <a:rPr lang="en-US" baseline="0" dirty="0" smtClean="0"/>
+              <a:t> </a:t>
+            </a:r>
+            <a:r>
+              <a:rPr lang="en-US" baseline="0" dirty="0" err="1" smtClean="0"/>
+              <a:t>även</a:t>
+            </a:r>
+            <a:r>
+              <a:rPr lang="en-US" baseline="0" dirty="0" smtClean="0"/>
+              <a:t> ta </a:t>
+            </a:r>
+            <a:r>
+              <a:rPr lang="en-US" baseline="0" dirty="0" err="1" smtClean="0"/>
+              <a:t>fler</a:t>
+            </a:r>
+            <a:r>
+              <a:rPr lang="en-US" baseline="0" dirty="0" smtClean="0"/>
+              <a:t> </a:t>
+            </a:r>
+            <a:r>
+              <a:rPr lang="en-US" baseline="0" dirty="0" err="1" smtClean="0"/>
+              <a:t>parametrar</a:t>
+            </a:r>
+            <a:r>
+              <a:rPr lang="en-US" baseline="0" dirty="0" smtClean="0"/>
+              <a:t> I </a:t>
+            </a:r>
+            <a:r>
+              <a:rPr lang="en-US" baseline="0" dirty="0" err="1" smtClean="0"/>
+              <a:t>åtanke</a:t>
+            </a:r>
+            <a:r>
+              <a:rPr lang="en-US" baseline="0" dirty="0" smtClean="0"/>
+              <a:t>. </a:t>
+            </a:r>
+            <a:r>
+              <a:rPr lang="en-US" baseline="0" dirty="0" err="1" smtClean="0"/>
+              <a:t>T.ex</a:t>
+            </a:r>
+            <a:r>
+              <a:rPr lang="en-US" baseline="0" dirty="0" smtClean="0"/>
+              <a:t>. </a:t>
+            </a:r>
+            <a:r>
+              <a:rPr lang="en-US" baseline="0" dirty="0" err="1" smtClean="0"/>
+              <a:t>så</a:t>
+            </a:r>
+            <a:r>
+              <a:rPr lang="en-US" baseline="0" dirty="0" smtClean="0"/>
+              <a:t> </a:t>
+            </a:r>
+            <a:r>
+              <a:rPr lang="en-US" baseline="0" dirty="0" err="1" smtClean="0"/>
+              <a:t>undersöks</a:t>
+            </a:r>
+            <a:r>
+              <a:rPr lang="en-US" baseline="0" dirty="0" smtClean="0"/>
+              <a:t> </a:t>
+            </a:r>
+            <a:r>
+              <a:rPr lang="en-US" baseline="0" dirty="0" err="1" smtClean="0"/>
+              <a:t>i</a:t>
+            </a:r>
+            <a:r>
+              <a:rPr lang="en-US" baseline="0" dirty="0" smtClean="0"/>
+              <a:t> </a:t>
+            </a:r>
+            <a:r>
+              <a:rPr lang="en-US" baseline="0" dirty="0" err="1" smtClean="0"/>
+              <a:t>nuläget</a:t>
+            </a:r>
+            <a:r>
+              <a:rPr lang="en-US" baseline="0" dirty="0" smtClean="0"/>
+              <a:t> </a:t>
+            </a:r>
+            <a:r>
+              <a:rPr lang="en-US" baseline="0" dirty="0" err="1" smtClean="0"/>
+              <a:t>inte</a:t>
+            </a:r>
+            <a:r>
+              <a:rPr lang="en-US" baseline="0" dirty="0" smtClean="0"/>
+              <a:t> om den </a:t>
+            </a:r>
+            <a:r>
+              <a:rPr lang="en-US" baseline="0" dirty="0" err="1" smtClean="0"/>
+              <a:t>valda</a:t>
+            </a:r>
+            <a:r>
+              <a:rPr lang="en-US" baseline="0" dirty="0" smtClean="0"/>
+              <a:t> </a:t>
+            </a:r>
+            <a:r>
+              <a:rPr lang="en-US" baseline="0" dirty="0" err="1" smtClean="0"/>
+              <a:t>noden</a:t>
+            </a:r>
+            <a:r>
+              <a:rPr lang="en-US" baseline="0" dirty="0" smtClean="0"/>
+              <a:t> </a:t>
+            </a:r>
+            <a:r>
+              <a:rPr lang="en-US" baseline="0" dirty="0" err="1" smtClean="0"/>
+              <a:t>har</a:t>
+            </a:r>
+            <a:r>
+              <a:rPr lang="en-US" baseline="0" dirty="0" smtClean="0"/>
+              <a:t> </a:t>
+            </a:r>
+            <a:r>
+              <a:rPr lang="en-US" baseline="0" dirty="0" err="1" smtClean="0"/>
+              <a:t>kapacitet</a:t>
+            </a:r>
+            <a:r>
+              <a:rPr lang="en-US" baseline="0" dirty="0" smtClean="0"/>
+              <a:t> </a:t>
+            </a:r>
+            <a:r>
+              <a:rPr lang="en-US" baseline="0" dirty="0" err="1" smtClean="0"/>
+              <a:t>för</a:t>
+            </a:r>
+            <a:r>
+              <a:rPr lang="en-US" baseline="0" dirty="0" smtClean="0"/>
+              <a:t> </a:t>
+            </a:r>
+            <a:r>
+              <a:rPr lang="en-US" baseline="0" dirty="0" err="1" smtClean="0"/>
+              <a:t>att</a:t>
+            </a:r>
+            <a:r>
+              <a:rPr lang="en-US" baseline="0" dirty="0" smtClean="0"/>
+              <a:t> </a:t>
+            </a:r>
+            <a:r>
+              <a:rPr lang="en-US" baseline="0" dirty="0" err="1" smtClean="0"/>
+              <a:t>starta</a:t>
+            </a:r>
+            <a:r>
+              <a:rPr lang="en-US" baseline="0" dirty="0" smtClean="0"/>
+              <a:t> </a:t>
+            </a:r>
+            <a:r>
+              <a:rPr lang="en-US" baseline="0" dirty="0" err="1" smtClean="0"/>
+              <a:t>upp</a:t>
+            </a:r>
+            <a:r>
+              <a:rPr lang="en-US" baseline="0" dirty="0" smtClean="0"/>
+              <a:t> </a:t>
+            </a:r>
+            <a:r>
+              <a:rPr lang="en-US" baseline="0" dirty="0" err="1" smtClean="0"/>
+              <a:t>en</a:t>
+            </a:r>
+            <a:r>
+              <a:rPr lang="en-US" baseline="0" dirty="0" smtClean="0"/>
+              <a:t> </a:t>
+            </a:r>
+            <a:r>
+              <a:rPr lang="en-US" baseline="0" dirty="0" err="1" smtClean="0"/>
+              <a:t>ny</a:t>
+            </a:r>
+            <a:r>
+              <a:rPr lang="en-US" baseline="0" dirty="0" smtClean="0"/>
+              <a:t> replica. Nodes last </a:t>
+            </a:r>
+            <a:r>
+              <a:rPr lang="en-US" baseline="0" dirty="0" err="1" smtClean="0"/>
+              <a:t>kan</a:t>
+            </a:r>
+            <a:r>
+              <a:rPr lang="en-US" baseline="0" dirty="0" smtClean="0"/>
+              <a:t> </a:t>
+            </a:r>
+            <a:r>
+              <a:rPr lang="en-US" baseline="0" dirty="0" err="1" smtClean="0"/>
+              <a:t>även</a:t>
+            </a:r>
+            <a:r>
+              <a:rPr lang="en-US" baseline="0" dirty="0" smtClean="0"/>
+              <a:t> </a:t>
+            </a:r>
+            <a:r>
+              <a:rPr lang="en-US" baseline="0" dirty="0" err="1" smtClean="0"/>
+              <a:t>inkluderas</a:t>
+            </a:r>
+            <a:r>
+              <a:rPr lang="en-US" baseline="0" dirty="0" smtClean="0"/>
+              <a:t> </a:t>
+            </a:r>
+            <a:r>
+              <a:rPr lang="en-US" baseline="0" dirty="0" err="1" smtClean="0"/>
+              <a:t>vilket</a:t>
+            </a:r>
+            <a:r>
+              <a:rPr lang="en-US" baseline="0" dirty="0" smtClean="0"/>
+              <a:t> vi </a:t>
+            </a:r>
+            <a:r>
+              <a:rPr lang="en-US" baseline="0" dirty="0" err="1" smtClean="0"/>
+              <a:t>visade</a:t>
+            </a:r>
+            <a:r>
+              <a:rPr lang="en-US" baseline="0" dirty="0" smtClean="0"/>
+              <a:t> </a:t>
+            </a:r>
+            <a:r>
+              <a:rPr lang="en-US" baseline="0" dirty="0" err="1" smtClean="0"/>
+              <a:t>inte</a:t>
+            </a:r>
+            <a:r>
+              <a:rPr lang="en-US" baseline="0" dirty="0" smtClean="0"/>
+              <a:t> </a:t>
+            </a:r>
+            <a:r>
+              <a:rPr lang="en-US" baseline="0" dirty="0" err="1" smtClean="0"/>
+              <a:t>var</a:t>
+            </a:r>
+            <a:r>
+              <a:rPr lang="en-US" baseline="0" dirty="0" smtClean="0"/>
+              <a:t> </a:t>
+            </a:r>
+            <a:r>
+              <a:rPr lang="en-US" baseline="0" dirty="0" err="1" smtClean="0"/>
+              <a:t>så</a:t>
+            </a:r>
+            <a:r>
+              <a:rPr lang="en-US" baseline="0" dirty="0" smtClean="0"/>
+              <a:t> </a:t>
+            </a:r>
+            <a:r>
+              <a:rPr lang="en-US" baseline="0" dirty="0" err="1" smtClean="0"/>
+              <a:t>svårt</a:t>
+            </a:r>
+            <a:r>
+              <a:rPr lang="en-US" baseline="0" dirty="0" smtClean="0"/>
+              <a:t>.</a:t>
+            </a:r>
           </a:p>
         </p:txBody>
       </p:sp>
@@ -10711,7 +11917,7 @@
           <a:p>
             <a:fld id="{100650DF-8CBF-0341-B1F9-47D0C0CD302F}" type="slidenum">
               <a:rPr lang="en-US" smtClean="0"/>
-              <a:t>33</a:t>
+              <a:t>34</a:t>
             </a:fld>
             <a:endParaRPr lang="en-US"/>
           </a:p>
@@ -10720,7 +11926,7 @@
     </p:spTree>
     <p:extLst>
       <p:ext uri="{BB962C8B-B14F-4D97-AF65-F5344CB8AC3E}">
-        <p14:creationId xmlns:p14="http://schemas.microsoft.com/office/powerpoint/2010/main" val="1874596869"/>
+        <p14:creationId xmlns:p14="http://schemas.microsoft.com/office/powerpoint/2010/main" val="908358918"/>
       </p:ext>
     </p:extLst>
   </p:cSld>
@@ -10775,8 +11981,276 @@
           <a:lstStyle/>
           <a:p>
             <a:r>
-              <a:rPr lang="en-US" dirty="0" err="1" smtClean="0"/>
-              <a:t>För</a:t>
+              <a:rPr lang="en-US" baseline="0" dirty="0" smtClean="0"/>
+              <a:t>I </a:t>
+            </a:r>
+            <a:r>
+              <a:rPr lang="en-US" baseline="0" dirty="0" err="1" smtClean="0"/>
+              <a:t>våra</a:t>
+            </a:r>
+            <a:r>
+              <a:rPr lang="en-US" baseline="0" dirty="0" smtClean="0"/>
+              <a:t> experiment </a:t>
+            </a:r>
+            <a:r>
+              <a:rPr lang="en-US" baseline="0" dirty="0" err="1" smtClean="0"/>
+              <a:t>så</a:t>
+            </a:r>
+            <a:r>
+              <a:rPr lang="en-US" baseline="0" dirty="0" smtClean="0"/>
+              <a:t> </a:t>
+            </a:r>
+            <a:r>
+              <a:rPr lang="en-US" baseline="0" dirty="0" err="1" smtClean="0"/>
+              <a:t>har</a:t>
+            </a:r>
+            <a:r>
+              <a:rPr lang="en-US" baseline="0" dirty="0" smtClean="0"/>
+              <a:t> vi </a:t>
+            </a:r>
+            <a:r>
+              <a:rPr lang="en-US" baseline="0" dirty="0" err="1" smtClean="0"/>
+              <a:t>bara</a:t>
+            </a:r>
+            <a:r>
+              <a:rPr lang="en-US" baseline="0" dirty="0" smtClean="0"/>
+              <a:t> </a:t>
+            </a:r>
+            <a:r>
+              <a:rPr lang="en-US" baseline="0" dirty="0" err="1" smtClean="0"/>
+              <a:t>kört</a:t>
+            </a:r>
+            <a:r>
+              <a:rPr lang="en-US" baseline="0" dirty="0" smtClean="0"/>
+              <a:t> en </a:t>
+            </a:r>
+            <a:r>
+              <a:rPr lang="en-US" baseline="0" dirty="0" err="1" smtClean="0"/>
+              <a:t>applikation</a:t>
+            </a:r>
+            <a:r>
+              <a:rPr lang="en-US" baseline="0" dirty="0" smtClean="0"/>
+              <a:t>. Men </a:t>
+            </a:r>
+            <a:r>
+              <a:rPr lang="en-US" baseline="0" dirty="0" err="1" smtClean="0"/>
+              <a:t>även</a:t>
+            </a:r>
+            <a:r>
+              <a:rPr lang="en-US" baseline="0" dirty="0" smtClean="0"/>
+              <a:t> om man </a:t>
+            </a:r>
+            <a:r>
+              <a:rPr lang="en-US" baseline="0" dirty="0" err="1" smtClean="0"/>
+              <a:t>kör</a:t>
+            </a:r>
+            <a:r>
+              <a:rPr lang="en-US" baseline="0" dirty="0" smtClean="0"/>
+              <a:t> </a:t>
+            </a:r>
+            <a:r>
+              <a:rPr lang="en-US" baseline="0" dirty="0" err="1" smtClean="0"/>
+              <a:t>flera</a:t>
+            </a:r>
+            <a:r>
+              <a:rPr lang="en-US" baseline="0" dirty="0" smtClean="0"/>
+              <a:t> </a:t>
+            </a:r>
+            <a:r>
+              <a:rPr lang="en-US" baseline="0" dirty="0" err="1" smtClean="0"/>
+              <a:t>applikationer</a:t>
+            </a:r>
+            <a:r>
+              <a:rPr lang="en-US" baseline="0" dirty="0" smtClean="0"/>
+              <a:t> </a:t>
+            </a:r>
+            <a:r>
+              <a:rPr lang="en-US" baseline="0" dirty="0" err="1" smtClean="0"/>
+              <a:t>så</a:t>
+            </a:r>
+            <a:r>
+              <a:rPr lang="en-US" baseline="0" dirty="0" smtClean="0"/>
+              <a:t> </a:t>
+            </a:r>
+            <a:r>
+              <a:rPr lang="en-US" baseline="0" dirty="0" err="1" smtClean="0"/>
+              <a:t>kommer</a:t>
+            </a:r>
+            <a:r>
+              <a:rPr lang="en-US" baseline="0" dirty="0" smtClean="0"/>
+              <a:t> </a:t>
+            </a:r>
+            <a:r>
+              <a:rPr lang="en-US" baseline="0" dirty="0" err="1" smtClean="0"/>
+              <a:t>optimala</a:t>
+            </a:r>
+            <a:r>
+              <a:rPr lang="en-US" baseline="0" dirty="0" smtClean="0"/>
+              <a:t> </a:t>
+            </a:r>
+            <a:r>
+              <a:rPr lang="en-US" baseline="0" dirty="0" err="1" smtClean="0"/>
+              <a:t>antalet</a:t>
+            </a:r>
+            <a:r>
+              <a:rPr lang="en-US" baseline="0" dirty="0" smtClean="0"/>
+              <a:t> </a:t>
+            </a:r>
+            <a:r>
+              <a:rPr lang="en-US" baseline="0" dirty="0" err="1" smtClean="0"/>
+              <a:t>noder</a:t>
+            </a:r>
+            <a:r>
+              <a:rPr lang="en-US" baseline="0" dirty="0" smtClean="0"/>
+              <a:t> </a:t>
+            </a:r>
+            <a:r>
+              <a:rPr lang="en-US" baseline="0" dirty="0" err="1" smtClean="0"/>
+              <a:t>och</a:t>
+            </a:r>
+            <a:r>
+              <a:rPr lang="en-US" baseline="0" dirty="0" smtClean="0"/>
+              <a:t> </a:t>
+            </a:r>
+            <a:r>
+              <a:rPr lang="en-US" baseline="0" dirty="0" err="1" smtClean="0"/>
+              <a:t>därmed</a:t>
+            </a:r>
+            <a:r>
+              <a:rPr lang="en-US" baseline="0" dirty="0" smtClean="0"/>
+              <a:t> </a:t>
+            </a:r>
+            <a:r>
+              <a:rPr lang="en-US" baseline="0" dirty="0" err="1" smtClean="0"/>
+              <a:t>vara</a:t>
+            </a:r>
+            <a:r>
+              <a:rPr lang="en-US" baseline="0" dirty="0" smtClean="0"/>
+              <a:t> </a:t>
+            </a:r>
+            <a:r>
+              <a:rPr lang="en-US" baseline="0" dirty="0" err="1" smtClean="0"/>
+              <a:t>energi-effektiv</a:t>
+            </a:r>
+            <a:r>
+              <a:rPr lang="en-US" baseline="0" dirty="0" smtClean="0"/>
+              <a:t>.  </a:t>
+            </a:r>
+            <a:r>
+              <a:rPr lang="en-US" baseline="0" dirty="0" err="1" smtClean="0"/>
+              <a:t>Tex</a:t>
+            </a:r>
+            <a:r>
+              <a:rPr lang="en-US" baseline="0" dirty="0" smtClean="0"/>
+              <a:t> om man </a:t>
+            </a:r>
+            <a:r>
+              <a:rPr lang="en-US" baseline="0" dirty="0" err="1" smtClean="0"/>
+              <a:t>har</a:t>
+            </a:r>
+            <a:r>
+              <a:rPr lang="en-US" baseline="0" dirty="0" smtClean="0"/>
+              <a:t> 3 </a:t>
+            </a:r>
+            <a:r>
+              <a:rPr lang="en-US" baseline="0" dirty="0" err="1" smtClean="0"/>
+              <a:t>applikationer</a:t>
+            </a:r>
+            <a:r>
+              <a:rPr lang="en-US" baseline="0" dirty="0" smtClean="0"/>
+              <a:t>, </a:t>
+            </a:r>
+            <a:r>
+              <a:rPr lang="en-US" baseline="0" dirty="0" err="1" smtClean="0"/>
+              <a:t>där</a:t>
+            </a:r>
+            <a:r>
+              <a:rPr lang="en-US" baseline="0" dirty="0" smtClean="0"/>
+              <a:t> </a:t>
+            </a:r>
+            <a:r>
+              <a:rPr lang="en-US" baseline="0" dirty="0" err="1" smtClean="0"/>
+              <a:t>två</a:t>
+            </a:r>
+            <a:r>
+              <a:rPr lang="en-US" baseline="0" dirty="0" smtClean="0"/>
+              <a:t> </a:t>
+            </a:r>
+            <a:r>
+              <a:rPr lang="en-US" baseline="0" dirty="0" err="1" smtClean="0"/>
+              <a:t>kräver</a:t>
+            </a:r>
+            <a:r>
+              <a:rPr lang="en-US" baseline="0" dirty="0" smtClean="0"/>
+              <a:t> 3 </a:t>
+            </a:r>
+            <a:r>
+              <a:rPr lang="en-US" baseline="0" dirty="0" err="1" smtClean="0"/>
+              <a:t>replikor</a:t>
+            </a:r>
+            <a:r>
+              <a:rPr lang="en-US" baseline="0" dirty="0" smtClean="0"/>
+              <a:t> </a:t>
+            </a:r>
+            <a:r>
+              <a:rPr lang="en-US" baseline="0" dirty="0" err="1" smtClean="0"/>
+              <a:t>och</a:t>
+            </a:r>
+            <a:r>
+              <a:rPr lang="en-US" baseline="0" dirty="0" smtClean="0"/>
+              <a:t> en </a:t>
+            </a:r>
+            <a:r>
+              <a:rPr lang="en-US" baseline="0" dirty="0" err="1" smtClean="0"/>
+              <a:t>kräver</a:t>
+            </a:r>
+            <a:r>
+              <a:rPr lang="en-US" baseline="0" dirty="0" smtClean="0"/>
+              <a:t> 4 </a:t>
+            </a:r>
+            <a:r>
+              <a:rPr lang="en-US" baseline="0" dirty="0" err="1" smtClean="0"/>
+              <a:t>replikor</a:t>
+            </a:r>
+            <a:r>
+              <a:rPr lang="en-US" baseline="0" dirty="0" smtClean="0"/>
+              <a:t>. </a:t>
+            </a:r>
+            <a:r>
+              <a:rPr lang="en-US" baseline="0" dirty="0" err="1" smtClean="0"/>
+              <a:t>Så</a:t>
+            </a:r>
+            <a:r>
+              <a:rPr lang="en-US" baseline="0" dirty="0" smtClean="0"/>
+              <a:t> </a:t>
+            </a:r>
+            <a:r>
+              <a:rPr lang="en-US" baseline="0" dirty="0" err="1" smtClean="0"/>
+              <a:t>kommer</a:t>
+            </a:r>
+            <a:r>
+              <a:rPr lang="en-US" baseline="0" dirty="0" smtClean="0"/>
+              <a:t> de 4 </a:t>
+            </a:r>
+            <a:r>
+              <a:rPr lang="en-US" baseline="0" dirty="0" err="1" smtClean="0"/>
+              <a:t>mest</a:t>
+            </a:r>
+            <a:r>
+              <a:rPr lang="en-US" baseline="0" dirty="0" smtClean="0"/>
+              <a:t> </a:t>
+            </a:r>
+            <a:r>
+              <a:rPr lang="en-US" baseline="0" dirty="0" err="1" smtClean="0"/>
+              <a:t>tillförlitliga</a:t>
+            </a:r>
+            <a:r>
+              <a:rPr lang="en-US" baseline="0" dirty="0" smtClean="0"/>
+              <a:t> </a:t>
+            </a:r>
+            <a:r>
+              <a:rPr lang="en-US" baseline="0" dirty="0" err="1" smtClean="0"/>
+              <a:t>noderna</a:t>
             </a:r>
             <a:r>
               <a:rPr lang="en-US" baseline="0" dirty="0" smtClean="0"/>
@@ -10792,23 +12266,113 @@
             </a:r>
             <a:r>
               <a:rPr lang="en-US" baseline="0" dirty="0" err="1" smtClean="0"/>
-              <a:t>demonstrera</a:t>
-            </a:r>
-            <a:r>
-              <a:rPr lang="en-US" baseline="0" dirty="0" smtClean="0"/>
-              <a:t> </a:t>
-            </a:r>
-            <a:r>
-              <a:rPr lang="en-US" baseline="0" dirty="0" err="1" smtClean="0"/>
-              <a:t>vår</a:t>
-            </a:r>
-            <a:r>
-              <a:rPr lang="en-US" baseline="0" dirty="0" smtClean="0"/>
-              <a:t> </a:t>
-            </a:r>
-            <a:r>
-              <a:rPr lang="en-US" baseline="0" dirty="0" err="1" smtClean="0"/>
-              <a:t>modell</a:t>
+              <a:t>användas</a:t>
+            </a:r>
+            <a:r>
+              <a:rPr lang="en-US" baseline="0" dirty="0" smtClean="0"/>
+              <a:t>.</a:t>
+            </a:r>
+          </a:p>
+          <a:p>
+            <a:endParaRPr lang="en-US" baseline="0" dirty="0" smtClean="0"/>
+          </a:p>
+          <a:p>
+            <a:r>
+              <a:rPr lang="en-US" baseline="0" dirty="0" err="1" smtClean="0"/>
+              <a:t>Detta</a:t>
+            </a:r>
+            <a:r>
+              <a:rPr lang="en-US" baseline="0" dirty="0" smtClean="0"/>
+              <a:t> </a:t>
+            </a:r>
+            <a:r>
+              <a:rPr lang="en-US" baseline="0" dirty="0" err="1" smtClean="0"/>
+              <a:t>förutsätter</a:t>
+            </a:r>
+            <a:r>
+              <a:rPr lang="en-US" baseline="0" dirty="0" smtClean="0"/>
+              <a:t> dock </a:t>
+            </a:r>
+            <a:r>
+              <a:rPr lang="en-US" baseline="0" dirty="0" err="1" smtClean="0"/>
+              <a:t>att</a:t>
+            </a:r>
+            <a:r>
+              <a:rPr lang="en-US" baseline="0" dirty="0" smtClean="0"/>
+              <a:t> </a:t>
+            </a:r>
+            <a:r>
+              <a:rPr lang="en-US" baseline="0" dirty="0" err="1" smtClean="0"/>
+              <a:t>ingen</a:t>
+            </a:r>
+            <a:r>
+              <a:rPr lang="en-US" baseline="0" dirty="0" smtClean="0"/>
+              <a:t> nod </a:t>
+            </a:r>
+            <a:r>
+              <a:rPr lang="en-US" baseline="0" dirty="0" err="1" smtClean="0"/>
+              <a:t>blir</a:t>
+            </a:r>
+            <a:r>
+              <a:rPr lang="en-US" baseline="0" dirty="0" smtClean="0"/>
+              <a:t> overloaded </a:t>
+            </a:r>
+            <a:r>
+              <a:rPr lang="en-US" baseline="0" dirty="0" err="1" smtClean="0"/>
+              <a:t>utan</a:t>
+            </a:r>
+            <a:r>
+              <a:rPr lang="en-US" baseline="0" dirty="0" smtClean="0"/>
+              <a:t> </a:t>
+            </a:r>
+            <a:r>
+              <a:rPr lang="en-US" baseline="0" dirty="0" err="1" smtClean="0"/>
+              <a:t>att</a:t>
+            </a:r>
+            <a:r>
+              <a:rPr lang="en-US" baseline="0" dirty="0" smtClean="0"/>
+              <a:t> de </a:t>
+            </a:r>
+            <a:r>
+              <a:rPr lang="en-US" baseline="0" dirty="0" err="1" smtClean="0"/>
+              <a:t>har</a:t>
+            </a:r>
+            <a:r>
+              <a:rPr lang="en-US" baseline="0" dirty="0" smtClean="0"/>
+              <a:t> plats till de </a:t>
+            </a:r>
+            <a:r>
+              <a:rPr lang="en-US" baseline="0" dirty="0" err="1" smtClean="0"/>
+              <a:t>replikor</a:t>
+            </a:r>
+            <a:r>
+              <a:rPr lang="en-US" baseline="0" dirty="0" smtClean="0"/>
+              <a:t> man </a:t>
+            </a:r>
+            <a:r>
+              <a:rPr lang="en-US" baseline="0" dirty="0" err="1" smtClean="0"/>
+              <a:t>placerar</a:t>
+            </a:r>
+            <a:r>
+              <a:rPr lang="en-US" baseline="0" dirty="0" smtClean="0"/>
+              <a:t> </a:t>
+            </a:r>
+            <a:r>
+              <a:rPr lang="en-US" baseline="0" dirty="0" err="1" smtClean="0"/>
+              <a:t>där</a:t>
+            </a:r>
+            <a:r>
+              <a:rPr lang="en-US" baseline="0" dirty="0" smtClean="0"/>
+              <a:t>.</a:t>
+            </a:r>
+          </a:p>
+          <a:p>
+            <a:endParaRPr lang="en-US" baseline="0" dirty="0" smtClean="0"/>
+          </a:p>
+          <a:p>
+            <a:r>
+              <a:rPr lang="en-US" baseline="0" dirty="0" err="1" smtClean="0"/>
+              <a:t>Vidare</a:t>
             </a:r>
             <a:r>
               <a:rPr lang="en-US" baseline="0" dirty="0" smtClean="0"/>
@@ -10824,7 +12388,7 @@
             </a:r>
             <a:r>
               <a:rPr lang="en-US" baseline="0" dirty="0" err="1" smtClean="0"/>
-              <a:t>har</a:t>
+              <a:t>ser</a:t>
             </a:r>
             <a:r>
               <a:rPr lang="en-US" baseline="0" dirty="0" smtClean="0"/>
@@ -10832,36 +12396,103 @@
             </a:r>
             <a:r>
               <a:rPr lang="en-US" baseline="0" dirty="0" err="1" smtClean="0"/>
-              <a:t>genomfört</a:t>
-            </a:r>
-            <a:r>
-              <a:rPr lang="en-US" baseline="0" dirty="0" smtClean="0"/>
-              <a:t> </a:t>
-            </a:r>
-            <a:r>
-              <a:rPr lang="en-US" baseline="0" dirty="0" err="1" smtClean="0"/>
-              <a:t>ett</a:t>
-            </a:r>
-            <a:r>
-              <a:rPr lang="en-US" baseline="0" dirty="0" smtClean="0"/>
-              <a:t> </a:t>
-            </a:r>
-            <a:r>
-              <a:rPr lang="en-US" baseline="0" dirty="0" err="1" smtClean="0"/>
-              <a:t>antal</a:t>
-            </a:r>
-            <a:r>
-              <a:rPr lang="en-US" baseline="0" dirty="0" smtClean="0"/>
-              <a:t> experiment</a:t>
-            </a:r>
-          </a:p>
-          <a:p>
-            <a:endParaRPr lang="en-US" baseline="0" dirty="0" smtClean="0"/>
-          </a:p>
-          <a:p>
-            <a:r>
-              <a:rPr lang="en-US" baseline="0" dirty="0" err="1" smtClean="0"/>
-              <a:t>Syftet</a:t>
+              <a:t>inte</a:t>
+            </a:r>
+            <a:r>
+              <a:rPr lang="en-US" baseline="0" dirty="0" smtClean="0"/>
+              <a:t> </a:t>
+            </a:r>
+            <a:r>
+              <a:rPr lang="en-US" baseline="0" dirty="0" err="1" smtClean="0"/>
+              <a:t>nödvändigtvis</a:t>
+            </a:r>
+            <a:r>
+              <a:rPr lang="en-US" baseline="0" dirty="0" smtClean="0"/>
+              <a:t> till </a:t>
+            </a:r>
+            <a:r>
+              <a:rPr lang="en-US" baseline="0" dirty="0" err="1" smtClean="0"/>
+              <a:t>att</a:t>
+            </a:r>
+            <a:r>
+              <a:rPr lang="en-US" baseline="0" dirty="0" smtClean="0"/>
+              <a:t> </a:t>
+            </a:r>
+            <a:r>
+              <a:rPr lang="en-US" baseline="0" dirty="0" err="1" smtClean="0"/>
+              <a:t>medelvärdet</a:t>
+            </a:r>
+            <a:r>
+              <a:rPr lang="en-US" baseline="0" dirty="0" smtClean="0"/>
+              <a:t> </a:t>
+            </a:r>
+            <a:r>
+              <a:rPr lang="en-US" baseline="0" dirty="0" err="1" smtClean="0"/>
+              <a:t>för</a:t>
+            </a:r>
+            <a:r>
+              <a:rPr lang="en-US" baseline="0" dirty="0" smtClean="0"/>
+              <a:t> </a:t>
+            </a:r>
+            <a:r>
+              <a:rPr lang="en-US" baseline="0" dirty="0" err="1" smtClean="0"/>
+              <a:t>tillförlitligheten</a:t>
+            </a:r>
+            <a:r>
+              <a:rPr lang="en-US" baseline="0" dirty="0" smtClean="0"/>
+              <a:t> </a:t>
+            </a:r>
+            <a:r>
+              <a:rPr lang="en-US" baseline="0" dirty="0" err="1" smtClean="0"/>
+              <a:t>är</a:t>
+            </a:r>
+            <a:r>
+              <a:rPr lang="en-US" baseline="0" dirty="0" smtClean="0"/>
+              <a:t> </a:t>
+            </a:r>
+            <a:r>
+              <a:rPr lang="en-US" baseline="0" dirty="0" err="1" smtClean="0"/>
+              <a:t>över</a:t>
+            </a:r>
+            <a:r>
+              <a:rPr lang="en-US" baseline="0" dirty="0" smtClean="0"/>
+              <a:t> </a:t>
+            </a:r>
+            <a:r>
+              <a:rPr lang="en-US" baseline="0" dirty="0" err="1" smtClean="0"/>
+              <a:t>det</a:t>
+            </a:r>
+            <a:r>
+              <a:rPr lang="en-US" baseline="0" dirty="0" smtClean="0"/>
+              <a:t> vi </a:t>
+            </a:r>
+            <a:r>
+              <a:rPr lang="en-US" baseline="0" dirty="0" err="1" smtClean="0"/>
+              <a:t>vill</a:t>
+            </a:r>
+            <a:r>
+              <a:rPr lang="en-US" baseline="0" dirty="0" smtClean="0"/>
+              <a:t> ha. Man </a:t>
+            </a:r>
+            <a:r>
+              <a:rPr lang="en-US" baseline="0" dirty="0" err="1" smtClean="0"/>
+              <a:t>kan</a:t>
+            </a:r>
+            <a:r>
+              <a:rPr lang="en-US" baseline="0" dirty="0" smtClean="0"/>
+              <a:t> </a:t>
+            </a:r>
+            <a:r>
+              <a:rPr lang="en-US" baseline="0" dirty="0" err="1" smtClean="0"/>
+              <a:t>tänka</a:t>
+            </a:r>
+            <a:r>
+              <a:rPr lang="en-US" baseline="0" dirty="0" smtClean="0"/>
+              <a:t> sig </a:t>
+            </a:r>
+            <a:r>
+              <a:rPr lang="en-US" baseline="0" dirty="0" err="1" smtClean="0"/>
+              <a:t>att</a:t>
             </a:r>
             <a:r>
               <a:rPr lang="en-US" baseline="0" dirty="0" smtClean="0"/>
@@ -10869,23 +12500,135 @@
             </a:r>
             <a:r>
               <a:rPr lang="en-US" baseline="0" dirty="0" err="1" smtClean="0"/>
-              <a:t>experimenten</a:t>
-            </a:r>
-            <a:r>
-              <a:rPr lang="en-US" baseline="0" dirty="0" smtClean="0"/>
-              <a:t> </a:t>
-            </a:r>
-            <a:r>
-              <a:rPr lang="en-US" baseline="0" dirty="0" err="1" smtClean="0"/>
-              <a:t>var</a:t>
-            </a:r>
-            <a:r>
-              <a:rPr lang="en-US" baseline="0" dirty="0" smtClean="0"/>
-              <a:t> bland </a:t>
-            </a:r>
-            <a:r>
-              <a:rPr lang="en-US" baseline="0" dirty="0" err="1" smtClean="0"/>
-              <a:t>annat</a:t>
+              <a:t>två</a:t>
+            </a:r>
+            <a:r>
+              <a:rPr lang="en-US" baseline="0" dirty="0" smtClean="0"/>
+              <a:t> </a:t>
+            </a:r>
+            <a:r>
+              <a:rPr lang="en-US" baseline="0" dirty="0" err="1" smtClean="0"/>
+              <a:t>replikor</a:t>
+            </a:r>
+            <a:r>
+              <a:rPr lang="en-US" baseline="0" dirty="0" smtClean="0"/>
+              <a:t> </a:t>
+            </a:r>
+            <a:r>
+              <a:rPr lang="en-US" baseline="0" dirty="0" err="1" smtClean="0"/>
+              <a:t>når</a:t>
+            </a:r>
+            <a:r>
+              <a:rPr lang="en-US" baseline="0" dirty="0" smtClean="0"/>
+              <a:t> vi </a:t>
+            </a:r>
+            <a:r>
+              <a:rPr lang="en-US" baseline="0" dirty="0" err="1" smtClean="0"/>
+              <a:t>precis</a:t>
+            </a:r>
+            <a:r>
+              <a:rPr lang="en-US" baseline="0" dirty="0" smtClean="0"/>
+              <a:t> </a:t>
+            </a:r>
+            <a:r>
+              <a:rPr lang="en-US" baseline="0" dirty="0" err="1" smtClean="0"/>
+              <a:t>över</a:t>
+            </a:r>
+            <a:r>
+              <a:rPr lang="en-US" baseline="0" dirty="0" smtClean="0"/>
+              <a:t> </a:t>
+            </a:r>
+            <a:r>
+              <a:rPr lang="en-US" baseline="0" dirty="0" err="1" smtClean="0"/>
+              <a:t>det</a:t>
+            </a:r>
+            <a:r>
+              <a:rPr lang="en-US" baseline="0" dirty="0" smtClean="0"/>
+              <a:t> </a:t>
+            </a:r>
+            <a:r>
+              <a:rPr lang="en-US" baseline="0" dirty="0" err="1" smtClean="0"/>
+              <a:t>önskade</a:t>
+            </a:r>
+            <a:r>
+              <a:rPr lang="en-US" baseline="0" dirty="0" smtClean="0"/>
+              <a:t> </a:t>
+            </a:r>
+            <a:r>
+              <a:rPr lang="en-US" baseline="0" dirty="0" err="1" smtClean="0"/>
+              <a:t>värdet</a:t>
+            </a:r>
+            <a:r>
+              <a:rPr lang="en-US" baseline="0" dirty="0" smtClean="0"/>
+              <a:t>, men under </a:t>
+            </a:r>
+            <a:r>
+              <a:rPr lang="en-US" baseline="0" dirty="0" err="1" smtClean="0"/>
+              <a:t>tiden</a:t>
+            </a:r>
+            <a:r>
+              <a:rPr lang="en-US" baseline="0" dirty="0" smtClean="0"/>
+              <a:t> </a:t>
+            </a:r>
+            <a:r>
+              <a:rPr lang="en-US" baseline="0" dirty="0" err="1" smtClean="0"/>
+              <a:t>bara</a:t>
+            </a:r>
+            <a:r>
+              <a:rPr lang="en-US" baseline="0" dirty="0" smtClean="0"/>
+              <a:t> en </a:t>
+            </a:r>
+            <a:r>
+              <a:rPr lang="en-US" baseline="0" dirty="0" err="1" smtClean="0"/>
+              <a:t>replika</a:t>
+            </a:r>
+            <a:r>
+              <a:rPr lang="en-US" baseline="0" dirty="0" smtClean="0"/>
+              <a:t> </a:t>
+            </a:r>
+            <a:r>
+              <a:rPr lang="en-US" baseline="0" dirty="0" err="1" smtClean="0"/>
+              <a:t>körs</a:t>
+            </a:r>
+            <a:r>
+              <a:rPr lang="en-US" baseline="0" dirty="0" smtClean="0"/>
+              <a:t> </a:t>
+            </a:r>
+            <a:r>
+              <a:rPr lang="en-US" baseline="0" dirty="0" err="1" smtClean="0"/>
+              <a:t>så</a:t>
+            </a:r>
+            <a:r>
+              <a:rPr lang="en-US" baseline="0" dirty="0" smtClean="0"/>
+              <a:t> </a:t>
+            </a:r>
+            <a:r>
+              <a:rPr lang="en-US" baseline="0" dirty="0" err="1" smtClean="0"/>
+              <a:t>är</a:t>
+            </a:r>
+            <a:r>
+              <a:rPr lang="en-US" baseline="0" dirty="0" smtClean="0"/>
+              <a:t> </a:t>
+            </a:r>
+            <a:r>
+              <a:rPr lang="en-US" baseline="0" dirty="0" err="1" smtClean="0"/>
+              <a:t>värdet</a:t>
+            </a:r>
+            <a:r>
+              <a:rPr lang="en-US" baseline="0" dirty="0" smtClean="0"/>
+              <a:t> </a:t>
+            </a:r>
+            <a:r>
+              <a:rPr lang="en-US" baseline="0" dirty="0" err="1" smtClean="0"/>
+              <a:t>så</a:t>
+            </a:r>
+            <a:r>
+              <a:rPr lang="en-US" baseline="0" dirty="0" smtClean="0"/>
+              <a:t> </a:t>
+            </a:r>
+            <a:r>
+              <a:rPr lang="en-US" baseline="0" dirty="0" err="1" smtClean="0"/>
+              <a:t>lågt</a:t>
             </a:r>
             <a:r>
               <a:rPr lang="en-US" baseline="0" dirty="0" smtClean="0"/>
@@ -10897,412 +12640,48 @@
             </a:r>
             <a:r>
               <a:rPr lang="en-US" baseline="0" dirty="0" smtClean="0"/>
-              <a:t> visa </a:t>
-            </a:r>
-            <a:r>
-              <a:rPr lang="en-US" baseline="0" dirty="0" err="1" smtClean="0"/>
-              <a:t>att</a:t>
-            </a:r>
-            <a:endParaRPr lang="en-US" baseline="0" dirty="0" smtClean="0"/>
-          </a:p>
-          <a:p>
-            <a:pPr marL="228600" indent="-228600">
-              <a:buFont typeface="+mj-lt"/>
-              <a:buAutoNum type="arabicPeriod"/>
-            </a:pPr>
-            <a:r>
-              <a:rPr lang="en-US" baseline="0" dirty="0" err="1" smtClean="0"/>
-              <a:t>tillförlitligheten</a:t>
-            </a:r>
-            <a:r>
-              <a:rPr lang="en-US" baseline="0" dirty="0" smtClean="0"/>
-              <a:t> </a:t>
-            </a:r>
-            <a:r>
-              <a:rPr lang="en-US" baseline="0" dirty="0" err="1" smtClean="0"/>
-              <a:t>över</a:t>
-            </a:r>
-            <a:r>
-              <a:rPr lang="en-US" baseline="0" dirty="0" smtClean="0"/>
-              <a:t> </a:t>
-            </a:r>
-            <a:r>
-              <a:rPr lang="en-US" baseline="0" dirty="0" err="1" smtClean="0"/>
-              <a:t>tid</a:t>
-            </a:r>
-            <a:r>
-              <a:rPr lang="en-US" baseline="0" dirty="0" smtClean="0"/>
-              <a:t> </a:t>
-            </a:r>
-            <a:r>
-              <a:rPr lang="en-US" baseline="0" dirty="0" err="1" smtClean="0"/>
-              <a:t>dynamiskt</a:t>
-            </a:r>
-            <a:r>
-              <a:rPr lang="en-US" baseline="0" dirty="0" smtClean="0"/>
-              <a:t> </a:t>
-            </a:r>
-            <a:r>
-              <a:rPr lang="en-US" baseline="0" dirty="0" err="1" smtClean="0"/>
-              <a:t>uppnås</a:t>
-            </a:r>
-            <a:r>
-              <a:rPr lang="en-US" baseline="0" dirty="0" smtClean="0"/>
-              <a:t> </a:t>
-            </a:r>
-            <a:r>
-              <a:rPr lang="en-US" baseline="0" dirty="0" err="1" smtClean="0"/>
-              <a:t>genom</a:t>
-            </a:r>
-            <a:r>
-              <a:rPr lang="en-US" baseline="0" dirty="0" smtClean="0"/>
-              <a:t> </a:t>
-            </a:r>
-            <a:r>
-              <a:rPr lang="en-US" baseline="0" dirty="0" err="1" smtClean="0"/>
-              <a:t>att</a:t>
-            </a:r>
-            <a:r>
-              <a:rPr lang="en-US" baseline="0" dirty="0" smtClean="0"/>
-              <a:t> </a:t>
-            </a:r>
-            <a:r>
-              <a:rPr lang="en-US" baseline="0" dirty="0" err="1" smtClean="0"/>
-              <a:t>detekera</a:t>
-            </a:r>
-            <a:r>
-              <a:rPr lang="en-US" baseline="0" dirty="0" smtClean="0"/>
-              <a:t> </a:t>
-            </a:r>
-            <a:r>
-              <a:rPr lang="en-US" baseline="0" dirty="0" err="1" smtClean="0"/>
-              <a:t>när</a:t>
-            </a:r>
-            <a:r>
-              <a:rPr lang="en-US" baseline="0" dirty="0" smtClean="0"/>
-              <a:t> </a:t>
-            </a:r>
-            <a:r>
-              <a:rPr lang="en-US" baseline="0" dirty="0" err="1" smtClean="0"/>
-              <a:t>noder</a:t>
-            </a:r>
-            <a:r>
-              <a:rPr lang="en-US" baseline="0" dirty="0" smtClean="0"/>
-              <a:t> </a:t>
-            </a:r>
-            <a:r>
-              <a:rPr lang="en-US" baseline="0" dirty="0" err="1" smtClean="0"/>
-              <a:t>dör</a:t>
-            </a:r>
-            <a:r>
-              <a:rPr lang="en-US" baseline="0" dirty="0" smtClean="0"/>
-              <a:t> </a:t>
-            </a:r>
-            <a:r>
-              <a:rPr lang="en-US" baseline="0" dirty="0" err="1" smtClean="0"/>
-              <a:t>samt</a:t>
-            </a:r>
-            <a:r>
-              <a:rPr lang="en-US" baseline="0" dirty="0" smtClean="0"/>
-              <a:t> </a:t>
-            </a:r>
-            <a:r>
-              <a:rPr lang="en-US" baseline="0" dirty="0" err="1" smtClean="0"/>
-              <a:t>starta</a:t>
-            </a:r>
-            <a:r>
-              <a:rPr lang="en-US" baseline="0" dirty="0" smtClean="0"/>
-              <a:t> </a:t>
-            </a:r>
-            <a:r>
-              <a:rPr lang="en-US" baseline="0" dirty="0" err="1" smtClean="0"/>
-              <a:t>nya</a:t>
-            </a:r>
-            <a:r>
-              <a:rPr lang="en-US" baseline="0" dirty="0" smtClean="0"/>
-              <a:t> </a:t>
-            </a:r>
-            <a:r>
-              <a:rPr lang="en-US" baseline="0" dirty="0" err="1" smtClean="0"/>
-              <a:t>replikor</a:t>
-            </a:r>
-            <a:endParaRPr lang="en-US" baseline="0" dirty="0" smtClean="0"/>
-          </a:p>
-          <a:p>
-            <a:pPr marL="228600" indent="-228600">
-              <a:buFont typeface="+mj-lt"/>
-              <a:buAutoNum type="arabicPeriod"/>
-            </a:pPr>
-            <a:endParaRPr lang="en-US" baseline="0" dirty="0" smtClean="0"/>
-          </a:p>
-          <a:p>
-            <a:pPr marL="228600" indent="-228600">
-              <a:buFont typeface="+mj-lt"/>
-              <a:buAutoNum type="arabicPeriod"/>
-            </a:pPr>
-            <a:r>
-              <a:rPr lang="en-US" baseline="0" dirty="0" err="1" smtClean="0"/>
-              <a:t>det</a:t>
-            </a:r>
-            <a:r>
-              <a:rPr lang="en-US" baseline="0" dirty="0" smtClean="0"/>
-              <a:t> </a:t>
-            </a:r>
-            <a:r>
-              <a:rPr lang="en-US" baseline="0" dirty="0" err="1" smtClean="0"/>
-              <a:t>inte</a:t>
-            </a:r>
-            <a:r>
-              <a:rPr lang="en-US" baseline="0" dirty="0" smtClean="0"/>
-              <a:t> </a:t>
-            </a:r>
-            <a:r>
-              <a:rPr lang="en-US" baseline="0" dirty="0" err="1" smtClean="0"/>
-              <a:t>skapas</a:t>
-            </a:r>
-            <a:r>
-              <a:rPr lang="en-US" baseline="0" dirty="0" smtClean="0"/>
-              <a:t> </a:t>
-            </a:r>
-            <a:r>
-              <a:rPr lang="en-US" baseline="0" dirty="0" err="1" smtClean="0"/>
-              <a:t>fler</a:t>
-            </a:r>
-            <a:r>
-              <a:rPr lang="en-US" baseline="0" dirty="0" smtClean="0"/>
-              <a:t> </a:t>
-            </a:r>
-            <a:r>
-              <a:rPr lang="en-US" baseline="0" dirty="0" err="1" smtClean="0"/>
-              <a:t>replikor</a:t>
-            </a:r>
-            <a:r>
-              <a:rPr lang="en-US" baseline="0" dirty="0" smtClean="0"/>
-              <a:t> </a:t>
-            </a:r>
-            <a:r>
-              <a:rPr lang="en-US" baseline="0" dirty="0" err="1" smtClean="0"/>
-              <a:t>än</a:t>
-            </a:r>
-            <a:r>
-              <a:rPr lang="en-US" baseline="0" dirty="0" smtClean="0"/>
-              <a:t> </a:t>
-            </a:r>
-            <a:r>
-              <a:rPr lang="en-US" baseline="0" dirty="0" err="1" smtClean="0"/>
-              <a:t>nödvändigt</a:t>
-            </a:r>
-            <a:r>
-              <a:rPr lang="en-US" baseline="0" dirty="0" smtClean="0"/>
-              <a:t> </a:t>
-            </a:r>
-            <a:r>
-              <a:rPr lang="en-US" baseline="0" dirty="0" err="1" smtClean="0"/>
-              <a:t>genom</a:t>
-            </a:r>
-            <a:r>
-              <a:rPr lang="en-US" baseline="0" dirty="0" smtClean="0"/>
-              <a:t> </a:t>
-            </a:r>
-            <a:r>
-              <a:rPr lang="en-US" baseline="0" dirty="0" err="1" smtClean="0"/>
-              <a:t>att</a:t>
-            </a:r>
-            <a:endParaRPr lang="en-US" baseline="0" dirty="0" smtClean="0"/>
-          </a:p>
-          <a:p>
-            <a:pPr marL="685800" lvl="1" indent="-228600">
-              <a:buFont typeface="+mj-lt"/>
-              <a:buAutoNum type="arabicPeriod"/>
-            </a:pPr>
-            <a:r>
-              <a:rPr lang="en-US" baseline="0" dirty="0" err="1" smtClean="0"/>
-              <a:t>Välja</a:t>
-            </a:r>
-            <a:r>
-              <a:rPr lang="en-US" baseline="0" dirty="0" smtClean="0"/>
-              <a:t> de </a:t>
-            </a:r>
-            <a:r>
-              <a:rPr lang="en-US" baseline="0" dirty="0" err="1" smtClean="0"/>
-              <a:t>mest</a:t>
-            </a:r>
-            <a:r>
-              <a:rPr lang="en-US" baseline="0" dirty="0" smtClean="0"/>
-              <a:t> </a:t>
-            </a:r>
-            <a:r>
-              <a:rPr lang="en-US" baseline="0" dirty="0" err="1" smtClean="0"/>
-              <a:t>tillförlitliga</a:t>
-            </a:r>
-            <a:endParaRPr lang="en-US" baseline="0" dirty="0" smtClean="0"/>
-          </a:p>
-          <a:p>
-            <a:pPr marL="685800" lvl="1" indent="-228600">
-              <a:buFont typeface="+mj-lt"/>
-              <a:buAutoNum type="arabicPeriod"/>
-            </a:pPr>
-            <a:r>
-              <a:rPr lang="en-US" baseline="0" dirty="0" smtClean="0"/>
-              <a:t>Ta </a:t>
-            </a:r>
-            <a:r>
-              <a:rPr lang="en-US" baseline="0" dirty="0" err="1" smtClean="0"/>
-              <a:t>bort</a:t>
-            </a:r>
-            <a:r>
-              <a:rPr lang="en-US" baseline="0" dirty="0" smtClean="0"/>
-              <a:t> </a:t>
-            </a:r>
-            <a:r>
-              <a:rPr lang="en-US" baseline="0" dirty="0" err="1" smtClean="0"/>
-              <a:t>överflödiga</a:t>
-            </a:r>
-            <a:r>
-              <a:rPr lang="en-US" baseline="0" dirty="0" smtClean="0"/>
-              <a:t> </a:t>
-            </a:r>
-            <a:r>
-              <a:rPr lang="en-US" baseline="0" dirty="0" err="1" smtClean="0"/>
-              <a:t>replikor</a:t>
-            </a:r>
-            <a:endParaRPr lang="en-US" baseline="0" dirty="0" smtClean="0"/>
-          </a:p>
-          <a:p>
-            <a:pPr marL="685800" lvl="1" indent="-228600">
-              <a:buFont typeface="+mj-lt"/>
-              <a:buAutoNum type="arabicPeriod"/>
-            </a:pPr>
-            <a:endParaRPr lang="en-US" baseline="0" dirty="0" smtClean="0"/>
-          </a:p>
-          <a:p>
-            <a:pPr marL="228600" lvl="0" indent="-228600">
-              <a:buFont typeface="+mj-lt"/>
-              <a:buAutoNum type="arabicPeriod"/>
-            </a:pPr>
-            <a:r>
-              <a:rPr lang="en-US" dirty="0" err="1" smtClean="0"/>
-              <a:t>Systemet</a:t>
-            </a:r>
-            <a:r>
-              <a:rPr lang="en-US" dirty="0" smtClean="0"/>
-              <a:t> tar</a:t>
-            </a:r>
-            <a:r>
-              <a:rPr lang="en-US" baseline="0" dirty="0" smtClean="0"/>
-              <a:t> </a:t>
-            </a:r>
-            <a:r>
-              <a:rPr lang="en-US" baseline="0" dirty="0" err="1" smtClean="0"/>
-              <a:t>hänsyn</a:t>
-            </a:r>
-            <a:r>
-              <a:rPr lang="en-US" baseline="0" dirty="0" smtClean="0"/>
-              <a:t> till </a:t>
-            </a:r>
-            <a:r>
-              <a:rPr lang="en-US" baseline="0" dirty="0" err="1" smtClean="0"/>
-              <a:t>varierande</a:t>
-            </a:r>
-            <a:r>
-              <a:rPr lang="en-US" baseline="0" dirty="0" smtClean="0"/>
-              <a:t> </a:t>
-            </a:r>
-            <a:r>
-              <a:rPr lang="en-US" baseline="0" dirty="0" err="1" smtClean="0"/>
-              <a:t>egenskaper</a:t>
-            </a:r>
-            <a:r>
-              <a:rPr lang="en-US" baseline="0" dirty="0" smtClean="0"/>
-              <a:t> hos </a:t>
-            </a:r>
-            <a:r>
-              <a:rPr lang="en-US" baseline="0" dirty="0" err="1" smtClean="0"/>
-              <a:t>noderna</a:t>
-            </a:r>
-            <a:endParaRPr lang="en-US" baseline="0" dirty="0" smtClean="0"/>
-          </a:p>
-          <a:p>
-            <a:pPr marL="228600" lvl="0" indent="-228600">
-              <a:buFont typeface="+mj-lt"/>
-              <a:buAutoNum type="arabicPeriod"/>
-            </a:pPr>
-            <a:endParaRPr lang="en-US" baseline="0" dirty="0" smtClean="0"/>
-          </a:p>
-          <a:p>
-            <a:pPr marL="0" lvl="0" indent="0">
-              <a:buFont typeface="+mj-lt"/>
-              <a:buNone/>
-            </a:pPr>
-            <a:r>
-              <a:rPr lang="en-US" baseline="0" dirty="0" smtClean="0"/>
-              <a:t>Vi </a:t>
-            </a:r>
-            <a:r>
-              <a:rPr lang="en-US" baseline="0" dirty="0" err="1" smtClean="0"/>
-              <a:t>kommer</a:t>
-            </a:r>
-            <a:r>
-              <a:rPr lang="en-US" baseline="0" dirty="0" smtClean="0"/>
-              <a:t> </a:t>
-            </a:r>
-            <a:r>
-              <a:rPr lang="en-US" baseline="0" dirty="0" err="1" smtClean="0"/>
-              <a:t>inte</a:t>
-            </a:r>
-            <a:r>
-              <a:rPr lang="en-US" baseline="0" dirty="0" smtClean="0"/>
-              <a:t> </a:t>
-            </a:r>
-            <a:r>
-              <a:rPr lang="en-US" baseline="0" dirty="0" err="1" smtClean="0"/>
-              <a:t>att</a:t>
-            </a:r>
-            <a:r>
-              <a:rPr lang="en-